--- a/paper/figures/Experimental design graphics.pptx
+++ b/paper/figures/Experimental design graphics.pptx
@@ -4974,6 +4974,94 @@
           </a:graphicData>
         </a:graphic>
       </p:graphicFrame>
+      <p:sp>
+        <p:nvSpPr>
+          <p:cNvPr id="3" name="TextBox 2">
+            <a:extLst>
+              <a:ext uri="{FF2B5EF4-FFF2-40B4-BE49-F238E27FC236}">
+                <a16:creationId xmlns:a16="http://schemas.microsoft.com/office/drawing/2014/main" id="{F0822401-84D8-4054-B2EA-3FE78E43FF2E}"/>
+              </a:ext>
+            </a:extLst>
+          </p:cNvPr>
+          <p:cNvSpPr txBox="1"/>
+          <p:nvPr/>
+        </p:nvSpPr>
+        <p:spPr>
+          <a:xfrm>
+            <a:off x="9622653" y="3739654"/>
+            <a:ext cx="2495365" cy="1107996"/>
+          </a:xfrm>
+          <a:prstGeom prst="rect">
+            <a:avLst/>
+          </a:prstGeom>
+          <a:noFill/>
+        </p:spPr>
+        <p:txBody>
+          <a:bodyPr wrap="square" rtlCol="0">
+            <a:spAutoFit/>
+          </a:bodyPr>
+          <a:lstStyle/>
+          <a:p>
+            <a:r>
+              <a:rPr lang="en-AU" sz="2200" dirty="0"/>
+              <a:t>~(p=8, cl=3, np=5)</a:t>
+            </a:r>
+          </a:p>
+          <a:p>
+            <a:r>
+              <a:rPr lang="en-AU" sz="2200" dirty="0"/>
+              <a:t>~(p=8, cl=4, np=4)</a:t>
+            </a:r>
+          </a:p>
+          <a:p>
+            <a:r>
+              <a:rPr lang="en-AU" sz="2200" dirty="0"/>
+              <a:t>~(p=10, cl=4, np=5)</a:t>
+            </a:r>
+          </a:p>
+        </p:txBody>
+      </p:sp>
+      <p:sp>
+        <p:nvSpPr>
+          <p:cNvPr id="12" name="TextBox 11">
+            <a:extLst>
+              <a:ext uri="{FF2B5EF4-FFF2-40B4-BE49-F238E27FC236}">
+                <a16:creationId xmlns:a16="http://schemas.microsoft.com/office/drawing/2014/main" id="{C1CE658D-2B84-4D97-9B04-BE2E4F7BA3DE}"/>
+              </a:ext>
+            </a:extLst>
+          </p:cNvPr>
+          <p:cNvSpPr txBox="1"/>
+          <p:nvPr/>
+        </p:nvSpPr>
+        <p:spPr>
+          <a:xfrm>
+            <a:off x="8842160" y="5589544"/>
+            <a:ext cx="3124544" cy="769441"/>
+          </a:xfrm>
+          <a:prstGeom prst="rect">
+            <a:avLst/>
+          </a:prstGeom>
+          <a:noFill/>
+        </p:spPr>
+        <p:txBody>
+          <a:bodyPr wrap="square" rtlCol="0">
+            <a:spAutoFit/>
+          </a:bodyPr>
+          <a:lstStyle/>
+          <a:p>
+            <a:r>
+              <a:rPr lang="en-AU" sz="2200" dirty="0"/>
+              <a:t>Sim119~(p=6, cl=3, np=2)</a:t>
+            </a:r>
+          </a:p>
+          <a:p>
+            <a:r>
+              <a:rPr lang="en-AU" sz="2200" dirty="0"/>
+              <a:t>Sim120~(p=6, cl=3, np=2)</a:t>
+            </a:r>
+          </a:p>
+        </p:txBody>
+      </p:sp>
     </p:spTree>
     <p:extLst>
       <p:ext uri="{BB962C8B-B14F-4D97-AF65-F5344CB8AC3E}">

--- a/paper/figures/Experimental design graphics.pptx
+++ b/paper/figures/Experimental design graphics.pptx
@@ -4134,15 +4134,7 @@
                     <a:p>
                       <a:r>
                         <a:rPr lang="en-AU" dirty="0"/>
-                        <a:t>~</a:t>
-                      </a:r>
-                      <a:r>
-                        <a:rPr lang="en-AU" dirty="0" err="1"/>
-                        <a:t>mtvN</a:t>
-                      </a:r>
-                      <a:r>
-                        <a:rPr lang="en-AU" dirty="0"/>
-                        <a:t>(easy)</a:t>
+                        <a:t>~mtvN(easy)</a:t>
                       </a:r>
                     </a:p>
                   </a:txBody>
@@ -4253,15 +4245,7 @@
                     <a:p>
                       <a:r>
                         <a:rPr lang="en-AU" dirty="0"/>
-                        <a:t>~</a:t>
-                      </a:r>
-                      <a:r>
-                        <a:rPr lang="en-AU" dirty="0" err="1"/>
-                        <a:t>mtvΝ</a:t>
-                      </a:r>
-                      <a:r>
-                        <a:rPr lang="en-AU" dirty="0"/>
-                        <a:t>(hard1)</a:t>
+                        <a:t>~mtvΝ(hard1)</a:t>
                       </a:r>
                     </a:p>
                   </a:txBody>
@@ -4372,15 +4356,7 @@
                     <a:p>
                       <a:r>
                         <a:rPr lang="en-AU" dirty="0"/>
-                        <a:t>~</a:t>
-                      </a:r>
-                      <a:r>
-                        <a:rPr lang="en-AU" dirty="0" err="1"/>
-                        <a:t>mtvN</a:t>
-                      </a:r>
-                      <a:r>
-                        <a:rPr lang="en-AU" dirty="0"/>
-                        <a:t>(hard2)</a:t>
+                        <a:t>~mtvN(hard2)</a:t>
                       </a:r>
                     </a:p>
                   </a:txBody>
@@ -5035,7 +5011,7 @@
         </p:nvSpPr>
         <p:spPr>
           <a:xfrm>
-            <a:off x="8842160" y="5589544"/>
+            <a:off x="9622653" y="5589544"/>
             <a:ext cx="3124544" cy="769441"/>
           </a:xfrm>
           <a:prstGeom prst="rect">

--- a/paper/figures/Experimental design graphics.pptx
+++ b/paper/figures/Experimental design graphics.pptx
@@ -5,8 +5,11 @@
     <p:sldMasterId id="2147483648" r:id="rId1"/>
   </p:sldMasterIdLst>
   <p:sldIdLst>
-    <p:sldId id="258" r:id="rId2"/>
-    <p:sldId id="257" r:id="rId3"/>
+    <p:sldId id="262" r:id="rId2"/>
+    <p:sldId id="258" r:id="rId3"/>
+    <p:sldId id="259" r:id="rId4"/>
+    <p:sldId id="260" r:id="rId5"/>
+    <p:sldId id="257" r:id="rId6"/>
   </p:sldIdLst>
   <p:sldSz cx="12192000" cy="6858000"/>
   <p:notesSz cx="6858000" cy="9144000"/>
@@ -274,7 +277,7 @@
           <a:p>
             <a:fld id="{B25803F7-6624-424E-B78C-2F27C4BCE53D}" type="datetimeFigureOut">
               <a:rPr lang="en-AU" smtClean="0"/>
-              <a:t>17/12/2019</a:t>
+              <a:t>18/12/2019</a:t>
             </a:fld>
             <a:endParaRPr lang="en-AU"/>
           </a:p>
@@ -474,7 +477,7 @@
           <a:p>
             <a:fld id="{B25803F7-6624-424E-B78C-2F27C4BCE53D}" type="datetimeFigureOut">
               <a:rPr lang="en-AU" smtClean="0"/>
-              <a:t>17/12/2019</a:t>
+              <a:t>18/12/2019</a:t>
             </a:fld>
             <a:endParaRPr lang="en-AU"/>
           </a:p>
@@ -684,7 +687,7 @@
           <a:p>
             <a:fld id="{B25803F7-6624-424E-B78C-2F27C4BCE53D}" type="datetimeFigureOut">
               <a:rPr lang="en-AU" smtClean="0"/>
-              <a:t>17/12/2019</a:t>
+              <a:t>18/12/2019</a:t>
             </a:fld>
             <a:endParaRPr lang="en-AU"/>
           </a:p>
@@ -884,7 +887,7 @@
           <a:p>
             <a:fld id="{B25803F7-6624-424E-B78C-2F27C4BCE53D}" type="datetimeFigureOut">
               <a:rPr lang="en-AU" smtClean="0"/>
-              <a:t>17/12/2019</a:t>
+              <a:t>18/12/2019</a:t>
             </a:fld>
             <a:endParaRPr lang="en-AU"/>
           </a:p>
@@ -1160,7 +1163,7 @@
           <a:p>
             <a:fld id="{B25803F7-6624-424E-B78C-2F27C4BCE53D}" type="datetimeFigureOut">
               <a:rPr lang="en-AU" smtClean="0"/>
-              <a:t>17/12/2019</a:t>
+              <a:t>18/12/2019</a:t>
             </a:fld>
             <a:endParaRPr lang="en-AU"/>
           </a:p>
@@ -1428,7 +1431,7 @@
           <a:p>
             <a:fld id="{B25803F7-6624-424E-B78C-2F27C4BCE53D}" type="datetimeFigureOut">
               <a:rPr lang="en-AU" smtClean="0"/>
-              <a:t>17/12/2019</a:t>
+              <a:t>18/12/2019</a:t>
             </a:fld>
             <a:endParaRPr lang="en-AU"/>
           </a:p>
@@ -1843,7 +1846,7 @@
           <a:p>
             <a:fld id="{B25803F7-6624-424E-B78C-2F27C4BCE53D}" type="datetimeFigureOut">
               <a:rPr lang="en-AU" smtClean="0"/>
-              <a:t>17/12/2019</a:t>
+              <a:t>18/12/2019</a:t>
             </a:fld>
             <a:endParaRPr lang="en-AU"/>
           </a:p>
@@ -1985,7 +1988,7 @@
           <a:p>
             <a:fld id="{B25803F7-6624-424E-B78C-2F27C4BCE53D}" type="datetimeFigureOut">
               <a:rPr lang="en-AU" smtClean="0"/>
-              <a:t>17/12/2019</a:t>
+              <a:t>18/12/2019</a:t>
             </a:fld>
             <a:endParaRPr lang="en-AU"/>
           </a:p>
@@ -2098,7 +2101,7 @@
           <a:p>
             <a:fld id="{B25803F7-6624-424E-B78C-2F27C4BCE53D}" type="datetimeFigureOut">
               <a:rPr lang="en-AU" smtClean="0"/>
-              <a:t>17/12/2019</a:t>
+              <a:t>18/12/2019</a:t>
             </a:fld>
             <a:endParaRPr lang="en-AU"/>
           </a:p>
@@ -2411,7 +2414,7 @@
           <a:p>
             <a:fld id="{B25803F7-6624-424E-B78C-2F27C4BCE53D}" type="datetimeFigureOut">
               <a:rPr lang="en-AU" smtClean="0"/>
-              <a:t>17/12/2019</a:t>
+              <a:t>18/12/2019</a:t>
             </a:fld>
             <a:endParaRPr lang="en-AU"/>
           </a:p>
@@ -2700,7 +2703,7 @@
           <a:p>
             <a:fld id="{B25803F7-6624-424E-B78C-2F27C4BCE53D}" type="datetimeFigureOut">
               <a:rPr lang="en-AU" smtClean="0"/>
-              <a:t>17/12/2019</a:t>
+              <a:t>18/12/2019</a:t>
             </a:fld>
             <a:endParaRPr lang="en-AU"/>
           </a:p>
@@ -2943,7 +2946,7 @@
           <a:p>
             <a:fld id="{B25803F7-6624-424E-B78C-2F27C4BCE53D}" type="datetimeFigureOut">
               <a:rPr lang="en-AU" smtClean="0"/>
-              <a:t>17/12/2019</a:t>
+              <a:t>18/12/2019</a:t>
             </a:fld>
             <a:endParaRPr lang="en-AU"/>
           </a:p>
@@ -3388,7 +3391,7 @@
           <a:p>
             <a:r>
               <a:rPr lang="en-AU" dirty="0"/>
-              <a:t>Experimental design graphics v2</a:t>
+              <a:t>Experimental design graphics v3.2</a:t>
             </a:r>
           </a:p>
         </p:txBody>
@@ -3512,7 +3515,13 @@
                     <a:lstStyle/>
                     <a:p>
                       <a:r>
-                        <a:rPr lang="en-AU" dirty="0"/>
+                        <a:rPr lang="en-AU" dirty="0">
+                          <a:solidFill>
+                            <a:schemeClr val="bg1">
+                              <a:lumMod val="50000"/>
+                            </a:schemeClr>
+                          </a:solidFill>
+                        </a:rPr>
                         <a:t>Gp1 (1/3*n)</a:t>
                       </a:r>
                     </a:p>
@@ -3525,7 +3534,13 @@
                     <a:lstStyle/>
                     <a:p>
                       <a:r>
-                        <a:rPr lang="en-AU" dirty="0"/>
+                        <a:rPr lang="en-AU" dirty="0">
+                          <a:solidFill>
+                            <a:schemeClr val="bg1">
+                              <a:lumMod val="50000"/>
+                            </a:schemeClr>
+                          </a:solidFill>
+                        </a:rPr>
                         <a:t>Factor 1</a:t>
                       </a:r>
                     </a:p>
@@ -3555,7 +3570,13 @@
                         <a:defRPr/>
                       </a:pPr>
                       <a:r>
-                        <a:rPr lang="en-AU" dirty="0"/>
+                        <a:rPr lang="en-AU" dirty="0">
+                          <a:solidFill>
+                            <a:schemeClr val="bg1">
+                              <a:lumMod val="50000"/>
+                            </a:schemeClr>
+                          </a:solidFill>
+                        </a:rPr>
                         <a:t>Factor 2</a:t>
                       </a:r>
                     </a:p>
@@ -3585,7 +3606,13 @@
                         <a:defRPr/>
                       </a:pPr>
                       <a:r>
-                        <a:rPr lang="en-AU" dirty="0"/>
+                        <a:rPr lang="en-AU" dirty="0">
+                          <a:solidFill>
+                            <a:schemeClr val="bg1">
+                              <a:lumMod val="50000"/>
+                            </a:schemeClr>
+                          </a:solidFill>
+                        </a:rPr>
                         <a:t>Factor 3</a:t>
                       </a:r>
                     </a:p>
@@ -3622,8 +3649,12 @@
                         <a:defRPr/>
                       </a:pPr>
                       <a:r>
-                        <a:rPr lang="en-AU" dirty="0"/>
-                        <a:t>Gp2 (1/3*n)</a:t>
+                        <a:rPr lang="en-AU" b="1" dirty="0"/>
+                        <a:t>Gp2 </a:t>
+                      </a:r>
+                      <a:r>
+                        <a:rPr lang="en-AU" b="0" dirty="0"/>
+                        <a:t>(1/3*n)</a:t>
                       </a:r>
                     </a:p>
                   </a:txBody>
@@ -3652,7 +3683,7 @@
                         <a:defRPr/>
                       </a:pPr>
                       <a:r>
-                        <a:rPr lang="en-AU" dirty="0"/>
+                        <a:rPr lang="en-AU" b="1" dirty="0"/>
                         <a:t>Factor 2</a:t>
                       </a:r>
                     </a:p>
@@ -3682,7 +3713,7 @@
                         <a:defRPr/>
                       </a:pPr>
                       <a:r>
-                        <a:rPr lang="en-AU" dirty="0"/>
+                        <a:rPr lang="en-AU" b="1" dirty="0"/>
                         <a:t>Factor 3</a:t>
                       </a:r>
                     </a:p>
@@ -3712,7 +3743,7 @@
                         <a:defRPr/>
                       </a:pPr>
                       <a:r>
-                        <a:rPr lang="en-AU" dirty="0"/>
+                        <a:rPr lang="en-AU" b="1" dirty="0"/>
                         <a:t>Factor 1</a:t>
                       </a:r>
                     </a:p>
@@ -3732,7 +3763,13 @@
                     <a:lstStyle/>
                     <a:p>
                       <a:r>
-                        <a:rPr lang="en-AU" dirty="0"/>
+                        <a:rPr lang="en-AU" dirty="0">
+                          <a:solidFill>
+                            <a:schemeClr val="bg1">
+                              <a:lumMod val="50000"/>
+                            </a:schemeClr>
+                          </a:solidFill>
+                        </a:rPr>
                         <a:t>Gp3 (1/3*n)</a:t>
                       </a:r>
                     </a:p>
@@ -3762,7 +3799,13 @@
                         <a:defRPr/>
                       </a:pPr>
                       <a:r>
-                        <a:rPr lang="en-AU" dirty="0"/>
+                        <a:rPr lang="en-AU" dirty="0">
+                          <a:solidFill>
+                            <a:schemeClr val="bg1">
+                              <a:lumMod val="50000"/>
+                            </a:schemeClr>
+                          </a:solidFill>
+                        </a:rPr>
                         <a:t>Factor 3</a:t>
                       </a:r>
                     </a:p>
@@ -3792,7 +3835,13 @@
                         <a:defRPr/>
                       </a:pPr>
                       <a:r>
-                        <a:rPr lang="en-AU" dirty="0"/>
+                        <a:rPr lang="en-AU" dirty="0">
+                          <a:solidFill>
+                            <a:schemeClr val="bg1">
+                              <a:lumMod val="50000"/>
+                            </a:schemeClr>
+                          </a:solidFill>
+                        </a:rPr>
                         <a:t>Factor 1</a:t>
                       </a:r>
                     </a:p>
@@ -3822,7 +3871,13 @@
                         <a:defRPr/>
                       </a:pPr>
                       <a:r>
-                        <a:rPr lang="en-AU" dirty="0"/>
+                        <a:rPr lang="en-AU" dirty="0">
+                          <a:solidFill>
+                            <a:schemeClr val="bg1">
+                              <a:lumMod val="50000"/>
+                            </a:schemeClr>
+                          </a:solidFill>
+                        </a:rPr>
                         <a:t>Factor 2</a:t>
                       </a:r>
                     </a:p>
@@ -3854,7 +3909,3026 @@
           <p:nvPr>
             <p:extLst>
               <p:ext uri="{D42A27DB-BD31-4B8C-83A1-F6EECF244321}">
-                <p14:modId xmlns:p14="http://schemas.microsoft.com/office/powerpoint/2010/main" val="1795449623"/>
+                <p14:modId xmlns:p14="http://schemas.microsoft.com/office/powerpoint/2010/main" val="2194013011"/>
+              </p:ext>
+            </p:extLst>
+          </p:nvPr>
+        </p:nvGraphicFramePr>
+        <p:xfrm>
+          <a:off x="1562468" y="3384610"/>
+          <a:ext cx="7908870" cy="1463040"/>
+        </p:xfrm>
+        <a:graphic>
+          <a:graphicData uri="http://schemas.openxmlformats.org/drawingml/2006/table">
+            <a:tbl>
+              <a:tblPr firstRow="1" bandRow="1">
+                <a:tableStyleId>{5C22544A-7EE6-4342-B048-85BDC9FD1C3A}</a:tableStyleId>
+              </a:tblPr>
+              <a:tblGrid>
+                <a:gridCol w="1321200">
+                  <a:extLst>
+                    <a:ext uri="{9D8B030D-6E8A-4147-A177-3AD203B41FA5}">
+                      <a16:colId xmlns:a16="http://schemas.microsoft.com/office/drawing/2014/main" val="1987586350"/>
+                    </a:ext>
+                  </a:extLst>
+                </a:gridCol>
+                <a:gridCol w="845945">
+                  <a:extLst>
+                    <a:ext uri="{9D8B030D-6E8A-4147-A177-3AD203B41FA5}">
+                      <a16:colId xmlns:a16="http://schemas.microsoft.com/office/drawing/2014/main" val="2757630649"/>
+                    </a:ext>
+                  </a:extLst>
+                </a:gridCol>
+                <a:gridCol w="845945">
+                  <a:extLst>
+                    <a:ext uri="{9D8B030D-6E8A-4147-A177-3AD203B41FA5}">
+                      <a16:colId xmlns:a16="http://schemas.microsoft.com/office/drawing/2014/main" val="3466847723"/>
+                    </a:ext>
+                  </a:extLst>
+                </a:gridCol>
+                <a:gridCol w="845945">
+                  <a:extLst>
+                    <a:ext uri="{9D8B030D-6E8A-4147-A177-3AD203B41FA5}">
+                      <a16:colId xmlns:a16="http://schemas.microsoft.com/office/drawing/2014/main" val="37018863"/>
+                    </a:ext>
+                  </a:extLst>
+                </a:gridCol>
+                <a:gridCol w="845945">
+                  <a:extLst>
+                    <a:ext uri="{9D8B030D-6E8A-4147-A177-3AD203B41FA5}">
+                      <a16:colId xmlns:a16="http://schemas.microsoft.com/office/drawing/2014/main" val="404444310"/>
+                    </a:ext>
+                  </a:extLst>
+                </a:gridCol>
+                <a:gridCol w="845945">
+                  <a:extLst>
+                    <a:ext uri="{9D8B030D-6E8A-4147-A177-3AD203B41FA5}">
+                      <a16:colId xmlns:a16="http://schemas.microsoft.com/office/drawing/2014/main" val="3782919050"/>
+                    </a:ext>
+                  </a:extLst>
+                </a:gridCol>
+                <a:gridCol w="845945">
+                  <a:extLst>
+                    <a:ext uri="{9D8B030D-6E8A-4147-A177-3AD203B41FA5}">
+                      <a16:colId xmlns:a16="http://schemas.microsoft.com/office/drawing/2014/main" val="1327298383"/>
+                    </a:ext>
+                  </a:extLst>
+                </a:gridCol>
+                <a:gridCol w="1512000">
+                  <a:extLst>
+                    <a:ext uri="{9D8B030D-6E8A-4147-A177-3AD203B41FA5}">
+                      <a16:colId xmlns:a16="http://schemas.microsoft.com/office/drawing/2014/main" val="3798089852"/>
+                    </a:ext>
+                  </a:extLst>
+                </a:gridCol>
+              </a:tblGrid>
+              <a:tr h="0">
+                <a:tc>
+                  <a:txBody>
+                    <a:bodyPr/>
+                    <a:lstStyle/>
+                    <a:p>
+                      <a:endParaRPr lang="en-AU" dirty="0"/>
+                    </a:p>
+                  </a:txBody>
+                  <a:tcPr/>
+                </a:tc>
+                <a:tc>
+                  <a:txBody>
+                    <a:bodyPr/>
+                    <a:lstStyle/>
+                    <a:p>
+                      <a:r>
+                        <a:rPr lang="en-AU" dirty="0"/>
+                        <a:t>P1.B1</a:t>
+                      </a:r>
+                    </a:p>
+                  </a:txBody>
+                  <a:tcPr/>
+                </a:tc>
+                <a:tc>
+                  <a:txBody>
+                    <a:bodyPr/>
+                    <a:lstStyle/>
+                    <a:p>
+                      <a:r>
+                        <a:rPr lang="en-AU" dirty="0"/>
+                        <a:t>P1.B2</a:t>
+                      </a:r>
+                    </a:p>
+                  </a:txBody>
+                  <a:tcPr/>
+                </a:tc>
+                <a:tc>
+                  <a:txBody>
+                    <a:bodyPr/>
+                    <a:lstStyle/>
+                    <a:p>
+                      <a:r>
+                        <a:rPr lang="en-AU" dirty="0"/>
+                        <a:t>P2.B1</a:t>
+                      </a:r>
+                    </a:p>
+                  </a:txBody>
+                  <a:tcPr/>
+                </a:tc>
+                <a:tc>
+                  <a:txBody>
+                    <a:bodyPr/>
+                    <a:lstStyle/>
+                    <a:p>
+                      <a:r>
+                        <a:rPr lang="en-AU" dirty="0"/>
+                        <a:t>P2.B2</a:t>
+                      </a:r>
+                    </a:p>
+                  </a:txBody>
+                  <a:tcPr/>
+                </a:tc>
+                <a:tc>
+                  <a:txBody>
+                    <a:bodyPr/>
+                    <a:lstStyle/>
+                    <a:p>
+                      <a:r>
+                        <a:rPr lang="en-AU" dirty="0"/>
+                        <a:t>P2.B1</a:t>
+                      </a:r>
+                    </a:p>
+                  </a:txBody>
+                  <a:tcPr/>
+                </a:tc>
+                <a:tc>
+                  <a:txBody>
+                    <a:bodyPr/>
+                    <a:lstStyle/>
+                    <a:p>
+                      <a:r>
+                        <a:rPr lang="en-AU" dirty="0"/>
+                        <a:t>P2.B2</a:t>
+                      </a:r>
+                    </a:p>
+                  </a:txBody>
+                  <a:tcPr/>
+                </a:tc>
+                <a:tc>
+                  <a:txBody>
+                    <a:bodyPr/>
+                    <a:lstStyle/>
+                    <a:p>
+                      <a:r>
+                        <a:rPr lang="en-AU" dirty="0">
+                          <a:solidFill>
+                            <a:schemeClr val="bg1"/>
+                          </a:solidFill>
+                        </a:rPr>
+                        <a:t>Distribution</a:t>
+                      </a:r>
+                    </a:p>
+                  </a:txBody>
+                  <a:tcPr>
+                    <a:solidFill>
+                      <a:schemeClr val="bg1"/>
+                    </a:solidFill>
+                  </a:tcPr>
+                </a:tc>
+                <a:extLst>
+                  <a:ext uri="{0D108BD9-81ED-4DB2-BD59-A6C34878D82A}">
+                    <a16:rowId xmlns:a16="http://schemas.microsoft.com/office/drawing/2014/main" val="3189871482"/>
+                  </a:ext>
+                </a:extLst>
+              </a:tr>
+              <a:tr h="360000">
+                <a:tc>
+                  <a:txBody>
+                    <a:bodyPr/>
+                    <a:lstStyle/>
+                    <a:p>
+                      <a:r>
+                        <a:rPr lang="en-AU" dirty="0"/>
+                        <a:t>Repetition 1</a:t>
+                      </a:r>
+                    </a:p>
+                  </a:txBody>
+                  <a:tcPr/>
+                </a:tc>
+                <a:tc>
+                  <a:txBody>
+                    <a:bodyPr/>
+                    <a:lstStyle/>
+                    <a:p>
+                      <a:r>
+                        <a:rPr lang="en-AU" dirty="0"/>
+                        <a:t>Sim1</a:t>
+                      </a:r>
+                    </a:p>
+                  </a:txBody>
+                  <a:tcPr/>
+                </a:tc>
+                <a:tc>
+                  <a:txBody>
+                    <a:bodyPr/>
+                    <a:lstStyle/>
+                    <a:p>
+                      <a:r>
+                        <a:rPr lang="en-AU" dirty="0"/>
+                        <a:t>Sim4</a:t>
+                      </a:r>
+                    </a:p>
+                  </a:txBody>
+                  <a:tcPr/>
+                </a:tc>
+                <a:tc>
+                  <a:txBody>
+                    <a:bodyPr/>
+                    <a:lstStyle/>
+                    <a:p>
+                      <a:r>
+                        <a:rPr lang="en-AU" dirty="0"/>
+                        <a:t>Sim7</a:t>
+                      </a:r>
+                    </a:p>
+                  </a:txBody>
+                  <a:tcPr/>
+                </a:tc>
+                <a:tc>
+                  <a:txBody>
+                    <a:bodyPr/>
+                    <a:lstStyle/>
+                    <a:p>
+                      <a:r>
+                        <a:rPr lang="en-AU" dirty="0"/>
+                        <a:t>Sim10</a:t>
+                      </a:r>
+                    </a:p>
+                  </a:txBody>
+                  <a:tcPr/>
+                </a:tc>
+                <a:tc>
+                  <a:txBody>
+                    <a:bodyPr/>
+                    <a:lstStyle/>
+                    <a:p>
+                      <a:r>
+                        <a:rPr lang="en-AU" dirty="0"/>
+                        <a:t>Sim13</a:t>
+                      </a:r>
+                    </a:p>
+                  </a:txBody>
+                  <a:tcPr/>
+                </a:tc>
+                <a:tc>
+                  <a:txBody>
+                    <a:bodyPr/>
+                    <a:lstStyle/>
+                    <a:p>
+                      <a:r>
+                        <a:rPr lang="en-AU" dirty="0"/>
+                        <a:t>Sim16</a:t>
+                      </a:r>
+                    </a:p>
+                  </a:txBody>
+                  <a:tcPr/>
+                </a:tc>
+                <a:tc>
+                  <a:txBody>
+                    <a:bodyPr/>
+                    <a:lstStyle/>
+                    <a:p>
+                      <a:r>
+                        <a:rPr lang="en-AU" dirty="0">
+                          <a:solidFill>
+                            <a:schemeClr val="bg1"/>
+                          </a:solidFill>
+                        </a:rPr>
+                        <a:t>~mtvN(easy)</a:t>
+                      </a:r>
+                    </a:p>
+                  </a:txBody>
+                  <a:tcPr>
+                    <a:solidFill>
+                      <a:schemeClr val="bg1"/>
+                    </a:solidFill>
+                  </a:tcPr>
+                </a:tc>
+                <a:extLst>
+                  <a:ext uri="{0D108BD9-81ED-4DB2-BD59-A6C34878D82A}">
+                    <a16:rowId xmlns:a16="http://schemas.microsoft.com/office/drawing/2014/main" val="1288797883"/>
+                  </a:ext>
+                </a:extLst>
+              </a:tr>
+              <a:tr h="360000">
+                <a:tc>
+                  <a:txBody>
+                    <a:bodyPr/>
+                    <a:lstStyle/>
+                    <a:p>
+                      <a:r>
+                        <a:rPr lang="en-AU" dirty="0"/>
+                        <a:t>Repetition 2</a:t>
+                      </a:r>
+                    </a:p>
+                  </a:txBody>
+                  <a:tcPr/>
+                </a:tc>
+                <a:tc>
+                  <a:txBody>
+                    <a:bodyPr/>
+                    <a:lstStyle/>
+                    <a:p>
+                      <a:r>
+                        <a:rPr lang="en-AU" dirty="0"/>
+                        <a:t>Sim2</a:t>
+                      </a:r>
+                    </a:p>
+                  </a:txBody>
+                  <a:tcPr/>
+                </a:tc>
+                <a:tc>
+                  <a:txBody>
+                    <a:bodyPr/>
+                    <a:lstStyle/>
+                    <a:p>
+                      <a:r>
+                        <a:rPr lang="en-AU" dirty="0"/>
+                        <a:t>Sim5</a:t>
+                      </a:r>
+                    </a:p>
+                  </a:txBody>
+                  <a:tcPr/>
+                </a:tc>
+                <a:tc>
+                  <a:txBody>
+                    <a:bodyPr/>
+                    <a:lstStyle/>
+                    <a:p>
+                      <a:r>
+                        <a:rPr lang="en-AU" dirty="0"/>
+                        <a:t>Sim8</a:t>
+                      </a:r>
+                    </a:p>
+                  </a:txBody>
+                  <a:tcPr/>
+                </a:tc>
+                <a:tc>
+                  <a:txBody>
+                    <a:bodyPr/>
+                    <a:lstStyle/>
+                    <a:p>
+                      <a:r>
+                        <a:rPr lang="en-AU" dirty="0"/>
+                        <a:t>Sim11</a:t>
+                      </a:r>
+                    </a:p>
+                  </a:txBody>
+                  <a:tcPr/>
+                </a:tc>
+                <a:tc>
+                  <a:txBody>
+                    <a:bodyPr/>
+                    <a:lstStyle/>
+                    <a:p>
+                      <a:r>
+                        <a:rPr lang="en-AU" dirty="0"/>
+                        <a:t>Sim14</a:t>
+                      </a:r>
+                    </a:p>
+                  </a:txBody>
+                  <a:tcPr/>
+                </a:tc>
+                <a:tc>
+                  <a:txBody>
+                    <a:bodyPr/>
+                    <a:lstStyle/>
+                    <a:p>
+                      <a:r>
+                        <a:rPr lang="en-AU" dirty="0"/>
+                        <a:t>Sim17</a:t>
+                      </a:r>
+                    </a:p>
+                  </a:txBody>
+                  <a:tcPr/>
+                </a:tc>
+                <a:tc>
+                  <a:txBody>
+                    <a:bodyPr/>
+                    <a:lstStyle/>
+                    <a:p>
+                      <a:r>
+                        <a:rPr lang="en-AU" dirty="0">
+                          <a:solidFill>
+                            <a:schemeClr val="bg1"/>
+                          </a:solidFill>
+                        </a:rPr>
+                        <a:t>~mtvΝ(hard1)</a:t>
+                      </a:r>
+                    </a:p>
+                  </a:txBody>
+                  <a:tcPr>
+                    <a:solidFill>
+                      <a:schemeClr val="bg1"/>
+                    </a:solidFill>
+                  </a:tcPr>
+                </a:tc>
+                <a:extLst>
+                  <a:ext uri="{0D108BD9-81ED-4DB2-BD59-A6C34878D82A}">
+                    <a16:rowId xmlns:a16="http://schemas.microsoft.com/office/drawing/2014/main" val="304250112"/>
+                  </a:ext>
+                </a:extLst>
+              </a:tr>
+              <a:tr h="0">
+                <a:tc>
+                  <a:txBody>
+                    <a:bodyPr/>
+                    <a:lstStyle/>
+                    <a:p>
+                      <a:r>
+                        <a:rPr lang="en-AU" dirty="0"/>
+                        <a:t>Repetition 3</a:t>
+                      </a:r>
+                    </a:p>
+                  </a:txBody>
+                  <a:tcPr/>
+                </a:tc>
+                <a:tc>
+                  <a:txBody>
+                    <a:bodyPr/>
+                    <a:lstStyle/>
+                    <a:p>
+                      <a:r>
+                        <a:rPr lang="en-AU" dirty="0"/>
+                        <a:t>Sim3</a:t>
+                      </a:r>
+                    </a:p>
+                  </a:txBody>
+                  <a:tcPr/>
+                </a:tc>
+                <a:tc>
+                  <a:txBody>
+                    <a:bodyPr/>
+                    <a:lstStyle/>
+                    <a:p>
+                      <a:r>
+                        <a:rPr lang="en-AU" dirty="0"/>
+                        <a:t>Sim6</a:t>
+                      </a:r>
+                    </a:p>
+                  </a:txBody>
+                  <a:tcPr/>
+                </a:tc>
+                <a:tc>
+                  <a:txBody>
+                    <a:bodyPr/>
+                    <a:lstStyle/>
+                    <a:p>
+                      <a:r>
+                        <a:rPr lang="en-AU" dirty="0"/>
+                        <a:t>Sim9</a:t>
+                      </a:r>
+                    </a:p>
+                  </a:txBody>
+                  <a:tcPr/>
+                </a:tc>
+                <a:tc>
+                  <a:txBody>
+                    <a:bodyPr/>
+                    <a:lstStyle/>
+                    <a:p>
+                      <a:r>
+                        <a:rPr lang="en-AU" dirty="0"/>
+                        <a:t>Sim12</a:t>
+                      </a:r>
+                    </a:p>
+                  </a:txBody>
+                  <a:tcPr/>
+                </a:tc>
+                <a:tc>
+                  <a:txBody>
+                    <a:bodyPr/>
+                    <a:lstStyle/>
+                    <a:p>
+                      <a:r>
+                        <a:rPr lang="en-AU" dirty="0"/>
+                        <a:t>Sim15</a:t>
+                      </a:r>
+                    </a:p>
+                  </a:txBody>
+                  <a:tcPr/>
+                </a:tc>
+                <a:tc>
+                  <a:txBody>
+                    <a:bodyPr/>
+                    <a:lstStyle/>
+                    <a:p>
+                      <a:r>
+                        <a:rPr lang="en-AU" dirty="0"/>
+                        <a:t>Sim18</a:t>
+                      </a:r>
+                    </a:p>
+                  </a:txBody>
+                  <a:tcPr/>
+                </a:tc>
+                <a:tc>
+                  <a:txBody>
+                    <a:bodyPr/>
+                    <a:lstStyle/>
+                    <a:p>
+                      <a:r>
+                        <a:rPr lang="en-AU" dirty="0">
+                          <a:solidFill>
+                            <a:schemeClr val="bg1"/>
+                          </a:solidFill>
+                        </a:rPr>
+                        <a:t>~mtvN(hard2)</a:t>
+                      </a:r>
+                    </a:p>
+                  </a:txBody>
+                  <a:tcPr>
+                    <a:solidFill>
+                      <a:schemeClr val="bg1"/>
+                    </a:solidFill>
+                  </a:tcPr>
+                </a:tc>
+                <a:extLst>
+                  <a:ext uri="{0D108BD9-81ED-4DB2-BD59-A6C34878D82A}">
+                    <a16:rowId xmlns:a16="http://schemas.microsoft.com/office/drawing/2014/main" val="2370493989"/>
+                  </a:ext>
+                </a:extLst>
+              </a:tr>
+            </a:tbl>
+          </a:graphicData>
+        </a:graphic>
+      </p:graphicFrame>
+      <p:grpSp>
+        <p:nvGrpSpPr>
+          <p:cNvPr id="5" name="Group 4">
+            <a:extLst>
+              <a:ext uri="{FF2B5EF4-FFF2-40B4-BE49-F238E27FC236}">
+                <a16:creationId xmlns:a16="http://schemas.microsoft.com/office/drawing/2014/main" id="{3FE3C3C4-13C2-4C3E-BEB5-81EF20876CDC}"/>
+              </a:ext>
+            </a:extLst>
+          </p:cNvPr>
+          <p:cNvGrpSpPr/>
+          <p:nvPr/>
+        </p:nvGrpSpPr>
+        <p:grpSpPr>
+          <a:xfrm>
+            <a:off x="2902998" y="3062661"/>
+            <a:ext cx="5058245" cy="370856"/>
+            <a:chOff x="2902998" y="3062661"/>
+            <a:chExt cx="5058245" cy="370856"/>
+          </a:xfrm>
+        </p:grpSpPr>
+        <p:cxnSp>
+          <p:nvCxnSpPr>
+            <p:cNvPr id="4" name="Straight Connector 3">
+              <a:extLst>
+                <a:ext uri="{FF2B5EF4-FFF2-40B4-BE49-F238E27FC236}">
+                  <a16:creationId xmlns:a16="http://schemas.microsoft.com/office/drawing/2014/main" id="{8764B69E-BA77-429A-B681-8E2C0BB7E344}"/>
+                </a:ext>
+              </a:extLst>
+            </p:cNvPr>
+            <p:cNvCxnSpPr/>
+            <p:nvPr/>
+          </p:nvCxnSpPr>
+          <p:spPr>
+            <a:xfrm>
+              <a:off x="2902998" y="3062661"/>
+              <a:ext cx="0" cy="370856"/>
+            </a:xfrm>
+            <a:prstGeom prst="line">
+              <a:avLst/>
+            </a:prstGeom>
+            <a:ln w="28575">
+              <a:solidFill>
+                <a:schemeClr val="tx1"/>
+              </a:solidFill>
+              <a:prstDash val="dash"/>
+            </a:ln>
+          </p:spPr>
+          <p:style>
+            <a:lnRef idx="1">
+              <a:schemeClr val="accent1"/>
+            </a:lnRef>
+            <a:fillRef idx="0">
+              <a:schemeClr val="accent1"/>
+            </a:fillRef>
+            <a:effectRef idx="0">
+              <a:schemeClr val="accent1"/>
+            </a:effectRef>
+            <a:fontRef idx="minor">
+              <a:schemeClr val="tx1"/>
+            </a:fontRef>
+          </p:style>
+        </p:cxnSp>
+        <p:cxnSp>
+          <p:nvCxnSpPr>
+            <p:cNvPr id="8" name="Straight Connector 7">
+              <a:extLst>
+                <a:ext uri="{FF2B5EF4-FFF2-40B4-BE49-F238E27FC236}">
+                  <a16:creationId xmlns:a16="http://schemas.microsoft.com/office/drawing/2014/main" id="{5737FC28-2696-4EB1-AB61-74080ED4916C}"/>
+                </a:ext>
+              </a:extLst>
+            </p:cNvPr>
+            <p:cNvCxnSpPr/>
+            <p:nvPr/>
+          </p:nvCxnSpPr>
+          <p:spPr>
+            <a:xfrm>
+              <a:off x="4564602" y="3062661"/>
+              <a:ext cx="0" cy="370856"/>
+            </a:xfrm>
+            <a:prstGeom prst="line">
+              <a:avLst/>
+            </a:prstGeom>
+            <a:ln w="28575">
+              <a:solidFill>
+                <a:schemeClr val="tx1"/>
+              </a:solidFill>
+              <a:prstDash val="dash"/>
+            </a:ln>
+          </p:spPr>
+          <p:style>
+            <a:lnRef idx="1">
+              <a:schemeClr val="accent1"/>
+            </a:lnRef>
+            <a:fillRef idx="0">
+              <a:schemeClr val="accent1"/>
+            </a:fillRef>
+            <a:effectRef idx="0">
+              <a:schemeClr val="accent1"/>
+            </a:effectRef>
+            <a:fontRef idx="minor">
+              <a:schemeClr val="tx1"/>
+            </a:fontRef>
+          </p:style>
+        </p:cxnSp>
+        <p:cxnSp>
+          <p:nvCxnSpPr>
+            <p:cNvPr id="10" name="Straight Connector 9">
+              <a:extLst>
+                <a:ext uri="{FF2B5EF4-FFF2-40B4-BE49-F238E27FC236}">
+                  <a16:creationId xmlns:a16="http://schemas.microsoft.com/office/drawing/2014/main" id="{52C97FD3-668A-468A-9E69-284F5ED6D448}"/>
+                </a:ext>
+              </a:extLst>
+            </p:cNvPr>
+            <p:cNvCxnSpPr/>
+            <p:nvPr/>
+          </p:nvCxnSpPr>
+          <p:spPr>
+            <a:xfrm>
+              <a:off x="6277992" y="3062661"/>
+              <a:ext cx="0" cy="370856"/>
+            </a:xfrm>
+            <a:prstGeom prst="line">
+              <a:avLst/>
+            </a:prstGeom>
+            <a:ln w="28575">
+              <a:solidFill>
+                <a:schemeClr val="tx1"/>
+              </a:solidFill>
+              <a:prstDash val="dash"/>
+            </a:ln>
+          </p:spPr>
+          <p:style>
+            <a:lnRef idx="1">
+              <a:schemeClr val="accent1"/>
+            </a:lnRef>
+            <a:fillRef idx="0">
+              <a:schemeClr val="accent1"/>
+            </a:fillRef>
+            <a:effectRef idx="0">
+              <a:schemeClr val="accent1"/>
+            </a:effectRef>
+            <a:fontRef idx="minor">
+              <a:schemeClr val="tx1"/>
+            </a:fontRef>
+          </p:style>
+        </p:cxnSp>
+        <p:cxnSp>
+          <p:nvCxnSpPr>
+            <p:cNvPr id="11" name="Straight Connector 10">
+              <a:extLst>
+                <a:ext uri="{FF2B5EF4-FFF2-40B4-BE49-F238E27FC236}">
+                  <a16:creationId xmlns:a16="http://schemas.microsoft.com/office/drawing/2014/main" id="{83C01968-F948-4C0C-BD04-3A554E456599}"/>
+                </a:ext>
+              </a:extLst>
+            </p:cNvPr>
+            <p:cNvCxnSpPr/>
+            <p:nvPr/>
+          </p:nvCxnSpPr>
+          <p:spPr>
+            <a:xfrm>
+              <a:off x="7961243" y="3062661"/>
+              <a:ext cx="0" cy="370856"/>
+            </a:xfrm>
+            <a:prstGeom prst="line">
+              <a:avLst/>
+            </a:prstGeom>
+            <a:ln w="28575">
+              <a:solidFill>
+                <a:schemeClr val="tx1"/>
+              </a:solidFill>
+              <a:prstDash val="dash"/>
+            </a:ln>
+          </p:spPr>
+          <p:style>
+            <a:lnRef idx="1">
+              <a:schemeClr val="accent1"/>
+            </a:lnRef>
+            <a:fillRef idx="0">
+              <a:schemeClr val="accent1"/>
+            </a:fillRef>
+            <a:effectRef idx="0">
+              <a:schemeClr val="accent1"/>
+            </a:effectRef>
+            <a:fontRef idx="minor">
+              <a:schemeClr val="tx1"/>
+            </a:fontRef>
+          </p:style>
+        </p:cxnSp>
+      </p:grpSp>
+      <p:graphicFrame>
+        <p:nvGraphicFramePr>
+          <p:cNvPr id="6" name="Table 5">
+            <a:extLst>
+              <a:ext uri="{FF2B5EF4-FFF2-40B4-BE49-F238E27FC236}">
+                <a16:creationId xmlns:a16="http://schemas.microsoft.com/office/drawing/2014/main" id="{A3F26061-83F0-46E4-B0E4-8DC5B0FC8570}"/>
+              </a:ext>
+            </a:extLst>
+          </p:cNvPr>
+          <p:cNvGraphicFramePr>
+            <a:graphicFrameLocks noGrp="1"/>
+          </p:cNvGraphicFramePr>
+          <p:nvPr>
+            <p:extLst/>
+          </p:nvPr>
+        </p:nvGraphicFramePr>
+        <p:xfrm>
+          <a:off x="1562468" y="4847864"/>
+          <a:ext cx="6225905" cy="1483360"/>
+        </p:xfrm>
+        <a:graphic>
+          <a:graphicData uri="http://schemas.openxmlformats.org/drawingml/2006/table">
+            <a:tbl>
+              <a:tblPr firstRow="1" bandRow="1">
+                <a:tableStyleId>{5C22544A-7EE6-4342-B048-85BDC9FD1C3A}</a:tableStyleId>
+              </a:tblPr>
+              <a:tblGrid>
+                <a:gridCol w="955047">
+                  <a:extLst>
+                    <a:ext uri="{9D8B030D-6E8A-4147-A177-3AD203B41FA5}">
+                      <a16:colId xmlns:a16="http://schemas.microsoft.com/office/drawing/2014/main" val="1623098923"/>
+                    </a:ext>
+                  </a:extLst>
+                </a:gridCol>
+                <a:gridCol w="1357585">
+                  <a:extLst>
+                    <a:ext uri="{9D8B030D-6E8A-4147-A177-3AD203B41FA5}">
+                      <a16:colId xmlns:a16="http://schemas.microsoft.com/office/drawing/2014/main" val="1883872424"/>
+                    </a:ext>
+                  </a:extLst>
+                </a:gridCol>
+                <a:gridCol w="208280">
+                  <a:extLst>
+                    <a:ext uri="{9D8B030D-6E8A-4147-A177-3AD203B41FA5}">
+                      <a16:colId xmlns:a16="http://schemas.microsoft.com/office/drawing/2014/main" val="4067034447"/>
+                    </a:ext>
+                  </a:extLst>
+                </a:gridCol>
+                <a:gridCol w="896993">
+                  <a:extLst>
+                    <a:ext uri="{9D8B030D-6E8A-4147-A177-3AD203B41FA5}">
+                      <a16:colId xmlns:a16="http://schemas.microsoft.com/office/drawing/2014/main" val="1421016201"/>
+                    </a:ext>
+                  </a:extLst>
+                </a:gridCol>
+                <a:gridCol w="2808000">
+                  <a:extLst>
+                    <a:ext uri="{9D8B030D-6E8A-4147-A177-3AD203B41FA5}">
+                      <a16:colId xmlns:a16="http://schemas.microsoft.com/office/drawing/2014/main" val="1360828441"/>
+                    </a:ext>
+                  </a:extLst>
+                </a:gridCol>
+              </a:tblGrid>
+              <a:tr h="370840">
+                <a:tc>
+                  <a:txBody>
+                    <a:bodyPr/>
+                    <a:lstStyle/>
+                    <a:p>
+                      <a:pPr marL="0" algn="l" defTabSz="914400" rtl="0" eaLnBrk="1" latinLnBrk="0" hangingPunct="1"/>
+                      <a:endParaRPr lang="en-AU" sz="1800" kern="1200" dirty="0">
+                        <a:solidFill>
+                          <a:schemeClr val="dk1"/>
+                        </a:solidFill>
+                        <a:latin typeface="+mn-lt"/>
+                        <a:ea typeface="+mn-ea"/>
+                        <a:cs typeface="+mn-cs"/>
+                      </a:endParaRPr>
+                    </a:p>
+                  </a:txBody>
+                  <a:tcPr>
+                    <a:solidFill>
+                      <a:schemeClr val="bg1"/>
+                    </a:solidFill>
+                  </a:tcPr>
+                </a:tc>
+                <a:tc>
+                  <a:txBody>
+                    <a:bodyPr/>
+                    <a:lstStyle/>
+                    <a:p>
+                      <a:pPr marL="0" algn="l" defTabSz="914400" rtl="0" eaLnBrk="1" latinLnBrk="0" hangingPunct="1"/>
+                      <a:endParaRPr lang="en-AU" sz="1800" kern="1200" dirty="0">
+                        <a:solidFill>
+                          <a:schemeClr val="dk1"/>
+                        </a:solidFill>
+                        <a:latin typeface="+mn-lt"/>
+                        <a:ea typeface="+mn-ea"/>
+                        <a:cs typeface="+mn-cs"/>
+                      </a:endParaRPr>
+                    </a:p>
+                  </a:txBody>
+                  <a:tcPr>
+                    <a:solidFill>
+                      <a:schemeClr val="bg1"/>
+                    </a:solidFill>
+                  </a:tcPr>
+                </a:tc>
+                <a:tc>
+                  <a:txBody>
+                    <a:bodyPr/>
+                    <a:lstStyle/>
+                    <a:p>
+                      <a:pPr marL="0" algn="l" defTabSz="914400" rtl="0" eaLnBrk="1" latinLnBrk="0" hangingPunct="1"/>
+                      <a:endParaRPr lang="en-AU" sz="1800" kern="1200" dirty="0">
+                        <a:solidFill>
+                          <a:schemeClr val="dk1"/>
+                        </a:solidFill>
+                        <a:latin typeface="+mn-lt"/>
+                        <a:ea typeface="+mn-ea"/>
+                        <a:cs typeface="+mn-cs"/>
+                      </a:endParaRPr>
+                    </a:p>
+                  </a:txBody>
+                  <a:tcPr>
+                    <a:solidFill>
+                      <a:schemeClr val="bg1"/>
+                    </a:solidFill>
+                  </a:tcPr>
+                </a:tc>
+                <a:tc>
+                  <a:txBody>
+                    <a:bodyPr/>
+                    <a:lstStyle/>
+                    <a:p>
+                      <a:pPr marL="0" algn="l" defTabSz="914400" rtl="0" eaLnBrk="1" latinLnBrk="0" hangingPunct="1"/>
+                      <a:endParaRPr lang="en-AU" sz="1800" kern="1200" dirty="0">
+                        <a:solidFill>
+                          <a:schemeClr val="dk1"/>
+                        </a:solidFill>
+                        <a:latin typeface="+mn-lt"/>
+                        <a:ea typeface="+mn-ea"/>
+                        <a:cs typeface="+mn-cs"/>
+                      </a:endParaRPr>
+                    </a:p>
+                  </a:txBody>
+                  <a:tcPr>
+                    <a:solidFill>
+                      <a:schemeClr val="bg1"/>
+                    </a:solidFill>
+                  </a:tcPr>
+                </a:tc>
+                <a:tc>
+                  <a:txBody>
+                    <a:bodyPr/>
+                    <a:lstStyle/>
+                    <a:p>
+                      <a:pPr marL="0" algn="l" defTabSz="914400" rtl="0" eaLnBrk="1" latinLnBrk="0" hangingPunct="1"/>
+                      <a:endParaRPr lang="en-AU" sz="1800" kern="1200" dirty="0">
+                        <a:solidFill>
+                          <a:schemeClr val="dk1"/>
+                        </a:solidFill>
+                        <a:latin typeface="+mn-lt"/>
+                        <a:ea typeface="+mn-ea"/>
+                        <a:cs typeface="+mn-cs"/>
+                      </a:endParaRPr>
+                    </a:p>
+                  </a:txBody>
+                  <a:tcPr>
+                    <a:solidFill>
+                      <a:schemeClr val="bg1"/>
+                    </a:solidFill>
+                  </a:tcPr>
+                </a:tc>
+                <a:extLst>
+                  <a:ext uri="{0D108BD9-81ED-4DB2-BD59-A6C34878D82A}">
+                    <a16:rowId xmlns:a16="http://schemas.microsoft.com/office/drawing/2014/main" val="222219733"/>
+                  </a:ext>
+                </a:extLst>
+              </a:tr>
+              <a:tr h="370840">
+                <a:tc>
+                  <a:txBody>
+                    <a:bodyPr/>
+                    <a:lstStyle/>
+                    <a:p>
+                      <a:r>
+                        <a:rPr lang="en-AU" dirty="0"/>
+                        <a:t>Factor 1</a:t>
+                      </a:r>
+                    </a:p>
+                  </a:txBody>
+                  <a:tcPr/>
+                </a:tc>
+                <a:tc>
+                  <a:txBody>
+                    <a:bodyPr/>
+                    <a:lstStyle/>
+                    <a:p>
+                      <a:r>
+                        <a:rPr lang="en-AU" dirty="0"/>
+                        <a:t>PCA</a:t>
+                      </a:r>
+                    </a:p>
+                  </a:txBody>
+                  <a:tcPr/>
+                </a:tc>
+                <a:tc>
+                  <a:txBody>
+                    <a:bodyPr/>
+                    <a:lstStyle/>
+                    <a:p>
+                      <a:endParaRPr lang="en-AU" dirty="0"/>
+                    </a:p>
+                  </a:txBody>
+                  <a:tcPr/>
+                </a:tc>
+                <a:tc>
+                  <a:txBody>
+                    <a:bodyPr/>
+                    <a:lstStyle/>
+                    <a:p>
+                      <a:r>
+                        <a:rPr lang="en-AU" dirty="0"/>
+                        <a:t>Block 1</a:t>
+                      </a:r>
+                    </a:p>
+                  </a:txBody>
+                  <a:tcPr/>
+                </a:tc>
+                <a:tc>
+                  <a:txBody>
+                    <a:bodyPr/>
+                    <a:lstStyle/>
+                    <a:p>
+                      <a:r>
+                        <a:rPr lang="en-AU" dirty="0"/>
+                        <a:t>Number of clusters</a:t>
+                      </a:r>
+                    </a:p>
+                  </a:txBody>
+                  <a:tcPr/>
+                </a:tc>
+                <a:extLst>
+                  <a:ext uri="{0D108BD9-81ED-4DB2-BD59-A6C34878D82A}">
+                    <a16:rowId xmlns:a16="http://schemas.microsoft.com/office/drawing/2014/main" val="2938560685"/>
+                  </a:ext>
+                </a:extLst>
+              </a:tr>
+              <a:tr h="370840">
+                <a:tc>
+                  <a:txBody>
+                    <a:bodyPr/>
+                    <a:lstStyle/>
+                    <a:p>
+                      <a:r>
+                        <a:rPr lang="en-AU" dirty="0"/>
+                        <a:t>Factor 2</a:t>
+                      </a:r>
+                    </a:p>
+                  </a:txBody>
+                  <a:tcPr/>
+                </a:tc>
+                <a:tc>
+                  <a:txBody>
+                    <a:bodyPr/>
+                    <a:lstStyle/>
+                    <a:p>
+                      <a:r>
+                        <a:rPr lang="en-AU" dirty="0"/>
+                        <a:t>Grand tour</a:t>
+                      </a:r>
+                    </a:p>
+                  </a:txBody>
+                  <a:tcPr/>
+                </a:tc>
+                <a:tc>
+                  <a:txBody>
+                    <a:bodyPr/>
+                    <a:lstStyle/>
+                    <a:p>
+                      <a:endParaRPr lang="en-AU" dirty="0"/>
+                    </a:p>
+                  </a:txBody>
+                  <a:tcPr/>
+                </a:tc>
+                <a:tc rowSpan="2">
+                  <a:txBody>
+                    <a:bodyPr/>
+                    <a:lstStyle/>
+                    <a:p>
+                      <a:r>
+                        <a:rPr lang="en-AU" dirty="0"/>
+                        <a:t>Block 2</a:t>
+                      </a:r>
+                    </a:p>
+                  </a:txBody>
+                  <a:tcPr/>
+                </a:tc>
+                <a:tc rowSpan="2">
+                  <a:txBody>
+                    <a:bodyPr/>
+                    <a:lstStyle/>
+                    <a:p>
+                      <a:r>
+                        <a:rPr lang="en-AU" dirty="0"/>
+                        <a:t>Importance of each variable for distinguishing a cluster</a:t>
+                      </a:r>
+                    </a:p>
+                  </a:txBody>
+                  <a:tcPr/>
+                </a:tc>
+                <a:extLst>
+                  <a:ext uri="{0D108BD9-81ED-4DB2-BD59-A6C34878D82A}">
+                    <a16:rowId xmlns:a16="http://schemas.microsoft.com/office/drawing/2014/main" val="4223562969"/>
+                  </a:ext>
+                </a:extLst>
+              </a:tr>
+              <a:tr h="370840">
+                <a:tc>
+                  <a:txBody>
+                    <a:bodyPr/>
+                    <a:lstStyle/>
+                    <a:p>
+                      <a:r>
+                        <a:rPr lang="en-AU" dirty="0"/>
+                        <a:t>Factor 3</a:t>
+                      </a:r>
+                    </a:p>
+                  </a:txBody>
+                  <a:tcPr/>
+                </a:tc>
+                <a:tc>
+                  <a:txBody>
+                    <a:bodyPr/>
+                    <a:lstStyle/>
+                    <a:p>
+                      <a:r>
+                        <a:rPr lang="en-AU" dirty="0"/>
+                        <a:t>Manual tour</a:t>
+                      </a:r>
+                    </a:p>
+                  </a:txBody>
+                  <a:tcPr/>
+                </a:tc>
+                <a:tc>
+                  <a:txBody>
+                    <a:bodyPr/>
+                    <a:lstStyle/>
+                    <a:p>
+                      <a:endParaRPr lang="en-AU" dirty="0"/>
+                    </a:p>
+                  </a:txBody>
+                  <a:tcPr/>
+                </a:tc>
+                <a:tc vMerge="1">
+                  <a:txBody>
+                    <a:bodyPr/>
+                    <a:lstStyle/>
+                    <a:p>
+                      <a:endParaRPr lang="en-AU" dirty="0"/>
+                    </a:p>
+                  </a:txBody>
+                  <a:tcPr/>
+                </a:tc>
+                <a:tc vMerge="1">
+                  <a:txBody>
+                    <a:bodyPr/>
+                    <a:lstStyle/>
+                    <a:p>
+                      <a:endParaRPr lang="en-AU" dirty="0"/>
+                    </a:p>
+                  </a:txBody>
+                  <a:tcPr/>
+                </a:tc>
+                <a:extLst>
+                  <a:ext uri="{0D108BD9-81ED-4DB2-BD59-A6C34878D82A}">
+                    <a16:rowId xmlns:a16="http://schemas.microsoft.com/office/drawing/2014/main" val="1091866687"/>
+                  </a:ext>
+                </a:extLst>
+              </a:tr>
+            </a:tbl>
+          </a:graphicData>
+        </a:graphic>
+      </p:graphicFrame>
+      <p:sp>
+        <p:nvSpPr>
+          <p:cNvPr id="3" name="TextBox 2">
+            <a:extLst>
+              <a:ext uri="{FF2B5EF4-FFF2-40B4-BE49-F238E27FC236}">
+                <a16:creationId xmlns:a16="http://schemas.microsoft.com/office/drawing/2014/main" id="{F0822401-84D8-4054-B2EA-3FE78E43FF2E}"/>
+              </a:ext>
+            </a:extLst>
+          </p:cNvPr>
+          <p:cNvSpPr txBox="1"/>
+          <p:nvPr/>
+        </p:nvSpPr>
+        <p:spPr>
+          <a:xfrm>
+            <a:off x="9622653" y="3739654"/>
+            <a:ext cx="2495365" cy="1107996"/>
+          </a:xfrm>
+          <a:prstGeom prst="rect">
+            <a:avLst/>
+          </a:prstGeom>
+          <a:noFill/>
+        </p:spPr>
+        <p:txBody>
+          <a:bodyPr wrap="square" rtlCol="0">
+            <a:spAutoFit/>
+          </a:bodyPr>
+          <a:lstStyle/>
+          <a:p>
+            <a:r>
+              <a:rPr lang="en-AU" sz="2200" dirty="0"/>
+              <a:t>~(p=8, cl=3, np=5)</a:t>
+            </a:r>
+          </a:p>
+          <a:p>
+            <a:r>
+              <a:rPr lang="en-AU" sz="2200" dirty="0"/>
+              <a:t>~(p=8, cl=4, np=4)</a:t>
+            </a:r>
+          </a:p>
+          <a:p>
+            <a:r>
+              <a:rPr lang="en-AU" sz="2200" dirty="0"/>
+              <a:t>~(p=10, cl=4, np=5)</a:t>
+            </a:r>
+          </a:p>
+        </p:txBody>
+      </p:sp>
+      <p:sp>
+        <p:nvSpPr>
+          <p:cNvPr id="12" name="TextBox 11">
+            <a:extLst>
+              <a:ext uri="{FF2B5EF4-FFF2-40B4-BE49-F238E27FC236}">
+                <a16:creationId xmlns:a16="http://schemas.microsoft.com/office/drawing/2014/main" id="{C1CE658D-2B84-4D97-9B04-BE2E4F7BA3DE}"/>
+              </a:ext>
+            </a:extLst>
+          </p:cNvPr>
+          <p:cNvSpPr txBox="1"/>
+          <p:nvPr/>
+        </p:nvSpPr>
+        <p:spPr>
+          <a:xfrm>
+            <a:off x="9622653" y="5589544"/>
+            <a:ext cx="3124544" cy="769441"/>
+          </a:xfrm>
+          <a:prstGeom prst="rect">
+            <a:avLst/>
+          </a:prstGeom>
+          <a:noFill/>
+        </p:spPr>
+        <p:txBody>
+          <a:bodyPr wrap="square" rtlCol="0">
+            <a:spAutoFit/>
+          </a:bodyPr>
+          <a:lstStyle/>
+          <a:p>
+            <a:r>
+              <a:rPr lang="en-AU" sz="2200" dirty="0"/>
+              <a:t>Sim119~(p=6, cl=3, np=2)</a:t>
+            </a:r>
+          </a:p>
+          <a:p>
+            <a:r>
+              <a:rPr lang="en-AU" sz="2200" dirty="0"/>
+              <a:t>Sim120~(p=6, cl=3, np=2)</a:t>
+            </a:r>
+          </a:p>
+        </p:txBody>
+      </p:sp>
+      <p:grpSp>
+        <p:nvGrpSpPr>
+          <p:cNvPr id="17" name="Group 16">
+            <a:extLst>
+              <a:ext uri="{FF2B5EF4-FFF2-40B4-BE49-F238E27FC236}">
+                <a16:creationId xmlns:a16="http://schemas.microsoft.com/office/drawing/2014/main" id="{979B0094-7798-4535-8B8F-573CF05CD54C}"/>
+              </a:ext>
+            </a:extLst>
+          </p:cNvPr>
+          <p:cNvGrpSpPr/>
+          <p:nvPr/>
+        </p:nvGrpSpPr>
+        <p:grpSpPr>
+          <a:xfrm>
+            <a:off x="507506" y="1978327"/>
+            <a:ext cx="914400" cy="914400"/>
+            <a:chOff x="507506" y="1978327"/>
+            <a:chExt cx="914400" cy="914400"/>
+          </a:xfrm>
+          <a:solidFill>
+            <a:schemeClr val="bg1"/>
+          </a:solidFill>
+        </p:grpSpPr>
+        <p:pic>
+          <p:nvPicPr>
+            <p:cNvPr id="15" name="Graphic 14" descr="User">
+              <a:extLst>
+                <a:ext uri="{FF2B5EF4-FFF2-40B4-BE49-F238E27FC236}">
+                  <a16:creationId xmlns:a16="http://schemas.microsoft.com/office/drawing/2014/main" id="{836293C7-5850-4CB4-B0E7-2281C641319E}"/>
+                </a:ext>
+              </a:extLst>
+            </p:cNvPr>
+            <p:cNvPicPr>
+              <a:picLocks noChangeAspect="1"/>
+            </p:cNvPicPr>
+            <p:nvPr/>
+          </p:nvPicPr>
+          <p:blipFill>
+            <a:blip r:embed="rId2">
+              <a:extLst>
+                <a:ext uri="{28A0092B-C50C-407E-A947-70E740481C1C}">
+                  <a14:useLocalDpi xmlns:a14="http://schemas.microsoft.com/office/drawing/2010/main" val="0"/>
+                </a:ext>
+                <a:ext uri="{96DAC541-7B7A-43D3-8B79-37D633B846F1}">
+                  <asvg:svgBlip xmlns:asvg="http://schemas.microsoft.com/office/drawing/2016/SVG/main" r:embed="rId3"/>
+                </a:ext>
+              </a:extLst>
+            </a:blip>
+            <a:stretch>
+              <a:fillRect/>
+            </a:stretch>
+          </p:blipFill>
+          <p:spPr>
+            <a:xfrm>
+              <a:off x="507506" y="1978327"/>
+              <a:ext cx="914400" cy="914400"/>
+            </a:xfrm>
+            <a:prstGeom prst="rect">
+              <a:avLst/>
+            </a:prstGeom>
+          </p:spPr>
+        </p:pic>
+        <p:sp>
+          <p:nvSpPr>
+            <p:cNvPr id="16" name="TextBox 15">
+              <a:extLst>
+                <a:ext uri="{FF2B5EF4-FFF2-40B4-BE49-F238E27FC236}">
+                  <a16:creationId xmlns:a16="http://schemas.microsoft.com/office/drawing/2014/main" id="{9AE536ED-D2F4-41A3-96C4-D9C9FBBDF3EB}"/>
+                </a:ext>
+              </a:extLst>
+            </p:cNvPr>
+            <p:cNvSpPr txBox="1"/>
+            <p:nvPr/>
+          </p:nvSpPr>
+          <p:spPr>
+            <a:xfrm>
+              <a:off x="805100" y="2426218"/>
+              <a:ext cx="435006" cy="369332"/>
+            </a:xfrm>
+            <a:prstGeom prst="rect">
+              <a:avLst/>
+            </a:prstGeom>
+            <a:noFill/>
+            <a:ln>
+              <a:noFill/>
+            </a:ln>
+          </p:spPr>
+          <p:txBody>
+            <a:bodyPr wrap="square" rtlCol="0">
+              <a:spAutoFit/>
+            </a:bodyPr>
+            <a:lstStyle/>
+            <a:p>
+              <a:r>
+                <a:rPr lang="en-AU" b="1" dirty="0">
+                  <a:ln>
+                    <a:solidFill>
+                      <a:schemeClr val="bg1"/>
+                    </a:solidFill>
+                  </a:ln>
+                </a:rPr>
+                <a:t>A</a:t>
+              </a:r>
+            </a:p>
+          </p:txBody>
+        </p:sp>
+      </p:grpSp>
+      <p:cxnSp>
+        <p:nvCxnSpPr>
+          <p:cNvPr id="19" name="Straight Arrow Connector 18">
+            <a:extLst>
+              <a:ext uri="{FF2B5EF4-FFF2-40B4-BE49-F238E27FC236}">
+                <a16:creationId xmlns:a16="http://schemas.microsoft.com/office/drawing/2014/main" id="{084FCCE5-2B4A-4E53-84D2-309FFBF85866}"/>
+              </a:ext>
+            </a:extLst>
+          </p:cNvPr>
+          <p:cNvCxnSpPr>
+            <a:cxnSpLocks/>
+          </p:cNvCxnSpPr>
+          <p:nvPr/>
+        </p:nvCxnSpPr>
+        <p:spPr>
+          <a:xfrm flipV="1">
+            <a:off x="1332760" y="2513025"/>
+            <a:ext cx="229708" cy="98709"/>
+          </a:xfrm>
+          <a:prstGeom prst="straightConnector1">
+            <a:avLst/>
+          </a:prstGeom>
+          <a:ln w="38100">
+            <a:solidFill>
+              <a:srgbClr val="FF0000"/>
+            </a:solidFill>
+            <a:tailEnd type="triangle"/>
+          </a:ln>
+        </p:spPr>
+        <p:style>
+          <a:lnRef idx="1">
+            <a:schemeClr val="accent1"/>
+          </a:lnRef>
+          <a:fillRef idx="0">
+            <a:schemeClr val="accent1"/>
+          </a:fillRef>
+          <a:effectRef idx="0">
+            <a:schemeClr val="accent1"/>
+          </a:effectRef>
+          <a:fontRef idx="minor">
+            <a:schemeClr val="tx1"/>
+          </a:fontRef>
+        </p:style>
+      </p:cxnSp>
+      <p:cxnSp>
+        <p:nvCxnSpPr>
+          <p:cNvPr id="22" name="Straight Arrow Connector 21">
+            <a:extLst>
+              <a:ext uri="{FF2B5EF4-FFF2-40B4-BE49-F238E27FC236}">
+                <a16:creationId xmlns:a16="http://schemas.microsoft.com/office/drawing/2014/main" id="{A80048A4-42EB-4353-B29C-28B89ACE0EB9}"/>
+              </a:ext>
+            </a:extLst>
+          </p:cNvPr>
+          <p:cNvCxnSpPr>
+            <a:cxnSpLocks/>
+          </p:cNvCxnSpPr>
+          <p:nvPr/>
+        </p:nvCxnSpPr>
+        <p:spPr>
+          <a:xfrm>
+            <a:off x="2796466" y="2513025"/>
+            <a:ext cx="186431" cy="1"/>
+          </a:xfrm>
+          <a:prstGeom prst="straightConnector1">
+            <a:avLst/>
+          </a:prstGeom>
+          <a:ln w="38100">
+            <a:solidFill>
+              <a:srgbClr val="FF0000"/>
+            </a:solidFill>
+            <a:tailEnd type="triangle"/>
+          </a:ln>
+        </p:spPr>
+        <p:style>
+          <a:lnRef idx="1">
+            <a:schemeClr val="accent1"/>
+          </a:lnRef>
+          <a:fillRef idx="0">
+            <a:schemeClr val="accent1"/>
+          </a:fillRef>
+          <a:effectRef idx="0">
+            <a:schemeClr val="accent1"/>
+          </a:effectRef>
+          <a:fontRef idx="minor">
+            <a:schemeClr val="tx1"/>
+          </a:fontRef>
+        </p:style>
+      </p:cxnSp>
+      <p:grpSp>
+        <p:nvGrpSpPr>
+          <p:cNvPr id="44" name="Group 43">
+            <a:extLst>
+              <a:ext uri="{FF2B5EF4-FFF2-40B4-BE49-F238E27FC236}">
+                <a16:creationId xmlns:a16="http://schemas.microsoft.com/office/drawing/2014/main" id="{C6C8AE32-1D92-42B4-8145-1DAC771EBF4A}"/>
+              </a:ext>
+            </a:extLst>
+          </p:cNvPr>
+          <p:cNvGrpSpPr/>
+          <p:nvPr/>
+        </p:nvGrpSpPr>
+        <p:grpSpPr>
+          <a:xfrm>
+            <a:off x="2947382" y="2513025"/>
+            <a:ext cx="1664130" cy="2130670"/>
+            <a:chOff x="2947382" y="2513025"/>
+            <a:chExt cx="1664130" cy="2130670"/>
+          </a:xfrm>
+        </p:grpSpPr>
+        <p:cxnSp>
+          <p:nvCxnSpPr>
+            <p:cNvPr id="27" name="Straight Arrow Connector 26">
+              <a:extLst>
+                <a:ext uri="{FF2B5EF4-FFF2-40B4-BE49-F238E27FC236}">
+                  <a16:creationId xmlns:a16="http://schemas.microsoft.com/office/drawing/2014/main" id="{ED77DEB6-0C0A-4FD2-91AF-DDE17EFB90CE}"/>
+                </a:ext>
+              </a:extLst>
+            </p:cNvPr>
+            <p:cNvCxnSpPr>
+              <a:cxnSpLocks/>
+            </p:cNvCxnSpPr>
+            <p:nvPr/>
+          </p:nvCxnSpPr>
+          <p:spPr>
+            <a:xfrm flipH="1">
+              <a:off x="2965142" y="2666494"/>
+              <a:ext cx="4637" cy="1128846"/>
+            </a:xfrm>
+            <a:prstGeom prst="straightConnector1">
+              <a:avLst/>
+            </a:prstGeom>
+            <a:ln w="38100">
+              <a:solidFill>
+                <a:srgbClr val="FF0000"/>
+              </a:solidFill>
+              <a:tailEnd type="triangle"/>
+            </a:ln>
+          </p:spPr>
+          <p:style>
+            <a:lnRef idx="1">
+              <a:schemeClr val="accent1"/>
+            </a:lnRef>
+            <a:fillRef idx="0">
+              <a:schemeClr val="accent1"/>
+            </a:fillRef>
+            <a:effectRef idx="0">
+              <a:schemeClr val="accent1"/>
+            </a:effectRef>
+            <a:fontRef idx="minor">
+              <a:schemeClr val="tx1"/>
+            </a:fontRef>
+          </p:style>
+        </p:cxnSp>
+        <p:cxnSp>
+          <p:nvCxnSpPr>
+            <p:cNvPr id="34" name="Straight Arrow Connector 33">
+              <a:extLst>
+                <a:ext uri="{FF2B5EF4-FFF2-40B4-BE49-F238E27FC236}">
+                  <a16:creationId xmlns:a16="http://schemas.microsoft.com/office/drawing/2014/main" id="{28304008-EA39-416F-8801-6EB8E8E291F6}"/>
+                </a:ext>
+              </a:extLst>
+            </p:cNvPr>
+            <p:cNvCxnSpPr>
+              <a:cxnSpLocks/>
+            </p:cNvCxnSpPr>
+            <p:nvPr/>
+          </p:nvCxnSpPr>
+          <p:spPr>
+            <a:xfrm flipV="1">
+              <a:off x="3537748" y="3879542"/>
+              <a:ext cx="244139" cy="647038"/>
+            </a:xfrm>
+            <a:prstGeom prst="straightConnector1">
+              <a:avLst/>
+            </a:prstGeom>
+            <a:ln w="38100">
+              <a:solidFill>
+                <a:srgbClr val="FF0000"/>
+              </a:solidFill>
+              <a:tailEnd type="triangle"/>
+            </a:ln>
+          </p:spPr>
+          <p:style>
+            <a:lnRef idx="1">
+              <a:schemeClr val="accent1"/>
+            </a:lnRef>
+            <a:fillRef idx="0">
+              <a:schemeClr val="accent1"/>
+            </a:fillRef>
+            <a:effectRef idx="0">
+              <a:schemeClr val="accent1"/>
+            </a:effectRef>
+            <a:fontRef idx="minor">
+              <a:schemeClr val="tx1"/>
+            </a:fontRef>
+          </p:style>
+        </p:cxnSp>
+        <p:grpSp>
+          <p:nvGrpSpPr>
+            <p:cNvPr id="39" name="Group 38">
+              <a:extLst>
+                <a:ext uri="{FF2B5EF4-FFF2-40B4-BE49-F238E27FC236}">
+                  <a16:creationId xmlns:a16="http://schemas.microsoft.com/office/drawing/2014/main" id="{C12A47F4-B4CE-47A8-B43C-EAF99E09D4E5}"/>
+                </a:ext>
+              </a:extLst>
+            </p:cNvPr>
+            <p:cNvGrpSpPr/>
+            <p:nvPr/>
+          </p:nvGrpSpPr>
+          <p:grpSpPr>
+            <a:xfrm>
+              <a:off x="2947382" y="4013401"/>
+              <a:ext cx="879090" cy="630294"/>
+              <a:chOff x="2982894" y="3995645"/>
+              <a:chExt cx="879090" cy="630294"/>
+            </a:xfrm>
+          </p:grpSpPr>
+          <p:cxnSp>
+            <p:nvCxnSpPr>
+              <p:cNvPr id="31" name="Straight Arrow Connector 30">
+                <a:extLst>
+                  <a:ext uri="{FF2B5EF4-FFF2-40B4-BE49-F238E27FC236}">
+                    <a16:creationId xmlns:a16="http://schemas.microsoft.com/office/drawing/2014/main" id="{7E1987D8-0E77-493B-8293-18F4C354951B}"/>
+                  </a:ext>
+                </a:extLst>
+              </p:cNvPr>
+              <p:cNvCxnSpPr>
+                <a:cxnSpLocks/>
+              </p:cNvCxnSpPr>
+              <p:nvPr/>
+            </p:nvCxnSpPr>
+            <p:spPr>
+              <a:xfrm>
+                <a:off x="2982894" y="3995645"/>
+                <a:ext cx="3" cy="208086"/>
+              </a:xfrm>
+              <a:prstGeom prst="straightConnector1">
+                <a:avLst/>
+              </a:prstGeom>
+              <a:ln w="38100">
+                <a:solidFill>
+                  <a:srgbClr val="FF0000"/>
+                </a:solidFill>
+                <a:tailEnd type="triangle"/>
+              </a:ln>
+            </p:spPr>
+            <p:style>
+              <a:lnRef idx="1">
+                <a:schemeClr val="accent1"/>
+              </a:lnRef>
+              <a:fillRef idx="0">
+                <a:schemeClr val="accent1"/>
+              </a:fillRef>
+              <a:effectRef idx="0">
+                <a:schemeClr val="accent1"/>
+              </a:effectRef>
+              <a:fontRef idx="minor">
+                <a:schemeClr val="tx1"/>
+              </a:fontRef>
+            </p:style>
+          </p:cxnSp>
+          <p:cxnSp>
+            <p:nvCxnSpPr>
+              <p:cNvPr id="33" name="Straight Arrow Connector 32">
+                <a:extLst>
+                  <a:ext uri="{FF2B5EF4-FFF2-40B4-BE49-F238E27FC236}">
+                    <a16:creationId xmlns:a16="http://schemas.microsoft.com/office/drawing/2014/main" id="{A5E43B9E-1011-4306-8992-4E1C53458D75}"/>
+                  </a:ext>
+                </a:extLst>
+              </p:cNvPr>
+              <p:cNvCxnSpPr>
+                <a:cxnSpLocks/>
+              </p:cNvCxnSpPr>
+              <p:nvPr/>
+            </p:nvCxnSpPr>
+            <p:spPr>
+              <a:xfrm>
+                <a:off x="2991774" y="4378864"/>
+                <a:ext cx="3" cy="208086"/>
+              </a:xfrm>
+              <a:prstGeom prst="straightConnector1">
+                <a:avLst/>
+              </a:prstGeom>
+              <a:ln w="38100">
+                <a:solidFill>
+                  <a:srgbClr val="FF0000"/>
+                </a:solidFill>
+                <a:tailEnd type="triangle"/>
+              </a:ln>
+            </p:spPr>
+            <p:style>
+              <a:lnRef idx="1">
+                <a:schemeClr val="accent1"/>
+              </a:lnRef>
+              <a:fillRef idx="0">
+                <a:schemeClr val="accent1"/>
+              </a:fillRef>
+              <a:effectRef idx="0">
+                <a:schemeClr val="accent1"/>
+              </a:effectRef>
+              <a:fontRef idx="minor">
+                <a:schemeClr val="tx1"/>
+              </a:fontRef>
+            </p:style>
+          </p:cxnSp>
+          <p:cxnSp>
+            <p:nvCxnSpPr>
+              <p:cNvPr id="37" name="Straight Arrow Connector 36">
+                <a:extLst>
+                  <a:ext uri="{FF2B5EF4-FFF2-40B4-BE49-F238E27FC236}">
+                    <a16:creationId xmlns:a16="http://schemas.microsoft.com/office/drawing/2014/main" id="{05A423A7-3004-4738-9BCD-133D5F0EB1E8}"/>
+                  </a:ext>
+                </a:extLst>
+              </p:cNvPr>
+              <p:cNvCxnSpPr>
+                <a:cxnSpLocks/>
+              </p:cNvCxnSpPr>
+              <p:nvPr/>
+            </p:nvCxnSpPr>
+            <p:spPr>
+              <a:xfrm>
+                <a:off x="3853101" y="4034634"/>
+                <a:ext cx="3" cy="208086"/>
+              </a:xfrm>
+              <a:prstGeom prst="straightConnector1">
+                <a:avLst/>
+              </a:prstGeom>
+              <a:ln w="38100">
+                <a:solidFill>
+                  <a:srgbClr val="FF0000"/>
+                </a:solidFill>
+                <a:tailEnd type="triangle"/>
+              </a:ln>
+            </p:spPr>
+            <p:style>
+              <a:lnRef idx="1">
+                <a:schemeClr val="accent1"/>
+              </a:lnRef>
+              <a:fillRef idx="0">
+                <a:schemeClr val="accent1"/>
+              </a:fillRef>
+              <a:effectRef idx="0">
+                <a:schemeClr val="accent1"/>
+              </a:effectRef>
+              <a:fontRef idx="minor">
+                <a:schemeClr val="tx1"/>
+              </a:fontRef>
+            </p:style>
+          </p:cxnSp>
+          <p:cxnSp>
+            <p:nvCxnSpPr>
+              <p:cNvPr id="38" name="Straight Arrow Connector 37">
+                <a:extLst>
+                  <a:ext uri="{FF2B5EF4-FFF2-40B4-BE49-F238E27FC236}">
+                    <a16:creationId xmlns:a16="http://schemas.microsoft.com/office/drawing/2014/main" id="{E1F6CD4F-84E9-44CC-8B65-9E724BAAC2EE}"/>
+                  </a:ext>
+                </a:extLst>
+              </p:cNvPr>
+              <p:cNvCxnSpPr>
+                <a:cxnSpLocks/>
+              </p:cNvCxnSpPr>
+              <p:nvPr/>
+            </p:nvCxnSpPr>
+            <p:spPr>
+              <a:xfrm>
+                <a:off x="3861981" y="4417853"/>
+                <a:ext cx="3" cy="208086"/>
+              </a:xfrm>
+              <a:prstGeom prst="straightConnector1">
+                <a:avLst/>
+              </a:prstGeom>
+              <a:ln w="38100">
+                <a:solidFill>
+                  <a:srgbClr val="FF0000"/>
+                </a:solidFill>
+                <a:tailEnd type="triangle"/>
+              </a:ln>
+            </p:spPr>
+            <p:style>
+              <a:lnRef idx="1">
+                <a:schemeClr val="accent1"/>
+              </a:lnRef>
+              <a:fillRef idx="0">
+                <a:schemeClr val="accent1"/>
+              </a:fillRef>
+              <a:effectRef idx="0">
+                <a:schemeClr val="accent1"/>
+              </a:effectRef>
+              <a:fontRef idx="minor">
+                <a:schemeClr val="tx1"/>
+              </a:fontRef>
+            </p:style>
+          </p:cxnSp>
+        </p:grpSp>
+        <p:cxnSp>
+          <p:nvCxnSpPr>
+            <p:cNvPr id="42" name="Straight Arrow Connector 41">
+              <a:extLst>
+                <a:ext uri="{FF2B5EF4-FFF2-40B4-BE49-F238E27FC236}">
+                  <a16:creationId xmlns:a16="http://schemas.microsoft.com/office/drawing/2014/main" id="{C991EBB3-5D25-403D-8E7D-A1B2A68BB252}"/>
+                </a:ext>
+              </a:extLst>
+            </p:cNvPr>
+            <p:cNvCxnSpPr>
+              <a:cxnSpLocks/>
+            </p:cNvCxnSpPr>
+            <p:nvPr/>
+          </p:nvCxnSpPr>
+          <p:spPr>
+            <a:xfrm flipV="1">
+              <a:off x="4408155" y="2513025"/>
+              <a:ext cx="203357" cy="2013556"/>
+            </a:xfrm>
+            <a:prstGeom prst="straightConnector1">
+              <a:avLst/>
+            </a:prstGeom>
+            <a:ln w="38100">
+              <a:solidFill>
+                <a:srgbClr val="FF0000"/>
+              </a:solidFill>
+              <a:tailEnd type="triangle"/>
+            </a:ln>
+          </p:spPr>
+          <p:style>
+            <a:lnRef idx="1">
+              <a:schemeClr val="accent1"/>
+            </a:lnRef>
+            <a:fillRef idx="0">
+              <a:schemeClr val="accent1"/>
+            </a:fillRef>
+            <a:effectRef idx="0">
+              <a:schemeClr val="accent1"/>
+            </a:effectRef>
+            <a:fontRef idx="minor">
+              <a:schemeClr val="tx1"/>
+            </a:fontRef>
+          </p:style>
+        </p:cxnSp>
+      </p:grpSp>
+      <p:grpSp>
+        <p:nvGrpSpPr>
+          <p:cNvPr id="45" name="Group 44">
+            <a:extLst>
+              <a:ext uri="{FF2B5EF4-FFF2-40B4-BE49-F238E27FC236}">
+                <a16:creationId xmlns:a16="http://schemas.microsoft.com/office/drawing/2014/main" id="{41CAA50D-2A18-45E7-BA70-679AE987BA69}"/>
+              </a:ext>
+            </a:extLst>
+          </p:cNvPr>
+          <p:cNvGrpSpPr/>
+          <p:nvPr/>
+        </p:nvGrpSpPr>
+        <p:grpSpPr>
+          <a:xfrm>
+            <a:off x="4639904" y="2423172"/>
+            <a:ext cx="1704709" cy="2208168"/>
+            <a:chOff x="2947382" y="2435527"/>
+            <a:chExt cx="1704709" cy="2208168"/>
+          </a:xfrm>
+        </p:grpSpPr>
+        <p:cxnSp>
+          <p:nvCxnSpPr>
+            <p:cNvPr id="46" name="Straight Arrow Connector 45">
+              <a:extLst>
+                <a:ext uri="{FF2B5EF4-FFF2-40B4-BE49-F238E27FC236}">
+                  <a16:creationId xmlns:a16="http://schemas.microsoft.com/office/drawing/2014/main" id="{AD4ABE1C-8411-410A-9A6F-739D5C437018}"/>
+                </a:ext>
+              </a:extLst>
+            </p:cNvPr>
+            <p:cNvCxnSpPr>
+              <a:cxnSpLocks/>
+            </p:cNvCxnSpPr>
+            <p:nvPr/>
+          </p:nvCxnSpPr>
+          <p:spPr>
+            <a:xfrm flipH="1">
+              <a:off x="2965142" y="2666494"/>
+              <a:ext cx="4637" cy="1128846"/>
+            </a:xfrm>
+            <a:prstGeom prst="straightConnector1">
+              <a:avLst/>
+            </a:prstGeom>
+            <a:ln w="38100">
+              <a:solidFill>
+                <a:srgbClr val="FF0000">
+                  <a:alpha val="50196"/>
+                </a:srgbClr>
+              </a:solidFill>
+              <a:tailEnd type="triangle"/>
+            </a:ln>
+          </p:spPr>
+          <p:style>
+            <a:lnRef idx="1">
+              <a:schemeClr val="accent1"/>
+            </a:lnRef>
+            <a:fillRef idx="0">
+              <a:schemeClr val="accent1"/>
+            </a:fillRef>
+            <a:effectRef idx="0">
+              <a:schemeClr val="accent1"/>
+            </a:effectRef>
+            <a:fontRef idx="minor">
+              <a:schemeClr val="tx1"/>
+            </a:fontRef>
+          </p:style>
+        </p:cxnSp>
+        <p:cxnSp>
+          <p:nvCxnSpPr>
+            <p:cNvPr id="47" name="Straight Arrow Connector 46">
+              <a:extLst>
+                <a:ext uri="{FF2B5EF4-FFF2-40B4-BE49-F238E27FC236}">
+                  <a16:creationId xmlns:a16="http://schemas.microsoft.com/office/drawing/2014/main" id="{A363DA01-3AB0-425C-A8AE-8FA945CDD733}"/>
+                </a:ext>
+              </a:extLst>
+            </p:cNvPr>
+            <p:cNvCxnSpPr>
+              <a:cxnSpLocks/>
+            </p:cNvCxnSpPr>
+            <p:nvPr/>
+          </p:nvCxnSpPr>
+          <p:spPr>
+            <a:xfrm flipV="1">
+              <a:off x="3537748" y="3879542"/>
+              <a:ext cx="244139" cy="647038"/>
+            </a:xfrm>
+            <a:prstGeom prst="straightConnector1">
+              <a:avLst/>
+            </a:prstGeom>
+            <a:ln w="38100">
+              <a:solidFill>
+                <a:srgbClr val="FF0000">
+                  <a:alpha val="50196"/>
+                </a:srgbClr>
+              </a:solidFill>
+              <a:tailEnd type="triangle"/>
+            </a:ln>
+          </p:spPr>
+          <p:style>
+            <a:lnRef idx="1">
+              <a:schemeClr val="accent1"/>
+            </a:lnRef>
+            <a:fillRef idx="0">
+              <a:schemeClr val="accent1"/>
+            </a:fillRef>
+            <a:effectRef idx="0">
+              <a:schemeClr val="accent1"/>
+            </a:effectRef>
+            <a:fontRef idx="minor">
+              <a:schemeClr val="tx1"/>
+            </a:fontRef>
+          </p:style>
+        </p:cxnSp>
+        <p:grpSp>
+          <p:nvGrpSpPr>
+            <p:cNvPr id="48" name="Group 47">
+              <a:extLst>
+                <a:ext uri="{FF2B5EF4-FFF2-40B4-BE49-F238E27FC236}">
+                  <a16:creationId xmlns:a16="http://schemas.microsoft.com/office/drawing/2014/main" id="{647E2392-F983-4C60-B7EC-4B3992A37352}"/>
+                </a:ext>
+              </a:extLst>
+            </p:cNvPr>
+            <p:cNvGrpSpPr/>
+            <p:nvPr/>
+          </p:nvGrpSpPr>
+          <p:grpSpPr>
+            <a:xfrm>
+              <a:off x="2947382" y="4013401"/>
+              <a:ext cx="879090" cy="630294"/>
+              <a:chOff x="2982894" y="3995645"/>
+              <a:chExt cx="879090" cy="630294"/>
+            </a:xfrm>
+          </p:grpSpPr>
+          <p:cxnSp>
+            <p:nvCxnSpPr>
+              <p:cNvPr id="50" name="Straight Arrow Connector 49">
+                <a:extLst>
+                  <a:ext uri="{FF2B5EF4-FFF2-40B4-BE49-F238E27FC236}">
+                    <a16:creationId xmlns:a16="http://schemas.microsoft.com/office/drawing/2014/main" id="{9469BEF7-DB1E-4EAF-A0B7-A2403C343CE3}"/>
+                  </a:ext>
+                </a:extLst>
+              </p:cNvPr>
+              <p:cNvCxnSpPr>
+                <a:cxnSpLocks/>
+              </p:cNvCxnSpPr>
+              <p:nvPr/>
+            </p:nvCxnSpPr>
+            <p:spPr>
+              <a:xfrm>
+                <a:off x="2982894" y="3995645"/>
+                <a:ext cx="3" cy="208086"/>
+              </a:xfrm>
+              <a:prstGeom prst="straightConnector1">
+                <a:avLst/>
+              </a:prstGeom>
+              <a:ln w="38100">
+                <a:solidFill>
+                  <a:srgbClr val="FF0000">
+                    <a:alpha val="50196"/>
+                  </a:srgbClr>
+                </a:solidFill>
+                <a:tailEnd type="triangle"/>
+              </a:ln>
+            </p:spPr>
+            <p:style>
+              <a:lnRef idx="1">
+                <a:schemeClr val="accent1"/>
+              </a:lnRef>
+              <a:fillRef idx="0">
+                <a:schemeClr val="accent1"/>
+              </a:fillRef>
+              <a:effectRef idx="0">
+                <a:schemeClr val="accent1"/>
+              </a:effectRef>
+              <a:fontRef idx="minor">
+                <a:schemeClr val="tx1"/>
+              </a:fontRef>
+            </p:style>
+          </p:cxnSp>
+          <p:cxnSp>
+            <p:nvCxnSpPr>
+              <p:cNvPr id="51" name="Straight Arrow Connector 50">
+                <a:extLst>
+                  <a:ext uri="{FF2B5EF4-FFF2-40B4-BE49-F238E27FC236}">
+                    <a16:creationId xmlns:a16="http://schemas.microsoft.com/office/drawing/2014/main" id="{F53FD22B-E7BF-45F6-A8B9-080CC2D40F44}"/>
+                  </a:ext>
+                </a:extLst>
+              </p:cNvPr>
+              <p:cNvCxnSpPr>
+                <a:cxnSpLocks/>
+              </p:cNvCxnSpPr>
+              <p:nvPr/>
+            </p:nvCxnSpPr>
+            <p:spPr>
+              <a:xfrm>
+                <a:off x="2991774" y="4378864"/>
+                <a:ext cx="3" cy="208086"/>
+              </a:xfrm>
+              <a:prstGeom prst="straightConnector1">
+                <a:avLst/>
+              </a:prstGeom>
+              <a:ln w="38100">
+                <a:solidFill>
+                  <a:srgbClr val="FF0000">
+                    <a:alpha val="50196"/>
+                  </a:srgbClr>
+                </a:solidFill>
+                <a:tailEnd type="triangle"/>
+              </a:ln>
+            </p:spPr>
+            <p:style>
+              <a:lnRef idx="1">
+                <a:schemeClr val="accent1"/>
+              </a:lnRef>
+              <a:fillRef idx="0">
+                <a:schemeClr val="accent1"/>
+              </a:fillRef>
+              <a:effectRef idx="0">
+                <a:schemeClr val="accent1"/>
+              </a:effectRef>
+              <a:fontRef idx="minor">
+                <a:schemeClr val="tx1"/>
+              </a:fontRef>
+            </p:style>
+          </p:cxnSp>
+          <p:cxnSp>
+            <p:nvCxnSpPr>
+              <p:cNvPr id="52" name="Straight Arrow Connector 51">
+                <a:extLst>
+                  <a:ext uri="{FF2B5EF4-FFF2-40B4-BE49-F238E27FC236}">
+                    <a16:creationId xmlns:a16="http://schemas.microsoft.com/office/drawing/2014/main" id="{DC1E50FC-D31B-4B5A-A1E9-BE7904CAC417}"/>
+                  </a:ext>
+                </a:extLst>
+              </p:cNvPr>
+              <p:cNvCxnSpPr>
+                <a:cxnSpLocks/>
+              </p:cNvCxnSpPr>
+              <p:nvPr/>
+            </p:nvCxnSpPr>
+            <p:spPr>
+              <a:xfrm>
+                <a:off x="3853101" y="4034634"/>
+                <a:ext cx="3" cy="208086"/>
+              </a:xfrm>
+              <a:prstGeom prst="straightConnector1">
+                <a:avLst/>
+              </a:prstGeom>
+              <a:ln w="38100">
+                <a:solidFill>
+                  <a:srgbClr val="FF0000">
+                    <a:alpha val="50196"/>
+                  </a:srgbClr>
+                </a:solidFill>
+                <a:tailEnd type="triangle"/>
+              </a:ln>
+            </p:spPr>
+            <p:style>
+              <a:lnRef idx="1">
+                <a:schemeClr val="accent1"/>
+              </a:lnRef>
+              <a:fillRef idx="0">
+                <a:schemeClr val="accent1"/>
+              </a:fillRef>
+              <a:effectRef idx="0">
+                <a:schemeClr val="accent1"/>
+              </a:effectRef>
+              <a:fontRef idx="minor">
+                <a:schemeClr val="tx1"/>
+              </a:fontRef>
+            </p:style>
+          </p:cxnSp>
+          <p:cxnSp>
+            <p:nvCxnSpPr>
+              <p:cNvPr id="53" name="Straight Arrow Connector 52">
+                <a:extLst>
+                  <a:ext uri="{FF2B5EF4-FFF2-40B4-BE49-F238E27FC236}">
+                    <a16:creationId xmlns:a16="http://schemas.microsoft.com/office/drawing/2014/main" id="{EB154CC3-6A5A-40C8-85F3-A95B10BC55E4}"/>
+                  </a:ext>
+                </a:extLst>
+              </p:cNvPr>
+              <p:cNvCxnSpPr>
+                <a:cxnSpLocks/>
+              </p:cNvCxnSpPr>
+              <p:nvPr/>
+            </p:nvCxnSpPr>
+            <p:spPr>
+              <a:xfrm>
+                <a:off x="3861981" y="4417853"/>
+                <a:ext cx="3" cy="208086"/>
+              </a:xfrm>
+              <a:prstGeom prst="straightConnector1">
+                <a:avLst/>
+              </a:prstGeom>
+              <a:ln w="38100">
+                <a:solidFill>
+                  <a:srgbClr val="FF0000">
+                    <a:alpha val="50196"/>
+                  </a:srgbClr>
+                </a:solidFill>
+                <a:tailEnd type="triangle"/>
+              </a:ln>
+            </p:spPr>
+            <p:style>
+              <a:lnRef idx="1">
+                <a:schemeClr val="accent1"/>
+              </a:lnRef>
+              <a:fillRef idx="0">
+                <a:schemeClr val="accent1"/>
+              </a:fillRef>
+              <a:effectRef idx="0">
+                <a:schemeClr val="accent1"/>
+              </a:effectRef>
+              <a:fontRef idx="minor">
+                <a:schemeClr val="tx1"/>
+              </a:fontRef>
+            </p:style>
+          </p:cxnSp>
+        </p:grpSp>
+        <p:cxnSp>
+          <p:nvCxnSpPr>
+            <p:cNvPr id="49" name="Straight Arrow Connector 48">
+              <a:extLst>
+                <a:ext uri="{FF2B5EF4-FFF2-40B4-BE49-F238E27FC236}">
+                  <a16:creationId xmlns:a16="http://schemas.microsoft.com/office/drawing/2014/main" id="{9463A0FA-4A07-44F5-874D-2F194DE32822}"/>
+                </a:ext>
+              </a:extLst>
+            </p:cNvPr>
+            <p:cNvCxnSpPr>
+              <a:cxnSpLocks/>
+            </p:cNvCxnSpPr>
+            <p:nvPr/>
+          </p:nvCxnSpPr>
+          <p:spPr>
+            <a:xfrm flipV="1">
+              <a:off x="4408155" y="2435527"/>
+              <a:ext cx="243936" cy="2091053"/>
+            </a:xfrm>
+            <a:prstGeom prst="straightConnector1">
+              <a:avLst/>
+            </a:prstGeom>
+            <a:ln w="38100">
+              <a:solidFill>
+                <a:srgbClr val="FF0000">
+                  <a:alpha val="50196"/>
+                </a:srgbClr>
+              </a:solidFill>
+              <a:tailEnd type="triangle"/>
+            </a:ln>
+          </p:spPr>
+          <p:style>
+            <a:lnRef idx="1">
+              <a:schemeClr val="accent1"/>
+            </a:lnRef>
+            <a:fillRef idx="0">
+              <a:schemeClr val="accent1"/>
+            </a:fillRef>
+            <a:effectRef idx="0">
+              <a:schemeClr val="accent1"/>
+            </a:effectRef>
+            <a:fontRef idx="minor">
+              <a:schemeClr val="tx1"/>
+            </a:fontRef>
+          </p:style>
+        </p:cxnSp>
+      </p:grpSp>
+      <p:grpSp>
+        <p:nvGrpSpPr>
+          <p:cNvPr id="57" name="Group 56">
+            <a:extLst>
+              <a:ext uri="{FF2B5EF4-FFF2-40B4-BE49-F238E27FC236}">
+                <a16:creationId xmlns:a16="http://schemas.microsoft.com/office/drawing/2014/main" id="{7072B1C7-2A23-491A-948C-693754E3038E}"/>
+              </a:ext>
+            </a:extLst>
+          </p:cNvPr>
+          <p:cNvGrpSpPr/>
+          <p:nvPr/>
+        </p:nvGrpSpPr>
+        <p:grpSpPr>
+          <a:xfrm>
+            <a:off x="6332191" y="2645729"/>
+            <a:ext cx="879090" cy="1977201"/>
+            <a:chOff x="2947382" y="2666494"/>
+            <a:chExt cx="879090" cy="1977201"/>
+          </a:xfrm>
+        </p:grpSpPr>
+        <p:cxnSp>
+          <p:nvCxnSpPr>
+            <p:cNvPr id="58" name="Straight Arrow Connector 57">
+              <a:extLst>
+                <a:ext uri="{FF2B5EF4-FFF2-40B4-BE49-F238E27FC236}">
+                  <a16:creationId xmlns:a16="http://schemas.microsoft.com/office/drawing/2014/main" id="{851A7DC6-5D19-4A0A-9324-88E207044132}"/>
+                </a:ext>
+              </a:extLst>
+            </p:cNvPr>
+            <p:cNvCxnSpPr>
+              <a:cxnSpLocks/>
+            </p:cNvCxnSpPr>
+            <p:nvPr/>
+          </p:nvCxnSpPr>
+          <p:spPr>
+            <a:xfrm flipH="1">
+              <a:off x="2965142" y="2666494"/>
+              <a:ext cx="4637" cy="1128846"/>
+            </a:xfrm>
+            <a:prstGeom prst="straightConnector1">
+              <a:avLst/>
+            </a:prstGeom>
+            <a:ln w="38100">
+              <a:solidFill>
+                <a:srgbClr val="FF0000">
+                  <a:alpha val="50196"/>
+                </a:srgbClr>
+              </a:solidFill>
+              <a:tailEnd type="triangle"/>
+            </a:ln>
+          </p:spPr>
+          <p:style>
+            <a:lnRef idx="1">
+              <a:schemeClr val="accent1"/>
+            </a:lnRef>
+            <a:fillRef idx="0">
+              <a:schemeClr val="accent1"/>
+            </a:fillRef>
+            <a:effectRef idx="0">
+              <a:schemeClr val="accent1"/>
+            </a:effectRef>
+            <a:fontRef idx="minor">
+              <a:schemeClr val="tx1"/>
+            </a:fontRef>
+          </p:style>
+        </p:cxnSp>
+        <p:cxnSp>
+          <p:nvCxnSpPr>
+            <p:cNvPr id="59" name="Straight Arrow Connector 58">
+              <a:extLst>
+                <a:ext uri="{FF2B5EF4-FFF2-40B4-BE49-F238E27FC236}">
+                  <a16:creationId xmlns:a16="http://schemas.microsoft.com/office/drawing/2014/main" id="{914A46CB-E77E-46D3-A7B7-CCB6E49FADB6}"/>
+                </a:ext>
+              </a:extLst>
+            </p:cNvPr>
+            <p:cNvCxnSpPr>
+              <a:cxnSpLocks/>
+            </p:cNvCxnSpPr>
+            <p:nvPr/>
+          </p:nvCxnSpPr>
+          <p:spPr>
+            <a:xfrm flipV="1">
+              <a:off x="3537748" y="3879542"/>
+              <a:ext cx="244139" cy="647038"/>
+            </a:xfrm>
+            <a:prstGeom prst="straightConnector1">
+              <a:avLst/>
+            </a:prstGeom>
+            <a:ln w="38100">
+              <a:solidFill>
+                <a:srgbClr val="FF0000">
+                  <a:alpha val="50196"/>
+                </a:srgbClr>
+              </a:solidFill>
+              <a:tailEnd type="triangle"/>
+            </a:ln>
+          </p:spPr>
+          <p:style>
+            <a:lnRef idx="1">
+              <a:schemeClr val="accent1"/>
+            </a:lnRef>
+            <a:fillRef idx="0">
+              <a:schemeClr val="accent1"/>
+            </a:fillRef>
+            <a:effectRef idx="0">
+              <a:schemeClr val="accent1"/>
+            </a:effectRef>
+            <a:fontRef idx="minor">
+              <a:schemeClr val="tx1"/>
+            </a:fontRef>
+          </p:style>
+        </p:cxnSp>
+        <p:grpSp>
+          <p:nvGrpSpPr>
+            <p:cNvPr id="60" name="Group 59">
+              <a:extLst>
+                <a:ext uri="{FF2B5EF4-FFF2-40B4-BE49-F238E27FC236}">
+                  <a16:creationId xmlns:a16="http://schemas.microsoft.com/office/drawing/2014/main" id="{006369B9-4CA5-410B-BE0C-9AEE00FCE262}"/>
+                </a:ext>
+              </a:extLst>
+            </p:cNvPr>
+            <p:cNvGrpSpPr/>
+            <p:nvPr/>
+          </p:nvGrpSpPr>
+          <p:grpSpPr>
+            <a:xfrm>
+              <a:off x="2947382" y="4013401"/>
+              <a:ext cx="879090" cy="630294"/>
+              <a:chOff x="2982894" y="3995645"/>
+              <a:chExt cx="879090" cy="630294"/>
+            </a:xfrm>
+          </p:grpSpPr>
+          <p:cxnSp>
+            <p:nvCxnSpPr>
+              <p:cNvPr id="62" name="Straight Arrow Connector 61">
+                <a:extLst>
+                  <a:ext uri="{FF2B5EF4-FFF2-40B4-BE49-F238E27FC236}">
+                    <a16:creationId xmlns:a16="http://schemas.microsoft.com/office/drawing/2014/main" id="{07830286-2519-4564-9569-DA9D1BB93E8C}"/>
+                  </a:ext>
+                </a:extLst>
+              </p:cNvPr>
+              <p:cNvCxnSpPr>
+                <a:cxnSpLocks/>
+              </p:cNvCxnSpPr>
+              <p:nvPr/>
+            </p:nvCxnSpPr>
+            <p:spPr>
+              <a:xfrm>
+                <a:off x="2982894" y="3995645"/>
+                <a:ext cx="3" cy="208086"/>
+              </a:xfrm>
+              <a:prstGeom prst="straightConnector1">
+                <a:avLst/>
+              </a:prstGeom>
+              <a:ln w="38100">
+                <a:solidFill>
+                  <a:srgbClr val="FF0000">
+                    <a:alpha val="50196"/>
+                  </a:srgbClr>
+                </a:solidFill>
+                <a:tailEnd type="triangle"/>
+              </a:ln>
+            </p:spPr>
+            <p:style>
+              <a:lnRef idx="1">
+                <a:schemeClr val="accent1"/>
+              </a:lnRef>
+              <a:fillRef idx="0">
+                <a:schemeClr val="accent1"/>
+              </a:fillRef>
+              <a:effectRef idx="0">
+                <a:schemeClr val="accent1"/>
+              </a:effectRef>
+              <a:fontRef idx="minor">
+                <a:schemeClr val="tx1"/>
+              </a:fontRef>
+            </p:style>
+          </p:cxnSp>
+          <p:cxnSp>
+            <p:nvCxnSpPr>
+              <p:cNvPr id="63" name="Straight Arrow Connector 62">
+                <a:extLst>
+                  <a:ext uri="{FF2B5EF4-FFF2-40B4-BE49-F238E27FC236}">
+                    <a16:creationId xmlns:a16="http://schemas.microsoft.com/office/drawing/2014/main" id="{CFD23F1F-D729-4947-B57B-F5E99A11C72A}"/>
+                  </a:ext>
+                </a:extLst>
+              </p:cNvPr>
+              <p:cNvCxnSpPr>
+                <a:cxnSpLocks/>
+              </p:cNvCxnSpPr>
+              <p:nvPr/>
+            </p:nvCxnSpPr>
+            <p:spPr>
+              <a:xfrm>
+                <a:off x="2991774" y="4378864"/>
+                <a:ext cx="3" cy="208086"/>
+              </a:xfrm>
+              <a:prstGeom prst="straightConnector1">
+                <a:avLst/>
+              </a:prstGeom>
+              <a:ln w="38100">
+                <a:solidFill>
+                  <a:srgbClr val="FF0000">
+                    <a:alpha val="50196"/>
+                  </a:srgbClr>
+                </a:solidFill>
+                <a:tailEnd type="triangle"/>
+              </a:ln>
+            </p:spPr>
+            <p:style>
+              <a:lnRef idx="1">
+                <a:schemeClr val="accent1"/>
+              </a:lnRef>
+              <a:fillRef idx="0">
+                <a:schemeClr val="accent1"/>
+              </a:fillRef>
+              <a:effectRef idx="0">
+                <a:schemeClr val="accent1"/>
+              </a:effectRef>
+              <a:fontRef idx="minor">
+                <a:schemeClr val="tx1"/>
+              </a:fontRef>
+            </p:style>
+          </p:cxnSp>
+          <p:cxnSp>
+            <p:nvCxnSpPr>
+              <p:cNvPr id="64" name="Straight Arrow Connector 63">
+                <a:extLst>
+                  <a:ext uri="{FF2B5EF4-FFF2-40B4-BE49-F238E27FC236}">
+                    <a16:creationId xmlns:a16="http://schemas.microsoft.com/office/drawing/2014/main" id="{6C0EBC96-9125-49FA-A71E-557A75D218CF}"/>
+                  </a:ext>
+                </a:extLst>
+              </p:cNvPr>
+              <p:cNvCxnSpPr>
+                <a:cxnSpLocks/>
+              </p:cNvCxnSpPr>
+              <p:nvPr/>
+            </p:nvCxnSpPr>
+            <p:spPr>
+              <a:xfrm>
+                <a:off x="3853101" y="4034634"/>
+                <a:ext cx="3" cy="208086"/>
+              </a:xfrm>
+              <a:prstGeom prst="straightConnector1">
+                <a:avLst/>
+              </a:prstGeom>
+              <a:ln w="38100">
+                <a:solidFill>
+                  <a:srgbClr val="FF0000">
+                    <a:alpha val="50196"/>
+                  </a:srgbClr>
+                </a:solidFill>
+                <a:tailEnd type="triangle"/>
+              </a:ln>
+            </p:spPr>
+            <p:style>
+              <a:lnRef idx="1">
+                <a:schemeClr val="accent1"/>
+              </a:lnRef>
+              <a:fillRef idx="0">
+                <a:schemeClr val="accent1"/>
+              </a:fillRef>
+              <a:effectRef idx="0">
+                <a:schemeClr val="accent1"/>
+              </a:effectRef>
+              <a:fontRef idx="minor">
+                <a:schemeClr val="tx1"/>
+              </a:fontRef>
+            </p:style>
+          </p:cxnSp>
+          <p:cxnSp>
+            <p:nvCxnSpPr>
+              <p:cNvPr id="65" name="Straight Arrow Connector 64">
+                <a:extLst>
+                  <a:ext uri="{FF2B5EF4-FFF2-40B4-BE49-F238E27FC236}">
+                    <a16:creationId xmlns:a16="http://schemas.microsoft.com/office/drawing/2014/main" id="{97B84D37-CB3F-4509-BBA5-CA7C340C3498}"/>
+                  </a:ext>
+                </a:extLst>
+              </p:cNvPr>
+              <p:cNvCxnSpPr>
+                <a:cxnSpLocks/>
+              </p:cNvCxnSpPr>
+              <p:nvPr/>
+            </p:nvCxnSpPr>
+            <p:spPr>
+              <a:xfrm>
+                <a:off x="3861981" y="4417853"/>
+                <a:ext cx="3" cy="208086"/>
+              </a:xfrm>
+              <a:prstGeom prst="straightConnector1">
+                <a:avLst/>
+              </a:prstGeom>
+              <a:ln w="38100">
+                <a:solidFill>
+                  <a:srgbClr val="FF0000">
+                    <a:alpha val="50196"/>
+                  </a:srgbClr>
+                </a:solidFill>
+                <a:tailEnd type="triangle"/>
+              </a:ln>
+            </p:spPr>
+            <p:style>
+              <a:lnRef idx="1">
+                <a:schemeClr val="accent1"/>
+              </a:lnRef>
+              <a:fillRef idx="0">
+                <a:schemeClr val="accent1"/>
+              </a:fillRef>
+              <a:effectRef idx="0">
+                <a:schemeClr val="accent1"/>
+              </a:effectRef>
+              <a:fontRef idx="minor">
+                <a:schemeClr val="tx1"/>
+              </a:fontRef>
+            </p:style>
+          </p:cxnSp>
+        </p:grpSp>
+      </p:grpSp>
+    </p:spTree>
+    <p:extLst>
+      <p:ext uri="{BB962C8B-B14F-4D97-AF65-F5344CB8AC3E}">
+        <p14:creationId xmlns:p14="http://schemas.microsoft.com/office/powerpoint/2010/main" val="1717745677"/>
+      </p:ext>
+    </p:extLst>
+  </p:cSld>
+  <p:clrMapOvr>
+    <a:masterClrMapping/>
+  </p:clrMapOvr>
+</p:sld>
+</file>
+
+<file path=ppt/slides/slide2.xml><?xml version="1.0" encoding="utf-8"?>
+<p:sld xmlns:a="http://schemas.openxmlformats.org/drawingml/2006/main" xmlns:r="http://schemas.openxmlformats.org/officeDocument/2006/relationships" xmlns:p="http://schemas.openxmlformats.org/presentationml/2006/main">
+  <p:cSld>
+    <p:spTree>
+      <p:nvGrpSpPr>
+        <p:cNvPr id="1" name=""/>
+        <p:cNvGrpSpPr/>
+        <p:nvPr/>
+      </p:nvGrpSpPr>
+      <p:grpSpPr>
+        <a:xfrm>
+          <a:off x="0" y="0"/>
+          <a:ext cx="0" cy="0"/>
+          <a:chOff x="0" y="0"/>
+          <a:chExt cx="0" cy="0"/>
+        </a:xfrm>
+      </p:grpSpPr>
+      <p:sp>
+        <p:nvSpPr>
+          <p:cNvPr id="2" name="Title 1">
+            <a:extLst>
+              <a:ext uri="{FF2B5EF4-FFF2-40B4-BE49-F238E27FC236}">
+                <a16:creationId xmlns:a16="http://schemas.microsoft.com/office/drawing/2014/main" id="{4ECC392A-79EE-4FB3-B62C-DFA7957706E4}"/>
+              </a:ext>
+            </a:extLst>
+          </p:cNvPr>
+          <p:cNvSpPr>
+            <a:spLocks noGrp="1"/>
+          </p:cNvSpPr>
+          <p:nvPr>
+            <p:ph type="title"/>
+          </p:nvPr>
+        </p:nvSpPr>
+        <p:spPr>
+          <a:xfrm>
+            <a:off x="838200" y="18840"/>
+            <a:ext cx="10515600" cy="1325563"/>
+          </a:xfrm>
+        </p:spPr>
+        <p:txBody>
+          <a:bodyPr/>
+          <a:lstStyle/>
+          <a:p>
+            <a:r>
+              <a:rPr lang="en-AU" dirty="0"/>
+              <a:t>Experimental design graphics v3</a:t>
+            </a:r>
+          </a:p>
+        </p:txBody>
+      </p:sp>
+      <p:graphicFrame>
+        <p:nvGraphicFramePr>
+          <p:cNvPr id="7" name="Table 6">
+            <a:extLst>
+              <a:ext uri="{FF2B5EF4-FFF2-40B4-BE49-F238E27FC236}">
+                <a16:creationId xmlns:a16="http://schemas.microsoft.com/office/drawing/2014/main" id="{2232D69B-0643-4FD4-8B46-BA53AEB5EFEA}"/>
+              </a:ext>
+            </a:extLst>
+          </p:cNvPr>
+          <p:cNvGraphicFramePr>
+            <a:graphicFrameLocks noGrp="1"/>
+          </p:cNvGraphicFramePr>
+          <p:nvPr>
+            <p:extLst>
+              <p:ext uri="{D42A27DB-BD31-4B8C-83A1-F6EECF244321}">
+                <p14:modId xmlns:p14="http://schemas.microsoft.com/office/powerpoint/2010/main" val="2294449351"/>
+              </p:ext>
+            </p:extLst>
+          </p:nvPr>
+        </p:nvGraphicFramePr>
+        <p:xfrm>
+          <a:off x="1562468" y="1539986"/>
+          <a:ext cx="6398775" cy="1522675"/>
+        </p:xfrm>
+        <a:graphic>
+          <a:graphicData uri="http://schemas.openxmlformats.org/drawingml/2006/table">
+            <a:tbl>
+              <a:tblPr firstRow="1" bandRow="1">
+                <a:tableStyleId>{5C22544A-7EE6-4342-B048-85BDC9FD1C3A}</a:tableStyleId>
+              </a:tblPr>
+              <a:tblGrid>
+                <a:gridCol w="1322775">
+                  <a:extLst>
+                    <a:ext uri="{9D8B030D-6E8A-4147-A177-3AD203B41FA5}">
+                      <a16:colId xmlns:a16="http://schemas.microsoft.com/office/drawing/2014/main" val="952443710"/>
+                    </a:ext>
+                  </a:extLst>
+                </a:gridCol>
+                <a:gridCol w="1692000">
+                  <a:extLst>
+                    <a:ext uri="{9D8B030D-6E8A-4147-A177-3AD203B41FA5}">
+                      <a16:colId xmlns:a16="http://schemas.microsoft.com/office/drawing/2014/main" val="1574367336"/>
+                    </a:ext>
+                  </a:extLst>
+                </a:gridCol>
+                <a:gridCol w="1692000">
+                  <a:extLst>
+                    <a:ext uri="{9D8B030D-6E8A-4147-A177-3AD203B41FA5}">
+                      <a16:colId xmlns:a16="http://schemas.microsoft.com/office/drawing/2014/main" val="1714213086"/>
+                    </a:ext>
+                  </a:extLst>
+                </a:gridCol>
+                <a:gridCol w="1692000">
+                  <a:extLst>
+                    <a:ext uri="{9D8B030D-6E8A-4147-A177-3AD203B41FA5}">
+                      <a16:colId xmlns:a16="http://schemas.microsoft.com/office/drawing/2014/main" val="313146614"/>
+                    </a:ext>
+                  </a:extLst>
+                </a:gridCol>
+              </a:tblGrid>
+              <a:tr h="376744">
+                <a:tc>
+                  <a:txBody>
+                    <a:bodyPr/>
+                    <a:lstStyle/>
+                    <a:p>
+                      <a:endParaRPr lang="en-AU" dirty="0"/>
+                    </a:p>
+                  </a:txBody>
+                  <a:tcPr/>
+                </a:tc>
+                <a:tc>
+                  <a:txBody>
+                    <a:bodyPr/>
+                    <a:lstStyle/>
+                    <a:p>
+                      <a:r>
+                        <a:rPr lang="en-AU" dirty="0"/>
+                        <a:t>Period 1</a:t>
+                      </a:r>
+                    </a:p>
+                  </a:txBody>
+                  <a:tcPr/>
+                </a:tc>
+                <a:tc>
+                  <a:txBody>
+                    <a:bodyPr/>
+                    <a:lstStyle/>
+                    <a:p>
+                      <a:r>
+                        <a:rPr lang="en-AU" dirty="0"/>
+                        <a:t>Period 2</a:t>
+                      </a:r>
+                    </a:p>
+                  </a:txBody>
+                  <a:tcPr/>
+                </a:tc>
+                <a:tc>
+                  <a:txBody>
+                    <a:bodyPr/>
+                    <a:lstStyle/>
+                    <a:p>
+                      <a:r>
+                        <a:rPr lang="en-AU" dirty="0"/>
+                        <a:t>Period 3</a:t>
+                      </a:r>
+                    </a:p>
+                  </a:txBody>
+                  <a:tcPr/>
+                </a:tc>
+                <a:extLst>
+                  <a:ext uri="{0D108BD9-81ED-4DB2-BD59-A6C34878D82A}">
+                    <a16:rowId xmlns:a16="http://schemas.microsoft.com/office/drawing/2014/main" val="4138763571"/>
+                  </a:ext>
+                </a:extLst>
+              </a:tr>
+              <a:tr h="381977">
+                <a:tc>
+                  <a:txBody>
+                    <a:bodyPr/>
+                    <a:lstStyle/>
+                    <a:p>
+                      <a:r>
+                        <a:rPr lang="en-AU" dirty="0">
+                          <a:solidFill>
+                            <a:schemeClr val="bg1">
+                              <a:lumMod val="50000"/>
+                            </a:schemeClr>
+                          </a:solidFill>
+                        </a:rPr>
+                        <a:t>Gp1 (1/3*n)</a:t>
+                      </a:r>
+                    </a:p>
+                  </a:txBody>
+                  <a:tcPr/>
+                </a:tc>
+                <a:tc>
+                  <a:txBody>
+                    <a:bodyPr/>
+                    <a:lstStyle/>
+                    <a:p>
+                      <a:r>
+                        <a:rPr lang="en-AU" dirty="0">
+                          <a:solidFill>
+                            <a:schemeClr val="bg1">
+                              <a:lumMod val="50000"/>
+                            </a:schemeClr>
+                          </a:solidFill>
+                        </a:rPr>
+                        <a:t>Factor 1</a:t>
+                      </a:r>
+                    </a:p>
+                  </a:txBody>
+                  <a:tcPr/>
+                </a:tc>
+                <a:tc>
+                  <a:txBody>
+                    <a:bodyPr/>
+                    <a:lstStyle/>
+                    <a:p>
+                      <a:pPr marL="0" marR="0" lvl="0" indent="0" algn="l" defTabSz="914400" rtl="0" eaLnBrk="1" fontAlgn="auto" latinLnBrk="0" hangingPunct="1">
+                        <a:lnSpc>
+                          <a:spcPct val="100000"/>
+                        </a:lnSpc>
+                        <a:spcBef>
+                          <a:spcPts val="0"/>
+                        </a:spcBef>
+                        <a:spcAft>
+                          <a:spcPts val="0"/>
+                        </a:spcAft>
+                        <a:buClrTx/>
+                        <a:buSzTx/>
+                        <a:buFontTx/>
+                        <a:buNone/>
+                        <a:tabLst/>
+                        <a:defRPr/>
+                      </a:pPr>
+                      <a:r>
+                        <a:rPr lang="en-AU" dirty="0">
+                          <a:solidFill>
+                            <a:schemeClr val="bg1">
+                              <a:lumMod val="50000"/>
+                            </a:schemeClr>
+                          </a:solidFill>
+                        </a:rPr>
+                        <a:t>Factor 2</a:t>
+                      </a:r>
+                    </a:p>
+                  </a:txBody>
+                  <a:tcPr/>
+                </a:tc>
+                <a:tc>
+                  <a:txBody>
+                    <a:bodyPr/>
+                    <a:lstStyle/>
+                    <a:p>
+                      <a:pPr marL="0" marR="0" lvl="0" indent="0" algn="l" defTabSz="914400" rtl="0" eaLnBrk="1" fontAlgn="auto" latinLnBrk="0" hangingPunct="1">
+                        <a:lnSpc>
+                          <a:spcPct val="100000"/>
+                        </a:lnSpc>
+                        <a:spcBef>
+                          <a:spcPts val="0"/>
+                        </a:spcBef>
+                        <a:spcAft>
+                          <a:spcPts val="0"/>
+                        </a:spcAft>
+                        <a:buClrTx/>
+                        <a:buSzTx/>
+                        <a:buFontTx/>
+                        <a:buNone/>
+                        <a:tabLst/>
+                        <a:defRPr/>
+                      </a:pPr>
+                      <a:r>
+                        <a:rPr lang="en-AU" dirty="0">
+                          <a:solidFill>
+                            <a:schemeClr val="bg1">
+                              <a:lumMod val="50000"/>
+                            </a:schemeClr>
+                          </a:solidFill>
+                        </a:rPr>
+                        <a:t>Factor 3</a:t>
+                      </a:r>
+                    </a:p>
+                  </a:txBody>
+                  <a:tcPr/>
+                </a:tc>
+                <a:extLst>
+                  <a:ext uri="{0D108BD9-81ED-4DB2-BD59-A6C34878D82A}">
+                    <a16:rowId xmlns:a16="http://schemas.microsoft.com/office/drawing/2014/main" val="4152554093"/>
+                  </a:ext>
+                </a:extLst>
+              </a:tr>
+              <a:tr h="381977">
+                <a:tc>
+                  <a:txBody>
+                    <a:bodyPr/>
+                    <a:lstStyle/>
+                    <a:p>
+                      <a:pPr marL="0" marR="0" lvl="0" indent="0" algn="l" defTabSz="914400" rtl="0" eaLnBrk="1" fontAlgn="auto" latinLnBrk="0" hangingPunct="1">
+                        <a:lnSpc>
+                          <a:spcPct val="100000"/>
+                        </a:lnSpc>
+                        <a:spcBef>
+                          <a:spcPts val="0"/>
+                        </a:spcBef>
+                        <a:spcAft>
+                          <a:spcPts val="0"/>
+                        </a:spcAft>
+                        <a:buClrTx/>
+                        <a:buSzTx/>
+                        <a:buFontTx/>
+                        <a:buNone/>
+                        <a:tabLst/>
+                        <a:defRPr/>
+                      </a:pPr>
+                      <a:r>
+                        <a:rPr lang="en-AU" b="1" dirty="0"/>
+                        <a:t>Gp2 </a:t>
+                      </a:r>
+                      <a:r>
+                        <a:rPr lang="en-AU" b="0" dirty="0"/>
+                        <a:t>(1/3*n)</a:t>
+                      </a:r>
+                    </a:p>
+                  </a:txBody>
+                  <a:tcPr/>
+                </a:tc>
+                <a:tc>
+                  <a:txBody>
+                    <a:bodyPr/>
+                    <a:lstStyle/>
+                    <a:p>
+                      <a:pPr marL="0" marR="0" lvl="0" indent="0" algn="l" defTabSz="914400" rtl="0" eaLnBrk="1" fontAlgn="auto" latinLnBrk="0" hangingPunct="1">
+                        <a:lnSpc>
+                          <a:spcPct val="100000"/>
+                        </a:lnSpc>
+                        <a:spcBef>
+                          <a:spcPts val="0"/>
+                        </a:spcBef>
+                        <a:spcAft>
+                          <a:spcPts val="0"/>
+                        </a:spcAft>
+                        <a:buClrTx/>
+                        <a:buSzTx/>
+                        <a:buFontTx/>
+                        <a:buNone/>
+                        <a:tabLst/>
+                        <a:defRPr/>
+                      </a:pPr>
+                      <a:r>
+                        <a:rPr lang="en-AU" b="1" dirty="0"/>
+                        <a:t>Factor 2</a:t>
+                      </a:r>
+                    </a:p>
+                  </a:txBody>
+                  <a:tcPr/>
+                </a:tc>
+                <a:tc>
+                  <a:txBody>
+                    <a:bodyPr/>
+                    <a:lstStyle/>
+                    <a:p>
+                      <a:pPr marL="0" marR="0" lvl="0" indent="0" algn="l" defTabSz="914400" rtl="0" eaLnBrk="1" fontAlgn="auto" latinLnBrk="0" hangingPunct="1">
+                        <a:lnSpc>
+                          <a:spcPct val="100000"/>
+                        </a:lnSpc>
+                        <a:spcBef>
+                          <a:spcPts val="0"/>
+                        </a:spcBef>
+                        <a:spcAft>
+                          <a:spcPts val="0"/>
+                        </a:spcAft>
+                        <a:buClrTx/>
+                        <a:buSzTx/>
+                        <a:buFontTx/>
+                        <a:buNone/>
+                        <a:tabLst/>
+                        <a:defRPr/>
+                      </a:pPr>
+                      <a:r>
+                        <a:rPr lang="en-AU" b="1" dirty="0"/>
+                        <a:t>Factor 3</a:t>
+                      </a:r>
+                    </a:p>
+                  </a:txBody>
+                  <a:tcPr/>
+                </a:tc>
+                <a:tc>
+                  <a:txBody>
+                    <a:bodyPr/>
+                    <a:lstStyle/>
+                    <a:p>
+                      <a:pPr marL="0" marR="0" lvl="0" indent="0" algn="l" defTabSz="914400" rtl="0" eaLnBrk="1" fontAlgn="auto" latinLnBrk="0" hangingPunct="1">
+                        <a:lnSpc>
+                          <a:spcPct val="100000"/>
+                        </a:lnSpc>
+                        <a:spcBef>
+                          <a:spcPts val="0"/>
+                        </a:spcBef>
+                        <a:spcAft>
+                          <a:spcPts val="0"/>
+                        </a:spcAft>
+                        <a:buClrTx/>
+                        <a:buSzTx/>
+                        <a:buFontTx/>
+                        <a:buNone/>
+                        <a:tabLst/>
+                        <a:defRPr/>
+                      </a:pPr>
+                      <a:r>
+                        <a:rPr lang="en-AU" b="1" dirty="0"/>
+                        <a:t>Factor 1</a:t>
+                      </a:r>
+                    </a:p>
+                  </a:txBody>
+                  <a:tcPr/>
+                </a:tc>
+                <a:extLst>
+                  <a:ext uri="{0D108BD9-81ED-4DB2-BD59-A6C34878D82A}">
+                    <a16:rowId xmlns:a16="http://schemas.microsoft.com/office/drawing/2014/main" val="127744001"/>
+                  </a:ext>
+                </a:extLst>
+              </a:tr>
+              <a:tr h="381977">
+                <a:tc>
+                  <a:txBody>
+                    <a:bodyPr/>
+                    <a:lstStyle/>
+                    <a:p>
+                      <a:r>
+                        <a:rPr lang="en-AU" dirty="0">
+                          <a:solidFill>
+                            <a:schemeClr val="bg1">
+                              <a:lumMod val="50000"/>
+                            </a:schemeClr>
+                          </a:solidFill>
+                        </a:rPr>
+                        <a:t>Gp3 (1/3*n)</a:t>
+                      </a:r>
+                    </a:p>
+                  </a:txBody>
+                  <a:tcPr/>
+                </a:tc>
+                <a:tc>
+                  <a:txBody>
+                    <a:bodyPr/>
+                    <a:lstStyle/>
+                    <a:p>
+                      <a:pPr marL="0" marR="0" lvl="0" indent="0" algn="l" defTabSz="914400" rtl="0" eaLnBrk="1" fontAlgn="auto" latinLnBrk="0" hangingPunct="1">
+                        <a:lnSpc>
+                          <a:spcPct val="100000"/>
+                        </a:lnSpc>
+                        <a:spcBef>
+                          <a:spcPts val="0"/>
+                        </a:spcBef>
+                        <a:spcAft>
+                          <a:spcPts val="0"/>
+                        </a:spcAft>
+                        <a:buClrTx/>
+                        <a:buSzTx/>
+                        <a:buFontTx/>
+                        <a:buNone/>
+                        <a:tabLst/>
+                        <a:defRPr/>
+                      </a:pPr>
+                      <a:r>
+                        <a:rPr lang="en-AU" dirty="0">
+                          <a:solidFill>
+                            <a:schemeClr val="bg1">
+                              <a:lumMod val="50000"/>
+                            </a:schemeClr>
+                          </a:solidFill>
+                        </a:rPr>
+                        <a:t>Factor 3</a:t>
+                      </a:r>
+                    </a:p>
+                  </a:txBody>
+                  <a:tcPr/>
+                </a:tc>
+                <a:tc>
+                  <a:txBody>
+                    <a:bodyPr/>
+                    <a:lstStyle/>
+                    <a:p>
+                      <a:pPr marL="0" marR="0" lvl="0" indent="0" algn="l" defTabSz="914400" rtl="0" eaLnBrk="1" fontAlgn="auto" latinLnBrk="0" hangingPunct="1">
+                        <a:lnSpc>
+                          <a:spcPct val="100000"/>
+                        </a:lnSpc>
+                        <a:spcBef>
+                          <a:spcPts val="0"/>
+                        </a:spcBef>
+                        <a:spcAft>
+                          <a:spcPts val="0"/>
+                        </a:spcAft>
+                        <a:buClrTx/>
+                        <a:buSzTx/>
+                        <a:buFontTx/>
+                        <a:buNone/>
+                        <a:tabLst/>
+                        <a:defRPr/>
+                      </a:pPr>
+                      <a:r>
+                        <a:rPr lang="en-AU" dirty="0">
+                          <a:solidFill>
+                            <a:schemeClr val="bg1">
+                              <a:lumMod val="50000"/>
+                            </a:schemeClr>
+                          </a:solidFill>
+                        </a:rPr>
+                        <a:t>Factor 1</a:t>
+                      </a:r>
+                    </a:p>
+                  </a:txBody>
+                  <a:tcPr/>
+                </a:tc>
+                <a:tc>
+                  <a:txBody>
+                    <a:bodyPr/>
+                    <a:lstStyle/>
+                    <a:p>
+                      <a:pPr marL="0" marR="0" lvl="0" indent="0" algn="l" defTabSz="914400" rtl="0" eaLnBrk="1" fontAlgn="auto" latinLnBrk="0" hangingPunct="1">
+                        <a:lnSpc>
+                          <a:spcPct val="100000"/>
+                        </a:lnSpc>
+                        <a:spcBef>
+                          <a:spcPts val="0"/>
+                        </a:spcBef>
+                        <a:spcAft>
+                          <a:spcPts val="0"/>
+                        </a:spcAft>
+                        <a:buClrTx/>
+                        <a:buSzTx/>
+                        <a:buFontTx/>
+                        <a:buNone/>
+                        <a:tabLst/>
+                        <a:defRPr/>
+                      </a:pPr>
+                      <a:r>
+                        <a:rPr lang="en-AU" dirty="0">
+                          <a:solidFill>
+                            <a:schemeClr val="bg1">
+                              <a:lumMod val="50000"/>
+                            </a:schemeClr>
+                          </a:solidFill>
+                        </a:rPr>
+                        <a:t>Factor 2</a:t>
+                      </a:r>
+                    </a:p>
+                  </a:txBody>
+                  <a:tcPr/>
+                </a:tc>
+                <a:extLst>
+                  <a:ext uri="{0D108BD9-81ED-4DB2-BD59-A6C34878D82A}">
+                    <a16:rowId xmlns:a16="http://schemas.microsoft.com/office/drawing/2014/main" val="2888210093"/>
+                  </a:ext>
+                </a:extLst>
+              </a:tr>
+            </a:tbl>
+          </a:graphicData>
+        </a:graphic>
+      </p:graphicFrame>
+      <p:graphicFrame>
+        <p:nvGraphicFramePr>
+          <p:cNvPr id="9" name="Table 8">
+            <a:extLst>
+              <a:ext uri="{FF2B5EF4-FFF2-40B4-BE49-F238E27FC236}">
+                <a16:creationId xmlns:a16="http://schemas.microsoft.com/office/drawing/2014/main" id="{46D36220-A859-42B9-A346-0C939B88C1E0}"/>
+              </a:ext>
+            </a:extLst>
+          </p:cNvPr>
+          <p:cNvGraphicFramePr>
+            <a:graphicFrameLocks noGrp="1"/>
+          </p:cNvGraphicFramePr>
+          <p:nvPr>
+            <p:extLst>
+              <p:ext uri="{D42A27DB-BD31-4B8C-83A1-F6EECF244321}">
+                <p14:modId xmlns:p14="http://schemas.microsoft.com/office/powerpoint/2010/main" val="2611654172"/>
               </p:ext>
             </p:extLst>
           </p:nvPr>
@@ -5038,6 +8112,1225 @@
           </a:p>
         </p:txBody>
       </p:sp>
+      <p:grpSp>
+        <p:nvGrpSpPr>
+          <p:cNvPr id="17" name="Group 16">
+            <a:extLst>
+              <a:ext uri="{FF2B5EF4-FFF2-40B4-BE49-F238E27FC236}">
+                <a16:creationId xmlns:a16="http://schemas.microsoft.com/office/drawing/2014/main" id="{979B0094-7798-4535-8B8F-573CF05CD54C}"/>
+              </a:ext>
+            </a:extLst>
+          </p:cNvPr>
+          <p:cNvGrpSpPr/>
+          <p:nvPr/>
+        </p:nvGrpSpPr>
+        <p:grpSpPr>
+          <a:xfrm>
+            <a:off x="507506" y="1978327"/>
+            <a:ext cx="914400" cy="914400"/>
+            <a:chOff x="507506" y="1978327"/>
+            <a:chExt cx="914400" cy="914400"/>
+          </a:xfrm>
+        </p:grpSpPr>
+        <p:pic>
+          <p:nvPicPr>
+            <p:cNvPr id="15" name="Graphic 14" descr="User">
+              <a:extLst>
+                <a:ext uri="{FF2B5EF4-FFF2-40B4-BE49-F238E27FC236}">
+                  <a16:creationId xmlns:a16="http://schemas.microsoft.com/office/drawing/2014/main" id="{836293C7-5850-4CB4-B0E7-2281C641319E}"/>
+                </a:ext>
+              </a:extLst>
+            </p:cNvPr>
+            <p:cNvPicPr>
+              <a:picLocks noChangeAspect="1"/>
+            </p:cNvPicPr>
+            <p:nvPr/>
+          </p:nvPicPr>
+          <p:blipFill>
+            <a:blip r:embed="rId2">
+              <a:extLst>
+                <a:ext uri="{28A0092B-C50C-407E-A947-70E740481C1C}">
+                  <a14:useLocalDpi xmlns:a14="http://schemas.microsoft.com/office/drawing/2010/main" val="0"/>
+                </a:ext>
+                <a:ext uri="{96DAC541-7B7A-43D3-8B79-37D633B846F1}">
+                  <asvg:svgBlip xmlns:asvg="http://schemas.microsoft.com/office/drawing/2016/SVG/main" r:embed="rId3"/>
+                </a:ext>
+              </a:extLst>
+            </a:blip>
+            <a:stretch>
+              <a:fillRect/>
+            </a:stretch>
+          </p:blipFill>
+          <p:spPr>
+            <a:xfrm>
+              <a:off x="507506" y="1978327"/>
+              <a:ext cx="914400" cy="914400"/>
+            </a:xfrm>
+            <a:prstGeom prst="rect">
+              <a:avLst/>
+            </a:prstGeom>
+          </p:spPr>
+        </p:pic>
+        <p:sp>
+          <p:nvSpPr>
+            <p:cNvPr id="16" name="TextBox 15">
+              <a:extLst>
+                <a:ext uri="{FF2B5EF4-FFF2-40B4-BE49-F238E27FC236}">
+                  <a16:creationId xmlns:a16="http://schemas.microsoft.com/office/drawing/2014/main" id="{9AE536ED-D2F4-41A3-96C4-D9C9FBBDF3EB}"/>
+                </a:ext>
+              </a:extLst>
+            </p:cNvPr>
+            <p:cNvSpPr txBox="1"/>
+            <p:nvPr/>
+          </p:nvSpPr>
+          <p:spPr>
+            <a:xfrm>
+              <a:off x="808608" y="2435527"/>
+              <a:ext cx="435006" cy="369332"/>
+            </a:xfrm>
+            <a:prstGeom prst="rect">
+              <a:avLst/>
+            </a:prstGeom>
+            <a:noFill/>
+          </p:spPr>
+          <p:txBody>
+            <a:bodyPr wrap="square" rtlCol="0">
+              <a:spAutoFit/>
+            </a:bodyPr>
+            <a:lstStyle/>
+            <a:p>
+              <a:r>
+                <a:rPr lang="en-AU" dirty="0">
+                  <a:solidFill>
+                    <a:schemeClr val="bg1"/>
+                  </a:solidFill>
+                </a:rPr>
+                <a:t>A</a:t>
+              </a:r>
+            </a:p>
+          </p:txBody>
+        </p:sp>
+      </p:grpSp>
+      <p:cxnSp>
+        <p:nvCxnSpPr>
+          <p:cNvPr id="19" name="Straight Arrow Connector 18">
+            <a:extLst>
+              <a:ext uri="{FF2B5EF4-FFF2-40B4-BE49-F238E27FC236}">
+                <a16:creationId xmlns:a16="http://schemas.microsoft.com/office/drawing/2014/main" id="{084FCCE5-2B4A-4E53-84D2-309FFBF85866}"/>
+              </a:ext>
+            </a:extLst>
+          </p:cNvPr>
+          <p:cNvCxnSpPr>
+            <a:cxnSpLocks/>
+          </p:cNvCxnSpPr>
+          <p:nvPr/>
+        </p:nvCxnSpPr>
+        <p:spPr>
+          <a:xfrm flipV="1">
+            <a:off x="1332760" y="2513025"/>
+            <a:ext cx="229708" cy="98709"/>
+          </a:xfrm>
+          <a:prstGeom prst="straightConnector1">
+            <a:avLst/>
+          </a:prstGeom>
+          <a:ln w="38100">
+            <a:solidFill>
+              <a:srgbClr val="FF0000"/>
+            </a:solidFill>
+            <a:tailEnd type="triangle"/>
+          </a:ln>
+        </p:spPr>
+        <p:style>
+          <a:lnRef idx="1">
+            <a:schemeClr val="accent1"/>
+          </a:lnRef>
+          <a:fillRef idx="0">
+            <a:schemeClr val="accent1"/>
+          </a:fillRef>
+          <a:effectRef idx="0">
+            <a:schemeClr val="accent1"/>
+          </a:effectRef>
+          <a:fontRef idx="minor">
+            <a:schemeClr val="tx1"/>
+          </a:fontRef>
+        </p:style>
+      </p:cxnSp>
+      <p:cxnSp>
+        <p:nvCxnSpPr>
+          <p:cNvPr id="22" name="Straight Arrow Connector 21">
+            <a:extLst>
+              <a:ext uri="{FF2B5EF4-FFF2-40B4-BE49-F238E27FC236}">
+                <a16:creationId xmlns:a16="http://schemas.microsoft.com/office/drawing/2014/main" id="{A80048A4-42EB-4353-B29C-28B89ACE0EB9}"/>
+              </a:ext>
+            </a:extLst>
+          </p:cNvPr>
+          <p:cNvCxnSpPr>
+            <a:cxnSpLocks/>
+          </p:cNvCxnSpPr>
+          <p:nvPr/>
+        </p:nvCxnSpPr>
+        <p:spPr>
+          <a:xfrm>
+            <a:off x="2796466" y="2513025"/>
+            <a:ext cx="186431" cy="1"/>
+          </a:xfrm>
+          <a:prstGeom prst="straightConnector1">
+            <a:avLst/>
+          </a:prstGeom>
+          <a:ln w="38100">
+            <a:solidFill>
+              <a:srgbClr val="FF0000"/>
+            </a:solidFill>
+            <a:tailEnd type="triangle"/>
+          </a:ln>
+        </p:spPr>
+        <p:style>
+          <a:lnRef idx="1">
+            <a:schemeClr val="accent1"/>
+          </a:lnRef>
+          <a:fillRef idx="0">
+            <a:schemeClr val="accent1"/>
+          </a:fillRef>
+          <a:effectRef idx="0">
+            <a:schemeClr val="accent1"/>
+          </a:effectRef>
+          <a:fontRef idx="minor">
+            <a:schemeClr val="tx1"/>
+          </a:fontRef>
+        </p:style>
+      </p:cxnSp>
+      <p:grpSp>
+        <p:nvGrpSpPr>
+          <p:cNvPr id="44" name="Group 43">
+            <a:extLst>
+              <a:ext uri="{FF2B5EF4-FFF2-40B4-BE49-F238E27FC236}">
+                <a16:creationId xmlns:a16="http://schemas.microsoft.com/office/drawing/2014/main" id="{C6C8AE32-1D92-42B4-8145-1DAC771EBF4A}"/>
+              </a:ext>
+            </a:extLst>
+          </p:cNvPr>
+          <p:cNvGrpSpPr/>
+          <p:nvPr/>
+        </p:nvGrpSpPr>
+        <p:grpSpPr>
+          <a:xfrm>
+            <a:off x="2947382" y="2513025"/>
+            <a:ext cx="1664130" cy="2130670"/>
+            <a:chOff x="2947382" y="2513025"/>
+            <a:chExt cx="1664130" cy="2130670"/>
+          </a:xfrm>
+        </p:grpSpPr>
+        <p:cxnSp>
+          <p:nvCxnSpPr>
+            <p:cNvPr id="27" name="Straight Arrow Connector 26">
+              <a:extLst>
+                <a:ext uri="{FF2B5EF4-FFF2-40B4-BE49-F238E27FC236}">
+                  <a16:creationId xmlns:a16="http://schemas.microsoft.com/office/drawing/2014/main" id="{ED77DEB6-0C0A-4FD2-91AF-DDE17EFB90CE}"/>
+                </a:ext>
+              </a:extLst>
+            </p:cNvPr>
+            <p:cNvCxnSpPr>
+              <a:cxnSpLocks/>
+            </p:cNvCxnSpPr>
+            <p:nvPr/>
+          </p:nvCxnSpPr>
+          <p:spPr>
+            <a:xfrm flipH="1">
+              <a:off x="2965142" y="2666494"/>
+              <a:ext cx="4637" cy="1128846"/>
+            </a:xfrm>
+            <a:prstGeom prst="straightConnector1">
+              <a:avLst/>
+            </a:prstGeom>
+            <a:ln w="38100">
+              <a:solidFill>
+                <a:srgbClr val="FF0000"/>
+              </a:solidFill>
+              <a:tailEnd type="triangle"/>
+            </a:ln>
+          </p:spPr>
+          <p:style>
+            <a:lnRef idx="1">
+              <a:schemeClr val="accent1"/>
+            </a:lnRef>
+            <a:fillRef idx="0">
+              <a:schemeClr val="accent1"/>
+            </a:fillRef>
+            <a:effectRef idx="0">
+              <a:schemeClr val="accent1"/>
+            </a:effectRef>
+            <a:fontRef idx="minor">
+              <a:schemeClr val="tx1"/>
+            </a:fontRef>
+          </p:style>
+        </p:cxnSp>
+        <p:cxnSp>
+          <p:nvCxnSpPr>
+            <p:cNvPr id="34" name="Straight Arrow Connector 33">
+              <a:extLst>
+                <a:ext uri="{FF2B5EF4-FFF2-40B4-BE49-F238E27FC236}">
+                  <a16:creationId xmlns:a16="http://schemas.microsoft.com/office/drawing/2014/main" id="{28304008-EA39-416F-8801-6EB8E8E291F6}"/>
+                </a:ext>
+              </a:extLst>
+            </p:cNvPr>
+            <p:cNvCxnSpPr>
+              <a:cxnSpLocks/>
+            </p:cNvCxnSpPr>
+            <p:nvPr/>
+          </p:nvCxnSpPr>
+          <p:spPr>
+            <a:xfrm flipV="1">
+              <a:off x="3537748" y="3879542"/>
+              <a:ext cx="244139" cy="647038"/>
+            </a:xfrm>
+            <a:prstGeom prst="straightConnector1">
+              <a:avLst/>
+            </a:prstGeom>
+            <a:ln w="38100">
+              <a:solidFill>
+                <a:srgbClr val="FF0000"/>
+              </a:solidFill>
+              <a:tailEnd type="triangle"/>
+            </a:ln>
+          </p:spPr>
+          <p:style>
+            <a:lnRef idx="1">
+              <a:schemeClr val="accent1"/>
+            </a:lnRef>
+            <a:fillRef idx="0">
+              <a:schemeClr val="accent1"/>
+            </a:fillRef>
+            <a:effectRef idx="0">
+              <a:schemeClr val="accent1"/>
+            </a:effectRef>
+            <a:fontRef idx="minor">
+              <a:schemeClr val="tx1"/>
+            </a:fontRef>
+          </p:style>
+        </p:cxnSp>
+        <p:grpSp>
+          <p:nvGrpSpPr>
+            <p:cNvPr id="39" name="Group 38">
+              <a:extLst>
+                <a:ext uri="{FF2B5EF4-FFF2-40B4-BE49-F238E27FC236}">
+                  <a16:creationId xmlns:a16="http://schemas.microsoft.com/office/drawing/2014/main" id="{C12A47F4-B4CE-47A8-B43C-EAF99E09D4E5}"/>
+                </a:ext>
+              </a:extLst>
+            </p:cNvPr>
+            <p:cNvGrpSpPr/>
+            <p:nvPr/>
+          </p:nvGrpSpPr>
+          <p:grpSpPr>
+            <a:xfrm>
+              <a:off x="2947382" y="4013401"/>
+              <a:ext cx="879090" cy="630294"/>
+              <a:chOff x="2982894" y="3995645"/>
+              <a:chExt cx="879090" cy="630294"/>
+            </a:xfrm>
+          </p:grpSpPr>
+          <p:cxnSp>
+            <p:nvCxnSpPr>
+              <p:cNvPr id="31" name="Straight Arrow Connector 30">
+                <a:extLst>
+                  <a:ext uri="{FF2B5EF4-FFF2-40B4-BE49-F238E27FC236}">
+                    <a16:creationId xmlns:a16="http://schemas.microsoft.com/office/drawing/2014/main" id="{7E1987D8-0E77-493B-8293-18F4C354951B}"/>
+                  </a:ext>
+                </a:extLst>
+              </p:cNvPr>
+              <p:cNvCxnSpPr>
+                <a:cxnSpLocks/>
+              </p:cNvCxnSpPr>
+              <p:nvPr/>
+            </p:nvCxnSpPr>
+            <p:spPr>
+              <a:xfrm>
+                <a:off x="2982894" y="3995645"/>
+                <a:ext cx="3" cy="208086"/>
+              </a:xfrm>
+              <a:prstGeom prst="straightConnector1">
+                <a:avLst/>
+              </a:prstGeom>
+              <a:ln w="38100">
+                <a:solidFill>
+                  <a:srgbClr val="FF0000"/>
+                </a:solidFill>
+                <a:tailEnd type="triangle"/>
+              </a:ln>
+            </p:spPr>
+            <p:style>
+              <a:lnRef idx="1">
+                <a:schemeClr val="accent1"/>
+              </a:lnRef>
+              <a:fillRef idx="0">
+                <a:schemeClr val="accent1"/>
+              </a:fillRef>
+              <a:effectRef idx="0">
+                <a:schemeClr val="accent1"/>
+              </a:effectRef>
+              <a:fontRef idx="minor">
+                <a:schemeClr val="tx1"/>
+              </a:fontRef>
+            </p:style>
+          </p:cxnSp>
+          <p:cxnSp>
+            <p:nvCxnSpPr>
+              <p:cNvPr id="33" name="Straight Arrow Connector 32">
+                <a:extLst>
+                  <a:ext uri="{FF2B5EF4-FFF2-40B4-BE49-F238E27FC236}">
+                    <a16:creationId xmlns:a16="http://schemas.microsoft.com/office/drawing/2014/main" id="{A5E43B9E-1011-4306-8992-4E1C53458D75}"/>
+                  </a:ext>
+                </a:extLst>
+              </p:cNvPr>
+              <p:cNvCxnSpPr>
+                <a:cxnSpLocks/>
+              </p:cNvCxnSpPr>
+              <p:nvPr/>
+            </p:nvCxnSpPr>
+            <p:spPr>
+              <a:xfrm>
+                <a:off x="2991774" y="4378864"/>
+                <a:ext cx="3" cy="208086"/>
+              </a:xfrm>
+              <a:prstGeom prst="straightConnector1">
+                <a:avLst/>
+              </a:prstGeom>
+              <a:ln w="38100">
+                <a:solidFill>
+                  <a:srgbClr val="FF0000"/>
+                </a:solidFill>
+                <a:tailEnd type="triangle"/>
+              </a:ln>
+            </p:spPr>
+            <p:style>
+              <a:lnRef idx="1">
+                <a:schemeClr val="accent1"/>
+              </a:lnRef>
+              <a:fillRef idx="0">
+                <a:schemeClr val="accent1"/>
+              </a:fillRef>
+              <a:effectRef idx="0">
+                <a:schemeClr val="accent1"/>
+              </a:effectRef>
+              <a:fontRef idx="minor">
+                <a:schemeClr val="tx1"/>
+              </a:fontRef>
+            </p:style>
+          </p:cxnSp>
+          <p:cxnSp>
+            <p:nvCxnSpPr>
+              <p:cNvPr id="37" name="Straight Arrow Connector 36">
+                <a:extLst>
+                  <a:ext uri="{FF2B5EF4-FFF2-40B4-BE49-F238E27FC236}">
+                    <a16:creationId xmlns:a16="http://schemas.microsoft.com/office/drawing/2014/main" id="{05A423A7-3004-4738-9BCD-133D5F0EB1E8}"/>
+                  </a:ext>
+                </a:extLst>
+              </p:cNvPr>
+              <p:cNvCxnSpPr>
+                <a:cxnSpLocks/>
+              </p:cNvCxnSpPr>
+              <p:nvPr/>
+            </p:nvCxnSpPr>
+            <p:spPr>
+              <a:xfrm>
+                <a:off x="3853101" y="4034634"/>
+                <a:ext cx="3" cy="208086"/>
+              </a:xfrm>
+              <a:prstGeom prst="straightConnector1">
+                <a:avLst/>
+              </a:prstGeom>
+              <a:ln w="38100">
+                <a:solidFill>
+                  <a:srgbClr val="FF0000"/>
+                </a:solidFill>
+                <a:tailEnd type="triangle"/>
+              </a:ln>
+            </p:spPr>
+            <p:style>
+              <a:lnRef idx="1">
+                <a:schemeClr val="accent1"/>
+              </a:lnRef>
+              <a:fillRef idx="0">
+                <a:schemeClr val="accent1"/>
+              </a:fillRef>
+              <a:effectRef idx="0">
+                <a:schemeClr val="accent1"/>
+              </a:effectRef>
+              <a:fontRef idx="minor">
+                <a:schemeClr val="tx1"/>
+              </a:fontRef>
+            </p:style>
+          </p:cxnSp>
+          <p:cxnSp>
+            <p:nvCxnSpPr>
+              <p:cNvPr id="38" name="Straight Arrow Connector 37">
+                <a:extLst>
+                  <a:ext uri="{FF2B5EF4-FFF2-40B4-BE49-F238E27FC236}">
+                    <a16:creationId xmlns:a16="http://schemas.microsoft.com/office/drawing/2014/main" id="{E1F6CD4F-84E9-44CC-8B65-9E724BAAC2EE}"/>
+                  </a:ext>
+                </a:extLst>
+              </p:cNvPr>
+              <p:cNvCxnSpPr>
+                <a:cxnSpLocks/>
+              </p:cNvCxnSpPr>
+              <p:nvPr/>
+            </p:nvCxnSpPr>
+            <p:spPr>
+              <a:xfrm>
+                <a:off x="3861981" y="4417853"/>
+                <a:ext cx="3" cy="208086"/>
+              </a:xfrm>
+              <a:prstGeom prst="straightConnector1">
+                <a:avLst/>
+              </a:prstGeom>
+              <a:ln w="38100">
+                <a:solidFill>
+                  <a:srgbClr val="FF0000"/>
+                </a:solidFill>
+                <a:tailEnd type="triangle"/>
+              </a:ln>
+            </p:spPr>
+            <p:style>
+              <a:lnRef idx="1">
+                <a:schemeClr val="accent1"/>
+              </a:lnRef>
+              <a:fillRef idx="0">
+                <a:schemeClr val="accent1"/>
+              </a:fillRef>
+              <a:effectRef idx="0">
+                <a:schemeClr val="accent1"/>
+              </a:effectRef>
+              <a:fontRef idx="minor">
+                <a:schemeClr val="tx1"/>
+              </a:fontRef>
+            </p:style>
+          </p:cxnSp>
+        </p:grpSp>
+        <p:cxnSp>
+          <p:nvCxnSpPr>
+            <p:cNvPr id="42" name="Straight Arrow Connector 41">
+              <a:extLst>
+                <a:ext uri="{FF2B5EF4-FFF2-40B4-BE49-F238E27FC236}">
+                  <a16:creationId xmlns:a16="http://schemas.microsoft.com/office/drawing/2014/main" id="{C991EBB3-5D25-403D-8E7D-A1B2A68BB252}"/>
+                </a:ext>
+              </a:extLst>
+            </p:cNvPr>
+            <p:cNvCxnSpPr>
+              <a:cxnSpLocks/>
+            </p:cNvCxnSpPr>
+            <p:nvPr/>
+          </p:nvCxnSpPr>
+          <p:spPr>
+            <a:xfrm flipV="1">
+              <a:off x="4408155" y="2513025"/>
+              <a:ext cx="203357" cy="2013556"/>
+            </a:xfrm>
+            <a:prstGeom prst="straightConnector1">
+              <a:avLst/>
+            </a:prstGeom>
+            <a:ln w="38100">
+              <a:solidFill>
+                <a:srgbClr val="FF0000"/>
+              </a:solidFill>
+              <a:tailEnd type="triangle"/>
+            </a:ln>
+          </p:spPr>
+          <p:style>
+            <a:lnRef idx="1">
+              <a:schemeClr val="accent1"/>
+            </a:lnRef>
+            <a:fillRef idx="0">
+              <a:schemeClr val="accent1"/>
+            </a:fillRef>
+            <a:effectRef idx="0">
+              <a:schemeClr val="accent1"/>
+            </a:effectRef>
+            <a:fontRef idx="minor">
+              <a:schemeClr val="tx1"/>
+            </a:fontRef>
+          </p:style>
+        </p:cxnSp>
+      </p:grpSp>
+      <p:grpSp>
+        <p:nvGrpSpPr>
+          <p:cNvPr id="45" name="Group 44">
+            <a:extLst>
+              <a:ext uri="{FF2B5EF4-FFF2-40B4-BE49-F238E27FC236}">
+                <a16:creationId xmlns:a16="http://schemas.microsoft.com/office/drawing/2014/main" id="{41CAA50D-2A18-45E7-BA70-679AE987BA69}"/>
+              </a:ext>
+            </a:extLst>
+          </p:cNvPr>
+          <p:cNvGrpSpPr/>
+          <p:nvPr/>
+        </p:nvGrpSpPr>
+        <p:grpSpPr>
+          <a:xfrm>
+            <a:off x="4639904" y="2423172"/>
+            <a:ext cx="1704709" cy="2208168"/>
+            <a:chOff x="2947382" y="2435527"/>
+            <a:chExt cx="1704709" cy="2208168"/>
+          </a:xfrm>
+        </p:grpSpPr>
+        <p:cxnSp>
+          <p:nvCxnSpPr>
+            <p:cNvPr id="46" name="Straight Arrow Connector 45">
+              <a:extLst>
+                <a:ext uri="{FF2B5EF4-FFF2-40B4-BE49-F238E27FC236}">
+                  <a16:creationId xmlns:a16="http://schemas.microsoft.com/office/drawing/2014/main" id="{AD4ABE1C-8411-410A-9A6F-739D5C437018}"/>
+                </a:ext>
+              </a:extLst>
+            </p:cNvPr>
+            <p:cNvCxnSpPr>
+              <a:cxnSpLocks/>
+            </p:cNvCxnSpPr>
+            <p:nvPr/>
+          </p:nvCxnSpPr>
+          <p:spPr>
+            <a:xfrm flipH="1">
+              <a:off x="2965142" y="2666494"/>
+              <a:ext cx="4637" cy="1128846"/>
+            </a:xfrm>
+            <a:prstGeom prst="straightConnector1">
+              <a:avLst/>
+            </a:prstGeom>
+            <a:ln w="38100">
+              <a:solidFill>
+                <a:srgbClr val="FF0000">
+                  <a:alpha val="50196"/>
+                </a:srgbClr>
+              </a:solidFill>
+              <a:tailEnd type="triangle"/>
+            </a:ln>
+          </p:spPr>
+          <p:style>
+            <a:lnRef idx="1">
+              <a:schemeClr val="accent1"/>
+            </a:lnRef>
+            <a:fillRef idx="0">
+              <a:schemeClr val="accent1"/>
+            </a:fillRef>
+            <a:effectRef idx="0">
+              <a:schemeClr val="accent1"/>
+            </a:effectRef>
+            <a:fontRef idx="minor">
+              <a:schemeClr val="tx1"/>
+            </a:fontRef>
+          </p:style>
+        </p:cxnSp>
+        <p:cxnSp>
+          <p:nvCxnSpPr>
+            <p:cNvPr id="47" name="Straight Arrow Connector 46">
+              <a:extLst>
+                <a:ext uri="{FF2B5EF4-FFF2-40B4-BE49-F238E27FC236}">
+                  <a16:creationId xmlns:a16="http://schemas.microsoft.com/office/drawing/2014/main" id="{A363DA01-3AB0-425C-A8AE-8FA945CDD733}"/>
+                </a:ext>
+              </a:extLst>
+            </p:cNvPr>
+            <p:cNvCxnSpPr>
+              <a:cxnSpLocks/>
+            </p:cNvCxnSpPr>
+            <p:nvPr/>
+          </p:nvCxnSpPr>
+          <p:spPr>
+            <a:xfrm flipV="1">
+              <a:off x="3537748" y="3879542"/>
+              <a:ext cx="244139" cy="647038"/>
+            </a:xfrm>
+            <a:prstGeom prst="straightConnector1">
+              <a:avLst/>
+            </a:prstGeom>
+            <a:ln w="38100">
+              <a:solidFill>
+                <a:srgbClr val="FF0000">
+                  <a:alpha val="50196"/>
+                </a:srgbClr>
+              </a:solidFill>
+              <a:tailEnd type="triangle"/>
+            </a:ln>
+          </p:spPr>
+          <p:style>
+            <a:lnRef idx="1">
+              <a:schemeClr val="accent1"/>
+            </a:lnRef>
+            <a:fillRef idx="0">
+              <a:schemeClr val="accent1"/>
+            </a:fillRef>
+            <a:effectRef idx="0">
+              <a:schemeClr val="accent1"/>
+            </a:effectRef>
+            <a:fontRef idx="minor">
+              <a:schemeClr val="tx1"/>
+            </a:fontRef>
+          </p:style>
+        </p:cxnSp>
+        <p:grpSp>
+          <p:nvGrpSpPr>
+            <p:cNvPr id="48" name="Group 47">
+              <a:extLst>
+                <a:ext uri="{FF2B5EF4-FFF2-40B4-BE49-F238E27FC236}">
+                  <a16:creationId xmlns:a16="http://schemas.microsoft.com/office/drawing/2014/main" id="{647E2392-F983-4C60-B7EC-4B3992A37352}"/>
+                </a:ext>
+              </a:extLst>
+            </p:cNvPr>
+            <p:cNvGrpSpPr/>
+            <p:nvPr/>
+          </p:nvGrpSpPr>
+          <p:grpSpPr>
+            <a:xfrm>
+              <a:off x="2947382" y="4013401"/>
+              <a:ext cx="879090" cy="630294"/>
+              <a:chOff x="2982894" y="3995645"/>
+              <a:chExt cx="879090" cy="630294"/>
+            </a:xfrm>
+          </p:grpSpPr>
+          <p:cxnSp>
+            <p:nvCxnSpPr>
+              <p:cNvPr id="50" name="Straight Arrow Connector 49">
+                <a:extLst>
+                  <a:ext uri="{FF2B5EF4-FFF2-40B4-BE49-F238E27FC236}">
+                    <a16:creationId xmlns:a16="http://schemas.microsoft.com/office/drawing/2014/main" id="{9469BEF7-DB1E-4EAF-A0B7-A2403C343CE3}"/>
+                  </a:ext>
+                </a:extLst>
+              </p:cNvPr>
+              <p:cNvCxnSpPr>
+                <a:cxnSpLocks/>
+              </p:cNvCxnSpPr>
+              <p:nvPr/>
+            </p:nvCxnSpPr>
+            <p:spPr>
+              <a:xfrm>
+                <a:off x="2982894" y="3995645"/>
+                <a:ext cx="3" cy="208086"/>
+              </a:xfrm>
+              <a:prstGeom prst="straightConnector1">
+                <a:avLst/>
+              </a:prstGeom>
+              <a:ln w="38100">
+                <a:solidFill>
+                  <a:srgbClr val="FF0000">
+                    <a:alpha val="50196"/>
+                  </a:srgbClr>
+                </a:solidFill>
+                <a:tailEnd type="triangle"/>
+              </a:ln>
+            </p:spPr>
+            <p:style>
+              <a:lnRef idx="1">
+                <a:schemeClr val="accent1"/>
+              </a:lnRef>
+              <a:fillRef idx="0">
+                <a:schemeClr val="accent1"/>
+              </a:fillRef>
+              <a:effectRef idx="0">
+                <a:schemeClr val="accent1"/>
+              </a:effectRef>
+              <a:fontRef idx="minor">
+                <a:schemeClr val="tx1"/>
+              </a:fontRef>
+            </p:style>
+          </p:cxnSp>
+          <p:cxnSp>
+            <p:nvCxnSpPr>
+              <p:cNvPr id="51" name="Straight Arrow Connector 50">
+                <a:extLst>
+                  <a:ext uri="{FF2B5EF4-FFF2-40B4-BE49-F238E27FC236}">
+                    <a16:creationId xmlns:a16="http://schemas.microsoft.com/office/drawing/2014/main" id="{F53FD22B-E7BF-45F6-A8B9-080CC2D40F44}"/>
+                  </a:ext>
+                </a:extLst>
+              </p:cNvPr>
+              <p:cNvCxnSpPr>
+                <a:cxnSpLocks/>
+              </p:cNvCxnSpPr>
+              <p:nvPr/>
+            </p:nvCxnSpPr>
+            <p:spPr>
+              <a:xfrm>
+                <a:off x="2991774" y="4378864"/>
+                <a:ext cx="3" cy="208086"/>
+              </a:xfrm>
+              <a:prstGeom prst="straightConnector1">
+                <a:avLst/>
+              </a:prstGeom>
+              <a:ln w="38100">
+                <a:solidFill>
+                  <a:srgbClr val="FF0000">
+                    <a:alpha val="50196"/>
+                  </a:srgbClr>
+                </a:solidFill>
+                <a:tailEnd type="triangle"/>
+              </a:ln>
+            </p:spPr>
+            <p:style>
+              <a:lnRef idx="1">
+                <a:schemeClr val="accent1"/>
+              </a:lnRef>
+              <a:fillRef idx="0">
+                <a:schemeClr val="accent1"/>
+              </a:fillRef>
+              <a:effectRef idx="0">
+                <a:schemeClr val="accent1"/>
+              </a:effectRef>
+              <a:fontRef idx="minor">
+                <a:schemeClr val="tx1"/>
+              </a:fontRef>
+            </p:style>
+          </p:cxnSp>
+          <p:cxnSp>
+            <p:nvCxnSpPr>
+              <p:cNvPr id="52" name="Straight Arrow Connector 51">
+                <a:extLst>
+                  <a:ext uri="{FF2B5EF4-FFF2-40B4-BE49-F238E27FC236}">
+                    <a16:creationId xmlns:a16="http://schemas.microsoft.com/office/drawing/2014/main" id="{DC1E50FC-D31B-4B5A-A1E9-BE7904CAC417}"/>
+                  </a:ext>
+                </a:extLst>
+              </p:cNvPr>
+              <p:cNvCxnSpPr>
+                <a:cxnSpLocks/>
+              </p:cNvCxnSpPr>
+              <p:nvPr/>
+            </p:nvCxnSpPr>
+            <p:spPr>
+              <a:xfrm>
+                <a:off x="3853101" y="4034634"/>
+                <a:ext cx="3" cy="208086"/>
+              </a:xfrm>
+              <a:prstGeom prst="straightConnector1">
+                <a:avLst/>
+              </a:prstGeom>
+              <a:ln w="38100">
+                <a:solidFill>
+                  <a:srgbClr val="FF0000">
+                    <a:alpha val="50196"/>
+                  </a:srgbClr>
+                </a:solidFill>
+                <a:tailEnd type="triangle"/>
+              </a:ln>
+            </p:spPr>
+            <p:style>
+              <a:lnRef idx="1">
+                <a:schemeClr val="accent1"/>
+              </a:lnRef>
+              <a:fillRef idx="0">
+                <a:schemeClr val="accent1"/>
+              </a:fillRef>
+              <a:effectRef idx="0">
+                <a:schemeClr val="accent1"/>
+              </a:effectRef>
+              <a:fontRef idx="minor">
+                <a:schemeClr val="tx1"/>
+              </a:fontRef>
+            </p:style>
+          </p:cxnSp>
+          <p:cxnSp>
+            <p:nvCxnSpPr>
+              <p:cNvPr id="53" name="Straight Arrow Connector 52">
+                <a:extLst>
+                  <a:ext uri="{FF2B5EF4-FFF2-40B4-BE49-F238E27FC236}">
+                    <a16:creationId xmlns:a16="http://schemas.microsoft.com/office/drawing/2014/main" id="{EB154CC3-6A5A-40C8-85F3-A95B10BC55E4}"/>
+                  </a:ext>
+                </a:extLst>
+              </p:cNvPr>
+              <p:cNvCxnSpPr>
+                <a:cxnSpLocks/>
+              </p:cNvCxnSpPr>
+              <p:nvPr/>
+            </p:nvCxnSpPr>
+            <p:spPr>
+              <a:xfrm>
+                <a:off x="3861981" y="4417853"/>
+                <a:ext cx="3" cy="208086"/>
+              </a:xfrm>
+              <a:prstGeom prst="straightConnector1">
+                <a:avLst/>
+              </a:prstGeom>
+              <a:ln w="38100">
+                <a:solidFill>
+                  <a:srgbClr val="FF0000">
+                    <a:alpha val="50196"/>
+                  </a:srgbClr>
+                </a:solidFill>
+                <a:tailEnd type="triangle"/>
+              </a:ln>
+            </p:spPr>
+            <p:style>
+              <a:lnRef idx="1">
+                <a:schemeClr val="accent1"/>
+              </a:lnRef>
+              <a:fillRef idx="0">
+                <a:schemeClr val="accent1"/>
+              </a:fillRef>
+              <a:effectRef idx="0">
+                <a:schemeClr val="accent1"/>
+              </a:effectRef>
+              <a:fontRef idx="minor">
+                <a:schemeClr val="tx1"/>
+              </a:fontRef>
+            </p:style>
+          </p:cxnSp>
+        </p:grpSp>
+        <p:cxnSp>
+          <p:nvCxnSpPr>
+            <p:cNvPr id="49" name="Straight Arrow Connector 48">
+              <a:extLst>
+                <a:ext uri="{FF2B5EF4-FFF2-40B4-BE49-F238E27FC236}">
+                  <a16:creationId xmlns:a16="http://schemas.microsoft.com/office/drawing/2014/main" id="{9463A0FA-4A07-44F5-874D-2F194DE32822}"/>
+                </a:ext>
+              </a:extLst>
+            </p:cNvPr>
+            <p:cNvCxnSpPr>
+              <a:cxnSpLocks/>
+            </p:cNvCxnSpPr>
+            <p:nvPr/>
+          </p:nvCxnSpPr>
+          <p:spPr>
+            <a:xfrm flipV="1">
+              <a:off x="4408155" y="2435527"/>
+              <a:ext cx="243936" cy="2091053"/>
+            </a:xfrm>
+            <a:prstGeom prst="straightConnector1">
+              <a:avLst/>
+            </a:prstGeom>
+            <a:ln w="38100">
+              <a:solidFill>
+                <a:srgbClr val="FF0000">
+                  <a:alpha val="50196"/>
+                </a:srgbClr>
+              </a:solidFill>
+              <a:tailEnd type="triangle"/>
+            </a:ln>
+          </p:spPr>
+          <p:style>
+            <a:lnRef idx="1">
+              <a:schemeClr val="accent1"/>
+            </a:lnRef>
+            <a:fillRef idx="0">
+              <a:schemeClr val="accent1"/>
+            </a:fillRef>
+            <a:effectRef idx="0">
+              <a:schemeClr val="accent1"/>
+            </a:effectRef>
+            <a:fontRef idx="minor">
+              <a:schemeClr val="tx1"/>
+            </a:fontRef>
+          </p:style>
+        </p:cxnSp>
+      </p:grpSp>
+      <p:grpSp>
+        <p:nvGrpSpPr>
+          <p:cNvPr id="57" name="Group 56">
+            <a:extLst>
+              <a:ext uri="{FF2B5EF4-FFF2-40B4-BE49-F238E27FC236}">
+                <a16:creationId xmlns:a16="http://schemas.microsoft.com/office/drawing/2014/main" id="{7072B1C7-2A23-491A-948C-693754E3038E}"/>
+              </a:ext>
+            </a:extLst>
+          </p:cNvPr>
+          <p:cNvGrpSpPr/>
+          <p:nvPr/>
+        </p:nvGrpSpPr>
+        <p:grpSpPr>
+          <a:xfrm>
+            <a:off x="6332191" y="2645729"/>
+            <a:ext cx="879090" cy="1977201"/>
+            <a:chOff x="2947382" y="2666494"/>
+            <a:chExt cx="879090" cy="1977201"/>
+          </a:xfrm>
+        </p:grpSpPr>
+        <p:cxnSp>
+          <p:nvCxnSpPr>
+            <p:cNvPr id="58" name="Straight Arrow Connector 57">
+              <a:extLst>
+                <a:ext uri="{FF2B5EF4-FFF2-40B4-BE49-F238E27FC236}">
+                  <a16:creationId xmlns:a16="http://schemas.microsoft.com/office/drawing/2014/main" id="{851A7DC6-5D19-4A0A-9324-88E207044132}"/>
+                </a:ext>
+              </a:extLst>
+            </p:cNvPr>
+            <p:cNvCxnSpPr>
+              <a:cxnSpLocks/>
+            </p:cNvCxnSpPr>
+            <p:nvPr/>
+          </p:nvCxnSpPr>
+          <p:spPr>
+            <a:xfrm flipH="1">
+              <a:off x="2965142" y="2666494"/>
+              <a:ext cx="4637" cy="1128846"/>
+            </a:xfrm>
+            <a:prstGeom prst="straightConnector1">
+              <a:avLst/>
+            </a:prstGeom>
+            <a:ln w="38100">
+              <a:solidFill>
+                <a:srgbClr val="FF0000">
+                  <a:alpha val="50196"/>
+                </a:srgbClr>
+              </a:solidFill>
+              <a:tailEnd type="triangle"/>
+            </a:ln>
+          </p:spPr>
+          <p:style>
+            <a:lnRef idx="1">
+              <a:schemeClr val="accent1"/>
+            </a:lnRef>
+            <a:fillRef idx="0">
+              <a:schemeClr val="accent1"/>
+            </a:fillRef>
+            <a:effectRef idx="0">
+              <a:schemeClr val="accent1"/>
+            </a:effectRef>
+            <a:fontRef idx="minor">
+              <a:schemeClr val="tx1"/>
+            </a:fontRef>
+          </p:style>
+        </p:cxnSp>
+        <p:cxnSp>
+          <p:nvCxnSpPr>
+            <p:cNvPr id="59" name="Straight Arrow Connector 58">
+              <a:extLst>
+                <a:ext uri="{FF2B5EF4-FFF2-40B4-BE49-F238E27FC236}">
+                  <a16:creationId xmlns:a16="http://schemas.microsoft.com/office/drawing/2014/main" id="{914A46CB-E77E-46D3-A7B7-CCB6E49FADB6}"/>
+                </a:ext>
+              </a:extLst>
+            </p:cNvPr>
+            <p:cNvCxnSpPr>
+              <a:cxnSpLocks/>
+            </p:cNvCxnSpPr>
+            <p:nvPr/>
+          </p:nvCxnSpPr>
+          <p:spPr>
+            <a:xfrm flipV="1">
+              <a:off x="3537748" y="3879542"/>
+              <a:ext cx="244139" cy="647038"/>
+            </a:xfrm>
+            <a:prstGeom prst="straightConnector1">
+              <a:avLst/>
+            </a:prstGeom>
+            <a:ln w="38100">
+              <a:solidFill>
+                <a:srgbClr val="FF0000">
+                  <a:alpha val="50196"/>
+                </a:srgbClr>
+              </a:solidFill>
+              <a:tailEnd type="triangle"/>
+            </a:ln>
+          </p:spPr>
+          <p:style>
+            <a:lnRef idx="1">
+              <a:schemeClr val="accent1"/>
+            </a:lnRef>
+            <a:fillRef idx="0">
+              <a:schemeClr val="accent1"/>
+            </a:fillRef>
+            <a:effectRef idx="0">
+              <a:schemeClr val="accent1"/>
+            </a:effectRef>
+            <a:fontRef idx="minor">
+              <a:schemeClr val="tx1"/>
+            </a:fontRef>
+          </p:style>
+        </p:cxnSp>
+        <p:grpSp>
+          <p:nvGrpSpPr>
+            <p:cNvPr id="60" name="Group 59">
+              <a:extLst>
+                <a:ext uri="{FF2B5EF4-FFF2-40B4-BE49-F238E27FC236}">
+                  <a16:creationId xmlns:a16="http://schemas.microsoft.com/office/drawing/2014/main" id="{006369B9-4CA5-410B-BE0C-9AEE00FCE262}"/>
+                </a:ext>
+              </a:extLst>
+            </p:cNvPr>
+            <p:cNvGrpSpPr/>
+            <p:nvPr/>
+          </p:nvGrpSpPr>
+          <p:grpSpPr>
+            <a:xfrm>
+              <a:off x="2947382" y="4013401"/>
+              <a:ext cx="879090" cy="630294"/>
+              <a:chOff x="2982894" y="3995645"/>
+              <a:chExt cx="879090" cy="630294"/>
+            </a:xfrm>
+          </p:grpSpPr>
+          <p:cxnSp>
+            <p:nvCxnSpPr>
+              <p:cNvPr id="62" name="Straight Arrow Connector 61">
+                <a:extLst>
+                  <a:ext uri="{FF2B5EF4-FFF2-40B4-BE49-F238E27FC236}">
+                    <a16:creationId xmlns:a16="http://schemas.microsoft.com/office/drawing/2014/main" id="{07830286-2519-4564-9569-DA9D1BB93E8C}"/>
+                  </a:ext>
+                </a:extLst>
+              </p:cNvPr>
+              <p:cNvCxnSpPr>
+                <a:cxnSpLocks/>
+              </p:cNvCxnSpPr>
+              <p:nvPr/>
+            </p:nvCxnSpPr>
+            <p:spPr>
+              <a:xfrm>
+                <a:off x="2982894" y="3995645"/>
+                <a:ext cx="3" cy="208086"/>
+              </a:xfrm>
+              <a:prstGeom prst="straightConnector1">
+                <a:avLst/>
+              </a:prstGeom>
+              <a:ln w="38100">
+                <a:solidFill>
+                  <a:srgbClr val="FF0000">
+                    <a:alpha val="50196"/>
+                  </a:srgbClr>
+                </a:solidFill>
+                <a:tailEnd type="triangle"/>
+              </a:ln>
+            </p:spPr>
+            <p:style>
+              <a:lnRef idx="1">
+                <a:schemeClr val="accent1"/>
+              </a:lnRef>
+              <a:fillRef idx="0">
+                <a:schemeClr val="accent1"/>
+              </a:fillRef>
+              <a:effectRef idx="0">
+                <a:schemeClr val="accent1"/>
+              </a:effectRef>
+              <a:fontRef idx="minor">
+                <a:schemeClr val="tx1"/>
+              </a:fontRef>
+            </p:style>
+          </p:cxnSp>
+          <p:cxnSp>
+            <p:nvCxnSpPr>
+              <p:cNvPr id="63" name="Straight Arrow Connector 62">
+                <a:extLst>
+                  <a:ext uri="{FF2B5EF4-FFF2-40B4-BE49-F238E27FC236}">
+                    <a16:creationId xmlns:a16="http://schemas.microsoft.com/office/drawing/2014/main" id="{CFD23F1F-D729-4947-B57B-F5E99A11C72A}"/>
+                  </a:ext>
+                </a:extLst>
+              </p:cNvPr>
+              <p:cNvCxnSpPr>
+                <a:cxnSpLocks/>
+              </p:cNvCxnSpPr>
+              <p:nvPr/>
+            </p:nvCxnSpPr>
+            <p:spPr>
+              <a:xfrm>
+                <a:off x="2991774" y="4378864"/>
+                <a:ext cx="3" cy="208086"/>
+              </a:xfrm>
+              <a:prstGeom prst="straightConnector1">
+                <a:avLst/>
+              </a:prstGeom>
+              <a:ln w="38100">
+                <a:solidFill>
+                  <a:srgbClr val="FF0000">
+                    <a:alpha val="50196"/>
+                  </a:srgbClr>
+                </a:solidFill>
+                <a:tailEnd type="triangle"/>
+              </a:ln>
+            </p:spPr>
+            <p:style>
+              <a:lnRef idx="1">
+                <a:schemeClr val="accent1"/>
+              </a:lnRef>
+              <a:fillRef idx="0">
+                <a:schemeClr val="accent1"/>
+              </a:fillRef>
+              <a:effectRef idx="0">
+                <a:schemeClr val="accent1"/>
+              </a:effectRef>
+              <a:fontRef idx="minor">
+                <a:schemeClr val="tx1"/>
+              </a:fontRef>
+            </p:style>
+          </p:cxnSp>
+          <p:cxnSp>
+            <p:nvCxnSpPr>
+              <p:cNvPr id="64" name="Straight Arrow Connector 63">
+                <a:extLst>
+                  <a:ext uri="{FF2B5EF4-FFF2-40B4-BE49-F238E27FC236}">
+                    <a16:creationId xmlns:a16="http://schemas.microsoft.com/office/drawing/2014/main" id="{6C0EBC96-9125-49FA-A71E-557A75D218CF}"/>
+                  </a:ext>
+                </a:extLst>
+              </p:cNvPr>
+              <p:cNvCxnSpPr>
+                <a:cxnSpLocks/>
+              </p:cNvCxnSpPr>
+              <p:nvPr/>
+            </p:nvCxnSpPr>
+            <p:spPr>
+              <a:xfrm>
+                <a:off x="3853101" y="4034634"/>
+                <a:ext cx="3" cy="208086"/>
+              </a:xfrm>
+              <a:prstGeom prst="straightConnector1">
+                <a:avLst/>
+              </a:prstGeom>
+              <a:ln w="38100">
+                <a:solidFill>
+                  <a:srgbClr val="FF0000">
+                    <a:alpha val="50196"/>
+                  </a:srgbClr>
+                </a:solidFill>
+                <a:tailEnd type="triangle"/>
+              </a:ln>
+            </p:spPr>
+            <p:style>
+              <a:lnRef idx="1">
+                <a:schemeClr val="accent1"/>
+              </a:lnRef>
+              <a:fillRef idx="0">
+                <a:schemeClr val="accent1"/>
+              </a:fillRef>
+              <a:effectRef idx="0">
+                <a:schemeClr val="accent1"/>
+              </a:effectRef>
+              <a:fontRef idx="minor">
+                <a:schemeClr val="tx1"/>
+              </a:fontRef>
+            </p:style>
+          </p:cxnSp>
+          <p:cxnSp>
+            <p:nvCxnSpPr>
+              <p:cNvPr id="65" name="Straight Arrow Connector 64">
+                <a:extLst>
+                  <a:ext uri="{FF2B5EF4-FFF2-40B4-BE49-F238E27FC236}">
+                    <a16:creationId xmlns:a16="http://schemas.microsoft.com/office/drawing/2014/main" id="{97B84D37-CB3F-4509-BBA5-CA7C340C3498}"/>
+                  </a:ext>
+                </a:extLst>
+              </p:cNvPr>
+              <p:cNvCxnSpPr>
+                <a:cxnSpLocks/>
+              </p:cNvCxnSpPr>
+              <p:nvPr/>
+            </p:nvCxnSpPr>
+            <p:spPr>
+              <a:xfrm>
+                <a:off x="3861981" y="4417853"/>
+                <a:ext cx="3" cy="208086"/>
+              </a:xfrm>
+              <a:prstGeom prst="straightConnector1">
+                <a:avLst/>
+              </a:prstGeom>
+              <a:ln w="38100">
+                <a:solidFill>
+                  <a:srgbClr val="FF0000">
+                    <a:alpha val="50196"/>
+                  </a:srgbClr>
+                </a:solidFill>
+                <a:tailEnd type="triangle"/>
+              </a:ln>
+            </p:spPr>
+            <p:style>
+              <a:lnRef idx="1">
+                <a:schemeClr val="accent1"/>
+              </a:lnRef>
+              <a:fillRef idx="0">
+                <a:schemeClr val="accent1"/>
+              </a:fillRef>
+              <a:effectRef idx="0">
+                <a:schemeClr val="accent1"/>
+              </a:effectRef>
+              <a:fontRef idx="minor">
+                <a:schemeClr val="tx1"/>
+              </a:fontRef>
+            </p:style>
+          </p:cxnSp>
+        </p:grpSp>
+      </p:grpSp>
     </p:spTree>
     <p:extLst>
       <p:ext uri="{BB962C8B-B14F-4D97-AF65-F5344CB8AC3E}">
@@ -5051,7 +9344,3415 @@
 </p:sld>
 </file>
 
-<file path=ppt/slides/slide2.xml><?xml version="1.0" encoding="utf-8"?>
+<file path=ppt/slides/slide3.xml><?xml version="1.0" encoding="utf-8"?>
+<p:sld xmlns:a="http://schemas.openxmlformats.org/drawingml/2006/main" xmlns:r="http://schemas.openxmlformats.org/officeDocument/2006/relationships" xmlns:p="http://schemas.openxmlformats.org/presentationml/2006/main">
+  <p:cSld>
+    <p:spTree>
+      <p:nvGrpSpPr>
+        <p:cNvPr id="1" name=""/>
+        <p:cNvGrpSpPr/>
+        <p:nvPr/>
+      </p:nvGrpSpPr>
+      <p:grpSpPr>
+        <a:xfrm>
+          <a:off x="0" y="0"/>
+          <a:ext cx="0" cy="0"/>
+          <a:chOff x="0" y="0"/>
+          <a:chExt cx="0" cy="0"/>
+        </a:xfrm>
+      </p:grpSpPr>
+      <p:sp>
+        <p:nvSpPr>
+          <p:cNvPr id="2" name="Title 1">
+            <a:extLst>
+              <a:ext uri="{FF2B5EF4-FFF2-40B4-BE49-F238E27FC236}">
+                <a16:creationId xmlns:a16="http://schemas.microsoft.com/office/drawing/2014/main" id="{4ECC392A-79EE-4FB3-B62C-DFA7957706E4}"/>
+              </a:ext>
+            </a:extLst>
+          </p:cNvPr>
+          <p:cNvSpPr>
+            <a:spLocks noGrp="1"/>
+          </p:cNvSpPr>
+          <p:nvPr>
+            <p:ph type="title"/>
+          </p:nvPr>
+        </p:nvSpPr>
+        <p:spPr>
+          <a:xfrm>
+            <a:off x="838200" y="18840"/>
+            <a:ext cx="10515600" cy="1325563"/>
+          </a:xfrm>
+        </p:spPr>
+        <p:txBody>
+          <a:bodyPr/>
+          <a:lstStyle/>
+          <a:p>
+            <a:r>
+              <a:rPr lang="en-AU" dirty="0"/>
+              <a:t>Experimental design graphics v2.2</a:t>
+            </a:r>
+            <a:br>
+              <a:rPr lang="en-AU" dirty="0"/>
+            </a:br>
+            <a:endParaRPr lang="en-AU" dirty="0"/>
+          </a:p>
+        </p:txBody>
+      </p:sp>
+      <p:graphicFrame>
+        <p:nvGraphicFramePr>
+          <p:cNvPr id="7" name="Table 6">
+            <a:extLst>
+              <a:ext uri="{FF2B5EF4-FFF2-40B4-BE49-F238E27FC236}">
+                <a16:creationId xmlns:a16="http://schemas.microsoft.com/office/drawing/2014/main" id="{2232D69B-0643-4FD4-8B46-BA53AEB5EFEA}"/>
+              </a:ext>
+            </a:extLst>
+          </p:cNvPr>
+          <p:cNvGraphicFramePr>
+            <a:graphicFrameLocks noGrp="1"/>
+          </p:cNvGraphicFramePr>
+          <p:nvPr>
+            <p:extLst/>
+          </p:nvPr>
+        </p:nvGraphicFramePr>
+        <p:xfrm>
+          <a:off x="1562468" y="1539986"/>
+          <a:ext cx="6398775" cy="1522675"/>
+        </p:xfrm>
+        <a:graphic>
+          <a:graphicData uri="http://schemas.openxmlformats.org/drawingml/2006/table">
+            <a:tbl>
+              <a:tblPr firstRow="1" bandRow="1">
+                <a:tableStyleId>{5C22544A-7EE6-4342-B048-85BDC9FD1C3A}</a:tableStyleId>
+              </a:tblPr>
+              <a:tblGrid>
+                <a:gridCol w="1322775">
+                  <a:extLst>
+                    <a:ext uri="{9D8B030D-6E8A-4147-A177-3AD203B41FA5}">
+                      <a16:colId xmlns:a16="http://schemas.microsoft.com/office/drawing/2014/main" val="952443710"/>
+                    </a:ext>
+                  </a:extLst>
+                </a:gridCol>
+                <a:gridCol w="1692000">
+                  <a:extLst>
+                    <a:ext uri="{9D8B030D-6E8A-4147-A177-3AD203B41FA5}">
+                      <a16:colId xmlns:a16="http://schemas.microsoft.com/office/drawing/2014/main" val="1574367336"/>
+                    </a:ext>
+                  </a:extLst>
+                </a:gridCol>
+                <a:gridCol w="1692000">
+                  <a:extLst>
+                    <a:ext uri="{9D8B030D-6E8A-4147-A177-3AD203B41FA5}">
+                      <a16:colId xmlns:a16="http://schemas.microsoft.com/office/drawing/2014/main" val="1714213086"/>
+                    </a:ext>
+                  </a:extLst>
+                </a:gridCol>
+                <a:gridCol w="1692000">
+                  <a:extLst>
+                    <a:ext uri="{9D8B030D-6E8A-4147-A177-3AD203B41FA5}">
+                      <a16:colId xmlns:a16="http://schemas.microsoft.com/office/drawing/2014/main" val="313146614"/>
+                    </a:ext>
+                  </a:extLst>
+                </a:gridCol>
+              </a:tblGrid>
+              <a:tr h="376744">
+                <a:tc>
+                  <a:txBody>
+                    <a:bodyPr/>
+                    <a:lstStyle/>
+                    <a:p>
+                      <a:endParaRPr lang="en-AU" dirty="0"/>
+                    </a:p>
+                  </a:txBody>
+                  <a:tcPr/>
+                </a:tc>
+                <a:tc>
+                  <a:txBody>
+                    <a:bodyPr/>
+                    <a:lstStyle/>
+                    <a:p>
+                      <a:r>
+                        <a:rPr lang="en-AU" dirty="0"/>
+                        <a:t>Period 1</a:t>
+                      </a:r>
+                    </a:p>
+                  </a:txBody>
+                  <a:tcPr/>
+                </a:tc>
+                <a:tc>
+                  <a:txBody>
+                    <a:bodyPr/>
+                    <a:lstStyle/>
+                    <a:p>
+                      <a:r>
+                        <a:rPr lang="en-AU" dirty="0"/>
+                        <a:t>Period 2</a:t>
+                      </a:r>
+                    </a:p>
+                  </a:txBody>
+                  <a:tcPr/>
+                </a:tc>
+                <a:tc>
+                  <a:txBody>
+                    <a:bodyPr/>
+                    <a:lstStyle/>
+                    <a:p>
+                      <a:r>
+                        <a:rPr lang="en-AU" dirty="0"/>
+                        <a:t>Period 3</a:t>
+                      </a:r>
+                    </a:p>
+                  </a:txBody>
+                  <a:tcPr/>
+                </a:tc>
+                <a:extLst>
+                  <a:ext uri="{0D108BD9-81ED-4DB2-BD59-A6C34878D82A}">
+                    <a16:rowId xmlns:a16="http://schemas.microsoft.com/office/drawing/2014/main" val="4138763571"/>
+                  </a:ext>
+                </a:extLst>
+              </a:tr>
+              <a:tr h="381977">
+                <a:tc>
+                  <a:txBody>
+                    <a:bodyPr/>
+                    <a:lstStyle/>
+                    <a:p>
+                      <a:r>
+                        <a:rPr lang="en-AU" dirty="0"/>
+                        <a:t>Gp1 (1/3*n)</a:t>
+                      </a:r>
+                    </a:p>
+                  </a:txBody>
+                  <a:tcPr/>
+                </a:tc>
+                <a:tc>
+                  <a:txBody>
+                    <a:bodyPr/>
+                    <a:lstStyle/>
+                    <a:p>
+                      <a:r>
+                        <a:rPr lang="en-AU" dirty="0"/>
+                        <a:t>Factor 1</a:t>
+                      </a:r>
+                    </a:p>
+                  </a:txBody>
+                  <a:tcPr/>
+                </a:tc>
+                <a:tc>
+                  <a:txBody>
+                    <a:bodyPr/>
+                    <a:lstStyle/>
+                    <a:p>
+                      <a:pPr marL="0" marR="0" lvl="0" indent="0" algn="l" defTabSz="914400" rtl="0" eaLnBrk="1" fontAlgn="auto" latinLnBrk="0" hangingPunct="1">
+                        <a:lnSpc>
+                          <a:spcPct val="100000"/>
+                        </a:lnSpc>
+                        <a:spcBef>
+                          <a:spcPts val="0"/>
+                        </a:spcBef>
+                        <a:spcAft>
+                          <a:spcPts val="0"/>
+                        </a:spcAft>
+                        <a:buClrTx/>
+                        <a:buSzTx/>
+                        <a:buFontTx/>
+                        <a:buNone/>
+                        <a:tabLst/>
+                        <a:defRPr/>
+                      </a:pPr>
+                      <a:r>
+                        <a:rPr lang="en-AU" dirty="0"/>
+                        <a:t>Factor 2</a:t>
+                      </a:r>
+                    </a:p>
+                  </a:txBody>
+                  <a:tcPr/>
+                </a:tc>
+                <a:tc>
+                  <a:txBody>
+                    <a:bodyPr/>
+                    <a:lstStyle/>
+                    <a:p>
+                      <a:pPr marL="0" marR="0" lvl="0" indent="0" algn="l" defTabSz="914400" rtl="0" eaLnBrk="1" fontAlgn="auto" latinLnBrk="0" hangingPunct="1">
+                        <a:lnSpc>
+                          <a:spcPct val="100000"/>
+                        </a:lnSpc>
+                        <a:spcBef>
+                          <a:spcPts val="0"/>
+                        </a:spcBef>
+                        <a:spcAft>
+                          <a:spcPts val="0"/>
+                        </a:spcAft>
+                        <a:buClrTx/>
+                        <a:buSzTx/>
+                        <a:buFontTx/>
+                        <a:buNone/>
+                        <a:tabLst/>
+                        <a:defRPr/>
+                      </a:pPr>
+                      <a:r>
+                        <a:rPr lang="en-AU" dirty="0"/>
+                        <a:t>Factor 3</a:t>
+                      </a:r>
+                    </a:p>
+                  </a:txBody>
+                  <a:tcPr/>
+                </a:tc>
+                <a:extLst>
+                  <a:ext uri="{0D108BD9-81ED-4DB2-BD59-A6C34878D82A}">
+                    <a16:rowId xmlns:a16="http://schemas.microsoft.com/office/drawing/2014/main" val="4152554093"/>
+                  </a:ext>
+                </a:extLst>
+              </a:tr>
+              <a:tr h="381977">
+                <a:tc>
+                  <a:txBody>
+                    <a:bodyPr/>
+                    <a:lstStyle/>
+                    <a:p>
+                      <a:pPr marL="0" marR="0" lvl="0" indent="0" algn="l" defTabSz="914400" rtl="0" eaLnBrk="1" fontAlgn="auto" latinLnBrk="0" hangingPunct="1">
+                        <a:lnSpc>
+                          <a:spcPct val="100000"/>
+                        </a:lnSpc>
+                        <a:spcBef>
+                          <a:spcPts val="0"/>
+                        </a:spcBef>
+                        <a:spcAft>
+                          <a:spcPts val="0"/>
+                        </a:spcAft>
+                        <a:buClrTx/>
+                        <a:buSzTx/>
+                        <a:buFontTx/>
+                        <a:buNone/>
+                        <a:tabLst/>
+                        <a:defRPr/>
+                      </a:pPr>
+                      <a:r>
+                        <a:rPr lang="en-AU" dirty="0"/>
+                        <a:t>Gp2 (1/3*n)</a:t>
+                      </a:r>
+                    </a:p>
+                  </a:txBody>
+                  <a:tcPr/>
+                </a:tc>
+                <a:tc>
+                  <a:txBody>
+                    <a:bodyPr/>
+                    <a:lstStyle/>
+                    <a:p>
+                      <a:pPr marL="0" marR="0" lvl="0" indent="0" algn="l" defTabSz="914400" rtl="0" eaLnBrk="1" fontAlgn="auto" latinLnBrk="0" hangingPunct="1">
+                        <a:lnSpc>
+                          <a:spcPct val="100000"/>
+                        </a:lnSpc>
+                        <a:spcBef>
+                          <a:spcPts val="0"/>
+                        </a:spcBef>
+                        <a:spcAft>
+                          <a:spcPts val="0"/>
+                        </a:spcAft>
+                        <a:buClrTx/>
+                        <a:buSzTx/>
+                        <a:buFontTx/>
+                        <a:buNone/>
+                        <a:tabLst/>
+                        <a:defRPr/>
+                      </a:pPr>
+                      <a:r>
+                        <a:rPr lang="en-AU" dirty="0"/>
+                        <a:t>Factor 2</a:t>
+                      </a:r>
+                    </a:p>
+                  </a:txBody>
+                  <a:tcPr/>
+                </a:tc>
+                <a:tc>
+                  <a:txBody>
+                    <a:bodyPr/>
+                    <a:lstStyle/>
+                    <a:p>
+                      <a:pPr marL="0" marR="0" lvl="0" indent="0" algn="l" defTabSz="914400" rtl="0" eaLnBrk="1" fontAlgn="auto" latinLnBrk="0" hangingPunct="1">
+                        <a:lnSpc>
+                          <a:spcPct val="100000"/>
+                        </a:lnSpc>
+                        <a:spcBef>
+                          <a:spcPts val="0"/>
+                        </a:spcBef>
+                        <a:spcAft>
+                          <a:spcPts val="0"/>
+                        </a:spcAft>
+                        <a:buClrTx/>
+                        <a:buSzTx/>
+                        <a:buFontTx/>
+                        <a:buNone/>
+                        <a:tabLst/>
+                        <a:defRPr/>
+                      </a:pPr>
+                      <a:r>
+                        <a:rPr lang="en-AU" dirty="0"/>
+                        <a:t>Factor 3</a:t>
+                      </a:r>
+                    </a:p>
+                  </a:txBody>
+                  <a:tcPr/>
+                </a:tc>
+                <a:tc>
+                  <a:txBody>
+                    <a:bodyPr/>
+                    <a:lstStyle/>
+                    <a:p>
+                      <a:pPr marL="0" marR="0" lvl="0" indent="0" algn="l" defTabSz="914400" rtl="0" eaLnBrk="1" fontAlgn="auto" latinLnBrk="0" hangingPunct="1">
+                        <a:lnSpc>
+                          <a:spcPct val="100000"/>
+                        </a:lnSpc>
+                        <a:spcBef>
+                          <a:spcPts val="0"/>
+                        </a:spcBef>
+                        <a:spcAft>
+                          <a:spcPts val="0"/>
+                        </a:spcAft>
+                        <a:buClrTx/>
+                        <a:buSzTx/>
+                        <a:buFontTx/>
+                        <a:buNone/>
+                        <a:tabLst/>
+                        <a:defRPr/>
+                      </a:pPr>
+                      <a:r>
+                        <a:rPr lang="en-AU" dirty="0"/>
+                        <a:t>Factor 1</a:t>
+                      </a:r>
+                    </a:p>
+                  </a:txBody>
+                  <a:tcPr/>
+                </a:tc>
+                <a:extLst>
+                  <a:ext uri="{0D108BD9-81ED-4DB2-BD59-A6C34878D82A}">
+                    <a16:rowId xmlns:a16="http://schemas.microsoft.com/office/drawing/2014/main" val="127744001"/>
+                  </a:ext>
+                </a:extLst>
+              </a:tr>
+              <a:tr h="381977">
+                <a:tc>
+                  <a:txBody>
+                    <a:bodyPr/>
+                    <a:lstStyle/>
+                    <a:p>
+                      <a:r>
+                        <a:rPr lang="en-AU" dirty="0"/>
+                        <a:t>Gp3 (1/3*n)</a:t>
+                      </a:r>
+                    </a:p>
+                  </a:txBody>
+                  <a:tcPr/>
+                </a:tc>
+                <a:tc>
+                  <a:txBody>
+                    <a:bodyPr/>
+                    <a:lstStyle/>
+                    <a:p>
+                      <a:pPr marL="0" marR="0" lvl="0" indent="0" algn="l" defTabSz="914400" rtl="0" eaLnBrk="1" fontAlgn="auto" latinLnBrk="0" hangingPunct="1">
+                        <a:lnSpc>
+                          <a:spcPct val="100000"/>
+                        </a:lnSpc>
+                        <a:spcBef>
+                          <a:spcPts val="0"/>
+                        </a:spcBef>
+                        <a:spcAft>
+                          <a:spcPts val="0"/>
+                        </a:spcAft>
+                        <a:buClrTx/>
+                        <a:buSzTx/>
+                        <a:buFontTx/>
+                        <a:buNone/>
+                        <a:tabLst/>
+                        <a:defRPr/>
+                      </a:pPr>
+                      <a:r>
+                        <a:rPr lang="en-AU" dirty="0"/>
+                        <a:t>Factor 3</a:t>
+                      </a:r>
+                    </a:p>
+                  </a:txBody>
+                  <a:tcPr/>
+                </a:tc>
+                <a:tc>
+                  <a:txBody>
+                    <a:bodyPr/>
+                    <a:lstStyle/>
+                    <a:p>
+                      <a:pPr marL="0" marR="0" lvl="0" indent="0" algn="l" defTabSz="914400" rtl="0" eaLnBrk="1" fontAlgn="auto" latinLnBrk="0" hangingPunct="1">
+                        <a:lnSpc>
+                          <a:spcPct val="100000"/>
+                        </a:lnSpc>
+                        <a:spcBef>
+                          <a:spcPts val="0"/>
+                        </a:spcBef>
+                        <a:spcAft>
+                          <a:spcPts val="0"/>
+                        </a:spcAft>
+                        <a:buClrTx/>
+                        <a:buSzTx/>
+                        <a:buFontTx/>
+                        <a:buNone/>
+                        <a:tabLst/>
+                        <a:defRPr/>
+                      </a:pPr>
+                      <a:r>
+                        <a:rPr lang="en-AU" dirty="0"/>
+                        <a:t>Factor 1</a:t>
+                      </a:r>
+                    </a:p>
+                  </a:txBody>
+                  <a:tcPr/>
+                </a:tc>
+                <a:tc>
+                  <a:txBody>
+                    <a:bodyPr/>
+                    <a:lstStyle/>
+                    <a:p>
+                      <a:pPr marL="0" marR="0" lvl="0" indent="0" algn="l" defTabSz="914400" rtl="0" eaLnBrk="1" fontAlgn="auto" latinLnBrk="0" hangingPunct="1">
+                        <a:lnSpc>
+                          <a:spcPct val="100000"/>
+                        </a:lnSpc>
+                        <a:spcBef>
+                          <a:spcPts val="0"/>
+                        </a:spcBef>
+                        <a:spcAft>
+                          <a:spcPts val="0"/>
+                        </a:spcAft>
+                        <a:buClrTx/>
+                        <a:buSzTx/>
+                        <a:buFontTx/>
+                        <a:buNone/>
+                        <a:tabLst/>
+                        <a:defRPr/>
+                      </a:pPr>
+                      <a:r>
+                        <a:rPr lang="en-AU" dirty="0"/>
+                        <a:t>Factor 2</a:t>
+                      </a:r>
+                    </a:p>
+                  </a:txBody>
+                  <a:tcPr/>
+                </a:tc>
+                <a:extLst>
+                  <a:ext uri="{0D108BD9-81ED-4DB2-BD59-A6C34878D82A}">
+                    <a16:rowId xmlns:a16="http://schemas.microsoft.com/office/drawing/2014/main" val="2888210093"/>
+                  </a:ext>
+                </a:extLst>
+              </a:tr>
+            </a:tbl>
+          </a:graphicData>
+        </a:graphic>
+      </p:graphicFrame>
+      <p:graphicFrame>
+        <p:nvGraphicFramePr>
+          <p:cNvPr id="9" name="Table 8">
+            <a:extLst>
+              <a:ext uri="{FF2B5EF4-FFF2-40B4-BE49-F238E27FC236}">
+                <a16:creationId xmlns:a16="http://schemas.microsoft.com/office/drawing/2014/main" id="{46D36220-A859-42B9-A346-0C939B88C1E0}"/>
+              </a:ext>
+            </a:extLst>
+          </p:cNvPr>
+          <p:cNvGraphicFramePr>
+            <a:graphicFrameLocks noGrp="1"/>
+          </p:cNvGraphicFramePr>
+          <p:nvPr>
+            <p:extLst>
+              <p:ext uri="{D42A27DB-BD31-4B8C-83A1-F6EECF244321}">
+                <p14:modId xmlns:p14="http://schemas.microsoft.com/office/powerpoint/2010/main" val="2551090780"/>
+              </p:ext>
+            </p:extLst>
+          </p:nvPr>
+        </p:nvGraphicFramePr>
+        <p:xfrm>
+          <a:off x="1562468" y="3384610"/>
+          <a:ext cx="7908870" cy="1463040"/>
+        </p:xfrm>
+        <a:graphic>
+          <a:graphicData uri="http://schemas.openxmlformats.org/drawingml/2006/table">
+            <a:tbl>
+              <a:tblPr firstRow="1" bandRow="1">
+                <a:tableStyleId>{5C22544A-7EE6-4342-B048-85BDC9FD1C3A}</a:tableStyleId>
+              </a:tblPr>
+              <a:tblGrid>
+                <a:gridCol w="1321200">
+                  <a:extLst>
+                    <a:ext uri="{9D8B030D-6E8A-4147-A177-3AD203B41FA5}">
+                      <a16:colId xmlns:a16="http://schemas.microsoft.com/office/drawing/2014/main" val="1987586350"/>
+                    </a:ext>
+                  </a:extLst>
+                </a:gridCol>
+                <a:gridCol w="845945">
+                  <a:extLst>
+                    <a:ext uri="{9D8B030D-6E8A-4147-A177-3AD203B41FA5}">
+                      <a16:colId xmlns:a16="http://schemas.microsoft.com/office/drawing/2014/main" val="2757630649"/>
+                    </a:ext>
+                  </a:extLst>
+                </a:gridCol>
+                <a:gridCol w="845945">
+                  <a:extLst>
+                    <a:ext uri="{9D8B030D-6E8A-4147-A177-3AD203B41FA5}">
+                      <a16:colId xmlns:a16="http://schemas.microsoft.com/office/drawing/2014/main" val="3466847723"/>
+                    </a:ext>
+                  </a:extLst>
+                </a:gridCol>
+                <a:gridCol w="845945">
+                  <a:extLst>
+                    <a:ext uri="{9D8B030D-6E8A-4147-A177-3AD203B41FA5}">
+                      <a16:colId xmlns:a16="http://schemas.microsoft.com/office/drawing/2014/main" val="37018863"/>
+                    </a:ext>
+                  </a:extLst>
+                </a:gridCol>
+                <a:gridCol w="845945">
+                  <a:extLst>
+                    <a:ext uri="{9D8B030D-6E8A-4147-A177-3AD203B41FA5}">
+                      <a16:colId xmlns:a16="http://schemas.microsoft.com/office/drawing/2014/main" val="404444310"/>
+                    </a:ext>
+                  </a:extLst>
+                </a:gridCol>
+                <a:gridCol w="845945">
+                  <a:extLst>
+                    <a:ext uri="{9D8B030D-6E8A-4147-A177-3AD203B41FA5}">
+                      <a16:colId xmlns:a16="http://schemas.microsoft.com/office/drawing/2014/main" val="3782919050"/>
+                    </a:ext>
+                  </a:extLst>
+                </a:gridCol>
+                <a:gridCol w="845945">
+                  <a:extLst>
+                    <a:ext uri="{9D8B030D-6E8A-4147-A177-3AD203B41FA5}">
+                      <a16:colId xmlns:a16="http://schemas.microsoft.com/office/drawing/2014/main" val="1327298383"/>
+                    </a:ext>
+                  </a:extLst>
+                </a:gridCol>
+                <a:gridCol w="1512000">
+                  <a:extLst>
+                    <a:ext uri="{9D8B030D-6E8A-4147-A177-3AD203B41FA5}">
+                      <a16:colId xmlns:a16="http://schemas.microsoft.com/office/drawing/2014/main" val="3798089852"/>
+                    </a:ext>
+                  </a:extLst>
+                </a:gridCol>
+              </a:tblGrid>
+              <a:tr h="0">
+                <a:tc>
+                  <a:txBody>
+                    <a:bodyPr/>
+                    <a:lstStyle/>
+                    <a:p>
+                      <a:endParaRPr lang="en-AU" dirty="0"/>
+                    </a:p>
+                  </a:txBody>
+                  <a:tcPr/>
+                </a:tc>
+                <a:tc>
+                  <a:txBody>
+                    <a:bodyPr/>
+                    <a:lstStyle/>
+                    <a:p>
+                      <a:r>
+                        <a:rPr lang="en-AU" dirty="0"/>
+                        <a:t>P1.B1</a:t>
+                      </a:r>
+                    </a:p>
+                  </a:txBody>
+                  <a:tcPr/>
+                </a:tc>
+                <a:tc>
+                  <a:txBody>
+                    <a:bodyPr/>
+                    <a:lstStyle/>
+                    <a:p>
+                      <a:r>
+                        <a:rPr lang="en-AU" dirty="0"/>
+                        <a:t>P1.B2</a:t>
+                      </a:r>
+                    </a:p>
+                  </a:txBody>
+                  <a:tcPr/>
+                </a:tc>
+                <a:tc>
+                  <a:txBody>
+                    <a:bodyPr/>
+                    <a:lstStyle/>
+                    <a:p>
+                      <a:r>
+                        <a:rPr lang="en-AU" dirty="0"/>
+                        <a:t>P2.B1</a:t>
+                      </a:r>
+                    </a:p>
+                  </a:txBody>
+                  <a:tcPr/>
+                </a:tc>
+                <a:tc>
+                  <a:txBody>
+                    <a:bodyPr/>
+                    <a:lstStyle/>
+                    <a:p>
+                      <a:r>
+                        <a:rPr lang="en-AU" dirty="0"/>
+                        <a:t>P2.B2</a:t>
+                      </a:r>
+                    </a:p>
+                  </a:txBody>
+                  <a:tcPr/>
+                </a:tc>
+                <a:tc>
+                  <a:txBody>
+                    <a:bodyPr/>
+                    <a:lstStyle/>
+                    <a:p>
+                      <a:r>
+                        <a:rPr lang="en-AU" dirty="0"/>
+                        <a:t>P2.B1</a:t>
+                      </a:r>
+                    </a:p>
+                  </a:txBody>
+                  <a:tcPr/>
+                </a:tc>
+                <a:tc>
+                  <a:txBody>
+                    <a:bodyPr/>
+                    <a:lstStyle/>
+                    <a:p>
+                      <a:r>
+                        <a:rPr lang="en-AU" dirty="0"/>
+                        <a:t>P2.B2</a:t>
+                      </a:r>
+                    </a:p>
+                  </a:txBody>
+                  <a:tcPr/>
+                </a:tc>
+                <a:tc>
+                  <a:txBody>
+                    <a:bodyPr/>
+                    <a:lstStyle/>
+                    <a:p>
+                      <a:r>
+                        <a:rPr lang="en-AU" dirty="0"/>
+                        <a:t>Distribution</a:t>
+                      </a:r>
+                    </a:p>
+                  </a:txBody>
+                  <a:tcPr/>
+                </a:tc>
+                <a:extLst>
+                  <a:ext uri="{0D108BD9-81ED-4DB2-BD59-A6C34878D82A}">
+                    <a16:rowId xmlns:a16="http://schemas.microsoft.com/office/drawing/2014/main" val="3189871482"/>
+                  </a:ext>
+                </a:extLst>
+              </a:tr>
+              <a:tr h="360000">
+                <a:tc>
+                  <a:txBody>
+                    <a:bodyPr/>
+                    <a:lstStyle/>
+                    <a:p>
+                      <a:r>
+                        <a:rPr lang="en-AU" dirty="0"/>
+                        <a:t>Repetition 1</a:t>
+                      </a:r>
+                    </a:p>
+                  </a:txBody>
+                  <a:tcPr/>
+                </a:tc>
+                <a:tc>
+                  <a:txBody>
+                    <a:bodyPr/>
+                    <a:lstStyle/>
+                    <a:p>
+                      <a:r>
+                        <a:rPr lang="en-AU" dirty="0"/>
+                        <a:t>Sim1</a:t>
+                      </a:r>
+                    </a:p>
+                  </a:txBody>
+                  <a:tcPr/>
+                </a:tc>
+                <a:tc>
+                  <a:txBody>
+                    <a:bodyPr/>
+                    <a:lstStyle/>
+                    <a:p>
+                      <a:r>
+                        <a:rPr lang="en-AU" dirty="0"/>
+                        <a:t>Sim4</a:t>
+                      </a:r>
+                    </a:p>
+                  </a:txBody>
+                  <a:tcPr/>
+                </a:tc>
+                <a:tc>
+                  <a:txBody>
+                    <a:bodyPr/>
+                    <a:lstStyle/>
+                    <a:p>
+                      <a:r>
+                        <a:rPr lang="en-AU" dirty="0"/>
+                        <a:t>Sim7</a:t>
+                      </a:r>
+                    </a:p>
+                  </a:txBody>
+                  <a:tcPr/>
+                </a:tc>
+                <a:tc>
+                  <a:txBody>
+                    <a:bodyPr/>
+                    <a:lstStyle/>
+                    <a:p>
+                      <a:r>
+                        <a:rPr lang="en-AU" dirty="0"/>
+                        <a:t>Sim10</a:t>
+                      </a:r>
+                    </a:p>
+                  </a:txBody>
+                  <a:tcPr/>
+                </a:tc>
+                <a:tc>
+                  <a:txBody>
+                    <a:bodyPr/>
+                    <a:lstStyle/>
+                    <a:p>
+                      <a:r>
+                        <a:rPr lang="en-AU" dirty="0"/>
+                        <a:t>Sim13</a:t>
+                      </a:r>
+                    </a:p>
+                  </a:txBody>
+                  <a:tcPr/>
+                </a:tc>
+                <a:tc>
+                  <a:txBody>
+                    <a:bodyPr/>
+                    <a:lstStyle/>
+                    <a:p>
+                      <a:r>
+                        <a:rPr lang="en-AU" dirty="0"/>
+                        <a:t>Sim16</a:t>
+                      </a:r>
+                    </a:p>
+                  </a:txBody>
+                  <a:tcPr/>
+                </a:tc>
+                <a:tc>
+                  <a:txBody>
+                    <a:bodyPr/>
+                    <a:lstStyle/>
+                    <a:p>
+                      <a:r>
+                        <a:rPr lang="en-AU" dirty="0"/>
+                        <a:t>~mtvN(easy)</a:t>
+                      </a:r>
+                    </a:p>
+                  </a:txBody>
+                  <a:tcPr/>
+                </a:tc>
+                <a:extLst>
+                  <a:ext uri="{0D108BD9-81ED-4DB2-BD59-A6C34878D82A}">
+                    <a16:rowId xmlns:a16="http://schemas.microsoft.com/office/drawing/2014/main" val="1288797883"/>
+                  </a:ext>
+                </a:extLst>
+              </a:tr>
+              <a:tr h="360000">
+                <a:tc>
+                  <a:txBody>
+                    <a:bodyPr/>
+                    <a:lstStyle/>
+                    <a:p>
+                      <a:r>
+                        <a:rPr lang="en-AU" dirty="0"/>
+                        <a:t>Repetition 2</a:t>
+                      </a:r>
+                    </a:p>
+                  </a:txBody>
+                  <a:tcPr/>
+                </a:tc>
+                <a:tc>
+                  <a:txBody>
+                    <a:bodyPr/>
+                    <a:lstStyle/>
+                    <a:p>
+                      <a:r>
+                        <a:rPr lang="en-AU" dirty="0"/>
+                        <a:t>Sim2</a:t>
+                      </a:r>
+                    </a:p>
+                  </a:txBody>
+                  <a:tcPr/>
+                </a:tc>
+                <a:tc>
+                  <a:txBody>
+                    <a:bodyPr/>
+                    <a:lstStyle/>
+                    <a:p>
+                      <a:r>
+                        <a:rPr lang="en-AU" dirty="0"/>
+                        <a:t>Sim5</a:t>
+                      </a:r>
+                    </a:p>
+                  </a:txBody>
+                  <a:tcPr/>
+                </a:tc>
+                <a:tc>
+                  <a:txBody>
+                    <a:bodyPr/>
+                    <a:lstStyle/>
+                    <a:p>
+                      <a:r>
+                        <a:rPr lang="en-AU" dirty="0"/>
+                        <a:t>Sim8</a:t>
+                      </a:r>
+                    </a:p>
+                  </a:txBody>
+                  <a:tcPr/>
+                </a:tc>
+                <a:tc>
+                  <a:txBody>
+                    <a:bodyPr/>
+                    <a:lstStyle/>
+                    <a:p>
+                      <a:r>
+                        <a:rPr lang="en-AU" dirty="0"/>
+                        <a:t>Sim11</a:t>
+                      </a:r>
+                    </a:p>
+                  </a:txBody>
+                  <a:tcPr/>
+                </a:tc>
+                <a:tc>
+                  <a:txBody>
+                    <a:bodyPr/>
+                    <a:lstStyle/>
+                    <a:p>
+                      <a:r>
+                        <a:rPr lang="en-AU" dirty="0"/>
+                        <a:t>Sim14</a:t>
+                      </a:r>
+                    </a:p>
+                  </a:txBody>
+                  <a:tcPr/>
+                </a:tc>
+                <a:tc>
+                  <a:txBody>
+                    <a:bodyPr/>
+                    <a:lstStyle/>
+                    <a:p>
+                      <a:r>
+                        <a:rPr lang="en-AU" dirty="0"/>
+                        <a:t>Sim17</a:t>
+                      </a:r>
+                    </a:p>
+                  </a:txBody>
+                  <a:tcPr/>
+                </a:tc>
+                <a:tc>
+                  <a:txBody>
+                    <a:bodyPr/>
+                    <a:lstStyle/>
+                    <a:p>
+                      <a:r>
+                        <a:rPr lang="en-AU" dirty="0"/>
+                        <a:t>~mtvΝ(hard1)</a:t>
+                      </a:r>
+                    </a:p>
+                  </a:txBody>
+                  <a:tcPr/>
+                </a:tc>
+                <a:extLst>
+                  <a:ext uri="{0D108BD9-81ED-4DB2-BD59-A6C34878D82A}">
+                    <a16:rowId xmlns:a16="http://schemas.microsoft.com/office/drawing/2014/main" val="304250112"/>
+                  </a:ext>
+                </a:extLst>
+              </a:tr>
+              <a:tr h="0">
+                <a:tc>
+                  <a:txBody>
+                    <a:bodyPr/>
+                    <a:lstStyle/>
+                    <a:p>
+                      <a:r>
+                        <a:rPr lang="en-AU" dirty="0"/>
+                        <a:t>Repetition 3</a:t>
+                      </a:r>
+                    </a:p>
+                  </a:txBody>
+                  <a:tcPr/>
+                </a:tc>
+                <a:tc>
+                  <a:txBody>
+                    <a:bodyPr/>
+                    <a:lstStyle/>
+                    <a:p>
+                      <a:r>
+                        <a:rPr lang="en-AU" dirty="0"/>
+                        <a:t>Sim3</a:t>
+                      </a:r>
+                    </a:p>
+                  </a:txBody>
+                  <a:tcPr/>
+                </a:tc>
+                <a:tc>
+                  <a:txBody>
+                    <a:bodyPr/>
+                    <a:lstStyle/>
+                    <a:p>
+                      <a:r>
+                        <a:rPr lang="en-AU" dirty="0"/>
+                        <a:t>Sim6</a:t>
+                      </a:r>
+                    </a:p>
+                  </a:txBody>
+                  <a:tcPr/>
+                </a:tc>
+                <a:tc>
+                  <a:txBody>
+                    <a:bodyPr/>
+                    <a:lstStyle/>
+                    <a:p>
+                      <a:r>
+                        <a:rPr lang="en-AU" dirty="0"/>
+                        <a:t>Sim9</a:t>
+                      </a:r>
+                    </a:p>
+                  </a:txBody>
+                  <a:tcPr/>
+                </a:tc>
+                <a:tc>
+                  <a:txBody>
+                    <a:bodyPr/>
+                    <a:lstStyle/>
+                    <a:p>
+                      <a:r>
+                        <a:rPr lang="en-AU" dirty="0"/>
+                        <a:t>Sim12</a:t>
+                      </a:r>
+                    </a:p>
+                  </a:txBody>
+                  <a:tcPr/>
+                </a:tc>
+                <a:tc>
+                  <a:txBody>
+                    <a:bodyPr/>
+                    <a:lstStyle/>
+                    <a:p>
+                      <a:r>
+                        <a:rPr lang="en-AU" dirty="0"/>
+                        <a:t>Sim15</a:t>
+                      </a:r>
+                    </a:p>
+                  </a:txBody>
+                  <a:tcPr/>
+                </a:tc>
+                <a:tc>
+                  <a:txBody>
+                    <a:bodyPr/>
+                    <a:lstStyle/>
+                    <a:p>
+                      <a:r>
+                        <a:rPr lang="en-AU" dirty="0"/>
+                        <a:t>Sim18</a:t>
+                      </a:r>
+                    </a:p>
+                  </a:txBody>
+                  <a:tcPr/>
+                </a:tc>
+                <a:tc>
+                  <a:txBody>
+                    <a:bodyPr/>
+                    <a:lstStyle/>
+                    <a:p>
+                      <a:r>
+                        <a:rPr lang="en-AU" dirty="0"/>
+                        <a:t>~mtvN(hard2)</a:t>
+                      </a:r>
+                    </a:p>
+                  </a:txBody>
+                  <a:tcPr/>
+                </a:tc>
+                <a:extLst>
+                  <a:ext uri="{0D108BD9-81ED-4DB2-BD59-A6C34878D82A}">
+                    <a16:rowId xmlns:a16="http://schemas.microsoft.com/office/drawing/2014/main" val="2370493989"/>
+                  </a:ext>
+                </a:extLst>
+              </a:tr>
+            </a:tbl>
+          </a:graphicData>
+        </a:graphic>
+      </p:graphicFrame>
+      <p:grpSp>
+        <p:nvGrpSpPr>
+          <p:cNvPr id="5" name="Group 4">
+            <a:extLst>
+              <a:ext uri="{FF2B5EF4-FFF2-40B4-BE49-F238E27FC236}">
+                <a16:creationId xmlns:a16="http://schemas.microsoft.com/office/drawing/2014/main" id="{3FE3C3C4-13C2-4C3E-BEB5-81EF20876CDC}"/>
+              </a:ext>
+            </a:extLst>
+          </p:cNvPr>
+          <p:cNvGrpSpPr/>
+          <p:nvPr/>
+        </p:nvGrpSpPr>
+        <p:grpSpPr>
+          <a:xfrm>
+            <a:off x="2902998" y="3062661"/>
+            <a:ext cx="5058245" cy="370856"/>
+            <a:chOff x="2902998" y="3062661"/>
+            <a:chExt cx="5058245" cy="370856"/>
+          </a:xfrm>
+        </p:grpSpPr>
+        <p:cxnSp>
+          <p:nvCxnSpPr>
+            <p:cNvPr id="4" name="Straight Connector 3">
+              <a:extLst>
+                <a:ext uri="{FF2B5EF4-FFF2-40B4-BE49-F238E27FC236}">
+                  <a16:creationId xmlns:a16="http://schemas.microsoft.com/office/drawing/2014/main" id="{8764B69E-BA77-429A-B681-8E2C0BB7E344}"/>
+                </a:ext>
+              </a:extLst>
+            </p:cNvPr>
+            <p:cNvCxnSpPr/>
+            <p:nvPr/>
+          </p:nvCxnSpPr>
+          <p:spPr>
+            <a:xfrm>
+              <a:off x="2902998" y="3062661"/>
+              <a:ext cx="0" cy="370856"/>
+            </a:xfrm>
+            <a:prstGeom prst="line">
+              <a:avLst/>
+            </a:prstGeom>
+            <a:ln w="28575">
+              <a:solidFill>
+                <a:schemeClr val="tx1"/>
+              </a:solidFill>
+              <a:prstDash val="dash"/>
+            </a:ln>
+          </p:spPr>
+          <p:style>
+            <a:lnRef idx="1">
+              <a:schemeClr val="accent1"/>
+            </a:lnRef>
+            <a:fillRef idx="0">
+              <a:schemeClr val="accent1"/>
+            </a:fillRef>
+            <a:effectRef idx="0">
+              <a:schemeClr val="accent1"/>
+            </a:effectRef>
+            <a:fontRef idx="minor">
+              <a:schemeClr val="tx1"/>
+            </a:fontRef>
+          </p:style>
+        </p:cxnSp>
+        <p:cxnSp>
+          <p:nvCxnSpPr>
+            <p:cNvPr id="8" name="Straight Connector 7">
+              <a:extLst>
+                <a:ext uri="{FF2B5EF4-FFF2-40B4-BE49-F238E27FC236}">
+                  <a16:creationId xmlns:a16="http://schemas.microsoft.com/office/drawing/2014/main" id="{5737FC28-2696-4EB1-AB61-74080ED4916C}"/>
+                </a:ext>
+              </a:extLst>
+            </p:cNvPr>
+            <p:cNvCxnSpPr/>
+            <p:nvPr/>
+          </p:nvCxnSpPr>
+          <p:spPr>
+            <a:xfrm>
+              <a:off x="4564602" y="3062661"/>
+              <a:ext cx="0" cy="370856"/>
+            </a:xfrm>
+            <a:prstGeom prst="line">
+              <a:avLst/>
+            </a:prstGeom>
+            <a:ln w="28575">
+              <a:solidFill>
+                <a:schemeClr val="tx1"/>
+              </a:solidFill>
+              <a:prstDash val="dash"/>
+            </a:ln>
+          </p:spPr>
+          <p:style>
+            <a:lnRef idx="1">
+              <a:schemeClr val="accent1"/>
+            </a:lnRef>
+            <a:fillRef idx="0">
+              <a:schemeClr val="accent1"/>
+            </a:fillRef>
+            <a:effectRef idx="0">
+              <a:schemeClr val="accent1"/>
+            </a:effectRef>
+            <a:fontRef idx="minor">
+              <a:schemeClr val="tx1"/>
+            </a:fontRef>
+          </p:style>
+        </p:cxnSp>
+        <p:cxnSp>
+          <p:nvCxnSpPr>
+            <p:cNvPr id="10" name="Straight Connector 9">
+              <a:extLst>
+                <a:ext uri="{FF2B5EF4-FFF2-40B4-BE49-F238E27FC236}">
+                  <a16:creationId xmlns:a16="http://schemas.microsoft.com/office/drawing/2014/main" id="{52C97FD3-668A-468A-9E69-284F5ED6D448}"/>
+                </a:ext>
+              </a:extLst>
+            </p:cNvPr>
+            <p:cNvCxnSpPr/>
+            <p:nvPr/>
+          </p:nvCxnSpPr>
+          <p:spPr>
+            <a:xfrm>
+              <a:off x="6277992" y="3062661"/>
+              <a:ext cx="0" cy="370856"/>
+            </a:xfrm>
+            <a:prstGeom prst="line">
+              <a:avLst/>
+            </a:prstGeom>
+            <a:ln w="28575">
+              <a:solidFill>
+                <a:schemeClr val="tx1"/>
+              </a:solidFill>
+              <a:prstDash val="dash"/>
+            </a:ln>
+          </p:spPr>
+          <p:style>
+            <a:lnRef idx="1">
+              <a:schemeClr val="accent1"/>
+            </a:lnRef>
+            <a:fillRef idx="0">
+              <a:schemeClr val="accent1"/>
+            </a:fillRef>
+            <a:effectRef idx="0">
+              <a:schemeClr val="accent1"/>
+            </a:effectRef>
+            <a:fontRef idx="minor">
+              <a:schemeClr val="tx1"/>
+            </a:fontRef>
+          </p:style>
+        </p:cxnSp>
+        <p:cxnSp>
+          <p:nvCxnSpPr>
+            <p:cNvPr id="11" name="Straight Connector 10">
+              <a:extLst>
+                <a:ext uri="{FF2B5EF4-FFF2-40B4-BE49-F238E27FC236}">
+                  <a16:creationId xmlns:a16="http://schemas.microsoft.com/office/drawing/2014/main" id="{83C01968-F948-4C0C-BD04-3A554E456599}"/>
+                </a:ext>
+              </a:extLst>
+            </p:cNvPr>
+            <p:cNvCxnSpPr/>
+            <p:nvPr/>
+          </p:nvCxnSpPr>
+          <p:spPr>
+            <a:xfrm>
+              <a:off x="7961243" y="3062661"/>
+              <a:ext cx="0" cy="370856"/>
+            </a:xfrm>
+            <a:prstGeom prst="line">
+              <a:avLst/>
+            </a:prstGeom>
+            <a:ln w="28575">
+              <a:solidFill>
+                <a:schemeClr val="tx1"/>
+              </a:solidFill>
+              <a:prstDash val="dash"/>
+            </a:ln>
+          </p:spPr>
+          <p:style>
+            <a:lnRef idx="1">
+              <a:schemeClr val="accent1"/>
+            </a:lnRef>
+            <a:fillRef idx="0">
+              <a:schemeClr val="accent1"/>
+            </a:fillRef>
+            <a:effectRef idx="0">
+              <a:schemeClr val="accent1"/>
+            </a:effectRef>
+            <a:fontRef idx="minor">
+              <a:schemeClr val="tx1"/>
+            </a:fontRef>
+          </p:style>
+        </p:cxnSp>
+      </p:grpSp>
+      <p:graphicFrame>
+        <p:nvGraphicFramePr>
+          <p:cNvPr id="6" name="Table 5">
+            <a:extLst>
+              <a:ext uri="{FF2B5EF4-FFF2-40B4-BE49-F238E27FC236}">
+                <a16:creationId xmlns:a16="http://schemas.microsoft.com/office/drawing/2014/main" id="{A3F26061-83F0-46E4-B0E4-8DC5B0FC8570}"/>
+              </a:ext>
+            </a:extLst>
+          </p:cNvPr>
+          <p:cNvGraphicFramePr>
+            <a:graphicFrameLocks noGrp="1"/>
+          </p:cNvGraphicFramePr>
+          <p:nvPr>
+            <p:extLst/>
+          </p:nvPr>
+        </p:nvGraphicFramePr>
+        <p:xfrm>
+          <a:off x="1562468" y="4847864"/>
+          <a:ext cx="6225905" cy="1483360"/>
+        </p:xfrm>
+        <a:graphic>
+          <a:graphicData uri="http://schemas.openxmlformats.org/drawingml/2006/table">
+            <a:tbl>
+              <a:tblPr firstRow="1" bandRow="1">
+                <a:tableStyleId>{5C22544A-7EE6-4342-B048-85BDC9FD1C3A}</a:tableStyleId>
+              </a:tblPr>
+              <a:tblGrid>
+                <a:gridCol w="955047">
+                  <a:extLst>
+                    <a:ext uri="{9D8B030D-6E8A-4147-A177-3AD203B41FA5}">
+                      <a16:colId xmlns:a16="http://schemas.microsoft.com/office/drawing/2014/main" val="1623098923"/>
+                    </a:ext>
+                  </a:extLst>
+                </a:gridCol>
+                <a:gridCol w="1357585">
+                  <a:extLst>
+                    <a:ext uri="{9D8B030D-6E8A-4147-A177-3AD203B41FA5}">
+                      <a16:colId xmlns:a16="http://schemas.microsoft.com/office/drawing/2014/main" val="1883872424"/>
+                    </a:ext>
+                  </a:extLst>
+                </a:gridCol>
+                <a:gridCol w="208280">
+                  <a:extLst>
+                    <a:ext uri="{9D8B030D-6E8A-4147-A177-3AD203B41FA5}">
+                      <a16:colId xmlns:a16="http://schemas.microsoft.com/office/drawing/2014/main" val="4067034447"/>
+                    </a:ext>
+                  </a:extLst>
+                </a:gridCol>
+                <a:gridCol w="896993">
+                  <a:extLst>
+                    <a:ext uri="{9D8B030D-6E8A-4147-A177-3AD203B41FA5}">
+                      <a16:colId xmlns:a16="http://schemas.microsoft.com/office/drawing/2014/main" val="1421016201"/>
+                    </a:ext>
+                  </a:extLst>
+                </a:gridCol>
+                <a:gridCol w="2808000">
+                  <a:extLst>
+                    <a:ext uri="{9D8B030D-6E8A-4147-A177-3AD203B41FA5}">
+                      <a16:colId xmlns:a16="http://schemas.microsoft.com/office/drawing/2014/main" val="1360828441"/>
+                    </a:ext>
+                  </a:extLst>
+                </a:gridCol>
+              </a:tblGrid>
+              <a:tr h="370840">
+                <a:tc>
+                  <a:txBody>
+                    <a:bodyPr/>
+                    <a:lstStyle/>
+                    <a:p>
+                      <a:pPr marL="0" algn="l" defTabSz="914400" rtl="0" eaLnBrk="1" latinLnBrk="0" hangingPunct="1"/>
+                      <a:endParaRPr lang="en-AU" sz="1800" kern="1200" dirty="0">
+                        <a:solidFill>
+                          <a:schemeClr val="dk1"/>
+                        </a:solidFill>
+                        <a:latin typeface="+mn-lt"/>
+                        <a:ea typeface="+mn-ea"/>
+                        <a:cs typeface="+mn-cs"/>
+                      </a:endParaRPr>
+                    </a:p>
+                  </a:txBody>
+                  <a:tcPr>
+                    <a:solidFill>
+                      <a:schemeClr val="bg1"/>
+                    </a:solidFill>
+                  </a:tcPr>
+                </a:tc>
+                <a:tc>
+                  <a:txBody>
+                    <a:bodyPr/>
+                    <a:lstStyle/>
+                    <a:p>
+                      <a:pPr marL="0" algn="l" defTabSz="914400" rtl="0" eaLnBrk="1" latinLnBrk="0" hangingPunct="1"/>
+                      <a:endParaRPr lang="en-AU" sz="1800" kern="1200" dirty="0">
+                        <a:solidFill>
+                          <a:schemeClr val="dk1"/>
+                        </a:solidFill>
+                        <a:latin typeface="+mn-lt"/>
+                        <a:ea typeface="+mn-ea"/>
+                        <a:cs typeface="+mn-cs"/>
+                      </a:endParaRPr>
+                    </a:p>
+                  </a:txBody>
+                  <a:tcPr>
+                    <a:solidFill>
+                      <a:schemeClr val="bg1"/>
+                    </a:solidFill>
+                  </a:tcPr>
+                </a:tc>
+                <a:tc>
+                  <a:txBody>
+                    <a:bodyPr/>
+                    <a:lstStyle/>
+                    <a:p>
+                      <a:pPr marL="0" algn="l" defTabSz="914400" rtl="0" eaLnBrk="1" latinLnBrk="0" hangingPunct="1"/>
+                      <a:endParaRPr lang="en-AU" sz="1800" kern="1200" dirty="0">
+                        <a:solidFill>
+                          <a:schemeClr val="dk1"/>
+                        </a:solidFill>
+                        <a:latin typeface="+mn-lt"/>
+                        <a:ea typeface="+mn-ea"/>
+                        <a:cs typeface="+mn-cs"/>
+                      </a:endParaRPr>
+                    </a:p>
+                  </a:txBody>
+                  <a:tcPr>
+                    <a:solidFill>
+                      <a:schemeClr val="bg1"/>
+                    </a:solidFill>
+                  </a:tcPr>
+                </a:tc>
+                <a:tc>
+                  <a:txBody>
+                    <a:bodyPr/>
+                    <a:lstStyle/>
+                    <a:p>
+                      <a:pPr marL="0" algn="l" defTabSz="914400" rtl="0" eaLnBrk="1" latinLnBrk="0" hangingPunct="1"/>
+                      <a:endParaRPr lang="en-AU" sz="1800" kern="1200" dirty="0">
+                        <a:solidFill>
+                          <a:schemeClr val="dk1"/>
+                        </a:solidFill>
+                        <a:latin typeface="+mn-lt"/>
+                        <a:ea typeface="+mn-ea"/>
+                        <a:cs typeface="+mn-cs"/>
+                      </a:endParaRPr>
+                    </a:p>
+                  </a:txBody>
+                  <a:tcPr>
+                    <a:solidFill>
+                      <a:schemeClr val="bg1"/>
+                    </a:solidFill>
+                  </a:tcPr>
+                </a:tc>
+                <a:tc>
+                  <a:txBody>
+                    <a:bodyPr/>
+                    <a:lstStyle/>
+                    <a:p>
+                      <a:pPr marL="0" algn="l" defTabSz="914400" rtl="0" eaLnBrk="1" latinLnBrk="0" hangingPunct="1"/>
+                      <a:endParaRPr lang="en-AU" sz="1800" kern="1200" dirty="0">
+                        <a:solidFill>
+                          <a:schemeClr val="dk1"/>
+                        </a:solidFill>
+                        <a:latin typeface="+mn-lt"/>
+                        <a:ea typeface="+mn-ea"/>
+                        <a:cs typeface="+mn-cs"/>
+                      </a:endParaRPr>
+                    </a:p>
+                  </a:txBody>
+                  <a:tcPr>
+                    <a:solidFill>
+                      <a:schemeClr val="bg1"/>
+                    </a:solidFill>
+                  </a:tcPr>
+                </a:tc>
+                <a:extLst>
+                  <a:ext uri="{0D108BD9-81ED-4DB2-BD59-A6C34878D82A}">
+                    <a16:rowId xmlns:a16="http://schemas.microsoft.com/office/drawing/2014/main" val="222219733"/>
+                  </a:ext>
+                </a:extLst>
+              </a:tr>
+              <a:tr h="370840">
+                <a:tc>
+                  <a:txBody>
+                    <a:bodyPr/>
+                    <a:lstStyle/>
+                    <a:p>
+                      <a:r>
+                        <a:rPr lang="en-AU" dirty="0"/>
+                        <a:t>Factor 1</a:t>
+                      </a:r>
+                    </a:p>
+                  </a:txBody>
+                  <a:tcPr/>
+                </a:tc>
+                <a:tc>
+                  <a:txBody>
+                    <a:bodyPr/>
+                    <a:lstStyle/>
+                    <a:p>
+                      <a:r>
+                        <a:rPr lang="en-AU" dirty="0"/>
+                        <a:t>PCA</a:t>
+                      </a:r>
+                    </a:p>
+                  </a:txBody>
+                  <a:tcPr/>
+                </a:tc>
+                <a:tc>
+                  <a:txBody>
+                    <a:bodyPr/>
+                    <a:lstStyle/>
+                    <a:p>
+                      <a:endParaRPr lang="en-AU" dirty="0"/>
+                    </a:p>
+                  </a:txBody>
+                  <a:tcPr/>
+                </a:tc>
+                <a:tc>
+                  <a:txBody>
+                    <a:bodyPr/>
+                    <a:lstStyle/>
+                    <a:p>
+                      <a:r>
+                        <a:rPr lang="en-AU" dirty="0"/>
+                        <a:t>Block 1</a:t>
+                      </a:r>
+                    </a:p>
+                  </a:txBody>
+                  <a:tcPr/>
+                </a:tc>
+                <a:tc>
+                  <a:txBody>
+                    <a:bodyPr/>
+                    <a:lstStyle/>
+                    <a:p>
+                      <a:r>
+                        <a:rPr lang="en-AU" dirty="0"/>
+                        <a:t>Number of clusters</a:t>
+                      </a:r>
+                    </a:p>
+                  </a:txBody>
+                  <a:tcPr/>
+                </a:tc>
+                <a:extLst>
+                  <a:ext uri="{0D108BD9-81ED-4DB2-BD59-A6C34878D82A}">
+                    <a16:rowId xmlns:a16="http://schemas.microsoft.com/office/drawing/2014/main" val="2938560685"/>
+                  </a:ext>
+                </a:extLst>
+              </a:tr>
+              <a:tr h="370840">
+                <a:tc>
+                  <a:txBody>
+                    <a:bodyPr/>
+                    <a:lstStyle/>
+                    <a:p>
+                      <a:r>
+                        <a:rPr lang="en-AU" dirty="0"/>
+                        <a:t>Factor 2</a:t>
+                      </a:r>
+                    </a:p>
+                  </a:txBody>
+                  <a:tcPr/>
+                </a:tc>
+                <a:tc>
+                  <a:txBody>
+                    <a:bodyPr/>
+                    <a:lstStyle/>
+                    <a:p>
+                      <a:r>
+                        <a:rPr lang="en-AU" dirty="0"/>
+                        <a:t>Grand tour</a:t>
+                      </a:r>
+                    </a:p>
+                  </a:txBody>
+                  <a:tcPr/>
+                </a:tc>
+                <a:tc>
+                  <a:txBody>
+                    <a:bodyPr/>
+                    <a:lstStyle/>
+                    <a:p>
+                      <a:endParaRPr lang="en-AU" dirty="0"/>
+                    </a:p>
+                  </a:txBody>
+                  <a:tcPr/>
+                </a:tc>
+                <a:tc rowSpan="2">
+                  <a:txBody>
+                    <a:bodyPr/>
+                    <a:lstStyle/>
+                    <a:p>
+                      <a:r>
+                        <a:rPr lang="en-AU" dirty="0"/>
+                        <a:t>Block 2</a:t>
+                      </a:r>
+                    </a:p>
+                  </a:txBody>
+                  <a:tcPr/>
+                </a:tc>
+                <a:tc rowSpan="2">
+                  <a:txBody>
+                    <a:bodyPr/>
+                    <a:lstStyle/>
+                    <a:p>
+                      <a:r>
+                        <a:rPr lang="en-AU" dirty="0"/>
+                        <a:t>Importance of each variable for distinguishing a cluster</a:t>
+                      </a:r>
+                    </a:p>
+                  </a:txBody>
+                  <a:tcPr/>
+                </a:tc>
+                <a:extLst>
+                  <a:ext uri="{0D108BD9-81ED-4DB2-BD59-A6C34878D82A}">
+                    <a16:rowId xmlns:a16="http://schemas.microsoft.com/office/drawing/2014/main" val="4223562969"/>
+                  </a:ext>
+                </a:extLst>
+              </a:tr>
+              <a:tr h="370840">
+                <a:tc>
+                  <a:txBody>
+                    <a:bodyPr/>
+                    <a:lstStyle/>
+                    <a:p>
+                      <a:r>
+                        <a:rPr lang="en-AU" dirty="0"/>
+                        <a:t>Factor 3</a:t>
+                      </a:r>
+                    </a:p>
+                  </a:txBody>
+                  <a:tcPr/>
+                </a:tc>
+                <a:tc>
+                  <a:txBody>
+                    <a:bodyPr/>
+                    <a:lstStyle/>
+                    <a:p>
+                      <a:r>
+                        <a:rPr lang="en-AU" dirty="0"/>
+                        <a:t>Manual tour</a:t>
+                      </a:r>
+                    </a:p>
+                  </a:txBody>
+                  <a:tcPr/>
+                </a:tc>
+                <a:tc>
+                  <a:txBody>
+                    <a:bodyPr/>
+                    <a:lstStyle/>
+                    <a:p>
+                      <a:endParaRPr lang="en-AU" dirty="0"/>
+                    </a:p>
+                  </a:txBody>
+                  <a:tcPr/>
+                </a:tc>
+                <a:tc vMerge="1">
+                  <a:txBody>
+                    <a:bodyPr/>
+                    <a:lstStyle/>
+                    <a:p>
+                      <a:endParaRPr lang="en-AU" dirty="0"/>
+                    </a:p>
+                  </a:txBody>
+                  <a:tcPr/>
+                </a:tc>
+                <a:tc vMerge="1">
+                  <a:txBody>
+                    <a:bodyPr/>
+                    <a:lstStyle/>
+                    <a:p>
+                      <a:endParaRPr lang="en-AU" dirty="0"/>
+                    </a:p>
+                  </a:txBody>
+                  <a:tcPr/>
+                </a:tc>
+                <a:extLst>
+                  <a:ext uri="{0D108BD9-81ED-4DB2-BD59-A6C34878D82A}">
+                    <a16:rowId xmlns:a16="http://schemas.microsoft.com/office/drawing/2014/main" val="1091866687"/>
+                  </a:ext>
+                </a:extLst>
+              </a:tr>
+            </a:tbl>
+          </a:graphicData>
+        </a:graphic>
+      </p:graphicFrame>
+      <p:sp>
+        <p:nvSpPr>
+          <p:cNvPr id="3" name="TextBox 2">
+            <a:extLst>
+              <a:ext uri="{FF2B5EF4-FFF2-40B4-BE49-F238E27FC236}">
+                <a16:creationId xmlns:a16="http://schemas.microsoft.com/office/drawing/2014/main" id="{F0822401-84D8-4054-B2EA-3FE78E43FF2E}"/>
+              </a:ext>
+            </a:extLst>
+          </p:cNvPr>
+          <p:cNvSpPr txBox="1"/>
+          <p:nvPr/>
+        </p:nvSpPr>
+        <p:spPr>
+          <a:xfrm>
+            <a:off x="9622653" y="3739654"/>
+            <a:ext cx="2495365" cy="1107996"/>
+          </a:xfrm>
+          <a:prstGeom prst="rect">
+            <a:avLst/>
+          </a:prstGeom>
+          <a:noFill/>
+        </p:spPr>
+        <p:txBody>
+          <a:bodyPr wrap="square" rtlCol="0">
+            <a:spAutoFit/>
+          </a:bodyPr>
+          <a:lstStyle/>
+          <a:p>
+            <a:r>
+              <a:rPr lang="en-AU" sz="2200" dirty="0"/>
+              <a:t>~(p=8, cl=3, np=5)</a:t>
+            </a:r>
+          </a:p>
+          <a:p>
+            <a:r>
+              <a:rPr lang="en-AU" sz="2200" dirty="0"/>
+              <a:t>~(p=8, cl=4, np=4)</a:t>
+            </a:r>
+          </a:p>
+          <a:p>
+            <a:r>
+              <a:rPr lang="en-AU" sz="2200" dirty="0"/>
+              <a:t>~(p=10, cl=4, np=5)</a:t>
+            </a:r>
+          </a:p>
+        </p:txBody>
+      </p:sp>
+      <p:sp>
+        <p:nvSpPr>
+          <p:cNvPr id="12" name="TextBox 11">
+            <a:extLst>
+              <a:ext uri="{FF2B5EF4-FFF2-40B4-BE49-F238E27FC236}">
+                <a16:creationId xmlns:a16="http://schemas.microsoft.com/office/drawing/2014/main" id="{C1CE658D-2B84-4D97-9B04-BE2E4F7BA3DE}"/>
+              </a:ext>
+            </a:extLst>
+          </p:cNvPr>
+          <p:cNvSpPr txBox="1"/>
+          <p:nvPr/>
+        </p:nvSpPr>
+        <p:spPr>
+          <a:xfrm>
+            <a:off x="9622653" y="5589544"/>
+            <a:ext cx="3124544" cy="769441"/>
+          </a:xfrm>
+          <a:prstGeom prst="rect">
+            <a:avLst/>
+          </a:prstGeom>
+          <a:noFill/>
+        </p:spPr>
+        <p:txBody>
+          <a:bodyPr wrap="square" rtlCol="0">
+            <a:spAutoFit/>
+          </a:bodyPr>
+          <a:lstStyle/>
+          <a:p>
+            <a:r>
+              <a:rPr lang="en-AU" sz="2200" dirty="0"/>
+              <a:t>Sim119~(p=6, cl=3, np=2)</a:t>
+            </a:r>
+          </a:p>
+          <a:p>
+            <a:r>
+              <a:rPr lang="en-AU" sz="2200" dirty="0"/>
+              <a:t>Sim120~(p=6, cl=3, np=2)</a:t>
+            </a:r>
+          </a:p>
+        </p:txBody>
+      </p:sp>
+    </p:spTree>
+    <p:extLst>
+      <p:ext uri="{BB962C8B-B14F-4D97-AF65-F5344CB8AC3E}">
+        <p14:creationId xmlns:p14="http://schemas.microsoft.com/office/powerpoint/2010/main" val="3315783496"/>
+      </p:ext>
+    </p:extLst>
+  </p:cSld>
+  <p:clrMapOvr>
+    <a:masterClrMapping/>
+  </p:clrMapOvr>
+</p:sld>
+</file>
+
+<file path=ppt/slides/slide4.xml><?xml version="1.0" encoding="utf-8"?>
+<p:sld xmlns:a="http://schemas.openxmlformats.org/drawingml/2006/main" xmlns:r="http://schemas.openxmlformats.org/officeDocument/2006/relationships" xmlns:p="http://schemas.openxmlformats.org/presentationml/2006/main">
+  <p:cSld>
+    <p:spTree>
+      <p:nvGrpSpPr>
+        <p:cNvPr id="1" name=""/>
+        <p:cNvGrpSpPr/>
+        <p:nvPr/>
+      </p:nvGrpSpPr>
+      <p:grpSpPr>
+        <a:xfrm>
+          <a:off x="0" y="0"/>
+          <a:ext cx="0" cy="0"/>
+          <a:chOff x="0" y="0"/>
+          <a:chExt cx="0" cy="0"/>
+        </a:xfrm>
+      </p:grpSpPr>
+      <p:sp>
+        <p:nvSpPr>
+          <p:cNvPr id="2" name="Title 1">
+            <a:extLst>
+              <a:ext uri="{FF2B5EF4-FFF2-40B4-BE49-F238E27FC236}">
+                <a16:creationId xmlns:a16="http://schemas.microsoft.com/office/drawing/2014/main" id="{4ECC392A-79EE-4FB3-B62C-DFA7957706E4}"/>
+              </a:ext>
+            </a:extLst>
+          </p:cNvPr>
+          <p:cNvSpPr>
+            <a:spLocks noGrp="1"/>
+          </p:cNvSpPr>
+          <p:nvPr>
+            <p:ph type="title"/>
+          </p:nvPr>
+        </p:nvSpPr>
+        <p:spPr>
+          <a:xfrm>
+            <a:off x="838200" y="18840"/>
+            <a:ext cx="10515600" cy="1325563"/>
+          </a:xfrm>
+        </p:spPr>
+        <p:txBody>
+          <a:bodyPr/>
+          <a:lstStyle/>
+          <a:p>
+            <a:r>
+              <a:rPr lang="en-AU" dirty="0"/>
+              <a:t>Experimental design graphics v2</a:t>
+            </a:r>
+          </a:p>
+        </p:txBody>
+      </p:sp>
+      <p:graphicFrame>
+        <p:nvGraphicFramePr>
+          <p:cNvPr id="7" name="Table 6">
+            <a:extLst>
+              <a:ext uri="{FF2B5EF4-FFF2-40B4-BE49-F238E27FC236}">
+                <a16:creationId xmlns:a16="http://schemas.microsoft.com/office/drawing/2014/main" id="{2232D69B-0643-4FD4-8B46-BA53AEB5EFEA}"/>
+              </a:ext>
+            </a:extLst>
+          </p:cNvPr>
+          <p:cNvGraphicFramePr>
+            <a:graphicFrameLocks noGrp="1"/>
+          </p:cNvGraphicFramePr>
+          <p:nvPr>
+            <p:extLst/>
+          </p:nvPr>
+        </p:nvGraphicFramePr>
+        <p:xfrm>
+          <a:off x="1562468" y="1539986"/>
+          <a:ext cx="6398775" cy="1522675"/>
+        </p:xfrm>
+        <a:graphic>
+          <a:graphicData uri="http://schemas.openxmlformats.org/drawingml/2006/table">
+            <a:tbl>
+              <a:tblPr firstRow="1" bandRow="1">
+                <a:tableStyleId>{5C22544A-7EE6-4342-B048-85BDC9FD1C3A}</a:tableStyleId>
+              </a:tblPr>
+              <a:tblGrid>
+                <a:gridCol w="1322775">
+                  <a:extLst>
+                    <a:ext uri="{9D8B030D-6E8A-4147-A177-3AD203B41FA5}">
+                      <a16:colId xmlns:a16="http://schemas.microsoft.com/office/drawing/2014/main" val="952443710"/>
+                    </a:ext>
+                  </a:extLst>
+                </a:gridCol>
+                <a:gridCol w="1692000">
+                  <a:extLst>
+                    <a:ext uri="{9D8B030D-6E8A-4147-A177-3AD203B41FA5}">
+                      <a16:colId xmlns:a16="http://schemas.microsoft.com/office/drawing/2014/main" val="1574367336"/>
+                    </a:ext>
+                  </a:extLst>
+                </a:gridCol>
+                <a:gridCol w="1692000">
+                  <a:extLst>
+                    <a:ext uri="{9D8B030D-6E8A-4147-A177-3AD203B41FA5}">
+                      <a16:colId xmlns:a16="http://schemas.microsoft.com/office/drawing/2014/main" val="1714213086"/>
+                    </a:ext>
+                  </a:extLst>
+                </a:gridCol>
+                <a:gridCol w="1692000">
+                  <a:extLst>
+                    <a:ext uri="{9D8B030D-6E8A-4147-A177-3AD203B41FA5}">
+                      <a16:colId xmlns:a16="http://schemas.microsoft.com/office/drawing/2014/main" val="313146614"/>
+                    </a:ext>
+                  </a:extLst>
+                </a:gridCol>
+              </a:tblGrid>
+              <a:tr h="376744">
+                <a:tc>
+                  <a:txBody>
+                    <a:bodyPr/>
+                    <a:lstStyle/>
+                    <a:p>
+                      <a:endParaRPr lang="en-AU" dirty="0"/>
+                    </a:p>
+                  </a:txBody>
+                  <a:tcPr/>
+                </a:tc>
+                <a:tc>
+                  <a:txBody>
+                    <a:bodyPr/>
+                    <a:lstStyle/>
+                    <a:p>
+                      <a:r>
+                        <a:rPr lang="en-AU" dirty="0"/>
+                        <a:t>Period 1</a:t>
+                      </a:r>
+                    </a:p>
+                  </a:txBody>
+                  <a:tcPr/>
+                </a:tc>
+                <a:tc>
+                  <a:txBody>
+                    <a:bodyPr/>
+                    <a:lstStyle/>
+                    <a:p>
+                      <a:r>
+                        <a:rPr lang="en-AU" dirty="0"/>
+                        <a:t>Period 2</a:t>
+                      </a:r>
+                    </a:p>
+                  </a:txBody>
+                  <a:tcPr/>
+                </a:tc>
+                <a:tc>
+                  <a:txBody>
+                    <a:bodyPr/>
+                    <a:lstStyle/>
+                    <a:p>
+                      <a:r>
+                        <a:rPr lang="en-AU" dirty="0"/>
+                        <a:t>Period 3</a:t>
+                      </a:r>
+                    </a:p>
+                  </a:txBody>
+                  <a:tcPr/>
+                </a:tc>
+                <a:extLst>
+                  <a:ext uri="{0D108BD9-81ED-4DB2-BD59-A6C34878D82A}">
+                    <a16:rowId xmlns:a16="http://schemas.microsoft.com/office/drawing/2014/main" val="4138763571"/>
+                  </a:ext>
+                </a:extLst>
+              </a:tr>
+              <a:tr h="381977">
+                <a:tc>
+                  <a:txBody>
+                    <a:bodyPr/>
+                    <a:lstStyle/>
+                    <a:p>
+                      <a:r>
+                        <a:rPr lang="en-AU" dirty="0"/>
+                        <a:t>Gp1 (1/3*n)</a:t>
+                      </a:r>
+                    </a:p>
+                  </a:txBody>
+                  <a:tcPr/>
+                </a:tc>
+                <a:tc>
+                  <a:txBody>
+                    <a:bodyPr/>
+                    <a:lstStyle/>
+                    <a:p>
+                      <a:r>
+                        <a:rPr lang="en-AU" dirty="0"/>
+                        <a:t>Factor 1</a:t>
+                      </a:r>
+                    </a:p>
+                  </a:txBody>
+                  <a:tcPr/>
+                </a:tc>
+                <a:tc>
+                  <a:txBody>
+                    <a:bodyPr/>
+                    <a:lstStyle/>
+                    <a:p>
+                      <a:pPr marL="0" marR="0" lvl="0" indent="0" algn="l" defTabSz="914400" rtl="0" eaLnBrk="1" fontAlgn="auto" latinLnBrk="0" hangingPunct="1">
+                        <a:lnSpc>
+                          <a:spcPct val="100000"/>
+                        </a:lnSpc>
+                        <a:spcBef>
+                          <a:spcPts val="0"/>
+                        </a:spcBef>
+                        <a:spcAft>
+                          <a:spcPts val="0"/>
+                        </a:spcAft>
+                        <a:buClrTx/>
+                        <a:buSzTx/>
+                        <a:buFontTx/>
+                        <a:buNone/>
+                        <a:tabLst/>
+                        <a:defRPr/>
+                      </a:pPr>
+                      <a:r>
+                        <a:rPr lang="en-AU" dirty="0"/>
+                        <a:t>Factor 2</a:t>
+                      </a:r>
+                    </a:p>
+                  </a:txBody>
+                  <a:tcPr/>
+                </a:tc>
+                <a:tc>
+                  <a:txBody>
+                    <a:bodyPr/>
+                    <a:lstStyle/>
+                    <a:p>
+                      <a:pPr marL="0" marR="0" lvl="0" indent="0" algn="l" defTabSz="914400" rtl="0" eaLnBrk="1" fontAlgn="auto" latinLnBrk="0" hangingPunct="1">
+                        <a:lnSpc>
+                          <a:spcPct val="100000"/>
+                        </a:lnSpc>
+                        <a:spcBef>
+                          <a:spcPts val="0"/>
+                        </a:spcBef>
+                        <a:spcAft>
+                          <a:spcPts val="0"/>
+                        </a:spcAft>
+                        <a:buClrTx/>
+                        <a:buSzTx/>
+                        <a:buFontTx/>
+                        <a:buNone/>
+                        <a:tabLst/>
+                        <a:defRPr/>
+                      </a:pPr>
+                      <a:r>
+                        <a:rPr lang="en-AU" dirty="0"/>
+                        <a:t>Factor 3</a:t>
+                      </a:r>
+                    </a:p>
+                  </a:txBody>
+                  <a:tcPr/>
+                </a:tc>
+                <a:extLst>
+                  <a:ext uri="{0D108BD9-81ED-4DB2-BD59-A6C34878D82A}">
+                    <a16:rowId xmlns:a16="http://schemas.microsoft.com/office/drawing/2014/main" val="4152554093"/>
+                  </a:ext>
+                </a:extLst>
+              </a:tr>
+              <a:tr h="381977">
+                <a:tc>
+                  <a:txBody>
+                    <a:bodyPr/>
+                    <a:lstStyle/>
+                    <a:p>
+                      <a:pPr marL="0" marR="0" lvl="0" indent="0" algn="l" defTabSz="914400" rtl="0" eaLnBrk="1" fontAlgn="auto" latinLnBrk="0" hangingPunct="1">
+                        <a:lnSpc>
+                          <a:spcPct val="100000"/>
+                        </a:lnSpc>
+                        <a:spcBef>
+                          <a:spcPts val="0"/>
+                        </a:spcBef>
+                        <a:spcAft>
+                          <a:spcPts val="0"/>
+                        </a:spcAft>
+                        <a:buClrTx/>
+                        <a:buSzTx/>
+                        <a:buFontTx/>
+                        <a:buNone/>
+                        <a:tabLst/>
+                        <a:defRPr/>
+                      </a:pPr>
+                      <a:r>
+                        <a:rPr lang="en-AU" dirty="0"/>
+                        <a:t>Gp2 (1/3*n)</a:t>
+                      </a:r>
+                    </a:p>
+                  </a:txBody>
+                  <a:tcPr/>
+                </a:tc>
+                <a:tc>
+                  <a:txBody>
+                    <a:bodyPr/>
+                    <a:lstStyle/>
+                    <a:p>
+                      <a:pPr marL="0" marR="0" lvl="0" indent="0" algn="l" defTabSz="914400" rtl="0" eaLnBrk="1" fontAlgn="auto" latinLnBrk="0" hangingPunct="1">
+                        <a:lnSpc>
+                          <a:spcPct val="100000"/>
+                        </a:lnSpc>
+                        <a:spcBef>
+                          <a:spcPts val="0"/>
+                        </a:spcBef>
+                        <a:spcAft>
+                          <a:spcPts val="0"/>
+                        </a:spcAft>
+                        <a:buClrTx/>
+                        <a:buSzTx/>
+                        <a:buFontTx/>
+                        <a:buNone/>
+                        <a:tabLst/>
+                        <a:defRPr/>
+                      </a:pPr>
+                      <a:r>
+                        <a:rPr lang="en-AU" dirty="0"/>
+                        <a:t>Factor 2</a:t>
+                      </a:r>
+                    </a:p>
+                  </a:txBody>
+                  <a:tcPr/>
+                </a:tc>
+                <a:tc>
+                  <a:txBody>
+                    <a:bodyPr/>
+                    <a:lstStyle/>
+                    <a:p>
+                      <a:pPr marL="0" marR="0" lvl="0" indent="0" algn="l" defTabSz="914400" rtl="0" eaLnBrk="1" fontAlgn="auto" latinLnBrk="0" hangingPunct="1">
+                        <a:lnSpc>
+                          <a:spcPct val="100000"/>
+                        </a:lnSpc>
+                        <a:spcBef>
+                          <a:spcPts val="0"/>
+                        </a:spcBef>
+                        <a:spcAft>
+                          <a:spcPts val="0"/>
+                        </a:spcAft>
+                        <a:buClrTx/>
+                        <a:buSzTx/>
+                        <a:buFontTx/>
+                        <a:buNone/>
+                        <a:tabLst/>
+                        <a:defRPr/>
+                      </a:pPr>
+                      <a:r>
+                        <a:rPr lang="en-AU" dirty="0"/>
+                        <a:t>Factor 3</a:t>
+                      </a:r>
+                    </a:p>
+                  </a:txBody>
+                  <a:tcPr/>
+                </a:tc>
+                <a:tc>
+                  <a:txBody>
+                    <a:bodyPr/>
+                    <a:lstStyle/>
+                    <a:p>
+                      <a:pPr marL="0" marR="0" lvl="0" indent="0" algn="l" defTabSz="914400" rtl="0" eaLnBrk="1" fontAlgn="auto" latinLnBrk="0" hangingPunct="1">
+                        <a:lnSpc>
+                          <a:spcPct val="100000"/>
+                        </a:lnSpc>
+                        <a:spcBef>
+                          <a:spcPts val="0"/>
+                        </a:spcBef>
+                        <a:spcAft>
+                          <a:spcPts val="0"/>
+                        </a:spcAft>
+                        <a:buClrTx/>
+                        <a:buSzTx/>
+                        <a:buFontTx/>
+                        <a:buNone/>
+                        <a:tabLst/>
+                        <a:defRPr/>
+                      </a:pPr>
+                      <a:r>
+                        <a:rPr lang="en-AU" dirty="0"/>
+                        <a:t>Factor 1</a:t>
+                      </a:r>
+                    </a:p>
+                  </a:txBody>
+                  <a:tcPr/>
+                </a:tc>
+                <a:extLst>
+                  <a:ext uri="{0D108BD9-81ED-4DB2-BD59-A6C34878D82A}">
+                    <a16:rowId xmlns:a16="http://schemas.microsoft.com/office/drawing/2014/main" val="127744001"/>
+                  </a:ext>
+                </a:extLst>
+              </a:tr>
+              <a:tr h="381977">
+                <a:tc>
+                  <a:txBody>
+                    <a:bodyPr/>
+                    <a:lstStyle/>
+                    <a:p>
+                      <a:r>
+                        <a:rPr lang="en-AU" dirty="0"/>
+                        <a:t>Gp3 (1/3*n)</a:t>
+                      </a:r>
+                    </a:p>
+                  </a:txBody>
+                  <a:tcPr/>
+                </a:tc>
+                <a:tc>
+                  <a:txBody>
+                    <a:bodyPr/>
+                    <a:lstStyle/>
+                    <a:p>
+                      <a:pPr marL="0" marR="0" lvl="0" indent="0" algn="l" defTabSz="914400" rtl="0" eaLnBrk="1" fontAlgn="auto" latinLnBrk="0" hangingPunct="1">
+                        <a:lnSpc>
+                          <a:spcPct val="100000"/>
+                        </a:lnSpc>
+                        <a:spcBef>
+                          <a:spcPts val="0"/>
+                        </a:spcBef>
+                        <a:spcAft>
+                          <a:spcPts val="0"/>
+                        </a:spcAft>
+                        <a:buClrTx/>
+                        <a:buSzTx/>
+                        <a:buFontTx/>
+                        <a:buNone/>
+                        <a:tabLst/>
+                        <a:defRPr/>
+                      </a:pPr>
+                      <a:r>
+                        <a:rPr lang="en-AU" dirty="0"/>
+                        <a:t>Factor 3</a:t>
+                      </a:r>
+                    </a:p>
+                  </a:txBody>
+                  <a:tcPr/>
+                </a:tc>
+                <a:tc>
+                  <a:txBody>
+                    <a:bodyPr/>
+                    <a:lstStyle/>
+                    <a:p>
+                      <a:pPr marL="0" marR="0" lvl="0" indent="0" algn="l" defTabSz="914400" rtl="0" eaLnBrk="1" fontAlgn="auto" latinLnBrk="0" hangingPunct="1">
+                        <a:lnSpc>
+                          <a:spcPct val="100000"/>
+                        </a:lnSpc>
+                        <a:spcBef>
+                          <a:spcPts val="0"/>
+                        </a:spcBef>
+                        <a:spcAft>
+                          <a:spcPts val="0"/>
+                        </a:spcAft>
+                        <a:buClrTx/>
+                        <a:buSzTx/>
+                        <a:buFontTx/>
+                        <a:buNone/>
+                        <a:tabLst/>
+                        <a:defRPr/>
+                      </a:pPr>
+                      <a:r>
+                        <a:rPr lang="en-AU" dirty="0"/>
+                        <a:t>Factor 1</a:t>
+                      </a:r>
+                    </a:p>
+                  </a:txBody>
+                  <a:tcPr/>
+                </a:tc>
+                <a:tc>
+                  <a:txBody>
+                    <a:bodyPr/>
+                    <a:lstStyle/>
+                    <a:p>
+                      <a:pPr marL="0" marR="0" lvl="0" indent="0" algn="l" defTabSz="914400" rtl="0" eaLnBrk="1" fontAlgn="auto" latinLnBrk="0" hangingPunct="1">
+                        <a:lnSpc>
+                          <a:spcPct val="100000"/>
+                        </a:lnSpc>
+                        <a:spcBef>
+                          <a:spcPts val="0"/>
+                        </a:spcBef>
+                        <a:spcAft>
+                          <a:spcPts val="0"/>
+                        </a:spcAft>
+                        <a:buClrTx/>
+                        <a:buSzTx/>
+                        <a:buFontTx/>
+                        <a:buNone/>
+                        <a:tabLst/>
+                        <a:defRPr/>
+                      </a:pPr>
+                      <a:r>
+                        <a:rPr lang="en-AU" dirty="0"/>
+                        <a:t>Factor 2</a:t>
+                      </a:r>
+                    </a:p>
+                  </a:txBody>
+                  <a:tcPr/>
+                </a:tc>
+                <a:extLst>
+                  <a:ext uri="{0D108BD9-81ED-4DB2-BD59-A6C34878D82A}">
+                    <a16:rowId xmlns:a16="http://schemas.microsoft.com/office/drawing/2014/main" val="2888210093"/>
+                  </a:ext>
+                </a:extLst>
+              </a:tr>
+            </a:tbl>
+          </a:graphicData>
+        </a:graphic>
+      </p:graphicFrame>
+      <p:graphicFrame>
+        <p:nvGraphicFramePr>
+          <p:cNvPr id="9" name="Table 8">
+            <a:extLst>
+              <a:ext uri="{FF2B5EF4-FFF2-40B4-BE49-F238E27FC236}">
+                <a16:creationId xmlns:a16="http://schemas.microsoft.com/office/drawing/2014/main" id="{46D36220-A859-42B9-A346-0C939B88C1E0}"/>
+              </a:ext>
+            </a:extLst>
+          </p:cNvPr>
+          <p:cNvGraphicFramePr>
+            <a:graphicFrameLocks noGrp="1"/>
+          </p:cNvGraphicFramePr>
+          <p:nvPr>
+            <p:extLst/>
+          </p:nvPr>
+        </p:nvGraphicFramePr>
+        <p:xfrm>
+          <a:off x="1562468" y="3384610"/>
+          <a:ext cx="7908870" cy="1463040"/>
+        </p:xfrm>
+        <a:graphic>
+          <a:graphicData uri="http://schemas.openxmlformats.org/drawingml/2006/table">
+            <a:tbl>
+              <a:tblPr firstRow="1" bandRow="1">
+                <a:tableStyleId>{5C22544A-7EE6-4342-B048-85BDC9FD1C3A}</a:tableStyleId>
+              </a:tblPr>
+              <a:tblGrid>
+                <a:gridCol w="1321200">
+                  <a:extLst>
+                    <a:ext uri="{9D8B030D-6E8A-4147-A177-3AD203B41FA5}">
+                      <a16:colId xmlns:a16="http://schemas.microsoft.com/office/drawing/2014/main" val="1987586350"/>
+                    </a:ext>
+                  </a:extLst>
+                </a:gridCol>
+                <a:gridCol w="845945">
+                  <a:extLst>
+                    <a:ext uri="{9D8B030D-6E8A-4147-A177-3AD203B41FA5}">
+                      <a16:colId xmlns:a16="http://schemas.microsoft.com/office/drawing/2014/main" val="2757630649"/>
+                    </a:ext>
+                  </a:extLst>
+                </a:gridCol>
+                <a:gridCol w="845945">
+                  <a:extLst>
+                    <a:ext uri="{9D8B030D-6E8A-4147-A177-3AD203B41FA5}">
+                      <a16:colId xmlns:a16="http://schemas.microsoft.com/office/drawing/2014/main" val="3466847723"/>
+                    </a:ext>
+                  </a:extLst>
+                </a:gridCol>
+                <a:gridCol w="845945">
+                  <a:extLst>
+                    <a:ext uri="{9D8B030D-6E8A-4147-A177-3AD203B41FA5}">
+                      <a16:colId xmlns:a16="http://schemas.microsoft.com/office/drawing/2014/main" val="37018863"/>
+                    </a:ext>
+                  </a:extLst>
+                </a:gridCol>
+                <a:gridCol w="845945">
+                  <a:extLst>
+                    <a:ext uri="{9D8B030D-6E8A-4147-A177-3AD203B41FA5}">
+                      <a16:colId xmlns:a16="http://schemas.microsoft.com/office/drawing/2014/main" val="404444310"/>
+                    </a:ext>
+                  </a:extLst>
+                </a:gridCol>
+                <a:gridCol w="845945">
+                  <a:extLst>
+                    <a:ext uri="{9D8B030D-6E8A-4147-A177-3AD203B41FA5}">
+                      <a16:colId xmlns:a16="http://schemas.microsoft.com/office/drawing/2014/main" val="3782919050"/>
+                    </a:ext>
+                  </a:extLst>
+                </a:gridCol>
+                <a:gridCol w="845945">
+                  <a:extLst>
+                    <a:ext uri="{9D8B030D-6E8A-4147-A177-3AD203B41FA5}">
+                      <a16:colId xmlns:a16="http://schemas.microsoft.com/office/drawing/2014/main" val="1327298383"/>
+                    </a:ext>
+                  </a:extLst>
+                </a:gridCol>
+                <a:gridCol w="1512000">
+                  <a:extLst>
+                    <a:ext uri="{9D8B030D-6E8A-4147-A177-3AD203B41FA5}">
+                      <a16:colId xmlns:a16="http://schemas.microsoft.com/office/drawing/2014/main" val="3798089852"/>
+                    </a:ext>
+                  </a:extLst>
+                </a:gridCol>
+              </a:tblGrid>
+              <a:tr h="0">
+                <a:tc>
+                  <a:txBody>
+                    <a:bodyPr/>
+                    <a:lstStyle/>
+                    <a:p>
+                      <a:endParaRPr lang="en-AU" dirty="0"/>
+                    </a:p>
+                  </a:txBody>
+                  <a:tcPr/>
+                </a:tc>
+                <a:tc>
+                  <a:txBody>
+                    <a:bodyPr/>
+                    <a:lstStyle/>
+                    <a:p>
+                      <a:r>
+                        <a:rPr lang="en-AU" dirty="0"/>
+                        <a:t>P1.B1</a:t>
+                      </a:r>
+                    </a:p>
+                  </a:txBody>
+                  <a:tcPr/>
+                </a:tc>
+                <a:tc>
+                  <a:txBody>
+                    <a:bodyPr/>
+                    <a:lstStyle/>
+                    <a:p>
+                      <a:r>
+                        <a:rPr lang="en-AU" dirty="0"/>
+                        <a:t>P1.B2</a:t>
+                      </a:r>
+                    </a:p>
+                  </a:txBody>
+                  <a:tcPr/>
+                </a:tc>
+                <a:tc>
+                  <a:txBody>
+                    <a:bodyPr/>
+                    <a:lstStyle/>
+                    <a:p>
+                      <a:r>
+                        <a:rPr lang="en-AU" dirty="0"/>
+                        <a:t>P2.B1</a:t>
+                      </a:r>
+                    </a:p>
+                  </a:txBody>
+                  <a:tcPr/>
+                </a:tc>
+                <a:tc>
+                  <a:txBody>
+                    <a:bodyPr/>
+                    <a:lstStyle/>
+                    <a:p>
+                      <a:r>
+                        <a:rPr lang="en-AU" dirty="0"/>
+                        <a:t>P2.B2</a:t>
+                      </a:r>
+                    </a:p>
+                  </a:txBody>
+                  <a:tcPr/>
+                </a:tc>
+                <a:tc>
+                  <a:txBody>
+                    <a:bodyPr/>
+                    <a:lstStyle/>
+                    <a:p>
+                      <a:r>
+                        <a:rPr lang="en-AU" dirty="0"/>
+                        <a:t>P2.B1</a:t>
+                      </a:r>
+                    </a:p>
+                  </a:txBody>
+                  <a:tcPr/>
+                </a:tc>
+                <a:tc>
+                  <a:txBody>
+                    <a:bodyPr/>
+                    <a:lstStyle/>
+                    <a:p>
+                      <a:r>
+                        <a:rPr lang="en-AU" dirty="0"/>
+                        <a:t>P2.B2</a:t>
+                      </a:r>
+                    </a:p>
+                  </a:txBody>
+                  <a:tcPr/>
+                </a:tc>
+                <a:tc>
+                  <a:txBody>
+                    <a:bodyPr/>
+                    <a:lstStyle/>
+                    <a:p>
+                      <a:r>
+                        <a:rPr lang="en-AU" dirty="0"/>
+                        <a:t>Distribution</a:t>
+                      </a:r>
+                    </a:p>
+                  </a:txBody>
+                  <a:tcPr/>
+                </a:tc>
+                <a:extLst>
+                  <a:ext uri="{0D108BD9-81ED-4DB2-BD59-A6C34878D82A}">
+                    <a16:rowId xmlns:a16="http://schemas.microsoft.com/office/drawing/2014/main" val="3189871482"/>
+                  </a:ext>
+                </a:extLst>
+              </a:tr>
+              <a:tr h="360000">
+                <a:tc>
+                  <a:txBody>
+                    <a:bodyPr/>
+                    <a:lstStyle/>
+                    <a:p>
+                      <a:r>
+                        <a:rPr lang="en-AU" dirty="0"/>
+                        <a:t>Repetition 1</a:t>
+                      </a:r>
+                    </a:p>
+                  </a:txBody>
+                  <a:tcPr/>
+                </a:tc>
+                <a:tc>
+                  <a:txBody>
+                    <a:bodyPr/>
+                    <a:lstStyle/>
+                    <a:p>
+                      <a:r>
+                        <a:rPr lang="en-AU" dirty="0"/>
+                        <a:t>Sim1</a:t>
+                      </a:r>
+                    </a:p>
+                  </a:txBody>
+                  <a:tcPr/>
+                </a:tc>
+                <a:tc>
+                  <a:txBody>
+                    <a:bodyPr/>
+                    <a:lstStyle/>
+                    <a:p>
+                      <a:r>
+                        <a:rPr lang="en-AU" dirty="0"/>
+                        <a:t>Sim2</a:t>
+                      </a:r>
+                    </a:p>
+                  </a:txBody>
+                  <a:tcPr/>
+                </a:tc>
+                <a:tc>
+                  <a:txBody>
+                    <a:bodyPr/>
+                    <a:lstStyle/>
+                    <a:p>
+                      <a:r>
+                        <a:rPr lang="en-AU" dirty="0"/>
+                        <a:t>Sim3</a:t>
+                      </a:r>
+                    </a:p>
+                  </a:txBody>
+                  <a:tcPr/>
+                </a:tc>
+                <a:tc>
+                  <a:txBody>
+                    <a:bodyPr/>
+                    <a:lstStyle/>
+                    <a:p>
+                      <a:r>
+                        <a:rPr lang="en-AU" dirty="0"/>
+                        <a:t>Sim4</a:t>
+                      </a:r>
+                    </a:p>
+                  </a:txBody>
+                  <a:tcPr/>
+                </a:tc>
+                <a:tc>
+                  <a:txBody>
+                    <a:bodyPr/>
+                    <a:lstStyle/>
+                    <a:p>
+                      <a:r>
+                        <a:rPr lang="en-AU" dirty="0"/>
+                        <a:t>Sim5</a:t>
+                      </a:r>
+                    </a:p>
+                  </a:txBody>
+                  <a:tcPr/>
+                </a:tc>
+                <a:tc>
+                  <a:txBody>
+                    <a:bodyPr/>
+                    <a:lstStyle/>
+                    <a:p>
+                      <a:r>
+                        <a:rPr lang="en-AU" dirty="0"/>
+                        <a:t>Sim6</a:t>
+                      </a:r>
+                    </a:p>
+                  </a:txBody>
+                  <a:tcPr/>
+                </a:tc>
+                <a:tc>
+                  <a:txBody>
+                    <a:bodyPr/>
+                    <a:lstStyle/>
+                    <a:p>
+                      <a:r>
+                        <a:rPr lang="en-AU" dirty="0"/>
+                        <a:t>~mtvN(easy)</a:t>
+                      </a:r>
+                    </a:p>
+                  </a:txBody>
+                  <a:tcPr/>
+                </a:tc>
+                <a:extLst>
+                  <a:ext uri="{0D108BD9-81ED-4DB2-BD59-A6C34878D82A}">
+                    <a16:rowId xmlns:a16="http://schemas.microsoft.com/office/drawing/2014/main" val="1288797883"/>
+                  </a:ext>
+                </a:extLst>
+              </a:tr>
+              <a:tr h="360000">
+                <a:tc>
+                  <a:txBody>
+                    <a:bodyPr/>
+                    <a:lstStyle/>
+                    <a:p>
+                      <a:r>
+                        <a:rPr lang="en-AU" dirty="0"/>
+                        <a:t>Repetition 2</a:t>
+                      </a:r>
+                    </a:p>
+                  </a:txBody>
+                  <a:tcPr/>
+                </a:tc>
+                <a:tc>
+                  <a:txBody>
+                    <a:bodyPr/>
+                    <a:lstStyle/>
+                    <a:p>
+                      <a:r>
+                        <a:rPr lang="en-AU" dirty="0"/>
+                        <a:t>Sim7</a:t>
+                      </a:r>
+                    </a:p>
+                  </a:txBody>
+                  <a:tcPr/>
+                </a:tc>
+                <a:tc>
+                  <a:txBody>
+                    <a:bodyPr/>
+                    <a:lstStyle/>
+                    <a:p>
+                      <a:r>
+                        <a:rPr lang="en-AU" dirty="0"/>
+                        <a:t>Sim8</a:t>
+                      </a:r>
+                    </a:p>
+                  </a:txBody>
+                  <a:tcPr/>
+                </a:tc>
+                <a:tc>
+                  <a:txBody>
+                    <a:bodyPr/>
+                    <a:lstStyle/>
+                    <a:p>
+                      <a:r>
+                        <a:rPr lang="en-AU" dirty="0"/>
+                        <a:t>Sim9</a:t>
+                      </a:r>
+                    </a:p>
+                  </a:txBody>
+                  <a:tcPr/>
+                </a:tc>
+                <a:tc>
+                  <a:txBody>
+                    <a:bodyPr/>
+                    <a:lstStyle/>
+                    <a:p>
+                      <a:r>
+                        <a:rPr lang="en-AU" dirty="0"/>
+                        <a:t>Sim10</a:t>
+                      </a:r>
+                    </a:p>
+                  </a:txBody>
+                  <a:tcPr/>
+                </a:tc>
+                <a:tc>
+                  <a:txBody>
+                    <a:bodyPr/>
+                    <a:lstStyle/>
+                    <a:p>
+                      <a:r>
+                        <a:rPr lang="en-AU" dirty="0"/>
+                        <a:t>Sim11</a:t>
+                      </a:r>
+                    </a:p>
+                  </a:txBody>
+                  <a:tcPr/>
+                </a:tc>
+                <a:tc>
+                  <a:txBody>
+                    <a:bodyPr/>
+                    <a:lstStyle/>
+                    <a:p>
+                      <a:r>
+                        <a:rPr lang="en-AU" dirty="0"/>
+                        <a:t>Sim12</a:t>
+                      </a:r>
+                    </a:p>
+                  </a:txBody>
+                  <a:tcPr/>
+                </a:tc>
+                <a:tc>
+                  <a:txBody>
+                    <a:bodyPr/>
+                    <a:lstStyle/>
+                    <a:p>
+                      <a:r>
+                        <a:rPr lang="en-AU" dirty="0"/>
+                        <a:t>~mtvΝ(hard1)</a:t>
+                      </a:r>
+                    </a:p>
+                  </a:txBody>
+                  <a:tcPr/>
+                </a:tc>
+                <a:extLst>
+                  <a:ext uri="{0D108BD9-81ED-4DB2-BD59-A6C34878D82A}">
+                    <a16:rowId xmlns:a16="http://schemas.microsoft.com/office/drawing/2014/main" val="304250112"/>
+                  </a:ext>
+                </a:extLst>
+              </a:tr>
+              <a:tr h="0">
+                <a:tc>
+                  <a:txBody>
+                    <a:bodyPr/>
+                    <a:lstStyle/>
+                    <a:p>
+                      <a:r>
+                        <a:rPr lang="en-AU" dirty="0"/>
+                        <a:t>Repetition 3</a:t>
+                      </a:r>
+                    </a:p>
+                  </a:txBody>
+                  <a:tcPr/>
+                </a:tc>
+                <a:tc>
+                  <a:txBody>
+                    <a:bodyPr/>
+                    <a:lstStyle/>
+                    <a:p>
+                      <a:r>
+                        <a:rPr lang="en-AU" dirty="0"/>
+                        <a:t>Sim13</a:t>
+                      </a:r>
+                    </a:p>
+                  </a:txBody>
+                  <a:tcPr/>
+                </a:tc>
+                <a:tc>
+                  <a:txBody>
+                    <a:bodyPr/>
+                    <a:lstStyle/>
+                    <a:p>
+                      <a:r>
+                        <a:rPr lang="en-AU" dirty="0"/>
+                        <a:t>Sim14</a:t>
+                      </a:r>
+                    </a:p>
+                  </a:txBody>
+                  <a:tcPr/>
+                </a:tc>
+                <a:tc>
+                  <a:txBody>
+                    <a:bodyPr/>
+                    <a:lstStyle/>
+                    <a:p>
+                      <a:r>
+                        <a:rPr lang="en-AU" dirty="0"/>
+                        <a:t>Sim15</a:t>
+                      </a:r>
+                    </a:p>
+                  </a:txBody>
+                  <a:tcPr/>
+                </a:tc>
+                <a:tc>
+                  <a:txBody>
+                    <a:bodyPr/>
+                    <a:lstStyle/>
+                    <a:p>
+                      <a:r>
+                        <a:rPr lang="en-AU" dirty="0"/>
+                        <a:t>Sim16</a:t>
+                      </a:r>
+                    </a:p>
+                  </a:txBody>
+                  <a:tcPr/>
+                </a:tc>
+                <a:tc>
+                  <a:txBody>
+                    <a:bodyPr/>
+                    <a:lstStyle/>
+                    <a:p>
+                      <a:r>
+                        <a:rPr lang="en-AU" dirty="0"/>
+                        <a:t>Sim17</a:t>
+                      </a:r>
+                    </a:p>
+                  </a:txBody>
+                  <a:tcPr/>
+                </a:tc>
+                <a:tc>
+                  <a:txBody>
+                    <a:bodyPr/>
+                    <a:lstStyle/>
+                    <a:p>
+                      <a:r>
+                        <a:rPr lang="en-AU" dirty="0"/>
+                        <a:t>Sim18</a:t>
+                      </a:r>
+                    </a:p>
+                  </a:txBody>
+                  <a:tcPr/>
+                </a:tc>
+                <a:tc>
+                  <a:txBody>
+                    <a:bodyPr/>
+                    <a:lstStyle/>
+                    <a:p>
+                      <a:r>
+                        <a:rPr lang="en-AU" dirty="0"/>
+                        <a:t>~mtvN(hard2)</a:t>
+                      </a:r>
+                    </a:p>
+                  </a:txBody>
+                  <a:tcPr/>
+                </a:tc>
+                <a:extLst>
+                  <a:ext uri="{0D108BD9-81ED-4DB2-BD59-A6C34878D82A}">
+                    <a16:rowId xmlns:a16="http://schemas.microsoft.com/office/drawing/2014/main" val="2370493989"/>
+                  </a:ext>
+                </a:extLst>
+              </a:tr>
+            </a:tbl>
+          </a:graphicData>
+        </a:graphic>
+      </p:graphicFrame>
+      <p:grpSp>
+        <p:nvGrpSpPr>
+          <p:cNvPr id="5" name="Group 4">
+            <a:extLst>
+              <a:ext uri="{FF2B5EF4-FFF2-40B4-BE49-F238E27FC236}">
+                <a16:creationId xmlns:a16="http://schemas.microsoft.com/office/drawing/2014/main" id="{3FE3C3C4-13C2-4C3E-BEB5-81EF20876CDC}"/>
+              </a:ext>
+            </a:extLst>
+          </p:cNvPr>
+          <p:cNvGrpSpPr/>
+          <p:nvPr/>
+        </p:nvGrpSpPr>
+        <p:grpSpPr>
+          <a:xfrm>
+            <a:off x="2902998" y="3062661"/>
+            <a:ext cx="5058245" cy="370856"/>
+            <a:chOff x="2902998" y="3062661"/>
+            <a:chExt cx="5058245" cy="370856"/>
+          </a:xfrm>
+        </p:grpSpPr>
+        <p:cxnSp>
+          <p:nvCxnSpPr>
+            <p:cNvPr id="4" name="Straight Connector 3">
+              <a:extLst>
+                <a:ext uri="{FF2B5EF4-FFF2-40B4-BE49-F238E27FC236}">
+                  <a16:creationId xmlns:a16="http://schemas.microsoft.com/office/drawing/2014/main" id="{8764B69E-BA77-429A-B681-8E2C0BB7E344}"/>
+                </a:ext>
+              </a:extLst>
+            </p:cNvPr>
+            <p:cNvCxnSpPr/>
+            <p:nvPr/>
+          </p:nvCxnSpPr>
+          <p:spPr>
+            <a:xfrm>
+              <a:off x="2902998" y="3062661"/>
+              <a:ext cx="0" cy="370856"/>
+            </a:xfrm>
+            <a:prstGeom prst="line">
+              <a:avLst/>
+            </a:prstGeom>
+            <a:ln w="28575">
+              <a:solidFill>
+                <a:schemeClr val="tx1"/>
+              </a:solidFill>
+              <a:prstDash val="dash"/>
+            </a:ln>
+          </p:spPr>
+          <p:style>
+            <a:lnRef idx="1">
+              <a:schemeClr val="accent1"/>
+            </a:lnRef>
+            <a:fillRef idx="0">
+              <a:schemeClr val="accent1"/>
+            </a:fillRef>
+            <a:effectRef idx="0">
+              <a:schemeClr val="accent1"/>
+            </a:effectRef>
+            <a:fontRef idx="minor">
+              <a:schemeClr val="tx1"/>
+            </a:fontRef>
+          </p:style>
+        </p:cxnSp>
+        <p:cxnSp>
+          <p:nvCxnSpPr>
+            <p:cNvPr id="8" name="Straight Connector 7">
+              <a:extLst>
+                <a:ext uri="{FF2B5EF4-FFF2-40B4-BE49-F238E27FC236}">
+                  <a16:creationId xmlns:a16="http://schemas.microsoft.com/office/drawing/2014/main" id="{5737FC28-2696-4EB1-AB61-74080ED4916C}"/>
+                </a:ext>
+              </a:extLst>
+            </p:cNvPr>
+            <p:cNvCxnSpPr/>
+            <p:nvPr/>
+          </p:nvCxnSpPr>
+          <p:spPr>
+            <a:xfrm>
+              <a:off x="4564602" y="3062661"/>
+              <a:ext cx="0" cy="370856"/>
+            </a:xfrm>
+            <a:prstGeom prst="line">
+              <a:avLst/>
+            </a:prstGeom>
+            <a:ln w="28575">
+              <a:solidFill>
+                <a:schemeClr val="tx1"/>
+              </a:solidFill>
+              <a:prstDash val="dash"/>
+            </a:ln>
+          </p:spPr>
+          <p:style>
+            <a:lnRef idx="1">
+              <a:schemeClr val="accent1"/>
+            </a:lnRef>
+            <a:fillRef idx="0">
+              <a:schemeClr val="accent1"/>
+            </a:fillRef>
+            <a:effectRef idx="0">
+              <a:schemeClr val="accent1"/>
+            </a:effectRef>
+            <a:fontRef idx="minor">
+              <a:schemeClr val="tx1"/>
+            </a:fontRef>
+          </p:style>
+        </p:cxnSp>
+        <p:cxnSp>
+          <p:nvCxnSpPr>
+            <p:cNvPr id="10" name="Straight Connector 9">
+              <a:extLst>
+                <a:ext uri="{FF2B5EF4-FFF2-40B4-BE49-F238E27FC236}">
+                  <a16:creationId xmlns:a16="http://schemas.microsoft.com/office/drawing/2014/main" id="{52C97FD3-668A-468A-9E69-284F5ED6D448}"/>
+                </a:ext>
+              </a:extLst>
+            </p:cNvPr>
+            <p:cNvCxnSpPr/>
+            <p:nvPr/>
+          </p:nvCxnSpPr>
+          <p:spPr>
+            <a:xfrm>
+              <a:off x="6277992" y="3062661"/>
+              <a:ext cx="0" cy="370856"/>
+            </a:xfrm>
+            <a:prstGeom prst="line">
+              <a:avLst/>
+            </a:prstGeom>
+            <a:ln w="28575">
+              <a:solidFill>
+                <a:schemeClr val="tx1"/>
+              </a:solidFill>
+              <a:prstDash val="dash"/>
+            </a:ln>
+          </p:spPr>
+          <p:style>
+            <a:lnRef idx="1">
+              <a:schemeClr val="accent1"/>
+            </a:lnRef>
+            <a:fillRef idx="0">
+              <a:schemeClr val="accent1"/>
+            </a:fillRef>
+            <a:effectRef idx="0">
+              <a:schemeClr val="accent1"/>
+            </a:effectRef>
+            <a:fontRef idx="minor">
+              <a:schemeClr val="tx1"/>
+            </a:fontRef>
+          </p:style>
+        </p:cxnSp>
+        <p:cxnSp>
+          <p:nvCxnSpPr>
+            <p:cNvPr id="11" name="Straight Connector 10">
+              <a:extLst>
+                <a:ext uri="{FF2B5EF4-FFF2-40B4-BE49-F238E27FC236}">
+                  <a16:creationId xmlns:a16="http://schemas.microsoft.com/office/drawing/2014/main" id="{83C01968-F948-4C0C-BD04-3A554E456599}"/>
+                </a:ext>
+              </a:extLst>
+            </p:cNvPr>
+            <p:cNvCxnSpPr/>
+            <p:nvPr/>
+          </p:nvCxnSpPr>
+          <p:spPr>
+            <a:xfrm>
+              <a:off x="7961243" y="3062661"/>
+              <a:ext cx="0" cy="370856"/>
+            </a:xfrm>
+            <a:prstGeom prst="line">
+              <a:avLst/>
+            </a:prstGeom>
+            <a:ln w="28575">
+              <a:solidFill>
+                <a:schemeClr val="tx1"/>
+              </a:solidFill>
+              <a:prstDash val="dash"/>
+            </a:ln>
+          </p:spPr>
+          <p:style>
+            <a:lnRef idx="1">
+              <a:schemeClr val="accent1"/>
+            </a:lnRef>
+            <a:fillRef idx="0">
+              <a:schemeClr val="accent1"/>
+            </a:fillRef>
+            <a:effectRef idx="0">
+              <a:schemeClr val="accent1"/>
+            </a:effectRef>
+            <a:fontRef idx="minor">
+              <a:schemeClr val="tx1"/>
+            </a:fontRef>
+          </p:style>
+        </p:cxnSp>
+      </p:grpSp>
+      <p:graphicFrame>
+        <p:nvGraphicFramePr>
+          <p:cNvPr id="6" name="Table 5">
+            <a:extLst>
+              <a:ext uri="{FF2B5EF4-FFF2-40B4-BE49-F238E27FC236}">
+                <a16:creationId xmlns:a16="http://schemas.microsoft.com/office/drawing/2014/main" id="{A3F26061-83F0-46E4-B0E4-8DC5B0FC8570}"/>
+              </a:ext>
+            </a:extLst>
+          </p:cNvPr>
+          <p:cNvGraphicFramePr>
+            <a:graphicFrameLocks noGrp="1"/>
+          </p:cNvGraphicFramePr>
+          <p:nvPr>
+            <p:extLst/>
+          </p:nvPr>
+        </p:nvGraphicFramePr>
+        <p:xfrm>
+          <a:off x="1562468" y="4847864"/>
+          <a:ext cx="6225905" cy="1483360"/>
+        </p:xfrm>
+        <a:graphic>
+          <a:graphicData uri="http://schemas.openxmlformats.org/drawingml/2006/table">
+            <a:tbl>
+              <a:tblPr firstRow="1" bandRow="1">
+                <a:tableStyleId>{5C22544A-7EE6-4342-B048-85BDC9FD1C3A}</a:tableStyleId>
+              </a:tblPr>
+              <a:tblGrid>
+                <a:gridCol w="955047">
+                  <a:extLst>
+                    <a:ext uri="{9D8B030D-6E8A-4147-A177-3AD203B41FA5}">
+                      <a16:colId xmlns:a16="http://schemas.microsoft.com/office/drawing/2014/main" val="1623098923"/>
+                    </a:ext>
+                  </a:extLst>
+                </a:gridCol>
+                <a:gridCol w="1357585">
+                  <a:extLst>
+                    <a:ext uri="{9D8B030D-6E8A-4147-A177-3AD203B41FA5}">
+                      <a16:colId xmlns:a16="http://schemas.microsoft.com/office/drawing/2014/main" val="1883872424"/>
+                    </a:ext>
+                  </a:extLst>
+                </a:gridCol>
+                <a:gridCol w="208280">
+                  <a:extLst>
+                    <a:ext uri="{9D8B030D-6E8A-4147-A177-3AD203B41FA5}">
+                      <a16:colId xmlns:a16="http://schemas.microsoft.com/office/drawing/2014/main" val="4067034447"/>
+                    </a:ext>
+                  </a:extLst>
+                </a:gridCol>
+                <a:gridCol w="896993">
+                  <a:extLst>
+                    <a:ext uri="{9D8B030D-6E8A-4147-A177-3AD203B41FA5}">
+                      <a16:colId xmlns:a16="http://schemas.microsoft.com/office/drawing/2014/main" val="1421016201"/>
+                    </a:ext>
+                  </a:extLst>
+                </a:gridCol>
+                <a:gridCol w="2808000">
+                  <a:extLst>
+                    <a:ext uri="{9D8B030D-6E8A-4147-A177-3AD203B41FA5}">
+                      <a16:colId xmlns:a16="http://schemas.microsoft.com/office/drawing/2014/main" val="1360828441"/>
+                    </a:ext>
+                  </a:extLst>
+                </a:gridCol>
+              </a:tblGrid>
+              <a:tr h="370840">
+                <a:tc>
+                  <a:txBody>
+                    <a:bodyPr/>
+                    <a:lstStyle/>
+                    <a:p>
+                      <a:pPr marL="0" algn="l" defTabSz="914400" rtl="0" eaLnBrk="1" latinLnBrk="0" hangingPunct="1"/>
+                      <a:endParaRPr lang="en-AU" sz="1800" kern="1200" dirty="0">
+                        <a:solidFill>
+                          <a:schemeClr val="dk1"/>
+                        </a:solidFill>
+                        <a:latin typeface="+mn-lt"/>
+                        <a:ea typeface="+mn-ea"/>
+                        <a:cs typeface="+mn-cs"/>
+                      </a:endParaRPr>
+                    </a:p>
+                  </a:txBody>
+                  <a:tcPr>
+                    <a:solidFill>
+                      <a:schemeClr val="bg1"/>
+                    </a:solidFill>
+                  </a:tcPr>
+                </a:tc>
+                <a:tc>
+                  <a:txBody>
+                    <a:bodyPr/>
+                    <a:lstStyle/>
+                    <a:p>
+                      <a:pPr marL="0" algn="l" defTabSz="914400" rtl="0" eaLnBrk="1" latinLnBrk="0" hangingPunct="1"/>
+                      <a:endParaRPr lang="en-AU" sz="1800" kern="1200" dirty="0">
+                        <a:solidFill>
+                          <a:schemeClr val="dk1"/>
+                        </a:solidFill>
+                        <a:latin typeface="+mn-lt"/>
+                        <a:ea typeface="+mn-ea"/>
+                        <a:cs typeface="+mn-cs"/>
+                      </a:endParaRPr>
+                    </a:p>
+                  </a:txBody>
+                  <a:tcPr>
+                    <a:solidFill>
+                      <a:schemeClr val="bg1"/>
+                    </a:solidFill>
+                  </a:tcPr>
+                </a:tc>
+                <a:tc>
+                  <a:txBody>
+                    <a:bodyPr/>
+                    <a:lstStyle/>
+                    <a:p>
+                      <a:pPr marL="0" algn="l" defTabSz="914400" rtl="0" eaLnBrk="1" latinLnBrk="0" hangingPunct="1"/>
+                      <a:endParaRPr lang="en-AU" sz="1800" kern="1200" dirty="0">
+                        <a:solidFill>
+                          <a:schemeClr val="dk1"/>
+                        </a:solidFill>
+                        <a:latin typeface="+mn-lt"/>
+                        <a:ea typeface="+mn-ea"/>
+                        <a:cs typeface="+mn-cs"/>
+                      </a:endParaRPr>
+                    </a:p>
+                  </a:txBody>
+                  <a:tcPr>
+                    <a:solidFill>
+                      <a:schemeClr val="bg1"/>
+                    </a:solidFill>
+                  </a:tcPr>
+                </a:tc>
+                <a:tc>
+                  <a:txBody>
+                    <a:bodyPr/>
+                    <a:lstStyle/>
+                    <a:p>
+                      <a:pPr marL="0" algn="l" defTabSz="914400" rtl="0" eaLnBrk="1" latinLnBrk="0" hangingPunct="1"/>
+                      <a:endParaRPr lang="en-AU" sz="1800" kern="1200" dirty="0">
+                        <a:solidFill>
+                          <a:schemeClr val="dk1"/>
+                        </a:solidFill>
+                        <a:latin typeface="+mn-lt"/>
+                        <a:ea typeface="+mn-ea"/>
+                        <a:cs typeface="+mn-cs"/>
+                      </a:endParaRPr>
+                    </a:p>
+                  </a:txBody>
+                  <a:tcPr>
+                    <a:solidFill>
+                      <a:schemeClr val="bg1"/>
+                    </a:solidFill>
+                  </a:tcPr>
+                </a:tc>
+                <a:tc>
+                  <a:txBody>
+                    <a:bodyPr/>
+                    <a:lstStyle/>
+                    <a:p>
+                      <a:pPr marL="0" algn="l" defTabSz="914400" rtl="0" eaLnBrk="1" latinLnBrk="0" hangingPunct="1"/>
+                      <a:endParaRPr lang="en-AU" sz="1800" kern="1200" dirty="0">
+                        <a:solidFill>
+                          <a:schemeClr val="dk1"/>
+                        </a:solidFill>
+                        <a:latin typeface="+mn-lt"/>
+                        <a:ea typeface="+mn-ea"/>
+                        <a:cs typeface="+mn-cs"/>
+                      </a:endParaRPr>
+                    </a:p>
+                  </a:txBody>
+                  <a:tcPr>
+                    <a:solidFill>
+                      <a:schemeClr val="bg1"/>
+                    </a:solidFill>
+                  </a:tcPr>
+                </a:tc>
+                <a:extLst>
+                  <a:ext uri="{0D108BD9-81ED-4DB2-BD59-A6C34878D82A}">
+                    <a16:rowId xmlns:a16="http://schemas.microsoft.com/office/drawing/2014/main" val="222219733"/>
+                  </a:ext>
+                </a:extLst>
+              </a:tr>
+              <a:tr h="370840">
+                <a:tc>
+                  <a:txBody>
+                    <a:bodyPr/>
+                    <a:lstStyle/>
+                    <a:p>
+                      <a:r>
+                        <a:rPr lang="en-AU" dirty="0"/>
+                        <a:t>Factor 1</a:t>
+                      </a:r>
+                    </a:p>
+                  </a:txBody>
+                  <a:tcPr/>
+                </a:tc>
+                <a:tc>
+                  <a:txBody>
+                    <a:bodyPr/>
+                    <a:lstStyle/>
+                    <a:p>
+                      <a:r>
+                        <a:rPr lang="en-AU" dirty="0"/>
+                        <a:t>PCA</a:t>
+                      </a:r>
+                    </a:p>
+                  </a:txBody>
+                  <a:tcPr/>
+                </a:tc>
+                <a:tc>
+                  <a:txBody>
+                    <a:bodyPr/>
+                    <a:lstStyle/>
+                    <a:p>
+                      <a:endParaRPr lang="en-AU" dirty="0"/>
+                    </a:p>
+                  </a:txBody>
+                  <a:tcPr/>
+                </a:tc>
+                <a:tc>
+                  <a:txBody>
+                    <a:bodyPr/>
+                    <a:lstStyle/>
+                    <a:p>
+                      <a:r>
+                        <a:rPr lang="en-AU" dirty="0"/>
+                        <a:t>Block 1</a:t>
+                      </a:r>
+                    </a:p>
+                  </a:txBody>
+                  <a:tcPr/>
+                </a:tc>
+                <a:tc>
+                  <a:txBody>
+                    <a:bodyPr/>
+                    <a:lstStyle/>
+                    <a:p>
+                      <a:r>
+                        <a:rPr lang="en-AU" dirty="0"/>
+                        <a:t>Number of clusters</a:t>
+                      </a:r>
+                    </a:p>
+                  </a:txBody>
+                  <a:tcPr/>
+                </a:tc>
+                <a:extLst>
+                  <a:ext uri="{0D108BD9-81ED-4DB2-BD59-A6C34878D82A}">
+                    <a16:rowId xmlns:a16="http://schemas.microsoft.com/office/drawing/2014/main" val="2938560685"/>
+                  </a:ext>
+                </a:extLst>
+              </a:tr>
+              <a:tr h="370840">
+                <a:tc>
+                  <a:txBody>
+                    <a:bodyPr/>
+                    <a:lstStyle/>
+                    <a:p>
+                      <a:r>
+                        <a:rPr lang="en-AU" dirty="0"/>
+                        <a:t>Factor 2</a:t>
+                      </a:r>
+                    </a:p>
+                  </a:txBody>
+                  <a:tcPr/>
+                </a:tc>
+                <a:tc>
+                  <a:txBody>
+                    <a:bodyPr/>
+                    <a:lstStyle/>
+                    <a:p>
+                      <a:r>
+                        <a:rPr lang="en-AU" dirty="0"/>
+                        <a:t>Grand tour</a:t>
+                      </a:r>
+                    </a:p>
+                  </a:txBody>
+                  <a:tcPr/>
+                </a:tc>
+                <a:tc>
+                  <a:txBody>
+                    <a:bodyPr/>
+                    <a:lstStyle/>
+                    <a:p>
+                      <a:endParaRPr lang="en-AU" dirty="0"/>
+                    </a:p>
+                  </a:txBody>
+                  <a:tcPr/>
+                </a:tc>
+                <a:tc rowSpan="2">
+                  <a:txBody>
+                    <a:bodyPr/>
+                    <a:lstStyle/>
+                    <a:p>
+                      <a:r>
+                        <a:rPr lang="en-AU" dirty="0"/>
+                        <a:t>Block 2</a:t>
+                      </a:r>
+                    </a:p>
+                  </a:txBody>
+                  <a:tcPr/>
+                </a:tc>
+                <a:tc rowSpan="2">
+                  <a:txBody>
+                    <a:bodyPr/>
+                    <a:lstStyle/>
+                    <a:p>
+                      <a:r>
+                        <a:rPr lang="en-AU" dirty="0"/>
+                        <a:t>Importance of each variable for distinguishing a cluster</a:t>
+                      </a:r>
+                    </a:p>
+                  </a:txBody>
+                  <a:tcPr/>
+                </a:tc>
+                <a:extLst>
+                  <a:ext uri="{0D108BD9-81ED-4DB2-BD59-A6C34878D82A}">
+                    <a16:rowId xmlns:a16="http://schemas.microsoft.com/office/drawing/2014/main" val="4223562969"/>
+                  </a:ext>
+                </a:extLst>
+              </a:tr>
+              <a:tr h="370840">
+                <a:tc>
+                  <a:txBody>
+                    <a:bodyPr/>
+                    <a:lstStyle/>
+                    <a:p>
+                      <a:r>
+                        <a:rPr lang="en-AU" dirty="0"/>
+                        <a:t>Factor 3</a:t>
+                      </a:r>
+                    </a:p>
+                  </a:txBody>
+                  <a:tcPr/>
+                </a:tc>
+                <a:tc>
+                  <a:txBody>
+                    <a:bodyPr/>
+                    <a:lstStyle/>
+                    <a:p>
+                      <a:r>
+                        <a:rPr lang="en-AU" dirty="0"/>
+                        <a:t>Manual tour</a:t>
+                      </a:r>
+                    </a:p>
+                  </a:txBody>
+                  <a:tcPr/>
+                </a:tc>
+                <a:tc>
+                  <a:txBody>
+                    <a:bodyPr/>
+                    <a:lstStyle/>
+                    <a:p>
+                      <a:endParaRPr lang="en-AU" dirty="0"/>
+                    </a:p>
+                  </a:txBody>
+                  <a:tcPr/>
+                </a:tc>
+                <a:tc vMerge="1">
+                  <a:txBody>
+                    <a:bodyPr/>
+                    <a:lstStyle/>
+                    <a:p>
+                      <a:endParaRPr lang="en-AU" dirty="0"/>
+                    </a:p>
+                  </a:txBody>
+                  <a:tcPr/>
+                </a:tc>
+                <a:tc vMerge="1">
+                  <a:txBody>
+                    <a:bodyPr/>
+                    <a:lstStyle/>
+                    <a:p>
+                      <a:endParaRPr lang="en-AU" dirty="0"/>
+                    </a:p>
+                  </a:txBody>
+                  <a:tcPr/>
+                </a:tc>
+                <a:extLst>
+                  <a:ext uri="{0D108BD9-81ED-4DB2-BD59-A6C34878D82A}">
+                    <a16:rowId xmlns:a16="http://schemas.microsoft.com/office/drawing/2014/main" val="1091866687"/>
+                  </a:ext>
+                </a:extLst>
+              </a:tr>
+            </a:tbl>
+          </a:graphicData>
+        </a:graphic>
+      </p:graphicFrame>
+      <p:sp>
+        <p:nvSpPr>
+          <p:cNvPr id="3" name="TextBox 2">
+            <a:extLst>
+              <a:ext uri="{FF2B5EF4-FFF2-40B4-BE49-F238E27FC236}">
+                <a16:creationId xmlns:a16="http://schemas.microsoft.com/office/drawing/2014/main" id="{F0822401-84D8-4054-B2EA-3FE78E43FF2E}"/>
+              </a:ext>
+            </a:extLst>
+          </p:cNvPr>
+          <p:cNvSpPr txBox="1"/>
+          <p:nvPr/>
+        </p:nvSpPr>
+        <p:spPr>
+          <a:xfrm>
+            <a:off x="9622653" y="3739654"/>
+            <a:ext cx="2495365" cy="1107996"/>
+          </a:xfrm>
+          <a:prstGeom prst="rect">
+            <a:avLst/>
+          </a:prstGeom>
+          <a:noFill/>
+        </p:spPr>
+        <p:txBody>
+          <a:bodyPr wrap="square" rtlCol="0">
+            <a:spAutoFit/>
+          </a:bodyPr>
+          <a:lstStyle/>
+          <a:p>
+            <a:r>
+              <a:rPr lang="en-AU" sz="2200" dirty="0"/>
+              <a:t>~(p=8, cl=3, np=5)</a:t>
+            </a:r>
+          </a:p>
+          <a:p>
+            <a:r>
+              <a:rPr lang="en-AU" sz="2200" dirty="0"/>
+              <a:t>~(p=8, cl=4, np=4)</a:t>
+            </a:r>
+          </a:p>
+          <a:p>
+            <a:r>
+              <a:rPr lang="en-AU" sz="2200" dirty="0"/>
+              <a:t>~(p=10, cl=4, np=5)</a:t>
+            </a:r>
+          </a:p>
+        </p:txBody>
+      </p:sp>
+      <p:sp>
+        <p:nvSpPr>
+          <p:cNvPr id="12" name="TextBox 11">
+            <a:extLst>
+              <a:ext uri="{FF2B5EF4-FFF2-40B4-BE49-F238E27FC236}">
+                <a16:creationId xmlns:a16="http://schemas.microsoft.com/office/drawing/2014/main" id="{C1CE658D-2B84-4D97-9B04-BE2E4F7BA3DE}"/>
+              </a:ext>
+            </a:extLst>
+          </p:cNvPr>
+          <p:cNvSpPr txBox="1"/>
+          <p:nvPr/>
+        </p:nvSpPr>
+        <p:spPr>
+          <a:xfrm>
+            <a:off x="9622653" y="5589544"/>
+            <a:ext cx="3124544" cy="769441"/>
+          </a:xfrm>
+          <a:prstGeom prst="rect">
+            <a:avLst/>
+          </a:prstGeom>
+          <a:noFill/>
+        </p:spPr>
+        <p:txBody>
+          <a:bodyPr wrap="square" rtlCol="0">
+            <a:spAutoFit/>
+          </a:bodyPr>
+          <a:lstStyle/>
+          <a:p>
+            <a:r>
+              <a:rPr lang="en-AU" sz="2200" dirty="0"/>
+              <a:t>Sim119~(p=6, cl=3, np=2)</a:t>
+            </a:r>
+          </a:p>
+          <a:p>
+            <a:r>
+              <a:rPr lang="en-AU" sz="2200" dirty="0"/>
+              <a:t>Sim120~(p=6, cl=3, np=2)</a:t>
+            </a:r>
+          </a:p>
+        </p:txBody>
+      </p:sp>
+    </p:spTree>
+    <p:extLst>
+      <p:ext uri="{BB962C8B-B14F-4D97-AF65-F5344CB8AC3E}">
+        <p14:creationId xmlns:p14="http://schemas.microsoft.com/office/powerpoint/2010/main" val="3540918549"/>
+      </p:ext>
+    </p:extLst>
+  </p:cSld>
+  <p:clrMapOvr>
+    <a:masterClrMapping/>
+  </p:clrMapOvr>
+</p:sld>
+</file>
+
+<file path=ppt/slides/slide5.xml><?xml version="1.0" encoding="utf-8"?>
 <p:sld xmlns:a="http://schemas.openxmlformats.org/drawingml/2006/main" xmlns:r="http://schemas.openxmlformats.org/officeDocument/2006/relationships" xmlns:p="http://schemas.openxmlformats.org/presentationml/2006/main">
   <p:cSld>
     <p:spTree>

--- a/paper/figures/Experimental design graphics.pptx
+++ b/paper/figures/Experimental design graphics.pptx
@@ -6,8 +6,8 @@
   </p:sldMasterIdLst>
   <p:sldIdLst>
     <p:sldId id="262" r:id="rId2"/>
-    <p:sldId id="258" r:id="rId3"/>
-    <p:sldId id="259" r:id="rId4"/>
+    <p:sldId id="259" r:id="rId3"/>
+    <p:sldId id="258" r:id="rId4"/>
     <p:sldId id="260" r:id="rId5"/>
     <p:sldId id="257" r:id="rId6"/>
   </p:sldIdLst>
@@ -277,7 +277,7 @@
           <a:p>
             <a:fld id="{B25803F7-6624-424E-B78C-2F27C4BCE53D}" type="datetimeFigureOut">
               <a:rPr lang="en-AU" smtClean="0"/>
-              <a:t>18/12/2019</a:t>
+              <a:t>7/01/2020</a:t>
             </a:fld>
             <a:endParaRPr lang="en-AU"/>
           </a:p>
@@ -477,7 +477,7 @@
           <a:p>
             <a:fld id="{B25803F7-6624-424E-B78C-2F27C4BCE53D}" type="datetimeFigureOut">
               <a:rPr lang="en-AU" smtClean="0"/>
-              <a:t>18/12/2019</a:t>
+              <a:t>7/01/2020</a:t>
             </a:fld>
             <a:endParaRPr lang="en-AU"/>
           </a:p>
@@ -687,7 +687,7 @@
           <a:p>
             <a:fld id="{B25803F7-6624-424E-B78C-2F27C4BCE53D}" type="datetimeFigureOut">
               <a:rPr lang="en-AU" smtClean="0"/>
-              <a:t>18/12/2019</a:t>
+              <a:t>7/01/2020</a:t>
             </a:fld>
             <a:endParaRPr lang="en-AU"/>
           </a:p>
@@ -887,7 +887,7 @@
           <a:p>
             <a:fld id="{B25803F7-6624-424E-B78C-2F27C4BCE53D}" type="datetimeFigureOut">
               <a:rPr lang="en-AU" smtClean="0"/>
-              <a:t>18/12/2019</a:t>
+              <a:t>7/01/2020</a:t>
             </a:fld>
             <a:endParaRPr lang="en-AU"/>
           </a:p>
@@ -1163,7 +1163,7 @@
           <a:p>
             <a:fld id="{B25803F7-6624-424E-B78C-2F27C4BCE53D}" type="datetimeFigureOut">
               <a:rPr lang="en-AU" smtClean="0"/>
-              <a:t>18/12/2019</a:t>
+              <a:t>7/01/2020</a:t>
             </a:fld>
             <a:endParaRPr lang="en-AU"/>
           </a:p>
@@ -1431,7 +1431,7 @@
           <a:p>
             <a:fld id="{B25803F7-6624-424E-B78C-2F27C4BCE53D}" type="datetimeFigureOut">
               <a:rPr lang="en-AU" smtClean="0"/>
-              <a:t>18/12/2019</a:t>
+              <a:t>7/01/2020</a:t>
             </a:fld>
             <a:endParaRPr lang="en-AU"/>
           </a:p>
@@ -1846,7 +1846,7 @@
           <a:p>
             <a:fld id="{B25803F7-6624-424E-B78C-2F27C4BCE53D}" type="datetimeFigureOut">
               <a:rPr lang="en-AU" smtClean="0"/>
-              <a:t>18/12/2019</a:t>
+              <a:t>7/01/2020</a:t>
             </a:fld>
             <a:endParaRPr lang="en-AU"/>
           </a:p>
@@ -1988,7 +1988,7 @@
           <a:p>
             <a:fld id="{B25803F7-6624-424E-B78C-2F27C4BCE53D}" type="datetimeFigureOut">
               <a:rPr lang="en-AU" smtClean="0"/>
-              <a:t>18/12/2019</a:t>
+              <a:t>7/01/2020</a:t>
             </a:fld>
             <a:endParaRPr lang="en-AU"/>
           </a:p>
@@ -2101,7 +2101,7 @@
           <a:p>
             <a:fld id="{B25803F7-6624-424E-B78C-2F27C4BCE53D}" type="datetimeFigureOut">
               <a:rPr lang="en-AU" smtClean="0"/>
-              <a:t>18/12/2019</a:t>
+              <a:t>7/01/2020</a:t>
             </a:fld>
             <a:endParaRPr lang="en-AU"/>
           </a:p>
@@ -2414,7 +2414,7 @@
           <a:p>
             <a:fld id="{B25803F7-6624-424E-B78C-2F27C4BCE53D}" type="datetimeFigureOut">
               <a:rPr lang="en-AU" smtClean="0"/>
-              <a:t>18/12/2019</a:t>
+              <a:t>7/01/2020</a:t>
             </a:fld>
             <a:endParaRPr lang="en-AU"/>
           </a:p>
@@ -2703,7 +2703,7 @@
           <a:p>
             <a:fld id="{B25803F7-6624-424E-B78C-2F27C4BCE53D}" type="datetimeFigureOut">
               <a:rPr lang="en-AU" smtClean="0"/>
-              <a:t>18/12/2019</a:t>
+              <a:t>7/01/2020</a:t>
             </a:fld>
             <a:endParaRPr lang="en-AU"/>
           </a:p>
@@ -2946,7 +2946,7 @@
           <a:p>
             <a:fld id="{B25803F7-6624-424E-B78C-2F27C4BCE53D}" type="datetimeFigureOut">
               <a:rPr lang="en-AU" smtClean="0"/>
-              <a:t>18/12/2019</a:t>
+              <a:t>7/01/2020</a:t>
             </a:fld>
             <a:endParaRPr lang="en-AU"/>
           </a:p>
@@ -3909,7 +3909,7 @@
           <p:nvPr>
             <p:extLst>
               <p:ext uri="{D42A27DB-BD31-4B8C-83A1-F6EECF244321}">
-                <p14:modId xmlns:p14="http://schemas.microsoft.com/office/powerpoint/2010/main" val="2194013011"/>
+                <p14:modId xmlns:p14="http://schemas.microsoft.com/office/powerpoint/2010/main" val="3729027227"/>
               </p:ext>
             </p:extLst>
           </p:nvPr>
@@ -4000,72 +4000,72 @@
                     <a:p>
                       <a:r>
                         <a:rPr lang="en-AU" dirty="0"/>
-                        <a:t>P1.B1</a:t>
-                      </a:r>
-                    </a:p>
-                  </a:txBody>
-                  <a:tcPr/>
-                </a:tc>
-                <a:tc>
-                  <a:txBody>
-                    <a:bodyPr/>
-                    <a:lstStyle/>
-                    <a:p>
-                      <a:r>
-                        <a:rPr lang="en-AU" dirty="0"/>
-                        <a:t>P1.B2</a:t>
-                      </a:r>
-                    </a:p>
-                  </a:txBody>
-                  <a:tcPr/>
-                </a:tc>
-                <a:tc>
-                  <a:txBody>
-                    <a:bodyPr/>
-                    <a:lstStyle/>
-                    <a:p>
-                      <a:r>
-                        <a:rPr lang="en-AU" dirty="0"/>
-                        <a:t>P2.B1</a:t>
-                      </a:r>
-                    </a:p>
-                  </a:txBody>
-                  <a:tcPr/>
-                </a:tc>
-                <a:tc>
-                  <a:txBody>
-                    <a:bodyPr/>
-                    <a:lstStyle/>
-                    <a:p>
-                      <a:r>
-                        <a:rPr lang="en-AU" dirty="0"/>
-                        <a:t>P2.B2</a:t>
-                      </a:r>
-                    </a:p>
-                  </a:txBody>
-                  <a:tcPr/>
-                </a:tc>
-                <a:tc>
-                  <a:txBody>
-                    <a:bodyPr/>
-                    <a:lstStyle/>
-                    <a:p>
-                      <a:r>
-                        <a:rPr lang="en-AU" dirty="0"/>
-                        <a:t>P2.B1</a:t>
-                      </a:r>
-                    </a:p>
-                  </a:txBody>
-                  <a:tcPr/>
-                </a:tc>
-                <a:tc>
-                  <a:txBody>
-                    <a:bodyPr/>
-                    <a:lstStyle/>
-                    <a:p>
-                      <a:r>
-                        <a:rPr lang="en-AU" dirty="0"/>
-                        <a:t>P2.B2</a:t>
+                        <a:t>P1.T1</a:t>
+                      </a:r>
+                    </a:p>
+                  </a:txBody>
+                  <a:tcPr/>
+                </a:tc>
+                <a:tc>
+                  <a:txBody>
+                    <a:bodyPr/>
+                    <a:lstStyle/>
+                    <a:p>
+                      <a:r>
+                        <a:rPr lang="en-AU" dirty="0"/>
+                        <a:t>P1.T2</a:t>
+                      </a:r>
+                    </a:p>
+                  </a:txBody>
+                  <a:tcPr/>
+                </a:tc>
+                <a:tc>
+                  <a:txBody>
+                    <a:bodyPr/>
+                    <a:lstStyle/>
+                    <a:p>
+                      <a:r>
+                        <a:rPr lang="en-AU" dirty="0"/>
+                        <a:t>P2.T1</a:t>
+                      </a:r>
+                    </a:p>
+                  </a:txBody>
+                  <a:tcPr/>
+                </a:tc>
+                <a:tc>
+                  <a:txBody>
+                    <a:bodyPr/>
+                    <a:lstStyle/>
+                    <a:p>
+                      <a:r>
+                        <a:rPr lang="en-AU" dirty="0"/>
+                        <a:t>P2.T2</a:t>
+                      </a:r>
+                    </a:p>
+                  </a:txBody>
+                  <a:tcPr/>
+                </a:tc>
+                <a:tc>
+                  <a:txBody>
+                    <a:bodyPr/>
+                    <a:lstStyle/>
+                    <a:p>
+                      <a:r>
+                        <a:rPr lang="en-AU" dirty="0"/>
+                        <a:t>P2.T1</a:t>
+                      </a:r>
+                    </a:p>
+                  </a:txBody>
+                  <a:tcPr/>
+                </a:tc>
+                <a:tc>
+                  <a:txBody>
+                    <a:bodyPr/>
+                    <a:lstStyle/>
+                    <a:p>
+                      <a:r>
+                        <a:rPr lang="en-AU" dirty="0"/>
+                        <a:t>P2.T2</a:t>
                       </a:r>
                     </a:p>
                   </a:txBody>
@@ -4106,7 +4106,7 @@
                     <a:p>
                       <a:r>
                         <a:rPr lang="en-AU" dirty="0"/>
-                        <a:t>Repetition 1</a:t>
+                        <a:t>Difficulty  1</a:t>
                       </a:r>
                     </a:p>
                   </a:txBody>
@@ -4225,7 +4225,7 @@
                     <a:p>
                       <a:r>
                         <a:rPr lang="en-AU" dirty="0"/>
-                        <a:t>Repetition 2</a:t>
+                        <a:t>Difficulty 2</a:t>
                       </a:r>
                     </a:p>
                   </a:txBody>
@@ -4344,7 +4344,7 @@
                     <a:p>
                       <a:r>
                         <a:rPr lang="en-AU" dirty="0"/>
-                        <a:t>Repetition 3</a:t>
+                        <a:t>Difficulty 3</a:t>
                       </a:r>
                     </a:p>
                   </a:txBody>
@@ -4661,7 +4661,11 @@
             <a:graphicFrameLocks noGrp="1"/>
           </p:cNvGraphicFramePr>
           <p:nvPr>
-            <p:extLst/>
+            <p:extLst>
+              <p:ext uri="{D42A27DB-BD31-4B8C-83A1-F6EECF244321}">
+                <p14:modId xmlns:p14="http://schemas.microsoft.com/office/powerpoint/2010/main" val="3765390746"/>
+              </p:ext>
+            </p:extLst>
           </p:nvPr>
         </p:nvGraphicFramePr>
         <p:xfrm>
@@ -4872,7 +4876,7 @@
                     <a:p>
                       <a:r>
                         <a:rPr lang="en-AU" dirty="0"/>
-                        <a:t>Block 1</a:t>
+                        <a:t>Task 1</a:t>
                       </a:r>
                     </a:p>
                   </a:txBody>
@@ -4941,7 +4945,7 @@
                     <a:p>
                       <a:r>
                         <a:rPr lang="en-AU" dirty="0"/>
-                        <a:t>Block 2</a:t>
+                        <a:t>Task 2</a:t>
                       </a:r>
                     </a:p>
                   </a:txBody>
@@ -6406,6 +6410,1718 @@
           <a:p>
             <a:r>
               <a:rPr lang="en-AU" dirty="0"/>
+              <a:t>Experimental design graphics v2.2</a:t>
+            </a:r>
+            <a:br>
+              <a:rPr lang="en-AU" dirty="0"/>
+            </a:br>
+            <a:endParaRPr lang="en-AU" dirty="0"/>
+          </a:p>
+        </p:txBody>
+      </p:sp>
+      <p:graphicFrame>
+        <p:nvGraphicFramePr>
+          <p:cNvPr id="7" name="Table 6">
+            <a:extLst>
+              <a:ext uri="{FF2B5EF4-FFF2-40B4-BE49-F238E27FC236}">
+                <a16:creationId xmlns:a16="http://schemas.microsoft.com/office/drawing/2014/main" id="{2232D69B-0643-4FD4-8B46-BA53AEB5EFEA}"/>
+              </a:ext>
+            </a:extLst>
+          </p:cNvPr>
+          <p:cNvGraphicFramePr>
+            <a:graphicFrameLocks noGrp="1"/>
+          </p:cNvGraphicFramePr>
+          <p:nvPr>
+            <p:extLst/>
+          </p:nvPr>
+        </p:nvGraphicFramePr>
+        <p:xfrm>
+          <a:off x="1562468" y="1539986"/>
+          <a:ext cx="6398775" cy="1522675"/>
+        </p:xfrm>
+        <a:graphic>
+          <a:graphicData uri="http://schemas.openxmlformats.org/drawingml/2006/table">
+            <a:tbl>
+              <a:tblPr firstRow="1" bandRow="1">
+                <a:tableStyleId>{5C22544A-7EE6-4342-B048-85BDC9FD1C3A}</a:tableStyleId>
+              </a:tblPr>
+              <a:tblGrid>
+                <a:gridCol w="1322775">
+                  <a:extLst>
+                    <a:ext uri="{9D8B030D-6E8A-4147-A177-3AD203B41FA5}">
+                      <a16:colId xmlns:a16="http://schemas.microsoft.com/office/drawing/2014/main" val="952443710"/>
+                    </a:ext>
+                  </a:extLst>
+                </a:gridCol>
+                <a:gridCol w="1692000">
+                  <a:extLst>
+                    <a:ext uri="{9D8B030D-6E8A-4147-A177-3AD203B41FA5}">
+                      <a16:colId xmlns:a16="http://schemas.microsoft.com/office/drawing/2014/main" val="1574367336"/>
+                    </a:ext>
+                  </a:extLst>
+                </a:gridCol>
+                <a:gridCol w="1692000">
+                  <a:extLst>
+                    <a:ext uri="{9D8B030D-6E8A-4147-A177-3AD203B41FA5}">
+                      <a16:colId xmlns:a16="http://schemas.microsoft.com/office/drawing/2014/main" val="1714213086"/>
+                    </a:ext>
+                  </a:extLst>
+                </a:gridCol>
+                <a:gridCol w="1692000">
+                  <a:extLst>
+                    <a:ext uri="{9D8B030D-6E8A-4147-A177-3AD203B41FA5}">
+                      <a16:colId xmlns:a16="http://schemas.microsoft.com/office/drawing/2014/main" val="313146614"/>
+                    </a:ext>
+                  </a:extLst>
+                </a:gridCol>
+              </a:tblGrid>
+              <a:tr h="376744">
+                <a:tc>
+                  <a:txBody>
+                    <a:bodyPr/>
+                    <a:lstStyle/>
+                    <a:p>
+                      <a:endParaRPr lang="en-AU" dirty="0"/>
+                    </a:p>
+                  </a:txBody>
+                  <a:tcPr/>
+                </a:tc>
+                <a:tc>
+                  <a:txBody>
+                    <a:bodyPr/>
+                    <a:lstStyle/>
+                    <a:p>
+                      <a:r>
+                        <a:rPr lang="en-AU" dirty="0"/>
+                        <a:t>Period 1</a:t>
+                      </a:r>
+                    </a:p>
+                  </a:txBody>
+                  <a:tcPr/>
+                </a:tc>
+                <a:tc>
+                  <a:txBody>
+                    <a:bodyPr/>
+                    <a:lstStyle/>
+                    <a:p>
+                      <a:r>
+                        <a:rPr lang="en-AU" dirty="0"/>
+                        <a:t>Period 2</a:t>
+                      </a:r>
+                    </a:p>
+                  </a:txBody>
+                  <a:tcPr/>
+                </a:tc>
+                <a:tc>
+                  <a:txBody>
+                    <a:bodyPr/>
+                    <a:lstStyle/>
+                    <a:p>
+                      <a:r>
+                        <a:rPr lang="en-AU" dirty="0"/>
+                        <a:t>Period 3</a:t>
+                      </a:r>
+                    </a:p>
+                  </a:txBody>
+                  <a:tcPr/>
+                </a:tc>
+                <a:extLst>
+                  <a:ext uri="{0D108BD9-81ED-4DB2-BD59-A6C34878D82A}">
+                    <a16:rowId xmlns:a16="http://schemas.microsoft.com/office/drawing/2014/main" val="4138763571"/>
+                  </a:ext>
+                </a:extLst>
+              </a:tr>
+              <a:tr h="381977">
+                <a:tc>
+                  <a:txBody>
+                    <a:bodyPr/>
+                    <a:lstStyle/>
+                    <a:p>
+                      <a:r>
+                        <a:rPr lang="en-AU" dirty="0"/>
+                        <a:t>Gp1 (1/3*n)</a:t>
+                      </a:r>
+                    </a:p>
+                  </a:txBody>
+                  <a:tcPr/>
+                </a:tc>
+                <a:tc>
+                  <a:txBody>
+                    <a:bodyPr/>
+                    <a:lstStyle/>
+                    <a:p>
+                      <a:r>
+                        <a:rPr lang="en-AU" dirty="0"/>
+                        <a:t>Factor 1</a:t>
+                      </a:r>
+                    </a:p>
+                  </a:txBody>
+                  <a:tcPr/>
+                </a:tc>
+                <a:tc>
+                  <a:txBody>
+                    <a:bodyPr/>
+                    <a:lstStyle/>
+                    <a:p>
+                      <a:pPr marL="0" marR="0" lvl="0" indent="0" algn="l" defTabSz="914400" rtl="0" eaLnBrk="1" fontAlgn="auto" latinLnBrk="0" hangingPunct="1">
+                        <a:lnSpc>
+                          <a:spcPct val="100000"/>
+                        </a:lnSpc>
+                        <a:spcBef>
+                          <a:spcPts val="0"/>
+                        </a:spcBef>
+                        <a:spcAft>
+                          <a:spcPts val="0"/>
+                        </a:spcAft>
+                        <a:buClrTx/>
+                        <a:buSzTx/>
+                        <a:buFontTx/>
+                        <a:buNone/>
+                        <a:tabLst/>
+                        <a:defRPr/>
+                      </a:pPr>
+                      <a:r>
+                        <a:rPr lang="en-AU" dirty="0"/>
+                        <a:t>Factor 2</a:t>
+                      </a:r>
+                    </a:p>
+                  </a:txBody>
+                  <a:tcPr/>
+                </a:tc>
+                <a:tc>
+                  <a:txBody>
+                    <a:bodyPr/>
+                    <a:lstStyle/>
+                    <a:p>
+                      <a:pPr marL="0" marR="0" lvl="0" indent="0" algn="l" defTabSz="914400" rtl="0" eaLnBrk="1" fontAlgn="auto" latinLnBrk="0" hangingPunct="1">
+                        <a:lnSpc>
+                          <a:spcPct val="100000"/>
+                        </a:lnSpc>
+                        <a:spcBef>
+                          <a:spcPts val="0"/>
+                        </a:spcBef>
+                        <a:spcAft>
+                          <a:spcPts val="0"/>
+                        </a:spcAft>
+                        <a:buClrTx/>
+                        <a:buSzTx/>
+                        <a:buFontTx/>
+                        <a:buNone/>
+                        <a:tabLst/>
+                        <a:defRPr/>
+                      </a:pPr>
+                      <a:r>
+                        <a:rPr lang="en-AU" dirty="0"/>
+                        <a:t>Factor 3</a:t>
+                      </a:r>
+                    </a:p>
+                  </a:txBody>
+                  <a:tcPr/>
+                </a:tc>
+                <a:extLst>
+                  <a:ext uri="{0D108BD9-81ED-4DB2-BD59-A6C34878D82A}">
+                    <a16:rowId xmlns:a16="http://schemas.microsoft.com/office/drawing/2014/main" val="4152554093"/>
+                  </a:ext>
+                </a:extLst>
+              </a:tr>
+              <a:tr h="381977">
+                <a:tc>
+                  <a:txBody>
+                    <a:bodyPr/>
+                    <a:lstStyle/>
+                    <a:p>
+                      <a:pPr marL="0" marR="0" lvl="0" indent="0" algn="l" defTabSz="914400" rtl="0" eaLnBrk="1" fontAlgn="auto" latinLnBrk="0" hangingPunct="1">
+                        <a:lnSpc>
+                          <a:spcPct val="100000"/>
+                        </a:lnSpc>
+                        <a:spcBef>
+                          <a:spcPts val="0"/>
+                        </a:spcBef>
+                        <a:spcAft>
+                          <a:spcPts val="0"/>
+                        </a:spcAft>
+                        <a:buClrTx/>
+                        <a:buSzTx/>
+                        <a:buFontTx/>
+                        <a:buNone/>
+                        <a:tabLst/>
+                        <a:defRPr/>
+                      </a:pPr>
+                      <a:r>
+                        <a:rPr lang="en-AU" dirty="0"/>
+                        <a:t>Gp2 (1/3*n)</a:t>
+                      </a:r>
+                    </a:p>
+                  </a:txBody>
+                  <a:tcPr/>
+                </a:tc>
+                <a:tc>
+                  <a:txBody>
+                    <a:bodyPr/>
+                    <a:lstStyle/>
+                    <a:p>
+                      <a:pPr marL="0" marR="0" lvl="0" indent="0" algn="l" defTabSz="914400" rtl="0" eaLnBrk="1" fontAlgn="auto" latinLnBrk="0" hangingPunct="1">
+                        <a:lnSpc>
+                          <a:spcPct val="100000"/>
+                        </a:lnSpc>
+                        <a:spcBef>
+                          <a:spcPts val="0"/>
+                        </a:spcBef>
+                        <a:spcAft>
+                          <a:spcPts val="0"/>
+                        </a:spcAft>
+                        <a:buClrTx/>
+                        <a:buSzTx/>
+                        <a:buFontTx/>
+                        <a:buNone/>
+                        <a:tabLst/>
+                        <a:defRPr/>
+                      </a:pPr>
+                      <a:r>
+                        <a:rPr lang="en-AU" dirty="0"/>
+                        <a:t>Factor 2</a:t>
+                      </a:r>
+                    </a:p>
+                  </a:txBody>
+                  <a:tcPr/>
+                </a:tc>
+                <a:tc>
+                  <a:txBody>
+                    <a:bodyPr/>
+                    <a:lstStyle/>
+                    <a:p>
+                      <a:pPr marL="0" marR="0" lvl="0" indent="0" algn="l" defTabSz="914400" rtl="0" eaLnBrk="1" fontAlgn="auto" latinLnBrk="0" hangingPunct="1">
+                        <a:lnSpc>
+                          <a:spcPct val="100000"/>
+                        </a:lnSpc>
+                        <a:spcBef>
+                          <a:spcPts val="0"/>
+                        </a:spcBef>
+                        <a:spcAft>
+                          <a:spcPts val="0"/>
+                        </a:spcAft>
+                        <a:buClrTx/>
+                        <a:buSzTx/>
+                        <a:buFontTx/>
+                        <a:buNone/>
+                        <a:tabLst/>
+                        <a:defRPr/>
+                      </a:pPr>
+                      <a:r>
+                        <a:rPr lang="en-AU" dirty="0"/>
+                        <a:t>Factor 3</a:t>
+                      </a:r>
+                    </a:p>
+                  </a:txBody>
+                  <a:tcPr/>
+                </a:tc>
+                <a:tc>
+                  <a:txBody>
+                    <a:bodyPr/>
+                    <a:lstStyle/>
+                    <a:p>
+                      <a:pPr marL="0" marR="0" lvl="0" indent="0" algn="l" defTabSz="914400" rtl="0" eaLnBrk="1" fontAlgn="auto" latinLnBrk="0" hangingPunct="1">
+                        <a:lnSpc>
+                          <a:spcPct val="100000"/>
+                        </a:lnSpc>
+                        <a:spcBef>
+                          <a:spcPts val="0"/>
+                        </a:spcBef>
+                        <a:spcAft>
+                          <a:spcPts val="0"/>
+                        </a:spcAft>
+                        <a:buClrTx/>
+                        <a:buSzTx/>
+                        <a:buFontTx/>
+                        <a:buNone/>
+                        <a:tabLst/>
+                        <a:defRPr/>
+                      </a:pPr>
+                      <a:r>
+                        <a:rPr lang="en-AU" dirty="0"/>
+                        <a:t>Factor 1</a:t>
+                      </a:r>
+                    </a:p>
+                  </a:txBody>
+                  <a:tcPr/>
+                </a:tc>
+                <a:extLst>
+                  <a:ext uri="{0D108BD9-81ED-4DB2-BD59-A6C34878D82A}">
+                    <a16:rowId xmlns:a16="http://schemas.microsoft.com/office/drawing/2014/main" val="127744001"/>
+                  </a:ext>
+                </a:extLst>
+              </a:tr>
+              <a:tr h="381977">
+                <a:tc>
+                  <a:txBody>
+                    <a:bodyPr/>
+                    <a:lstStyle/>
+                    <a:p>
+                      <a:r>
+                        <a:rPr lang="en-AU" dirty="0"/>
+                        <a:t>Gp3 (1/3*n)</a:t>
+                      </a:r>
+                    </a:p>
+                  </a:txBody>
+                  <a:tcPr/>
+                </a:tc>
+                <a:tc>
+                  <a:txBody>
+                    <a:bodyPr/>
+                    <a:lstStyle/>
+                    <a:p>
+                      <a:pPr marL="0" marR="0" lvl="0" indent="0" algn="l" defTabSz="914400" rtl="0" eaLnBrk="1" fontAlgn="auto" latinLnBrk="0" hangingPunct="1">
+                        <a:lnSpc>
+                          <a:spcPct val="100000"/>
+                        </a:lnSpc>
+                        <a:spcBef>
+                          <a:spcPts val="0"/>
+                        </a:spcBef>
+                        <a:spcAft>
+                          <a:spcPts val="0"/>
+                        </a:spcAft>
+                        <a:buClrTx/>
+                        <a:buSzTx/>
+                        <a:buFontTx/>
+                        <a:buNone/>
+                        <a:tabLst/>
+                        <a:defRPr/>
+                      </a:pPr>
+                      <a:r>
+                        <a:rPr lang="en-AU" dirty="0"/>
+                        <a:t>Factor 3</a:t>
+                      </a:r>
+                    </a:p>
+                  </a:txBody>
+                  <a:tcPr/>
+                </a:tc>
+                <a:tc>
+                  <a:txBody>
+                    <a:bodyPr/>
+                    <a:lstStyle/>
+                    <a:p>
+                      <a:pPr marL="0" marR="0" lvl="0" indent="0" algn="l" defTabSz="914400" rtl="0" eaLnBrk="1" fontAlgn="auto" latinLnBrk="0" hangingPunct="1">
+                        <a:lnSpc>
+                          <a:spcPct val="100000"/>
+                        </a:lnSpc>
+                        <a:spcBef>
+                          <a:spcPts val="0"/>
+                        </a:spcBef>
+                        <a:spcAft>
+                          <a:spcPts val="0"/>
+                        </a:spcAft>
+                        <a:buClrTx/>
+                        <a:buSzTx/>
+                        <a:buFontTx/>
+                        <a:buNone/>
+                        <a:tabLst/>
+                        <a:defRPr/>
+                      </a:pPr>
+                      <a:r>
+                        <a:rPr lang="en-AU" dirty="0"/>
+                        <a:t>Factor 1</a:t>
+                      </a:r>
+                    </a:p>
+                  </a:txBody>
+                  <a:tcPr/>
+                </a:tc>
+                <a:tc>
+                  <a:txBody>
+                    <a:bodyPr/>
+                    <a:lstStyle/>
+                    <a:p>
+                      <a:pPr marL="0" marR="0" lvl="0" indent="0" algn="l" defTabSz="914400" rtl="0" eaLnBrk="1" fontAlgn="auto" latinLnBrk="0" hangingPunct="1">
+                        <a:lnSpc>
+                          <a:spcPct val="100000"/>
+                        </a:lnSpc>
+                        <a:spcBef>
+                          <a:spcPts val="0"/>
+                        </a:spcBef>
+                        <a:spcAft>
+                          <a:spcPts val="0"/>
+                        </a:spcAft>
+                        <a:buClrTx/>
+                        <a:buSzTx/>
+                        <a:buFontTx/>
+                        <a:buNone/>
+                        <a:tabLst/>
+                        <a:defRPr/>
+                      </a:pPr>
+                      <a:r>
+                        <a:rPr lang="en-AU" dirty="0"/>
+                        <a:t>Factor 2</a:t>
+                      </a:r>
+                    </a:p>
+                  </a:txBody>
+                  <a:tcPr/>
+                </a:tc>
+                <a:extLst>
+                  <a:ext uri="{0D108BD9-81ED-4DB2-BD59-A6C34878D82A}">
+                    <a16:rowId xmlns:a16="http://schemas.microsoft.com/office/drawing/2014/main" val="2888210093"/>
+                  </a:ext>
+                </a:extLst>
+              </a:tr>
+            </a:tbl>
+          </a:graphicData>
+        </a:graphic>
+      </p:graphicFrame>
+      <p:graphicFrame>
+        <p:nvGraphicFramePr>
+          <p:cNvPr id="9" name="Table 8">
+            <a:extLst>
+              <a:ext uri="{FF2B5EF4-FFF2-40B4-BE49-F238E27FC236}">
+                <a16:creationId xmlns:a16="http://schemas.microsoft.com/office/drawing/2014/main" id="{46D36220-A859-42B9-A346-0C939B88C1E0}"/>
+              </a:ext>
+            </a:extLst>
+          </p:cNvPr>
+          <p:cNvGraphicFramePr>
+            <a:graphicFrameLocks noGrp="1"/>
+          </p:cNvGraphicFramePr>
+          <p:nvPr>
+            <p:extLst>
+              <p:ext uri="{D42A27DB-BD31-4B8C-83A1-F6EECF244321}">
+                <p14:modId xmlns:p14="http://schemas.microsoft.com/office/powerpoint/2010/main" val="2938888582"/>
+              </p:ext>
+            </p:extLst>
+          </p:nvPr>
+        </p:nvGraphicFramePr>
+        <p:xfrm>
+          <a:off x="1562468" y="3384610"/>
+          <a:ext cx="8124870" cy="1463040"/>
+        </p:xfrm>
+        <a:graphic>
+          <a:graphicData uri="http://schemas.openxmlformats.org/drawingml/2006/table">
+            <a:tbl>
+              <a:tblPr firstRow="1" bandRow="1">
+                <a:tableStyleId>{5C22544A-7EE6-4342-B048-85BDC9FD1C3A}</a:tableStyleId>
+              </a:tblPr>
+              <a:tblGrid>
+                <a:gridCol w="1321200">
+                  <a:extLst>
+                    <a:ext uri="{9D8B030D-6E8A-4147-A177-3AD203B41FA5}">
+                      <a16:colId xmlns:a16="http://schemas.microsoft.com/office/drawing/2014/main" val="1987586350"/>
+                    </a:ext>
+                  </a:extLst>
+                </a:gridCol>
+                <a:gridCol w="845945">
+                  <a:extLst>
+                    <a:ext uri="{9D8B030D-6E8A-4147-A177-3AD203B41FA5}">
+                      <a16:colId xmlns:a16="http://schemas.microsoft.com/office/drawing/2014/main" val="2757630649"/>
+                    </a:ext>
+                  </a:extLst>
+                </a:gridCol>
+                <a:gridCol w="845945">
+                  <a:extLst>
+                    <a:ext uri="{9D8B030D-6E8A-4147-A177-3AD203B41FA5}">
+                      <a16:colId xmlns:a16="http://schemas.microsoft.com/office/drawing/2014/main" val="3466847723"/>
+                    </a:ext>
+                  </a:extLst>
+                </a:gridCol>
+                <a:gridCol w="845945">
+                  <a:extLst>
+                    <a:ext uri="{9D8B030D-6E8A-4147-A177-3AD203B41FA5}">
+                      <a16:colId xmlns:a16="http://schemas.microsoft.com/office/drawing/2014/main" val="37018863"/>
+                    </a:ext>
+                  </a:extLst>
+                </a:gridCol>
+                <a:gridCol w="845945">
+                  <a:extLst>
+                    <a:ext uri="{9D8B030D-6E8A-4147-A177-3AD203B41FA5}">
+                      <a16:colId xmlns:a16="http://schemas.microsoft.com/office/drawing/2014/main" val="404444310"/>
+                    </a:ext>
+                  </a:extLst>
+                </a:gridCol>
+                <a:gridCol w="845945">
+                  <a:extLst>
+                    <a:ext uri="{9D8B030D-6E8A-4147-A177-3AD203B41FA5}">
+                      <a16:colId xmlns:a16="http://schemas.microsoft.com/office/drawing/2014/main" val="3782919050"/>
+                    </a:ext>
+                  </a:extLst>
+                </a:gridCol>
+                <a:gridCol w="845945">
+                  <a:extLst>
+                    <a:ext uri="{9D8B030D-6E8A-4147-A177-3AD203B41FA5}">
+                      <a16:colId xmlns:a16="http://schemas.microsoft.com/office/drawing/2014/main" val="1327298383"/>
+                    </a:ext>
+                  </a:extLst>
+                </a:gridCol>
+                <a:gridCol w="1728000">
+                  <a:extLst>
+                    <a:ext uri="{9D8B030D-6E8A-4147-A177-3AD203B41FA5}">
+                      <a16:colId xmlns:a16="http://schemas.microsoft.com/office/drawing/2014/main" val="3798089852"/>
+                    </a:ext>
+                  </a:extLst>
+                </a:gridCol>
+              </a:tblGrid>
+              <a:tr h="0">
+                <a:tc>
+                  <a:txBody>
+                    <a:bodyPr/>
+                    <a:lstStyle/>
+                    <a:p>
+                      <a:endParaRPr lang="en-AU" dirty="0"/>
+                    </a:p>
+                  </a:txBody>
+                  <a:tcPr/>
+                </a:tc>
+                <a:tc>
+                  <a:txBody>
+                    <a:bodyPr/>
+                    <a:lstStyle/>
+                    <a:p>
+                      <a:r>
+                        <a:rPr lang="en-AU" dirty="0"/>
+                        <a:t>P1.T1</a:t>
+                      </a:r>
+                    </a:p>
+                  </a:txBody>
+                  <a:tcPr/>
+                </a:tc>
+                <a:tc>
+                  <a:txBody>
+                    <a:bodyPr/>
+                    <a:lstStyle/>
+                    <a:p>
+                      <a:r>
+                        <a:rPr lang="en-AU" dirty="0"/>
+                        <a:t>P1.T2</a:t>
+                      </a:r>
+                    </a:p>
+                  </a:txBody>
+                  <a:tcPr/>
+                </a:tc>
+                <a:tc>
+                  <a:txBody>
+                    <a:bodyPr/>
+                    <a:lstStyle/>
+                    <a:p>
+                      <a:r>
+                        <a:rPr lang="en-AU" dirty="0"/>
+                        <a:t>P2.T1</a:t>
+                      </a:r>
+                    </a:p>
+                  </a:txBody>
+                  <a:tcPr/>
+                </a:tc>
+                <a:tc>
+                  <a:txBody>
+                    <a:bodyPr/>
+                    <a:lstStyle/>
+                    <a:p>
+                      <a:r>
+                        <a:rPr lang="en-AU" dirty="0"/>
+                        <a:t>P2.T2</a:t>
+                      </a:r>
+                    </a:p>
+                  </a:txBody>
+                  <a:tcPr/>
+                </a:tc>
+                <a:tc>
+                  <a:txBody>
+                    <a:bodyPr/>
+                    <a:lstStyle/>
+                    <a:p>
+                      <a:r>
+                        <a:rPr lang="en-AU" dirty="0"/>
+                        <a:t>P2.T1</a:t>
+                      </a:r>
+                    </a:p>
+                  </a:txBody>
+                  <a:tcPr/>
+                </a:tc>
+                <a:tc>
+                  <a:txBody>
+                    <a:bodyPr/>
+                    <a:lstStyle/>
+                    <a:p>
+                      <a:r>
+                        <a:rPr lang="en-AU" dirty="0"/>
+                        <a:t>P2.T2</a:t>
+                      </a:r>
+                    </a:p>
+                  </a:txBody>
+                  <a:tcPr/>
+                </a:tc>
+                <a:tc>
+                  <a:txBody>
+                    <a:bodyPr/>
+                    <a:lstStyle/>
+                    <a:p>
+                      <a:r>
+                        <a:rPr lang="en-AU" dirty="0"/>
+                        <a:t>Distribution</a:t>
+                      </a:r>
+                    </a:p>
+                  </a:txBody>
+                  <a:tcPr/>
+                </a:tc>
+                <a:extLst>
+                  <a:ext uri="{0D108BD9-81ED-4DB2-BD59-A6C34878D82A}">
+                    <a16:rowId xmlns:a16="http://schemas.microsoft.com/office/drawing/2014/main" val="3189871482"/>
+                  </a:ext>
+                </a:extLst>
+              </a:tr>
+              <a:tr h="360000">
+                <a:tc>
+                  <a:txBody>
+                    <a:bodyPr/>
+                    <a:lstStyle/>
+                    <a:p>
+                      <a:r>
+                        <a:rPr lang="en-AU" dirty="0"/>
+                        <a:t>Repetition 1</a:t>
+                      </a:r>
+                    </a:p>
+                  </a:txBody>
+                  <a:tcPr/>
+                </a:tc>
+                <a:tc>
+                  <a:txBody>
+                    <a:bodyPr/>
+                    <a:lstStyle/>
+                    <a:p>
+                      <a:r>
+                        <a:rPr lang="en-AU" dirty="0"/>
+                        <a:t>Sim1</a:t>
+                      </a:r>
+                    </a:p>
+                  </a:txBody>
+                  <a:tcPr/>
+                </a:tc>
+                <a:tc>
+                  <a:txBody>
+                    <a:bodyPr/>
+                    <a:lstStyle/>
+                    <a:p>
+                      <a:r>
+                        <a:rPr lang="en-AU" dirty="0"/>
+                        <a:t>Sim4</a:t>
+                      </a:r>
+                    </a:p>
+                  </a:txBody>
+                  <a:tcPr/>
+                </a:tc>
+                <a:tc>
+                  <a:txBody>
+                    <a:bodyPr/>
+                    <a:lstStyle/>
+                    <a:p>
+                      <a:r>
+                        <a:rPr lang="en-AU" dirty="0"/>
+                        <a:t>Sim7</a:t>
+                      </a:r>
+                    </a:p>
+                  </a:txBody>
+                  <a:tcPr/>
+                </a:tc>
+                <a:tc>
+                  <a:txBody>
+                    <a:bodyPr/>
+                    <a:lstStyle/>
+                    <a:p>
+                      <a:r>
+                        <a:rPr lang="en-AU" dirty="0"/>
+                        <a:t>Sim10</a:t>
+                      </a:r>
+                    </a:p>
+                  </a:txBody>
+                  <a:tcPr/>
+                </a:tc>
+                <a:tc>
+                  <a:txBody>
+                    <a:bodyPr/>
+                    <a:lstStyle/>
+                    <a:p>
+                      <a:r>
+                        <a:rPr lang="en-AU" dirty="0"/>
+                        <a:t>Sim13</a:t>
+                      </a:r>
+                    </a:p>
+                  </a:txBody>
+                  <a:tcPr/>
+                </a:tc>
+                <a:tc>
+                  <a:txBody>
+                    <a:bodyPr/>
+                    <a:lstStyle/>
+                    <a:p>
+                      <a:r>
+                        <a:rPr lang="en-AU" dirty="0"/>
+                        <a:t>Sim16</a:t>
+                      </a:r>
+                    </a:p>
+                  </a:txBody>
+                  <a:tcPr/>
+                </a:tc>
+                <a:tc>
+                  <a:txBody>
+                    <a:bodyPr/>
+                    <a:lstStyle/>
+                    <a:p>
+                      <a:r>
+                        <a:rPr lang="en-AU" dirty="0"/>
+                        <a:t>~mtvN(easy)</a:t>
+                      </a:r>
+                    </a:p>
+                  </a:txBody>
+                  <a:tcPr/>
+                </a:tc>
+                <a:extLst>
+                  <a:ext uri="{0D108BD9-81ED-4DB2-BD59-A6C34878D82A}">
+                    <a16:rowId xmlns:a16="http://schemas.microsoft.com/office/drawing/2014/main" val="1288797883"/>
+                  </a:ext>
+                </a:extLst>
+              </a:tr>
+              <a:tr h="360000">
+                <a:tc>
+                  <a:txBody>
+                    <a:bodyPr/>
+                    <a:lstStyle/>
+                    <a:p>
+                      <a:r>
+                        <a:rPr lang="en-AU" dirty="0"/>
+                        <a:t>Repetition 2</a:t>
+                      </a:r>
+                    </a:p>
+                  </a:txBody>
+                  <a:tcPr/>
+                </a:tc>
+                <a:tc>
+                  <a:txBody>
+                    <a:bodyPr/>
+                    <a:lstStyle/>
+                    <a:p>
+                      <a:r>
+                        <a:rPr lang="en-AU" dirty="0"/>
+                        <a:t>Sim2</a:t>
+                      </a:r>
+                    </a:p>
+                  </a:txBody>
+                  <a:tcPr/>
+                </a:tc>
+                <a:tc>
+                  <a:txBody>
+                    <a:bodyPr/>
+                    <a:lstStyle/>
+                    <a:p>
+                      <a:r>
+                        <a:rPr lang="en-AU" dirty="0"/>
+                        <a:t>Sim5</a:t>
+                      </a:r>
+                    </a:p>
+                  </a:txBody>
+                  <a:tcPr/>
+                </a:tc>
+                <a:tc>
+                  <a:txBody>
+                    <a:bodyPr/>
+                    <a:lstStyle/>
+                    <a:p>
+                      <a:r>
+                        <a:rPr lang="en-AU" dirty="0"/>
+                        <a:t>Sim8</a:t>
+                      </a:r>
+                    </a:p>
+                  </a:txBody>
+                  <a:tcPr/>
+                </a:tc>
+                <a:tc>
+                  <a:txBody>
+                    <a:bodyPr/>
+                    <a:lstStyle/>
+                    <a:p>
+                      <a:r>
+                        <a:rPr lang="en-AU" dirty="0"/>
+                        <a:t>Sim11</a:t>
+                      </a:r>
+                    </a:p>
+                  </a:txBody>
+                  <a:tcPr/>
+                </a:tc>
+                <a:tc>
+                  <a:txBody>
+                    <a:bodyPr/>
+                    <a:lstStyle/>
+                    <a:p>
+                      <a:r>
+                        <a:rPr lang="en-AU" dirty="0"/>
+                        <a:t>Sim14</a:t>
+                      </a:r>
+                    </a:p>
+                  </a:txBody>
+                  <a:tcPr/>
+                </a:tc>
+                <a:tc>
+                  <a:txBody>
+                    <a:bodyPr/>
+                    <a:lstStyle/>
+                    <a:p>
+                      <a:r>
+                        <a:rPr lang="en-AU" dirty="0"/>
+                        <a:t>Sim17</a:t>
+                      </a:r>
+                    </a:p>
+                  </a:txBody>
+                  <a:tcPr/>
+                </a:tc>
+                <a:tc>
+                  <a:txBody>
+                    <a:bodyPr/>
+                    <a:lstStyle/>
+                    <a:p>
+                      <a:r>
+                        <a:rPr lang="en-AU" dirty="0"/>
+                        <a:t>~mtvΝ(medium)</a:t>
+                      </a:r>
+                    </a:p>
+                  </a:txBody>
+                  <a:tcPr/>
+                </a:tc>
+                <a:extLst>
+                  <a:ext uri="{0D108BD9-81ED-4DB2-BD59-A6C34878D82A}">
+                    <a16:rowId xmlns:a16="http://schemas.microsoft.com/office/drawing/2014/main" val="304250112"/>
+                  </a:ext>
+                </a:extLst>
+              </a:tr>
+              <a:tr h="0">
+                <a:tc>
+                  <a:txBody>
+                    <a:bodyPr/>
+                    <a:lstStyle/>
+                    <a:p>
+                      <a:r>
+                        <a:rPr lang="en-AU" dirty="0"/>
+                        <a:t>Repetition 3</a:t>
+                      </a:r>
+                    </a:p>
+                  </a:txBody>
+                  <a:tcPr/>
+                </a:tc>
+                <a:tc>
+                  <a:txBody>
+                    <a:bodyPr/>
+                    <a:lstStyle/>
+                    <a:p>
+                      <a:r>
+                        <a:rPr lang="en-AU" dirty="0"/>
+                        <a:t>Sim3</a:t>
+                      </a:r>
+                    </a:p>
+                  </a:txBody>
+                  <a:tcPr/>
+                </a:tc>
+                <a:tc>
+                  <a:txBody>
+                    <a:bodyPr/>
+                    <a:lstStyle/>
+                    <a:p>
+                      <a:r>
+                        <a:rPr lang="en-AU" dirty="0"/>
+                        <a:t>Sim6</a:t>
+                      </a:r>
+                    </a:p>
+                  </a:txBody>
+                  <a:tcPr/>
+                </a:tc>
+                <a:tc>
+                  <a:txBody>
+                    <a:bodyPr/>
+                    <a:lstStyle/>
+                    <a:p>
+                      <a:r>
+                        <a:rPr lang="en-AU" dirty="0"/>
+                        <a:t>Sim9</a:t>
+                      </a:r>
+                    </a:p>
+                  </a:txBody>
+                  <a:tcPr/>
+                </a:tc>
+                <a:tc>
+                  <a:txBody>
+                    <a:bodyPr/>
+                    <a:lstStyle/>
+                    <a:p>
+                      <a:r>
+                        <a:rPr lang="en-AU" dirty="0"/>
+                        <a:t>Sim12</a:t>
+                      </a:r>
+                    </a:p>
+                  </a:txBody>
+                  <a:tcPr/>
+                </a:tc>
+                <a:tc>
+                  <a:txBody>
+                    <a:bodyPr/>
+                    <a:lstStyle/>
+                    <a:p>
+                      <a:r>
+                        <a:rPr lang="en-AU" dirty="0"/>
+                        <a:t>Sim15</a:t>
+                      </a:r>
+                    </a:p>
+                  </a:txBody>
+                  <a:tcPr/>
+                </a:tc>
+                <a:tc>
+                  <a:txBody>
+                    <a:bodyPr/>
+                    <a:lstStyle/>
+                    <a:p>
+                      <a:r>
+                        <a:rPr lang="en-AU" dirty="0"/>
+                        <a:t>Sim18</a:t>
+                      </a:r>
+                    </a:p>
+                  </a:txBody>
+                  <a:tcPr/>
+                </a:tc>
+                <a:tc>
+                  <a:txBody>
+                    <a:bodyPr/>
+                    <a:lstStyle/>
+                    <a:p>
+                      <a:r>
+                        <a:rPr lang="en-AU" dirty="0"/>
+                        <a:t>~mtvN(hard)</a:t>
+                      </a:r>
+                    </a:p>
+                  </a:txBody>
+                  <a:tcPr/>
+                </a:tc>
+                <a:extLst>
+                  <a:ext uri="{0D108BD9-81ED-4DB2-BD59-A6C34878D82A}">
+                    <a16:rowId xmlns:a16="http://schemas.microsoft.com/office/drawing/2014/main" val="2370493989"/>
+                  </a:ext>
+                </a:extLst>
+              </a:tr>
+            </a:tbl>
+          </a:graphicData>
+        </a:graphic>
+      </p:graphicFrame>
+      <p:grpSp>
+        <p:nvGrpSpPr>
+          <p:cNvPr id="5" name="Group 4">
+            <a:extLst>
+              <a:ext uri="{FF2B5EF4-FFF2-40B4-BE49-F238E27FC236}">
+                <a16:creationId xmlns:a16="http://schemas.microsoft.com/office/drawing/2014/main" id="{3FE3C3C4-13C2-4C3E-BEB5-81EF20876CDC}"/>
+              </a:ext>
+            </a:extLst>
+          </p:cNvPr>
+          <p:cNvGrpSpPr/>
+          <p:nvPr/>
+        </p:nvGrpSpPr>
+        <p:grpSpPr>
+          <a:xfrm>
+            <a:off x="2902998" y="3062661"/>
+            <a:ext cx="5058245" cy="370856"/>
+            <a:chOff x="2902998" y="3062661"/>
+            <a:chExt cx="5058245" cy="370856"/>
+          </a:xfrm>
+        </p:grpSpPr>
+        <p:cxnSp>
+          <p:nvCxnSpPr>
+            <p:cNvPr id="4" name="Straight Connector 3">
+              <a:extLst>
+                <a:ext uri="{FF2B5EF4-FFF2-40B4-BE49-F238E27FC236}">
+                  <a16:creationId xmlns:a16="http://schemas.microsoft.com/office/drawing/2014/main" id="{8764B69E-BA77-429A-B681-8E2C0BB7E344}"/>
+                </a:ext>
+              </a:extLst>
+            </p:cNvPr>
+            <p:cNvCxnSpPr/>
+            <p:nvPr/>
+          </p:nvCxnSpPr>
+          <p:spPr>
+            <a:xfrm>
+              <a:off x="2902998" y="3062661"/>
+              <a:ext cx="0" cy="370856"/>
+            </a:xfrm>
+            <a:prstGeom prst="line">
+              <a:avLst/>
+            </a:prstGeom>
+            <a:ln w="28575">
+              <a:solidFill>
+                <a:schemeClr val="tx1"/>
+              </a:solidFill>
+              <a:prstDash val="dash"/>
+            </a:ln>
+          </p:spPr>
+          <p:style>
+            <a:lnRef idx="1">
+              <a:schemeClr val="accent1"/>
+            </a:lnRef>
+            <a:fillRef idx="0">
+              <a:schemeClr val="accent1"/>
+            </a:fillRef>
+            <a:effectRef idx="0">
+              <a:schemeClr val="accent1"/>
+            </a:effectRef>
+            <a:fontRef idx="minor">
+              <a:schemeClr val="tx1"/>
+            </a:fontRef>
+          </p:style>
+        </p:cxnSp>
+        <p:cxnSp>
+          <p:nvCxnSpPr>
+            <p:cNvPr id="8" name="Straight Connector 7">
+              <a:extLst>
+                <a:ext uri="{FF2B5EF4-FFF2-40B4-BE49-F238E27FC236}">
+                  <a16:creationId xmlns:a16="http://schemas.microsoft.com/office/drawing/2014/main" id="{5737FC28-2696-4EB1-AB61-74080ED4916C}"/>
+                </a:ext>
+              </a:extLst>
+            </p:cNvPr>
+            <p:cNvCxnSpPr/>
+            <p:nvPr/>
+          </p:nvCxnSpPr>
+          <p:spPr>
+            <a:xfrm>
+              <a:off x="4564602" y="3062661"/>
+              <a:ext cx="0" cy="370856"/>
+            </a:xfrm>
+            <a:prstGeom prst="line">
+              <a:avLst/>
+            </a:prstGeom>
+            <a:ln w="28575">
+              <a:solidFill>
+                <a:schemeClr val="tx1"/>
+              </a:solidFill>
+              <a:prstDash val="dash"/>
+            </a:ln>
+          </p:spPr>
+          <p:style>
+            <a:lnRef idx="1">
+              <a:schemeClr val="accent1"/>
+            </a:lnRef>
+            <a:fillRef idx="0">
+              <a:schemeClr val="accent1"/>
+            </a:fillRef>
+            <a:effectRef idx="0">
+              <a:schemeClr val="accent1"/>
+            </a:effectRef>
+            <a:fontRef idx="minor">
+              <a:schemeClr val="tx1"/>
+            </a:fontRef>
+          </p:style>
+        </p:cxnSp>
+        <p:cxnSp>
+          <p:nvCxnSpPr>
+            <p:cNvPr id="10" name="Straight Connector 9">
+              <a:extLst>
+                <a:ext uri="{FF2B5EF4-FFF2-40B4-BE49-F238E27FC236}">
+                  <a16:creationId xmlns:a16="http://schemas.microsoft.com/office/drawing/2014/main" id="{52C97FD3-668A-468A-9E69-284F5ED6D448}"/>
+                </a:ext>
+              </a:extLst>
+            </p:cNvPr>
+            <p:cNvCxnSpPr/>
+            <p:nvPr/>
+          </p:nvCxnSpPr>
+          <p:spPr>
+            <a:xfrm>
+              <a:off x="6277992" y="3062661"/>
+              <a:ext cx="0" cy="370856"/>
+            </a:xfrm>
+            <a:prstGeom prst="line">
+              <a:avLst/>
+            </a:prstGeom>
+            <a:ln w="28575">
+              <a:solidFill>
+                <a:schemeClr val="tx1"/>
+              </a:solidFill>
+              <a:prstDash val="dash"/>
+            </a:ln>
+          </p:spPr>
+          <p:style>
+            <a:lnRef idx="1">
+              <a:schemeClr val="accent1"/>
+            </a:lnRef>
+            <a:fillRef idx="0">
+              <a:schemeClr val="accent1"/>
+            </a:fillRef>
+            <a:effectRef idx="0">
+              <a:schemeClr val="accent1"/>
+            </a:effectRef>
+            <a:fontRef idx="minor">
+              <a:schemeClr val="tx1"/>
+            </a:fontRef>
+          </p:style>
+        </p:cxnSp>
+        <p:cxnSp>
+          <p:nvCxnSpPr>
+            <p:cNvPr id="11" name="Straight Connector 10">
+              <a:extLst>
+                <a:ext uri="{FF2B5EF4-FFF2-40B4-BE49-F238E27FC236}">
+                  <a16:creationId xmlns:a16="http://schemas.microsoft.com/office/drawing/2014/main" id="{83C01968-F948-4C0C-BD04-3A554E456599}"/>
+                </a:ext>
+              </a:extLst>
+            </p:cNvPr>
+            <p:cNvCxnSpPr/>
+            <p:nvPr/>
+          </p:nvCxnSpPr>
+          <p:spPr>
+            <a:xfrm>
+              <a:off x="7961243" y="3062661"/>
+              <a:ext cx="0" cy="370856"/>
+            </a:xfrm>
+            <a:prstGeom prst="line">
+              <a:avLst/>
+            </a:prstGeom>
+            <a:ln w="28575">
+              <a:solidFill>
+                <a:schemeClr val="tx1"/>
+              </a:solidFill>
+              <a:prstDash val="dash"/>
+            </a:ln>
+          </p:spPr>
+          <p:style>
+            <a:lnRef idx="1">
+              <a:schemeClr val="accent1"/>
+            </a:lnRef>
+            <a:fillRef idx="0">
+              <a:schemeClr val="accent1"/>
+            </a:fillRef>
+            <a:effectRef idx="0">
+              <a:schemeClr val="accent1"/>
+            </a:effectRef>
+            <a:fontRef idx="minor">
+              <a:schemeClr val="tx1"/>
+            </a:fontRef>
+          </p:style>
+        </p:cxnSp>
+      </p:grpSp>
+      <p:graphicFrame>
+        <p:nvGraphicFramePr>
+          <p:cNvPr id="6" name="Table 5">
+            <a:extLst>
+              <a:ext uri="{FF2B5EF4-FFF2-40B4-BE49-F238E27FC236}">
+                <a16:creationId xmlns:a16="http://schemas.microsoft.com/office/drawing/2014/main" id="{A3F26061-83F0-46E4-B0E4-8DC5B0FC8570}"/>
+              </a:ext>
+            </a:extLst>
+          </p:cNvPr>
+          <p:cNvGraphicFramePr>
+            <a:graphicFrameLocks noGrp="1"/>
+          </p:cNvGraphicFramePr>
+          <p:nvPr>
+            <p:extLst>
+              <p:ext uri="{D42A27DB-BD31-4B8C-83A1-F6EECF244321}">
+                <p14:modId xmlns:p14="http://schemas.microsoft.com/office/powerpoint/2010/main" val="73944367"/>
+              </p:ext>
+            </p:extLst>
+          </p:nvPr>
+        </p:nvGraphicFramePr>
+        <p:xfrm>
+          <a:off x="1562468" y="4847864"/>
+          <a:ext cx="6225905" cy="1483360"/>
+        </p:xfrm>
+        <a:graphic>
+          <a:graphicData uri="http://schemas.openxmlformats.org/drawingml/2006/table">
+            <a:tbl>
+              <a:tblPr firstRow="1" bandRow="1">
+                <a:tableStyleId>{5C22544A-7EE6-4342-B048-85BDC9FD1C3A}</a:tableStyleId>
+              </a:tblPr>
+              <a:tblGrid>
+                <a:gridCol w="955047">
+                  <a:extLst>
+                    <a:ext uri="{9D8B030D-6E8A-4147-A177-3AD203B41FA5}">
+                      <a16:colId xmlns:a16="http://schemas.microsoft.com/office/drawing/2014/main" val="1623098923"/>
+                    </a:ext>
+                  </a:extLst>
+                </a:gridCol>
+                <a:gridCol w="1357585">
+                  <a:extLst>
+                    <a:ext uri="{9D8B030D-6E8A-4147-A177-3AD203B41FA5}">
+                      <a16:colId xmlns:a16="http://schemas.microsoft.com/office/drawing/2014/main" val="1883872424"/>
+                    </a:ext>
+                  </a:extLst>
+                </a:gridCol>
+                <a:gridCol w="208280">
+                  <a:extLst>
+                    <a:ext uri="{9D8B030D-6E8A-4147-A177-3AD203B41FA5}">
+                      <a16:colId xmlns:a16="http://schemas.microsoft.com/office/drawing/2014/main" val="4067034447"/>
+                    </a:ext>
+                  </a:extLst>
+                </a:gridCol>
+                <a:gridCol w="896993">
+                  <a:extLst>
+                    <a:ext uri="{9D8B030D-6E8A-4147-A177-3AD203B41FA5}">
+                      <a16:colId xmlns:a16="http://schemas.microsoft.com/office/drawing/2014/main" val="1421016201"/>
+                    </a:ext>
+                  </a:extLst>
+                </a:gridCol>
+                <a:gridCol w="2808000">
+                  <a:extLst>
+                    <a:ext uri="{9D8B030D-6E8A-4147-A177-3AD203B41FA5}">
+                      <a16:colId xmlns:a16="http://schemas.microsoft.com/office/drawing/2014/main" val="1360828441"/>
+                    </a:ext>
+                  </a:extLst>
+                </a:gridCol>
+              </a:tblGrid>
+              <a:tr h="370840">
+                <a:tc>
+                  <a:txBody>
+                    <a:bodyPr/>
+                    <a:lstStyle/>
+                    <a:p>
+                      <a:pPr marL="0" algn="l" defTabSz="914400" rtl="0" eaLnBrk="1" latinLnBrk="0" hangingPunct="1"/>
+                      <a:endParaRPr lang="en-AU" sz="1800" kern="1200" dirty="0">
+                        <a:solidFill>
+                          <a:schemeClr val="dk1"/>
+                        </a:solidFill>
+                        <a:latin typeface="+mn-lt"/>
+                        <a:ea typeface="+mn-ea"/>
+                        <a:cs typeface="+mn-cs"/>
+                      </a:endParaRPr>
+                    </a:p>
+                  </a:txBody>
+                  <a:tcPr>
+                    <a:solidFill>
+                      <a:schemeClr val="bg1"/>
+                    </a:solidFill>
+                  </a:tcPr>
+                </a:tc>
+                <a:tc>
+                  <a:txBody>
+                    <a:bodyPr/>
+                    <a:lstStyle/>
+                    <a:p>
+                      <a:pPr marL="0" algn="l" defTabSz="914400" rtl="0" eaLnBrk="1" latinLnBrk="0" hangingPunct="1"/>
+                      <a:endParaRPr lang="en-AU" sz="1800" kern="1200" dirty="0">
+                        <a:solidFill>
+                          <a:schemeClr val="dk1"/>
+                        </a:solidFill>
+                        <a:latin typeface="+mn-lt"/>
+                        <a:ea typeface="+mn-ea"/>
+                        <a:cs typeface="+mn-cs"/>
+                      </a:endParaRPr>
+                    </a:p>
+                  </a:txBody>
+                  <a:tcPr>
+                    <a:solidFill>
+                      <a:schemeClr val="bg1"/>
+                    </a:solidFill>
+                  </a:tcPr>
+                </a:tc>
+                <a:tc>
+                  <a:txBody>
+                    <a:bodyPr/>
+                    <a:lstStyle/>
+                    <a:p>
+                      <a:pPr marL="0" algn="l" defTabSz="914400" rtl="0" eaLnBrk="1" latinLnBrk="0" hangingPunct="1"/>
+                      <a:endParaRPr lang="en-AU" sz="1800" kern="1200" dirty="0">
+                        <a:solidFill>
+                          <a:schemeClr val="dk1"/>
+                        </a:solidFill>
+                        <a:latin typeface="+mn-lt"/>
+                        <a:ea typeface="+mn-ea"/>
+                        <a:cs typeface="+mn-cs"/>
+                      </a:endParaRPr>
+                    </a:p>
+                  </a:txBody>
+                  <a:tcPr>
+                    <a:solidFill>
+                      <a:schemeClr val="bg1"/>
+                    </a:solidFill>
+                  </a:tcPr>
+                </a:tc>
+                <a:tc>
+                  <a:txBody>
+                    <a:bodyPr/>
+                    <a:lstStyle/>
+                    <a:p>
+                      <a:pPr marL="0" algn="l" defTabSz="914400" rtl="0" eaLnBrk="1" latinLnBrk="0" hangingPunct="1"/>
+                      <a:endParaRPr lang="en-AU" sz="1800" kern="1200" dirty="0">
+                        <a:solidFill>
+                          <a:schemeClr val="dk1"/>
+                        </a:solidFill>
+                        <a:latin typeface="+mn-lt"/>
+                        <a:ea typeface="+mn-ea"/>
+                        <a:cs typeface="+mn-cs"/>
+                      </a:endParaRPr>
+                    </a:p>
+                  </a:txBody>
+                  <a:tcPr>
+                    <a:solidFill>
+                      <a:schemeClr val="bg1"/>
+                    </a:solidFill>
+                  </a:tcPr>
+                </a:tc>
+                <a:tc>
+                  <a:txBody>
+                    <a:bodyPr/>
+                    <a:lstStyle/>
+                    <a:p>
+                      <a:pPr marL="0" algn="l" defTabSz="914400" rtl="0" eaLnBrk="1" latinLnBrk="0" hangingPunct="1"/>
+                      <a:endParaRPr lang="en-AU" sz="1800" kern="1200" dirty="0">
+                        <a:solidFill>
+                          <a:schemeClr val="dk1"/>
+                        </a:solidFill>
+                        <a:latin typeface="+mn-lt"/>
+                        <a:ea typeface="+mn-ea"/>
+                        <a:cs typeface="+mn-cs"/>
+                      </a:endParaRPr>
+                    </a:p>
+                  </a:txBody>
+                  <a:tcPr>
+                    <a:solidFill>
+                      <a:schemeClr val="bg1"/>
+                    </a:solidFill>
+                  </a:tcPr>
+                </a:tc>
+                <a:extLst>
+                  <a:ext uri="{0D108BD9-81ED-4DB2-BD59-A6C34878D82A}">
+                    <a16:rowId xmlns:a16="http://schemas.microsoft.com/office/drawing/2014/main" val="222219733"/>
+                  </a:ext>
+                </a:extLst>
+              </a:tr>
+              <a:tr h="370840">
+                <a:tc>
+                  <a:txBody>
+                    <a:bodyPr/>
+                    <a:lstStyle/>
+                    <a:p>
+                      <a:r>
+                        <a:rPr lang="en-AU" dirty="0"/>
+                        <a:t>Factor 1</a:t>
+                      </a:r>
+                    </a:p>
+                  </a:txBody>
+                  <a:tcPr/>
+                </a:tc>
+                <a:tc>
+                  <a:txBody>
+                    <a:bodyPr/>
+                    <a:lstStyle/>
+                    <a:p>
+                      <a:r>
+                        <a:rPr lang="en-AU" dirty="0"/>
+                        <a:t>PCA</a:t>
+                      </a:r>
+                    </a:p>
+                  </a:txBody>
+                  <a:tcPr/>
+                </a:tc>
+                <a:tc>
+                  <a:txBody>
+                    <a:bodyPr/>
+                    <a:lstStyle/>
+                    <a:p>
+                      <a:endParaRPr lang="en-AU" dirty="0"/>
+                    </a:p>
+                  </a:txBody>
+                  <a:tcPr/>
+                </a:tc>
+                <a:tc>
+                  <a:txBody>
+                    <a:bodyPr/>
+                    <a:lstStyle/>
+                    <a:p>
+                      <a:r>
+                        <a:rPr lang="en-AU" dirty="0"/>
+                        <a:t>Task 1</a:t>
+                      </a:r>
+                    </a:p>
+                  </a:txBody>
+                  <a:tcPr/>
+                </a:tc>
+                <a:tc>
+                  <a:txBody>
+                    <a:bodyPr/>
+                    <a:lstStyle/>
+                    <a:p>
+                      <a:r>
+                        <a:rPr lang="en-AU" dirty="0"/>
+                        <a:t>Number of clusters</a:t>
+                      </a:r>
+                    </a:p>
+                  </a:txBody>
+                  <a:tcPr/>
+                </a:tc>
+                <a:extLst>
+                  <a:ext uri="{0D108BD9-81ED-4DB2-BD59-A6C34878D82A}">
+                    <a16:rowId xmlns:a16="http://schemas.microsoft.com/office/drawing/2014/main" val="2938560685"/>
+                  </a:ext>
+                </a:extLst>
+              </a:tr>
+              <a:tr h="370840">
+                <a:tc>
+                  <a:txBody>
+                    <a:bodyPr/>
+                    <a:lstStyle/>
+                    <a:p>
+                      <a:r>
+                        <a:rPr lang="en-AU" dirty="0"/>
+                        <a:t>Factor 2</a:t>
+                      </a:r>
+                    </a:p>
+                  </a:txBody>
+                  <a:tcPr/>
+                </a:tc>
+                <a:tc>
+                  <a:txBody>
+                    <a:bodyPr/>
+                    <a:lstStyle/>
+                    <a:p>
+                      <a:r>
+                        <a:rPr lang="en-AU" dirty="0"/>
+                        <a:t>Grand tour</a:t>
+                      </a:r>
+                    </a:p>
+                  </a:txBody>
+                  <a:tcPr/>
+                </a:tc>
+                <a:tc>
+                  <a:txBody>
+                    <a:bodyPr/>
+                    <a:lstStyle/>
+                    <a:p>
+                      <a:endParaRPr lang="en-AU" dirty="0"/>
+                    </a:p>
+                  </a:txBody>
+                  <a:tcPr/>
+                </a:tc>
+                <a:tc rowSpan="2">
+                  <a:txBody>
+                    <a:bodyPr/>
+                    <a:lstStyle/>
+                    <a:p>
+                      <a:r>
+                        <a:rPr lang="en-AU" dirty="0"/>
+                        <a:t>Task 2</a:t>
+                      </a:r>
+                    </a:p>
+                  </a:txBody>
+                  <a:tcPr/>
+                </a:tc>
+                <a:tc rowSpan="2">
+                  <a:txBody>
+                    <a:bodyPr/>
+                    <a:lstStyle/>
+                    <a:p>
+                      <a:r>
+                        <a:rPr lang="en-AU" dirty="0"/>
+                        <a:t>Importance of each variable for distinguishing a cluster</a:t>
+                      </a:r>
+                    </a:p>
+                  </a:txBody>
+                  <a:tcPr/>
+                </a:tc>
+                <a:extLst>
+                  <a:ext uri="{0D108BD9-81ED-4DB2-BD59-A6C34878D82A}">
+                    <a16:rowId xmlns:a16="http://schemas.microsoft.com/office/drawing/2014/main" val="4223562969"/>
+                  </a:ext>
+                </a:extLst>
+              </a:tr>
+              <a:tr h="370840">
+                <a:tc>
+                  <a:txBody>
+                    <a:bodyPr/>
+                    <a:lstStyle/>
+                    <a:p>
+                      <a:r>
+                        <a:rPr lang="en-AU" dirty="0"/>
+                        <a:t>Factor 3</a:t>
+                      </a:r>
+                    </a:p>
+                  </a:txBody>
+                  <a:tcPr/>
+                </a:tc>
+                <a:tc>
+                  <a:txBody>
+                    <a:bodyPr/>
+                    <a:lstStyle/>
+                    <a:p>
+                      <a:r>
+                        <a:rPr lang="en-AU" dirty="0"/>
+                        <a:t>Manual tour</a:t>
+                      </a:r>
+                    </a:p>
+                  </a:txBody>
+                  <a:tcPr/>
+                </a:tc>
+                <a:tc>
+                  <a:txBody>
+                    <a:bodyPr/>
+                    <a:lstStyle/>
+                    <a:p>
+                      <a:endParaRPr lang="en-AU" dirty="0"/>
+                    </a:p>
+                  </a:txBody>
+                  <a:tcPr/>
+                </a:tc>
+                <a:tc vMerge="1">
+                  <a:txBody>
+                    <a:bodyPr/>
+                    <a:lstStyle/>
+                    <a:p>
+                      <a:endParaRPr lang="en-AU" dirty="0"/>
+                    </a:p>
+                  </a:txBody>
+                  <a:tcPr/>
+                </a:tc>
+                <a:tc vMerge="1">
+                  <a:txBody>
+                    <a:bodyPr/>
+                    <a:lstStyle/>
+                    <a:p>
+                      <a:endParaRPr lang="en-AU" dirty="0"/>
+                    </a:p>
+                  </a:txBody>
+                  <a:tcPr/>
+                </a:tc>
+                <a:extLst>
+                  <a:ext uri="{0D108BD9-81ED-4DB2-BD59-A6C34878D82A}">
+                    <a16:rowId xmlns:a16="http://schemas.microsoft.com/office/drawing/2014/main" val="1091866687"/>
+                  </a:ext>
+                </a:extLst>
+              </a:tr>
+            </a:tbl>
+          </a:graphicData>
+        </a:graphic>
+      </p:graphicFrame>
+      <p:sp>
+        <p:nvSpPr>
+          <p:cNvPr id="3" name="TextBox 2">
+            <a:extLst>
+              <a:ext uri="{FF2B5EF4-FFF2-40B4-BE49-F238E27FC236}">
+                <a16:creationId xmlns:a16="http://schemas.microsoft.com/office/drawing/2014/main" id="{F0822401-84D8-4054-B2EA-3FE78E43FF2E}"/>
+              </a:ext>
+            </a:extLst>
+          </p:cNvPr>
+          <p:cNvSpPr txBox="1"/>
+          <p:nvPr/>
+        </p:nvSpPr>
+        <p:spPr>
+          <a:xfrm>
+            <a:off x="9937242" y="3739654"/>
+            <a:ext cx="2495365" cy="1107996"/>
+          </a:xfrm>
+          <a:prstGeom prst="rect">
+            <a:avLst/>
+          </a:prstGeom>
+          <a:noFill/>
+        </p:spPr>
+        <p:txBody>
+          <a:bodyPr wrap="square" rtlCol="0">
+            <a:spAutoFit/>
+          </a:bodyPr>
+          <a:lstStyle/>
+          <a:p>
+            <a:r>
+              <a:rPr lang="en-AU" sz="2200" dirty="0"/>
+              <a:t>~(p=8, cl=3, np=5)</a:t>
+            </a:r>
+          </a:p>
+          <a:p>
+            <a:r>
+              <a:rPr lang="en-AU" sz="2200" dirty="0"/>
+              <a:t>~(p=8, cl=4, np=4)</a:t>
+            </a:r>
+          </a:p>
+          <a:p>
+            <a:r>
+              <a:rPr lang="en-AU" sz="2200" dirty="0"/>
+              <a:t>~(p=10, cl=4, np=5)</a:t>
+            </a:r>
+          </a:p>
+        </p:txBody>
+      </p:sp>
+      <p:sp>
+        <p:nvSpPr>
+          <p:cNvPr id="12" name="TextBox 11">
+            <a:extLst>
+              <a:ext uri="{FF2B5EF4-FFF2-40B4-BE49-F238E27FC236}">
+                <a16:creationId xmlns:a16="http://schemas.microsoft.com/office/drawing/2014/main" id="{C1CE658D-2B84-4D97-9B04-BE2E4F7BA3DE}"/>
+              </a:ext>
+            </a:extLst>
+          </p:cNvPr>
+          <p:cNvSpPr txBox="1"/>
+          <p:nvPr/>
+        </p:nvSpPr>
+        <p:spPr>
+          <a:xfrm>
+            <a:off x="9937242" y="5558395"/>
+            <a:ext cx="3124544" cy="769441"/>
+          </a:xfrm>
+          <a:prstGeom prst="rect">
+            <a:avLst/>
+          </a:prstGeom>
+          <a:noFill/>
+        </p:spPr>
+        <p:txBody>
+          <a:bodyPr wrap="square" rtlCol="0">
+            <a:spAutoFit/>
+          </a:bodyPr>
+          <a:lstStyle/>
+          <a:p>
+            <a:r>
+              <a:rPr lang="en-AU" sz="2200" dirty="0"/>
+              <a:t>Sim119~(p=6, cl=3, np=2)</a:t>
+            </a:r>
+          </a:p>
+          <a:p>
+            <a:r>
+              <a:rPr lang="en-AU" sz="2200" dirty="0"/>
+              <a:t>Sim120~(p=6, cl=3, np=2)</a:t>
+            </a:r>
+          </a:p>
+        </p:txBody>
+      </p:sp>
+    </p:spTree>
+    <p:extLst>
+      <p:ext uri="{BB962C8B-B14F-4D97-AF65-F5344CB8AC3E}">
+        <p14:creationId xmlns:p14="http://schemas.microsoft.com/office/powerpoint/2010/main" val="3315783496"/>
+      </p:ext>
+    </p:extLst>
+  </p:cSld>
+  <p:clrMapOvr>
+    <a:masterClrMapping/>
+  </p:clrMapOvr>
+</p:sld>
+</file>
+
+<file path=ppt/slides/slide3.xml><?xml version="1.0" encoding="utf-8"?>
+<p:sld xmlns:a="http://schemas.openxmlformats.org/drawingml/2006/main" xmlns:r="http://schemas.openxmlformats.org/officeDocument/2006/relationships" xmlns:p="http://schemas.openxmlformats.org/presentationml/2006/main">
+  <p:cSld>
+    <p:spTree>
+      <p:nvGrpSpPr>
+        <p:cNvPr id="1" name=""/>
+        <p:cNvGrpSpPr/>
+        <p:nvPr/>
+      </p:nvGrpSpPr>
+      <p:grpSpPr>
+        <a:xfrm>
+          <a:off x="0" y="0"/>
+          <a:ext cx="0" cy="0"/>
+          <a:chOff x="0" y="0"/>
+          <a:chExt cx="0" cy="0"/>
+        </a:xfrm>
+      </p:grpSpPr>
+      <p:sp>
+        <p:nvSpPr>
+          <p:cNvPr id="2" name="Title 1">
+            <a:extLst>
+              <a:ext uri="{FF2B5EF4-FFF2-40B4-BE49-F238E27FC236}">
+                <a16:creationId xmlns:a16="http://schemas.microsoft.com/office/drawing/2014/main" id="{4ECC392A-79EE-4FB3-B62C-DFA7957706E4}"/>
+              </a:ext>
+            </a:extLst>
+          </p:cNvPr>
+          <p:cNvSpPr>
+            <a:spLocks noGrp="1"/>
+          </p:cNvSpPr>
+          <p:nvPr>
+            <p:ph type="title"/>
+          </p:nvPr>
+        </p:nvSpPr>
+        <p:spPr>
+          <a:xfrm>
+            <a:off x="838200" y="18840"/>
+            <a:ext cx="10515600" cy="1325563"/>
+          </a:xfrm>
+        </p:spPr>
+        <p:txBody>
+          <a:bodyPr/>
+          <a:lstStyle/>
+          <a:p>
+            <a:r>
+              <a:rPr lang="en-AU" dirty="0"/>
               <a:t>Experimental design graphics v3</a:t>
             </a:r>
           </a:p>
@@ -6426,7 +8142,7 @@
           <p:nvPr>
             <p:extLst>
               <p:ext uri="{D42A27DB-BD31-4B8C-83A1-F6EECF244321}">
-                <p14:modId xmlns:p14="http://schemas.microsoft.com/office/powerpoint/2010/main" val="2294449351"/>
+                <p14:modId xmlns:p14="http://schemas.microsoft.com/office/powerpoint/2010/main" val="977430248"/>
               </p:ext>
             </p:extLst>
           </p:nvPr>
@@ -9331,6 +11047,56 @@
           </p:cxnSp>
         </p:grpSp>
       </p:grpSp>
+      <p:sp>
+        <p:nvSpPr>
+          <p:cNvPr id="13" name="Rectangle 12">
+            <a:extLst>
+              <a:ext uri="{FF2B5EF4-FFF2-40B4-BE49-F238E27FC236}">
+                <a16:creationId xmlns:a16="http://schemas.microsoft.com/office/drawing/2014/main" id="{4E80F691-965C-4E79-A914-779327890685}"/>
+              </a:ext>
+            </a:extLst>
+          </p:cNvPr>
+          <p:cNvSpPr/>
+          <p:nvPr/>
+        </p:nvSpPr>
+        <p:spPr>
+          <a:xfrm rot="712059">
+            <a:off x="421244" y="1418702"/>
+            <a:ext cx="9862188" cy="1569660"/>
+          </a:xfrm>
+          <a:prstGeom prst="rect">
+            <a:avLst/>
+          </a:prstGeom>
+          <a:noFill/>
+        </p:spPr>
+        <p:txBody>
+          <a:bodyPr wrap="none" lIns="91440" tIns="45720" rIns="91440" bIns="45720">
+            <a:spAutoFit/>
+          </a:bodyPr>
+          <a:lstStyle/>
+          <a:p>
+            <a:pPr algn="ctr"/>
+            <a:r>
+              <a:rPr lang="en-US" sz="9600" b="1" cap="none" spc="0" dirty="0">
+                <a:ln w="22225">
+                  <a:solidFill>
+                    <a:schemeClr val="accent2"/>
+                  </a:solidFill>
+                  <a:prstDash val="solid"/>
+                </a:ln>
+                <a:solidFill>
+                  <a:schemeClr val="accent2">
+                    <a:lumMod val="40000"/>
+                    <a:lumOff val="60000"/>
+                  </a:schemeClr>
+                </a:solidFill>
+                <a:effectLst/>
+              </a:rPr>
+              <a:t>OLD – DO NOT USE</a:t>
+            </a:r>
+          </a:p>
+        </p:txBody>
+      </p:sp>
     </p:spTree>
     <p:extLst>
       <p:ext uri="{BB962C8B-B14F-4D97-AF65-F5344CB8AC3E}">
@@ -9344,7 +11110,7 @@
 </p:sld>
 </file>
 
-<file path=ppt/slides/slide3.xml><?xml version="1.0" encoding="utf-8"?>
+<file path=ppt/slides/slide4.xml><?xml version="1.0" encoding="utf-8"?>
 <p:sld xmlns:a="http://schemas.openxmlformats.org/drawingml/2006/main" xmlns:r="http://schemas.openxmlformats.org/officeDocument/2006/relationships" xmlns:p="http://schemas.openxmlformats.org/presentationml/2006/main">
   <p:cSld>
     <p:spTree>
@@ -9389,12 +11155,8 @@
           <a:p>
             <a:r>
               <a:rPr lang="en-AU" dirty="0"/>
-              <a:t>Experimental design graphics v2.2</a:t>
+              <a:t>Experimental design graphics v2</a:t>
             </a:r>
-            <a:br>
-              <a:rPr lang="en-AU" dirty="0"/>
-            </a:br>
-            <a:endParaRPr lang="en-AU" dirty="0"/>
           </a:p>
         </p:txBody>
       </p:sp>
@@ -9857,11 +11619,7 @@
             <a:graphicFrameLocks noGrp="1"/>
           </p:cNvGraphicFramePr>
           <p:nvPr>
-            <p:extLst>
-              <p:ext uri="{D42A27DB-BD31-4B8C-83A1-F6EECF244321}">
-                <p14:modId xmlns:p14="http://schemas.microsoft.com/office/powerpoint/2010/main" val="2551090780"/>
-              </p:ext>
-            </p:extLst>
+            <p:extLst/>
           </p:nvPr>
         </p:nvGraphicFramePr>
         <p:xfrm>
@@ -10074,6 +11832,32 @@
                     <a:p>
                       <a:r>
                         <a:rPr lang="en-AU" dirty="0"/>
+                        <a:t>Sim2</a:t>
+                      </a:r>
+                    </a:p>
+                  </a:txBody>
+                  <a:tcPr/>
+                </a:tc>
+                <a:tc>
+                  <a:txBody>
+                    <a:bodyPr/>
+                    <a:lstStyle/>
+                    <a:p>
+                      <a:r>
+                        <a:rPr lang="en-AU" dirty="0"/>
+                        <a:t>Sim3</a:t>
+                      </a:r>
+                    </a:p>
+                  </a:txBody>
+                  <a:tcPr/>
+                </a:tc>
+                <a:tc>
+                  <a:txBody>
+                    <a:bodyPr/>
+                    <a:lstStyle/>
+                    <a:p>
+                      <a:r>
+                        <a:rPr lang="en-AU" dirty="0"/>
                         <a:t>Sim4</a:t>
                       </a:r>
                     </a:p>
@@ -10087,46 +11871,20 @@
                     <a:p>
                       <a:r>
                         <a:rPr lang="en-AU" dirty="0"/>
-                        <a:t>Sim7</a:t>
-                      </a:r>
-                    </a:p>
-                  </a:txBody>
-                  <a:tcPr/>
-                </a:tc>
-                <a:tc>
-                  <a:txBody>
-                    <a:bodyPr/>
-                    <a:lstStyle/>
-                    <a:p>
-                      <a:r>
-                        <a:rPr lang="en-AU" dirty="0"/>
-                        <a:t>Sim10</a:t>
-                      </a:r>
-                    </a:p>
-                  </a:txBody>
-                  <a:tcPr/>
-                </a:tc>
-                <a:tc>
-                  <a:txBody>
-                    <a:bodyPr/>
-                    <a:lstStyle/>
-                    <a:p>
-                      <a:r>
-                        <a:rPr lang="en-AU" dirty="0"/>
-                        <a:t>Sim13</a:t>
-                      </a:r>
-                    </a:p>
-                  </a:txBody>
-                  <a:tcPr/>
-                </a:tc>
-                <a:tc>
-                  <a:txBody>
-                    <a:bodyPr/>
-                    <a:lstStyle/>
-                    <a:p>
-                      <a:r>
-                        <a:rPr lang="en-AU" dirty="0"/>
-                        <a:t>Sim16</a:t>
+                        <a:t>Sim5</a:t>
+                      </a:r>
+                    </a:p>
+                  </a:txBody>
+                  <a:tcPr/>
+                </a:tc>
+                <a:tc>
+                  <a:txBody>
+                    <a:bodyPr/>
+                    <a:lstStyle/>
+                    <a:p>
+                      <a:r>
+                        <a:rPr lang="en-AU" dirty="0"/>
+                        <a:t>Sim6</a:t>
                       </a:r>
                     </a:p>
                   </a:txBody>
@@ -10172,20 +11930,7 @@
                     <a:p>
                       <a:r>
                         <a:rPr lang="en-AU" dirty="0"/>
-                        <a:t>Sim2</a:t>
-                      </a:r>
-                    </a:p>
-                  </a:txBody>
-                  <a:tcPr/>
-                </a:tc>
-                <a:tc>
-                  <a:txBody>
-                    <a:bodyPr/>
-                    <a:lstStyle/>
-                    <a:p>
-                      <a:r>
-                        <a:rPr lang="en-AU" dirty="0"/>
-                        <a:t>Sim5</a:t>
+                        <a:t>Sim7</a:t>
                       </a:r>
                     </a:p>
                   </a:txBody>
@@ -10211,6 +11956,32 @@
                     <a:p>
                       <a:r>
                         <a:rPr lang="en-AU" dirty="0"/>
+                        <a:t>Sim9</a:t>
+                      </a:r>
+                    </a:p>
+                  </a:txBody>
+                  <a:tcPr/>
+                </a:tc>
+                <a:tc>
+                  <a:txBody>
+                    <a:bodyPr/>
+                    <a:lstStyle/>
+                    <a:p>
+                      <a:r>
+                        <a:rPr lang="en-AU" dirty="0"/>
+                        <a:t>Sim10</a:t>
+                      </a:r>
+                    </a:p>
+                  </a:txBody>
+                  <a:tcPr/>
+                </a:tc>
+                <a:tc>
+                  <a:txBody>
+                    <a:bodyPr/>
+                    <a:lstStyle/>
+                    <a:p>
+                      <a:r>
+                        <a:rPr lang="en-AU" dirty="0"/>
                         <a:t>Sim11</a:t>
                       </a:r>
                     </a:p>
@@ -10224,20 +11995,7 @@
                     <a:p>
                       <a:r>
                         <a:rPr lang="en-AU" dirty="0"/>
-                        <a:t>Sim14</a:t>
-                      </a:r>
-                    </a:p>
-                  </a:txBody>
-                  <a:tcPr/>
-                </a:tc>
-                <a:tc>
-                  <a:txBody>
-                    <a:bodyPr/>
-                    <a:lstStyle/>
-                    <a:p>
-                      <a:r>
-                        <a:rPr lang="en-AU" dirty="0"/>
-                        <a:t>Sim17</a:t>
+                        <a:t>Sim12</a:t>
                       </a:r>
                     </a:p>
                   </a:txBody>
@@ -10283,46 +12041,20 @@
                     <a:p>
                       <a:r>
                         <a:rPr lang="en-AU" dirty="0"/>
-                        <a:t>Sim3</a:t>
-                      </a:r>
-                    </a:p>
-                  </a:txBody>
-                  <a:tcPr/>
-                </a:tc>
-                <a:tc>
-                  <a:txBody>
-                    <a:bodyPr/>
-                    <a:lstStyle/>
-                    <a:p>
-                      <a:r>
-                        <a:rPr lang="en-AU" dirty="0"/>
-                        <a:t>Sim6</a:t>
-                      </a:r>
-                    </a:p>
-                  </a:txBody>
-                  <a:tcPr/>
-                </a:tc>
-                <a:tc>
-                  <a:txBody>
-                    <a:bodyPr/>
-                    <a:lstStyle/>
-                    <a:p>
-                      <a:r>
-                        <a:rPr lang="en-AU" dirty="0"/>
-                        <a:t>Sim9</a:t>
-                      </a:r>
-                    </a:p>
-                  </a:txBody>
-                  <a:tcPr/>
-                </a:tc>
-                <a:tc>
-                  <a:txBody>
-                    <a:bodyPr/>
-                    <a:lstStyle/>
-                    <a:p>
-                      <a:r>
-                        <a:rPr lang="en-AU" dirty="0"/>
-                        <a:t>Sim12</a:t>
+                        <a:t>Sim13</a:t>
+                      </a:r>
+                    </a:p>
+                  </a:txBody>
+                  <a:tcPr/>
+                </a:tc>
+                <a:tc>
+                  <a:txBody>
+                    <a:bodyPr/>
+                    <a:lstStyle/>
+                    <a:p>
+                      <a:r>
+                        <a:rPr lang="en-AU" dirty="0"/>
+                        <a:t>Sim14</a:t>
                       </a:r>
                     </a:p>
                   </a:txBody>
@@ -10336,6 +12068,32 @@
                       <a:r>
                         <a:rPr lang="en-AU" dirty="0"/>
                         <a:t>Sim15</a:t>
+                      </a:r>
+                    </a:p>
+                  </a:txBody>
+                  <a:tcPr/>
+                </a:tc>
+                <a:tc>
+                  <a:txBody>
+                    <a:bodyPr/>
+                    <a:lstStyle/>
+                    <a:p>
+                      <a:r>
+                        <a:rPr lang="en-AU" dirty="0"/>
+                        <a:t>Sim16</a:t>
+                      </a:r>
+                    </a:p>
+                  </a:txBody>
+                  <a:tcPr/>
+                </a:tc>
+                <a:tc>
+                  <a:txBody>
+                    <a:bodyPr/>
+                    <a:lstStyle/>
+                    <a:p>
+                      <a:r>
+                        <a:rPr lang="en-AU" dirty="0"/>
+                        <a:t>Sim17</a:t>
                       </a:r>
                     </a:p>
                   </a:txBody>
@@ -11039,1634 +12797,22 @@
           </a:p>
         </p:txBody>
       </p:sp>
-    </p:spTree>
-    <p:extLst>
-      <p:ext uri="{BB962C8B-B14F-4D97-AF65-F5344CB8AC3E}">
-        <p14:creationId xmlns:p14="http://schemas.microsoft.com/office/powerpoint/2010/main" val="3315783496"/>
-      </p:ext>
-    </p:extLst>
-  </p:cSld>
-  <p:clrMapOvr>
-    <a:masterClrMapping/>
-  </p:clrMapOvr>
-</p:sld>
-</file>
-
-<file path=ppt/slides/slide4.xml><?xml version="1.0" encoding="utf-8"?>
-<p:sld xmlns:a="http://schemas.openxmlformats.org/drawingml/2006/main" xmlns:r="http://schemas.openxmlformats.org/officeDocument/2006/relationships" xmlns:p="http://schemas.openxmlformats.org/presentationml/2006/main">
-  <p:cSld>
-    <p:spTree>
-      <p:nvGrpSpPr>
-        <p:cNvPr id="1" name=""/>
-        <p:cNvGrpSpPr/>
-        <p:nvPr/>
-      </p:nvGrpSpPr>
-      <p:grpSpPr>
-        <a:xfrm>
-          <a:off x="0" y="0"/>
-          <a:ext cx="0" cy="0"/>
-          <a:chOff x="0" y="0"/>
-          <a:chExt cx="0" cy="0"/>
-        </a:xfrm>
-      </p:grpSpPr>
       <p:sp>
         <p:nvSpPr>
-          <p:cNvPr id="2" name="Title 1">
+          <p:cNvPr id="13" name="Rectangle 12">
             <a:extLst>
               <a:ext uri="{FF2B5EF4-FFF2-40B4-BE49-F238E27FC236}">
-                <a16:creationId xmlns:a16="http://schemas.microsoft.com/office/drawing/2014/main" id="{4ECC392A-79EE-4FB3-B62C-DFA7957706E4}"/>
+                <a16:creationId xmlns:a16="http://schemas.microsoft.com/office/drawing/2014/main" id="{BA41EC9B-5EEF-447A-A788-C4454B91B0F7}"/>
               </a:ext>
             </a:extLst>
           </p:cNvPr>
-          <p:cNvSpPr>
-            <a:spLocks noGrp="1"/>
-          </p:cNvSpPr>
-          <p:nvPr>
-            <p:ph type="title"/>
-          </p:nvPr>
-        </p:nvSpPr>
-        <p:spPr>
-          <a:xfrm>
-            <a:off x="838200" y="18840"/>
-            <a:ext cx="10515600" cy="1325563"/>
-          </a:xfrm>
-        </p:spPr>
-        <p:txBody>
-          <a:bodyPr/>
-          <a:lstStyle/>
-          <a:p>
-            <a:r>
-              <a:rPr lang="en-AU" dirty="0"/>
-              <a:t>Experimental design graphics v2</a:t>
-            </a:r>
-          </a:p>
-        </p:txBody>
-      </p:sp>
-      <p:graphicFrame>
-        <p:nvGraphicFramePr>
-          <p:cNvPr id="7" name="Table 6">
-            <a:extLst>
-              <a:ext uri="{FF2B5EF4-FFF2-40B4-BE49-F238E27FC236}">
-                <a16:creationId xmlns:a16="http://schemas.microsoft.com/office/drawing/2014/main" id="{2232D69B-0643-4FD4-8B46-BA53AEB5EFEA}"/>
-              </a:ext>
-            </a:extLst>
-          </p:cNvPr>
-          <p:cNvGraphicFramePr>
-            <a:graphicFrameLocks noGrp="1"/>
-          </p:cNvGraphicFramePr>
-          <p:nvPr>
-            <p:extLst/>
-          </p:nvPr>
-        </p:nvGraphicFramePr>
-        <p:xfrm>
-          <a:off x="1562468" y="1539986"/>
-          <a:ext cx="6398775" cy="1522675"/>
-        </p:xfrm>
-        <a:graphic>
-          <a:graphicData uri="http://schemas.openxmlformats.org/drawingml/2006/table">
-            <a:tbl>
-              <a:tblPr firstRow="1" bandRow="1">
-                <a:tableStyleId>{5C22544A-7EE6-4342-B048-85BDC9FD1C3A}</a:tableStyleId>
-              </a:tblPr>
-              <a:tblGrid>
-                <a:gridCol w="1322775">
-                  <a:extLst>
-                    <a:ext uri="{9D8B030D-6E8A-4147-A177-3AD203B41FA5}">
-                      <a16:colId xmlns:a16="http://schemas.microsoft.com/office/drawing/2014/main" val="952443710"/>
-                    </a:ext>
-                  </a:extLst>
-                </a:gridCol>
-                <a:gridCol w="1692000">
-                  <a:extLst>
-                    <a:ext uri="{9D8B030D-6E8A-4147-A177-3AD203B41FA5}">
-                      <a16:colId xmlns:a16="http://schemas.microsoft.com/office/drawing/2014/main" val="1574367336"/>
-                    </a:ext>
-                  </a:extLst>
-                </a:gridCol>
-                <a:gridCol w="1692000">
-                  <a:extLst>
-                    <a:ext uri="{9D8B030D-6E8A-4147-A177-3AD203B41FA5}">
-                      <a16:colId xmlns:a16="http://schemas.microsoft.com/office/drawing/2014/main" val="1714213086"/>
-                    </a:ext>
-                  </a:extLst>
-                </a:gridCol>
-                <a:gridCol w="1692000">
-                  <a:extLst>
-                    <a:ext uri="{9D8B030D-6E8A-4147-A177-3AD203B41FA5}">
-                      <a16:colId xmlns:a16="http://schemas.microsoft.com/office/drawing/2014/main" val="313146614"/>
-                    </a:ext>
-                  </a:extLst>
-                </a:gridCol>
-              </a:tblGrid>
-              <a:tr h="376744">
-                <a:tc>
-                  <a:txBody>
-                    <a:bodyPr/>
-                    <a:lstStyle/>
-                    <a:p>
-                      <a:endParaRPr lang="en-AU" dirty="0"/>
-                    </a:p>
-                  </a:txBody>
-                  <a:tcPr/>
-                </a:tc>
-                <a:tc>
-                  <a:txBody>
-                    <a:bodyPr/>
-                    <a:lstStyle/>
-                    <a:p>
-                      <a:r>
-                        <a:rPr lang="en-AU" dirty="0"/>
-                        <a:t>Period 1</a:t>
-                      </a:r>
-                    </a:p>
-                  </a:txBody>
-                  <a:tcPr/>
-                </a:tc>
-                <a:tc>
-                  <a:txBody>
-                    <a:bodyPr/>
-                    <a:lstStyle/>
-                    <a:p>
-                      <a:r>
-                        <a:rPr lang="en-AU" dirty="0"/>
-                        <a:t>Period 2</a:t>
-                      </a:r>
-                    </a:p>
-                  </a:txBody>
-                  <a:tcPr/>
-                </a:tc>
-                <a:tc>
-                  <a:txBody>
-                    <a:bodyPr/>
-                    <a:lstStyle/>
-                    <a:p>
-                      <a:r>
-                        <a:rPr lang="en-AU" dirty="0"/>
-                        <a:t>Period 3</a:t>
-                      </a:r>
-                    </a:p>
-                  </a:txBody>
-                  <a:tcPr/>
-                </a:tc>
-                <a:extLst>
-                  <a:ext uri="{0D108BD9-81ED-4DB2-BD59-A6C34878D82A}">
-                    <a16:rowId xmlns:a16="http://schemas.microsoft.com/office/drawing/2014/main" val="4138763571"/>
-                  </a:ext>
-                </a:extLst>
-              </a:tr>
-              <a:tr h="381977">
-                <a:tc>
-                  <a:txBody>
-                    <a:bodyPr/>
-                    <a:lstStyle/>
-                    <a:p>
-                      <a:r>
-                        <a:rPr lang="en-AU" dirty="0"/>
-                        <a:t>Gp1 (1/3*n)</a:t>
-                      </a:r>
-                    </a:p>
-                  </a:txBody>
-                  <a:tcPr/>
-                </a:tc>
-                <a:tc>
-                  <a:txBody>
-                    <a:bodyPr/>
-                    <a:lstStyle/>
-                    <a:p>
-                      <a:r>
-                        <a:rPr lang="en-AU" dirty="0"/>
-                        <a:t>Factor 1</a:t>
-                      </a:r>
-                    </a:p>
-                  </a:txBody>
-                  <a:tcPr/>
-                </a:tc>
-                <a:tc>
-                  <a:txBody>
-                    <a:bodyPr/>
-                    <a:lstStyle/>
-                    <a:p>
-                      <a:pPr marL="0" marR="0" lvl="0" indent="0" algn="l" defTabSz="914400" rtl="0" eaLnBrk="1" fontAlgn="auto" latinLnBrk="0" hangingPunct="1">
-                        <a:lnSpc>
-                          <a:spcPct val="100000"/>
-                        </a:lnSpc>
-                        <a:spcBef>
-                          <a:spcPts val="0"/>
-                        </a:spcBef>
-                        <a:spcAft>
-                          <a:spcPts val="0"/>
-                        </a:spcAft>
-                        <a:buClrTx/>
-                        <a:buSzTx/>
-                        <a:buFontTx/>
-                        <a:buNone/>
-                        <a:tabLst/>
-                        <a:defRPr/>
-                      </a:pPr>
-                      <a:r>
-                        <a:rPr lang="en-AU" dirty="0"/>
-                        <a:t>Factor 2</a:t>
-                      </a:r>
-                    </a:p>
-                  </a:txBody>
-                  <a:tcPr/>
-                </a:tc>
-                <a:tc>
-                  <a:txBody>
-                    <a:bodyPr/>
-                    <a:lstStyle/>
-                    <a:p>
-                      <a:pPr marL="0" marR="0" lvl="0" indent="0" algn="l" defTabSz="914400" rtl="0" eaLnBrk="1" fontAlgn="auto" latinLnBrk="0" hangingPunct="1">
-                        <a:lnSpc>
-                          <a:spcPct val="100000"/>
-                        </a:lnSpc>
-                        <a:spcBef>
-                          <a:spcPts val="0"/>
-                        </a:spcBef>
-                        <a:spcAft>
-                          <a:spcPts val="0"/>
-                        </a:spcAft>
-                        <a:buClrTx/>
-                        <a:buSzTx/>
-                        <a:buFontTx/>
-                        <a:buNone/>
-                        <a:tabLst/>
-                        <a:defRPr/>
-                      </a:pPr>
-                      <a:r>
-                        <a:rPr lang="en-AU" dirty="0"/>
-                        <a:t>Factor 3</a:t>
-                      </a:r>
-                    </a:p>
-                  </a:txBody>
-                  <a:tcPr/>
-                </a:tc>
-                <a:extLst>
-                  <a:ext uri="{0D108BD9-81ED-4DB2-BD59-A6C34878D82A}">
-                    <a16:rowId xmlns:a16="http://schemas.microsoft.com/office/drawing/2014/main" val="4152554093"/>
-                  </a:ext>
-                </a:extLst>
-              </a:tr>
-              <a:tr h="381977">
-                <a:tc>
-                  <a:txBody>
-                    <a:bodyPr/>
-                    <a:lstStyle/>
-                    <a:p>
-                      <a:pPr marL="0" marR="0" lvl="0" indent="0" algn="l" defTabSz="914400" rtl="0" eaLnBrk="1" fontAlgn="auto" latinLnBrk="0" hangingPunct="1">
-                        <a:lnSpc>
-                          <a:spcPct val="100000"/>
-                        </a:lnSpc>
-                        <a:spcBef>
-                          <a:spcPts val="0"/>
-                        </a:spcBef>
-                        <a:spcAft>
-                          <a:spcPts val="0"/>
-                        </a:spcAft>
-                        <a:buClrTx/>
-                        <a:buSzTx/>
-                        <a:buFontTx/>
-                        <a:buNone/>
-                        <a:tabLst/>
-                        <a:defRPr/>
-                      </a:pPr>
-                      <a:r>
-                        <a:rPr lang="en-AU" dirty="0"/>
-                        <a:t>Gp2 (1/3*n)</a:t>
-                      </a:r>
-                    </a:p>
-                  </a:txBody>
-                  <a:tcPr/>
-                </a:tc>
-                <a:tc>
-                  <a:txBody>
-                    <a:bodyPr/>
-                    <a:lstStyle/>
-                    <a:p>
-                      <a:pPr marL="0" marR="0" lvl="0" indent="0" algn="l" defTabSz="914400" rtl="0" eaLnBrk="1" fontAlgn="auto" latinLnBrk="0" hangingPunct="1">
-                        <a:lnSpc>
-                          <a:spcPct val="100000"/>
-                        </a:lnSpc>
-                        <a:spcBef>
-                          <a:spcPts val="0"/>
-                        </a:spcBef>
-                        <a:spcAft>
-                          <a:spcPts val="0"/>
-                        </a:spcAft>
-                        <a:buClrTx/>
-                        <a:buSzTx/>
-                        <a:buFontTx/>
-                        <a:buNone/>
-                        <a:tabLst/>
-                        <a:defRPr/>
-                      </a:pPr>
-                      <a:r>
-                        <a:rPr lang="en-AU" dirty="0"/>
-                        <a:t>Factor 2</a:t>
-                      </a:r>
-                    </a:p>
-                  </a:txBody>
-                  <a:tcPr/>
-                </a:tc>
-                <a:tc>
-                  <a:txBody>
-                    <a:bodyPr/>
-                    <a:lstStyle/>
-                    <a:p>
-                      <a:pPr marL="0" marR="0" lvl="0" indent="0" algn="l" defTabSz="914400" rtl="0" eaLnBrk="1" fontAlgn="auto" latinLnBrk="0" hangingPunct="1">
-                        <a:lnSpc>
-                          <a:spcPct val="100000"/>
-                        </a:lnSpc>
-                        <a:spcBef>
-                          <a:spcPts val="0"/>
-                        </a:spcBef>
-                        <a:spcAft>
-                          <a:spcPts val="0"/>
-                        </a:spcAft>
-                        <a:buClrTx/>
-                        <a:buSzTx/>
-                        <a:buFontTx/>
-                        <a:buNone/>
-                        <a:tabLst/>
-                        <a:defRPr/>
-                      </a:pPr>
-                      <a:r>
-                        <a:rPr lang="en-AU" dirty="0"/>
-                        <a:t>Factor 3</a:t>
-                      </a:r>
-                    </a:p>
-                  </a:txBody>
-                  <a:tcPr/>
-                </a:tc>
-                <a:tc>
-                  <a:txBody>
-                    <a:bodyPr/>
-                    <a:lstStyle/>
-                    <a:p>
-                      <a:pPr marL="0" marR="0" lvl="0" indent="0" algn="l" defTabSz="914400" rtl="0" eaLnBrk="1" fontAlgn="auto" latinLnBrk="0" hangingPunct="1">
-                        <a:lnSpc>
-                          <a:spcPct val="100000"/>
-                        </a:lnSpc>
-                        <a:spcBef>
-                          <a:spcPts val="0"/>
-                        </a:spcBef>
-                        <a:spcAft>
-                          <a:spcPts val="0"/>
-                        </a:spcAft>
-                        <a:buClrTx/>
-                        <a:buSzTx/>
-                        <a:buFontTx/>
-                        <a:buNone/>
-                        <a:tabLst/>
-                        <a:defRPr/>
-                      </a:pPr>
-                      <a:r>
-                        <a:rPr lang="en-AU" dirty="0"/>
-                        <a:t>Factor 1</a:t>
-                      </a:r>
-                    </a:p>
-                  </a:txBody>
-                  <a:tcPr/>
-                </a:tc>
-                <a:extLst>
-                  <a:ext uri="{0D108BD9-81ED-4DB2-BD59-A6C34878D82A}">
-                    <a16:rowId xmlns:a16="http://schemas.microsoft.com/office/drawing/2014/main" val="127744001"/>
-                  </a:ext>
-                </a:extLst>
-              </a:tr>
-              <a:tr h="381977">
-                <a:tc>
-                  <a:txBody>
-                    <a:bodyPr/>
-                    <a:lstStyle/>
-                    <a:p>
-                      <a:r>
-                        <a:rPr lang="en-AU" dirty="0"/>
-                        <a:t>Gp3 (1/3*n)</a:t>
-                      </a:r>
-                    </a:p>
-                  </a:txBody>
-                  <a:tcPr/>
-                </a:tc>
-                <a:tc>
-                  <a:txBody>
-                    <a:bodyPr/>
-                    <a:lstStyle/>
-                    <a:p>
-                      <a:pPr marL="0" marR="0" lvl="0" indent="0" algn="l" defTabSz="914400" rtl="0" eaLnBrk="1" fontAlgn="auto" latinLnBrk="0" hangingPunct="1">
-                        <a:lnSpc>
-                          <a:spcPct val="100000"/>
-                        </a:lnSpc>
-                        <a:spcBef>
-                          <a:spcPts val="0"/>
-                        </a:spcBef>
-                        <a:spcAft>
-                          <a:spcPts val="0"/>
-                        </a:spcAft>
-                        <a:buClrTx/>
-                        <a:buSzTx/>
-                        <a:buFontTx/>
-                        <a:buNone/>
-                        <a:tabLst/>
-                        <a:defRPr/>
-                      </a:pPr>
-                      <a:r>
-                        <a:rPr lang="en-AU" dirty="0"/>
-                        <a:t>Factor 3</a:t>
-                      </a:r>
-                    </a:p>
-                  </a:txBody>
-                  <a:tcPr/>
-                </a:tc>
-                <a:tc>
-                  <a:txBody>
-                    <a:bodyPr/>
-                    <a:lstStyle/>
-                    <a:p>
-                      <a:pPr marL="0" marR="0" lvl="0" indent="0" algn="l" defTabSz="914400" rtl="0" eaLnBrk="1" fontAlgn="auto" latinLnBrk="0" hangingPunct="1">
-                        <a:lnSpc>
-                          <a:spcPct val="100000"/>
-                        </a:lnSpc>
-                        <a:spcBef>
-                          <a:spcPts val="0"/>
-                        </a:spcBef>
-                        <a:spcAft>
-                          <a:spcPts val="0"/>
-                        </a:spcAft>
-                        <a:buClrTx/>
-                        <a:buSzTx/>
-                        <a:buFontTx/>
-                        <a:buNone/>
-                        <a:tabLst/>
-                        <a:defRPr/>
-                      </a:pPr>
-                      <a:r>
-                        <a:rPr lang="en-AU" dirty="0"/>
-                        <a:t>Factor 1</a:t>
-                      </a:r>
-                    </a:p>
-                  </a:txBody>
-                  <a:tcPr/>
-                </a:tc>
-                <a:tc>
-                  <a:txBody>
-                    <a:bodyPr/>
-                    <a:lstStyle/>
-                    <a:p>
-                      <a:pPr marL="0" marR="0" lvl="0" indent="0" algn="l" defTabSz="914400" rtl="0" eaLnBrk="1" fontAlgn="auto" latinLnBrk="0" hangingPunct="1">
-                        <a:lnSpc>
-                          <a:spcPct val="100000"/>
-                        </a:lnSpc>
-                        <a:spcBef>
-                          <a:spcPts val="0"/>
-                        </a:spcBef>
-                        <a:spcAft>
-                          <a:spcPts val="0"/>
-                        </a:spcAft>
-                        <a:buClrTx/>
-                        <a:buSzTx/>
-                        <a:buFontTx/>
-                        <a:buNone/>
-                        <a:tabLst/>
-                        <a:defRPr/>
-                      </a:pPr>
-                      <a:r>
-                        <a:rPr lang="en-AU" dirty="0"/>
-                        <a:t>Factor 2</a:t>
-                      </a:r>
-                    </a:p>
-                  </a:txBody>
-                  <a:tcPr/>
-                </a:tc>
-                <a:extLst>
-                  <a:ext uri="{0D108BD9-81ED-4DB2-BD59-A6C34878D82A}">
-                    <a16:rowId xmlns:a16="http://schemas.microsoft.com/office/drawing/2014/main" val="2888210093"/>
-                  </a:ext>
-                </a:extLst>
-              </a:tr>
-            </a:tbl>
-          </a:graphicData>
-        </a:graphic>
-      </p:graphicFrame>
-      <p:graphicFrame>
-        <p:nvGraphicFramePr>
-          <p:cNvPr id="9" name="Table 8">
-            <a:extLst>
-              <a:ext uri="{FF2B5EF4-FFF2-40B4-BE49-F238E27FC236}">
-                <a16:creationId xmlns:a16="http://schemas.microsoft.com/office/drawing/2014/main" id="{46D36220-A859-42B9-A346-0C939B88C1E0}"/>
-              </a:ext>
-            </a:extLst>
-          </p:cNvPr>
-          <p:cNvGraphicFramePr>
-            <a:graphicFrameLocks noGrp="1"/>
-          </p:cNvGraphicFramePr>
-          <p:nvPr>
-            <p:extLst/>
-          </p:nvPr>
-        </p:nvGraphicFramePr>
-        <p:xfrm>
-          <a:off x="1562468" y="3384610"/>
-          <a:ext cx="7908870" cy="1463040"/>
-        </p:xfrm>
-        <a:graphic>
-          <a:graphicData uri="http://schemas.openxmlformats.org/drawingml/2006/table">
-            <a:tbl>
-              <a:tblPr firstRow="1" bandRow="1">
-                <a:tableStyleId>{5C22544A-7EE6-4342-B048-85BDC9FD1C3A}</a:tableStyleId>
-              </a:tblPr>
-              <a:tblGrid>
-                <a:gridCol w="1321200">
-                  <a:extLst>
-                    <a:ext uri="{9D8B030D-6E8A-4147-A177-3AD203B41FA5}">
-                      <a16:colId xmlns:a16="http://schemas.microsoft.com/office/drawing/2014/main" val="1987586350"/>
-                    </a:ext>
-                  </a:extLst>
-                </a:gridCol>
-                <a:gridCol w="845945">
-                  <a:extLst>
-                    <a:ext uri="{9D8B030D-6E8A-4147-A177-3AD203B41FA5}">
-                      <a16:colId xmlns:a16="http://schemas.microsoft.com/office/drawing/2014/main" val="2757630649"/>
-                    </a:ext>
-                  </a:extLst>
-                </a:gridCol>
-                <a:gridCol w="845945">
-                  <a:extLst>
-                    <a:ext uri="{9D8B030D-6E8A-4147-A177-3AD203B41FA5}">
-                      <a16:colId xmlns:a16="http://schemas.microsoft.com/office/drawing/2014/main" val="3466847723"/>
-                    </a:ext>
-                  </a:extLst>
-                </a:gridCol>
-                <a:gridCol w="845945">
-                  <a:extLst>
-                    <a:ext uri="{9D8B030D-6E8A-4147-A177-3AD203B41FA5}">
-                      <a16:colId xmlns:a16="http://schemas.microsoft.com/office/drawing/2014/main" val="37018863"/>
-                    </a:ext>
-                  </a:extLst>
-                </a:gridCol>
-                <a:gridCol w="845945">
-                  <a:extLst>
-                    <a:ext uri="{9D8B030D-6E8A-4147-A177-3AD203B41FA5}">
-                      <a16:colId xmlns:a16="http://schemas.microsoft.com/office/drawing/2014/main" val="404444310"/>
-                    </a:ext>
-                  </a:extLst>
-                </a:gridCol>
-                <a:gridCol w="845945">
-                  <a:extLst>
-                    <a:ext uri="{9D8B030D-6E8A-4147-A177-3AD203B41FA5}">
-                      <a16:colId xmlns:a16="http://schemas.microsoft.com/office/drawing/2014/main" val="3782919050"/>
-                    </a:ext>
-                  </a:extLst>
-                </a:gridCol>
-                <a:gridCol w="845945">
-                  <a:extLst>
-                    <a:ext uri="{9D8B030D-6E8A-4147-A177-3AD203B41FA5}">
-                      <a16:colId xmlns:a16="http://schemas.microsoft.com/office/drawing/2014/main" val="1327298383"/>
-                    </a:ext>
-                  </a:extLst>
-                </a:gridCol>
-                <a:gridCol w="1512000">
-                  <a:extLst>
-                    <a:ext uri="{9D8B030D-6E8A-4147-A177-3AD203B41FA5}">
-                      <a16:colId xmlns:a16="http://schemas.microsoft.com/office/drawing/2014/main" val="3798089852"/>
-                    </a:ext>
-                  </a:extLst>
-                </a:gridCol>
-              </a:tblGrid>
-              <a:tr h="0">
-                <a:tc>
-                  <a:txBody>
-                    <a:bodyPr/>
-                    <a:lstStyle/>
-                    <a:p>
-                      <a:endParaRPr lang="en-AU" dirty="0"/>
-                    </a:p>
-                  </a:txBody>
-                  <a:tcPr/>
-                </a:tc>
-                <a:tc>
-                  <a:txBody>
-                    <a:bodyPr/>
-                    <a:lstStyle/>
-                    <a:p>
-                      <a:r>
-                        <a:rPr lang="en-AU" dirty="0"/>
-                        <a:t>P1.B1</a:t>
-                      </a:r>
-                    </a:p>
-                  </a:txBody>
-                  <a:tcPr/>
-                </a:tc>
-                <a:tc>
-                  <a:txBody>
-                    <a:bodyPr/>
-                    <a:lstStyle/>
-                    <a:p>
-                      <a:r>
-                        <a:rPr lang="en-AU" dirty="0"/>
-                        <a:t>P1.B2</a:t>
-                      </a:r>
-                    </a:p>
-                  </a:txBody>
-                  <a:tcPr/>
-                </a:tc>
-                <a:tc>
-                  <a:txBody>
-                    <a:bodyPr/>
-                    <a:lstStyle/>
-                    <a:p>
-                      <a:r>
-                        <a:rPr lang="en-AU" dirty="0"/>
-                        <a:t>P2.B1</a:t>
-                      </a:r>
-                    </a:p>
-                  </a:txBody>
-                  <a:tcPr/>
-                </a:tc>
-                <a:tc>
-                  <a:txBody>
-                    <a:bodyPr/>
-                    <a:lstStyle/>
-                    <a:p>
-                      <a:r>
-                        <a:rPr lang="en-AU" dirty="0"/>
-                        <a:t>P2.B2</a:t>
-                      </a:r>
-                    </a:p>
-                  </a:txBody>
-                  <a:tcPr/>
-                </a:tc>
-                <a:tc>
-                  <a:txBody>
-                    <a:bodyPr/>
-                    <a:lstStyle/>
-                    <a:p>
-                      <a:r>
-                        <a:rPr lang="en-AU" dirty="0"/>
-                        <a:t>P2.B1</a:t>
-                      </a:r>
-                    </a:p>
-                  </a:txBody>
-                  <a:tcPr/>
-                </a:tc>
-                <a:tc>
-                  <a:txBody>
-                    <a:bodyPr/>
-                    <a:lstStyle/>
-                    <a:p>
-                      <a:r>
-                        <a:rPr lang="en-AU" dirty="0"/>
-                        <a:t>P2.B2</a:t>
-                      </a:r>
-                    </a:p>
-                  </a:txBody>
-                  <a:tcPr/>
-                </a:tc>
-                <a:tc>
-                  <a:txBody>
-                    <a:bodyPr/>
-                    <a:lstStyle/>
-                    <a:p>
-                      <a:r>
-                        <a:rPr lang="en-AU" dirty="0"/>
-                        <a:t>Distribution</a:t>
-                      </a:r>
-                    </a:p>
-                  </a:txBody>
-                  <a:tcPr/>
-                </a:tc>
-                <a:extLst>
-                  <a:ext uri="{0D108BD9-81ED-4DB2-BD59-A6C34878D82A}">
-                    <a16:rowId xmlns:a16="http://schemas.microsoft.com/office/drawing/2014/main" val="3189871482"/>
-                  </a:ext>
-                </a:extLst>
-              </a:tr>
-              <a:tr h="360000">
-                <a:tc>
-                  <a:txBody>
-                    <a:bodyPr/>
-                    <a:lstStyle/>
-                    <a:p>
-                      <a:r>
-                        <a:rPr lang="en-AU" dirty="0"/>
-                        <a:t>Repetition 1</a:t>
-                      </a:r>
-                    </a:p>
-                  </a:txBody>
-                  <a:tcPr/>
-                </a:tc>
-                <a:tc>
-                  <a:txBody>
-                    <a:bodyPr/>
-                    <a:lstStyle/>
-                    <a:p>
-                      <a:r>
-                        <a:rPr lang="en-AU" dirty="0"/>
-                        <a:t>Sim1</a:t>
-                      </a:r>
-                    </a:p>
-                  </a:txBody>
-                  <a:tcPr/>
-                </a:tc>
-                <a:tc>
-                  <a:txBody>
-                    <a:bodyPr/>
-                    <a:lstStyle/>
-                    <a:p>
-                      <a:r>
-                        <a:rPr lang="en-AU" dirty="0"/>
-                        <a:t>Sim2</a:t>
-                      </a:r>
-                    </a:p>
-                  </a:txBody>
-                  <a:tcPr/>
-                </a:tc>
-                <a:tc>
-                  <a:txBody>
-                    <a:bodyPr/>
-                    <a:lstStyle/>
-                    <a:p>
-                      <a:r>
-                        <a:rPr lang="en-AU" dirty="0"/>
-                        <a:t>Sim3</a:t>
-                      </a:r>
-                    </a:p>
-                  </a:txBody>
-                  <a:tcPr/>
-                </a:tc>
-                <a:tc>
-                  <a:txBody>
-                    <a:bodyPr/>
-                    <a:lstStyle/>
-                    <a:p>
-                      <a:r>
-                        <a:rPr lang="en-AU" dirty="0"/>
-                        <a:t>Sim4</a:t>
-                      </a:r>
-                    </a:p>
-                  </a:txBody>
-                  <a:tcPr/>
-                </a:tc>
-                <a:tc>
-                  <a:txBody>
-                    <a:bodyPr/>
-                    <a:lstStyle/>
-                    <a:p>
-                      <a:r>
-                        <a:rPr lang="en-AU" dirty="0"/>
-                        <a:t>Sim5</a:t>
-                      </a:r>
-                    </a:p>
-                  </a:txBody>
-                  <a:tcPr/>
-                </a:tc>
-                <a:tc>
-                  <a:txBody>
-                    <a:bodyPr/>
-                    <a:lstStyle/>
-                    <a:p>
-                      <a:r>
-                        <a:rPr lang="en-AU" dirty="0"/>
-                        <a:t>Sim6</a:t>
-                      </a:r>
-                    </a:p>
-                  </a:txBody>
-                  <a:tcPr/>
-                </a:tc>
-                <a:tc>
-                  <a:txBody>
-                    <a:bodyPr/>
-                    <a:lstStyle/>
-                    <a:p>
-                      <a:r>
-                        <a:rPr lang="en-AU" dirty="0"/>
-                        <a:t>~mtvN(easy)</a:t>
-                      </a:r>
-                    </a:p>
-                  </a:txBody>
-                  <a:tcPr/>
-                </a:tc>
-                <a:extLst>
-                  <a:ext uri="{0D108BD9-81ED-4DB2-BD59-A6C34878D82A}">
-                    <a16:rowId xmlns:a16="http://schemas.microsoft.com/office/drawing/2014/main" val="1288797883"/>
-                  </a:ext>
-                </a:extLst>
-              </a:tr>
-              <a:tr h="360000">
-                <a:tc>
-                  <a:txBody>
-                    <a:bodyPr/>
-                    <a:lstStyle/>
-                    <a:p>
-                      <a:r>
-                        <a:rPr lang="en-AU" dirty="0"/>
-                        <a:t>Repetition 2</a:t>
-                      </a:r>
-                    </a:p>
-                  </a:txBody>
-                  <a:tcPr/>
-                </a:tc>
-                <a:tc>
-                  <a:txBody>
-                    <a:bodyPr/>
-                    <a:lstStyle/>
-                    <a:p>
-                      <a:r>
-                        <a:rPr lang="en-AU" dirty="0"/>
-                        <a:t>Sim7</a:t>
-                      </a:r>
-                    </a:p>
-                  </a:txBody>
-                  <a:tcPr/>
-                </a:tc>
-                <a:tc>
-                  <a:txBody>
-                    <a:bodyPr/>
-                    <a:lstStyle/>
-                    <a:p>
-                      <a:r>
-                        <a:rPr lang="en-AU" dirty="0"/>
-                        <a:t>Sim8</a:t>
-                      </a:r>
-                    </a:p>
-                  </a:txBody>
-                  <a:tcPr/>
-                </a:tc>
-                <a:tc>
-                  <a:txBody>
-                    <a:bodyPr/>
-                    <a:lstStyle/>
-                    <a:p>
-                      <a:r>
-                        <a:rPr lang="en-AU" dirty="0"/>
-                        <a:t>Sim9</a:t>
-                      </a:r>
-                    </a:p>
-                  </a:txBody>
-                  <a:tcPr/>
-                </a:tc>
-                <a:tc>
-                  <a:txBody>
-                    <a:bodyPr/>
-                    <a:lstStyle/>
-                    <a:p>
-                      <a:r>
-                        <a:rPr lang="en-AU" dirty="0"/>
-                        <a:t>Sim10</a:t>
-                      </a:r>
-                    </a:p>
-                  </a:txBody>
-                  <a:tcPr/>
-                </a:tc>
-                <a:tc>
-                  <a:txBody>
-                    <a:bodyPr/>
-                    <a:lstStyle/>
-                    <a:p>
-                      <a:r>
-                        <a:rPr lang="en-AU" dirty="0"/>
-                        <a:t>Sim11</a:t>
-                      </a:r>
-                    </a:p>
-                  </a:txBody>
-                  <a:tcPr/>
-                </a:tc>
-                <a:tc>
-                  <a:txBody>
-                    <a:bodyPr/>
-                    <a:lstStyle/>
-                    <a:p>
-                      <a:r>
-                        <a:rPr lang="en-AU" dirty="0"/>
-                        <a:t>Sim12</a:t>
-                      </a:r>
-                    </a:p>
-                  </a:txBody>
-                  <a:tcPr/>
-                </a:tc>
-                <a:tc>
-                  <a:txBody>
-                    <a:bodyPr/>
-                    <a:lstStyle/>
-                    <a:p>
-                      <a:r>
-                        <a:rPr lang="en-AU" dirty="0"/>
-                        <a:t>~mtvΝ(hard1)</a:t>
-                      </a:r>
-                    </a:p>
-                  </a:txBody>
-                  <a:tcPr/>
-                </a:tc>
-                <a:extLst>
-                  <a:ext uri="{0D108BD9-81ED-4DB2-BD59-A6C34878D82A}">
-                    <a16:rowId xmlns:a16="http://schemas.microsoft.com/office/drawing/2014/main" val="304250112"/>
-                  </a:ext>
-                </a:extLst>
-              </a:tr>
-              <a:tr h="0">
-                <a:tc>
-                  <a:txBody>
-                    <a:bodyPr/>
-                    <a:lstStyle/>
-                    <a:p>
-                      <a:r>
-                        <a:rPr lang="en-AU" dirty="0"/>
-                        <a:t>Repetition 3</a:t>
-                      </a:r>
-                    </a:p>
-                  </a:txBody>
-                  <a:tcPr/>
-                </a:tc>
-                <a:tc>
-                  <a:txBody>
-                    <a:bodyPr/>
-                    <a:lstStyle/>
-                    <a:p>
-                      <a:r>
-                        <a:rPr lang="en-AU" dirty="0"/>
-                        <a:t>Sim13</a:t>
-                      </a:r>
-                    </a:p>
-                  </a:txBody>
-                  <a:tcPr/>
-                </a:tc>
-                <a:tc>
-                  <a:txBody>
-                    <a:bodyPr/>
-                    <a:lstStyle/>
-                    <a:p>
-                      <a:r>
-                        <a:rPr lang="en-AU" dirty="0"/>
-                        <a:t>Sim14</a:t>
-                      </a:r>
-                    </a:p>
-                  </a:txBody>
-                  <a:tcPr/>
-                </a:tc>
-                <a:tc>
-                  <a:txBody>
-                    <a:bodyPr/>
-                    <a:lstStyle/>
-                    <a:p>
-                      <a:r>
-                        <a:rPr lang="en-AU" dirty="0"/>
-                        <a:t>Sim15</a:t>
-                      </a:r>
-                    </a:p>
-                  </a:txBody>
-                  <a:tcPr/>
-                </a:tc>
-                <a:tc>
-                  <a:txBody>
-                    <a:bodyPr/>
-                    <a:lstStyle/>
-                    <a:p>
-                      <a:r>
-                        <a:rPr lang="en-AU" dirty="0"/>
-                        <a:t>Sim16</a:t>
-                      </a:r>
-                    </a:p>
-                  </a:txBody>
-                  <a:tcPr/>
-                </a:tc>
-                <a:tc>
-                  <a:txBody>
-                    <a:bodyPr/>
-                    <a:lstStyle/>
-                    <a:p>
-                      <a:r>
-                        <a:rPr lang="en-AU" dirty="0"/>
-                        <a:t>Sim17</a:t>
-                      </a:r>
-                    </a:p>
-                  </a:txBody>
-                  <a:tcPr/>
-                </a:tc>
-                <a:tc>
-                  <a:txBody>
-                    <a:bodyPr/>
-                    <a:lstStyle/>
-                    <a:p>
-                      <a:r>
-                        <a:rPr lang="en-AU" dirty="0"/>
-                        <a:t>Sim18</a:t>
-                      </a:r>
-                    </a:p>
-                  </a:txBody>
-                  <a:tcPr/>
-                </a:tc>
-                <a:tc>
-                  <a:txBody>
-                    <a:bodyPr/>
-                    <a:lstStyle/>
-                    <a:p>
-                      <a:r>
-                        <a:rPr lang="en-AU" dirty="0"/>
-                        <a:t>~mtvN(hard2)</a:t>
-                      </a:r>
-                    </a:p>
-                  </a:txBody>
-                  <a:tcPr/>
-                </a:tc>
-                <a:extLst>
-                  <a:ext uri="{0D108BD9-81ED-4DB2-BD59-A6C34878D82A}">
-                    <a16:rowId xmlns:a16="http://schemas.microsoft.com/office/drawing/2014/main" val="2370493989"/>
-                  </a:ext>
-                </a:extLst>
-              </a:tr>
-            </a:tbl>
-          </a:graphicData>
-        </a:graphic>
-      </p:graphicFrame>
-      <p:grpSp>
-        <p:nvGrpSpPr>
-          <p:cNvPr id="5" name="Group 4">
-            <a:extLst>
-              <a:ext uri="{FF2B5EF4-FFF2-40B4-BE49-F238E27FC236}">
-                <a16:creationId xmlns:a16="http://schemas.microsoft.com/office/drawing/2014/main" id="{3FE3C3C4-13C2-4C3E-BEB5-81EF20876CDC}"/>
-              </a:ext>
-            </a:extLst>
-          </p:cNvPr>
-          <p:cNvGrpSpPr/>
-          <p:nvPr/>
-        </p:nvGrpSpPr>
-        <p:grpSpPr>
-          <a:xfrm>
-            <a:off x="2902998" y="3062661"/>
-            <a:ext cx="5058245" cy="370856"/>
-            <a:chOff x="2902998" y="3062661"/>
-            <a:chExt cx="5058245" cy="370856"/>
-          </a:xfrm>
-        </p:grpSpPr>
-        <p:cxnSp>
-          <p:nvCxnSpPr>
-            <p:cNvPr id="4" name="Straight Connector 3">
-              <a:extLst>
-                <a:ext uri="{FF2B5EF4-FFF2-40B4-BE49-F238E27FC236}">
-                  <a16:creationId xmlns:a16="http://schemas.microsoft.com/office/drawing/2014/main" id="{8764B69E-BA77-429A-B681-8E2C0BB7E344}"/>
-                </a:ext>
-              </a:extLst>
-            </p:cNvPr>
-            <p:cNvCxnSpPr/>
-            <p:nvPr/>
-          </p:nvCxnSpPr>
-          <p:spPr>
-            <a:xfrm>
-              <a:off x="2902998" y="3062661"/>
-              <a:ext cx="0" cy="370856"/>
-            </a:xfrm>
-            <a:prstGeom prst="line">
-              <a:avLst/>
-            </a:prstGeom>
-            <a:ln w="28575">
-              <a:solidFill>
-                <a:schemeClr val="tx1"/>
-              </a:solidFill>
-              <a:prstDash val="dash"/>
-            </a:ln>
-          </p:spPr>
-          <p:style>
-            <a:lnRef idx="1">
-              <a:schemeClr val="accent1"/>
-            </a:lnRef>
-            <a:fillRef idx="0">
-              <a:schemeClr val="accent1"/>
-            </a:fillRef>
-            <a:effectRef idx="0">
-              <a:schemeClr val="accent1"/>
-            </a:effectRef>
-            <a:fontRef idx="minor">
-              <a:schemeClr val="tx1"/>
-            </a:fontRef>
-          </p:style>
-        </p:cxnSp>
-        <p:cxnSp>
-          <p:nvCxnSpPr>
-            <p:cNvPr id="8" name="Straight Connector 7">
-              <a:extLst>
-                <a:ext uri="{FF2B5EF4-FFF2-40B4-BE49-F238E27FC236}">
-                  <a16:creationId xmlns:a16="http://schemas.microsoft.com/office/drawing/2014/main" id="{5737FC28-2696-4EB1-AB61-74080ED4916C}"/>
-                </a:ext>
-              </a:extLst>
-            </p:cNvPr>
-            <p:cNvCxnSpPr/>
-            <p:nvPr/>
-          </p:nvCxnSpPr>
-          <p:spPr>
-            <a:xfrm>
-              <a:off x="4564602" y="3062661"/>
-              <a:ext cx="0" cy="370856"/>
-            </a:xfrm>
-            <a:prstGeom prst="line">
-              <a:avLst/>
-            </a:prstGeom>
-            <a:ln w="28575">
-              <a:solidFill>
-                <a:schemeClr val="tx1"/>
-              </a:solidFill>
-              <a:prstDash val="dash"/>
-            </a:ln>
-          </p:spPr>
-          <p:style>
-            <a:lnRef idx="1">
-              <a:schemeClr val="accent1"/>
-            </a:lnRef>
-            <a:fillRef idx="0">
-              <a:schemeClr val="accent1"/>
-            </a:fillRef>
-            <a:effectRef idx="0">
-              <a:schemeClr val="accent1"/>
-            </a:effectRef>
-            <a:fontRef idx="minor">
-              <a:schemeClr val="tx1"/>
-            </a:fontRef>
-          </p:style>
-        </p:cxnSp>
-        <p:cxnSp>
-          <p:nvCxnSpPr>
-            <p:cNvPr id="10" name="Straight Connector 9">
-              <a:extLst>
-                <a:ext uri="{FF2B5EF4-FFF2-40B4-BE49-F238E27FC236}">
-                  <a16:creationId xmlns:a16="http://schemas.microsoft.com/office/drawing/2014/main" id="{52C97FD3-668A-468A-9E69-284F5ED6D448}"/>
-                </a:ext>
-              </a:extLst>
-            </p:cNvPr>
-            <p:cNvCxnSpPr/>
-            <p:nvPr/>
-          </p:nvCxnSpPr>
-          <p:spPr>
-            <a:xfrm>
-              <a:off x="6277992" y="3062661"/>
-              <a:ext cx="0" cy="370856"/>
-            </a:xfrm>
-            <a:prstGeom prst="line">
-              <a:avLst/>
-            </a:prstGeom>
-            <a:ln w="28575">
-              <a:solidFill>
-                <a:schemeClr val="tx1"/>
-              </a:solidFill>
-              <a:prstDash val="dash"/>
-            </a:ln>
-          </p:spPr>
-          <p:style>
-            <a:lnRef idx="1">
-              <a:schemeClr val="accent1"/>
-            </a:lnRef>
-            <a:fillRef idx="0">
-              <a:schemeClr val="accent1"/>
-            </a:fillRef>
-            <a:effectRef idx="0">
-              <a:schemeClr val="accent1"/>
-            </a:effectRef>
-            <a:fontRef idx="minor">
-              <a:schemeClr val="tx1"/>
-            </a:fontRef>
-          </p:style>
-        </p:cxnSp>
-        <p:cxnSp>
-          <p:nvCxnSpPr>
-            <p:cNvPr id="11" name="Straight Connector 10">
-              <a:extLst>
-                <a:ext uri="{FF2B5EF4-FFF2-40B4-BE49-F238E27FC236}">
-                  <a16:creationId xmlns:a16="http://schemas.microsoft.com/office/drawing/2014/main" id="{83C01968-F948-4C0C-BD04-3A554E456599}"/>
-                </a:ext>
-              </a:extLst>
-            </p:cNvPr>
-            <p:cNvCxnSpPr/>
-            <p:nvPr/>
-          </p:nvCxnSpPr>
-          <p:spPr>
-            <a:xfrm>
-              <a:off x="7961243" y="3062661"/>
-              <a:ext cx="0" cy="370856"/>
-            </a:xfrm>
-            <a:prstGeom prst="line">
-              <a:avLst/>
-            </a:prstGeom>
-            <a:ln w="28575">
-              <a:solidFill>
-                <a:schemeClr val="tx1"/>
-              </a:solidFill>
-              <a:prstDash val="dash"/>
-            </a:ln>
-          </p:spPr>
-          <p:style>
-            <a:lnRef idx="1">
-              <a:schemeClr val="accent1"/>
-            </a:lnRef>
-            <a:fillRef idx="0">
-              <a:schemeClr val="accent1"/>
-            </a:fillRef>
-            <a:effectRef idx="0">
-              <a:schemeClr val="accent1"/>
-            </a:effectRef>
-            <a:fontRef idx="minor">
-              <a:schemeClr val="tx1"/>
-            </a:fontRef>
-          </p:style>
-        </p:cxnSp>
-      </p:grpSp>
-      <p:graphicFrame>
-        <p:nvGraphicFramePr>
-          <p:cNvPr id="6" name="Table 5">
-            <a:extLst>
-              <a:ext uri="{FF2B5EF4-FFF2-40B4-BE49-F238E27FC236}">
-                <a16:creationId xmlns:a16="http://schemas.microsoft.com/office/drawing/2014/main" id="{A3F26061-83F0-46E4-B0E4-8DC5B0FC8570}"/>
-              </a:ext>
-            </a:extLst>
-          </p:cNvPr>
-          <p:cNvGraphicFramePr>
-            <a:graphicFrameLocks noGrp="1"/>
-          </p:cNvGraphicFramePr>
-          <p:nvPr>
-            <p:extLst/>
-          </p:nvPr>
-        </p:nvGraphicFramePr>
-        <p:xfrm>
-          <a:off x="1562468" y="4847864"/>
-          <a:ext cx="6225905" cy="1483360"/>
-        </p:xfrm>
-        <a:graphic>
-          <a:graphicData uri="http://schemas.openxmlformats.org/drawingml/2006/table">
-            <a:tbl>
-              <a:tblPr firstRow="1" bandRow="1">
-                <a:tableStyleId>{5C22544A-7EE6-4342-B048-85BDC9FD1C3A}</a:tableStyleId>
-              </a:tblPr>
-              <a:tblGrid>
-                <a:gridCol w="955047">
-                  <a:extLst>
-                    <a:ext uri="{9D8B030D-6E8A-4147-A177-3AD203B41FA5}">
-                      <a16:colId xmlns:a16="http://schemas.microsoft.com/office/drawing/2014/main" val="1623098923"/>
-                    </a:ext>
-                  </a:extLst>
-                </a:gridCol>
-                <a:gridCol w="1357585">
-                  <a:extLst>
-                    <a:ext uri="{9D8B030D-6E8A-4147-A177-3AD203B41FA5}">
-                      <a16:colId xmlns:a16="http://schemas.microsoft.com/office/drawing/2014/main" val="1883872424"/>
-                    </a:ext>
-                  </a:extLst>
-                </a:gridCol>
-                <a:gridCol w="208280">
-                  <a:extLst>
-                    <a:ext uri="{9D8B030D-6E8A-4147-A177-3AD203B41FA5}">
-                      <a16:colId xmlns:a16="http://schemas.microsoft.com/office/drawing/2014/main" val="4067034447"/>
-                    </a:ext>
-                  </a:extLst>
-                </a:gridCol>
-                <a:gridCol w="896993">
-                  <a:extLst>
-                    <a:ext uri="{9D8B030D-6E8A-4147-A177-3AD203B41FA5}">
-                      <a16:colId xmlns:a16="http://schemas.microsoft.com/office/drawing/2014/main" val="1421016201"/>
-                    </a:ext>
-                  </a:extLst>
-                </a:gridCol>
-                <a:gridCol w="2808000">
-                  <a:extLst>
-                    <a:ext uri="{9D8B030D-6E8A-4147-A177-3AD203B41FA5}">
-                      <a16:colId xmlns:a16="http://schemas.microsoft.com/office/drawing/2014/main" val="1360828441"/>
-                    </a:ext>
-                  </a:extLst>
-                </a:gridCol>
-              </a:tblGrid>
-              <a:tr h="370840">
-                <a:tc>
-                  <a:txBody>
-                    <a:bodyPr/>
-                    <a:lstStyle/>
-                    <a:p>
-                      <a:pPr marL="0" algn="l" defTabSz="914400" rtl="0" eaLnBrk="1" latinLnBrk="0" hangingPunct="1"/>
-                      <a:endParaRPr lang="en-AU" sz="1800" kern="1200" dirty="0">
-                        <a:solidFill>
-                          <a:schemeClr val="dk1"/>
-                        </a:solidFill>
-                        <a:latin typeface="+mn-lt"/>
-                        <a:ea typeface="+mn-ea"/>
-                        <a:cs typeface="+mn-cs"/>
-                      </a:endParaRPr>
-                    </a:p>
-                  </a:txBody>
-                  <a:tcPr>
-                    <a:solidFill>
-                      <a:schemeClr val="bg1"/>
-                    </a:solidFill>
-                  </a:tcPr>
-                </a:tc>
-                <a:tc>
-                  <a:txBody>
-                    <a:bodyPr/>
-                    <a:lstStyle/>
-                    <a:p>
-                      <a:pPr marL="0" algn="l" defTabSz="914400" rtl="0" eaLnBrk="1" latinLnBrk="0" hangingPunct="1"/>
-                      <a:endParaRPr lang="en-AU" sz="1800" kern="1200" dirty="0">
-                        <a:solidFill>
-                          <a:schemeClr val="dk1"/>
-                        </a:solidFill>
-                        <a:latin typeface="+mn-lt"/>
-                        <a:ea typeface="+mn-ea"/>
-                        <a:cs typeface="+mn-cs"/>
-                      </a:endParaRPr>
-                    </a:p>
-                  </a:txBody>
-                  <a:tcPr>
-                    <a:solidFill>
-                      <a:schemeClr val="bg1"/>
-                    </a:solidFill>
-                  </a:tcPr>
-                </a:tc>
-                <a:tc>
-                  <a:txBody>
-                    <a:bodyPr/>
-                    <a:lstStyle/>
-                    <a:p>
-                      <a:pPr marL="0" algn="l" defTabSz="914400" rtl="0" eaLnBrk="1" latinLnBrk="0" hangingPunct="1"/>
-                      <a:endParaRPr lang="en-AU" sz="1800" kern="1200" dirty="0">
-                        <a:solidFill>
-                          <a:schemeClr val="dk1"/>
-                        </a:solidFill>
-                        <a:latin typeface="+mn-lt"/>
-                        <a:ea typeface="+mn-ea"/>
-                        <a:cs typeface="+mn-cs"/>
-                      </a:endParaRPr>
-                    </a:p>
-                  </a:txBody>
-                  <a:tcPr>
-                    <a:solidFill>
-                      <a:schemeClr val="bg1"/>
-                    </a:solidFill>
-                  </a:tcPr>
-                </a:tc>
-                <a:tc>
-                  <a:txBody>
-                    <a:bodyPr/>
-                    <a:lstStyle/>
-                    <a:p>
-                      <a:pPr marL="0" algn="l" defTabSz="914400" rtl="0" eaLnBrk="1" latinLnBrk="0" hangingPunct="1"/>
-                      <a:endParaRPr lang="en-AU" sz="1800" kern="1200" dirty="0">
-                        <a:solidFill>
-                          <a:schemeClr val="dk1"/>
-                        </a:solidFill>
-                        <a:latin typeface="+mn-lt"/>
-                        <a:ea typeface="+mn-ea"/>
-                        <a:cs typeface="+mn-cs"/>
-                      </a:endParaRPr>
-                    </a:p>
-                  </a:txBody>
-                  <a:tcPr>
-                    <a:solidFill>
-                      <a:schemeClr val="bg1"/>
-                    </a:solidFill>
-                  </a:tcPr>
-                </a:tc>
-                <a:tc>
-                  <a:txBody>
-                    <a:bodyPr/>
-                    <a:lstStyle/>
-                    <a:p>
-                      <a:pPr marL="0" algn="l" defTabSz="914400" rtl="0" eaLnBrk="1" latinLnBrk="0" hangingPunct="1"/>
-                      <a:endParaRPr lang="en-AU" sz="1800" kern="1200" dirty="0">
-                        <a:solidFill>
-                          <a:schemeClr val="dk1"/>
-                        </a:solidFill>
-                        <a:latin typeface="+mn-lt"/>
-                        <a:ea typeface="+mn-ea"/>
-                        <a:cs typeface="+mn-cs"/>
-                      </a:endParaRPr>
-                    </a:p>
-                  </a:txBody>
-                  <a:tcPr>
-                    <a:solidFill>
-                      <a:schemeClr val="bg1"/>
-                    </a:solidFill>
-                  </a:tcPr>
-                </a:tc>
-                <a:extLst>
-                  <a:ext uri="{0D108BD9-81ED-4DB2-BD59-A6C34878D82A}">
-                    <a16:rowId xmlns:a16="http://schemas.microsoft.com/office/drawing/2014/main" val="222219733"/>
-                  </a:ext>
-                </a:extLst>
-              </a:tr>
-              <a:tr h="370840">
-                <a:tc>
-                  <a:txBody>
-                    <a:bodyPr/>
-                    <a:lstStyle/>
-                    <a:p>
-                      <a:r>
-                        <a:rPr lang="en-AU" dirty="0"/>
-                        <a:t>Factor 1</a:t>
-                      </a:r>
-                    </a:p>
-                  </a:txBody>
-                  <a:tcPr/>
-                </a:tc>
-                <a:tc>
-                  <a:txBody>
-                    <a:bodyPr/>
-                    <a:lstStyle/>
-                    <a:p>
-                      <a:r>
-                        <a:rPr lang="en-AU" dirty="0"/>
-                        <a:t>PCA</a:t>
-                      </a:r>
-                    </a:p>
-                  </a:txBody>
-                  <a:tcPr/>
-                </a:tc>
-                <a:tc>
-                  <a:txBody>
-                    <a:bodyPr/>
-                    <a:lstStyle/>
-                    <a:p>
-                      <a:endParaRPr lang="en-AU" dirty="0"/>
-                    </a:p>
-                  </a:txBody>
-                  <a:tcPr/>
-                </a:tc>
-                <a:tc>
-                  <a:txBody>
-                    <a:bodyPr/>
-                    <a:lstStyle/>
-                    <a:p>
-                      <a:r>
-                        <a:rPr lang="en-AU" dirty="0"/>
-                        <a:t>Block 1</a:t>
-                      </a:r>
-                    </a:p>
-                  </a:txBody>
-                  <a:tcPr/>
-                </a:tc>
-                <a:tc>
-                  <a:txBody>
-                    <a:bodyPr/>
-                    <a:lstStyle/>
-                    <a:p>
-                      <a:r>
-                        <a:rPr lang="en-AU" dirty="0"/>
-                        <a:t>Number of clusters</a:t>
-                      </a:r>
-                    </a:p>
-                  </a:txBody>
-                  <a:tcPr/>
-                </a:tc>
-                <a:extLst>
-                  <a:ext uri="{0D108BD9-81ED-4DB2-BD59-A6C34878D82A}">
-                    <a16:rowId xmlns:a16="http://schemas.microsoft.com/office/drawing/2014/main" val="2938560685"/>
-                  </a:ext>
-                </a:extLst>
-              </a:tr>
-              <a:tr h="370840">
-                <a:tc>
-                  <a:txBody>
-                    <a:bodyPr/>
-                    <a:lstStyle/>
-                    <a:p>
-                      <a:r>
-                        <a:rPr lang="en-AU" dirty="0"/>
-                        <a:t>Factor 2</a:t>
-                      </a:r>
-                    </a:p>
-                  </a:txBody>
-                  <a:tcPr/>
-                </a:tc>
-                <a:tc>
-                  <a:txBody>
-                    <a:bodyPr/>
-                    <a:lstStyle/>
-                    <a:p>
-                      <a:r>
-                        <a:rPr lang="en-AU" dirty="0"/>
-                        <a:t>Grand tour</a:t>
-                      </a:r>
-                    </a:p>
-                  </a:txBody>
-                  <a:tcPr/>
-                </a:tc>
-                <a:tc>
-                  <a:txBody>
-                    <a:bodyPr/>
-                    <a:lstStyle/>
-                    <a:p>
-                      <a:endParaRPr lang="en-AU" dirty="0"/>
-                    </a:p>
-                  </a:txBody>
-                  <a:tcPr/>
-                </a:tc>
-                <a:tc rowSpan="2">
-                  <a:txBody>
-                    <a:bodyPr/>
-                    <a:lstStyle/>
-                    <a:p>
-                      <a:r>
-                        <a:rPr lang="en-AU" dirty="0"/>
-                        <a:t>Block 2</a:t>
-                      </a:r>
-                    </a:p>
-                  </a:txBody>
-                  <a:tcPr/>
-                </a:tc>
-                <a:tc rowSpan="2">
-                  <a:txBody>
-                    <a:bodyPr/>
-                    <a:lstStyle/>
-                    <a:p>
-                      <a:r>
-                        <a:rPr lang="en-AU" dirty="0"/>
-                        <a:t>Importance of each variable for distinguishing a cluster</a:t>
-                      </a:r>
-                    </a:p>
-                  </a:txBody>
-                  <a:tcPr/>
-                </a:tc>
-                <a:extLst>
-                  <a:ext uri="{0D108BD9-81ED-4DB2-BD59-A6C34878D82A}">
-                    <a16:rowId xmlns:a16="http://schemas.microsoft.com/office/drawing/2014/main" val="4223562969"/>
-                  </a:ext>
-                </a:extLst>
-              </a:tr>
-              <a:tr h="370840">
-                <a:tc>
-                  <a:txBody>
-                    <a:bodyPr/>
-                    <a:lstStyle/>
-                    <a:p>
-                      <a:r>
-                        <a:rPr lang="en-AU" dirty="0"/>
-                        <a:t>Factor 3</a:t>
-                      </a:r>
-                    </a:p>
-                  </a:txBody>
-                  <a:tcPr/>
-                </a:tc>
-                <a:tc>
-                  <a:txBody>
-                    <a:bodyPr/>
-                    <a:lstStyle/>
-                    <a:p>
-                      <a:r>
-                        <a:rPr lang="en-AU" dirty="0"/>
-                        <a:t>Manual tour</a:t>
-                      </a:r>
-                    </a:p>
-                  </a:txBody>
-                  <a:tcPr/>
-                </a:tc>
-                <a:tc>
-                  <a:txBody>
-                    <a:bodyPr/>
-                    <a:lstStyle/>
-                    <a:p>
-                      <a:endParaRPr lang="en-AU" dirty="0"/>
-                    </a:p>
-                  </a:txBody>
-                  <a:tcPr/>
-                </a:tc>
-                <a:tc vMerge="1">
-                  <a:txBody>
-                    <a:bodyPr/>
-                    <a:lstStyle/>
-                    <a:p>
-                      <a:endParaRPr lang="en-AU" dirty="0"/>
-                    </a:p>
-                  </a:txBody>
-                  <a:tcPr/>
-                </a:tc>
-                <a:tc vMerge="1">
-                  <a:txBody>
-                    <a:bodyPr/>
-                    <a:lstStyle/>
-                    <a:p>
-                      <a:endParaRPr lang="en-AU" dirty="0"/>
-                    </a:p>
-                  </a:txBody>
-                  <a:tcPr/>
-                </a:tc>
-                <a:extLst>
-                  <a:ext uri="{0D108BD9-81ED-4DB2-BD59-A6C34878D82A}">
-                    <a16:rowId xmlns:a16="http://schemas.microsoft.com/office/drawing/2014/main" val="1091866687"/>
-                  </a:ext>
-                </a:extLst>
-              </a:tr>
-            </a:tbl>
-          </a:graphicData>
-        </a:graphic>
-      </p:graphicFrame>
-      <p:sp>
-        <p:nvSpPr>
-          <p:cNvPr id="3" name="TextBox 2">
-            <a:extLst>
-              <a:ext uri="{FF2B5EF4-FFF2-40B4-BE49-F238E27FC236}">
-                <a16:creationId xmlns:a16="http://schemas.microsoft.com/office/drawing/2014/main" id="{F0822401-84D8-4054-B2EA-3FE78E43FF2E}"/>
-              </a:ext>
-            </a:extLst>
-          </p:cNvPr>
-          <p:cNvSpPr txBox="1"/>
+          <p:cNvSpPr/>
           <p:nvPr/>
         </p:nvSpPr>
         <p:spPr>
-          <a:xfrm>
-            <a:off x="9622653" y="3739654"/>
-            <a:ext cx="2495365" cy="1107996"/>
+          <a:xfrm rot="712059">
+            <a:off x="421244" y="1418702"/>
+            <a:ext cx="9862188" cy="1569660"/>
           </a:xfrm>
           <a:prstGeom prst="rect">
             <a:avLst/>
@@ -12674,67 +12820,29 @@
           <a:noFill/>
         </p:spPr>
         <p:txBody>
-          <a:bodyPr wrap="square" rtlCol="0">
+          <a:bodyPr wrap="none" lIns="91440" tIns="45720" rIns="91440" bIns="45720">
             <a:spAutoFit/>
           </a:bodyPr>
           <a:lstStyle/>
           <a:p>
+            <a:pPr algn="ctr"/>
             <a:r>
-              <a:rPr lang="en-AU" sz="2200" dirty="0"/>
-              <a:t>~(p=8, cl=3, np=5)</a:t>
-            </a:r>
-          </a:p>
-          <a:p>
-            <a:r>
-              <a:rPr lang="en-AU" sz="2200" dirty="0"/>
-              <a:t>~(p=8, cl=4, np=4)</a:t>
-            </a:r>
-          </a:p>
-          <a:p>
-            <a:r>
-              <a:rPr lang="en-AU" sz="2200" dirty="0"/>
-              <a:t>~(p=10, cl=4, np=5)</a:t>
-            </a:r>
-          </a:p>
-        </p:txBody>
-      </p:sp>
-      <p:sp>
-        <p:nvSpPr>
-          <p:cNvPr id="12" name="TextBox 11">
-            <a:extLst>
-              <a:ext uri="{FF2B5EF4-FFF2-40B4-BE49-F238E27FC236}">
-                <a16:creationId xmlns:a16="http://schemas.microsoft.com/office/drawing/2014/main" id="{C1CE658D-2B84-4D97-9B04-BE2E4F7BA3DE}"/>
-              </a:ext>
-            </a:extLst>
-          </p:cNvPr>
-          <p:cNvSpPr txBox="1"/>
-          <p:nvPr/>
-        </p:nvSpPr>
-        <p:spPr>
-          <a:xfrm>
-            <a:off x="9622653" y="5589544"/>
-            <a:ext cx="3124544" cy="769441"/>
-          </a:xfrm>
-          <a:prstGeom prst="rect">
-            <a:avLst/>
-          </a:prstGeom>
-          <a:noFill/>
-        </p:spPr>
-        <p:txBody>
-          <a:bodyPr wrap="square" rtlCol="0">
-            <a:spAutoFit/>
-          </a:bodyPr>
-          <a:lstStyle/>
-          <a:p>
-            <a:r>
-              <a:rPr lang="en-AU" sz="2200" dirty="0"/>
-              <a:t>Sim119~(p=6, cl=3, np=2)</a:t>
-            </a:r>
-          </a:p>
-          <a:p>
-            <a:r>
-              <a:rPr lang="en-AU" sz="2200" dirty="0"/>
-              <a:t>Sim120~(p=6, cl=3, np=2)</a:t>
+              <a:rPr lang="en-US" sz="9600" b="1" cap="none" spc="0" dirty="0">
+                <a:ln w="22225">
+                  <a:solidFill>
+                    <a:schemeClr val="accent2"/>
+                  </a:solidFill>
+                  <a:prstDash val="solid"/>
+                </a:ln>
+                <a:solidFill>
+                  <a:schemeClr val="accent2">
+                    <a:lumMod val="40000"/>
+                    <a:lumOff val="60000"/>
+                  </a:schemeClr>
+                </a:solidFill>
+                <a:effectLst/>
+              </a:rPr>
+              <a:t>OLD – DO NOT USE</a:t>
             </a:r>
           </a:p>
         </p:txBody>
@@ -13653,6 +13761,56 @@
           </a:graphicData>
         </a:graphic>
       </p:graphicFrame>
+      <p:sp>
+        <p:nvSpPr>
+          <p:cNvPr id="5" name="Rectangle 4">
+            <a:extLst>
+              <a:ext uri="{FF2B5EF4-FFF2-40B4-BE49-F238E27FC236}">
+                <a16:creationId xmlns:a16="http://schemas.microsoft.com/office/drawing/2014/main" id="{AD43418D-26D7-4635-A285-EF8631360D5B}"/>
+              </a:ext>
+            </a:extLst>
+          </p:cNvPr>
+          <p:cNvSpPr/>
+          <p:nvPr/>
+        </p:nvSpPr>
+        <p:spPr>
+          <a:xfrm rot="712059">
+            <a:off x="421244" y="1418702"/>
+            <a:ext cx="9862188" cy="1569660"/>
+          </a:xfrm>
+          <a:prstGeom prst="rect">
+            <a:avLst/>
+          </a:prstGeom>
+          <a:noFill/>
+        </p:spPr>
+        <p:txBody>
+          <a:bodyPr wrap="none" lIns="91440" tIns="45720" rIns="91440" bIns="45720">
+            <a:spAutoFit/>
+          </a:bodyPr>
+          <a:lstStyle/>
+          <a:p>
+            <a:pPr algn="ctr"/>
+            <a:r>
+              <a:rPr lang="en-US" sz="9600" b="1" cap="none" spc="0" dirty="0">
+                <a:ln w="22225">
+                  <a:solidFill>
+                    <a:schemeClr val="accent2"/>
+                  </a:solidFill>
+                  <a:prstDash val="solid"/>
+                </a:ln>
+                <a:solidFill>
+                  <a:schemeClr val="accent2">
+                    <a:lumMod val="40000"/>
+                    <a:lumOff val="60000"/>
+                  </a:schemeClr>
+                </a:solidFill>
+                <a:effectLst/>
+              </a:rPr>
+              <a:t>OLD – DO NOT USE</a:t>
+            </a:r>
+          </a:p>
+        </p:txBody>
+      </p:sp>
     </p:spTree>
     <p:extLst>
       <p:ext uri="{BB962C8B-B14F-4D97-AF65-F5344CB8AC3E}">

--- a/paper/figures/Experimental design graphics.pptx
+++ b/paper/figures/Experimental design graphics.pptx
@@ -10,6 +10,7 @@
     <p:sldId id="258" r:id="rId4"/>
     <p:sldId id="260" r:id="rId5"/>
     <p:sldId id="257" r:id="rId6"/>
+    <p:sldId id="263" r:id="rId7"/>
   </p:sldIdLst>
   <p:sldSz cx="12192000" cy="6858000"/>
   <p:notesSz cx="6858000" cy="9144000"/>
@@ -277,7 +278,7 @@
           <a:p>
             <a:fld id="{B25803F7-6624-424E-B78C-2F27C4BCE53D}" type="datetimeFigureOut">
               <a:rPr lang="en-AU" smtClean="0"/>
-              <a:t>7/01/2020</a:t>
+              <a:t>15/01/2020</a:t>
             </a:fld>
             <a:endParaRPr lang="en-AU"/>
           </a:p>
@@ -477,7 +478,7 @@
           <a:p>
             <a:fld id="{B25803F7-6624-424E-B78C-2F27C4BCE53D}" type="datetimeFigureOut">
               <a:rPr lang="en-AU" smtClean="0"/>
-              <a:t>7/01/2020</a:t>
+              <a:t>15/01/2020</a:t>
             </a:fld>
             <a:endParaRPr lang="en-AU"/>
           </a:p>
@@ -687,7 +688,7 @@
           <a:p>
             <a:fld id="{B25803F7-6624-424E-B78C-2F27C4BCE53D}" type="datetimeFigureOut">
               <a:rPr lang="en-AU" smtClean="0"/>
-              <a:t>7/01/2020</a:t>
+              <a:t>15/01/2020</a:t>
             </a:fld>
             <a:endParaRPr lang="en-AU"/>
           </a:p>
@@ -887,7 +888,7 @@
           <a:p>
             <a:fld id="{B25803F7-6624-424E-B78C-2F27C4BCE53D}" type="datetimeFigureOut">
               <a:rPr lang="en-AU" smtClean="0"/>
-              <a:t>7/01/2020</a:t>
+              <a:t>15/01/2020</a:t>
             </a:fld>
             <a:endParaRPr lang="en-AU"/>
           </a:p>
@@ -1163,7 +1164,7 @@
           <a:p>
             <a:fld id="{B25803F7-6624-424E-B78C-2F27C4BCE53D}" type="datetimeFigureOut">
               <a:rPr lang="en-AU" smtClean="0"/>
-              <a:t>7/01/2020</a:t>
+              <a:t>15/01/2020</a:t>
             </a:fld>
             <a:endParaRPr lang="en-AU"/>
           </a:p>
@@ -1431,7 +1432,7 @@
           <a:p>
             <a:fld id="{B25803F7-6624-424E-B78C-2F27C4BCE53D}" type="datetimeFigureOut">
               <a:rPr lang="en-AU" smtClean="0"/>
-              <a:t>7/01/2020</a:t>
+              <a:t>15/01/2020</a:t>
             </a:fld>
             <a:endParaRPr lang="en-AU"/>
           </a:p>
@@ -1846,7 +1847,7 @@
           <a:p>
             <a:fld id="{B25803F7-6624-424E-B78C-2F27C4BCE53D}" type="datetimeFigureOut">
               <a:rPr lang="en-AU" smtClean="0"/>
-              <a:t>7/01/2020</a:t>
+              <a:t>15/01/2020</a:t>
             </a:fld>
             <a:endParaRPr lang="en-AU"/>
           </a:p>
@@ -1988,7 +1989,7 @@
           <a:p>
             <a:fld id="{B25803F7-6624-424E-B78C-2F27C4BCE53D}" type="datetimeFigureOut">
               <a:rPr lang="en-AU" smtClean="0"/>
-              <a:t>7/01/2020</a:t>
+              <a:t>15/01/2020</a:t>
             </a:fld>
             <a:endParaRPr lang="en-AU"/>
           </a:p>
@@ -2101,7 +2102,7 @@
           <a:p>
             <a:fld id="{B25803F7-6624-424E-B78C-2F27C4BCE53D}" type="datetimeFigureOut">
               <a:rPr lang="en-AU" smtClean="0"/>
-              <a:t>7/01/2020</a:t>
+              <a:t>15/01/2020</a:t>
             </a:fld>
             <a:endParaRPr lang="en-AU"/>
           </a:p>
@@ -2414,7 +2415,7 @@
           <a:p>
             <a:fld id="{B25803F7-6624-424E-B78C-2F27C4BCE53D}" type="datetimeFigureOut">
               <a:rPr lang="en-AU" smtClean="0"/>
-              <a:t>7/01/2020</a:t>
+              <a:t>15/01/2020</a:t>
             </a:fld>
             <a:endParaRPr lang="en-AU"/>
           </a:p>
@@ -2703,7 +2704,7 @@
           <a:p>
             <a:fld id="{B25803F7-6624-424E-B78C-2F27C4BCE53D}" type="datetimeFigureOut">
               <a:rPr lang="en-AU" smtClean="0"/>
-              <a:t>7/01/2020</a:t>
+              <a:t>15/01/2020</a:t>
             </a:fld>
             <a:endParaRPr lang="en-AU"/>
           </a:p>
@@ -2946,7 +2947,7 @@
           <a:p>
             <a:fld id="{B25803F7-6624-424E-B78C-2F27C4BCE53D}" type="datetimeFigureOut">
               <a:rPr lang="en-AU" smtClean="0"/>
-              <a:t>7/01/2020</a:t>
+              <a:t>15/01/2020</a:t>
             </a:fld>
             <a:endParaRPr lang="en-AU"/>
           </a:p>
@@ -3909,7 +3910,7 @@
           <p:nvPr>
             <p:extLst>
               <p:ext uri="{D42A27DB-BD31-4B8C-83A1-F6EECF244321}">
-                <p14:modId xmlns:p14="http://schemas.microsoft.com/office/powerpoint/2010/main" val="3729027227"/>
+                <p14:modId xmlns:p14="http://schemas.microsoft.com/office/powerpoint/2010/main" val="3342091802"/>
               </p:ext>
             </p:extLst>
           </p:nvPr>
@@ -4106,7 +4107,7 @@
                     <a:p>
                       <a:r>
                         <a:rPr lang="en-AU" dirty="0"/>
-                        <a:t>Difficulty  1</a:t>
+                        <a:t>Block 1</a:t>
                       </a:r>
                     </a:p>
                   </a:txBody>
@@ -4225,7 +4226,7 @@
                     <a:p>
                       <a:r>
                         <a:rPr lang="en-AU" dirty="0"/>
-                        <a:t>Difficulty 2</a:t>
+                        <a:t>Block 2</a:t>
                       </a:r>
                     </a:p>
                   </a:txBody>
@@ -4344,7 +4345,7 @@
                     <a:p>
                       <a:r>
                         <a:rPr lang="en-AU" dirty="0"/>
-                        <a:t>Difficulty 3</a:t>
+                        <a:t>Block 3</a:t>
                       </a:r>
                     </a:p>
                   </a:txBody>
@@ -6880,7 +6881,7 @@
           <p:nvPr>
             <p:extLst>
               <p:ext uri="{D42A27DB-BD31-4B8C-83A1-F6EECF244321}">
-                <p14:modId xmlns:p14="http://schemas.microsoft.com/office/powerpoint/2010/main" val="2938888582"/>
+                <p14:modId xmlns:p14="http://schemas.microsoft.com/office/powerpoint/2010/main" val="1186436087"/>
               </p:ext>
             </p:extLst>
           </p:nvPr>
@@ -7069,7 +7070,7 @@
                     <a:p>
                       <a:r>
                         <a:rPr lang="en-AU" dirty="0"/>
-                        <a:t>Repetition 1</a:t>
+                        <a:t>Block 1</a:t>
                       </a:r>
                     </a:p>
                   </a:txBody>
@@ -7180,7 +7181,7 @@
                     <a:p>
                       <a:r>
                         <a:rPr lang="en-AU" dirty="0"/>
-                        <a:t>Repetition 2</a:t>
+                        <a:t>Block 2</a:t>
                       </a:r>
                     </a:p>
                   </a:txBody>
@@ -7291,7 +7292,7 @@
                     <a:p>
                       <a:r>
                         <a:rPr lang="en-AU" dirty="0"/>
-                        <a:t>Repetition 3</a:t>
+                        <a:t>Block 3</a:t>
                       </a:r>
                     </a:p>
                   </a:txBody>
@@ -13740,12 +13741,8 @@
                     <a:lstStyle/>
                     <a:p>
                       <a:r>
-                        <a:rPr lang="en-AU"/>
-                        <a:t>~Sim(</a:t>
-                      </a:r>
-                      <a:r>
-                        <a:rPr lang="en-AU" dirty="0"/>
-                        <a:t>hard2)</a:t>
+                        <a:rPr lang="en-AU" dirty="0"/>
+                        <a:t>~Sim(hard2)</a:t>
                       </a:r>
                     </a:p>
                   </a:txBody>
@@ -13815,6 +13812,1214 @@
     <p:extLst>
       <p:ext uri="{BB962C8B-B14F-4D97-AF65-F5344CB8AC3E}">
         <p14:creationId xmlns:p14="http://schemas.microsoft.com/office/powerpoint/2010/main" val="654743705"/>
+      </p:ext>
+    </p:extLst>
+  </p:cSld>
+  <p:clrMapOvr>
+    <a:masterClrMapping/>
+  </p:clrMapOvr>
+</p:sld>
+</file>
+
+<file path=ppt/slides/slide6.xml><?xml version="1.0" encoding="utf-8"?>
+<p:sld xmlns:a="http://schemas.openxmlformats.org/drawingml/2006/main" xmlns:r="http://schemas.openxmlformats.org/officeDocument/2006/relationships" xmlns:p="http://schemas.openxmlformats.org/presentationml/2006/main">
+  <p:cSld>
+    <p:spTree>
+      <p:nvGrpSpPr>
+        <p:cNvPr id="1" name=""/>
+        <p:cNvGrpSpPr/>
+        <p:nvPr/>
+      </p:nvGrpSpPr>
+      <p:grpSpPr>
+        <a:xfrm>
+          <a:off x="0" y="0"/>
+          <a:ext cx="0" cy="0"/>
+          <a:chOff x="0" y="0"/>
+          <a:chExt cx="0" cy="0"/>
+        </a:xfrm>
+      </p:grpSpPr>
+      <p:sp>
+        <p:nvSpPr>
+          <p:cNvPr id="2" name="Title 1">
+            <a:extLst>
+              <a:ext uri="{FF2B5EF4-FFF2-40B4-BE49-F238E27FC236}">
+                <a16:creationId xmlns:a16="http://schemas.microsoft.com/office/drawing/2014/main" id="{74487BE2-BC4D-4498-A110-9235F7F22884}"/>
+              </a:ext>
+            </a:extLst>
+          </p:cNvPr>
+          <p:cNvSpPr>
+            <a:spLocks noGrp="1"/>
+          </p:cNvSpPr>
+          <p:nvPr>
+            <p:ph type="title"/>
+          </p:nvPr>
+        </p:nvSpPr>
+        <p:spPr/>
+        <p:txBody>
+          <a:bodyPr/>
+          <a:lstStyle/>
+          <a:p>
+            <a:r>
+              <a:rPr lang="en-US" dirty="0"/>
+              <a:t>SCRATCH PAD FOR RENUMBERING SIMS</a:t>
+            </a:r>
+            <a:endParaRPr lang="en-AU" dirty="0"/>
+          </a:p>
+        </p:txBody>
+      </p:sp>
+      <p:sp>
+        <p:nvSpPr>
+          <p:cNvPr id="3" name="Content Placeholder 2">
+            <a:extLst>
+              <a:ext uri="{FF2B5EF4-FFF2-40B4-BE49-F238E27FC236}">
+                <a16:creationId xmlns:a16="http://schemas.microsoft.com/office/drawing/2014/main" id="{84939406-DD1C-4A46-8909-CE5503DBBA18}"/>
+              </a:ext>
+            </a:extLst>
+          </p:cNvPr>
+          <p:cNvSpPr>
+            <a:spLocks noGrp="1"/>
+          </p:cNvSpPr>
+          <p:nvPr>
+            <p:ph idx="1"/>
+          </p:nvPr>
+        </p:nvSpPr>
+        <p:spPr/>
+        <p:txBody>
+          <a:bodyPr/>
+          <a:lstStyle/>
+          <a:p>
+            <a:r>
+              <a:rPr lang="en-US" dirty="0"/>
+              <a:t>Source:</a:t>
+            </a:r>
+          </a:p>
+          <a:p>
+            <a:endParaRPr lang="en-US" dirty="0"/>
+          </a:p>
+          <a:p>
+            <a:endParaRPr lang="en-US" dirty="0"/>
+          </a:p>
+          <a:p>
+            <a:pPr marL="0" indent="0">
+              <a:buNone/>
+            </a:pPr>
+            <a:endParaRPr lang="en-US" dirty="0"/>
+          </a:p>
+          <a:p>
+            <a:r>
+              <a:rPr lang="en-US" dirty="0"/>
+              <a:t>Target:</a:t>
+            </a:r>
+            <a:endParaRPr lang="en-AU" dirty="0"/>
+          </a:p>
+        </p:txBody>
+      </p:sp>
+      <p:graphicFrame>
+        <p:nvGraphicFramePr>
+          <p:cNvPr id="4" name="Table 3">
+            <a:extLst>
+              <a:ext uri="{FF2B5EF4-FFF2-40B4-BE49-F238E27FC236}">
+                <a16:creationId xmlns:a16="http://schemas.microsoft.com/office/drawing/2014/main" id="{985C6C95-9439-4ABB-B6CA-4607FA9FFB6C}"/>
+              </a:ext>
+            </a:extLst>
+          </p:cNvPr>
+          <p:cNvGraphicFramePr>
+            <a:graphicFrameLocks noGrp="1"/>
+          </p:cNvGraphicFramePr>
+          <p:nvPr>
+            <p:extLst>
+              <p:ext uri="{D42A27DB-BD31-4B8C-83A1-F6EECF244321}">
+                <p14:modId xmlns:p14="http://schemas.microsoft.com/office/powerpoint/2010/main" val="4023087891"/>
+              </p:ext>
+            </p:extLst>
+          </p:nvPr>
+        </p:nvGraphicFramePr>
+        <p:xfrm>
+          <a:off x="1109708" y="2272682"/>
+          <a:ext cx="7128001" cy="1463040"/>
+        </p:xfrm>
+        <a:graphic>
+          <a:graphicData uri="http://schemas.openxmlformats.org/drawingml/2006/table">
+            <a:tbl>
+              <a:tblPr firstRow="1" bandRow="1">
+                <a:tableStyleId>{5C22544A-7EE6-4342-B048-85BDC9FD1C3A}</a:tableStyleId>
+              </a:tblPr>
+              <a:tblGrid>
+                <a:gridCol w="770092">
+                  <a:extLst>
+                    <a:ext uri="{9D8B030D-6E8A-4147-A177-3AD203B41FA5}">
+                      <a16:colId xmlns:a16="http://schemas.microsoft.com/office/drawing/2014/main" val="2272940236"/>
+                    </a:ext>
+                  </a:extLst>
+                </a:gridCol>
+                <a:gridCol w="796647">
+                  <a:extLst>
+                    <a:ext uri="{9D8B030D-6E8A-4147-A177-3AD203B41FA5}">
+                      <a16:colId xmlns:a16="http://schemas.microsoft.com/office/drawing/2014/main" val="2757630649"/>
+                    </a:ext>
+                  </a:extLst>
+                </a:gridCol>
+                <a:gridCol w="787794">
+                  <a:extLst>
+                    <a:ext uri="{9D8B030D-6E8A-4147-A177-3AD203B41FA5}">
+                      <a16:colId xmlns:a16="http://schemas.microsoft.com/office/drawing/2014/main" val="3466847723"/>
+                    </a:ext>
+                  </a:extLst>
+                </a:gridCol>
+                <a:gridCol w="796647">
+                  <a:extLst>
+                    <a:ext uri="{9D8B030D-6E8A-4147-A177-3AD203B41FA5}">
+                      <a16:colId xmlns:a16="http://schemas.microsoft.com/office/drawing/2014/main" val="37018863"/>
+                    </a:ext>
+                  </a:extLst>
+                </a:gridCol>
+                <a:gridCol w="796647">
+                  <a:extLst>
+                    <a:ext uri="{9D8B030D-6E8A-4147-A177-3AD203B41FA5}">
+                      <a16:colId xmlns:a16="http://schemas.microsoft.com/office/drawing/2014/main" val="404444310"/>
+                    </a:ext>
+                  </a:extLst>
+                </a:gridCol>
+                <a:gridCol w="796647">
+                  <a:extLst>
+                    <a:ext uri="{9D8B030D-6E8A-4147-A177-3AD203B41FA5}">
+                      <a16:colId xmlns:a16="http://schemas.microsoft.com/office/drawing/2014/main" val="3782919050"/>
+                    </a:ext>
+                  </a:extLst>
+                </a:gridCol>
+                <a:gridCol w="796647">
+                  <a:extLst>
+                    <a:ext uri="{9D8B030D-6E8A-4147-A177-3AD203B41FA5}">
+                      <a16:colId xmlns:a16="http://schemas.microsoft.com/office/drawing/2014/main" val="1327298383"/>
+                    </a:ext>
+                  </a:extLst>
+                </a:gridCol>
+                <a:gridCol w="1586880">
+                  <a:extLst>
+                    <a:ext uri="{9D8B030D-6E8A-4147-A177-3AD203B41FA5}">
+                      <a16:colId xmlns:a16="http://schemas.microsoft.com/office/drawing/2014/main" val="3798089852"/>
+                    </a:ext>
+                  </a:extLst>
+                </a:gridCol>
+              </a:tblGrid>
+              <a:tr h="360000">
+                <a:tc>
+                  <a:txBody>
+                    <a:bodyPr/>
+                    <a:lstStyle/>
+                    <a:p>
+                      <a:endParaRPr lang="en-AU" dirty="0"/>
+                    </a:p>
+                  </a:txBody>
+                  <a:tcPr/>
+                </a:tc>
+                <a:tc>
+                  <a:txBody>
+                    <a:bodyPr/>
+                    <a:lstStyle/>
+                    <a:p>
+                      <a:r>
+                        <a:rPr lang="en-AU" dirty="0"/>
+                        <a:t>P1.B1</a:t>
+                      </a:r>
+                    </a:p>
+                  </a:txBody>
+                  <a:tcPr/>
+                </a:tc>
+                <a:tc>
+                  <a:txBody>
+                    <a:bodyPr/>
+                    <a:lstStyle/>
+                    <a:p>
+                      <a:r>
+                        <a:rPr lang="en-AU" dirty="0"/>
+                        <a:t>P1.B2</a:t>
+                      </a:r>
+                    </a:p>
+                  </a:txBody>
+                  <a:tcPr/>
+                </a:tc>
+                <a:tc>
+                  <a:txBody>
+                    <a:bodyPr/>
+                    <a:lstStyle/>
+                    <a:p>
+                      <a:r>
+                        <a:rPr lang="en-AU" dirty="0"/>
+                        <a:t>P2.B1</a:t>
+                      </a:r>
+                    </a:p>
+                  </a:txBody>
+                  <a:tcPr/>
+                </a:tc>
+                <a:tc>
+                  <a:txBody>
+                    <a:bodyPr/>
+                    <a:lstStyle/>
+                    <a:p>
+                      <a:r>
+                        <a:rPr lang="en-AU" dirty="0"/>
+                        <a:t>P2.B2</a:t>
+                      </a:r>
+                    </a:p>
+                  </a:txBody>
+                  <a:tcPr/>
+                </a:tc>
+                <a:tc>
+                  <a:txBody>
+                    <a:bodyPr/>
+                    <a:lstStyle/>
+                    <a:p>
+                      <a:r>
+                        <a:rPr lang="en-AU" dirty="0"/>
+                        <a:t>P2.B1</a:t>
+                      </a:r>
+                    </a:p>
+                  </a:txBody>
+                  <a:tcPr/>
+                </a:tc>
+                <a:tc>
+                  <a:txBody>
+                    <a:bodyPr/>
+                    <a:lstStyle/>
+                    <a:p>
+                      <a:r>
+                        <a:rPr lang="en-AU" dirty="0"/>
+                        <a:t>P2.B2</a:t>
+                      </a:r>
+                    </a:p>
+                  </a:txBody>
+                  <a:tcPr/>
+                </a:tc>
+                <a:tc>
+                  <a:txBody>
+                    <a:bodyPr/>
+                    <a:lstStyle/>
+                    <a:p>
+                      <a:r>
+                        <a:rPr lang="en-AU" dirty="0"/>
+                        <a:t>Distribution</a:t>
+                      </a:r>
+                    </a:p>
+                  </a:txBody>
+                  <a:tcPr/>
+                </a:tc>
+                <a:extLst>
+                  <a:ext uri="{0D108BD9-81ED-4DB2-BD59-A6C34878D82A}">
+                    <a16:rowId xmlns:a16="http://schemas.microsoft.com/office/drawing/2014/main" val="3189871482"/>
+                  </a:ext>
+                </a:extLst>
+              </a:tr>
+              <a:tr h="360000">
+                <a:tc>
+                  <a:txBody>
+                    <a:bodyPr/>
+                    <a:lstStyle/>
+                    <a:p>
+                      <a:r>
+                        <a:rPr lang="en-AU" dirty="0"/>
+                        <a:t>Rep1</a:t>
+                      </a:r>
+                    </a:p>
+                  </a:txBody>
+                  <a:tcPr/>
+                </a:tc>
+                <a:tc>
+                  <a:txBody>
+                    <a:bodyPr/>
+                    <a:lstStyle/>
+                    <a:p>
+                      <a:r>
+                        <a:rPr lang="en-AU" dirty="0"/>
+                        <a:t>Sim1</a:t>
+                      </a:r>
+                    </a:p>
+                  </a:txBody>
+                  <a:tcPr/>
+                </a:tc>
+                <a:tc>
+                  <a:txBody>
+                    <a:bodyPr/>
+                    <a:lstStyle/>
+                    <a:p>
+                      <a:r>
+                        <a:rPr lang="en-AU" dirty="0"/>
+                        <a:t>Sim2</a:t>
+                      </a:r>
+                    </a:p>
+                  </a:txBody>
+                  <a:tcPr/>
+                </a:tc>
+                <a:tc>
+                  <a:txBody>
+                    <a:bodyPr/>
+                    <a:lstStyle/>
+                    <a:p>
+                      <a:r>
+                        <a:rPr lang="en-AU" dirty="0"/>
+                        <a:t>Sim3</a:t>
+                      </a:r>
+                    </a:p>
+                  </a:txBody>
+                  <a:tcPr/>
+                </a:tc>
+                <a:tc>
+                  <a:txBody>
+                    <a:bodyPr/>
+                    <a:lstStyle/>
+                    <a:p>
+                      <a:r>
+                        <a:rPr lang="en-AU" dirty="0"/>
+                        <a:t>Sim4</a:t>
+                      </a:r>
+                    </a:p>
+                  </a:txBody>
+                  <a:tcPr/>
+                </a:tc>
+                <a:tc>
+                  <a:txBody>
+                    <a:bodyPr/>
+                    <a:lstStyle/>
+                    <a:p>
+                      <a:r>
+                        <a:rPr lang="en-AU" dirty="0"/>
+                        <a:t>Sim5</a:t>
+                      </a:r>
+                    </a:p>
+                  </a:txBody>
+                  <a:tcPr/>
+                </a:tc>
+                <a:tc>
+                  <a:txBody>
+                    <a:bodyPr/>
+                    <a:lstStyle/>
+                    <a:p>
+                      <a:r>
+                        <a:rPr lang="en-AU" dirty="0"/>
+                        <a:t>Sim6</a:t>
+                      </a:r>
+                    </a:p>
+                  </a:txBody>
+                  <a:tcPr/>
+                </a:tc>
+                <a:tc>
+                  <a:txBody>
+                    <a:bodyPr/>
+                    <a:lstStyle/>
+                    <a:p>
+                      <a:r>
+                        <a:rPr lang="en-AU" dirty="0"/>
+                        <a:t>~Sim(easy)</a:t>
+                      </a:r>
+                    </a:p>
+                  </a:txBody>
+                  <a:tcPr/>
+                </a:tc>
+                <a:extLst>
+                  <a:ext uri="{0D108BD9-81ED-4DB2-BD59-A6C34878D82A}">
+                    <a16:rowId xmlns:a16="http://schemas.microsoft.com/office/drawing/2014/main" val="1288797883"/>
+                  </a:ext>
+                </a:extLst>
+              </a:tr>
+              <a:tr h="360000">
+                <a:tc>
+                  <a:txBody>
+                    <a:bodyPr/>
+                    <a:lstStyle/>
+                    <a:p>
+                      <a:r>
+                        <a:rPr lang="en-AU" dirty="0"/>
+                        <a:t>Rep2</a:t>
+                      </a:r>
+                    </a:p>
+                  </a:txBody>
+                  <a:tcPr/>
+                </a:tc>
+                <a:tc>
+                  <a:txBody>
+                    <a:bodyPr/>
+                    <a:lstStyle/>
+                    <a:p>
+                      <a:r>
+                        <a:rPr lang="en-AU" dirty="0"/>
+                        <a:t>Sim7</a:t>
+                      </a:r>
+                    </a:p>
+                  </a:txBody>
+                  <a:tcPr/>
+                </a:tc>
+                <a:tc>
+                  <a:txBody>
+                    <a:bodyPr/>
+                    <a:lstStyle/>
+                    <a:p>
+                      <a:r>
+                        <a:rPr lang="en-AU" dirty="0"/>
+                        <a:t>Sim8</a:t>
+                      </a:r>
+                    </a:p>
+                  </a:txBody>
+                  <a:tcPr/>
+                </a:tc>
+                <a:tc>
+                  <a:txBody>
+                    <a:bodyPr/>
+                    <a:lstStyle/>
+                    <a:p>
+                      <a:r>
+                        <a:rPr lang="en-AU" dirty="0"/>
+                        <a:t>Sim9</a:t>
+                      </a:r>
+                    </a:p>
+                  </a:txBody>
+                  <a:tcPr/>
+                </a:tc>
+                <a:tc>
+                  <a:txBody>
+                    <a:bodyPr/>
+                    <a:lstStyle/>
+                    <a:p>
+                      <a:r>
+                        <a:rPr lang="en-AU" dirty="0"/>
+                        <a:t>Sim10</a:t>
+                      </a:r>
+                    </a:p>
+                  </a:txBody>
+                  <a:tcPr/>
+                </a:tc>
+                <a:tc>
+                  <a:txBody>
+                    <a:bodyPr/>
+                    <a:lstStyle/>
+                    <a:p>
+                      <a:r>
+                        <a:rPr lang="en-AU" dirty="0"/>
+                        <a:t>Sim11</a:t>
+                      </a:r>
+                    </a:p>
+                  </a:txBody>
+                  <a:tcPr/>
+                </a:tc>
+                <a:tc>
+                  <a:txBody>
+                    <a:bodyPr/>
+                    <a:lstStyle/>
+                    <a:p>
+                      <a:r>
+                        <a:rPr lang="en-AU" dirty="0"/>
+                        <a:t>Sim12</a:t>
+                      </a:r>
+                    </a:p>
+                  </a:txBody>
+                  <a:tcPr/>
+                </a:tc>
+                <a:tc>
+                  <a:txBody>
+                    <a:bodyPr/>
+                    <a:lstStyle/>
+                    <a:p>
+                      <a:r>
+                        <a:rPr lang="en-AU" dirty="0"/>
+                        <a:t>~Sim(hard1)</a:t>
+                      </a:r>
+                    </a:p>
+                  </a:txBody>
+                  <a:tcPr/>
+                </a:tc>
+                <a:extLst>
+                  <a:ext uri="{0D108BD9-81ED-4DB2-BD59-A6C34878D82A}">
+                    <a16:rowId xmlns:a16="http://schemas.microsoft.com/office/drawing/2014/main" val="304250112"/>
+                  </a:ext>
+                </a:extLst>
+              </a:tr>
+              <a:tr h="360000">
+                <a:tc>
+                  <a:txBody>
+                    <a:bodyPr/>
+                    <a:lstStyle/>
+                    <a:p>
+                      <a:r>
+                        <a:rPr lang="en-AU" dirty="0"/>
+                        <a:t>Rep3</a:t>
+                      </a:r>
+                    </a:p>
+                  </a:txBody>
+                  <a:tcPr/>
+                </a:tc>
+                <a:tc>
+                  <a:txBody>
+                    <a:bodyPr/>
+                    <a:lstStyle/>
+                    <a:p>
+                      <a:r>
+                        <a:rPr lang="en-AU" dirty="0"/>
+                        <a:t>Sim13</a:t>
+                      </a:r>
+                    </a:p>
+                  </a:txBody>
+                  <a:tcPr/>
+                </a:tc>
+                <a:tc>
+                  <a:txBody>
+                    <a:bodyPr/>
+                    <a:lstStyle/>
+                    <a:p>
+                      <a:r>
+                        <a:rPr lang="en-AU" dirty="0"/>
+                        <a:t>Sim14</a:t>
+                      </a:r>
+                    </a:p>
+                  </a:txBody>
+                  <a:tcPr/>
+                </a:tc>
+                <a:tc>
+                  <a:txBody>
+                    <a:bodyPr/>
+                    <a:lstStyle/>
+                    <a:p>
+                      <a:r>
+                        <a:rPr lang="en-AU" dirty="0"/>
+                        <a:t>Sim15</a:t>
+                      </a:r>
+                    </a:p>
+                  </a:txBody>
+                  <a:tcPr/>
+                </a:tc>
+                <a:tc>
+                  <a:txBody>
+                    <a:bodyPr/>
+                    <a:lstStyle/>
+                    <a:p>
+                      <a:r>
+                        <a:rPr lang="en-AU" dirty="0"/>
+                        <a:t>Sim16</a:t>
+                      </a:r>
+                    </a:p>
+                  </a:txBody>
+                  <a:tcPr/>
+                </a:tc>
+                <a:tc>
+                  <a:txBody>
+                    <a:bodyPr/>
+                    <a:lstStyle/>
+                    <a:p>
+                      <a:r>
+                        <a:rPr lang="en-AU" dirty="0"/>
+                        <a:t>Sim17</a:t>
+                      </a:r>
+                    </a:p>
+                  </a:txBody>
+                  <a:tcPr/>
+                </a:tc>
+                <a:tc>
+                  <a:txBody>
+                    <a:bodyPr/>
+                    <a:lstStyle/>
+                    <a:p>
+                      <a:r>
+                        <a:rPr lang="en-AU" dirty="0"/>
+                        <a:t>Sim18</a:t>
+                      </a:r>
+                    </a:p>
+                  </a:txBody>
+                  <a:tcPr/>
+                </a:tc>
+                <a:tc>
+                  <a:txBody>
+                    <a:bodyPr/>
+                    <a:lstStyle/>
+                    <a:p>
+                      <a:r>
+                        <a:rPr lang="en-AU" dirty="0"/>
+                        <a:t>~Sim(hard2)</a:t>
+                      </a:r>
+                    </a:p>
+                  </a:txBody>
+                  <a:tcPr/>
+                </a:tc>
+                <a:extLst>
+                  <a:ext uri="{0D108BD9-81ED-4DB2-BD59-A6C34878D82A}">
+                    <a16:rowId xmlns:a16="http://schemas.microsoft.com/office/drawing/2014/main" val="2370493989"/>
+                  </a:ext>
+                </a:extLst>
+              </a:tr>
+            </a:tbl>
+          </a:graphicData>
+        </a:graphic>
+      </p:graphicFrame>
+      <p:graphicFrame>
+        <p:nvGraphicFramePr>
+          <p:cNvPr id="6" name="Table 5">
+            <a:extLst>
+              <a:ext uri="{FF2B5EF4-FFF2-40B4-BE49-F238E27FC236}">
+                <a16:creationId xmlns:a16="http://schemas.microsoft.com/office/drawing/2014/main" id="{EB137C5E-9C30-4068-8067-4D16BC81995D}"/>
+              </a:ext>
+            </a:extLst>
+          </p:cNvPr>
+          <p:cNvGraphicFramePr>
+            <a:graphicFrameLocks noGrp="1"/>
+          </p:cNvGraphicFramePr>
+          <p:nvPr>
+            <p:extLst>
+              <p:ext uri="{D42A27DB-BD31-4B8C-83A1-F6EECF244321}">
+                <p14:modId xmlns:p14="http://schemas.microsoft.com/office/powerpoint/2010/main" val="3667563127"/>
+              </p:ext>
+            </p:extLst>
+          </p:nvPr>
+        </p:nvGraphicFramePr>
+        <p:xfrm>
+          <a:off x="547645" y="4387710"/>
+          <a:ext cx="8124870" cy="1463040"/>
+        </p:xfrm>
+        <a:graphic>
+          <a:graphicData uri="http://schemas.openxmlformats.org/drawingml/2006/table">
+            <a:tbl>
+              <a:tblPr firstRow="1" bandRow="1">
+                <a:tableStyleId>{5C22544A-7EE6-4342-B048-85BDC9FD1C3A}</a:tableStyleId>
+              </a:tblPr>
+              <a:tblGrid>
+                <a:gridCol w="1321200">
+                  <a:extLst>
+                    <a:ext uri="{9D8B030D-6E8A-4147-A177-3AD203B41FA5}">
+                      <a16:colId xmlns:a16="http://schemas.microsoft.com/office/drawing/2014/main" val="1987586350"/>
+                    </a:ext>
+                  </a:extLst>
+                </a:gridCol>
+                <a:gridCol w="845945">
+                  <a:extLst>
+                    <a:ext uri="{9D8B030D-6E8A-4147-A177-3AD203B41FA5}">
+                      <a16:colId xmlns:a16="http://schemas.microsoft.com/office/drawing/2014/main" val="2757630649"/>
+                    </a:ext>
+                  </a:extLst>
+                </a:gridCol>
+                <a:gridCol w="845945">
+                  <a:extLst>
+                    <a:ext uri="{9D8B030D-6E8A-4147-A177-3AD203B41FA5}">
+                      <a16:colId xmlns:a16="http://schemas.microsoft.com/office/drawing/2014/main" val="3466847723"/>
+                    </a:ext>
+                  </a:extLst>
+                </a:gridCol>
+                <a:gridCol w="845945">
+                  <a:extLst>
+                    <a:ext uri="{9D8B030D-6E8A-4147-A177-3AD203B41FA5}">
+                      <a16:colId xmlns:a16="http://schemas.microsoft.com/office/drawing/2014/main" val="37018863"/>
+                    </a:ext>
+                  </a:extLst>
+                </a:gridCol>
+                <a:gridCol w="845945">
+                  <a:extLst>
+                    <a:ext uri="{9D8B030D-6E8A-4147-A177-3AD203B41FA5}">
+                      <a16:colId xmlns:a16="http://schemas.microsoft.com/office/drawing/2014/main" val="404444310"/>
+                    </a:ext>
+                  </a:extLst>
+                </a:gridCol>
+                <a:gridCol w="845945">
+                  <a:extLst>
+                    <a:ext uri="{9D8B030D-6E8A-4147-A177-3AD203B41FA5}">
+                      <a16:colId xmlns:a16="http://schemas.microsoft.com/office/drawing/2014/main" val="3782919050"/>
+                    </a:ext>
+                  </a:extLst>
+                </a:gridCol>
+                <a:gridCol w="845945">
+                  <a:extLst>
+                    <a:ext uri="{9D8B030D-6E8A-4147-A177-3AD203B41FA5}">
+                      <a16:colId xmlns:a16="http://schemas.microsoft.com/office/drawing/2014/main" val="1327298383"/>
+                    </a:ext>
+                  </a:extLst>
+                </a:gridCol>
+                <a:gridCol w="1728000">
+                  <a:extLst>
+                    <a:ext uri="{9D8B030D-6E8A-4147-A177-3AD203B41FA5}">
+                      <a16:colId xmlns:a16="http://schemas.microsoft.com/office/drawing/2014/main" val="3798089852"/>
+                    </a:ext>
+                  </a:extLst>
+                </a:gridCol>
+              </a:tblGrid>
+              <a:tr h="0">
+                <a:tc>
+                  <a:txBody>
+                    <a:bodyPr/>
+                    <a:lstStyle/>
+                    <a:p>
+                      <a:endParaRPr lang="en-AU" dirty="0"/>
+                    </a:p>
+                  </a:txBody>
+                  <a:tcPr/>
+                </a:tc>
+                <a:tc>
+                  <a:txBody>
+                    <a:bodyPr/>
+                    <a:lstStyle/>
+                    <a:p>
+                      <a:r>
+                        <a:rPr lang="en-AU" dirty="0"/>
+                        <a:t>P1.T1</a:t>
+                      </a:r>
+                    </a:p>
+                  </a:txBody>
+                  <a:tcPr/>
+                </a:tc>
+                <a:tc>
+                  <a:txBody>
+                    <a:bodyPr/>
+                    <a:lstStyle/>
+                    <a:p>
+                      <a:r>
+                        <a:rPr lang="en-AU" dirty="0"/>
+                        <a:t>P1.T2</a:t>
+                      </a:r>
+                    </a:p>
+                  </a:txBody>
+                  <a:tcPr/>
+                </a:tc>
+                <a:tc>
+                  <a:txBody>
+                    <a:bodyPr/>
+                    <a:lstStyle/>
+                    <a:p>
+                      <a:r>
+                        <a:rPr lang="en-AU" dirty="0"/>
+                        <a:t>P2.T1</a:t>
+                      </a:r>
+                    </a:p>
+                  </a:txBody>
+                  <a:tcPr/>
+                </a:tc>
+                <a:tc>
+                  <a:txBody>
+                    <a:bodyPr/>
+                    <a:lstStyle/>
+                    <a:p>
+                      <a:r>
+                        <a:rPr lang="en-AU" dirty="0"/>
+                        <a:t>P2.T2</a:t>
+                      </a:r>
+                    </a:p>
+                  </a:txBody>
+                  <a:tcPr/>
+                </a:tc>
+                <a:tc>
+                  <a:txBody>
+                    <a:bodyPr/>
+                    <a:lstStyle/>
+                    <a:p>
+                      <a:r>
+                        <a:rPr lang="en-AU" dirty="0"/>
+                        <a:t>P2.T1</a:t>
+                      </a:r>
+                    </a:p>
+                  </a:txBody>
+                  <a:tcPr/>
+                </a:tc>
+                <a:tc>
+                  <a:txBody>
+                    <a:bodyPr/>
+                    <a:lstStyle/>
+                    <a:p>
+                      <a:r>
+                        <a:rPr lang="en-AU" dirty="0"/>
+                        <a:t>P2.T2</a:t>
+                      </a:r>
+                    </a:p>
+                  </a:txBody>
+                  <a:tcPr/>
+                </a:tc>
+                <a:tc>
+                  <a:txBody>
+                    <a:bodyPr/>
+                    <a:lstStyle/>
+                    <a:p>
+                      <a:r>
+                        <a:rPr lang="en-AU" dirty="0"/>
+                        <a:t>Distribution</a:t>
+                      </a:r>
+                    </a:p>
+                  </a:txBody>
+                  <a:tcPr/>
+                </a:tc>
+                <a:extLst>
+                  <a:ext uri="{0D108BD9-81ED-4DB2-BD59-A6C34878D82A}">
+                    <a16:rowId xmlns:a16="http://schemas.microsoft.com/office/drawing/2014/main" val="3189871482"/>
+                  </a:ext>
+                </a:extLst>
+              </a:tr>
+              <a:tr h="360000">
+                <a:tc>
+                  <a:txBody>
+                    <a:bodyPr/>
+                    <a:lstStyle/>
+                    <a:p>
+                      <a:r>
+                        <a:rPr lang="en-AU" dirty="0"/>
+                        <a:t>Repetition 1</a:t>
+                      </a:r>
+                    </a:p>
+                  </a:txBody>
+                  <a:tcPr/>
+                </a:tc>
+                <a:tc>
+                  <a:txBody>
+                    <a:bodyPr/>
+                    <a:lstStyle/>
+                    <a:p>
+                      <a:r>
+                        <a:rPr lang="en-AU" dirty="0"/>
+                        <a:t>Sim1</a:t>
+                      </a:r>
+                    </a:p>
+                  </a:txBody>
+                  <a:tcPr/>
+                </a:tc>
+                <a:tc>
+                  <a:txBody>
+                    <a:bodyPr/>
+                    <a:lstStyle/>
+                    <a:p>
+                      <a:r>
+                        <a:rPr lang="en-AU" dirty="0"/>
+                        <a:t>Sim4</a:t>
+                      </a:r>
+                    </a:p>
+                  </a:txBody>
+                  <a:tcPr/>
+                </a:tc>
+                <a:tc>
+                  <a:txBody>
+                    <a:bodyPr/>
+                    <a:lstStyle/>
+                    <a:p>
+                      <a:r>
+                        <a:rPr lang="en-AU" dirty="0"/>
+                        <a:t>Sim7</a:t>
+                      </a:r>
+                    </a:p>
+                  </a:txBody>
+                  <a:tcPr/>
+                </a:tc>
+                <a:tc>
+                  <a:txBody>
+                    <a:bodyPr/>
+                    <a:lstStyle/>
+                    <a:p>
+                      <a:r>
+                        <a:rPr lang="en-AU" dirty="0"/>
+                        <a:t>Sim10</a:t>
+                      </a:r>
+                    </a:p>
+                  </a:txBody>
+                  <a:tcPr/>
+                </a:tc>
+                <a:tc>
+                  <a:txBody>
+                    <a:bodyPr/>
+                    <a:lstStyle/>
+                    <a:p>
+                      <a:r>
+                        <a:rPr lang="en-AU" dirty="0"/>
+                        <a:t>Sim13</a:t>
+                      </a:r>
+                    </a:p>
+                  </a:txBody>
+                  <a:tcPr/>
+                </a:tc>
+                <a:tc>
+                  <a:txBody>
+                    <a:bodyPr/>
+                    <a:lstStyle/>
+                    <a:p>
+                      <a:r>
+                        <a:rPr lang="en-AU" dirty="0"/>
+                        <a:t>Sim16</a:t>
+                      </a:r>
+                    </a:p>
+                  </a:txBody>
+                  <a:tcPr/>
+                </a:tc>
+                <a:tc>
+                  <a:txBody>
+                    <a:bodyPr/>
+                    <a:lstStyle/>
+                    <a:p>
+                      <a:r>
+                        <a:rPr lang="en-AU" dirty="0"/>
+                        <a:t>~mtvN(easy)</a:t>
+                      </a:r>
+                    </a:p>
+                  </a:txBody>
+                  <a:tcPr/>
+                </a:tc>
+                <a:extLst>
+                  <a:ext uri="{0D108BD9-81ED-4DB2-BD59-A6C34878D82A}">
+                    <a16:rowId xmlns:a16="http://schemas.microsoft.com/office/drawing/2014/main" val="1288797883"/>
+                  </a:ext>
+                </a:extLst>
+              </a:tr>
+              <a:tr h="360000">
+                <a:tc>
+                  <a:txBody>
+                    <a:bodyPr/>
+                    <a:lstStyle/>
+                    <a:p>
+                      <a:r>
+                        <a:rPr lang="en-AU" dirty="0"/>
+                        <a:t>Repetition 2</a:t>
+                      </a:r>
+                    </a:p>
+                  </a:txBody>
+                  <a:tcPr/>
+                </a:tc>
+                <a:tc>
+                  <a:txBody>
+                    <a:bodyPr/>
+                    <a:lstStyle/>
+                    <a:p>
+                      <a:r>
+                        <a:rPr lang="en-AU" dirty="0"/>
+                        <a:t>Sim2</a:t>
+                      </a:r>
+                    </a:p>
+                  </a:txBody>
+                  <a:tcPr/>
+                </a:tc>
+                <a:tc>
+                  <a:txBody>
+                    <a:bodyPr/>
+                    <a:lstStyle/>
+                    <a:p>
+                      <a:r>
+                        <a:rPr lang="en-AU" dirty="0"/>
+                        <a:t>Sim5</a:t>
+                      </a:r>
+                    </a:p>
+                  </a:txBody>
+                  <a:tcPr/>
+                </a:tc>
+                <a:tc>
+                  <a:txBody>
+                    <a:bodyPr/>
+                    <a:lstStyle/>
+                    <a:p>
+                      <a:r>
+                        <a:rPr lang="en-AU" dirty="0"/>
+                        <a:t>Sim8</a:t>
+                      </a:r>
+                    </a:p>
+                  </a:txBody>
+                  <a:tcPr/>
+                </a:tc>
+                <a:tc>
+                  <a:txBody>
+                    <a:bodyPr/>
+                    <a:lstStyle/>
+                    <a:p>
+                      <a:r>
+                        <a:rPr lang="en-AU" dirty="0"/>
+                        <a:t>Sim11</a:t>
+                      </a:r>
+                    </a:p>
+                  </a:txBody>
+                  <a:tcPr/>
+                </a:tc>
+                <a:tc>
+                  <a:txBody>
+                    <a:bodyPr/>
+                    <a:lstStyle/>
+                    <a:p>
+                      <a:r>
+                        <a:rPr lang="en-AU" dirty="0"/>
+                        <a:t>Sim14</a:t>
+                      </a:r>
+                    </a:p>
+                  </a:txBody>
+                  <a:tcPr/>
+                </a:tc>
+                <a:tc>
+                  <a:txBody>
+                    <a:bodyPr/>
+                    <a:lstStyle/>
+                    <a:p>
+                      <a:r>
+                        <a:rPr lang="en-AU" dirty="0"/>
+                        <a:t>Sim17</a:t>
+                      </a:r>
+                    </a:p>
+                  </a:txBody>
+                  <a:tcPr/>
+                </a:tc>
+                <a:tc>
+                  <a:txBody>
+                    <a:bodyPr/>
+                    <a:lstStyle/>
+                    <a:p>
+                      <a:r>
+                        <a:rPr lang="en-AU" dirty="0"/>
+                        <a:t>~mtvΝ(medium)</a:t>
+                      </a:r>
+                    </a:p>
+                  </a:txBody>
+                  <a:tcPr/>
+                </a:tc>
+                <a:extLst>
+                  <a:ext uri="{0D108BD9-81ED-4DB2-BD59-A6C34878D82A}">
+                    <a16:rowId xmlns:a16="http://schemas.microsoft.com/office/drawing/2014/main" val="304250112"/>
+                  </a:ext>
+                </a:extLst>
+              </a:tr>
+              <a:tr h="0">
+                <a:tc>
+                  <a:txBody>
+                    <a:bodyPr/>
+                    <a:lstStyle/>
+                    <a:p>
+                      <a:r>
+                        <a:rPr lang="en-AU" dirty="0"/>
+                        <a:t>Repetition 3</a:t>
+                      </a:r>
+                    </a:p>
+                  </a:txBody>
+                  <a:tcPr/>
+                </a:tc>
+                <a:tc>
+                  <a:txBody>
+                    <a:bodyPr/>
+                    <a:lstStyle/>
+                    <a:p>
+                      <a:r>
+                        <a:rPr lang="en-AU" dirty="0"/>
+                        <a:t>Sim3</a:t>
+                      </a:r>
+                    </a:p>
+                  </a:txBody>
+                  <a:tcPr/>
+                </a:tc>
+                <a:tc>
+                  <a:txBody>
+                    <a:bodyPr/>
+                    <a:lstStyle/>
+                    <a:p>
+                      <a:r>
+                        <a:rPr lang="en-AU" dirty="0"/>
+                        <a:t>Sim6</a:t>
+                      </a:r>
+                    </a:p>
+                  </a:txBody>
+                  <a:tcPr/>
+                </a:tc>
+                <a:tc>
+                  <a:txBody>
+                    <a:bodyPr/>
+                    <a:lstStyle/>
+                    <a:p>
+                      <a:r>
+                        <a:rPr lang="en-AU" dirty="0"/>
+                        <a:t>Sim9</a:t>
+                      </a:r>
+                    </a:p>
+                  </a:txBody>
+                  <a:tcPr/>
+                </a:tc>
+                <a:tc>
+                  <a:txBody>
+                    <a:bodyPr/>
+                    <a:lstStyle/>
+                    <a:p>
+                      <a:r>
+                        <a:rPr lang="en-AU" dirty="0"/>
+                        <a:t>Sim12</a:t>
+                      </a:r>
+                    </a:p>
+                  </a:txBody>
+                  <a:tcPr/>
+                </a:tc>
+                <a:tc>
+                  <a:txBody>
+                    <a:bodyPr/>
+                    <a:lstStyle/>
+                    <a:p>
+                      <a:r>
+                        <a:rPr lang="en-AU" dirty="0"/>
+                        <a:t>Sim15</a:t>
+                      </a:r>
+                    </a:p>
+                  </a:txBody>
+                  <a:tcPr/>
+                </a:tc>
+                <a:tc>
+                  <a:txBody>
+                    <a:bodyPr/>
+                    <a:lstStyle/>
+                    <a:p>
+                      <a:r>
+                        <a:rPr lang="en-AU" dirty="0"/>
+                        <a:t>Sim18</a:t>
+                      </a:r>
+                    </a:p>
+                  </a:txBody>
+                  <a:tcPr/>
+                </a:tc>
+                <a:tc>
+                  <a:txBody>
+                    <a:bodyPr/>
+                    <a:lstStyle/>
+                    <a:p>
+                      <a:r>
+                        <a:rPr lang="en-AU" dirty="0"/>
+                        <a:t>~mtvN(hard)</a:t>
+                      </a:r>
+                    </a:p>
+                  </a:txBody>
+                  <a:tcPr/>
+                </a:tc>
+                <a:extLst>
+                  <a:ext uri="{0D108BD9-81ED-4DB2-BD59-A6C34878D82A}">
+                    <a16:rowId xmlns:a16="http://schemas.microsoft.com/office/drawing/2014/main" val="2370493989"/>
+                  </a:ext>
+                </a:extLst>
+              </a:tr>
+            </a:tbl>
+          </a:graphicData>
+        </a:graphic>
+      </p:graphicFrame>
+      <p:sp>
+        <p:nvSpPr>
+          <p:cNvPr id="7" name="TextBox 6">
+            <a:extLst>
+              <a:ext uri="{FF2B5EF4-FFF2-40B4-BE49-F238E27FC236}">
+                <a16:creationId xmlns:a16="http://schemas.microsoft.com/office/drawing/2014/main" id="{5A5F6000-A444-49FC-8B22-63208F7BD0CA}"/>
+              </a:ext>
+            </a:extLst>
+          </p:cNvPr>
+          <p:cNvSpPr txBox="1"/>
+          <p:nvPr/>
+        </p:nvSpPr>
+        <p:spPr>
+          <a:xfrm>
+            <a:off x="8917497" y="4513277"/>
+            <a:ext cx="3418500" cy="369332"/>
+          </a:xfrm>
+          <a:prstGeom prst="rect">
+            <a:avLst/>
+          </a:prstGeom>
+          <a:noFill/>
+        </p:spPr>
+        <p:txBody>
+          <a:bodyPr wrap="none" rtlCol="0">
+            <a:spAutoFit/>
+          </a:bodyPr>
+          <a:lstStyle/>
+          <a:p>
+            <a:r>
+              <a:rPr lang="en-US" dirty="0"/>
+              <a:t>Sim~(period-1)*6+(task-1)*3+rep</a:t>
+            </a:r>
+            <a:endParaRPr lang="en-AU" dirty="0"/>
+          </a:p>
+        </p:txBody>
+      </p:sp>
+    </p:spTree>
+    <p:extLst>
+      <p:ext uri="{BB962C8B-B14F-4D97-AF65-F5344CB8AC3E}">
+        <p14:creationId xmlns:p14="http://schemas.microsoft.com/office/powerpoint/2010/main" val="2121002051"/>
       </p:ext>
     </p:extLst>
   </p:cSld>

--- a/paper/figures/Experimental design graphics.pptx
+++ b/paper/figures/Experimental design graphics.pptx
@@ -278,7 +278,7 @@
           <a:p>
             <a:fld id="{B25803F7-6624-424E-B78C-2F27C4BCE53D}" type="datetimeFigureOut">
               <a:rPr lang="en-AU" smtClean="0"/>
-              <a:t>15/01/2020</a:t>
+              <a:t>17/02/2020</a:t>
             </a:fld>
             <a:endParaRPr lang="en-AU"/>
           </a:p>
@@ -478,7 +478,7 @@
           <a:p>
             <a:fld id="{B25803F7-6624-424E-B78C-2F27C4BCE53D}" type="datetimeFigureOut">
               <a:rPr lang="en-AU" smtClean="0"/>
-              <a:t>15/01/2020</a:t>
+              <a:t>17/02/2020</a:t>
             </a:fld>
             <a:endParaRPr lang="en-AU"/>
           </a:p>
@@ -688,7 +688,7 @@
           <a:p>
             <a:fld id="{B25803F7-6624-424E-B78C-2F27C4BCE53D}" type="datetimeFigureOut">
               <a:rPr lang="en-AU" smtClean="0"/>
-              <a:t>15/01/2020</a:t>
+              <a:t>17/02/2020</a:t>
             </a:fld>
             <a:endParaRPr lang="en-AU"/>
           </a:p>
@@ -888,7 +888,7 @@
           <a:p>
             <a:fld id="{B25803F7-6624-424E-B78C-2F27C4BCE53D}" type="datetimeFigureOut">
               <a:rPr lang="en-AU" smtClean="0"/>
-              <a:t>15/01/2020</a:t>
+              <a:t>17/02/2020</a:t>
             </a:fld>
             <a:endParaRPr lang="en-AU"/>
           </a:p>
@@ -1164,7 +1164,7 @@
           <a:p>
             <a:fld id="{B25803F7-6624-424E-B78C-2F27C4BCE53D}" type="datetimeFigureOut">
               <a:rPr lang="en-AU" smtClean="0"/>
-              <a:t>15/01/2020</a:t>
+              <a:t>17/02/2020</a:t>
             </a:fld>
             <a:endParaRPr lang="en-AU"/>
           </a:p>
@@ -1432,7 +1432,7 @@
           <a:p>
             <a:fld id="{B25803F7-6624-424E-B78C-2F27C4BCE53D}" type="datetimeFigureOut">
               <a:rPr lang="en-AU" smtClean="0"/>
-              <a:t>15/01/2020</a:t>
+              <a:t>17/02/2020</a:t>
             </a:fld>
             <a:endParaRPr lang="en-AU"/>
           </a:p>
@@ -1847,7 +1847,7 @@
           <a:p>
             <a:fld id="{B25803F7-6624-424E-B78C-2F27C4BCE53D}" type="datetimeFigureOut">
               <a:rPr lang="en-AU" smtClean="0"/>
-              <a:t>15/01/2020</a:t>
+              <a:t>17/02/2020</a:t>
             </a:fld>
             <a:endParaRPr lang="en-AU"/>
           </a:p>
@@ -1989,7 +1989,7 @@
           <a:p>
             <a:fld id="{B25803F7-6624-424E-B78C-2F27C4BCE53D}" type="datetimeFigureOut">
               <a:rPr lang="en-AU" smtClean="0"/>
-              <a:t>15/01/2020</a:t>
+              <a:t>17/02/2020</a:t>
             </a:fld>
             <a:endParaRPr lang="en-AU"/>
           </a:p>
@@ -2102,7 +2102,7 @@
           <a:p>
             <a:fld id="{B25803F7-6624-424E-B78C-2F27C4BCE53D}" type="datetimeFigureOut">
               <a:rPr lang="en-AU" smtClean="0"/>
-              <a:t>15/01/2020</a:t>
+              <a:t>17/02/2020</a:t>
             </a:fld>
             <a:endParaRPr lang="en-AU"/>
           </a:p>
@@ -2415,7 +2415,7 @@
           <a:p>
             <a:fld id="{B25803F7-6624-424E-B78C-2F27C4BCE53D}" type="datetimeFigureOut">
               <a:rPr lang="en-AU" smtClean="0"/>
-              <a:t>15/01/2020</a:t>
+              <a:t>17/02/2020</a:t>
             </a:fld>
             <a:endParaRPr lang="en-AU"/>
           </a:p>
@@ -2704,7 +2704,7 @@
           <a:p>
             <a:fld id="{B25803F7-6624-424E-B78C-2F27C4BCE53D}" type="datetimeFigureOut">
               <a:rPr lang="en-AU" smtClean="0"/>
-              <a:t>15/01/2020</a:t>
+              <a:t>17/02/2020</a:t>
             </a:fld>
             <a:endParaRPr lang="en-AU"/>
           </a:p>
@@ -2947,7 +2947,7 @@
           <a:p>
             <a:fld id="{B25803F7-6624-424E-B78C-2F27C4BCE53D}" type="datetimeFigureOut">
               <a:rPr lang="en-AU" smtClean="0"/>
-              <a:t>15/01/2020</a:t>
+              <a:t>17/02/2020</a:t>
             </a:fld>
             <a:endParaRPr lang="en-AU"/>
           </a:p>
@@ -3910,14 +3910,14 @@
           <p:nvPr>
             <p:extLst>
               <p:ext uri="{D42A27DB-BD31-4B8C-83A1-F6EECF244321}">
-                <p14:modId xmlns:p14="http://schemas.microsoft.com/office/powerpoint/2010/main" val="3342091802"/>
+                <p14:modId xmlns:p14="http://schemas.microsoft.com/office/powerpoint/2010/main" val="3954454108"/>
               </p:ext>
             </p:extLst>
           </p:nvPr>
         </p:nvGraphicFramePr>
         <p:xfrm>
           <a:off x="1562468" y="3384610"/>
-          <a:ext cx="7908870" cy="1463040"/>
+          <a:ext cx="8124870" cy="1463040"/>
         </p:xfrm>
         <a:graphic>
           <a:graphicData uri="http://schemas.openxmlformats.org/drawingml/2006/table">
@@ -3975,7 +3975,7 @@
                     </a:ext>
                   </a:extLst>
                 </a:gridCol>
-                <a:gridCol w="1512000">
+                <a:gridCol w="1728000">
                   <a:extLst>
                     <a:ext uri="{9D8B030D-6E8A-4147-A177-3AD203B41FA5}">
                       <a16:colId xmlns:a16="http://schemas.microsoft.com/office/drawing/2014/main" val="3798089852"/>
@@ -4078,20 +4078,17 @@
                     <a:lstStyle/>
                     <a:p>
                       <a:r>
-                        <a:rPr lang="en-AU" dirty="0">
-                          <a:solidFill>
-                            <a:schemeClr val="bg1"/>
-                          </a:solidFill>
-                        </a:rPr>
+                        <a:rPr lang="en-AU" dirty="0"/>
                         <a:t>Distribution</a:t>
                       </a:r>
-                    </a:p>
-                  </a:txBody>
-                  <a:tcPr>
-                    <a:solidFill>
-                      <a:schemeClr val="bg1"/>
-                    </a:solidFill>
-                  </a:tcPr>
+                      <a:endParaRPr lang="en-AU" dirty="0">
+                        <a:solidFill>
+                          <a:sysClr val="windowText" lastClr="000000"/>
+                        </a:solidFill>
+                      </a:endParaRPr>
+                    </a:p>
+                  </a:txBody>
+                  <a:tcPr/>
                 </a:tc>
                 <a:extLst>
                   <a:ext uri="{0D108BD9-81ED-4DB2-BD59-A6C34878D82A}">
@@ -4197,20 +4194,17 @@
                     <a:lstStyle/>
                     <a:p>
                       <a:r>
-                        <a:rPr lang="en-AU" dirty="0">
-                          <a:solidFill>
-                            <a:schemeClr val="bg1"/>
-                          </a:solidFill>
-                        </a:rPr>
+                        <a:rPr lang="en-AU" dirty="0"/>
                         <a:t>~mtvN(easy)</a:t>
                       </a:r>
-                    </a:p>
-                  </a:txBody>
-                  <a:tcPr>
-                    <a:solidFill>
-                      <a:schemeClr val="bg1"/>
-                    </a:solidFill>
-                  </a:tcPr>
+                      <a:endParaRPr lang="en-AU" dirty="0">
+                        <a:solidFill>
+                          <a:sysClr val="windowText" lastClr="000000"/>
+                        </a:solidFill>
+                      </a:endParaRPr>
+                    </a:p>
+                  </a:txBody>
+                  <a:tcPr/>
                 </a:tc>
                 <a:extLst>
                   <a:ext uri="{0D108BD9-81ED-4DB2-BD59-A6C34878D82A}">
@@ -4316,20 +4310,17 @@
                     <a:lstStyle/>
                     <a:p>
                       <a:r>
-                        <a:rPr lang="en-AU" dirty="0">
-                          <a:solidFill>
-                            <a:schemeClr val="bg1"/>
-                          </a:solidFill>
-                        </a:rPr>
-                        <a:t>~mtvΝ(hard1)</a:t>
-                      </a:r>
-                    </a:p>
-                  </a:txBody>
-                  <a:tcPr>
-                    <a:solidFill>
-                      <a:schemeClr val="bg1"/>
-                    </a:solidFill>
-                  </a:tcPr>
+                        <a:rPr lang="en-AU" dirty="0"/>
+                        <a:t>~mtvΝ(medium)</a:t>
+                      </a:r>
+                      <a:endParaRPr lang="en-AU" dirty="0">
+                        <a:solidFill>
+                          <a:sysClr val="windowText" lastClr="000000"/>
+                        </a:solidFill>
+                      </a:endParaRPr>
+                    </a:p>
+                  </a:txBody>
+                  <a:tcPr/>
                 </a:tc>
                 <a:extLst>
                   <a:ext uri="{0D108BD9-81ED-4DB2-BD59-A6C34878D82A}">
@@ -4435,20 +4426,17 @@
                     <a:lstStyle/>
                     <a:p>
                       <a:r>
-                        <a:rPr lang="en-AU" dirty="0">
-                          <a:solidFill>
-                            <a:schemeClr val="bg1"/>
-                          </a:solidFill>
-                        </a:rPr>
-                        <a:t>~mtvN(hard2)</a:t>
-                      </a:r>
-                    </a:p>
-                  </a:txBody>
-                  <a:tcPr>
-                    <a:solidFill>
-                      <a:schemeClr val="bg1"/>
-                    </a:solidFill>
-                  </a:tcPr>
+                        <a:rPr lang="en-AU" dirty="0"/>
+                        <a:t>~mtvN(hard)</a:t>
+                      </a:r>
+                      <a:endParaRPr lang="en-AU" dirty="0">
+                        <a:solidFill>
+                          <a:sysClr val="windowText" lastClr="000000"/>
+                        </a:solidFill>
+                      </a:endParaRPr>
+                    </a:p>
+                  </a:txBody>
+                  <a:tcPr/>
                 </a:tc>
                 <a:extLst>
                   <a:ext uri="{0D108BD9-81ED-4DB2-BD59-A6C34878D82A}">
@@ -5052,7 +5040,7 @@
         </p:nvSpPr>
         <p:spPr>
           <a:xfrm>
-            <a:off x="9622653" y="3739654"/>
+            <a:off x="9857110" y="3739654"/>
             <a:ext cx="2495365" cy="1107996"/>
           </a:xfrm>
           <a:prstGeom prst="rect">

--- a/paper/figures/Experimental design graphics.pptx
+++ b/paper/figures/Experimental design graphics.pptx
@@ -6,11 +6,12 @@
   </p:sldMasterIdLst>
   <p:sldIdLst>
     <p:sldId id="262" r:id="rId2"/>
-    <p:sldId id="259" r:id="rId3"/>
-    <p:sldId id="258" r:id="rId4"/>
-    <p:sldId id="260" r:id="rId5"/>
-    <p:sldId id="257" r:id="rId6"/>
-    <p:sldId id="263" r:id="rId7"/>
+    <p:sldId id="264" r:id="rId3"/>
+    <p:sldId id="259" r:id="rId4"/>
+    <p:sldId id="258" r:id="rId5"/>
+    <p:sldId id="260" r:id="rId6"/>
+    <p:sldId id="257" r:id="rId7"/>
+    <p:sldId id="263" r:id="rId8"/>
   </p:sldIdLst>
   <p:sldSz cx="12192000" cy="6858000"/>
   <p:notesSz cx="6858000" cy="9144000"/>
@@ -119,7 +120,7 @@
 
 <file path=ppt/commentAuthors.xml><?xml version="1.0" encoding="utf-8"?>
 <p:cmAuthorLst xmlns:a="http://schemas.openxmlformats.org/drawingml/2006/main" xmlns:r="http://schemas.openxmlformats.org/officeDocument/2006/relationships" xmlns:p="http://schemas.openxmlformats.org/presentationml/2006/main">
-  <p:cmAuthor id="1" name="Nicholas Spyrison" initials="NS" lastIdx="1" clrIdx="0">
+  <p:cmAuthor id="1" name="Nicholas Spyrison" initials="NS" lastIdx="2" clrIdx="0">
     <p:extLst>
       <p:ext uri="{19B8F6BF-5375-455C-9EA6-DF929625EA0E}">
         <p15:presenceInfo xmlns:p15="http://schemas.microsoft.com/office/powerpoint/2012/main" userId="Nicholas Spyrison" providerId="None"/>
@@ -127,6 +128,20 @@
     </p:extLst>
   </p:cmAuthor>
 </p:cmAuthorLst>
+</file>
+
+<file path=ppt/comments/comment1.xml><?xml version="1.0" encoding="utf-8"?>
+<p:cmLst xmlns:a="http://schemas.openxmlformats.org/drawingml/2006/main" xmlns:r="http://schemas.openxmlformats.org/officeDocument/2006/relationships" xmlns:p="http://schemas.openxmlformats.org/presentationml/2006/main">
+  <p:cm authorId="1" dt="2020-03-03T13:33:56.787" idx="2">
+    <p:pos x="10" y="10"/>
+    <p:text/>
+    <p:extLst>
+      <p:ext uri="{C676402C-5697-4E1C-873F-D02D1690AC5C}">
+        <p15:threadingInfo xmlns:p15="http://schemas.microsoft.com/office/powerpoint/2012/main" timeZoneBias="-660"/>
+      </p:ext>
+    </p:extLst>
+  </p:cm>
+</p:cmLst>
 </file>
 
 <file path=ppt/slideLayouts/slideLayout1.xml><?xml version="1.0" encoding="utf-8"?>
@@ -278,7 +293,7 @@
           <a:p>
             <a:fld id="{B25803F7-6624-424E-B78C-2F27C4BCE53D}" type="datetimeFigureOut">
               <a:rPr lang="en-AU" smtClean="0"/>
-              <a:t>17/02/2020</a:t>
+              <a:t>3/03/2020</a:t>
             </a:fld>
             <a:endParaRPr lang="en-AU"/>
           </a:p>
@@ -478,7 +493,7 @@
           <a:p>
             <a:fld id="{B25803F7-6624-424E-B78C-2F27C4BCE53D}" type="datetimeFigureOut">
               <a:rPr lang="en-AU" smtClean="0"/>
-              <a:t>17/02/2020</a:t>
+              <a:t>3/03/2020</a:t>
             </a:fld>
             <a:endParaRPr lang="en-AU"/>
           </a:p>
@@ -688,7 +703,7 @@
           <a:p>
             <a:fld id="{B25803F7-6624-424E-B78C-2F27C4BCE53D}" type="datetimeFigureOut">
               <a:rPr lang="en-AU" smtClean="0"/>
-              <a:t>17/02/2020</a:t>
+              <a:t>3/03/2020</a:t>
             </a:fld>
             <a:endParaRPr lang="en-AU"/>
           </a:p>
@@ -888,7 +903,7 @@
           <a:p>
             <a:fld id="{B25803F7-6624-424E-B78C-2F27C4BCE53D}" type="datetimeFigureOut">
               <a:rPr lang="en-AU" smtClean="0"/>
-              <a:t>17/02/2020</a:t>
+              <a:t>3/03/2020</a:t>
             </a:fld>
             <a:endParaRPr lang="en-AU"/>
           </a:p>
@@ -1164,7 +1179,7 @@
           <a:p>
             <a:fld id="{B25803F7-6624-424E-B78C-2F27C4BCE53D}" type="datetimeFigureOut">
               <a:rPr lang="en-AU" smtClean="0"/>
-              <a:t>17/02/2020</a:t>
+              <a:t>3/03/2020</a:t>
             </a:fld>
             <a:endParaRPr lang="en-AU"/>
           </a:p>
@@ -1432,7 +1447,7 @@
           <a:p>
             <a:fld id="{B25803F7-6624-424E-B78C-2F27C4BCE53D}" type="datetimeFigureOut">
               <a:rPr lang="en-AU" smtClean="0"/>
-              <a:t>17/02/2020</a:t>
+              <a:t>3/03/2020</a:t>
             </a:fld>
             <a:endParaRPr lang="en-AU"/>
           </a:p>
@@ -1847,7 +1862,7 @@
           <a:p>
             <a:fld id="{B25803F7-6624-424E-B78C-2F27C4BCE53D}" type="datetimeFigureOut">
               <a:rPr lang="en-AU" smtClean="0"/>
-              <a:t>17/02/2020</a:t>
+              <a:t>3/03/2020</a:t>
             </a:fld>
             <a:endParaRPr lang="en-AU"/>
           </a:p>
@@ -1989,7 +2004,7 @@
           <a:p>
             <a:fld id="{B25803F7-6624-424E-B78C-2F27C4BCE53D}" type="datetimeFigureOut">
               <a:rPr lang="en-AU" smtClean="0"/>
-              <a:t>17/02/2020</a:t>
+              <a:t>3/03/2020</a:t>
             </a:fld>
             <a:endParaRPr lang="en-AU"/>
           </a:p>
@@ -2102,7 +2117,7 @@
           <a:p>
             <a:fld id="{B25803F7-6624-424E-B78C-2F27C4BCE53D}" type="datetimeFigureOut">
               <a:rPr lang="en-AU" smtClean="0"/>
-              <a:t>17/02/2020</a:t>
+              <a:t>3/03/2020</a:t>
             </a:fld>
             <a:endParaRPr lang="en-AU"/>
           </a:p>
@@ -2415,7 +2430,7 @@
           <a:p>
             <a:fld id="{B25803F7-6624-424E-B78C-2F27C4BCE53D}" type="datetimeFigureOut">
               <a:rPr lang="en-AU" smtClean="0"/>
-              <a:t>17/02/2020</a:t>
+              <a:t>3/03/2020</a:t>
             </a:fld>
             <a:endParaRPr lang="en-AU"/>
           </a:p>
@@ -2704,7 +2719,7 @@
           <a:p>
             <a:fld id="{B25803F7-6624-424E-B78C-2F27C4BCE53D}" type="datetimeFigureOut">
               <a:rPr lang="en-AU" smtClean="0"/>
-              <a:t>17/02/2020</a:t>
+              <a:t>3/03/2020</a:t>
             </a:fld>
             <a:endParaRPr lang="en-AU"/>
           </a:p>
@@ -2947,7 +2962,7 @@
           <a:p>
             <a:fld id="{B25803F7-6624-424E-B78C-2F27C4BCE53D}" type="datetimeFigureOut">
               <a:rPr lang="en-AU" smtClean="0"/>
-              <a:t>17/02/2020</a:t>
+              <a:t>3/03/2020</a:t>
             </a:fld>
             <a:endParaRPr lang="en-AU"/>
           </a:p>
@@ -3392,6 +3407,3786 @@
           <a:p>
             <a:r>
               <a:rPr lang="en-AU" dirty="0"/>
+              <a:t>Experimental design graphics v4</a:t>
+            </a:r>
+          </a:p>
+        </p:txBody>
+      </p:sp>
+      <p:graphicFrame>
+        <p:nvGraphicFramePr>
+          <p:cNvPr id="7" name="Table 6">
+            <a:extLst>
+              <a:ext uri="{FF2B5EF4-FFF2-40B4-BE49-F238E27FC236}">
+                <a16:creationId xmlns:a16="http://schemas.microsoft.com/office/drawing/2014/main" id="{2232D69B-0643-4FD4-8B46-BA53AEB5EFEA}"/>
+              </a:ext>
+            </a:extLst>
+          </p:cNvPr>
+          <p:cNvGraphicFramePr>
+            <a:graphicFrameLocks noGrp="1"/>
+          </p:cNvGraphicFramePr>
+          <p:nvPr>
+            <p:extLst>
+              <p:ext uri="{D42A27DB-BD31-4B8C-83A1-F6EECF244321}">
+                <p14:modId xmlns:p14="http://schemas.microsoft.com/office/powerpoint/2010/main" val="3132401231"/>
+              </p:ext>
+            </p:extLst>
+          </p:nvPr>
+        </p:nvGraphicFramePr>
+        <p:xfrm>
+          <a:off x="1562468" y="1539986"/>
+          <a:ext cx="5868000" cy="1522675"/>
+        </p:xfrm>
+        <a:graphic>
+          <a:graphicData uri="http://schemas.openxmlformats.org/drawingml/2006/table">
+            <a:tbl>
+              <a:tblPr firstRow="1" bandRow="1">
+                <a:tableStyleId>{5C22544A-7EE6-4342-B048-85BDC9FD1C3A}</a:tableStyleId>
+              </a:tblPr>
+              <a:tblGrid>
+                <a:gridCol w="1332000">
+                  <a:extLst>
+                    <a:ext uri="{9D8B030D-6E8A-4147-A177-3AD203B41FA5}">
+                      <a16:colId xmlns:a16="http://schemas.microsoft.com/office/drawing/2014/main" val="952443710"/>
+                    </a:ext>
+                  </a:extLst>
+                </a:gridCol>
+                <a:gridCol w="1512000">
+                  <a:extLst>
+                    <a:ext uri="{9D8B030D-6E8A-4147-A177-3AD203B41FA5}">
+                      <a16:colId xmlns:a16="http://schemas.microsoft.com/office/drawing/2014/main" val="1574367336"/>
+                    </a:ext>
+                  </a:extLst>
+                </a:gridCol>
+                <a:gridCol w="1512000">
+                  <a:extLst>
+                    <a:ext uri="{9D8B030D-6E8A-4147-A177-3AD203B41FA5}">
+                      <a16:colId xmlns:a16="http://schemas.microsoft.com/office/drawing/2014/main" val="1714213086"/>
+                    </a:ext>
+                  </a:extLst>
+                </a:gridCol>
+                <a:gridCol w="1512000">
+                  <a:extLst>
+                    <a:ext uri="{9D8B030D-6E8A-4147-A177-3AD203B41FA5}">
+                      <a16:colId xmlns:a16="http://schemas.microsoft.com/office/drawing/2014/main" val="313146614"/>
+                    </a:ext>
+                  </a:extLst>
+                </a:gridCol>
+              </a:tblGrid>
+              <a:tr h="376744">
+                <a:tc>
+                  <a:txBody>
+                    <a:bodyPr/>
+                    <a:lstStyle/>
+                    <a:p>
+                      <a:endParaRPr lang="en-AU" dirty="0"/>
+                    </a:p>
+                  </a:txBody>
+                  <a:tcPr>
+                    <a:lnR w="12700" cap="flat" cmpd="sng" algn="ctr">
+                      <a:solidFill>
+                        <a:schemeClr val="tx1"/>
+                      </a:solidFill>
+                      <a:prstDash val="solid"/>
+                      <a:round/>
+                      <a:headEnd type="none" w="med" len="med"/>
+                      <a:tailEnd type="none" w="med" len="med"/>
+                    </a:lnR>
+                  </a:tcPr>
+                </a:tc>
+                <a:tc>
+                  <a:txBody>
+                    <a:bodyPr/>
+                    <a:lstStyle/>
+                    <a:p>
+                      <a:r>
+                        <a:rPr lang="en-AU" dirty="0"/>
+                        <a:t>Period 1</a:t>
+                      </a:r>
+                    </a:p>
+                  </a:txBody>
+                  <a:tcPr>
+                    <a:lnL w="12700" cap="flat" cmpd="sng" algn="ctr">
+                      <a:solidFill>
+                        <a:schemeClr val="tx1"/>
+                      </a:solidFill>
+                      <a:prstDash val="solid"/>
+                      <a:round/>
+                      <a:headEnd type="none" w="med" len="med"/>
+                      <a:tailEnd type="none" w="med" len="med"/>
+                    </a:lnL>
+                  </a:tcPr>
+                </a:tc>
+                <a:tc>
+                  <a:txBody>
+                    <a:bodyPr/>
+                    <a:lstStyle/>
+                    <a:p>
+                      <a:r>
+                        <a:rPr lang="en-AU" dirty="0"/>
+                        <a:t>Period 2</a:t>
+                      </a:r>
+                    </a:p>
+                  </a:txBody>
+                  <a:tcPr/>
+                </a:tc>
+                <a:tc>
+                  <a:txBody>
+                    <a:bodyPr/>
+                    <a:lstStyle/>
+                    <a:p>
+                      <a:r>
+                        <a:rPr lang="en-AU" dirty="0"/>
+                        <a:t>Period 3</a:t>
+                      </a:r>
+                    </a:p>
+                  </a:txBody>
+                  <a:tcPr/>
+                </a:tc>
+                <a:extLst>
+                  <a:ext uri="{0D108BD9-81ED-4DB2-BD59-A6C34878D82A}">
+                    <a16:rowId xmlns:a16="http://schemas.microsoft.com/office/drawing/2014/main" val="4138763571"/>
+                  </a:ext>
+                </a:extLst>
+              </a:tr>
+              <a:tr h="381977">
+                <a:tc>
+                  <a:txBody>
+                    <a:bodyPr/>
+                    <a:lstStyle/>
+                    <a:p>
+                      <a:r>
+                        <a:rPr lang="en-AU" dirty="0">
+                          <a:solidFill>
+                            <a:schemeClr val="bg1">
+                              <a:lumMod val="50000"/>
+                            </a:schemeClr>
+                          </a:solidFill>
+                        </a:rPr>
+                        <a:t>Gp1 (1/3*n)</a:t>
+                      </a:r>
+                    </a:p>
+                  </a:txBody>
+                  <a:tcPr>
+                    <a:lnR w="12700" cap="flat" cmpd="sng" algn="ctr">
+                      <a:solidFill>
+                        <a:schemeClr val="tx1"/>
+                      </a:solidFill>
+                      <a:prstDash val="solid"/>
+                      <a:round/>
+                      <a:headEnd type="none" w="med" len="med"/>
+                      <a:tailEnd type="none" w="med" len="med"/>
+                    </a:lnR>
+                  </a:tcPr>
+                </a:tc>
+                <a:tc>
+                  <a:txBody>
+                    <a:bodyPr/>
+                    <a:lstStyle/>
+                    <a:p>
+                      <a:r>
+                        <a:rPr lang="en-AU" dirty="0">
+                          <a:solidFill>
+                            <a:schemeClr val="bg1">
+                              <a:lumMod val="50000"/>
+                            </a:schemeClr>
+                          </a:solidFill>
+                        </a:rPr>
+                        <a:t>Factor 1</a:t>
+                      </a:r>
+                    </a:p>
+                  </a:txBody>
+                  <a:tcPr>
+                    <a:lnL w="12700" cap="flat" cmpd="sng" algn="ctr">
+                      <a:solidFill>
+                        <a:schemeClr val="tx1"/>
+                      </a:solidFill>
+                      <a:prstDash val="solid"/>
+                      <a:round/>
+                      <a:headEnd type="none" w="med" len="med"/>
+                      <a:tailEnd type="none" w="med" len="med"/>
+                    </a:lnL>
+                  </a:tcPr>
+                </a:tc>
+                <a:tc>
+                  <a:txBody>
+                    <a:bodyPr/>
+                    <a:lstStyle/>
+                    <a:p>
+                      <a:pPr marL="0" marR="0" lvl="0" indent="0" algn="l" defTabSz="914400" rtl="0" eaLnBrk="1" fontAlgn="auto" latinLnBrk="0" hangingPunct="1">
+                        <a:lnSpc>
+                          <a:spcPct val="100000"/>
+                        </a:lnSpc>
+                        <a:spcBef>
+                          <a:spcPts val="0"/>
+                        </a:spcBef>
+                        <a:spcAft>
+                          <a:spcPts val="0"/>
+                        </a:spcAft>
+                        <a:buClrTx/>
+                        <a:buSzTx/>
+                        <a:buFontTx/>
+                        <a:buNone/>
+                        <a:tabLst/>
+                        <a:defRPr/>
+                      </a:pPr>
+                      <a:r>
+                        <a:rPr lang="en-AU" dirty="0">
+                          <a:solidFill>
+                            <a:schemeClr val="bg1">
+                              <a:lumMod val="50000"/>
+                            </a:schemeClr>
+                          </a:solidFill>
+                        </a:rPr>
+                        <a:t>Factor 2</a:t>
+                      </a:r>
+                    </a:p>
+                  </a:txBody>
+                  <a:tcPr/>
+                </a:tc>
+                <a:tc>
+                  <a:txBody>
+                    <a:bodyPr/>
+                    <a:lstStyle/>
+                    <a:p>
+                      <a:pPr marL="0" marR="0" lvl="0" indent="0" algn="l" defTabSz="914400" rtl="0" eaLnBrk="1" fontAlgn="auto" latinLnBrk="0" hangingPunct="1">
+                        <a:lnSpc>
+                          <a:spcPct val="100000"/>
+                        </a:lnSpc>
+                        <a:spcBef>
+                          <a:spcPts val="0"/>
+                        </a:spcBef>
+                        <a:spcAft>
+                          <a:spcPts val="0"/>
+                        </a:spcAft>
+                        <a:buClrTx/>
+                        <a:buSzTx/>
+                        <a:buFontTx/>
+                        <a:buNone/>
+                        <a:tabLst/>
+                        <a:defRPr/>
+                      </a:pPr>
+                      <a:r>
+                        <a:rPr lang="en-AU" dirty="0">
+                          <a:solidFill>
+                            <a:schemeClr val="bg1">
+                              <a:lumMod val="50000"/>
+                            </a:schemeClr>
+                          </a:solidFill>
+                        </a:rPr>
+                        <a:t>Factor 3</a:t>
+                      </a:r>
+                    </a:p>
+                  </a:txBody>
+                  <a:tcPr/>
+                </a:tc>
+                <a:extLst>
+                  <a:ext uri="{0D108BD9-81ED-4DB2-BD59-A6C34878D82A}">
+                    <a16:rowId xmlns:a16="http://schemas.microsoft.com/office/drawing/2014/main" val="4152554093"/>
+                  </a:ext>
+                </a:extLst>
+              </a:tr>
+              <a:tr h="381977">
+                <a:tc>
+                  <a:txBody>
+                    <a:bodyPr/>
+                    <a:lstStyle/>
+                    <a:p>
+                      <a:pPr marL="0" marR="0" lvl="0" indent="0" algn="l" defTabSz="914400" rtl="0" eaLnBrk="1" fontAlgn="auto" latinLnBrk="0" hangingPunct="1">
+                        <a:lnSpc>
+                          <a:spcPct val="100000"/>
+                        </a:lnSpc>
+                        <a:spcBef>
+                          <a:spcPts val="0"/>
+                        </a:spcBef>
+                        <a:spcAft>
+                          <a:spcPts val="0"/>
+                        </a:spcAft>
+                        <a:buClrTx/>
+                        <a:buSzTx/>
+                        <a:buFontTx/>
+                        <a:buNone/>
+                        <a:tabLst/>
+                        <a:defRPr/>
+                      </a:pPr>
+                      <a:r>
+                        <a:rPr lang="en-AU" b="1" dirty="0"/>
+                        <a:t>Gp2 </a:t>
+                      </a:r>
+                      <a:r>
+                        <a:rPr lang="en-AU" b="0" dirty="0"/>
+                        <a:t>(1/3*n)</a:t>
+                      </a:r>
+                    </a:p>
+                  </a:txBody>
+                  <a:tcPr>
+                    <a:lnR w="12700" cap="flat" cmpd="sng" algn="ctr">
+                      <a:solidFill>
+                        <a:schemeClr val="tx1"/>
+                      </a:solidFill>
+                      <a:prstDash val="solid"/>
+                      <a:round/>
+                      <a:headEnd type="none" w="med" len="med"/>
+                      <a:tailEnd type="none" w="med" len="med"/>
+                    </a:lnR>
+                  </a:tcPr>
+                </a:tc>
+                <a:tc>
+                  <a:txBody>
+                    <a:bodyPr/>
+                    <a:lstStyle/>
+                    <a:p>
+                      <a:pPr marL="0" marR="0" lvl="0" indent="0" algn="l" defTabSz="914400" rtl="0" eaLnBrk="1" fontAlgn="auto" latinLnBrk="0" hangingPunct="1">
+                        <a:lnSpc>
+                          <a:spcPct val="100000"/>
+                        </a:lnSpc>
+                        <a:spcBef>
+                          <a:spcPts val="0"/>
+                        </a:spcBef>
+                        <a:spcAft>
+                          <a:spcPts val="0"/>
+                        </a:spcAft>
+                        <a:buClrTx/>
+                        <a:buSzTx/>
+                        <a:buFontTx/>
+                        <a:buNone/>
+                        <a:tabLst/>
+                        <a:defRPr/>
+                      </a:pPr>
+                      <a:r>
+                        <a:rPr lang="en-AU" b="1" dirty="0"/>
+                        <a:t>Factor 2</a:t>
+                      </a:r>
+                    </a:p>
+                  </a:txBody>
+                  <a:tcPr>
+                    <a:lnL w="12700" cap="flat" cmpd="sng" algn="ctr">
+                      <a:solidFill>
+                        <a:schemeClr val="tx1"/>
+                      </a:solidFill>
+                      <a:prstDash val="solid"/>
+                      <a:round/>
+                      <a:headEnd type="none" w="med" len="med"/>
+                      <a:tailEnd type="none" w="med" len="med"/>
+                    </a:lnL>
+                  </a:tcPr>
+                </a:tc>
+                <a:tc>
+                  <a:txBody>
+                    <a:bodyPr/>
+                    <a:lstStyle/>
+                    <a:p>
+                      <a:pPr marL="0" marR="0" lvl="0" indent="0" algn="l" defTabSz="914400" rtl="0" eaLnBrk="1" fontAlgn="auto" latinLnBrk="0" hangingPunct="1">
+                        <a:lnSpc>
+                          <a:spcPct val="100000"/>
+                        </a:lnSpc>
+                        <a:spcBef>
+                          <a:spcPts val="0"/>
+                        </a:spcBef>
+                        <a:spcAft>
+                          <a:spcPts val="0"/>
+                        </a:spcAft>
+                        <a:buClrTx/>
+                        <a:buSzTx/>
+                        <a:buFontTx/>
+                        <a:buNone/>
+                        <a:tabLst/>
+                        <a:defRPr/>
+                      </a:pPr>
+                      <a:r>
+                        <a:rPr lang="en-AU" b="1" dirty="0"/>
+                        <a:t>Factor 3</a:t>
+                      </a:r>
+                    </a:p>
+                  </a:txBody>
+                  <a:tcPr/>
+                </a:tc>
+                <a:tc>
+                  <a:txBody>
+                    <a:bodyPr/>
+                    <a:lstStyle/>
+                    <a:p>
+                      <a:pPr marL="0" marR="0" lvl="0" indent="0" algn="l" defTabSz="914400" rtl="0" eaLnBrk="1" fontAlgn="auto" latinLnBrk="0" hangingPunct="1">
+                        <a:lnSpc>
+                          <a:spcPct val="100000"/>
+                        </a:lnSpc>
+                        <a:spcBef>
+                          <a:spcPts val="0"/>
+                        </a:spcBef>
+                        <a:spcAft>
+                          <a:spcPts val="0"/>
+                        </a:spcAft>
+                        <a:buClrTx/>
+                        <a:buSzTx/>
+                        <a:buFontTx/>
+                        <a:buNone/>
+                        <a:tabLst/>
+                        <a:defRPr/>
+                      </a:pPr>
+                      <a:r>
+                        <a:rPr lang="en-AU" b="1" dirty="0"/>
+                        <a:t>Factor 1</a:t>
+                      </a:r>
+                    </a:p>
+                  </a:txBody>
+                  <a:tcPr/>
+                </a:tc>
+                <a:extLst>
+                  <a:ext uri="{0D108BD9-81ED-4DB2-BD59-A6C34878D82A}">
+                    <a16:rowId xmlns:a16="http://schemas.microsoft.com/office/drawing/2014/main" val="127744001"/>
+                  </a:ext>
+                </a:extLst>
+              </a:tr>
+              <a:tr h="381977">
+                <a:tc>
+                  <a:txBody>
+                    <a:bodyPr/>
+                    <a:lstStyle/>
+                    <a:p>
+                      <a:r>
+                        <a:rPr lang="en-AU" dirty="0">
+                          <a:solidFill>
+                            <a:schemeClr val="bg1">
+                              <a:lumMod val="50000"/>
+                            </a:schemeClr>
+                          </a:solidFill>
+                        </a:rPr>
+                        <a:t>Gp3 (1/3*n)</a:t>
+                      </a:r>
+                    </a:p>
+                  </a:txBody>
+                  <a:tcPr>
+                    <a:lnR w="12700" cap="flat" cmpd="sng" algn="ctr">
+                      <a:solidFill>
+                        <a:schemeClr val="tx1"/>
+                      </a:solidFill>
+                      <a:prstDash val="solid"/>
+                      <a:round/>
+                      <a:headEnd type="none" w="med" len="med"/>
+                      <a:tailEnd type="none" w="med" len="med"/>
+                    </a:lnR>
+                  </a:tcPr>
+                </a:tc>
+                <a:tc>
+                  <a:txBody>
+                    <a:bodyPr/>
+                    <a:lstStyle/>
+                    <a:p>
+                      <a:pPr marL="0" marR="0" lvl="0" indent="0" algn="l" defTabSz="914400" rtl="0" eaLnBrk="1" fontAlgn="auto" latinLnBrk="0" hangingPunct="1">
+                        <a:lnSpc>
+                          <a:spcPct val="100000"/>
+                        </a:lnSpc>
+                        <a:spcBef>
+                          <a:spcPts val="0"/>
+                        </a:spcBef>
+                        <a:spcAft>
+                          <a:spcPts val="0"/>
+                        </a:spcAft>
+                        <a:buClrTx/>
+                        <a:buSzTx/>
+                        <a:buFontTx/>
+                        <a:buNone/>
+                        <a:tabLst/>
+                        <a:defRPr/>
+                      </a:pPr>
+                      <a:r>
+                        <a:rPr lang="en-AU" dirty="0">
+                          <a:solidFill>
+                            <a:schemeClr val="bg1">
+                              <a:lumMod val="50000"/>
+                            </a:schemeClr>
+                          </a:solidFill>
+                        </a:rPr>
+                        <a:t>Factor 3</a:t>
+                      </a:r>
+                    </a:p>
+                  </a:txBody>
+                  <a:tcPr>
+                    <a:lnL w="12700" cap="flat" cmpd="sng" algn="ctr">
+                      <a:solidFill>
+                        <a:schemeClr val="tx1"/>
+                      </a:solidFill>
+                      <a:prstDash val="solid"/>
+                      <a:round/>
+                      <a:headEnd type="none" w="med" len="med"/>
+                      <a:tailEnd type="none" w="med" len="med"/>
+                    </a:lnL>
+                  </a:tcPr>
+                </a:tc>
+                <a:tc>
+                  <a:txBody>
+                    <a:bodyPr/>
+                    <a:lstStyle/>
+                    <a:p>
+                      <a:pPr marL="0" marR="0" lvl="0" indent="0" algn="l" defTabSz="914400" rtl="0" eaLnBrk="1" fontAlgn="auto" latinLnBrk="0" hangingPunct="1">
+                        <a:lnSpc>
+                          <a:spcPct val="100000"/>
+                        </a:lnSpc>
+                        <a:spcBef>
+                          <a:spcPts val="0"/>
+                        </a:spcBef>
+                        <a:spcAft>
+                          <a:spcPts val="0"/>
+                        </a:spcAft>
+                        <a:buClrTx/>
+                        <a:buSzTx/>
+                        <a:buFontTx/>
+                        <a:buNone/>
+                        <a:tabLst/>
+                        <a:defRPr/>
+                      </a:pPr>
+                      <a:r>
+                        <a:rPr lang="en-AU" dirty="0">
+                          <a:solidFill>
+                            <a:schemeClr val="bg1">
+                              <a:lumMod val="50000"/>
+                            </a:schemeClr>
+                          </a:solidFill>
+                        </a:rPr>
+                        <a:t>Factor 1</a:t>
+                      </a:r>
+                    </a:p>
+                  </a:txBody>
+                  <a:tcPr/>
+                </a:tc>
+                <a:tc>
+                  <a:txBody>
+                    <a:bodyPr/>
+                    <a:lstStyle/>
+                    <a:p>
+                      <a:pPr marL="0" marR="0" lvl="0" indent="0" algn="l" defTabSz="914400" rtl="0" eaLnBrk="1" fontAlgn="auto" latinLnBrk="0" hangingPunct="1">
+                        <a:lnSpc>
+                          <a:spcPct val="100000"/>
+                        </a:lnSpc>
+                        <a:spcBef>
+                          <a:spcPts val="0"/>
+                        </a:spcBef>
+                        <a:spcAft>
+                          <a:spcPts val="0"/>
+                        </a:spcAft>
+                        <a:buClrTx/>
+                        <a:buSzTx/>
+                        <a:buFontTx/>
+                        <a:buNone/>
+                        <a:tabLst/>
+                        <a:defRPr/>
+                      </a:pPr>
+                      <a:r>
+                        <a:rPr lang="en-AU" dirty="0">
+                          <a:solidFill>
+                            <a:schemeClr val="bg1">
+                              <a:lumMod val="50000"/>
+                            </a:schemeClr>
+                          </a:solidFill>
+                        </a:rPr>
+                        <a:t>Factor 2</a:t>
+                      </a:r>
+                    </a:p>
+                  </a:txBody>
+                  <a:tcPr/>
+                </a:tc>
+                <a:extLst>
+                  <a:ext uri="{0D108BD9-81ED-4DB2-BD59-A6C34878D82A}">
+                    <a16:rowId xmlns:a16="http://schemas.microsoft.com/office/drawing/2014/main" val="2888210093"/>
+                  </a:ext>
+                </a:extLst>
+              </a:tr>
+            </a:tbl>
+          </a:graphicData>
+        </a:graphic>
+      </p:graphicFrame>
+      <mc:AlternateContent xmlns:mc="http://schemas.openxmlformats.org/markup-compatibility/2006" xmlns:a14="http://schemas.microsoft.com/office/drawing/2010/main">
+        <mc:Choice Requires="a14">
+          <p:graphicFrame>
+            <p:nvGraphicFramePr>
+              <p:cNvPr id="9" name="Table 8">
+                <a:extLst>
+                  <a:ext uri="{FF2B5EF4-FFF2-40B4-BE49-F238E27FC236}">
+                    <a16:creationId xmlns:a16="http://schemas.microsoft.com/office/drawing/2014/main" id="{46D36220-A859-42B9-A346-0C939B88C1E0}"/>
+                  </a:ext>
+                </a:extLst>
+              </p:cNvPr>
+              <p:cNvGraphicFramePr>
+                <a:graphicFrameLocks noGrp="1"/>
+              </p:cNvGraphicFramePr>
+              <p:nvPr>
+                <p:extLst>
+                  <p:ext uri="{D42A27DB-BD31-4B8C-83A1-F6EECF244321}">
+                    <p14:modId xmlns:p14="http://schemas.microsoft.com/office/powerpoint/2010/main" val="1535010744"/>
+                  </p:ext>
+                </p:extLst>
+              </p:nvPr>
+            </p:nvGraphicFramePr>
+            <p:xfrm>
+              <a:off x="1562468" y="3215928"/>
+              <a:ext cx="7704000" cy="1107060"/>
+            </p:xfrm>
+            <a:graphic>
+              <a:graphicData uri="http://schemas.openxmlformats.org/drawingml/2006/table">
+                <a:tbl>
+                  <a:tblPr firstRow="1" bandRow="1">
+                    <a:tableStyleId>{5C22544A-7EE6-4342-B048-85BDC9FD1C3A}</a:tableStyleId>
+                  </a:tblPr>
+                  <a:tblGrid>
+                    <a:gridCol w="1332000">
+                      <a:extLst>
+                        <a:ext uri="{9D8B030D-6E8A-4147-A177-3AD203B41FA5}">
+                          <a16:colId xmlns:a16="http://schemas.microsoft.com/office/drawing/2014/main" val="1987586350"/>
+                        </a:ext>
+                      </a:extLst>
+                    </a:gridCol>
+                    <a:gridCol w="756000">
+                      <a:extLst>
+                        <a:ext uri="{9D8B030D-6E8A-4147-A177-3AD203B41FA5}">
+                          <a16:colId xmlns:a16="http://schemas.microsoft.com/office/drawing/2014/main" val="2757630649"/>
+                        </a:ext>
+                      </a:extLst>
+                    </a:gridCol>
+                    <a:gridCol w="756000">
+                      <a:extLst>
+                        <a:ext uri="{9D8B030D-6E8A-4147-A177-3AD203B41FA5}">
+                          <a16:colId xmlns:a16="http://schemas.microsoft.com/office/drawing/2014/main" val="3466847723"/>
+                        </a:ext>
+                      </a:extLst>
+                    </a:gridCol>
+                    <a:gridCol w="756000">
+                      <a:extLst>
+                        <a:ext uri="{9D8B030D-6E8A-4147-A177-3AD203B41FA5}">
+                          <a16:colId xmlns:a16="http://schemas.microsoft.com/office/drawing/2014/main" val="37018863"/>
+                        </a:ext>
+                      </a:extLst>
+                    </a:gridCol>
+                    <a:gridCol w="756000">
+                      <a:extLst>
+                        <a:ext uri="{9D8B030D-6E8A-4147-A177-3AD203B41FA5}">
+                          <a16:colId xmlns:a16="http://schemas.microsoft.com/office/drawing/2014/main" val="404444310"/>
+                        </a:ext>
+                      </a:extLst>
+                    </a:gridCol>
+                    <a:gridCol w="756000">
+                      <a:extLst>
+                        <a:ext uri="{9D8B030D-6E8A-4147-A177-3AD203B41FA5}">
+                          <a16:colId xmlns:a16="http://schemas.microsoft.com/office/drawing/2014/main" val="3782919050"/>
+                        </a:ext>
+                      </a:extLst>
+                    </a:gridCol>
+                    <a:gridCol w="756000">
+                      <a:extLst>
+                        <a:ext uri="{9D8B030D-6E8A-4147-A177-3AD203B41FA5}">
+                          <a16:colId xmlns:a16="http://schemas.microsoft.com/office/drawing/2014/main" val="1327298383"/>
+                        </a:ext>
+                      </a:extLst>
+                    </a:gridCol>
+                    <a:gridCol w="1836000">
+                      <a:extLst>
+                        <a:ext uri="{9D8B030D-6E8A-4147-A177-3AD203B41FA5}">
+                          <a16:colId xmlns:a16="http://schemas.microsoft.com/office/drawing/2014/main" val="3798089852"/>
+                        </a:ext>
+                      </a:extLst>
+                    </a:gridCol>
+                  </a:tblGrid>
+                  <a:tr h="0">
+                    <a:tc>
+                      <a:txBody>
+                        <a:bodyPr/>
+                        <a:lstStyle/>
+                        <a:p>
+                          <a:endParaRPr lang="en-AU" dirty="0"/>
+                        </a:p>
+                      </a:txBody>
+                      <a:tcPr>
+                        <a:lnR w="12700" cap="flat" cmpd="sng" algn="ctr">
+                          <a:solidFill>
+                            <a:schemeClr val="tx1"/>
+                          </a:solidFill>
+                          <a:prstDash val="solid"/>
+                          <a:round/>
+                          <a:headEnd type="none" w="med" len="med"/>
+                          <a:tailEnd type="none" w="med" len="med"/>
+                        </a:lnR>
+                      </a:tcPr>
+                    </a:tc>
+                    <a:tc>
+                      <a:txBody>
+                        <a:bodyPr/>
+                        <a:lstStyle/>
+                        <a:p>
+                          <a:r>
+                            <a:rPr lang="en-AU" dirty="0"/>
+                            <a:t>P1.T1</a:t>
+                          </a:r>
+                        </a:p>
+                      </a:txBody>
+                      <a:tcPr>
+                        <a:lnL w="12700" cap="flat" cmpd="sng" algn="ctr">
+                          <a:solidFill>
+                            <a:schemeClr val="tx1"/>
+                          </a:solidFill>
+                          <a:prstDash val="solid"/>
+                          <a:round/>
+                          <a:headEnd type="none" w="med" len="med"/>
+                          <a:tailEnd type="none" w="med" len="med"/>
+                        </a:lnL>
+                      </a:tcPr>
+                    </a:tc>
+                    <a:tc>
+                      <a:txBody>
+                        <a:bodyPr/>
+                        <a:lstStyle/>
+                        <a:p>
+                          <a:r>
+                            <a:rPr lang="en-AU" dirty="0"/>
+                            <a:t>P1.T2</a:t>
+                          </a:r>
+                        </a:p>
+                      </a:txBody>
+                      <a:tcPr/>
+                    </a:tc>
+                    <a:tc>
+                      <a:txBody>
+                        <a:bodyPr/>
+                        <a:lstStyle/>
+                        <a:p>
+                          <a:r>
+                            <a:rPr lang="en-AU" dirty="0"/>
+                            <a:t>P2.T1</a:t>
+                          </a:r>
+                        </a:p>
+                      </a:txBody>
+                      <a:tcPr/>
+                    </a:tc>
+                    <a:tc>
+                      <a:txBody>
+                        <a:bodyPr/>
+                        <a:lstStyle/>
+                        <a:p>
+                          <a:r>
+                            <a:rPr lang="en-AU" dirty="0"/>
+                            <a:t>P2.T2</a:t>
+                          </a:r>
+                        </a:p>
+                      </a:txBody>
+                      <a:tcPr/>
+                    </a:tc>
+                    <a:tc>
+                      <a:txBody>
+                        <a:bodyPr/>
+                        <a:lstStyle/>
+                        <a:p>
+                          <a:r>
+                            <a:rPr lang="en-AU" dirty="0"/>
+                            <a:t>P2.T1</a:t>
+                          </a:r>
+                        </a:p>
+                      </a:txBody>
+                      <a:tcPr/>
+                    </a:tc>
+                    <a:tc>
+                      <a:txBody>
+                        <a:bodyPr/>
+                        <a:lstStyle/>
+                        <a:p>
+                          <a:r>
+                            <a:rPr lang="en-AU" dirty="0"/>
+                            <a:t>P2.T2</a:t>
+                          </a:r>
+                        </a:p>
+                      </a:txBody>
+                      <a:tcPr/>
+                    </a:tc>
+                    <a:tc>
+                      <a:txBody>
+                        <a:bodyPr/>
+                        <a:lstStyle/>
+                        <a:p>
+                          <a:r>
+                            <a:rPr lang="en-AU" dirty="0"/>
+                            <a:t>Distribution</a:t>
+                          </a:r>
+                          <a:endParaRPr lang="en-AU" dirty="0">
+                            <a:solidFill>
+                              <a:sysClr val="windowText" lastClr="000000"/>
+                            </a:solidFill>
+                          </a:endParaRPr>
+                        </a:p>
+                      </a:txBody>
+                      <a:tcPr/>
+                    </a:tc>
+                    <a:extLst>
+                      <a:ext uri="{0D108BD9-81ED-4DB2-BD59-A6C34878D82A}">
+                        <a16:rowId xmlns:a16="http://schemas.microsoft.com/office/drawing/2014/main" val="3189871482"/>
+                      </a:ext>
+                    </a:extLst>
+                  </a:tr>
+                  <a:tr h="360000">
+                    <a:tc>
+                      <a:txBody>
+                        <a:bodyPr/>
+                        <a:lstStyle/>
+                        <a:p>
+                          <a:r>
+                            <a:rPr lang="en-AU" dirty="0"/>
+                            <a:t>Block 1</a:t>
+                          </a:r>
+                        </a:p>
+                      </a:txBody>
+                      <a:tcPr>
+                        <a:lnR w="12700" cap="flat" cmpd="sng" algn="ctr">
+                          <a:solidFill>
+                            <a:schemeClr val="tx1"/>
+                          </a:solidFill>
+                          <a:prstDash val="solid"/>
+                          <a:round/>
+                          <a:headEnd type="none" w="med" len="med"/>
+                          <a:tailEnd type="none" w="med" len="med"/>
+                        </a:lnR>
+                      </a:tcPr>
+                    </a:tc>
+                    <a:tc>
+                      <a:txBody>
+                        <a:bodyPr/>
+                        <a:lstStyle/>
+                        <a:p>
+                          <a:r>
+                            <a:rPr lang="en-AU" dirty="0"/>
+                            <a:t>sim1</a:t>
+                          </a:r>
+                        </a:p>
+                      </a:txBody>
+                      <a:tcPr>
+                        <a:lnL w="12700" cap="flat" cmpd="sng" algn="ctr">
+                          <a:solidFill>
+                            <a:schemeClr val="tx1"/>
+                          </a:solidFill>
+                          <a:prstDash val="solid"/>
+                          <a:round/>
+                          <a:headEnd type="none" w="med" len="med"/>
+                          <a:tailEnd type="none" w="med" len="med"/>
+                        </a:lnL>
+                      </a:tcPr>
+                    </a:tc>
+                    <a:tc>
+                      <a:txBody>
+                        <a:bodyPr/>
+                        <a:lstStyle/>
+                        <a:p>
+                          <a:r>
+                            <a:rPr lang="en-AU" dirty="0"/>
+                            <a:t>sim3</a:t>
+                          </a:r>
+                        </a:p>
+                      </a:txBody>
+                      <a:tcPr/>
+                    </a:tc>
+                    <a:tc>
+                      <a:txBody>
+                        <a:bodyPr/>
+                        <a:lstStyle/>
+                        <a:p>
+                          <a:r>
+                            <a:rPr lang="en-AU" dirty="0"/>
+                            <a:t>sim5</a:t>
+                          </a:r>
+                        </a:p>
+                      </a:txBody>
+                      <a:tcPr/>
+                    </a:tc>
+                    <a:tc>
+                      <a:txBody>
+                        <a:bodyPr/>
+                        <a:lstStyle/>
+                        <a:p>
+                          <a:r>
+                            <a:rPr lang="en-AU" dirty="0"/>
+                            <a:t>sim7</a:t>
+                          </a:r>
+                        </a:p>
+                      </a:txBody>
+                      <a:tcPr/>
+                    </a:tc>
+                    <a:tc>
+                      <a:txBody>
+                        <a:bodyPr/>
+                        <a:lstStyle/>
+                        <a:p>
+                          <a:r>
+                            <a:rPr lang="en-AU" dirty="0"/>
+                            <a:t>sim9</a:t>
+                          </a:r>
+                        </a:p>
+                      </a:txBody>
+                      <a:tcPr/>
+                    </a:tc>
+                    <a:tc>
+                      <a:txBody>
+                        <a:bodyPr/>
+                        <a:lstStyle/>
+                        <a:p>
+                          <a:r>
+                            <a:rPr lang="en-AU" dirty="0"/>
+                            <a:t>sim11</a:t>
+                          </a:r>
+                        </a:p>
+                      </a:txBody>
+                      <a:tcPr/>
+                    </a:tc>
+                    <a:tc>
+                      <a:txBody>
+                        <a:bodyPr/>
+                        <a:lstStyle/>
+                        <a:p>
+                          <a:pPr/>
+                          <a14:m>
+                            <m:oMathPara xmlns:m="http://schemas.openxmlformats.org/officeDocument/2006/math">
+                              <m:oMathParaPr>
+                                <m:jc m:val="centerGroup"/>
+                              </m:oMathParaPr>
+                              <m:oMath xmlns:m="http://schemas.openxmlformats.org/officeDocument/2006/math">
+                                <m:sSup>
+                                  <m:sSupPr>
+                                    <m:ctrlPr>
+                                      <a:rPr lang="en-AU" b="0" i="1" smtClean="0">
+                                        <a:latin typeface="Cambria Math" panose="02040503050406030204" pitchFamily="18" charset="0"/>
+                                      </a:rPr>
+                                    </m:ctrlPr>
+                                  </m:sSupPr>
+                                  <m:e>
+                                    <m:r>
+                                      <a:rPr lang="en-AU" b="0" i="1" smtClean="0">
+                                        <a:latin typeface="Cambria Math" panose="02040503050406030204" pitchFamily="18" charset="0"/>
+                                      </a:rPr>
+                                      <m:t>~</m:t>
+                                    </m:r>
+                                  </m:e>
+                                  <m:sup>
+                                    <m:r>
+                                      <a:rPr lang="en-AU" b="0" i="1" smtClean="0">
+                                        <a:latin typeface="Cambria Math" panose="02040503050406030204" pitchFamily="18" charset="0"/>
+                                      </a:rPr>
+                                      <m:t>𝑑</m:t>
+                                    </m:r>
+                                  </m:sup>
+                                </m:sSup>
+                                <m:r>
+                                  <a:rPr lang="en-AU" b="0" i="1" smtClean="0">
+                                    <a:latin typeface="Cambria Math" panose="02040503050406030204" pitchFamily="18" charset="0"/>
+                                  </a:rPr>
+                                  <m:t> </m:t>
+                                </m:r>
+                                <m:r>
+                                  <a:rPr lang="en-AU" b="0" i="1" smtClean="0">
+                                    <a:latin typeface="Cambria Math" panose="02040503050406030204" pitchFamily="18" charset="0"/>
+                                  </a:rPr>
+                                  <m:t>𝑚𝑡𝑣𝑁</m:t>
+                                </m:r>
+                                <m:r>
+                                  <a:rPr lang="en-AU" b="0" i="1" smtClean="0">
+                                    <a:latin typeface="Cambria Math" panose="02040503050406030204" pitchFamily="18" charset="0"/>
+                                  </a:rPr>
+                                  <m:t>(</m:t>
+                                </m:r>
+                                <m:sSup>
+                                  <m:sSupPr>
+                                    <m:ctrlPr>
+                                      <a:rPr lang="en-AU" b="0" i="1" smtClean="0">
+                                        <a:latin typeface="Cambria Math" panose="02040503050406030204" pitchFamily="18" charset="0"/>
+                                      </a:rPr>
+                                    </m:ctrlPr>
+                                  </m:sSupPr>
+                                  <m:e>
+                                    <m:r>
+                                      <a:rPr lang="en-AU" i="1">
+                                        <a:latin typeface="Cambria Math" panose="02040503050406030204" pitchFamily="18" charset="0"/>
+                                      </a:rPr>
+                                      <m:t>𝑒𝑎𝑠𝑦</m:t>
+                                    </m:r>
+                                  </m:e>
+                                  <m:sup>
+                                    <m:r>
+                                      <a:rPr lang="en-AU" b="0" i="1" smtClean="0">
+                                        <a:latin typeface="Cambria Math" panose="02040503050406030204" pitchFamily="18" charset="0"/>
+                                      </a:rPr>
+                                      <m:t>∗</m:t>
+                                    </m:r>
+                                  </m:sup>
+                                </m:sSup>
+                                <m:r>
+                                  <a:rPr lang="en-AU" b="0" i="1" smtClean="0">
+                                    <a:latin typeface="Cambria Math" panose="02040503050406030204" pitchFamily="18" charset="0"/>
+                                  </a:rPr>
+                                  <m:t>)</m:t>
+                                </m:r>
+                              </m:oMath>
+                            </m:oMathPara>
+                          </a14:m>
+                          <a:endParaRPr lang="en-AU" dirty="0">
+                            <a:solidFill>
+                              <a:sysClr val="windowText" lastClr="000000"/>
+                            </a:solidFill>
+                          </a:endParaRPr>
+                        </a:p>
+                      </a:txBody>
+                      <a:tcPr/>
+                    </a:tc>
+                    <a:extLst>
+                      <a:ext uri="{0D108BD9-81ED-4DB2-BD59-A6C34878D82A}">
+                        <a16:rowId xmlns:a16="http://schemas.microsoft.com/office/drawing/2014/main" val="1288797883"/>
+                      </a:ext>
+                    </a:extLst>
+                  </a:tr>
+                  <a:tr h="360000">
+                    <a:tc>
+                      <a:txBody>
+                        <a:bodyPr/>
+                        <a:lstStyle/>
+                        <a:p>
+                          <a:r>
+                            <a:rPr lang="en-AU" dirty="0"/>
+                            <a:t>Block 2</a:t>
+                          </a:r>
+                        </a:p>
+                      </a:txBody>
+                      <a:tcPr>
+                        <a:lnR w="12700" cap="flat" cmpd="sng" algn="ctr">
+                          <a:solidFill>
+                            <a:schemeClr val="tx1"/>
+                          </a:solidFill>
+                          <a:prstDash val="solid"/>
+                          <a:round/>
+                          <a:headEnd type="none" w="med" len="med"/>
+                          <a:tailEnd type="none" w="med" len="med"/>
+                        </a:lnR>
+                      </a:tcPr>
+                    </a:tc>
+                    <a:tc>
+                      <a:txBody>
+                        <a:bodyPr/>
+                        <a:lstStyle/>
+                        <a:p>
+                          <a:r>
+                            <a:rPr lang="en-AU" dirty="0"/>
+                            <a:t>sim2</a:t>
+                          </a:r>
+                        </a:p>
+                      </a:txBody>
+                      <a:tcPr>
+                        <a:lnL w="12700" cap="flat" cmpd="sng" algn="ctr">
+                          <a:solidFill>
+                            <a:schemeClr val="tx1"/>
+                          </a:solidFill>
+                          <a:prstDash val="solid"/>
+                          <a:round/>
+                          <a:headEnd type="none" w="med" len="med"/>
+                          <a:tailEnd type="none" w="med" len="med"/>
+                        </a:lnL>
+                      </a:tcPr>
+                    </a:tc>
+                    <a:tc>
+                      <a:txBody>
+                        <a:bodyPr/>
+                        <a:lstStyle/>
+                        <a:p>
+                          <a:r>
+                            <a:rPr lang="en-AU" dirty="0"/>
+                            <a:t>sim4</a:t>
+                          </a:r>
+                        </a:p>
+                      </a:txBody>
+                      <a:tcPr/>
+                    </a:tc>
+                    <a:tc>
+                      <a:txBody>
+                        <a:bodyPr/>
+                        <a:lstStyle/>
+                        <a:p>
+                          <a:r>
+                            <a:rPr lang="en-AU" dirty="0"/>
+                            <a:t>sim6</a:t>
+                          </a:r>
+                        </a:p>
+                      </a:txBody>
+                      <a:tcPr/>
+                    </a:tc>
+                    <a:tc>
+                      <a:txBody>
+                        <a:bodyPr/>
+                        <a:lstStyle/>
+                        <a:p>
+                          <a:r>
+                            <a:rPr lang="en-AU" dirty="0"/>
+                            <a:t>sim8</a:t>
+                          </a:r>
+                        </a:p>
+                      </a:txBody>
+                      <a:tcPr/>
+                    </a:tc>
+                    <a:tc>
+                      <a:txBody>
+                        <a:bodyPr/>
+                        <a:lstStyle/>
+                        <a:p>
+                          <a:r>
+                            <a:rPr lang="en-AU" dirty="0"/>
+                            <a:t>sim10</a:t>
+                          </a:r>
+                        </a:p>
+                      </a:txBody>
+                      <a:tcPr/>
+                    </a:tc>
+                    <a:tc>
+                      <a:txBody>
+                        <a:bodyPr/>
+                        <a:lstStyle/>
+                        <a:p>
+                          <a:r>
+                            <a:rPr lang="en-AU" dirty="0"/>
+                            <a:t>sim12</a:t>
+                          </a:r>
+                        </a:p>
+                      </a:txBody>
+                      <a:tcPr/>
+                    </a:tc>
+                    <a:tc>
+                      <a:txBody>
+                        <a:bodyPr/>
+                        <a:lstStyle/>
+                        <a:p>
+                          <a:pPr/>
+                          <a14:m>
+                            <m:oMathPara xmlns:m="http://schemas.openxmlformats.org/officeDocument/2006/math">
+                              <m:oMathParaPr>
+                                <m:jc m:val="centerGroup"/>
+                              </m:oMathParaPr>
+                              <m:oMath xmlns:m="http://schemas.openxmlformats.org/officeDocument/2006/math">
+                                <m:sSup>
+                                  <m:sSupPr>
+                                    <m:ctrlPr>
+                                      <a:rPr lang="en-AU" b="0" i="1" smtClean="0">
+                                        <a:latin typeface="Cambria Math" panose="02040503050406030204" pitchFamily="18" charset="0"/>
+                                      </a:rPr>
+                                    </m:ctrlPr>
+                                  </m:sSupPr>
+                                  <m:e>
+                                    <m:r>
+                                      <a:rPr lang="en-AU" b="0" i="1" smtClean="0">
+                                        <a:latin typeface="Cambria Math" panose="02040503050406030204" pitchFamily="18" charset="0"/>
+                                      </a:rPr>
+                                      <m:t>~</m:t>
+                                    </m:r>
+                                  </m:e>
+                                  <m:sup>
+                                    <m:r>
+                                      <a:rPr lang="en-AU" b="0" i="1" smtClean="0">
+                                        <a:latin typeface="Cambria Math" panose="02040503050406030204" pitchFamily="18" charset="0"/>
+                                      </a:rPr>
+                                      <m:t>𝑑</m:t>
+                                    </m:r>
+                                  </m:sup>
+                                </m:sSup>
+                                <m:r>
+                                  <a:rPr lang="en-AU" b="0" i="1" smtClean="0">
+                                    <a:latin typeface="Cambria Math" panose="02040503050406030204" pitchFamily="18" charset="0"/>
+                                  </a:rPr>
+                                  <m:t> </m:t>
+                                </m:r>
+                                <m:r>
+                                  <a:rPr lang="en-AU" b="0" i="1" smtClean="0">
+                                    <a:latin typeface="Cambria Math" panose="02040503050406030204" pitchFamily="18" charset="0"/>
+                                  </a:rPr>
+                                  <m:t>𝑚𝑡𝑣𝑁</m:t>
+                                </m:r>
+                                <m:r>
+                                  <a:rPr lang="en-AU" b="0" i="1" smtClean="0">
+                                    <a:latin typeface="Cambria Math" panose="02040503050406030204" pitchFamily="18" charset="0"/>
+                                  </a:rPr>
+                                  <m:t>(</m:t>
+                                </m:r>
+                                <m:sSup>
+                                  <m:sSupPr>
+                                    <m:ctrlPr>
+                                      <a:rPr lang="en-AU" b="0" i="1" smtClean="0">
+                                        <a:latin typeface="Cambria Math" panose="02040503050406030204" pitchFamily="18" charset="0"/>
+                                      </a:rPr>
+                                    </m:ctrlPr>
+                                  </m:sSupPr>
+                                  <m:e>
+                                    <m:r>
+                                      <a:rPr lang="en-AU" b="0" i="1" smtClean="0">
+                                        <a:latin typeface="Cambria Math" panose="02040503050406030204" pitchFamily="18" charset="0"/>
+                                      </a:rPr>
+                                      <m:t>h𝑎𝑟𝑑</m:t>
+                                    </m:r>
+                                  </m:e>
+                                  <m:sup>
+                                    <m:r>
+                                      <a:rPr lang="en-AU" b="0" i="1" smtClean="0">
+                                        <a:latin typeface="Cambria Math" panose="02040503050406030204" pitchFamily="18" charset="0"/>
+                                      </a:rPr>
+                                      <m:t>∗</m:t>
+                                    </m:r>
+                                  </m:sup>
+                                </m:sSup>
+                                <m:r>
+                                  <a:rPr lang="en-AU" b="0" i="1" smtClean="0">
+                                    <a:latin typeface="Cambria Math" panose="02040503050406030204" pitchFamily="18" charset="0"/>
+                                  </a:rPr>
+                                  <m:t>)</m:t>
+                                </m:r>
+                              </m:oMath>
+                            </m:oMathPara>
+                          </a14:m>
+                          <a:endParaRPr lang="en-AU" dirty="0">
+                            <a:solidFill>
+                              <a:sysClr val="windowText" lastClr="000000"/>
+                            </a:solidFill>
+                          </a:endParaRPr>
+                        </a:p>
+                      </a:txBody>
+                      <a:tcPr/>
+                    </a:tc>
+                    <a:extLst>
+                      <a:ext uri="{0D108BD9-81ED-4DB2-BD59-A6C34878D82A}">
+                        <a16:rowId xmlns:a16="http://schemas.microsoft.com/office/drawing/2014/main" val="304250112"/>
+                      </a:ext>
+                    </a:extLst>
+                  </a:tr>
+                </a:tbl>
+              </a:graphicData>
+            </a:graphic>
+          </p:graphicFrame>
+        </mc:Choice>
+        <mc:Fallback xmlns="">
+          <p:graphicFrame>
+            <p:nvGraphicFramePr>
+              <p:cNvPr id="9" name="Table 8">
+                <a:extLst>
+                  <a:ext uri="{FF2B5EF4-FFF2-40B4-BE49-F238E27FC236}">
+                    <a16:creationId xmlns:a16="http://schemas.microsoft.com/office/drawing/2014/main" id="{46D36220-A859-42B9-A346-0C939B88C1E0}"/>
+                  </a:ext>
+                </a:extLst>
+              </p:cNvPr>
+              <p:cNvGraphicFramePr>
+                <a:graphicFrameLocks noGrp="1"/>
+              </p:cNvGraphicFramePr>
+              <p:nvPr>
+                <p:extLst>
+                  <p:ext uri="{D42A27DB-BD31-4B8C-83A1-F6EECF244321}">
+                    <p14:modId xmlns:p14="http://schemas.microsoft.com/office/powerpoint/2010/main" val="1535010744"/>
+                  </p:ext>
+                </p:extLst>
+              </p:nvPr>
+            </p:nvGraphicFramePr>
+            <p:xfrm>
+              <a:off x="1562468" y="3215928"/>
+              <a:ext cx="7704000" cy="1107060"/>
+            </p:xfrm>
+            <a:graphic>
+              <a:graphicData uri="http://schemas.openxmlformats.org/drawingml/2006/table">
+                <a:tbl>
+                  <a:tblPr firstRow="1" bandRow="1">
+                    <a:tableStyleId>{5C22544A-7EE6-4342-B048-85BDC9FD1C3A}</a:tableStyleId>
+                  </a:tblPr>
+                  <a:tblGrid>
+                    <a:gridCol w="1332000">
+                      <a:extLst>
+                        <a:ext uri="{9D8B030D-6E8A-4147-A177-3AD203B41FA5}">
+                          <a16:colId xmlns:a16="http://schemas.microsoft.com/office/drawing/2014/main" val="1987586350"/>
+                        </a:ext>
+                      </a:extLst>
+                    </a:gridCol>
+                    <a:gridCol w="756000">
+                      <a:extLst>
+                        <a:ext uri="{9D8B030D-6E8A-4147-A177-3AD203B41FA5}">
+                          <a16:colId xmlns:a16="http://schemas.microsoft.com/office/drawing/2014/main" val="2757630649"/>
+                        </a:ext>
+                      </a:extLst>
+                    </a:gridCol>
+                    <a:gridCol w="756000">
+                      <a:extLst>
+                        <a:ext uri="{9D8B030D-6E8A-4147-A177-3AD203B41FA5}">
+                          <a16:colId xmlns:a16="http://schemas.microsoft.com/office/drawing/2014/main" val="3466847723"/>
+                        </a:ext>
+                      </a:extLst>
+                    </a:gridCol>
+                    <a:gridCol w="756000">
+                      <a:extLst>
+                        <a:ext uri="{9D8B030D-6E8A-4147-A177-3AD203B41FA5}">
+                          <a16:colId xmlns:a16="http://schemas.microsoft.com/office/drawing/2014/main" val="37018863"/>
+                        </a:ext>
+                      </a:extLst>
+                    </a:gridCol>
+                    <a:gridCol w="756000">
+                      <a:extLst>
+                        <a:ext uri="{9D8B030D-6E8A-4147-A177-3AD203B41FA5}">
+                          <a16:colId xmlns:a16="http://schemas.microsoft.com/office/drawing/2014/main" val="404444310"/>
+                        </a:ext>
+                      </a:extLst>
+                    </a:gridCol>
+                    <a:gridCol w="756000">
+                      <a:extLst>
+                        <a:ext uri="{9D8B030D-6E8A-4147-A177-3AD203B41FA5}">
+                          <a16:colId xmlns:a16="http://schemas.microsoft.com/office/drawing/2014/main" val="3782919050"/>
+                        </a:ext>
+                      </a:extLst>
+                    </a:gridCol>
+                    <a:gridCol w="756000">
+                      <a:extLst>
+                        <a:ext uri="{9D8B030D-6E8A-4147-A177-3AD203B41FA5}">
+                          <a16:colId xmlns:a16="http://schemas.microsoft.com/office/drawing/2014/main" val="1327298383"/>
+                        </a:ext>
+                      </a:extLst>
+                    </a:gridCol>
+                    <a:gridCol w="1836000">
+                      <a:extLst>
+                        <a:ext uri="{9D8B030D-6E8A-4147-A177-3AD203B41FA5}">
+                          <a16:colId xmlns:a16="http://schemas.microsoft.com/office/drawing/2014/main" val="3798089852"/>
+                        </a:ext>
+                      </a:extLst>
+                    </a:gridCol>
+                  </a:tblGrid>
+                  <a:tr h="365760">
+                    <a:tc>
+                      <a:txBody>
+                        <a:bodyPr/>
+                        <a:lstStyle/>
+                        <a:p>
+                          <a:endParaRPr lang="en-AU" dirty="0"/>
+                        </a:p>
+                      </a:txBody>
+                      <a:tcPr>
+                        <a:lnR w="12700" cap="flat" cmpd="sng" algn="ctr">
+                          <a:solidFill>
+                            <a:schemeClr val="tx1"/>
+                          </a:solidFill>
+                          <a:prstDash val="solid"/>
+                          <a:round/>
+                          <a:headEnd type="none" w="med" len="med"/>
+                          <a:tailEnd type="none" w="med" len="med"/>
+                        </a:lnR>
+                      </a:tcPr>
+                    </a:tc>
+                    <a:tc>
+                      <a:txBody>
+                        <a:bodyPr/>
+                        <a:lstStyle/>
+                        <a:p>
+                          <a:r>
+                            <a:rPr lang="en-AU" dirty="0"/>
+                            <a:t>P1.T1</a:t>
+                          </a:r>
+                        </a:p>
+                      </a:txBody>
+                      <a:tcPr>
+                        <a:lnL w="12700" cap="flat" cmpd="sng" algn="ctr">
+                          <a:solidFill>
+                            <a:schemeClr val="tx1"/>
+                          </a:solidFill>
+                          <a:prstDash val="solid"/>
+                          <a:round/>
+                          <a:headEnd type="none" w="med" len="med"/>
+                          <a:tailEnd type="none" w="med" len="med"/>
+                        </a:lnL>
+                      </a:tcPr>
+                    </a:tc>
+                    <a:tc>
+                      <a:txBody>
+                        <a:bodyPr/>
+                        <a:lstStyle/>
+                        <a:p>
+                          <a:r>
+                            <a:rPr lang="en-AU" dirty="0"/>
+                            <a:t>P1.T2</a:t>
+                          </a:r>
+                        </a:p>
+                      </a:txBody>
+                      <a:tcPr/>
+                    </a:tc>
+                    <a:tc>
+                      <a:txBody>
+                        <a:bodyPr/>
+                        <a:lstStyle/>
+                        <a:p>
+                          <a:r>
+                            <a:rPr lang="en-AU" dirty="0"/>
+                            <a:t>P2.T1</a:t>
+                          </a:r>
+                        </a:p>
+                      </a:txBody>
+                      <a:tcPr/>
+                    </a:tc>
+                    <a:tc>
+                      <a:txBody>
+                        <a:bodyPr/>
+                        <a:lstStyle/>
+                        <a:p>
+                          <a:r>
+                            <a:rPr lang="en-AU" dirty="0"/>
+                            <a:t>P2.T2</a:t>
+                          </a:r>
+                        </a:p>
+                      </a:txBody>
+                      <a:tcPr/>
+                    </a:tc>
+                    <a:tc>
+                      <a:txBody>
+                        <a:bodyPr/>
+                        <a:lstStyle/>
+                        <a:p>
+                          <a:r>
+                            <a:rPr lang="en-AU" dirty="0"/>
+                            <a:t>P2.T1</a:t>
+                          </a:r>
+                        </a:p>
+                      </a:txBody>
+                      <a:tcPr/>
+                    </a:tc>
+                    <a:tc>
+                      <a:txBody>
+                        <a:bodyPr/>
+                        <a:lstStyle/>
+                        <a:p>
+                          <a:r>
+                            <a:rPr lang="en-AU" dirty="0"/>
+                            <a:t>P2.T2</a:t>
+                          </a:r>
+                        </a:p>
+                      </a:txBody>
+                      <a:tcPr/>
+                    </a:tc>
+                    <a:tc>
+                      <a:txBody>
+                        <a:bodyPr/>
+                        <a:lstStyle/>
+                        <a:p>
+                          <a:r>
+                            <a:rPr lang="en-AU" dirty="0"/>
+                            <a:t>Distribution</a:t>
+                          </a:r>
+                          <a:endParaRPr lang="en-AU" dirty="0">
+                            <a:solidFill>
+                              <a:sysClr val="windowText" lastClr="000000"/>
+                            </a:solidFill>
+                          </a:endParaRPr>
+                        </a:p>
+                      </a:txBody>
+                      <a:tcPr/>
+                    </a:tc>
+                    <a:extLst>
+                      <a:ext uri="{0D108BD9-81ED-4DB2-BD59-A6C34878D82A}">
+                        <a16:rowId xmlns:a16="http://schemas.microsoft.com/office/drawing/2014/main" val="3189871482"/>
+                      </a:ext>
+                    </a:extLst>
+                  </a:tr>
+                  <a:tr h="370650">
+                    <a:tc>
+                      <a:txBody>
+                        <a:bodyPr/>
+                        <a:lstStyle/>
+                        <a:p>
+                          <a:r>
+                            <a:rPr lang="en-AU" dirty="0"/>
+                            <a:t>Block 1</a:t>
+                          </a:r>
+                        </a:p>
+                      </a:txBody>
+                      <a:tcPr>
+                        <a:lnR w="12700" cap="flat" cmpd="sng" algn="ctr">
+                          <a:solidFill>
+                            <a:schemeClr val="tx1"/>
+                          </a:solidFill>
+                          <a:prstDash val="solid"/>
+                          <a:round/>
+                          <a:headEnd type="none" w="med" len="med"/>
+                          <a:tailEnd type="none" w="med" len="med"/>
+                        </a:lnR>
+                      </a:tcPr>
+                    </a:tc>
+                    <a:tc>
+                      <a:txBody>
+                        <a:bodyPr/>
+                        <a:lstStyle/>
+                        <a:p>
+                          <a:r>
+                            <a:rPr lang="en-AU" dirty="0"/>
+                            <a:t>sim1</a:t>
+                          </a:r>
+                        </a:p>
+                      </a:txBody>
+                      <a:tcPr>
+                        <a:lnL w="12700" cap="flat" cmpd="sng" algn="ctr">
+                          <a:solidFill>
+                            <a:schemeClr val="tx1"/>
+                          </a:solidFill>
+                          <a:prstDash val="solid"/>
+                          <a:round/>
+                          <a:headEnd type="none" w="med" len="med"/>
+                          <a:tailEnd type="none" w="med" len="med"/>
+                        </a:lnL>
+                      </a:tcPr>
+                    </a:tc>
+                    <a:tc>
+                      <a:txBody>
+                        <a:bodyPr/>
+                        <a:lstStyle/>
+                        <a:p>
+                          <a:r>
+                            <a:rPr lang="en-AU" dirty="0"/>
+                            <a:t>sim3</a:t>
+                          </a:r>
+                        </a:p>
+                      </a:txBody>
+                      <a:tcPr/>
+                    </a:tc>
+                    <a:tc>
+                      <a:txBody>
+                        <a:bodyPr/>
+                        <a:lstStyle/>
+                        <a:p>
+                          <a:r>
+                            <a:rPr lang="en-AU" dirty="0"/>
+                            <a:t>sim5</a:t>
+                          </a:r>
+                        </a:p>
+                      </a:txBody>
+                      <a:tcPr/>
+                    </a:tc>
+                    <a:tc>
+                      <a:txBody>
+                        <a:bodyPr/>
+                        <a:lstStyle/>
+                        <a:p>
+                          <a:r>
+                            <a:rPr lang="en-AU" dirty="0"/>
+                            <a:t>sim7</a:t>
+                          </a:r>
+                        </a:p>
+                      </a:txBody>
+                      <a:tcPr/>
+                    </a:tc>
+                    <a:tc>
+                      <a:txBody>
+                        <a:bodyPr/>
+                        <a:lstStyle/>
+                        <a:p>
+                          <a:r>
+                            <a:rPr lang="en-AU" dirty="0"/>
+                            <a:t>sim9</a:t>
+                          </a:r>
+                        </a:p>
+                      </a:txBody>
+                      <a:tcPr/>
+                    </a:tc>
+                    <a:tc>
+                      <a:txBody>
+                        <a:bodyPr/>
+                        <a:lstStyle/>
+                        <a:p>
+                          <a:r>
+                            <a:rPr lang="en-AU" dirty="0"/>
+                            <a:t>sim11</a:t>
+                          </a:r>
+                        </a:p>
+                      </a:txBody>
+                      <a:tcPr/>
+                    </a:tc>
+                    <a:tc>
+                      <a:txBody>
+                        <a:bodyPr/>
+                        <a:lstStyle/>
+                        <a:p>
+                          <a:endParaRPr lang="en-US"/>
+                        </a:p>
+                      </a:txBody>
+                      <a:tcPr>
+                        <a:blipFill>
+                          <a:blip r:embed="rId2"/>
+                          <a:stretch>
+                            <a:fillRect l="-320598" t="-104839" r="-1329" b="-120968"/>
+                          </a:stretch>
+                        </a:blipFill>
+                      </a:tcPr>
+                    </a:tc>
+                    <a:extLst>
+                      <a:ext uri="{0D108BD9-81ED-4DB2-BD59-A6C34878D82A}">
+                        <a16:rowId xmlns:a16="http://schemas.microsoft.com/office/drawing/2014/main" val="1288797883"/>
+                      </a:ext>
+                    </a:extLst>
+                  </a:tr>
+                  <a:tr h="370650">
+                    <a:tc>
+                      <a:txBody>
+                        <a:bodyPr/>
+                        <a:lstStyle/>
+                        <a:p>
+                          <a:r>
+                            <a:rPr lang="en-AU" dirty="0"/>
+                            <a:t>Block 2</a:t>
+                          </a:r>
+                        </a:p>
+                      </a:txBody>
+                      <a:tcPr>
+                        <a:lnR w="12700" cap="flat" cmpd="sng" algn="ctr">
+                          <a:solidFill>
+                            <a:schemeClr val="tx1"/>
+                          </a:solidFill>
+                          <a:prstDash val="solid"/>
+                          <a:round/>
+                          <a:headEnd type="none" w="med" len="med"/>
+                          <a:tailEnd type="none" w="med" len="med"/>
+                        </a:lnR>
+                      </a:tcPr>
+                    </a:tc>
+                    <a:tc>
+                      <a:txBody>
+                        <a:bodyPr/>
+                        <a:lstStyle/>
+                        <a:p>
+                          <a:r>
+                            <a:rPr lang="en-AU" dirty="0"/>
+                            <a:t>sim2</a:t>
+                          </a:r>
+                        </a:p>
+                      </a:txBody>
+                      <a:tcPr>
+                        <a:lnL w="12700" cap="flat" cmpd="sng" algn="ctr">
+                          <a:solidFill>
+                            <a:schemeClr val="tx1"/>
+                          </a:solidFill>
+                          <a:prstDash val="solid"/>
+                          <a:round/>
+                          <a:headEnd type="none" w="med" len="med"/>
+                          <a:tailEnd type="none" w="med" len="med"/>
+                        </a:lnL>
+                      </a:tcPr>
+                    </a:tc>
+                    <a:tc>
+                      <a:txBody>
+                        <a:bodyPr/>
+                        <a:lstStyle/>
+                        <a:p>
+                          <a:r>
+                            <a:rPr lang="en-AU" dirty="0"/>
+                            <a:t>sim4</a:t>
+                          </a:r>
+                        </a:p>
+                      </a:txBody>
+                      <a:tcPr/>
+                    </a:tc>
+                    <a:tc>
+                      <a:txBody>
+                        <a:bodyPr/>
+                        <a:lstStyle/>
+                        <a:p>
+                          <a:r>
+                            <a:rPr lang="en-AU" dirty="0"/>
+                            <a:t>sim6</a:t>
+                          </a:r>
+                        </a:p>
+                      </a:txBody>
+                      <a:tcPr/>
+                    </a:tc>
+                    <a:tc>
+                      <a:txBody>
+                        <a:bodyPr/>
+                        <a:lstStyle/>
+                        <a:p>
+                          <a:r>
+                            <a:rPr lang="en-AU" dirty="0"/>
+                            <a:t>sim8</a:t>
+                          </a:r>
+                        </a:p>
+                      </a:txBody>
+                      <a:tcPr/>
+                    </a:tc>
+                    <a:tc>
+                      <a:txBody>
+                        <a:bodyPr/>
+                        <a:lstStyle/>
+                        <a:p>
+                          <a:r>
+                            <a:rPr lang="en-AU" dirty="0"/>
+                            <a:t>sim10</a:t>
+                          </a:r>
+                        </a:p>
+                      </a:txBody>
+                      <a:tcPr/>
+                    </a:tc>
+                    <a:tc>
+                      <a:txBody>
+                        <a:bodyPr/>
+                        <a:lstStyle/>
+                        <a:p>
+                          <a:r>
+                            <a:rPr lang="en-AU" dirty="0"/>
+                            <a:t>sim12</a:t>
+                          </a:r>
+                        </a:p>
+                      </a:txBody>
+                      <a:tcPr/>
+                    </a:tc>
+                    <a:tc>
+                      <a:txBody>
+                        <a:bodyPr/>
+                        <a:lstStyle/>
+                        <a:p>
+                          <a:endParaRPr lang="en-US"/>
+                        </a:p>
+                      </a:txBody>
+                      <a:tcPr>
+                        <a:blipFill>
+                          <a:blip r:embed="rId2"/>
+                          <a:stretch>
+                            <a:fillRect l="-320598" t="-208197" r="-1329" b="-22951"/>
+                          </a:stretch>
+                        </a:blipFill>
+                      </a:tcPr>
+                    </a:tc>
+                    <a:extLst>
+                      <a:ext uri="{0D108BD9-81ED-4DB2-BD59-A6C34878D82A}">
+                        <a16:rowId xmlns:a16="http://schemas.microsoft.com/office/drawing/2014/main" val="304250112"/>
+                      </a:ext>
+                    </a:extLst>
+                  </a:tr>
+                </a:tbl>
+              </a:graphicData>
+            </a:graphic>
+          </p:graphicFrame>
+        </mc:Fallback>
+      </mc:AlternateContent>
+      <p:cxnSp>
+        <p:nvCxnSpPr>
+          <p:cNvPr id="4" name="Straight Connector 3">
+            <a:extLst>
+              <a:ext uri="{FF2B5EF4-FFF2-40B4-BE49-F238E27FC236}">
+                <a16:creationId xmlns:a16="http://schemas.microsoft.com/office/drawing/2014/main" id="{8764B69E-BA77-429A-B681-8E2C0BB7E344}"/>
+              </a:ext>
+            </a:extLst>
+          </p:cNvPr>
+          <p:cNvCxnSpPr>
+            <a:cxnSpLocks/>
+          </p:cNvCxnSpPr>
+          <p:nvPr/>
+        </p:nvCxnSpPr>
+        <p:spPr>
+          <a:xfrm>
+            <a:off x="2863083" y="3062661"/>
+            <a:ext cx="0" cy="167540"/>
+          </a:xfrm>
+          <a:prstGeom prst="line">
+            <a:avLst/>
+          </a:prstGeom>
+          <a:ln w="12700">
+            <a:solidFill>
+              <a:schemeClr val="tx1"/>
+            </a:solidFill>
+            <a:prstDash val="dash"/>
+          </a:ln>
+        </p:spPr>
+        <p:style>
+          <a:lnRef idx="1">
+            <a:schemeClr val="accent1"/>
+          </a:lnRef>
+          <a:fillRef idx="0">
+            <a:schemeClr val="accent1"/>
+          </a:fillRef>
+          <a:effectRef idx="0">
+            <a:schemeClr val="accent1"/>
+          </a:effectRef>
+          <a:fontRef idx="minor">
+            <a:schemeClr val="tx1"/>
+          </a:fontRef>
+        </p:style>
+      </p:cxnSp>
+      <p:cxnSp>
+        <p:nvCxnSpPr>
+          <p:cNvPr id="8" name="Straight Connector 7">
+            <a:extLst>
+              <a:ext uri="{FF2B5EF4-FFF2-40B4-BE49-F238E27FC236}">
+                <a16:creationId xmlns:a16="http://schemas.microsoft.com/office/drawing/2014/main" id="{5737FC28-2696-4EB1-AB61-74080ED4916C}"/>
+              </a:ext>
+            </a:extLst>
+          </p:cNvPr>
+          <p:cNvCxnSpPr>
+            <a:cxnSpLocks/>
+          </p:cNvCxnSpPr>
+          <p:nvPr/>
+        </p:nvCxnSpPr>
+        <p:spPr>
+          <a:xfrm>
+            <a:off x="4387473" y="3075792"/>
+            <a:ext cx="0" cy="140136"/>
+          </a:xfrm>
+          <a:prstGeom prst="line">
+            <a:avLst/>
+          </a:prstGeom>
+          <a:ln w="12700">
+            <a:solidFill>
+              <a:schemeClr val="tx1"/>
+            </a:solidFill>
+            <a:prstDash val="dash"/>
+          </a:ln>
+        </p:spPr>
+        <p:style>
+          <a:lnRef idx="1">
+            <a:schemeClr val="accent1"/>
+          </a:lnRef>
+          <a:fillRef idx="0">
+            <a:schemeClr val="accent1"/>
+          </a:fillRef>
+          <a:effectRef idx="0">
+            <a:schemeClr val="accent1"/>
+          </a:effectRef>
+          <a:fontRef idx="minor">
+            <a:schemeClr val="tx1"/>
+          </a:fontRef>
+        </p:style>
+      </p:cxnSp>
+      <p:cxnSp>
+        <p:nvCxnSpPr>
+          <p:cNvPr id="10" name="Straight Connector 9">
+            <a:extLst>
+              <a:ext uri="{FF2B5EF4-FFF2-40B4-BE49-F238E27FC236}">
+                <a16:creationId xmlns:a16="http://schemas.microsoft.com/office/drawing/2014/main" id="{52C97FD3-668A-468A-9E69-284F5ED6D448}"/>
+              </a:ext>
+            </a:extLst>
+          </p:cNvPr>
+          <p:cNvCxnSpPr>
+            <a:cxnSpLocks/>
+          </p:cNvCxnSpPr>
+          <p:nvPr/>
+        </p:nvCxnSpPr>
+        <p:spPr>
+          <a:xfrm>
+            <a:off x="5900722" y="3075792"/>
+            <a:ext cx="0" cy="140136"/>
+          </a:xfrm>
+          <a:prstGeom prst="line">
+            <a:avLst/>
+          </a:prstGeom>
+          <a:ln w="12700">
+            <a:solidFill>
+              <a:schemeClr val="tx1"/>
+            </a:solidFill>
+            <a:prstDash val="dash"/>
+          </a:ln>
+        </p:spPr>
+        <p:style>
+          <a:lnRef idx="1">
+            <a:schemeClr val="accent1"/>
+          </a:lnRef>
+          <a:fillRef idx="0">
+            <a:schemeClr val="accent1"/>
+          </a:fillRef>
+          <a:effectRef idx="0">
+            <a:schemeClr val="accent1"/>
+          </a:effectRef>
+          <a:fontRef idx="minor">
+            <a:schemeClr val="tx1"/>
+          </a:fontRef>
+        </p:style>
+      </p:cxnSp>
+      <p:cxnSp>
+        <p:nvCxnSpPr>
+          <p:cNvPr id="11" name="Straight Connector 10">
+            <a:extLst>
+              <a:ext uri="{FF2B5EF4-FFF2-40B4-BE49-F238E27FC236}">
+                <a16:creationId xmlns:a16="http://schemas.microsoft.com/office/drawing/2014/main" id="{83C01968-F948-4C0C-BD04-3A554E456599}"/>
+              </a:ext>
+            </a:extLst>
+          </p:cNvPr>
+          <p:cNvCxnSpPr>
+            <a:cxnSpLocks/>
+          </p:cNvCxnSpPr>
+          <p:nvPr/>
+        </p:nvCxnSpPr>
+        <p:spPr>
+          <a:xfrm>
+            <a:off x="7415300" y="3075792"/>
+            <a:ext cx="5943" cy="182452"/>
+          </a:xfrm>
+          <a:prstGeom prst="line">
+            <a:avLst/>
+          </a:prstGeom>
+          <a:ln w="12700">
+            <a:solidFill>
+              <a:schemeClr val="tx1"/>
+            </a:solidFill>
+            <a:prstDash val="dash"/>
+          </a:ln>
+        </p:spPr>
+        <p:style>
+          <a:lnRef idx="1">
+            <a:schemeClr val="accent1"/>
+          </a:lnRef>
+          <a:fillRef idx="0">
+            <a:schemeClr val="accent1"/>
+          </a:fillRef>
+          <a:effectRef idx="0">
+            <a:schemeClr val="accent1"/>
+          </a:effectRef>
+          <a:fontRef idx="minor">
+            <a:schemeClr val="tx1"/>
+          </a:fontRef>
+        </p:style>
+      </p:cxnSp>
+      <p:graphicFrame>
+        <p:nvGraphicFramePr>
+          <p:cNvPr id="6" name="Table 5">
+            <a:extLst>
+              <a:ext uri="{FF2B5EF4-FFF2-40B4-BE49-F238E27FC236}">
+                <a16:creationId xmlns:a16="http://schemas.microsoft.com/office/drawing/2014/main" id="{A3F26061-83F0-46E4-B0E4-8DC5B0FC8570}"/>
+              </a:ext>
+            </a:extLst>
+          </p:cNvPr>
+          <p:cNvGraphicFramePr>
+            <a:graphicFrameLocks noGrp="1"/>
+          </p:cNvGraphicFramePr>
+          <p:nvPr>
+            <p:extLst>
+              <p:ext uri="{D42A27DB-BD31-4B8C-83A1-F6EECF244321}">
+                <p14:modId xmlns:p14="http://schemas.microsoft.com/office/powerpoint/2010/main" val="1477347306"/>
+              </p:ext>
+            </p:extLst>
+          </p:nvPr>
+        </p:nvGraphicFramePr>
+        <p:xfrm>
+          <a:off x="1562468" y="4463124"/>
+          <a:ext cx="7704000" cy="1833880"/>
+        </p:xfrm>
+        <a:graphic>
+          <a:graphicData uri="http://schemas.openxmlformats.org/drawingml/2006/table">
+            <a:tbl>
+              <a:tblPr firstRow="1" bandRow="1">
+                <a:tableStyleId>{5C22544A-7EE6-4342-B048-85BDC9FD1C3A}</a:tableStyleId>
+              </a:tblPr>
+              <a:tblGrid>
+                <a:gridCol w="1040205">
+                  <a:extLst>
+                    <a:ext uri="{9D8B030D-6E8A-4147-A177-3AD203B41FA5}">
+                      <a16:colId xmlns:a16="http://schemas.microsoft.com/office/drawing/2014/main" val="1623098923"/>
+                    </a:ext>
+                  </a:extLst>
+                </a:gridCol>
+                <a:gridCol w="1502518">
+                  <a:extLst>
+                    <a:ext uri="{9D8B030D-6E8A-4147-A177-3AD203B41FA5}">
+                      <a16:colId xmlns:a16="http://schemas.microsoft.com/office/drawing/2014/main" val="1883872424"/>
+                    </a:ext>
+                  </a:extLst>
+                </a:gridCol>
+                <a:gridCol w="222895">
+                  <a:extLst>
+                    <a:ext uri="{9D8B030D-6E8A-4147-A177-3AD203B41FA5}">
+                      <a16:colId xmlns:a16="http://schemas.microsoft.com/office/drawing/2014/main" val="964391885"/>
+                    </a:ext>
+                  </a:extLst>
+                </a:gridCol>
+                <a:gridCol w="847574">
+                  <a:extLst>
+                    <a:ext uri="{9D8B030D-6E8A-4147-A177-3AD203B41FA5}">
+                      <a16:colId xmlns:a16="http://schemas.microsoft.com/office/drawing/2014/main" val="1421016201"/>
+                    </a:ext>
+                  </a:extLst>
+                </a:gridCol>
+                <a:gridCol w="4090808">
+                  <a:extLst>
+                    <a:ext uri="{9D8B030D-6E8A-4147-A177-3AD203B41FA5}">
+                      <a16:colId xmlns:a16="http://schemas.microsoft.com/office/drawing/2014/main" val="1360828441"/>
+                    </a:ext>
+                  </a:extLst>
+                </a:gridCol>
+              </a:tblGrid>
+              <a:tr h="370840">
+                <a:tc>
+                  <a:txBody>
+                    <a:bodyPr/>
+                    <a:lstStyle/>
+                    <a:p>
+                      <a:pPr marL="0" algn="l" defTabSz="914400" rtl="0" eaLnBrk="1" latinLnBrk="0" hangingPunct="1"/>
+                      <a:r>
+                        <a:rPr lang="en-AU" sz="1800" b="0" kern="1200" dirty="0">
+                          <a:solidFill>
+                            <a:sysClr val="windowText" lastClr="000000"/>
+                          </a:solidFill>
+                        </a:rPr>
+                        <a:t>   where</a:t>
+                      </a:r>
+                      <a:endParaRPr lang="en-AU" sz="1800" b="0" kern="1200" dirty="0">
+                        <a:solidFill>
+                          <a:sysClr val="windowText" lastClr="000000"/>
+                        </a:solidFill>
+                        <a:latin typeface="+mn-lt"/>
+                        <a:ea typeface="+mn-ea"/>
+                        <a:cs typeface="+mn-cs"/>
+                      </a:endParaRPr>
+                    </a:p>
+                  </a:txBody>
+                  <a:tcPr>
+                    <a:solidFill>
+                      <a:schemeClr val="bg1"/>
+                    </a:solidFill>
+                  </a:tcPr>
+                </a:tc>
+                <a:tc>
+                  <a:txBody>
+                    <a:bodyPr/>
+                    <a:lstStyle/>
+                    <a:p>
+                      <a:pPr marL="0" algn="l" defTabSz="914400" rtl="0" eaLnBrk="1" latinLnBrk="0" hangingPunct="1"/>
+                      <a:endParaRPr lang="en-AU" sz="1800" kern="1200" dirty="0">
+                        <a:solidFill>
+                          <a:sysClr val="windowText" lastClr="000000"/>
+                        </a:solidFill>
+                        <a:latin typeface="+mn-lt"/>
+                        <a:ea typeface="+mn-ea"/>
+                        <a:cs typeface="+mn-cs"/>
+                      </a:endParaRPr>
+                    </a:p>
+                  </a:txBody>
+                  <a:tcPr>
+                    <a:solidFill>
+                      <a:schemeClr val="bg1"/>
+                    </a:solidFill>
+                  </a:tcPr>
+                </a:tc>
+                <a:tc>
+                  <a:txBody>
+                    <a:bodyPr/>
+                    <a:lstStyle/>
+                    <a:p>
+                      <a:pPr marL="0" algn="l" defTabSz="914400" rtl="0" eaLnBrk="1" latinLnBrk="0" hangingPunct="1"/>
+                      <a:endParaRPr lang="en-AU" sz="1800" kern="1200" dirty="0">
+                        <a:solidFill>
+                          <a:sysClr val="windowText" lastClr="000000"/>
+                        </a:solidFill>
+                        <a:latin typeface="+mn-lt"/>
+                        <a:ea typeface="+mn-ea"/>
+                        <a:cs typeface="+mn-cs"/>
+                      </a:endParaRPr>
+                    </a:p>
+                  </a:txBody>
+                  <a:tcPr>
+                    <a:solidFill>
+                      <a:schemeClr val="bg1"/>
+                    </a:solidFill>
+                  </a:tcPr>
+                </a:tc>
+                <a:tc>
+                  <a:txBody>
+                    <a:bodyPr/>
+                    <a:lstStyle/>
+                    <a:p>
+                      <a:pPr marL="0" algn="l" defTabSz="914400" rtl="0" eaLnBrk="1" latinLnBrk="0" hangingPunct="1"/>
+                      <a:endParaRPr lang="en-AU" sz="1800" kern="1200" dirty="0">
+                        <a:solidFill>
+                          <a:sysClr val="windowText" lastClr="000000"/>
+                        </a:solidFill>
+                        <a:latin typeface="+mn-lt"/>
+                        <a:ea typeface="+mn-ea"/>
+                        <a:cs typeface="+mn-cs"/>
+                      </a:endParaRPr>
+                    </a:p>
+                  </a:txBody>
+                  <a:tcPr>
+                    <a:solidFill>
+                      <a:schemeClr val="bg1"/>
+                    </a:solidFill>
+                  </a:tcPr>
+                </a:tc>
+                <a:tc>
+                  <a:txBody>
+                    <a:bodyPr/>
+                    <a:lstStyle/>
+                    <a:p>
+                      <a:pPr marL="0" algn="l" defTabSz="914400" rtl="0" eaLnBrk="1" latinLnBrk="0" hangingPunct="1"/>
+                      <a:endParaRPr lang="en-AU" sz="1800" kern="1200" dirty="0">
+                        <a:solidFill>
+                          <a:sysClr val="windowText" lastClr="000000"/>
+                        </a:solidFill>
+                        <a:latin typeface="+mn-lt"/>
+                        <a:ea typeface="+mn-ea"/>
+                        <a:cs typeface="+mn-cs"/>
+                      </a:endParaRPr>
+                    </a:p>
+                  </a:txBody>
+                  <a:tcPr>
+                    <a:solidFill>
+                      <a:schemeClr val="bg1"/>
+                    </a:solidFill>
+                  </a:tcPr>
+                </a:tc>
+                <a:extLst>
+                  <a:ext uri="{0D108BD9-81ED-4DB2-BD59-A6C34878D82A}">
+                    <a16:rowId xmlns:a16="http://schemas.microsoft.com/office/drawing/2014/main" val="222219733"/>
+                  </a:ext>
+                </a:extLst>
+              </a:tr>
+              <a:tr h="288000">
+                <a:tc>
+                  <a:txBody>
+                    <a:bodyPr/>
+                    <a:lstStyle/>
+                    <a:p>
+                      <a:r>
+                        <a:rPr lang="en-AU" dirty="0"/>
+                        <a:t>Factor 1:</a:t>
+                      </a:r>
+                    </a:p>
+                  </a:txBody>
+                  <a:tcPr/>
+                </a:tc>
+                <a:tc>
+                  <a:txBody>
+                    <a:bodyPr/>
+                    <a:lstStyle/>
+                    <a:p>
+                      <a:r>
+                        <a:rPr lang="en-AU" dirty="0"/>
+                        <a:t>PCA</a:t>
+                      </a:r>
+                    </a:p>
+                  </a:txBody>
+                  <a:tcPr/>
+                </a:tc>
+                <a:tc>
+                  <a:txBody>
+                    <a:bodyPr/>
+                    <a:lstStyle/>
+                    <a:p>
+                      <a:endParaRPr lang="en-AU" dirty="0"/>
+                    </a:p>
+                  </a:txBody>
+                  <a:tcPr/>
+                </a:tc>
+                <a:tc>
+                  <a:txBody>
+                    <a:bodyPr/>
+                    <a:lstStyle/>
+                    <a:p>
+                      <a:r>
+                        <a:rPr lang="en-AU" dirty="0"/>
+                        <a:t>Task 1:</a:t>
+                      </a:r>
+                    </a:p>
+                  </a:txBody>
+                  <a:tcPr/>
+                </a:tc>
+                <a:tc>
+                  <a:txBody>
+                    <a:bodyPr/>
+                    <a:lstStyle/>
+                    <a:p>
+                      <a:r>
+                        <a:rPr lang="en-AU" dirty="0"/>
+                        <a:t>Number of clusters</a:t>
+                      </a:r>
+                    </a:p>
+                  </a:txBody>
+                  <a:tcPr/>
+                </a:tc>
+                <a:extLst>
+                  <a:ext uri="{0D108BD9-81ED-4DB2-BD59-A6C34878D82A}">
+                    <a16:rowId xmlns:a16="http://schemas.microsoft.com/office/drawing/2014/main" val="2938560685"/>
+                  </a:ext>
+                </a:extLst>
+              </a:tr>
+              <a:tr h="288000">
+                <a:tc>
+                  <a:txBody>
+                    <a:bodyPr/>
+                    <a:lstStyle/>
+                    <a:p>
+                      <a:r>
+                        <a:rPr lang="en-AU" dirty="0"/>
+                        <a:t>Factor 2:</a:t>
+                      </a:r>
+                    </a:p>
+                  </a:txBody>
+                  <a:tcPr/>
+                </a:tc>
+                <a:tc>
+                  <a:txBody>
+                    <a:bodyPr/>
+                    <a:lstStyle/>
+                    <a:p>
+                      <a:r>
+                        <a:rPr lang="en-AU" dirty="0"/>
+                        <a:t>Grand tour</a:t>
+                      </a:r>
+                    </a:p>
+                  </a:txBody>
+                  <a:tcPr/>
+                </a:tc>
+                <a:tc>
+                  <a:txBody>
+                    <a:bodyPr/>
+                    <a:lstStyle/>
+                    <a:p>
+                      <a:endParaRPr lang="en-AU" dirty="0"/>
+                    </a:p>
+                  </a:txBody>
+                  <a:tcPr/>
+                </a:tc>
+                <a:tc rowSpan="2">
+                  <a:txBody>
+                    <a:bodyPr/>
+                    <a:lstStyle/>
+                    <a:p>
+                      <a:r>
+                        <a:rPr lang="en-AU" dirty="0"/>
+                        <a:t>Task 2:</a:t>
+                      </a:r>
+                    </a:p>
+                  </a:txBody>
+                  <a:tcPr/>
+                </a:tc>
+                <a:tc rowSpan="2">
+                  <a:txBody>
+                    <a:bodyPr/>
+                    <a:lstStyle/>
+                    <a:p>
+                      <a:r>
+                        <a:rPr lang="en-AU" dirty="0"/>
+                        <a:t>Importance of each/every variable for distinguishing between 2 cluster</a:t>
+                      </a:r>
+                    </a:p>
+                  </a:txBody>
+                  <a:tcPr/>
+                </a:tc>
+                <a:extLst>
+                  <a:ext uri="{0D108BD9-81ED-4DB2-BD59-A6C34878D82A}">
+                    <a16:rowId xmlns:a16="http://schemas.microsoft.com/office/drawing/2014/main" val="4223562969"/>
+                  </a:ext>
+                </a:extLst>
+              </a:tr>
+              <a:tr h="288000">
+                <a:tc>
+                  <a:txBody>
+                    <a:bodyPr/>
+                    <a:lstStyle/>
+                    <a:p>
+                      <a:r>
+                        <a:rPr lang="en-AU" dirty="0"/>
+                        <a:t>Factor 3:</a:t>
+                      </a:r>
+                    </a:p>
+                  </a:txBody>
+                  <a:tcPr/>
+                </a:tc>
+                <a:tc>
+                  <a:txBody>
+                    <a:bodyPr/>
+                    <a:lstStyle/>
+                    <a:p>
+                      <a:r>
+                        <a:rPr lang="en-AU" dirty="0"/>
+                        <a:t>Manual tour</a:t>
+                      </a:r>
+                    </a:p>
+                  </a:txBody>
+                  <a:tcPr/>
+                </a:tc>
+                <a:tc>
+                  <a:txBody>
+                    <a:bodyPr/>
+                    <a:lstStyle/>
+                    <a:p>
+                      <a:endParaRPr lang="en-AU" dirty="0"/>
+                    </a:p>
+                  </a:txBody>
+                  <a:tcPr/>
+                </a:tc>
+                <a:tc vMerge="1">
+                  <a:txBody>
+                    <a:bodyPr/>
+                    <a:lstStyle/>
+                    <a:p>
+                      <a:endParaRPr lang="en-AU" dirty="0"/>
+                    </a:p>
+                  </a:txBody>
+                  <a:tcPr/>
+                </a:tc>
+                <a:tc vMerge="1">
+                  <a:txBody>
+                    <a:bodyPr/>
+                    <a:lstStyle/>
+                    <a:p>
+                      <a:endParaRPr lang="en-AU" dirty="0"/>
+                    </a:p>
+                  </a:txBody>
+                  <a:tcPr/>
+                </a:tc>
+                <a:extLst>
+                  <a:ext uri="{0D108BD9-81ED-4DB2-BD59-A6C34878D82A}">
+                    <a16:rowId xmlns:a16="http://schemas.microsoft.com/office/drawing/2014/main" val="1091866687"/>
+                  </a:ext>
+                </a:extLst>
+              </a:tr>
+              <a:tr h="288000">
+                <a:tc gridSpan="5">
+                  <a:txBody>
+                    <a:bodyPr/>
+                    <a:lstStyle/>
+                    <a:p>
+                      <a:r>
+                        <a:rPr lang="en-AU" dirty="0"/>
+                        <a:t>   *) Distribution difficulty discussed in detail below</a:t>
+                      </a:r>
+                    </a:p>
+                  </a:txBody>
+                  <a:tcPr>
+                    <a:solidFill>
+                      <a:schemeClr val="bg1"/>
+                    </a:solidFill>
+                  </a:tcPr>
+                </a:tc>
+                <a:tc hMerge="1">
+                  <a:txBody>
+                    <a:bodyPr/>
+                    <a:lstStyle/>
+                    <a:p>
+                      <a:endParaRPr lang="en-AU" dirty="0"/>
+                    </a:p>
+                  </a:txBody>
+                  <a:tcPr/>
+                </a:tc>
+                <a:tc hMerge="1">
+                  <a:txBody>
+                    <a:bodyPr/>
+                    <a:lstStyle/>
+                    <a:p>
+                      <a:endParaRPr lang="en-AU" dirty="0"/>
+                    </a:p>
+                  </a:txBody>
+                  <a:tcPr/>
+                </a:tc>
+                <a:tc hMerge="1">
+                  <a:txBody>
+                    <a:bodyPr/>
+                    <a:lstStyle/>
+                    <a:p>
+                      <a:endParaRPr lang="en-AU" dirty="0"/>
+                    </a:p>
+                  </a:txBody>
+                  <a:tcPr/>
+                </a:tc>
+                <a:tc hMerge="1">
+                  <a:txBody>
+                    <a:bodyPr/>
+                    <a:lstStyle/>
+                    <a:p>
+                      <a:endParaRPr lang="en-AU" dirty="0"/>
+                    </a:p>
+                  </a:txBody>
+                  <a:tcPr/>
+                </a:tc>
+                <a:extLst>
+                  <a:ext uri="{0D108BD9-81ED-4DB2-BD59-A6C34878D82A}">
+                    <a16:rowId xmlns:a16="http://schemas.microsoft.com/office/drawing/2014/main" val="2026864442"/>
+                  </a:ext>
+                </a:extLst>
+              </a:tr>
+            </a:tbl>
+          </a:graphicData>
+        </a:graphic>
+      </p:graphicFrame>
+      <p:sp>
+        <p:nvSpPr>
+          <p:cNvPr id="12" name="TextBox 11">
+            <a:extLst>
+              <a:ext uri="{FF2B5EF4-FFF2-40B4-BE49-F238E27FC236}">
+                <a16:creationId xmlns:a16="http://schemas.microsoft.com/office/drawing/2014/main" id="{C1CE658D-2B84-4D97-9B04-BE2E4F7BA3DE}"/>
+              </a:ext>
+            </a:extLst>
+          </p:cNvPr>
+          <p:cNvSpPr txBox="1"/>
+          <p:nvPr/>
+        </p:nvSpPr>
+        <p:spPr>
+          <a:xfrm>
+            <a:off x="10164390" y="5410910"/>
+            <a:ext cx="3124544" cy="1107996"/>
+          </a:xfrm>
+          <a:prstGeom prst="rect">
+            <a:avLst/>
+          </a:prstGeom>
+          <a:noFill/>
+        </p:spPr>
+        <p:txBody>
+          <a:bodyPr wrap="square" rtlCol="0">
+            <a:spAutoFit/>
+          </a:bodyPr>
+          <a:lstStyle/>
+          <a:p>
+            <a:r>
+              <a:rPr lang="en-AU" sz="2200" dirty="0"/>
+              <a:t>Training:</a:t>
+            </a:r>
+          </a:p>
+          <a:p>
+            <a:r>
+              <a:rPr lang="en-AU" sz="2200" dirty="0"/>
+              <a:t>sim119~(p=6, cl=3, np=2)</a:t>
+            </a:r>
+          </a:p>
+          <a:p>
+            <a:r>
+              <a:rPr lang="en-AU" sz="2200" dirty="0"/>
+              <a:t>sim120~(p=6, cl=3, np=2)</a:t>
+            </a:r>
+          </a:p>
+        </p:txBody>
+      </p:sp>
+      <p:grpSp>
+        <p:nvGrpSpPr>
+          <p:cNvPr id="17" name="Group 16">
+            <a:extLst>
+              <a:ext uri="{FF2B5EF4-FFF2-40B4-BE49-F238E27FC236}">
+                <a16:creationId xmlns:a16="http://schemas.microsoft.com/office/drawing/2014/main" id="{979B0094-7798-4535-8B8F-573CF05CD54C}"/>
+              </a:ext>
+            </a:extLst>
+          </p:cNvPr>
+          <p:cNvGrpSpPr/>
+          <p:nvPr/>
+        </p:nvGrpSpPr>
+        <p:grpSpPr>
+          <a:xfrm>
+            <a:off x="893579" y="1701222"/>
+            <a:ext cx="750275" cy="750275"/>
+            <a:chOff x="671631" y="2142452"/>
+            <a:chExt cx="750275" cy="750275"/>
+          </a:xfrm>
+          <a:solidFill>
+            <a:schemeClr val="bg1"/>
+          </a:solidFill>
+        </p:grpSpPr>
+        <p:pic>
+          <p:nvPicPr>
+            <p:cNvPr id="15" name="Graphic 14" descr="User">
+              <a:extLst>
+                <a:ext uri="{FF2B5EF4-FFF2-40B4-BE49-F238E27FC236}">
+                  <a16:creationId xmlns:a16="http://schemas.microsoft.com/office/drawing/2014/main" id="{836293C7-5850-4CB4-B0E7-2281C641319E}"/>
+                </a:ext>
+              </a:extLst>
+            </p:cNvPr>
+            <p:cNvPicPr>
+              <a:picLocks noChangeAspect="1"/>
+            </p:cNvPicPr>
+            <p:nvPr/>
+          </p:nvPicPr>
+          <p:blipFill>
+            <a:blip r:embed="rId3">
+              <a:extLst>
+                <a:ext uri="{28A0092B-C50C-407E-A947-70E740481C1C}">
+                  <a14:useLocalDpi xmlns:a14="http://schemas.microsoft.com/office/drawing/2010/main" val="0"/>
+                </a:ext>
+                <a:ext uri="{96DAC541-7B7A-43D3-8B79-37D633B846F1}">
+                  <asvg:svgBlip xmlns:asvg="http://schemas.microsoft.com/office/drawing/2016/SVG/main" r:embed="rId4"/>
+                </a:ext>
+              </a:extLst>
+            </a:blip>
+            <a:stretch>
+              <a:fillRect/>
+            </a:stretch>
+          </p:blipFill>
+          <p:spPr>
+            <a:xfrm>
+              <a:off x="671631" y="2142452"/>
+              <a:ext cx="750275" cy="750275"/>
+            </a:xfrm>
+            <a:prstGeom prst="rect">
+              <a:avLst/>
+            </a:prstGeom>
+          </p:spPr>
+        </p:pic>
+        <p:sp>
+          <p:nvSpPr>
+            <p:cNvPr id="16" name="TextBox 15">
+              <a:extLst>
+                <a:ext uri="{FF2B5EF4-FFF2-40B4-BE49-F238E27FC236}">
+                  <a16:creationId xmlns:a16="http://schemas.microsoft.com/office/drawing/2014/main" id="{9AE536ED-D2F4-41A3-96C4-D9C9FBBDF3EB}"/>
+                </a:ext>
+              </a:extLst>
+            </p:cNvPr>
+            <p:cNvSpPr txBox="1"/>
+            <p:nvPr/>
+          </p:nvSpPr>
+          <p:spPr>
+            <a:xfrm>
+              <a:off x="875653" y="2468361"/>
+              <a:ext cx="435006" cy="369332"/>
+            </a:xfrm>
+            <a:prstGeom prst="rect">
+              <a:avLst/>
+            </a:prstGeom>
+            <a:noFill/>
+            <a:ln>
+              <a:noFill/>
+            </a:ln>
+          </p:spPr>
+          <p:txBody>
+            <a:bodyPr wrap="square" rtlCol="0">
+              <a:spAutoFit/>
+            </a:bodyPr>
+            <a:lstStyle/>
+            <a:p>
+              <a:r>
+                <a:rPr lang="en-AU" b="1" dirty="0">
+                  <a:ln>
+                    <a:solidFill>
+                      <a:schemeClr val="bg1"/>
+                    </a:solidFill>
+                  </a:ln>
+                </a:rPr>
+                <a:t>A</a:t>
+              </a:r>
+            </a:p>
+          </p:txBody>
+        </p:sp>
+      </p:grpSp>
+      <p:cxnSp>
+        <p:nvCxnSpPr>
+          <p:cNvPr id="19" name="Straight Arrow Connector 18">
+            <a:extLst>
+              <a:ext uri="{FF2B5EF4-FFF2-40B4-BE49-F238E27FC236}">
+                <a16:creationId xmlns:a16="http://schemas.microsoft.com/office/drawing/2014/main" id="{084FCCE5-2B4A-4E53-84D2-309FFBF85866}"/>
+              </a:ext>
+            </a:extLst>
+          </p:cNvPr>
+          <p:cNvCxnSpPr>
+            <a:cxnSpLocks/>
+          </p:cNvCxnSpPr>
+          <p:nvPr/>
+        </p:nvCxnSpPr>
+        <p:spPr>
+          <a:xfrm>
+            <a:off x="1444239" y="2255717"/>
+            <a:ext cx="199615" cy="166971"/>
+          </a:xfrm>
+          <a:prstGeom prst="straightConnector1">
+            <a:avLst/>
+          </a:prstGeom>
+          <a:ln w="38100">
+            <a:solidFill>
+              <a:srgbClr val="FF0000">
+                <a:alpha val="67059"/>
+              </a:srgbClr>
+            </a:solidFill>
+            <a:tailEnd type="triangle"/>
+          </a:ln>
+        </p:spPr>
+        <p:style>
+          <a:lnRef idx="1">
+            <a:schemeClr val="accent1"/>
+          </a:lnRef>
+          <a:fillRef idx="0">
+            <a:schemeClr val="accent1"/>
+          </a:fillRef>
+          <a:effectRef idx="0">
+            <a:schemeClr val="accent1"/>
+          </a:effectRef>
+          <a:fontRef idx="minor">
+            <a:schemeClr val="tx1"/>
+          </a:fontRef>
+        </p:style>
+      </p:cxnSp>
+      <p:cxnSp>
+        <p:nvCxnSpPr>
+          <p:cNvPr id="22" name="Straight Arrow Connector 21">
+            <a:extLst>
+              <a:ext uri="{FF2B5EF4-FFF2-40B4-BE49-F238E27FC236}">
+                <a16:creationId xmlns:a16="http://schemas.microsoft.com/office/drawing/2014/main" id="{A80048A4-42EB-4353-B29C-28B89ACE0EB9}"/>
+              </a:ext>
+            </a:extLst>
+          </p:cNvPr>
+          <p:cNvCxnSpPr>
+            <a:cxnSpLocks/>
+          </p:cNvCxnSpPr>
+          <p:nvPr/>
+        </p:nvCxnSpPr>
+        <p:spPr>
+          <a:xfrm>
+            <a:off x="2796466" y="2513025"/>
+            <a:ext cx="186431" cy="1"/>
+          </a:xfrm>
+          <a:prstGeom prst="straightConnector1">
+            <a:avLst/>
+          </a:prstGeom>
+          <a:ln w="38100">
+            <a:solidFill>
+              <a:srgbClr val="FF0000">
+                <a:alpha val="67059"/>
+              </a:srgbClr>
+            </a:solidFill>
+            <a:tailEnd type="triangle"/>
+          </a:ln>
+        </p:spPr>
+        <p:style>
+          <a:lnRef idx="1">
+            <a:schemeClr val="accent1"/>
+          </a:lnRef>
+          <a:fillRef idx="0">
+            <a:schemeClr val="accent1"/>
+          </a:fillRef>
+          <a:effectRef idx="0">
+            <a:schemeClr val="accent1"/>
+          </a:effectRef>
+          <a:fontRef idx="minor">
+            <a:schemeClr val="tx1"/>
+          </a:fontRef>
+        </p:style>
+      </p:cxnSp>
+      <p:grpSp>
+        <p:nvGrpSpPr>
+          <p:cNvPr id="68" name="Group 67">
+            <a:extLst>
+              <a:ext uri="{FF2B5EF4-FFF2-40B4-BE49-F238E27FC236}">
+                <a16:creationId xmlns:a16="http://schemas.microsoft.com/office/drawing/2014/main" id="{E022056C-3318-489C-B0B8-78FD53A28C56}"/>
+              </a:ext>
+            </a:extLst>
+          </p:cNvPr>
+          <p:cNvGrpSpPr/>
+          <p:nvPr/>
+        </p:nvGrpSpPr>
+        <p:grpSpPr>
+          <a:xfrm>
+            <a:off x="2947382" y="2494545"/>
+            <a:ext cx="1505185" cy="1590728"/>
+            <a:chOff x="2947382" y="2494545"/>
+            <a:chExt cx="1505185" cy="1590728"/>
+          </a:xfrm>
+        </p:grpSpPr>
+        <p:cxnSp>
+          <p:nvCxnSpPr>
+            <p:cNvPr id="27" name="Straight Arrow Connector 26">
+              <a:extLst>
+                <a:ext uri="{FF2B5EF4-FFF2-40B4-BE49-F238E27FC236}">
+                  <a16:creationId xmlns:a16="http://schemas.microsoft.com/office/drawing/2014/main" id="{ED77DEB6-0C0A-4FD2-91AF-DDE17EFB90CE}"/>
+                </a:ext>
+              </a:extLst>
+            </p:cNvPr>
+            <p:cNvCxnSpPr>
+              <a:cxnSpLocks/>
+            </p:cNvCxnSpPr>
+            <p:nvPr/>
+          </p:nvCxnSpPr>
+          <p:spPr>
+            <a:xfrm>
+              <a:off x="2952023" y="2611734"/>
+              <a:ext cx="0" cy="1063621"/>
+            </a:xfrm>
+            <a:prstGeom prst="straightConnector1">
+              <a:avLst/>
+            </a:prstGeom>
+            <a:ln w="38100">
+              <a:solidFill>
+                <a:srgbClr val="FF0000">
+                  <a:alpha val="67059"/>
+                </a:srgbClr>
+              </a:solidFill>
+              <a:tailEnd type="triangle"/>
+            </a:ln>
+          </p:spPr>
+          <p:style>
+            <a:lnRef idx="1">
+              <a:schemeClr val="accent1"/>
+            </a:lnRef>
+            <a:fillRef idx="0">
+              <a:schemeClr val="accent1"/>
+            </a:fillRef>
+            <a:effectRef idx="0">
+              <a:schemeClr val="accent1"/>
+            </a:effectRef>
+            <a:fontRef idx="minor">
+              <a:schemeClr val="tx1"/>
+            </a:fontRef>
+          </p:style>
+        </p:cxnSp>
+        <p:cxnSp>
+          <p:nvCxnSpPr>
+            <p:cNvPr id="34" name="Straight Arrow Connector 33">
+              <a:extLst>
+                <a:ext uri="{FF2B5EF4-FFF2-40B4-BE49-F238E27FC236}">
+                  <a16:creationId xmlns:a16="http://schemas.microsoft.com/office/drawing/2014/main" id="{28304008-EA39-416F-8801-6EB8E8E291F6}"/>
+                </a:ext>
+              </a:extLst>
+            </p:cNvPr>
+            <p:cNvCxnSpPr>
+              <a:cxnSpLocks/>
+            </p:cNvCxnSpPr>
+            <p:nvPr/>
+          </p:nvCxnSpPr>
+          <p:spPr>
+            <a:xfrm flipV="1">
+              <a:off x="3528676" y="3818984"/>
+              <a:ext cx="173312" cy="208086"/>
+            </a:xfrm>
+            <a:prstGeom prst="straightConnector1">
+              <a:avLst/>
+            </a:prstGeom>
+            <a:ln w="38100">
+              <a:solidFill>
+                <a:srgbClr val="FF0000">
+                  <a:alpha val="67059"/>
+                </a:srgbClr>
+              </a:solidFill>
+              <a:tailEnd type="triangle"/>
+            </a:ln>
+          </p:spPr>
+          <p:style>
+            <a:lnRef idx="1">
+              <a:schemeClr val="accent1"/>
+            </a:lnRef>
+            <a:fillRef idx="0">
+              <a:schemeClr val="accent1"/>
+            </a:fillRef>
+            <a:effectRef idx="0">
+              <a:schemeClr val="accent1"/>
+            </a:effectRef>
+            <a:fontRef idx="minor">
+              <a:schemeClr val="tx1"/>
+            </a:fontRef>
+          </p:style>
+        </p:cxnSp>
+        <p:cxnSp>
+          <p:nvCxnSpPr>
+            <p:cNvPr id="31" name="Straight Arrow Connector 30">
+              <a:extLst>
+                <a:ext uri="{FF2B5EF4-FFF2-40B4-BE49-F238E27FC236}">
+                  <a16:creationId xmlns:a16="http://schemas.microsoft.com/office/drawing/2014/main" id="{7E1987D8-0E77-493B-8293-18F4C354951B}"/>
+                </a:ext>
+              </a:extLst>
+            </p:cNvPr>
+            <p:cNvCxnSpPr>
+              <a:cxnSpLocks/>
+            </p:cNvCxnSpPr>
+            <p:nvPr/>
+          </p:nvCxnSpPr>
+          <p:spPr>
+            <a:xfrm>
+              <a:off x="2947382" y="3844724"/>
+              <a:ext cx="3" cy="208086"/>
+            </a:xfrm>
+            <a:prstGeom prst="straightConnector1">
+              <a:avLst/>
+            </a:prstGeom>
+            <a:ln w="38100">
+              <a:solidFill>
+                <a:srgbClr val="FF0000">
+                  <a:alpha val="67059"/>
+                </a:srgbClr>
+              </a:solidFill>
+              <a:tailEnd type="triangle"/>
+            </a:ln>
+          </p:spPr>
+          <p:style>
+            <a:lnRef idx="1">
+              <a:schemeClr val="accent1"/>
+            </a:lnRef>
+            <a:fillRef idx="0">
+              <a:schemeClr val="accent1"/>
+            </a:fillRef>
+            <a:effectRef idx="0">
+              <a:schemeClr val="accent1"/>
+            </a:effectRef>
+            <a:fontRef idx="minor">
+              <a:schemeClr val="tx1"/>
+            </a:fontRef>
+          </p:style>
+        </p:cxnSp>
+        <p:cxnSp>
+          <p:nvCxnSpPr>
+            <p:cNvPr id="37" name="Straight Arrow Connector 36">
+              <a:extLst>
+                <a:ext uri="{FF2B5EF4-FFF2-40B4-BE49-F238E27FC236}">
+                  <a16:creationId xmlns:a16="http://schemas.microsoft.com/office/drawing/2014/main" id="{05A423A7-3004-4738-9BCD-133D5F0EB1E8}"/>
+                </a:ext>
+              </a:extLst>
+            </p:cNvPr>
+            <p:cNvCxnSpPr>
+              <a:cxnSpLocks/>
+            </p:cNvCxnSpPr>
+            <p:nvPr/>
+          </p:nvCxnSpPr>
+          <p:spPr>
+            <a:xfrm>
+              <a:off x="3731547" y="3877187"/>
+              <a:ext cx="3" cy="208086"/>
+            </a:xfrm>
+            <a:prstGeom prst="straightConnector1">
+              <a:avLst/>
+            </a:prstGeom>
+            <a:ln w="38100">
+              <a:solidFill>
+                <a:srgbClr val="FF0000">
+                  <a:alpha val="67059"/>
+                </a:srgbClr>
+              </a:solidFill>
+              <a:tailEnd type="triangle"/>
+            </a:ln>
+          </p:spPr>
+          <p:style>
+            <a:lnRef idx="1">
+              <a:schemeClr val="accent1"/>
+            </a:lnRef>
+            <a:fillRef idx="0">
+              <a:schemeClr val="accent1"/>
+            </a:fillRef>
+            <a:effectRef idx="0">
+              <a:schemeClr val="accent1"/>
+            </a:effectRef>
+            <a:fontRef idx="minor">
+              <a:schemeClr val="tx1"/>
+            </a:fontRef>
+          </p:style>
+        </p:cxnSp>
+        <p:cxnSp>
+          <p:nvCxnSpPr>
+            <p:cNvPr id="42" name="Straight Arrow Connector 41">
+              <a:extLst>
+                <a:ext uri="{FF2B5EF4-FFF2-40B4-BE49-F238E27FC236}">
+                  <a16:creationId xmlns:a16="http://schemas.microsoft.com/office/drawing/2014/main" id="{C991EBB3-5D25-403D-8E7D-A1B2A68BB252}"/>
+                </a:ext>
+              </a:extLst>
+            </p:cNvPr>
+            <p:cNvCxnSpPr>
+              <a:cxnSpLocks/>
+            </p:cNvCxnSpPr>
+            <p:nvPr/>
+          </p:nvCxnSpPr>
+          <p:spPr>
+            <a:xfrm flipV="1">
+              <a:off x="4247998" y="2494545"/>
+              <a:ext cx="204569" cy="1557846"/>
+            </a:xfrm>
+            <a:prstGeom prst="straightConnector1">
+              <a:avLst/>
+            </a:prstGeom>
+            <a:ln w="38100">
+              <a:solidFill>
+                <a:srgbClr val="FF0000">
+                  <a:alpha val="67059"/>
+                </a:srgbClr>
+              </a:solidFill>
+              <a:tailEnd type="triangle"/>
+            </a:ln>
+          </p:spPr>
+          <p:style>
+            <a:lnRef idx="1">
+              <a:schemeClr val="accent1"/>
+            </a:lnRef>
+            <a:fillRef idx="0">
+              <a:schemeClr val="accent1"/>
+            </a:fillRef>
+            <a:effectRef idx="0">
+              <a:schemeClr val="accent1"/>
+            </a:effectRef>
+            <a:fontRef idx="minor">
+              <a:schemeClr val="tx1"/>
+            </a:fontRef>
+          </p:style>
+        </p:cxnSp>
+      </p:grpSp>
+      <p:grpSp>
+        <p:nvGrpSpPr>
+          <p:cNvPr id="69" name="Group 68">
+            <a:extLst>
+              <a:ext uri="{FF2B5EF4-FFF2-40B4-BE49-F238E27FC236}">
+                <a16:creationId xmlns:a16="http://schemas.microsoft.com/office/drawing/2014/main" id="{27159B4D-0027-47C2-A539-5FBA8A6D52FE}"/>
+              </a:ext>
+            </a:extLst>
+          </p:cNvPr>
+          <p:cNvGrpSpPr/>
+          <p:nvPr/>
+        </p:nvGrpSpPr>
+        <p:grpSpPr>
+          <a:xfrm>
+            <a:off x="4497956" y="2494545"/>
+            <a:ext cx="1465339" cy="1608484"/>
+            <a:chOff x="2947382" y="2494545"/>
+            <a:chExt cx="1465339" cy="1608484"/>
+          </a:xfrm>
+        </p:grpSpPr>
+        <p:cxnSp>
+          <p:nvCxnSpPr>
+            <p:cNvPr id="70" name="Straight Arrow Connector 69">
+              <a:extLst>
+                <a:ext uri="{FF2B5EF4-FFF2-40B4-BE49-F238E27FC236}">
+                  <a16:creationId xmlns:a16="http://schemas.microsoft.com/office/drawing/2014/main" id="{55A71CB2-1FA4-4DAA-BF99-270C5C0FCC3C}"/>
+                </a:ext>
+              </a:extLst>
+            </p:cNvPr>
+            <p:cNvCxnSpPr>
+              <a:cxnSpLocks/>
+            </p:cNvCxnSpPr>
+            <p:nvPr/>
+          </p:nvCxnSpPr>
+          <p:spPr>
+            <a:xfrm>
+              <a:off x="2952023" y="2611734"/>
+              <a:ext cx="0" cy="1063621"/>
+            </a:xfrm>
+            <a:prstGeom prst="straightConnector1">
+              <a:avLst/>
+            </a:prstGeom>
+            <a:ln w="38100">
+              <a:solidFill>
+                <a:srgbClr val="FF0000">
+                  <a:alpha val="32941"/>
+                </a:srgbClr>
+              </a:solidFill>
+              <a:tailEnd type="triangle"/>
+            </a:ln>
+          </p:spPr>
+          <p:style>
+            <a:lnRef idx="1">
+              <a:schemeClr val="accent1"/>
+            </a:lnRef>
+            <a:fillRef idx="0">
+              <a:schemeClr val="accent1"/>
+            </a:fillRef>
+            <a:effectRef idx="0">
+              <a:schemeClr val="accent1"/>
+            </a:effectRef>
+            <a:fontRef idx="minor">
+              <a:schemeClr val="tx1"/>
+            </a:fontRef>
+          </p:style>
+        </p:cxnSp>
+        <p:cxnSp>
+          <p:nvCxnSpPr>
+            <p:cNvPr id="71" name="Straight Arrow Connector 70">
+              <a:extLst>
+                <a:ext uri="{FF2B5EF4-FFF2-40B4-BE49-F238E27FC236}">
+                  <a16:creationId xmlns:a16="http://schemas.microsoft.com/office/drawing/2014/main" id="{2EA44495-7250-471A-96D6-2C3262759A53}"/>
+                </a:ext>
+              </a:extLst>
+            </p:cNvPr>
+            <p:cNvCxnSpPr>
+              <a:cxnSpLocks/>
+            </p:cNvCxnSpPr>
+            <p:nvPr/>
+          </p:nvCxnSpPr>
+          <p:spPr>
+            <a:xfrm flipV="1">
+              <a:off x="3471281" y="3764132"/>
+              <a:ext cx="186317" cy="314892"/>
+            </a:xfrm>
+            <a:prstGeom prst="straightConnector1">
+              <a:avLst/>
+            </a:prstGeom>
+            <a:ln w="38100">
+              <a:solidFill>
+                <a:srgbClr val="FF0000">
+                  <a:alpha val="32941"/>
+                </a:srgbClr>
+              </a:solidFill>
+              <a:tailEnd type="triangle"/>
+            </a:ln>
+          </p:spPr>
+          <p:style>
+            <a:lnRef idx="1">
+              <a:schemeClr val="accent1"/>
+            </a:lnRef>
+            <a:fillRef idx="0">
+              <a:schemeClr val="accent1"/>
+            </a:fillRef>
+            <a:effectRef idx="0">
+              <a:schemeClr val="accent1"/>
+            </a:effectRef>
+            <a:fontRef idx="minor">
+              <a:schemeClr val="tx1"/>
+            </a:fontRef>
+          </p:style>
+        </p:cxnSp>
+        <p:cxnSp>
+          <p:nvCxnSpPr>
+            <p:cNvPr id="72" name="Straight Arrow Connector 71">
+              <a:extLst>
+                <a:ext uri="{FF2B5EF4-FFF2-40B4-BE49-F238E27FC236}">
+                  <a16:creationId xmlns:a16="http://schemas.microsoft.com/office/drawing/2014/main" id="{BA934549-3BED-4E53-B76D-23AF3CE65E40}"/>
+                </a:ext>
+              </a:extLst>
+            </p:cNvPr>
+            <p:cNvCxnSpPr>
+              <a:cxnSpLocks/>
+            </p:cNvCxnSpPr>
+            <p:nvPr/>
+          </p:nvCxnSpPr>
+          <p:spPr>
+            <a:xfrm>
+              <a:off x="2947382" y="3844724"/>
+              <a:ext cx="3" cy="208086"/>
+            </a:xfrm>
+            <a:prstGeom prst="straightConnector1">
+              <a:avLst/>
+            </a:prstGeom>
+            <a:ln w="38100">
+              <a:solidFill>
+                <a:srgbClr val="FF0000">
+                  <a:alpha val="32941"/>
+                </a:srgbClr>
+              </a:solidFill>
+              <a:tailEnd type="triangle"/>
+            </a:ln>
+          </p:spPr>
+          <p:style>
+            <a:lnRef idx="1">
+              <a:schemeClr val="accent1"/>
+            </a:lnRef>
+            <a:fillRef idx="0">
+              <a:schemeClr val="accent1"/>
+            </a:fillRef>
+            <a:effectRef idx="0">
+              <a:schemeClr val="accent1"/>
+            </a:effectRef>
+            <a:fontRef idx="minor">
+              <a:schemeClr val="tx1"/>
+            </a:fontRef>
+          </p:style>
+        </p:cxnSp>
+        <p:cxnSp>
+          <p:nvCxnSpPr>
+            <p:cNvPr id="73" name="Straight Arrow Connector 72">
+              <a:extLst>
+                <a:ext uri="{FF2B5EF4-FFF2-40B4-BE49-F238E27FC236}">
+                  <a16:creationId xmlns:a16="http://schemas.microsoft.com/office/drawing/2014/main" id="{007E08A2-8FB4-4D05-A3B7-AB39A577F89C}"/>
+                </a:ext>
+              </a:extLst>
+            </p:cNvPr>
+            <p:cNvCxnSpPr>
+              <a:cxnSpLocks/>
+            </p:cNvCxnSpPr>
+            <p:nvPr/>
+          </p:nvCxnSpPr>
+          <p:spPr>
+            <a:xfrm>
+              <a:off x="3722669" y="3894943"/>
+              <a:ext cx="3" cy="208086"/>
+            </a:xfrm>
+            <a:prstGeom prst="straightConnector1">
+              <a:avLst/>
+            </a:prstGeom>
+            <a:ln w="38100">
+              <a:solidFill>
+                <a:srgbClr val="FF0000">
+                  <a:alpha val="32941"/>
+                </a:srgbClr>
+              </a:solidFill>
+              <a:tailEnd type="triangle"/>
+            </a:ln>
+          </p:spPr>
+          <p:style>
+            <a:lnRef idx="1">
+              <a:schemeClr val="accent1"/>
+            </a:lnRef>
+            <a:fillRef idx="0">
+              <a:schemeClr val="accent1"/>
+            </a:fillRef>
+            <a:effectRef idx="0">
+              <a:schemeClr val="accent1"/>
+            </a:effectRef>
+            <a:fontRef idx="minor">
+              <a:schemeClr val="tx1"/>
+            </a:fontRef>
+          </p:style>
+        </p:cxnSp>
+        <p:cxnSp>
+          <p:nvCxnSpPr>
+            <p:cNvPr id="74" name="Straight Arrow Connector 73">
+              <a:extLst>
+                <a:ext uri="{FF2B5EF4-FFF2-40B4-BE49-F238E27FC236}">
+                  <a16:creationId xmlns:a16="http://schemas.microsoft.com/office/drawing/2014/main" id="{9817A9A5-028C-4E5F-B62A-FC3612D6D2B3}"/>
+                </a:ext>
+              </a:extLst>
+            </p:cNvPr>
+            <p:cNvCxnSpPr>
+              <a:cxnSpLocks/>
+            </p:cNvCxnSpPr>
+            <p:nvPr/>
+          </p:nvCxnSpPr>
+          <p:spPr>
+            <a:xfrm flipV="1">
+              <a:off x="4247998" y="2494545"/>
+              <a:ext cx="164723" cy="1557846"/>
+            </a:xfrm>
+            <a:prstGeom prst="straightConnector1">
+              <a:avLst/>
+            </a:prstGeom>
+            <a:ln w="38100">
+              <a:solidFill>
+                <a:srgbClr val="FF0000">
+                  <a:alpha val="32941"/>
+                </a:srgbClr>
+              </a:solidFill>
+              <a:tailEnd type="triangle"/>
+            </a:ln>
+          </p:spPr>
+          <p:style>
+            <a:lnRef idx="1">
+              <a:schemeClr val="accent1"/>
+            </a:lnRef>
+            <a:fillRef idx="0">
+              <a:schemeClr val="accent1"/>
+            </a:fillRef>
+            <a:effectRef idx="0">
+              <a:schemeClr val="accent1"/>
+            </a:effectRef>
+            <a:fontRef idx="minor">
+              <a:schemeClr val="tx1"/>
+            </a:fontRef>
+          </p:style>
+        </p:cxnSp>
+      </p:grpSp>
+      <p:grpSp>
+        <p:nvGrpSpPr>
+          <p:cNvPr id="90" name="Group 89">
+            <a:extLst>
+              <a:ext uri="{FF2B5EF4-FFF2-40B4-BE49-F238E27FC236}">
+                <a16:creationId xmlns:a16="http://schemas.microsoft.com/office/drawing/2014/main" id="{EBEF20C1-B474-4672-B63F-FDBBD15605E9}"/>
+              </a:ext>
+            </a:extLst>
+          </p:cNvPr>
+          <p:cNvGrpSpPr/>
+          <p:nvPr/>
+        </p:nvGrpSpPr>
+        <p:grpSpPr>
+          <a:xfrm>
+            <a:off x="6039652" y="2603543"/>
+            <a:ext cx="775290" cy="1491295"/>
+            <a:chOff x="2947382" y="2611734"/>
+            <a:chExt cx="775290" cy="1491295"/>
+          </a:xfrm>
+        </p:grpSpPr>
+        <p:cxnSp>
+          <p:nvCxnSpPr>
+            <p:cNvPr id="91" name="Straight Arrow Connector 90">
+              <a:extLst>
+                <a:ext uri="{FF2B5EF4-FFF2-40B4-BE49-F238E27FC236}">
+                  <a16:creationId xmlns:a16="http://schemas.microsoft.com/office/drawing/2014/main" id="{E550FA97-95F6-44CF-80BA-C6EB7D986BFA}"/>
+                </a:ext>
+              </a:extLst>
+            </p:cNvPr>
+            <p:cNvCxnSpPr>
+              <a:cxnSpLocks/>
+            </p:cNvCxnSpPr>
+            <p:nvPr/>
+          </p:nvCxnSpPr>
+          <p:spPr>
+            <a:xfrm>
+              <a:off x="2952023" y="2611734"/>
+              <a:ext cx="0" cy="1063621"/>
+            </a:xfrm>
+            <a:prstGeom prst="straightConnector1">
+              <a:avLst/>
+            </a:prstGeom>
+            <a:ln w="38100">
+              <a:solidFill>
+                <a:srgbClr val="FF0000">
+                  <a:alpha val="32941"/>
+                </a:srgbClr>
+              </a:solidFill>
+              <a:tailEnd type="triangle"/>
+            </a:ln>
+          </p:spPr>
+          <p:style>
+            <a:lnRef idx="1">
+              <a:schemeClr val="accent1"/>
+            </a:lnRef>
+            <a:fillRef idx="0">
+              <a:schemeClr val="accent1"/>
+            </a:fillRef>
+            <a:effectRef idx="0">
+              <a:schemeClr val="accent1"/>
+            </a:effectRef>
+            <a:fontRef idx="minor">
+              <a:schemeClr val="tx1"/>
+            </a:fontRef>
+          </p:style>
+        </p:cxnSp>
+        <p:cxnSp>
+          <p:nvCxnSpPr>
+            <p:cNvPr id="92" name="Straight Arrow Connector 91">
+              <a:extLst>
+                <a:ext uri="{FF2B5EF4-FFF2-40B4-BE49-F238E27FC236}">
+                  <a16:creationId xmlns:a16="http://schemas.microsoft.com/office/drawing/2014/main" id="{320B00DF-92A5-4FF4-970E-1CBF0A07246D}"/>
+                </a:ext>
+              </a:extLst>
+            </p:cNvPr>
+            <p:cNvCxnSpPr>
+              <a:cxnSpLocks/>
+            </p:cNvCxnSpPr>
+            <p:nvPr/>
+          </p:nvCxnSpPr>
+          <p:spPr>
+            <a:xfrm flipV="1">
+              <a:off x="3471281" y="3764132"/>
+              <a:ext cx="186317" cy="314892"/>
+            </a:xfrm>
+            <a:prstGeom prst="straightConnector1">
+              <a:avLst/>
+            </a:prstGeom>
+            <a:ln w="38100">
+              <a:solidFill>
+                <a:srgbClr val="FF0000">
+                  <a:alpha val="32941"/>
+                </a:srgbClr>
+              </a:solidFill>
+              <a:tailEnd type="triangle"/>
+            </a:ln>
+          </p:spPr>
+          <p:style>
+            <a:lnRef idx="1">
+              <a:schemeClr val="accent1"/>
+            </a:lnRef>
+            <a:fillRef idx="0">
+              <a:schemeClr val="accent1"/>
+            </a:fillRef>
+            <a:effectRef idx="0">
+              <a:schemeClr val="accent1"/>
+            </a:effectRef>
+            <a:fontRef idx="minor">
+              <a:schemeClr val="tx1"/>
+            </a:fontRef>
+          </p:style>
+        </p:cxnSp>
+        <p:cxnSp>
+          <p:nvCxnSpPr>
+            <p:cNvPr id="93" name="Straight Arrow Connector 92">
+              <a:extLst>
+                <a:ext uri="{FF2B5EF4-FFF2-40B4-BE49-F238E27FC236}">
+                  <a16:creationId xmlns:a16="http://schemas.microsoft.com/office/drawing/2014/main" id="{A1492DE5-CB23-4474-B436-6BA814F06D53}"/>
+                </a:ext>
+              </a:extLst>
+            </p:cNvPr>
+            <p:cNvCxnSpPr>
+              <a:cxnSpLocks/>
+            </p:cNvCxnSpPr>
+            <p:nvPr/>
+          </p:nvCxnSpPr>
+          <p:spPr>
+            <a:xfrm>
+              <a:off x="2947382" y="3844724"/>
+              <a:ext cx="3" cy="208086"/>
+            </a:xfrm>
+            <a:prstGeom prst="straightConnector1">
+              <a:avLst/>
+            </a:prstGeom>
+            <a:ln w="38100">
+              <a:solidFill>
+                <a:srgbClr val="FF0000">
+                  <a:alpha val="32941"/>
+                </a:srgbClr>
+              </a:solidFill>
+              <a:tailEnd type="triangle"/>
+            </a:ln>
+          </p:spPr>
+          <p:style>
+            <a:lnRef idx="1">
+              <a:schemeClr val="accent1"/>
+            </a:lnRef>
+            <a:fillRef idx="0">
+              <a:schemeClr val="accent1"/>
+            </a:fillRef>
+            <a:effectRef idx="0">
+              <a:schemeClr val="accent1"/>
+            </a:effectRef>
+            <a:fontRef idx="minor">
+              <a:schemeClr val="tx1"/>
+            </a:fontRef>
+          </p:style>
+        </p:cxnSp>
+        <p:cxnSp>
+          <p:nvCxnSpPr>
+            <p:cNvPr id="94" name="Straight Arrow Connector 93">
+              <a:extLst>
+                <a:ext uri="{FF2B5EF4-FFF2-40B4-BE49-F238E27FC236}">
+                  <a16:creationId xmlns:a16="http://schemas.microsoft.com/office/drawing/2014/main" id="{DF9C5CE0-8EC6-4F19-AD33-5A5C2F3A557B}"/>
+                </a:ext>
+              </a:extLst>
+            </p:cNvPr>
+            <p:cNvCxnSpPr>
+              <a:cxnSpLocks/>
+            </p:cNvCxnSpPr>
+            <p:nvPr/>
+          </p:nvCxnSpPr>
+          <p:spPr>
+            <a:xfrm>
+              <a:off x="3722669" y="3894943"/>
+              <a:ext cx="3" cy="208086"/>
+            </a:xfrm>
+            <a:prstGeom prst="straightConnector1">
+              <a:avLst/>
+            </a:prstGeom>
+            <a:ln w="38100">
+              <a:solidFill>
+                <a:srgbClr val="FF0000">
+                  <a:alpha val="32941"/>
+                </a:srgbClr>
+              </a:solidFill>
+              <a:tailEnd type="triangle"/>
+            </a:ln>
+          </p:spPr>
+          <p:style>
+            <a:lnRef idx="1">
+              <a:schemeClr val="accent1"/>
+            </a:lnRef>
+            <a:fillRef idx="0">
+              <a:schemeClr val="accent1"/>
+            </a:fillRef>
+            <a:effectRef idx="0">
+              <a:schemeClr val="accent1"/>
+            </a:effectRef>
+            <a:fontRef idx="minor">
+              <a:schemeClr val="tx1"/>
+            </a:fontRef>
+          </p:style>
+        </p:cxnSp>
+      </p:grpSp>
+      <p:pic>
+        <p:nvPicPr>
+          <p:cNvPr id="96" name="Picture 95">
+            <a:extLst>
+              <a:ext uri="{FF2B5EF4-FFF2-40B4-BE49-F238E27FC236}">
+                <a16:creationId xmlns:a16="http://schemas.microsoft.com/office/drawing/2014/main" id="{8768A929-1BD2-42C0-B865-890639006126}"/>
+              </a:ext>
+            </a:extLst>
+          </p:cNvPr>
+          <p:cNvPicPr>
+            <a:picLocks noChangeAspect="1"/>
+          </p:cNvPicPr>
+          <p:nvPr/>
+        </p:nvPicPr>
+        <p:blipFill rotWithShape="1">
+          <a:blip r:embed="rId5"/>
+          <a:srcRect t="7007" r="1919" b="15328"/>
+          <a:stretch/>
+        </p:blipFill>
+        <p:spPr>
+          <a:xfrm>
+            <a:off x="10364919" y="3730221"/>
+            <a:ext cx="3223065" cy="628796"/>
+          </a:xfrm>
+          <a:prstGeom prst="rect">
+            <a:avLst/>
+          </a:prstGeom>
+        </p:spPr>
+      </p:pic>
+      <p:pic>
+        <p:nvPicPr>
+          <p:cNvPr id="97" name="Picture 96">
+            <a:extLst>
+              <a:ext uri="{FF2B5EF4-FFF2-40B4-BE49-F238E27FC236}">
+                <a16:creationId xmlns:a16="http://schemas.microsoft.com/office/drawing/2014/main" id="{5BC00F2A-0582-4E32-9C94-57334270FA19}"/>
+              </a:ext>
+            </a:extLst>
+          </p:cNvPr>
+          <p:cNvPicPr>
+            <a:picLocks noChangeAspect="1"/>
+          </p:cNvPicPr>
+          <p:nvPr/>
+        </p:nvPicPr>
+        <p:blipFill>
+          <a:blip r:embed="rId6"/>
+          <a:stretch>
+            <a:fillRect/>
+          </a:stretch>
+        </p:blipFill>
+        <p:spPr>
+          <a:xfrm>
+            <a:off x="10364919" y="4402696"/>
+            <a:ext cx="3305175" cy="685800"/>
+          </a:xfrm>
+          <a:prstGeom prst="rect">
+            <a:avLst/>
+          </a:prstGeom>
+        </p:spPr>
+      </p:pic>
+      <mc:AlternateContent xmlns:mc="http://schemas.openxmlformats.org/markup-compatibility/2006" xmlns:a14="http://schemas.microsoft.com/office/drawing/2010/main">
+        <mc:Choice Requires="a14">
+          <p:sp>
+            <p:nvSpPr>
+              <p:cNvPr id="99" name="TextBox 98">
+                <a:extLst>
+                  <a:ext uri="{FF2B5EF4-FFF2-40B4-BE49-F238E27FC236}">
+                    <a16:creationId xmlns:a16="http://schemas.microsoft.com/office/drawing/2014/main" id="{A2EAA2AC-8B01-438F-AAE9-143BB6DF9AE3}"/>
+                  </a:ext>
+                </a:extLst>
+              </p:cNvPr>
+              <p:cNvSpPr txBox="1"/>
+              <p:nvPr/>
+            </p:nvSpPr>
+            <p:spPr>
+              <a:xfrm>
+                <a:off x="9730408" y="1769590"/>
+                <a:ext cx="1798248" cy="281937"/>
+              </a:xfrm>
+              <a:prstGeom prst="rect">
+                <a:avLst/>
+              </a:prstGeom>
+              <a:noFill/>
+            </p:spPr>
+            <p:txBody>
+              <a:bodyPr wrap="none" lIns="0" tIns="0" rIns="0" bIns="0" rtlCol="0">
+                <a:spAutoFit/>
+              </a:bodyPr>
+              <a:lstStyle/>
+              <a:p>
+                <a:pPr/>
+                <a14:m>
+                  <m:oMathPara xmlns:m="http://schemas.openxmlformats.org/officeDocument/2006/math">
+                    <m:oMathParaPr>
+                      <m:jc m:val="centerGroup"/>
+                    </m:oMathParaPr>
+                    <m:oMath xmlns:m="http://schemas.openxmlformats.org/officeDocument/2006/math">
+                      <m:sSup>
+                        <m:sSupPr>
+                          <m:ctrlPr>
+                            <a:rPr lang="en-AU" b="0" i="1" smtClean="0">
+                              <a:latin typeface="Cambria Math" panose="02040503050406030204" pitchFamily="18" charset="0"/>
+                            </a:rPr>
+                          </m:ctrlPr>
+                        </m:sSupPr>
+                        <m:e>
+                          <m:r>
+                            <a:rPr lang="en-AU" b="0" i="1" smtClean="0">
+                              <a:latin typeface="Cambria Math" panose="02040503050406030204" pitchFamily="18" charset="0"/>
+                            </a:rPr>
+                            <m:t>~</m:t>
+                          </m:r>
+                        </m:e>
+                        <m:sup>
+                          <m:r>
+                            <a:rPr lang="en-AU" b="0" i="1" smtClean="0">
+                              <a:latin typeface="Cambria Math" panose="02040503050406030204" pitchFamily="18" charset="0"/>
+                            </a:rPr>
+                            <m:t>𝑑</m:t>
+                          </m:r>
+                        </m:sup>
+                      </m:sSup>
+                      <m:r>
+                        <a:rPr lang="en-AU" b="0" i="1" smtClean="0">
+                          <a:latin typeface="Cambria Math" panose="02040503050406030204" pitchFamily="18" charset="0"/>
+                        </a:rPr>
+                        <m:t> </m:t>
+                      </m:r>
+                      <m:r>
+                        <a:rPr lang="en-AU" b="0" i="1" smtClean="0">
+                          <a:latin typeface="Cambria Math" panose="02040503050406030204" pitchFamily="18" charset="0"/>
+                        </a:rPr>
+                        <m:t>𝑚𝑡𝑣𝑁</m:t>
+                      </m:r>
+                      <m:r>
+                        <a:rPr lang="en-AU" b="0" i="1" smtClean="0">
+                          <a:latin typeface="Cambria Math" panose="02040503050406030204" pitchFamily="18" charset="0"/>
+                        </a:rPr>
+                        <m:t>(</m:t>
+                      </m:r>
+                      <m:sSup>
+                        <m:sSupPr>
+                          <m:ctrlPr>
+                            <a:rPr lang="en-AU" b="0" i="1" smtClean="0">
+                              <a:latin typeface="Cambria Math" panose="02040503050406030204" pitchFamily="18" charset="0"/>
+                            </a:rPr>
+                          </m:ctrlPr>
+                        </m:sSupPr>
+                        <m:e>
+                          <m:r>
+                            <a:rPr lang="en-AU" i="1">
+                              <a:latin typeface="Cambria Math" panose="02040503050406030204" pitchFamily="18" charset="0"/>
+                            </a:rPr>
+                            <m:t>𝑒𝑎𝑠𝑦</m:t>
+                          </m:r>
+                        </m:e>
+                        <m:sup>
+                          <m:r>
+                            <a:rPr lang="en-AU" b="0" i="1" smtClean="0">
+                              <a:latin typeface="Cambria Math" panose="02040503050406030204" pitchFamily="18" charset="0"/>
+                            </a:rPr>
+                            <m:t>∗</m:t>
+                          </m:r>
+                        </m:sup>
+                      </m:sSup>
+                      <m:r>
+                        <a:rPr lang="en-AU" b="0" i="1" smtClean="0">
+                          <a:latin typeface="Cambria Math" panose="02040503050406030204" pitchFamily="18" charset="0"/>
+                        </a:rPr>
+                        <m:t>)</m:t>
+                      </m:r>
+                    </m:oMath>
+                  </m:oMathPara>
+                </a14:m>
+                <a:endParaRPr lang="en-AU" dirty="0"/>
+              </a:p>
+            </p:txBody>
+          </p:sp>
+        </mc:Choice>
+        <mc:Fallback xmlns="">
+          <p:sp>
+            <p:nvSpPr>
+              <p:cNvPr id="99" name="TextBox 98">
+                <a:extLst>
+                  <a:ext uri="{FF2B5EF4-FFF2-40B4-BE49-F238E27FC236}">
+                    <a16:creationId xmlns:a16="http://schemas.microsoft.com/office/drawing/2014/main" id="{A2EAA2AC-8B01-438F-AAE9-143BB6DF9AE3}"/>
+                  </a:ext>
+                </a:extLst>
+              </p:cNvPr>
+              <p:cNvSpPr txBox="1">
+                <a:spLocks noRot="1" noChangeAspect="1" noMove="1" noResize="1" noEditPoints="1" noAdjustHandles="1" noChangeArrowheads="1" noChangeShapeType="1" noTextEdit="1"/>
+              </p:cNvSpPr>
+              <p:nvPr/>
+            </p:nvSpPr>
+            <p:spPr>
+              <a:xfrm>
+                <a:off x="9730408" y="1769590"/>
+                <a:ext cx="1798248" cy="281937"/>
+              </a:xfrm>
+              <a:prstGeom prst="rect">
+                <a:avLst/>
+              </a:prstGeom>
+              <a:blipFill>
+                <a:blip r:embed="rId7"/>
+                <a:stretch>
+                  <a:fillRect t="-4255" r="-3051" b="-31915"/>
+                </a:stretch>
+              </a:blipFill>
+            </p:spPr>
+            <p:txBody>
+              <a:bodyPr/>
+              <a:lstStyle/>
+              <a:p>
+                <a:r>
+                  <a:rPr lang="en-AU">
+                    <a:noFill/>
+                  </a:rPr>
+                  <a:t> </a:t>
+                </a:r>
+              </a:p>
+            </p:txBody>
+          </p:sp>
+        </mc:Fallback>
+      </mc:AlternateContent>
+      <mc:AlternateContent xmlns:mc="http://schemas.openxmlformats.org/markup-compatibility/2006" xmlns:a14="http://schemas.microsoft.com/office/drawing/2010/main">
+        <mc:Choice Requires="a14">
+          <p:sp>
+            <p:nvSpPr>
+              <p:cNvPr id="100" name="TextBox 99">
+                <a:extLst>
+                  <a:ext uri="{FF2B5EF4-FFF2-40B4-BE49-F238E27FC236}">
+                    <a16:creationId xmlns:a16="http://schemas.microsoft.com/office/drawing/2014/main" id="{1570F9FC-41EC-4936-A8B3-720A5B1D7A9F}"/>
+                  </a:ext>
+                </a:extLst>
+              </p:cNvPr>
+              <p:cNvSpPr txBox="1"/>
+              <p:nvPr/>
+            </p:nvSpPr>
+            <p:spPr>
+              <a:xfrm>
+                <a:off x="9730408" y="2255717"/>
+                <a:ext cx="1765420" cy="281937"/>
+              </a:xfrm>
+              <a:prstGeom prst="rect">
+                <a:avLst/>
+              </a:prstGeom>
+              <a:noFill/>
+            </p:spPr>
+            <p:txBody>
+              <a:bodyPr wrap="none" lIns="0" tIns="0" rIns="0" bIns="0" rtlCol="0">
+                <a:spAutoFit/>
+              </a:bodyPr>
+              <a:lstStyle/>
+              <a:p>
+                <a:pPr/>
+                <a14:m>
+                  <m:oMathPara xmlns:m="http://schemas.openxmlformats.org/officeDocument/2006/math">
+                    <m:oMathParaPr>
+                      <m:jc m:val="centerGroup"/>
+                    </m:oMathParaPr>
+                    <m:oMath xmlns:m="http://schemas.openxmlformats.org/officeDocument/2006/math">
+                      <m:sSup>
+                        <m:sSupPr>
+                          <m:ctrlPr>
+                            <a:rPr lang="en-AU" b="0" i="1" smtClean="0">
+                              <a:latin typeface="Cambria Math" panose="02040503050406030204" pitchFamily="18" charset="0"/>
+                            </a:rPr>
+                          </m:ctrlPr>
+                        </m:sSupPr>
+                        <m:e>
+                          <m:r>
+                            <a:rPr lang="en-AU" b="0" i="1" smtClean="0">
+                              <a:latin typeface="Cambria Math" panose="02040503050406030204" pitchFamily="18" charset="0"/>
+                            </a:rPr>
+                            <m:t>~</m:t>
+                          </m:r>
+                        </m:e>
+                        <m:sup>
+                          <m:r>
+                            <a:rPr lang="en-AU" b="0" i="1" smtClean="0">
+                              <a:latin typeface="Cambria Math" panose="02040503050406030204" pitchFamily="18" charset="0"/>
+                            </a:rPr>
+                            <m:t>𝑑</m:t>
+                          </m:r>
+                        </m:sup>
+                      </m:sSup>
+                      <m:r>
+                        <a:rPr lang="en-AU" b="0" i="1" smtClean="0">
+                          <a:latin typeface="Cambria Math" panose="02040503050406030204" pitchFamily="18" charset="0"/>
+                        </a:rPr>
+                        <m:t> </m:t>
+                      </m:r>
+                      <m:r>
+                        <a:rPr lang="en-AU" b="0" i="1" smtClean="0">
+                          <a:latin typeface="Cambria Math" panose="02040503050406030204" pitchFamily="18" charset="0"/>
+                        </a:rPr>
+                        <m:t>𝑚𝑡𝑣𝑁</m:t>
+                      </m:r>
+                      <m:r>
+                        <a:rPr lang="en-AU" b="0" i="1" smtClean="0">
+                          <a:latin typeface="Cambria Math" panose="02040503050406030204" pitchFamily="18" charset="0"/>
+                        </a:rPr>
+                        <m:t>(</m:t>
+                      </m:r>
+                      <m:sSup>
+                        <m:sSupPr>
+                          <m:ctrlPr>
+                            <a:rPr lang="en-AU" b="0" i="1" smtClean="0">
+                              <a:latin typeface="Cambria Math" panose="02040503050406030204" pitchFamily="18" charset="0"/>
+                            </a:rPr>
+                          </m:ctrlPr>
+                        </m:sSupPr>
+                        <m:e>
+                          <m:r>
+                            <a:rPr lang="en-AU" b="0" i="1" smtClean="0">
+                              <a:latin typeface="Cambria Math" panose="02040503050406030204" pitchFamily="18" charset="0"/>
+                            </a:rPr>
+                            <m:t>h𝑎𝑟𝑑</m:t>
+                          </m:r>
+                        </m:e>
+                        <m:sup>
+                          <m:r>
+                            <a:rPr lang="en-AU" b="0" i="1" smtClean="0">
+                              <a:latin typeface="Cambria Math" panose="02040503050406030204" pitchFamily="18" charset="0"/>
+                            </a:rPr>
+                            <m:t>∗</m:t>
+                          </m:r>
+                        </m:sup>
+                      </m:sSup>
+                      <m:r>
+                        <a:rPr lang="en-AU" b="0" i="1" smtClean="0">
+                          <a:latin typeface="Cambria Math" panose="02040503050406030204" pitchFamily="18" charset="0"/>
+                        </a:rPr>
+                        <m:t>)</m:t>
+                      </m:r>
+                    </m:oMath>
+                  </m:oMathPara>
+                </a14:m>
+                <a:endParaRPr lang="en-AU" dirty="0"/>
+              </a:p>
+            </p:txBody>
+          </p:sp>
+        </mc:Choice>
+        <mc:Fallback xmlns="">
+          <p:sp>
+            <p:nvSpPr>
+              <p:cNvPr id="100" name="TextBox 99">
+                <a:extLst>
+                  <a:ext uri="{FF2B5EF4-FFF2-40B4-BE49-F238E27FC236}">
+                    <a16:creationId xmlns:a16="http://schemas.microsoft.com/office/drawing/2014/main" id="{1570F9FC-41EC-4936-A8B3-720A5B1D7A9F}"/>
+                  </a:ext>
+                </a:extLst>
+              </p:cNvPr>
+              <p:cNvSpPr txBox="1">
+                <a:spLocks noRot="1" noChangeAspect="1" noMove="1" noResize="1" noEditPoints="1" noAdjustHandles="1" noChangeArrowheads="1" noChangeShapeType="1" noTextEdit="1"/>
+              </p:cNvSpPr>
+              <p:nvPr/>
+            </p:nvSpPr>
+            <p:spPr>
+              <a:xfrm>
+                <a:off x="9730408" y="2255717"/>
+                <a:ext cx="1765420" cy="281937"/>
+              </a:xfrm>
+              <a:prstGeom prst="rect">
+                <a:avLst/>
+              </a:prstGeom>
+              <a:blipFill>
+                <a:blip r:embed="rId8"/>
+                <a:stretch>
+                  <a:fillRect l="-345" t="-4348" r="-4483" b="-34783"/>
+                </a:stretch>
+              </a:blipFill>
+            </p:spPr>
+            <p:txBody>
+              <a:bodyPr/>
+              <a:lstStyle/>
+              <a:p>
+                <a:r>
+                  <a:rPr lang="en-AU">
+                    <a:noFill/>
+                  </a:rPr>
+                  <a:t> </a:t>
+                </a:r>
+              </a:p>
+            </p:txBody>
+          </p:sp>
+        </mc:Fallback>
+      </mc:AlternateContent>
+    </p:spTree>
+    <p:extLst>
+      <p:ext uri="{BB962C8B-B14F-4D97-AF65-F5344CB8AC3E}">
+        <p14:creationId xmlns:p14="http://schemas.microsoft.com/office/powerpoint/2010/main" val="1717745677"/>
+      </p:ext>
+    </p:extLst>
+  </p:cSld>
+  <p:clrMapOvr>
+    <a:masterClrMapping/>
+  </p:clrMapOvr>
+</p:sld>
+</file>
+
+<file path=ppt/slides/slide2.xml><?xml version="1.0" encoding="utf-8"?>
+<p:sld xmlns:a="http://schemas.openxmlformats.org/drawingml/2006/main" xmlns:r="http://schemas.openxmlformats.org/officeDocument/2006/relationships" xmlns:p="http://schemas.openxmlformats.org/presentationml/2006/main">
+  <p:cSld>
+    <p:spTree>
+      <p:nvGrpSpPr>
+        <p:cNvPr id="1" name=""/>
+        <p:cNvGrpSpPr/>
+        <p:nvPr/>
+      </p:nvGrpSpPr>
+      <p:grpSpPr>
+        <a:xfrm>
+          <a:off x="0" y="0"/>
+          <a:ext cx="0" cy="0"/>
+          <a:chOff x="0" y="0"/>
+          <a:chExt cx="0" cy="0"/>
+        </a:xfrm>
+      </p:grpSpPr>
+      <p:sp>
+        <p:nvSpPr>
+          <p:cNvPr id="2" name="Title 1">
+            <a:extLst>
+              <a:ext uri="{FF2B5EF4-FFF2-40B4-BE49-F238E27FC236}">
+                <a16:creationId xmlns:a16="http://schemas.microsoft.com/office/drawing/2014/main" id="{4ECC392A-79EE-4FB3-B62C-DFA7957706E4}"/>
+              </a:ext>
+            </a:extLst>
+          </p:cNvPr>
+          <p:cNvSpPr>
+            <a:spLocks noGrp="1"/>
+          </p:cNvSpPr>
+          <p:nvPr>
+            <p:ph type="title"/>
+          </p:nvPr>
+        </p:nvSpPr>
+        <p:spPr>
+          <a:xfrm>
+            <a:off x="838200" y="18840"/>
+            <a:ext cx="10515600" cy="1325563"/>
+          </a:xfrm>
+        </p:spPr>
+        <p:txBody>
+          <a:bodyPr/>
+          <a:lstStyle/>
+          <a:p>
+            <a:r>
+              <a:rPr lang="en-AU" dirty="0"/>
               <a:t>Experimental design graphics v3.2</a:t>
             </a:r>
           </a:p>
@@ -3908,11 +7703,7 @@
             <a:graphicFrameLocks noGrp="1"/>
           </p:cNvGraphicFramePr>
           <p:nvPr>
-            <p:extLst>
-              <p:ext uri="{D42A27DB-BD31-4B8C-83A1-F6EECF244321}">
-                <p14:modId xmlns:p14="http://schemas.microsoft.com/office/powerpoint/2010/main" val="3954454108"/>
-              </p:ext>
-            </p:extLst>
+            <p:extLst/>
           </p:nvPr>
         </p:nvGraphicFramePr>
         <p:xfrm>
@@ -4117,72 +7908,72 @@
                     <a:p>
                       <a:r>
                         <a:rPr lang="en-AU" dirty="0"/>
-                        <a:t>Sim1</a:t>
-                      </a:r>
-                    </a:p>
-                  </a:txBody>
-                  <a:tcPr/>
-                </a:tc>
-                <a:tc>
-                  <a:txBody>
-                    <a:bodyPr/>
-                    <a:lstStyle/>
-                    <a:p>
-                      <a:r>
-                        <a:rPr lang="en-AU" dirty="0"/>
-                        <a:t>Sim4</a:t>
-                      </a:r>
-                    </a:p>
-                  </a:txBody>
-                  <a:tcPr/>
-                </a:tc>
-                <a:tc>
-                  <a:txBody>
-                    <a:bodyPr/>
-                    <a:lstStyle/>
-                    <a:p>
-                      <a:r>
-                        <a:rPr lang="en-AU" dirty="0"/>
-                        <a:t>Sim7</a:t>
-                      </a:r>
-                    </a:p>
-                  </a:txBody>
-                  <a:tcPr/>
-                </a:tc>
-                <a:tc>
-                  <a:txBody>
-                    <a:bodyPr/>
-                    <a:lstStyle/>
-                    <a:p>
-                      <a:r>
-                        <a:rPr lang="en-AU" dirty="0"/>
-                        <a:t>Sim10</a:t>
-                      </a:r>
-                    </a:p>
-                  </a:txBody>
-                  <a:tcPr/>
-                </a:tc>
-                <a:tc>
-                  <a:txBody>
-                    <a:bodyPr/>
-                    <a:lstStyle/>
-                    <a:p>
-                      <a:r>
-                        <a:rPr lang="en-AU" dirty="0"/>
-                        <a:t>Sim13</a:t>
-                      </a:r>
-                    </a:p>
-                  </a:txBody>
-                  <a:tcPr/>
-                </a:tc>
-                <a:tc>
-                  <a:txBody>
-                    <a:bodyPr/>
-                    <a:lstStyle/>
-                    <a:p>
-                      <a:r>
-                        <a:rPr lang="en-AU" dirty="0"/>
-                        <a:t>Sim16</a:t>
+                        <a:t>sim1</a:t>
+                      </a:r>
+                    </a:p>
+                  </a:txBody>
+                  <a:tcPr/>
+                </a:tc>
+                <a:tc>
+                  <a:txBody>
+                    <a:bodyPr/>
+                    <a:lstStyle/>
+                    <a:p>
+                      <a:r>
+                        <a:rPr lang="en-AU" dirty="0"/>
+                        <a:t>sim4</a:t>
+                      </a:r>
+                    </a:p>
+                  </a:txBody>
+                  <a:tcPr/>
+                </a:tc>
+                <a:tc>
+                  <a:txBody>
+                    <a:bodyPr/>
+                    <a:lstStyle/>
+                    <a:p>
+                      <a:r>
+                        <a:rPr lang="en-AU" dirty="0"/>
+                        <a:t>sim7</a:t>
+                      </a:r>
+                    </a:p>
+                  </a:txBody>
+                  <a:tcPr/>
+                </a:tc>
+                <a:tc>
+                  <a:txBody>
+                    <a:bodyPr/>
+                    <a:lstStyle/>
+                    <a:p>
+                      <a:r>
+                        <a:rPr lang="en-AU" dirty="0"/>
+                        <a:t>sim10</a:t>
+                      </a:r>
+                    </a:p>
+                  </a:txBody>
+                  <a:tcPr/>
+                </a:tc>
+                <a:tc>
+                  <a:txBody>
+                    <a:bodyPr/>
+                    <a:lstStyle/>
+                    <a:p>
+                      <a:r>
+                        <a:rPr lang="en-AU" dirty="0"/>
+                        <a:t>sim13</a:t>
+                      </a:r>
+                    </a:p>
+                  </a:txBody>
+                  <a:tcPr/>
+                </a:tc>
+                <a:tc>
+                  <a:txBody>
+                    <a:bodyPr/>
+                    <a:lstStyle/>
+                    <a:p>
+                      <a:r>
+                        <a:rPr lang="en-AU" dirty="0"/>
+                        <a:t>sim16</a:t>
                       </a:r>
                     </a:p>
                   </a:txBody>
@@ -4233,72 +8024,72 @@
                     <a:p>
                       <a:r>
                         <a:rPr lang="en-AU" dirty="0"/>
-                        <a:t>Sim2</a:t>
-                      </a:r>
-                    </a:p>
-                  </a:txBody>
-                  <a:tcPr/>
-                </a:tc>
-                <a:tc>
-                  <a:txBody>
-                    <a:bodyPr/>
-                    <a:lstStyle/>
-                    <a:p>
-                      <a:r>
-                        <a:rPr lang="en-AU" dirty="0"/>
-                        <a:t>Sim5</a:t>
-                      </a:r>
-                    </a:p>
-                  </a:txBody>
-                  <a:tcPr/>
-                </a:tc>
-                <a:tc>
-                  <a:txBody>
-                    <a:bodyPr/>
-                    <a:lstStyle/>
-                    <a:p>
-                      <a:r>
-                        <a:rPr lang="en-AU" dirty="0"/>
-                        <a:t>Sim8</a:t>
-                      </a:r>
-                    </a:p>
-                  </a:txBody>
-                  <a:tcPr/>
-                </a:tc>
-                <a:tc>
-                  <a:txBody>
-                    <a:bodyPr/>
-                    <a:lstStyle/>
-                    <a:p>
-                      <a:r>
-                        <a:rPr lang="en-AU" dirty="0"/>
-                        <a:t>Sim11</a:t>
-                      </a:r>
-                    </a:p>
-                  </a:txBody>
-                  <a:tcPr/>
-                </a:tc>
-                <a:tc>
-                  <a:txBody>
-                    <a:bodyPr/>
-                    <a:lstStyle/>
-                    <a:p>
-                      <a:r>
-                        <a:rPr lang="en-AU" dirty="0"/>
-                        <a:t>Sim14</a:t>
-                      </a:r>
-                    </a:p>
-                  </a:txBody>
-                  <a:tcPr/>
-                </a:tc>
-                <a:tc>
-                  <a:txBody>
-                    <a:bodyPr/>
-                    <a:lstStyle/>
-                    <a:p>
-                      <a:r>
-                        <a:rPr lang="en-AU" dirty="0"/>
-                        <a:t>Sim17</a:t>
+                        <a:t>sim2</a:t>
+                      </a:r>
+                    </a:p>
+                  </a:txBody>
+                  <a:tcPr/>
+                </a:tc>
+                <a:tc>
+                  <a:txBody>
+                    <a:bodyPr/>
+                    <a:lstStyle/>
+                    <a:p>
+                      <a:r>
+                        <a:rPr lang="en-AU" dirty="0"/>
+                        <a:t>sim5</a:t>
+                      </a:r>
+                    </a:p>
+                  </a:txBody>
+                  <a:tcPr/>
+                </a:tc>
+                <a:tc>
+                  <a:txBody>
+                    <a:bodyPr/>
+                    <a:lstStyle/>
+                    <a:p>
+                      <a:r>
+                        <a:rPr lang="en-AU" dirty="0"/>
+                        <a:t>sim8</a:t>
+                      </a:r>
+                    </a:p>
+                  </a:txBody>
+                  <a:tcPr/>
+                </a:tc>
+                <a:tc>
+                  <a:txBody>
+                    <a:bodyPr/>
+                    <a:lstStyle/>
+                    <a:p>
+                      <a:r>
+                        <a:rPr lang="en-AU" dirty="0"/>
+                        <a:t>sim11</a:t>
+                      </a:r>
+                    </a:p>
+                  </a:txBody>
+                  <a:tcPr/>
+                </a:tc>
+                <a:tc>
+                  <a:txBody>
+                    <a:bodyPr/>
+                    <a:lstStyle/>
+                    <a:p>
+                      <a:r>
+                        <a:rPr lang="en-AU" dirty="0"/>
+                        <a:t>sim14</a:t>
+                      </a:r>
+                    </a:p>
+                  </a:txBody>
+                  <a:tcPr/>
+                </a:tc>
+                <a:tc>
+                  <a:txBody>
+                    <a:bodyPr/>
+                    <a:lstStyle/>
+                    <a:p>
+                      <a:r>
+                        <a:rPr lang="en-AU" dirty="0"/>
+                        <a:t>sim17</a:t>
                       </a:r>
                     </a:p>
                   </a:txBody>
@@ -4349,72 +8140,72 @@
                     <a:p>
                       <a:r>
                         <a:rPr lang="en-AU" dirty="0"/>
-                        <a:t>Sim3</a:t>
-                      </a:r>
-                    </a:p>
-                  </a:txBody>
-                  <a:tcPr/>
-                </a:tc>
-                <a:tc>
-                  <a:txBody>
-                    <a:bodyPr/>
-                    <a:lstStyle/>
-                    <a:p>
-                      <a:r>
-                        <a:rPr lang="en-AU" dirty="0"/>
-                        <a:t>Sim6</a:t>
-                      </a:r>
-                    </a:p>
-                  </a:txBody>
-                  <a:tcPr/>
-                </a:tc>
-                <a:tc>
-                  <a:txBody>
-                    <a:bodyPr/>
-                    <a:lstStyle/>
-                    <a:p>
-                      <a:r>
-                        <a:rPr lang="en-AU" dirty="0"/>
-                        <a:t>Sim9</a:t>
-                      </a:r>
-                    </a:p>
-                  </a:txBody>
-                  <a:tcPr/>
-                </a:tc>
-                <a:tc>
-                  <a:txBody>
-                    <a:bodyPr/>
-                    <a:lstStyle/>
-                    <a:p>
-                      <a:r>
-                        <a:rPr lang="en-AU" dirty="0"/>
-                        <a:t>Sim12</a:t>
-                      </a:r>
-                    </a:p>
-                  </a:txBody>
-                  <a:tcPr/>
-                </a:tc>
-                <a:tc>
-                  <a:txBody>
-                    <a:bodyPr/>
-                    <a:lstStyle/>
-                    <a:p>
-                      <a:r>
-                        <a:rPr lang="en-AU" dirty="0"/>
-                        <a:t>Sim15</a:t>
-                      </a:r>
-                    </a:p>
-                  </a:txBody>
-                  <a:tcPr/>
-                </a:tc>
-                <a:tc>
-                  <a:txBody>
-                    <a:bodyPr/>
-                    <a:lstStyle/>
-                    <a:p>
-                      <a:r>
-                        <a:rPr lang="en-AU" dirty="0"/>
-                        <a:t>Sim18</a:t>
+                        <a:t>sim3</a:t>
+                      </a:r>
+                    </a:p>
+                  </a:txBody>
+                  <a:tcPr/>
+                </a:tc>
+                <a:tc>
+                  <a:txBody>
+                    <a:bodyPr/>
+                    <a:lstStyle/>
+                    <a:p>
+                      <a:r>
+                        <a:rPr lang="en-AU" dirty="0"/>
+                        <a:t>sim6</a:t>
+                      </a:r>
+                    </a:p>
+                  </a:txBody>
+                  <a:tcPr/>
+                </a:tc>
+                <a:tc>
+                  <a:txBody>
+                    <a:bodyPr/>
+                    <a:lstStyle/>
+                    <a:p>
+                      <a:r>
+                        <a:rPr lang="en-AU" dirty="0"/>
+                        <a:t>sim9</a:t>
+                      </a:r>
+                    </a:p>
+                  </a:txBody>
+                  <a:tcPr/>
+                </a:tc>
+                <a:tc>
+                  <a:txBody>
+                    <a:bodyPr/>
+                    <a:lstStyle/>
+                    <a:p>
+                      <a:r>
+                        <a:rPr lang="en-AU" dirty="0"/>
+                        <a:t>sim12</a:t>
+                      </a:r>
+                    </a:p>
+                  </a:txBody>
+                  <a:tcPr/>
+                </a:tc>
+                <a:tc>
+                  <a:txBody>
+                    <a:bodyPr/>
+                    <a:lstStyle/>
+                    <a:p>
+                      <a:r>
+                        <a:rPr lang="en-AU" dirty="0"/>
+                        <a:t>sim15</a:t>
+                      </a:r>
+                    </a:p>
+                  </a:txBody>
+                  <a:tcPr/>
+                </a:tc>
+                <a:tc>
+                  <a:txBody>
+                    <a:bodyPr/>
+                    <a:lstStyle/>
+                    <a:p>
+                      <a:r>
+                        <a:rPr lang="en-AU" dirty="0"/>
+                        <a:t>sim18</a:t>
                       </a:r>
                     </a:p>
                   </a:txBody>
@@ -4650,11 +8441,7 @@
             <a:graphicFrameLocks noGrp="1"/>
           </p:cNvGraphicFramePr>
           <p:nvPr>
-            <p:extLst>
-              <p:ext uri="{D42A27DB-BD31-4B8C-83A1-F6EECF244321}">
-                <p14:modId xmlns:p14="http://schemas.microsoft.com/office/powerpoint/2010/main" val="3765390746"/>
-              </p:ext>
-            </p:extLst>
+            <p:extLst/>
           </p:nvPr>
         </p:nvGraphicFramePr>
         <p:xfrm>
@@ -5103,13 +8890,13 @@
           <a:p>
             <a:r>
               <a:rPr lang="en-AU" sz="2200" dirty="0"/>
-              <a:t>Sim119~(p=6, cl=3, np=2)</a:t>
+              <a:t>sim119~(p=6, cl=3, np=2)</a:t>
             </a:r>
           </a:p>
           <a:p>
             <a:r>
               <a:rPr lang="en-AU" sz="2200" dirty="0"/>
-              <a:t>Sim120~(p=6, cl=3, np=2)</a:t>
+              <a:t>sim120~(p=6, cl=3, np=2)</a:t>
             </a:r>
           </a:p>
         </p:txBody>
@@ -6341,10 +10128,60 @@
           </p:cxnSp>
         </p:grpSp>
       </p:grpSp>
+      <p:sp>
+        <p:nvSpPr>
+          <p:cNvPr id="54" name="Rectangle 53">
+            <a:extLst>
+              <a:ext uri="{FF2B5EF4-FFF2-40B4-BE49-F238E27FC236}">
+                <a16:creationId xmlns:a16="http://schemas.microsoft.com/office/drawing/2014/main" id="{FB330C37-C6DD-40A0-97FD-3A22B5ED83B1}"/>
+              </a:ext>
+            </a:extLst>
+          </p:cNvPr>
+          <p:cNvSpPr/>
+          <p:nvPr/>
+        </p:nvSpPr>
+        <p:spPr>
+          <a:xfrm rot="712059">
+            <a:off x="421244" y="1418702"/>
+            <a:ext cx="9862188" cy="1569660"/>
+          </a:xfrm>
+          <a:prstGeom prst="rect">
+            <a:avLst/>
+          </a:prstGeom>
+          <a:noFill/>
+        </p:spPr>
+        <p:txBody>
+          <a:bodyPr wrap="none" lIns="91440" tIns="45720" rIns="91440" bIns="45720">
+            <a:spAutoFit/>
+          </a:bodyPr>
+          <a:lstStyle/>
+          <a:p>
+            <a:pPr algn="ctr"/>
+            <a:r>
+              <a:rPr lang="en-US" sz="9600" b="1" cap="none" spc="0" dirty="0">
+                <a:ln w="22225">
+                  <a:solidFill>
+                    <a:schemeClr val="accent2"/>
+                  </a:solidFill>
+                  <a:prstDash val="solid"/>
+                </a:ln>
+                <a:solidFill>
+                  <a:schemeClr val="accent2">
+                    <a:lumMod val="40000"/>
+                    <a:lumOff val="60000"/>
+                  </a:schemeClr>
+                </a:solidFill>
+                <a:effectLst/>
+              </a:rPr>
+              <a:t>OLD – DO NOT USE</a:t>
+            </a:r>
+          </a:p>
+        </p:txBody>
+      </p:sp>
     </p:spTree>
     <p:extLst>
       <p:ext uri="{BB962C8B-B14F-4D97-AF65-F5344CB8AC3E}">
-        <p14:creationId xmlns:p14="http://schemas.microsoft.com/office/powerpoint/2010/main" val="1717745677"/>
+        <p14:creationId xmlns:p14="http://schemas.microsoft.com/office/powerpoint/2010/main" val="4130087835"/>
       </p:ext>
     </p:extLst>
   </p:cSld>
@@ -6354,7 +10191,7 @@
 </p:sld>
 </file>
 
-<file path=ppt/slides/slide2.xml><?xml version="1.0" encoding="utf-8"?>
+<file path=ppt/slides/slide3.xml><?xml version="1.0" encoding="utf-8"?>
 <p:sld xmlns:a="http://schemas.openxmlformats.org/drawingml/2006/main" xmlns:r="http://schemas.openxmlformats.org/officeDocument/2006/relationships" xmlns:p="http://schemas.openxmlformats.org/presentationml/2006/main">
   <p:cSld>
     <p:spTree>
@@ -6869,7 +10706,7 @@
           <p:nvPr>
             <p:extLst>
               <p:ext uri="{D42A27DB-BD31-4B8C-83A1-F6EECF244321}">
-                <p14:modId xmlns:p14="http://schemas.microsoft.com/office/powerpoint/2010/main" val="1186436087"/>
+                <p14:modId xmlns:p14="http://schemas.microsoft.com/office/powerpoint/2010/main" val="1557700845"/>
               </p:ext>
             </p:extLst>
           </p:nvPr>
@@ -7071,72 +10908,72 @@
                     <a:p>
                       <a:r>
                         <a:rPr lang="en-AU" dirty="0"/>
-                        <a:t>Sim1</a:t>
-                      </a:r>
-                    </a:p>
-                  </a:txBody>
-                  <a:tcPr/>
-                </a:tc>
-                <a:tc>
-                  <a:txBody>
-                    <a:bodyPr/>
-                    <a:lstStyle/>
-                    <a:p>
-                      <a:r>
-                        <a:rPr lang="en-AU" dirty="0"/>
-                        <a:t>Sim4</a:t>
-                      </a:r>
-                    </a:p>
-                  </a:txBody>
-                  <a:tcPr/>
-                </a:tc>
-                <a:tc>
-                  <a:txBody>
-                    <a:bodyPr/>
-                    <a:lstStyle/>
-                    <a:p>
-                      <a:r>
-                        <a:rPr lang="en-AU" dirty="0"/>
-                        <a:t>Sim7</a:t>
-                      </a:r>
-                    </a:p>
-                  </a:txBody>
-                  <a:tcPr/>
-                </a:tc>
-                <a:tc>
-                  <a:txBody>
-                    <a:bodyPr/>
-                    <a:lstStyle/>
-                    <a:p>
-                      <a:r>
-                        <a:rPr lang="en-AU" dirty="0"/>
-                        <a:t>Sim10</a:t>
-                      </a:r>
-                    </a:p>
-                  </a:txBody>
-                  <a:tcPr/>
-                </a:tc>
-                <a:tc>
-                  <a:txBody>
-                    <a:bodyPr/>
-                    <a:lstStyle/>
-                    <a:p>
-                      <a:r>
-                        <a:rPr lang="en-AU" dirty="0"/>
-                        <a:t>Sim13</a:t>
-                      </a:r>
-                    </a:p>
-                  </a:txBody>
-                  <a:tcPr/>
-                </a:tc>
-                <a:tc>
-                  <a:txBody>
-                    <a:bodyPr/>
-                    <a:lstStyle/>
-                    <a:p>
-                      <a:r>
-                        <a:rPr lang="en-AU" dirty="0"/>
-                        <a:t>Sim16</a:t>
+                        <a:t>sim1</a:t>
+                      </a:r>
+                    </a:p>
+                  </a:txBody>
+                  <a:tcPr/>
+                </a:tc>
+                <a:tc>
+                  <a:txBody>
+                    <a:bodyPr/>
+                    <a:lstStyle/>
+                    <a:p>
+                      <a:r>
+                        <a:rPr lang="en-AU" dirty="0"/>
+                        <a:t>sim4</a:t>
+                      </a:r>
+                    </a:p>
+                  </a:txBody>
+                  <a:tcPr/>
+                </a:tc>
+                <a:tc>
+                  <a:txBody>
+                    <a:bodyPr/>
+                    <a:lstStyle/>
+                    <a:p>
+                      <a:r>
+                        <a:rPr lang="en-AU" dirty="0"/>
+                        <a:t>sim7</a:t>
+                      </a:r>
+                    </a:p>
+                  </a:txBody>
+                  <a:tcPr/>
+                </a:tc>
+                <a:tc>
+                  <a:txBody>
+                    <a:bodyPr/>
+                    <a:lstStyle/>
+                    <a:p>
+                      <a:r>
+                        <a:rPr lang="en-AU" dirty="0"/>
+                        <a:t>sim10</a:t>
+                      </a:r>
+                    </a:p>
+                  </a:txBody>
+                  <a:tcPr/>
+                </a:tc>
+                <a:tc>
+                  <a:txBody>
+                    <a:bodyPr/>
+                    <a:lstStyle/>
+                    <a:p>
+                      <a:r>
+                        <a:rPr lang="en-AU" dirty="0"/>
+                        <a:t>sim13</a:t>
+                      </a:r>
+                    </a:p>
+                  </a:txBody>
+                  <a:tcPr/>
+                </a:tc>
+                <a:tc>
+                  <a:txBody>
+                    <a:bodyPr/>
+                    <a:lstStyle/>
+                    <a:p>
+                      <a:r>
+                        <a:rPr lang="en-AU" dirty="0"/>
+                        <a:t>sim16</a:t>
                       </a:r>
                     </a:p>
                   </a:txBody>
@@ -7182,72 +11019,72 @@
                     <a:p>
                       <a:r>
                         <a:rPr lang="en-AU" dirty="0"/>
-                        <a:t>Sim2</a:t>
-                      </a:r>
-                    </a:p>
-                  </a:txBody>
-                  <a:tcPr/>
-                </a:tc>
-                <a:tc>
-                  <a:txBody>
-                    <a:bodyPr/>
-                    <a:lstStyle/>
-                    <a:p>
-                      <a:r>
-                        <a:rPr lang="en-AU" dirty="0"/>
-                        <a:t>Sim5</a:t>
-                      </a:r>
-                    </a:p>
-                  </a:txBody>
-                  <a:tcPr/>
-                </a:tc>
-                <a:tc>
-                  <a:txBody>
-                    <a:bodyPr/>
-                    <a:lstStyle/>
-                    <a:p>
-                      <a:r>
-                        <a:rPr lang="en-AU" dirty="0"/>
-                        <a:t>Sim8</a:t>
-                      </a:r>
-                    </a:p>
-                  </a:txBody>
-                  <a:tcPr/>
-                </a:tc>
-                <a:tc>
-                  <a:txBody>
-                    <a:bodyPr/>
-                    <a:lstStyle/>
-                    <a:p>
-                      <a:r>
-                        <a:rPr lang="en-AU" dirty="0"/>
-                        <a:t>Sim11</a:t>
-                      </a:r>
-                    </a:p>
-                  </a:txBody>
-                  <a:tcPr/>
-                </a:tc>
-                <a:tc>
-                  <a:txBody>
-                    <a:bodyPr/>
-                    <a:lstStyle/>
-                    <a:p>
-                      <a:r>
-                        <a:rPr lang="en-AU" dirty="0"/>
-                        <a:t>Sim14</a:t>
-                      </a:r>
-                    </a:p>
-                  </a:txBody>
-                  <a:tcPr/>
-                </a:tc>
-                <a:tc>
-                  <a:txBody>
-                    <a:bodyPr/>
-                    <a:lstStyle/>
-                    <a:p>
-                      <a:r>
-                        <a:rPr lang="en-AU" dirty="0"/>
-                        <a:t>Sim17</a:t>
+                        <a:t>sim2</a:t>
+                      </a:r>
+                    </a:p>
+                  </a:txBody>
+                  <a:tcPr/>
+                </a:tc>
+                <a:tc>
+                  <a:txBody>
+                    <a:bodyPr/>
+                    <a:lstStyle/>
+                    <a:p>
+                      <a:r>
+                        <a:rPr lang="en-AU" dirty="0"/>
+                        <a:t>sim5</a:t>
+                      </a:r>
+                    </a:p>
+                  </a:txBody>
+                  <a:tcPr/>
+                </a:tc>
+                <a:tc>
+                  <a:txBody>
+                    <a:bodyPr/>
+                    <a:lstStyle/>
+                    <a:p>
+                      <a:r>
+                        <a:rPr lang="en-AU" dirty="0"/>
+                        <a:t>sim8</a:t>
+                      </a:r>
+                    </a:p>
+                  </a:txBody>
+                  <a:tcPr/>
+                </a:tc>
+                <a:tc>
+                  <a:txBody>
+                    <a:bodyPr/>
+                    <a:lstStyle/>
+                    <a:p>
+                      <a:r>
+                        <a:rPr lang="en-AU" dirty="0"/>
+                        <a:t>sim11</a:t>
+                      </a:r>
+                    </a:p>
+                  </a:txBody>
+                  <a:tcPr/>
+                </a:tc>
+                <a:tc>
+                  <a:txBody>
+                    <a:bodyPr/>
+                    <a:lstStyle/>
+                    <a:p>
+                      <a:r>
+                        <a:rPr lang="en-AU" dirty="0"/>
+                        <a:t>sim14</a:t>
+                      </a:r>
+                    </a:p>
+                  </a:txBody>
+                  <a:tcPr/>
+                </a:tc>
+                <a:tc>
+                  <a:txBody>
+                    <a:bodyPr/>
+                    <a:lstStyle/>
+                    <a:p>
+                      <a:r>
+                        <a:rPr lang="en-AU" dirty="0"/>
+                        <a:t>sim17</a:t>
                       </a:r>
                     </a:p>
                   </a:txBody>
@@ -7293,72 +11130,72 @@
                     <a:p>
                       <a:r>
                         <a:rPr lang="en-AU" dirty="0"/>
-                        <a:t>Sim3</a:t>
-                      </a:r>
-                    </a:p>
-                  </a:txBody>
-                  <a:tcPr/>
-                </a:tc>
-                <a:tc>
-                  <a:txBody>
-                    <a:bodyPr/>
-                    <a:lstStyle/>
-                    <a:p>
-                      <a:r>
-                        <a:rPr lang="en-AU" dirty="0"/>
-                        <a:t>Sim6</a:t>
-                      </a:r>
-                    </a:p>
-                  </a:txBody>
-                  <a:tcPr/>
-                </a:tc>
-                <a:tc>
-                  <a:txBody>
-                    <a:bodyPr/>
-                    <a:lstStyle/>
-                    <a:p>
-                      <a:r>
-                        <a:rPr lang="en-AU" dirty="0"/>
-                        <a:t>Sim9</a:t>
-                      </a:r>
-                    </a:p>
-                  </a:txBody>
-                  <a:tcPr/>
-                </a:tc>
-                <a:tc>
-                  <a:txBody>
-                    <a:bodyPr/>
-                    <a:lstStyle/>
-                    <a:p>
-                      <a:r>
-                        <a:rPr lang="en-AU" dirty="0"/>
-                        <a:t>Sim12</a:t>
-                      </a:r>
-                    </a:p>
-                  </a:txBody>
-                  <a:tcPr/>
-                </a:tc>
-                <a:tc>
-                  <a:txBody>
-                    <a:bodyPr/>
-                    <a:lstStyle/>
-                    <a:p>
-                      <a:r>
-                        <a:rPr lang="en-AU" dirty="0"/>
-                        <a:t>Sim15</a:t>
-                      </a:r>
-                    </a:p>
-                  </a:txBody>
-                  <a:tcPr/>
-                </a:tc>
-                <a:tc>
-                  <a:txBody>
-                    <a:bodyPr/>
-                    <a:lstStyle/>
-                    <a:p>
-                      <a:r>
-                        <a:rPr lang="en-AU" dirty="0"/>
-                        <a:t>Sim18</a:t>
+                        <a:t>sim3</a:t>
+                      </a:r>
+                    </a:p>
+                  </a:txBody>
+                  <a:tcPr/>
+                </a:tc>
+                <a:tc>
+                  <a:txBody>
+                    <a:bodyPr/>
+                    <a:lstStyle/>
+                    <a:p>
+                      <a:r>
+                        <a:rPr lang="en-AU" dirty="0"/>
+                        <a:t>sim6</a:t>
+                      </a:r>
+                    </a:p>
+                  </a:txBody>
+                  <a:tcPr/>
+                </a:tc>
+                <a:tc>
+                  <a:txBody>
+                    <a:bodyPr/>
+                    <a:lstStyle/>
+                    <a:p>
+                      <a:r>
+                        <a:rPr lang="en-AU" dirty="0"/>
+                        <a:t>sim9</a:t>
+                      </a:r>
+                    </a:p>
+                  </a:txBody>
+                  <a:tcPr/>
+                </a:tc>
+                <a:tc>
+                  <a:txBody>
+                    <a:bodyPr/>
+                    <a:lstStyle/>
+                    <a:p>
+                      <a:r>
+                        <a:rPr lang="en-AU" dirty="0"/>
+                        <a:t>sim12</a:t>
+                      </a:r>
+                    </a:p>
+                  </a:txBody>
+                  <a:tcPr/>
+                </a:tc>
+                <a:tc>
+                  <a:txBody>
+                    <a:bodyPr/>
+                    <a:lstStyle/>
+                    <a:p>
+                      <a:r>
+                        <a:rPr lang="en-AU" dirty="0"/>
+                        <a:t>sim15</a:t>
+                      </a:r>
+                    </a:p>
+                  </a:txBody>
+                  <a:tcPr/>
+                </a:tc>
+                <a:tc>
+                  <a:txBody>
+                    <a:bodyPr/>
+                    <a:lstStyle/>
+                    <a:p>
+                      <a:r>
+                        <a:rPr lang="en-AU" dirty="0"/>
+                        <a:t>sim18</a:t>
                       </a:r>
                     </a:p>
                   </a:txBody>
@@ -8042,13 +11879,63 @@
           <a:p>
             <a:r>
               <a:rPr lang="en-AU" sz="2200" dirty="0"/>
-              <a:t>Sim119~(p=6, cl=3, np=2)</a:t>
+              <a:t>sim119~(p=6, cl=3, np=2)</a:t>
             </a:r>
           </a:p>
           <a:p>
             <a:r>
               <a:rPr lang="en-AU" sz="2200" dirty="0"/>
-              <a:t>Sim120~(p=6, cl=3, np=2)</a:t>
+              <a:t>sim120~(p=6, cl=3, np=2)</a:t>
+            </a:r>
+          </a:p>
+        </p:txBody>
+      </p:sp>
+      <p:sp>
+        <p:nvSpPr>
+          <p:cNvPr id="13" name="Rectangle 12">
+            <a:extLst>
+              <a:ext uri="{FF2B5EF4-FFF2-40B4-BE49-F238E27FC236}">
+                <a16:creationId xmlns:a16="http://schemas.microsoft.com/office/drawing/2014/main" id="{80BE6107-66EE-4EDA-9269-32B399DC2BC1}"/>
+              </a:ext>
+            </a:extLst>
+          </p:cNvPr>
+          <p:cNvSpPr/>
+          <p:nvPr/>
+        </p:nvSpPr>
+        <p:spPr>
+          <a:xfrm rot="712059">
+            <a:off x="421244" y="1418702"/>
+            <a:ext cx="9862188" cy="1569660"/>
+          </a:xfrm>
+          <a:prstGeom prst="rect">
+            <a:avLst/>
+          </a:prstGeom>
+          <a:noFill/>
+        </p:spPr>
+        <p:txBody>
+          <a:bodyPr wrap="none" lIns="91440" tIns="45720" rIns="91440" bIns="45720">
+            <a:spAutoFit/>
+          </a:bodyPr>
+          <a:lstStyle/>
+          <a:p>
+            <a:pPr algn="ctr"/>
+            <a:r>
+              <a:rPr lang="en-US" sz="9600" b="1" cap="none" spc="0" dirty="0">
+                <a:ln w="22225">
+                  <a:solidFill>
+                    <a:schemeClr val="accent2"/>
+                  </a:solidFill>
+                  <a:prstDash val="solid"/>
+                </a:ln>
+                <a:solidFill>
+                  <a:schemeClr val="accent2">
+                    <a:lumMod val="40000"/>
+                    <a:lumOff val="60000"/>
+                  </a:schemeClr>
+                </a:solidFill>
+                <a:effectLst/>
+              </a:rPr>
+              <a:t>OLD – DO NOT USE</a:t>
             </a:r>
           </a:p>
         </p:txBody>
@@ -8066,7 +11953,7 @@
 </p:sld>
 </file>
 
-<file path=ppt/slides/slide3.xml><?xml version="1.0" encoding="utf-8"?>
+<file path=ppt/slides/slide4.xml><?xml version="1.0" encoding="utf-8"?>
 <p:sld xmlns:a="http://schemas.openxmlformats.org/drawingml/2006/main" xmlns:r="http://schemas.openxmlformats.org/officeDocument/2006/relationships" xmlns:p="http://schemas.openxmlformats.org/presentationml/2006/main">
   <p:cSld>
     <p:spTree>
@@ -8835,72 +12722,72 @@
                     <a:p>
                       <a:r>
                         <a:rPr lang="en-AU" dirty="0"/>
-                        <a:t>Sim1</a:t>
-                      </a:r>
-                    </a:p>
-                  </a:txBody>
-                  <a:tcPr/>
-                </a:tc>
-                <a:tc>
-                  <a:txBody>
-                    <a:bodyPr/>
-                    <a:lstStyle/>
-                    <a:p>
-                      <a:r>
-                        <a:rPr lang="en-AU" dirty="0"/>
-                        <a:t>Sim2</a:t>
-                      </a:r>
-                    </a:p>
-                  </a:txBody>
-                  <a:tcPr/>
-                </a:tc>
-                <a:tc>
-                  <a:txBody>
-                    <a:bodyPr/>
-                    <a:lstStyle/>
-                    <a:p>
-                      <a:r>
-                        <a:rPr lang="en-AU" dirty="0"/>
-                        <a:t>Sim3</a:t>
-                      </a:r>
-                    </a:p>
-                  </a:txBody>
-                  <a:tcPr/>
-                </a:tc>
-                <a:tc>
-                  <a:txBody>
-                    <a:bodyPr/>
-                    <a:lstStyle/>
-                    <a:p>
-                      <a:r>
-                        <a:rPr lang="en-AU" dirty="0"/>
-                        <a:t>Sim4</a:t>
-                      </a:r>
-                    </a:p>
-                  </a:txBody>
-                  <a:tcPr/>
-                </a:tc>
-                <a:tc>
-                  <a:txBody>
-                    <a:bodyPr/>
-                    <a:lstStyle/>
-                    <a:p>
-                      <a:r>
-                        <a:rPr lang="en-AU" dirty="0"/>
-                        <a:t>Sim5</a:t>
-                      </a:r>
-                    </a:p>
-                  </a:txBody>
-                  <a:tcPr/>
-                </a:tc>
-                <a:tc>
-                  <a:txBody>
-                    <a:bodyPr/>
-                    <a:lstStyle/>
-                    <a:p>
-                      <a:r>
-                        <a:rPr lang="en-AU" dirty="0"/>
-                        <a:t>Sim6</a:t>
+                        <a:t>sim1</a:t>
+                      </a:r>
+                    </a:p>
+                  </a:txBody>
+                  <a:tcPr/>
+                </a:tc>
+                <a:tc>
+                  <a:txBody>
+                    <a:bodyPr/>
+                    <a:lstStyle/>
+                    <a:p>
+                      <a:r>
+                        <a:rPr lang="en-AU" dirty="0"/>
+                        <a:t>sim2</a:t>
+                      </a:r>
+                    </a:p>
+                  </a:txBody>
+                  <a:tcPr/>
+                </a:tc>
+                <a:tc>
+                  <a:txBody>
+                    <a:bodyPr/>
+                    <a:lstStyle/>
+                    <a:p>
+                      <a:r>
+                        <a:rPr lang="en-AU" dirty="0"/>
+                        <a:t>sim3</a:t>
+                      </a:r>
+                    </a:p>
+                  </a:txBody>
+                  <a:tcPr/>
+                </a:tc>
+                <a:tc>
+                  <a:txBody>
+                    <a:bodyPr/>
+                    <a:lstStyle/>
+                    <a:p>
+                      <a:r>
+                        <a:rPr lang="en-AU" dirty="0"/>
+                        <a:t>sim4</a:t>
+                      </a:r>
+                    </a:p>
+                  </a:txBody>
+                  <a:tcPr/>
+                </a:tc>
+                <a:tc>
+                  <a:txBody>
+                    <a:bodyPr/>
+                    <a:lstStyle/>
+                    <a:p>
+                      <a:r>
+                        <a:rPr lang="en-AU" dirty="0"/>
+                        <a:t>sim5</a:t>
+                      </a:r>
+                    </a:p>
+                  </a:txBody>
+                  <a:tcPr/>
+                </a:tc>
+                <a:tc>
+                  <a:txBody>
+                    <a:bodyPr/>
+                    <a:lstStyle/>
+                    <a:p>
+                      <a:r>
+                        <a:rPr lang="en-AU" dirty="0"/>
+                        <a:t>sim6</a:t>
                       </a:r>
                     </a:p>
                   </a:txBody>
@@ -8946,72 +12833,72 @@
                     <a:p>
                       <a:r>
                         <a:rPr lang="en-AU" dirty="0"/>
-                        <a:t>Sim7</a:t>
-                      </a:r>
-                    </a:p>
-                  </a:txBody>
-                  <a:tcPr/>
-                </a:tc>
-                <a:tc>
-                  <a:txBody>
-                    <a:bodyPr/>
-                    <a:lstStyle/>
-                    <a:p>
-                      <a:r>
-                        <a:rPr lang="en-AU" dirty="0"/>
-                        <a:t>Sim8</a:t>
-                      </a:r>
-                    </a:p>
-                  </a:txBody>
-                  <a:tcPr/>
-                </a:tc>
-                <a:tc>
-                  <a:txBody>
-                    <a:bodyPr/>
-                    <a:lstStyle/>
-                    <a:p>
-                      <a:r>
-                        <a:rPr lang="en-AU" dirty="0"/>
-                        <a:t>Sim9</a:t>
-                      </a:r>
-                    </a:p>
-                  </a:txBody>
-                  <a:tcPr/>
-                </a:tc>
-                <a:tc>
-                  <a:txBody>
-                    <a:bodyPr/>
-                    <a:lstStyle/>
-                    <a:p>
-                      <a:r>
-                        <a:rPr lang="en-AU" dirty="0"/>
-                        <a:t>Sim10</a:t>
-                      </a:r>
-                    </a:p>
-                  </a:txBody>
-                  <a:tcPr/>
-                </a:tc>
-                <a:tc>
-                  <a:txBody>
-                    <a:bodyPr/>
-                    <a:lstStyle/>
-                    <a:p>
-                      <a:r>
-                        <a:rPr lang="en-AU" dirty="0"/>
-                        <a:t>Sim11</a:t>
-                      </a:r>
-                    </a:p>
-                  </a:txBody>
-                  <a:tcPr/>
-                </a:tc>
-                <a:tc>
-                  <a:txBody>
-                    <a:bodyPr/>
-                    <a:lstStyle/>
-                    <a:p>
-                      <a:r>
-                        <a:rPr lang="en-AU" dirty="0"/>
-                        <a:t>Sim12</a:t>
+                        <a:t>sim7</a:t>
+                      </a:r>
+                    </a:p>
+                  </a:txBody>
+                  <a:tcPr/>
+                </a:tc>
+                <a:tc>
+                  <a:txBody>
+                    <a:bodyPr/>
+                    <a:lstStyle/>
+                    <a:p>
+                      <a:r>
+                        <a:rPr lang="en-AU" dirty="0"/>
+                        <a:t>sim8</a:t>
+                      </a:r>
+                    </a:p>
+                  </a:txBody>
+                  <a:tcPr/>
+                </a:tc>
+                <a:tc>
+                  <a:txBody>
+                    <a:bodyPr/>
+                    <a:lstStyle/>
+                    <a:p>
+                      <a:r>
+                        <a:rPr lang="en-AU" dirty="0"/>
+                        <a:t>sim9</a:t>
+                      </a:r>
+                    </a:p>
+                  </a:txBody>
+                  <a:tcPr/>
+                </a:tc>
+                <a:tc>
+                  <a:txBody>
+                    <a:bodyPr/>
+                    <a:lstStyle/>
+                    <a:p>
+                      <a:r>
+                        <a:rPr lang="en-AU" dirty="0"/>
+                        <a:t>sim10</a:t>
+                      </a:r>
+                    </a:p>
+                  </a:txBody>
+                  <a:tcPr/>
+                </a:tc>
+                <a:tc>
+                  <a:txBody>
+                    <a:bodyPr/>
+                    <a:lstStyle/>
+                    <a:p>
+                      <a:r>
+                        <a:rPr lang="en-AU" dirty="0"/>
+                        <a:t>sim11</a:t>
+                      </a:r>
+                    </a:p>
+                  </a:txBody>
+                  <a:tcPr/>
+                </a:tc>
+                <a:tc>
+                  <a:txBody>
+                    <a:bodyPr/>
+                    <a:lstStyle/>
+                    <a:p>
+                      <a:r>
+                        <a:rPr lang="en-AU" dirty="0"/>
+                        <a:t>sim12</a:t>
                       </a:r>
                     </a:p>
                   </a:txBody>
@@ -9057,72 +12944,72 @@
                     <a:p>
                       <a:r>
                         <a:rPr lang="en-AU" dirty="0"/>
-                        <a:t>Sim13</a:t>
-                      </a:r>
-                    </a:p>
-                  </a:txBody>
-                  <a:tcPr/>
-                </a:tc>
-                <a:tc>
-                  <a:txBody>
-                    <a:bodyPr/>
-                    <a:lstStyle/>
-                    <a:p>
-                      <a:r>
-                        <a:rPr lang="en-AU" dirty="0"/>
-                        <a:t>Sim14</a:t>
-                      </a:r>
-                    </a:p>
-                  </a:txBody>
-                  <a:tcPr/>
-                </a:tc>
-                <a:tc>
-                  <a:txBody>
-                    <a:bodyPr/>
-                    <a:lstStyle/>
-                    <a:p>
-                      <a:r>
-                        <a:rPr lang="en-AU" dirty="0"/>
-                        <a:t>Sim15</a:t>
-                      </a:r>
-                    </a:p>
-                  </a:txBody>
-                  <a:tcPr/>
-                </a:tc>
-                <a:tc>
-                  <a:txBody>
-                    <a:bodyPr/>
-                    <a:lstStyle/>
-                    <a:p>
-                      <a:r>
-                        <a:rPr lang="en-AU" dirty="0"/>
-                        <a:t>Sim16</a:t>
-                      </a:r>
-                    </a:p>
-                  </a:txBody>
-                  <a:tcPr/>
-                </a:tc>
-                <a:tc>
-                  <a:txBody>
-                    <a:bodyPr/>
-                    <a:lstStyle/>
-                    <a:p>
-                      <a:r>
-                        <a:rPr lang="en-AU" dirty="0"/>
-                        <a:t>Sim17</a:t>
-                      </a:r>
-                    </a:p>
-                  </a:txBody>
-                  <a:tcPr/>
-                </a:tc>
-                <a:tc>
-                  <a:txBody>
-                    <a:bodyPr/>
-                    <a:lstStyle/>
-                    <a:p>
-                      <a:r>
-                        <a:rPr lang="en-AU" dirty="0"/>
-                        <a:t>Sim18</a:t>
+                        <a:t>sim13</a:t>
+                      </a:r>
+                    </a:p>
+                  </a:txBody>
+                  <a:tcPr/>
+                </a:tc>
+                <a:tc>
+                  <a:txBody>
+                    <a:bodyPr/>
+                    <a:lstStyle/>
+                    <a:p>
+                      <a:r>
+                        <a:rPr lang="en-AU" dirty="0"/>
+                        <a:t>sim14</a:t>
+                      </a:r>
+                    </a:p>
+                  </a:txBody>
+                  <a:tcPr/>
+                </a:tc>
+                <a:tc>
+                  <a:txBody>
+                    <a:bodyPr/>
+                    <a:lstStyle/>
+                    <a:p>
+                      <a:r>
+                        <a:rPr lang="en-AU" dirty="0"/>
+                        <a:t>sim15</a:t>
+                      </a:r>
+                    </a:p>
+                  </a:txBody>
+                  <a:tcPr/>
+                </a:tc>
+                <a:tc>
+                  <a:txBody>
+                    <a:bodyPr/>
+                    <a:lstStyle/>
+                    <a:p>
+                      <a:r>
+                        <a:rPr lang="en-AU" dirty="0"/>
+                        <a:t>sim16</a:t>
+                      </a:r>
+                    </a:p>
+                  </a:txBody>
+                  <a:tcPr/>
+                </a:tc>
+                <a:tc>
+                  <a:txBody>
+                    <a:bodyPr/>
+                    <a:lstStyle/>
+                    <a:p>
+                      <a:r>
+                        <a:rPr lang="en-AU" dirty="0"/>
+                        <a:t>sim17</a:t>
+                      </a:r>
+                    </a:p>
+                  </a:txBody>
+                  <a:tcPr/>
+                </a:tc>
+                <a:tc>
+                  <a:txBody>
+                    <a:bodyPr/>
+                    <a:lstStyle/>
+                    <a:p>
+                      <a:r>
+                        <a:rPr lang="en-AU" dirty="0"/>
+                        <a:t>sim18</a:t>
                       </a:r>
                     </a:p>
                   </a:txBody>
@@ -9806,13 +13693,13 @@
           <a:p>
             <a:r>
               <a:rPr lang="en-AU" sz="2200" dirty="0"/>
-              <a:t>Sim119~(p=6, cl=3, np=2)</a:t>
+              <a:t>sim119~(p=6, cl=3, np=2)</a:t>
             </a:r>
           </a:p>
           <a:p>
             <a:r>
               <a:rPr lang="en-AU" sz="2200" dirty="0"/>
-              <a:t>Sim120~(p=6, cl=3, np=2)</a:t>
+              <a:t>sim120~(p=6, cl=3, np=2)</a:t>
             </a:r>
           </a:p>
         </p:txBody>
@@ -11099,7 +14986,7 @@
 </p:sld>
 </file>
 
-<file path=ppt/slides/slide4.xml><?xml version="1.0" encoding="utf-8"?>
+<file path=ppt/slides/slide5.xml><?xml version="1.0" encoding="utf-8"?>
 <p:sld xmlns:a="http://schemas.openxmlformats.org/drawingml/2006/main" xmlns:r="http://schemas.openxmlformats.org/officeDocument/2006/relationships" xmlns:p="http://schemas.openxmlformats.org/presentationml/2006/main">
   <p:cSld>
     <p:spTree>
@@ -11808,72 +15695,72 @@
                     <a:p>
                       <a:r>
                         <a:rPr lang="en-AU" dirty="0"/>
-                        <a:t>Sim1</a:t>
-                      </a:r>
-                    </a:p>
-                  </a:txBody>
-                  <a:tcPr/>
-                </a:tc>
-                <a:tc>
-                  <a:txBody>
-                    <a:bodyPr/>
-                    <a:lstStyle/>
-                    <a:p>
-                      <a:r>
-                        <a:rPr lang="en-AU" dirty="0"/>
-                        <a:t>Sim2</a:t>
-                      </a:r>
-                    </a:p>
-                  </a:txBody>
-                  <a:tcPr/>
-                </a:tc>
-                <a:tc>
-                  <a:txBody>
-                    <a:bodyPr/>
-                    <a:lstStyle/>
-                    <a:p>
-                      <a:r>
-                        <a:rPr lang="en-AU" dirty="0"/>
-                        <a:t>Sim3</a:t>
-                      </a:r>
-                    </a:p>
-                  </a:txBody>
-                  <a:tcPr/>
-                </a:tc>
-                <a:tc>
-                  <a:txBody>
-                    <a:bodyPr/>
-                    <a:lstStyle/>
-                    <a:p>
-                      <a:r>
-                        <a:rPr lang="en-AU" dirty="0"/>
-                        <a:t>Sim4</a:t>
-                      </a:r>
-                    </a:p>
-                  </a:txBody>
-                  <a:tcPr/>
-                </a:tc>
-                <a:tc>
-                  <a:txBody>
-                    <a:bodyPr/>
-                    <a:lstStyle/>
-                    <a:p>
-                      <a:r>
-                        <a:rPr lang="en-AU" dirty="0"/>
-                        <a:t>Sim5</a:t>
-                      </a:r>
-                    </a:p>
-                  </a:txBody>
-                  <a:tcPr/>
-                </a:tc>
-                <a:tc>
-                  <a:txBody>
-                    <a:bodyPr/>
-                    <a:lstStyle/>
-                    <a:p>
-                      <a:r>
-                        <a:rPr lang="en-AU" dirty="0"/>
-                        <a:t>Sim6</a:t>
+                        <a:t>sim1</a:t>
+                      </a:r>
+                    </a:p>
+                  </a:txBody>
+                  <a:tcPr/>
+                </a:tc>
+                <a:tc>
+                  <a:txBody>
+                    <a:bodyPr/>
+                    <a:lstStyle/>
+                    <a:p>
+                      <a:r>
+                        <a:rPr lang="en-AU" dirty="0"/>
+                        <a:t>sim2</a:t>
+                      </a:r>
+                    </a:p>
+                  </a:txBody>
+                  <a:tcPr/>
+                </a:tc>
+                <a:tc>
+                  <a:txBody>
+                    <a:bodyPr/>
+                    <a:lstStyle/>
+                    <a:p>
+                      <a:r>
+                        <a:rPr lang="en-AU" dirty="0"/>
+                        <a:t>sim3</a:t>
+                      </a:r>
+                    </a:p>
+                  </a:txBody>
+                  <a:tcPr/>
+                </a:tc>
+                <a:tc>
+                  <a:txBody>
+                    <a:bodyPr/>
+                    <a:lstStyle/>
+                    <a:p>
+                      <a:r>
+                        <a:rPr lang="en-AU" dirty="0"/>
+                        <a:t>sim4</a:t>
+                      </a:r>
+                    </a:p>
+                  </a:txBody>
+                  <a:tcPr/>
+                </a:tc>
+                <a:tc>
+                  <a:txBody>
+                    <a:bodyPr/>
+                    <a:lstStyle/>
+                    <a:p>
+                      <a:r>
+                        <a:rPr lang="en-AU" dirty="0"/>
+                        <a:t>sim5</a:t>
+                      </a:r>
+                    </a:p>
+                  </a:txBody>
+                  <a:tcPr/>
+                </a:tc>
+                <a:tc>
+                  <a:txBody>
+                    <a:bodyPr/>
+                    <a:lstStyle/>
+                    <a:p>
+                      <a:r>
+                        <a:rPr lang="en-AU" dirty="0"/>
+                        <a:t>sim6</a:t>
                       </a:r>
                     </a:p>
                   </a:txBody>
@@ -11919,72 +15806,72 @@
                     <a:p>
                       <a:r>
                         <a:rPr lang="en-AU" dirty="0"/>
-                        <a:t>Sim7</a:t>
-                      </a:r>
-                    </a:p>
-                  </a:txBody>
-                  <a:tcPr/>
-                </a:tc>
-                <a:tc>
-                  <a:txBody>
-                    <a:bodyPr/>
-                    <a:lstStyle/>
-                    <a:p>
-                      <a:r>
-                        <a:rPr lang="en-AU" dirty="0"/>
-                        <a:t>Sim8</a:t>
-                      </a:r>
-                    </a:p>
-                  </a:txBody>
-                  <a:tcPr/>
-                </a:tc>
-                <a:tc>
-                  <a:txBody>
-                    <a:bodyPr/>
-                    <a:lstStyle/>
-                    <a:p>
-                      <a:r>
-                        <a:rPr lang="en-AU" dirty="0"/>
-                        <a:t>Sim9</a:t>
-                      </a:r>
-                    </a:p>
-                  </a:txBody>
-                  <a:tcPr/>
-                </a:tc>
-                <a:tc>
-                  <a:txBody>
-                    <a:bodyPr/>
-                    <a:lstStyle/>
-                    <a:p>
-                      <a:r>
-                        <a:rPr lang="en-AU" dirty="0"/>
-                        <a:t>Sim10</a:t>
-                      </a:r>
-                    </a:p>
-                  </a:txBody>
-                  <a:tcPr/>
-                </a:tc>
-                <a:tc>
-                  <a:txBody>
-                    <a:bodyPr/>
-                    <a:lstStyle/>
-                    <a:p>
-                      <a:r>
-                        <a:rPr lang="en-AU" dirty="0"/>
-                        <a:t>Sim11</a:t>
-                      </a:r>
-                    </a:p>
-                  </a:txBody>
-                  <a:tcPr/>
-                </a:tc>
-                <a:tc>
-                  <a:txBody>
-                    <a:bodyPr/>
-                    <a:lstStyle/>
-                    <a:p>
-                      <a:r>
-                        <a:rPr lang="en-AU" dirty="0"/>
-                        <a:t>Sim12</a:t>
+                        <a:t>sim7</a:t>
+                      </a:r>
+                    </a:p>
+                  </a:txBody>
+                  <a:tcPr/>
+                </a:tc>
+                <a:tc>
+                  <a:txBody>
+                    <a:bodyPr/>
+                    <a:lstStyle/>
+                    <a:p>
+                      <a:r>
+                        <a:rPr lang="en-AU" dirty="0"/>
+                        <a:t>sim8</a:t>
+                      </a:r>
+                    </a:p>
+                  </a:txBody>
+                  <a:tcPr/>
+                </a:tc>
+                <a:tc>
+                  <a:txBody>
+                    <a:bodyPr/>
+                    <a:lstStyle/>
+                    <a:p>
+                      <a:r>
+                        <a:rPr lang="en-AU" dirty="0"/>
+                        <a:t>sim9</a:t>
+                      </a:r>
+                    </a:p>
+                  </a:txBody>
+                  <a:tcPr/>
+                </a:tc>
+                <a:tc>
+                  <a:txBody>
+                    <a:bodyPr/>
+                    <a:lstStyle/>
+                    <a:p>
+                      <a:r>
+                        <a:rPr lang="en-AU" dirty="0"/>
+                        <a:t>sim10</a:t>
+                      </a:r>
+                    </a:p>
+                  </a:txBody>
+                  <a:tcPr/>
+                </a:tc>
+                <a:tc>
+                  <a:txBody>
+                    <a:bodyPr/>
+                    <a:lstStyle/>
+                    <a:p>
+                      <a:r>
+                        <a:rPr lang="en-AU" dirty="0"/>
+                        <a:t>sim11</a:t>
+                      </a:r>
+                    </a:p>
+                  </a:txBody>
+                  <a:tcPr/>
+                </a:tc>
+                <a:tc>
+                  <a:txBody>
+                    <a:bodyPr/>
+                    <a:lstStyle/>
+                    <a:p>
+                      <a:r>
+                        <a:rPr lang="en-AU" dirty="0"/>
+                        <a:t>sim12</a:t>
                       </a:r>
                     </a:p>
                   </a:txBody>
@@ -12030,72 +15917,72 @@
                     <a:p>
                       <a:r>
                         <a:rPr lang="en-AU" dirty="0"/>
-                        <a:t>Sim13</a:t>
-                      </a:r>
-                    </a:p>
-                  </a:txBody>
-                  <a:tcPr/>
-                </a:tc>
-                <a:tc>
-                  <a:txBody>
-                    <a:bodyPr/>
-                    <a:lstStyle/>
-                    <a:p>
-                      <a:r>
-                        <a:rPr lang="en-AU" dirty="0"/>
-                        <a:t>Sim14</a:t>
-                      </a:r>
-                    </a:p>
-                  </a:txBody>
-                  <a:tcPr/>
-                </a:tc>
-                <a:tc>
-                  <a:txBody>
-                    <a:bodyPr/>
-                    <a:lstStyle/>
-                    <a:p>
-                      <a:r>
-                        <a:rPr lang="en-AU" dirty="0"/>
-                        <a:t>Sim15</a:t>
-                      </a:r>
-                    </a:p>
-                  </a:txBody>
-                  <a:tcPr/>
-                </a:tc>
-                <a:tc>
-                  <a:txBody>
-                    <a:bodyPr/>
-                    <a:lstStyle/>
-                    <a:p>
-                      <a:r>
-                        <a:rPr lang="en-AU" dirty="0"/>
-                        <a:t>Sim16</a:t>
-                      </a:r>
-                    </a:p>
-                  </a:txBody>
-                  <a:tcPr/>
-                </a:tc>
-                <a:tc>
-                  <a:txBody>
-                    <a:bodyPr/>
-                    <a:lstStyle/>
-                    <a:p>
-                      <a:r>
-                        <a:rPr lang="en-AU" dirty="0"/>
-                        <a:t>Sim17</a:t>
-                      </a:r>
-                    </a:p>
-                  </a:txBody>
-                  <a:tcPr/>
-                </a:tc>
-                <a:tc>
-                  <a:txBody>
-                    <a:bodyPr/>
-                    <a:lstStyle/>
-                    <a:p>
-                      <a:r>
-                        <a:rPr lang="en-AU" dirty="0"/>
-                        <a:t>Sim18</a:t>
+                        <a:t>sim13</a:t>
+                      </a:r>
+                    </a:p>
+                  </a:txBody>
+                  <a:tcPr/>
+                </a:tc>
+                <a:tc>
+                  <a:txBody>
+                    <a:bodyPr/>
+                    <a:lstStyle/>
+                    <a:p>
+                      <a:r>
+                        <a:rPr lang="en-AU" dirty="0"/>
+                        <a:t>sim14</a:t>
+                      </a:r>
+                    </a:p>
+                  </a:txBody>
+                  <a:tcPr/>
+                </a:tc>
+                <a:tc>
+                  <a:txBody>
+                    <a:bodyPr/>
+                    <a:lstStyle/>
+                    <a:p>
+                      <a:r>
+                        <a:rPr lang="en-AU" dirty="0"/>
+                        <a:t>sim15</a:t>
+                      </a:r>
+                    </a:p>
+                  </a:txBody>
+                  <a:tcPr/>
+                </a:tc>
+                <a:tc>
+                  <a:txBody>
+                    <a:bodyPr/>
+                    <a:lstStyle/>
+                    <a:p>
+                      <a:r>
+                        <a:rPr lang="en-AU" dirty="0"/>
+                        <a:t>sim16</a:t>
+                      </a:r>
+                    </a:p>
+                  </a:txBody>
+                  <a:tcPr/>
+                </a:tc>
+                <a:tc>
+                  <a:txBody>
+                    <a:bodyPr/>
+                    <a:lstStyle/>
+                    <a:p>
+                      <a:r>
+                        <a:rPr lang="en-AU" dirty="0"/>
+                        <a:t>sim17</a:t>
+                      </a:r>
+                    </a:p>
+                  </a:txBody>
+                  <a:tcPr/>
+                </a:tc>
+                <a:tc>
+                  <a:txBody>
+                    <a:bodyPr/>
+                    <a:lstStyle/>
+                    <a:p>
+                      <a:r>
+                        <a:rPr lang="en-AU" dirty="0"/>
+                        <a:t>sim18</a:t>
                       </a:r>
                     </a:p>
                   </a:txBody>
@@ -12775,13 +16662,13 @@
           <a:p>
             <a:r>
               <a:rPr lang="en-AU" sz="2200" dirty="0"/>
-              <a:t>Sim119~(p=6, cl=3, np=2)</a:t>
+              <a:t>sim119~(p=6, cl=3, np=2)</a:t>
             </a:r>
           </a:p>
           <a:p>
             <a:r>
               <a:rPr lang="en-AU" sz="2200" dirty="0"/>
-              <a:t>Sim120~(p=6, cl=3, np=2)</a:t>
+              <a:t>sim120~(p=6, cl=3, np=2)</a:t>
             </a:r>
           </a:p>
         </p:txBody>
@@ -12849,7 +16736,7 @@
 </p:sld>
 </file>
 
-<file path=ppt/slides/slide5.xml><?xml version="1.0" encoding="utf-8"?>
+<file path=ppt/slides/slide6.xml><?xml version="1.0" encoding="utf-8"?>
 <p:sld xmlns:a="http://schemas.openxmlformats.org/drawingml/2006/main" xmlns:r="http://schemas.openxmlformats.org/officeDocument/2006/relationships" xmlns:p="http://schemas.openxmlformats.org/presentationml/2006/main">
   <p:cSld>
     <p:spTree>
@@ -13430,85 +17317,85 @@
                     <a:p>
                       <a:r>
                         <a:rPr lang="en-AU" dirty="0"/>
-                        <a:t>Sim1</a:t>
-                      </a:r>
-                    </a:p>
-                  </a:txBody>
-                  <a:tcPr/>
-                </a:tc>
-                <a:tc>
-                  <a:txBody>
-                    <a:bodyPr/>
-                    <a:lstStyle/>
-                    <a:p>
-                      <a:r>
-                        <a:rPr lang="en-AU" dirty="0"/>
-                        <a:t>Sim2</a:t>
-                      </a:r>
-                    </a:p>
-                  </a:txBody>
-                  <a:tcPr/>
-                </a:tc>
-                <a:tc>
-                  <a:txBody>
-                    <a:bodyPr/>
-                    <a:lstStyle/>
-                    <a:p>
-                      <a:r>
-                        <a:rPr lang="en-AU" dirty="0"/>
-                        <a:t>Sim3</a:t>
-                      </a:r>
-                    </a:p>
-                  </a:txBody>
-                  <a:tcPr/>
-                </a:tc>
-                <a:tc>
-                  <a:txBody>
-                    <a:bodyPr/>
-                    <a:lstStyle/>
-                    <a:p>
-                      <a:r>
-                        <a:rPr lang="en-AU" dirty="0"/>
-                        <a:t>Sim4</a:t>
-                      </a:r>
-                    </a:p>
-                  </a:txBody>
-                  <a:tcPr/>
-                </a:tc>
-                <a:tc>
-                  <a:txBody>
-                    <a:bodyPr/>
-                    <a:lstStyle/>
-                    <a:p>
-                      <a:r>
-                        <a:rPr lang="en-AU" dirty="0"/>
-                        <a:t>Sim5</a:t>
-                      </a:r>
-                    </a:p>
-                  </a:txBody>
-                  <a:tcPr/>
-                </a:tc>
-                <a:tc>
-                  <a:txBody>
-                    <a:bodyPr/>
-                    <a:lstStyle/>
-                    <a:p>
-                      <a:r>
-                        <a:rPr lang="en-AU" dirty="0"/>
-                        <a:t>Sim6</a:t>
-                      </a:r>
-                    </a:p>
-                  </a:txBody>
-                  <a:tcPr/>
-                </a:tc>
-                <a:tc>
-                  <a:txBody>
-                    <a:bodyPr/>
-                    <a:lstStyle/>
-                    <a:p>
-                      <a:r>
-                        <a:rPr lang="en-AU" dirty="0"/>
-                        <a:t>~Sim(easy)</a:t>
+                        <a:t>sim1</a:t>
+                      </a:r>
+                    </a:p>
+                  </a:txBody>
+                  <a:tcPr/>
+                </a:tc>
+                <a:tc>
+                  <a:txBody>
+                    <a:bodyPr/>
+                    <a:lstStyle/>
+                    <a:p>
+                      <a:r>
+                        <a:rPr lang="en-AU" dirty="0"/>
+                        <a:t>sim2</a:t>
+                      </a:r>
+                    </a:p>
+                  </a:txBody>
+                  <a:tcPr/>
+                </a:tc>
+                <a:tc>
+                  <a:txBody>
+                    <a:bodyPr/>
+                    <a:lstStyle/>
+                    <a:p>
+                      <a:r>
+                        <a:rPr lang="en-AU" dirty="0"/>
+                        <a:t>sim3</a:t>
+                      </a:r>
+                    </a:p>
+                  </a:txBody>
+                  <a:tcPr/>
+                </a:tc>
+                <a:tc>
+                  <a:txBody>
+                    <a:bodyPr/>
+                    <a:lstStyle/>
+                    <a:p>
+                      <a:r>
+                        <a:rPr lang="en-AU" dirty="0"/>
+                        <a:t>sim4</a:t>
+                      </a:r>
+                    </a:p>
+                  </a:txBody>
+                  <a:tcPr/>
+                </a:tc>
+                <a:tc>
+                  <a:txBody>
+                    <a:bodyPr/>
+                    <a:lstStyle/>
+                    <a:p>
+                      <a:r>
+                        <a:rPr lang="en-AU" dirty="0"/>
+                        <a:t>sim5</a:t>
+                      </a:r>
+                    </a:p>
+                  </a:txBody>
+                  <a:tcPr/>
+                </a:tc>
+                <a:tc>
+                  <a:txBody>
+                    <a:bodyPr/>
+                    <a:lstStyle/>
+                    <a:p>
+                      <a:r>
+                        <a:rPr lang="en-AU" dirty="0"/>
+                        <a:t>sim6</a:t>
+                      </a:r>
+                    </a:p>
+                  </a:txBody>
+                  <a:tcPr/>
+                </a:tc>
+                <a:tc>
+                  <a:txBody>
+                    <a:bodyPr/>
+                    <a:lstStyle/>
+                    <a:p>
+                      <a:r>
+                        <a:rPr lang="en-AU" dirty="0"/>
+                        <a:t>~sim(easy)</a:t>
                       </a:r>
                     </a:p>
                   </a:txBody>
@@ -13541,85 +17428,85 @@
                     <a:p>
                       <a:r>
                         <a:rPr lang="en-AU" dirty="0"/>
-                        <a:t>Sim7</a:t>
-                      </a:r>
-                    </a:p>
-                  </a:txBody>
-                  <a:tcPr/>
-                </a:tc>
-                <a:tc>
-                  <a:txBody>
-                    <a:bodyPr/>
-                    <a:lstStyle/>
-                    <a:p>
-                      <a:r>
-                        <a:rPr lang="en-AU" dirty="0"/>
-                        <a:t>Sim8</a:t>
-                      </a:r>
-                    </a:p>
-                  </a:txBody>
-                  <a:tcPr/>
-                </a:tc>
-                <a:tc>
-                  <a:txBody>
-                    <a:bodyPr/>
-                    <a:lstStyle/>
-                    <a:p>
-                      <a:r>
-                        <a:rPr lang="en-AU" dirty="0"/>
-                        <a:t>Sim9</a:t>
-                      </a:r>
-                    </a:p>
-                  </a:txBody>
-                  <a:tcPr/>
-                </a:tc>
-                <a:tc>
-                  <a:txBody>
-                    <a:bodyPr/>
-                    <a:lstStyle/>
-                    <a:p>
-                      <a:r>
-                        <a:rPr lang="en-AU" dirty="0"/>
-                        <a:t>Sim10</a:t>
-                      </a:r>
-                    </a:p>
-                  </a:txBody>
-                  <a:tcPr/>
-                </a:tc>
-                <a:tc>
-                  <a:txBody>
-                    <a:bodyPr/>
-                    <a:lstStyle/>
-                    <a:p>
-                      <a:r>
-                        <a:rPr lang="en-AU" dirty="0"/>
-                        <a:t>Sim11</a:t>
-                      </a:r>
-                    </a:p>
-                  </a:txBody>
-                  <a:tcPr/>
-                </a:tc>
-                <a:tc>
-                  <a:txBody>
-                    <a:bodyPr/>
-                    <a:lstStyle/>
-                    <a:p>
-                      <a:r>
-                        <a:rPr lang="en-AU" dirty="0"/>
-                        <a:t>Sim12</a:t>
-                      </a:r>
-                    </a:p>
-                  </a:txBody>
-                  <a:tcPr/>
-                </a:tc>
-                <a:tc>
-                  <a:txBody>
-                    <a:bodyPr/>
-                    <a:lstStyle/>
-                    <a:p>
-                      <a:r>
-                        <a:rPr lang="en-AU" dirty="0"/>
-                        <a:t>~Sim(hard1)</a:t>
+                        <a:t>sim7</a:t>
+                      </a:r>
+                    </a:p>
+                  </a:txBody>
+                  <a:tcPr/>
+                </a:tc>
+                <a:tc>
+                  <a:txBody>
+                    <a:bodyPr/>
+                    <a:lstStyle/>
+                    <a:p>
+                      <a:r>
+                        <a:rPr lang="en-AU" dirty="0"/>
+                        <a:t>sim8</a:t>
+                      </a:r>
+                    </a:p>
+                  </a:txBody>
+                  <a:tcPr/>
+                </a:tc>
+                <a:tc>
+                  <a:txBody>
+                    <a:bodyPr/>
+                    <a:lstStyle/>
+                    <a:p>
+                      <a:r>
+                        <a:rPr lang="en-AU" dirty="0"/>
+                        <a:t>sim9</a:t>
+                      </a:r>
+                    </a:p>
+                  </a:txBody>
+                  <a:tcPr/>
+                </a:tc>
+                <a:tc>
+                  <a:txBody>
+                    <a:bodyPr/>
+                    <a:lstStyle/>
+                    <a:p>
+                      <a:r>
+                        <a:rPr lang="en-AU" dirty="0"/>
+                        <a:t>sim10</a:t>
+                      </a:r>
+                    </a:p>
+                  </a:txBody>
+                  <a:tcPr/>
+                </a:tc>
+                <a:tc>
+                  <a:txBody>
+                    <a:bodyPr/>
+                    <a:lstStyle/>
+                    <a:p>
+                      <a:r>
+                        <a:rPr lang="en-AU" dirty="0"/>
+                        <a:t>sim11</a:t>
+                      </a:r>
+                    </a:p>
+                  </a:txBody>
+                  <a:tcPr/>
+                </a:tc>
+                <a:tc>
+                  <a:txBody>
+                    <a:bodyPr/>
+                    <a:lstStyle/>
+                    <a:p>
+                      <a:r>
+                        <a:rPr lang="en-AU" dirty="0"/>
+                        <a:t>sim12</a:t>
+                      </a:r>
+                    </a:p>
+                  </a:txBody>
+                  <a:tcPr/>
+                </a:tc>
+                <a:tc>
+                  <a:txBody>
+                    <a:bodyPr/>
+                    <a:lstStyle/>
+                    <a:p>
+                      <a:r>
+                        <a:rPr lang="en-AU" dirty="0"/>
+                        <a:t>~sim(hard1)</a:t>
                       </a:r>
                     </a:p>
                   </a:txBody>
@@ -13652,85 +17539,85 @@
                     <a:p>
                       <a:r>
                         <a:rPr lang="en-AU" dirty="0"/>
-                        <a:t>Sim13</a:t>
-                      </a:r>
-                    </a:p>
-                  </a:txBody>
-                  <a:tcPr/>
-                </a:tc>
-                <a:tc>
-                  <a:txBody>
-                    <a:bodyPr/>
-                    <a:lstStyle/>
-                    <a:p>
-                      <a:r>
-                        <a:rPr lang="en-AU" dirty="0"/>
-                        <a:t>Sim14</a:t>
-                      </a:r>
-                    </a:p>
-                  </a:txBody>
-                  <a:tcPr/>
-                </a:tc>
-                <a:tc>
-                  <a:txBody>
-                    <a:bodyPr/>
-                    <a:lstStyle/>
-                    <a:p>
-                      <a:r>
-                        <a:rPr lang="en-AU" dirty="0"/>
-                        <a:t>Sim15</a:t>
-                      </a:r>
-                    </a:p>
-                  </a:txBody>
-                  <a:tcPr/>
-                </a:tc>
-                <a:tc>
-                  <a:txBody>
-                    <a:bodyPr/>
-                    <a:lstStyle/>
-                    <a:p>
-                      <a:r>
-                        <a:rPr lang="en-AU" dirty="0"/>
-                        <a:t>Sim16</a:t>
-                      </a:r>
-                    </a:p>
-                  </a:txBody>
-                  <a:tcPr/>
-                </a:tc>
-                <a:tc>
-                  <a:txBody>
-                    <a:bodyPr/>
-                    <a:lstStyle/>
-                    <a:p>
-                      <a:r>
-                        <a:rPr lang="en-AU" dirty="0"/>
-                        <a:t>Sim17</a:t>
-                      </a:r>
-                    </a:p>
-                  </a:txBody>
-                  <a:tcPr/>
-                </a:tc>
-                <a:tc>
-                  <a:txBody>
-                    <a:bodyPr/>
-                    <a:lstStyle/>
-                    <a:p>
-                      <a:r>
-                        <a:rPr lang="en-AU" dirty="0"/>
-                        <a:t>Sim18</a:t>
-                      </a:r>
-                    </a:p>
-                  </a:txBody>
-                  <a:tcPr/>
-                </a:tc>
-                <a:tc>
-                  <a:txBody>
-                    <a:bodyPr/>
-                    <a:lstStyle/>
-                    <a:p>
-                      <a:r>
-                        <a:rPr lang="en-AU" dirty="0"/>
-                        <a:t>~Sim(hard2)</a:t>
+                        <a:t>sim13</a:t>
+                      </a:r>
+                    </a:p>
+                  </a:txBody>
+                  <a:tcPr/>
+                </a:tc>
+                <a:tc>
+                  <a:txBody>
+                    <a:bodyPr/>
+                    <a:lstStyle/>
+                    <a:p>
+                      <a:r>
+                        <a:rPr lang="en-AU" dirty="0"/>
+                        <a:t>sim14</a:t>
+                      </a:r>
+                    </a:p>
+                  </a:txBody>
+                  <a:tcPr/>
+                </a:tc>
+                <a:tc>
+                  <a:txBody>
+                    <a:bodyPr/>
+                    <a:lstStyle/>
+                    <a:p>
+                      <a:r>
+                        <a:rPr lang="en-AU" dirty="0"/>
+                        <a:t>sim15</a:t>
+                      </a:r>
+                    </a:p>
+                  </a:txBody>
+                  <a:tcPr/>
+                </a:tc>
+                <a:tc>
+                  <a:txBody>
+                    <a:bodyPr/>
+                    <a:lstStyle/>
+                    <a:p>
+                      <a:r>
+                        <a:rPr lang="en-AU" dirty="0"/>
+                        <a:t>sim16</a:t>
+                      </a:r>
+                    </a:p>
+                  </a:txBody>
+                  <a:tcPr/>
+                </a:tc>
+                <a:tc>
+                  <a:txBody>
+                    <a:bodyPr/>
+                    <a:lstStyle/>
+                    <a:p>
+                      <a:r>
+                        <a:rPr lang="en-AU" dirty="0"/>
+                        <a:t>sim17</a:t>
+                      </a:r>
+                    </a:p>
+                  </a:txBody>
+                  <a:tcPr/>
+                </a:tc>
+                <a:tc>
+                  <a:txBody>
+                    <a:bodyPr/>
+                    <a:lstStyle/>
+                    <a:p>
+                      <a:r>
+                        <a:rPr lang="en-AU" dirty="0"/>
+                        <a:t>sim18</a:t>
+                      </a:r>
+                    </a:p>
+                  </a:txBody>
+                  <a:tcPr/>
+                </a:tc>
+                <a:tc>
+                  <a:txBody>
+                    <a:bodyPr/>
+                    <a:lstStyle/>
+                    <a:p>
+                      <a:r>
+                        <a:rPr lang="en-AU" dirty="0"/>
+                        <a:t>~sim(hard2)</a:t>
                       </a:r>
                     </a:p>
                   </a:txBody>
@@ -13809,7 +17696,7 @@
 </p:sld>
 </file>
 
-<file path=ppt/slides/slide6.xml><?xml version="1.0" encoding="utf-8"?>
+<file path=ppt/slides/slide7.xml><?xml version="1.0" encoding="utf-8"?>
 <p:sld xmlns:a="http://schemas.openxmlformats.org/drawingml/2006/main" xmlns:r="http://schemas.openxmlformats.org/officeDocument/2006/relationships" xmlns:p="http://schemas.openxmlformats.org/presentationml/2006/main">
   <p:cSld>
     <p:spTree>
@@ -13849,7 +17736,11 @@
           <a:p>
             <a:r>
               <a:rPr lang="en-US" dirty="0"/>
-              <a:t>SCRATCH PAD FOR RENUMBERING SIMS</a:t>
+              <a:t>SCRATCH PAD FOR RENUMBERING </a:t>
+            </a:r>
+            <a:r>
+              <a:rPr lang="en-US" dirty="0" err="1"/>
+              <a:t>simS</a:t>
             </a:r>
             <a:endParaRPr lang="en-AU" dirty="0"/>
           </a:p>
@@ -14119,85 +18010,85 @@
                     <a:p>
                       <a:r>
                         <a:rPr lang="en-AU" dirty="0"/>
-                        <a:t>Sim1</a:t>
-                      </a:r>
-                    </a:p>
-                  </a:txBody>
-                  <a:tcPr/>
-                </a:tc>
-                <a:tc>
-                  <a:txBody>
-                    <a:bodyPr/>
-                    <a:lstStyle/>
-                    <a:p>
-                      <a:r>
-                        <a:rPr lang="en-AU" dirty="0"/>
-                        <a:t>Sim2</a:t>
-                      </a:r>
-                    </a:p>
-                  </a:txBody>
-                  <a:tcPr/>
-                </a:tc>
-                <a:tc>
-                  <a:txBody>
-                    <a:bodyPr/>
-                    <a:lstStyle/>
-                    <a:p>
-                      <a:r>
-                        <a:rPr lang="en-AU" dirty="0"/>
-                        <a:t>Sim3</a:t>
-                      </a:r>
-                    </a:p>
-                  </a:txBody>
-                  <a:tcPr/>
-                </a:tc>
-                <a:tc>
-                  <a:txBody>
-                    <a:bodyPr/>
-                    <a:lstStyle/>
-                    <a:p>
-                      <a:r>
-                        <a:rPr lang="en-AU" dirty="0"/>
-                        <a:t>Sim4</a:t>
-                      </a:r>
-                    </a:p>
-                  </a:txBody>
-                  <a:tcPr/>
-                </a:tc>
-                <a:tc>
-                  <a:txBody>
-                    <a:bodyPr/>
-                    <a:lstStyle/>
-                    <a:p>
-                      <a:r>
-                        <a:rPr lang="en-AU" dirty="0"/>
-                        <a:t>Sim5</a:t>
-                      </a:r>
-                    </a:p>
-                  </a:txBody>
-                  <a:tcPr/>
-                </a:tc>
-                <a:tc>
-                  <a:txBody>
-                    <a:bodyPr/>
-                    <a:lstStyle/>
-                    <a:p>
-                      <a:r>
-                        <a:rPr lang="en-AU" dirty="0"/>
-                        <a:t>Sim6</a:t>
-                      </a:r>
-                    </a:p>
-                  </a:txBody>
-                  <a:tcPr/>
-                </a:tc>
-                <a:tc>
-                  <a:txBody>
-                    <a:bodyPr/>
-                    <a:lstStyle/>
-                    <a:p>
-                      <a:r>
-                        <a:rPr lang="en-AU" dirty="0"/>
-                        <a:t>~Sim(easy)</a:t>
+                        <a:t>sim1</a:t>
+                      </a:r>
+                    </a:p>
+                  </a:txBody>
+                  <a:tcPr/>
+                </a:tc>
+                <a:tc>
+                  <a:txBody>
+                    <a:bodyPr/>
+                    <a:lstStyle/>
+                    <a:p>
+                      <a:r>
+                        <a:rPr lang="en-AU" dirty="0"/>
+                        <a:t>sim2</a:t>
+                      </a:r>
+                    </a:p>
+                  </a:txBody>
+                  <a:tcPr/>
+                </a:tc>
+                <a:tc>
+                  <a:txBody>
+                    <a:bodyPr/>
+                    <a:lstStyle/>
+                    <a:p>
+                      <a:r>
+                        <a:rPr lang="en-AU" dirty="0"/>
+                        <a:t>sim3</a:t>
+                      </a:r>
+                    </a:p>
+                  </a:txBody>
+                  <a:tcPr/>
+                </a:tc>
+                <a:tc>
+                  <a:txBody>
+                    <a:bodyPr/>
+                    <a:lstStyle/>
+                    <a:p>
+                      <a:r>
+                        <a:rPr lang="en-AU" dirty="0"/>
+                        <a:t>sim4</a:t>
+                      </a:r>
+                    </a:p>
+                  </a:txBody>
+                  <a:tcPr/>
+                </a:tc>
+                <a:tc>
+                  <a:txBody>
+                    <a:bodyPr/>
+                    <a:lstStyle/>
+                    <a:p>
+                      <a:r>
+                        <a:rPr lang="en-AU" dirty="0"/>
+                        <a:t>sim5</a:t>
+                      </a:r>
+                    </a:p>
+                  </a:txBody>
+                  <a:tcPr/>
+                </a:tc>
+                <a:tc>
+                  <a:txBody>
+                    <a:bodyPr/>
+                    <a:lstStyle/>
+                    <a:p>
+                      <a:r>
+                        <a:rPr lang="en-AU" dirty="0"/>
+                        <a:t>sim6</a:t>
+                      </a:r>
+                    </a:p>
+                  </a:txBody>
+                  <a:tcPr/>
+                </a:tc>
+                <a:tc>
+                  <a:txBody>
+                    <a:bodyPr/>
+                    <a:lstStyle/>
+                    <a:p>
+                      <a:r>
+                        <a:rPr lang="en-AU" dirty="0"/>
+                        <a:t>~sim(easy)</a:t>
                       </a:r>
                     </a:p>
                   </a:txBody>
@@ -14230,85 +18121,85 @@
                     <a:p>
                       <a:r>
                         <a:rPr lang="en-AU" dirty="0"/>
-                        <a:t>Sim7</a:t>
-                      </a:r>
-                    </a:p>
-                  </a:txBody>
-                  <a:tcPr/>
-                </a:tc>
-                <a:tc>
-                  <a:txBody>
-                    <a:bodyPr/>
-                    <a:lstStyle/>
-                    <a:p>
-                      <a:r>
-                        <a:rPr lang="en-AU" dirty="0"/>
-                        <a:t>Sim8</a:t>
-                      </a:r>
-                    </a:p>
-                  </a:txBody>
-                  <a:tcPr/>
-                </a:tc>
-                <a:tc>
-                  <a:txBody>
-                    <a:bodyPr/>
-                    <a:lstStyle/>
-                    <a:p>
-                      <a:r>
-                        <a:rPr lang="en-AU" dirty="0"/>
-                        <a:t>Sim9</a:t>
-                      </a:r>
-                    </a:p>
-                  </a:txBody>
-                  <a:tcPr/>
-                </a:tc>
-                <a:tc>
-                  <a:txBody>
-                    <a:bodyPr/>
-                    <a:lstStyle/>
-                    <a:p>
-                      <a:r>
-                        <a:rPr lang="en-AU" dirty="0"/>
-                        <a:t>Sim10</a:t>
-                      </a:r>
-                    </a:p>
-                  </a:txBody>
-                  <a:tcPr/>
-                </a:tc>
-                <a:tc>
-                  <a:txBody>
-                    <a:bodyPr/>
-                    <a:lstStyle/>
-                    <a:p>
-                      <a:r>
-                        <a:rPr lang="en-AU" dirty="0"/>
-                        <a:t>Sim11</a:t>
-                      </a:r>
-                    </a:p>
-                  </a:txBody>
-                  <a:tcPr/>
-                </a:tc>
-                <a:tc>
-                  <a:txBody>
-                    <a:bodyPr/>
-                    <a:lstStyle/>
-                    <a:p>
-                      <a:r>
-                        <a:rPr lang="en-AU" dirty="0"/>
-                        <a:t>Sim12</a:t>
-                      </a:r>
-                    </a:p>
-                  </a:txBody>
-                  <a:tcPr/>
-                </a:tc>
-                <a:tc>
-                  <a:txBody>
-                    <a:bodyPr/>
-                    <a:lstStyle/>
-                    <a:p>
-                      <a:r>
-                        <a:rPr lang="en-AU" dirty="0"/>
-                        <a:t>~Sim(hard1)</a:t>
+                        <a:t>sim7</a:t>
+                      </a:r>
+                    </a:p>
+                  </a:txBody>
+                  <a:tcPr/>
+                </a:tc>
+                <a:tc>
+                  <a:txBody>
+                    <a:bodyPr/>
+                    <a:lstStyle/>
+                    <a:p>
+                      <a:r>
+                        <a:rPr lang="en-AU" dirty="0"/>
+                        <a:t>sim8</a:t>
+                      </a:r>
+                    </a:p>
+                  </a:txBody>
+                  <a:tcPr/>
+                </a:tc>
+                <a:tc>
+                  <a:txBody>
+                    <a:bodyPr/>
+                    <a:lstStyle/>
+                    <a:p>
+                      <a:r>
+                        <a:rPr lang="en-AU" dirty="0"/>
+                        <a:t>sim9</a:t>
+                      </a:r>
+                    </a:p>
+                  </a:txBody>
+                  <a:tcPr/>
+                </a:tc>
+                <a:tc>
+                  <a:txBody>
+                    <a:bodyPr/>
+                    <a:lstStyle/>
+                    <a:p>
+                      <a:r>
+                        <a:rPr lang="en-AU" dirty="0"/>
+                        <a:t>sim10</a:t>
+                      </a:r>
+                    </a:p>
+                  </a:txBody>
+                  <a:tcPr/>
+                </a:tc>
+                <a:tc>
+                  <a:txBody>
+                    <a:bodyPr/>
+                    <a:lstStyle/>
+                    <a:p>
+                      <a:r>
+                        <a:rPr lang="en-AU" dirty="0"/>
+                        <a:t>sim11</a:t>
+                      </a:r>
+                    </a:p>
+                  </a:txBody>
+                  <a:tcPr/>
+                </a:tc>
+                <a:tc>
+                  <a:txBody>
+                    <a:bodyPr/>
+                    <a:lstStyle/>
+                    <a:p>
+                      <a:r>
+                        <a:rPr lang="en-AU" dirty="0"/>
+                        <a:t>sim12</a:t>
+                      </a:r>
+                    </a:p>
+                  </a:txBody>
+                  <a:tcPr/>
+                </a:tc>
+                <a:tc>
+                  <a:txBody>
+                    <a:bodyPr/>
+                    <a:lstStyle/>
+                    <a:p>
+                      <a:r>
+                        <a:rPr lang="en-AU" dirty="0"/>
+                        <a:t>~sim(hard1)</a:t>
                       </a:r>
                     </a:p>
                   </a:txBody>
@@ -14341,85 +18232,85 @@
                     <a:p>
                       <a:r>
                         <a:rPr lang="en-AU" dirty="0"/>
-                        <a:t>Sim13</a:t>
-                      </a:r>
-                    </a:p>
-                  </a:txBody>
-                  <a:tcPr/>
-                </a:tc>
-                <a:tc>
-                  <a:txBody>
-                    <a:bodyPr/>
-                    <a:lstStyle/>
-                    <a:p>
-                      <a:r>
-                        <a:rPr lang="en-AU" dirty="0"/>
-                        <a:t>Sim14</a:t>
-                      </a:r>
-                    </a:p>
-                  </a:txBody>
-                  <a:tcPr/>
-                </a:tc>
-                <a:tc>
-                  <a:txBody>
-                    <a:bodyPr/>
-                    <a:lstStyle/>
-                    <a:p>
-                      <a:r>
-                        <a:rPr lang="en-AU" dirty="0"/>
-                        <a:t>Sim15</a:t>
-                      </a:r>
-                    </a:p>
-                  </a:txBody>
-                  <a:tcPr/>
-                </a:tc>
-                <a:tc>
-                  <a:txBody>
-                    <a:bodyPr/>
-                    <a:lstStyle/>
-                    <a:p>
-                      <a:r>
-                        <a:rPr lang="en-AU" dirty="0"/>
-                        <a:t>Sim16</a:t>
-                      </a:r>
-                    </a:p>
-                  </a:txBody>
-                  <a:tcPr/>
-                </a:tc>
-                <a:tc>
-                  <a:txBody>
-                    <a:bodyPr/>
-                    <a:lstStyle/>
-                    <a:p>
-                      <a:r>
-                        <a:rPr lang="en-AU" dirty="0"/>
-                        <a:t>Sim17</a:t>
-                      </a:r>
-                    </a:p>
-                  </a:txBody>
-                  <a:tcPr/>
-                </a:tc>
-                <a:tc>
-                  <a:txBody>
-                    <a:bodyPr/>
-                    <a:lstStyle/>
-                    <a:p>
-                      <a:r>
-                        <a:rPr lang="en-AU" dirty="0"/>
-                        <a:t>Sim18</a:t>
-                      </a:r>
-                    </a:p>
-                  </a:txBody>
-                  <a:tcPr/>
-                </a:tc>
-                <a:tc>
-                  <a:txBody>
-                    <a:bodyPr/>
-                    <a:lstStyle/>
-                    <a:p>
-                      <a:r>
-                        <a:rPr lang="en-AU" dirty="0"/>
-                        <a:t>~Sim(hard2)</a:t>
+                        <a:t>sim13</a:t>
+                      </a:r>
+                    </a:p>
+                  </a:txBody>
+                  <a:tcPr/>
+                </a:tc>
+                <a:tc>
+                  <a:txBody>
+                    <a:bodyPr/>
+                    <a:lstStyle/>
+                    <a:p>
+                      <a:r>
+                        <a:rPr lang="en-AU" dirty="0"/>
+                        <a:t>sim14</a:t>
+                      </a:r>
+                    </a:p>
+                  </a:txBody>
+                  <a:tcPr/>
+                </a:tc>
+                <a:tc>
+                  <a:txBody>
+                    <a:bodyPr/>
+                    <a:lstStyle/>
+                    <a:p>
+                      <a:r>
+                        <a:rPr lang="en-AU" dirty="0"/>
+                        <a:t>sim15</a:t>
+                      </a:r>
+                    </a:p>
+                  </a:txBody>
+                  <a:tcPr/>
+                </a:tc>
+                <a:tc>
+                  <a:txBody>
+                    <a:bodyPr/>
+                    <a:lstStyle/>
+                    <a:p>
+                      <a:r>
+                        <a:rPr lang="en-AU" dirty="0"/>
+                        <a:t>sim16</a:t>
+                      </a:r>
+                    </a:p>
+                  </a:txBody>
+                  <a:tcPr/>
+                </a:tc>
+                <a:tc>
+                  <a:txBody>
+                    <a:bodyPr/>
+                    <a:lstStyle/>
+                    <a:p>
+                      <a:r>
+                        <a:rPr lang="en-AU" dirty="0"/>
+                        <a:t>sim17</a:t>
+                      </a:r>
+                    </a:p>
+                  </a:txBody>
+                  <a:tcPr/>
+                </a:tc>
+                <a:tc>
+                  <a:txBody>
+                    <a:bodyPr/>
+                    <a:lstStyle/>
+                    <a:p>
+                      <a:r>
+                        <a:rPr lang="en-AU" dirty="0"/>
+                        <a:t>sim18</a:t>
+                      </a:r>
+                    </a:p>
+                  </a:txBody>
+                  <a:tcPr/>
+                </a:tc>
+                <a:tc>
+                  <a:txBody>
+                    <a:bodyPr/>
+                    <a:lstStyle/>
+                    <a:p>
+                      <a:r>
+                        <a:rPr lang="en-AU" dirty="0"/>
+                        <a:t>~sim(hard2)</a:t>
                       </a:r>
                     </a:p>
                   </a:txBody>
@@ -14652,72 +18543,72 @@
                     <a:p>
                       <a:r>
                         <a:rPr lang="en-AU" dirty="0"/>
-                        <a:t>Sim1</a:t>
-                      </a:r>
-                    </a:p>
-                  </a:txBody>
-                  <a:tcPr/>
-                </a:tc>
-                <a:tc>
-                  <a:txBody>
-                    <a:bodyPr/>
-                    <a:lstStyle/>
-                    <a:p>
-                      <a:r>
-                        <a:rPr lang="en-AU" dirty="0"/>
-                        <a:t>Sim4</a:t>
-                      </a:r>
-                    </a:p>
-                  </a:txBody>
-                  <a:tcPr/>
-                </a:tc>
-                <a:tc>
-                  <a:txBody>
-                    <a:bodyPr/>
-                    <a:lstStyle/>
-                    <a:p>
-                      <a:r>
-                        <a:rPr lang="en-AU" dirty="0"/>
-                        <a:t>Sim7</a:t>
-                      </a:r>
-                    </a:p>
-                  </a:txBody>
-                  <a:tcPr/>
-                </a:tc>
-                <a:tc>
-                  <a:txBody>
-                    <a:bodyPr/>
-                    <a:lstStyle/>
-                    <a:p>
-                      <a:r>
-                        <a:rPr lang="en-AU" dirty="0"/>
-                        <a:t>Sim10</a:t>
-                      </a:r>
-                    </a:p>
-                  </a:txBody>
-                  <a:tcPr/>
-                </a:tc>
-                <a:tc>
-                  <a:txBody>
-                    <a:bodyPr/>
-                    <a:lstStyle/>
-                    <a:p>
-                      <a:r>
-                        <a:rPr lang="en-AU" dirty="0"/>
-                        <a:t>Sim13</a:t>
-                      </a:r>
-                    </a:p>
-                  </a:txBody>
-                  <a:tcPr/>
-                </a:tc>
-                <a:tc>
-                  <a:txBody>
-                    <a:bodyPr/>
-                    <a:lstStyle/>
-                    <a:p>
-                      <a:r>
-                        <a:rPr lang="en-AU" dirty="0"/>
-                        <a:t>Sim16</a:t>
+                        <a:t>sim1</a:t>
+                      </a:r>
+                    </a:p>
+                  </a:txBody>
+                  <a:tcPr/>
+                </a:tc>
+                <a:tc>
+                  <a:txBody>
+                    <a:bodyPr/>
+                    <a:lstStyle/>
+                    <a:p>
+                      <a:r>
+                        <a:rPr lang="en-AU" dirty="0"/>
+                        <a:t>sim4</a:t>
+                      </a:r>
+                    </a:p>
+                  </a:txBody>
+                  <a:tcPr/>
+                </a:tc>
+                <a:tc>
+                  <a:txBody>
+                    <a:bodyPr/>
+                    <a:lstStyle/>
+                    <a:p>
+                      <a:r>
+                        <a:rPr lang="en-AU" dirty="0"/>
+                        <a:t>sim7</a:t>
+                      </a:r>
+                    </a:p>
+                  </a:txBody>
+                  <a:tcPr/>
+                </a:tc>
+                <a:tc>
+                  <a:txBody>
+                    <a:bodyPr/>
+                    <a:lstStyle/>
+                    <a:p>
+                      <a:r>
+                        <a:rPr lang="en-AU" dirty="0"/>
+                        <a:t>sim10</a:t>
+                      </a:r>
+                    </a:p>
+                  </a:txBody>
+                  <a:tcPr/>
+                </a:tc>
+                <a:tc>
+                  <a:txBody>
+                    <a:bodyPr/>
+                    <a:lstStyle/>
+                    <a:p>
+                      <a:r>
+                        <a:rPr lang="en-AU" dirty="0"/>
+                        <a:t>sim13</a:t>
+                      </a:r>
+                    </a:p>
+                  </a:txBody>
+                  <a:tcPr/>
+                </a:tc>
+                <a:tc>
+                  <a:txBody>
+                    <a:bodyPr/>
+                    <a:lstStyle/>
+                    <a:p>
+                      <a:r>
+                        <a:rPr lang="en-AU" dirty="0"/>
+                        <a:t>sim16</a:t>
                       </a:r>
                     </a:p>
                   </a:txBody>
@@ -14763,72 +18654,72 @@
                     <a:p>
                       <a:r>
                         <a:rPr lang="en-AU" dirty="0"/>
-                        <a:t>Sim2</a:t>
-                      </a:r>
-                    </a:p>
-                  </a:txBody>
-                  <a:tcPr/>
-                </a:tc>
-                <a:tc>
-                  <a:txBody>
-                    <a:bodyPr/>
-                    <a:lstStyle/>
-                    <a:p>
-                      <a:r>
-                        <a:rPr lang="en-AU" dirty="0"/>
-                        <a:t>Sim5</a:t>
-                      </a:r>
-                    </a:p>
-                  </a:txBody>
-                  <a:tcPr/>
-                </a:tc>
-                <a:tc>
-                  <a:txBody>
-                    <a:bodyPr/>
-                    <a:lstStyle/>
-                    <a:p>
-                      <a:r>
-                        <a:rPr lang="en-AU" dirty="0"/>
-                        <a:t>Sim8</a:t>
-                      </a:r>
-                    </a:p>
-                  </a:txBody>
-                  <a:tcPr/>
-                </a:tc>
-                <a:tc>
-                  <a:txBody>
-                    <a:bodyPr/>
-                    <a:lstStyle/>
-                    <a:p>
-                      <a:r>
-                        <a:rPr lang="en-AU" dirty="0"/>
-                        <a:t>Sim11</a:t>
-                      </a:r>
-                    </a:p>
-                  </a:txBody>
-                  <a:tcPr/>
-                </a:tc>
-                <a:tc>
-                  <a:txBody>
-                    <a:bodyPr/>
-                    <a:lstStyle/>
-                    <a:p>
-                      <a:r>
-                        <a:rPr lang="en-AU" dirty="0"/>
-                        <a:t>Sim14</a:t>
-                      </a:r>
-                    </a:p>
-                  </a:txBody>
-                  <a:tcPr/>
-                </a:tc>
-                <a:tc>
-                  <a:txBody>
-                    <a:bodyPr/>
-                    <a:lstStyle/>
-                    <a:p>
-                      <a:r>
-                        <a:rPr lang="en-AU" dirty="0"/>
-                        <a:t>Sim17</a:t>
+                        <a:t>sim2</a:t>
+                      </a:r>
+                    </a:p>
+                  </a:txBody>
+                  <a:tcPr/>
+                </a:tc>
+                <a:tc>
+                  <a:txBody>
+                    <a:bodyPr/>
+                    <a:lstStyle/>
+                    <a:p>
+                      <a:r>
+                        <a:rPr lang="en-AU" dirty="0"/>
+                        <a:t>sim5</a:t>
+                      </a:r>
+                    </a:p>
+                  </a:txBody>
+                  <a:tcPr/>
+                </a:tc>
+                <a:tc>
+                  <a:txBody>
+                    <a:bodyPr/>
+                    <a:lstStyle/>
+                    <a:p>
+                      <a:r>
+                        <a:rPr lang="en-AU" dirty="0"/>
+                        <a:t>sim8</a:t>
+                      </a:r>
+                    </a:p>
+                  </a:txBody>
+                  <a:tcPr/>
+                </a:tc>
+                <a:tc>
+                  <a:txBody>
+                    <a:bodyPr/>
+                    <a:lstStyle/>
+                    <a:p>
+                      <a:r>
+                        <a:rPr lang="en-AU" dirty="0"/>
+                        <a:t>sim11</a:t>
+                      </a:r>
+                    </a:p>
+                  </a:txBody>
+                  <a:tcPr/>
+                </a:tc>
+                <a:tc>
+                  <a:txBody>
+                    <a:bodyPr/>
+                    <a:lstStyle/>
+                    <a:p>
+                      <a:r>
+                        <a:rPr lang="en-AU" dirty="0"/>
+                        <a:t>sim14</a:t>
+                      </a:r>
+                    </a:p>
+                  </a:txBody>
+                  <a:tcPr/>
+                </a:tc>
+                <a:tc>
+                  <a:txBody>
+                    <a:bodyPr/>
+                    <a:lstStyle/>
+                    <a:p>
+                      <a:r>
+                        <a:rPr lang="en-AU" dirty="0"/>
+                        <a:t>sim17</a:t>
                       </a:r>
                     </a:p>
                   </a:txBody>
@@ -14874,72 +18765,72 @@
                     <a:p>
                       <a:r>
                         <a:rPr lang="en-AU" dirty="0"/>
-                        <a:t>Sim3</a:t>
-                      </a:r>
-                    </a:p>
-                  </a:txBody>
-                  <a:tcPr/>
-                </a:tc>
-                <a:tc>
-                  <a:txBody>
-                    <a:bodyPr/>
-                    <a:lstStyle/>
-                    <a:p>
-                      <a:r>
-                        <a:rPr lang="en-AU" dirty="0"/>
-                        <a:t>Sim6</a:t>
-                      </a:r>
-                    </a:p>
-                  </a:txBody>
-                  <a:tcPr/>
-                </a:tc>
-                <a:tc>
-                  <a:txBody>
-                    <a:bodyPr/>
-                    <a:lstStyle/>
-                    <a:p>
-                      <a:r>
-                        <a:rPr lang="en-AU" dirty="0"/>
-                        <a:t>Sim9</a:t>
-                      </a:r>
-                    </a:p>
-                  </a:txBody>
-                  <a:tcPr/>
-                </a:tc>
-                <a:tc>
-                  <a:txBody>
-                    <a:bodyPr/>
-                    <a:lstStyle/>
-                    <a:p>
-                      <a:r>
-                        <a:rPr lang="en-AU" dirty="0"/>
-                        <a:t>Sim12</a:t>
-                      </a:r>
-                    </a:p>
-                  </a:txBody>
-                  <a:tcPr/>
-                </a:tc>
-                <a:tc>
-                  <a:txBody>
-                    <a:bodyPr/>
-                    <a:lstStyle/>
-                    <a:p>
-                      <a:r>
-                        <a:rPr lang="en-AU" dirty="0"/>
-                        <a:t>Sim15</a:t>
-                      </a:r>
-                    </a:p>
-                  </a:txBody>
-                  <a:tcPr/>
-                </a:tc>
-                <a:tc>
-                  <a:txBody>
-                    <a:bodyPr/>
-                    <a:lstStyle/>
-                    <a:p>
-                      <a:r>
-                        <a:rPr lang="en-AU" dirty="0"/>
-                        <a:t>Sim18</a:t>
+                        <a:t>sim3</a:t>
+                      </a:r>
+                    </a:p>
+                  </a:txBody>
+                  <a:tcPr/>
+                </a:tc>
+                <a:tc>
+                  <a:txBody>
+                    <a:bodyPr/>
+                    <a:lstStyle/>
+                    <a:p>
+                      <a:r>
+                        <a:rPr lang="en-AU" dirty="0"/>
+                        <a:t>sim6</a:t>
+                      </a:r>
+                    </a:p>
+                  </a:txBody>
+                  <a:tcPr/>
+                </a:tc>
+                <a:tc>
+                  <a:txBody>
+                    <a:bodyPr/>
+                    <a:lstStyle/>
+                    <a:p>
+                      <a:r>
+                        <a:rPr lang="en-AU" dirty="0"/>
+                        <a:t>sim9</a:t>
+                      </a:r>
+                    </a:p>
+                  </a:txBody>
+                  <a:tcPr/>
+                </a:tc>
+                <a:tc>
+                  <a:txBody>
+                    <a:bodyPr/>
+                    <a:lstStyle/>
+                    <a:p>
+                      <a:r>
+                        <a:rPr lang="en-AU" dirty="0"/>
+                        <a:t>sim12</a:t>
+                      </a:r>
+                    </a:p>
+                  </a:txBody>
+                  <a:tcPr/>
+                </a:tc>
+                <a:tc>
+                  <a:txBody>
+                    <a:bodyPr/>
+                    <a:lstStyle/>
+                    <a:p>
+                      <a:r>
+                        <a:rPr lang="en-AU" dirty="0"/>
+                        <a:t>sim15</a:t>
+                      </a:r>
+                    </a:p>
+                  </a:txBody>
+                  <a:tcPr/>
+                </a:tc>
+                <a:tc>
+                  <a:txBody>
+                    <a:bodyPr/>
+                    <a:lstStyle/>
+                    <a:p>
+                      <a:r>
+                        <a:rPr lang="en-AU" dirty="0"/>
+                        <a:t>sim18</a:t>
                       </a:r>
                     </a:p>
                   </a:txBody>
@@ -14983,7 +18874,7 @@
         <p:spPr>
           <a:xfrm>
             <a:off x="8917497" y="4513277"/>
-            <a:ext cx="3418500" cy="369332"/>
+            <a:ext cx="3287054" cy="369332"/>
           </a:xfrm>
           <a:prstGeom prst="rect">
             <a:avLst/>
@@ -14998,7 +18889,7 @@
           <a:p>
             <a:r>
               <a:rPr lang="en-US" dirty="0"/>
-              <a:t>Sim~(period-1)*6+(task-1)*3+rep</a:t>
+              <a:t>sim~(period-1)*6+(task-1)*3+rep</a:t>
             </a:r>
             <a:endParaRPr lang="en-AU" dirty="0"/>
           </a:p>

--- a/paper/figures/Experimental design graphics.pptx
+++ b/paper/figures/Experimental design graphics.pptx
@@ -293,7 +293,7 @@
           <a:p>
             <a:fld id="{B25803F7-6624-424E-B78C-2F27C4BCE53D}" type="datetimeFigureOut">
               <a:rPr lang="en-AU" smtClean="0"/>
-              <a:t>3/03/2020</a:t>
+              <a:t>4/03/2020</a:t>
             </a:fld>
             <a:endParaRPr lang="en-AU"/>
           </a:p>
@@ -493,7 +493,7 @@
           <a:p>
             <a:fld id="{B25803F7-6624-424E-B78C-2F27C4BCE53D}" type="datetimeFigureOut">
               <a:rPr lang="en-AU" smtClean="0"/>
-              <a:t>3/03/2020</a:t>
+              <a:t>4/03/2020</a:t>
             </a:fld>
             <a:endParaRPr lang="en-AU"/>
           </a:p>
@@ -703,7 +703,7 @@
           <a:p>
             <a:fld id="{B25803F7-6624-424E-B78C-2F27C4BCE53D}" type="datetimeFigureOut">
               <a:rPr lang="en-AU" smtClean="0"/>
-              <a:t>3/03/2020</a:t>
+              <a:t>4/03/2020</a:t>
             </a:fld>
             <a:endParaRPr lang="en-AU"/>
           </a:p>
@@ -903,7 +903,7 @@
           <a:p>
             <a:fld id="{B25803F7-6624-424E-B78C-2F27C4BCE53D}" type="datetimeFigureOut">
               <a:rPr lang="en-AU" smtClean="0"/>
-              <a:t>3/03/2020</a:t>
+              <a:t>4/03/2020</a:t>
             </a:fld>
             <a:endParaRPr lang="en-AU"/>
           </a:p>
@@ -1179,7 +1179,7 @@
           <a:p>
             <a:fld id="{B25803F7-6624-424E-B78C-2F27C4BCE53D}" type="datetimeFigureOut">
               <a:rPr lang="en-AU" smtClean="0"/>
-              <a:t>3/03/2020</a:t>
+              <a:t>4/03/2020</a:t>
             </a:fld>
             <a:endParaRPr lang="en-AU"/>
           </a:p>
@@ -1447,7 +1447,7 @@
           <a:p>
             <a:fld id="{B25803F7-6624-424E-B78C-2F27C4BCE53D}" type="datetimeFigureOut">
               <a:rPr lang="en-AU" smtClean="0"/>
-              <a:t>3/03/2020</a:t>
+              <a:t>4/03/2020</a:t>
             </a:fld>
             <a:endParaRPr lang="en-AU"/>
           </a:p>
@@ -1862,7 +1862,7 @@
           <a:p>
             <a:fld id="{B25803F7-6624-424E-B78C-2F27C4BCE53D}" type="datetimeFigureOut">
               <a:rPr lang="en-AU" smtClean="0"/>
-              <a:t>3/03/2020</a:t>
+              <a:t>4/03/2020</a:t>
             </a:fld>
             <a:endParaRPr lang="en-AU"/>
           </a:p>
@@ -2004,7 +2004,7 @@
           <a:p>
             <a:fld id="{B25803F7-6624-424E-B78C-2F27C4BCE53D}" type="datetimeFigureOut">
               <a:rPr lang="en-AU" smtClean="0"/>
-              <a:t>3/03/2020</a:t>
+              <a:t>4/03/2020</a:t>
             </a:fld>
             <a:endParaRPr lang="en-AU"/>
           </a:p>
@@ -2117,7 +2117,7 @@
           <a:p>
             <a:fld id="{B25803F7-6624-424E-B78C-2F27C4BCE53D}" type="datetimeFigureOut">
               <a:rPr lang="en-AU" smtClean="0"/>
-              <a:t>3/03/2020</a:t>
+              <a:t>4/03/2020</a:t>
             </a:fld>
             <a:endParaRPr lang="en-AU"/>
           </a:p>
@@ -2430,7 +2430,7 @@
           <a:p>
             <a:fld id="{B25803F7-6624-424E-B78C-2F27C4BCE53D}" type="datetimeFigureOut">
               <a:rPr lang="en-AU" smtClean="0"/>
-              <a:t>3/03/2020</a:t>
+              <a:t>4/03/2020</a:t>
             </a:fld>
             <a:endParaRPr lang="en-AU"/>
           </a:p>
@@ -2719,7 +2719,7 @@
           <a:p>
             <a:fld id="{B25803F7-6624-424E-B78C-2F27C4BCE53D}" type="datetimeFigureOut">
               <a:rPr lang="en-AU" smtClean="0"/>
-              <a:t>3/03/2020</a:t>
+              <a:t>4/03/2020</a:t>
             </a:fld>
             <a:endParaRPr lang="en-AU"/>
           </a:p>
@@ -2962,7 +2962,7 @@
           <a:p>
             <a:fld id="{B25803F7-6624-424E-B78C-2F27C4BCE53D}" type="datetimeFigureOut">
               <a:rPr lang="en-AU" smtClean="0"/>
-              <a:t>3/03/2020</a:t>
+              <a:t>4/03/2020</a:t>
             </a:fld>
             <a:endParaRPr lang="en-AU"/>
           </a:p>
@@ -5168,7 +5168,7 @@
         </p:nvCxnSpPr>
         <p:spPr>
           <a:xfrm>
-            <a:off x="2863083" y="3062661"/>
+            <a:off x="2894833" y="3062661"/>
             <a:ext cx="0" cy="167540"/>
           </a:xfrm>
           <a:prstGeom prst="line">
@@ -5212,7 +5212,7 @@
         </p:nvCxnSpPr>
         <p:spPr>
           <a:xfrm>
-            <a:off x="4387473" y="3075792"/>
+            <a:off x="4404565" y="3075792"/>
             <a:ext cx="0" cy="140136"/>
           </a:xfrm>
           <a:prstGeom prst="line">
@@ -5256,7 +5256,7 @@
         </p:nvCxnSpPr>
         <p:spPr>
           <a:xfrm>
-            <a:off x="5900722" y="3075792"/>
+            <a:off x="5917814" y="3075792"/>
             <a:ext cx="0" cy="140136"/>
           </a:xfrm>
           <a:prstGeom prst="line">
@@ -5300,8 +5300,8 @@
         </p:nvCxnSpPr>
         <p:spPr>
           <a:xfrm>
-            <a:off x="7415300" y="3075792"/>
-            <a:ext cx="5943" cy="182452"/>
+            <a:off x="7428000" y="3075792"/>
+            <a:ext cx="0" cy="154409"/>
           </a:xfrm>
           <a:prstGeom prst="line">
             <a:avLst/>
@@ -6049,7 +6049,7 @@
         </p:nvGrpSpPr>
         <p:grpSpPr>
           <a:xfrm>
-            <a:off x="2947382" y="2494545"/>
+            <a:off x="2964470" y="2494545"/>
             <a:ext cx="1505185" cy="1590728"/>
             <a:chOff x="2947382" y="2494545"/>
             <a:chExt cx="1505185" cy="1590728"/>
@@ -6300,7 +6300,7 @@
         </p:nvGrpSpPr>
         <p:grpSpPr>
           <a:xfrm>
-            <a:off x="4497956" y="2494545"/>
+            <a:off x="4506502" y="2494545"/>
             <a:ext cx="1465339" cy="1608484"/>
             <a:chOff x="2947382" y="2494545"/>
             <a:chExt cx="1465339" cy="1608484"/>

--- a/paper/figures/Experimental design graphics.pptx
+++ b/paper/figures/Experimental design graphics.pptx
@@ -3434,14 +3434,14 @@
           <p:nvPr>
             <p:extLst>
               <p:ext uri="{D42A27DB-BD31-4B8C-83A1-F6EECF244321}">
-                <p14:modId xmlns:p14="http://schemas.microsoft.com/office/powerpoint/2010/main" val="1024937533"/>
+                <p14:modId xmlns:p14="http://schemas.microsoft.com/office/powerpoint/2010/main" val="3571103959"/>
               </p:ext>
             </p:extLst>
           </p:nvPr>
         </p:nvGraphicFramePr>
         <p:xfrm>
           <a:off x="438342" y="336960"/>
-          <a:ext cx="16308598" cy="5940000"/>
+          <a:ext cx="16294812" cy="6306480"/>
         </p:xfrm>
         <a:graphic>
           <a:graphicData uri="http://schemas.openxmlformats.org/drawingml/2006/table">
@@ -3450,7 +3450,7 @@
                 <a:tableStyleId>{5C22544A-7EE6-4342-B048-85BDC9FD1C3A}</a:tableStyleId>
               </a:tblPr>
               <a:tblGrid>
-                <a:gridCol w="1675962">
+                <a:gridCol w="1662176">
                   <a:extLst>
                     <a:ext uri="{9D8B030D-6E8A-4147-A177-3AD203B41FA5}">
                       <a16:colId xmlns:a16="http://schemas.microsoft.com/office/drawing/2014/main" val="1090023252"/>
@@ -3527,7 +3527,7 @@
                     <a:p>
                       <a:r>
                         <a:rPr lang="en-AU" dirty="0"/>
-                        <a:t>Vales</a:t>
+                        <a:t>Values</a:t>
                       </a:r>
                       <a:endParaRPr lang="en-AU" dirty="0">
                         <a:solidFill>
@@ -4289,7 +4289,7 @@
                       </a:pPr>
                       <a:r>
                         <a:rPr lang="en-US" dirty="0"/>
-                        <a:t>Combine signal and noise variables: 25/75, 33/67, 50/50</a:t>
+                        <a:t>Combine signal and noise variables: 0/100, 33/67, 50/50</a:t>
                       </a:r>
                       <a:endParaRPr lang="en-AU" b="0" dirty="0">
                         <a:solidFill>
@@ -4587,12 +4587,20 @@
                         <a:defRPr/>
                       </a:pPr>
                       <a:r>
+                        <a:rPr lang="en-US" b="0" dirty="0">
+                          <a:solidFill>
+                            <a:schemeClr val="tx1"/>
+                          </a:solidFill>
+                        </a:rPr>
+                        <a:t>S</a:t>
+                      </a:r>
+                      <a:r>
                         <a:rPr lang="en-AU" b="0" dirty="0">
                           <a:solidFill>
                             <a:schemeClr val="tx1"/>
                           </a:solidFill>
                         </a:rPr>
-                        <a:t>Rand?</a:t>
+                        <a:t>m then lg?</a:t>
                       </a:r>
                     </a:p>
                   </a:txBody>
@@ -4741,9 +4749,9 @@
                     <a:p>
                       <a:r>
                         <a:rPr lang="en-US" b="1" dirty="0"/>
-                        <a:t>Randomization</a:t>
-                      </a:r>
-                      <a:endParaRPr lang="en-AU" b="1" dirty="0">
+                        <a:t>Fixed parameters</a:t>
+                      </a:r>
+                      <a:endParaRPr lang="en-US" b="1" dirty="0">
                         <a:solidFill>
                           <a:schemeClr val="tx1"/>
                         </a:solidFill>
@@ -4769,7 +4777,7 @@
                     <a:p>
                       <a:r>
                         <a:rPr lang="en-US" dirty="0"/>
-                        <a:t>Factor</a:t>
+                        <a:t>Correlation, signal</a:t>
                       </a:r>
                       <a:endParaRPr lang="en-AU" b="0" dirty="0">
                         <a:solidFill>
@@ -4823,7 +4831,7 @@
                       </a:pPr>
                       <a:r>
                         <a:rPr lang="en-US" dirty="0"/>
-                        <a:t>Participants perform 2 tasks with each factor</a:t>
+                        <a:t>.9</a:t>
                       </a:r>
                       <a:endParaRPr lang="en-AU" b="0" dirty="0">
                         <a:solidFill>
@@ -4959,138 +4967,6 @@
                     <a:bodyPr/>
                     <a:lstStyle/>
                     <a:p>
-                      <a:r>
-                        <a:rPr lang="en-AU" b="1" dirty="0"/>
-                        <a:t>Other block thoughts:</a:t>
-                      </a:r>
-                    </a:p>
-                  </a:txBody>
-                  <a:tcPr>
-                    <a:lnL w="12700" cmpd="sng">
-                      <a:noFill/>
-                    </a:lnL>
-                    <a:lnR w="12700" cmpd="sng">
-                      <a:noFill/>
-                    </a:lnR>
-                    <a:lnT w="12700" cap="flat" cmpd="sng" algn="ctr">
-                      <a:noFill/>
-                      <a:prstDash val="solid"/>
-                      <a:round/>
-                      <a:headEnd type="none" w="med" len="med"/>
-                      <a:tailEnd type="none" w="med" len="med"/>
-                    </a:lnT>
-                    <a:lnB w="12700" cmpd="sng">
-                      <a:noFill/>
-                    </a:lnB>
-                    <a:lnTlToBr w="12700" cmpd="sng">
-                      <a:noFill/>
-                      <a:prstDash val="solid"/>
-                    </a:lnTlToBr>
-                    <a:lnBlToTr w="12700" cmpd="sng">
-                      <a:noFill/>
-                      <a:prstDash val="solid"/>
-                    </a:lnBlToTr>
-                  </a:tcPr>
-                </a:tc>
-                <a:extLst>
-                  <a:ext uri="{0D108BD9-81ED-4DB2-BD59-A6C34878D82A}">
-                    <a16:rowId xmlns:a16="http://schemas.microsoft.com/office/drawing/2014/main" val="1041374245"/>
-                  </a:ext>
-                </a:extLst>
-              </a:tr>
-              <a:tr h="396000">
-                <a:tc>
-                  <a:txBody>
-                    <a:bodyPr/>
-                    <a:lstStyle/>
-                    <a:p>
-                      <a:endParaRPr lang="en-AU" b="1" dirty="0">
-                        <a:solidFill>
-                          <a:schemeClr val="tx1"/>
-                        </a:solidFill>
-                      </a:endParaRPr>
-                    </a:p>
-                  </a:txBody>
-                  <a:tcPr/>
-                </a:tc>
-                <a:tc>
-                  <a:txBody>
-                    <a:bodyPr/>
-                    <a:lstStyle/>
-                    <a:p>
-                      <a:r>
-                        <a:rPr lang="en-US" dirty="0"/>
-                        <a:t>Block</a:t>
-                      </a:r>
-                      <a:endParaRPr lang="en-AU" b="0" dirty="0">
-                        <a:solidFill>
-                          <a:schemeClr val="tx1"/>
-                        </a:solidFill>
-                      </a:endParaRPr>
-                    </a:p>
-                  </a:txBody>
-                  <a:tcPr>
-                    <a:lnR w="12700" cap="flat" cmpd="sng" algn="ctr">
-                      <a:solidFill>
-                        <a:schemeClr val="tx1"/>
-                      </a:solidFill>
-                      <a:prstDash val="solid"/>
-                      <a:round/>
-                      <a:headEnd type="none" w="med" len="med"/>
-                      <a:tailEnd type="none" w="med" len="med"/>
-                    </a:lnR>
-                  </a:tcPr>
-                </a:tc>
-                <a:tc>
-                  <a:txBody>
-                    <a:bodyPr/>
-                    <a:lstStyle/>
-                    <a:p>
-                      <a:pPr marL="0" marR="0" lvl="0" indent="0" algn="l" defTabSz="914400" rtl="0" eaLnBrk="1" fontAlgn="auto" latinLnBrk="0" hangingPunct="1">
-                        <a:lnSpc>
-                          <a:spcPct val="100000"/>
-                        </a:lnSpc>
-                        <a:spcBef>
-                          <a:spcPts val="0"/>
-                        </a:spcBef>
-                        <a:spcAft>
-                          <a:spcPts val="0"/>
-                        </a:spcAft>
-                        <a:buClrTx/>
-                        <a:buSzTx/>
-                        <a:buFontTx/>
-                        <a:buNone/>
-                        <a:tabLst/>
-                        <a:defRPr/>
-                      </a:pPr>
-                      <a:r>
-                        <a:rPr lang="en-US" dirty="0"/>
-                        <a:t>Participants perform 6 different blocks of the 27 combinations</a:t>
-                      </a:r>
-                      <a:endParaRPr lang="en-AU" b="0" dirty="0">
-                        <a:solidFill>
-                          <a:schemeClr val="tx1"/>
-                        </a:solidFill>
-                      </a:endParaRPr>
-                    </a:p>
-                  </a:txBody>
-                  <a:tcPr>
-                    <a:lnL w="12700" cap="flat" cmpd="sng" algn="ctr">
-                      <a:solidFill>
-                        <a:schemeClr val="tx1"/>
-                      </a:solidFill>
-                      <a:prstDash val="solid"/>
-                      <a:round/>
-                      <a:headEnd type="none" w="med" len="med"/>
-                      <a:tailEnd type="none" w="med" len="med"/>
-                    </a:lnL>
-                  </a:tcPr>
-                </a:tc>
-                <a:tc>
-                  <a:txBody>
-                    <a:bodyPr/>
-                    <a:lstStyle/>
-                    <a:p>
                       <a:pPr marL="0" marR="0" lvl="0" indent="0" algn="l" defTabSz="914400" rtl="0" eaLnBrk="1" fontAlgn="auto" latinLnBrk="0" hangingPunct="1">
                         <a:lnSpc>
                           <a:spcPct val="100000"/>
@@ -5116,9 +4992,124 @@
                     </a:p>
                   </a:txBody>
                   <a:tcPr>
+                    <a:lnL w="12700" cmpd="sng">
+                      <a:noFill/>
+                    </a:lnL>
                     <a:lnR w="12700" cmpd="sng">
                       <a:noFill/>
                     </a:lnR>
+                    <a:lnT w="12700" cap="flat" cmpd="sng" algn="ctr">
+                      <a:noFill/>
+                      <a:prstDash val="solid"/>
+                      <a:round/>
+                      <a:headEnd type="none" w="med" len="med"/>
+                      <a:tailEnd type="none" w="med" len="med"/>
+                    </a:lnT>
+                    <a:lnB w="12700" cmpd="sng">
+                      <a:noFill/>
+                    </a:lnB>
+                    <a:lnTlToBr w="12700" cmpd="sng">
+                      <a:noFill/>
+                      <a:prstDash val="solid"/>
+                    </a:lnTlToBr>
+                    <a:lnBlToTr w="12700" cmpd="sng">
+                      <a:noFill/>
+                      <a:prstDash val="solid"/>
+                    </a:lnBlToTr>
+                  </a:tcPr>
+                </a:tc>
+                <a:extLst>
+                  <a:ext uri="{0D108BD9-81ED-4DB2-BD59-A6C34878D82A}">
+                    <a16:rowId xmlns:a16="http://schemas.microsoft.com/office/drawing/2014/main" val="2732004267"/>
+                  </a:ext>
+                </a:extLst>
+              </a:tr>
+              <a:tr h="396000">
+                <a:tc>
+                  <a:txBody>
+                    <a:bodyPr/>
+                    <a:lstStyle/>
+                    <a:p>
+                      <a:endParaRPr lang="en-AU" b="0" i="1" dirty="0">
+                        <a:solidFill>
+                          <a:schemeClr val="tx1"/>
+                        </a:solidFill>
+                      </a:endParaRPr>
+                    </a:p>
+                  </a:txBody>
+                  <a:tcPr/>
+                </a:tc>
+                <a:tc>
+                  <a:txBody>
+                    <a:bodyPr/>
+                    <a:lstStyle/>
+                    <a:p>
+                      <a:r>
+                        <a:rPr lang="en-US" dirty="0"/>
+                        <a:t>Correlation, noise</a:t>
+                      </a:r>
+                      <a:endParaRPr lang="en-AU" b="0" dirty="0">
+                        <a:solidFill>
+                          <a:schemeClr val="tx1"/>
+                        </a:solidFill>
+                      </a:endParaRPr>
+                    </a:p>
+                  </a:txBody>
+                  <a:tcPr>
+                    <a:lnR w="12700" cap="flat" cmpd="sng" algn="ctr">
+                      <a:solidFill>
+                        <a:schemeClr val="tx1"/>
+                      </a:solidFill>
+                      <a:prstDash val="solid"/>
+                      <a:round/>
+                      <a:headEnd type="none" w="med" len="med"/>
+                      <a:tailEnd type="none" w="med" len="med"/>
+                    </a:lnR>
+                  </a:tcPr>
+                </a:tc>
+                <a:tc>
+                  <a:txBody>
+                    <a:bodyPr/>
+                    <a:lstStyle/>
+                    <a:p>
+                      <a:pPr marL="0" marR="0" lvl="0" indent="0" algn="l" defTabSz="914400" rtl="0" eaLnBrk="1" fontAlgn="auto" latinLnBrk="0" hangingPunct="1">
+                        <a:lnSpc>
+                          <a:spcPct val="100000"/>
+                        </a:lnSpc>
+                        <a:spcBef>
+                          <a:spcPts val="0"/>
+                        </a:spcBef>
+                        <a:spcAft>
+                          <a:spcPts val="0"/>
+                        </a:spcAft>
+                        <a:buClrTx/>
+                        <a:buSzTx/>
+                        <a:buFontTx/>
+                        <a:buNone/>
+                        <a:tabLst/>
+                        <a:defRPr/>
+                      </a:pPr>
+                      <a:r>
+                        <a:rPr lang="en-US" dirty="0"/>
+                        <a:t>0</a:t>
+                      </a:r>
+                      <a:endParaRPr lang="en-AU" b="0" dirty="0">
+                        <a:solidFill>
+                          <a:schemeClr val="tx1"/>
+                        </a:solidFill>
+                      </a:endParaRPr>
+                    </a:p>
+                  </a:txBody>
+                  <a:tcPr>
+                    <a:lnL w="12700" cap="flat" cmpd="sng" algn="ctr">
+                      <a:solidFill>
+                        <a:schemeClr val="tx1"/>
+                      </a:solidFill>
+                      <a:prstDash val="solid"/>
+                      <a:round/>
+                      <a:headEnd type="none" w="med" len="med"/>
+                      <a:tailEnd type="none" w="med" len="med"/>
+                    </a:lnL>
                   </a:tcPr>
                 </a:tc>
                 <a:tc>
@@ -5151,176 +5142,9 @@
                     </a:p>
                   </a:txBody>
                   <a:tcPr>
-                    <a:lnL w="12700" cmpd="sng">
-                      <a:noFill/>
-                    </a:lnL>
                     <a:lnR w="12700" cmpd="sng">
                       <a:noFill/>
                     </a:lnR>
-                    <a:lnT w="12700" cmpd="sng">
-                      <a:noFill/>
-                    </a:lnT>
-                    <a:lnB w="12700" cmpd="sng">
-                      <a:noFill/>
-                    </a:lnB>
-                    <a:lnTlToBr w="12700" cmpd="sng">
-                      <a:noFill/>
-                      <a:prstDash val="solid"/>
-                    </a:lnTlToBr>
-                    <a:lnBlToTr w="12700" cmpd="sng">
-                      <a:noFill/>
-                      <a:prstDash val="solid"/>
-                    </a:lnBlToTr>
-                    <a:noFill/>
-                  </a:tcPr>
-                </a:tc>
-                <a:tc>
-                  <a:txBody>
-                    <a:bodyPr/>
-                    <a:lstStyle/>
-                    <a:p>
-                      <a:pPr marL="0" marR="0" lvl="0" indent="0" algn="l" defTabSz="914400" rtl="0" eaLnBrk="1" fontAlgn="auto" latinLnBrk="0" hangingPunct="1">
-                        <a:lnSpc>
-                          <a:spcPct val="100000"/>
-                        </a:lnSpc>
-                        <a:spcBef>
-                          <a:spcPts val="0"/>
-                        </a:spcBef>
-                        <a:spcAft>
-                          <a:spcPts val="0"/>
-                        </a:spcAft>
-                        <a:buClrTx/>
-                        <a:buSzTx/>
-                        <a:buFontTx/>
-                        <a:buNone/>
-                        <a:tabLst/>
-                        <a:defRPr/>
-                      </a:pPr>
-                      <a:r>
-                        <a:rPr lang="en-AU" b="0" dirty="0">
-                          <a:solidFill>
-                            <a:schemeClr val="tx1"/>
-                          </a:solidFill>
-                        </a:rPr>
-                        <a:t>Fix 2 of each VC?</a:t>
-                      </a:r>
-                    </a:p>
-                  </a:txBody>
-                  <a:tcPr>
-                    <a:lnL w="12700" cmpd="sng">
-                      <a:noFill/>
-                    </a:lnL>
-                    <a:lnR w="12700" cmpd="sng">
-                      <a:noFill/>
-                    </a:lnR>
-                    <a:lnT w="12700" cmpd="sng">
-                      <a:noFill/>
-                    </a:lnT>
-                    <a:lnB w="12700" cmpd="sng">
-                      <a:noFill/>
-                    </a:lnB>
-                    <a:lnTlToBr w="12700" cmpd="sng">
-                      <a:noFill/>
-                      <a:prstDash val="solid"/>
-                    </a:lnTlToBr>
-                    <a:lnBlToTr w="12700" cmpd="sng">
-                      <a:noFill/>
-                      <a:prstDash val="solid"/>
-                    </a:lnBlToTr>
-                  </a:tcPr>
-                </a:tc>
-                <a:extLst>
-                  <a:ext uri="{0D108BD9-81ED-4DB2-BD59-A6C34878D82A}">
-                    <a16:rowId xmlns:a16="http://schemas.microsoft.com/office/drawing/2014/main" val="1241429002"/>
-                  </a:ext>
-                </a:extLst>
-              </a:tr>
-              <a:tr h="396000">
-                <a:tc>
-                  <a:txBody>
-                    <a:bodyPr/>
-                    <a:lstStyle/>
-                    <a:p>
-                      <a:endParaRPr lang="en-AU" b="1" dirty="0">
-                        <a:solidFill>
-                          <a:schemeClr val="tx1"/>
-                        </a:solidFill>
-                      </a:endParaRPr>
-                    </a:p>
-                  </a:txBody>
-                  <a:tcPr/>
-                </a:tc>
-                <a:tc>
-                  <a:txBody>
-                    <a:bodyPr/>
-                    <a:lstStyle/>
-                    <a:p>
-                      <a:r>
-                        <a:rPr lang="en-US" dirty="0"/>
-                        <a:t>Factor order</a:t>
-                      </a:r>
-                      <a:endParaRPr lang="en-AU" b="0" dirty="0">
-                        <a:solidFill>
-                          <a:schemeClr val="tx1"/>
-                        </a:solidFill>
-                      </a:endParaRPr>
-                    </a:p>
-                  </a:txBody>
-                  <a:tcPr>
-                    <a:lnR w="12700" cap="flat" cmpd="sng" algn="ctr">
-                      <a:solidFill>
-                        <a:schemeClr val="tx1"/>
-                      </a:solidFill>
-                      <a:prstDash val="solid"/>
-                      <a:round/>
-                      <a:headEnd type="none" w="med" len="med"/>
-                      <a:tailEnd type="none" w="med" len="med"/>
-                    </a:lnR>
-                  </a:tcPr>
-                </a:tc>
-                <a:tc>
-                  <a:txBody>
-                    <a:bodyPr/>
-                    <a:lstStyle/>
-                    <a:p>
-                      <a:pPr marL="0" marR="0" lvl="0" indent="0" algn="l" defTabSz="914400" rtl="0" eaLnBrk="1" fontAlgn="auto" latinLnBrk="0" hangingPunct="1">
-                        <a:lnSpc>
-                          <a:spcPct val="100000"/>
-                        </a:lnSpc>
-                        <a:spcBef>
-                          <a:spcPts val="0"/>
-                        </a:spcBef>
-                        <a:spcAft>
-                          <a:spcPts val="0"/>
-                        </a:spcAft>
-                        <a:buClrTx/>
-                        <a:buSzTx/>
-                        <a:buFontTx/>
-                        <a:buNone/>
-                        <a:tabLst/>
-                        <a:defRPr/>
-                      </a:pPr>
-                      <a:r>
-                        <a:rPr lang="en-AU" dirty="0"/>
-                        <a:t>Next factor order permutation</a:t>
-                      </a:r>
-                      <a:endParaRPr lang="en-AU" b="0" dirty="0">
-                        <a:solidFill>
-                          <a:schemeClr val="tx1"/>
-                        </a:solidFill>
-                      </a:endParaRPr>
-                    </a:p>
-                  </a:txBody>
-                  <a:tcPr>
-                    <a:lnL w="12700" cap="flat" cmpd="sng" algn="ctr">
-                      <a:solidFill>
-                        <a:schemeClr val="tx1"/>
-                      </a:solidFill>
-                      <a:prstDash val="solid"/>
-                      <a:round/>
-                      <a:headEnd type="none" w="med" len="med"/>
-                      <a:tailEnd type="none" w="med" len="med"/>
-                    </a:lnL>
                   </a:tcPr>
                 </a:tc>
                 <a:tc>
@@ -5353,9 +5177,27 @@
                     </a:p>
                   </a:txBody>
                   <a:tcPr>
+                    <a:lnL w="12700" cmpd="sng">
+                      <a:noFill/>
+                    </a:lnL>
                     <a:lnR w="12700" cmpd="sng">
                       <a:noFill/>
                     </a:lnR>
+                    <a:lnT w="12700" cmpd="sng">
+                      <a:noFill/>
+                    </a:lnT>
+                    <a:lnB w="12700" cmpd="sng">
+                      <a:noFill/>
+                    </a:lnB>
+                    <a:lnTlToBr w="12700" cmpd="sng">
+                      <a:noFill/>
+                      <a:prstDash val="solid"/>
+                    </a:lnTlToBr>
+                    <a:lnBlToTr w="12700" cmpd="sng">
+                      <a:noFill/>
+                      <a:prstDash val="solid"/>
+                    </a:lnBlToTr>
+                    <a:noFill/>
                   </a:tcPr>
                 </a:tc>
                 <a:tc>
@@ -5408,7 +5250,55 @@
                       <a:noFill/>
                       <a:prstDash val="solid"/>
                     </a:lnBlToTr>
-                    <a:noFill/>
+                  </a:tcPr>
+                </a:tc>
+                <a:extLst>
+                  <a:ext uri="{0D108BD9-81ED-4DB2-BD59-A6C34878D82A}">
+                    <a16:rowId xmlns:a16="http://schemas.microsoft.com/office/drawing/2014/main" val="3822648520"/>
+                  </a:ext>
+                </a:extLst>
+              </a:tr>
+              <a:tr h="396000">
+                <a:tc>
+                  <a:txBody>
+                    <a:bodyPr/>
+                    <a:lstStyle/>
+                    <a:p>
+                      <a:endParaRPr lang="en-AU" b="1" dirty="0">
+                        <a:solidFill>
+                          <a:schemeClr val="tx1"/>
+                        </a:solidFill>
+                      </a:endParaRPr>
+                    </a:p>
+                  </a:txBody>
+                  <a:tcPr/>
+                </a:tc>
+                <a:tc>
+                  <a:txBody>
+                    <a:bodyPr/>
+                    <a:lstStyle/>
+                    <a:p>
+                      <a:r>
+                        <a:rPr lang="en-US" dirty="0"/>
+                        <a:t>Separation size</a:t>
+                      </a:r>
+                      <a:endParaRPr lang="en-AU" b="0" dirty="0">
+                        <a:solidFill>
+                          <a:schemeClr val="tx1"/>
+                        </a:solidFill>
+                      </a:endParaRPr>
+                    </a:p>
+                  </a:txBody>
+                  <a:tcPr>
+                    <a:lnR w="12700" cap="flat" cmpd="sng" algn="ctr">
+                      <a:solidFill>
+                        <a:schemeClr val="tx1"/>
+                      </a:solidFill>
+                      <a:prstDash val="solid"/>
+                      <a:round/>
+                      <a:headEnd type="none" w="med" len="med"/>
+                      <a:tailEnd type="none" w="med" len="med"/>
+                    </a:lnR>
                   </a:tcPr>
                 </a:tc>
                 <a:tc>
@@ -5434,112 +5324,8 @@
                         <a:defRPr/>
                       </a:pPr>
                       <a:r>
-                        <a:rPr lang="en-AU" b="0" dirty="0">
-                          <a:solidFill>
-                            <a:schemeClr val="tx1"/>
-                          </a:solidFill>
-                        </a:rPr>
-                        <a:t>Fix 2 of each location?</a:t>
-                      </a:r>
-                    </a:p>
-                  </a:txBody>
-                  <a:tcPr>
-                    <a:lnL w="12700" cmpd="sng">
-                      <a:noFill/>
-                    </a:lnL>
-                    <a:lnR w="12700" cmpd="sng">
-                      <a:noFill/>
-                    </a:lnR>
-                    <a:lnT w="12700" cmpd="sng">
-                      <a:noFill/>
-                    </a:lnT>
-                    <a:lnB w="12700" cmpd="sng">
-                      <a:noFill/>
-                    </a:lnB>
-                    <a:lnTlToBr w="12700" cmpd="sng">
-                      <a:noFill/>
-                      <a:prstDash val="solid"/>
-                    </a:lnTlToBr>
-                    <a:lnBlToTr w="12700" cmpd="sng">
-                      <a:noFill/>
-                      <a:prstDash val="solid"/>
-                    </a:lnBlToTr>
-                  </a:tcPr>
-                </a:tc>
-                <a:extLst>
-                  <a:ext uri="{0D108BD9-81ED-4DB2-BD59-A6C34878D82A}">
-                    <a16:rowId xmlns:a16="http://schemas.microsoft.com/office/drawing/2014/main" val="2478020637"/>
-                  </a:ext>
-                </a:extLst>
-              </a:tr>
-              <a:tr h="396000">
-                <a:tc>
-                  <a:txBody>
-                    <a:bodyPr/>
-                    <a:lstStyle/>
-                    <a:p>
-                      <a:endParaRPr lang="en-AU" b="1" dirty="0">
-                        <a:solidFill>
-                          <a:schemeClr val="tx1"/>
-                        </a:solidFill>
-                      </a:endParaRPr>
-                    </a:p>
-                  </a:txBody>
-                  <a:tcPr/>
-                </a:tc>
-                <a:tc>
-                  <a:txBody>
-                    <a:bodyPr/>
-                    <a:lstStyle/>
-                    <a:p>
-                      <a:r>
                         <a:rPr lang="en-US" dirty="0"/>
-                        <a:t>Block order</a:t>
-                      </a:r>
-                      <a:endParaRPr lang="en-AU" b="0" dirty="0">
-                        <a:solidFill>
-                          <a:schemeClr val="tx1"/>
-                        </a:solidFill>
-                      </a:endParaRPr>
-                    </a:p>
-                  </a:txBody>
-                  <a:tcPr>
-                    <a:lnR w="12700" cap="flat" cmpd="sng" algn="ctr">
-                      <a:solidFill>
-                        <a:schemeClr val="tx1"/>
-                      </a:solidFill>
-                      <a:prstDash val="solid"/>
-                      <a:round/>
-                      <a:headEnd type="none" w="med" len="med"/>
-                      <a:tailEnd type="none" w="med" len="med"/>
-                    </a:lnR>
-                  </a:tcPr>
-                </a:tc>
-                <a:tc>
-                  <a:txBody>
-                    <a:bodyPr/>
-                    <a:lstStyle/>
-                    <a:p>
-                      <a:pPr marL="0" marR="0" lvl="0" indent="0" algn="l" defTabSz="914400" rtl="0" eaLnBrk="1" fontAlgn="auto" latinLnBrk="0" hangingPunct="1">
-                        <a:lnSpc>
-                          <a:spcPct val="100000"/>
-                        </a:lnSpc>
-                        <a:spcBef>
-                          <a:spcPts val="0"/>
-                        </a:spcBef>
-                        <a:spcAft>
-                          <a:spcPts val="0"/>
-                        </a:spcAft>
-                        <a:buClrTx/>
-                        <a:buSzTx/>
-                        <a:buFontTx/>
-                        <a:buNone/>
-                        <a:tabLst/>
-                        <a:defRPr/>
-                      </a:pPr>
-                      <a:r>
-                        <a:rPr lang="en-AU" dirty="0"/>
-                        <a:t>Next 6 elements from the block permutations</a:t>
+                        <a:t>2</a:t>
                       </a:r>
                       <a:endParaRPr lang="en-AU" b="0" dirty="0">
                         <a:solidFill>
@@ -5670,30 +5456,11 @@
                         <a:tabLst/>
                         <a:defRPr/>
                       </a:pPr>
-                      <a:r>
-                        <a:rPr lang="en-AU" b="0" dirty="0">
-                          <a:solidFill>
-                            <a:schemeClr val="tx1"/>
-                          </a:solidFill>
-                        </a:rPr>
-                        <a:t>Fix 3 of each </a:t>
-                      </a:r>
-                      <a:r>
-                        <a:rPr lang="en-AU" b="0" dirty="0" err="1">
-                          <a:solidFill>
-                            <a:schemeClr val="tx1"/>
-                          </a:solidFill>
-                        </a:rPr>
-                        <a:t>cl&amp;var</a:t>
-                      </a:r>
-                      <a:r>
-                        <a:rPr lang="en-AU" b="0" dirty="0">
-                          <a:solidFill>
-                            <a:schemeClr val="tx1"/>
-                          </a:solidFill>
-                        </a:rPr>
-                        <a:t>?</a:t>
-                      </a:r>
+                      <a:endParaRPr lang="en-AU" b="0" dirty="0">
+                        <a:solidFill>
+                          <a:schemeClr val="tx1"/>
+                        </a:solidFill>
+                      </a:endParaRPr>
                     </a:p>
                   </a:txBody>
                   <a:tcPr>
@@ -5721,7 +5488,7 @@
                 </a:tc>
                 <a:extLst>
                   <a:ext uri="{0D108BD9-81ED-4DB2-BD59-A6C34878D82A}">
-                    <a16:rowId xmlns:a16="http://schemas.microsoft.com/office/drawing/2014/main" val="690743864"/>
+                    <a16:rowId xmlns:a16="http://schemas.microsoft.com/office/drawing/2014/main" val="3699670257"/>
                   </a:ext>
                 </a:extLst>
               </a:tr>
@@ -5738,17 +5505,7 @@
                       </a:endParaRPr>
                     </a:p>
                   </a:txBody>
-                  <a:tcPr>
-                    <a:lnB w="12700" cap="flat" cmpd="sng" algn="ctr">
-                      <a:solidFill>
-                        <a:schemeClr val="tx1"/>
-                      </a:solidFill>
-                      <a:prstDash val="solid"/>
-                      <a:round/>
-                      <a:headEnd type="none" w="med" len="med"/>
-                      <a:tailEnd type="none" w="med" len="med"/>
-                    </a:lnB>
-                  </a:tcPr>
+                  <a:tcPr/>
                 </a:tc>
                 <a:tc>
                   <a:txBody>
@@ -5757,7 +5514,7 @@
                     <a:p>
                       <a:r>
                         <a:rPr lang="en-US" dirty="0"/>
-                        <a:t>Location</a:t>
+                        <a:t>Variation size</a:t>
                       </a:r>
                       <a:endParaRPr lang="en-AU" b="0" dirty="0">
                         <a:solidFill>
@@ -5776,15 +5533,6 @@
                       <a:headEnd type="none" w="med" len="med"/>
                       <a:tailEnd type="none" w="med" len="med"/>
                     </a:lnR>
-                    <a:lnB w="12700" cap="flat" cmpd="sng" algn="ctr">
-                      <a:solidFill>
-                        <a:schemeClr val="tx1"/>
-                      </a:solidFill>
-                      <a:prstDash val="solid"/>
-                      <a:round/>
-                      <a:headEnd type="none" w="med" len="med"/>
-                      <a:tailEnd type="none" w="med" len="med"/>
-                    </a:lnB>
                   </a:tcPr>
                 </a:tc>
                 <a:tc>
@@ -5810,8 +5558,8 @@
                         <a:defRPr/>
                       </a:pPr>
                       <a:r>
-                        <a:rPr lang="en-AU" dirty="0"/>
-                        <a:t>Variables are shuffled in simulation (reorder index stored)</a:t>
+                        <a:rPr lang="en-US" dirty="0"/>
+                        <a:t>1</a:t>
                       </a:r>
                       <a:endParaRPr lang="en-AU" b="0" dirty="0">
                         <a:solidFill>
@@ -5830,15 +5578,6 @@
                       <a:headEnd type="none" w="med" len="med"/>
                       <a:tailEnd type="none" w="med" len="med"/>
                     </a:lnL>
-                    <a:lnB w="12700" cap="flat" cmpd="sng" algn="ctr">
-                      <a:solidFill>
-                        <a:schemeClr val="tx1"/>
-                      </a:solidFill>
-                      <a:prstDash val="solid"/>
-                      <a:round/>
-                      <a:headEnd type="none" w="med" len="med"/>
-                      <a:tailEnd type="none" w="med" len="med"/>
-                    </a:lnB>
                   </a:tcPr>
                 </a:tc>
                 <a:tc>
@@ -5874,15 +5613,6 @@
                     <a:lnR w="12700" cmpd="sng">
                       <a:noFill/>
                     </a:lnR>
-                    <a:lnB w="12700" cap="flat" cmpd="sng" algn="ctr">
-                      <a:solidFill>
-                        <a:schemeClr val="tx1"/>
-                      </a:solidFill>
-                      <a:prstDash val="solid"/>
-                      <a:round/>
-                      <a:headEnd type="none" w="med" len="med"/>
-                      <a:tailEnd type="none" w="med" len="med"/>
-                    </a:lnB>
                   </a:tcPr>
                 </a:tc>
                 <a:tc>
@@ -5924,12 +5654,8 @@
                     <a:lnT w="12700" cmpd="sng">
                       <a:noFill/>
                     </a:lnT>
-                    <a:lnB w="12700" cap="flat" cmpd="sng" algn="ctr">
+                    <a:lnB w="12700" cmpd="sng">
                       <a:noFill/>
-                      <a:prstDash val="solid"/>
-                      <a:round/>
-                      <a:headEnd type="none" w="med" len="med"/>
-                      <a:tailEnd type="none" w="med" len="med"/>
                     </a:lnB>
                     <a:lnTlToBr w="12700" cmpd="sng">
                       <a:noFill/>
@@ -5940,191 +5666,6 @@
                       <a:prstDash val="solid"/>
                     </a:lnBlToTr>
                     <a:noFill/>
-                  </a:tcPr>
-                </a:tc>
-                <a:tc>
-                  <a:txBody>
-                    <a:bodyPr/>
-                    <a:lstStyle/>
-                    <a:p>
-                      <a:pPr marL="0" marR="0" lvl="0" indent="0" algn="l" defTabSz="914400" rtl="0" eaLnBrk="1" fontAlgn="auto" latinLnBrk="0" hangingPunct="1">
-                        <a:lnSpc>
-                          <a:spcPct val="100000"/>
-                        </a:lnSpc>
-                        <a:spcBef>
-                          <a:spcPts val="0"/>
-                        </a:spcBef>
-                        <a:spcAft>
-                          <a:spcPts val="0"/>
-                        </a:spcAft>
-                        <a:buClrTx/>
-                        <a:buSzTx/>
-                        <a:buFontTx/>
-                        <a:buNone/>
-                        <a:tabLst/>
-                        <a:defRPr/>
-                      </a:pPr>
-                      <a:r>
-                        <a:rPr lang="en-AU" b="0" dirty="0">
-                          <a:solidFill>
-                            <a:schemeClr val="tx1"/>
-                          </a:solidFill>
-                        </a:rPr>
-                        <a:t>Fix one of each to each cl &amp; var </a:t>
-                      </a:r>
-                    </a:p>
-                  </a:txBody>
-                  <a:tcPr>
-                    <a:lnL w="12700" cmpd="sng">
-                      <a:noFill/>
-                    </a:lnL>
-                    <a:lnR w="12700" cmpd="sng">
-                      <a:noFill/>
-                    </a:lnR>
-                    <a:lnT w="12700" cmpd="sng">
-                      <a:noFill/>
-                    </a:lnT>
-                    <a:lnB w="12700" cap="flat" cmpd="sng" algn="ctr">
-                      <a:noFill/>
-                      <a:prstDash val="solid"/>
-                      <a:round/>
-                      <a:headEnd type="none" w="med" len="med"/>
-                      <a:tailEnd type="none" w="med" len="med"/>
-                    </a:lnB>
-                    <a:lnTlToBr w="12700" cmpd="sng">
-                      <a:noFill/>
-                      <a:prstDash val="solid"/>
-                    </a:lnTlToBr>
-                    <a:lnBlToTr w="12700" cmpd="sng">
-                      <a:noFill/>
-                      <a:prstDash val="solid"/>
-                    </a:lnBlToTr>
-                  </a:tcPr>
-                </a:tc>
-                <a:extLst>
-                  <a:ext uri="{0D108BD9-81ED-4DB2-BD59-A6C34878D82A}">
-                    <a16:rowId xmlns:a16="http://schemas.microsoft.com/office/drawing/2014/main" val="1723981666"/>
-                  </a:ext>
-                </a:extLst>
-              </a:tr>
-              <a:tr h="396000">
-                <a:tc>
-                  <a:txBody>
-                    <a:bodyPr/>
-                    <a:lstStyle/>
-                    <a:p>
-                      <a:r>
-                        <a:rPr lang="en-US" b="1" dirty="0"/>
-                        <a:t>Assumptions</a:t>
-                      </a:r>
-                      <a:endParaRPr lang="en-US" b="1" dirty="0">
-                        <a:solidFill>
-                          <a:schemeClr val="tx1"/>
-                        </a:solidFill>
-                      </a:endParaRPr>
-                    </a:p>
-                  </a:txBody>
-                  <a:tcPr>
-                    <a:lnT w="12700" cap="flat" cmpd="sng" algn="ctr">
-                      <a:solidFill>
-                        <a:schemeClr val="tx1"/>
-                      </a:solidFill>
-                      <a:prstDash val="solid"/>
-                      <a:round/>
-                      <a:headEnd type="none" w="med" len="med"/>
-                      <a:tailEnd type="none" w="med" len="med"/>
-                    </a:lnT>
-                  </a:tcPr>
-                </a:tc>
-                <a:tc>
-                  <a:txBody>
-                    <a:bodyPr/>
-                    <a:lstStyle/>
-                    <a:p>
-                      <a:r>
-                        <a:rPr lang="en-US" dirty="0"/>
-                        <a:t>Correlation, signal</a:t>
-                      </a:r>
-                      <a:endParaRPr lang="en-AU" b="0" dirty="0">
-                        <a:solidFill>
-                          <a:schemeClr val="tx1"/>
-                        </a:solidFill>
-                      </a:endParaRPr>
-                    </a:p>
-                  </a:txBody>
-                  <a:tcPr>
-                    <a:lnR w="12700" cap="flat" cmpd="sng" algn="ctr">
-                      <a:solidFill>
-                        <a:schemeClr val="tx1"/>
-                      </a:solidFill>
-                      <a:prstDash val="solid"/>
-                      <a:round/>
-                      <a:headEnd type="none" w="med" len="med"/>
-                      <a:tailEnd type="none" w="med" len="med"/>
-                    </a:lnR>
-                    <a:lnT w="12700" cap="flat" cmpd="sng" algn="ctr">
-                      <a:solidFill>
-                        <a:schemeClr val="tx1"/>
-                      </a:solidFill>
-                      <a:prstDash val="solid"/>
-                      <a:round/>
-                      <a:headEnd type="none" w="med" len="med"/>
-                      <a:tailEnd type="none" w="med" len="med"/>
-                    </a:lnT>
-                  </a:tcPr>
-                </a:tc>
-                <a:tc>
-                  <a:txBody>
-                    <a:bodyPr/>
-                    <a:lstStyle/>
-                    <a:p>
-                      <a:pPr marL="0" marR="0" lvl="0" indent="0" algn="l" defTabSz="914400" rtl="0" eaLnBrk="1" fontAlgn="auto" latinLnBrk="0" hangingPunct="1">
-                        <a:lnSpc>
-                          <a:spcPct val="100000"/>
-                        </a:lnSpc>
-                        <a:spcBef>
-                          <a:spcPts val="0"/>
-                        </a:spcBef>
-                        <a:spcAft>
-                          <a:spcPts val="0"/>
-                        </a:spcAft>
-                        <a:buClrTx/>
-                        <a:buSzTx/>
-                        <a:buFontTx/>
-                        <a:buNone/>
-                        <a:tabLst/>
-                        <a:defRPr/>
-                      </a:pPr>
-                      <a:r>
-                        <a:rPr lang="en-US" dirty="0"/>
-                        <a:t>.9</a:t>
-                      </a:r>
-                      <a:endParaRPr lang="en-AU" b="0" dirty="0">
-                        <a:solidFill>
-                          <a:schemeClr val="tx1"/>
-                        </a:solidFill>
-                      </a:endParaRPr>
-                    </a:p>
-                  </a:txBody>
-                  <a:tcPr>
-                    <a:lnL w="12700" cap="flat" cmpd="sng" algn="ctr">
-                      <a:solidFill>
-                        <a:schemeClr val="tx1"/>
-                      </a:solidFill>
-                      <a:prstDash val="solid"/>
-                      <a:round/>
-                      <a:headEnd type="none" w="med" len="med"/>
-                      <a:tailEnd type="none" w="med" len="med"/>
-                    </a:lnL>
-                    <a:lnT w="12700" cap="flat" cmpd="sng" algn="ctr">
-                      <a:solidFill>
-                        <a:schemeClr val="tx1"/>
-                      </a:solidFill>
-                      <a:prstDash val="solid"/>
-                      <a:round/>
-                      <a:headEnd type="none" w="med" len="med"/>
-                      <a:tailEnd type="none" w="med" len="med"/>
-                    </a:lnT>
                   </a:tcPr>
                 </a:tc>
                 <a:tc>
@@ -6157,18 +5698,120 @@
                     </a:p>
                   </a:txBody>
                   <a:tcPr>
+                    <a:lnL w="12700" cmpd="sng">
+                      <a:noFill/>
+                    </a:lnL>
                     <a:lnR w="12700" cmpd="sng">
                       <a:noFill/>
                     </a:lnR>
-                    <a:lnT w="12700" cap="flat" cmpd="sng" algn="ctr">
-                      <a:solidFill>
-                        <a:schemeClr val="tx1"/>
-                      </a:solidFill>
-                      <a:prstDash val="solid"/>
-                      <a:round/>
-                      <a:headEnd type="none" w="med" len="med"/>
-                      <a:tailEnd type="none" w="med" len="med"/>
+                    <a:lnT w="12700" cmpd="sng">
+                      <a:noFill/>
                     </a:lnT>
+                    <a:lnB w="12700" cmpd="sng">
+                      <a:noFill/>
+                    </a:lnB>
+                    <a:lnTlToBr w="12700" cmpd="sng">
+                      <a:noFill/>
+                      <a:prstDash val="solid"/>
+                    </a:lnTlToBr>
+                    <a:lnBlToTr w="12700" cmpd="sng">
+                      <a:noFill/>
+                      <a:prstDash val="solid"/>
+                    </a:lnBlToTr>
+                  </a:tcPr>
+                </a:tc>
+                <a:extLst>
+                  <a:ext uri="{0D108BD9-81ED-4DB2-BD59-A6C34878D82A}">
+                    <a16:rowId xmlns:a16="http://schemas.microsoft.com/office/drawing/2014/main" val="3553002749"/>
+                  </a:ext>
+                </a:extLst>
+              </a:tr>
+              <a:tr h="396000">
+                <a:tc>
+                  <a:txBody>
+                    <a:bodyPr/>
+                    <a:lstStyle/>
+                    <a:p>
+                      <a:endParaRPr lang="en-AU" b="1" dirty="0">
+                        <a:solidFill>
+                          <a:schemeClr val="tx1"/>
+                        </a:solidFill>
+                      </a:endParaRPr>
+                    </a:p>
+                  </a:txBody>
+                  <a:tcPr/>
+                </a:tc>
+                <a:tc>
+                  <a:txBody>
+                    <a:bodyPr/>
+                    <a:lstStyle/>
+                    <a:p>
+                      <a:r>
+                        <a:rPr lang="en-US" dirty="0"/>
+                        <a:t>Preprocessing </a:t>
+                      </a:r>
+                      <a:endParaRPr lang="en-AU" b="0" dirty="0">
+                        <a:solidFill>
+                          <a:schemeClr val="tx1"/>
+                        </a:solidFill>
+                      </a:endParaRPr>
+                    </a:p>
+                  </a:txBody>
+                  <a:tcPr>
+                    <a:lnR w="12700" cap="flat" cmpd="sng" algn="ctr">
+                      <a:solidFill>
+                        <a:schemeClr val="tx1"/>
+                      </a:solidFill>
+                      <a:prstDash val="solid"/>
+                      <a:round/>
+                      <a:headEnd type="none" w="med" len="med"/>
+                      <a:tailEnd type="none" w="med" len="med"/>
+                    </a:lnR>
+                  </a:tcPr>
+                </a:tc>
+                <a:tc>
+                  <a:txBody>
+                    <a:bodyPr/>
+                    <a:lstStyle/>
+                    <a:p>
+                      <a:pPr marL="0" marR="0" lvl="0" indent="0" algn="l" defTabSz="914400" rtl="0" eaLnBrk="1" fontAlgn="auto" latinLnBrk="0" hangingPunct="1">
+                        <a:lnSpc>
+                          <a:spcPct val="100000"/>
+                        </a:lnSpc>
+                        <a:spcBef>
+                          <a:spcPts val="0"/>
+                        </a:spcBef>
+                        <a:spcAft>
+                          <a:spcPts val="0"/>
+                        </a:spcAft>
+                        <a:buClrTx/>
+                        <a:buSzTx/>
+                        <a:buFontTx/>
+                        <a:buNone/>
+                        <a:tabLst/>
+                        <a:defRPr/>
+                      </a:pPr>
+                      <a:r>
+                        <a:rPr lang="en-US" dirty="0"/>
+                        <a:t>All variables normalized by standard deviation</a:t>
+                      </a:r>
+                      <a:endParaRPr lang="en-AU" b="0" dirty="0">
+                        <a:solidFill>
+                          <a:schemeClr val="tx1"/>
+                        </a:solidFill>
+                      </a:endParaRPr>
+                    </a:p>
+                  </a:txBody>
+                  <a:tcPr>
+                    <a:lnL w="12700" cap="flat" cmpd="sng" algn="ctr">
+                      <a:solidFill>
+                        <a:schemeClr val="tx1"/>
+                      </a:solidFill>
+                      <a:prstDash val="solid"/>
+                      <a:round/>
+                      <a:headEnd type="none" w="med" len="med"/>
+                      <a:tailEnd type="none" w="med" len="med"/>
+                    </a:lnL>
                   </a:tcPr>
                 </a:tc>
                 <a:tc>
@@ -6201,31 +5844,9 @@
                     </a:p>
                   </a:txBody>
                   <a:tcPr>
-                    <a:lnL w="12700" cmpd="sng">
-                      <a:noFill/>
-                    </a:lnL>
                     <a:lnR w="12700" cmpd="sng">
                       <a:noFill/>
                     </a:lnR>
-                    <a:lnT w="12700" cap="flat" cmpd="sng" algn="ctr">
-                      <a:noFill/>
-                      <a:prstDash val="solid"/>
-                      <a:round/>
-                      <a:headEnd type="none" w="med" len="med"/>
-                      <a:tailEnd type="none" w="med" len="med"/>
-                    </a:lnT>
-                    <a:lnB w="12700" cmpd="sng">
-                      <a:noFill/>
-                    </a:lnB>
-                    <a:lnTlToBr w="12700" cmpd="sng">
-                      <a:noFill/>
-                      <a:prstDash val="solid"/>
-                    </a:lnTlToBr>
-                    <a:lnBlToTr w="12700" cmpd="sng">
-                      <a:noFill/>
-                      <a:prstDash val="solid"/>
-                    </a:lnBlToTr>
-                    <a:noFill/>
                   </a:tcPr>
                 </a:tc>
                 <a:tc>
@@ -6264,12 +5885,8 @@
                     <a:lnR w="12700" cmpd="sng">
                       <a:noFill/>
                     </a:lnR>
-                    <a:lnT w="12700" cap="flat" cmpd="sng" algn="ctr">
+                    <a:lnT w="12700" cmpd="sng">
                       <a:noFill/>
-                      <a:prstDash val="solid"/>
-                      <a:round/>
-                      <a:headEnd type="none" w="med" len="med"/>
-                      <a:tailEnd type="none" w="med" len="med"/>
                     </a:lnT>
                     <a:lnB w="12700" cmpd="sng">
                       <a:noFill/>
@@ -6282,104 +5899,7 @@
                       <a:noFill/>
                       <a:prstDash val="solid"/>
                     </a:lnBlToTr>
-                  </a:tcPr>
-                </a:tc>
-                <a:extLst>
-                  <a:ext uri="{0D108BD9-81ED-4DB2-BD59-A6C34878D82A}">
-                    <a16:rowId xmlns:a16="http://schemas.microsoft.com/office/drawing/2014/main" val="2732004267"/>
-                  </a:ext>
-                </a:extLst>
-              </a:tr>
-              <a:tr h="396000">
-                <a:tc>
-                  <a:txBody>
-                    <a:bodyPr/>
-                    <a:lstStyle/>
-                    <a:p>
-                      <a:r>
-                        <a:rPr lang="en-US" dirty="0"/>
-                        <a:t>(fixed blocks?)</a:t>
-                      </a:r>
-                      <a:endParaRPr lang="en-AU" b="0" i="1" dirty="0">
-                        <a:solidFill>
-                          <a:schemeClr val="tx1"/>
-                        </a:solidFill>
-                      </a:endParaRPr>
-                    </a:p>
-                  </a:txBody>
-                  <a:tcPr/>
-                </a:tc>
-                <a:tc>
-                  <a:txBody>
-                    <a:bodyPr/>
-                    <a:lstStyle/>
-                    <a:p>
-                      <a:r>
-                        <a:rPr lang="en-US" dirty="0"/>
-                        <a:t>Correlation, noise</a:t>
-                      </a:r>
-                      <a:endParaRPr lang="en-AU" b="0" dirty="0">
-                        <a:solidFill>
-                          <a:schemeClr val="tx1"/>
-                        </a:solidFill>
-                      </a:endParaRPr>
-                    </a:p>
-                  </a:txBody>
-                  <a:tcPr>
-                    <a:lnR w="12700" cap="flat" cmpd="sng" algn="ctr">
-                      <a:solidFill>
-                        <a:schemeClr val="tx1"/>
-                      </a:solidFill>
-                      <a:prstDash val="solid"/>
-                      <a:round/>
-                      <a:headEnd type="none" w="med" len="med"/>
-                      <a:tailEnd type="none" w="med" len="med"/>
-                    </a:lnR>
-                  </a:tcPr>
-                </a:tc>
-                <a:tc>
-                  <a:txBody>
-                    <a:bodyPr/>
-                    <a:lstStyle/>
-                    <a:p>
-                      <a:pPr marL="0" marR="0" lvl="0" indent="0" algn="l" defTabSz="914400" rtl="0" eaLnBrk="1" fontAlgn="auto" latinLnBrk="0" hangingPunct="1">
-                        <a:lnSpc>
-                          <a:spcPct val="100000"/>
-                        </a:lnSpc>
-                        <a:spcBef>
-                          <a:spcPts val="0"/>
-                        </a:spcBef>
-                        <a:spcAft>
-                          <a:spcPts val="0"/>
-                        </a:spcAft>
-                        <a:buClrTx/>
-                        <a:buSzTx/>
-                        <a:buFontTx/>
-                        <a:buNone/>
-                        <a:tabLst/>
-                        <a:defRPr/>
-                      </a:pPr>
-                      <a:r>
-                        <a:rPr lang="en-US" dirty="0"/>
-                        <a:t>0</a:t>
-                      </a:r>
-                      <a:endParaRPr lang="en-AU" b="0" dirty="0">
-                        <a:solidFill>
-                          <a:schemeClr val="tx1"/>
-                        </a:solidFill>
-                      </a:endParaRPr>
-                    </a:p>
-                  </a:txBody>
-                  <a:tcPr>
-                    <a:lnL w="12700" cap="flat" cmpd="sng" algn="ctr">
-                      <a:solidFill>
-                        <a:schemeClr val="tx1"/>
-                      </a:solidFill>
-                      <a:prstDash val="solid"/>
-                      <a:round/>
-                      <a:headEnd type="none" w="med" len="med"/>
-                      <a:tailEnd type="none" w="med" len="med"/>
-                    </a:lnL>
+                    <a:noFill/>
                   </a:tcPr>
                 </a:tc>
                 <a:tc>
@@ -6412,9 +5932,145 @@
                     </a:p>
                   </a:txBody>
                   <a:tcPr>
-                    <a:lnR w="12700" cmpd="sng">
+                    <a:lnL w="12700" cmpd="sng">
                       <a:noFill/>
+                    </a:lnL>
+                    <a:lnT w="12700" cmpd="sng">
+                      <a:noFill/>
+                    </a:lnT>
+                    <a:lnB w="12700" cmpd="sng">
+                      <a:noFill/>
+                    </a:lnB>
+                  </a:tcPr>
+                </a:tc>
+                <a:extLst>
+                  <a:ext uri="{0D108BD9-81ED-4DB2-BD59-A6C34878D82A}">
+                    <a16:rowId xmlns:a16="http://schemas.microsoft.com/office/drawing/2014/main" val="488286715"/>
+                  </a:ext>
+                </a:extLst>
+              </a:tr>
+              <a:tr h="396000">
+                <a:tc>
+                  <a:txBody>
+                    <a:bodyPr/>
+                    <a:lstStyle/>
+                    <a:p>
+                      <a:endParaRPr lang="en-AU" b="1" dirty="0">
+                        <a:solidFill>
+                          <a:schemeClr val="tx1"/>
+                        </a:solidFill>
+                      </a:endParaRPr>
+                    </a:p>
+                  </a:txBody>
+                  <a:tcPr>
+                    <a:lnB w="12700" cap="flat" cmpd="sng" algn="ctr">
+                      <a:solidFill>
+                        <a:schemeClr val="tx1"/>
+                      </a:solidFill>
+                      <a:prstDash val="solid"/>
+                      <a:round/>
+                      <a:headEnd type="none" w="med" len="med"/>
+                      <a:tailEnd type="none" w="med" len="med"/>
+                    </a:lnB>
+                  </a:tcPr>
+                </a:tc>
+                <a:tc>
+                  <a:txBody>
+                    <a:bodyPr/>
+                    <a:lstStyle/>
+                    <a:p>
+                      <a:r>
+                        <a:rPr lang="en-US" b="0" dirty="0">
+                          <a:solidFill>
+                            <a:schemeClr val="tx1"/>
+                          </a:solidFill>
+                        </a:rPr>
+                        <a:t>Observations within cluster</a:t>
+                      </a:r>
+                      <a:endParaRPr lang="en-AU" b="0" dirty="0">
+                        <a:solidFill>
+                          <a:schemeClr val="tx1"/>
+                        </a:solidFill>
+                      </a:endParaRPr>
+                    </a:p>
+                  </a:txBody>
+                  <a:tcPr>
+                    <a:lnR w="12700" cap="flat" cmpd="sng" algn="ctr">
+                      <a:solidFill>
+                        <a:schemeClr val="tx1"/>
+                      </a:solidFill>
+                      <a:prstDash val="solid"/>
+                      <a:round/>
+                      <a:headEnd type="none" w="med" len="med"/>
+                      <a:tailEnd type="none" w="med" len="med"/>
                     </a:lnR>
+                    <a:lnB w="12700" cap="flat" cmpd="sng" algn="ctr">
+                      <a:solidFill>
+                        <a:schemeClr val="tx1"/>
+                      </a:solidFill>
+                      <a:prstDash val="solid"/>
+                      <a:round/>
+                      <a:headEnd type="none" w="med" len="med"/>
+                      <a:tailEnd type="none" w="med" len="med"/>
+                    </a:lnB>
+                  </a:tcPr>
+                </a:tc>
+                <a:tc>
+                  <a:txBody>
+                    <a:bodyPr/>
+                    <a:lstStyle/>
+                    <a:p>
+                      <a:pPr marL="0" marR="0" lvl="0" indent="0" algn="l" defTabSz="914400" rtl="0" eaLnBrk="1" fontAlgn="auto" latinLnBrk="0" hangingPunct="1">
+                        <a:lnSpc>
+                          <a:spcPct val="100000"/>
+                        </a:lnSpc>
+                        <a:spcBef>
+                          <a:spcPts val="0"/>
+                        </a:spcBef>
+                        <a:spcAft>
+                          <a:spcPts val="0"/>
+                        </a:spcAft>
+                        <a:buClrTx/>
+                        <a:buSzTx/>
+                        <a:buFontTx/>
+                        <a:buNone/>
+                        <a:tabLst/>
+                        <a:defRPr/>
+                      </a:pPr>
+                      <a:r>
+                        <a:rPr lang="en-US" b="0" dirty="0">
+                          <a:solidFill>
+                            <a:schemeClr val="tx1"/>
+                          </a:solidFill>
+                        </a:rPr>
+                        <a:t>140 each</a:t>
+                      </a:r>
+                      <a:endParaRPr lang="en-AU" b="0" dirty="0">
+                        <a:solidFill>
+                          <a:schemeClr val="tx1"/>
+                        </a:solidFill>
+                      </a:endParaRPr>
+                    </a:p>
+                  </a:txBody>
+                  <a:tcPr>
+                    <a:lnL w="12700" cap="flat" cmpd="sng" algn="ctr">
+                      <a:solidFill>
+                        <a:schemeClr val="tx1"/>
+                      </a:solidFill>
+                      <a:prstDash val="solid"/>
+                      <a:round/>
+                      <a:headEnd type="none" w="med" len="med"/>
+                      <a:tailEnd type="none" w="med" len="med"/>
+                    </a:lnL>
+                    <a:lnB w="12700" cap="flat" cmpd="sng" algn="ctr">
+                      <a:solidFill>
+                        <a:schemeClr val="tx1"/>
+                      </a:solidFill>
+                      <a:prstDash val="solid"/>
+                      <a:round/>
+                      <a:headEnd type="none" w="med" len="med"/>
+                      <a:tailEnd type="none" w="med" len="med"/>
+                    </a:lnB>
                   </a:tcPr>
                 </a:tc>
                 <a:tc>
@@ -6447,27 +6103,18 @@
                     </a:p>
                   </a:txBody>
                   <a:tcPr>
-                    <a:lnL w="12700" cmpd="sng">
-                      <a:noFill/>
-                    </a:lnL>
                     <a:lnR w="12700" cmpd="sng">
                       <a:noFill/>
                     </a:lnR>
-                    <a:lnT w="12700" cmpd="sng">
-                      <a:noFill/>
-                    </a:lnT>
-                    <a:lnB w="12700" cmpd="sng">
-                      <a:noFill/>
+                    <a:lnB w="12700" cap="flat" cmpd="sng" algn="ctr">
+                      <a:solidFill>
+                        <a:schemeClr val="tx1"/>
+                      </a:solidFill>
+                      <a:prstDash val="solid"/>
+                      <a:round/>
+                      <a:headEnd type="none" w="med" len="med"/>
+                      <a:tailEnd type="none" w="med" len="med"/>
                     </a:lnB>
-                    <a:lnTlToBr w="12700" cmpd="sng">
-                      <a:noFill/>
-                      <a:prstDash val="solid"/>
-                    </a:lnTlToBr>
-                    <a:lnBlToTr w="12700" cmpd="sng">
-                      <a:noFill/>
-                      <a:prstDash val="solid"/>
-                    </a:lnBlToTr>
-                    <a:noFill/>
                   </a:tcPr>
                 </a:tc>
                 <a:tc>
@@ -6509,8 +6156,14 @@
                     <a:lnT w="12700" cmpd="sng">
                       <a:noFill/>
                     </a:lnT>
-                    <a:lnB w="12700" cmpd="sng">
-                      <a:noFill/>
+                    <a:lnB w="12700" cap="flat" cmpd="sng" algn="ctr">
+                      <a:solidFill>
+                        <a:schemeClr val="tx1"/>
+                      </a:solidFill>
+                      <a:prstDash val="solid"/>
+                      <a:round/>
+                      <a:headEnd type="none" w="med" len="med"/>
+                      <a:tailEnd type="none" w="med" len="med"/>
                     </a:lnB>
                     <a:lnTlToBr w="12700" cmpd="sng">
                       <a:noFill/>
@@ -6520,100 +6173,7 @@
                       <a:noFill/>
                       <a:prstDash val="solid"/>
                     </a:lnBlToTr>
-                  </a:tcPr>
-                </a:tc>
-                <a:extLst>
-                  <a:ext uri="{0D108BD9-81ED-4DB2-BD59-A6C34878D82A}">
-                    <a16:rowId xmlns:a16="http://schemas.microsoft.com/office/drawing/2014/main" val="3822648520"/>
-                  </a:ext>
-                </a:extLst>
-              </a:tr>
-              <a:tr h="396000">
-                <a:tc>
-                  <a:txBody>
-                    <a:bodyPr/>
-                    <a:lstStyle/>
-                    <a:p>
-                      <a:endParaRPr lang="en-AU" b="1" dirty="0">
-                        <a:solidFill>
-                          <a:schemeClr val="tx1"/>
-                        </a:solidFill>
-                      </a:endParaRPr>
-                    </a:p>
-                  </a:txBody>
-                  <a:tcPr/>
-                </a:tc>
-                <a:tc>
-                  <a:txBody>
-                    <a:bodyPr/>
-                    <a:lstStyle/>
-                    <a:p>
-                      <a:r>
-                        <a:rPr lang="en-US" dirty="0"/>
-                        <a:t>Separation size</a:t>
-                      </a:r>
-                      <a:endParaRPr lang="en-AU" b="0" dirty="0">
-                        <a:solidFill>
-                          <a:schemeClr val="tx1"/>
-                        </a:solidFill>
-                      </a:endParaRPr>
-                    </a:p>
-                  </a:txBody>
-                  <a:tcPr>
-                    <a:lnR w="12700" cap="flat" cmpd="sng" algn="ctr">
-                      <a:solidFill>
-                        <a:schemeClr val="tx1"/>
-                      </a:solidFill>
-                      <a:prstDash val="solid"/>
-                      <a:round/>
-                      <a:headEnd type="none" w="med" len="med"/>
-                      <a:tailEnd type="none" w="med" len="med"/>
-                    </a:lnR>
-                  </a:tcPr>
-                </a:tc>
-                <a:tc>
-                  <a:txBody>
-                    <a:bodyPr/>
-                    <a:lstStyle/>
-                    <a:p>
-                      <a:pPr marL="0" marR="0" lvl="0" indent="0" algn="l" defTabSz="914400" rtl="0" eaLnBrk="1" fontAlgn="auto" latinLnBrk="0" hangingPunct="1">
-                        <a:lnSpc>
-                          <a:spcPct val="100000"/>
-                        </a:lnSpc>
-                        <a:spcBef>
-                          <a:spcPts val="0"/>
-                        </a:spcBef>
-                        <a:spcAft>
-                          <a:spcPts val="0"/>
-                        </a:spcAft>
-                        <a:buClrTx/>
-                        <a:buSzTx/>
-                        <a:buFontTx/>
-                        <a:buNone/>
-                        <a:tabLst/>
-                        <a:defRPr/>
-                      </a:pPr>
-                      <a:r>
-                        <a:rPr lang="en-US" dirty="0"/>
-                        <a:t>2</a:t>
-                      </a:r>
-                      <a:endParaRPr lang="en-AU" b="0" dirty="0">
-                        <a:solidFill>
-                          <a:schemeClr val="tx1"/>
-                        </a:solidFill>
-                      </a:endParaRPr>
-                    </a:p>
-                  </a:txBody>
-                  <a:tcPr>
-                    <a:lnL w="12700" cap="flat" cmpd="sng" algn="ctr">
-                      <a:solidFill>
-                        <a:schemeClr val="tx1"/>
-                      </a:solidFill>
-                      <a:prstDash val="solid"/>
-                      <a:round/>
-                      <a:headEnd type="none" w="med" len="med"/>
-                      <a:tailEnd type="none" w="med" len="med"/>
-                    </a:lnL>
+                    <a:noFill/>
                   </a:tcPr>
                 </a:tc>
                 <a:tc>
@@ -6646,9 +6206,147 @@
                     </a:p>
                   </a:txBody>
                   <a:tcPr>
-                    <a:lnR w="12700" cmpd="sng">
+                    <a:lnL w="12700" cmpd="sng">
                       <a:noFill/>
+                    </a:lnL>
+                    <a:lnT w="12700" cmpd="sng">
+                      <a:noFill/>
+                    </a:lnT>
+                    <a:lnB w="12700" cap="flat" cmpd="sng" algn="ctr">
+                      <a:solidFill>
+                        <a:schemeClr val="tx1"/>
+                      </a:solidFill>
+                      <a:prstDash val="solid"/>
+                      <a:round/>
+                      <a:headEnd type="none" w="med" len="med"/>
+                      <a:tailEnd type="none" w="med" len="med"/>
+                    </a:lnB>
+                  </a:tcPr>
+                </a:tc>
+                <a:extLst>
+                  <a:ext uri="{0D108BD9-81ED-4DB2-BD59-A6C34878D82A}">
+                    <a16:rowId xmlns:a16="http://schemas.microsoft.com/office/drawing/2014/main" val="226284523"/>
+                  </a:ext>
+                </a:extLst>
+              </a:tr>
+              <a:tr h="396000">
+                <a:tc>
+                  <a:txBody>
+                    <a:bodyPr/>
+                    <a:lstStyle/>
+                    <a:p>
+                      <a:r>
+                        <a:rPr lang="en-US" b="1" dirty="0"/>
+                        <a:t>Randomization</a:t>
+                      </a:r>
+                      <a:endParaRPr lang="en-AU" b="1" dirty="0">
+                        <a:solidFill>
+                          <a:schemeClr val="tx1"/>
+                        </a:solidFill>
+                      </a:endParaRPr>
+                    </a:p>
+                  </a:txBody>
+                  <a:tcPr>
+                    <a:lnT w="12700" cap="flat" cmpd="sng" algn="ctr">
+                      <a:solidFill>
+                        <a:schemeClr val="tx1"/>
+                      </a:solidFill>
+                      <a:prstDash val="solid"/>
+                      <a:round/>
+                      <a:headEnd type="none" w="med" len="med"/>
+                      <a:tailEnd type="none" w="med" len="med"/>
+                    </a:lnT>
+                  </a:tcPr>
+                </a:tc>
+                <a:tc>
+                  <a:txBody>
+                    <a:bodyPr/>
+                    <a:lstStyle/>
+                    <a:p>
+                      <a:r>
+                        <a:rPr lang="en-US" dirty="0"/>
+                        <a:t>Factor</a:t>
+                      </a:r>
+                      <a:endParaRPr lang="en-AU" b="0" dirty="0">
+                        <a:solidFill>
+                          <a:schemeClr val="tx1"/>
+                        </a:solidFill>
+                      </a:endParaRPr>
+                    </a:p>
+                  </a:txBody>
+                  <a:tcPr>
+                    <a:lnR w="12700" cap="flat" cmpd="sng" algn="ctr">
+                      <a:solidFill>
+                        <a:schemeClr val="tx1"/>
+                      </a:solidFill>
+                      <a:prstDash val="solid"/>
+                      <a:round/>
+                      <a:headEnd type="none" w="med" len="med"/>
+                      <a:tailEnd type="none" w="med" len="med"/>
                     </a:lnR>
+                    <a:lnT w="12700" cap="flat" cmpd="sng" algn="ctr">
+                      <a:solidFill>
+                        <a:schemeClr val="tx1"/>
+                      </a:solidFill>
+                      <a:prstDash val="solid"/>
+                      <a:round/>
+                      <a:headEnd type="none" w="med" len="med"/>
+                      <a:tailEnd type="none" w="med" len="med"/>
+                    </a:lnT>
+                  </a:tcPr>
+                </a:tc>
+                <a:tc>
+                  <a:txBody>
+                    <a:bodyPr/>
+                    <a:lstStyle/>
+                    <a:p>
+                      <a:pPr marL="0" marR="0" lvl="0" indent="0" algn="l" defTabSz="914400" rtl="0" eaLnBrk="1" fontAlgn="auto" latinLnBrk="0" hangingPunct="1">
+                        <a:lnSpc>
+                          <a:spcPct val="100000"/>
+                        </a:lnSpc>
+                        <a:spcBef>
+                          <a:spcPts val="0"/>
+                        </a:spcBef>
+                        <a:spcAft>
+                          <a:spcPts val="0"/>
+                        </a:spcAft>
+                        <a:buClrTx/>
+                        <a:buSzTx/>
+                        <a:buFontTx/>
+                        <a:buNone/>
+                        <a:tabLst/>
+                        <a:defRPr/>
+                      </a:pPr>
+                      <a:r>
+                        <a:rPr lang="en-US" dirty="0"/>
+                        <a:t>Participants perform 2 tasks with each factor</a:t>
+                      </a:r>
+                      <a:endParaRPr lang="en-AU" b="0" dirty="0">
+                        <a:solidFill>
+                          <a:schemeClr val="tx1"/>
+                        </a:solidFill>
+                      </a:endParaRPr>
+                    </a:p>
+                  </a:txBody>
+                  <a:tcPr>
+                    <a:lnL w="12700" cap="flat" cmpd="sng" algn="ctr">
+                      <a:solidFill>
+                        <a:schemeClr val="tx1"/>
+                      </a:solidFill>
+                      <a:prstDash val="solid"/>
+                      <a:round/>
+                      <a:headEnd type="none" w="med" len="med"/>
+                      <a:tailEnd type="none" w="med" len="med"/>
+                    </a:lnL>
+                    <a:lnT w="12700" cap="flat" cmpd="sng" algn="ctr">
+                      <a:solidFill>
+                        <a:schemeClr val="tx1"/>
+                      </a:solidFill>
+                      <a:prstDash val="solid"/>
+                      <a:round/>
+                      <a:headEnd type="none" w="med" len="med"/>
+                      <a:tailEnd type="none" w="med" len="med"/>
+                    </a:lnT>
                   </a:tcPr>
                 </a:tc>
                 <a:tc>
@@ -6681,27 +6379,18 @@
                     </a:p>
                   </a:txBody>
                   <a:tcPr>
-                    <a:lnL w="12700" cmpd="sng">
-                      <a:noFill/>
-                    </a:lnL>
                     <a:lnR w="12700" cmpd="sng">
                       <a:noFill/>
                     </a:lnR>
-                    <a:lnT w="12700" cmpd="sng">
-                      <a:noFill/>
+                    <a:lnT w="12700" cap="flat" cmpd="sng" algn="ctr">
+                      <a:solidFill>
+                        <a:schemeClr val="tx1"/>
+                      </a:solidFill>
+                      <a:prstDash val="solid"/>
+                      <a:round/>
+                      <a:headEnd type="none" w="med" len="med"/>
+                      <a:tailEnd type="none" w="med" len="med"/>
                     </a:lnT>
-                    <a:lnB w="12700" cmpd="sng">
-                      <a:noFill/>
-                    </a:lnB>
-                    <a:lnTlToBr w="12700" cmpd="sng">
-                      <a:noFill/>
-                      <a:prstDash val="solid"/>
-                    </a:lnTlToBr>
-                    <a:lnBlToTr w="12700" cmpd="sng">
-                      <a:noFill/>
-                      <a:prstDash val="solid"/>
-                    </a:lnBlToTr>
-                    <a:noFill/>
                   </a:tcPr>
                 </a:tc>
                 <a:tc>
@@ -6740,8 +6429,14 @@
                     <a:lnR w="12700" cmpd="sng">
                       <a:noFill/>
                     </a:lnR>
-                    <a:lnT w="12700" cmpd="sng">
-                      <a:noFill/>
+                    <a:lnT w="12700" cap="flat" cmpd="sng" algn="ctr">
+                      <a:solidFill>
+                        <a:schemeClr val="tx1"/>
+                      </a:solidFill>
+                      <a:prstDash val="solid"/>
+                      <a:round/>
+                      <a:headEnd type="none" w="med" len="med"/>
+                      <a:tailEnd type="none" w="med" len="med"/>
                     </a:lnT>
                     <a:lnB w="12700" cmpd="sng">
                       <a:noFill/>
@@ -6754,11 +6449,41 @@
                       <a:noFill/>
                       <a:prstDash val="solid"/>
                     </a:lnBlToTr>
+                    <a:noFill/>
+                  </a:tcPr>
+                </a:tc>
+                <a:tc>
+                  <a:txBody>
+                    <a:bodyPr/>
+                    <a:lstStyle/>
+                    <a:p>
+                      <a:r>
+                        <a:rPr lang="en-AU" b="1" dirty="0"/>
+                        <a:t>Other block thoughts:</a:t>
+                      </a:r>
+                    </a:p>
+                  </a:txBody>
+                  <a:tcPr>
+                    <a:lnL w="12700" cmpd="sng">
+                      <a:noFill/>
+                    </a:lnL>
+                    <a:lnT w="12700" cap="flat" cmpd="sng" algn="ctr">
+                      <a:solidFill>
+                        <a:schemeClr val="tx1"/>
+                      </a:solidFill>
+                      <a:prstDash val="solid"/>
+                      <a:round/>
+                      <a:headEnd type="none" w="med" len="med"/>
+                      <a:tailEnd type="none" w="med" len="med"/>
+                    </a:lnT>
+                    <a:lnB w="12700" cmpd="sng">
+                      <a:noFill/>
+                    </a:lnB>
                   </a:tcPr>
                 </a:tc>
                 <a:extLst>
                   <a:ext uri="{0D108BD9-81ED-4DB2-BD59-A6C34878D82A}">
-                    <a16:rowId xmlns:a16="http://schemas.microsoft.com/office/drawing/2014/main" val="3699670257"/>
+                    <a16:rowId xmlns:a16="http://schemas.microsoft.com/office/drawing/2014/main" val="2939277536"/>
                   </a:ext>
                 </a:extLst>
               </a:tr>
@@ -6784,7 +6509,7 @@
                     <a:p>
                       <a:r>
                         <a:rPr lang="en-US" dirty="0"/>
-                        <a:t>Variation size</a:t>
+                        <a:t>Block</a:t>
                       </a:r>
                       <a:endParaRPr lang="en-AU" b="0" dirty="0">
                         <a:solidFill>
@@ -6829,7 +6554,7 @@
                       </a:pPr>
                       <a:r>
                         <a:rPr lang="en-US" dirty="0"/>
-                        <a:t>1</a:t>
+                        <a:t>Participants perform 6 different blocks of the 36 combinations</a:t>
                       </a:r>
                       <a:endParaRPr lang="en-AU" b="0" dirty="0">
                         <a:solidFill>
@@ -6960,39 +6685,31 @@
                         <a:tabLst/>
                         <a:defRPr/>
                       </a:pPr>
-                      <a:endParaRPr lang="en-AU" b="0" dirty="0">
-                        <a:solidFill>
-                          <a:schemeClr val="tx1"/>
-                        </a:solidFill>
-                      </a:endParaRPr>
+                      <a:r>
+                        <a:rPr lang="en-AU" b="0" dirty="0">
+                          <a:solidFill>
+                            <a:schemeClr val="tx1"/>
+                          </a:solidFill>
+                        </a:rPr>
+                        <a:t>Fix 2 of each VC?</a:t>
+                      </a:r>
                     </a:p>
                   </a:txBody>
                   <a:tcPr>
                     <a:lnL w="12700" cmpd="sng">
                       <a:noFill/>
                     </a:lnL>
-                    <a:lnR w="12700" cmpd="sng">
-                      <a:noFill/>
-                    </a:lnR>
                     <a:lnT w="12700" cmpd="sng">
                       <a:noFill/>
                     </a:lnT>
                     <a:lnB w="12700" cmpd="sng">
                       <a:noFill/>
                     </a:lnB>
-                    <a:lnTlToBr w="12700" cmpd="sng">
-                      <a:noFill/>
-                      <a:prstDash val="solid"/>
-                    </a:lnTlToBr>
-                    <a:lnBlToTr w="12700" cmpd="sng">
-                      <a:noFill/>
-                      <a:prstDash val="solid"/>
-                    </a:lnBlToTr>
                   </a:tcPr>
                 </a:tc>
                 <a:extLst>
                   <a:ext uri="{0D108BD9-81ED-4DB2-BD59-A6C34878D82A}">
-                    <a16:rowId xmlns:a16="http://schemas.microsoft.com/office/drawing/2014/main" val="3553002749"/>
+                    <a16:rowId xmlns:a16="http://schemas.microsoft.com/office/drawing/2014/main" val="3240862320"/>
                   </a:ext>
                 </a:extLst>
               </a:tr>
@@ -7018,7 +6735,7 @@
                     <a:p>
                       <a:r>
                         <a:rPr lang="en-US" dirty="0"/>
-                        <a:t>Preprocessing </a:t>
+                        <a:t>Location</a:t>
                       </a:r>
                       <a:endParaRPr lang="en-AU" b="0" dirty="0">
                         <a:solidFill>
@@ -7062,8 +6779,8 @@
                         <a:defRPr/>
                       </a:pPr>
                       <a:r>
-                        <a:rPr lang="en-US" dirty="0"/>
-                        <a:t>All variables normalized by standard deviation</a:t>
+                        <a:rPr lang="en-AU" dirty="0"/>
+                        <a:t>Variables are shuffled in simulation (reorder index stored)</a:t>
                       </a:r>
                       <a:endParaRPr lang="en-AU" b="0" dirty="0">
                         <a:solidFill>
@@ -7194,11 +6911,14 @@
                         <a:tabLst/>
                         <a:defRPr/>
                       </a:pPr>
-                      <a:endParaRPr lang="en-AU" b="0" dirty="0">
-                        <a:solidFill>
-                          <a:schemeClr val="tx1"/>
-                        </a:solidFill>
-                      </a:endParaRPr>
+                      <a:r>
+                        <a:rPr lang="en-AU" b="0" dirty="0">
+                          <a:solidFill>
+                            <a:schemeClr val="tx1"/>
+                          </a:solidFill>
+                        </a:rPr>
+                        <a:t>Fix one of each to each cl &amp; var </a:t>
+                      </a:r>
                     </a:p>
                   </a:txBody>
                   <a:tcPr>
@@ -7208,11 +6928,14 @@
                     <a:lnT w="12700" cmpd="sng">
                       <a:noFill/>
                     </a:lnT>
+                    <a:lnB w="12700" cmpd="sng">
+                      <a:noFill/>
+                    </a:lnB>
                   </a:tcPr>
                 </a:tc>
                 <a:extLst>
                   <a:ext uri="{0D108BD9-81ED-4DB2-BD59-A6C34878D82A}">
-                    <a16:rowId xmlns:a16="http://schemas.microsoft.com/office/drawing/2014/main" val="488286715"/>
+                    <a16:rowId xmlns:a16="http://schemas.microsoft.com/office/drawing/2014/main" val="3456151653"/>
                   </a:ext>
                 </a:extLst>
               </a:tr>
@@ -10453,9 +10176,9 @@
               <p:nvPr/>
             </p:nvCxnSpPr>
             <p:spPr>
-              <a:xfrm>
-                <a:off x="7578090" y="674824"/>
-                <a:ext cx="3981626" cy="0"/>
+              <a:xfrm flipV="1">
+                <a:off x="7476412" y="674824"/>
+                <a:ext cx="4083304" cy="18700"/>
               </a:xfrm>
               <a:prstGeom prst="line">
                 <a:avLst/>
@@ -12098,6 +11821,2618 @@
           </a:p>
         </p:txBody>
       </p:sp>
+      <p:grpSp>
+        <p:nvGrpSpPr>
+          <p:cNvPr id="69" name="Group 68">
+            <a:extLst>
+              <a:ext uri="{FF2B5EF4-FFF2-40B4-BE49-F238E27FC236}">
+                <a16:creationId xmlns:a16="http://schemas.microsoft.com/office/drawing/2014/main" id="{3890384F-62E2-437A-A93E-9EDF25C073B6}"/>
+              </a:ext>
+            </a:extLst>
+          </p:cNvPr>
+          <p:cNvGrpSpPr/>
+          <p:nvPr/>
+        </p:nvGrpSpPr>
+        <p:grpSpPr>
+          <a:xfrm>
+            <a:off x="1526122" y="6980740"/>
+            <a:ext cx="4624932" cy="1735334"/>
+            <a:chOff x="7675880" y="266594"/>
+            <a:chExt cx="4624932" cy="1735334"/>
+          </a:xfrm>
+        </p:grpSpPr>
+        <p:sp>
+          <p:nvSpPr>
+            <p:cNvPr id="70" name="Rectangle: Rounded Corners 69">
+              <a:extLst>
+                <a:ext uri="{FF2B5EF4-FFF2-40B4-BE49-F238E27FC236}">
+                  <a16:creationId xmlns:a16="http://schemas.microsoft.com/office/drawing/2014/main" id="{260EC811-85AB-4137-BBDE-0636C0188104}"/>
+                </a:ext>
+              </a:extLst>
+            </p:cNvPr>
+            <p:cNvSpPr/>
+            <p:nvPr/>
+          </p:nvSpPr>
+          <p:spPr>
+            <a:xfrm>
+              <a:off x="9599258" y="761169"/>
+              <a:ext cx="360000" cy="360000"/>
+            </a:xfrm>
+            <a:prstGeom prst="roundRect">
+              <a:avLst/>
+            </a:prstGeom>
+            <a:solidFill>
+              <a:srgbClr val="7030A0"/>
+            </a:solidFill>
+            <a:ln>
+              <a:solidFill>
+                <a:schemeClr val="tx1"/>
+              </a:solidFill>
+            </a:ln>
+          </p:spPr>
+          <p:style>
+            <a:lnRef idx="2">
+              <a:schemeClr val="accent2">
+                <a:shade val="50000"/>
+              </a:schemeClr>
+            </a:lnRef>
+            <a:fillRef idx="1">
+              <a:schemeClr val="accent2"/>
+            </a:fillRef>
+            <a:effectRef idx="0">
+              <a:schemeClr val="accent2"/>
+            </a:effectRef>
+            <a:fontRef idx="minor">
+              <a:schemeClr val="lt1"/>
+            </a:fontRef>
+          </p:style>
+          <p:txBody>
+            <a:bodyPr rtlCol="0" anchor="ctr"/>
+            <a:lstStyle/>
+            <a:p>
+              <a:pPr algn="ctr"/>
+              <a:r>
+                <a:rPr lang="en-AU" dirty="0"/>
+                <a:t>P</a:t>
+              </a:r>
+            </a:p>
+          </p:txBody>
+        </p:sp>
+        <p:sp>
+          <p:nvSpPr>
+            <p:cNvPr id="72" name="Rectangle: Rounded Corners 71">
+              <a:extLst>
+                <a:ext uri="{FF2B5EF4-FFF2-40B4-BE49-F238E27FC236}">
+                  <a16:creationId xmlns:a16="http://schemas.microsoft.com/office/drawing/2014/main" id="{2ACAA2BD-4A23-4C8E-A835-41CBCBA5393D}"/>
+                </a:ext>
+              </a:extLst>
+            </p:cNvPr>
+            <p:cNvSpPr/>
+            <p:nvPr/>
+          </p:nvSpPr>
+          <p:spPr>
+            <a:xfrm>
+              <a:off x="9595715" y="1476089"/>
+              <a:ext cx="360000" cy="360000"/>
+            </a:xfrm>
+            <a:prstGeom prst="roundRect">
+              <a:avLst/>
+            </a:prstGeom>
+            <a:solidFill>
+              <a:schemeClr val="accent6">
+                <a:lumMod val="75000"/>
+              </a:schemeClr>
+            </a:solidFill>
+            <a:ln>
+              <a:solidFill>
+                <a:schemeClr val="tx1"/>
+              </a:solidFill>
+            </a:ln>
+          </p:spPr>
+          <p:style>
+            <a:lnRef idx="2">
+              <a:schemeClr val="accent1">
+                <a:shade val="50000"/>
+              </a:schemeClr>
+            </a:lnRef>
+            <a:fillRef idx="1">
+              <a:schemeClr val="accent1"/>
+            </a:fillRef>
+            <a:effectRef idx="0">
+              <a:schemeClr val="accent1"/>
+            </a:effectRef>
+            <a:fontRef idx="minor">
+              <a:schemeClr val="lt1"/>
+            </a:fontRef>
+          </p:style>
+          <p:txBody>
+            <a:bodyPr rtlCol="0" anchor="ctr"/>
+            <a:lstStyle/>
+            <a:p>
+              <a:pPr algn="ctr"/>
+              <a:r>
+                <a:rPr lang="en-AU" dirty="0"/>
+                <a:t>G</a:t>
+              </a:r>
+            </a:p>
+          </p:txBody>
+        </p:sp>
+        <p:sp>
+          <p:nvSpPr>
+            <p:cNvPr id="74" name="Rectangle: Rounded Corners 73">
+              <a:extLst>
+                <a:ext uri="{FF2B5EF4-FFF2-40B4-BE49-F238E27FC236}">
+                  <a16:creationId xmlns:a16="http://schemas.microsoft.com/office/drawing/2014/main" id="{22EDA9D4-472B-434A-A7D6-0D20F8058E42}"/>
+                </a:ext>
+              </a:extLst>
+            </p:cNvPr>
+            <p:cNvSpPr/>
+            <p:nvPr/>
+          </p:nvSpPr>
+          <p:spPr>
+            <a:xfrm>
+              <a:off x="9597875" y="1116089"/>
+              <a:ext cx="360000" cy="360000"/>
+            </a:xfrm>
+            <a:prstGeom prst="roundRect">
+              <a:avLst/>
+            </a:prstGeom>
+            <a:solidFill>
+              <a:srgbClr val="C00000"/>
+            </a:solidFill>
+            <a:ln>
+              <a:solidFill>
+                <a:schemeClr val="tx1"/>
+              </a:solidFill>
+            </a:ln>
+          </p:spPr>
+          <p:style>
+            <a:lnRef idx="2">
+              <a:schemeClr val="accent1">
+                <a:shade val="50000"/>
+              </a:schemeClr>
+            </a:lnRef>
+            <a:fillRef idx="1">
+              <a:schemeClr val="accent1"/>
+            </a:fillRef>
+            <a:effectRef idx="0">
+              <a:schemeClr val="accent1"/>
+            </a:effectRef>
+            <a:fontRef idx="minor">
+              <a:schemeClr val="lt1"/>
+            </a:fontRef>
+          </p:style>
+          <p:txBody>
+            <a:bodyPr rtlCol="0" anchor="ctr"/>
+            <a:lstStyle/>
+            <a:p>
+              <a:pPr algn="ctr"/>
+              <a:r>
+                <a:rPr lang="en-AU" dirty="0"/>
+                <a:t>R</a:t>
+              </a:r>
+            </a:p>
+          </p:txBody>
+        </p:sp>
+        <p:sp>
+          <p:nvSpPr>
+            <p:cNvPr id="76" name="TextBox 75">
+              <a:extLst>
+                <a:ext uri="{FF2B5EF4-FFF2-40B4-BE49-F238E27FC236}">
+                  <a16:creationId xmlns:a16="http://schemas.microsoft.com/office/drawing/2014/main" id="{0D303BDD-EDD9-418C-8FD6-84E8B22E048B}"/>
+                </a:ext>
+              </a:extLst>
+            </p:cNvPr>
+            <p:cNvSpPr txBox="1"/>
+            <p:nvPr/>
+          </p:nvSpPr>
+          <p:spPr>
+            <a:xfrm>
+              <a:off x="7675880" y="733229"/>
+              <a:ext cx="1400935" cy="1107996"/>
+            </a:xfrm>
+            <a:prstGeom prst="rect">
+              <a:avLst/>
+            </a:prstGeom>
+            <a:noFill/>
+          </p:spPr>
+          <p:txBody>
+            <a:bodyPr wrap="square" rtlCol="0">
+              <a:spAutoFit/>
+            </a:bodyPr>
+            <a:lstStyle/>
+            <a:p>
+              <a:pPr algn="r"/>
+              <a:r>
+                <a:rPr lang="en-AU" sz="2200" dirty="0"/>
+                <a:t>1</a:t>
+              </a:r>
+              <a:r>
+                <a:rPr lang="en-AU" sz="2200" baseline="30000" dirty="0"/>
+                <a:t>st</a:t>
+              </a:r>
+              <a:r>
+                <a:rPr lang="en-AU" sz="2200" dirty="0"/>
+                <a:t> factor</a:t>
+              </a:r>
+            </a:p>
+            <a:p>
+              <a:pPr algn="r"/>
+              <a:r>
+                <a:rPr lang="en-AU" sz="2200" dirty="0"/>
+                <a:t>2</a:t>
+              </a:r>
+              <a:r>
+                <a:rPr lang="en-AU" sz="2200" baseline="30000" dirty="0"/>
+                <a:t>nd</a:t>
+              </a:r>
+              <a:r>
+                <a:rPr lang="en-AU" sz="2200" dirty="0"/>
+                <a:t> factor</a:t>
+              </a:r>
+            </a:p>
+            <a:p>
+              <a:pPr algn="r"/>
+              <a:r>
+                <a:rPr lang="en-AU" sz="2200" dirty="0"/>
+                <a:t>3</a:t>
+              </a:r>
+              <a:r>
+                <a:rPr lang="en-AU" sz="2200" baseline="30000" dirty="0"/>
+                <a:t>rd</a:t>
+              </a:r>
+              <a:r>
+                <a:rPr lang="en-AU" sz="2200" dirty="0"/>
+                <a:t> factor</a:t>
+              </a:r>
+            </a:p>
+          </p:txBody>
+        </p:sp>
+        <p:sp>
+          <p:nvSpPr>
+            <p:cNvPr id="80" name="TextBox 79">
+              <a:extLst>
+                <a:ext uri="{FF2B5EF4-FFF2-40B4-BE49-F238E27FC236}">
+                  <a16:creationId xmlns:a16="http://schemas.microsoft.com/office/drawing/2014/main" id="{5C345D2A-8F5E-414E-B59C-D8BBF94738F1}"/>
+                </a:ext>
+              </a:extLst>
+            </p:cNvPr>
+            <p:cNvSpPr txBox="1"/>
+            <p:nvPr/>
+          </p:nvSpPr>
+          <p:spPr>
+            <a:xfrm>
+              <a:off x="7901661" y="266594"/>
+              <a:ext cx="4399151" cy="430887"/>
+            </a:xfrm>
+            <a:prstGeom prst="rect">
+              <a:avLst/>
+            </a:prstGeom>
+            <a:noFill/>
+          </p:spPr>
+          <p:txBody>
+            <a:bodyPr wrap="square" rtlCol="0">
+              <a:spAutoFit/>
+            </a:bodyPr>
+            <a:lstStyle/>
+            <a:p>
+              <a:r>
+                <a:rPr lang="en-AU" sz="2200" dirty="0"/>
+                <a:t>VC order     1,   2,   3,   4,   5,   6</a:t>
+              </a:r>
+            </a:p>
+          </p:txBody>
+        </p:sp>
+        <p:cxnSp>
+          <p:nvCxnSpPr>
+            <p:cNvPr id="82" name="Straight Connector 81">
+              <a:extLst>
+                <a:ext uri="{FF2B5EF4-FFF2-40B4-BE49-F238E27FC236}">
+                  <a16:creationId xmlns:a16="http://schemas.microsoft.com/office/drawing/2014/main" id="{13A95C91-AB38-46AB-BD46-6DD2F90BCC65}"/>
+                </a:ext>
+              </a:extLst>
+            </p:cNvPr>
+            <p:cNvCxnSpPr>
+              <a:cxnSpLocks/>
+            </p:cNvCxnSpPr>
+            <p:nvPr/>
+          </p:nvCxnSpPr>
+          <p:spPr>
+            <a:xfrm>
+              <a:off x="7901661" y="674824"/>
+              <a:ext cx="3658055" cy="0"/>
+            </a:xfrm>
+            <a:prstGeom prst="line">
+              <a:avLst/>
+            </a:prstGeom>
+            <a:ln w="28575">
+              <a:solidFill>
+                <a:schemeClr val="tx1"/>
+              </a:solidFill>
+            </a:ln>
+          </p:spPr>
+          <p:style>
+            <a:lnRef idx="1">
+              <a:schemeClr val="accent1"/>
+            </a:lnRef>
+            <a:fillRef idx="0">
+              <a:schemeClr val="accent1"/>
+            </a:fillRef>
+            <a:effectRef idx="0">
+              <a:schemeClr val="accent1"/>
+            </a:effectRef>
+            <a:fontRef idx="minor">
+              <a:schemeClr val="tx1"/>
+            </a:fontRef>
+          </p:style>
+        </p:cxnSp>
+        <p:cxnSp>
+          <p:nvCxnSpPr>
+            <p:cNvPr id="92" name="Straight Connector 91">
+              <a:extLst>
+                <a:ext uri="{FF2B5EF4-FFF2-40B4-BE49-F238E27FC236}">
+                  <a16:creationId xmlns:a16="http://schemas.microsoft.com/office/drawing/2014/main" id="{C3BE3117-2E59-4345-8BA3-8C4D57EF04D5}"/>
+                </a:ext>
+              </a:extLst>
+            </p:cNvPr>
+            <p:cNvCxnSpPr>
+              <a:cxnSpLocks/>
+            </p:cNvCxnSpPr>
+            <p:nvPr/>
+          </p:nvCxnSpPr>
+          <p:spPr>
+            <a:xfrm flipV="1">
+              <a:off x="9095740" y="400050"/>
+              <a:ext cx="0" cy="1466576"/>
+            </a:xfrm>
+            <a:prstGeom prst="line">
+              <a:avLst/>
+            </a:prstGeom>
+            <a:ln w="28575">
+              <a:solidFill>
+                <a:schemeClr val="tx1"/>
+              </a:solidFill>
+            </a:ln>
+          </p:spPr>
+          <p:style>
+            <a:lnRef idx="1">
+              <a:schemeClr val="accent1"/>
+            </a:lnRef>
+            <a:fillRef idx="0">
+              <a:schemeClr val="accent1"/>
+            </a:fillRef>
+            <a:effectRef idx="0">
+              <a:schemeClr val="accent1"/>
+            </a:effectRef>
+            <a:fontRef idx="minor">
+              <a:schemeClr val="tx1"/>
+            </a:fontRef>
+          </p:style>
+        </p:cxnSp>
+        <p:sp>
+          <p:nvSpPr>
+            <p:cNvPr id="93" name="Rectangle: Rounded Corners 92">
+              <a:extLst>
+                <a:ext uri="{FF2B5EF4-FFF2-40B4-BE49-F238E27FC236}">
+                  <a16:creationId xmlns:a16="http://schemas.microsoft.com/office/drawing/2014/main" id="{76D178BB-DE9E-45BC-BA4B-E54A892C8DBF}"/>
+                </a:ext>
+              </a:extLst>
+            </p:cNvPr>
+            <p:cNvSpPr/>
+            <p:nvPr/>
+          </p:nvSpPr>
+          <p:spPr>
+            <a:xfrm>
+              <a:off x="9198029" y="757918"/>
+              <a:ext cx="360000" cy="360000"/>
+            </a:xfrm>
+            <a:prstGeom prst="roundRect">
+              <a:avLst/>
+            </a:prstGeom>
+            <a:solidFill>
+              <a:srgbClr val="7030A0"/>
+            </a:solidFill>
+            <a:ln>
+              <a:solidFill>
+                <a:schemeClr val="tx1"/>
+              </a:solidFill>
+            </a:ln>
+          </p:spPr>
+          <p:style>
+            <a:lnRef idx="2">
+              <a:schemeClr val="accent2">
+                <a:shade val="50000"/>
+              </a:schemeClr>
+            </a:lnRef>
+            <a:fillRef idx="1">
+              <a:schemeClr val="accent2"/>
+            </a:fillRef>
+            <a:effectRef idx="0">
+              <a:schemeClr val="accent2"/>
+            </a:effectRef>
+            <a:fontRef idx="minor">
+              <a:schemeClr val="lt1"/>
+            </a:fontRef>
+          </p:style>
+          <p:txBody>
+            <a:bodyPr rtlCol="0" anchor="ctr"/>
+            <a:lstStyle/>
+            <a:p>
+              <a:pPr algn="ctr"/>
+              <a:r>
+                <a:rPr lang="en-AU" dirty="0"/>
+                <a:t>P</a:t>
+              </a:r>
+            </a:p>
+          </p:txBody>
+        </p:sp>
+        <p:sp>
+          <p:nvSpPr>
+            <p:cNvPr id="94" name="Rectangle: Rounded Corners 93">
+              <a:extLst>
+                <a:ext uri="{FF2B5EF4-FFF2-40B4-BE49-F238E27FC236}">
+                  <a16:creationId xmlns:a16="http://schemas.microsoft.com/office/drawing/2014/main" id="{E694C0DB-70AF-406E-89EE-04D87EFD4B70}"/>
+                </a:ext>
+              </a:extLst>
+            </p:cNvPr>
+            <p:cNvSpPr/>
+            <p:nvPr/>
+          </p:nvSpPr>
+          <p:spPr>
+            <a:xfrm>
+              <a:off x="9198029" y="1122263"/>
+              <a:ext cx="360000" cy="360000"/>
+            </a:xfrm>
+            <a:prstGeom prst="roundRect">
+              <a:avLst/>
+            </a:prstGeom>
+            <a:solidFill>
+              <a:schemeClr val="accent6">
+                <a:lumMod val="75000"/>
+              </a:schemeClr>
+            </a:solidFill>
+            <a:ln>
+              <a:solidFill>
+                <a:schemeClr val="tx1"/>
+              </a:solidFill>
+            </a:ln>
+          </p:spPr>
+          <p:style>
+            <a:lnRef idx="2">
+              <a:schemeClr val="accent1">
+                <a:shade val="50000"/>
+              </a:schemeClr>
+            </a:lnRef>
+            <a:fillRef idx="1">
+              <a:schemeClr val="accent1"/>
+            </a:fillRef>
+            <a:effectRef idx="0">
+              <a:schemeClr val="accent1"/>
+            </a:effectRef>
+            <a:fontRef idx="minor">
+              <a:schemeClr val="lt1"/>
+            </a:fontRef>
+          </p:style>
+          <p:txBody>
+            <a:bodyPr rtlCol="0" anchor="ctr"/>
+            <a:lstStyle/>
+            <a:p>
+              <a:pPr algn="ctr"/>
+              <a:r>
+                <a:rPr lang="en-AU" dirty="0"/>
+                <a:t>G</a:t>
+              </a:r>
+            </a:p>
+          </p:txBody>
+        </p:sp>
+        <p:sp>
+          <p:nvSpPr>
+            <p:cNvPr id="95" name="Rectangle: Rounded Corners 94">
+              <a:extLst>
+                <a:ext uri="{FF2B5EF4-FFF2-40B4-BE49-F238E27FC236}">
+                  <a16:creationId xmlns:a16="http://schemas.microsoft.com/office/drawing/2014/main" id="{0E28F308-7123-44A0-B852-405E7F8F6ED2}"/>
+                </a:ext>
+              </a:extLst>
+            </p:cNvPr>
+            <p:cNvSpPr/>
+            <p:nvPr/>
+          </p:nvSpPr>
+          <p:spPr>
+            <a:xfrm>
+              <a:off x="9198029" y="1485594"/>
+              <a:ext cx="360000" cy="360000"/>
+            </a:xfrm>
+            <a:prstGeom prst="roundRect">
+              <a:avLst/>
+            </a:prstGeom>
+            <a:solidFill>
+              <a:srgbClr val="C00000"/>
+            </a:solidFill>
+            <a:ln>
+              <a:solidFill>
+                <a:schemeClr val="tx1"/>
+              </a:solidFill>
+            </a:ln>
+          </p:spPr>
+          <p:style>
+            <a:lnRef idx="2">
+              <a:schemeClr val="accent1">
+                <a:shade val="50000"/>
+              </a:schemeClr>
+            </a:lnRef>
+            <a:fillRef idx="1">
+              <a:schemeClr val="accent1"/>
+            </a:fillRef>
+            <a:effectRef idx="0">
+              <a:schemeClr val="accent1"/>
+            </a:effectRef>
+            <a:fontRef idx="minor">
+              <a:schemeClr val="lt1"/>
+            </a:fontRef>
+          </p:style>
+          <p:txBody>
+            <a:bodyPr rtlCol="0" anchor="ctr"/>
+            <a:lstStyle/>
+            <a:p>
+              <a:pPr algn="ctr"/>
+              <a:r>
+                <a:rPr lang="en-AU" dirty="0"/>
+                <a:t>R</a:t>
+              </a:r>
+            </a:p>
+          </p:txBody>
+        </p:sp>
+        <p:sp>
+          <p:nvSpPr>
+            <p:cNvPr id="96" name="Rectangle: Rounded Corners 95">
+              <a:extLst>
+                <a:ext uri="{FF2B5EF4-FFF2-40B4-BE49-F238E27FC236}">
+                  <a16:creationId xmlns:a16="http://schemas.microsoft.com/office/drawing/2014/main" id="{8D2920F5-1191-4202-967A-817CF98A3D4E}"/>
+                </a:ext>
+              </a:extLst>
+            </p:cNvPr>
+            <p:cNvSpPr/>
+            <p:nvPr/>
+          </p:nvSpPr>
+          <p:spPr>
+            <a:xfrm>
+              <a:off x="9989502" y="1481225"/>
+              <a:ext cx="360000" cy="360000"/>
+            </a:xfrm>
+            <a:prstGeom prst="roundRect">
+              <a:avLst/>
+            </a:prstGeom>
+            <a:solidFill>
+              <a:srgbClr val="7030A0"/>
+            </a:solidFill>
+            <a:ln>
+              <a:solidFill>
+                <a:schemeClr val="tx1"/>
+              </a:solidFill>
+            </a:ln>
+          </p:spPr>
+          <p:style>
+            <a:lnRef idx="2">
+              <a:schemeClr val="accent2">
+                <a:shade val="50000"/>
+              </a:schemeClr>
+            </a:lnRef>
+            <a:fillRef idx="1">
+              <a:schemeClr val="accent2"/>
+            </a:fillRef>
+            <a:effectRef idx="0">
+              <a:schemeClr val="accent2"/>
+            </a:effectRef>
+            <a:fontRef idx="minor">
+              <a:schemeClr val="lt1"/>
+            </a:fontRef>
+          </p:style>
+          <p:txBody>
+            <a:bodyPr rtlCol="0" anchor="ctr"/>
+            <a:lstStyle/>
+            <a:p>
+              <a:pPr algn="ctr"/>
+              <a:r>
+                <a:rPr lang="en-AU" dirty="0"/>
+                <a:t>P</a:t>
+              </a:r>
+            </a:p>
+          </p:txBody>
+        </p:sp>
+        <p:sp>
+          <p:nvSpPr>
+            <p:cNvPr id="97" name="Rectangle: Rounded Corners 96">
+              <a:extLst>
+                <a:ext uri="{FF2B5EF4-FFF2-40B4-BE49-F238E27FC236}">
+                  <a16:creationId xmlns:a16="http://schemas.microsoft.com/office/drawing/2014/main" id="{14493439-3777-4562-9F07-94F31630212C}"/>
+                </a:ext>
+              </a:extLst>
+            </p:cNvPr>
+            <p:cNvSpPr/>
+            <p:nvPr/>
+          </p:nvSpPr>
+          <p:spPr>
+            <a:xfrm>
+              <a:off x="9989502" y="1120464"/>
+              <a:ext cx="360000" cy="360000"/>
+            </a:xfrm>
+            <a:prstGeom prst="roundRect">
+              <a:avLst/>
+            </a:prstGeom>
+            <a:solidFill>
+              <a:schemeClr val="accent6">
+                <a:lumMod val="75000"/>
+              </a:schemeClr>
+            </a:solidFill>
+            <a:ln>
+              <a:solidFill>
+                <a:schemeClr val="tx1"/>
+              </a:solidFill>
+            </a:ln>
+          </p:spPr>
+          <p:style>
+            <a:lnRef idx="2">
+              <a:schemeClr val="accent1">
+                <a:shade val="50000"/>
+              </a:schemeClr>
+            </a:lnRef>
+            <a:fillRef idx="1">
+              <a:schemeClr val="accent1"/>
+            </a:fillRef>
+            <a:effectRef idx="0">
+              <a:schemeClr val="accent1"/>
+            </a:effectRef>
+            <a:fontRef idx="minor">
+              <a:schemeClr val="lt1"/>
+            </a:fontRef>
+          </p:style>
+          <p:txBody>
+            <a:bodyPr rtlCol="0" anchor="ctr"/>
+            <a:lstStyle/>
+            <a:p>
+              <a:pPr algn="ctr"/>
+              <a:r>
+                <a:rPr lang="en-AU" dirty="0"/>
+                <a:t>G</a:t>
+              </a:r>
+            </a:p>
+          </p:txBody>
+        </p:sp>
+        <p:sp>
+          <p:nvSpPr>
+            <p:cNvPr id="98" name="Rectangle: Rounded Corners 97">
+              <a:extLst>
+                <a:ext uri="{FF2B5EF4-FFF2-40B4-BE49-F238E27FC236}">
+                  <a16:creationId xmlns:a16="http://schemas.microsoft.com/office/drawing/2014/main" id="{C2D6D27F-0E21-4921-A810-CC223BE0A4EA}"/>
+                </a:ext>
+              </a:extLst>
+            </p:cNvPr>
+            <p:cNvSpPr/>
+            <p:nvPr/>
+          </p:nvSpPr>
+          <p:spPr>
+            <a:xfrm>
+              <a:off x="9989502" y="761472"/>
+              <a:ext cx="360000" cy="360000"/>
+            </a:xfrm>
+            <a:prstGeom prst="roundRect">
+              <a:avLst/>
+            </a:prstGeom>
+            <a:solidFill>
+              <a:srgbClr val="C00000"/>
+            </a:solidFill>
+            <a:ln>
+              <a:solidFill>
+                <a:schemeClr val="tx1"/>
+              </a:solidFill>
+            </a:ln>
+          </p:spPr>
+          <p:style>
+            <a:lnRef idx="2">
+              <a:schemeClr val="accent1">
+                <a:shade val="50000"/>
+              </a:schemeClr>
+            </a:lnRef>
+            <a:fillRef idx="1">
+              <a:schemeClr val="accent1"/>
+            </a:fillRef>
+            <a:effectRef idx="0">
+              <a:schemeClr val="accent1"/>
+            </a:effectRef>
+            <a:fontRef idx="minor">
+              <a:schemeClr val="lt1"/>
+            </a:fontRef>
+          </p:style>
+          <p:txBody>
+            <a:bodyPr rtlCol="0" anchor="ctr"/>
+            <a:lstStyle/>
+            <a:p>
+              <a:pPr algn="ctr"/>
+              <a:r>
+                <a:rPr lang="en-AU" dirty="0"/>
+                <a:t>R</a:t>
+              </a:r>
+            </a:p>
+          </p:txBody>
+        </p:sp>
+        <p:sp>
+          <p:nvSpPr>
+            <p:cNvPr id="99" name="Rectangle: Rounded Corners 98">
+              <a:extLst>
+                <a:ext uri="{FF2B5EF4-FFF2-40B4-BE49-F238E27FC236}">
+                  <a16:creationId xmlns:a16="http://schemas.microsoft.com/office/drawing/2014/main" id="{4DA74F09-6282-47C7-8984-BBA41F54D00A}"/>
+                </a:ext>
+              </a:extLst>
+            </p:cNvPr>
+            <p:cNvSpPr/>
+            <p:nvPr/>
+          </p:nvSpPr>
+          <p:spPr>
+            <a:xfrm>
+              <a:off x="10391282" y="1118908"/>
+              <a:ext cx="360000" cy="360000"/>
+            </a:xfrm>
+            <a:prstGeom prst="roundRect">
+              <a:avLst/>
+            </a:prstGeom>
+            <a:solidFill>
+              <a:srgbClr val="7030A0"/>
+            </a:solidFill>
+            <a:ln>
+              <a:solidFill>
+                <a:schemeClr val="tx1"/>
+              </a:solidFill>
+            </a:ln>
+          </p:spPr>
+          <p:style>
+            <a:lnRef idx="2">
+              <a:schemeClr val="accent2">
+                <a:shade val="50000"/>
+              </a:schemeClr>
+            </a:lnRef>
+            <a:fillRef idx="1">
+              <a:schemeClr val="accent2"/>
+            </a:fillRef>
+            <a:effectRef idx="0">
+              <a:schemeClr val="accent2"/>
+            </a:effectRef>
+            <a:fontRef idx="minor">
+              <a:schemeClr val="lt1"/>
+            </a:fontRef>
+          </p:style>
+          <p:txBody>
+            <a:bodyPr rtlCol="0" anchor="ctr"/>
+            <a:lstStyle/>
+            <a:p>
+              <a:pPr algn="ctr"/>
+              <a:r>
+                <a:rPr lang="en-AU" dirty="0"/>
+                <a:t>P</a:t>
+              </a:r>
+            </a:p>
+          </p:txBody>
+        </p:sp>
+        <p:sp>
+          <p:nvSpPr>
+            <p:cNvPr id="100" name="Rectangle: Rounded Corners 99">
+              <a:extLst>
+                <a:ext uri="{FF2B5EF4-FFF2-40B4-BE49-F238E27FC236}">
+                  <a16:creationId xmlns:a16="http://schemas.microsoft.com/office/drawing/2014/main" id="{9766AB6C-6D04-45B5-AFCD-9004399D74F9}"/>
+                </a:ext>
+              </a:extLst>
+            </p:cNvPr>
+            <p:cNvSpPr/>
+            <p:nvPr/>
+          </p:nvSpPr>
+          <p:spPr>
+            <a:xfrm>
+              <a:off x="10391282" y="1477894"/>
+              <a:ext cx="360000" cy="360000"/>
+            </a:xfrm>
+            <a:prstGeom prst="roundRect">
+              <a:avLst/>
+            </a:prstGeom>
+            <a:solidFill>
+              <a:schemeClr val="accent6">
+                <a:lumMod val="75000"/>
+              </a:schemeClr>
+            </a:solidFill>
+            <a:ln>
+              <a:solidFill>
+                <a:schemeClr val="tx1"/>
+              </a:solidFill>
+            </a:ln>
+          </p:spPr>
+          <p:style>
+            <a:lnRef idx="2">
+              <a:schemeClr val="accent1">
+                <a:shade val="50000"/>
+              </a:schemeClr>
+            </a:lnRef>
+            <a:fillRef idx="1">
+              <a:schemeClr val="accent1"/>
+            </a:fillRef>
+            <a:effectRef idx="0">
+              <a:schemeClr val="accent1"/>
+            </a:effectRef>
+            <a:fontRef idx="minor">
+              <a:schemeClr val="lt1"/>
+            </a:fontRef>
+          </p:style>
+          <p:txBody>
+            <a:bodyPr rtlCol="0" anchor="ctr"/>
+            <a:lstStyle/>
+            <a:p>
+              <a:pPr algn="ctr"/>
+              <a:r>
+                <a:rPr lang="en-AU" dirty="0"/>
+                <a:t>G</a:t>
+              </a:r>
+            </a:p>
+          </p:txBody>
+        </p:sp>
+        <p:sp>
+          <p:nvSpPr>
+            <p:cNvPr id="102" name="Rectangle: Rounded Corners 101">
+              <a:extLst>
+                <a:ext uri="{FF2B5EF4-FFF2-40B4-BE49-F238E27FC236}">
+                  <a16:creationId xmlns:a16="http://schemas.microsoft.com/office/drawing/2014/main" id="{BE8E1113-DCE7-4536-8C63-40A3D327D8A0}"/>
+                </a:ext>
+              </a:extLst>
+            </p:cNvPr>
+            <p:cNvSpPr/>
+            <p:nvPr/>
+          </p:nvSpPr>
+          <p:spPr>
+            <a:xfrm>
+              <a:off x="10391282" y="758902"/>
+              <a:ext cx="360000" cy="360000"/>
+            </a:xfrm>
+            <a:prstGeom prst="roundRect">
+              <a:avLst/>
+            </a:prstGeom>
+            <a:solidFill>
+              <a:srgbClr val="C00000"/>
+            </a:solidFill>
+            <a:ln>
+              <a:solidFill>
+                <a:schemeClr val="tx1"/>
+              </a:solidFill>
+            </a:ln>
+          </p:spPr>
+          <p:style>
+            <a:lnRef idx="2">
+              <a:schemeClr val="accent1">
+                <a:shade val="50000"/>
+              </a:schemeClr>
+            </a:lnRef>
+            <a:fillRef idx="1">
+              <a:schemeClr val="accent1"/>
+            </a:fillRef>
+            <a:effectRef idx="0">
+              <a:schemeClr val="accent1"/>
+            </a:effectRef>
+            <a:fontRef idx="minor">
+              <a:schemeClr val="lt1"/>
+            </a:fontRef>
+          </p:style>
+          <p:txBody>
+            <a:bodyPr rtlCol="0" anchor="ctr"/>
+            <a:lstStyle/>
+            <a:p>
+              <a:pPr algn="ctr"/>
+              <a:r>
+                <a:rPr lang="en-AU" dirty="0"/>
+                <a:t>R</a:t>
+              </a:r>
+            </a:p>
+          </p:txBody>
+        </p:sp>
+        <p:sp>
+          <p:nvSpPr>
+            <p:cNvPr id="104" name="Rectangle: Rounded Corners 103">
+              <a:extLst>
+                <a:ext uri="{FF2B5EF4-FFF2-40B4-BE49-F238E27FC236}">
+                  <a16:creationId xmlns:a16="http://schemas.microsoft.com/office/drawing/2014/main" id="{5B8C86EC-238B-4F56-BC68-555DFDD361B6}"/>
+                </a:ext>
+              </a:extLst>
+            </p:cNvPr>
+            <p:cNvSpPr/>
+            <p:nvPr/>
+          </p:nvSpPr>
+          <p:spPr>
+            <a:xfrm>
+              <a:off x="10789506" y="1480470"/>
+              <a:ext cx="360000" cy="360000"/>
+            </a:xfrm>
+            <a:prstGeom prst="roundRect">
+              <a:avLst/>
+            </a:prstGeom>
+            <a:solidFill>
+              <a:srgbClr val="7030A0"/>
+            </a:solidFill>
+            <a:ln>
+              <a:solidFill>
+                <a:schemeClr val="tx1"/>
+              </a:solidFill>
+            </a:ln>
+          </p:spPr>
+          <p:style>
+            <a:lnRef idx="2">
+              <a:schemeClr val="accent2">
+                <a:shade val="50000"/>
+              </a:schemeClr>
+            </a:lnRef>
+            <a:fillRef idx="1">
+              <a:schemeClr val="accent2"/>
+            </a:fillRef>
+            <a:effectRef idx="0">
+              <a:schemeClr val="accent2"/>
+            </a:effectRef>
+            <a:fontRef idx="minor">
+              <a:schemeClr val="lt1"/>
+            </a:fontRef>
+          </p:style>
+          <p:txBody>
+            <a:bodyPr rtlCol="0" anchor="ctr"/>
+            <a:lstStyle/>
+            <a:p>
+              <a:pPr algn="ctr"/>
+              <a:r>
+                <a:rPr lang="en-AU" dirty="0"/>
+                <a:t>P</a:t>
+              </a:r>
+            </a:p>
+          </p:txBody>
+        </p:sp>
+        <p:sp>
+          <p:nvSpPr>
+            <p:cNvPr id="106" name="Rectangle: Rounded Corners 105">
+              <a:extLst>
+                <a:ext uri="{FF2B5EF4-FFF2-40B4-BE49-F238E27FC236}">
+                  <a16:creationId xmlns:a16="http://schemas.microsoft.com/office/drawing/2014/main" id="{A6CB31F5-96F1-4AA7-83DA-0AF3C5FC3550}"/>
+                </a:ext>
+              </a:extLst>
+            </p:cNvPr>
+            <p:cNvSpPr/>
+            <p:nvPr/>
+          </p:nvSpPr>
+          <p:spPr>
+            <a:xfrm>
+              <a:off x="10791712" y="760458"/>
+              <a:ext cx="360000" cy="360000"/>
+            </a:xfrm>
+            <a:prstGeom prst="roundRect">
+              <a:avLst/>
+            </a:prstGeom>
+            <a:solidFill>
+              <a:schemeClr val="accent6">
+                <a:lumMod val="75000"/>
+              </a:schemeClr>
+            </a:solidFill>
+            <a:ln>
+              <a:solidFill>
+                <a:schemeClr val="tx1"/>
+              </a:solidFill>
+            </a:ln>
+          </p:spPr>
+          <p:style>
+            <a:lnRef idx="2">
+              <a:schemeClr val="accent1">
+                <a:shade val="50000"/>
+              </a:schemeClr>
+            </a:lnRef>
+            <a:fillRef idx="1">
+              <a:schemeClr val="accent1"/>
+            </a:fillRef>
+            <a:effectRef idx="0">
+              <a:schemeClr val="accent1"/>
+            </a:effectRef>
+            <a:fontRef idx="minor">
+              <a:schemeClr val="lt1"/>
+            </a:fontRef>
+          </p:style>
+          <p:txBody>
+            <a:bodyPr rtlCol="0" anchor="ctr"/>
+            <a:lstStyle/>
+            <a:p>
+              <a:pPr algn="ctr"/>
+              <a:r>
+                <a:rPr lang="en-AU" dirty="0"/>
+                <a:t>G</a:t>
+              </a:r>
+            </a:p>
+          </p:txBody>
+        </p:sp>
+        <p:sp>
+          <p:nvSpPr>
+            <p:cNvPr id="107" name="Rectangle: Rounded Corners 106">
+              <a:extLst>
+                <a:ext uri="{FF2B5EF4-FFF2-40B4-BE49-F238E27FC236}">
+                  <a16:creationId xmlns:a16="http://schemas.microsoft.com/office/drawing/2014/main" id="{BA593EA8-8196-4F83-B3F4-A21D95921B46}"/>
+                </a:ext>
+              </a:extLst>
+            </p:cNvPr>
+            <p:cNvSpPr/>
+            <p:nvPr/>
+          </p:nvSpPr>
+          <p:spPr>
+            <a:xfrm>
+              <a:off x="10789506" y="1120464"/>
+              <a:ext cx="360000" cy="360000"/>
+            </a:xfrm>
+            <a:prstGeom prst="roundRect">
+              <a:avLst/>
+            </a:prstGeom>
+            <a:solidFill>
+              <a:srgbClr val="C00000"/>
+            </a:solidFill>
+            <a:ln>
+              <a:solidFill>
+                <a:schemeClr val="tx1"/>
+              </a:solidFill>
+            </a:ln>
+          </p:spPr>
+          <p:style>
+            <a:lnRef idx="2">
+              <a:schemeClr val="accent1">
+                <a:shade val="50000"/>
+              </a:schemeClr>
+            </a:lnRef>
+            <a:fillRef idx="1">
+              <a:schemeClr val="accent1"/>
+            </a:fillRef>
+            <a:effectRef idx="0">
+              <a:schemeClr val="accent1"/>
+            </a:effectRef>
+            <a:fontRef idx="minor">
+              <a:schemeClr val="lt1"/>
+            </a:fontRef>
+          </p:style>
+          <p:txBody>
+            <a:bodyPr rtlCol="0" anchor="ctr"/>
+            <a:lstStyle/>
+            <a:p>
+              <a:pPr algn="ctr"/>
+              <a:r>
+                <a:rPr lang="en-AU" dirty="0"/>
+                <a:t>R</a:t>
+              </a:r>
+            </a:p>
+          </p:txBody>
+        </p:sp>
+        <p:sp>
+          <p:nvSpPr>
+            <p:cNvPr id="111" name="Rectangle: Rounded Corners 110">
+              <a:extLst>
+                <a:ext uri="{FF2B5EF4-FFF2-40B4-BE49-F238E27FC236}">
+                  <a16:creationId xmlns:a16="http://schemas.microsoft.com/office/drawing/2014/main" id="{367C943A-10D9-47CC-B688-852A4708DA0C}"/>
+                </a:ext>
+              </a:extLst>
+            </p:cNvPr>
+            <p:cNvSpPr/>
+            <p:nvPr/>
+          </p:nvSpPr>
+          <p:spPr>
+            <a:xfrm>
+              <a:off x="11199716" y="1477930"/>
+              <a:ext cx="360000" cy="360000"/>
+            </a:xfrm>
+            <a:prstGeom prst="roundRect">
+              <a:avLst/>
+            </a:prstGeom>
+            <a:solidFill>
+              <a:srgbClr val="7030A0"/>
+            </a:solidFill>
+            <a:ln>
+              <a:solidFill>
+                <a:schemeClr val="tx1"/>
+              </a:solidFill>
+            </a:ln>
+          </p:spPr>
+          <p:style>
+            <a:lnRef idx="2">
+              <a:schemeClr val="accent2">
+                <a:shade val="50000"/>
+              </a:schemeClr>
+            </a:lnRef>
+            <a:fillRef idx="1">
+              <a:schemeClr val="accent2"/>
+            </a:fillRef>
+            <a:effectRef idx="0">
+              <a:schemeClr val="accent2"/>
+            </a:effectRef>
+            <a:fontRef idx="minor">
+              <a:schemeClr val="lt1"/>
+            </a:fontRef>
+          </p:style>
+          <p:txBody>
+            <a:bodyPr rtlCol="0" anchor="ctr"/>
+            <a:lstStyle/>
+            <a:p>
+              <a:pPr algn="ctr"/>
+              <a:r>
+                <a:rPr lang="en-AU" dirty="0"/>
+                <a:t>P</a:t>
+              </a:r>
+            </a:p>
+          </p:txBody>
+        </p:sp>
+        <p:sp>
+          <p:nvSpPr>
+            <p:cNvPr id="112" name="Rectangle: Rounded Corners 111">
+              <a:extLst>
+                <a:ext uri="{FF2B5EF4-FFF2-40B4-BE49-F238E27FC236}">
+                  <a16:creationId xmlns:a16="http://schemas.microsoft.com/office/drawing/2014/main" id="{6DF2D404-5653-4B2E-836F-D0D2020BFE08}"/>
+                </a:ext>
+              </a:extLst>
+            </p:cNvPr>
+            <p:cNvSpPr/>
+            <p:nvPr/>
+          </p:nvSpPr>
+          <p:spPr>
+            <a:xfrm>
+              <a:off x="11201922" y="757918"/>
+              <a:ext cx="360000" cy="360000"/>
+            </a:xfrm>
+            <a:prstGeom prst="roundRect">
+              <a:avLst/>
+            </a:prstGeom>
+            <a:solidFill>
+              <a:schemeClr val="accent6">
+                <a:lumMod val="75000"/>
+              </a:schemeClr>
+            </a:solidFill>
+            <a:ln>
+              <a:solidFill>
+                <a:schemeClr val="tx1"/>
+              </a:solidFill>
+            </a:ln>
+          </p:spPr>
+          <p:style>
+            <a:lnRef idx="2">
+              <a:schemeClr val="accent1">
+                <a:shade val="50000"/>
+              </a:schemeClr>
+            </a:lnRef>
+            <a:fillRef idx="1">
+              <a:schemeClr val="accent1"/>
+            </a:fillRef>
+            <a:effectRef idx="0">
+              <a:schemeClr val="accent1"/>
+            </a:effectRef>
+            <a:fontRef idx="minor">
+              <a:schemeClr val="lt1"/>
+            </a:fontRef>
+          </p:style>
+          <p:txBody>
+            <a:bodyPr rtlCol="0" anchor="ctr"/>
+            <a:lstStyle/>
+            <a:p>
+              <a:pPr algn="ctr"/>
+              <a:r>
+                <a:rPr lang="en-AU" dirty="0"/>
+                <a:t>G</a:t>
+              </a:r>
+            </a:p>
+          </p:txBody>
+        </p:sp>
+        <p:sp>
+          <p:nvSpPr>
+            <p:cNvPr id="113" name="Rectangle: Rounded Corners 112">
+              <a:extLst>
+                <a:ext uri="{FF2B5EF4-FFF2-40B4-BE49-F238E27FC236}">
+                  <a16:creationId xmlns:a16="http://schemas.microsoft.com/office/drawing/2014/main" id="{73FC06D7-12D8-45FB-B9C2-8E57A17CD603}"/>
+                </a:ext>
+              </a:extLst>
+            </p:cNvPr>
+            <p:cNvSpPr/>
+            <p:nvPr/>
+          </p:nvSpPr>
+          <p:spPr>
+            <a:xfrm>
+              <a:off x="11199716" y="1117924"/>
+              <a:ext cx="360000" cy="360000"/>
+            </a:xfrm>
+            <a:prstGeom prst="roundRect">
+              <a:avLst/>
+            </a:prstGeom>
+            <a:solidFill>
+              <a:srgbClr val="C00000"/>
+            </a:solidFill>
+            <a:ln>
+              <a:solidFill>
+                <a:schemeClr val="tx1"/>
+              </a:solidFill>
+            </a:ln>
+          </p:spPr>
+          <p:style>
+            <a:lnRef idx="2">
+              <a:schemeClr val="accent1">
+                <a:shade val="50000"/>
+              </a:schemeClr>
+            </a:lnRef>
+            <a:fillRef idx="1">
+              <a:schemeClr val="accent1"/>
+            </a:fillRef>
+            <a:effectRef idx="0">
+              <a:schemeClr val="accent1"/>
+            </a:effectRef>
+            <a:fontRef idx="minor">
+              <a:schemeClr val="lt1"/>
+            </a:fontRef>
+          </p:style>
+          <p:txBody>
+            <a:bodyPr rtlCol="0" anchor="ctr"/>
+            <a:lstStyle/>
+            <a:p>
+              <a:pPr algn="ctr"/>
+              <a:r>
+                <a:rPr lang="en-AU" dirty="0"/>
+                <a:t>R</a:t>
+              </a:r>
+            </a:p>
+          </p:txBody>
+        </p:sp>
+        <p:sp>
+          <p:nvSpPr>
+            <p:cNvPr id="126" name="Rectangle: Rounded Corners 125">
+              <a:extLst>
+                <a:ext uri="{FF2B5EF4-FFF2-40B4-BE49-F238E27FC236}">
+                  <a16:creationId xmlns:a16="http://schemas.microsoft.com/office/drawing/2014/main" id="{B88928B6-E9E6-4AD0-8785-5F00BD5AC109}"/>
+                </a:ext>
+              </a:extLst>
+            </p:cNvPr>
+            <p:cNvSpPr/>
+            <p:nvPr/>
+          </p:nvSpPr>
+          <p:spPr>
+            <a:xfrm>
+              <a:off x="9540369" y="277745"/>
+              <a:ext cx="477530" cy="1724183"/>
+            </a:xfrm>
+            <a:prstGeom prst="roundRect">
+              <a:avLst/>
+            </a:prstGeom>
+            <a:noFill/>
+            <a:ln w="28575">
+              <a:solidFill>
+                <a:srgbClr val="FF0000"/>
+              </a:solidFill>
+            </a:ln>
+          </p:spPr>
+          <p:style>
+            <a:lnRef idx="2">
+              <a:schemeClr val="accent1">
+                <a:shade val="50000"/>
+              </a:schemeClr>
+            </a:lnRef>
+            <a:fillRef idx="1">
+              <a:schemeClr val="accent1"/>
+            </a:fillRef>
+            <a:effectRef idx="0">
+              <a:schemeClr val="accent1"/>
+            </a:effectRef>
+            <a:fontRef idx="minor">
+              <a:schemeClr val="lt1"/>
+            </a:fontRef>
+          </p:style>
+          <p:txBody>
+            <a:bodyPr rtlCol="0" anchor="ctr"/>
+            <a:lstStyle/>
+            <a:p>
+              <a:pPr algn="ctr"/>
+              <a:endParaRPr lang="en-AU"/>
+            </a:p>
+          </p:txBody>
+        </p:sp>
+      </p:grpSp>
+      <p:grpSp>
+        <p:nvGrpSpPr>
+          <p:cNvPr id="167" name="Group 166">
+            <a:extLst>
+              <a:ext uri="{FF2B5EF4-FFF2-40B4-BE49-F238E27FC236}">
+                <a16:creationId xmlns:a16="http://schemas.microsoft.com/office/drawing/2014/main" id="{56BECDEE-CE30-469E-B836-6CD4D9F029CF}"/>
+              </a:ext>
+            </a:extLst>
+          </p:cNvPr>
+          <p:cNvGrpSpPr/>
+          <p:nvPr/>
+        </p:nvGrpSpPr>
+        <p:grpSpPr>
+          <a:xfrm>
+            <a:off x="6322224" y="6863694"/>
+            <a:ext cx="4399151" cy="1736108"/>
+            <a:chOff x="7294322" y="265820"/>
+            <a:chExt cx="4399151" cy="1736108"/>
+          </a:xfrm>
+        </p:grpSpPr>
+        <p:sp>
+          <p:nvSpPr>
+            <p:cNvPr id="168" name="Rectangle: Rounded Corners 167">
+              <a:extLst>
+                <a:ext uri="{FF2B5EF4-FFF2-40B4-BE49-F238E27FC236}">
+                  <a16:creationId xmlns:a16="http://schemas.microsoft.com/office/drawing/2014/main" id="{BFA3F284-108B-42D7-8DF5-B36D8EA004FD}"/>
+                </a:ext>
+              </a:extLst>
+            </p:cNvPr>
+            <p:cNvSpPr/>
+            <p:nvPr/>
+          </p:nvSpPr>
+          <p:spPr>
+            <a:xfrm>
+              <a:off x="9599258" y="761169"/>
+              <a:ext cx="360000" cy="360000"/>
+            </a:xfrm>
+            <a:prstGeom prst="roundRect">
+              <a:avLst/>
+            </a:prstGeom>
+            <a:solidFill>
+              <a:srgbClr val="7030A0"/>
+            </a:solidFill>
+            <a:ln>
+              <a:solidFill>
+                <a:schemeClr val="tx1"/>
+              </a:solidFill>
+            </a:ln>
+          </p:spPr>
+          <p:style>
+            <a:lnRef idx="2">
+              <a:schemeClr val="accent2">
+                <a:shade val="50000"/>
+              </a:schemeClr>
+            </a:lnRef>
+            <a:fillRef idx="1">
+              <a:schemeClr val="accent2"/>
+            </a:fillRef>
+            <a:effectRef idx="0">
+              <a:schemeClr val="accent2"/>
+            </a:effectRef>
+            <a:fontRef idx="minor">
+              <a:schemeClr val="lt1"/>
+            </a:fontRef>
+          </p:style>
+          <p:txBody>
+            <a:bodyPr rtlCol="0" anchor="ctr"/>
+            <a:lstStyle/>
+            <a:p>
+              <a:pPr algn="ctr"/>
+              <a:r>
+                <a:rPr lang="en-AU" dirty="0"/>
+                <a:t>P</a:t>
+              </a:r>
+            </a:p>
+          </p:txBody>
+        </p:sp>
+        <p:sp>
+          <p:nvSpPr>
+            <p:cNvPr id="169" name="Rectangle: Rounded Corners 168">
+              <a:extLst>
+                <a:ext uri="{FF2B5EF4-FFF2-40B4-BE49-F238E27FC236}">
+                  <a16:creationId xmlns:a16="http://schemas.microsoft.com/office/drawing/2014/main" id="{38359E3E-2C4E-4E88-8DF2-FB294FE0FE0B}"/>
+                </a:ext>
+              </a:extLst>
+            </p:cNvPr>
+            <p:cNvSpPr/>
+            <p:nvPr/>
+          </p:nvSpPr>
+          <p:spPr>
+            <a:xfrm>
+              <a:off x="9595715" y="1476089"/>
+              <a:ext cx="360000" cy="360000"/>
+            </a:xfrm>
+            <a:prstGeom prst="roundRect">
+              <a:avLst/>
+            </a:prstGeom>
+            <a:solidFill>
+              <a:schemeClr val="accent6">
+                <a:lumMod val="75000"/>
+              </a:schemeClr>
+            </a:solidFill>
+            <a:ln>
+              <a:solidFill>
+                <a:schemeClr val="tx1"/>
+              </a:solidFill>
+            </a:ln>
+          </p:spPr>
+          <p:style>
+            <a:lnRef idx="2">
+              <a:schemeClr val="accent1">
+                <a:shade val="50000"/>
+              </a:schemeClr>
+            </a:lnRef>
+            <a:fillRef idx="1">
+              <a:schemeClr val="accent1"/>
+            </a:fillRef>
+            <a:effectRef idx="0">
+              <a:schemeClr val="accent1"/>
+            </a:effectRef>
+            <a:fontRef idx="minor">
+              <a:schemeClr val="lt1"/>
+            </a:fontRef>
+          </p:style>
+          <p:txBody>
+            <a:bodyPr rtlCol="0" anchor="ctr"/>
+            <a:lstStyle/>
+            <a:p>
+              <a:pPr algn="ctr"/>
+              <a:r>
+                <a:rPr lang="en-AU" dirty="0"/>
+                <a:t>G</a:t>
+              </a:r>
+            </a:p>
+          </p:txBody>
+        </p:sp>
+        <p:sp>
+          <p:nvSpPr>
+            <p:cNvPr id="170" name="Rectangle: Rounded Corners 169">
+              <a:extLst>
+                <a:ext uri="{FF2B5EF4-FFF2-40B4-BE49-F238E27FC236}">
+                  <a16:creationId xmlns:a16="http://schemas.microsoft.com/office/drawing/2014/main" id="{68196747-F966-4FBF-86AA-9A351AA0D72C}"/>
+                </a:ext>
+              </a:extLst>
+            </p:cNvPr>
+            <p:cNvSpPr/>
+            <p:nvPr/>
+          </p:nvSpPr>
+          <p:spPr>
+            <a:xfrm>
+              <a:off x="9597875" y="1116089"/>
+              <a:ext cx="360000" cy="360000"/>
+            </a:xfrm>
+            <a:prstGeom prst="roundRect">
+              <a:avLst/>
+            </a:prstGeom>
+            <a:solidFill>
+              <a:srgbClr val="C00000"/>
+            </a:solidFill>
+            <a:ln>
+              <a:solidFill>
+                <a:schemeClr val="tx1"/>
+              </a:solidFill>
+            </a:ln>
+          </p:spPr>
+          <p:style>
+            <a:lnRef idx="2">
+              <a:schemeClr val="accent1">
+                <a:shade val="50000"/>
+              </a:schemeClr>
+            </a:lnRef>
+            <a:fillRef idx="1">
+              <a:schemeClr val="accent1"/>
+            </a:fillRef>
+            <a:effectRef idx="0">
+              <a:schemeClr val="accent1"/>
+            </a:effectRef>
+            <a:fontRef idx="minor">
+              <a:schemeClr val="lt1"/>
+            </a:fontRef>
+          </p:style>
+          <p:txBody>
+            <a:bodyPr rtlCol="0" anchor="ctr"/>
+            <a:lstStyle/>
+            <a:p>
+              <a:pPr algn="ctr"/>
+              <a:r>
+                <a:rPr lang="en-AU" dirty="0"/>
+                <a:t>R</a:t>
+              </a:r>
+            </a:p>
+          </p:txBody>
+        </p:sp>
+        <p:sp>
+          <p:nvSpPr>
+            <p:cNvPr id="171" name="TextBox 170">
+              <a:extLst>
+                <a:ext uri="{FF2B5EF4-FFF2-40B4-BE49-F238E27FC236}">
+                  <a16:creationId xmlns:a16="http://schemas.microsoft.com/office/drawing/2014/main" id="{83155D27-47DF-4BC5-8E42-42C5F34C6F81}"/>
+                </a:ext>
+              </a:extLst>
+            </p:cNvPr>
+            <p:cNvSpPr txBox="1"/>
+            <p:nvPr/>
+          </p:nvSpPr>
+          <p:spPr>
+            <a:xfrm>
+              <a:off x="7675880" y="733229"/>
+              <a:ext cx="1400935" cy="1107996"/>
+            </a:xfrm>
+            <a:prstGeom prst="rect">
+              <a:avLst/>
+            </a:prstGeom>
+            <a:noFill/>
+          </p:spPr>
+          <p:txBody>
+            <a:bodyPr wrap="square" rtlCol="0">
+              <a:spAutoFit/>
+            </a:bodyPr>
+            <a:lstStyle/>
+            <a:p>
+              <a:pPr algn="r"/>
+              <a:r>
+                <a:rPr lang="en-AU" sz="2200" dirty="0"/>
+                <a:t>1</a:t>
+              </a:r>
+              <a:r>
+                <a:rPr lang="en-AU" sz="2200" baseline="30000" dirty="0"/>
+                <a:t>st</a:t>
+              </a:r>
+              <a:r>
+                <a:rPr lang="en-AU" sz="2200" dirty="0"/>
+                <a:t> factor</a:t>
+              </a:r>
+            </a:p>
+            <a:p>
+              <a:pPr algn="r"/>
+              <a:r>
+                <a:rPr lang="en-AU" sz="2200" dirty="0"/>
+                <a:t>2</a:t>
+              </a:r>
+              <a:r>
+                <a:rPr lang="en-AU" sz="2200" baseline="30000" dirty="0"/>
+                <a:t>nd</a:t>
+              </a:r>
+              <a:r>
+                <a:rPr lang="en-AU" sz="2200" dirty="0"/>
+                <a:t> factor</a:t>
+              </a:r>
+            </a:p>
+            <a:p>
+              <a:pPr algn="r"/>
+              <a:r>
+                <a:rPr lang="en-AU" sz="2200" dirty="0"/>
+                <a:t>3</a:t>
+              </a:r>
+              <a:r>
+                <a:rPr lang="en-AU" sz="2200" baseline="30000" dirty="0"/>
+                <a:t>rd</a:t>
+              </a:r>
+              <a:r>
+                <a:rPr lang="en-AU" sz="2200" dirty="0"/>
+                <a:t> factor</a:t>
+              </a:r>
+            </a:p>
+          </p:txBody>
+        </p:sp>
+        <p:sp>
+          <p:nvSpPr>
+            <p:cNvPr id="172" name="TextBox 171">
+              <a:extLst>
+                <a:ext uri="{FF2B5EF4-FFF2-40B4-BE49-F238E27FC236}">
+                  <a16:creationId xmlns:a16="http://schemas.microsoft.com/office/drawing/2014/main" id="{3580CECD-5258-4A82-8218-E3EBC2FC8C67}"/>
+                </a:ext>
+              </a:extLst>
+            </p:cNvPr>
+            <p:cNvSpPr txBox="1"/>
+            <p:nvPr/>
+          </p:nvSpPr>
+          <p:spPr>
+            <a:xfrm>
+              <a:off x="7294322" y="265820"/>
+              <a:ext cx="4399151" cy="430887"/>
+            </a:xfrm>
+            <a:prstGeom prst="rect">
+              <a:avLst/>
+            </a:prstGeom>
+            <a:noFill/>
+          </p:spPr>
+          <p:txBody>
+            <a:bodyPr wrap="square" rtlCol="0">
+              <a:spAutoFit/>
+            </a:bodyPr>
+            <a:lstStyle/>
+            <a:p>
+              <a:r>
+                <a:rPr lang="en-AU" sz="2200" dirty="0"/>
+                <a:t>location order     1,   2,   3,   4,   5,   6</a:t>
+              </a:r>
+            </a:p>
+          </p:txBody>
+        </p:sp>
+        <p:cxnSp>
+          <p:nvCxnSpPr>
+            <p:cNvPr id="173" name="Straight Connector 172">
+              <a:extLst>
+                <a:ext uri="{FF2B5EF4-FFF2-40B4-BE49-F238E27FC236}">
+                  <a16:creationId xmlns:a16="http://schemas.microsoft.com/office/drawing/2014/main" id="{87E3EA91-0CD6-4008-B674-6E6D3F119B41}"/>
+                </a:ext>
+              </a:extLst>
+            </p:cNvPr>
+            <p:cNvCxnSpPr>
+              <a:cxnSpLocks/>
+            </p:cNvCxnSpPr>
+            <p:nvPr/>
+          </p:nvCxnSpPr>
+          <p:spPr>
+            <a:xfrm>
+              <a:off x="7334810" y="674824"/>
+              <a:ext cx="4224906" cy="0"/>
+            </a:xfrm>
+            <a:prstGeom prst="line">
+              <a:avLst/>
+            </a:prstGeom>
+            <a:ln w="28575">
+              <a:solidFill>
+                <a:schemeClr val="tx1"/>
+              </a:solidFill>
+            </a:ln>
+          </p:spPr>
+          <p:style>
+            <a:lnRef idx="1">
+              <a:schemeClr val="accent1"/>
+            </a:lnRef>
+            <a:fillRef idx="0">
+              <a:schemeClr val="accent1"/>
+            </a:fillRef>
+            <a:effectRef idx="0">
+              <a:schemeClr val="accent1"/>
+            </a:effectRef>
+            <a:fontRef idx="minor">
+              <a:schemeClr val="tx1"/>
+            </a:fontRef>
+          </p:style>
+        </p:cxnSp>
+        <p:cxnSp>
+          <p:nvCxnSpPr>
+            <p:cNvPr id="174" name="Straight Connector 173">
+              <a:extLst>
+                <a:ext uri="{FF2B5EF4-FFF2-40B4-BE49-F238E27FC236}">
+                  <a16:creationId xmlns:a16="http://schemas.microsoft.com/office/drawing/2014/main" id="{397968F3-0138-4B48-A7AC-60504F46DFD6}"/>
+                </a:ext>
+              </a:extLst>
+            </p:cNvPr>
+            <p:cNvCxnSpPr>
+              <a:cxnSpLocks/>
+            </p:cNvCxnSpPr>
+            <p:nvPr/>
+          </p:nvCxnSpPr>
+          <p:spPr>
+            <a:xfrm flipV="1">
+              <a:off x="9095740" y="400050"/>
+              <a:ext cx="0" cy="1466576"/>
+            </a:xfrm>
+            <a:prstGeom prst="line">
+              <a:avLst/>
+            </a:prstGeom>
+            <a:ln w="28575">
+              <a:solidFill>
+                <a:schemeClr val="tx1"/>
+              </a:solidFill>
+            </a:ln>
+          </p:spPr>
+          <p:style>
+            <a:lnRef idx="1">
+              <a:schemeClr val="accent1"/>
+            </a:lnRef>
+            <a:fillRef idx="0">
+              <a:schemeClr val="accent1"/>
+            </a:fillRef>
+            <a:effectRef idx="0">
+              <a:schemeClr val="accent1"/>
+            </a:effectRef>
+            <a:fontRef idx="minor">
+              <a:schemeClr val="tx1"/>
+            </a:fontRef>
+          </p:style>
+        </p:cxnSp>
+        <p:sp>
+          <p:nvSpPr>
+            <p:cNvPr id="175" name="Rectangle: Rounded Corners 174">
+              <a:extLst>
+                <a:ext uri="{FF2B5EF4-FFF2-40B4-BE49-F238E27FC236}">
+                  <a16:creationId xmlns:a16="http://schemas.microsoft.com/office/drawing/2014/main" id="{67A8D806-CE85-4D8A-B0DF-0B4003BF3EF8}"/>
+                </a:ext>
+              </a:extLst>
+            </p:cNvPr>
+            <p:cNvSpPr/>
+            <p:nvPr/>
+          </p:nvSpPr>
+          <p:spPr>
+            <a:xfrm>
+              <a:off x="9198029" y="757918"/>
+              <a:ext cx="360000" cy="360000"/>
+            </a:xfrm>
+            <a:prstGeom prst="roundRect">
+              <a:avLst/>
+            </a:prstGeom>
+            <a:solidFill>
+              <a:srgbClr val="7030A0"/>
+            </a:solidFill>
+            <a:ln>
+              <a:solidFill>
+                <a:schemeClr val="tx1"/>
+              </a:solidFill>
+            </a:ln>
+          </p:spPr>
+          <p:style>
+            <a:lnRef idx="2">
+              <a:schemeClr val="accent2">
+                <a:shade val="50000"/>
+              </a:schemeClr>
+            </a:lnRef>
+            <a:fillRef idx="1">
+              <a:schemeClr val="accent2"/>
+            </a:fillRef>
+            <a:effectRef idx="0">
+              <a:schemeClr val="accent2"/>
+            </a:effectRef>
+            <a:fontRef idx="minor">
+              <a:schemeClr val="lt1"/>
+            </a:fontRef>
+          </p:style>
+          <p:txBody>
+            <a:bodyPr rtlCol="0" anchor="ctr"/>
+            <a:lstStyle/>
+            <a:p>
+              <a:pPr algn="ctr"/>
+              <a:r>
+                <a:rPr lang="en-AU" dirty="0"/>
+                <a:t>P</a:t>
+              </a:r>
+            </a:p>
+          </p:txBody>
+        </p:sp>
+        <p:sp>
+          <p:nvSpPr>
+            <p:cNvPr id="176" name="Rectangle: Rounded Corners 175">
+              <a:extLst>
+                <a:ext uri="{FF2B5EF4-FFF2-40B4-BE49-F238E27FC236}">
+                  <a16:creationId xmlns:a16="http://schemas.microsoft.com/office/drawing/2014/main" id="{CE451274-671B-4BD8-94D7-4EC251491211}"/>
+                </a:ext>
+              </a:extLst>
+            </p:cNvPr>
+            <p:cNvSpPr/>
+            <p:nvPr/>
+          </p:nvSpPr>
+          <p:spPr>
+            <a:xfrm>
+              <a:off x="9198029" y="1122263"/>
+              <a:ext cx="360000" cy="360000"/>
+            </a:xfrm>
+            <a:prstGeom prst="roundRect">
+              <a:avLst/>
+            </a:prstGeom>
+            <a:solidFill>
+              <a:schemeClr val="accent6">
+                <a:lumMod val="75000"/>
+              </a:schemeClr>
+            </a:solidFill>
+            <a:ln>
+              <a:solidFill>
+                <a:schemeClr val="tx1"/>
+              </a:solidFill>
+            </a:ln>
+          </p:spPr>
+          <p:style>
+            <a:lnRef idx="2">
+              <a:schemeClr val="accent1">
+                <a:shade val="50000"/>
+              </a:schemeClr>
+            </a:lnRef>
+            <a:fillRef idx="1">
+              <a:schemeClr val="accent1"/>
+            </a:fillRef>
+            <a:effectRef idx="0">
+              <a:schemeClr val="accent1"/>
+            </a:effectRef>
+            <a:fontRef idx="minor">
+              <a:schemeClr val="lt1"/>
+            </a:fontRef>
+          </p:style>
+          <p:txBody>
+            <a:bodyPr rtlCol="0" anchor="ctr"/>
+            <a:lstStyle/>
+            <a:p>
+              <a:pPr algn="ctr"/>
+              <a:r>
+                <a:rPr lang="en-AU" dirty="0"/>
+                <a:t>G</a:t>
+              </a:r>
+            </a:p>
+          </p:txBody>
+        </p:sp>
+        <p:sp>
+          <p:nvSpPr>
+            <p:cNvPr id="177" name="Rectangle: Rounded Corners 176">
+              <a:extLst>
+                <a:ext uri="{FF2B5EF4-FFF2-40B4-BE49-F238E27FC236}">
+                  <a16:creationId xmlns:a16="http://schemas.microsoft.com/office/drawing/2014/main" id="{50FBA400-740F-46EE-A9EB-F7CA4A37F304}"/>
+                </a:ext>
+              </a:extLst>
+            </p:cNvPr>
+            <p:cNvSpPr/>
+            <p:nvPr/>
+          </p:nvSpPr>
+          <p:spPr>
+            <a:xfrm>
+              <a:off x="9198029" y="1485594"/>
+              <a:ext cx="360000" cy="360000"/>
+            </a:xfrm>
+            <a:prstGeom prst="roundRect">
+              <a:avLst/>
+            </a:prstGeom>
+            <a:solidFill>
+              <a:srgbClr val="C00000"/>
+            </a:solidFill>
+            <a:ln>
+              <a:solidFill>
+                <a:schemeClr val="tx1"/>
+              </a:solidFill>
+            </a:ln>
+          </p:spPr>
+          <p:style>
+            <a:lnRef idx="2">
+              <a:schemeClr val="accent1">
+                <a:shade val="50000"/>
+              </a:schemeClr>
+            </a:lnRef>
+            <a:fillRef idx="1">
+              <a:schemeClr val="accent1"/>
+            </a:fillRef>
+            <a:effectRef idx="0">
+              <a:schemeClr val="accent1"/>
+            </a:effectRef>
+            <a:fontRef idx="minor">
+              <a:schemeClr val="lt1"/>
+            </a:fontRef>
+          </p:style>
+          <p:txBody>
+            <a:bodyPr rtlCol="0" anchor="ctr"/>
+            <a:lstStyle/>
+            <a:p>
+              <a:pPr algn="ctr"/>
+              <a:r>
+                <a:rPr lang="en-AU" dirty="0"/>
+                <a:t>R</a:t>
+              </a:r>
+            </a:p>
+          </p:txBody>
+        </p:sp>
+        <p:sp>
+          <p:nvSpPr>
+            <p:cNvPr id="178" name="Rectangle: Rounded Corners 177">
+              <a:extLst>
+                <a:ext uri="{FF2B5EF4-FFF2-40B4-BE49-F238E27FC236}">
+                  <a16:creationId xmlns:a16="http://schemas.microsoft.com/office/drawing/2014/main" id="{60A4D041-AE34-4E4F-ACE9-07A9A475C1BC}"/>
+                </a:ext>
+              </a:extLst>
+            </p:cNvPr>
+            <p:cNvSpPr/>
+            <p:nvPr/>
+          </p:nvSpPr>
+          <p:spPr>
+            <a:xfrm>
+              <a:off x="9989502" y="1481225"/>
+              <a:ext cx="360000" cy="360000"/>
+            </a:xfrm>
+            <a:prstGeom prst="roundRect">
+              <a:avLst/>
+            </a:prstGeom>
+            <a:solidFill>
+              <a:srgbClr val="7030A0"/>
+            </a:solidFill>
+            <a:ln>
+              <a:solidFill>
+                <a:schemeClr val="tx1"/>
+              </a:solidFill>
+            </a:ln>
+          </p:spPr>
+          <p:style>
+            <a:lnRef idx="2">
+              <a:schemeClr val="accent2">
+                <a:shade val="50000"/>
+              </a:schemeClr>
+            </a:lnRef>
+            <a:fillRef idx="1">
+              <a:schemeClr val="accent2"/>
+            </a:fillRef>
+            <a:effectRef idx="0">
+              <a:schemeClr val="accent2"/>
+            </a:effectRef>
+            <a:fontRef idx="minor">
+              <a:schemeClr val="lt1"/>
+            </a:fontRef>
+          </p:style>
+          <p:txBody>
+            <a:bodyPr rtlCol="0" anchor="ctr"/>
+            <a:lstStyle/>
+            <a:p>
+              <a:pPr algn="ctr"/>
+              <a:r>
+                <a:rPr lang="en-AU" dirty="0"/>
+                <a:t>P</a:t>
+              </a:r>
+            </a:p>
+          </p:txBody>
+        </p:sp>
+        <p:sp>
+          <p:nvSpPr>
+            <p:cNvPr id="179" name="Rectangle: Rounded Corners 178">
+              <a:extLst>
+                <a:ext uri="{FF2B5EF4-FFF2-40B4-BE49-F238E27FC236}">
+                  <a16:creationId xmlns:a16="http://schemas.microsoft.com/office/drawing/2014/main" id="{A086EB62-A8CB-4725-A863-CD628D0E43E8}"/>
+                </a:ext>
+              </a:extLst>
+            </p:cNvPr>
+            <p:cNvSpPr/>
+            <p:nvPr/>
+          </p:nvSpPr>
+          <p:spPr>
+            <a:xfrm>
+              <a:off x="9989502" y="1120464"/>
+              <a:ext cx="360000" cy="360000"/>
+            </a:xfrm>
+            <a:prstGeom prst="roundRect">
+              <a:avLst/>
+            </a:prstGeom>
+            <a:solidFill>
+              <a:schemeClr val="accent6">
+                <a:lumMod val="75000"/>
+              </a:schemeClr>
+            </a:solidFill>
+            <a:ln>
+              <a:solidFill>
+                <a:schemeClr val="tx1"/>
+              </a:solidFill>
+            </a:ln>
+          </p:spPr>
+          <p:style>
+            <a:lnRef idx="2">
+              <a:schemeClr val="accent1">
+                <a:shade val="50000"/>
+              </a:schemeClr>
+            </a:lnRef>
+            <a:fillRef idx="1">
+              <a:schemeClr val="accent1"/>
+            </a:fillRef>
+            <a:effectRef idx="0">
+              <a:schemeClr val="accent1"/>
+            </a:effectRef>
+            <a:fontRef idx="minor">
+              <a:schemeClr val="lt1"/>
+            </a:fontRef>
+          </p:style>
+          <p:txBody>
+            <a:bodyPr rtlCol="0" anchor="ctr"/>
+            <a:lstStyle/>
+            <a:p>
+              <a:pPr algn="ctr"/>
+              <a:r>
+                <a:rPr lang="en-AU" dirty="0"/>
+                <a:t>G</a:t>
+              </a:r>
+            </a:p>
+          </p:txBody>
+        </p:sp>
+        <p:sp>
+          <p:nvSpPr>
+            <p:cNvPr id="180" name="Rectangle: Rounded Corners 179">
+              <a:extLst>
+                <a:ext uri="{FF2B5EF4-FFF2-40B4-BE49-F238E27FC236}">
+                  <a16:creationId xmlns:a16="http://schemas.microsoft.com/office/drawing/2014/main" id="{880820DB-B113-4B84-8F6D-58C111DA93F3}"/>
+                </a:ext>
+              </a:extLst>
+            </p:cNvPr>
+            <p:cNvSpPr/>
+            <p:nvPr/>
+          </p:nvSpPr>
+          <p:spPr>
+            <a:xfrm>
+              <a:off x="9989502" y="761472"/>
+              <a:ext cx="360000" cy="360000"/>
+            </a:xfrm>
+            <a:prstGeom prst="roundRect">
+              <a:avLst/>
+            </a:prstGeom>
+            <a:solidFill>
+              <a:srgbClr val="C00000"/>
+            </a:solidFill>
+            <a:ln>
+              <a:solidFill>
+                <a:schemeClr val="tx1"/>
+              </a:solidFill>
+            </a:ln>
+          </p:spPr>
+          <p:style>
+            <a:lnRef idx="2">
+              <a:schemeClr val="accent1">
+                <a:shade val="50000"/>
+              </a:schemeClr>
+            </a:lnRef>
+            <a:fillRef idx="1">
+              <a:schemeClr val="accent1"/>
+            </a:fillRef>
+            <a:effectRef idx="0">
+              <a:schemeClr val="accent1"/>
+            </a:effectRef>
+            <a:fontRef idx="minor">
+              <a:schemeClr val="lt1"/>
+            </a:fontRef>
+          </p:style>
+          <p:txBody>
+            <a:bodyPr rtlCol="0" anchor="ctr"/>
+            <a:lstStyle/>
+            <a:p>
+              <a:pPr algn="ctr"/>
+              <a:r>
+                <a:rPr lang="en-AU" dirty="0"/>
+                <a:t>R</a:t>
+              </a:r>
+            </a:p>
+          </p:txBody>
+        </p:sp>
+        <p:sp>
+          <p:nvSpPr>
+            <p:cNvPr id="181" name="Rectangle: Rounded Corners 180">
+              <a:extLst>
+                <a:ext uri="{FF2B5EF4-FFF2-40B4-BE49-F238E27FC236}">
+                  <a16:creationId xmlns:a16="http://schemas.microsoft.com/office/drawing/2014/main" id="{512CCA27-66BA-4453-996F-4C1936DCC146}"/>
+                </a:ext>
+              </a:extLst>
+            </p:cNvPr>
+            <p:cNvSpPr/>
+            <p:nvPr/>
+          </p:nvSpPr>
+          <p:spPr>
+            <a:xfrm>
+              <a:off x="10391282" y="1118908"/>
+              <a:ext cx="360000" cy="360000"/>
+            </a:xfrm>
+            <a:prstGeom prst="roundRect">
+              <a:avLst/>
+            </a:prstGeom>
+            <a:solidFill>
+              <a:srgbClr val="7030A0"/>
+            </a:solidFill>
+            <a:ln>
+              <a:solidFill>
+                <a:schemeClr val="tx1"/>
+              </a:solidFill>
+            </a:ln>
+          </p:spPr>
+          <p:style>
+            <a:lnRef idx="2">
+              <a:schemeClr val="accent2">
+                <a:shade val="50000"/>
+              </a:schemeClr>
+            </a:lnRef>
+            <a:fillRef idx="1">
+              <a:schemeClr val="accent2"/>
+            </a:fillRef>
+            <a:effectRef idx="0">
+              <a:schemeClr val="accent2"/>
+            </a:effectRef>
+            <a:fontRef idx="minor">
+              <a:schemeClr val="lt1"/>
+            </a:fontRef>
+          </p:style>
+          <p:txBody>
+            <a:bodyPr rtlCol="0" anchor="ctr"/>
+            <a:lstStyle/>
+            <a:p>
+              <a:pPr algn="ctr"/>
+              <a:r>
+                <a:rPr lang="en-AU" dirty="0"/>
+                <a:t>P</a:t>
+              </a:r>
+            </a:p>
+          </p:txBody>
+        </p:sp>
+        <p:sp>
+          <p:nvSpPr>
+            <p:cNvPr id="182" name="Rectangle: Rounded Corners 181">
+              <a:extLst>
+                <a:ext uri="{FF2B5EF4-FFF2-40B4-BE49-F238E27FC236}">
+                  <a16:creationId xmlns:a16="http://schemas.microsoft.com/office/drawing/2014/main" id="{64A8C62B-1F98-4328-A162-6E1FF9B5CADF}"/>
+                </a:ext>
+              </a:extLst>
+            </p:cNvPr>
+            <p:cNvSpPr/>
+            <p:nvPr/>
+          </p:nvSpPr>
+          <p:spPr>
+            <a:xfrm>
+              <a:off x="10391282" y="1477894"/>
+              <a:ext cx="360000" cy="360000"/>
+            </a:xfrm>
+            <a:prstGeom prst="roundRect">
+              <a:avLst/>
+            </a:prstGeom>
+            <a:solidFill>
+              <a:schemeClr val="accent6">
+                <a:lumMod val="75000"/>
+              </a:schemeClr>
+            </a:solidFill>
+            <a:ln>
+              <a:solidFill>
+                <a:schemeClr val="tx1"/>
+              </a:solidFill>
+            </a:ln>
+          </p:spPr>
+          <p:style>
+            <a:lnRef idx="2">
+              <a:schemeClr val="accent1">
+                <a:shade val="50000"/>
+              </a:schemeClr>
+            </a:lnRef>
+            <a:fillRef idx="1">
+              <a:schemeClr val="accent1"/>
+            </a:fillRef>
+            <a:effectRef idx="0">
+              <a:schemeClr val="accent1"/>
+            </a:effectRef>
+            <a:fontRef idx="minor">
+              <a:schemeClr val="lt1"/>
+            </a:fontRef>
+          </p:style>
+          <p:txBody>
+            <a:bodyPr rtlCol="0" anchor="ctr"/>
+            <a:lstStyle/>
+            <a:p>
+              <a:pPr algn="ctr"/>
+              <a:r>
+                <a:rPr lang="en-AU" dirty="0"/>
+                <a:t>G</a:t>
+              </a:r>
+            </a:p>
+          </p:txBody>
+        </p:sp>
+        <p:sp>
+          <p:nvSpPr>
+            <p:cNvPr id="183" name="Rectangle: Rounded Corners 182">
+              <a:extLst>
+                <a:ext uri="{FF2B5EF4-FFF2-40B4-BE49-F238E27FC236}">
+                  <a16:creationId xmlns:a16="http://schemas.microsoft.com/office/drawing/2014/main" id="{78BDC951-C669-4983-AA2D-D9723F7EFD8A}"/>
+                </a:ext>
+              </a:extLst>
+            </p:cNvPr>
+            <p:cNvSpPr/>
+            <p:nvPr/>
+          </p:nvSpPr>
+          <p:spPr>
+            <a:xfrm>
+              <a:off x="10391282" y="758902"/>
+              <a:ext cx="360000" cy="360000"/>
+            </a:xfrm>
+            <a:prstGeom prst="roundRect">
+              <a:avLst/>
+            </a:prstGeom>
+            <a:solidFill>
+              <a:srgbClr val="C00000"/>
+            </a:solidFill>
+            <a:ln>
+              <a:solidFill>
+                <a:schemeClr val="tx1"/>
+              </a:solidFill>
+            </a:ln>
+          </p:spPr>
+          <p:style>
+            <a:lnRef idx="2">
+              <a:schemeClr val="accent1">
+                <a:shade val="50000"/>
+              </a:schemeClr>
+            </a:lnRef>
+            <a:fillRef idx="1">
+              <a:schemeClr val="accent1"/>
+            </a:fillRef>
+            <a:effectRef idx="0">
+              <a:schemeClr val="accent1"/>
+            </a:effectRef>
+            <a:fontRef idx="minor">
+              <a:schemeClr val="lt1"/>
+            </a:fontRef>
+          </p:style>
+          <p:txBody>
+            <a:bodyPr rtlCol="0" anchor="ctr"/>
+            <a:lstStyle/>
+            <a:p>
+              <a:pPr algn="ctr"/>
+              <a:r>
+                <a:rPr lang="en-AU" dirty="0"/>
+                <a:t>R</a:t>
+              </a:r>
+            </a:p>
+          </p:txBody>
+        </p:sp>
+        <p:sp>
+          <p:nvSpPr>
+            <p:cNvPr id="184" name="Rectangle: Rounded Corners 183">
+              <a:extLst>
+                <a:ext uri="{FF2B5EF4-FFF2-40B4-BE49-F238E27FC236}">
+                  <a16:creationId xmlns:a16="http://schemas.microsoft.com/office/drawing/2014/main" id="{5D50B88B-6C06-4218-87D0-6F481A65C7CE}"/>
+                </a:ext>
+              </a:extLst>
+            </p:cNvPr>
+            <p:cNvSpPr/>
+            <p:nvPr/>
+          </p:nvSpPr>
+          <p:spPr>
+            <a:xfrm>
+              <a:off x="10789506" y="1480470"/>
+              <a:ext cx="360000" cy="360000"/>
+            </a:xfrm>
+            <a:prstGeom prst="roundRect">
+              <a:avLst/>
+            </a:prstGeom>
+            <a:solidFill>
+              <a:srgbClr val="7030A0"/>
+            </a:solidFill>
+            <a:ln>
+              <a:solidFill>
+                <a:schemeClr val="tx1"/>
+              </a:solidFill>
+            </a:ln>
+          </p:spPr>
+          <p:style>
+            <a:lnRef idx="2">
+              <a:schemeClr val="accent2">
+                <a:shade val="50000"/>
+              </a:schemeClr>
+            </a:lnRef>
+            <a:fillRef idx="1">
+              <a:schemeClr val="accent2"/>
+            </a:fillRef>
+            <a:effectRef idx="0">
+              <a:schemeClr val="accent2"/>
+            </a:effectRef>
+            <a:fontRef idx="minor">
+              <a:schemeClr val="lt1"/>
+            </a:fontRef>
+          </p:style>
+          <p:txBody>
+            <a:bodyPr rtlCol="0" anchor="ctr"/>
+            <a:lstStyle/>
+            <a:p>
+              <a:pPr algn="ctr"/>
+              <a:r>
+                <a:rPr lang="en-AU" dirty="0"/>
+                <a:t>P</a:t>
+              </a:r>
+            </a:p>
+          </p:txBody>
+        </p:sp>
+        <p:sp>
+          <p:nvSpPr>
+            <p:cNvPr id="185" name="Rectangle: Rounded Corners 184">
+              <a:extLst>
+                <a:ext uri="{FF2B5EF4-FFF2-40B4-BE49-F238E27FC236}">
+                  <a16:creationId xmlns:a16="http://schemas.microsoft.com/office/drawing/2014/main" id="{C2B69BC8-2CB1-43FA-9592-D9BCD90914DB}"/>
+                </a:ext>
+              </a:extLst>
+            </p:cNvPr>
+            <p:cNvSpPr/>
+            <p:nvPr/>
+          </p:nvSpPr>
+          <p:spPr>
+            <a:xfrm>
+              <a:off x="10791712" y="760458"/>
+              <a:ext cx="360000" cy="360000"/>
+            </a:xfrm>
+            <a:prstGeom prst="roundRect">
+              <a:avLst/>
+            </a:prstGeom>
+            <a:solidFill>
+              <a:schemeClr val="accent6">
+                <a:lumMod val="75000"/>
+              </a:schemeClr>
+            </a:solidFill>
+            <a:ln>
+              <a:solidFill>
+                <a:schemeClr val="tx1"/>
+              </a:solidFill>
+            </a:ln>
+          </p:spPr>
+          <p:style>
+            <a:lnRef idx="2">
+              <a:schemeClr val="accent1">
+                <a:shade val="50000"/>
+              </a:schemeClr>
+            </a:lnRef>
+            <a:fillRef idx="1">
+              <a:schemeClr val="accent1"/>
+            </a:fillRef>
+            <a:effectRef idx="0">
+              <a:schemeClr val="accent1"/>
+            </a:effectRef>
+            <a:fontRef idx="minor">
+              <a:schemeClr val="lt1"/>
+            </a:fontRef>
+          </p:style>
+          <p:txBody>
+            <a:bodyPr rtlCol="0" anchor="ctr"/>
+            <a:lstStyle/>
+            <a:p>
+              <a:pPr algn="ctr"/>
+              <a:r>
+                <a:rPr lang="en-AU" dirty="0"/>
+                <a:t>G</a:t>
+              </a:r>
+            </a:p>
+          </p:txBody>
+        </p:sp>
+        <p:sp>
+          <p:nvSpPr>
+            <p:cNvPr id="186" name="Rectangle: Rounded Corners 185">
+              <a:extLst>
+                <a:ext uri="{FF2B5EF4-FFF2-40B4-BE49-F238E27FC236}">
+                  <a16:creationId xmlns:a16="http://schemas.microsoft.com/office/drawing/2014/main" id="{EFD0B767-E32B-4FB5-9142-4F5E65C2D8C2}"/>
+                </a:ext>
+              </a:extLst>
+            </p:cNvPr>
+            <p:cNvSpPr/>
+            <p:nvPr/>
+          </p:nvSpPr>
+          <p:spPr>
+            <a:xfrm>
+              <a:off x="10789506" y="1120464"/>
+              <a:ext cx="360000" cy="360000"/>
+            </a:xfrm>
+            <a:prstGeom prst="roundRect">
+              <a:avLst/>
+            </a:prstGeom>
+            <a:solidFill>
+              <a:srgbClr val="C00000"/>
+            </a:solidFill>
+            <a:ln>
+              <a:solidFill>
+                <a:schemeClr val="tx1"/>
+              </a:solidFill>
+            </a:ln>
+          </p:spPr>
+          <p:style>
+            <a:lnRef idx="2">
+              <a:schemeClr val="accent1">
+                <a:shade val="50000"/>
+              </a:schemeClr>
+            </a:lnRef>
+            <a:fillRef idx="1">
+              <a:schemeClr val="accent1"/>
+            </a:fillRef>
+            <a:effectRef idx="0">
+              <a:schemeClr val="accent1"/>
+            </a:effectRef>
+            <a:fontRef idx="minor">
+              <a:schemeClr val="lt1"/>
+            </a:fontRef>
+          </p:style>
+          <p:txBody>
+            <a:bodyPr rtlCol="0" anchor="ctr"/>
+            <a:lstStyle/>
+            <a:p>
+              <a:pPr algn="ctr"/>
+              <a:r>
+                <a:rPr lang="en-AU" dirty="0"/>
+                <a:t>R</a:t>
+              </a:r>
+            </a:p>
+          </p:txBody>
+        </p:sp>
+        <p:sp>
+          <p:nvSpPr>
+            <p:cNvPr id="187" name="Rectangle: Rounded Corners 186">
+              <a:extLst>
+                <a:ext uri="{FF2B5EF4-FFF2-40B4-BE49-F238E27FC236}">
+                  <a16:creationId xmlns:a16="http://schemas.microsoft.com/office/drawing/2014/main" id="{847734A2-58CD-467E-BC65-9AAFBC76673C}"/>
+                </a:ext>
+              </a:extLst>
+            </p:cNvPr>
+            <p:cNvSpPr/>
+            <p:nvPr/>
+          </p:nvSpPr>
+          <p:spPr>
+            <a:xfrm>
+              <a:off x="11199716" y="1477930"/>
+              <a:ext cx="360000" cy="360000"/>
+            </a:xfrm>
+            <a:prstGeom prst="roundRect">
+              <a:avLst/>
+            </a:prstGeom>
+            <a:solidFill>
+              <a:srgbClr val="7030A0"/>
+            </a:solidFill>
+            <a:ln>
+              <a:solidFill>
+                <a:schemeClr val="tx1"/>
+              </a:solidFill>
+            </a:ln>
+          </p:spPr>
+          <p:style>
+            <a:lnRef idx="2">
+              <a:schemeClr val="accent2">
+                <a:shade val="50000"/>
+              </a:schemeClr>
+            </a:lnRef>
+            <a:fillRef idx="1">
+              <a:schemeClr val="accent2"/>
+            </a:fillRef>
+            <a:effectRef idx="0">
+              <a:schemeClr val="accent2"/>
+            </a:effectRef>
+            <a:fontRef idx="minor">
+              <a:schemeClr val="lt1"/>
+            </a:fontRef>
+          </p:style>
+          <p:txBody>
+            <a:bodyPr rtlCol="0" anchor="ctr"/>
+            <a:lstStyle/>
+            <a:p>
+              <a:pPr algn="ctr"/>
+              <a:r>
+                <a:rPr lang="en-AU" dirty="0"/>
+                <a:t>P</a:t>
+              </a:r>
+            </a:p>
+          </p:txBody>
+        </p:sp>
+        <p:sp>
+          <p:nvSpPr>
+            <p:cNvPr id="188" name="Rectangle: Rounded Corners 187">
+              <a:extLst>
+                <a:ext uri="{FF2B5EF4-FFF2-40B4-BE49-F238E27FC236}">
+                  <a16:creationId xmlns:a16="http://schemas.microsoft.com/office/drawing/2014/main" id="{DAB55048-1BFB-488F-8458-2C4975B1D365}"/>
+                </a:ext>
+              </a:extLst>
+            </p:cNvPr>
+            <p:cNvSpPr/>
+            <p:nvPr/>
+          </p:nvSpPr>
+          <p:spPr>
+            <a:xfrm>
+              <a:off x="11201922" y="757918"/>
+              <a:ext cx="360000" cy="360000"/>
+            </a:xfrm>
+            <a:prstGeom prst="roundRect">
+              <a:avLst/>
+            </a:prstGeom>
+            <a:solidFill>
+              <a:schemeClr val="accent6">
+                <a:lumMod val="75000"/>
+              </a:schemeClr>
+            </a:solidFill>
+            <a:ln>
+              <a:solidFill>
+                <a:schemeClr val="tx1"/>
+              </a:solidFill>
+            </a:ln>
+          </p:spPr>
+          <p:style>
+            <a:lnRef idx="2">
+              <a:schemeClr val="accent1">
+                <a:shade val="50000"/>
+              </a:schemeClr>
+            </a:lnRef>
+            <a:fillRef idx="1">
+              <a:schemeClr val="accent1"/>
+            </a:fillRef>
+            <a:effectRef idx="0">
+              <a:schemeClr val="accent1"/>
+            </a:effectRef>
+            <a:fontRef idx="minor">
+              <a:schemeClr val="lt1"/>
+            </a:fontRef>
+          </p:style>
+          <p:txBody>
+            <a:bodyPr rtlCol="0" anchor="ctr"/>
+            <a:lstStyle/>
+            <a:p>
+              <a:pPr algn="ctr"/>
+              <a:r>
+                <a:rPr lang="en-AU" dirty="0"/>
+                <a:t>G</a:t>
+              </a:r>
+            </a:p>
+          </p:txBody>
+        </p:sp>
+        <p:sp>
+          <p:nvSpPr>
+            <p:cNvPr id="189" name="Rectangle: Rounded Corners 188">
+              <a:extLst>
+                <a:ext uri="{FF2B5EF4-FFF2-40B4-BE49-F238E27FC236}">
+                  <a16:creationId xmlns:a16="http://schemas.microsoft.com/office/drawing/2014/main" id="{B3820E1F-A3FC-4C22-8667-E123AB633040}"/>
+                </a:ext>
+              </a:extLst>
+            </p:cNvPr>
+            <p:cNvSpPr/>
+            <p:nvPr/>
+          </p:nvSpPr>
+          <p:spPr>
+            <a:xfrm>
+              <a:off x="11199716" y="1117924"/>
+              <a:ext cx="360000" cy="360000"/>
+            </a:xfrm>
+            <a:prstGeom prst="roundRect">
+              <a:avLst/>
+            </a:prstGeom>
+            <a:solidFill>
+              <a:srgbClr val="C00000"/>
+            </a:solidFill>
+            <a:ln>
+              <a:solidFill>
+                <a:schemeClr val="tx1"/>
+              </a:solidFill>
+            </a:ln>
+          </p:spPr>
+          <p:style>
+            <a:lnRef idx="2">
+              <a:schemeClr val="accent1">
+                <a:shade val="50000"/>
+              </a:schemeClr>
+            </a:lnRef>
+            <a:fillRef idx="1">
+              <a:schemeClr val="accent1"/>
+            </a:fillRef>
+            <a:effectRef idx="0">
+              <a:schemeClr val="accent1"/>
+            </a:effectRef>
+            <a:fontRef idx="minor">
+              <a:schemeClr val="lt1"/>
+            </a:fontRef>
+          </p:style>
+          <p:txBody>
+            <a:bodyPr rtlCol="0" anchor="ctr"/>
+            <a:lstStyle/>
+            <a:p>
+              <a:pPr algn="ctr"/>
+              <a:r>
+                <a:rPr lang="en-AU" dirty="0"/>
+                <a:t>R</a:t>
+              </a:r>
+            </a:p>
+          </p:txBody>
+        </p:sp>
+        <p:sp>
+          <p:nvSpPr>
+            <p:cNvPr id="190" name="Rectangle: Rounded Corners 189">
+              <a:extLst>
+                <a:ext uri="{FF2B5EF4-FFF2-40B4-BE49-F238E27FC236}">
+                  <a16:creationId xmlns:a16="http://schemas.microsoft.com/office/drawing/2014/main" id="{3ECF51B9-E3B6-48B3-92FE-4945E04AFCE7}"/>
+                </a:ext>
+              </a:extLst>
+            </p:cNvPr>
+            <p:cNvSpPr/>
+            <p:nvPr/>
+          </p:nvSpPr>
+          <p:spPr>
+            <a:xfrm>
+              <a:off x="9540369" y="277745"/>
+              <a:ext cx="477530" cy="1724183"/>
+            </a:xfrm>
+            <a:prstGeom prst="roundRect">
+              <a:avLst/>
+            </a:prstGeom>
+            <a:noFill/>
+            <a:ln w="28575">
+              <a:solidFill>
+                <a:srgbClr val="FF0000"/>
+              </a:solidFill>
+            </a:ln>
+          </p:spPr>
+          <p:style>
+            <a:lnRef idx="2">
+              <a:schemeClr val="accent1">
+                <a:shade val="50000"/>
+              </a:schemeClr>
+            </a:lnRef>
+            <a:fillRef idx="1">
+              <a:schemeClr val="accent1"/>
+            </a:fillRef>
+            <a:effectRef idx="0">
+              <a:schemeClr val="accent1"/>
+            </a:effectRef>
+            <a:fontRef idx="minor">
+              <a:schemeClr val="lt1"/>
+            </a:fontRef>
+          </p:style>
+          <p:txBody>
+            <a:bodyPr rtlCol="0" anchor="ctr"/>
+            <a:lstStyle/>
+            <a:p>
+              <a:pPr algn="ctr"/>
+              <a:endParaRPr lang="en-AU"/>
+            </a:p>
+          </p:txBody>
+        </p:sp>
+      </p:grpSp>
     </p:spTree>
     <p:extLst>
       <p:ext uri="{BB962C8B-B14F-4D97-AF65-F5344CB8AC3E}">

--- a/paper/figures/Experimental design graphics.pptx
+++ b/paper/figures/Experimental design graphics.pptx
@@ -291,7 +291,7 @@
           <a:p>
             <a:fld id="{B25803F7-6624-424E-B78C-2F27C4BCE53D}" type="datetimeFigureOut">
               <a:rPr lang="en-AU" smtClean="0"/>
-              <a:t>10/10/2020</a:t>
+              <a:t>14/10/2020</a:t>
             </a:fld>
             <a:endParaRPr lang="en-AU"/>
           </a:p>
@@ -491,7 +491,7 @@
           <a:p>
             <a:fld id="{B25803F7-6624-424E-B78C-2F27C4BCE53D}" type="datetimeFigureOut">
               <a:rPr lang="en-AU" smtClean="0"/>
-              <a:t>10/10/2020</a:t>
+              <a:t>14/10/2020</a:t>
             </a:fld>
             <a:endParaRPr lang="en-AU"/>
           </a:p>
@@ -701,7 +701,7 @@
           <a:p>
             <a:fld id="{B25803F7-6624-424E-B78C-2F27C4BCE53D}" type="datetimeFigureOut">
               <a:rPr lang="en-AU" smtClean="0"/>
-              <a:t>10/10/2020</a:t>
+              <a:t>14/10/2020</a:t>
             </a:fld>
             <a:endParaRPr lang="en-AU"/>
           </a:p>
@@ -901,7 +901,7 @@
           <a:p>
             <a:fld id="{B25803F7-6624-424E-B78C-2F27C4BCE53D}" type="datetimeFigureOut">
               <a:rPr lang="en-AU" smtClean="0"/>
-              <a:t>10/10/2020</a:t>
+              <a:t>14/10/2020</a:t>
             </a:fld>
             <a:endParaRPr lang="en-AU"/>
           </a:p>
@@ -1177,7 +1177,7 @@
           <a:p>
             <a:fld id="{B25803F7-6624-424E-B78C-2F27C4BCE53D}" type="datetimeFigureOut">
               <a:rPr lang="en-AU" smtClean="0"/>
-              <a:t>10/10/2020</a:t>
+              <a:t>14/10/2020</a:t>
             </a:fld>
             <a:endParaRPr lang="en-AU"/>
           </a:p>
@@ -1445,7 +1445,7 @@
           <a:p>
             <a:fld id="{B25803F7-6624-424E-B78C-2F27C4BCE53D}" type="datetimeFigureOut">
               <a:rPr lang="en-AU" smtClean="0"/>
-              <a:t>10/10/2020</a:t>
+              <a:t>14/10/2020</a:t>
             </a:fld>
             <a:endParaRPr lang="en-AU"/>
           </a:p>
@@ -1860,7 +1860,7 @@
           <a:p>
             <a:fld id="{B25803F7-6624-424E-B78C-2F27C4BCE53D}" type="datetimeFigureOut">
               <a:rPr lang="en-AU" smtClean="0"/>
-              <a:t>10/10/2020</a:t>
+              <a:t>14/10/2020</a:t>
             </a:fld>
             <a:endParaRPr lang="en-AU"/>
           </a:p>
@@ -2002,7 +2002,7 @@
           <a:p>
             <a:fld id="{B25803F7-6624-424E-B78C-2F27C4BCE53D}" type="datetimeFigureOut">
               <a:rPr lang="en-AU" smtClean="0"/>
-              <a:t>10/10/2020</a:t>
+              <a:t>14/10/2020</a:t>
             </a:fld>
             <a:endParaRPr lang="en-AU"/>
           </a:p>
@@ -2115,7 +2115,7 @@
           <a:p>
             <a:fld id="{B25803F7-6624-424E-B78C-2F27C4BCE53D}" type="datetimeFigureOut">
               <a:rPr lang="en-AU" smtClean="0"/>
-              <a:t>10/10/2020</a:t>
+              <a:t>14/10/2020</a:t>
             </a:fld>
             <a:endParaRPr lang="en-AU"/>
           </a:p>
@@ -2428,7 +2428,7 @@
           <a:p>
             <a:fld id="{B25803F7-6624-424E-B78C-2F27C4BCE53D}" type="datetimeFigureOut">
               <a:rPr lang="en-AU" smtClean="0"/>
-              <a:t>10/10/2020</a:t>
+              <a:t>14/10/2020</a:t>
             </a:fld>
             <a:endParaRPr lang="en-AU"/>
           </a:p>
@@ -2717,7 +2717,7 @@
           <a:p>
             <a:fld id="{B25803F7-6624-424E-B78C-2F27C4BCE53D}" type="datetimeFigureOut">
               <a:rPr lang="en-AU" smtClean="0"/>
-              <a:t>10/10/2020</a:t>
+              <a:t>14/10/2020</a:t>
             </a:fld>
             <a:endParaRPr lang="en-AU"/>
           </a:p>
@@ -2960,7 +2960,7 @@
           <a:p>
             <a:fld id="{B25803F7-6624-424E-B78C-2F27C4BCE53D}" type="datetimeFigureOut">
               <a:rPr lang="en-AU" smtClean="0"/>
-              <a:t>10/10/2020</a:t>
+              <a:t>14/10/2020</a:t>
             </a:fld>
             <a:endParaRPr lang="en-AU"/>
           </a:p>
@@ -7342,7 +7342,7 @@
         </p:nvSpPr>
         <p:spPr>
           <a:xfrm>
-            <a:off x="-3873500" y="3249000"/>
+            <a:off x="895269" y="7102977"/>
             <a:ext cx="4191000" cy="1477328"/>
           </a:xfrm>
           <a:prstGeom prst="rect">
@@ -7358,15 +7358,7 @@
           <a:p>
             <a:r>
               <a:rPr lang="en-US" dirty="0"/>
-              <a:t>Even block </a:t>
-            </a:r>
-            <a:r>
-              <a:rPr lang="en-US" dirty="0" err="1"/>
-              <a:t>evaluationevery</a:t>
-            </a:r>
-            <a:r>
-              <a:rPr lang="en-US" dirty="0"/>
-              <a:t> 6 participants, but does not have full span; Factor perm 1 never happens at Location perm 2, unless location selects on </a:t>
+              <a:t>Even block evaluation every 6 participants, but does not have full span; Factor perm 1 never happens at Location perm 2, unless location selects on </a:t>
             </a:r>
             <a:endParaRPr lang="en-AU" dirty="0"/>
           </a:p>
@@ -8031,7 +8023,7 @@
         </p:nvGrpSpPr>
         <p:grpSpPr>
           <a:xfrm>
-            <a:off x="674039" y="1438383"/>
+            <a:off x="326567" y="1438383"/>
             <a:ext cx="5648185" cy="3967091"/>
             <a:chOff x="1050279" y="1289340"/>
             <a:chExt cx="5648185" cy="3967091"/>
@@ -8474,7 +8466,7 @@
         </p:blipFill>
         <p:spPr>
           <a:xfrm>
-            <a:off x="-1434371" y="7885101"/>
+            <a:off x="-3779069" y="4487074"/>
             <a:ext cx="952500" cy="952500"/>
           </a:xfrm>
           <a:prstGeom prst="rect">
@@ -8604,13 +8596,13 @@
         </p:nvSpPr>
         <p:spPr>
           <a:xfrm>
-            <a:off x="6270706" y="23779"/>
-            <a:ext cx="5616707" cy="6810442"/>
+            <a:off x="6170122" y="-451775"/>
+            <a:ext cx="6021878" cy="7604416"/>
           </a:xfrm>
           <a:prstGeom prst="wedgeRoundRectCallout">
             <a:avLst>
-              <a:gd name="adj1" fmla="val -60137"/>
-              <a:gd name="adj2" fmla="val -21035"/>
+              <a:gd name="adj1" fmla="val -62416"/>
+              <a:gd name="adj2" fmla="val -20498"/>
               <a:gd name="adj3" fmla="val 16667"/>
             </a:avLst>
           </a:prstGeom>
@@ -8644,6 +8636,1312 @@
       </p:sp>
       <p:grpSp>
         <p:nvGrpSpPr>
+          <p:cNvPr id="164" name="Group 163">
+            <a:extLst>
+              <a:ext uri="{FF2B5EF4-FFF2-40B4-BE49-F238E27FC236}">
+                <a16:creationId xmlns:a16="http://schemas.microsoft.com/office/drawing/2014/main" id="{4224A207-BC90-445F-9733-56200E09C137}"/>
+              </a:ext>
+            </a:extLst>
+          </p:cNvPr>
+          <p:cNvGrpSpPr/>
+          <p:nvPr/>
+        </p:nvGrpSpPr>
+        <p:grpSpPr>
+          <a:xfrm>
+            <a:off x="-4229269" y="8622497"/>
+            <a:ext cx="4399151" cy="1735165"/>
+            <a:chOff x="7462647" y="266763"/>
+            <a:chExt cx="4399151" cy="1735165"/>
+          </a:xfrm>
+        </p:grpSpPr>
+        <p:sp>
+          <p:nvSpPr>
+            <p:cNvPr id="165" name="Rectangle: Rounded Corners 164">
+              <a:extLst>
+                <a:ext uri="{FF2B5EF4-FFF2-40B4-BE49-F238E27FC236}">
+                  <a16:creationId xmlns:a16="http://schemas.microsoft.com/office/drawing/2014/main" id="{D072693B-8AA4-41A0-9149-CFAF134253AC}"/>
+                </a:ext>
+              </a:extLst>
+            </p:cNvPr>
+            <p:cNvSpPr/>
+            <p:nvPr/>
+          </p:nvSpPr>
+          <p:spPr>
+            <a:xfrm>
+              <a:off x="9599258" y="761169"/>
+              <a:ext cx="360000" cy="360000"/>
+            </a:xfrm>
+            <a:prstGeom prst="roundRect">
+              <a:avLst/>
+            </a:prstGeom>
+            <a:solidFill>
+              <a:srgbClr val="7030A0"/>
+            </a:solidFill>
+            <a:ln>
+              <a:solidFill>
+                <a:schemeClr val="tx1"/>
+              </a:solidFill>
+            </a:ln>
+          </p:spPr>
+          <p:style>
+            <a:lnRef idx="2">
+              <a:schemeClr val="accent2">
+                <a:shade val="50000"/>
+              </a:schemeClr>
+            </a:lnRef>
+            <a:fillRef idx="1">
+              <a:schemeClr val="accent2"/>
+            </a:fillRef>
+            <a:effectRef idx="0">
+              <a:schemeClr val="accent2"/>
+            </a:effectRef>
+            <a:fontRef idx="minor">
+              <a:schemeClr val="lt1"/>
+            </a:fontRef>
+          </p:style>
+          <p:txBody>
+            <a:bodyPr rtlCol="0" anchor="ctr"/>
+            <a:lstStyle/>
+            <a:p>
+              <a:pPr algn="ctr"/>
+              <a:r>
+                <a:rPr lang="en-AU" dirty="0"/>
+                <a:t>P</a:t>
+              </a:r>
+            </a:p>
+          </p:txBody>
+        </p:sp>
+        <p:sp>
+          <p:nvSpPr>
+            <p:cNvPr id="166" name="Rectangle: Rounded Corners 165">
+              <a:extLst>
+                <a:ext uri="{FF2B5EF4-FFF2-40B4-BE49-F238E27FC236}">
+                  <a16:creationId xmlns:a16="http://schemas.microsoft.com/office/drawing/2014/main" id="{BFDB735E-E165-4A63-9C21-6439BCD2ED42}"/>
+                </a:ext>
+              </a:extLst>
+            </p:cNvPr>
+            <p:cNvSpPr/>
+            <p:nvPr/>
+          </p:nvSpPr>
+          <p:spPr>
+            <a:xfrm>
+              <a:off x="9595715" y="1476089"/>
+              <a:ext cx="360000" cy="360000"/>
+            </a:xfrm>
+            <a:prstGeom prst="roundRect">
+              <a:avLst/>
+            </a:prstGeom>
+            <a:solidFill>
+              <a:schemeClr val="accent6">
+                <a:lumMod val="75000"/>
+              </a:schemeClr>
+            </a:solidFill>
+            <a:ln>
+              <a:solidFill>
+                <a:schemeClr val="tx1"/>
+              </a:solidFill>
+            </a:ln>
+          </p:spPr>
+          <p:style>
+            <a:lnRef idx="2">
+              <a:schemeClr val="accent1">
+                <a:shade val="50000"/>
+              </a:schemeClr>
+            </a:lnRef>
+            <a:fillRef idx="1">
+              <a:schemeClr val="accent1"/>
+            </a:fillRef>
+            <a:effectRef idx="0">
+              <a:schemeClr val="accent1"/>
+            </a:effectRef>
+            <a:fontRef idx="minor">
+              <a:schemeClr val="lt1"/>
+            </a:fontRef>
+          </p:style>
+          <p:txBody>
+            <a:bodyPr rtlCol="0" anchor="ctr"/>
+            <a:lstStyle/>
+            <a:p>
+              <a:pPr algn="ctr"/>
+              <a:r>
+                <a:rPr lang="en-AU" dirty="0"/>
+                <a:t>G</a:t>
+              </a:r>
+            </a:p>
+          </p:txBody>
+        </p:sp>
+        <p:sp>
+          <p:nvSpPr>
+            <p:cNvPr id="191" name="Rectangle: Rounded Corners 190">
+              <a:extLst>
+                <a:ext uri="{FF2B5EF4-FFF2-40B4-BE49-F238E27FC236}">
+                  <a16:creationId xmlns:a16="http://schemas.microsoft.com/office/drawing/2014/main" id="{32E22AF9-4EDC-48A1-9642-B6C713C6B5AC}"/>
+                </a:ext>
+              </a:extLst>
+            </p:cNvPr>
+            <p:cNvSpPr/>
+            <p:nvPr/>
+          </p:nvSpPr>
+          <p:spPr>
+            <a:xfrm>
+              <a:off x="9597875" y="1116089"/>
+              <a:ext cx="360000" cy="360000"/>
+            </a:xfrm>
+            <a:prstGeom prst="roundRect">
+              <a:avLst/>
+            </a:prstGeom>
+            <a:solidFill>
+              <a:srgbClr val="C00000"/>
+            </a:solidFill>
+            <a:ln>
+              <a:solidFill>
+                <a:schemeClr val="tx1"/>
+              </a:solidFill>
+            </a:ln>
+          </p:spPr>
+          <p:style>
+            <a:lnRef idx="2">
+              <a:schemeClr val="accent1">
+                <a:shade val="50000"/>
+              </a:schemeClr>
+            </a:lnRef>
+            <a:fillRef idx="1">
+              <a:schemeClr val="accent1"/>
+            </a:fillRef>
+            <a:effectRef idx="0">
+              <a:schemeClr val="accent1"/>
+            </a:effectRef>
+            <a:fontRef idx="minor">
+              <a:schemeClr val="lt1"/>
+            </a:fontRef>
+          </p:style>
+          <p:txBody>
+            <a:bodyPr rtlCol="0" anchor="ctr"/>
+            <a:lstStyle/>
+            <a:p>
+              <a:pPr algn="ctr"/>
+              <a:r>
+                <a:rPr lang="en-AU" dirty="0"/>
+                <a:t>R</a:t>
+              </a:r>
+            </a:p>
+          </p:txBody>
+        </p:sp>
+        <p:sp>
+          <p:nvSpPr>
+            <p:cNvPr id="192" name="TextBox 191">
+              <a:extLst>
+                <a:ext uri="{FF2B5EF4-FFF2-40B4-BE49-F238E27FC236}">
+                  <a16:creationId xmlns:a16="http://schemas.microsoft.com/office/drawing/2014/main" id="{5CD69455-C2D8-4BE5-9587-89231F8E07E3}"/>
+                </a:ext>
+              </a:extLst>
+            </p:cNvPr>
+            <p:cNvSpPr txBox="1"/>
+            <p:nvPr/>
+          </p:nvSpPr>
+          <p:spPr>
+            <a:xfrm>
+              <a:off x="7675880" y="733229"/>
+              <a:ext cx="1400935" cy="1107996"/>
+            </a:xfrm>
+            <a:prstGeom prst="rect">
+              <a:avLst/>
+            </a:prstGeom>
+            <a:noFill/>
+          </p:spPr>
+          <p:txBody>
+            <a:bodyPr wrap="square" rtlCol="0">
+              <a:spAutoFit/>
+            </a:bodyPr>
+            <a:lstStyle/>
+            <a:p>
+              <a:pPr algn="r"/>
+              <a:r>
+                <a:rPr lang="en-AU" sz="2200" dirty="0"/>
+                <a:t>1</a:t>
+              </a:r>
+              <a:r>
+                <a:rPr lang="en-AU" sz="2200" baseline="30000" dirty="0"/>
+                <a:t>st</a:t>
+              </a:r>
+              <a:r>
+                <a:rPr lang="en-AU" sz="2200" dirty="0"/>
+                <a:t> factor</a:t>
+              </a:r>
+            </a:p>
+            <a:p>
+              <a:pPr algn="r"/>
+              <a:r>
+                <a:rPr lang="en-AU" sz="2200" dirty="0"/>
+                <a:t>2</a:t>
+              </a:r>
+              <a:r>
+                <a:rPr lang="en-AU" sz="2200" baseline="30000" dirty="0"/>
+                <a:t>nd</a:t>
+              </a:r>
+              <a:r>
+                <a:rPr lang="en-AU" sz="2200" dirty="0"/>
+                <a:t> factor</a:t>
+              </a:r>
+            </a:p>
+            <a:p>
+              <a:pPr algn="r"/>
+              <a:r>
+                <a:rPr lang="en-AU" sz="2200" dirty="0"/>
+                <a:t>3</a:t>
+              </a:r>
+              <a:r>
+                <a:rPr lang="en-AU" sz="2200" baseline="30000" dirty="0"/>
+                <a:t>rd</a:t>
+              </a:r>
+              <a:r>
+                <a:rPr lang="en-AU" sz="2200" dirty="0"/>
+                <a:t> factor</a:t>
+              </a:r>
+            </a:p>
+          </p:txBody>
+        </p:sp>
+        <p:sp>
+          <p:nvSpPr>
+            <p:cNvPr id="193" name="TextBox 192">
+              <a:extLst>
+                <a:ext uri="{FF2B5EF4-FFF2-40B4-BE49-F238E27FC236}">
+                  <a16:creationId xmlns:a16="http://schemas.microsoft.com/office/drawing/2014/main" id="{91A4011D-C762-4F9E-9B87-056B64A0F292}"/>
+                </a:ext>
+              </a:extLst>
+            </p:cNvPr>
+            <p:cNvSpPr txBox="1"/>
+            <p:nvPr/>
+          </p:nvSpPr>
+          <p:spPr>
+            <a:xfrm>
+              <a:off x="7462647" y="266763"/>
+              <a:ext cx="4399151" cy="430887"/>
+            </a:xfrm>
+            <a:prstGeom prst="rect">
+              <a:avLst/>
+            </a:prstGeom>
+            <a:noFill/>
+          </p:spPr>
+          <p:txBody>
+            <a:bodyPr wrap="square" rtlCol="0">
+              <a:spAutoFit/>
+            </a:bodyPr>
+            <a:lstStyle/>
+            <a:p>
+              <a:r>
+                <a:rPr lang="en-AU" sz="2200" dirty="0"/>
+                <a:t>Factor order     1,   2,   3,   4,   5,   6</a:t>
+              </a:r>
+            </a:p>
+          </p:txBody>
+        </p:sp>
+        <p:cxnSp>
+          <p:nvCxnSpPr>
+            <p:cNvPr id="194" name="Straight Connector 193">
+              <a:extLst>
+                <a:ext uri="{FF2B5EF4-FFF2-40B4-BE49-F238E27FC236}">
+                  <a16:creationId xmlns:a16="http://schemas.microsoft.com/office/drawing/2014/main" id="{E79C85AA-5DCC-47F1-B3DF-5330FDBEBC50}"/>
+                </a:ext>
+              </a:extLst>
+            </p:cNvPr>
+            <p:cNvCxnSpPr>
+              <a:cxnSpLocks/>
+            </p:cNvCxnSpPr>
+            <p:nvPr/>
+          </p:nvCxnSpPr>
+          <p:spPr>
+            <a:xfrm flipV="1">
+              <a:off x="7476412" y="674824"/>
+              <a:ext cx="4083304" cy="18700"/>
+            </a:xfrm>
+            <a:prstGeom prst="line">
+              <a:avLst/>
+            </a:prstGeom>
+            <a:ln w="28575">
+              <a:solidFill>
+                <a:schemeClr val="tx1"/>
+              </a:solidFill>
+            </a:ln>
+          </p:spPr>
+          <p:style>
+            <a:lnRef idx="1">
+              <a:schemeClr val="accent1"/>
+            </a:lnRef>
+            <a:fillRef idx="0">
+              <a:schemeClr val="accent1"/>
+            </a:fillRef>
+            <a:effectRef idx="0">
+              <a:schemeClr val="accent1"/>
+            </a:effectRef>
+            <a:fontRef idx="minor">
+              <a:schemeClr val="tx1"/>
+            </a:fontRef>
+          </p:style>
+        </p:cxnSp>
+        <p:cxnSp>
+          <p:nvCxnSpPr>
+            <p:cNvPr id="195" name="Straight Connector 194">
+              <a:extLst>
+                <a:ext uri="{FF2B5EF4-FFF2-40B4-BE49-F238E27FC236}">
+                  <a16:creationId xmlns:a16="http://schemas.microsoft.com/office/drawing/2014/main" id="{B3BC6583-AF12-4474-B61B-EB617E957BEE}"/>
+                </a:ext>
+              </a:extLst>
+            </p:cNvPr>
+            <p:cNvCxnSpPr>
+              <a:cxnSpLocks/>
+            </p:cNvCxnSpPr>
+            <p:nvPr/>
+          </p:nvCxnSpPr>
+          <p:spPr>
+            <a:xfrm flipV="1">
+              <a:off x="9095740" y="400050"/>
+              <a:ext cx="0" cy="1466576"/>
+            </a:xfrm>
+            <a:prstGeom prst="line">
+              <a:avLst/>
+            </a:prstGeom>
+            <a:ln w="28575">
+              <a:solidFill>
+                <a:schemeClr val="tx1"/>
+              </a:solidFill>
+            </a:ln>
+          </p:spPr>
+          <p:style>
+            <a:lnRef idx="1">
+              <a:schemeClr val="accent1"/>
+            </a:lnRef>
+            <a:fillRef idx="0">
+              <a:schemeClr val="accent1"/>
+            </a:fillRef>
+            <a:effectRef idx="0">
+              <a:schemeClr val="accent1"/>
+            </a:effectRef>
+            <a:fontRef idx="minor">
+              <a:schemeClr val="tx1"/>
+            </a:fontRef>
+          </p:style>
+        </p:cxnSp>
+        <p:sp>
+          <p:nvSpPr>
+            <p:cNvPr id="196" name="Rectangle: Rounded Corners 195">
+              <a:extLst>
+                <a:ext uri="{FF2B5EF4-FFF2-40B4-BE49-F238E27FC236}">
+                  <a16:creationId xmlns:a16="http://schemas.microsoft.com/office/drawing/2014/main" id="{DD6E0BAA-8634-450E-B41A-B60CD883689A}"/>
+                </a:ext>
+              </a:extLst>
+            </p:cNvPr>
+            <p:cNvSpPr/>
+            <p:nvPr/>
+          </p:nvSpPr>
+          <p:spPr>
+            <a:xfrm>
+              <a:off x="9198029" y="757918"/>
+              <a:ext cx="360000" cy="360000"/>
+            </a:xfrm>
+            <a:prstGeom prst="roundRect">
+              <a:avLst/>
+            </a:prstGeom>
+            <a:solidFill>
+              <a:srgbClr val="7030A0"/>
+            </a:solidFill>
+            <a:ln>
+              <a:solidFill>
+                <a:schemeClr val="tx1"/>
+              </a:solidFill>
+            </a:ln>
+          </p:spPr>
+          <p:style>
+            <a:lnRef idx="2">
+              <a:schemeClr val="accent2">
+                <a:shade val="50000"/>
+              </a:schemeClr>
+            </a:lnRef>
+            <a:fillRef idx="1">
+              <a:schemeClr val="accent2"/>
+            </a:fillRef>
+            <a:effectRef idx="0">
+              <a:schemeClr val="accent2"/>
+            </a:effectRef>
+            <a:fontRef idx="minor">
+              <a:schemeClr val="lt1"/>
+            </a:fontRef>
+          </p:style>
+          <p:txBody>
+            <a:bodyPr rtlCol="0" anchor="ctr"/>
+            <a:lstStyle/>
+            <a:p>
+              <a:pPr algn="ctr"/>
+              <a:r>
+                <a:rPr lang="en-AU" dirty="0"/>
+                <a:t>P</a:t>
+              </a:r>
+            </a:p>
+          </p:txBody>
+        </p:sp>
+        <p:sp>
+          <p:nvSpPr>
+            <p:cNvPr id="197" name="Rectangle: Rounded Corners 196">
+              <a:extLst>
+                <a:ext uri="{FF2B5EF4-FFF2-40B4-BE49-F238E27FC236}">
+                  <a16:creationId xmlns:a16="http://schemas.microsoft.com/office/drawing/2014/main" id="{3BD49D0B-9539-4A66-AAE1-A3CCB9673A35}"/>
+                </a:ext>
+              </a:extLst>
+            </p:cNvPr>
+            <p:cNvSpPr/>
+            <p:nvPr/>
+          </p:nvSpPr>
+          <p:spPr>
+            <a:xfrm>
+              <a:off x="9198029" y="1122263"/>
+              <a:ext cx="360000" cy="360000"/>
+            </a:xfrm>
+            <a:prstGeom prst="roundRect">
+              <a:avLst/>
+            </a:prstGeom>
+            <a:solidFill>
+              <a:schemeClr val="accent6">
+                <a:lumMod val="75000"/>
+              </a:schemeClr>
+            </a:solidFill>
+            <a:ln>
+              <a:solidFill>
+                <a:schemeClr val="tx1"/>
+              </a:solidFill>
+            </a:ln>
+          </p:spPr>
+          <p:style>
+            <a:lnRef idx="2">
+              <a:schemeClr val="accent1">
+                <a:shade val="50000"/>
+              </a:schemeClr>
+            </a:lnRef>
+            <a:fillRef idx="1">
+              <a:schemeClr val="accent1"/>
+            </a:fillRef>
+            <a:effectRef idx="0">
+              <a:schemeClr val="accent1"/>
+            </a:effectRef>
+            <a:fontRef idx="minor">
+              <a:schemeClr val="lt1"/>
+            </a:fontRef>
+          </p:style>
+          <p:txBody>
+            <a:bodyPr rtlCol="0" anchor="ctr"/>
+            <a:lstStyle/>
+            <a:p>
+              <a:pPr algn="ctr"/>
+              <a:r>
+                <a:rPr lang="en-AU" dirty="0"/>
+                <a:t>G</a:t>
+              </a:r>
+            </a:p>
+          </p:txBody>
+        </p:sp>
+        <p:sp>
+          <p:nvSpPr>
+            <p:cNvPr id="198" name="Rectangle: Rounded Corners 197">
+              <a:extLst>
+                <a:ext uri="{FF2B5EF4-FFF2-40B4-BE49-F238E27FC236}">
+                  <a16:creationId xmlns:a16="http://schemas.microsoft.com/office/drawing/2014/main" id="{310B0E75-6523-4DCE-A421-DC1358BEE30E}"/>
+                </a:ext>
+              </a:extLst>
+            </p:cNvPr>
+            <p:cNvSpPr/>
+            <p:nvPr/>
+          </p:nvSpPr>
+          <p:spPr>
+            <a:xfrm>
+              <a:off x="9198029" y="1485594"/>
+              <a:ext cx="360000" cy="360000"/>
+            </a:xfrm>
+            <a:prstGeom prst="roundRect">
+              <a:avLst/>
+            </a:prstGeom>
+            <a:solidFill>
+              <a:srgbClr val="C00000"/>
+            </a:solidFill>
+            <a:ln>
+              <a:solidFill>
+                <a:schemeClr val="tx1"/>
+              </a:solidFill>
+            </a:ln>
+          </p:spPr>
+          <p:style>
+            <a:lnRef idx="2">
+              <a:schemeClr val="accent1">
+                <a:shade val="50000"/>
+              </a:schemeClr>
+            </a:lnRef>
+            <a:fillRef idx="1">
+              <a:schemeClr val="accent1"/>
+            </a:fillRef>
+            <a:effectRef idx="0">
+              <a:schemeClr val="accent1"/>
+            </a:effectRef>
+            <a:fontRef idx="minor">
+              <a:schemeClr val="lt1"/>
+            </a:fontRef>
+          </p:style>
+          <p:txBody>
+            <a:bodyPr rtlCol="0" anchor="ctr"/>
+            <a:lstStyle/>
+            <a:p>
+              <a:pPr algn="ctr"/>
+              <a:r>
+                <a:rPr lang="en-AU" dirty="0"/>
+                <a:t>R</a:t>
+              </a:r>
+            </a:p>
+          </p:txBody>
+        </p:sp>
+        <p:sp>
+          <p:nvSpPr>
+            <p:cNvPr id="199" name="Rectangle: Rounded Corners 198">
+              <a:extLst>
+                <a:ext uri="{FF2B5EF4-FFF2-40B4-BE49-F238E27FC236}">
+                  <a16:creationId xmlns:a16="http://schemas.microsoft.com/office/drawing/2014/main" id="{3BCD7683-C438-4ED2-B620-5CFFA9BBC1A4}"/>
+                </a:ext>
+              </a:extLst>
+            </p:cNvPr>
+            <p:cNvSpPr/>
+            <p:nvPr/>
+          </p:nvSpPr>
+          <p:spPr>
+            <a:xfrm>
+              <a:off x="9989502" y="1481225"/>
+              <a:ext cx="360000" cy="360000"/>
+            </a:xfrm>
+            <a:prstGeom prst="roundRect">
+              <a:avLst/>
+            </a:prstGeom>
+            <a:solidFill>
+              <a:srgbClr val="7030A0"/>
+            </a:solidFill>
+            <a:ln>
+              <a:solidFill>
+                <a:schemeClr val="tx1"/>
+              </a:solidFill>
+            </a:ln>
+          </p:spPr>
+          <p:style>
+            <a:lnRef idx="2">
+              <a:schemeClr val="accent2">
+                <a:shade val="50000"/>
+              </a:schemeClr>
+            </a:lnRef>
+            <a:fillRef idx="1">
+              <a:schemeClr val="accent2"/>
+            </a:fillRef>
+            <a:effectRef idx="0">
+              <a:schemeClr val="accent2"/>
+            </a:effectRef>
+            <a:fontRef idx="minor">
+              <a:schemeClr val="lt1"/>
+            </a:fontRef>
+          </p:style>
+          <p:txBody>
+            <a:bodyPr rtlCol="0" anchor="ctr"/>
+            <a:lstStyle/>
+            <a:p>
+              <a:pPr algn="ctr"/>
+              <a:r>
+                <a:rPr lang="en-AU" dirty="0"/>
+                <a:t>P</a:t>
+              </a:r>
+            </a:p>
+          </p:txBody>
+        </p:sp>
+        <p:sp>
+          <p:nvSpPr>
+            <p:cNvPr id="200" name="Rectangle: Rounded Corners 199">
+              <a:extLst>
+                <a:ext uri="{FF2B5EF4-FFF2-40B4-BE49-F238E27FC236}">
+                  <a16:creationId xmlns:a16="http://schemas.microsoft.com/office/drawing/2014/main" id="{4CE1299C-AD7D-4225-A9EA-234886DCB6F5}"/>
+                </a:ext>
+              </a:extLst>
+            </p:cNvPr>
+            <p:cNvSpPr/>
+            <p:nvPr/>
+          </p:nvSpPr>
+          <p:spPr>
+            <a:xfrm>
+              <a:off x="9989502" y="1120464"/>
+              <a:ext cx="360000" cy="360000"/>
+            </a:xfrm>
+            <a:prstGeom prst="roundRect">
+              <a:avLst/>
+            </a:prstGeom>
+            <a:solidFill>
+              <a:schemeClr val="accent6">
+                <a:lumMod val="75000"/>
+              </a:schemeClr>
+            </a:solidFill>
+            <a:ln>
+              <a:solidFill>
+                <a:schemeClr val="tx1"/>
+              </a:solidFill>
+            </a:ln>
+          </p:spPr>
+          <p:style>
+            <a:lnRef idx="2">
+              <a:schemeClr val="accent1">
+                <a:shade val="50000"/>
+              </a:schemeClr>
+            </a:lnRef>
+            <a:fillRef idx="1">
+              <a:schemeClr val="accent1"/>
+            </a:fillRef>
+            <a:effectRef idx="0">
+              <a:schemeClr val="accent1"/>
+            </a:effectRef>
+            <a:fontRef idx="minor">
+              <a:schemeClr val="lt1"/>
+            </a:fontRef>
+          </p:style>
+          <p:txBody>
+            <a:bodyPr rtlCol="0" anchor="ctr"/>
+            <a:lstStyle/>
+            <a:p>
+              <a:pPr algn="ctr"/>
+              <a:r>
+                <a:rPr lang="en-AU" dirty="0"/>
+                <a:t>G</a:t>
+              </a:r>
+            </a:p>
+          </p:txBody>
+        </p:sp>
+        <p:sp>
+          <p:nvSpPr>
+            <p:cNvPr id="201" name="Rectangle: Rounded Corners 200">
+              <a:extLst>
+                <a:ext uri="{FF2B5EF4-FFF2-40B4-BE49-F238E27FC236}">
+                  <a16:creationId xmlns:a16="http://schemas.microsoft.com/office/drawing/2014/main" id="{356FF52F-CA29-477A-8CCE-3721498B5F70}"/>
+                </a:ext>
+              </a:extLst>
+            </p:cNvPr>
+            <p:cNvSpPr/>
+            <p:nvPr/>
+          </p:nvSpPr>
+          <p:spPr>
+            <a:xfrm>
+              <a:off x="9989502" y="761472"/>
+              <a:ext cx="360000" cy="360000"/>
+            </a:xfrm>
+            <a:prstGeom prst="roundRect">
+              <a:avLst/>
+            </a:prstGeom>
+            <a:solidFill>
+              <a:srgbClr val="C00000"/>
+            </a:solidFill>
+            <a:ln>
+              <a:solidFill>
+                <a:schemeClr val="tx1"/>
+              </a:solidFill>
+            </a:ln>
+          </p:spPr>
+          <p:style>
+            <a:lnRef idx="2">
+              <a:schemeClr val="accent1">
+                <a:shade val="50000"/>
+              </a:schemeClr>
+            </a:lnRef>
+            <a:fillRef idx="1">
+              <a:schemeClr val="accent1"/>
+            </a:fillRef>
+            <a:effectRef idx="0">
+              <a:schemeClr val="accent1"/>
+            </a:effectRef>
+            <a:fontRef idx="minor">
+              <a:schemeClr val="lt1"/>
+            </a:fontRef>
+          </p:style>
+          <p:txBody>
+            <a:bodyPr rtlCol="0" anchor="ctr"/>
+            <a:lstStyle/>
+            <a:p>
+              <a:pPr algn="ctr"/>
+              <a:r>
+                <a:rPr lang="en-AU" dirty="0"/>
+                <a:t>R</a:t>
+              </a:r>
+            </a:p>
+          </p:txBody>
+        </p:sp>
+        <p:sp>
+          <p:nvSpPr>
+            <p:cNvPr id="202" name="Rectangle: Rounded Corners 201">
+              <a:extLst>
+                <a:ext uri="{FF2B5EF4-FFF2-40B4-BE49-F238E27FC236}">
+                  <a16:creationId xmlns:a16="http://schemas.microsoft.com/office/drawing/2014/main" id="{5BA1C6F0-C6C8-4CC0-BF43-5B268182A6DA}"/>
+                </a:ext>
+              </a:extLst>
+            </p:cNvPr>
+            <p:cNvSpPr/>
+            <p:nvPr/>
+          </p:nvSpPr>
+          <p:spPr>
+            <a:xfrm>
+              <a:off x="10391282" y="1118908"/>
+              <a:ext cx="360000" cy="360000"/>
+            </a:xfrm>
+            <a:prstGeom prst="roundRect">
+              <a:avLst/>
+            </a:prstGeom>
+            <a:solidFill>
+              <a:srgbClr val="7030A0"/>
+            </a:solidFill>
+            <a:ln>
+              <a:solidFill>
+                <a:schemeClr val="tx1"/>
+              </a:solidFill>
+            </a:ln>
+          </p:spPr>
+          <p:style>
+            <a:lnRef idx="2">
+              <a:schemeClr val="accent2">
+                <a:shade val="50000"/>
+              </a:schemeClr>
+            </a:lnRef>
+            <a:fillRef idx="1">
+              <a:schemeClr val="accent2"/>
+            </a:fillRef>
+            <a:effectRef idx="0">
+              <a:schemeClr val="accent2"/>
+            </a:effectRef>
+            <a:fontRef idx="minor">
+              <a:schemeClr val="lt1"/>
+            </a:fontRef>
+          </p:style>
+          <p:txBody>
+            <a:bodyPr rtlCol="0" anchor="ctr"/>
+            <a:lstStyle/>
+            <a:p>
+              <a:pPr algn="ctr"/>
+              <a:r>
+                <a:rPr lang="en-AU" dirty="0"/>
+                <a:t>P</a:t>
+              </a:r>
+            </a:p>
+          </p:txBody>
+        </p:sp>
+        <p:sp>
+          <p:nvSpPr>
+            <p:cNvPr id="203" name="Rectangle: Rounded Corners 202">
+              <a:extLst>
+                <a:ext uri="{FF2B5EF4-FFF2-40B4-BE49-F238E27FC236}">
+                  <a16:creationId xmlns:a16="http://schemas.microsoft.com/office/drawing/2014/main" id="{404D89A4-8AF7-4F6E-808F-A56E365293A5}"/>
+                </a:ext>
+              </a:extLst>
+            </p:cNvPr>
+            <p:cNvSpPr/>
+            <p:nvPr/>
+          </p:nvSpPr>
+          <p:spPr>
+            <a:xfrm>
+              <a:off x="10391282" y="1477894"/>
+              <a:ext cx="360000" cy="360000"/>
+            </a:xfrm>
+            <a:prstGeom prst="roundRect">
+              <a:avLst/>
+            </a:prstGeom>
+            <a:solidFill>
+              <a:schemeClr val="accent6">
+                <a:lumMod val="75000"/>
+              </a:schemeClr>
+            </a:solidFill>
+            <a:ln>
+              <a:solidFill>
+                <a:schemeClr val="tx1"/>
+              </a:solidFill>
+            </a:ln>
+          </p:spPr>
+          <p:style>
+            <a:lnRef idx="2">
+              <a:schemeClr val="accent1">
+                <a:shade val="50000"/>
+              </a:schemeClr>
+            </a:lnRef>
+            <a:fillRef idx="1">
+              <a:schemeClr val="accent1"/>
+            </a:fillRef>
+            <a:effectRef idx="0">
+              <a:schemeClr val="accent1"/>
+            </a:effectRef>
+            <a:fontRef idx="minor">
+              <a:schemeClr val="lt1"/>
+            </a:fontRef>
+          </p:style>
+          <p:txBody>
+            <a:bodyPr rtlCol="0" anchor="ctr"/>
+            <a:lstStyle/>
+            <a:p>
+              <a:pPr algn="ctr"/>
+              <a:r>
+                <a:rPr lang="en-AU" dirty="0"/>
+                <a:t>G</a:t>
+              </a:r>
+            </a:p>
+          </p:txBody>
+        </p:sp>
+        <p:sp>
+          <p:nvSpPr>
+            <p:cNvPr id="204" name="Rectangle: Rounded Corners 203">
+              <a:extLst>
+                <a:ext uri="{FF2B5EF4-FFF2-40B4-BE49-F238E27FC236}">
+                  <a16:creationId xmlns:a16="http://schemas.microsoft.com/office/drawing/2014/main" id="{259FF60D-1AB2-4117-8E40-8CE73A8A74D2}"/>
+                </a:ext>
+              </a:extLst>
+            </p:cNvPr>
+            <p:cNvSpPr/>
+            <p:nvPr/>
+          </p:nvSpPr>
+          <p:spPr>
+            <a:xfrm>
+              <a:off x="10391282" y="758902"/>
+              <a:ext cx="360000" cy="360000"/>
+            </a:xfrm>
+            <a:prstGeom prst="roundRect">
+              <a:avLst/>
+            </a:prstGeom>
+            <a:solidFill>
+              <a:srgbClr val="C00000"/>
+            </a:solidFill>
+            <a:ln>
+              <a:solidFill>
+                <a:schemeClr val="tx1"/>
+              </a:solidFill>
+            </a:ln>
+          </p:spPr>
+          <p:style>
+            <a:lnRef idx="2">
+              <a:schemeClr val="accent1">
+                <a:shade val="50000"/>
+              </a:schemeClr>
+            </a:lnRef>
+            <a:fillRef idx="1">
+              <a:schemeClr val="accent1"/>
+            </a:fillRef>
+            <a:effectRef idx="0">
+              <a:schemeClr val="accent1"/>
+            </a:effectRef>
+            <a:fontRef idx="minor">
+              <a:schemeClr val="lt1"/>
+            </a:fontRef>
+          </p:style>
+          <p:txBody>
+            <a:bodyPr rtlCol="0" anchor="ctr"/>
+            <a:lstStyle/>
+            <a:p>
+              <a:pPr algn="ctr"/>
+              <a:r>
+                <a:rPr lang="en-AU" dirty="0"/>
+                <a:t>R</a:t>
+              </a:r>
+            </a:p>
+          </p:txBody>
+        </p:sp>
+        <p:sp>
+          <p:nvSpPr>
+            <p:cNvPr id="205" name="Rectangle: Rounded Corners 204">
+              <a:extLst>
+                <a:ext uri="{FF2B5EF4-FFF2-40B4-BE49-F238E27FC236}">
+                  <a16:creationId xmlns:a16="http://schemas.microsoft.com/office/drawing/2014/main" id="{F9AF94E8-FA56-404C-B667-FF1D1ACAA242}"/>
+                </a:ext>
+              </a:extLst>
+            </p:cNvPr>
+            <p:cNvSpPr/>
+            <p:nvPr/>
+          </p:nvSpPr>
+          <p:spPr>
+            <a:xfrm>
+              <a:off x="10789506" y="1480470"/>
+              <a:ext cx="360000" cy="360000"/>
+            </a:xfrm>
+            <a:prstGeom prst="roundRect">
+              <a:avLst/>
+            </a:prstGeom>
+            <a:solidFill>
+              <a:srgbClr val="7030A0"/>
+            </a:solidFill>
+            <a:ln>
+              <a:solidFill>
+                <a:schemeClr val="tx1"/>
+              </a:solidFill>
+            </a:ln>
+          </p:spPr>
+          <p:style>
+            <a:lnRef idx="2">
+              <a:schemeClr val="accent2">
+                <a:shade val="50000"/>
+              </a:schemeClr>
+            </a:lnRef>
+            <a:fillRef idx="1">
+              <a:schemeClr val="accent2"/>
+            </a:fillRef>
+            <a:effectRef idx="0">
+              <a:schemeClr val="accent2"/>
+            </a:effectRef>
+            <a:fontRef idx="minor">
+              <a:schemeClr val="lt1"/>
+            </a:fontRef>
+          </p:style>
+          <p:txBody>
+            <a:bodyPr rtlCol="0" anchor="ctr"/>
+            <a:lstStyle/>
+            <a:p>
+              <a:pPr algn="ctr"/>
+              <a:r>
+                <a:rPr lang="en-AU" dirty="0"/>
+                <a:t>P</a:t>
+              </a:r>
+            </a:p>
+          </p:txBody>
+        </p:sp>
+        <p:sp>
+          <p:nvSpPr>
+            <p:cNvPr id="206" name="Rectangle: Rounded Corners 205">
+              <a:extLst>
+                <a:ext uri="{FF2B5EF4-FFF2-40B4-BE49-F238E27FC236}">
+                  <a16:creationId xmlns:a16="http://schemas.microsoft.com/office/drawing/2014/main" id="{D1DAB95B-13BE-4A8B-8541-8D349349D91B}"/>
+                </a:ext>
+              </a:extLst>
+            </p:cNvPr>
+            <p:cNvSpPr/>
+            <p:nvPr/>
+          </p:nvSpPr>
+          <p:spPr>
+            <a:xfrm>
+              <a:off x="10791712" y="760458"/>
+              <a:ext cx="360000" cy="360000"/>
+            </a:xfrm>
+            <a:prstGeom prst="roundRect">
+              <a:avLst/>
+            </a:prstGeom>
+            <a:solidFill>
+              <a:schemeClr val="accent6">
+                <a:lumMod val="75000"/>
+              </a:schemeClr>
+            </a:solidFill>
+            <a:ln>
+              <a:solidFill>
+                <a:schemeClr val="tx1"/>
+              </a:solidFill>
+            </a:ln>
+          </p:spPr>
+          <p:style>
+            <a:lnRef idx="2">
+              <a:schemeClr val="accent1">
+                <a:shade val="50000"/>
+              </a:schemeClr>
+            </a:lnRef>
+            <a:fillRef idx="1">
+              <a:schemeClr val="accent1"/>
+            </a:fillRef>
+            <a:effectRef idx="0">
+              <a:schemeClr val="accent1"/>
+            </a:effectRef>
+            <a:fontRef idx="minor">
+              <a:schemeClr val="lt1"/>
+            </a:fontRef>
+          </p:style>
+          <p:txBody>
+            <a:bodyPr rtlCol="0" anchor="ctr"/>
+            <a:lstStyle/>
+            <a:p>
+              <a:pPr algn="ctr"/>
+              <a:r>
+                <a:rPr lang="en-AU" dirty="0"/>
+                <a:t>G</a:t>
+              </a:r>
+            </a:p>
+          </p:txBody>
+        </p:sp>
+        <p:sp>
+          <p:nvSpPr>
+            <p:cNvPr id="207" name="Rectangle: Rounded Corners 206">
+              <a:extLst>
+                <a:ext uri="{FF2B5EF4-FFF2-40B4-BE49-F238E27FC236}">
+                  <a16:creationId xmlns:a16="http://schemas.microsoft.com/office/drawing/2014/main" id="{D32EBC25-3662-4357-BE03-50EE630573A1}"/>
+                </a:ext>
+              </a:extLst>
+            </p:cNvPr>
+            <p:cNvSpPr/>
+            <p:nvPr/>
+          </p:nvSpPr>
+          <p:spPr>
+            <a:xfrm>
+              <a:off x="10789506" y="1120464"/>
+              <a:ext cx="360000" cy="360000"/>
+            </a:xfrm>
+            <a:prstGeom prst="roundRect">
+              <a:avLst/>
+            </a:prstGeom>
+            <a:solidFill>
+              <a:srgbClr val="C00000"/>
+            </a:solidFill>
+            <a:ln>
+              <a:solidFill>
+                <a:schemeClr val="tx1"/>
+              </a:solidFill>
+            </a:ln>
+          </p:spPr>
+          <p:style>
+            <a:lnRef idx="2">
+              <a:schemeClr val="accent1">
+                <a:shade val="50000"/>
+              </a:schemeClr>
+            </a:lnRef>
+            <a:fillRef idx="1">
+              <a:schemeClr val="accent1"/>
+            </a:fillRef>
+            <a:effectRef idx="0">
+              <a:schemeClr val="accent1"/>
+            </a:effectRef>
+            <a:fontRef idx="minor">
+              <a:schemeClr val="lt1"/>
+            </a:fontRef>
+          </p:style>
+          <p:txBody>
+            <a:bodyPr rtlCol="0" anchor="ctr"/>
+            <a:lstStyle/>
+            <a:p>
+              <a:pPr algn="ctr"/>
+              <a:r>
+                <a:rPr lang="en-AU" dirty="0"/>
+                <a:t>R</a:t>
+              </a:r>
+            </a:p>
+          </p:txBody>
+        </p:sp>
+        <p:sp>
+          <p:nvSpPr>
+            <p:cNvPr id="208" name="Rectangle: Rounded Corners 207">
+              <a:extLst>
+                <a:ext uri="{FF2B5EF4-FFF2-40B4-BE49-F238E27FC236}">
+                  <a16:creationId xmlns:a16="http://schemas.microsoft.com/office/drawing/2014/main" id="{1B1CCF14-A393-49A8-88F8-D50479CF6230}"/>
+                </a:ext>
+              </a:extLst>
+            </p:cNvPr>
+            <p:cNvSpPr/>
+            <p:nvPr/>
+          </p:nvSpPr>
+          <p:spPr>
+            <a:xfrm>
+              <a:off x="11199716" y="1477930"/>
+              <a:ext cx="360000" cy="360000"/>
+            </a:xfrm>
+            <a:prstGeom prst="roundRect">
+              <a:avLst/>
+            </a:prstGeom>
+            <a:solidFill>
+              <a:srgbClr val="7030A0"/>
+            </a:solidFill>
+            <a:ln>
+              <a:solidFill>
+                <a:schemeClr val="tx1"/>
+              </a:solidFill>
+            </a:ln>
+          </p:spPr>
+          <p:style>
+            <a:lnRef idx="2">
+              <a:schemeClr val="accent2">
+                <a:shade val="50000"/>
+              </a:schemeClr>
+            </a:lnRef>
+            <a:fillRef idx="1">
+              <a:schemeClr val="accent2"/>
+            </a:fillRef>
+            <a:effectRef idx="0">
+              <a:schemeClr val="accent2"/>
+            </a:effectRef>
+            <a:fontRef idx="minor">
+              <a:schemeClr val="lt1"/>
+            </a:fontRef>
+          </p:style>
+          <p:txBody>
+            <a:bodyPr rtlCol="0" anchor="ctr"/>
+            <a:lstStyle/>
+            <a:p>
+              <a:pPr algn="ctr"/>
+              <a:r>
+                <a:rPr lang="en-AU" dirty="0"/>
+                <a:t>P</a:t>
+              </a:r>
+            </a:p>
+          </p:txBody>
+        </p:sp>
+        <p:sp>
+          <p:nvSpPr>
+            <p:cNvPr id="209" name="Rectangle: Rounded Corners 208">
+              <a:extLst>
+                <a:ext uri="{FF2B5EF4-FFF2-40B4-BE49-F238E27FC236}">
+                  <a16:creationId xmlns:a16="http://schemas.microsoft.com/office/drawing/2014/main" id="{731B04E7-1516-4357-9FF2-63DE90AEA7C7}"/>
+                </a:ext>
+              </a:extLst>
+            </p:cNvPr>
+            <p:cNvSpPr/>
+            <p:nvPr/>
+          </p:nvSpPr>
+          <p:spPr>
+            <a:xfrm>
+              <a:off x="11201922" y="757918"/>
+              <a:ext cx="360000" cy="360000"/>
+            </a:xfrm>
+            <a:prstGeom prst="roundRect">
+              <a:avLst/>
+            </a:prstGeom>
+            <a:solidFill>
+              <a:schemeClr val="accent6">
+                <a:lumMod val="75000"/>
+              </a:schemeClr>
+            </a:solidFill>
+            <a:ln>
+              <a:solidFill>
+                <a:schemeClr val="tx1"/>
+              </a:solidFill>
+            </a:ln>
+          </p:spPr>
+          <p:style>
+            <a:lnRef idx="2">
+              <a:schemeClr val="accent1">
+                <a:shade val="50000"/>
+              </a:schemeClr>
+            </a:lnRef>
+            <a:fillRef idx="1">
+              <a:schemeClr val="accent1"/>
+            </a:fillRef>
+            <a:effectRef idx="0">
+              <a:schemeClr val="accent1"/>
+            </a:effectRef>
+            <a:fontRef idx="minor">
+              <a:schemeClr val="lt1"/>
+            </a:fontRef>
+          </p:style>
+          <p:txBody>
+            <a:bodyPr rtlCol="0" anchor="ctr"/>
+            <a:lstStyle/>
+            <a:p>
+              <a:pPr algn="ctr"/>
+              <a:r>
+                <a:rPr lang="en-AU" dirty="0"/>
+                <a:t>G</a:t>
+              </a:r>
+            </a:p>
+          </p:txBody>
+        </p:sp>
+        <p:sp>
+          <p:nvSpPr>
+            <p:cNvPr id="210" name="Rectangle: Rounded Corners 209">
+              <a:extLst>
+                <a:ext uri="{FF2B5EF4-FFF2-40B4-BE49-F238E27FC236}">
+                  <a16:creationId xmlns:a16="http://schemas.microsoft.com/office/drawing/2014/main" id="{D9535BA2-4205-4A4E-BE10-A9A10AD17F60}"/>
+                </a:ext>
+              </a:extLst>
+            </p:cNvPr>
+            <p:cNvSpPr/>
+            <p:nvPr/>
+          </p:nvSpPr>
+          <p:spPr>
+            <a:xfrm>
+              <a:off x="11199716" y="1117924"/>
+              <a:ext cx="360000" cy="360000"/>
+            </a:xfrm>
+            <a:prstGeom prst="roundRect">
+              <a:avLst/>
+            </a:prstGeom>
+            <a:solidFill>
+              <a:srgbClr val="C00000"/>
+            </a:solidFill>
+            <a:ln>
+              <a:solidFill>
+                <a:schemeClr val="tx1"/>
+              </a:solidFill>
+            </a:ln>
+          </p:spPr>
+          <p:style>
+            <a:lnRef idx="2">
+              <a:schemeClr val="accent1">
+                <a:shade val="50000"/>
+              </a:schemeClr>
+            </a:lnRef>
+            <a:fillRef idx="1">
+              <a:schemeClr val="accent1"/>
+            </a:fillRef>
+            <a:effectRef idx="0">
+              <a:schemeClr val="accent1"/>
+            </a:effectRef>
+            <a:fontRef idx="minor">
+              <a:schemeClr val="lt1"/>
+            </a:fontRef>
+          </p:style>
+          <p:txBody>
+            <a:bodyPr rtlCol="0" anchor="ctr"/>
+            <a:lstStyle/>
+            <a:p>
+              <a:pPr algn="ctr"/>
+              <a:r>
+                <a:rPr lang="en-AU" dirty="0"/>
+                <a:t>R</a:t>
+              </a:r>
+            </a:p>
+          </p:txBody>
+        </p:sp>
+        <p:sp>
+          <p:nvSpPr>
+            <p:cNvPr id="211" name="Rectangle: Rounded Corners 210">
+              <a:extLst>
+                <a:ext uri="{FF2B5EF4-FFF2-40B4-BE49-F238E27FC236}">
+                  <a16:creationId xmlns:a16="http://schemas.microsoft.com/office/drawing/2014/main" id="{1B33F7EB-2AEE-4EB6-9FB6-DD4E18651783}"/>
+                </a:ext>
+              </a:extLst>
+            </p:cNvPr>
+            <p:cNvSpPr/>
+            <p:nvPr/>
+          </p:nvSpPr>
+          <p:spPr>
+            <a:xfrm>
+              <a:off x="9540369" y="277745"/>
+              <a:ext cx="477530" cy="1724183"/>
+            </a:xfrm>
+            <a:prstGeom prst="roundRect">
+              <a:avLst/>
+            </a:prstGeom>
+            <a:noFill/>
+            <a:ln w="28575">
+              <a:solidFill>
+                <a:srgbClr val="FF0000"/>
+              </a:solidFill>
+            </a:ln>
+          </p:spPr>
+          <p:style>
+            <a:lnRef idx="2">
+              <a:schemeClr val="accent1">
+                <a:shade val="50000"/>
+              </a:schemeClr>
+            </a:lnRef>
+            <a:fillRef idx="1">
+              <a:schemeClr val="accent1"/>
+            </a:fillRef>
+            <a:effectRef idx="0">
+              <a:schemeClr val="accent1"/>
+            </a:effectRef>
+            <a:fontRef idx="minor">
+              <a:schemeClr val="lt1"/>
+            </a:fontRef>
+          </p:style>
+          <p:txBody>
+            <a:bodyPr rtlCol="0" anchor="ctr"/>
+            <a:lstStyle/>
+            <a:p>
+              <a:pPr algn="ctr"/>
+              <a:endParaRPr lang="en-AU"/>
+            </a:p>
+          </p:txBody>
+        </p:sp>
+      </p:grpSp>
+      <p:grpSp>
+        <p:nvGrpSpPr>
           <p:cNvPr id="10" name="Group 9">
             <a:extLst>
               <a:ext uri="{FF2B5EF4-FFF2-40B4-BE49-F238E27FC236}">
@@ -8656,10 +9954,10 @@
         </p:nvGrpSpPr>
         <p:grpSpPr>
           <a:xfrm>
-            <a:off x="6329463" y="3588233"/>
-            <a:ext cx="2874604" cy="3245988"/>
-            <a:chOff x="-179075" y="4355355"/>
-            <a:chExt cx="2874604" cy="3245988"/>
+            <a:off x="8515882" y="3946321"/>
+            <a:ext cx="2576682" cy="3076030"/>
+            <a:chOff x="-190416" y="4525314"/>
+            <a:chExt cx="2576682" cy="3076030"/>
           </a:xfrm>
         </p:grpSpPr>
         <p:sp>
@@ -8752,8 +10050,8 @@
           </p:nvSpPr>
           <p:spPr>
             <a:xfrm rot="16200000">
-              <a:off x="1665281" y="4439784"/>
-              <a:ext cx="952499" cy="1107996"/>
+              <a:off x="1525296" y="4616843"/>
+              <a:ext cx="952499" cy="769441"/>
             </a:xfrm>
             <a:prstGeom prst="rect">
               <a:avLst/>
@@ -8777,9 +10075,6 @@
                 <a:t>task 2</a:t>
               </a:r>
             </a:p>
-            <a:p>
-              <a:endParaRPr lang="en-AU" sz="2200" dirty="0"/>
-            </a:p>
           </p:txBody>
         </p:sp>
         <p:sp>
@@ -8796,8 +10091,8 @@
           </p:nvSpPr>
           <p:spPr>
             <a:xfrm>
-              <a:off x="-179075" y="4355355"/>
-              <a:ext cx="1805816" cy="1107996"/>
+              <a:off x="-190416" y="4687590"/>
+              <a:ext cx="1805816" cy="769441"/>
             </a:xfrm>
             <a:prstGeom prst="rect">
               <a:avLst/>
@@ -8820,7 +10115,7 @@
               <a:pPr algn="r"/>
               <a:r>
                 <a:rPr lang="en-AU" sz="2200" dirty="0"/>
-                <a:t>permutations (within factor)</a:t>
+                <a:t>permutations</a:t>
               </a:r>
             </a:p>
           </p:txBody>
@@ -8841,8 +10136,8 @@
           </p:nvCxnSpPr>
           <p:spPr>
             <a:xfrm>
-              <a:off x="-145826" y="5477685"/>
-              <a:ext cx="2534398" cy="0"/>
+              <a:off x="-31935" y="5477685"/>
+              <a:ext cx="2336163" cy="0"/>
             </a:xfrm>
             <a:prstGeom prst="line">
               <a:avLst/>
@@ -8884,8 +10179,8 @@
           </p:nvCxnSpPr>
           <p:spPr>
             <a:xfrm flipV="1">
-              <a:off x="1579685" y="4457402"/>
-              <a:ext cx="7847" cy="3143941"/>
+              <a:off x="1579685" y="4717656"/>
+              <a:ext cx="25901" cy="2883688"/>
             </a:xfrm>
             <a:prstGeom prst="line">
               <a:avLst/>
@@ -9670,1445 +10965,6 @@
       </p:grpSp>
       <p:grpSp>
         <p:nvGrpSpPr>
-          <p:cNvPr id="161" name="Group 160">
-            <a:extLst>
-              <a:ext uri="{FF2B5EF4-FFF2-40B4-BE49-F238E27FC236}">
-                <a16:creationId xmlns:a16="http://schemas.microsoft.com/office/drawing/2014/main" id="{2274C602-BC62-46F9-A5A0-222ACDB74122}"/>
-              </a:ext>
-            </a:extLst>
-          </p:cNvPr>
-          <p:cNvGrpSpPr/>
-          <p:nvPr/>
-        </p:nvGrpSpPr>
-        <p:grpSpPr>
-          <a:xfrm>
-            <a:off x="55844" y="8752001"/>
-            <a:ext cx="4399151" cy="3675087"/>
-            <a:chOff x="6943807" y="1597488"/>
-            <a:chExt cx="4399151" cy="3675087"/>
-          </a:xfrm>
-        </p:grpSpPr>
-        <p:sp>
-          <p:nvSpPr>
-            <p:cNvPr id="162" name="TextBox 161">
-              <a:extLst>
-                <a:ext uri="{FF2B5EF4-FFF2-40B4-BE49-F238E27FC236}">
-                  <a16:creationId xmlns:a16="http://schemas.microsoft.com/office/drawing/2014/main" id="{4CD509AE-CD8A-4DB3-AC53-5D94374C6A9A}"/>
-                </a:ext>
-              </a:extLst>
-            </p:cNvPr>
-            <p:cNvSpPr txBox="1"/>
-            <p:nvPr/>
-          </p:nvSpPr>
-          <p:spPr>
-            <a:xfrm>
-              <a:off x="6957572" y="3881090"/>
-              <a:ext cx="3515450" cy="646331"/>
-            </a:xfrm>
-            <a:prstGeom prst="rect">
-              <a:avLst/>
-            </a:prstGeom>
-            <a:noFill/>
-          </p:spPr>
-          <p:txBody>
-            <a:bodyPr wrap="none" rtlCol="0">
-              <a:spAutoFit/>
-            </a:bodyPr>
-            <a:lstStyle/>
-            <a:p>
-              <a:r>
-                <a:rPr lang="en-AU" dirty="0"/>
-                <a:t>8 mod 6 = 2; fixing the factor order:</a:t>
-              </a:r>
-            </a:p>
-            <a:p>
-              <a:r>
-                <a:rPr lang="en-AU" dirty="0"/>
-                <a:t>PCA, Radial tour, Grand  tour</a:t>
-              </a:r>
-            </a:p>
-          </p:txBody>
-        </p:sp>
-        <p:sp>
-          <p:nvSpPr>
-            <p:cNvPr id="163" name="TextBox 162">
-              <a:extLst>
-                <a:ext uri="{FF2B5EF4-FFF2-40B4-BE49-F238E27FC236}">
-                  <a16:creationId xmlns:a16="http://schemas.microsoft.com/office/drawing/2014/main" id="{B3139FC2-126B-43E3-A395-4CC88FA12B72}"/>
-                </a:ext>
-              </a:extLst>
-            </p:cNvPr>
-            <p:cNvSpPr txBox="1"/>
-            <p:nvPr/>
-          </p:nvSpPr>
-          <p:spPr>
-            <a:xfrm>
-              <a:off x="6957572" y="4626244"/>
-              <a:ext cx="4211214" cy="646331"/>
-            </a:xfrm>
-            <a:prstGeom prst="rect">
-              <a:avLst/>
-            </a:prstGeom>
-            <a:noFill/>
-          </p:spPr>
-          <p:txBody>
-            <a:bodyPr wrap="square" rtlCol="0">
-              <a:spAutoFit/>
-            </a:bodyPr>
-            <a:lstStyle/>
-            <a:p>
-              <a:r>
-                <a:rPr lang="en-AU" dirty="0"/>
-                <a:t>(6*8) mod 36 = 12;  fixing the simulations:</a:t>
-              </a:r>
-            </a:p>
-            <a:p>
-              <a:r>
-                <a:rPr lang="en-AU" dirty="0"/>
-                <a:t>Block permutations: 12 - 17</a:t>
-              </a:r>
-            </a:p>
-          </p:txBody>
-        </p:sp>
-        <p:grpSp>
-          <p:nvGrpSpPr>
-            <p:cNvPr id="164" name="Group 163">
-              <a:extLst>
-                <a:ext uri="{FF2B5EF4-FFF2-40B4-BE49-F238E27FC236}">
-                  <a16:creationId xmlns:a16="http://schemas.microsoft.com/office/drawing/2014/main" id="{4224A207-BC90-445F-9733-56200E09C137}"/>
-                </a:ext>
-              </a:extLst>
-            </p:cNvPr>
-            <p:cNvGrpSpPr/>
-            <p:nvPr/>
-          </p:nvGrpSpPr>
-          <p:grpSpPr>
-            <a:xfrm>
-              <a:off x="6943807" y="1597488"/>
-              <a:ext cx="4399151" cy="2405227"/>
-              <a:chOff x="7462647" y="266763"/>
-              <a:chExt cx="4399151" cy="2405227"/>
-            </a:xfrm>
-          </p:grpSpPr>
-          <p:sp>
-            <p:nvSpPr>
-              <p:cNvPr id="165" name="Rectangle: Rounded Corners 164">
-                <a:extLst>
-                  <a:ext uri="{FF2B5EF4-FFF2-40B4-BE49-F238E27FC236}">
-                    <a16:creationId xmlns:a16="http://schemas.microsoft.com/office/drawing/2014/main" id="{D072693B-8AA4-41A0-9149-CFAF134253AC}"/>
-                  </a:ext>
-                </a:extLst>
-              </p:cNvPr>
-              <p:cNvSpPr/>
-              <p:nvPr/>
-            </p:nvSpPr>
-            <p:spPr>
-              <a:xfrm>
-                <a:off x="9599258" y="761169"/>
-                <a:ext cx="360000" cy="360000"/>
-              </a:xfrm>
-              <a:prstGeom prst="roundRect">
-                <a:avLst/>
-              </a:prstGeom>
-              <a:solidFill>
-                <a:srgbClr val="7030A0"/>
-              </a:solidFill>
-              <a:ln>
-                <a:solidFill>
-                  <a:schemeClr val="tx1"/>
-                </a:solidFill>
-              </a:ln>
-            </p:spPr>
-            <p:style>
-              <a:lnRef idx="2">
-                <a:schemeClr val="accent2">
-                  <a:shade val="50000"/>
-                </a:schemeClr>
-              </a:lnRef>
-              <a:fillRef idx="1">
-                <a:schemeClr val="accent2"/>
-              </a:fillRef>
-              <a:effectRef idx="0">
-                <a:schemeClr val="accent2"/>
-              </a:effectRef>
-              <a:fontRef idx="minor">
-                <a:schemeClr val="lt1"/>
-              </a:fontRef>
-            </p:style>
-            <p:txBody>
-              <a:bodyPr rtlCol="0" anchor="ctr"/>
-              <a:lstStyle/>
-              <a:p>
-                <a:pPr algn="ctr"/>
-                <a:r>
-                  <a:rPr lang="en-AU" dirty="0"/>
-                  <a:t>P</a:t>
-                </a:r>
-              </a:p>
-            </p:txBody>
-          </p:sp>
-          <p:sp>
-            <p:nvSpPr>
-              <p:cNvPr id="166" name="Rectangle: Rounded Corners 165">
-                <a:extLst>
-                  <a:ext uri="{FF2B5EF4-FFF2-40B4-BE49-F238E27FC236}">
-                    <a16:creationId xmlns:a16="http://schemas.microsoft.com/office/drawing/2014/main" id="{BFDB735E-E165-4A63-9C21-6439BCD2ED42}"/>
-                  </a:ext>
-                </a:extLst>
-              </p:cNvPr>
-              <p:cNvSpPr/>
-              <p:nvPr/>
-            </p:nvSpPr>
-            <p:spPr>
-              <a:xfrm>
-                <a:off x="9595715" y="1476089"/>
-                <a:ext cx="360000" cy="360000"/>
-              </a:xfrm>
-              <a:prstGeom prst="roundRect">
-                <a:avLst/>
-              </a:prstGeom>
-              <a:solidFill>
-                <a:schemeClr val="accent6">
-                  <a:lumMod val="75000"/>
-                </a:schemeClr>
-              </a:solidFill>
-              <a:ln>
-                <a:solidFill>
-                  <a:schemeClr val="tx1"/>
-                </a:solidFill>
-              </a:ln>
-            </p:spPr>
-            <p:style>
-              <a:lnRef idx="2">
-                <a:schemeClr val="accent1">
-                  <a:shade val="50000"/>
-                </a:schemeClr>
-              </a:lnRef>
-              <a:fillRef idx="1">
-                <a:schemeClr val="accent1"/>
-              </a:fillRef>
-              <a:effectRef idx="0">
-                <a:schemeClr val="accent1"/>
-              </a:effectRef>
-              <a:fontRef idx="minor">
-                <a:schemeClr val="lt1"/>
-              </a:fontRef>
-            </p:style>
-            <p:txBody>
-              <a:bodyPr rtlCol="0" anchor="ctr"/>
-              <a:lstStyle/>
-              <a:p>
-                <a:pPr algn="ctr"/>
-                <a:r>
-                  <a:rPr lang="en-AU" dirty="0"/>
-                  <a:t>G</a:t>
-                </a:r>
-              </a:p>
-            </p:txBody>
-          </p:sp>
-          <p:sp>
-            <p:nvSpPr>
-              <p:cNvPr id="191" name="Rectangle: Rounded Corners 190">
-                <a:extLst>
-                  <a:ext uri="{FF2B5EF4-FFF2-40B4-BE49-F238E27FC236}">
-                    <a16:creationId xmlns:a16="http://schemas.microsoft.com/office/drawing/2014/main" id="{32E22AF9-4EDC-48A1-9642-B6C713C6B5AC}"/>
-                  </a:ext>
-                </a:extLst>
-              </p:cNvPr>
-              <p:cNvSpPr/>
-              <p:nvPr/>
-            </p:nvSpPr>
-            <p:spPr>
-              <a:xfrm>
-                <a:off x="9597875" y="1116089"/>
-                <a:ext cx="360000" cy="360000"/>
-              </a:xfrm>
-              <a:prstGeom prst="roundRect">
-                <a:avLst/>
-              </a:prstGeom>
-              <a:solidFill>
-                <a:srgbClr val="C00000"/>
-              </a:solidFill>
-              <a:ln>
-                <a:solidFill>
-                  <a:schemeClr val="tx1"/>
-                </a:solidFill>
-              </a:ln>
-            </p:spPr>
-            <p:style>
-              <a:lnRef idx="2">
-                <a:schemeClr val="accent1">
-                  <a:shade val="50000"/>
-                </a:schemeClr>
-              </a:lnRef>
-              <a:fillRef idx="1">
-                <a:schemeClr val="accent1"/>
-              </a:fillRef>
-              <a:effectRef idx="0">
-                <a:schemeClr val="accent1"/>
-              </a:effectRef>
-              <a:fontRef idx="minor">
-                <a:schemeClr val="lt1"/>
-              </a:fontRef>
-            </p:style>
-            <p:txBody>
-              <a:bodyPr rtlCol="0" anchor="ctr"/>
-              <a:lstStyle/>
-              <a:p>
-                <a:pPr algn="ctr"/>
-                <a:r>
-                  <a:rPr lang="en-AU" dirty="0"/>
-                  <a:t>R</a:t>
-                </a:r>
-              </a:p>
-            </p:txBody>
-          </p:sp>
-          <p:sp>
-            <p:nvSpPr>
-              <p:cNvPr id="192" name="TextBox 191">
-                <a:extLst>
-                  <a:ext uri="{FF2B5EF4-FFF2-40B4-BE49-F238E27FC236}">
-                    <a16:creationId xmlns:a16="http://schemas.microsoft.com/office/drawing/2014/main" id="{5CD69455-C2D8-4BE5-9587-89231F8E07E3}"/>
-                  </a:ext>
-                </a:extLst>
-              </p:cNvPr>
-              <p:cNvSpPr txBox="1"/>
-              <p:nvPr/>
-            </p:nvSpPr>
-            <p:spPr>
-              <a:xfrm>
-                <a:off x="7675880" y="733229"/>
-                <a:ext cx="1400935" cy="1107996"/>
-              </a:xfrm>
-              <a:prstGeom prst="rect">
-                <a:avLst/>
-              </a:prstGeom>
-              <a:noFill/>
-            </p:spPr>
-            <p:txBody>
-              <a:bodyPr wrap="square" rtlCol="0">
-                <a:spAutoFit/>
-              </a:bodyPr>
-              <a:lstStyle/>
-              <a:p>
-                <a:pPr algn="r"/>
-                <a:r>
-                  <a:rPr lang="en-AU" sz="2200" dirty="0"/>
-                  <a:t>1</a:t>
-                </a:r>
-                <a:r>
-                  <a:rPr lang="en-AU" sz="2200" baseline="30000" dirty="0"/>
-                  <a:t>st</a:t>
-                </a:r>
-                <a:r>
-                  <a:rPr lang="en-AU" sz="2200" dirty="0"/>
-                  <a:t> factor</a:t>
-                </a:r>
-              </a:p>
-              <a:p>
-                <a:pPr algn="r"/>
-                <a:r>
-                  <a:rPr lang="en-AU" sz="2200" dirty="0"/>
-                  <a:t>2</a:t>
-                </a:r>
-                <a:r>
-                  <a:rPr lang="en-AU" sz="2200" baseline="30000" dirty="0"/>
-                  <a:t>nd</a:t>
-                </a:r>
-                <a:r>
-                  <a:rPr lang="en-AU" sz="2200" dirty="0"/>
-                  <a:t> factor</a:t>
-                </a:r>
-              </a:p>
-              <a:p>
-                <a:pPr algn="r"/>
-                <a:r>
-                  <a:rPr lang="en-AU" sz="2200" dirty="0"/>
-                  <a:t>3</a:t>
-                </a:r>
-                <a:r>
-                  <a:rPr lang="en-AU" sz="2200" baseline="30000" dirty="0"/>
-                  <a:t>rd</a:t>
-                </a:r>
-                <a:r>
-                  <a:rPr lang="en-AU" sz="2200" dirty="0"/>
-                  <a:t> factor</a:t>
-                </a:r>
-              </a:p>
-            </p:txBody>
-          </p:sp>
-          <p:sp>
-            <p:nvSpPr>
-              <p:cNvPr id="193" name="TextBox 192">
-                <a:extLst>
-                  <a:ext uri="{FF2B5EF4-FFF2-40B4-BE49-F238E27FC236}">
-                    <a16:creationId xmlns:a16="http://schemas.microsoft.com/office/drawing/2014/main" id="{91A4011D-C762-4F9E-9B87-056B64A0F292}"/>
-                  </a:ext>
-                </a:extLst>
-              </p:cNvPr>
-              <p:cNvSpPr txBox="1"/>
-              <p:nvPr/>
-            </p:nvSpPr>
-            <p:spPr>
-              <a:xfrm>
-                <a:off x="7462647" y="266763"/>
-                <a:ext cx="4399151" cy="430887"/>
-              </a:xfrm>
-              <a:prstGeom prst="rect">
-                <a:avLst/>
-              </a:prstGeom>
-              <a:noFill/>
-            </p:spPr>
-            <p:txBody>
-              <a:bodyPr wrap="square" rtlCol="0">
-                <a:spAutoFit/>
-              </a:bodyPr>
-              <a:lstStyle/>
-              <a:p>
-                <a:r>
-                  <a:rPr lang="en-AU" sz="2200" dirty="0"/>
-                  <a:t>Factor order     1,   2,   3,   4,   5,   6</a:t>
-                </a:r>
-              </a:p>
-            </p:txBody>
-          </p:sp>
-          <p:cxnSp>
-            <p:nvCxnSpPr>
-              <p:cNvPr id="194" name="Straight Connector 193">
-                <a:extLst>
-                  <a:ext uri="{FF2B5EF4-FFF2-40B4-BE49-F238E27FC236}">
-                    <a16:creationId xmlns:a16="http://schemas.microsoft.com/office/drawing/2014/main" id="{E79C85AA-5DCC-47F1-B3DF-5330FDBEBC50}"/>
-                  </a:ext>
-                </a:extLst>
-              </p:cNvPr>
-              <p:cNvCxnSpPr>
-                <a:cxnSpLocks/>
-              </p:cNvCxnSpPr>
-              <p:nvPr/>
-            </p:nvCxnSpPr>
-            <p:spPr>
-              <a:xfrm flipV="1">
-                <a:off x="7476412" y="674824"/>
-                <a:ext cx="4083304" cy="18700"/>
-              </a:xfrm>
-              <a:prstGeom prst="line">
-                <a:avLst/>
-              </a:prstGeom>
-              <a:ln w="28575">
-                <a:solidFill>
-                  <a:schemeClr val="tx1"/>
-                </a:solidFill>
-              </a:ln>
-            </p:spPr>
-            <p:style>
-              <a:lnRef idx="1">
-                <a:schemeClr val="accent1"/>
-              </a:lnRef>
-              <a:fillRef idx="0">
-                <a:schemeClr val="accent1"/>
-              </a:fillRef>
-              <a:effectRef idx="0">
-                <a:schemeClr val="accent1"/>
-              </a:effectRef>
-              <a:fontRef idx="minor">
-                <a:schemeClr val="tx1"/>
-              </a:fontRef>
-            </p:style>
-          </p:cxnSp>
-          <p:cxnSp>
-            <p:nvCxnSpPr>
-              <p:cNvPr id="195" name="Straight Connector 194">
-                <a:extLst>
-                  <a:ext uri="{FF2B5EF4-FFF2-40B4-BE49-F238E27FC236}">
-                    <a16:creationId xmlns:a16="http://schemas.microsoft.com/office/drawing/2014/main" id="{B3BC6583-AF12-4474-B61B-EB617E957BEE}"/>
-                  </a:ext>
-                </a:extLst>
-              </p:cNvPr>
-              <p:cNvCxnSpPr>
-                <a:cxnSpLocks/>
-              </p:cNvCxnSpPr>
-              <p:nvPr/>
-            </p:nvCxnSpPr>
-            <p:spPr>
-              <a:xfrm flipV="1">
-                <a:off x="9095740" y="400050"/>
-                <a:ext cx="0" cy="1466576"/>
-              </a:xfrm>
-              <a:prstGeom prst="line">
-                <a:avLst/>
-              </a:prstGeom>
-              <a:ln w="28575">
-                <a:solidFill>
-                  <a:schemeClr val="tx1"/>
-                </a:solidFill>
-              </a:ln>
-            </p:spPr>
-            <p:style>
-              <a:lnRef idx="1">
-                <a:schemeClr val="accent1"/>
-              </a:lnRef>
-              <a:fillRef idx="0">
-                <a:schemeClr val="accent1"/>
-              </a:fillRef>
-              <a:effectRef idx="0">
-                <a:schemeClr val="accent1"/>
-              </a:effectRef>
-              <a:fontRef idx="minor">
-                <a:schemeClr val="tx1"/>
-              </a:fontRef>
-            </p:style>
-          </p:cxnSp>
-          <p:sp>
-            <p:nvSpPr>
-              <p:cNvPr id="196" name="Rectangle: Rounded Corners 195">
-                <a:extLst>
-                  <a:ext uri="{FF2B5EF4-FFF2-40B4-BE49-F238E27FC236}">
-                    <a16:creationId xmlns:a16="http://schemas.microsoft.com/office/drawing/2014/main" id="{DD6E0BAA-8634-450E-B41A-B60CD883689A}"/>
-                  </a:ext>
-                </a:extLst>
-              </p:cNvPr>
-              <p:cNvSpPr/>
-              <p:nvPr/>
-            </p:nvSpPr>
-            <p:spPr>
-              <a:xfrm>
-                <a:off x="9198029" y="757918"/>
-                <a:ext cx="360000" cy="360000"/>
-              </a:xfrm>
-              <a:prstGeom prst="roundRect">
-                <a:avLst/>
-              </a:prstGeom>
-              <a:solidFill>
-                <a:srgbClr val="7030A0"/>
-              </a:solidFill>
-              <a:ln>
-                <a:solidFill>
-                  <a:schemeClr val="tx1"/>
-                </a:solidFill>
-              </a:ln>
-            </p:spPr>
-            <p:style>
-              <a:lnRef idx="2">
-                <a:schemeClr val="accent2">
-                  <a:shade val="50000"/>
-                </a:schemeClr>
-              </a:lnRef>
-              <a:fillRef idx="1">
-                <a:schemeClr val="accent2"/>
-              </a:fillRef>
-              <a:effectRef idx="0">
-                <a:schemeClr val="accent2"/>
-              </a:effectRef>
-              <a:fontRef idx="minor">
-                <a:schemeClr val="lt1"/>
-              </a:fontRef>
-            </p:style>
-            <p:txBody>
-              <a:bodyPr rtlCol="0" anchor="ctr"/>
-              <a:lstStyle/>
-              <a:p>
-                <a:pPr algn="ctr"/>
-                <a:r>
-                  <a:rPr lang="en-AU" dirty="0"/>
-                  <a:t>P</a:t>
-                </a:r>
-              </a:p>
-            </p:txBody>
-          </p:sp>
-          <p:sp>
-            <p:nvSpPr>
-              <p:cNvPr id="197" name="Rectangle: Rounded Corners 196">
-                <a:extLst>
-                  <a:ext uri="{FF2B5EF4-FFF2-40B4-BE49-F238E27FC236}">
-                    <a16:creationId xmlns:a16="http://schemas.microsoft.com/office/drawing/2014/main" id="{3BD49D0B-9539-4A66-AAE1-A3CCB9673A35}"/>
-                  </a:ext>
-                </a:extLst>
-              </p:cNvPr>
-              <p:cNvSpPr/>
-              <p:nvPr/>
-            </p:nvSpPr>
-            <p:spPr>
-              <a:xfrm>
-                <a:off x="9198029" y="1122263"/>
-                <a:ext cx="360000" cy="360000"/>
-              </a:xfrm>
-              <a:prstGeom prst="roundRect">
-                <a:avLst/>
-              </a:prstGeom>
-              <a:solidFill>
-                <a:schemeClr val="accent6">
-                  <a:lumMod val="75000"/>
-                </a:schemeClr>
-              </a:solidFill>
-              <a:ln>
-                <a:solidFill>
-                  <a:schemeClr val="tx1"/>
-                </a:solidFill>
-              </a:ln>
-            </p:spPr>
-            <p:style>
-              <a:lnRef idx="2">
-                <a:schemeClr val="accent1">
-                  <a:shade val="50000"/>
-                </a:schemeClr>
-              </a:lnRef>
-              <a:fillRef idx="1">
-                <a:schemeClr val="accent1"/>
-              </a:fillRef>
-              <a:effectRef idx="0">
-                <a:schemeClr val="accent1"/>
-              </a:effectRef>
-              <a:fontRef idx="minor">
-                <a:schemeClr val="lt1"/>
-              </a:fontRef>
-            </p:style>
-            <p:txBody>
-              <a:bodyPr rtlCol="0" anchor="ctr"/>
-              <a:lstStyle/>
-              <a:p>
-                <a:pPr algn="ctr"/>
-                <a:r>
-                  <a:rPr lang="en-AU" dirty="0"/>
-                  <a:t>G</a:t>
-                </a:r>
-              </a:p>
-            </p:txBody>
-          </p:sp>
-          <p:sp>
-            <p:nvSpPr>
-              <p:cNvPr id="198" name="Rectangle: Rounded Corners 197">
-                <a:extLst>
-                  <a:ext uri="{FF2B5EF4-FFF2-40B4-BE49-F238E27FC236}">
-                    <a16:creationId xmlns:a16="http://schemas.microsoft.com/office/drawing/2014/main" id="{310B0E75-6523-4DCE-A421-DC1358BEE30E}"/>
-                  </a:ext>
-                </a:extLst>
-              </p:cNvPr>
-              <p:cNvSpPr/>
-              <p:nvPr/>
-            </p:nvSpPr>
-            <p:spPr>
-              <a:xfrm>
-                <a:off x="9198029" y="1485594"/>
-                <a:ext cx="360000" cy="360000"/>
-              </a:xfrm>
-              <a:prstGeom prst="roundRect">
-                <a:avLst/>
-              </a:prstGeom>
-              <a:solidFill>
-                <a:srgbClr val="C00000"/>
-              </a:solidFill>
-              <a:ln>
-                <a:solidFill>
-                  <a:schemeClr val="tx1"/>
-                </a:solidFill>
-              </a:ln>
-            </p:spPr>
-            <p:style>
-              <a:lnRef idx="2">
-                <a:schemeClr val="accent1">
-                  <a:shade val="50000"/>
-                </a:schemeClr>
-              </a:lnRef>
-              <a:fillRef idx="1">
-                <a:schemeClr val="accent1"/>
-              </a:fillRef>
-              <a:effectRef idx="0">
-                <a:schemeClr val="accent1"/>
-              </a:effectRef>
-              <a:fontRef idx="minor">
-                <a:schemeClr val="lt1"/>
-              </a:fontRef>
-            </p:style>
-            <p:txBody>
-              <a:bodyPr rtlCol="0" anchor="ctr"/>
-              <a:lstStyle/>
-              <a:p>
-                <a:pPr algn="ctr"/>
-                <a:r>
-                  <a:rPr lang="en-AU" dirty="0"/>
-                  <a:t>R</a:t>
-                </a:r>
-              </a:p>
-            </p:txBody>
-          </p:sp>
-          <p:sp>
-            <p:nvSpPr>
-              <p:cNvPr id="199" name="Rectangle: Rounded Corners 198">
-                <a:extLst>
-                  <a:ext uri="{FF2B5EF4-FFF2-40B4-BE49-F238E27FC236}">
-                    <a16:creationId xmlns:a16="http://schemas.microsoft.com/office/drawing/2014/main" id="{3BCD7683-C438-4ED2-B620-5CFFA9BBC1A4}"/>
-                  </a:ext>
-                </a:extLst>
-              </p:cNvPr>
-              <p:cNvSpPr/>
-              <p:nvPr/>
-            </p:nvSpPr>
-            <p:spPr>
-              <a:xfrm>
-                <a:off x="9989502" y="1481225"/>
-                <a:ext cx="360000" cy="360000"/>
-              </a:xfrm>
-              <a:prstGeom prst="roundRect">
-                <a:avLst/>
-              </a:prstGeom>
-              <a:solidFill>
-                <a:srgbClr val="7030A0"/>
-              </a:solidFill>
-              <a:ln>
-                <a:solidFill>
-                  <a:schemeClr val="tx1"/>
-                </a:solidFill>
-              </a:ln>
-            </p:spPr>
-            <p:style>
-              <a:lnRef idx="2">
-                <a:schemeClr val="accent2">
-                  <a:shade val="50000"/>
-                </a:schemeClr>
-              </a:lnRef>
-              <a:fillRef idx="1">
-                <a:schemeClr val="accent2"/>
-              </a:fillRef>
-              <a:effectRef idx="0">
-                <a:schemeClr val="accent2"/>
-              </a:effectRef>
-              <a:fontRef idx="minor">
-                <a:schemeClr val="lt1"/>
-              </a:fontRef>
-            </p:style>
-            <p:txBody>
-              <a:bodyPr rtlCol="0" anchor="ctr"/>
-              <a:lstStyle/>
-              <a:p>
-                <a:pPr algn="ctr"/>
-                <a:r>
-                  <a:rPr lang="en-AU" dirty="0"/>
-                  <a:t>P</a:t>
-                </a:r>
-              </a:p>
-            </p:txBody>
-          </p:sp>
-          <p:sp>
-            <p:nvSpPr>
-              <p:cNvPr id="200" name="Rectangle: Rounded Corners 199">
-                <a:extLst>
-                  <a:ext uri="{FF2B5EF4-FFF2-40B4-BE49-F238E27FC236}">
-                    <a16:creationId xmlns:a16="http://schemas.microsoft.com/office/drawing/2014/main" id="{4CE1299C-AD7D-4225-A9EA-234886DCB6F5}"/>
-                  </a:ext>
-                </a:extLst>
-              </p:cNvPr>
-              <p:cNvSpPr/>
-              <p:nvPr/>
-            </p:nvSpPr>
-            <p:spPr>
-              <a:xfrm>
-                <a:off x="9989502" y="1120464"/>
-                <a:ext cx="360000" cy="360000"/>
-              </a:xfrm>
-              <a:prstGeom prst="roundRect">
-                <a:avLst/>
-              </a:prstGeom>
-              <a:solidFill>
-                <a:schemeClr val="accent6">
-                  <a:lumMod val="75000"/>
-                </a:schemeClr>
-              </a:solidFill>
-              <a:ln>
-                <a:solidFill>
-                  <a:schemeClr val="tx1"/>
-                </a:solidFill>
-              </a:ln>
-            </p:spPr>
-            <p:style>
-              <a:lnRef idx="2">
-                <a:schemeClr val="accent1">
-                  <a:shade val="50000"/>
-                </a:schemeClr>
-              </a:lnRef>
-              <a:fillRef idx="1">
-                <a:schemeClr val="accent1"/>
-              </a:fillRef>
-              <a:effectRef idx="0">
-                <a:schemeClr val="accent1"/>
-              </a:effectRef>
-              <a:fontRef idx="minor">
-                <a:schemeClr val="lt1"/>
-              </a:fontRef>
-            </p:style>
-            <p:txBody>
-              <a:bodyPr rtlCol="0" anchor="ctr"/>
-              <a:lstStyle/>
-              <a:p>
-                <a:pPr algn="ctr"/>
-                <a:r>
-                  <a:rPr lang="en-AU" dirty="0"/>
-                  <a:t>G</a:t>
-                </a:r>
-              </a:p>
-            </p:txBody>
-          </p:sp>
-          <p:sp>
-            <p:nvSpPr>
-              <p:cNvPr id="201" name="Rectangle: Rounded Corners 200">
-                <a:extLst>
-                  <a:ext uri="{FF2B5EF4-FFF2-40B4-BE49-F238E27FC236}">
-                    <a16:creationId xmlns:a16="http://schemas.microsoft.com/office/drawing/2014/main" id="{356FF52F-CA29-477A-8CCE-3721498B5F70}"/>
-                  </a:ext>
-                </a:extLst>
-              </p:cNvPr>
-              <p:cNvSpPr/>
-              <p:nvPr/>
-            </p:nvSpPr>
-            <p:spPr>
-              <a:xfrm>
-                <a:off x="9989502" y="761472"/>
-                <a:ext cx="360000" cy="360000"/>
-              </a:xfrm>
-              <a:prstGeom prst="roundRect">
-                <a:avLst/>
-              </a:prstGeom>
-              <a:solidFill>
-                <a:srgbClr val="C00000"/>
-              </a:solidFill>
-              <a:ln>
-                <a:solidFill>
-                  <a:schemeClr val="tx1"/>
-                </a:solidFill>
-              </a:ln>
-            </p:spPr>
-            <p:style>
-              <a:lnRef idx="2">
-                <a:schemeClr val="accent1">
-                  <a:shade val="50000"/>
-                </a:schemeClr>
-              </a:lnRef>
-              <a:fillRef idx="1">
-                <a:schemeClr val="accent1"/>
-              </a:fillRef>
-              <a:effectRef idx="0">
-                <a:schemeClr val="accent1"/>
-              </a:effectRef>
-              <a:fontRef idx="minor">
-                <a:schemeClr val="lt1"/>
-              </a:fontRef>
-            </p:style>
-            <p:txBody>
-              <a:bodyPr rtlCol="0" anchor="ctr"/>
-              <a:lstStyle/>
-              <a:p>
-                <a:pPr algn="ctr"/>
-                <a:r>
-                  <a:rPr lang="en-AU" dirty="0"/>
-                  <a:t>R</a:t>
-                </a:r>
-              </a:p>
-            </p:txBody>
-          </p:sp>
-          <p:sp>
-            <p:nvSpPr>
-              <p:cNvPr id="202" name="Rectangle: Rounded Corners 201">
-                <a:extLst>
-                  <a:ext uri="{FF2B5EF4-FFF2-40B4-BE49-F238E27FC236}">
-                    <a16:creationId xmlns:a16="http://schemas.microsoft.com/office/drawing/2014/main" id="{5BA1C6F0-C6C8-4CC0-BF43-5B268182A6DA}"/>
-                  </a:ext>
-                </a:extLst>
-              </p:cNvPr>
-              <p:cNvSpPr/>
-              <p:nvPr/>
-            </p:nvSpPr>
-            <p:spPr>
-              <a:xfrm>
-                <a:off x="10391282" y="1118908"/>
-                <a:ext cx="360000" cy="360000"/>
-              </a:xfrm>
-              <a:prstGeom prst="roundRect">
-                <a:avLst/>
-              </a:prstGeom>
-              <a:solidFill>
-                <a:srgbClr val="7030A0"/>
-              </a:solidFill>
-              <a:ln>
-                <a:solidFill>
-                  <a:schemeClr val="tx1"/>
-                </a:solidFill>
-              </a:ln>
-            </p:spPr>
-            <p:style>
-              <a:lnRef idx="2">
-                <a:schemeClr val="accent2">
-                  <a:shade val="50000"/>
-                </a:schemeClr>
-              </a:lnRef>
-              <a:fillRef idx="1">
-                <a:schemeClr val="accent2"/>
-              </a:fillRef>
-              <a:effectRef idx="0">
-                <a:schemeClr val="accent2"/>
-              </a:effectRef>
-              <a:fontRef idx="minor">
-                <a:schemeClr val="lt1"/>
-              </a:fontRef>
-            </p:style>
-            <p:txBody>
-              <a:bodyPr rtlCol="0" anchor="ctr"/>
-              <a:lstStyle/>
-              <a:p>
-                <a:pPr algn="ctr"/>
-                <a:r>
-                  <a:rPr lang="en-AU" dirty="0"/>
-                  <a:t>P</a:t>
-                </a:r>
-              </a:p>
-            </p:txBody>
-          </p:sp>
-          <p:sp>
-            <p:nvSpPr>
-              <p:cNvPr id="203" name="Rectangle: Rounded Corners 202">
-                <a:extLst>
-                  <a:ext uri="{FF2B5EF4-FFF2-40B4-BE49-F238E27FC236}">
-                    <a16:creationId xmlns:a16="http://schemas.microsoft.com/office/drawing/2014/main" id="{404D89A4-8AF7-4F6E-808F-A56E365293A5}"/>
-                  </a:ext>
-                </a:extLst>
-              </p:cNvPr>
-              <p:cNvSpPr/>
-              <p:nvPr/>
-            </p:nvSpPr>
-            <p:spPr>
-              <a:xfrm>
-                <a:off x="10391282" y="1477894"/>
-                <a:ext cx="360000" cy="360000"/>
-              </a:xfrm>
-              <a:prstGeom prst="roundRect">
-                <a:avLst/>
-              </a:prstGeom>
-              <a:solidFill>
-                <a:schemeClr val="accent6">
-                  <a:lumMod val="75000"/>
-                </a:schemeClr>
-              </a:solidFill>
-              <a:ln>
-                <a:solidFill>
-                  <a:schemeClr val="tx1"/>
-                </a:solidFill>
-              </a:ln>
-            </p:spPr>
-            <p:style>
-              <a:lnRef idx="2">
-                <a:schemeClr val="accent1">
-                  <a:shade val="50000"/>
-                </a:schemeClr>
-              </a:lnRef>
-              <a:fillRef idx="1">
-                <a:schemeClr val="accent1"/>
-              </a:fillRef>
-              <a:effectRef idx="0">
-                <a:schemeClr val="accent1"/>
-              </a:effectRef>
-              <a:fontRef idx="minor">
-                <a:schemeClr val="lt1"/>
-              </a:fontRef>
-            </p:style>
-            <p:txBody>
-              <a:bodyPr rtlCol="0" anchor="ctr"/>
-              <a:lstStyle/>
-              <a:p>
-                <a:pPr algn="ctr"/>
-                <a:r>
-                  <a:rPr lang="en-AU" dirty="0"/>
-                  <a:t>G</a:t>
-                </a:r>
-              </a:p>
-            </p:txBody>
-          </p:sp>
-          <p:sp>
-            <p:nvSpPr>
-              <p:cNvPr id="204" name="Rectangle: Rounded Corners 203">
-                <a:extLst>
-                  <a:ext uri="{FF2B5EF4-FFF2-40B4-BE49-F238E27FC236}">
-                    <a16:creationId xmlns:a16="http://schemas.microsoft.com/office/drawing/2014/main" id="{259FF60D-1AB2-4117-8E40-8CE73A8A74D2}"/>
-                  </a:ext>
-                </a:extLst>
-              </p:cNvPr>
-              <p:cNvSpPr/>
-              <p:nvPr/>
-            </p:nvSpPr>
-            <p:spPr>
-              <a:xfrm>
-                <a:off x="10391282" y="758902"/>
-                <a:ext cx="360000" cy="360000"/>
-              </a:xfrm>
-              <a:prstGeom prst="roundRect">
-                <a:avLst/>
-              </a:prstGeom>
-              <a:solidFill>
-                <a:srgbClr val="C00000"/>
-              </a:solidFill>
-              <a:ln>
-                <a:solidFill>
-                  <a:schemeClr val="tx1"/>
-                </a:solidFill>
-              </a:ln>
-            </p:spPr>
-            <p:style>
-              <a:lnRef idx="2">
-                <a:schemeClr val="accent1">
-                  <a:shade val="50000"/>
-                </a:schemeClr>
-              </a:lnRef>
-              <a:fillRef idx="1">
-                <a:schemeClr val="accent1"/>
-              </a:fillRef>
-              <a:effectRef idx="0">
-                <a:schemeClr val="accent1"/>
-              </a:effectRef>
-              <a:fontRef idx="minor">
-                <a:schemeClr val="lt1"/>
-              </a:fontRef>
-            </p:style>
-            <p:txBody>
-              <a:bodyPr rtlCol="0" anchor="ctr"/>
-              <a:lstStyle/>
-              <a:p>
-                <a:pPr algn="ctr"/>
-                <a:r>
-                  <a:rPr lang="en-AU" dirty="0"/>
-                  <a:t>R</a:t>
-                </a:r>
-              </a:p>
-            </p:txBody>
-          </p:sp>
-          <p:sp>
-            <p:nvSpPr>
-              <p:cNvPr id="205" name="Rectangle: Rounded Corners 204">
-                <a:extLst>
-                  <a:ext uri="{FF2B5EF4-FFF2-40B4-BE49-F238E27FC236}">
-                    <a16:creationId xmlns:a16="http://schemas.microsoft.com/office/drawing/2014/main" id="{F9AF94E8-FA56-404C-B667-FF1D1ACAA242}"/>
-                  </a:ext>
-                </a:extLst>
-              </p:cNvPr>
-              <p:cNvSpPr/>
-              <p:nvPr/>
-            </p:nvSpPr>
-            <p:spPr>
-              <a:xfrm>
-                <a:off x="10789506" y="1480470"/>
-                <a:ext cx="360000" cy="360000"/>
-              </a:xfrm>
-              <a:prstGeom prst="roundRect">
-                <a:avLst/>
-              </a:prstGeom>
-              <a:solidFill>
-                <a:srgbClr val="7030A0"/>
-              </a:solidFill>
-              <a:ln>
-                <a:solidFill>
-                  <a:schemeClr val="tx1"/>
-                </a:solidFill>
-              </a:ln>
-            </p:spPr>
-            <p:style>
-              <a:lnRef idx="2">
-                <a:schemeClr val="accent2">
-                  <a:shade val="50000"/>
-                </a:schemeClr>
-              </a:lnRef>
-              <a:fillRef idx="1">
-                <a:schemeClr val="accent2"/>
-              </a:fillRef>
-              <a:effectRef idx="0">
-                <a:schemeClr val="accent2"/>
-              </a:effectRef>
-              <a:fontRef idx="minor">
-                <a:schemeClr val="lt1"/>
-              </a:fontRef>
-            </p:style>
-            <p:txBody>
-              <a:bodyPr rtlCol="0" anchor="ctr"/>
-              <a:lstStyle/>
-              <a:p>
-                <a:pPr algn="ctr"/>
-                <a:r>
-                  <a:rPr lang="en-AU" dirty="0"/>
-                  <a:t>P</a:t>
-                </a:r>
-              </a:p>
-            </p:txBody>
-          </p:sp>
-          <p:sp>
-            <p:nvSpPr>
-              <p:cNvPr id="206" name="Rectangle: Rounded Corners 205">
-                <a:extLst>
-                  <a:ext uri="{FF2B5EF4-FFF2-40B4-BE49-F238E27FC236}">
-                    <a16:creationId xmlns:a16="http://schemas.microsoft.com/office/drawing/2014/main" id="{D1DAB95B-13BE-4A8B-8541-8D349349D91B}"/>
-                  </a:ext>
-                </a:extLst>
-              </p:cNvPr>
-              <p:cNvSpPr/>
-              <p:nvPr/>
-            </p:nvSpPr>
-            <p:spPr>
-              <a:xfrm>
-                <a:off x="10791712" y="760458"/>
-                <a:ext cx="360000" cy="360000"/>
-              </a:xfrm>
-              <a:prstGeom prst="roundRect">
-                <a:avLst/>
-              </a:prstGeom>
-              <a:solidFill>
-                <a:schemeClr val="accent6">
-                  <a:lumMod val="75000"/>
-                </a:schemeClr>
-              </a:solidFill>
-              <a:ln>
-                <a:solidFill>
-                  <a:schemeClr val="tx1"/>
-                </a:solidFill>
-              </a:ln>
-            </p:spPr>
-            <p:style>
-              <a:lnRef idx="2">
-                <a:schemeClr val="accent1">
-                  <a:shade val="50000"/>
-                </a:schemeClr>
-              </a:lnRef>
-              <a:fillRef idx="1">
-                <a:schemeClr val="accent1"/>
-              </a:fillRef>
-              <a:effectRef idx="0">
-                <a:schemeClr val="accent1"/>
-              </a:effectRef>
-              <a:fontRef idx="minor">
-                <a:schemeClr val="lt1"/>
-              </a:fontRef>
-            </p:style>
-            <p:txBody>
-              <a:bodyPr rtlCol="0" anchor="ctr"/>
-              <a:lstStyle/>
-              <a:p>
-                <a:pPr algn="ctr"/>
-                <a:r>
-                  <a:rPr lang="en-AU" dirty="0"/>
-                  <a:t>G</a:t>
-                </a:r>
-              </a:p>
-            </p:txBody>
-          </p:sp>
-          <p:sp>
-            <p:nvSpPr>
-              <p:cNvPr id="207" name="Rectangle: Rounded Corners 206">
-                <a:extLst>
-                  <a:ext uri="{FF2B5EF4-FFF2-40B4-BE49-F238E27FC236}">
-                    <a16:creationId xmlns:a16="http://schemas.microsoft.com/office/drawing/2014/main" id="{D32EBC25-3662-4357-BE03-50EE630573A1}"/>
-                  </a:ext>
-                </a:extLst>
-              </p:cNvPr>
-              <p:cNvSpPr/>
-              <p:nvPr/>
-            </p:nvSpPr>
-            <p:spPr>
-              <a:xfrm>
-                <a:off x="10789506" y="1120464"/>
-                <a:ext cx="360000" cy="360000"/>
-              </a:xfrm>
-              <a:prstGeom prst="roundRect">
-                <a:avLst/>
-              </a:prstGeom>
-              <a:solidFill>
-                <a:srgbClr val="C00000"/>
-              </a:solidFill>
-              <a:ln>
-                <a:solidFill>
-                  <a:schemeClr val="tx1"/>
-                </a:solidFill>
-              </a:ln>
-            </p:spPr>
-            <p:style>
-              <a:lnRef idx="2">
-                <a:schemeClr val="accent1">
-                  <a:shade val="50000"/>
-                </a:schemeClr>
-              </a:lnRef>
-              <a:fillRef idx="1">
-                <a:schemeClr val="accent1"/>
-              </a:fillRef>
-              <a:effectRef idx="0">
-                <a:schemeClr val="accent1"/>
-              </a:effectRef>
-              <a:fontRef idx="minor">
-                <a:schemeClr val="lt1"/>
-              </a:fontRef>
-            </p:style>
-            <p:txBody>
-              <a:bodyPr rtlCol="0" anchor="ctr"/>
-              <a:lstStyle/>
-              <a:p>
-                <a:pPr algn="ctr"/>
-                <a:r>
-                  <a:rPr lang="en-AU" dirty="0"/>
-                  <a:t>R</a:t>
-                </a:r>
-              </a:p>
-            </p:txBody>
-          </p:sp>
-          <p:sp>
-            <p:nvSpPr>
-              <p:cNvPr id="208" name="Rectangle: Rounded Corners 207">
-                <a:extLst>
-                  <a:ext uri="{FF2B5EF4-FFF2-40B4-BE49-F238E27FC236}">
-                    <a16:creationId xmlns:a16="http://schemas.microsoft.com/office/drawing/2014/main" id="{1B1CCF14-A393-49A8-88F8-D50479CF6230}"/>
-                  </a:ext>
-                </a:extLst>
-              </p:cNvPr>
-              <p:cNvSpPr/>
-              <p:nvPr/>
-            </p:nvSpPr>
-            <p:spPr>
-              <a:xfrm>
-                <a:off x="11199716" y="1477930"/>
-                <a:ext cx="360000" cy="360000"/>
-              </a:xfrm>
-              <a:prstGeom prst="roundRect">
-                <a:avLst/>
-              </a:prstGeom>
-              <a:solidFill>
-                <a:srgbClr val="7030A0"/>
-              </a:solidFill>
-              <a:ln>
-                <a:solidFill>
-                  <a:schemeClr val="tx1"/>
-                </a:solidFill>
-              </a:ln>
-            </p:spPr>
-            <p:style>
-              <a:lnRef idx="2">
-                <a:schemeClr val="accent2">
-                  <a:shade val="50000"/>
-                </a:schemeClr>
-              </a:lnRef>
-              <a:fillRef idx="1">
-                <a:schemeClr val="accent2"/>
-              </a:fillRef>
-              <a:effectRef idx="0">
-                <a:schemeClr val="accent2"/>
-              </a:effectRef>
-              <a:fontRef idx="minor">
-                <a:schemeClr val="lt1"/>
-              </a:fontRef>
-            </p:style>
-            <p:txBody>
-              <a:bodyPr rtlCol="0" anchor="ctr"/>
-              <a:lstStyle/>
-              <a:p>
-                <a:pPr algn="ctr"/>
-                <a:r>
-                  <a:rPr lang="en-AU" dirty="0"/>
-                  <a:t>P</a:t>
-                </a:r>
-              </a:p>
-            </p:txBody>
-          </p:sp>
-          <p:sp>
-            <p:nvSpPr>
-              <p:cNvPr id="209" name="Rectangle: Rounded Corners 208">
-                <a:extLst>
-                  <a:ext uri="{FF2B5EF4-FFF2-40B4-BE49-F238E27FC236}">
-                    <a16:creationId xmlns:a16="http://schemas.microsoft.com/office/drawing/2014/main" id="{731B04E7-1516-4357-9FF2-63DE90AEA7C7}"/>
-                  </a:ext>
-                </a:extLst>
-              </p:cNvPr>
-              <p:cNvSpPr/>
-              <p:nvPr/>
-            </p:nvSpPr>
-            <p:spPr>
-              <a:xfrm>
-                <a:off x="11201922" y="757918"/>
-                <a:ext cx="360000" cy="360000"/>
-              </a:xfrm>
-              <a:prstGeom prst="roundRect">
-                <a:avLst/>
-              </a:prstGeom>
-              <a:solidFill>
-                <a:schemeClr val="accent6">
-                  <a:lumMod val="75000"/>
-                </a:schemeClr>
-              </a:solidFill>
-              <a:ln>
-                <a:solidFill>
-                  <a:schemeClr val="tx1"/>
-                </a:solidFill>
-              </a:ln>
-            </p:spPr>
-            <p:style>
-              <a:lnRef idx="2">
-                <a:schemeClr val="accent1">
-                  <a:shade val="50000"/>
-                </a:schemeClr>
-              </a:lnRef>
-              <a:fillRef idx="1">
-                <a:schemeClr val="accent1"/>
-              </a:fillRef>
-              <a:effectRef idx="0">
-                <a:schemeClr val="accent1"/>
-              </a:effectRef>
-              <a:fontRef idx="minor">
-                <a:schemeClr val="lt1"/>
-              </a:fontRef>
-            </p:style>
-            <p:txBody>
-              <a:bodyPr rtlCol="0" anchor="ctr"/>
-              <a:lstStyle/>
-              <a:p>
-                <a:pPr algn="ctr"/>
-                <a:r>
-                  <a:rPr lang="en-AU" dirty="0"/>
-                  <a:t>G</a:t>
-                </a:r>
-              </a:p>
-            </p:txBody>
-          </p:sp>
-          <p:sp>
-            <p:nvSpPr>
-              <p:cNvPr id="210" name="Rectangle: Rounded Corners 209">
-                <a:extLst>
-                  <a:ext uri="{FF2B5EF4-FFF2-40B4-BE49-F238E27FC236}">
-                    <a16:creationId xmlns:a16="http://schemas.microsoft.com/office/drawing/2014/main" id="{D9535BA2-4205-4A4E-BE10-A9A10AD17F60}"/>
-                  </a:ext>
-                </a:extLst>
-              </p:cNvPr>
-              <p:cNvSpPr/>
-              <p:nvPr/>
-            </p:nvSpPr>
-            <p:spPr>
-              <a:xfrm>
-                <a:off x="11199716" y="1117924"/>
-                <a:ext cx="360000" cy="360000"/>
-              </a:xfrm>
-              <a:prstGeom prst="roundRect">
-                <a:avLst/>
-              </a:prstGeom>
-              <a:solidFill>
-                <a:srgbClr val="C00000"/>
-              </a:solidFill>
-              <a:ln>
-                <a:solidFill>
-                  <a:schemeClr val="tx1"/>
-                </a:solidFill>
-              </a:ln>
-            </p:spPr>
-            <p:style>
-              <a:lnRef idx="2">
-                <a:schemeClr val="accent1">
-                  <a:shade val="50000"/>
-                </a:schemeClr>
-              </a:lnRef>
-              <a:fillRef idx="1">
-                <a:schemeClr val="accent1"/>
-              </a:fillRef>
-              <a:effectRef idx="0">
-                <a:schemeClr val="accent1"/>
-              </a:effectRef>
-              <a:fontRef idx="minor">
-                <a:schemeClr val="lt1"/>
-              </a:fontRef>
-            </p:style>
-            <p:txBody>
-              <a:bodyPr rtlCol="0" anchor="ctr"/>
-              <a:lstStyle/>
-              <a:p>
-                <a:pPr algn="ctr"/>
-                <a:r>
-                  <a:rPr lang="en-AU" dirty="0"/>
-                  <a:t>R</a:t>
-                </a:r>
-              </a:p>
-            </p:txBody>
-          </p:sp>
-          <p:sp>
-            <p:nvSpPr>
-              <p:cNvPr id="211" name="Rectangle: Rounded Corners 210">
-                <a:extLst>
-                  <a:ext uri="{FF2B5EF4-FFF2-40B4-BE49-F238E27FC236}">
-                    <a16:creationId xmlns:a16="http://schemas.microsoft.com/office/drawing/2014/main" id="{1B33F7EB-2AEE-4EB6-9FB6-DD4E18651783}"/>
-                  </a:ext>
-                </a:extLst>
-              </p:cNvPr>
-              <p:cNvSpPr/>
-              <p:nvPr/>
-            </p:nvSpPr>
-            <p:spPr>
-              <a:xfrm>
-                <a:off x="9540369" y="277745"/>
-                <a:ext cx="477530" cy="1724183"/>
-              </a:xfrm>
-              <a:prstGeom prst="roundRect">
-                <a:avLst/>
-              </a:prstGeom>
-              <a:noFill/>
-              <a:ln w="28575">
-                <a:solidFill>
-                  <a:srgbClr val="FF0000"/>
-                </a:solidFill>
-              </a:ln>
-            </p:spPr>
-            <p:style>
-              <a:lnRef idx="2">
-                <a:schemeClr val="accent1">
-                  <a:shade val="50000"/>
-                </a:schemeClr>
-              </a:lnRef>
-              <a:fillRef idx="1">
-                <a:schemeClr val="accent1"/>
-              </a:fillRef>
-              <a:effectRef idx="0">
-                <a:schemeClr val="accent1"/>
-              </a:effectRef>
-              <a:fontRef idx="minor">
-                <a:schemeClr val="lt1"/>
-              </a:fontRef>
-            </p:style>
-            <p:txBody>
-              <a:bodyPr rtlCol="0" anchor="ctr"/>
-              <a:lstStyle/>
-              <a:p>
-                <a:pPr algn="ctr"/>
-                <a:endParaRPr lang="en-AU"/>
-              </a:p>
-            </p:txBody>
-          </p:sp>
-          <p:pic>
-            <p:nvPicPr>
-              <p:cNvPr id="212" name="Picture 211">
-                <a:extLst>
-                  <a:ext uri="{FF2B5EF4-FFF2-40B4-BE49-F238E27FC236}">
-                    <a16:creationId xmlns:a16="http://schemas.microsoft.com/office/drawing/2014/main" id="{0B138B83-9246-4A78-9DCD-4418383D3A76}"/>
-                  </a:ext>
-                </a:extLst>
-              </p:cNvPr>
-              <p:cNvPicPr>
-                <a:picLocks noChangeAspect="1"/>
-              </p:cNvPicPr>
-              <p:nvPr/>
-            </p:nvPicPr>
-            <p:blipFill>
-              <a:blip r:embed="rId22"/>
-              <a:stretch>
-                <a:fillRect/>
-              </a:stretch>
-            </p:blipFill>
-            <p:spPr>
-              <a:xfrm>
-                <a:off x="9646669" y="2107843"/>
-                <a:ext cx="282074" cy="564147"/>
-              </a:xfrm>
-              <a:prstGeom prst="rect">
-                <a:avLst/>
-              </a:prstGeom>
-            </p:spPr>
-          </p:pic>
-        </p:grpSp>
-      </p:grpSp>
-      <p:grpSp>
-        <p:nvGrpSpPr>
           <p:cNvPr id="14" name="Group 13">
             <a:extLst>
               <a:ext uri="{FF2B5EF4-FFF2-40B4-BE49-F238E27FC236}">
@@ -11121,185 +10977,12 @@
         </p:nvGrpSpPr>
         <p:grpSpPr>
           <a:xfrm>
-            <a:off x="6364852" y="229959"/>
-            <a:ext cx="2847351" cy="3466865"/>
+            <a:off x="8562473" y="-404681"/>
+            <a:ext cx="2847351" cy="2451203"/>
             <a:chOff x="6985632" y="1836062"/>
-            <a:chExt cx="2847351" cy="3466865"/>
+            <a:chExt cx="2847351" cy="2451203"/>
           </a:xfrm>
         </p:grpSpPr>
-        <p:sp>
-          <p:nvSpPr>
-            <p:cNvPr id="88" name="Rectangle: Rounded Corners 87">
-              <a:extLst>
-                <a:ext uri="{FF2B5EF4-FFF2-40B4-BE49-F238E27FC236}">
-                  <a16:creationId xmlns:a16="http://schemas.microsoft.com/office/drawing/2014/main" id="{1F7176AC-0859-4957-9EA8-3E2470EFA86D}"/>
-                </a:ext>
-              </a:extLst>
-            </p:cNvPr>
-            <p:cNvSpPr/>
-            <p:nvPr/>
-          </p:nvSpPr>
-          <p:spPr>
-            <a:xfrm>
-              <a:off x="8789680" y="3592947"/>
-              <a:ext cx="288000" cy="287908"/>
-            </a:xfrm>
-            <a:prstGeom prst="roundRect">
-              <a:avLst/>
-            </a:prstGeom>
-            <a:solidFill>
-              <a:srgbClr val="7030A0"/>
-            </a:solidFill>
-            <a:ln>
-              <a:solidFill>
-                <a:schemeClr val="tx1"/>
-              </a:solidFill>
-            </a:ln>
-          </p:spPr>
-          <p:style>
-            <a:lnRef idx="2">
-              <a:schemeClr val="accent2">
-                <a:shade val="50000"/>
-              </a:schemeClr>
-            </a:lnRef>
-            <a:fillRef idx="1">
-              <a:schemeClr val="accent2"/>
-            </a:fillRef>
-            <a:effectRef idx="0">
-              <a:schemeClr val="accent2"/>
-            </a:effectRef>
-            <a:fontRef idx="minor">
-              <a:schemeClr val="lt1"/>
-            </a:fontRef>
-          </p:style>
-          <p:txBody>
-            <a:bodyPr rtlCol="0" anchor="ctr"/>
-            <a:lstStyle/>
-            <a:p>
-              <a:pPr algn="ctr"/>
-              <a:r>
-                <a:rPr lang="en-AU" sz="2200" dirty="0"/>
-                <a:t>P</a:t>
-              </a:r>
-            </a:p>
-          </p:txBody>
-        </p:sp>
-        <p:sp>
-          <p:nvSpPr>
-            <p:cNvPr id="89" name="Rectangle: Rounded Corners 88">
-              <a:extLst>
-                <a:ext uri="{FF2B5EF4-FFF2-40B4-BE49-F238E27FC236}">
-                  <a16:creationId xmlns:a16="http://schemas.microsoft.com/office/drawing/2014/main" id="{8661A7C9-3441-4528-AF1F-4616C98D21FA}"/>
-                </a:ext>
-              </a:extLst>
-            </p:cNvPr>
-            <p:cNvSpPr/>
-            <p:nvPr/>
-          </p:nvSpPr>
-          <p:spPr>
-            <a:xfrm>
-              <a:off x="9145685" y="3938887"/>
-              <a:ext cx="288000" cy="287908"/>
-            </a:xfrm>
-            <a:prstGeom prst="roundRect">
-              <a:avLst/>
-            </a:prstGeom>
-            <a:solidFill>
-              <a:schemeClr val="accent6">
-                <a:lumMod val="75000"/>
-              </a:schemeClr>
-            </a:solidFill>
-            <a:ln>
-              <a:solidFill>
-                <a:schemeClr val="tx1"/>
-              </a:solidFill>
-            </a:ln>
-          </p:spPr>
-          <p:style>
-            <a:lnRef idx="2">
-              <a:schemeClr val="accent1">
-                <a:shade val="50000"/>
-              </a:schemeClr>
-            </a:lnRef>
-            <a:fillRef idx="1">
-              <a:schemeClr val="accent1"/>
-            </a:fillRef>
-            <a:effectRef idx="0">
-              <a:schemeClr val="accent1"/>
-            </a:effectRef>
-            <a:fontRef idx="minor">
-              <a:schemeClr val="lt1"/>
-            </a:fontRef>
-          </p:style>
-          <p:txBody>
-            <a:bodyPr rtlCol="0" anchor="ctr"/>
-            <a:lstStyle/>
-            <a:p>
-              <a:pPr algn="ctr"/>
-              <a:r>
-                <a:rPr lang="en-AU" sz="2200" dirty="0"/>
-                <a:t>G</a:t>
-              </a:r>
-            </a:p>
-          </p:txBody>
-        </p:sp>
-        <p:sp>
-          <p:nvSpPr>
-            <p:cNvPr id="90" name="Rectangle: Rounded Corners 89">
-              <a:extLst>
-                <a:ext uri="{FF2B5EF4-FFF2-40B4-BE49-F238E27FC236}">
-                  <a16:creationId xmlns:a16="http://schemas.microsoft.com/office/drawing/2014/main" id="{ECDAC129-583C-482F-A24B-3D3783C165EA}"/>
-                </a:ext>
-              </a:extLst>
-            </p:cNvPr>
-            <p:cNvSpPr/>
-            <p:nvPr/>
-          </p:nvSpPr>
-          <p:spPr>
-            <a:xfrm>
-              <a:off x="9153785" y="3592947"/>
-              <a:ext cx="288000" cy="287908"/>
-            </a:xfrm>
-            <a:prstGeom prst="roundRect">
-              <a:avLst/>
-            </a:prstGeom>
-            <a:solidFill>
-              <a:srgbClr val="C00000"/>
-            </a:solidFill>
-            <a:ln>
-              <a:solidFill>
-                <a:schemeClr val="tx1"/>
-              </a:solidFill>
-            </a:ln>
-          </p:spPr>
-          <p:style>
-            <a:lnRef idx="2">
-              <a:schemeClr val="accent1">
-                <a:shade val="50000"/>
-              </a:schemeClr>
-            </a:lnRef>
-            <a:fillRef idx="1">
-              <a:schemeClr val="accent1"/>
-            </a:fillRef>
-            <a:effectRef idx="0">
-              <a:schemeClr val="accent1"/>
-            </a:effectRef>
-            <a:fontRef idx="minor">
-              <a:schemeClr val="lt1"/>
-            </a:fontRef>
-          </p:style>
-          <p:txBody>
-            <a:bodyPr rtlCol="0" anchor="ctr"/>
-            <a:lstStyle/>
-            <a:p>
-              <a:pPr algn="ctr"/>
-              <a:r>
-                <a:rPr lang="en-AU" sz="2200" dirty="0"/>
-                <a:t>R</a:t>
-              </a:r>
-            </a:p>
-          </p:txBody>
-        </p:sp>
         <p:sp>
           <p:nvSpPr>
             <p:cNvPr id="91" name="TextBox 90">
@@ -11453,7 +11136,7 @@
           <p:spPr>
             <a:xfrm flipV="1">
               <a:off x="8716851" y="2493050"/>
-              <a:ext cx="0" cy="2727758"/>
+              <a:ext cx="0" cy="1794215"/>
             </a:xfrm>
             <a:prstGeom prst="line">
               <a:avLst/>
@@ -11550,7 +11233,7 @@
           </p:nvSpPr>
           <p:spPr>
             <a:xfrm>
-              <a:off x="9145685" y="3251083"/>
+              <a:off x="9145685" y="3244987"/>
               <a:ext cx="288000" cy="287908"/>
             </a:xfrm>
             <a:prstGeom prst="roundRect">
@@ -11609,180 +11292,7 @@
           </p:nvSpPr>
           <p:spPr>
             <a:xfrm>
-              <a:off x="9491184" y="3233557"/>
-              <a:ext cx="288000" cy="287908"/>
-            </a:xfrm>
-            <a:prstGeom prst="roundRect">
-              <a:avLst/>
-            </a:prstGeom>
-            <a:solidFill>
-              <a:srgbClr val="C00000"/>
-            </a:solidFill>
-            <a:ln>
-              <a:solidFill>
-                <a:schemeClr val="tx1"/>
-              </a:solidFill>
-            </a:ln>
-          </p:spPr>
-          <p:style>
-            <a:lnRef idx="2">
-              <a:schemeClr val="accent1">
-                <a:shade val="50000"/>
-              </a:schemeClr>
-            </a:lnRef>
-            <a:fillRef idx="1">
-              <a:schemeClr val="accent1"/>
-            </a:fillRef>
-            <a:effectRef idx="0">
-              <a:schemeClr val="accent1"/>
-            </a:effectRef>
-            <a:fontRef idx="minor">
-              <a:schemeClr val="lt1"/>
-            </a:fontRef>
-          </p:style>
-          <p:txBody>
-            <a:bodyPr rtlCol="0" anchor="ctr"/>
-            <a:lstStyle/>
-            <a:p>
-              <a:pPr algn="ctr"/>
-              <a:r>
-                <a:rPr lang="en-AU" sz="2200" dirty="0"/>
-                <a:t>R</a:t>
-              </a:r>
-            </a:p>
-          </p:txBody>
-        </p:sp>
-        <p:sp>
-          <p:nvSpPr>
-            <p:cNvPr id="114" name="Rectangle: Rounded Corners 113">
-              <a:extLst>
-                <a:ext uri="{FF2B5EF4-FFF2-40B4-BE49-F238E27FC236}">
-                  <a16:creationId xmlns:a16="http://schemas.microsoft.com/office/drawing/2014/main" id="{A674D9CD-C23A-4F58-AB18-ED27F09B5419}"/>
-                </a:ext>
-              </a:extLst>
-            </p:cNvPr>
-            <p:cNvSpPr/>
-            <p:nvPr/>
-          </p:nvSpPr>
-          <p:spPr>
-            <a:xfrm>
-              <a:off x="9508514" y="3944564"/>
-              <a:ext cx="288000" cy="287908"/>
-            </a:xfrm>
-            <a:prstGeom prst="roundRect">
-              <a:avLst/>
-            </a:prstGeom>
-            <a:solidFill>
-              <a:srgbClr val="7030A0"/>
-            </a:solidFill>
-            <a:ln>
-              <a:solidFill>
-                <a:schemeClr val="tx1"/>
-              </a:solidFill>
-            </a:ln>
-          </p:spPr>
-          <p:style>
-            <a:lnRef idx="2">
-              <a:schemeClr val="accent2">
-                <a:shade val="50000"/>
-              </a:schemeClr>
-            </a:lnRef>
-            <a:fillRef idx="1">
-              <a:schemeClr val="accent2"/>
-            </a:fillRef>
-            <a:effectRef idx="0">
-              <a:schemeClr val="accent2"/>
-            </a:effectRef>
-            <a:fontRef idx="minor">
-              <a:schemeClr val="lt1"/>
-            </a:fontRef>
-          </p:style>
-          <p:txBody>
-            <a:bodyPr rtlCol="0" anchor="ctr"/>
-            <a:lstStyle/>
-            <a:p>
-              <a:pPr algn="ctr"/>
-              <a:r>
-                <a:rPr lang="en-AU" sz="2200" dirty="0"/>
-                <a:t>P</a:t>
-              </a:r>
-            </a:p>
-          </p:txBody>
-        </p:sp>
-        <p:sp>
-          <p:nvSpPr>
-            <p:cNvPr id="115" name="Rectangle: Rounded Corners 114">
-              <a:extLst>
-                <a:ext uri="{FF2B5EF4-FFF2-40B4-BE49-F238E27FC236}">
-                  <a16:creationId xmlns:a16="http://schemas.microsoft.com/office/drawing/2014/main" id="{0B7853C6-913A-45BD-B33E-FF1D4BCEA2CA}"/>
-                </a:ext>
-              </a:extLst>
-            </p:cNvPr>
-            <p:cNvSpPr/>
-            <p:nvPr/>
-          </p:nvSpPr>
-          <p:spPr>
-            <a:xfrm>
-              <a:off x="9501042" y="3590889"/>
-              <a:ext cx="288000" cy="287908"/>
-            </a:xfrm>
-            <a:prstGeom prst="roundRect">
-              <a:avLst/>
-            </a:prstGeom>
-            <a:solidFill>
-              <a:schemeClr val="accent6">
-                <a:lumMod val="75000"/>
-              </a:schemeClr>
-            </a:solidFill>
-            <a:ln>
-              <a:solidFill>
-                <a:schemeClr val="tx1"/>
-              </a:solidFill>
-            </a:ln>
-          </p:spPr>
-          <p:style>
-            <a:lnRef idx="2">
-              <a:schemeClr val="accent1">
-                <a:shade val="50000"/>
-              </a:schemeClr>
-            </a:lnRef>
-            <a:fillRef idx="1">
-              <a:schemeClr val="accent1"/>
-            </a:fillRef>
-            <a:effectRef idx="0">
-              <a:schemeClr val="accent1"/>
-            </a:effectRef>
-            <a:fontRef idx="minor">
-              <a:schemeClr val="lt1"/>
-            </a:fontRef>
-          </p:style>
-          <p:txBody>
-            <a:bodyPr rtlCol="0" anchor="ctr"/>
-            <a:lstStyle/>
-            <a:p>
-              <a:pPr algn="ctr"/>
-              <a:r>
-                <a:rPr lang="en-AU" sz="2200" dirty="0"/>
-                <a:t>G</a:t>
-              </a:r>
-            </a:p>
-          </p:txBody>
-        </p:sp>
-        <p:sp>
-          <p:nvSpPr>
-            <p:cNvPr id="116" name="Rectangle: Rounded Corners 115">
-              <a:extLst>
-                <a:ext uri="{FF2B5EF4-FFF2-40B4-BE49-F238E27FC236}">
-                  <a16:creationId xmlns:a16="http://schemas.microsoft.com/office/drawing/2014/main" id="{8728B8F4-07EB-4E92-BC3C-07FFA1EFFC4C}"/>
-                </a:ext>
-              </a:extLst>
-            </p:cNvPr>
-            <p:cNvSpPr/>
-            <p:nvPr/>
-          </p:nvSpPr>
-          <p:spPr>
-            <a:xfrm>
-              <a:off x="8783288" y="3930952"/>
+              <a:off x="9497280" y="3239653"/>
               <a:ext cx="288000" cy="287908"/>
             </a:xfrm>
             <a:prstGeom prst="roundRect">
@@ -11839,7 +11349,7 @@
           </p:nvSpPr>
           <p:spPr>
             <a:xfrm>
-              <a:off x="9148644" y="4262380"/>
+              <a:off x="9148644" y="3957580"/>
               <a:ext cx="288000" cy="287908"/>
             </a:xfrm>
             <a:prstGeom prst="roundRect">
@@ -11896,7 +11406,7 @@
           </p:nvSpPr>
           <p:spPr>
             <a:xfrm>
-              <a:off x="9508514" y="4266501"/>
+              <a:off x="9508514" y="3961701"/>
               <a:ext cx="288000" cy="287908"/>
             </a:xfrm>
             <a:prstGeom prst="roundRect">
@@ -11955,7 +11465,7 @@
           </p:nvSpPr>
           <p:spPr>
             <a:xfrm>
-              <a:off x="8789680" y="4254952"/>
+              <a:off x="8789680" y="3950152"/>
               <a:ext cx="288000" cy="287908"/>
             </a:xfrm>
             <a:prstGeom prst="roundRect">
@@ -12012,7 +11522,7 @@
           </p:nvSpPr>
           <p:spPr>
             <a:xfrm>
-              <a:off x="9517890" y="4579814"/>
+              <a:off x="9505698" y="3590491"/>
               <a:ext cx="288000" cy="287908"/>
             </a:xfrm>
             <a:prstGeom prst="roundRect">
@@ -12069,7 +11579,7 @@
           </p:nvSpPr>
           <p:spPr>
             <a:xfrm>
-              <a:off x="8789680" y="4573872"/>
+              <a:off x="8789680" y="3584549"/>
               <a:ext cx="288000" cy="287908"/>
             </a:xfrm>
             <a:prstGeom prst="roundRect">
@@ -12128,180 +11638,7 @@
           </p:nvSpPr>
           <p:spPr>
             <a:xfrm>
-              <a:off x="9153785" y="4583743"/>
-              <a:ext cx="288000" cy="287908"/>
-            </a:xfrm>
-            <a:prstGeom prst="roundRect">
-              <a:avLst/>
-            </a:prstGeom>
-            <a:solidFill>
-              <a:srgbClr val="C00000"/>
-            </a:solidFill>
-            <a:ln>
-              <a:solidFill>
-                <a:schemeClr val="tx1"/>
-              </a:solidFill>
-            </a:ln>
-          </p:spPr>
-          <p:style>
-            <a:lnRef idx="2">
-              <a:schemeClr val="accent1">
-                <a:shade val="50000"/>
-              </a:schemeClr>
-            </a:lnRef>
-            <a:fillRef idx="1">
-              <a:schemeClr val="accent1"/>
-            </a:fillRef>
-            <a:effectRef idx="0">
-              <a:schemeClr val="accent1"/>
-            </a:effectRef>
-            <a:fontRef idx="minor">
-              <a:schemeClr val="lt1"/>
-            </a:fontRef>
-          </p:style>
-          <p:txBody>
-            <a:bodyPr rtlCol="0" anchor="ctr"/>
-            <a:lstStyle/>
-            <a:p>
-              <a:pPr algn="ctr"/>
-              <a:r>
-                <a:rPr lang="en-AU" sz="2200" dirty="0"/>
-                <a:t>R</a:t>
-              </a:r>
-            </a:p>
-          </p:txBody>
-        </p:sp>
-        <p:sp>
-          <p:nvSpPr>
-            <p:cNvPr id="123" name="Rectangle: Rounded Corners 122">
-              <a:extLst>
-                <a:ext uri="{FF2B5EF4-FFF2-40B4-BE49-F238E27FC236}">
-                  <a16:creationId xmlns:a16="http://schemas.microsoft.com/office/drawing/2014/main" id="{556AC0E9-452C-424D-994F-6CD8380F25A2}"/>
-                </a:ext>
-              </a:extLst>
-            </p:cNvPr>
-            <p:cNvSpPr/>
-            <p:nvPr/>
-          </p:nvSpPr>
-          <p:spPr>
-            <a:xfrm>
-              <a:off x="9165585" y="4898651"/>
-              <a:ext cx="288000" cy="287908"/>
-            </a:xfrm>
-            <a:prstGeom prst="roundRect">
-              <a:avLst/>
-            </a:prstGeom>
-            <a:solidFill>
-              <a:srgbClr val="7030A0"/>
-            </a:solidFill>
-            <a:ln>
-              <a:solidFill>
-                <a:schemeClr val="tx1"/>
-              </a:solidFill>
-            </a:ln>
-          </p:spPr>
-          <p:style>
-            <a:lnRef idx="2">
-              <a:schemeClr val="accent2">
-                <a:shade val="50000"/>
-              </a:schemeClr>
-            </a:lnRef>
-            <a:fillRef idx="1">
-              <a:schemeClr val="accent2"/>
-            </a:fillRef>
-            <a:effectRef idx="0">
-              <a:schemeClr val="accent2"/>
-            </a:effectRef>
-            <a:fontRef idx="minor">
-              <a:schemeClr val="lt1"/>
-            </a:fontRef>
-          </p:style>
-          <p:txBody>
-            <a:bodyPr rtlCol="0" anchor="ctr"/>
-            <a:lstStyle/>
-            <a:p>
-              <a:pPr algn="ctr"/>
-              <a:r>
-                <a:rPr lang="en-AU" sz="2200" dirty="0"/>
-                <a:t>P</a:t>
-              </a:r>
-            </a:p>
-          </p:txBody>
-        </p:sp>
-        <p:sp>
-          <p:nvSpPr>
-            <p:cNvPr id="124" name="Rectangle: Rounded Corners 123">
-              <a:extLst>
-                <a:ext uri="{FF2B5EF4-FFF2-40B4-BE49-F238E27FC236}">
-                  <a16:creationId xmlns:a16="http://schemas.microsoft.com/office/drawing/2014/main" id="{30F2A097-6E0B-431D-AADD-6E19C68DFF10}"/>
-                </a:ext>
-              </a:extLst>
-            </p:cNvPr>
-            <p:cNvSpPr/>
-            <p:nvPr/>
-          </p:nvSpPr>
-          <p:spPr>
-            <a:xfrm>
-              <a:off x="8789680" y="4898651"/>
-              <a:ext cx="288000" cy="287908"/>
-            </a:xfrm>
-            <a:prstGeom prst="roundRect">
-              <a:avLst/>
-            </a:prstGeom>
-            <a:solidFill>
-              <a:schemeClr val="accent6">
-                <a:lumMod val="75000"/>
-              </a:schemeClr>
-            </a:solidFill>
-            <a:ln>
-              <a:solidFill>
-                <a:schemeClr val="tx1"/>
-              </a:solidFill>
-            </a:ln>
-          </p:spPr>
-          <p:style>
-            <a:lnRef idx="2">
-              <a:schemeClr val="accent1">
-                <a:shade val="50000"/>
-              </a:schemeClr>
-            </a:lnRef>
-            <a:fillRef idx="1">
-              <a:schemeClr val="accent1"/>
-            </a:fillRef>
-            <a:effectRef idx="0">
-              <a:schemeClr val="accent1"/>
-            </a:effectRef>
-            <a:fontRef idx="minor">
-              <a:schemeClr val="lt1"/>
-            </a:fontRef>
-          </p:style>
-          <p:txBody>
-            <a:bodyPr rtlCol="0" anchor="ctr"/>
-            <a:lstStyle/>
-            <a:p>
-              <a:pPr algn="ctr"/>
-              <a:r>
-                <a:rPr lang="en-AU" sz="2200" dirty="0"/>
-                <a:t>G</a:t>
-              </a:r>
-            </a:p>
-          </p:txBody>
-        </p:sp>
-        <p:sp>
-          <p:nvSpPr>
-            <p:cNvPr id="125" name="Rectangle: Rounded Corners 124">
-              <a:extLst>
-                <a:ext uri="{FF2B5EF4-FFF2-40B4-BE49-F238E27FC236}">
-                  <a16:creationId xmlns:a16="http://schemas.microsoft.com/office/drawing/2014/main" id="{C4B46399-1963-4341-9023-7CABEF1BF164}"/>
-                </a:ext>
-              </a:extLst>
-            </p:cNvPr>
-            <p:cNvSpPr/>
-            <p:nvPr/>
-          </p:nvSpPr>
-          <p:spPr>
-            <a:xfrm>
-              <a:off x="9520463" y="4898651"/>
+              <a:off x="9153785" y="3594420"/>
               <a:ext cx="288000" cy="287908"/>
             </a:xfrm>
             <a:prstGeom prst="roundRect">
@@ -12411,7 +11748,7 @@
           <p:spPr>
             <a:xfrm>
               <a:off x="8353330" y="3179269"/>
-              <a:ext cx="345221" cy="2123658"/>
+              <a:ext cx="345221" cy="1107996"/>
             </a:xfrm>
             <a:prstGeom prst="rect">
               <a:avLst/>
@@ -12446,30 +11783,6 @@
               </a:r>
               <a:endParaRPr lang="en-AU" sz="2200" dirty="0"/>
             </a:p>
-            <a:p>
-              <a:pPr algn="r"/>
-              <a:r>
-                <a:rPr lang="en-US" sz="2200" dirty="0"/>
-                <a:t>4</a:t>
-              </a:r>
-              <a:endParaRPr lang="en-AU" sz="2200" dirty="0"/>
-            </a:p>
-            <a:p>
-              <a:pPr algn="r"/>
-              <a:r>
-                <a:rPr lang="en-US" sz="2200" dirty="0"/>
-                <a:t>5</a:t>
-              </a:r>
-              <a:endParaRPr lang="en-AU" sz="2200" dirty="0"/>
-            </a:p>
-            <a:p>
-              <a:pPr algn="r"/>
-              <a:r>
-                <a:rPr lang="en-US" sz="2200" dirty="0"/>
-                <a:t>6</a:t>
-              </a:r>
-              <a:endParaRPr lang="en-AU" sz="2200" dirty="0"/>
-            </a:p>
           </p:txBody>
         </p:sp>
       </p:grpSp>
@@ -12487,8 +11800,8 @@
         </p:nvSpPr>
         <p:spPr>
           <a:xfrm>
-            <a:off x="7264775" y="58416"/>
-            <a:ext cx="4064416" cy="430887"/>
+            <a:off x="6479889" y="953398"/>
+            <a:ext cx="3013349" cy="1107996"/>
           </a:xfrm>
           <a:prstGeom prst="rect">
             <a:avLst/>
@@ -12501,69 +11814,25 @@
           </a:bodyPr>
           <a:lstStyle/>
           <a:p>
-            <a:pPr algn="ctr"/>
-            <a:r>
-              <a:rPr lang="en-AU" sz="2200" b="1" dirty="0"/>
-              <a:t>8</a:t>
-            </a:r>
             <a:r>
               <a:rPr lang="en-AU" sz="2200" dirty="0"/>
-              <a:t> mod 6 = 2               </a:t>
+              <a:t>Step 1) Set the factor</a:t>
             </a:r>
+          </a:p>
+          <a:p>
             <a:r>
-              <a:rPr lang="en-AU" sz="2200" b="1" dirty="0"/>
-              <a:t>8</a:t>
+              <a:rPr lang="en-AU" sz="2000" dirty="0"/>
+              <a:t>1 + (8 - 1) mod 3 = </a:t>
             </a:r>
+          </a:p>
+          <a:p>
             <a:r>
               <a:rPr lang="en-AU" sz="2200" dirty="0"/>
-              <a:t> mod 3 = 2</a:t>
+              <a:t>Permutation 2</a:t>
             </a:r>
           </a:p>
         </p:txBody>
       </p:sp>
-      <p:cxnSp>
-        <p:nvCxnSpPr>
-          <p:cNvPr id="217" name="Straight Connector 216">
-            <a:extLst>
-              <a:ext uri="{FF2B5EF4-FFF2-40B4-BE49-F238E27FC236}">
-                <a16:creationId xmlns:a16="http://schemas.microsoft.com/office/drawing/2014/main" id="{C65EDA9D-8E05-4788-B7A0-7FDF7F863580}"/>
-              </a:ext>
-            </a:extLst>
-          </p:cNvPr>
-          <p:cNvCxnSpPr>
-            <a:cxnSpLocks/>
-          </p:cNvCxnSpPr>
-          <p:nvPr/>
-        </p:nvCxnSpPr>
-        <p:spPr>
-          <a:xfrm flipV="1">
-            <a:off x="9429571" y="74504"/>
-            <a:ext cx="0" cy="6687850"/>
-          </a:xfrm>
-          <a:prstGeom prst="line">
-            <a:avLst/>
-          </a:prstGeom>
-          <a:ln w="28575">
-            <a:solidFill>
-              <a:schemeClr val="tx1"/>
-            </a:solidFill>
-          </a:ln>
-        </p:spPr>
-        <p:style>
-          <a:lnRef idx="1">
-            <a:schemeClr val="accent1"/>
-          </a:lnRef>
-          <a:fillRef idx="0">
-            <a:schemeClr val="accent1"/>
-          </a:fillRef>
-          <a:effectRef idx="0">
-            <a:schemeClr val="accent1"/>
-          </a:effectRef>
-          <a:fontRef idx="minor">
-            <a:schemeClr val="tx1"/>
-          </a:fontRef>
-        </p:style>
-      </p:cxnSp>
       <p:grpSp>
         <p:nvGrpSpPr>
           <p:cNvPr id="27" name="Group 26">
@@ -12578,10 +11847,10 @@
         </p:nvGrpSpPr>
         <p:grpSpPr>
           <a:xfrm>
-            <a:off x="9504967" y="803477"/>
-            <a:ext cx="2249815" cy="1869139"/>
-            <a:chOff x="9609196" y="796545"/>
-            <a:chExt cx="2249815" cy="1869139"/>
+            <a:off x="8562473" y="2132882"/>
+            <a:ext cx="2186500" cy="1869139"/>
+            <a:chOff x="9672511" y="796545"/>
+            <a:chExt cx="2186500" cy="1869139"/>
           </a:xfrm>
         </p:grpSpPr>
         <p:sp>
@@ -12598,8 +11867,8 @@
           </p:nvSpPr>
           <p:spPr>
             <a:xfrm>
-              <a:off x="9609196" y="796545"/>
-              <a:ext cx="1801417" cy="769441"/>
+              <a:off x="9672511" y="796545"/>
+              <a:ext cx="1738102" cy="769441"/>
             </a:xfrm>
             <a:prstGeom prst="rect">
               <a:avLst/>
@@ -12643,8 +11912,8 @@
           </p:nvCxnSpPr>
           <p:spPr>
             <a:xfrm>
-              <a:off x="9657844" y="1563205"/>
-              <a:ext cx="2201167" cy="0"/>
+              <a:off x="9784401" y="1557688"/>
+              <a:ext cx="2074610" cy="5517"/>
             </a:xfrm>
             <a:prstGeom prst="line">
               <a:avLst/>
@@ -12845,7 +12114,7 @@
           </p:nvSpPr>
           <p:spPr>
             <a:xfrm>
-              <a:off x="11509758" y="2303214"/>
+              <a:off x="11509758" y="2294070"/>
               <a:ext cx="288000" cy="288000"/>
             </a:xfrm>
             <a:prstGeom prst="roundRect">
@@ -12903,7 +12172,7 @@
           </p:nvSpPr>
           <p:spPr>
             <a:xfrm>
-              <a:off x="11138106" y="1939905"/>
+              <a:off x="11138106" y="2269089"/>
               <a:ext cx="720905" cy="338026"/>
             </a:xfrm>
             <a:prstGeom prst="roundRect">
@@ -13043,8 +12312,8 @@
         </p:nvSpPr>
         <p:spPr>
           <a:xfrm rot="20929708">
-            <a:off x="9698741" y="417560"/>
-            <a:ext cx="2407519" cy="369332"/>
+            <a:off x="12684668" y="1861856"/>
+            <a:ext cx="3071343" cy="369332"/>
           </a:xfrm>
           <a:prstGeom prst="rect">
             <a:avLst/>
@@ -13052,7 +12321,7 @@
           <a:noFill/>
         </p:spPr>
         <p:txBody>
-          <a:bodyPr wrap="none" rtlCol="0">
+          <a:bodyPr wrap="square" rtlCol="0">
             <a:spAutoFit/>
           </a:bodyPr>
           <a:lstStyle/>
@@ -13063,7 +12332,7 @@
                   <a:srgbClr val="FF0000"/>
                 </a:solidFill>
               </a:rPr>
-              <a:t>Vs. floor(1 + </a:t>
+              <a:t>Previously; </a:t>
             </a:r>
             <a:r>
               <a:rPr lang="en-US" b="1" dirty="0">
@@ -13079,7 +12348,2903 @@
                   <a:srgbClr val="FF0000"/>
                 </a:solidFill>
               </a:rPr>
-              <a:t>/6) mod 3</a:t>
+              <a:t> mod 3 = 2</a:t>
+            </a:r>
+            <a:endParaRPr lang="en-AU" dirty="0">
+              <a:solidFill>
+                <a:srgbClr val="FF0000"/>
+              </a:solidFill>
+            </a:endParaRPr>
+          </a:p>
+        </p:txBody>
+      </p:sp>
+      <p:sp>
+        <p:nvSpPr>
+          <p:cNvPr id="127" name="TextBox 126">
+            <a:extLst>
+              <a:ext uri="{FF2B5EF4-FFF2-40B4-BE49-F238E27FC236}">
+                <a16:creationId xmlns:a16="http://schemas.microsoft.com/office/drawing/2014/main" id="{519FC26C-93F6-435B-9FF6-411C8E53A042}"/>
+              </a:ext>
+            </a:extLst>
+          </p:cNvPr>
+          <p:cNvSpPr txBox="1"/>
+          <p:nvPr/>
+        </p:nvSpPr>
+        <p:spPr>
+          <a:xfrm>
+            <a:off x="12484179" y="320031"/>
+            <a:ext cx="4191000" cy="1477328"/>
+          </a:xfrm>
+          <a:prstGeom prst="rect">
+            <a:avLst/>
+          </a:prstGeom>
+          <a:noFill/>
+        </p:spPr>
+        <p:txBody>
+          <a:bodyPr wrap="square" rtlCol="0">
+            <a:spAutoFit/>
+          </a:bodyPr>
+          <a:lstStyle/>
+          <a:p>
+            <a:r>
+              <a:rPr lang="en-AU" dirty="0"/>
+              <a:t>But we still don’t have the full span; factor and VC order are always in sync. Collapse factor order into 3v3 </a:t>
+            </a:r>
+            <a:r>
+              <a:rPr lang="en-AU" dirty="0" err="1"/>
+              <a:t>latin</a:t>
+            </a:r>
+            <a:r>
+              <a:rPr lang="en-AU" dirty="0"/>
+              <a:t> square, then even eval ever 3*3*6 = 56 participants. </a:t>
+            </a:r>
+          </a:p>
+          <a:p>
+            <a:endParaRPr lang="en-AU" dirty="0"/>
+          </a:p>
+        </p:txBody>
+      </p:sp>
+      <p:grpSp>
+        <p:nvGrpSpPr>
+          <p:cNvPr id="128" name="Group 127">
+            <a:extLst>
+              <a:ext uri="{FF2B5EF4-FFF2-40B4-BE49-F238E27FC236}">
+                <a16:creationId xmlns:a16="http://schemas.microsoft.com/office/drawing/2014/main" id="{61C1B3FB-5795-4818-B12E-A9E2C3A97D6F}"/>
+              </a:ext>
+            </a:extLst>
+          </p:cNvPr>
+          <p:cNvGrpSpPr/>
+          <p:nvPr/>
+        </p:nvGrpSpPr>
+        <p:grpSpPr>
+          <a:xfrm>
+            <a:off x="-135984" y="7022351"/>
+            <a:ext cx="2847351" cy="3466865"/>
+            <a:chOff x="6985632" y="1836062"/>
+            <a:chExt cx="2847351" cy="3466865"/>
+          </a:xfrm>
+        </p:grpSpPr>
+        <p:sp>
+          <p:nvSpPr>
+            <p:cNvPr id="131" name="Rectangle: Rounded Corners 130">
+              <a:extLst>
+                <a:ext uri="{FF2B5EF4-FFF2-40B4-BE49-F238E27FC236}">
+                  <a16:creationId xmlns:a16="http://schemas.microsoft.com/office/drawing/2014/main" id="{3B4F196F-2BDE-4E24-9159-35B66230F2B8}"/>
+                </a:ext>
+              </a:extLst>
+            </p:cNvPr>
+            <p:cNvSpPr/>
+            <p:nvPr/>
+          </p:nvSpPr>
+          <p:spPr>
+            <a:xfrm>
+              <a:off x="8789680" y="3592947"/>
+              <a:ext cx="288000" cy="287908"/>
+            </a:xfrm>
+            <a:prstGeom prst="roundRect">
+              <a:avLst/>
+            </a:prstGeom>
+            <a:solidFill>
+              <a:srgbClr val="7030A0"/>
+            </a:solidFill>
+            <a:ln>
+              <a:solidFill>
+                <a:schemeClr val="tx1"/>
+              </a:solidFill>
+            </a:ln>
+          </p:spPr>
+          <p:style>
+            <a:lnRef idx="2">
+              <a:schemeClr val="accent2">
+                <a:shade val="50000"/>
+              </a:schemeClr>
+            </a:lnRef>
+            <a:fillRef idx="1">
+              <a:schemeClr val="accent2"/>
+            </a:fillRef>
+            <a:effectRef idx="0">
+              <a:schemeClr val="accent2"/>
+            </a:effectRef>
+            <a:fontRef idx="minor">
+              <a:schemeClr val="lt1"/>
+            </a:fontRef>
+          </p:style>
+          <p:txBody>
+            <a:bodyPr rtlCol="0" anchor="ctr"/>
+            <a:lstStyle/>
+            <a:p>
+              <a:pPr algn="ctr"/>
+              <a:r>
+                <a:rPr lang="en-AU" sz="2200" dirty="0"/>
+                <a:t>P</a:t>
+              </a:r>
+            </a:p>
+          </p:txBody>
+        </p:sp>
+        <p:sp>
+          <p:nvSpPr>
+            <p:cNvPr id="135" name="Rectangle: Rounded Corners 134">
+              <a:extLst>
+                <a:ext uri="{FF2B5EF4-FFF2-40B4-BE49-F238E27FC236}">
+                  <a16:creationId xmlns:a16="http://schemas.microsoft.com/office/drawing/2014/main" id="{480A45F5-965E-46B7-96A2-71B711DC010F}"/>
+                </a:ext>
+              </a:extLst>
+            </p:cNvPr>
+            <p:cNvSpPr/>
+            <p:nvPr/>
+          </p:nvSpPr>
+          <p:spPr>
+            <a:xfrm>
+              <a:off x="9145685" y="3938887"/>
+              <a:ext cx="288000" cy="287908"/>
+            </a:xfrm>
+            <a:prstGeom prst="roundRect">
+              <a:avLst/>
+            </a:prstGeom>
+            <a:solidFill>
+              <a:schemeClr val="accent6">
+                <a:lumMod val="75000"/>
+              </a:schemeClr>
+            </a:solidFill>
+            <a:ln>
+              <a:solidFill>
+                <a:schemeClr val="tx1"/>
+              </a:solidFill>
+            </a:ln>
+          </p:spPr>
+          <p:style>
+            <a:lnRef idx="2">
+              <a:schemeClr val="accent1">
+                <a:shade val="50000"/>
+              </a:schemeClr>
+            </a:lnRef>
+            <a:fillRef idx="1">
+              <a:schemeClr val="accent1"/>
+            </a:fillRef>
+            <a:effectRef idx="0">
+              <a:schemeClr val="accent1"/>
+            </a:effectRef>
+            <a:fontRef idx="minor">
+              <a:schemeClr val="lt1"/>
+            </a:fontRef>
+          </p:style>
+          <p:txBody>
+            <a:bodyPr rtlCol="0" anchor="ctr"/>
+            <a:lstStyle/>
+            <a:p>
+              <a:pPr algn="ctr"/>
+              <a:r>
+                <a:rPr lang="en-AU" sz="2200" dirty="0"/>
+                <a:t>G</a:t>
+              </a:r>
+            </a:p>
+          </p:txBody>
+        </p:sp>
+        <p:sp>
+          <p:nvSpPr>
+            <p:cNvPr id="137" name="Rectangle: Rounded Corners 136">
+              <a:extLst>
+                <a:ext uri="{FF2B5EF4-FFF2-40B4-BE49-F238E27FC236}">
+                  <a16:creationId xmlns:a16="http://schemas.microsoft.com/office/drawing/2014/main" id="{28271C66-8BFD-4DAF-A86F-EE550B9A8B96}"/>
+                </a:ext>
+              </a:extLst>
+            </p:cNvPr>
+            <p:cNvSpPr/>
+            <p:nvPr/>
+          </p:nvSpPr>
+          <p:spPr>
+            <a:xfrm>
+              <a:off x="9153785" y="3592947"/>
+              <a:ext cx="288000" cy="287908"/>
+            </a:xfrm>
+            <a:prstGeom prst="roundRect">
+              <a:avLst/>
+            </a:prstGeom>
+            <a:solidFill>
+              <a:srgbClr val="C00000"/>
+            </a:solidFill>
+            <a:ln>
+              <a:solidFill>
+                <a:schemeClr val="tx1"/>
+              </a:solidFill>
+            </a:ln>
+          </p:spPr>
+          <p:style>
+            <a:lnRef idx="2">
+              <a:schemeClr val="accent1">
+                <a:shade val="50000"/>
+              </a:schemeClr>
+            </a:lnRef>
+            <a:fillRef idx="1">
+              <a:schemeClr val="accent1"/>
+            </a:fillRef>
+            <a:effectRef idx="0">
+              <a:schemeClr val="accent1"/>
+            </a:effectRef>
+            <a:fontRef idx="minor">
+              <a:schemeClr val="lt1"/>
+            </a:fontRef>
+          </p:style>
+          <p:txBody>
+            <a:bodyPr rtlCol="0" anchor="ctr"/>
+            <a:lstStyle/>
+            <a:p>
+              <a:pPr algn="ctr"/>
+              <a:r>
+                <a:rPr lang="en-AU" sz="2200" dirty="0"/>
+                <a:t>R</a:t>
+              </a:r>
+            </a:p>
+          </p:txBody>
+        </p:sp>
+        <p:sp>
+          <p:nvSpPr>
+            <p:cNvPr id="156" name="TextBox 155">
+              <a:extLst>
+                <a:ext uri="{FF2B5EF4-FFF2-40B4-BE49-F238E27FC236}">
+                  <a16:creationId xmlns:a16="http://schemas.microsoft.com/office/drawing/2014/main" id="{B2C60E6B-4226-4715-B729-19B595A8F076}"/>
+                </a:ext>
+              </a:extLst>
+            </p:cNvPr>
+            <p:cNvSpPr txBox="1"/>
+            <p:nvPr/>
+          </p:nvSpPr>
+          <p:spPr>
+            <a:xfrm rot="16200000">
+              <a:off x="8613861" y="1939052"/>
+              <a:ext cx="1313976" cy="1107996"/>
+            </a:xfrm>
+            <a:prstGeom prst="rect">
+              <a:avLst/>
+            </a:prstGeom>
+            <a:noFill/>
+          </p:spPr>
+          <p:txBody>
+            <a:bodyPr wrap="square" rtlCol="0">
+              <a:spAutoFit/>
+            </a:bodyPr>
+            <a:lstStyle/>
+            <a:p>
+              <a:r>
+                <a:rPr lang="en-AU" sz="2200" dirty="0"/>
+                <a:t>Factor 1</a:t>
+              </a:r>
+              <a:endParaRPr lang="en-US" sz="2200" dirty="0"/>
+            </a:p>
+            <a:p>
+              <a:r>
+                <a:rPr lang="en-AU" sz="2200" dirty="0"/>
+                <a:t>Factor 2</a:t>
+              </a:r>
+              <a:endParaRPr lang="en-US" sz="2200" dirty="0"/>
+            </a:p>
+            <a:p>
+              <a:r>
+                <a:rPr lang="en-AU" sz="2200" dirty="0"/>
+                <a:t>Factor 3</a:t>
+              </a:r>
+            </a:p>
+          </p:txBody>
+        </p:sp>
+        <p:sp>
+          <p:nvSpPr>
+            <p:cNvPr id="159" name="TextBox 158">
+              <a:extLst>
+                <a:ext uri="{FF2B5EF4-FFF2-40B4-BE49-F238E27FC236}">
+                  <a16:creationId xmlns:a16="http://schemas.microsoft.com/office/drawing/2014/main" id="{D946987C-6231-47CF-B6B7-170FD797F746}"/>
+                </a:ext>
+              </a:extLst>
+            </p:cNvPr>
+            <p:cNvSpPr txBox="1"/>
+            <p:nvPr/>
+          </p:nvSpPr>
+          <p:spPr>
+            <a:xfrm>
+              <a:off x="6985632" y="2387103"/>
+              <a:ext cx="1745321" cy="769441"/>
+            </a:xfrm>
+            <a:prstGeom prst="rect">
+              <a:avLst/>
+            </a:prstGeom>
+            <a:noFill/>
+          </p:spPr>
+          <p:txBody>
+            <a:bodyPr wrap="square" rtlCol="0">
+              <a:spAutoFit/>
+            </a:bodyPr>
+            <a:lstStyle/>
+            <a:p>
+              <a:pPr algn="r"/>
+              <a:r>
+                <a:rPr lang="en-AU" sz="2200" dirty="0"/>
+                <a:t>Factor order</a:t>
+              </a:r>
+            </a:p>
+            <a:p>
+              <a:pPr algn="r"/>
+              <a:r>
+                <a:rPr lang="en-AU" sz="2200" dirty="0"/>
+                <a:t>permutations</a:t>
+              </a:r>
+            </a:p>
+          </p:txBody>
+        </p:sp>
+        <p:cxnSp>
+          <p:nvCxnSpPr>
+            <p:cNvPr id="160" name="Straight Connector 159">
+              <a:extLst>
+                <a:ext uri="{FF2B5EF4-FFF2-40B4-BE49-F238E27FC236}">
+                  <a16:creationId xmlns:a16="http://schemas.microsoft.com/office/drawing/2014/main" id="{70F7C96E-B00E-4FFA-8E33-A7A907662FE9}"/>
+                </a:ext>
+              </a:extLst>
+            </p:cNvPr>
+            <p:cNvCxnSpPr>
+              <a:cxnSpLocks/>
+            </p:cNvCxnSpPr>
+            <p:nvPr/>
+          </p:nvCxnSpPr>
+          <p:spPr>
+            <a:xfrm>
+              <a:off x="7097522" y="3169978"/>
+              <a:ext cx="2717068" cy="4223"/>
+            </a:xfrm>
+            <a:prstGeom prst="line">
+              <a:avLst/>
+            </a:prstGeom>
+            <a:ln w="28575">
+              <a:solidFill>
+                <a:schemeClr val="tx1"/>
+              </a:solidFill>
+            </a:ln>
+          </p:spPr>
+          <p:style>
+            <a:lnRef idx="1">
+              <a:schemeClr val="accent1"/>
+            </a:lnRef>
+            <a:fillRef idx="0">
+              <a:schemeClr val="accent1"/>
+            </a:fillRef>
+            <a:effectRef idx="0">
+              <a:schemeClr val="accent1"/>
+            </a:effectRef>
+            <a:fontRef idx="minor">
+              <a:schemeClr val="tx1"/>
+            </a:fontRef>
+          </p:style>
+        </p:cxnSp>
+        <p:cxnSp>
+          <p:nvCxnSpPr>
+            <p:cNvPr id="167" name="Straight Connector 166">
+              <a:extLst>
+                <a:ext uri="{FF2B5EF4-FFF2-40B4-BE49-F238E27FC236}">
+                  <a16:creationId xmlns:a16="http://schemas.microsoft.com/office/drawing/2014/main" id="{6FC6549E-87D1-4AB7-BA9E-58014F73A90E}"/>
+                </a:ext>
+              </a:extLst>
+            </p:cNvPr>
+            <p:cNvCxnSpPr>
+              <a:cxnSpLocks/>
+              <a:endCxn id="156" idx="0"/>
+            </p:cNvCxnSpPr>
+            <p:nvPr/>
+          </p:nvCxnSpPr>
+          <p:spPr>
+            <a:xfrm flipV="1">
+              <a:off x="8716851" y="2493050"/>
+              <a:ext cx="0" cy="2727758"/>
+            </a:xfrm>
+            <a:prstGeom prst="line">
+              <a:avLst/>
+            </a:prstGeom>
+            <a:ln w="28575">
+              <a:solidFill>
+                <a:schemeClr val="tx1"/>
+              </a:solidFill>
+            </a:ln>
+          </p:spPr>
+          <p:style>
+            <a:lnRef idx="1">
+              <a:schemeClr val="accent1"/>
+            </a:lnRef>
+            <a:fillRef idx="0">
+              <a:schemeClr val="accent1"/>
+            </a:fillRef>
+            <a:effectRef idx="0">
+              <a:schemeClr val="accent1"/>
+            </a:effectRef>
+            <a:fontRef idx="minor">
+              <a:schemeClr val="tx1"/>
+            </a:fontRef>
+          </p:style>
+        </p:cxnSp>
+        <p:sp>
+          <p:nvSpPr>
+            <p:cNvPr id="168" name="Rectangle: Rounded Corners 167">
+              <a:extLst>
+                <a:ext uri="{FF2B5EF4-FFF2-40B4-BE49-F238E27FC236}">
+                  <a16:creationId xmlns:a16="http://schemas.microsoft.com/office/drawing/2014/main" id="{1F004B94-469E-4AA7-ABB7-48D67EBA1C5B}"/>
+                </a:ext>
+              </a:extLst>
+            </p:cNvPr>
+            <p:cNvSpPr/>
+            <p:nvPr/>
+          </p:nvSpPr>
+          <p:spPr>
+            <a:xfrm>
+              <a:off x="8786456" y="3250471"/>
+              <a:ext cx="288000" cy="287908"/>
+            </a:xfrm>
+            <a:prstGeom prst="roundRect">
+              <a:avLst/>
+            </a:prstGeom>
+            <a:solidFill>
+              <a:srgbClr val="7030A0"/>
+            </a:solidFill>
+            <a:ln>
+              <a:solidFill>
+                <a:schemeClr val="tx1"/>
+              </a:solidFill>
+            </a:ln>
+          </p:spPr>
+          <p:style>
+            <a:lnRef idx="2">
+              <a:schemeClr val="accent2">
+                <a:shade val="50000"/>
+              </a:schemeClr>
+            </a:lnRef>
+            <a:fillRef idx="1">
+              <a:schemeClr val="accent2"/>
+            </a:fillRef>
+            <a:effectRef idx="0">
+              <a:schemeClr val="accent2"/>
+            </a:effectRef>
+            <a:fontRef idx="minor">
+              <a:schemeClr val="lt1"/>
+            </a:fontRef>
+          </p:style>
+          <p:txBody>
+            <a:bodyPr rtlCol="0" anchor="ctr"/>
+            <a:lstStyle/>
+            <a:p>
+              <a:pPr algn="ctr"/>
+              <a:r>
+                <a:rPr lang="en-AU" sz="2200" dirty="0"/>
+                <a:t>P</a:t>
+              </a:r>
+            </a:p>
+          </p:txBody>
+        </p:sp>
+        <p:sp>
+          <p:nvSpPr>
+            <p:cNvPr id="169" name="Rectangle: Rounded Corners 168">
+              <a:extLst>
+                <a:ext uri="{FF2B5EF4-FFF2-40B4-BE49-F238E27FC236}">
+                  <a16:creationId xmlns:a16="http://schemas.microsoft.com/office/drawing/2014/main" id="{798D85F2-E019-40B6-A590-A311CDA85953}"/>
+                </a:ext>
+              </a:extLst>
+            </p:cNvPr>
+            <p:cNvSpPr/>
+            <p:nvPr/>
+          </p:nvSpPr>
+          <p:spPr>
+            <a:xfrm>
+              <a:off x="9145685" y="3251083"/>
+              <a:ext cx="288000" cy="287908"/>
+            </a:xfrm>
+            <a:prstGeom prst="roundRect">
+              <a:avLst/>
+            </a:prstGeom>
+            <a:solidFill>
+              <a:schemeClr val="accent6">
+                <a:lumMod val="75000"/>
+              </a:schemeClr>
+            </a:solidFill>
+            <a:ln>
+              <a:solidFill>
+                <a:schemeClr val="tx1"/>
+              </a:solidFill>
+            </a:ln>
+          </p:spPr>
+          <p:style>
+            <a:lnRef idx="2">
+              <a:schemeClr val="accent1">
+                <a:shade val="50000"/>
+              </a:schemeClr>
+            </a:lnRef>
+            <a:fillRef idx="1">
+              <a:schemeClr val="accent1"/>
+            </a:fillRef>
+            <a:effectRef idx="0">
+              <a:schemeClr val="accent1"/>
+            </a:effectRef>
+            <a:fontRef idx="minor">
+              <a:schemeClr val="lt1"/>
+            </a:fontRef>
+          </p:style>
+          <p:txBody>
+            <a:bodyPr rtlCol="0" anchor="ctr"/>
+            <a:lstStyle/>
+            <a:p>
+              <a:pPr algn="ctr"/>
+              <a:r>
+                <a:rPr lang="en-AU" sz="2200" dirty="0"/>
+                <a:t>G</a:t>
+              </a:r>
+            </a:p>
+          </p:txBody>
+        </p:sp>
+        <p:sp>
+          <p:nvSpPr>
+            <p:cNvPr id="170" name="Rectangle: Rounded Corners 169">
+              <a:extLst>
+                <a:ext uri="{FF2B5EF4-FFF2-40B4-BE49-F238E27FC236}">
+                  <a16:creationId xmlns:a16="http://schemas.microsoft.com/office/drawing/2014/main" id="{4461EEB2-656F-4EB0-B011-66160D6BC640}"/>
+                </a:ext>
+              </a:extLst>
+            </p:cNvPr>
+            <p:cNvSpPr/>
+            <p:nvPr/>
+          </p:nvSpPr>
+          <p:spPr>
+            <a:xfrm>
+              <a:off x="9491184" y="3233557"/>
+              <a:ext cx="288000" cy="287908"/>
+            </a:xfrm>
+            <a:prstGeom prst="roundRect">
+              <a:avLst/>
+            </a:prstGeom>
+            <a:solidFill>
+              <a:srgbClr val="C00000"/>
+            </a:solidFill>
+            <a:ln>
+              <a:solidFill>
+                <a:schemeClr val="tx1"/>
+              </a:solidFill>
+            </a:ln>
+          </p:spPr>
+          <p:style>
+            <a:lnRef idx="2">
+              <a:schemeClr val="accent1">
+                <a:shade val="50000"/>
+              </a:schemeClr>
+            </a:lnRef>
+            <a:fillRef idx="1">
+              <a:schemeClr val="accent1"/>
+            </a:fillRef>
+            <a:effectRef idx="0">
+              <a:schemeClr val="accent1"/>
+            </a:effectRef>
+            <a:fontRef idx="minor">
+              <a:schemeClr val="lt1"/>
+            </a:fontRef>
+          </p:style>
+          <p:txBody>
+            <a:bodyPr rtlCol="0" anchor="ctr"/>
+            <a:lstStyle/>
+            <a:p>
+              <a:pPr algn="ctr"/>
+              <a:r>
+                <a:rPr lang="en-AU" sz="2200" dirty="0"/>
+                <a:t>R</a:t>
+              </a:r>
+            </a:p>
+          </p:txBody>
+        </p:sp>
+        <p:sp>
+          <p:nvSpPr>
+            <p:cNvPr id="171" name="Rectangle: Rounded Corners 170">
+              <a:extLst>
+                <a:ext uri="{FF2B5EF4-FFF2-40B4-BE49-F238E27FC236}">
+                  <a16:creationId xmlns:a16="http://schemas.microsoft.com/office/drawing/2014/main" id="{056516AB-000E-4E65-95B5-ECFDB2066324}"/>
+                </a:ext>
+              </a:extLst>
+            </p:cNvPr>
+            <p:cNvSpPr/>
+            <p:nvPr/>
+          </p:nvSpPr>
+          <p:spPr>
+            <a:xfrm>
+              <a:off x="9508514" y="3944564"/>
+              <a:ext cx="288000" cy="287908"/>
+            </a:xfrm>
+            <a:prstGeom prst="roundRect">
+              <a:avLst/>
+            </a:prstGeom>
+            <a:solidFill>
+              <a:srgbClr val="7030A0"/>
+            </a:solidFill>
+            <a:ln>
+              <a:solidFill>
+                <a:schemeClr val="tx1"/>
+              </a:solidFill>
+            </a:ln>
+          </p:spPr>
+          <p:style>
+            <a:lnRef idx="2">
+              <a:schemeClr val="accent2">
+                <a:shade val="50000"/>
+              </a:schemeClr>
+            </a:lnRef>
+            <a:fillRef idx="1">
+              <a:schemeClr val="accent2"/>
+            </a:fillRef>
+            <a:effectRef idx="0">
+              <a:schemeClr val="accent2"/>
+            </a:effectRef>
+            <a:fontRef idx="minor">
+              <a:schemeClr val="lt1"/>
+            </a:fontRef>
+          </p:style>
+          <p:txBody>
+            <a:bodyPr rtlCol="0" anchor="ctr"/>
+            <a:lstStyle/>
+            <a:p>
+              <a:pPr algn="ctr"/>
+              <a:r>
+                <a:rPr lang="en-AU" sz="2200" dirty="0"/>
+                <a:t>P</a:t>
+              </a:r>
+            </a:p>
+          </p:txBody>
+        </p:sp>
+        <p:sp>
+          <p:nvSpPr>
+            <p:cNvPr id="175" name="Rectangle: Rounded Corners 174">
+              <a:extLst>
+                <a:ext uri="{FF2B5EF4-FFF2-40B4-BE49-F238E27FC236}">
+                  <a16:creationId xmlns:a16="http://schemas.microsoft.com/office/drawing/2014/main" id="{A8C9E92C-140B-4833-9A3D-49B9748D49EE}"/>
+                </a:ext>
+              </a:extLst>
+            </p:cNvPr>
+            <p:cNvSpPr/>
+            <p:nvPr/>
+          </p:nvSpPr>
+          <p:spPr>
+            <a:xfrm>
+              <a:off x="9501042" y="3590889"/>
+              <a:ext cx="288000" cy="287908"/>
+            </a:xfrm>
+            <a:prstGeom prst="roundRect">
+              <a:avLst/>
+            </a:prstGeom>
+            <a:solidFill>
+              <a:schemeClr val="accent6">
+                <a:lumMod val="75000"/>
+              </a:schemeClr>
+            </a:solidFill>
+            <a:ln>
+              <a:solidFill>
+                <a:schemeClr val="tx1"/>
+              </a:solidFill>
+            </a:ln>
+          </p:spPr>
+          <p:style>
+            <a:lnRef idx="2">
+              <a:schemeClr val="accent1">
+                <a:shade val="50000"/>
+              </a:schemeClr>
+            </a:lnRef>
+            <a:fillRef idx="1">
+              <a:schemeClr val="accent1"/>
+            </a:fillRef>
+            <a:effectRef idx="0">
+              <a:schemeClr val="accent1"/>
+            </a:effectRef>
+            <a:fontRef idx="minor">
+              <a:schemeClr val="lt1"/>
+            </a:fontRef>
+          </p:style>
+          <p:txBody>
+            <a:bodyPr rtlCol="0" anchor="ctr"/>
+            <a:lstStyle/>
+            <a:p>
+              <a:pPr algn="ctr"/>
+              <a:r>
+                <a:rPr lang="en-AU" sz="2200" dirty="0"/>
+                <a:t>G</a:t>
+              </a:r>
+            </a:p>
+          </p:txBody>
+        </p:sp>
+        <p:sp>
+          <p:nvSpPr>
+            <p:cNvPr id="176" name="Rectangle: Rounded Corners 175">
+              <a:extLst>
+                <a:ext uri="{FF2B5EF4-FFF2-40B4-BE49-F238E27FC236}">
+                  <a16:creationId xmlns:a16="http://schemas.microsoft.com/office/drawing/2014/main" id="{699DBB81-5D5D-486A-BCB9-3684BDE53620}"/>
+                </a:ext>
+              </a:extLst>
+            </p:cNvPr>
+            <p:cNvSpPr/>
+            <p:nvPr/>
+          </p:nvSpPr>
+          <p:spPr>
+            <a:xfrm>
+              <a:off x="8783288" y="3930952"/>
+              <a:ext cx="288000" cy="287908"/>
+            </a:xfrm>
+            <a:prstGeom prst="roundRect">
+              <a:avLst/>
+            </a:prstGeom>
+            <a:solidFill>
+              <a:srgbClr val="C00000"/>
+            </a:solidFill>
+            <a:ln>
+              <a:solidFill>
+                <a:schemeClr val="tx1"/>
+              </a:solidFill>
+            </a:ln>
+          </p:spPr>
+          <p:style>
+            <a:lnRef idx="2">
+              <a:schemeClr val="accent1">
+                <a:shade val="50000"/>
+              </a:schemeClr>
+            </a:lnRef>
+            <a:fillRef idx="1">
+              <a:schemeClr val="accent1"/>
+            </a:fillRef>
+            <a:effectRef idx="0">
+              <a:schemeClr val="accent1"/>
+            </a:effectRef>
+            <a:fontRef idx="minor">
+              <a:schemeClr val="lt1"/>
+            </a:fontRef>
+          </p:style>
+          <p:txBody>
+            <a:bodyPr rtlCol="0" anchor="ctr"/>
+            <a:lstStyle/>
+            <a:p>
+              <a:pPr algn="ctr"/>
+              <a:r>
+                <a:rPr lang="en-AU" sz="2200" dirty="0"/>
+                <a:t>R</a:t>
+              </a:r>
+            </a:p>
+          </p:txBody>
+        </p:sp>
+        <p:sp>
+          <p:nvSpPr>
+            <p:cNvPr id="177" name="Rectangle: Rounded Corners 176">
+              <a:extLst>
+                <a:ext uri="{FF2B5EF4-FFF2-40B4-BE49-F238E27FC236}">
+                  <a16:creationId xmlns:a16="http://schemas.microsoft.com/office/drawing/2014/main" id="{3D38D722-2C05-4FD2-BF1B-836ECC74E375}"/>
+                </a:ext>
+              </a:extLst>
+            </p:cNvPr>
+            <p:cNvSpPr/>
+            <p:nvPr/>
+          </p:nvSpPr>
+          <p:spPr>
+            <a:xfrm>
+              <a:off x="9148644" y="4262380"/>
+              <a:ext cx="288000" cy="287908"/>
+            </a:xfrm>
+            <a:prstGeom prst="roundRect">
+              <a:avLst/>
+            </a:prstGeom>
+            <a:solidFill>
+              <a:srgbClr val="7030A0"/>
+            </a:solidFill>
+            <a:ln>
+              <a:solidFill>
+                <a:schemeClr val="tx1"/>
+              </a:solidFill>
+            </a:ln>
+          </p:spPr>
+          <p:style>
+            <a:lnRef idx="2">
+              <a:schemeClr val="accent2">
+                <a:shade val="50000"/>
+              </a:schemeClr>
+            </a:lnRef>
+            <a:fillRef idx="1">
+              <a:schemeClr val="accent2"/>
+            </a:fillRef>
+            <a:effectRef idx="0">
+              <a:schemeClr val="accent2"/>
+            </a:effectRef>
+            <a:fontRef idx="minor">
+              <a:schemeClr val="lt1"/>
+            </a:fontRef>
+          </p:style>
+          <p:txBody>
+            <a:bodyPr rtlCol="0" anchor="ctr"/>
+            <a:lstStyle/>
+            <a:p>
+              <a:pPr algn="ctr"/>
+              <a:r>
+                <a:rPr lang="en-AU" sz="2200" dirty="0"/>
+                <a:t>P</a:t>
+              </a:r>
+            </a:p>
+          </p:txBody>
+        </p:sp>
+        <p:sp>
+          <p:nvSpPr>
+            <p:cNvPr id="178" name="Rectangle: Rounded Corners 177">
+              <a:extLst>
+                <a:ext uri="{FF2B5EF4-FFF2-40B4-BE49-F238E27FC236}">
+                  <a16:creationId xmlns:a16="http://schemas.microsoft.com/office/drawing/2014/main" id="{BB43AE14-B30F-4198-8301-1091E0F23E8F}"/>
+                </a:ext>
+              </a:extLst>
+            </p:cNvPr>
+            <p:cNvSpPr/>
+            <p:nvPr/>
+          </p:nvSpPr>
+          <p:spPr>
+            <a:xfrm>
+              <a:off x="9508514" y="4266501"/>
+              <a:ext cx="288000" cy="287908"/>
+            </a:xfrm>
+            <a:prstGeom prst="roundRect">
+              <a:avLst/>
+            </a:prstGeom>
+            <a:solidFill>
+              <a:schemeClr val="accent6">
+                <a:lumMod val="75000"/>
+              </a:schemeClr>
+            </a:solidFill>
+            <a:ln>
+              <a:solidFill>
+                <a:schemeClr val="tx1"/>
+              </a:solidFill>
+            </a:ln>
+          </p:spPr>
+          <p:style>
+            <a:lnRef idx="2">
+              <a:schemeClr val="accent1">
+                <a:shade val="50000"/>
+              </a:schemeClr>
+            </a:lnRef>
+            <a:fillRef idx="1">
+              <a:schemeClr val="accent1"/>
+            </a:fillRef>
+            <a:effectRef idx="0">
+              <a:schemeClr val="accent1"/>
+            </a:effectRef>
+            <a:fontRef idx="minor">
+              <a:schemeClr val="lt1"/>
+            </a:fontRef>
+          </p:style>
+          <p:txBody>
+            <a:bodyPr rtlCol="0" anchor="ctr"/>
+            <a:lstStyle/>
+            <a:p>
+              <a:pPr algn="ctr"/>
+              <a:r>
+                <a:rPr lang="en-AU" sz="2200" dirty="0"/>
+                <a:t>G</a:t>
+              </a:r>
+            </a:p>
+          </p:txBody>
+        </p:sp>
+        <p:sp>
+          <p:nvSpPr>
+            <p:cNvPr id="179" name="Rectangle: Rounded Corners 178">
+              <a:extLst>
+                <a:ext uri="{FF2B5EF4-FFF2-40B4-BE49-F238E27FC236}">
+                  <a16:creationId xmlns:a16="http://schemas.microsoft.com/office/drawing/2014/main" id="{444E7B86-2A71-49A9-8D4A-954EE92A0AEF}"/>
+                </a:ext>
+              </a:extLst>
+            </p:cNvPr>
+            <p:cNvSpPr/>
+            <p:nvPr/>
+          </p:nvSpPr>
+          <p:spPr>
+            <a:xfrm>
+              <a:off x="8789680" y="4254952"/>
+              <a:ext cx="288000" cy="287908"/>
+            </a:xfrm>
+            <a:prstGeom prst="roundRect">
+              <a:avLst/>
+            </a:prstGeom>
+            <a:solidFill>
+              <a:srgbClr val="C00000"/>
+            </a:solidFill>
+            <a:ln>
+              <a:solidFill>
+                <a:schemeClr val="tx1"/>
+              </a:solidFill>
+            </a:ln>
+          </p:spPr>
+          <p:style>
+            <a:lnRef idx="2">
+              <a:schemeClr val="accent1">
+                <a:shade val="50000"/>
+              </a:schemeClr>
+            </a:lnRef>
+            <a:fillRef idx="1">
+              <a:schemeClr val="accent1"/>
+            </a:fillRef>
+            <a:effectRef idx="0">
+              <a:schemeClr val="accent1"/>
+            </a:effectRef>
+            <a:fontRef idx="minor">
+              <a:schemeClr val="lt1"/>
+            </a:fontRef>
+          </p:style>
+          <p:txBody>
+            <a:bodyPr rtlCol="0" anchor="ctr"/>
+            <a:lstStyle/>
+            <a:p>
+              <a:pPr algn="ctr"/>
+              <a:r>
+                <a:rPr lang="en-AU" sz="2200" dirty="0"/>
+                <a:t>R</a:t>
+              </a:r>
+            </a:p>
+          </p:txBody>
+        </p:sp>
+        <p:sp>
+          <p:nvSpPr>
+            <p:cNvPr id="180" name="Rectangle: Rounded Corners 179">
+              <a:extLst>
+                <a:ext uri="{FF2B5EF4-FFF2-40B4-BE49-F238E27FC236}">
+                  <a16:creationId xmlns:a16="http://schemas.microsoft.com/office/drawing/2014/main" id="{0AD4A317-BD8C-4919-A026-CB90FCD037B8}"/>
+                </a:ext>
+              </a:extLst>
+            </p:cNvPr>
+            <p:cNvSpPr/>
+            <p:nvPr/>
+          </p:nvSpPr>
+          <p:spPr>
+            <a:xfrm>
+              <a:off x="9517890" y="4579814"/>
+              <a:ext cx="288000" cy="287908"/>
+            </a:xfrm>
+            <a:prstGeom prst="roundRect">
+              <a:avLst/>
+            </a:prstGeom>
+            <a:solidFill>
+              <a:srgbClr val="7030A0"/>
+            </a:solidFill>
+            <a:ln>
+              <a:solidFill>
+                <a:schemeClr val="tx1"/>
+              </a:solidFill>
+            </a:ln>
+          </p:spPr>
+          <p:style>
+            <a:lnRef idx="2">
+              <a:schemeClr val="accent2">
+                <a:shade val="50000"/>
+              </a:schemeClr>
+            </a:lnRef>
+            <a:fillRef idx="1">
+              <a:schemeClr val="accent2"/>
+            </a:fillRef>
+            <a:effectRef idx="0">
+              <a:schemeClr val="accent2"/>
+            </a:effectRef>
+            <a:fontRef idx="minor">
+              <a:schemeClr val="lt1"/>
+            </a:fontRef>
+          </p:style>
+          <p:txBody>
+            <a:bodyPr rtlCol="0" anchor="ctr"/>
+            <a:lstStyle/>
+            <a:p>
+              <a:pPr algn="ctr"/>
+              <a:r>
+                <a:rPr lang="en-AU" sz="2200" dirty="0"/>
+                <a:t>P</a:t>
+              </a:r>
+            </a:p>
+          </p:txBody>
+        </p:sp>
+        <p:sp>
+          <p:nvSpPr>
+            <p:cNvPr id="181" name="Rectangle: Rounded Corners 180">
+              <a:extLst>
+                <a:ext uri="{FF2B5EF4-FFF2-40B4-BE49-F238E27FC236}">
+                  <a16:creationId xmlns:a16="http://schemas.microsoft.com/office/drawing/2014/main" id="{2F4CB5B3-D9A9-48B9-8CD8-AD978D8ED2C5}"/>
+                </a:ext>
+              </a:extLst>
+            </p:cNvPr>
+            <p:cNvSpPr/>
+            <p:nvPr/>
+          </p:nvSpPr>
+          <p:spPr>
+            <a:xfrm>
+              <a:off x="8789680" y="4573872"/>
+              <a:ext cx="288000" cy="287908"/>
+            </a:xfrm>
+            <a:prstGeom prst="roundRect">
+              <a:avLst/>
+            </a:prstGeom>
+            <a:solidFill>
+              <a:schemeClr val="accent6">
+                <a:lumMod val="75000"/>
+              </a:schemeClr>
+            </a:solidFill>
+            <a:ln>
+              <a:solidFill>
+                <a:schemeClr val="tx1"/>
+              </a:solidFill>
+            </a:ln>
+          </p:spPr>
+          <p:style>
+            <a:lnRef idx="2">
+              <a:schemeClr val="accent1">
+                <a:shade val="50000"/>
+              </a:schemeClr>
+            </a:lnRef>
+            <a:fillRef idx="1">
+              <a:schemeClr val="accent1"/>
+            </a:fillRef>
+            <a:effectRef idx="0">
+              <a:schemeClr val="accent1"/>
+            </a:effectRef>
+            <a:fontRef idx="minor">
+              <a:schemeClr val="lt1"/>
+            </a:fontRef>
+          </p:style>
+          <p:txBody>
+            <a:bodyPr rtlCol="0" anchor="ctr"/>
+            <a:lstStyle/>
+            <a:p>
+              <a:pPr algn="ctr"/>
+              <a:r>
+                <a:rPr lang="en-AU" sz="2200" dirty="0"/>
+                <a:t>G</a:t>
+              </a:r>
+            </a:p>
+          </p:txBody>
+        </p:sp>
+        <p:sp>
+          <p:nvSpPr>
+            <p:cNvPr id="182" name="Rectangle: Rounded Corners 181">
+              <a:extLst>
+                <a:ext uri="{FF2B5EF4-FFF2-40B4-BE49-F238E27FC236}">
+                  <a16:creationId xmlns:a16="http://schemas.microsoft.com/office/drawing/2014/main" id="{51B36881-4038-4856-842A-7887B9A46164}"/>
+                </a:ext>
+              </a:extLst>
+            </p:cNvPr>
+            <p:cNvSpPr/>
+            <p:nvPr/>
+          </p:nvSpPr>
+          <p:spPr>
+            <a:xfrm>
+              <a:off x="9153785" y="4583743"/>
+              <a:ext cx="288000" cy="287908"/>
+            </a:xfrm>
+            <a:prstGeom prst="roundRect">
+              <a:avLst/>
+            </a:prstGeom>
+            <a:solidFill>
+              <a:srgbClr val="C00000"/>
+            </a:solidFill>
+            <a:ln>
+              <a:solidFill>
+                <a:schemeClr val="tx1"/>
+              </a:solidFill>
+            </a:ln>
+          </p:spPr>
+          <p:style>
+            <a:lnRef idx="2">
+              <a:schemeClr val="accent1">
+                <a:shade val="50000"/>
+              </a:schemeClr>
+            </a:lnRef>
+            <a:fillRef idx="1">
+              <a:schemeClr val="accent1"/>
+            </a:fillRef>
+            <a:effectRef idx="0">
+              <a:schemeClr val="accent1"/>
+            </a:effectRef>
+            <a:fontRef idx="minor">
+              <a:schemeClr val="lt1"/>
+            </a:fontRef>
+          </p:style>
+          <p:txBody>
+            <a:bodyPr rtlCol="0" anchor="ctr"/>
+            <a:lstStyle/>
+            <a:p>
+              <a:pPr algn="ctr"/>
+              <a:r>
+                <a:rPr lang="en-AU" sz="2200" dirty="0"/>
+                <a:t>R</a:t>
+              </a:r>
+            </a:p>
+          </p:txBody>
+        </p:sp>
+        <p:sp>
+          <p:nvSpPr>
+            <p:cNvPr id="183" name="Rectangle: Rounded Corners 182">
+              <a:extLst>
+                <a:ext uri="{FF2B5EF4-FFF2-40B4-BE49-F238E27FC236}">
+                  <a16:creationId xmlns:a16="http://schemas.microsoft.com/office/drawing/2014/main" id="{2D8B0C19-FF1C-4ED8-8573-BEB6134B4DDF}"/>
+                </a:ext>
+              </a:extLst>
+            </p:cNvPr>
+            <p:cNvSpPr/>
+            <p:nvPr/>
+          </p:nvSpPr>
+          <p:spPr>
+            <a:xfrm>
+              <a:off x="9165585" y="4898651"/>
+              <a:ext cx="288000" cy="287908"/>
+            </a:xfrm>
+            <a:prstGeom prst="roundRect">
+              <a:avLst/>
+            </a:prstGeom>
+            <a:solidFill>
+              <a:srgbClr val="7030A0"/>
+            </a:solidFill>
+            <a:ln>
+              <a:solidFill>
+                <a:schemeClr val="tx1"/>
+              </a:solidFill>
+            </a:ln>
+          </p:spPr>
+          <p:style>
+            <a:lnRef idx="2">
+              <a:schemeClr val="accent2">
+                <a:shade val="50000"/>
+              </a:schemeClr>
+            </a:lnRef>
+            <a:fillRef idx="1">
+              <a:schemeClr val="accent2"/>
+            </a:fillRef>
+            <a:effectRef idx="0">
+              <a:schemeClr val="accent2"/>
+            </a:effectRef>
+            <a:fontRef idx="minor">
+              <a:schemeClr val="lt1"/>
+            </a:fontRef>
+          </p:style>
+          <p:txBody>
+            <a:bodyPr rtlCol="0" anchor="ctr"/>
+            <a:lstStyle/>
+            <a:p>
+              <a:pPr algn="ctr"/>
+              <a:r>
+                <a:rPr lang="en-AU" sz="2200" dirty="0"/>
+                <a:t>P</a:t>
+              </a:r>
+            </a:p>
+          </p:txBody>
+        </p:sp>
+        <p:sp>
+          <p:nvSpPr>
+            <p:cNvPr id="184" name="Rectangle: Rounded Corners 183">
+              <a:extLst>
+                <a:ext uri="{FF2B5EF4-FFF2-40B4-BE49-F238E27FC236}">
+                  <a16:creationId xmlns:a16="http://schemas.microsoft.com/office/drawing/2014/main" id="{8FB72DEC-20BD-43AC-9E4F-7B21EE4F49F7}"/>
+                </a:ext>
+              </a:extLst>
+            </p:cNvPr>
+            <p:cNvSpPr/>
+            <p:nvPr/>
+          </p:nvSpPr>
+          <p:spPr>
+            <a:xfrm>
+              <a:off x="8789680" y="4898651"/>
+              <a:ext cx="288000" cy="287908"/>
+            </a:xfrm>
+            <a:prstGeom prst="roundRect">
+              <a:avLst/>
+            </a:prstGeom>
+            <a:solidFill>
+              <a:schemeClr val="accent6">
+                <a:lumMod val="75000"/>
+              </a:schemeClr>
+            </a:solidFill>
+            <a:ln>
+              <a:solidFill>
+                <a:schemeClr val="tx1"/>
+              </a:solidFill>
+            </a:ln>
+          </p:spPr>
+          <p:style>
+            <a:lnRef idx="2">
+              <a:schemeClr val="accent1">
+                <a:shade val="50000"/>
+              </a:schemeClr>
+            </a:lnRef>
+            <a:fillRef idx="1">
+              <a:schemeClr val="accent1"/>
+            </a:fillRef>
+            <a:effectRef idx="0">
+              <a:schemeClr val="accent1"/>
+            </a:effectRef>
+            <a:fontRef idx="minor">
+              <a:schemeClr val="lt1"/>
+            </a:fontRef>
+          </p:style>
+          <p:txBody>
+            <a:bodyPr rtlCol="0" anchor="ctr"/>
+            <a:lstStyle/>
+            <a:p>
+              <a:pPr algn="ctr"/>
+              <a:r>
+                <a:rPr lang="en-AU" sz="2200" dirty="0"/>
+                <a:t>G</a:t>
+              </a:r>
+            </a:p>
+          </p:txBody>
+        </p:sp>
+        <p:sp>
+          <p:nvSpPr>
+            <p:cNvPr id="185" name="Rectangle: Rounded Corners 184">
+              <a:extLst>
+                <a:ext uri="{FF2B5EF4-FFF2-40B4-BE49-F238E27FC236}">
+                  <a16:creationId xmlns:a16="http://schemas.microsoft.com/office/drawing/2014/main" id="{262B5E87-AE39-4B2C-9E55-735EAADEDED0}"/>
+                </a:ext>
+              </a:extLst>
+            </p:cNvPr>
+            <p:cNvSpPr/>
+            <p:nvPr/>
+          </p:nvSpPr>
+          <p:spPr>
+            <a:xfrm>
+              <a:off x="9520463" y="4898651"/>
+              <a:ext cx="288000" cy="287908"/>
+            </a:xfrm>
+            <a:prstGeom prst="roundRect">
+              <a:avLst/>
+            </a:prstGeom>
+            <a:solidFill>
+              <a:srgbClr val="C00000"/>
+            </a:solidFill>
+            <a:ln>
+              <a:solidFill>
+                <a:schemeClr val="tx1"/>
+              </a:solidFill>
+            </a:ln>
+          </p:spPr>
+          <p:style>
+            <a:lnRef idx="2">
+              <a:schemeClr val="accent1">
+                <a:shade val="50000"/>
+              </a:schemeClr>
+            </a:lnRef>
+            <a:fillRef idx="1">
+              <a:schemeClr val="accent1"/>
+            </a:fillRef>
+            <a:effectRef idx="0">
+              <a:schemeClr val="accent1"/>
+            </a:effectRef>
+            <a:fontRef idx="minor">
+              <a:schemeClr val="lt1"/>
+            </a:fontRef>
+          </p:style>
+          <p:txBody>
+            <a:bodyPr rtlCol="0" anchor="ctr"/>
+            <a:lstStyle/>
+            <a:p>
+              <a:pPr algn="ctr"/>
+              <a:r>
+                <a:rPr lang="en-AU" sz="2200" dirty="0"/>
+                <a:t>R</a:t>
+              </a:r>
+            </a:p>
+          </p:txBody>
+        </p:sp>
+        <p:sp>
+          <p:nvSpPr>
+            <p:cNvPr id="186" name="Rectangle: Rounded Corners 185">
+              <a:extLst>
+                <a:ext uri="{FF2B5EF4-FFF2-40B4-BE49-F238E27FC236}">
+                  <a16:creationId xmlns:a16="http://schemas.microsoft.com/office/drawing/2014/main" id="{5C2359F1-A28C-4FF6-826D-51B5A3C22181}"/>
+                </a:ext>
+              </a:extLst>
+            </p:cNvPr>
+            <p:cNvSpPr/>
+            <p:nvPr/>
+          </p:nvSpPr>
+          <p:spPr>
+            <a:xfrm>
+              <a:off x="8382733" y="3560707"/>
+              <a:ext cx="1450250" cy="348253"/>
+            </a:xfrm>
+            <a:prstGeom prst="roundRect">
+              <a:avLst/>
+            </a:prstGeom>
+            <a:noFill/>
+            <a:ln w="28575">
+              <a:solidFill>
+                <a:srgbClr val="FF0000"/>
+              </a:solidFill>
+            </a:ln>
+          </p:spPr>
+          <p:style>
+            <a:lnRef idx="2">
+              <a:schemeClr val="accent1">
+                <a:shade val="50000"/>
+              </a:schemeClr>
+            </a:lnRef>
+            <a:fillRef idx="1">
+              <a:schemeClr val="accent1"/>
+            </a:fillRef>
+            <a:effectRef idx="0">
+              <a:schemeClr val="accent1"/>
+            </a:effectRef>
+            <a:fontRef idx="minor">
+              <a:schemeClr val="lt1"/>
+            </a:fontRef>
+          </p:style>
+          <p:txBody>
+            <a:bodyPr rtlCol="0" anchor="ctr"/>
+            <a:lstStyle/>
+            <a:p>
+              <a:pPr algn="ctr"/>
+              <a:endParaRPr lang="en-AU"/>
+            </a:p>
+          </p:txBody>
+        </p:sp>
+        <p:sp>
+          <p:nvSpPr>
+            <p:cNvPr id="187" name="TextBox 186">
+              <a:extLst>
+                <a:ext uri="{FF2B5EF4-FFF2-40B4-BE49-F238E27FC236}">
+                  <a16:creationId xmlns:a16="http://schemas.microsoft.com/office/drawing/2014/main" id="{BE0F3090-2017-4CD6-8B92-3DC5199EEA69}"/>
+                </a:ext>
+              </a:extLst>
+            </p:cNvPr>
+            <p:cNvSpPr txBox="1"/>
+            <p:nvPr/>
+          </p:nvSpPr>
+          <p:spPr>
+            <a:xfrm>
+              <a:off x="8353330" y="3179269"/>
+              <a:ext cx="345221" cy="2123658"/>
+            </a:xfrm>
+            <a:prstGeom prst="rect">
+              <a:avLst/>
+            </a:prstGeom>
+            <a:noFill/>
+          </p:spPr>
+          <p:txBody>
+            <a:bodyPr wrap="square" rtlCol="0">
+              <a:spAutoFit/>
+            </a:bodyPr>
+            <a:lstStyle/>
+            <a:p>
+              <a:pPr algn="r"/>
+              <a:r>
+                <a:rPr lang="en-AU" sz="2200" dirty="0"/>
+                <a:t>1</a:t>
+              </a:r>
+            </a:p>
+            <a:p>
+              <a:pPr algn="r"/>
+              <a:r>
+                <a:rPr lang="en-US" sz="2200" dirty="0"/>
+                <a:t>2</a:t>
+              </a:r>
+              <a:endParaRPr lang="en-AU" sz="2200" dirty="0"/>
+            </a:p>
+            <a:p>
+              <a:pPr algn="r"/>
+              <a:r>
+                <a:rPr lang="en-US" sz="2200" dirty="0"/>
+                <a:t>3</a:t>
+              </a:r>
+              <a:endParaRPr lang="en-AU" sz="2200" dirty="0"/>
+            </a:p>
+            <a:p>
+              <a:pPr algn="r"/>
+              <a:r>
+                <a:rPr lang="en-US" sz="2200" dirty="0"/>
+                <a:t>4</a:t>
+              </a:r>
+              <a:endParaRPr lang="en-AU" sz="2200" dirty="0"/>
+            </a:p>
+            <a:p>
+              <a:pPr algn="r"/>
+              <a:r>
+                <a:rPr lang="en-US" sz="2200" dirty="0"/>
+                <a:t>5</a:t>
+              </a:r>
+              <a:endParaRPr lang="en-AU" sz="2200" dirty="0"/>
+            </a:p>
+            <a:p>
+              <a:pPr algn="r"/>
+              <a:r>
+                <a:rPr lang="en-US" sz="2200" dirty="0"/>
+                <a:t>6</a:t>
+              </a:r>
+              <a:endParaRPr lang="en-AU" sz="2200" dirty="0"/>
+            </a:p>
+          </p:txBody>
+        </p:sp>
+      </p:grpSp>
+      <p:sp>
+        <p:nvSpPr>
+          <p:cNvPr id="188" name="TextBox 187">
+            <a:extLst>
+              <a:ext uri="{FF2B5EF4-FFF2-40B4-BE49-F238E27FC236}">
+                <a16:creationId xmlns:a16="http://schemas.microsoft.com/office/drawing/2014/main" id="{3D705AAD-8F0F-4BF4-BC4A-4B03212DC3BA}"/>
+              </a:ext>
+            </a:extLst>
+          </p:cNvPr>
+          <p:cNvSpPr txBox="1"/>
+          <p:nvPr/>
+        </p:nvSpPr>
+        <p:spPr>
+          <a:xfrm>
+            <a:off x="6486619" y="2777605"/>
+            <a:ext cx="4228998" cy="1138773"/>
+          </a:xfrm>
+          <a:prstGeom prst="rect">
+            <a:avLst/>
+          </a:prstGeom>
+          <a:noFill/>
+        </p:spPr>
+        <p:txBody>
+          <a:bodyPr wrap="square" rtlCol="0">
+            <a:spAutoFit/>
+          </a:bodyPr>
+          <a:lstStyle/>
+          <a:p>
+            <a:r>
+              <a:rPr lang="en-US" sz="2400" dirty="0"/>
+              <a:t>Step 2) Set location:</a:t>
+            </a:r>
+          </a:p>
+          <a:p>
+            <a:r>
+              <a:rPr lang="en-US" sz="2000" dirty="0"/>
+              <a:t>1 + floor((</a:t>
+            </a:r>
+            <a:r>
+              <a:rPr lang="en-US" sz="2000" b="1" dirty="0"/>
+              <a:t>8 – 1) </a:t>
+            </a:r>
+            <a:r>
+              <a:rPr lang="en-US" sz="2000" dirty="0"/>
+              <a:t>/ 3) mod 3 = </a:t>
+            </a:r>
+          </a:p>
+          <a:p>
+            <a:r>
+              <a:rPr lang="en-US" sz="2400" dirty="0"/>
+              <a:t>Permutation 3</a:t>
+            </a:r>
+            <a:endParaRPr lang="en-AU" sz="2200" dirty="0"/>
+          </a:p>
+        </p:txBody>
+      </p:sp>
+      <p:sp>
+        <p:nvSpPr>
+          <p:cNvPr id="189" name="TextBox 188">
+            <a:extLst>
+              <a:ext uri="{FF2B5EF4-FFF2-40B4-BE49-F238E27FC236}">
+                <a16:creationId xmlns:a16="http://schemas.microsoft.com/office/drawing/2014/main" id="{A19ED8DE-EE44-4AEC-AD6E-95691FB26915}"/>
+              </a:ext>
+            </a:extLst>
+          </p:cNvPr>
+          <p:cNvSpPr txBox="1"/>
+          <p:nvPr/>
+        </p:nvSpPr>
+        <p:spPr>
+          <a:xfrm>
+            <a:off x="6375359" y="4794409"/>
+            <a:ext cx="3595283" cy="1138773"/>
+          </a:xfrm>
+          <a:prstGeom prst="rect">
+            <a:avLst/>
+          </a:prstGeom>
+          <a:noFill/>
+        </p:spPr>
+        <p:txBody>
+          <a:bodyPr wrap="square" rtlCol="0">
+            <a:spAutoFit/>
+          </a:bodyPr>
+          <a:lstStyle/>
+          <a:p>
+            <a:r>
+              <a:rPr lang="en-US" sz="2400" dirty="0"/>
+              <a:t>Step 3) Set VC order</a:t>
+            </a:r>
+          </a:p>
+          <a:p>
+            <a:r>
+              <a:rPr lang="en-US" sz="2000" dirty="0"/>
+              <a:t>(1 + floor(</a:t>
+            </a:r>
+            <a:r>
+              <a:rPr lang="en-US" sz="2000" b="1" dirty="0"/>
+              <a:t>8</a:t>
+            </a:r>
+            <a:r>
+              <a:rPr lang="en-US" sz="2000" dirty="0"/>
+              <a:t>/9)) mod 6 = </a:t>
+            </a:r>
+          </a:p>
+          <a:p>
+            <a:r>
+              <a:rPr lang="en-US" sz="2400" dirty="0"/>
+              <a:t>Permutation 2</a:t>
+            </a:r>
+            <a:endParaRPr lang="en-AU" sz="2200" dirty="0"/>
+          </a:p>
+        </p:txBody>
+      </p:sp>
+      <p:graphicFrame>
+        <p:nvGraphicFramePr>
+          <p:cNvPr id="5" name="Table 4">
+            <a:extLst>
+              <a:ext uri="{FF2B5EF4-FFF2-40B4-BE49-F238E27FC236}">
+                <a16:creationId xmlns:a16="http://schemas.microsoft.com/office/drawing/2014/main" id="{FB1E2FE7-D7FA-4339-9296-4DF01655FBDA}"/>
+              </a:ext>
+            </a:extLst>
+          </p:cNvPr>
+          <p:cNvGraphicFramePr>
+            <a:graphicFrameLocks noGrp="1"/>
+          </p:cNvGraphicFramePr>
+          <p:nvPr>
+            <p:extLst>
+              <p:ext uri="{D42A27DB-BD31-4B8C-83A1-F6EECF244321}">
+                <p14:modId xmlns:p14="http://schemas.microsoft.com/office/powerpoint/2010/main" val="883248623"/>
+              </p:ext>
+            </p:extLst>
+          </p:nvPr>
+        </p:nvGraphicFramePr>
+        <p:xfrm>
+          <a:off x="3374682" y="7858243"/>
+          <a:ext cx="7272000" cy="3947160"/>
+        </p:xfrm>
+        <a:graphic>
+          <a:graphicData uri="http://schemas.openxmlformats.org/drawingml/2006/table">
+            <a:tbl>
+              <a:tblPr firstRow="1" bandRow="1">
+                <a:tableStyleId>{5C22544A-7EE6-4342-B048-85BDC9FD1C3A}</a:tableStyleId>
+              </a:tblPr>
+              <a:tblGrid>
+                <a:gridCol w="540000">
+                  <a:extLst>
+                    <a:ext uri="{9D8B030D-6E8A-4147-A177-3AD203B41FA5}">
+                      <a16:colId xmlns:a16="http://schemas.microsoft.com/office/drawing/2014/main" val="3488268334"/>
+                    </a:ext>
+                  </a:extLst>
+                </a:gridCol>
+                <a:gridCol w="1548000">
+                  <a:extLst>
+                    <a:ext uri="{9D8B030D-6E8A-4147-A177-3AD203B41FA5}">
+                      <a16:colId xmlns:a16="http://schemas.microsoft.com/office/drawing/2014/main" val="491055168"/>
+                    </a:ext>
+                  </a:extLst>
+                </a:gridCol>
+                <a:gridCol w="2592000">
+                  <a:extLst>
+                    <a:ext uri="{9D8B030D-6E8A-4147-A177-3AD203B41FA5}">
+                      <a16:colId xmlns:a16="http://schemas.microsoft.com/office/drawing/2014/main" val="3695711225"/>
+                    </a:ext>
+                  </a:extLst>
+                </a:gridCol>
+                <a:gridCol w="2592000">
+                  <a:extLst>
+                    <a:ext uri="{9D8B030D-6E8A-4147-A177-3AD203B41FA5}">
+                      <a16:colId xmlns:a16="http://schemas.microsoft.com/office/drawing/2014/main" val="1060121372"/>
+                    </a:ext>
+                  </a:extLst>
+                </a:gridCol>
+              </a:tblGrid>
+              <a:tr h="0">
+                <a:tc>
+                  <a:txBody>
+                    <a:bodyPr/>
+                    <a:lstStyle/>
+                    <a:p>
+                      <a:pPr algn="l" fontAlgn="b"/>
+                      <a:r>
+                        <a:rPr lang="en-AU" sz="1800" b="0" i="0" u="none" strike="noStrike" dirty="0">
+                          <a:solidFill>
+                            <a:srgbClr val="000000"/>
+                          </a:solidFill>
+                          <a:effectLst/>
+                          <a:latin typeface="Calibri" panose="020F0502020204030204" pitchFamily="34" charset="0"/>
+                        </a:rPr>
+                        <a:t>x</a:t>
+                      </a:r>
+                    </a:p>
+                  </a:txBody>
+                  <a:tcPr marL="7620" marR="7620" marT="7620" marB="0" anchor="b"/>
+                </a:tc>
+                <a:tc>
+                  <a:txBody>
+                    <a:bodyPr/>
+                    <a:lstStyle/>
+                    <a:p>
+                      <a:pPr algn="l" fontAlgn="b"/>
+                      <a:r>
+                        <a:rPr lang="en-AU" sz="1800" b="0" i="0" u="none" strike="noStrike">
+                          <a:solidFill>
+                            <a:srgbClr val="000000"/>
+                          </a:solidFill>
+                          <a:effectLst/>
+                          <a:latin typeface="Calibri" panose="020F0502020204030204" pitchFamily="34" charset="0"/>
+                        </a:rPr>
+                        <a:t>1+ (x-1) mod 3</a:t>
+                      </a:r>
+                    </a:p>
+                  </a:txBody>
+                  <a:tcPr marL="7620" marR="7620" marT="7620" marB="0" anchor="b"/>
+                </a:tc>
+                <a:tc>
+                  <a:txBody>
+                    <a:bodyPr/>
+                    <a:lstStyle/>
+                    <a:p>
+                      <a:pPr algn="l" fontAlgn="b"/>
+                      <a:r>
+                        <a:rPr lang="en-AU" sz="1800" b="0" i="0" u="none" strike="noStrike">
+                          <a:solidFill>
+                            <a:srgbClr val="000000"/>
+                          </a:solidFill>
+                          <a:effectLst/>
+                          <a:latin typeface="Calibri" panose="020F0502020204030204" pitchFamily="34" charset="0"/>
+                        </a:rPr>
+                        <a:t>(1 + floor((x-1)/3)) mod 3</a:t>
+                      </a:r>
+                    </a:p>
+                  </a:txBody>
+                  <a:tcPr marL="7620" marR="7620" marT="7620" marB="0" anchor="b"/>
+                </a:tc>
+                <a:tc>
+                  <a:txBody>
+                    <a:bodyPr/>
+                    <a:lstStyle/>
+                    <a:p>
+                      <a:pPr algn="l" fontAlgn="b"/>
+                      <a:r>
+                        <a:rPr lang="en-AU" sz="1800" b="0" i="0" u="none" strike="noStrike">
+                          <a:solidFill>
+                            <a:srgbClr val="000000"/>
+                          </a:solidFill>
+                          <a:effectLst/>
+                          <a:latin typeface="Calibri" panose="020F0502020204030204" pitchFamily="34" charset="0"/>
+                        </a:rPr>
+                        <a:t>(1 + floor((x-1)/9)) mod 6</a:t>
+                      </a:r>
+                    </a:p>
+                  </a:txBody>
+                  <a:tcPr marL="7620" marR="7620" marT="7620" marB="0" anchor="b"/>
+                </a:tc>
+                <a:extLst>
+                  <a:ext uri="{0D108BD9-81ED-4DB2-BD59-A6C34878D82A}">
+                    <a16:rowId xmlns:a16="http://schemas.microsoft.com/office/drawing/2014/main" val="437667846"/>
+                  </a:ext>
+                </a:extLst>
+              </a:tr>
+              <a:tr h="0">
+                <a:tc>
+                  <a:txBody>
+                    <a:bodyPr/>
+                    <a:lstStyle/>
+                    <a:p>
+                      <a:pPr algn="r" fontAlgn="b"/>
+                      <a:r>
+                        <a:rPr lang="en-AU" sz="1800" b="0" i="0" u="none" strike="noStrike" dirty="0">
+                          <a:solidFill>
+                            <a:srgbClr val="000000"/>
+                          </a:solidFill>
+                          <a:effectLst/>
+                          <a:latin typeface="Calibri" panose="020F0502020204030204" pitchFamily="34" charset="0"/>
+                        </a:rPr>
+                        <a:t>1</a:t>
+                      </a:r>
+                    </a:p>
+                  </a:txBody>
+                  <a:tcPr marL="7620" marR="7620" marT="7620" marB="0" anchor="b"/>
+                </a:tc>
+                <a:tc>
+                  <a:txBody>
+                    <a:bodyPr/>
+                    <a:lstStyle/>
+                    <a:p>
+                      <a:pPr algn="r" fontAlgn="b"/>
+                      <a:r>
+                        <a:rPr lang="en-AU" sz="1800" b="0" i="0" u="none" strike="noStrike" dirty="0">
+                          <a:solidFill>
+                            <a:srgbClr val="000000"/>
+                          </a:solidFill>
+                          <a:effectLst/>
+                          <a:latin typeface="Calibri" panose="020F0502020204030204" pitchFamily="34" charset="0"/>
+                        </a:rPr>
+                        <a:t>1</a:t>
+                      </a:r>
+                    </a:p>
+                  </a:txBody>
+                  <a:tcPr marL="7620" marR="7620" marT="7620" marB="0" anchor="b"/>
+                </a:tc>
+                <a:tc>
+                  <a:txBody>
+                    <a:bodyPr/>
+                    <a:lstStyle/>
+                    <a:p>
+                      <a:pPr algn="r" fontAlgn="b"/>
+                      <a:r>
+                        <a:rPr lang="en-AU" sz="1800" b="0" i="0" u="none" strike="noStrike">
+                          <a:solidFill>
+                            <a:srgbClr val="000000"/>
+                          </a:solidFill>
+                          <a:effectLst/>
+                          <a:latin typeface="Calibri" panose="020F0502020204030204" pitchFamily="34" charset="0"/>
+                        </a:rPr>
+                        <a:t>1</a:t>
+                      </a:r>
+                    </a:p>
+                  </a:txBody>
+                  <a:tcPr marL="7620" marR="7620" marT="7620" marB="0" anchor="b"/>
+                </a:tc>
+                <a:tc>
+                  <a:txBody>
+                    <a:bodyPr/>
+                    <a:lstStyle/>
+                    <a:p>
+                      <a:pPr algn="r" fontAlgn="b"/>
+                      <a:r>
+                        <a:rPr lang="en-AU" sz="1800" b="0" i="0" u="none" strike="noStrike">
+                          <a:solidFill>
+                            <a:srgbClr val="000000"/>
+                          </a:solidFill>
+                          <a:effectLst/>
+                          <a:latin typeface="Calibri" panose="020F0502020204030204" pitchFamily="34" charset="0"/>
+                        </a:rPr>
+                        <a:t>1</a:t>
+                      </a:r>
+                    </a:p>
+                  </a:txBody>
+                  <a:tcPr marL="7620" marR="7620" marT="7620" marB="0" anchor="b"/>
+                </a:tc>
+                <a:extLst>
+                  <a:ext uri="{0D108BD9-81ED-4DB2-BD59-A6C34878D82A}">
+                    <a16:rowId xmlns:a16="http://schemas.microsoft.com/office/drawing/2014/main" val="1150312825"/>
+                  </a:ext>
+                </a:extLst>
+              </a:tr>
+              <a:tr h="0">
+                <a:tc>
+                  <a:txBody>
+                    <a:bodyPr/>
+                    <a:lstStyle/>
+                    <a:p>
+                      <a:pPr algn="r" fontAlgn="b"/>
+                      <a:r>
+                        <a:rPr lang="en-AU" sz="1800" b="0" i="0" u="none" strike="noStrike" dirty="0">
+                          <a:solidFill>
+                            <a:srgbClr val="000000"/>
+                          </a:solidFill>
+                          <a:effectLst/>
+                          <a:latin typeface="Calibri" panose="020F0502020204030204" pitchFamily="34" charset="0"/>
+                        </a:rPr>
+                        <a:t>2</a:t>
+                      </a:r>
+                    </a:p>
+                  </a:txBody>
+                  <a:tcPr marL="7620" marR="7620" marT="7620" marB="0" anchor="b"/>
+                </a:tc>
+                <a:tc>
+                  <a:txBody>
+                    <a:bodyPr/>
+                    <a:lstStyle/>
+                    <a:p>
+                      <a:pPr algn="r" fontAlgn="b"/>
+                      <a:r>
+                        <a:rPr lang="en-AU" sz="1800" b="0" i="0" u="none" strike="noStrike" dirty="0">
+                          <a:solidFill>
+                            <a:srgbClr val="000000"/>
+                          </a:solidFill>
+                          <a:effectLst/>
+                          <a:latin typeface="Calibri" panose="020F0502020204030204" pitchFamily="34" charset="0"/>
+                        </a:rPr>
+                        <a:t>2</a:t>
+                      </a:r>
+                    </a:p>
+                  </a:txBody>
+                  <a:tcPr marL="7620" marR="7620" marT="7620" marB="0" anchor="b"/>
+                </a:tc>
+                <a:tc>
+                  <a:txBody>
+                    <a:bodyPr/>
+                    <a:lstStyle/>
+                    <a:p>
+                      <a:pPr algn="r" fontAlgn="b"/>
+                      <a:r>
+                        <a:rPr lang="en-AU" sz="1800" b="0" i="0" u="none" strike="noStrike">
+                          <a:solidFill>
+                            <a:srgbClr val="000000"/>
+                          </a:solidFill>
+                          <a:effectLst/>
+                          <a:latin typeface="Calibri" panose="020F0502020204030204" pitchFamily="34" charset="0"/>
+                        </a:rPr>
+                        <a:t>1</a:t>
+                      </a:r>
+                    </a:p>
+                  </a:txBody>
+                  <a:tcPr marL="7620" marR="7620" marT="7620" marB="0" anchor="b"/>
+                </a:tc>
+                <a:tc>
+                  <a:txBody>
+                    <a:bodyPr/>
+                    <a:lstStyle/>
+                    <a:p>
+                      <a:pPr algn="r" fontAlgn="b"/>
+                      <a:r>
+                        <a:rPr lang="en-AU" sz="1800" b="0" i="0" u="none" strike="noStrike">
+                          <a:solidFill>
+                            <a:srgbClr val="000000"/>
+                          </a:solidFill>
+                          <a:effectLst/>
+                          <a:latin typeface="Calibri" panose="020F0502020204030204" pitchFamily="34" charset="0"/>
+                        </a:rPr>
+                        <a:t>1</a:t>
+                      </a:r>
+                    </a:p>
+                  </a:txBody>
+                  <a:tcPr marL="7620" marR="7620" marT="7620" marB="0" anchor="b"/>
+                </a:tc>
+                <a:extLst>
+                  <a:ext uri="{0D108BD9-81ED-4DB2-BD59-A6C34878D82A}">
+                    <a16:rowId xmlns:a16="http://schemas.microsoft.com/office/drawing/2014/main" val="1236360087"/>
+                  </a:ext>
+                </a:extLst>
+              </a:tr>
+              <a:tr h="0">
+                <a:tc>
+                  <a:txBody>
+                    <a:bodyPr/>
+                    <a:lstStyle/>
+                    <a:p>
+                      <a:pPr algn="r" fontAlgn="b"/>
+                      <a:r>
+                        <a:rPr lang="en-AU" sz="1800" b="0" i="0" u="none" strike="noStrike" dirty="0">
+                          <a:solidFill>
+                            <a:srgbClr val="000000"/>
+                          </a:solidFill>
+                          <a:effectLst/>
+                          <a:latin typeface="Calibri" panose="020F0502020204030204" pitchFamily="34" charset="0"/>
+                        </a:rPr>
+                        <a:t>3</a:t>
+                      </a:r>
+                    </a:p>
+                  </a:txBody>
+                  <a:tcPr marL="7620" marR="7620" marT="7620" marB="0" anchor="b"/>
+                </a:tc>
+                <a:tc>
+                  <a:txBody>
+                    <a:bodyPr/>
+                    <a:lstStyle/>
+                    <a:p>
+                      <a:pPr algn="r" fontAlgn="b"/>
+                      <a:r>
+                        <a:rPr lang="en-AU" sz="1800" b="0" i="0" u="none" strike="noStrike" dirty="0">
+                          <a:solidFill>
+                            <a:srgbClr val="000000"/>
+                          </a:solidFill>
+                          <a:effectLst/>
+                          <a:latin typeface="Calibri" panose="020F0502020204030204" pitchFamily="34" charset="0"/>
+                        </a:rPr>
+                        <a:t>3</a:t>
+                      </a:r>
+                    </a:p>
+                  </a:txBody>
+                  <a:tcPr marL="7620" marR="7620" marT="7620" marB="0" anchor="b"/>
+                </a:tc>
+                <a:tc>
+                  <a:txBody>
+                    <a:bodyPr/>
+                    <a:lstStyle/>
+                    <a:p>
+                      <a:pPr algn="r" fontAlgn="b"/>
+                      <a:r>
+                        <a:rPr lang="en-AU" sz="1800" b="0" i="0" u="none" strike="noStrike">
+                          <a:solidFill>
+                            <a:srgbClr val="000000"/>
+                          </a:solidFill>
+                          <a:effectLst/>
+                          <a:latin typeface="Calibri" panose="020F0502020204030204" pitchFamily="34" charset="0"/>
+                        </a:rPr>
+                        <a:t>1</a:t>
+                      </a:r>
+                    </a:p>
+                  </a:txBody>
+                  <a:tcPr marL="7620" marR="7620" marT="7620" marB="0" anchor="b"/>
+                </a:tc>
+                <a:tc>
+                  <a:txBody>
+                    <a:bodyPr/>
+                    <a:lstStyle/>
+                    <a:p>
+                      <a:pPr algn="r" fontAlgn="b"/>
+                      <a:r>
+                        <a:rPr lang="en-AU" sz="1800" b="0" i="0" u="none" strike="noStrike">
+                          <a:solidFill>
+                            <a:srgbClr val="000000"/>
+                          </a:solidFill>
+                          <a:effectLst/>
+                          <a:latin typeface="Calibri" panose="020F0502020204030204" pitchFamily="34" charset="0"/>
+                        </a:rPr>
+                        <a:t>1</a:t>
+                      </a:r>
+                    </a:p>
+                  </a:txBody>
+                  <a:tcPr marL="7620" marR="7620" marT="7620" marB="0" anchor="b"/>
+                </a:tc>
+                <a:extLst>
+                  <a:ext uri="{0D108BD9-81ED-4DB2-BD59-A6C34878D82A}">
+                    <a16:rowId xmlns:a16="http://schemas.microsoft.com/office/drawing/2014/main" val="3775966952"/>
+                  </a:ext>
+                </a:extLst>
+              </a:tr>
+              <a:tr h="0">
+                <a:tc>
+                  <a:txBody>
+                    <a:bodyPr/>
+                    <a:lstStyle/>
+                    <a:p>
+                      <a:pPr algn="r" fontAlgn="b"/>
+                      <a:r>
+                        <a:rPr lang="en-AU" sz="1800" b="0" i="0" u="none" strike="noStrike" dirty="0">
+                          <a:solidFill>
+                            <a:srgbClr val="000000"/>
+                          </a:solidFill>
+                          <a:effectLst/>
+                          <a:latin typeface="Calibri" panose="020F0502020204030204" pitchFamily="34" charset="0"/>
+                        </a:rPr>
+                        <a:t>4</a:t>
+                      </a:r>
+                    </a:p>
+                  </a:txBody>
+                  <a:tcPr marL="7620" marR="7620" marT="7620" marB="0" anchor="b"/>
+                </a:tc>
+                <a:tc>
+                  <a:txBody>
+                    <a:bodyPr/>
+                    <a:lstStyle/>
+                    <a:p>
+                      <a:pPr algn="r" fontAlgn="b"/>
+                      <a:r>
+                        <a:rPr lang="en-AU" sz="1800" b="0" i="0" u="none" strike="noStrike" dirty="0">
+                          <a:solidFill>
+                            <a:srgbClr val="000000"/>
+                          </a:solidFill>
+                          <a:effectLst/>
+                          <a:latin typeface="Calibri" panose="020F0502020204030204" pitchFamily="34" charset="0"/>
+                        </a:rPr>
+                        <a:t>1</a:t>
+                      </a:r>
+                    </a:p>
+                  </a:txBody>
+                  <a:tcPr marL="7620" marR="7620" marT="7620" marB="0" anchor="b"/>
+                </a:tc>
+                <a:tc>
+                  <a:txBody>
+                    <a:bodyPr/>
+                    <a:lstStyle/>
+                    <a:p>
+                      <a:pPr algn="r" fontAlgn="b"/>
+                      <a:r>
+                        <a:rPr lang="en-AU" sz="1800" b="0" i="0" u="none" strike="noStrike" dirty="0">
+                          <a:solidFill>
+                            <a:srgbClr val="000000"/>
+                          </a:solidFill>
+                          <a:effectLst/>
+                          <a:latin typeface="Calibri" panose="020F0502020204030204" pitchFamily="34" charset="0"/>
+                        </a:rPr>
+                        <a:t>2</a:t>
+                      </a:r>
+                    </a:p>
+                  </a:txBody>
+                  <a:tcPr marL="7620" marR="7620" marT="7620" marB="0" anchor="b"/>
+                </a:tc>
+                <a:tc>
+                  <a:txBody>
+                    <a:bodyPr/>
+                    <a:lstStyle/>
+                    <a:p>
+                      <a:pPr algn="r" fontAlgn="b"/>
+                      <a:r>
+                        <a:rPr lang="en-AU" sz="1800" b="0" i="0" u="none" strike="noStrike">
+                          <a:solidFill>
+                            <a:srgbClr val="000000"/>
+                          </a:solidFill>
+                          <a:effectLst/>
+                          <a:latin typeface="Calibri" panose="020F0502020204030204" pitchFamily="34" charset="0"/>
+                        </a:rPr>
+                        <a:t>1</a:t>
+                      </a:r>
+                    </a:p>
+                  </a:txBody>
+                  <a:tcPr marL="7620" marR="7620" marT="7620" marB="0" anchor="b"/>
+                </a:tc>
+                <a:extLst>
+                  <a:ext uri="{0D108BD9-81ED-4DB2-BD59-A6C34878D82A}">
+                    <a16:rowId xmlns:a16="http://schemas.microsoft.com/office/drawing/2014/main" val="2638294684"/>
+                  </a:ext>
+                </a:extLst>
+              </a:tr>
+              <a:tr h="0">
+                <a:tc>
+                  <a:txBody>
+                    <a:bodyPr/>
+                    <a:lstStyle/>
+                    <a:p>
+                      <a:pPr algn="r" fontAlgn="b"/>
+                      <a:r>
+                        <a:rPr lang="en-AU" sz="1800" b="0" i="0" u="none" strike="noStrike" dirty="0">
+                          <a:solidFill>
+                            <a:srgbClr val="000000"/>
+                          </a:solidFill>
+                          <a:effectLst/>
+                          <a:latin typeface="Calibri" panose="020F0502020204030204" pitchFamily="34" charset="0"/>
+                        </a:rPr>
+                        <a:t>5</a:t>
+                      </a:r>
+                    </a:p>
+                  </a:txBody>
+                  <a:tcPr marL="7620" marR="7620" marT="7620" marB="0" anchor="b"/>
+                </a:tc>
+                <a:tc>
+                  <a:txBody>
+                    <a:bodyPr/>
+                    <a:lstStyle/>
+                    <a:p>
+                      <a:pPr algn="r" fontAlgn="b"/>
+                      <a:r>
+                        <a:rPr lang="en-AU" sz="1800" b="0" i="0" u="none" strike="noStrike" dirty="0">
+                          <a:solidFill>
+                            <a:srgbClr val="000000"/>
+                          </a:solidFill>
+                          <a:effectLst/>
+                          <a:latin typeface="Calibri" panose="020F0502020204030204" pitchFamily="34" charset="0"/>
+                        </a:rPr>
+                        <a:t>2</a:t>
+                      </a:r>
+                    </a:p>
+                  </a:txBody>
+                  <a:tcPr marL="7620" marR="7620" marT="7620" marB="0" anchor="b"/>
+                </a:tc>
+                <a:tc>
+                  <a:txBody>
+                    <a:bodyPr/>
+                    <a:lstStyle/>
+                    <a:p>
+                      <a:pPr algn="r" fontAlgn="b"/>
+                      <a:r>
+                        <a:rPr lang="en-AU" sz="1800" b="0" i="0" u="none" strike="noStrike" dirty="0">
+                          <a:solidFill>
+                            <a:srgbClr val="000000"/>
+                          </a:solidFill>
+                          <a:effectLst/>
+                          <a:latin typeface="Calibri" panose="020F0502020204030204" pitchFamily="34" charset="0"/>
+                        </a:rPr>
+                        <a:t>2</a:t>
+                      </a:r>
+                    </a:p>
+                  </a:txBody>
+                  <a:tcPr marL="7620" marR="7620" marT="7620" marB="0" anchor="b"/>
+                </a:tc>
+                <a:tc>
+                  <a:txBody>
+                    <a:bodyPr/>
+                    <a:lstStyle/>
+                    <a:p>
+                      <a:pPr algn="r" fontAlgn="b"/>
+                      <a:r>
+                        <a:rPr lang="en-AU" sz="1800" b="0" i="0" u="none" strike="noStrike">
+                          <a:solidFill>
+                            <a:srgbClr val="000000"/>
+                          </a:solidFill>
+                          <a:effectLst/>
+                          <a:latin typeface="Calibri" panose="020F0502020204030204" pitchFamily="34" charset="0"/>
+                        </a:rPr>
+                        <a:t>1</a:t>
+                      </a:r>
+                    </a:p>
+                  </a:txBody>
+                  <a:tcPr marL="7620" marR="7620" marT="7620" marB="0" anchor="b"/>
+                </a:tc>
+                <a:extLst>
+                  <a:ext uri="{0D108BD9-81ED-4DB2-BD59-A6C34878D82A}">
+                    <a16:rowId xmlns:a16="http://schemas.microsoft.com/office/drawing/2014/main" val="2814426595"/>
+                  </a:ext>
+                </a:extLst>
+              </a:tr>
+              <a:tr h="0">
+                <a:tc>
+                  <a:txBody>
+                    <a:bodyPr/>
+                    <a:lstStyle/>
+                    <a:p>
+                      <a:pPr algn="r" fontAlgn="b"/>
+                      <a:r>
+                        <a:rPr lang="en-AU" sz="1800" b="0" i="0" u="none" strike="noStrike" dirty="0">
+                          <a:solidFill>
+                            <a:srgbClr val="000000"/>
+                          </a:solidFill>
+                          <a:effectLst/>
+                          <a:latin typeface="Calibri" panose="020F0502020204030204" pitchFamily="34" charset="0"/>
+                        </a:rPr>
+                        <a:t>6</a:t>
+                      </a:r>
+                    </a:p>
+                  </a:txBody>
+                  <a:tcPr marL="7620" marR="7620" marT="7620" marB="0" anchor="b"/>
+                </a:tc>
+                <a:tc>
+                  <a:txBody>
+                    <a:bodyPr/>
+                    <a:lstStyle/>
+                    <a:p>
+                      <a:pPr algn="r" fontAlgn="b"/>
+                      <a:r>
+                        <a:rPr lang="en-AU" sz="1800" b="0" i="0" u="none" strike="noStrike" dirty="0">
+                          <a:solidFill>
+                            <a:srgbClr val="000000"/>
+                          </a:solidFill>
+                          <a:effectLst/>
+                          <a:latin typeface="Calibri" panose="020F0502020204030204" pitchFamily="34" charset="0"/>
+                        </a:rPr>
+                        <a:t>3</a:t>
+                      </a:r>
+                    </a:p>
+                  </a:txBody>
+                  <a:tcPr marL="7620" marR="7620" marT="7620" marB="0" anchor="b"/>
+                </a:tc>
+                <a:tc>
+                  <a:txBody>
+                    <a:bodyPr/>
+                    <a:lstStyle/>
+                    <a:p>
+                      <a:pPr algn="r" fontAlgn="b"/>
+                      <a:r>
+                        <a:rPr lang="en-AU" sz="1800" b="0" i="0" u="none" strike="noStrike" dirty="0">
+                          <a:solidFill>
+                            <a:srgbClr val="000000"/>
+                          </a:solidFill>
+                          <a:effectLst/>
+                          <a:latin typeface="Calibri" panose="020F0502020204030204" pitchFamily="34" charset="0"/>
+                        </a:rPr>
+                        <a:t>2</a:t>
+                      </a:r>
+                    </a:p>
+                  </a:txBody>
+                  <a:tcPr marL="7620" marR="7620" marT="7620" marB="0" anchor="b"/>
+                </a:tc>
+                <a:tc>
+                  <a:txBody>
+                    <a:bodyPr/>
+                    <a:lstStyle/>
+                    <a:p>
+                      <a:pPr algn="r" fontAlgn="b"/>
+                      <a:r>
+                        <a:rPr lang="en-AU" sz="1800" b="0" i="0" u="none" strike="noStrike" dirty="0">
+                          <a:solidFill>
+                            <a:srgbClr val="000000"/>
+                          </a:solidFill>
+                          <a:effectLst/>
+                          <a:latin typeface="Calibri" panose="020F0502020204030204" pitchFamily="34" charset="0"/>
+                        </a:rPr>
+                        <a:t>1</a:t>
+                      </a:r>
+                    </a:p>
+                  </a:txBody>
+                  <a:tcPr marL="7620" marR="7620" marT="7620" marB="0" anchor="b"/>
+                </a:tc>
+                <a:extLst>
+                  <a:ext uri="{0D108BD9-81ED-4DB2-BD59-A6C34878D82A}">
+                    <a16:rowId xmlns:a16="http://schemas.microsoft.com/office/drawing/2014/main" val="1669355868"/>
+                  </a:ext>
+                </a:extLst>
+              </a:tr>
+              <a:tr h="0">
+                <a:tc>
+                  <a:txBody>
+                    <a:bodyPr/>
+                    <a:lstStyle/>
+                    <a:p>
+                      <a:pPr algn="r" fontAlgn="b"/>
+                      <a:r>
+                        <a:rPr lang="en-AU" sz="1800" b="0" i="0" u="none" strike="noStrike" dirty="0">
+                          <a:solidFill>
+                            <a:srgbClr val="000000"/>
+                          </a:solidFill>
+                          <a:effectLst/>
+                          <a:latin typeface="Calibri" panose="020F0502020204030204" pitchFamily="34" charset="0"/>
+                        </a:rPr>
+                        <a:t>7</a:t>
+                      </a:r>
+                    </a:p>
+                  </a:txBody>
+                  <a:tcPr marL="7620" marR="7620" marT="7620" marB="0" anchor="b"/>
+                </a:tc>
+                <a:tc>
+                  <a:txBody>
+                    <a:bodyPr/>
+                    <a:lstStyle/>
+                    <a:p>
+                      <a:pPr algn="r" fontAlgn="b"/>
+                      <a:r>
+                        <a:rPr lang="en-AU" sz="1800" b="0" i="0" u="none" strike="noStrike" dirty="0">
+                          <a:solidFill>
+                            <a:srgbClr val="000000"/>
+                          </a:solidFill>
+                          <a:effectLst/>
+                          <a:latin typeface="Calibri" panose="020F0502020204030204" pitchFamily="34" charset="0"/>
+                        </a:rPr>
+                        <a:t>1</a:t>
+                      </a:r>
+                    </a:p>
+                  </a:txBody>
+                  <a:tcPr marL="7620" marR="7620" marT="7620" marB="0" anchor="b"/>
+                </a:tc>
+                <a:tc>
+                  <a:txBody>
+                    <a:bodyPr/>
+                    <a:lstStyle/>
+                    <a:p>
+                      <a:pPr algn="r" fontAlgn="b"/>
+                      <a:r>
+                        <a:rPr lang="en-AU" sz="1800" b="0" i="0" u="none" strike="noStrike" dirty="0">
+                          <a:solidFill>
+                            <a:srgbClr val="000000"/>
+                          </a:solidFill>
+                          <a:effectLst/>
+                          <a:latin typeface="Calibri" panose="020F0502020204030204" pitchFamily="34" charset="0"/>
+                        </a:rPr>
+                        <a:t>3</a:t>
+                      </a:r>
+                    </a:p>
+                  </a:txBody>
+                  <a:tcPr marL="7620" marR="7620" marT="7620" marB="0" anchor="b"/>
+                </a:tc>
+                <a:tc>
+                  <a:txBody>
+                    <a:bodyPr/>
+                    <a:lstStyle/>
+                    <a:p>
+                      <a:pPr algn="r" fontAlgn="b"/>
+                      <a:r>
+                        <a:rPr lang="en-AU" sz="1800" b="0" i="0" u="none" strike="noStrike" dirty="0">
+                          <a:solidFill>
+                            <a:srgbClr val="000000"/>
+                          </a:solidFill>
+                          <a:effectLst/>
+                          <a:latin typeface="Calibri" panose="020F0502020204030204" pitchFamily="34" charset="0"/>
+                        </a:rPr>
+                        <a:t>1</a:t>
+                      </a:r>
+                    </a:p>
+                  </a:txBody>
+                  <a:tcPr marL="7620" marR="7620" marT="7620" marB="0" anchor="b"/>
+                </a:tc>
+                <a:extLst>
+                  <a:ext uri="{0D108BD9-81ED-4DB2-BD59-A6C34878D82A}">
+                    <a16:rowId xmlns:a16="http://schemas.microsoft.com/office/drawing/2014/main" val="3932792236"/>
+                  </a:ext>
+                </a:extLst>
+              </a:tr>
+              <a:tr h="0">
+                <a:tc>
+                  <a:txBody>
+                    <a:bodyPr/>
+                    <a:lstStyle/>
+                    <a:p>
+                      <a:pPr algn="r" fontAlgn="b"/>
+                      <a:r>
+                        <a:rPr lang="en-AU" sz="1800" b="0" i="0" u="none" strike="noStrike" dirty="0">
+                          <a:solidFill>
+                            <a:srgbClr val="000000"/>
+                          </a:solidFill>
+                          <a:effectLst/>
+                          <a:latin typeface="Calibri" panose="020F0502020204030204" pitchFamily="34" charset="0"/>
+                        </a:rPr>
+                        <a:t>8</a:t>
+                      </a:r>
+                    </a:p>
+                  </a:txBody>
+                  <a:tcPr marL="7620" marR="7620" marT="7620" marB="0" anchor="b"/>
+                </a:tc>
+                <a:tc>
+                  <a:txBody>
+                    <a:bodyPr/>
+                    <a:lstStyle/>
+                    <a:p>
+                      <a:pPr algn="r" fontAlgn="b"/>
+                      <a:r>
+                        <a:rPr lang="en-AU" sz="1800" b="0" i="0" u="none" strike="noStrike" dirty="0">
+                          <a:solidFill>
+                            <a:srgbClr val="000000"/>
+                          </a:solidFill>
+                          <a:effectLst/>
+                          <a:latin typeface="Calibri" panose="020F0502020204030204" pitchFamily="34" charset="0"/>
+                        </a:rPr>
+                        <a:t>2</a:t>
+                      </a:r>
+                    </a:p>
+                  </a:txBody>
+                  <a:tcPr marL="7620" marR="7620" marT="7620" marB="0" anchor="b"/>
+                </a:tc>
+                <a:tc>
+                  <a:txBody>
+                    <a:bodyPr/>
+                    <a:lstStyle/>
+                    <a:p>
+                      <a:pPr algn="r" fontAlgn="b"/>
+                      <a:r>
+                        <a:rPr lang="en-AU" sz="1800" b="0" i="0" u="none" strike="noStrike" dirty="0">
+                          <a:solidFill>
+                            <a:srgbClr val="000000"/>
+                          </a:solidFill>
+                          <a:effectLst/>
+                          <a:latin typeface="Calibri" panose="020F0502020204030204" pitchFamily="34" charset="0"/>
+                        </a:rPr>
+                        <a:t>3</a:t>
+                      </a:r>
+                    </a:p>
+                  </a:txBody>
+                  <a:tcPr marL="7620" marR="7620" marT="7620" marB="0" anchor="b"/>
+                </a:tc>
+                <a:tc>
+                  <a:txBody>
+                    <a:bodyPr/>
+                    <a:lstStyle/>
+                    <a:p>
+                      <a:pPr algn="r" fontAlgn="b"/>
+                      <a:r>
+                        <a:rPr lang="en-AU" sz="1800" b="0" i="0" u="none" strike="noStrike" dirty="0">
+                          <a:solidFill>
+                            <a:srgbClr val="000000"/>
+                          </a:solidFill>
+                          <a:effectLst/>
+                          <a:latin typeface="Calibri" panose="020F0502020204030204" pitchFamily="34" charset="0"/>
+                        </a:rPr>
+                        <a:t>1</a:t>
+                      </a:r>
+                    </a:p>
+                  </a:txBody>
+                  <a:tcPr marL="7620" marR="7620" marT="7620" marB="0" anchor="b"/>
+                </a:tc>
+                <a:extLst>
+                  <a:ext uri="{0D108BD9-81ED-4DB2-BD59-A6C34878D82A}">
+                    <a16:rowId xmlns:a16="http://schemas.microsoft.com/office/drawing/2014/main" val="3144660446"/>
+                  </a:ext>
+                </a:extLst>
+              </a:tr>
+              <a:tr h="0">
+                <a:tc>
+                  <a:txBody>
+                    <a:bodyPr/>
+                    <a:lstStyle/>
+                    <a:p>
+                      <a:pPr algn="r" fontAlgn="b"/>
+                      <a:r>
+                        <a:rPr lang="en-AU" sz="1800" b="0" i="0" u="none" strike="noStrike" dirty="0">
+                          <a:solidFill>
+                            <a:srgbClr val="000000"/>
+                          </a:solidFill>
+                          <a:effectLst/>
+                          <a:latin typeface="Calibri" panose="020F0502020204030204" pitchFamily="34" charset="0"/>
+                        </a:rPr>
+                        <a:t>9</a:t>
+                      </a:r>
+                    </a:p>
+                  </a:txBody>
+                  <a:tcPr marL="7620" marR="7620" marT="7620" marB="0" anchor="b"/>
+                </a:tc>
+                <a:tc>
+                  <a:txBody>
+                    <a:bodyPr/>
+                    <a:lstStyle/>
+                    <a:p>
+                      <a:pPr algn="r" fontAlgn="b"/>
+                      <a:r>
+                        <a:rPr lang="en-AU" sz="1800" b="0" i="0" u="none" strike="noStrike" dirty="0">
+                          <a:solidFill>
+                            <a:srgbClr val="000000"/>
+                          </a:solidFill>
+                          <a:effectLst/>
+                          <a:latin typeface="Calibri" panose="020F0502020204030204" pitchFamily="34" charset="0"/>
+                        </a:rPr>
+                        <a:t>3</a:t>
+                      </a:r>
+                    </a:p>
+                  </a:txBody>
+                  <a:tcPr marL="7620" marR="7620" marT="7620" marB="0" anchor="b"/>
+                </a:tc>
+                <a:tc>
+                  <a:txBody>
+                    <a:bodyPr/>
+                    <a:lstStyle/>
+                    <a:p>
+                      <a:pPr algn="r" fontAlgn="b"/>
+                      <a:r>
+                        <a:rPr lang="en-AU" sz="1800" b="0" i="0" u="none" strike="noStrike" dirty="0">
+                          <a:solidFill>
+                            <a:srgbClr val="000000"/>
+                          </a:solidFill>
+                          <a:effectLst/>
+                          <a:latin typeface="Calibri" panose="020F0502020204030204" pitchFamily="34" charset="0"/>
+                        </a:rPr>
+                        <a:t>3</a:t>
+                      </a:r>
+                    </a:p>
+                  </a:txBody>
+                  <a:tcPr marL="7620" marR="7620" marT="7620" marB="0" anchor="b"/>
+                </a:tc>
+                <a:tc>
+                  <a:txBody>
+                    <a:bodyPr/>
+                    <a:lstStyle/>
+                    <a:p>
+                      <a:pPr algn="r" fontAlgn="b"/>
+                      <a:r>
+                        <a:rPr lang="en-AU" sz="1800" b="0" i="0" u="none" strike="noStrike" dirty="0">
+                          <a:solidFill>
+                            <a:srgbClr val="000000"/>
+                          </a:solidFill>
+                          <a:effectLst/>
+                          <a:latin typeface="Calibri" panose="020F0502020204030204" pitchFamily="34" charset="0"/>
+                        </a:rPr>
+                        <a:t>1</a:t>
+                      </a:r>
+                    </a:p>
+                  </a:txBody>
+                  <a:tcPr marL="7620" marR="7620" marT="7620" marB="0" anchor="b"/>
+                </a:tc>
+                <a:extLst>
+                  <a:ext uri="{0D108BD9-81ED-4DB2-BD59-A6C34878D82A}">
+                    <a16:rowId xmlns:a16="http://schemas.microsoft.com/office/drawing/2014/main" val="415547566"/>
+                  </a:ext>
+                </a:extLst>
+              </a:tr>
+              <a:tr h="0">
+                <a:tc>
+                  <a:txBody>
+                    <a:bodyPr/>
+                    <a:lstStyle/>
+                    <a:p>
+                      <a:pPr algn="r" fontAlgn="b"/>
+                      <a:r>
+                        <a:rPr lang="en-AU" sz="1800" b="0" i="0" u="none" strike="noStrike" dirty="0">
+                          <a:solidFill>
+                            <a:srgbClr val="000000"/>
+                          </a:solidFill>
+                          <a:effectLst/>
+                          <a:latin typeface="Calibri" panose="020F0502020204030204" pitchFamily="34" charset="0"/>
+                        </a:rPr>
+                        <a:t>10</a:t>
+                      </a:r>
+                    </a:p>
+                  </a:txBody>
+                  <a:tcPr marL="7620" marR="7620" marT="7620" marB="0" anchor="b"/>
+                </a:tc>
+                <a:tc>
+                  <a:txBody>
+                    <a:bodyPr/>
+                    <a:lstStyle/>
+                    <a:p>
+                      <a:pPr algn="r" fontAlgn="b"/>
+                      <a:r>
+                        <a:rPr lang="en-AU" sz="1800" b="0" i="0" u="none" strike="noStrike" dirty="0">
+                          <a:solidFill>
+                            <a:srgbClr val="000000"/>
+                          </a:solidFill>
+                          <a:effectLst/>
+                          <a:latin typeface="Calibri" panose="020F0502020204030204" pitchFamily="34" charset="0"/>
+                        </a:rPr>
+                        <a:t>1</a:t>
+                      </a:r>
+                    </a:p>
+                  </a:txBody>
+                  <a:tcPr marL="7620" marR="7620" marT="7620" marB="0" anchor="b"/>
+                </a:tc>
+                <a:tc>
+                  <a:txBody>
+                    <a:bodyPr/>
+                    <a:lstStyle/>
+                    <a:p>
+                      <a:pPr algn="r" fontAlgn="b"/>
+                      <a:r>
+                        <a:rPr lang="en-AU" sz="1800" b="0" i="0" u="none" strike="noStrike" dirty="0">
+                          <a:solidFill>
+                            <a:srgbClr val="000000"/>
+                          </a:solidFill>
+                          <a:effectLst/>
+                          <a:latin typeface="Calibri" panose="020F0502020204030204" pitchFamily="34" charset="0"/>
+                        </a:rPr>
+                        <a:t>1</a:t>
+                      </a:r>
+                    </a:p>
+                  </a:txBody>
+                  <a:tcPr marL="7620" marR="7620" marT="7620" marB="0" anchor="b"/>
+                </a:tc>
+                <a:tc>
+                  <a:txBody>
+                    <a:bodyPr/>
+                    <a:lstStyle/>
+                    <a:p>
+                      <a:pPr algn="r" fontAlgn="b"/>
+                      <a:r>
+                        <a:rPr lang="en-AU" sz="1800" b="0" i="0" u="none" strike="noStrike" dirty="0">
+                          <a:solidFill>
+                            <a:srgbClr val="000000"/>
+                          </a:solidFill>
+                          <a:effectLst/>
+                          <a:latin typeface="Calibri" panose="020F0502020204030204" pitchFamily="34" charset="0"/>
+                        </a:rPr>
+                        <a:t>2</a:t>
+                      </a:r>
+                    </a:p>
+                  </a:txBody>
+                  <a:tcPr marL="7620" marR="7620" marT="7620" marB="0" anchor="b"/>
+                </a:tc>
+                <a:extLst>
+                  <a:ext uri="{0D108BD9-81ED-4DB2-BD59-A6C34878D82A}">
+                    <a16:rowId xmlns:a16="http://schemas.microsoft.com/office/drawing/2014/main" val="772659759"/>
+                  </a:ext>
+                </a:extLst>
+              </a:tr>
+              <a:tr h="0">
+                <a:tc>
+                  <a:txBody>
+                    <a:bodyPr/>
+                    <a:lstStyle/>
+                    <a:p>
+                      <a:pPr algn="r" fontAlgn="b"/>
+                      <a:r>
+                        <a:rPr lang="en-AU" sz="1800" b="0" i="0" u="none" strike="noStrike" dirty="0">
+                          <a:solidFill>
+                            <a:srgbClr val="000000"/>
+                          </a:solidFill>
+                          <a:effectLst/>
+                          <a:latin typeface="Calibri" panose="020F0502020204030204" pitchFamily="34" charset="0"/>
+                        </a:rPr>
+                        <a:t>11</a:t>
+                      </a:r>
+                    </a:p>
+                  </a:txBody>
+                  <a:tcPr marL="7620" marR="7620" marT="7620" marB="0" anchor="b"/>
+                </a:tc>
+                <a:tc>
+                  <a:txBody>
+                    <a:bodyPr/>
+                    <a:lstStyle/>
+                    <a:p>
+                      <a:pPr algn="r" fontAlgn="b"/>
+                      <a:r>
+                        <a:rPr lang="en-AU" sz="1800" b="0" i="0" u="none" strike="noStrike" dirty="0">
+                          <a:solidFill>
+                            <a:srgbClr val="000000"/>
+                          </a:solidFill>
+                          <a:effectLst/>
+                          <a:latin typeface="Calibri" panose="020F0502020204030204" pitchFamily="34" charset="0"/>
+                        </a:rPr>
+                        <a:t>2</a:t>
+                      </a:r>
+                    </a:p>
+                  </a:txBody>
+                  <a:tcPr marL="7620" marR="7620" marT="7620" marB="0" anchor="b"/>
+                </a:tc>
+                <a:tc>
+                  <a:txBody>
+                    <a:bodyPr/>
+                    <a:lstStyle/>
+                    <a:p>
+                      <a:pPr algn="r" fontAlgn="b"/>
+                      <a:r>
+                        <a:rPr lang="en-AU" sz="1800" b="0" i="0" u="none" strike="noStrike" dirty="0">
+                          <a:solidFill>
+                            <a:srgbClr val="000000"/>
+                          </a:solidFill>
+                          <a:effectLst/>
+                          <a:latin typeface="Calibri" panose="020F0502020204030204" pitchFamily="34" charset="0"/>
+                        </a:rPr>
+                        <a:t>1</a:t>
+                      </a:r>
+                    </a:p>
+                  </a:txBody>
+                  <a:tcPr marL="7620" marR="7620" marT="7620" marB="0" anchor="b"/>
+                </a:tc>
+                <a:tc>
+                  <a:txBody>
+                    <a:bodyPr/>
+                    <a:lstStyle/>
+                    <a:p>
+                      <a:pPr algn="r" fontAlgn="b"/>
+                      <a:r>
+                        <a:rPr lang="en-AU" sz="1800" b="0" i="0" u="none" strike="noStrike" dirty="0">
+                          <a:solidFill>
+                            <a:srgbClr val="000000"/>
+                          </a:solidFill>
+                          <a:effectLst/>
+                          <a:latin typeface="Calibri" panose="020F0502020204030204" pitchFamily="34" charset="0"/>
+                        </a:rPr>
+                        <a:t>2</a:t>
+                      </a:r>
+                    </a:p>
+                  </a:txBody>
+                  <a:tcPr marL="7620" marR="7620" marT="7620" marB="0" anchor="b"/>
+                </a:tc>
+                <a:extLst>
+                  <a:ext uri="{0D108BD9-81ED-4DB2-BD59-A6C34878D82A}">
+                    <a16:rowId xmlns:a16="http://schemas.microsoft.com/office/drawing/2014/main" val="2907230648"/>
+                  </a:ext>
+                </a:extLst>
+              </a:tr>
+              <a:tr h="0">
+                <a:tc>
+                  <a:txBody>
+                    <a:bodyPr/>
+                    <a:lstStyle/>
+                    <a:p>
+                      <a:pPr algn="r" fontAlgn="b"/>
+                      <a:r>
+                        <a:rPr lang="en-AU" sz="1800" b="0" i="0" u="none" strike="noStrike" dirty="0">
+                          <a:solidFill>
+                            <a:srgbClr val="000000"/>
+                          </a:solidFill>
+                          <a:effectLst/>
+                          <a:latin typeface="Calibri" panose="020F0502020204030204" pitchFamily="34" charset="0"/>
+                        </a:rPr>
+                        <a:t>12</a:t>
+                      </a:r>
+                    </a:p>
+                  </a:txBody>
+                  <a:tcPr marL="7620" marR="7620" marT="7620" marB="0" anchor="b"/>
+                </a:tc>
+                <a:tc>
+                  <a:txBody>
+                    <a:bodyPr/>
+                    <a:lstStyle/>
+                    <a:p>
+                      <a:pPr algn="r" fontAlgn="b"/>
+                      <a:r>
+                        <a:rPr lang="en-AU" sz="1800" b="0" i="0" u="none" strike="noStrike" dirty="0">
+                          <a:solidFill>
+                            <a:srgbClr val="000000"/>
+                          </a:solidFill>
+                          <a:effectLst/>
+                          <a:latin typeface="Calibri" panose="020F0502020204030204" pitchFamily="34" charset="0"/>
+                        </a:rPr>
+                        <a:t>3</a:t>
+                      </a:r>
+                    </a:p>
+                  </a:txBody>
+                  <a:tcPr marL="7620" marR="7620" marT="7620" marB="0" anchor="b"/>
+                </a:tc>
+                <a:tc>
+                  <a:txBody>
+                    <a:bodyPr/>
+                    <a:lstStyle/>
+                    <a:p>
+                      <a:pPr algn="r" fontAlgn="b"/>
+                      <a:r>
+                        <a:rPr lang="en-AU" sz="1800" b="0" i="0" u="none" strike="noStrike" dirty="0">
+                          <a:solidFill>
+                            <a:srgbClr val="000000"/>
+                          </a:solidFill>
+                          <a:effectLst/>
+                          <a:latin typeface="Calibri" panose="020F0502020204030204" pitchFamily="34" charset="0"/>
+                        </a:rPr>
+                        <a:t>1</a:t>
+                      </a:r>
+                    </a:p>
+                  </a:txBody>
+                  <a:tcPr marL="7620" marR="7620" marT="7620" marB="0" anchor="b"/>
+                </a:tc>
+                <a:tc>
+                  <a:txBody>
+                    <a:bodyPr/>
+                    <a:lstStyle/>
+                    <a:p>
+                      <a:pPr algn="r" fontAlgn="b"/>
+                      <a:r>
+                        <a:rPr lang="en-AU" sz="1800" b="0" i="0" u="none" strike="noStrike" dirty="0">
+                          <a:solidFill>
+                            <a:srgbClr val="000000"/>
+                          </a:solidFill>
+                          <a:effectLst/>
+                          <a:latin typeface="Calibri" panose="020F0502020204030204" pitchFamily="34" charset="0"/>
+                        </a:rPr>
+                        <a:t>2</a:t>
+                      </a:r>
+                    </a:p>
+                  </a:txBody>
+                  <a:tcPr marL="7620" marR="7620" marT="7620" marB="0" anchor="b"/>
+                </a:tc>
+                <a:extLst>
+                  <a:ext uri="{0D108BD9-81ED-4DB2-BD59-A6C34878D82A}">
+                    <a16:rowId xmlns:a16="http://schemas.microsoft.com/office/drawing/2014/main" val="2284953366"/>
+                  </a:ext>
+                </a:extLst>
+              </a:tr>
+              <a:tr h="0">
+                <a:tc>
+                  <a:txBody>
+                    <a:bodyPr/>
+                    <a:lstStyle/>
+                    <a:p>
+                      <a:pPr algn="r" fontAlgn="b"/>
+                      <a:r>
+                        <a:rPr lang="en-AU" sz="1800" b="0" i="0" u="none" strike="noStrike" dirty="0">
+                          <a:solidFill>
+                            <a:srgbClr val="000000"/>
+                          </a:solidFill>
+                          <a:effectLst/>
+                          <a:latin typeface="Calibri" panose="020F0502020204030204" pitchFamily="34" charset="0"/>
+                        </a:rPr>
+                        <a:t>13</a:t>
+                      </a:r>
+                    </a:p>
+                  </a:txBody>
+                  <a:tcPr marL="7620" marR="7620" marT="7620" marB="0" anchor="b"/>
+                </a:tc>
+                <a:tc>
+                  <a:txBody>
+                    <a:bodyPr/>
+                    <a:lstStyle/>
+                    <a:p>
+                      <a:pPr algn="r" fontAlgn="b"/>
+                      <a:r>
+                        <a:rPr lang="en-AU" sz="1800" b="0" i="0" u="none" strike="noStrike" dirty="0">
+                          <a:solidFill>
+                            <a:srgbClr val="000000"/>
+                          </a:solidFill>
+                          <a:effectLst/>
+                          <a:latin typeface="Calibri" panose="020F0502020204030204" pitchFamily="34" charset="0"/>
+                        </a:rPr>
+                        <a:t>1</a:t>
+                      </a:r>
+                    </a:p>
+                  </a:txBody>
+                  <a:tcPr marL="7620" marR="7620" marT="7620" marB="0" anchor="b"/>
+                </a:tc>
+                <a:tc>
+                  <a:txBody>
+                    <a:bodyPr/>
+                    <a:lstStyle/>
+                    <a:p>
+                      <a:pPr algn="r" fontAlgn="b"/>
+                      <a:r>
+                        <a:rPr lang="en-AU" sz="1800" b="0" i="0" u="none" strike="noStrike" dirty="0">
+                          <a:solidFill>
+                            <a:srgbClr val="000000"/>
+                          </a:solidFill>
+                          <a:effectLst/>
+                          <a:latin typeface="Calibri" panose="020F0502020204030204" pitchFamily="34" charset="0"/>
+                        </a:rPr>
+                        <a:t>2</a:t>
+                      </a:r>
+                    </a:p>
+                  </a:txBody>
+                  <a:tcPr marL="7620" marR="7620" marT="7620" marB="0" anchor="b"/>
+                </a:tc>
+                <a:tc>
+                  <a:txBody>
+                    <a:bodyPr/>
+                    <a:lstStyle/>
+                    <a:p>
+                      <a:pPr algn="r" fontAlgn="b"/>
+                      <a:r>
+                        <a:rPr lang="en-AU" sz="1800" b="0" i="0" u="none" strike="noStrike" dirty="0">
+                          <a:solidFill>
+                            <a:srgbClr val="000000"/>
+                          </a:solidFill>
+                          <a:effectLst/>
+                          <a:latin typeface="Calibri" panose="020F0502020204030204" pitchFamily="34" charset="0"/>
+                        </a:rPr>
+                        <a:t>2</a:t>
+                      </a:r>
+                    </a:p>
+                  </a:txBody>
+                  <a:tcPr marL="7620" marR="7620" marT="7620" marB="0" anchor="b"/>
+                </a:tc>
+                <a:extLst>
+                  <a:ext uri="{0D108BD9-81ED-4DB2-BD59-A6C34878D82A}">
+                    <a16:rowId xmlns:a16="http://schemas.microsoft.com/office/drawing/2014/main" val="3522901149"/>
+                  </a:ext>
+                </a:extLst>
+              </a:tr>
+            </a:tbl>
+          </a:graphicData>
+        </a:graphic>
+      </p:graphicFrame>
+      <p:pic>
+        <p:nvPicPr>
+          <p:cNvPr id="190" name="Picture 189">
+            <a:extLst>
+              <a:ext uri="{FF2B5EF4-FFF2-40B4-BE49-F238E27FC236}">
+                <a16:creationId xmlns:a16="http://schemas.microsoft.com/office/drawing/2014/main" id="{28580448-DB5B-4B44-8FC9-2C0AE6F079FB}"/>
+              </a:ext>
+            </a:extLst>
+          </p:cNvPr>
+          <p:cNvPicPr>
+            <a:picLocks noChangeAspect="1"/>
+          </p:cNvPicPr>
+          <p:nvPr/>
+        </p:nvPicPr>
+        <p:blipFill>
+          <a:blip r:embed="rId22"/>
+          <a:stretch>
+            <a:fillRect/>
+          </a:stretch>
+        </p:blipFill>
+        <p:spPr>
+          <a:xfrm>
+            <a:off x="-4215504" y="5872061"/>
+            <a:ext cx="282074" cy="564147"/>
+          </a:xfrm>
+          <a:prstGeom prst="rect">
+            <a:avLst/>
+          </a:prstGeom>
+        </p:spPr>
+      </p:pic>
+      <p:sp>
+        <p:nvSpPr>
+          <p:cNvPr id="213" name="TextBox 212">
+            <a:extLst>
+              <a:ext uri="{FF2B5EF4-FFF2-40B4-BE49-F238E27FC236}">
+                <a16:creationId xmlns:a16="http://schemas.microsoft.com/office/drawing/2014/main" id="{DA1CB801-6243-4050-A87E-F2443BC8FCDD}"/>
+              </a:ext>
+            </a:extLst>
+          </p:cNvPr>
+          <p:cNvSpPr txBox="1"/>
+          <p:nvPr/>
+        </p:nvSpPr>
+        <p:spPr>
+          <a:xfrm rot="20929708">
+            <a:off x="184791" y="4518536"/>
+            <a:ext cx="3071343" cy="1200329"/>
+          </a:xfrm>
+          <a:prstGeom prst="rect">
+            <a:avLst/>
+          </a:prstGeom>
+          <a:noFill/>
+        </p:spPr>
+        <p:txBody>
+          <a:bodyPr wrap="square" rtlCol="0">
+            <a:spAutoFit/>
+          </a:bodyPr>
+          <a:lstStyle/>
+          <a:p>
+            <a:r>
+              <a:rPr lang="en-US" dirty="0">
+                <a:solidFill>
+                  <a:srgbClr val="FF0000"/>
+                </a:solidFill>
+              </a:rPr>
+              <a:t>*: actually assign between randomly to any level with </a:t>
+            </a:r>
+            <a:r>
+              <a:rPr lang="en-US">
+                <a:solidFill>
+                  <a:srgbClr val="FF0000"/>
+                </a:solidFill>
+              </a:rPr>
+              <a:t>the min </a:t>
+            </a:r>
+            <a:r>
+              <a:rPr lang="en-US" dirty="0">
+                <a:solidFill>
+                  <a:srgbClr val="FF0000"/>
+                </a:solidFill>
+              </a:rPr>
+              <a:t>count table may prove to be the most robust simple way</a:t>
             </a:r>
             <a:endParaRPr lang="en-AU" dirty="0">
               <a:solidFill>

--- a/paper/figures/Experimental design graphics.pptx
+++ b/paper/figures/Experimental design graphics.pptx
@@ -8582,58 +8582,6 @@
           </a:prstGeom>
         </p:spPr>
       </p:pic>
-      <p:sp>
-        <p:nvSpPr>
-          <p:cNvPr id="157" name="Speech Bubble: Rectangle with Corners Rounded 156">
-            <a:extLst>
-              <a:ext uri="{FF2B5EF4-FFF2-40B4-BE49-F238E27FC236}">
-                <a16:creationId xmlns:a16="http://schemas.microsoft.com/office/drawing/2014/main" id="{E0B5C370-0D42-4CB9-9498-D098BCBB8ED1}"/>
-              </a:ext>
-            </a:extLst>
-          </p:cNvPr>
-          <p:cNvSpPr/>
-          <p:nvPr/>
-        </p:nvSpPr>
-        <p:spPr>
-          <a:xfrm>
-            <a:off x="6170122" y="-451775"/>
-            <a:ext cx="6021878" cy="7604416"/>
-          </a:xfrm>
-          <a:prstGeom prst="wedgeRoundRectCallout">
-            <a:avLst>
-              <a:gd name="adj1" fmla="val -62416"/>
-              <a:gd name="adj2" fmla="val -20498"/>
-              <a:gd name="adj3" fmla="val 16667"/>
-            </a:avLst>
-          </a:prstGeom>
-          <a:noFill/>
-          <a:ln w="28575"/>
-        </p:spPr>
-        <p:style>
-          <a:lnRef idx="2">
-            <a:schemeClr val="accent1">
-              <a:shade val="50000"/>
-            </a:schemeClr>
-          </a:lnRef>
-          <a:fillRef idx="1">
-            <a:schemeClr val="accent1"/>
-          </a:fillRef>
-          <a:effectRef idx="0">
-            <a:schemeClr val="accent1"/>
-          </a:effectRef>
-          <a:fontRef idx="minor">
-            <a:schemeClr val="lt1"/>
-          </a:fontRef>
-        </p:style>
-        <p:txBody>
-          <a:bodyPr rtlCol="0" anchor="ctr"/>
-          <a:lstStyle/>
-          <a:p>
-            <a:pPr algn="ctr"/>
-            <a:endParaRPr lang="en-AU"/>
-          </a:p>
-        </p:txBody>
-      </p:sp>
       <p:grpSp>
         <p:nvGrpSpPr>
           <p:cNvPr id="164" name="Group 163">
@@ -9936,2364 +9884,6 @@
             <a:p>
               <a:pPr algn="ctr"/>
               <a:endParaRPr lang="en-AU"/>
-            </a:p>
-          </p:txBody>
-        </p:sp>
-      </p:grpSp>
-      <p:grpSp>
-        <p:nvGrpSpPr>
-          <p:cNvPr id="10" name="Group 9">
-            <a:extLst>
-              <a:ext uri="{FF2B5EF4-FFF2-40B4-BE49-F238E27FC236}">
-                <a16:creationId xmlns:a16="http://schemas.microsoft.com/office/drawing/2014/main" id="{4289CC41-B567-47C5-BAA7-AED0D2CCF457}"/>
-              </a:ext>
-            </a:extLst>
-          </p:cNvPr>
-          <p:cNvGrpSpPr/>
-          <p:nvPr/>
-        </p:nvGrpSpPr>
-        <p:grpSpPr>
-          <a:xfrm>
-            <a:off x="8515882" y="3946321"/>
-            <a:ext cx="2576682" cy="3076030"/>
-            <a:chOff x="-190416" y="4525314"/>
-            <a:chExt cx="2576682" cy="3076030"/>
-          </a:xfrm>
-        </p:grpSpPr>
-        <p:sp>
-          <p:nvSpPr>
-            <p:cNvPr id="158" name="TextBox 157">
-              <a:extLst>
-                <a:ext uri="{FF2B5EF4-FFF2-40B4-BE49-F238E27FC236}">
-                  <a16:creationId xmlns:a16="http://schemas.microsoft.com/office/drawing/2014/main" id="{D9F91EA9-CF8D-47F8-8A1E-DCB49ECCE104}"/>
-                </a:ext>
-              </a:extLst>
-            </p:cNvPr>
-            <p:cNvSpPr txBox="1"/>
-            <p:nvPr/>
-          </p:nvSpPr>
-          <p:spPr>
-            <a:xfrm>
-              <a:off x="1260358" y="5477685"/>
-              <a:ext cx="319327" cy="2123658"/>
-            </a:xfrm>
-            <a:prstGeom prst="rect">
-              <a:avLst/>
-            </a:prstGeom>
-            <a:noFill/>
-          </p:spPr>
-          <p:txBody>
-            <a:bodyPr wrap="square" rtlCol="0">
-              <a:spAutoFit/>
-            </a:bodyPr>
-            <a:lstStyle/>
-            <a:p>
-              <a:pPr algn="r"/>
-              <a:r>
-                <a:rPr lang="en-AU" sz="2200" dirty="0"/>
-                <a:t>1</a:t>
-              </a:r>
-            </a:p>
-            <a:p>
-              <a:pPr algn="r"/>
-              <a:r>
-                <a:rPr lang="en-US" sz="2200" dirty="0"/>
-                <a:t>2</a:t>
-              </a:r>
-              <a:endParaRPr lang="en-AU" sz="2200" dirty="0"/>
-            </a:p>
-            <a:p>
-              <a:pPr algn="r"/>
-              <a:r>
-                <a:rPr lang="en-US" sz="2200" dirty="0"/>
-                <a:t>3</a:t>
-              </a:r>
-              <a:endParaRPr lang="en-AU" sz="2200" dirty="0"/>
-            </a:p>
-            <a:p>
-              <a:pPr algn="r"/>
-              <a:r>
-                <a:rPr lang="en-US" sz="2200" dirty="0"/>
-                <a:t>4</a:t>
-              </a:r>
-              <a:endParaRPr lang="en-AU" sz="2200" dirty="0"/>
-            </a:p>
-            <a:p>
-              <a:pPr algn="r"/>
-              <a:r>
-                <a:rPr lang="en-US" sz="2200" dirty="0"/>
-                <a:t>5</a:t>
-              </a:r>
-              <a:endParaRPr lang="en-AU" sz="2200" dirty="0"/>
-            </a:p>
-            <a:p>
-              <a:pPr algn="r"/>
-              <a:r>
-                <a:rPr lang="en-US" sz="2200" dirty="0"/>
-                <a:t>6</a:t>
-              </a:r>
-              <a:endParaRPr lang="en-AU" sz="2200" dirty="0"/>
-            </a:p>
-          </p:txBody>
-        </p:sp>
-        <p:sp>
-          <p:nvSpPr>
-            <p:cNvPr id="76" name="TextBox 75">
-              <a:extLst>
-                <a:ext uri="{FF2B5EF4-FFF2-40B4-BE49-F238E27FC236}">
-                  <a16:creationId xmlns:a16="http://schemas.microsoft.com/office/drawing/2014/main" id="{0D303BDD-EDD9-418C-8FD6-84E8B22E048B}"/>
-                </a:ext>
-              </a:extLst>
-            </p:cNvPr>
-            <p:cNvSpPr txBox="1"/>
-            <p:nvPr/>
-          </p:nvSpPr>
-          <p:spPr>
-            <a:xfrm rot="16200000">
-              <a:off x="1525296" y="4616843"/>
-              <a:ext cx="952499" cy="769441"/>
-            </a:xfrm>
-            <a:prstGeom prst="rect">
-              <a:avLst/>
-            </a:prstGeom>
-            <a:noFill/>
-          </p:spPr>
-          <p:txBody>
-            <a:bodyPr wrap="square" rtlCol="0">
-              <a:spAutoFit/>
-            </a:bodyPr>
-            <a:lstStyle/>
-            <a:p>
-              <a:r>
-                <a:rPr lang="en-AU" sz="2200" dirty="0"/>
-                <a:t>task 1</a:t>
-              </a:r>
-            </a:p>
-            <a:p>
-              <a:r>
-                <a:rPr lang="en-AU" sz="2200" dirty="0"/>
-                <a:t>task 2</a:t>
-              </a:r>
-            </a:p>
-          </p:txBody>
-        </p:sp>
-        <p:sp>
-          <p:nvSpPr>
-            <p:cNvPr id="80" name="TextBox 79">
-              <a:extLst>
-                <a:ext uri="{FF2B5EF4-FFF2-40B4-BE49-F238E27FC236}">
-                  <a16:creationId xmlns:a16="http://schemas.microsoft.com/office/drawing/2014/main" id="{5C345D2A-8F5E-414E-B59C-D8BBF94738F1}"/>
-                </a:ext>
-              </a:extLst>
-            </p:cNvPr>
-            <p:cNvSpPr txBox="1"/>
-            <p:nvPr/>
-          </p:nvSpPr>
-          <p:spPr>
-            <a:xfrm>
-              <a:off x="-190416" y="4687590"/>
-              <a:ext cx="1805816" cy="769441"/>
-            </a:xfrm>
-            <a:prstGeom prst="rect">
-              <a:avLst/>
-            </a:prstGeom>
-            <a:noFill/>
-          </p:spPr>
-          <p:txBody>
-            <a:bodyPr wrap="square" rtlCol="0">
-              <a:spAutoFit/>
-            </a:bodyPr>
-            <a:lstStyle/>
-            <a:p>
-              <a:pPr algn="r"/>
-              <a:r>
-                <a:rPr lang="en-AU" sz="2200" dirty="0"/>
-                <a:t>VC order</a:t>
-              </a:r>
-            </a:p>
-            <a:p>
-              <a:pPr algn="r"/>
-              <a:r>
-                <a:rPr lang="en-AU" sz="2200" dirty="0"/>
-                <a:t>permutations</a:t>
-              </a:r>
-            </a:p>
-          </p:txBody>
-        </p:sp>
-        <p:cxnSp>
-          <p:nvCxnSpPr>
-            <p:cNvPr id="82" name="Straight Connector 81">
-              <a:extLst>
-                <a:ext uri="{FF2B5EF4-FFF2-40B4-BE49-F238E27FC236}">
-                  <a16:creationId xmlns:a16="http://schemas.microsoft.com/office/drawing/2014/main" id="{13A95C91-AB38-46AB-BD46-6DD2F90BCC65}"/>
-                </a:ext>
-              </a:extLst>
-            </p:cNvPr>
-            <p:cNvCxnSpPr>
-              <a:cxnSpLocks/>
-            </p:cNvCxnSpPr>
-            <p:nvPr/>
-          </p:nvCxnSpPr>
-          <p:spPr>
-            <a:xfrm>
-              <a:off x="-31935" y="5477685"/>
-              <a:ext cx="2336163" cy="0"/>
-            </a:xfrm>
-            <a:prstGeom prst="line">
-              <a:avLst/>
-            </a:prstGeom>
-            <a:ln w="28575">
-              <a:solidFill>
-                <a:schemeClr val="tx1"/>
-              </a:solidFill>
-            </a:ln>
-          </p:spPr>
-          <p:style>
-            <a:lnRef idx="1">
-              <a:schemeClr val="accent1"/>
-            </a:lnRef>
-            <a:fillRef idx="0">
-              <a:schemeClr val="accent1"/>
-            </a:fillRef>
-            <a:effectRef idx="0">
-              <a:schemeClr val="accent1"/>
-            </a:effectRef>
-            <a:fontRef idx="minor">
-              <a:schemeClr val="tx1"/>
-            </a:fontRef>
-          </p:style>
-        </p:cxnSp>
-        <p:cxnSp>
-          <p:nvCxnSpPr>
-            <p:cNvPr id="92" name="Straight Connector 91">
-              <a:extLst>
-                <a:ext uri="{FF2B5EF4-FFF2-40B4-BE49-F238E27FC236}">
-                  <a16:creationId xmlns:a16="http://schemas.microsoft.com/office/drawing/2014/main" id="{C3BE3117-2E59-4345-8BA3-8C4D57EF04D5}"/>
-                </a:ext>
-              </a:extLst>
-            </p:cNvPr>
-            <p:cNvCxnSpPr>
-              <a:cxnSpLocks/>
-            </p:cNvCxnSpPr>
-            <p:nvPr/>
-          </p:nvCxnSpPr>
-          <p:spPr>
-            <a:xfrm flipV="1">
-              <a:off x="1579685" y="4717656"/>
-              <a:ext cx="25901" cy="2883688"/>
-            </a:xfrm>
-            <a:prstGeom prst="line">
-              <a:avLst/>
-            </a:prstGeom>
-            <a:ln w="28575">
-              <a:solidFill>
-                <a:schemeClr val="tx1"/>
-              </a:solidFill>
-            </a:ln>
-          </p:spPr>
-          <p:style>
-            <a:lnRef idx="1">
-              <a:schemeClr val="accent1"/>
-            </a:lnRef>
-            <a:fillRef idx="0">
-              <a:schemeClr val="accent1"/>
-            </a:fillRef>
-            <a:effectRef idx="0">
-              <a:schemeClr val="accent1"/>
-            </a:effectRef>
-            <a:fontRef idx="minor">
-              <a:schemeClr val="tx1"/>
-            </a:fontRef>
-          </p:style>
-        </p:cxnSp>
-        <p:sp>
-          <p:nvSpPr>
-            <p:cNvPr id="93" name="Rectangle: Rounded Corners 92">
-              <a:extLst>
-                <a:ext uri="{FF2B5EF4-FFF2-40B4-BE49-F238E27FC236}">
-                  <a16:creationId xmlns:a16="http://schemas.microsoft.com/office/drawing/2014/main" id="{76D178BB-DE9E-45BC-BA4B-E54A892C8DBF}"/>
-                </a:ext>
-              </a:extLst>
-            </p:cNvPr>
-            <p:cNvSpPr/>
-            <p:nvPr/>
-          </p:nvSpPr>
-          <p:spPr>
-            <a:xfrm>
-              <a:off x="1656912" y="5533108"/>
-              <a:ext cx="288000" cy="288000"/>
-            </a:xfrm>
-            <a:prstGeom prst="roundRect">
-              <a:avLst/>
-            </a:prstGeom>
-            <a:solidFill>
-              <a:srgbClr val="7030A0"/>
-            </a:solidFill>
-            <a:ln>
-              <a:solidFill>
-                <a:schemeClr val="tx1"/>
-              </a:solidFill>
-            </a:ln>
-          </p:spPr>
-          <p:style>
-            <a:lnRef idx="2">
-              <a:schemeClr val="accent2">
-                <a:shade val="50000"/>
-              </a:schemeClr>
-            </a:lnRef>
-            <a:fillRef idx="1">
-              <a:schemeClr val="accent2"/>
-            </a:fillRef>
-            <a:effectRef idx="0">
-              <a:schemeClr val="accent2"/>
-            </a:effectRef>
-            <a:fontRef idx="minor">
-              <a:schemeClr val="lt1"/>
-            </a:fontRef>
-          </p:style>
-          <p:txBody>
-            <a:bodyPr rtlCol="0" anchor="ctr"/>
-            <a:lstStyle/>
-            <a:p>
-              <a:pPr algn="ctr"/>
-              <a:r>
-                <a:rPr lang="en-US" sz="2200" dirty="0"/>
-                <a:t>1</a:t>
-              </a:r>
-              <a:endParaRPr lang="en-AU" sz="2200" dirty="0"/>
-            </a:p>
-          </p:txBody>
-        </p:sp>
-        <p:sp>
-          <p:nvSpPr>
-            <p:cNvPr id="126" name="Rectangle: Rounded Corners 125">
-              <a:extLst>
-                <a:ext uri="{FF2B5EF4-FFF2-40B4-BE49-F238E27FC236}">
-                  <a16:creationId xmlns:a16="http://schemas.microsoft.com/office/drawing/2014/main" id="{B88928B6-E9E6-4AD0-8785-5F00BD5AC109}"/>
-                </a:ext>
-              </a:extLst>
-            </p:cNvPr>
-            <p:cNvSpPr/>
-            <p:nvPr/>
-          </p:nvSpPr>
-          <p:spPr>
-            <a:xfrm>
-              <a:off x="1302138" y="5852662"/>
-              <a:ext cx="1022129" cy="349319"/>
-            </a:xfrm>
-            <a:prstGeom prst="roundRect">
-              <a:avLst/>
-            </a:prstGeom>
-            <a:noFill/>
-            <a:ln w="28575">
-              <a:solidFill>
-                <a:srgbClr val="FF0000"/>
-              </a:solidFill>
-            </a:ln>
-          </p:spPr>
-          <p:style>
-            <a:lnRef idx="2">
-              <a:schemeClr val="accent1">
-                <a:shade val="50000"/>
-              </a:schemeClr>
-            </a:lnRef>
-            <a:fillRef idx="1">
-              <a:schemeClr val="accent1"/>
-            </a:fillRef>
-            <a:effectRef idx="0">
-              <a:schemeClr val="accent1"/>
-            </a:effectRef>
-            <a:fontRef idx="minor">
-              <a:schemeClr val="lt1"/>
-            </a:fontRef>
-          </p:style>
-          <p:txBody>
-            <a:bodyPr rtlCol="0" anchor="ctr"/>
-            <a:lstStyle/>
-            <a:p>
-              <a:pPr algn="ctr"/>
-              <a:endParaRPr lang="en-AU"/>
-            </a:p>
-          </p:txBody>
-        </p:sp>
-        <p:sp>
-          <p:nvSpPr>
-            <p:cNvPr id="129" name="Rectangle: Rounded Corners 128">
-              <a:extLst>
-                <a:ext uri="{FF2B5EF4-FFF2-40B4-BE49-F238E27FC236}">
-                  <a16:creationId xmlns:a16="http://schemas.microsoft.com/office/drawing/2014/main" id="{4B47D703-5C8D-4C1C-A636-8926D8B72C91}"/>
-                </a:ext>
-              </a:extLst>
-            </p:cNvPr>
-            <p:cNvSpPr/>
-            <p:nvPr/>
-          </p:nvSpPr>
-          <p:spPr>
-            <a:xfrm>
-              <a:off x="1994428" y="5533108"/>
-              <a:ext cx="288000" cy="288000"/>
-            </a:xfrm>
-            <a:prstGeom prst="roundRect">
-              <a:avLst/>
-            </a:prstGeom>
-            <a:solidFill>
-              <a:schemeClr val="accent6">
-                <a:lumMod val="75000"/>
-              </a:schemeClr>
-            </a:solidFill>
-            <a:ln>
-              <a:solidFill>
-                <a:schemeClr val="tx1"/>
-              </a:solidFill>
-            </a:ln>
-          </p:spPr>
-          <p:style>
-            <a:lnRef idx="2">
-              <a:schemeClr val="accent1">
-                <a:shade val="50000"/>
-              </a:schemeClr>
-            </a:lnRef>
-            <a:fillRef idx="1">
-              <a:schemeClr val="accent1"/>
-            </a:fillRef>
-            <a:effectRef idx="0">
-              <a:schemeClr val="accent1"/>
-            </a:effectRef>
-            <a:fontRef idx="minor">
-              <a:schemeClr val="lt1"/>
-            </a:fontRef>
-          </p:style>
-          <p:txBody>
-            <a:bodyPr rtlCol="0" anchor="ctr"/>
-            <a:lstStyle/>
-            <a:p>
-              <a:pPr algn="ctr"/>
-              <a:r>
-                <a:rPr lang="en-US" sz="2200" dirty="0"/>
-                <a:t>2</a:t>
-              </a:r>
-              <a:endParaRPr lang="en-AU" sz="2200" dirty="0"/>
-            </a:p>
-          </p:txBody>
-        </p:sp>
-        <p:sp>
-          <p:nvSpPr>
-            <p:cNvPr id="130" name="Rectangle: Rounded Corners 129">
-              <a:extLst>
-                <a:ext uri="{FF2B5EF4-FFF2-40B4-BE49-F238E27FC236}">
-                  <a16:creationId xmlns:a16="http://schemas.microsoft.com/office/drawing/2014/main" id="{C19BD0F0-EACA-4582-A8C6-3D6622A974AB}"/>
-                </a:ext>
-              </a:extLst>
-            </p:cNvPr>
-            <p:cNvSpPr/>
-            <p:nvPr/>
-          </p:nvSpPr>
-          <p:spPr>
-            <a:xfrm>
-              <a:off x="1990294" y="5887711"/>
-              <a:ext cx="288000" cy="288000"/>
-            </a:xfrm>
-            <a:prstGeom prst="roundRect">
-              <a:avLst/>
-            </a:prstGeom>
-            <a:solidFill>
-              <a:srgbClr val="C00000"/>
-            </a:solidFill>
-            <a:ln>
-              <a:solidFill>
-                <a:schemeClr val="tx1"/>
-              </a:solidFill>
-            </a:ln>
-          </p:spPr>
-          <p:style>
-            <a:lnRef idx="2">
-              <a:schemeClr val="accent1">
-                <a:shade val="50000"/>
-              </a:schemeClr>
-            </a:lnRef>
-            <a:fillRef idx="1">
-              <a:schemeClr val="accent1"/>
-            </a:fillRef>
-            <a:effectRef idx="0">
-              <a:schemeClr val="accent1"/>
-            </a:effectRef>
-            <a:fontRef idx="minor">
-              <a:schemeClr val="lt1"/>
-            </a:fontRef>
-          </p:style>
-          <p:txBody>
-            <a:bodyPr rtlCol="0" anchor="ctr"/>
-            <a:lstStyle/>
-            <a:p>
-              <a:pPr algn="ctr"/>
-              <a:r>
-                <a:rPr lang="en-US" sz="2200" dirty="0"/>
-                <a:t>3</a:t>
-              </a:r>
-              <a:endParaRPr lang="en-AU" sz="2200" dirty="0"/>
-            </a:p>
-          </p:txBody>
-        </p:sp>
-        <p:sp>
-          <p:nvSpPr>
-            <p:cNvPr id="142" name="Rectangle: Rounded Corners 141">
-              <a:extLst>
-                <a:ext uri="{FF2B5EF4-FFF2-40B4-BE49-F238E27FC236}">
-                  <a16:creationId xmlns:a16="http://schemas.microsoft.com/office/drawing/2014/main" id="{61FAA038-F081-419A-A58B-97E2FD175B23}"/>
-                </a:ext>
-              </a:extLst>
-            </p:cNvPr>
-            <p:cNvSpPr/>
-            <p:nvPr/>
-          </p:nvSpPr>
-          <p:spPr>
-            <a:xfrm>
-              <a:off x="1652836" y="5887711"/>
-              <a:ext cx="288000" cy="288000"/>
-            </a:xfrm>
-            <a:prstGeom prst="roundRect">
-              <a:avLst/>
-            </a:prstGeom>
-            <a:solidFill>
-              <a:srgbClr val="7030A0"/>
-            </a:solidFill>
-            <a:ln>
-              <a:solidFill>
-                <a:schemeClr val="tx1"/>
-              </a:solidFill>
-            </a:ln>
-          </p:spPr>
-          <p:style>
-            <a:lnRef idx="2">
-              <a:schemeClr val="accent2">
-                <a:shade val="50000"/>
-              </a:schemeClr>
-            </a:lnRef>
-            <a:fillRef idx="1">
-              <a:schemeClr val="accent2"/>
-            </a:fillRef>
-            <a:effectRef idx="0">
-              <a:schemeClr val="accent2"/>
-            </a:effectRef>
-            <a:fontRef idx="minor">
-              <a:schemeClr val="lt1"/>
-            </a:fontRef>
-          </p:style>
-          <p:txBody>
-            <a:bodyPr rtlCol="0" anchor="ctr"/>
-            <a:lstStyle/>
-            <a:p>
-              <a:pPr algn="ctr"/>
-              <a:r>
-                <a:rPr lang="en-US" sz="2200" dirty="0"/>
-                <a:t>1</a:t>
-              </a:r>
-              <a:endParaRPr lang="en-AU" sz="2200" dirty="0"/>
-            </a:p>
-          </p:txBody>
-        </p:sp>
-        <p:sp>
-          <p:nvSpPr>
-            <p:cNvPr id="143" name="Rectangle: Rounded Corners 142">
-              <a:extLst>
-                <a:ext uri="{FF2B5EF4-FFF2-40B4-BE49-F238E27FC236}">
-                  <a16:creationId xmlns:a16="http://schemas.microsoft.com/office/drawing/2014/main" id="{24B97B35-E344-4BC5-AE5D-FC23EADE79B4}"/>
-                </a:ext>
-              </a:extLst>
-            </p:cNvPr>
-            <p:cNvSpPr/>
-            <p:nvPr/>
-          </p:nvSpPr>
-          <p:spPr>
-            <a:xfrm>
-              <a:off x="1657892" y="6228661"/>
-              <a:ext cx="288000" cy="288000"/>
-            </a:xfrm>
-            <a:prstGeom prst="roundRect">
-              <a:avLst/>
-            </a:prstGeom>
-            <a:solidFill>
-              <a:schemeClr val="accent6">
-                <a:lumMod val="75000"/>
-              </a:schemeClr>
-            </a:solidFill>
-            <a:ln>
-              <a:solidFill>
-                <a:schemeClr val="tx1"/>
-              </a:solidFill>
-            </a:ln>
-          </p:spPr>
-          <p:style>
-            <a:lnRef idx="2">
-              <a:schemeClr val="accent1">
-                <a:shade val="50000"/>
-              </a:schemeClr>
-            </a:lnRef>
-            <a:fillRef idx="1">
-              <a:schemeClr val="accent1"/>
-            </a:fillRef>
-            <a:effectRef idx="0">
-              <a:schemeClr val="accent1"/>
-            </a:effectRef>
-            <a:fontRef idx="minor">
-              <a:schemeClr val="lt1"/>
-            </a:fontRef>
-          </p:style>
-          <p:txBody>
-            <a:bodyPr rtlCol="0" anchor="ctr"/>
-            <a:lstStyle/>
-            <a:p>
-              <a:pPr algn="ctr"/>
-              <a:r>
-                <a:rPr lang="en-US" sz="2200" dirty="0"/>
-                <a:t>2</a:t>
-              </a:r>
-              <a:endParaRPr lang="en-AU" sz="2200" dirty="0"/>
-            </a:p>
-          </p:txBody>
-        </p:sp>
-        <p:sp>
-          <p:nvSpPr>
-            <p:cNvPr id="144" name="Rectangle: Rounded Corners 143">
-              <a:extLst>
-                <a:ext uri="{FF2B5EF4-FFF2-40B4-BE49-F238E27FC236}">
-                  <a16:creationId xmlns:a16="http://schemas.microsoft.com/office/drawing/2014/main" id="{3AFF2609-55EC-4AE0-9230-642506CFB49E}"/>
-                </a:ext>
-              </a:extLst>
-            </p:cNvPr>
-            <p:cNvSpPr/>
-            <p:nvPr/>
-          </p:nvSpPr>
-          <p:spPr>
-            <a:xfrm>
-              <a:off x="1657261" y="6550561"/>
-              <a:ext cx="288000" cy="288000"/>
-            </a:xfrm>
-            <a:prstGeom prst="roundRect">
-              <a:avLst/>
-            </a:prstGeom>
-            <a:solidFill>
-              <a:schemeClr val="accent6">
-                <a:lumMod val="75000"/>
-              </a:schemeClr>
-            </a:solidFill>
-            <a:ln>
-              <a:solidFill>
-                <a:schemeClr val="tx1"/>
-              </a:solidFill>
-            </a:ln>
-          </p:spPr>
-          <p:style>
-            <a:lnRef idx="2">
-              <a:schemeClr val="accent1">
-                <a:shade val="50000"/>
-              </a:schemeClr>
-            </a:lnRef>
-            <a:fillRef idx="1">
-              <a:schemeClr val="accent1"/>
-            </a:fillRef>
-            <a:effectRef idx="0">
-              <a:schemeClr val="accent1"/>
-            </a:effectRef>
-            <a:fontRef idx="minor">
-              <a:schemeClr val="lt1"/>
-            </a:fontRef>
-          </p:style>
-          <p:txBody>
-            <a:bodyPr rtlCol="0" anchor="ctr"/>
-            <a:lstStyle/>
-            <a:p>
-              <a:pPr algn="ctr"/>
-              <a:r>
-                <a:rPr lang="en-US" sz="2200" dirty="0"/>
-                <a:t>2</a:t>
-              </a:r>
-              <a:endParaRPr lang="en-AU" sz="2200" dirty="0"/>
-            </a:p>
-          </p:txBody>
-        </p:sp>
-        <p:sp>
-          <p:nvSpPr>
-            <p:cNvPr id="146" name="Rectangle: Rounded Corners 145">
-              <a:extLst>
-                <a:ext uri="{FF2B5EF4-FFF2-40B4-BE49-F238E27FC236}">
-                  <a16:creationId xmlns:a16="http://schemas.microsoft.com/office/drawing/2014/main" id="{381F1431-E1C6-45B2-B6AE-ED9C169F22BA}"/>
-                </a:ext>
-              </a:extLst>
-            </p:cNvPr>
-            <p:cNvSpPr/>
-            <p:nvPr/>
-          </p:nvSpPr>
-          <p:spPr>
-            <a:xfrm>
-              <a:off x="1652836" y="6885663"/>
-              <a:ext cx="288000" cy="288000"/>
-            </a:xfrm>
-            <a:prstGeom prst="roundRect">
-              <a:avLst/>
-            </a:prstGeom>
-            <a:solidFill>
-              <a:srgbClr val="C00000"/>
-            </a:solidFill>
-            <a:ln>
-              <a:solidFill>
-                <a:schemeClr val="tx1"/>
-              </a:solidFill>
-            </a:ln>
-          </p:spPr>
-          <p:style>
-            <a:lnRef idx="2">
-              <a:schemeClr val="accent1">
-                <a:shade val="50000"/>
-              </a:schemeClr>
-            </a:lnRef>
-            <a:fillRef idx="1">
-              <a:schemeClr val="accent1"/>
-            </a:fillRef>
-            <a:effectRef idx="0">
-              <a:schemeClr val="accent1"/>
-            </a:effectRef>
-            <a:fontRef idx="minor">
-              <a:schemeClr val="lt1"/>
-            </a:fontRef>
-          </p:style>
-          <p:txBody>
-            <a:bodyPr rtlCol="0" anchor="ctr"/>
-            <a:lstStyle/>
-            <a:p>
-              <a:pPr algn="ctr"/>
-              <a:r>
-                <a:rPr lang="en-US" sz="2200" dirty="0"/>
-                <a:t>3</a:t>
-              </a:r>
-              <a:endParaRPr lang="en-AU" sz="2200" dirty="0"/>
-            </a:p>
-          </p:txBody>
-        </p:sp>
-        <p:sp>
-          <p:nvSpPr>
-            <p:cNvPr id="148" name="Rectangle: Rounded Corners 147">
-              <a:extLst>
-                <a:ext uri="{FF2B5EF4-FFF2-40B4-BE49-F238E27FC236}">
-                  <a16:creationId xmlns:a16="http://schemas.microsoft.com/office/drawing/2014/main" id="{C44E3078-E253-43A6-BF3A-E239B496977F}"/>
-                </a:ext>
-              </a:extLst>
-            </p:cNvPr>
-            <p:cNvSpPr/>
-            <p:nvPr/>
-          </p:nvSpPr>
-          <p:spPr>
-            <a:xfrm>
-              <a:off x="1652833" y="7229919"/>
-              <a:ext cx="288000" cy="288000"/>
-            </a:xfrm>
-            <a:prstGeom prst="roundRect">
-              <a:avLst/>
-            </a:prstGeom>
-            <a:solidFill>
-              <a:srgbClr val="C00000"/>
-            </a:solidFill>
-            <a:ln>
-              <a:solidFill>
-                <a:schemeClr val="tx1"/>
-              </a:solidFill>
-            </a:ln>
-          </p:spPr>
-          <p:style>
-            <a:lnRef idx="2">
-              <a:schemeClr val="accent1">
-                <a:shade val="50000"/>
-              </a:schemeClr>
-            </a:lnRef>
-            <a:fillRef idx="1">
-              <a:schemeClr val="accent1"/>
-            </a:fillRef>
-            <a:effectRef idx="0">
-              <a:schemeClr val="accent1"/>
-            </a:effectRef>
-            <a:fontRef idx="minor">
-              <a:schemeClr val="lt1"/>
-            </a:fontRef>
-          </p:style>
-          <p:txBody>
-            <a:bodyPr rtlCol="0" anchor="ctr"/>
-            <a:lstStyle/>
-            <a:p>
-              <a:pPr algn="ctr"/>
-              <a:r>
-                <a:rPr lang="en-US" sz="2200" dirty="0"/>
-                <a:t>3</a:t>
-              </a:r>
-              <a:endParaRPr lang="en-AU" sz="2200" dirty="0"/>
-            </a:p>
-          </p:txBody>
-        </p:sp>
-        <p:sp>
-          <p:nvSpPr>
-            <p:cNvPr id="150" name="Rectangle: Rounded Corners 149">
-              <a:extLst>
-                <a:ext uri="{FF2B5EF4-FFF2-40B4-BE49-F238E27FC236}">
-                  <a16:creationId xmlns:a16="http://schemas.microsoft.com/office/drawing/2014/main" id="{3DC8D0EA-DBF3-42AC-9D8B-26982FFCB0BC}"/>
-                </a:ext>
-              </a:extLst>
-            </p:cNvPr>
-            <p:cNvSpPr/>
-            <p:nvPr/>
-          </p:nvSpPr>
-          <p:spPr>
-            <a:xfrm>
-              <a:off x="1998198" y="6222311"/>
-              <a:ext cx="288000" cy="288000"/>
-            </a:xfrm>
-            <a:prstGeom prst="roundRect">
-              <a:avLst/>
-            </a:prstGeom>
-            <a:solidFill>
-              <a:srgbClr val="C00000"/>
-            </a:solidFill>
-            <a:ln>
-              <a:solidFill>
-                <a:schemeClr val="tx1"/>
-              </a:solidFill>
-            </a:ln>
-          </p:spPr>
-          <p:style>
-            <a:lnRef idx="2">
-              <a:schemeClr val="accent1">
-                <a:shade val="50000"/>
-              </a:schemeClr>
-            </a:lnRef>
-            <a:fillRef idx="1">
-              <a:schemeClr val="accent1"/>
-            </a:fillRef>
-            <a:effectRef idx="0">
-              <a:schemeClr val="accent1"/>
-            </a:effectRef>
-            <a:fontRef idx="minor">
-              <a:schemeClr val="lt1"/>
-            </a:fontRef>
-          </p:style>
-          <p:txBody>
-            <a:bodyPr rtlCol="0" anchor="ctr"/>
-            <a:lstStyle/>
-            <a:p>
-              <a:pPr algn="ctr"/>
-              <a:r>
-                <a:rPr lang="en-US" sz="2200" dirty="0"/>
-                <a:t>3</a:t>
-              </a:r>
-              <a:endParaRPr lang="en-AU" sz="2200" dirty="0"/>
-            </a:p>
-          </p:txBody>
-        </p:sp>
-        <p:sp>
-          <p:nvSpPr>
-            <p:cNvPr id="151" name="Rectangle: Rounded Corners 150">
-              <a:extLst>
-                <a:ext uri="{FF2B5EF4-FFF2-40B4-BE49-F238E27FC236}">
-                  <a16:creationId xmlns:a16="http://schemas.microsoft.com/office/drawing/2014/main" id="{E020CA3D-5BF6-412A-A68C-C36DE314525E}"/>
-                </a:ext>
-              </a:extLst>
-            </p:cNvPr>
-            <p:cNvSpPr/>
-            <p:nvPr/>
-          </p:nvSpPr>
-          <p:spPr>
-            <a:xfrm>
-              <a:off x="2001254" y="6550561"/>
-              <a:ext cx="288000" cy="288000"/>
-            </a:xfrm>
-            <a:prstGeom prst="roundRect">
-              <a:avLst/>
-            </a:prstGeom>
-            <a:solidFill>
-              <a:srgbClr val="7030A0"/>
-            </a:solidFill>
-            <a:ln>
-              <a:solidFill>
-                <a:schemeClr val="tx1"/>
-              </a:solidFill>
-            </a:ln>
-          </p:spPr>
-          <p:style>
-            <a:lnRef idx="2">
-              <a:schemeClr val="accent2">
-                <a:shade val="50000"/>
-              </a:schemeClr>
-            </a:lnRef>
-            <a:fillRef idx="1">
-              <a:schemeClr val="accent2"/>
-            </a:fillRef>
-            <a:effectRef idx="0">
-              <a:schemeClr val="accent2"/>
-            </a:effectRef>
-            <a:fontRef idx="minor">
-              <a:schemeClr val="lt1"/>
-            </a:fontRef>
-          </p:style>
-          <p:txBody>
-            <a:bodyPr rtlCol="0" anchor="ctr"/>
-            <a:lstStyle/>
-            <a:p>
-              <a:pPr algn="ctr"/>
-              <a:r>
-                <a:rPr lang="en-US" sz="2200" dirty="0"/>
-                <a:t>1</a:t>
-              </a:r>
-              <a:endParaRPr lang="en-AU" sz="2200" dirty="0"/>
-            </a:p>
-          </p:txBody>
-        </p:sp>
-        <p:sp>
-          <p:nvSpPr>
-            <p:cNvPr id="153" name="Rectangle: Rounded Corners 152">
-              <a:extLst>
-                <a:ext uri="{FF2B5EF4-FFF2-40B4-BE49-F238E27FC236}">
-                  <a16:creationId xmlns:a16="http://schemas.microsoft.com/office/drawing/2014/main" id="{65F9AD18-D85E-4B33-85D2-2F46E7C6EBB6}"/>
-                </a:ext>
-              </a:extLst>
-            </p:cNvPr>
-            <p:cNvSpPr/>
-            <p:nvPr/>
-          </p:nvSpPr>
-          <p:spPr>
-            <a:xfrm>
-              <a:off x="2001457" y="6885663"/>
-              <a:ext cx="288000" cy="288000"/>
-            </a:xfrm>
-            <a:prstGeom prst="roundRect">
-              <a:avLst/>
-            </a:prstGeom>
-            <a:solidFill>
-              <a:srgbClr val="7030A0"/>
-            </a:solidFill>
-            <a:ln>
-              <a:solidFill>
-                <a:schemeClr val="tx1"/>
-              </a:solidFill>
-            </a:ln>
-          </p:spPr>
-          <p:style>
-            <a:lnRef idx="2">
-              <a:schemeClr val="accent2">
-                <a:shade val="50000"/>
-              </a:schemeClr>
-            </a:lnRef>
-            <a:fillRef idx="1">
-              <a:schemeClr val="accent2"/>
-            </a:fillRef>
-            <a:effectRef idx="0">
-              <a:schemeClr val="accent2"/>
-            </a:effectRef>
-            <a:fontRef idx="minor">
-              <a:schemeClr val="lt1"/>
-            </a:fontRef>
-          </p:style>
-          <p:txBody>
-            <a:bodyPr rtlCol="0" anchor="ctr"/>
-            <a:lstStyle/>
-            <a:p>
-              <a:pPr algn="ctr"/>
-              <a:r>
-                <a:rPr lang="en-US" sz="2200" dirty="0"/>
-                <a:t>1</a:t>
-              </a:r>
-              <a:endParaRPr lang="en-AU" sz="2200" dirty="0"/>
-            </a:p>
-          </p:txBody>
-        </p:sp>
-        <p:sp>
-          <p:nvSpPr>
-            <p:cNvPr id="154" name="Rectangle: Rounded Corners 153">
-              <a:extLst>
-                <a:ext uri="{FF2B5EF4-FFF2-40B4-BE49-F238E27FC236}">
-                  <a16:creationId xmlns:a16="http://schemas.microsoft.com/office/drawing/2014/main" id="{BD819935-11AE-4B48-8502-811D6737D766}"/>
-                </a:ext>
-              </a:extLst>
-            </p:cNvPr>
-            <p:cNvSpPr/>
-            <p:nvPr/>
-          </p:nvSpPr>
-          <p:spPr>
-            <a:xfrm>
-              <a:off x="1998198" y="7232963"/>
-              <a:ext cx="288000" cy="288000"/>
-            </a:xfrm>
-            <a:prstGeom prst="roundRect">
-              <a:avLst/>
-            </a:prstGeom>
-            <a:solidFill>
-              <a:schemeClr val="accent6">
-                <a:lumMod val="75000"/>
-              </a:schemeClr>
-            </a:solidFill>
-            <a:ln>
-              <a:solidFill>
-                <a:schemeClr val="tx1"/>
-              </a:solidFill>
-            </a:ln>
-          </p:spPr>
-          <p:style>
-            <a:lnRef idx="2">
-              <a:schemeClr val="accent1">
-                <a:shade val="50000"/>
-              </a:schemeClr>
-            </a:lnRef>
-            <a:fillRef idx="1">
-              <a:schemeClr val="accent1"/>
-            </a:fillRef>
-            <a:effectRef idx="0">
-              <a:schemeClr val="accent1"/>
-            </a:effectRef>
-            <a:fontRef idx="minor">
-              <a:schemeClr val="lt1"/>
-            </a:fontRef>
-          </p:style>
-          <p:txBody>
-            <a:bodyPr rtlCol="0" anchor="ctr"/>
-            <a:lstStyle/>
-            <a:p>
-              <a:pPr algn="ctr"/>
-              <a:r>
-                <a:rPr lang="en-US" sz="2200" dirty="0"/>
-                <a:t>2</a:t>
-              </a:r>
-              <a:endParaRPr lang="en-AU" sz="2200" dirty="0"/>
-            </a:p>
-          </p:txBody>
-        </p:sp>
-      </p:grpSp>
-      <p:grpSp>
-        <p:nvGrpSpPr>
-          <p:cNvPr id="14" name="Group 13">
-            <a:extLst>
-              <a:ext uri="{FF2B5EF4-FFF2-40B4-BE49-F238E27FC236}">
-                <a16:creationId xmlns:a16="http://schemas.microsoft.com/office/drawing/2014/main" id="{20284854-774D-4C81-8B32-8BFC3C575FB5}"/>
-              </a:ext>
-            </a:extLst>
-          </p:cNvPr>
-          <p:cNvGrpSpPr/>
-          <p:nvPr/>
-        </p:nvGrpSpPr>
-        <p:grpSpPr>
-          <a:xfrm>
-            <a:off x="8562473" y="-404681"/>
-            <a:ext cx="2847351" cy="2451203"/>
-            <a:chOff x="6985632" y="1836062"/>
-            <a:chExt cx="2847351" cy="2451203"/>
-          </a:xfrm>
-        </p:grpSpPr>
-        <p:sp>
-          <p:nvSpPr>
-            <p:cNvPr id="91" name="TextBox 90">
-              <a:extLst>
-                <a:ext uri="{FF2B5EF4-FFF2-40B4-BE49-F238E27FC236}">
-                  <a16:creationId xmlns:a16="http://schemas.microsoft.com/office/drawing/2014/main" id="{A0E36CB6-2D3D-43AF-A2CA-58B1C7AC8DFC}"/>
-                </a:ext>
-              </a:extLst>
-            </p:cNvPr>
-            <p:cNvSpPr txBox="1"/>
-            <p:nvPr/>
-          </p:nvSpPr>
-          <p:spPr>
-            <a:xfrm rot="16200000">
-              <a:off x="8613861" y="1939052"/>
-              <a:ext cx="1313976" cy="1107996"/>
-            </a:xfrm>
-            <a:prstGeom prst="rect">
-              <a:avLst/>
-            </a:prstGeom>
-            <a:noFill/>
-          </p:spPr>
-          <p:txBody>
-            <a:bodyPr wrap="square" rtlCol="0">
-              <a:spAutoFit/>
-            </a:bodyPr>
-            <a:lstStyle/>
-            <a:p>
-              <a:r>
-                <a:rPr lang="en-AU" sz="2200" dirty="0"/>
-                <a:t>Factor 1</a:t>
-              </a:r>
-              <a:endParaRPr lang="en-US" sz="2200" dirty="0"/>
-            </a:p>
-            <a:p>
-              <a:r>
-                <a:rPr lang="en-AU" sz="2200" dirty="0"/>
-                <a:t>Factor 2</a:t>
-              </a:r>
-              <a:endParaRPr lang="en-US" sz="2200" dirty="0"/>
-            </a:p>
-            <a:p>
-              <a:r>
-                <a:rPr lang="en-AU" sz="2200" dirty="0"/>
-                <a:t>Factor 3</a:t>
-              </a:r>
-            </a:p>
-          </p:txBody>
-        </p:sp>
-        <p:sp>
-          <p:nvSpPr>
-            <p:cNvPr id="101" name="TextBox 100">
-              <a:extLst>
-                <a:ext uri="{FF2B5EF4-FFF2-40B4-BE49-F238E27FC236}">
-                  <a16:creationId xmlns:a16="http://schemas.microsoft.com/office/drawing/2014/main" id="{6615A6A0-FC09-46DF-B644-FE09A7D0978B}"/>
-                </a:ext>
-              </a:extLst>
-            </p:cNvPr>
-            <p:cNvSpPr txBox="1"/>
-            <p:nvPr/>
-          </p:nvSpPr>
-          <p:spPr>
-            <a:xfrm>
-              <a:off x="6985632" y="2387103"/>
-              <a:ext cx="1745321" cy="769441"/>
-            </a:xfrm>
-            <a:prstGeom prst="rect">
-              <a:avLst/>
-            </a:prstGeom>
-            <a:noFill/>
-          </p:spPr>
-          <p:txBody>
-            <a:bodyPr wrap="square" rtlCol="0">
-              <a:spAutoFit/>
-            </a:bodyPr>
-            <a:lstStyle/>
-            <a:p>
-              <a:pPr algn="r"/>
-              <a:r>
-                <a:rPr lang="en-AU" sz="2200" dirty="0"/>
-                <a:t>Factor order</a:t>
-              </a:r>
-            </a:p>
-            <a:p>
-              <a:pPr algn="r"/>
-              <a:r>
-                <a:rPr lang="en-AU" sz="2200" dirty="0"/>
-                <a:t>permutations</a:t>
-              </a:r>
-            </a:p>
-          </p:txBody>
-        </p:sp>
-        <p:cxnSp>
-          <p:nvCxnSpPr>
-            <p:cNvPr id="103" name="Straight Connector 102">
-              <a:extLst>
-                <a:ext uri="{FF2B5EF4-FFF2-40B4-BE49-F238E27FC236}">
-                  <a16:creationId xmlns:a16="http://schemas.microsoft.com/office/drawing/2014/main" id="{6A71EBFC-240F-4F7E-81F3-F1F1EB47F1F9}"/>
-                </a:ext>
-              </a:extLst>
-            </p:cNvPr>
-            <p:cNvCxnSpPr>
-              <a:cxnSpLocks/>
-            </p:cNvCxnSpPr>
-            <p:nvPr/>
-          </p:nvCxnSpPr>
-          <p:spPr>
-            <a:xfrm>
-              <a:off x="7097522" y="3169978"/>
-              <a:ext cx="2717068" cy="4223"/>
-            </a:xfrm>
-            <a:prstGeom prst="line">
-              <a:avLst/>
-            </a:prstGeom>
-            <a:ln w="28575">
-              <a:solidFill>
-                <a:schemeClr val="tx1"/>
-              </a:solidFill>
-            </a:ln>
-          </p:spPr>
-          <p:style>
-            <a:lnRef idx="1">
-              <a:schemeClr val="accent1"/>
-            </a:lnRef>
-            <a:fillRef idx="0">
-              <a:schemeClr val="accent1"/>
-            </a:fillRef>
-            <a:effectRef idx="0">
-              <a:schemeClr val="accent1"/>
-            </a:effectRef>
-            <a:fontRef idx="minor">
-              <a:schemeClr val="tx1"/>
-            </a:fontRef>
-          </p:style>
-        </p:cxnSp>
-        <p:cxnSp>
-          <p:nvCxnSpPr>
-            <p:cNvPr id="105" name="Straight Connector 104">
-              <a:extLst>
-                <a:ext uri="{FF2B5EF4-FFF2-40B4-BE49-F238E27FC236}">
-                  <a16:creationId xmlns:a16="http://schemas.microsoft.com/office/drawing/2014/main" id="{CF0D562E-51D1-4BC6-AFAC-1247D4DEEB46}"/>
-                </a:ext>
-              </a:extLst>
-            </p:cNvPr>
-            <p:cNvCxnSpPr>
-              <a:cxnSpLocks/>
-              <a:endCxn id="91" idx="0"/>
-            </p:cNvCxnSpPr>
-            <p:nvPr/>
-          </p:nvCxnSpPr>
-          <p:spPr>
-            <a:xfrm flipV="1">
-              <a:off x="8716851" y="2493050"/>
-              <a:ext cx="0" cy="1794215"/>
-            </a:xfrm>
-            <a:prstGeom prst="line">
-              <a:avLst/>
-            </a:prstGeom>
-            <a:ln w="28575">
-              <a:solidFill>
-                <a:schemeClr val="tx1"/>
-              </a:solidFill>
-            </a:ln>
-          </p:spPr>
-          <p:style>
-            <a:lnRef idx="1">
-              <a:schemeClr val="accent1"/>
-            </a:lnRef>
-            <a:fillRef idx="0">
-              <a:schemeClr val="accent1"/>
-            </a:fillRef>
-            <a:effectRef idx="0">
-              <a:schemeClr val="accent1"/>
-            </a:effectRef>
-            <a:fontRef idx="minor">
-              <a:schemeClr val="tx1"/>
-            </a:fontRef>
-          </p:style>
-        </p:cxnSp>
-        <p:sp>
-          <p:nvSpPr>
-            <p:cNvPr id="108" name="Rectangle: Rounded Corners 107">
-              <a:extLst>
-                <a:ext uri="{FF2B5EF4-FFF2-40B4-BE49-F238E27FC236}">
-                  <a16:creationId xmlns:a16="http://schemas.microsoft.com/office/drawing/2014/main" id="{7E55F61C-0D4A-4947-A1F4-3E5D00D9495A}"/>
-                </a:ext>
-              </a:extLst>
-            </p:cNvPr>
-            <p:cNvSpPr/>
-            <p:nvPr/>
-          </p:nvSpPr>
-          <p:spPr>
-            <a:xfrm>
-              <a:off x="8786456" y="3250471"/>
-              <a:ext cx="288000" cy="287908"/>
-            </a:xfrm>
-            <a:prstGeom prst="roundRect">
-              <a:avLst/>
-            </a:prstGeom>
-            <a:solidFill>
-              <a:srgbClr val="7030A0"/>
-            </a:solidFill>
-            <a:ln>
-              <a:solidFill>
-                <a:schemeClr val="tx1"/>
-              </a:solidFill>
-            </a:ln>
-          </p:spPr>
-          <p:style>
-            <a:lnRef idx="2">
-              <a:schemeClr val="accent2">
-                <a:shade val="50000"/>
-              </a:schemeClr>
-            </a:lnRef>
-            <a:fillRef idx="1">
-              <a:schemeClr val="accent2"/>
-            </a:fillRef>
-            <a:effectRef idx="0">
-              <a:schemeClr val="accent2"/>
-            </a:effectRef>
-            <a:fontRef idx="minor">
-              <a:schemeClr val="lt1"/>
-            </a:fontRef>
-          </p:style>
-          <p:txBody>
-            <a:bodyPr rtlCol="0" anchor="ctr"/>
-            <a:lstStyle/>
-            <a:p>
-              <a:pPr algn="ctr"/>
-              <a:r>
-                <a:rPr lang="en-AU" sz="2200" dirty="0"/>
-                <a:t>P</a:t>
-              </a:r>
-            </a:p>
-          </p:txBody>
-        </p:sp>
-        <p:sp>
-          <p:nvSpPr>
-            <p:cNvPr id="109" name="Rectangle: Rounded Corners 108">
-              <a:extLst>
-                <a:ext uri="{FF2B5EF4-FFF2-40B4-BE49-F238E27FC236}">
-                  <a16:creationId xmlns:a16="http://schemas.microsoft.com/office/drawing/2014/main" id="{6BCD82A6-7A2E-4009-92CE-715366D99168}"/>
-                </a:ext>
-              </a:extLst>
-            </p:cNvPr>
-            <p:cNvSpPr/>
-            <p:nvPr/>
-          </p:nvSpPr>
-          <p:spPr>
-            <a:xfrm>
-              <a:off x="9145685" y="3244987"/>
-              <a:ext cx="288000" cy="287908"/>
-            </a:xfrm>
-            <a:prstGeom prst="roundRect">
-              <a:avLst/>
-            </a:prstGeom>
-            <a:solidFill>
-              <a:schemeClr val="accent6">
-                <a:lumMod val="75000"/>
-              </a:schemeClr>
-            </a:solidFill>
-            <a:ln>
-              <a:solidFill>
-                <a:schemeClr val="tx1"/>
-              </a:solidFill>
-            </a:ln>
-          </p:spPr>
-          <p:style>
-            <a:lnRef idx="2">
-              <a:schemeClr val="accent1">
-                <a:shade val="50000"/>
-              </a:schemeClr>
-            </a:lnRef>
-            <a:fillRef idx="1">
-              <a:schemeClr val="accent1"/>
-            </a:fillRef>
-            <a:effectRef idx="0">
-              <a:schemeClr val="accent1"/>
-            </a:effectRef>
-            <a:fontRef idx="minor">
-              <a:schemeClr val="lt1"/>
-            </a:fontRef>
-          </p:style>
-          <p:txBody>
-            <a:bodyPr rtlCol="0" anchor="ctr"/>
-            <a:lstStyle/>
-            <a:p>
-              <a:pPr algn="ctr"/>
-              <a:r>
-                <a:rPr lang="en-AU" sz="2200" dirty="0"/>
-                <a:t>G</a:t>
-              </a:r>
-            </a:p>
-          </p:txBody>
-        </p:sp>
-        <p:sp>
-          <p:nvSpPr>
-            <p:cNvPr id="110" name="Rectangle: Rounded Corners 109">
-              <a:extLst>
-                <a:ext uri="{FF2B5EF4-FFF2-40B4-BE49-F238E27FC236}">
-                  <a16:creationId xmlns:a16="http://schemas.microsoft.com/office/drawing/2014/main" id="{3BDCF052-C3B5-4422-9C54-D8531F230B53}"/>
-                </a:ext>
-              </a:extLst>
-            </p:cNvPr>
-            <p:cNvSpPr/>
-            <p:nvPr/>
-          </p:nvSpPr>
-          <p:spPr>
-            <a:xfrm>
-              <a:off x="9497280" y="3239653"/>
-              <a:ext cx="288000" cy="287908"/>
-            </a:xfrm>
-            <a:prstGeom prst="roundRect">
-              <a:avLst/>
-            </a:prstGeom>
-            <a:solidFill>
-              <a:srgbClr val="C00000"/>
-            </a:solidFill>
-            <a:ln>
-              <a:solidFill>
-                <a:schemeClr val="tx1"/>
-              </a:solidFill>
-            </a:ln>
-          </p:spPr>
-          <p:style>
-            <a:lnRef idx="2">
-              <a:schemeClr val="accent1">
-                <a:shade val="50000"/>
-              </a:schemeClr>
-            </a:lnRef>
-            <a:fillRef idx="1">
-              <a:schemeClr val="accent1"/>
-            </a:fillRef>
-            <a:effectRef idx="0">
-              <a:schemeClr val="accent1"/>
-            </a:effectRef>
-            <a:fontRef idx="minor">
-              <a:schemeClr val="lt1"/>
-            </a:fontRef>
-          </p:style>
-          <p:txBody>
-            <a:bodyPr rtlCol="0" anchor="ctr"/>
-            <a:lstStyle/>
-            <a:p>
-              <a:pPr algn="ctr"/>
-              <a:r>
-                <a:rPr lang="en-AU" sz="2200" dirty="0"/>
-                <a:t>R</a:t>
-              </a:r>
-            </a:p>
-          </p:txBody>
-        </p:sp>
-        <p:sp>
-          <p:nvSpPr>
-            <p:cNvPr id="117" name="Rectangle: Rounded Corners 116">
-              <a:extLst>
-                <a:ext uri="{FF2B5EF4-FFF2-40B4-BE49-F238E27FC236}">
-                  <a16:creationId xmlns:a16="http://schemas.microsoft.com/office/drawing/2014/main" id="{FCBC9B5A-739C-4EEF-ACFD-E8BC3E0F819B}"/>
-                </a:ext>
-              </a:extLst>
-            </p:cNvPr>
-            <p:cNvSpPr/>
-            <p:nvPr/>
-          </p:nvSpPr>
-          <p:spPr>
-            <a:xfrm>
-              <a:off x="9148644" y="3957580"/>
-              <a:ext cx="288000" cy="287908"/>
-            </a:xfrm>
-            <a:prstGeom prst="roundRect">
-              <a:avLst/>
-            </a:prstGeom>
-            <a:solidFill>
-              <a:srgbClr val="7030A0"/>
-            </a:solidFill>
-            <a:ln>
-              <a:solidFill>
-                <a:schemeClr val="tx1"/>
-              </a:solidFill>
-            </a:ln>
-          </p:spPr>
-          <p:style>
-            <a:lnRef idx="2">
-              <a:schemeClr val="accent2">
-                <a:shade val="50000"/>
-              </a:schemeClr>
-            </a:lnRef>
-            <a:fillRef idx="1">
-              <a:schemeClr val="accent2"/>
-            </a:fillRef>
-            <a:effectRef idx="0">
-              <a:schemeClr val="accent2"/>
-            </a:effectRef>
-            <a:fontRef idx="minor">
-              <a:schemeClr val="lt1"/>
-            </a:fontRef>
-          </p:style>
-          <p:txBody>
-            <a:bodyPr rtlCol="0" anchor="ctr"/>
-            <a:lstStyle/>
-            <a:p>
-              <a:pPr algn="ctr"/>
-              <a:r>
-                <a:rPr lang="en-AU" sz="2200" dirty="0"/>
-                <a:t>P</a:t>
-              </a:r>
-            </a:p>
-          </p:txBody>
-        </p:sp>
-        <p:sp>
-          <p:nvSpPr>
-            <p:cNvPr id="118" name="Rectangle: Rounded Corners 117">
-              <a:extLst>
-                <a:ext uri="{FF2B5EF4-FFF2-40B4-BE49-F238E27FC236}">
-                  <a16:creationId xmlns:a16="http://schemas.microsoft.com/office/drawing/2014/main" id="{2C893B97-B488-482E-9C2A-3D4315754451}"/>
-                </a:ext>
-              </a:extLst>
-            </p:cNvPr>
-            <p:cNvSpPr/>
-            <p:nvPr/>
-          </p:nvSpPr>
-          <p:spPr>
-            <a:xfrm>
-              <a:off x="9508514" y="3961701"/>
-              <a:ext cx="288000" cy="287908"/>
-            </a:xfrm>
-            <a:prstGeom prst="roundRect">
-              <a:avLst/>
-            </a:prstGeom>
-            <a:solidFill>
-              <a:schemeClr val="accent6">
-                <a:lumMod val="75000"/>
-              </a:schemeClr>
-            </a:solidFill>
-            <a:ln>
-              <a:solidFill>
-                <a:schemeClr val="tx1"/>
-              </a:solidFill>
-            </a:ln>
-          </p:spPr>
-          <p:style>
-            <a:lnRef idx="2">
-              <a:schemeClr val="accent1">
-                <a:shade val="50000"/>
-              </a:schemeClr>
-            </a:lnRef>
-            <a:fillRef idx="1">
-              <a:schemeClr val="accent1"/>
-            </a:fillRef>
-            <a:effectRef idx="0">
-              <a:schemeClr val="accent1"/>
-            </a:effectRef>
-            <a:fontRef idx="minor">
-              <a:schemeClr val="lt1"/>
-            </a:fontRef>
-          </p:style>
-          <p:txBody>
-            <a:bodyPr rtlCol="0" anchor="ctr"/>
-            <a:lstStyle/>
-            <a:p>
-              <a:pPr algn="ctr"/>
-              <a:r>
-                <a:rPr lang="en-AU" sz="2200" dirty="0"/>
-                <a:t>G</a:t>
-              </a:r>
-            </a:p>
-          </p:txBody>
-        </p:sp>
-        <p:sp>
-          <p:nvSpPr>
-            <p:cNvPr id="119" name="Rectangle: Rounded Corners 118">
-              <a:extLst>
-                <a:ext uri="{FF2B5EF4-FFF2-40B4-BE49-F238E27FC236}">
-                  <a16:creationId xmlns:a16="http://schemas.microsoft.com/office/drawing/2014/main" id="{A20AF9F4-2121-4501-B940-F1CF5C754200}"/>
-                </a:ext>
-              </a:extLst>
-            </p:cNvPr>
-            <p:cNvSpPr/>
-            <p:nvPr/>
-          </p:nvSpPr>
-          <p:spPr>
-            <a:xfrm>
-              <a:off x="8789680" y="3950152"/>
-              <a:ext cx="288000" cy="287908"/>
-            </a:xfrm>
-            <a:prstGeom prst="roundRect">
-              <a:avLst/>
-            </a:prstGeom>
-            <a:solidFill>
-              <a:srgbClr val="C00000"/>
-            </a:solidFill>
-            <a:ln>
-              <a:solidFill>
-                <a:schemeClr val="tx1"/>
-              </a:solidFill>
-            </a:ln>
-          </p:spPr>
-          <p:style>
-            <a:lnRef idx="2">
-              <a:schemeClr val="accent1">
-                <a:shade val="50000"/>
-              </a:schemeClr>
-            </a:lnRef>
-            <a:fillRef idx="1">
-              <a:schemeClr val="accent1"/>
-            </a:fillRef>
-            <a:effectRef idx="0">
-              <a:schemeClr val="accent1"/>
-            </a:effectRef>
-            <a:fontRef idx="minor">
-              <a:schemeClr val="lt1"/>
-            </a:fontRef>
-          </p:style>
-          <p:txBody>
-            <a:bodyPr rtlCol="0" anchor="ctr"/>
-            <a:lstStyle/>
-            <a:p>
-              <a:pPr algn="ctr"/>
-              <a:r>
-                <a:rPr lang="en-AU" sz="2200" dirty="0"/>
-                <a:t>R</a:t>
-              </a:r>
-            </a:p>
-          </p:txBody>
-        </p:sp>
-        <p:sp>
-          <p:nvSpPr>
-            <p:cNvPr id="120" name="Rectangle: Rounded Corners 119">
-              <a:extLst>
-                <a:ext uri="{FF2B5EF4-FFF2-40B4-BE49-F238E27FC236}">
-                  <a16:creationId xmlns:a16="http://schemas.microsoft.com/office/drawing/2014/main" id="{62E55B24-0CA8-48D2-B41E-A628DFECCA6F}"/>
-                </a:ext>
-              </a:extLst>
-            </p:cNvPr>
-            <p:cNvSpPr/>
-            <p:nvPr/>
-          </p:nvSpPr>
-          <p:spPr>
-            <a:xfrm>
-              <a:off x="9505698" y="3590491"/>
-              <a:ext cx="288000" cy="287908"/>
-            </a:xfrm>
-            <a:prstGeom prst="roundRect">
-              <a:avLst/>
-            </a:prstGeom>
-            <a:solidFill>
-              <a:srgbClr val="7030A0"/>
-            </a:solidFill>
-            <a:ln>
-              <a:solidFill>
-                <a:schemeClr val="tx1"/>
-              </a:solidFill>
-            </a:ln>
-          </p:spPr>
-          <p:style>
-            <a:lnRef idx="2">
-              <a:schemeClr val="accent2">
-                <a:shade val="50000"/>
-              </a:schemeClr>
-            </a:lnRef>
-            <a:fillRef idx="1">
-              <a:schemeClr val="accent2"/>
-            </a:fillRef>
-            <a:effectRef idx="0">
-              <a:schemeClr val="accent2"/>
-            </a:effectRef>
-            <a:fontRef idx="minor">
-              <a:schemeClr val="lt1"/>
-            </a:fontRef>
-          </p:style>
-          <p:txBody>
-            <a:bodyPr rtlCol="0" anchor="ctr"/>
-            <a:lstStyle/>
-            <a:p>
-              <a:pPr algn="ctr"/>
-              <a:r>
-                <a:rPr lang="en-AU" sz="2200" dirty="0"/>
-                <a:t>P</a:t>
-              </a:r>
-            </a:p>
-          </p:txBody>
-        </p:sp>
-        <p:sp>
-          <p:nvSpPr>
-            <p:cNvPr id="121" name="Rectangle: Rounded Corners 120">
-              <a:extLst>
-                <a:ext uri="{FF2B5EF4-FFF2-40B4-BE49-F238E27FC236}">
-                  <a16:creationId xmlns:a16="http://schemas.microsoft.com/office/drawing/2014/main" id="{C5A3F743-08E1-4DBC-AD2B-C4BA33E7119E}"/>
-                </a:ext>
-              </a:extLst>
-            </p:cNvPr>
-            <p:cNvSpPr/>
-            <p:nvPr/>
-          </p:nvSpPr>
-          <p:spPr>
-            <a:xfrm>
-              <a:off x="8789680" y="3584549"/>
-              <a:ext cx="288000" cy="287908"/>
-            </a:xfrm>
-            <a:prstGeom prst="roundRect">
-              <a:avLst/>
-            </a:prstGeom>
-            <a:solidFill>
-              <a:schemeClr val="accent6">
-                <a:lumMod val="75000"/>
-              </a:schemeClr>
-            </a:solidFill>
-            <a:ln>
-              <a:solidFill>
-                <a:schemeClr val="tx1"/>
-              </a:solidFill>
-            </a:ln>
-          </p:spPr>
-          <p:style>
-            <a:lnRef idx="2">
-              <a:schemeClr val="accent1">
-                <a:shade val="50000"/>
-              </a:schemeClr>
-            </a:lnRef>
-            <a:fillRef idx="1">
-              <a:schemeClr val="accent1"/>
-            </a:fillRef>
-            <a:effectRef idx="0">
-              <a:schemeClr val="accent1"/>
-            </a:effectRef>
-            <a:fontRef idx="minor">
-              <a:schemeClr val="lt1"/>
-            </a:fontRef>
-          </p:style>
-          <p:txBody>
-            <a:bodyPr rtlCol="0" anchor="ctr"/>
-            <a:lstStyle/>
-            <a:p>
-              <a:pPr algn="ctr"/>
-              <a:r>
-                <a:rPr lang="en-AU" sz="2200" dirty="0"/>
-                <a:t>G</a:t>
-              </a:r>
-            </a:p>
-          </p:txBody>
-        </p:sp>
-        <p:sp>
-          <p:nvSpPr>
-            <p:cNvPr id="122" name="Rectangle: Rounded Corners 121">
-              <a:extLst>
-                <a:ext uri="{FF2B5EF4-FFF2-40B4-BE49-F238E27FC236}">
-                  <a16:creationId xmlns:a16="http://schemas.microsoft.com/office/drawing/2014/main" id="{40548983-9D3C-464B-B83C-351F1C5E28DF}"/>
-                </a:ext>
-              </a:extLst>
-            </p:cNvPr>
-            <p:cNvSpPr/>
-            <p:nvPr/>
-          </p:nvSpPr>
-          <p:spPr>
-            <a:xfrm>
-              <a:off x="9153785" y="3594420"/>
-              <a:ext cx="288000" cy="287908"/>
-            </a:xfrm>
-            <a:prstGeom prst="roundRect">
-              <a:avLst/>
-            </a:prstGeom>
-            <a:solidFill>
-              <a:srgbClr val="C00000"/>
-            </a:solidFill>
-            <a:ln>
-              <a:solidFill>
-                <a:schemeClr val="tx1"/>
-              </a:solidFill>
-            </a:ln>
-          </p:spPr>
-          <p:style>
-            <a:lnRef idx="2">
-              <a:schemeClr val="accent1">
-                <a:shade val="50000"/>
-              </a:schemeClr>
-            </a:lnRef>
-            <a:fillRef idx="1">
-              <a:schemeClr val="accent1"/>
-            </a:fillRef>
-            <a:effectRef idx="0">
-              <a:schemeClr val="accent1"/>
-            </a:effectRef>
-            <a:fontRef idx="minor">
-              <a:schemeClr val="lt1"/>
-            </a:fontRef>
-          </p:style>
-          <p:txBody>
-            <a:bodyPr rtlCol="0" anchor="ctr"/>
-            <a:lstStyle/>
-            <a:p>
-              <a:pPr algn="ctr"/>
-              <a:r>
-                <a:rPr lang="en-AU" sz="2200" dirty="0"/>
-                <a:t>R</a:t>
-              </a:r>
-            </a:p>
-          </p:txBody>
-        </p:sp>
-        <p:sp>
-          <p:nvSpPr>
-            <p:cNvPr id="132" name="Rectangle: Rounded Corners 131">
-              <a:extLst>
-                <a:ext uri="{FF2B5EF4-FFF2-40B4-BE49-F238E27FC236}">
-                  <a16:creationId xmlns:a16="http://schemas.microsoft.com/office/drawing/2014/main" id="{A9407811-7833-4B7D-B412-1EAF65A117D8}"/>
-                </a:ext>
-              </a:extLst>
-            </p:cNvPr>
-            <p:cNvSpPr/>
-            <p:nvPr/>
-          </p:nvSpPr>
-          <p:spPr>
-            <a:xfrm>
-              <a:off x="8382733" y="3560707"/>
-              <a:ext cx="1450250" cy="348253"/>
-            </a:xfrm>
-            <a:prstGeom prst="roundRect">
-              <a:avLst/>
-            </a:prstGeom>
-            <a:noFill/>
-            <a:ln w="28575">
-              <a:solidFill>
-                <a:srgbClr val="FF0000"/>
-              </a:solidFill>
-            </a:ln>
-          </p:spPr>
-          <p:style>
-            <a:lnRef idx="2">
-              <a:schemeClr val="accent1">
-                <a:shade val="50000"/>
-              </a:schemeClr>
-            </a:lnRef>
-            <a:fillRef idx="1">
-              <a:schemeClr val="accent1"/>
-            </a:fillRef>
-            <a:effectRef idx="0">
-              <a:schemeClr val="accent1"/>
-            </a:effectRef>
-            <a:fontRef idx="minor">
-              <a:schemeClr val="lt1"/>
-            </a:fontRef>
-          </p:style>
-          <p:txBody>
-            <a:bodyPr rtlCol="0" anchor="ctr"/>
-            <a:lstStyle/>
-            <a:p>
-              <a:pPr algn="ctr"/>
-              <a:endParaRPr lang="en-AU"/>
-            </a:p>
-          </p:txBody>
-        </p:sp>
-        <p:sp>
-          <p:nvSpPr>
-            <p:cNvPr id="214" name="TextBox 213">
-              <a:extLst>
-                <a:ext uri="{FF2B5EF4-FFF2-40B4-BE49-F238E27FC236}">
-                  <a16:creationId xmlns:a16="http://schemas.microsoft.com/office/drawing/2014/main" id="{BD7E8BE4-3B40-4C94-804F-3BD4ADBE0327}"/>
-                </a:ext>
-              </a:extLst>
-            </p:cNvPr>
-            <p:cNvSpPr txBox="1"/>
-            <p:nvPr/>
-          </p:nvSpPr>
-          <p:spPr>
-            <a:xfrm>
-              <a:off x="8353330" y="3179269"/>
-              <a:ext cx="345221" cy="1107996"/>
-            </a:xfrm>
-            <a:prstGeom prst="rect">
-              <a:avLst/>
-            </a:prstGeom>
-            <a:noFill/>
-          </p:spPr>
-          <p:txBody>
-            <a:bodyPr wrap="square" rtlCol="0">
-              <a:spAutoFit/>
-            </a:bodyPr>
-            <a:lstStyle/>
-            <a:p>
-              <a:pPr algn="r"/>
-              <a:r>
-                <a:rPr lang="en-AU" sz="2200" dirty="0"/>
-                <a:t>1</a:t>
-              </a:r>
-            </a:p>
-            <a:p>
-              <a:pPr algn="r"/>
-              <a:r>
-                <a:rPr lang="en-US" sz="2200" dirty="0"/>
-                <a:t>2</a:t>
-              </a:r>
-              <a:endParaRPr lang="en-AU" sz="2200" dirty="0"/>
-            </a:p>
-            <a:p>
-              <a:pPr algn="r"/>
-              <a:r>
-                <a:rPr lang="en-US" sz="2200" dirty="0"/>
-                <a:t>3</a:t>
-              </a:r>
-              <a:endParaRPr lang="en-AU" sz="2200" dirty="0"/>
-            </a:p>
-          </p:txBody>
-        </p:sp>
-      </p:grpSp>
-      <p:sp>
-        <p:nvSpPr>
-          <p:cNvPr id="215" name="TextBox 214">
-            <a:extLst>
-              <a:ext uri="{FF2B5EF4-FFF2-40B4-BE49-F238E27FC236}">
-                <a16:creationId xmlns:a16="http://schemas.microsoft.com/office/drawing/2014/main" id="{CA121D90-DBFA-4B3F-953D-1D083A016C3B}"/>
-              </a:ext>
-            </a:extLst>
-          </p:cNvPr>
-          <p:cNvSpPr txBox="1"/>
-          <p:nvPr/>
-        </p:nvSpPr>
-        <p:spPr>
-          <a:xfrm>
-            <a:off x="6479889" y="953398"/>
-            <a:ext cx="3013349" cy="1107996"/>
-          </a:xfrm>
-          <a:prstGeom prst="rect">
-            <a:avLst/>
-          </a:prstGeom>
-          <a:noFill/>
-        </p:spPr>
-        <p:txBody>
-          <a:bodyPr wrap="square" rtlCol="0">
-            <a:spAutoFit/>
-          </a:bodyPr>
-          <a:lstStyle/>
-          <a:p>
-            <a:r>
-              <a:rPr lang="en-AU" sz="2200" dirty="0"/>
-              <a:t>Step 1) Set the factor</a:t>
-            </a:r>
-          </a:p>
-          <a:p>
-            <a:r>
-              <a:rPr lang="en-AU" sz="2000" dirty="0"/>
-              <a:t>1 + (8 - 1) mod 3 = </a:t>
-            </a:r>
-          </a:p>
-          <a:p>
-            <a:r>
-              <a:rPr lang="en-AU" sz="2200" dirty="0"/>
-              <a:t>Permutation 2</a:t>
-            </a:r>
-          </a:p>
-        </p:txBody>
-      </p:sp>
-      <p:grpSp>
-        <p:nvGrpSpPr>
-          <p:cNvPr id="27" name="Group 26">
-            <a:extLst>
-              <a:ext uri="{FF2B5EF4-FFF2-40B4-BE49-F238E27FC236}">
-                <a16:creationId xmlns:a16="http://schemas.microsoft.com/office/drawing/2014/main" id="{11A5E3E4-F384-4451-817C-72C36779D5FB}"/>
-              </a:ext>
-            </a:extLst>
-          </p:cNvPr>
-          <p:cNvGrpSpPr/>
-          <p:nvPr/>
-        </p:nvGrpSpPr>
-        <p:grpSpPr>
-          <a:xfrm>
-            <a:off x="8562473" y="2132882"/>
-            <a:ext cx="2186500" cy="1869139"/>
-            <a:chOff x="9672511" y="796545"/>
-            <a:chExt cx="2186500" cy="1869139"/>
-          </a:xfrm>
-        </p:grpSpPr>
-        <p:sp>
-          <p:nvSpPr>
-            <p:cNvPr id="172" name="TextBox 171">
-              <a:extLst>
-                <a:ext uri="{FF2B5EF4-FFF2-40B4-BE49-F238E27FC236}">
-                  <a16:creationId xmlns:a16="http://schemas.microsoft.com/office/drawing/2014/main" id="{3580CECD-5258-4A82-8218-E3EBC2FC8C67}"/>
-                </a:ext>
-              </a:extLst>
-            </p:cNvPr>
-            <p:cNvSpPr txBox="1"/>
-            <p:nvPr/>
-          </p:nvSpPr>
-          <p:spPr>
-            <a:xfrm>
-              <a:off x="9672511" y="796545"/>
-              <a:ext cx="1738102" cy="769441"/>
-            </a:xfrm>
-            <a:prstGeom prst="rect">
-              <a:avLst/>
-            </a:prstGeom>
-            <a:noFill/>
-          </p:spPr>
-          <p:txBody>
-            <a:bodyPr wrap="square" rtlCol="0">
-              <a:spAutoFit/>
-            </a:bodyPr>
-            <a:lstStyle/>
-            <a:p>
-              <a:pPr algn="r"/>
-              <a:r>
-                <a:rPr lang="en-AU" sz="2200" dirty="0"/>
-                <a:t>Location </a:t>
-              </a:r>
-            </a:p>
-            <a:p>
-              <a:pPr algn="r"/>
-              <a:r>
-                <a:rPr lang="en-AU" sz="2200" dirty="0"/>
-                <a:t>permutations</a:t>
-              </a:r>
-            </a:p>
-          </p:txBody>
-        </p:sp>
-        <p:cxnSp>
-          <p:nvCxnSpPr>
-            <p:cNvPr id="173" name="Straight Connector 172">
-              <a:extLst>
-                <a:ext uri="{FF2B5EF4-FFF2-40B4-BE49-F238E27FC236}">
-                  <a16:creationId xmlns:a16="http://schemas.microsoft.com/office/drawing/2014/main" id="{87E3EA91-0CD6-4008-B674-6E6D3F119B41}"/>
-                </a:ext>
-              </a:extLst>
-            </p:cNvPr>
-            <p:cNvCxnSpPr>
-              <a:cxnSpLocks/>
-            </p:cNvCxnSpPr>
-            <p:nvPr/>
-          </p:nvCxnSpPr>
-          <p:spPr>
-            <a:xfrm>
-              <a:off x="9784401" y="1557688"/>
-              <a:ext cx="2074610" cy="5517"/>
-            </a:xfrm>
-            <a:prstGeom prst="line">
-              <a:avLst/>
-            </a:prstGeom>
-            <a:ln w="28575">
-              <a:solidFill>
-                <a:schemeClr val="tx1"/>
-              </a:solidFill>
-            </a:ln>
-          </p:spPr>
-          <p:style>
-            <a:lnRef idx="1">
-              <a:schemeClr val="accent1"/>
-            </a:lnRef>
-            <a:fillRef idx="0">
-              <a:schemeClr val="accent1"/>
-            </a:fillRef>
-            <a:effectRef idx="0">
-              <a:schemeClr val="accent1"/>
-            </a:effectRef>
-            <a:fontRef idx="minor">
-              <a:schemeClr val="tx1"/>
-            </a:fontRef>
-          </p:style>
-        </p:cxnSp>
-        <p:cxnSp>
-          <p:nvCxnSpPr>
-            <p:cNvPr id="174" name="Straight Connector 173">
-              <a:extLst>
-                <a:ext uri="{FF2B5EF4-FFF2-40B4-BE49-F238E27FC236}">
-                  <a16:creationId xmlns:a16="http://schemas.microsoft.com/office/drawing/2014/main" id="{397968F3-0138-4B48-A7AC-60504F46DFD6}"/>
-                </a:ext>
-              </a:extLst>
-            </p:cNvPr>
-            <p:cNvCxnSpPr>
-              <a:cxnSpLocks/>
-            </p:cNvCxnSpPr>
-            <p:nvPr/>
-          </p:nvCxnSpPr>
-          <p:spPr>
-            <a:xfrm flipV="1">
-              <a:off x="11410613" y="842963"/>
-              <a:ext cx="1" cy="1805886"/>
-            </a:xfrm>
-            <a:prstGeom prst="line">
-              <a:avLst/>
-            </a:prstGeom>
-            <a:ln w="28575">
-              <a:solidFill>
-                <a:schemeClr val="tx1"/>
-              </a:solidFill>
-            </a:ln>
-          </p:spPr>
-          <p:style>
-            <a:lnRef idx="1">
-              <a:schemeClr val="accent1"/>
-            </a:lnRef>
-            <a:fillRef idx="0">
-              <a:schemeClr val="accent1"/>
-            </a:fillRef>
-            <a:effectRef idx="0">
-              <a:schemeClr val="accent1"/>
-            </a:effectRef>
-            <a:fontRef idx="minor">
-              <a:schemeClr val="tx1"/>
-            </a:fontRef>
-          </p:style>
-        </p:cxnSp>
-        <p:sp>
-          <p:nvSpPr>
-            <p:cNvPr id="133" name="Rectangle: Rounded Corners 132">
-              <a:extLst>
-                <a:ext uri="{FF2B5EF4-FFF2-40B4-BE49-F238E27FC236}">
-                  <a16:creationId xmlns:a16="http://schemas.microsoft.com/office/drawing/2014/main" id="{711936FD-333F-48A5-97BB-9170978FF7B3}"/>
-                </a:ext>
-              </a:extLst>
-            </p:cNvPr>
-            <p:cNvSpPr/>
-            <p:nvPr/>
-          </p:nvSpPr>
-          <p:spPr>
-            <a:xfrm>
-              <a:off x="11509884" y="1628880"/>
-              <a:ext cx="288000" cy="288000"/>
-            </a:xfrm>
-            <a:prstGeom prst="roundRect">
-              <a:avLst/>
-            </a:prstGeom>
-            <a:solidFill>
-              <a:srgbClr val="7030A0"/>
-            </a:solidFill>
-            <a:ln>
-              <a:solidFill>
-                <a:schemeClr val="tx1"/>
-              </a:solidFill>
-            </a:ln>
-          </p:spPr>
-          <p:style>
-            <a:lnRef idx="2">
-              <a:schemeClr val="accent2">
-                <a:shade val="50000"/>
-              </a:schemeClr>
-            </a:lnRef>
-            <a:fillRef idx="1">
-              <a:schemeClr val="accent2"/>
-            </a:fillRef>
-            <a:effectRef idx="0">
-              <a:schemeClr val="accent2"/>
-            </a:effectRef>
-            <a:fontRef idx="minor">
-              <a:schemeClr val="lt1"/>
-            </a:fontRef>
-          </p:style>
-          <p:txBody>
-            <a:bodyPr rtlCol="0" anchor="ctr"/>
-            <a:lstStyle/>
-            <a:p>
-              <a:pPr algn="ctr"/>
-              <a:r>
-                <a:rPr lang="en-US" sz="2200" dirty="0"/>
-                <a:t>1</a:t>
-              </a:r>
-              <a:endParaRPr lang="en-AU" sz="2200" dirty="0"/>
-            </a:p>
-          </p:txBody>
-        </p:sp>
-        <p:sp>
-          <p:nvSpPr>
-            <p:cNvPr id="134" name="Rectangle: Rounded Corners 133">
-              <a:extLst>
-                <a:ext uri="{FF2B5EF4-FFF2-40B4-BE49-F238E27FC236}">
-                  <a16:creationId xmlns:a16="http://schemas.microsoft.com/office/drawing/2014/main" id="{37ECF1E9-28F6-4611-AACF-ACA9146CB603}"/>
-                </a:ext>
-              </a:extLst>
-            </p:cNvPr>
-            <p:cNvSpPr/>
-            <p:nvPr/>
-          </p:nvSpPr>
-          <p:spPr>
-            <a:xfrm>
-              <a:off x="11509883" y="1962266"/>
-              <a:ext cx="288000" cy="288000"/>
-            </a:xfrm>
-            <a:prstGeom prst="roundRect">
-              <a:avLst/>
-            </a:prstGeom>
-            <a:solidFill>
-              <a:schemeClr val="accent6">
-                <a:lumMod val="75000"/>
-              </a:schemeClr>
-            </a:solidFill>
-            <a:ln>
-              <a:solidFill>
-                <a:schemeClr val="tx1"/>
-              </a:solidFill>
-            </a:ln>
-          </p:spPr>
-          <p:style>
-            <a:lnRef idx="2">
-              <a:schemeClr val="accent1">
-                <a:shade val="50000"/>
-              </a:schemeClr>
-            </a:lnRef>
-            <a:fillRef idx="1">
-              <a:schemeClr val="accent1"/>
-            </a:fillRef>
-            <a:effectRef idx="0">
-              <a:schemeClr val="accent1"/>
-            </a:effectRef>
-            <a:fontRef idx="minor">
-              <a:schemeClr val="lt1"/>
-            </a:fontRef>
-          </p:style>
-          <p:txBody>
-            <a:bodyPr rtlCol="0" anchor="ctr"/>
-            <a:lstStyle/>
-            <a:p>
-              <a:pPr algn="ctr"/>
-              <a:r>
-                <a:rPr lang="en-US" sz="2200" dirty="0"/>
-                <a:t>2</a:t>
-              </a:r>
-              <a:endParaRPr lang="en-AU" sz="2200" dirty="0"/>
-            </a:p>
-          </p:txBody>
-        </p:sp>
-        <p:sp>
-          <p:nvSpPr>
-            <p:cNvPr id="141" name="Rectangle: Rounded Corners 140">
-              <a:extLst>
-                <a:ext uri="{FF2B5EF4-FFF2-40B4-BE49-F238E27FC236}">
-                  <a16:creationId xmlns:a16="http://schemas.microsoft.com/office/drawing/2014/main" id="{2612D18C-BBDA-432A-8CEA-C21820817C3E}"/>
-                </a:ext>
-              </a:extLst>
-            </p:cNvPr>
-            <p:cNvSpPr/>
-            <p:nvPr/>
-          </p:nvSpPr>
-          <p:spPr>
-            <a:xfrm>
-              <a:off x="11509758" y="2294070"/>
-              <a:ext cx="288000" cy="288000"/>
-            </a:xfrm>
-            <a:prstGeom prst="roundRect">
-              <a:avLst/>
-            </a:prstGeom>
-            <a:solidFill>
-              <a:srgbClr val="C00000"/>
-            </a:solidFill>
-            <a:ln>
-              <a:solidFill>
-                <a:schemeClr val="tx1"/>
-              </a:solidFill>
-            </a:ln>
-          </p:spPr>
-          <p:style>
-            <a:lnRef idx="2">
-              <a:schemeClr val="accent1">
-                <a:shade val="50000"/>
-              </a:schemeClr>
-            </a:lnRef>
-            <a:fillRef idx="1">
-              <a:schemeClr val="accent1"/>
-            </a:fillRef>
-            <a:effectRef idx="0">
-              <a:schemeClr val="accent1"/>
-            </a:effectRef>
-            <a:fontRef idx="minor">
-              <a:schemeClr val="lt1"/>
-            </a:fontRef>
-          </p:style>
-          <p:txBody>
-            <a:bodyPr rtlCol="0" anchor="ctr"/>
-            <a:lstStyle/>
-            <a:p>
-              <a:pPr algn="ctr"/>
-              <a:r>
-                <a:rPr lang="en-US" sz="2200" dirty="0"/>
-                <a:t>3</a:t>
-              </a:r>
-              <a:endParaRPr lang="en-AU" sz="2200" dirty="0"/>
-            </a:p>
-          </p:txBody>
-        </p:sp>
-        <p:sp>
-          <p:nvSpPr>
-            <p:cNvPr id="155" name="Rectangle: Rounded Corners 154">
-              <a:extLst>
-                <a:ext uri="{FF2B5EF4-FFF2-40B4-BE49-F238E27FC236}">
-                  <a16:creationId xmlns:a16="http://schemas.microsoft.com/office/drawing/2014/main" id="{38521A53-C009-47DB-B912-A63CD749FA45}"/>
-                </a:ext>
-              </a:extLst>
-            </p:cNvPr>
-            <p:cNvSpPr/>
-            <p:nvPr/>
-          </p:nvSpPr>
-          <p:spPr>
-            <a:xfrm>
-              <a:off x="11138106" y="2269089"/>
-              <a:ext cx="720905" cy="338026"/>
-            </a:xfrm>
-            <a:prstGeom prst="roundRect">
-              <a:avLst/>
-            </a:prstGeom>
-            <a:noFill/>
-            <a:ln w="28575">
-              <a:solidFill>
-                <a:srgbClr val="FF0000"/>
-              </a:solidFill>
-            </a:ln>
-          </p:spPr>
-          <p:style>
-            <a:lnRef idx="2">
-              <a:schemeClr val="accent1">
-                <a:shade val="50000"/>
-              </a:schemeClr>
-            </a:lnRef>
-            <a:fillRef idx="1">
-              <a:schemeClr val="accent1"/>
-            </a:fillRef>
-            <a:effectRef idx="0">
-              <a:schemeClr val="accent1"/>
-            </a:effectRef>
-            <a:fontRef idx="minor">
-              <a:schemeClr val="lt1"/>
-            </a:fontRef>
-          </p:style>
-          <p:txBody>
-            <a:bodyPr rtlCol="0" anchor="ctr"/>
-            <a:lstStyle/>
-            <a:p>
-              <a:pPr algn="ctr"/>
-              <a:endParaRPr lang="en-AU"/>
-            </a:p>
-          </p:txBody>
-        </p:sp>
-        <p:sp>
-          <p:nvSpPr>
-            <p:cNvPr id="218" name="TextBox 217">
-              <a:extLst>
-                <a:ext uri="{FF2B5EF4-FFF2-40B4-BE49-F238E27FC236}">
-                  <a16:creationId xmlns:a16="http://schemas.microsoft.com/office/drawing/2014/main" id="{A2FA9BA4-16D7-453F-BB08-7DC1E607668A}"/>
-                </a:ext>
-              </a:extLst>
-            </p:cNvPr>
-            <p:cNvSpPr txBox="1"/>
-            <p:nvPr/>
-          </p:nvSpPr>
-          <p:spPr>
-            <a:xfrm>
-              <a:off x="11088199" y="1557688"/>
-              <a:ext cx="345221" cy="1107996"/>
-            </a:xfrm>
-            <a:prstGeom prst="rect">
-              <a:avLst/>
-            </a:prstGeom>
-            <a:noFill/>
-          </p:spPr>
-          <p:txBody>
-            <a:bodyPr wrap="square" rtlCol="0">
-              <a:spAutoFit/>
-            </a:bodyPr>
-            <a:lstStyle/>
-            <a:p>
-              <a:pPr algn="r"/>
-              <a:r>
-                <a:rPr lang="en-AU" sz="2200" dirty="0"/>
-                <a:t>1</a:t>
-              </a:r>
-            </a:p>
-            <a:p>
-              <a:pPr algn="r"/>
-              <a:r>
-                <a:rPr lang="en-US" sz="2200" dirty="0"/>
-                <a:t>2</a:t>
-              </a:r>
-              <a:endParaRPr lang="en-AU" sz="2200" dirty="0"/>
-            </a:p>
-            <a:p>
-              <a:pPr algn="r"/>
-              <a:r>
-                <a:rPr lang="en-US" sz="2200" dirty="0"/>
-                <a:t>3</a:t>
-              </a:r>
-              <a:endParaRPr lang="en-AU" sz="2200" dirty="0"/>
-            </a:p>
-          </p:txBody>
-        </p:sp>
-        <p:sp>
-          <p:nvSpPr>
-            <p:cNvPr id="220" name="TextBox 219">
-              <a:extLst>
-                <a:ext uri="{FF2B5EF4-FFF2-40B4-BE49-F238E27FC236}">
-                  <a16:creationId xmlns:a16="http://schemas.microsoft.com/office/drawing/2014/main" id="{F3C0D4B3-B048-4A42-A84C-9E4248A3924A}"/>
-                </a:ext>
-              </a:extLst>
-            </p:cNvPr>
-            <p:cNvSpPr txBox="1"/>
-            <p:nvPr/>
-          </p:nvSpPr>
-          <p:spPr>
-            <a:xfrm>
-              <a:off x="11475996" y="1100671"/>
-              <a:ext cx="345221" cy="430887"/>
-            </a:xfrm>
-            <a:prstGeom prst="rect">
-              <a:avLst/>
-            </a:prstGeom>
-            <a:noFill/>
-          </p:spPr>
-          <p:txBody>
-            <a:bodyPr wrap="square" rtlCol="0">
-              <a:spAutoFit/>
-            </a:bodyPr>
-            <a:lstStyle/>
-            <a:p>
-              <a:r>
-                <a:rPr lang="en-AU" sz="2200" dirty="0"/>
-                <a:t>1</a:t>
-              </a:r>
             </a:p>
           </p:txBody>
         </p:sp>
@@ -13770,118 +11360,2549 @@
           </p:txBody>
         </p:sp>
       </p:grpSp>
-      <p:sp>
-        <p:nvSpPr>
-          <p:cNvPr id="188" name="TextBox 187">
+      <p:grpSp>
+        <p:nvGrpSpPr>
+          <p:cNvPr id="11" name="Group 10">
             <a:extLst>
               <a:ext uri="{FF2B5EF4-FFF2-40B4-BE49-F238E27FC236}">
-                <a16:creationId xmlns:a16="http://schemas.microsoft.com/office/drawing/2014/main" id="{3D705AAD-8F0F-4BF4-BC4A-4B03212DC3BA}"/>
+                <a16:creationId xmlns:a16="http://schemas.microsoft.com/office/drawing/2014/main" id="{FC77A4CF-69B1-42E0-A5C7-4F5020DA8309}"/>
               </a:ext>
             </a:extLst>
           </p:cNvPr>
-          <p:cNvSpPr txBox="1"/>
+          <p:cNvGrpSpPr/>
           <p:nvPr/>
-        </p:nvSpPr>
-        <p:spPr>
+        </p:nvGrpSpPr>
+        <p:grpSpPr>
           <a:xfrm>
-            <a:off x="6486619" y="2777605"/>
-            <a:ext cx="4228998" cy="1138773"/>
+            <a:off x="6279132" y="-451775"/>
+            <a:ext cx="5391309" cy="7604416"/>
+            <a:chOff x="6279132" y="-451775"/>
+            <a:chExt cx="5391309" cy="7604416"/>
           </a:xfrm>
-          <a:prstGeom prst="rect">
-            <a:avLst/>
-          </a:prstGeom>
-          <a:noFill/>
-        </p:spPr>
-        <p:txBody>
-          <a:bodyPr wrap="square" rtlCol="0">
-            <a:spAutoFit/>
-          </a:bodyPr>
-          <a:lstStyle/>
-          <a:p>
-            <a:r>
-              <a:rPr lang="en-US" sz="2400" dirty="0"/>
-              <a:t>Step 2) Set location:</a:t>
-            </a:r>
-          </a:p>
-          <a:p>
-            <a:r>
-              <a:rPr lang="en-US" sz="2000" dirty="0"/>
-              <a:t>1 + floor((</a:t>
-            </a:r>
-            <a:r>
-              <a:rPr lang="en-US" sz="2000" b="1" dirty="0"/>
-              <a:t>8 – 1) </a:t>
-            </a:r>
-            <a:r>
-              <a:rPr lang="en-US" sz="2000" dirty="0"/>
-              <a:t>/ 3) mod 3 = </a:t>
-            </a:r>
-          </a:p>
-          <a:p>
-            <a:r>
-              <a:rPr lang="en-US" sz="2400" dirty="0"/>
-              <a:t>Permutation 3</a:t>
-            </a:r>
-            <a:endParaRPr lang="en-AU" sz="2200" dirty="0"/>
-          </a:p>
-        </p:txBody>
-      </p:sp>
-      <p:sp>
-        <p:nvSpPr>
-          <p:cNvPr id="189" name="TextBox 188">
-            <a:extLst>
-              <a:ext uri="{FF2B5EF4-FFF2-40B4-BE49-F238E27FC236}">
-                <a16:creationId xmlns:a16="http://schemas.microsoft.com/office/drawing/2014/main" id="{A19ED8DE-EE44-4AEC-AD6E-95691FB26915}"/>
-              </a:ext>
-            </a:extLst>
-          </p:cNvPr>
-          <p:cNvSpPr txBox="1"/>
-          <p:nvPr/>
-        </p:nvSpPr>
-        <p:spPr>
-          <a:xfrm>
-            <a:off x="6375359" y="4794409"/>
-            <a:ext cx="3595283" cy="1138773"/>
-          </a:xfrm>
-          <a:prstGeom prst="rect">
-            <a:avLst/>
-          </a:prstGeom>
-          <a:noFill/>
-        </p:spPr>
-        <p:txBody>
-          <a:bodyPr wrap="square" rtlCol="0">
-            <a:spAutoFit/>
-          </a:bodyPr>
-          <a:lstStyle/>
-          <a:p>
-            <a:r>
-              <a:rPr lang="en-US" sz="2400" dirty="0"/>
-              <a:t>Step 3) Set VC order</a:t>
-            </a:r>
-          </a:p>
-          <a:p>
-            <a:r>
-              <a:rPr lang="en-US" sz="2000" dirty="0"/>
-              <a:t>(1 + floor(</a:t>
-            </a:r>
-            <a:r>
-              <a:rPr lang="en-US" sz="2000" b="1" dirty="0"/>
-              <a:t>8</a:t>
-            </a:r>
-            <a:r>
-              <a:rPr lang="en-US" sz="2000" dirty="0"/>
-              <a:t>/9)) mod 6 = </a:t>
-            </a:r>
-          </a:p>
-          <a:p>
-            <a:r>
-              <a:rPr lang="en-US" sz="2400" dirty="0"/>
-              <a:t>Permutation 2</a:t>
-            </a:r>
-            <a:endParaRPr lang="en-AU" sz="2200" dirty="0"/>
-          </a:p>
-        </p:txBody>
-      </p:sp>
+        </p:grpSpPr>
+        <p:sp>
+          <p:nvSpPr>
+            <p:cNvPr id="157" name="Speech Bubble: Rectangle with Corners Rounded 156">
+              <a:extLst>
+                <a:ext uri="{FF2B5EF4-FFF2-40B4-BE49-F238E27FC236}">
+                  <a16:creationId xmlns:a16="http://schemas.microsoft.com/office/drawing/2014/main" id="{E0B5C370-0D42-4CB9-9498-D098BCBB8ED1}"/>
+                </a:ext>
+              </a:extLst>
+            </p:cNvPr>
+            <p:cNvSpPr/>
+            <p:nvPr/>
+          </p:nvSpPr>
+          <p:spPr>
+            <a:xfrm>
+              <a:off x="6279132" y="-451775"/>
+              <a:ext cx="5391309" cy="7604416"/>
+            </a:xfrm>
+            <a:prstGeom prst="wedgeRoundRectCallout">
+              <a:avLst>
+                <a:gd name="adj1" fmla="val -61474"/>
+                <a:gd name="adj2" fmla="val -20097"/>
+                <a:gd name="adj3" fmla="val 16667"/>
+              </a:avLst>
+            </a:prstGeom>
+            <a:noFill/>
+            <a:ln w="28575"/>
+          </p:spPr>
+          <p:style>
+            <a:lnRef idx="2">
+              <a:schemeClr val="accent1">
+                <a:shade val="50000"/>
+              </a:schemeClr>
+            </a:lnRef>
+            <a:fillRef idx="1">
+              <a:schemeClr val="accent1"/>
+            </a:fillRef>
+            <a:effectRef idx="0">
+              <a:schemeClr val="accent1"/>
+            </a:effectRef>
+            <a:fontRef idx="minor">
+              <a:schemeClr val="lt1"/>
+            </a:fontRef>
+          </p:style>
+          <p:txBody>
+            <a:bodyPr rtlCol="0" anchor="ctr"/>
+            <a:lstStyle/>
+            <a:p>
+              <a:pPr algn="ctr"/>
+              <a:endParaRPr lang="en-AU"/>
+            </a:p>
+          </p:txBody>
+        </p:sp>
+        <p:grpSp>
+          <p:nvGrpSpPr>
+            <p:cNvPr id="10" name="Group 9">
+              <a:extLst>
+                <a:ext uri="{FF2B5EF4-FFF2-40B4-BE49-F238E27FC236}">
+                  <a16:creationId xmlns:a16="http://schemas.microsoft.com/office/drawing/2014/main" id="{4289CC41-B567-47C5-BAA7-AED0D2CCF457}"/>
+                </a:ext>
+              </a:extLst>
+            </p:cNvPr>
+            <p:cNvGrpSpPr/>
+            <p:nvPr/>
+          </p:nvGrpSpPr>
+          <p:grpSpPr>
+            <a:xfrm>
+              <a:off x="8515882" y="3946321"/>
+              <a:ext cx="2576682" cy="3076030"/>
+              <a:chOff x="-190416" y="4525314"/>
+              <a:chExt cx="2576682" cy="3076030"/>
+            </a:xfrm>
+          </p:grpSpPr>
+          <p:sp>
+            <p:nvSpPr>
+              <p:cNvPr id="158" name="TextBox 157">
+                <a:extLst>
+                  <a:ext uri="{FF2B5EF4-FFF2-40B4-BE49-F238E27FC236}">
+                    <a16:creationId xmlns:a16="http://schemas.microsoft.com/office/drawing/2014/main" id="{D9F91EA9-CF8D-47F8-8A1E-DCB49ECCE104}"/>
+                  </a:ext>
+                </a:extLst>
+              </p:cNvPr>
+              <p:cNvSpPr txBox="1"/>
+              <p:nvPr/>
+            </p:nvSpPr>
+            <p:spPr>
+              <a:xfrm>
+                <a:off x="1260358" y="5477685"/>
+                <a:ext cx="319327" cy="2123658"/>
+              </a:xfrm>
+              <a:prstGeom prst="rect">
+                <a:avLst/>
+              </a:prstGeom>
+              <a:noFill/>
+            </p:spPr>
+            <p:txBody>
+              <a:bodyPr wrap="square" rtlCol="0">
+                <a:spAutoFit/>
+              </a:bodyPr>
+              <a:lstStyle/>
+              <a:p>
+                <a:pPr algn="r"/>
+                <a:r>
+                  <a:rPr lang="en-AU" sz="2200" dirty="0"/>
+                  <a:t>1</a:t>
+                </a:r>
+              </a:p>
+              <a:p>
+                <a:pPr algn="r"/>
+                <a:r>
+                  <a:rPr lang="en-US" sz="2200" dirty="0"/>
+                  <a:t>2</a:t>
+                </a:r>
+                <a:endParaRPr lang="en-AU" sz="2200" dirty="0"/>
+              </a:p>
+              <a:p>
+                <a:pPr algn="r"/>
+                <a:r>
+                  <a:rPr lang="en-US" sz="2200" dirty="0"/>
+                  <a:t>3</a:t>
+                </a:r>
+                <a:endParaRPr lang="en-AU" sz="2200" dirty="0"/>
+              </a:p>
+              <a:p>
+                <a:pPr algn="r"/>
+                <a:r>
+                  <a:rPr lang="en-US" sz="2200" dirty="0"/>
+                  <a:t>4</a:t>
+                </a:r>
+                <a:endParaRPr lang="en-AU" sz="2200" dirty="0"/>
+              </a:p>
+              <a:p>
+                <a:pPr algn="r"/>
+                <a:r>
+                  <a:rPr lang="en-US" sz="2200" dirty="0"/>
+                  <a:t>5</a:t>
+                </a:r>
+                <a:endParaRPr lang="en-AU" sz="2200" dirty="0"/>
+              </a:p>
+              <a:p>
+                <a:pPr algn="r"/>
+                <a:r>
+                  <a:rPr lang="en-US" sz="2200" dirty="0"/>
+                  <a:t>6</a:t>
+                </a:r>
+                <a:endParaRPr lang="en-AU" sz="2200" dirty="0"/>
+              </a:p>
+            </p:txBody>
+          </p:sp>
+          <p:sp>
+            <p:nvSpPr>
+              <p:cNvPr id="76" name="TextBox 75">
+                <a:extLst>
+                  <a:ext uri="{FF2B5EF4-FFF2-40B4-BE49-F238E27FC236}">
+                    <a16:creationId xmlns:a16="http://schemas.microsoft.com/office/drawing/2014/main" id="{0D303BDD-EDD9-418C-8FD6-84E8B22E048B}"/>
+                  </a:ext>
+                </a:extLst>
+              </p:cNvPr>
+              <p:cNvSpPr txBox="1"/>
+              <p:nvPr/>
+            </p:nvSpPr>
+            <p:spPr>
+              <a:xfrm rot="16200000">
+                <a:off x="1525296" y="4616843"/>
+                <a:ext cx="952499" cy="769441"/>
+              </a:xfrm>
+              <a:prstGeom prst="rect">
+                <a:avLst/>
+              </a:prstGeom>
+              <a:noFill/>
+            </p:spPr>
+            <p:txBody>
+              <a:bodyPr wrap="square" rtlCol="0">
+                <a:spAutoFit/>
+              </a:bodyPr>
+              <a:lstStyle/>
+              <a:p>
+                <a:r>
+                  <a:rPr lang="en-AU" sz="2200" dirty="0"/>
+                  <a:t>task 1</a:t>
+                </a:r>
+              </a:p>
+              <a:p>
+                <a:r>
+                  <a:rPr lang="en-AU" sz="2200" dirty="0"/>
+                  <a:t>task 2</a:t>
+                </a:r>
+              </a:p>
+            </p:txBody>
+          </p:sp>
+          <p:sp>
+            <p:nvSpPr>
+              <p:cNvPr id="80" name="TextBox 79">
+                <a:extLst>
+                  <a:ext uri="{FF2B5EF4-FFF2-40B4-BE49-F238E27FC236}">
+                    <a16:creationId xmlns:a16="http://schemas.microsoft.com/office/drawing/2014/main" id="{5C345D2A-8F5E-414E-B59C-D8BBF94738F1}"/>
+                  </a:ext>
+                </a:extLst>
+              </p:cNvPr>
+              <p:cNvSpPr txBox="1"/>
+              <p:nvPr/>
+            </p:nvSpPr>
+            <p:spPr>
+              <a:xfrm>
+                <a:off x="-190416" y="4687590"/>
+                <a:ext cx="1805816" cy="769441"/>
+              </a:xfrm>
+              <a:prstGeom prst="rect">
+                <a:avLst/>
+              </a:prstGeom>
+              <a:noFill/>
+            </p:spPr>
+            <p:txBody>
+              <a:bodyPr wrap="square" rtlCol="0">
+                <a:spAutoFit/>
+              </a:bodyPr>
+              <a:lstStyle/>
+              <a:p>
+                <a:pPr algn="r"/>
+                <a:r>
+                  <a:rPr lang="en-AU" sz="2200" dirty="0"/>
+                  <a:t>VC order</a:t>
+                </a:r>
+              </a:p>
+              <a:p>
+                <a:pPr algn="r"/>
+                <a:r>
+                  <a:rPr lang="en-AU" sz="2200" dirty="0"/>
+                  <a:t>permutations</a:t>
+                </a:r>
+              </a:p>
+            </p:txBody>
+          </p:sp>
+          <p:cxnSp>
+            <p:nvCxnSpPr>
+              <p:cNvPr id="82" name="Straight Connector 81">
+                <a:extLst>
+                  <a:ext uri="{FF2B5EF4-FFF2-40B4-BE49-F238E27FC236}">
+                    <a16:creationId xmlns:a16="http://schemas.microsoft.com/office/drawing/2014/main" id="{13A95C91-AB38-46AB-BD46-6DD2F90BCC65}"/>
+                  </a:ext>
+                </a:extLst>
+              </p:cNvPr>
+              <p:cNvCxnSpPr>
+                <a:cxnSpLocks/>
+              </p:cNvCxnSpPr>
+              <p:nvPr/>
+            </p:nvCxnSpPr>
+            <p:spPr>
+              <a:xfrm>
+                <a:off x="-31935" y="5477685"/>
+                <a:ext cx="2336163" cy="0"/>
+              </a:xfrm>
+              <a:prstGeom prst="line">
+                <a:avLst/>
+              </a:prstGeom>
+              <a:ln w="28575">
+                <a:solidFill>
+                  <a:schemeClr val="tx1"/>
+                </a:solidFill>
+              </a:ln>
+            </p:spPr>
+            <p:style>
+              <a:lnRef idx="1">
+                <a:schemeClr val="accent1"/>
+              </a:lnRef>
+              <a:fillRef idx="0">
+                <a:schemeClr val="accent1"/>
+              </a:fillRef>
+              <a:effectRef idx="0">
+                <a:schemeClr val="accent1"/>
+              </a:effectRef>
+              <a:fontRef idx="minor">
+                <a:schemeClr val="tx1"/>
+              </a:fontRef>
+            </p:style>
+          </p:cxnSp>
+          <p:cxnSp>
+            <p:nvCxnSpPr>
+              <p:cNvPr id="92" name="Straight Connector 91">
+                <a:extLst>
+                  <a:ext uri="{FF2B5EF4-FFF2-40B4-BE49-F238E27FC236}">
+                    <a16:creationId xmlns:a16="http://schemas.microsoft.com/office/drawing/2014/main" id="{C3BE3117-2E59-4345-8BA3-8C4D57EF04D5}"/>
+                  </a:ext>
+                </a:extLst>
+              </p:cNvPr>
+              <p:cNvCxnSpPr>
+                <a:cxnSpLocks/>
+              </p:cNvCxnSpPr>
+              <p:nvPr/>
+            </p:nvCxnSpPr>
+            <p:spPr>
+              <a:xfrm flipV="1">
+                <a:off x="1579685" y="4717656"/>
+                <a:ext cx="25901" cy="2883688"/>
+              </a:xfrm>
+              <a:prstGeom prst="line">
+                <a:avLst/>
+              </a:prstGeom>
+              <a:ln w="28575">
+                <a:solidFill>
+                  <a:schemeClr val="tx1"/>
+                </a:solidFill>
+              </a:ln>
+            </p:spPr>
+            <p:style>
+              <a:lnRef idx="1">
+                <a:schemeClr val="accent1"/>
+              </a:lnRef>
+              <a:fillRef idx="0">
+                <a:schemeClr val="accent1"/>
+              </a:fillRef>
+              <a:effectRef idx="0">
+                <a:schemeClr val="accent1"/>
+              </a:effectRef>
+              <a:fontRef idx="minor">
+                <a:schemeClr val="tx1"/>
+              </a:fontRef>
+            </p:style>
+          </p:cxnSp>
+          <p:sp>
+            <p:nvSpPr>
+              <p:cNvPr id="93" name="Rectangle: Rounded Corners 92">
+                <a:extLst>
+                  <a:ext uri="{FF2B5EF4-FFF2-40B4-BE49-F238E27FC236}">
+                    <a16:creationId xmlns:a16="http://schemas.microsoft.com/office/drawing/2014/main" id="{76D178BB-DE9E-45BC-BA4B-E54A892C8DBF}"/>
+                  </a:ext>
+                </a:extLst>
+              </p:cNvPr>
+              <p:cNvSpPr/>
+              <p:nvPr/>
+            </p:nvSpPr>
+            <p:spPr>
+              <a:xfrm>
+                <a:off x="1656912" y="5533108"/>
+                <a:ext cx="288000" cy="288000"/>
+              </a:xfrm>
+              <a:prstGeom prst="roundRect">
+                <a:avLst/>
+              </a:prstGeom>
+              <a:solidFill>
+                <a:srgbClr val="7030A0"/>
+              </a:solidFill>
+              <a:ln>
+                <a:solidFill>
+                  <a:schemeClr val="tx1"/>
+                </a:solidFill>
+              </a:ln>
+            </p:spPr>
+            <p:style>
+              <a:lnRef idx="2">
+                <a:schemeClr val="accent2">
+                  <a:shade val="50000"/>
+                </a:schemeClr>
+              </a:lnRef>
+              <a:fillRef idx="1">
+                <a:schemeClr val="accent2"/>
+              </a:fillRef>
+              <a:effectRef idx="0">
+                <a:schemeClr val="accent2"/>
+              </a:effectRef>
+              <a:fontRef idx="minor">
+                <a:schemeClr val="lt1"/>
+              </a:fontRef>
+            </p:style>
+            <p:txBody>
+              <a:bodyPr rtlCol="0" anchor="ctr"/>
+              <a:lstStyle/>
+              <a:p>
+                <a:pPr algn="ctr"/>
+                <a:r>
+                  <a:rPr lang="en-US" sz="2200" dirty="0"/>
+                  <a:t>1</a:t>
+                </a:r>
+                <a:endParaRPr lang="en-AU" sz="2200" dirty="0"/>
+              </a:p>
+            </p:txBody>
+          </p:sp>
+          <p:sp>
+            <p:nvSpPr>
+              <p:cNvPr id="126" name="Rectangle: Rounded Corners 125">
+                <a:extLst>
+                  <a:ext uri="{FF2B5EF4-FFF2-40B4-BE49-F238E27FC236}">
+                    <a16:creationId xmlns:a16="http://schemas.microsoft.com/office/drawing/2014/main" id="{B88928B6-E9E6-4AD0-8785-5F00BD5AC109}"/>
+                  </a:ext>
+                </a:extLst>
+              </p:cNvPr>
+              <p:cNvSpPr/>
+              <p:nvPr/>
+            </p:nvSpPr>
+            <p:spPr>
+              <a:xfrm>
+                <a:off x="1302138" y="5852662"/>
+                <a:ext cx="1022129" cy="349319"/>
+              </a:xfrm>
+              <a:prstGeom prst="roundRect">
+                <a:avLst/>
+              </a:prstGeom>
+              <a:noFill/>
+              <a:ln w="28575">
+                <a:solidFill>
+                  <a:srgbClr val="FF0000"/>
+                </a:solidFill>
+              </a:ln>
+            </p:spPr>
+            <p:style>
+              <a:lnRef idx="2">
+                <a:schemeClr val="accent1">
+                  <a:shade val="50000"/>
+                </a:schemeClr>
+              </a:lnRef>
+              <a:fillRef idx="1">
+                <a:schemeClr val="accent1"/>
+              </a:fillRef>
+              <a:effectRef idx="0">
+                <a:schemeClr val="accent1"/>
+              </a:effectRef>
+              <a:fontRef idx="minor">
+                <a:schemeClr val="lt1"/>
+              </a:fontRef>
+            </p:style>
+            <p:txBody>
+              <a:bodyPr rtlCol="0" anchor="ctr"/>
+              <a:lstStyle/>
+              <a:p>
+                <a:pPr algn="ctr"/>
+                <a:endParaRPr lang="en-AU"/>
+              </a:p>
+            </p:txBody>
+          </p:sp>
+          <p:sp>
+            <p:nvSpPr>
+              <p:cNvPr id="129" name="Rectangle: Rounded Corners 128">
+                <a:extLst>
+                  <a:ext uri="{FF2B5EF4-FFF2-40B4-BE49-F238E27FC236}">
+                    <a16:creationId xmlns:a16="http://schemas.microsoft.com/office/drawing/2014/main" id="{4B47D703-5C8D-4C1C-A636-8926D8B72C91}"/>
+                  </a:ext>
+                </a:extLst>
+              </p:cNvPr>
+              <p:cNvSpPr/>
+              <p:nvPr/>
+            </p:nvSpPr>
+            <p:spPr>
+              <a:xfrm>
+                <a:off x="1994428" y="5533108"/>
+                <a:ext cx="288000" cy="288000"/>
+              </a:xfrm>
+              <a:prstGeom prst="roundRect">
+                <a:avLst/>
+              </a:prstGeom>
+              <a:solidFill>
+                <a:schemeClr val="accent6">
+                  <a:lumMod val="75000"/>
+                </a:schemeClr>
+              </a:solidFill>
+              <a:ln>
+                <a:solidFill>
+                  <a:schemeClr val="tx1"/>
+                </a:solidFill>
+              </a:ln>
+            </p:spPr>
+            <p:style>
+              <a:lnRef idx="2">
+                <a:schemeClr val="accent1">
+                  <a:shade val="50000"/>
+                </a:schemeClr>
+              </a:lnRef>
+              <a:fillRef idx="1">
+                <a:schemeClr val="accent1"/>
+              </a:fillRef>
+              <a:effectRef idx="0">
+                <a:schemeClr val="accent1"/>
+              </a:effectRef>
+              <a:fontRef idx="minor">
+                <a:schemeClr val="lt1"/>
+              </a:fontRef>
+            </p:style>
+            <p:txBody>
+              <a:bodyPr rtlCol="0" anchor="ctr"/>
+              <a:lstStyle/>
+              <a:p>
+                <a:pPr algn="ctr"/>
+                <a:r>
+                  <a:rPr lang="en-US" sz="2200" dirty="0"/>
+                  <a:t>2</a:t>
+                </a:r>
+                <a:endParaRPr lang="en-AU" sz="2200" dirty="0"/>
+              </a:p>
+            </p:txBody>
+          </p:sp>
+          <p:sp>
+            <p:nvSpPr>
+              <p:cNvPr id="130" name="Rectangle: Rounded Corners 129">
+                <a:extLst>
+                  <a:ext uri="{FF2B5EF4-FFF2-40B4-BE49-F238E27FC236}">
+                    <a16:creationId xmlns:a16="http://schemas.microsoft.com/office/drawing/2014/main" id="{C19BD0F0-EACA-4582-A8C6-3D6622A974AB}"/>
+                  </a:ext>
+                </a:extLst>
+              </p:cNvPr>
+              <p:cNvSpPr/>
+              <p:nvPr/>
+            </p:nvSpPr>
+            <p:spPr>
+              <a:xfrm>
+                <a:off x="1990294" y="5887711"/>
+                <a:ext cx="288000" cy="288000"/>
+              </a:xfrm>
+              <a:prstGeom prst="roundRect">
+                <a:avLst/>
+              </a:prstGeom>
+              <a:solidFill>
+                <a:srgbClr val="C00000"/>
+              </a:solidFill>
+              <a:ln>
+                <a:solidFill>
+                  <a:schemeClr val="tx1"/>
+                </a:solidFill>
+              </a:ln>
+            </p:spPr>
+            <p:style>
+              <a:lnRef idx="2">
+                <a:schemeClr val="accent1">
+                  <a:shade val="50000"/>
+                </a:schemeClr>
+              </a:lnRef>
+              <a:fillRef idx="1">
+                <a:schemeClr val="accent1"/>
+              </a:fillRef>
+              <a:effectRef idx="0">
+                <a:schemeClr val="accent1"/>
+              </a:effectRef>
+              <a:fontRef idx="minor">
+                <a:schemeClr val="lt1"/>
+              </a:fontRef>
+            </p:style>
+            <p:txBody>
+              <a:bodyPr rtlCol="0" anchor="ctr"/>
+              <a:lstStyle/>
+              <a:p>
+                <a:pPr algn="ctr"/>
+                <a:r>
+                  <a:rPr lang="en-US" sz="2200" dirty="0"/>
+                  <a:t>3</a:t>
+                </a:r>
+                <a:endParaRPr lang="en-AU" sz="2200" dirty="0"/>
+              </a:p>
+            </p:txBody>
+          </p:sp>
+          <p:sp>
+            <p:nvSpPr>
+              <p:cNvPr id="142" name="Rectangle: Rounded Corners 141">
+                <a:extLst>
+                  <a:ext uri="{FF2B5EF4-FFF2-40B4-BE49-F238E27FC236}">
+                    <a16:creationId xmlns:a16="http://schemas.microsoft.com/office/drawing/2014/main" id="{61FAA038-F081-419A-A58B-97E2FD175B23}"/>
+                  </a:ext>
+                </a:extLst>
+              </p:cNvPr>
+              <p:cNvSpPr/>
+              <p:nvPr/>
+            </p:nvSpPr>
+            <p:spPr>
+              <a:xfrm>
+                <a:off x="1652836" y="5887711"/>
+                <a:ext cx="288000" cy="288000"/>
+              </a:xfrm>
+              <a:prstGeom prst="roundRect">
+                <a:avLst/>
+              </a:prstGeom>
+              <a:solidFill>
+                <a:srgbClr val="7030A0"/>
+              </a:solidFill>
+              <a:ln>
+                <a:solidFill>
+                  <a:schemeClr val="tx1"/>
+                </a:solidFill>
+              </a:ln>
+            </p:spPr>
+            <p:style>
+              <a:lnRef idx="2">
+                <a:schemeClr val="accent2">
+                  <a:shade val="50000"/>
+                </a:schemeClr>
+              </a:lnRef>
+              <a:fillRef idx="1">
+                <a:schemeClr val="accent2"/>
+              </a:fillRef>
+              <a:effectRef idx="0">
+                <a:schemeClr val="accent2"/>
+              </a:effectRef>
+              <a:fontRef idx="minor">
+                <a:schemeClr val="lt1"/>
+              </a:fontRef>
+            </p:style>
+            <p:txBody>
+              <a:bodyPr rtlCol="0" anchor="ctr"/>
+              <a:lstStyle/>
+              <a:p>
+                <a:pPr algn="ctr"/>
+                <a:r>
+                  <a:rPr lang="en-US" sz="2200" dirty="0"/>
+                  <a:t>1</a:t>
+                </a:r>
+                <a:endParaRPr lang="en-AU" sz="2200" dirty="0"/>
+              </a:p>
+            </p:txBody>
+          </p:sp>
+          <p:sp>
+            <p:nvSpPr>
+              <p:cNvPr id="143" name="Rectangle: Rounded Corners 142">
+                <a:extLst>
+                  <a:ext uri="{FF2B5EF4-FFF2-40B4-BE49-F238E27FC236}">
+                    <a16:creationId xmlns:a16="http://schemas.microsoft.com/office/drawing/2014/main" id="{24B97B35-E344-4BC5-AE5D-FC23EADE79B4}"/>
+                  </a:ext>
+                </a:extLst>
+              </p:cNvPr>
+              <p:cNvSpPr/>
+              <p:nvPr/>
+            </p:nvSpPr>
+            <p:spPr>
+              <a:xfrm>
+                <a:off x="1657892" y="6228661"/>
+                <a:ext cx="288000" cy="288000"/>
+              </a:xfrm>
+              <a:prstGeom prst="roundRect">
+                <a:avLst/>
+              </a:prstGeom>
+              <a:solidFill>
+                <a:schemeClr val="accent6">
+                  <a:lumMod val="75000"/>
+                </a:schemeClr>
+              </a:solidFill>
+              <a:ln>
+                <a:solidFill>
+                  <a:schemeClr val="tx1"/>
+                </a:solidFill>
+              </a:ln>
+            </p:spPr>
+            <p:style>
+              <a:lnRef idx="2">
+                <a:schemeClr val="accent1">
+                  <a:shade val="50000"/>
+                </a:schemeClr>
+              </a:lnRef>
+              <a:fillRef idx="1">
+                <a:schemeClr val="accent1"/>
+              </a:fillRef>
+              <a:effectRef idx="0">
+                <a:schemeClr val="accent1"/>
+              </a:effectRef>
+              <a:fontRef idx="minor">
+                <a:schemeClr val="lt1"/>
+              </a:fontRef>
+            </p:style>
+            <p:txBody>
+              <a:bodyPr rtlCol="0" anchor="ctr"/>
+              <a:lstStyle/>
+              <a:p>
+                <a:pPr algn="ctr"/>
+                <a:r>
+                  <a:rPr lang="en-US" sz="2200" dirty="0"/>
+                  <a:t>2</a:t>
+                </a:r>
+                <a:endParaRPr lang="en-AU" sz="2200" dirty="0"/>
+              </a:p>
+            </p:txBody>
+          </p:sp>
+          <p:sp>
+            <p:nvSpPr>
+              <p:cNvPr id="144" name="Rectangle: Rounded Corners 143">
+                <a:extLst>
+                  <a:ext uri="{FF2B5EF4-FFF2-40B4-BE49-F238E27FC236}">
+                    <a16:creationId xmlns:a16="http://schemas.microsoft.com/office/drawing/2014/main" id="{3AFF2609-55EC-4AE0-9230-642506CFB49E}"/>
+                  </a:ext>
+                </a:extLst>
+              </p:cNvPr>
+              <p:cNvSpPr/>
+              <p:nvPr/>
+            </p:nvSpPr>
+            <p:spPr>
+              <a:xfrm>
+                <a:off x="1657261" y="6550561"/>
+                <a:ext cx="288000" cy="288000"/>
+              </a:xfrm>
+              <a:prstGeom prst="roundRect">
+                <a:avLst/>
+              </a:prstGeom>
+              <a:solidFill>
+                <a:schemeClr val="accent6">
+                  <a:lumMod val="75000"/>
+                </a:schemeClr>
+              </a:solidFill>
+              <a:ln>
+                <a:solidFill>
+                  <a:schemeClr val="tx1"/>
+                </a:solidFill>
+              </a:ln>
+            </p:spPr>
+            <p:style>
+              <a:lnRef idx="2">
+                <a:schemeClr val="accent1">
+                  <a:shade val="50000"/>
+                </a:schemeClr>
+              </a:lnRef>
+              <a:fillRef idx="1">
+                <a:schemeClr val="accent1"/>
+              </a:fillRef>
+              <a:effectRef idx="0">
+                <a:schemeClr val="accent1"/>
+              </a:effectRef>
+              <a:fontRef idx="minor">
+                <a:schemeClr val="lt1"/>
+              </a:fontRef>
+            </p:style>
+            <p:txBody>
+              <a:bodyPr rtlCol="0" anchor="ctr"/>
+              <a:lstStyle/>
+              <a:p>
+                <a:pPr algn="ctr"/>
+                <a:r>
+                  <a:rPr lang="en-US" sz="2200" dirty="0"/>
+                  <a:t>2</a:t>
+                </a:r>
+                <a:endParaRPr lang="en-AU" sz="2200" dirty="0"/>
+              </a:p>
+            </p:txBody>
+          </p:sp>
+          <p:sp>
+            <p:nvSpPr>
+              <p:cNvPr id="146" name="Rectangle: Rounded Corners 145">
+                <a:extLst>
+                  <a:ext uri="{FF2B5EF4-FFF2-40B4-BE49-F238E27FC236}">
+                    <a16:creationId xmlns:a16="http://schemas.microsoft.com/office/drawing/2014/main" id="{381F1431-E1C6-45B2-B6AE-ED9C169F22BA}"/>
+                  </a:ext>
+                </a:extLst>
+              </p:cNvPr>
+              <p:cNvSpPr/>
+              <p:nvPr/>
+            </p:nvSpPr>
+            <p:spPr>
+              <a:xfrm>
+                <a:off x="1652836" y="6885663"/>
+                <a:ext cx="288000" cy="288000"/>
+              </a:xfrm>
+              <a:prstGeom prst="roundRect">
+                <a:avLst/>
+              </a:prstGeom>
+              <a:solidFill>
+                <a:srgbClr val="C00000"/>
+              </a:solidFill>
+              <a:ln>
+                <a:solidFill>
+                  <a:schemeClr val="tx1"/>
+                </a:solidFill>
+              </a:ln>
+            </p:spPr>
+            <p:style>
+              <a:lnRef idx="2">
+                <a:schemeClr val="accent1">
+                  <a:shade val="50000"/>
+                </a:schemeClr>
+              </a:lnRef>
+              <a:fillRef idx="1">
+                <a:schemeClr val="accent1"/>
+              </a:fillRef>
+              <a:effectRef idx="0">
+                <a:schemeClr val="accent1"/>
+              </a:effectRef>
+              <a:fontRef idx="minor">
+                <a:schemeClr val="lt1"/>
+              </a:fontRef>
+            </p:style>
+            <p:txBody>
+              <a:bodyPr rtlCol="0" anchor="ctr"/>
+              <a:lstStyle/>
+              <a:p>
+                <a:pPr algn="ctr"/>
+                <a:r>
+                  <a:rPr lang="en-US" sz="2200" dirty="0"/>
+                  <a:t>3</a:t>
+                </a:r>
+                <a:endParaRPr lang="en-AU" sz="2200" dirty="0"/>
+              </a:p>
+            </p:txBody>
+          </p:sp>
+          <p:sp>
+            <p:nvSpPr>
+              <p:cNvPr id="148" name="Rectangle: Rounded Corners 147">
+                <a:extLst>
+                  <a:ext uri="{FF2B5EF4-FFF2-40B4-BE49-F238E27FC236}">
+                    <a16:creationId xmlns:a16="http://schemas.microsoft.com/office/drawing/2014/main" id="{C44E3078-E253-43A6-BF3A-E239B496977F}"/>
+                  </a:ext>
+                </a:extLst>
+              </p:cNvPr>
+              <p:cNvSpPr/>
+              <p:nvPr/>
+            </p:nvSpPr>
+            <p:spPr>
+              <a:xfrm>
+                <a:off x="1652833" y="7229919"/>
+                <a:ext cx="288000" cy="288000"/>
+              </a:xfrm>
+              <a:prstGeom prst="roundRect">
+                <a:avLst/>
+              </a:prstGeom>
+              <a:solidFill>
+                <a:srgbClr val="C00000"/>
+              </a:solidFill>
+              <a:ln>
+                <a:solidFill>
+                  <a:schemeClr val="tx1"/>
+                </a:solidFill>
+              </a:ln>
+            </p:spPr>
+            <p:style>
+              <a:lnRef idx="2">
+                <a:schemeClr val="accent1">
+                  <a:shade val="50000"/>
+                </a:schemeClr>
+              </a:lnRef>
+              <a:fillRef idx="1">
+                <a:schemeClr val="accent1"/>
+              </a:fillRef>
+              <a:effectRef idx="0">
+                <a:schemeClr val="accent1"/>
+              </a:effectRef>
+              <a:fontRef idx="minor">
+                <a:schemeClr val="lt1"/>
+              </a:fontRef>
+            </p:style>
+            <p:txBody>
+              <a:bodyPr rtlCol="0" anchor="ctr"/>
+              <a:lstStyle/>
+              <a:p>
+                <a:pPr algn="ctr"/>
+                <a:r>
+                  <a:rPr lang="en-US" sz="2200" dirty="0"/>
+                  <a:t>3</a:t>
+                </a:r>
+                <a:endParaRPr lang="en-AU" sz="2200" dirty="0"/>
+              </a:p>
+            </p:txBody>
+          </p:sp>
+          <p:sp>
+            <p:nvSpPr>
+              <p:cNvPr id="150" name="Rectangle: Rounded Corners 149">
+                <a:extLst>
+                  <a:ext uri="{FF2B5EF4-FFF2-40B4-BE49-F238E27FC236}">
+                    <a16:creationId xmlns:a16="http://schemas.microsoft.com/office/drawing/2014/main" id="{3DC8D0EA-DBF3-42AC-9D8B-26982FFCB0BC}"/>
+                  </a:ext>
+                </a:extLst>
+              </p:cNvPr>
+              <p:cNvSpPr/>
+              <p:nvPr/>
+            </p:nvSpPr>
+            <p:spPr>
+              <a:xfrm>
+                <a:off x="1998198" y="6222311"/>
+                <a:ext cx="288000" cy="288000"/>
+              </a:xfrm>
+              <a:prstGeom prst="roundRect">
+                <a:avLst/>
+              </a:prstGeom>
+              <a:solidFill>
+                <a:srgbClr val="C00000"/>
+              </a:solidFill>
+              <a:ln>
+                <a:solidFill>
+                  <a:schemeClr val="tx1"/>
+                </a:solidFill>
+              </a:ln>
+            </p:spPr>
+            <p:style>
+              <a:lnRef idx="2">
+                <a:schemeClr val="accent1">
+                  <a:shade val="50000"/>
+                </a:schemeClr>
+              </a:lnRef>
+              <a:fillRef idx="1">
+                <a:schemeClr val="accent1"/>
+              </a:fillRef>
+              <a:effectRef idx="0">
+                <a:schemeClr val="accent1"/>
+              </a:effectRef>
+              <a:fontRef idx="minor">
+                <a:schemeClr val="lt1"/>
+              </a:fontRef>
+            </p:style>
+            <p:txBody>
+              <a:bodyPr rtlCol="0" anchor="ctr"/>
+              <a:lstStyle/>
+              <a:p>
+                <a:pPr algn="ctr"/>
+                <a:r>
+                  <a:rPr lang="en-US" sz="2200" dirty="0"/>
+                  <a:t>3</a:t>
+                </a:r>
+                <a:endParaRPr lang="en-AU" sz="2200" dirty="0"/>
+              </a:p>
+            </p:txBody>
+          </p:sp>
+          <p:sp>
+            <p:nvSpPr>
+              <p:cNvPr id="151" name="Rectangle: Rounded Corners 150">
+                <a:extLst>
+                  <a:ext uri="{FF2B5EF4-FFF2-40B4-BE49-F238E27FC236}">
+                    <a16:creationId xmlns:a16="http://schemas.microsoft.com/office/drawing/2014/main" id="{E020CA3D-5BF6-412A-A68C-C36DE314525E}"/>
+                  </a:ext>
+                </a:extLst>
+              </p:cNvPr>
+              <p:cNvSpPr/>
+              <p:nvPr/>
+            </p:nvSpPr>
+            <p:spPr>
+              <a:xfrm>
+                <a:off x="2001254" y="6550561"/>
+                <a:ext cx="288000" cy="288000"/>
+              </a:xfrm>
+              <a:prstGeom prst="roundRect">
+                <a:avLst/>
+              </a:prstGeom>
+              <a:solidFill>
+                <a:srgbClr val="7030A0"/>
+              </a:solidFill>
+              <a:ln>
+                <a:solidFill>
+                  <a:schemeClr val="tx1"/>
+                </a:solidFill>
+              </a:ln>
+            </p:spPr>
+            <p:style>
+              <a:lnRef idx="2">
+                <a:schemeClr val="accent2">
+                  <a:shade val="50000"/>
+                </a:schemeClr>
+              </a:lnRef>
+              <a:fillRef idx="1">
+                <a:schemeClr val="accent2"/>
+              </a:fillRef>
+              <a:effectRef idx="0">
+                <a:schemeClr val="accent2"/>
+              </a:effectRef>
+              <a:fontRef idx="minor">
+                <a:schemeClr val="lt1"/>
+              </a:fontRef>
+            </p:style>
+            <p:txBody>
+              <a:bodyPr rtlCol="0" anchor="ctr"/>
+              <a:lstStyle/>
+              <a:p>
+                <a:pPr algn="ctr"/>
+                <a:r>
+                  <a:rPr lang="en-US" sz="2200" dirty="0"/>
+                  <a:t>1</a:t>
+                </a:r>
+                <a:endParaRPr lang="en-AU" sz="2200" dirty="0"/>
+              </a:p>
+            </p:txBody>
+          </p:sp>
+          <p:sp>
+            <p:nvSpPr>
+              <p:cNvPr id="153" name="Rectangle: Rounded Corners 152">
+                <a:extLst>
+                  <a:ext uri="{FF2B5EF4-FFF2-40B4-BE49-F238E27FC236}">
+                    <a16:creationId xmlns:a16="http://schemas.microsoft.com/office/drawing/2014/main" id="{65F9AD18-D85E-4B33-85D2-2F46E7C6EBB6}"/>
+                  </a:ext>
+                </a:extLst>
+              </p:cNvPr>
+              <p:cNvSpPr/>
+              <p:nvPr/>
+            </p:nvSpPr>
+            <p:spPr>
+              <a:xfrm>
+                <a:off x="2001457" y="6885663"/>
+                <a:ext cx="288000" cy="288000"/>
+              </a:xfrm>
+              <a:prstGeom prst="roundRect">
+                <a:avLst/>
+              </a:prstGeom>
+              <a:solidFill>
+                <a:srgbClr val="7030A0"/>
+              </a:solidFill>
+              <a:ln>
+                <a:solidFill>
+                  <a:schemeClr val="tx1"/>
+                </a:solidFill>
+              </a:ln>
+            </p:spPr>
+            <p:style>
+              <a:lnRef idx="2">
+                <a:schemeClr val="accent2">
+                  <a:shade val="50000"/>
+                </a:schemeClr>
+              </a:lnRef>
+              <a:fillRef idx="1">
+                <a:schemeClr val="accent2"/>
+              </a:fillRef>
+              <a:effectRef idx="0">
+                <a:schemeClr val="accent2"/>
+              </a:effectRef>
+              <a:fontRef idx="minor">
+                <a:schemeClr val="lt1"/>
+              </a:fontRef>
+            </p:style>
+            <p:txBody>
+              <a:bodyPr rtlCol="0" anchor="ctr"/>
+              <a:lstStyle/>
+              <a:p>
+                <a:pPr algn="ctr"/>
+                <a:r>
+                  <a:rPr lang="en-US" sz="2200" dirty="0"/>
+                  <a:t>1</a:t>
+                </a:r>
+                <a:endParaRPr lang="en-AU" sz="2200" dirty="0"/>
+              </a:p>
+            </p:txBody>
+          </p:sp>
+          <p:sp>
+            <p:nvSpPr>
+              <p:cNvPr id="154" name="Rectangle: Rounded Corners 153">
+                <a:extLst>
+                  <a:ext uri="{FF2B5EF4-FFF2-40B4-BE49-F238E27FC236}">
+                    <a16:creationId xmlns:a16="http://schemas.microsoft.com/office/drawing/2014/main" id="{BD819935-11AE-4B48-8502-811D6737D766}"/>
+                  </a:ext>
+                </a:extLst>
+              </p:cNvPr>
+              <p:cNvSpPr/>
+              <p:nvPr/>
+            </p:nvSpPr>
+            <p:spPr>
+              <a:xfrm>
+                <a:off x="1998198" y="7232963"/>
+                <a:ext cx="288000" cy="288000"/>
+              </a:xfrm>
+              <a:prstGeom prst="roundRect">
+                <a:avLst/>
+              </a:prstGeom>
+              <a:solidFill>
+                <a:schemeClr val="accent6">
+                  <a:lumMod val="75000"/>
+                </a:schemeClr>
+              </a:solidFill>
+              <a:ln>
+                <a:solidFill>
+                  <a:schemeClr val="tx1"/>
+                </a:solidFill>
+              </a:ln>
+            </p:spPr>
+            <p:style>
+              <a:lnRef idx="2">
+                <a:schemeClr val="accent1">
+                  <a:shade val="50000"/>
+                </a:schemeClr>
+              </a:lnRef>
+              <a:fillRef idx="1">
+                <a:schemeClr val="accent1"/>
+              </a:fillRef>
+              <a:effectRef idx="0">
+                <a:schemeClr val="accent1"/>
+              </a:effectRef>
+              <a:fontRef idx="minor">
+                <a:schemeClr val="lt1"/>
+              </a:fontRef>
+            </p:style>
+            <p:txBody>
+              <a:bodyPr rtlCol="0" anchor="ctr"/>
+              <a:lstStyle/>
+              <a:p>
+                <a:pPr algn="ctr"/>
+                <a:r>
+                  <a:rPr lang="en-US" sz="2200" dirty="0"/>
+                  <a:t>2</a:t>
+                </a:r>
+                <a:endParaRPr lang="en-AU" sz="2200" dirty="0"/>
+              </a:p>
+            </p:txBody>
+          </p:sp>
+        </p:grpSp>
+        <p:grpSp>
+          <p:nvGrpSpPr>
+            <p:cNvPr id="14" name="Group 13">
+              <a:extLst>
+                <a:ext uri="{FF2B5EF4-FFF2-40B4-BE49-F238E27FC236}">
+                  <a16:creationId xmlns:a16="http://schemas.microsoft.com/office/drawing/2014/main" id="{20284854-774D-4C81-8B32-8BFC3C575FB5}"/>
+                </a:ext>
+              </a:extLst>
+            </p:cNvPr>
+            <p:cNvGrpSpPr/>
+            <p:nvPr/>
+          </p:nvGrpSpPr>
+          <p:grpSpPr>
+            <a:xfrm>
+              <a:off x="8562473" y="-404681"/>
+              <a:ext cx="2847351" cy="2451203"/>
+              <a:chOff x="6985632" y="1836062"/>
+              <a:chExt cx="2847351" cy="2451203"/>
+            </a:xfrm>
+          </p:grpSpPr>
+          <p:sp>
+            <p:nvSpPr>
+              <p:cNvPr id="91" name="TextBox 90">
+                <a:extLst>
+                  <a:ext uri="{FF2B5EF4-FFF2-40B4-BE49-F238E27FC236}">
+                    <a16:creationId xmlns:a16="http://schemas.microsoft.com/office/drawing/2014/main" id="{A0E36CB6-2D3D-43AF-A2CA-58B1C7AC8DFC}"/>
+                  </a:ext>
+                </a:extLst>
+              </p:cNvPr>
+              <p:cNvSpPr txBox="1"/>
+              <p:nvPr/>
+            </p:nvSpPr>
+            <p:spPr>
+              <a:xfrm rot="16200000">
+                <a:off x="8613861" y="1939052"/>
+                <a:ext cx="1313976" cy="1107996"/>
+              </a:xfrm>
+              <a:prstGeom prst="rect">
+                <a:avLst/>
+              </a:prstGeom>
+              <a:noFill/>
+            </p:spPr>
+            <p:txBody>
+              <a:bodyPr wrap="square" rtlCol="0">
+                <a:spAutoFit/>
+              </a:bodyPr>
+              <a:lstStyle/>
+              <a:p>
+                <a:r>
+                  <a:rPr lang="en-AU" sz="2200" dirty="0"/>
+                  <a:t>Factor 1</a:t>
+                </a:r>
+                <a:endParaRPr lang="en-US" sz="2200" dirty="0"/>
+              </a:p>
+              <a:p>
+                <a:r>
+                  <a:rPr lang="en-AU" sz="2200" dirty="0"/>
+                  <a:t>Factor 2</a:t>
+                </a:r>
+                <a:endParaRPr lang="en-US" sz="2200" dirty="0"/>
+              </a:p>
+              <a:p>
+                <a:r>
+                  <a:rPr lang="en-AU" sz="2200" dirty="0"/>
+                  <a:t>Factor 3</a:t>
+                </a:r>
+              </a:p>
+            </p:txBody>
+          </p:sp>
+          <p:sp>
+            <p:nvSpPr>
+              <p:cNvPr id="101" name="TextBox 100">
+                <a:extLst>
+                  <a:ext uri="{FF2B5EF4-FFF2-40B4-BE49-F238E27FC236}">
+                    <a16:creationId xmlns:a16="http://schemas.microsoft.com/office/drawing/2014/main" id="{6615A6A0-FC09-46DF-B644-FE09A7D0978B}"/>
+                  </a:ext>
+                </a:extLst>
+              </p:cNvPr>
+              <p:cNvSpPr txBox="1"/>
+              <p:nvPr/>
+            </p:nvSpPr>
+            <p:spPr>
+              <a:xfrm>
+                <a:off x="6985632" y="2387103"/>
+                <a:ext cx="1745321" cy="769441"/>
+              </a:xfrm>
+              <a:prstGeom prst="rect">
+                <a:avLst/>
+              </a:prstGeom>
+              <a:noFill/>
+            </p:spPr>
+            <p:txBody>
+              <a:bodyPr wrap="square" rtlCol="0">
+                <a:spAutoFit/>
+              </a:bodyPr>
+              <a:lstStyle/>
+              <a:p>
+                <a:pPr algn="r"/>
+                <a:r>
+                  <a:rPr lang="en-AU" sz="2200" dirty="0"/>
+                  <a:t>Factor order</a:t>
+                </a:r>
+              </a:p>
+              <a:p>
+                <a:pPr algn="r"/>
+                <a:r>
+                  <a:rPr lang="en-AU" sz="2200" dirty="0"/>
+                  <a:t>permutations</a:t>
+                </a:r>
+              </a:p>
+            </p:txBody>
+          </p:sp>
+          <p:cxnSp>
+            <p:nvCxnSpPr>
+              <p:cNvPr id="103" name="Straight Connector 102">
+                <a:extLst>
+                  <a:ext uri="{FF2B5EF4-FFF2-40B4-BE49-F238E27FC236}">
+                    <a16:creationId xmlns:a16="http://schemas.microsoft.com/office/drawing/2014/main" id="{6A71EBFC-240F-4F7E-81F3-F1F1EB47F1F9}"/>
+                  </a:ext>
+                </a:extLst>
+              </p:cNvPr>
+              <p:cNvCxnSpPr>
+                <a:cxnSpLocks/>
+              </p:cNvCxnSpPr>
+              <p:nvPr/>
+            </p:nvCxnSpPr>
+            <p:spPr>
+              <a:xfrm>
+                <a:off x="7097522" y="3169978"/>
+                <a:ext cx="2717068" cy="4223"/>
+              </a:xfrm>
+              <a:prstGeom prst="line">
+                <a:avLst/>
+              </a:prstGeom>
+              <a:ln w="28575">
+                <a:solidFill>
+                  <a:schemeClr val="tx1"/>
+                </a:solidFill>
+              </a:ln>
+            </p:spPr>
+            <p:style>
+              <a:lnRef idx="1">
+                <a:schemeClr val="accent1"/>
+              </a:lnRef>
+              <a:fillRef idx="0">
+                <a:schemeClr val="accent1"/>
+              </a:fillRef>
+              <a:effectRef idx="0">
+                <a:schemeClr val="accent1"/>
+              </a:effectRef>
+              <a:fontRef idx="minor">
+                <a:schemeClr val="tx1"/>
+              </a:fontRef>
+            </p:style>
+          </p:cxnSp>
+          <p:cxnSp>
+            <p:nvCxnSpPr>
+              <p:cNvPr id="105" name="Straight Connector 104">
+                <a:extLst>
+                  <a:ext uri="{FF2B5EF4-FFF2-40B4-BE49-F238E27FC236}">
+                    <a16:creationId xmlns:a16="http://schemas.microsoft.com/office/drawing/2014/main" id="{CF0D562E-51D1-4BC6-AFAC-1247D4DEEB46}"/>
+                  </a:ext>
+                </a:extLst>
+              </p:cNvPr>
+              <p:cNvCxnSpPr>
+                <a:cxnSpLocks/>
+                <a:endCxn id="91" idx="0"/>
+              </p:cNvCxnSpPr>
+              <p:nvPr/>
+            </p:nvCxnSpPr>
+            <p:spPr>
+              <a:xfrm flipV="1">
+                <a:off x="8716851" y="2493050"/>
+                <a:ext cx="0" cy="1794215"/>
+              </a:xfrm>
+              <a:prstGeom prst="line">
+                <a:avLst/>
+              </a:prstGeom>
+              <a:ln w="28575">
+                <a:solidFill>
+                  <a:schemeClr val="tx1"/>
+                </a:solidFill>
+              </a:ln>
+            </p:spPr>
+            <p:style>
+              <a:lnRef idx="1">
+                <a:schemeClr val="accent1"/>
+              </a:lnRef>
+              <a:fillRef idx="0">
+                <a:schemeClr val="accent1"/>
+              </a:fillRef>
+              <a:effectRef idx="0">
+                <a:schemeClr val="accent1"/>
+              </a:effectRef>
+              <a:fontRef idx="minor">
+                <a:schemeClr val="tx1"/>
+              </a:fontRef>
+            </p:style>
+          </p:cxnSp>
+          <p:sp>
+            <p:nvSpPr>
+              <p:cNvPr id="108" name="Rectangle: Rounded Corners 107">
+                <a:extLst>
+                  <a:ext uri="{FF2B5EF4-FFF2-40B4-BE49-F238E27FC236}">
+                    <a16:creationId xmlns:a16="http://schemas.microsoft.com/office/drawing/2014/main" id="{7E55F61C-0D4A-4947-A1F4-3E5D00D9495A}"/>
+                  </a:ext>
+                </a:extLst>
+              </p:cNvPr>
+              <p:cNvSpPr/>
+              <p:nvPr/>
+            </p:nvSpPr>
+            <p:spPr>
+              <a:xfrm>
+                <a:off x="8786456" y="3250471"/>
+                <a:ext cx="288000" cy="287908"/>
+              </a:xfrm>
+              <a:prstGeom prst="roundRect">
+                <a:avLst/>
+              </a:prstGeom>
+              <a:solidFill>
+                <a:srgbClr val="7030A0"/>
+              </a:solidFill>
+              <a:ln>
+                <a:solidFill>
+                  <a:schemeClr val="tx1"/>
+                </a:solidFill>
+              </a:ln>
+            </p:spPr>
+            <p:style>
+              <a:lnRef idx="2">
+                <a:schemeClr val="accent2">
+                  <a:shade val="50000"/>
+                </a:schemeClr>
+              </a:lnRef>
+              <a:fillRef idx="1">
+                <a:schemeClr val="accent2"/>
+              </a:fillRef>
+              <a:effectRef idx="0">
+                <a:schemeClr val="accent2"/>
+              </a:effectRef>
+              <a:fontRef idx="minor">
+                <a:schemeClr val="lt1"/>
+              </a:fontRef>
+            </p:style>
+            <p:txBody>
+              <a:bodyPr rtlCol="0" anchor="ctr"/>
+              <a:lstStyle/>
+              <a:p>
+                <a:pPr algn="ctr"/>
+                <a:r>
+                  <a:rPr lang="en-AU" sz="2200" dirty="0"/>
+                  <a:t>P</a:t>
+                </a:r>
+              </a:p>
+            </p:txBody>
+          </p:sp>
+          <p:sp>
+            <p:nvSpPr>
+              <p:cNvPr id="109" name="Rectangle: Rounded Corners 108">
+                <a:extLst>
+                  <a:ext uri="{FF2B5EF4-FFF2-40B4-BE49-F238E27FC236}">
+                    <a16:creationId xmlns:a16="http://schemas.microsoft.com/office/drawing/2014/main" id="{6BCD82A6-7A2E-4009-92CE-715366D99168}"/>
+                  </a:ext>
+                </a:extLst>
+              </p:cNvPr>
+              <p:cNvSpPr/>
+              <p:nvPr/>
+            </p:nvSpPr>
+            <p:spPr>
+              <a:xfrm>
+                <a:off x="9145685" y="3244987"/>
+                <a:ext cx="288000" cy="287908"/>
+              </a:xfrm>
+              <a:prstGeom prst="roundRect">
+                <a:avLst/>
+              </a:prstGeom>
+              <a:solidFill>
+                <a:schemeClr val="accent6">
+                  <a:lumMod val="75000"/>
+                </a:schemeClr>
+              </a:solidFill>
+              <a:ln>
+                <a:solidFill>
+                  <a:schemeClr val="tx1"/>
+                </a:solidFill>
+              </a:ln>
+            </p:spPr>
+            <p:style>
+              <a:lnRef idx="2">
+                <a:schemeClr val="accent1">
+                  <a:shade val="50000"/>
+                </a:schemeClr>
+              </a:lnRef>
+              <a:fillRef idx="1">
+                <a:schemeClr val="accent1"/>
+              </a:fillRef>
+              <a:effectRef idx="0">
+                <a:schemeClr val="accent1"/>
+              </a:effectRef>
+              <a:fontRef idx="minor">
+                <a:schemeClr val="lt1"/>
+              </a:fontRef>
+            </p:style>
+            <p:txBody>
+              <a:bodyPr rtlCol="0" anchor="ctr"/>
+              <a:lstStyle/>
+              <a:p>
+                <a:pPr algn="ctr"/>
+                <a:r>
+                  <a:rPr lang="en-AU" sz="2200" dirty="0"/>
+                  <a:t>G</a:t>
+                </a:r>
+              </a:p>
+            </p:txBody>
+          </p:sp>
+          <p:sp>
+            <p:nvSpPr>
+              <p:cNvPr id="110" name="Rectangle: Rounded Corners 109">
+                <a:extLst>
+                  <a:ext uri="{FF2B5EF4-FFF2-40B4-BE49-F238E27FC236}">
+                    <a16:creationId xmlns:a16="http://schemas.microsoft.com/office/drawing/2014/main" id="{3BDCF052-C3B5-4422-9C54-D8531F230B53}"/>
+                  </a:ext>
+                </a:extLst>
+              </p:cNvPr>
+              <p:cNvSpPr/>
+              <p:nvPr/>
+            </p:nvSpPr>
+            <p:spPr>
+              <a:xfrm>
+                <a:off x="9497280" y="3239653"/>
+                <a:ext cx="288000" cy="287908"/>
+              </a:xfrm>
+              <a:prstGeom prst="roundRect">
+                <a:avLst/>
+              </a:prstGeom>
+              <a:solidFill>
+                <a:srgbClr val="C00000"/>
+              </a:solidFill>
+              <a:ln>
+                <a:solidFill>
+                  <a:schemeClr val="tx1"/>
+                </a:solidFill>
+              </a:ln>
+            </p:spPr>
+            <p:style>
+              <a:lnRef idx="2">
+                <a:schemeClr val="accent1">
+                  <a:shade val="50000"/>
+                </a:schemeClr>
+              </a:lnRef>
+              <a:fillRef idx="1">
+                <a:schemeClr val="accent1"/>
+              </a:fillRef>
+              <a:effectRef idx="0">
+                <a:schemeClr val="accent1"/>
+              </a:effectRef>
+              <a:fontRef idx="minor">
+                <a:schemeClr val="lt1"/>
+              </a:fontRef>
+            </p:style>
+            <p:txBody>
+              <a:bodyPr rtlCol="0" anchor="ctr"/>
+              <a:lstStyle/>
+              <a:p>
+                <a:pPr algn="ctr"/>
+                <a:r>
+                  <a:rPr lang="en-AU" sz="2200" dirty="0"/>
+                  <a:t>R</a:t>
+                </a:r>
+              </a:p>
+            </p:txBody>
+          </p:sp>
+          <p:sp>
+            <p:nvSpPr>
+              <p:cNvPr id="117" name="Rectangle: Rounded Corners 116">
+                <a:extLst>
+                  <a:ext uri="{FF2B5EF4-FFF2-40B4-BE49-F238E27FC236}">
+                    <a16:creationId xmlns:a16="http://schemas.microsoft.com/office/drawing/2014/main" id="{FCBC9B5A-739C-4EEF-ACFD-E8BC3E0F819B}"/>
+                  </a:ext>
+                </a:extLst>
+              </p:cNvPr>
+              <p:cNvSpPr/>
+              <p:nvPr/>
+            </p:nvSpPr>
+            <p:spPr>
+              <a:xfrm>
+                <a:off x="9148644" y="3957580"/>
+                <a:ext cx="288000" cy="287908"/>
+              </a:xfrm>
+              <a:prstGeom prst="roundRect">
+                <a:avLst/>
+              </a:prstGeom>
+              <a:solidFill>
+                <a:srgbClr val="7030A0"/>
+              </a:solidFill>
+              <a:ln>
+                <a:solidFill>
+                  <a:schemeClr val="tx1"/>
+                </a:solidFill>
+              </a:ln>
+            </p:spPr>
+            <p:style>
+              <a:lnRef idx="2">
+                <a:schemeClr val="accent2">
+                  <a:shade val="50000"/>
+                </a:schemeClr>
+              </a:lnRef>
+              <a:fillRef idx="1">
+                <a:schemeClr val="accent2"/>
+              </a:fillRef>
+              <a:effectRef idx="0">
+                <a:schemeClr val="accent2"/>
+              </a:effectRef>
+              <a:fontRef idx="minor">
+                <a:schemeClr val="lt1"/>
+              </a:fontRef>
+            </p:style>
+            <p:txBody>
+              <a:bodyPr rtlCol="0" anchor="ctr"/>
+              <a:lstStyle/>
+              <a:p>
+                <a:pPr algn="ctr"/>
+                <a:r>
+                  <a:rPr lang="en-AU" sz="2200" dirty="0"/>
+                  <a:t>P</a:t>
+                </a:r>
+              </a:p>
+            </p:txBody>
+          </p:sp>
+          <p:sp>
+            <p:nvSpPr>
+              <p:cNvPr id="118" name="Rectangle: Rounded Corners 117">
+                <a:extLst>
+                  <a:ext uri="{FF2B5EF4-FFF2-40B4-BE49-F238E27FC236}">
+                    <a16:creationId xmlns:a16="http://schemas.microsoft.com/office/drawing/2014/main" id="{2C893B97-B488-482E-9C2A-3D4315754451}"/>
+                  </a:ext>
+                </a:extLst>
+              </p:cNvPr>
+              <p:cNvSpPr/>
+              <p:nvPr/>
+            </p:nvSpPr>
+            <p:spPr>
+              <a:xfrm>
+                <a:off x="9508514" y="3961701"/>
+                <a:ext cx="288000" cy="287908"/>
+              </a:xfrm>
+              <a:prstGeom prst="roundRect">
+                <a:avLst/>
+              </a:prstGeom>
+              <a:solidFill>
+                <a:schemeClr val="accent6">
+                  <a:lumMod val="75000"/>
+                </a:schemeClr>
+              </a:solidFill>
+              <a:ln>
+                <a:solidFill>
+                  <a:schemeClr val="tx1"/>
+                </a:solidFill>
+              </a:ln>
+            </p:spPr>
+            <p:style>
+              <a:lnRef idx="2">
+                <a:schemeClr val="accent1">
+                  <a:shade val="50000"/>
+                </a:schemeClr>
+              </a:lnRef>
+              <a:fillRef idx="1">
+                <a:schemeClr val="accent1"/>
+              </a:fillRef>
+              <a:effectRef idx="0">
+                <a:schemeClr val="accent1"/>
+              </a:effectRef>
+              <a:fontRef idx="minor">
+                <a:schemeClr val="lt1"/>
+              </a:fontRef>
+            </p:style>
+            <p:txBody>
+              <a:bodyPr rtlCol="0" anchor="ctr"/>
+              <a:lstStyle/>
+              <a:p>
+                <a:pPr algn="ctr"/>
+                <a:r>
+                  <a:rPr lang="en-AU" sz="2200" dirty="0"/>
+                  <a:t>G</a:t>
+                </a:r>
+              </a:p>
+            </p:txBody>
+          </p:sp>
+          <p:sp>
+            <p:nvSpPr>
+              <p:cNvPr id="119" name="Rectangle: Rounded Corners 118">
+                <a:extLst>
+                  <a:ext uri="{FF2B5EF4-FFF2-40B4-BE49-F238E27FC236}">
+                    <a16:creationId xmlns:a16="http://schemas.microsoft.com/office/drawing/2014/main" id="{A20AF9F4-2121-4501-B940-F1CF5C754200}"/>
+                  </a:ext>
+                </a:extLst>
+              </p:cNvPr>
+              <p:cNvSpPr/>
+              <p:nvPr/>
+            </p:nvSpPr>
+            <p:spPr>
+              <a:xfrm>
+                <a:off x="8789680" y="3950152"/>
+                <a:ext cx="288000" cy="287908"/>
+              </a:xfrm>
+              <a:prstGeom prst="roundRect">
+                <a:avLst/>
+              </a:prstGeom>
+              <a:solidFill>
+                <a:srgbClr val="C00000"/>
+              </a:solidFill>
+              <a:ln>
+                <a:solidFill>
+                  <a:schemeClr val="tx1"/>
+                </a:solidFill>
+              </a:ln>
+            </p:spPr>
+            <p:style>
+              <a:lnRef idx="2">
+                <a:schemeClr val="accent1">
+                  <a:shade val="50000"/>
+                </a:schemeClr>
+              </a:lnRef>
+              <a:fillRef idx="1">
+                <a:schemeClr val="accent1"/>
+              </a:fillRef>
+              <a:effectRef idx="0">
+                <a:schemeClr val="accent1"/>
+              </a:effectRef>
+              <a:fontRef idx="minor">
+                <a:schemeClr val="lt1"/>
+              </a:fontRef>
+            </p:style>
+            <p:txBody>
+              <a:bodyPr rtlCol="0" anchor="ctr"/>
+              <a:lstStyle/>
+              <a:p>
+                <a:pPr algn="ctr"/>
+                <a:r>
+                  <a:rPr lang="en-AU" sz="2200" dirty="0"/>
+                  <a:t>R</a:t>
+                </a:r>
+              </a:p>
+            </p:txBody>
+          </p:sp>
+          <p:sp>
+            <p:nvSpPr>
+              <p:cNvPr id="120" name="Rectangle: Rounded Corners 119">
+                <a:extLst>
+                  <a:ext uri="{FF2B5EF4-FFF2-40B4-BE49-F238E27FC236}">
+                    <a16:creationId xmlns:a16="http://schemas.microsoft.com/office/drawing/2014/main" id="{62E55B24-0CA8-48D2-B41E-A628DFECCA6F}"/>
+                  </a:ext>
+                </a:extLst>
+              </p:cNvPr>
+              <p:cNvSpPr/>
+              <p:nvPr/>
+            </p:nvSpPr>
+            <p:spPr>
+              <a:xfrm>
+                <a:off x="9505698" y="3590491"/>
+                <a:ext cx="288000" cy="287908"/>
+              </a:xfrm>
+              <a:prstGeom prst="roundRect">
+                <a:avLst/>
+              </a:prstGeom>
+              <a:solidFill>
+                <a:srgbClr val="7030A0"/>
+              </a:solidFill>
+              <a:ln>
+                <a:solidFill>
+                  <a:schemeClr val="tx1"/>
+                </a:solidFill>
+              </a:ln>
+            </p:spPr>
+            <p:style>
+              <a:lnRef idx="2">
+                <a:schemeClr val="accent2">
+                  <a:shade val="50000"/>
+                </a:schemeClr>
+              </a:lnRef>
+              <a:fillRef idx="1">
+                <a:schemeClr val="accent2"/>
+              </a:fillRef>
+              <a:effectRef idx="0">
+                <a:schemeClr val="accent2"/>
+              </a:effectRef>
+              <a:fontRef idx="minor">
+                <a:schemeClr val="lt1"/>
+              </a:fontRef>
+            </p:style>
+            <p:txBody>
+              <a:bodyPr rtlCol="0" anchor="ctr"/>
+              <a:lstStyle/>
+              <a:p>
+                <a:pPr algn="ctr"/>
+                <a:r>
+                  <a:rPr lang="en-AU" sz="2200" dirty="0"/>
+                  <a:t>P</a:t>
+                </a:r>
+              </a:p>
+            </p:txBody>
+          </p:sp>
+          <p:sp>
+            <p:nvSpPr>
+              <p:cNvPr id="121" name="Rectangle: Rounded Corners 120">
+                <a:extLst>
+                  <a:ext uri="{FF2B5EF4-FFF2-40B4-BE49-F238E27FC236}">
+                    <a16:creationId xmlns:a16="http://schemas.microsoft.com/office/drawing/2014/main" id="{C5A3F743-08E1-4DBC-AD2B-C4BA33E7119E}"/>
+                  </a:ext>
+                </a:extLst>
+              </p:cNvPr>
+              <p:cNvSpPr/>
+              <p:nvPr/>
+            </p:nvSpPr>
+            <p:spPr>
+              <a:xfrm>
+                <a:off x="8789680" y="3584549"/>
+                <a:ext cx="288000" cy="287908"/>
+              </a:xfrm>
+              <a:prstGeom prst="roundRect">
+                <a:avLst/>
+              </a:prstGeom>
+              <a:solidFill>
+                <a:schemeClr val="accent6">
+                  <a:lumMod val="75000"/>
+                </a:schemeClr>
+              </a:solidFill>
+              <a:ln>
+                <a:solidFill>
+                  <a:schemeClr val="tx1"/>
+                </a:solidFill>
+              </a:ln>
+            </p:spPr>
+            <p:style>
+              <a:lnRef idx="2">
+                <a:schemeClr val="accent1">
+                  <a:shade val="50000"/>
+                </a:schemeClr>
+              </a:lnRef>
+              <a:fillRef idx="1">
+                <a:schemeClr val="accent1"/>
+              </a:fillRef>
+              <a:effectRef idx="0">
+                <a:schemeClr val="accent1"/>
+              </a:effectRef>
+              <a:fontRef idx="minor">
+                <a:schemeClr val="lt1"/>
+              </a:fontRef>
+            </p:style>
+            <p:txBody>
+              <a:bodyPr rtlCol="0" anchor="ctr"/>
+              <a:lstStyle/>
+              <a:p>
+                <a:pPr algn="ctr"/>
+                <a:r>
+                  <a:rPr lang="en-AU" sz="2200" dirty="0"/>
+                  <a:t>G</a:t>
+                </a:r>
+              </a:p>
+            </p:txBody>
+          </p:sp>
+          <p:sp>
+            <p:nvSpPr>
+              <p:cNvPr id="122" name="Rectangle: Rounded Corners 121">
+                <a:extLst>
+                  <a:ext uri="{FF2B5EF4-FFF2-40B4-BE49-F238E27FC236}">
+                    <a16:creationId xmlns:a16="http://schemas.microsoft.com/office/drawing/2014/main" id="{40548983-9D3C-464B-B83C-351F1C5E28DF}"/>
+                  </a:ext>
+                </a:extLst>
+              </p:cNvPr>
+              <p:cNvSpPr/>
+              <p:nvPr/>
+            </p:nvSpPr>
+            <p:spPr>
+              <a:xfrm>
+                <a:off x="9153785" y="3594420"/>
+                <a:ext cx="288000" cy="287908"/>
+              </a:xfrm>
+              <a:prstGeom prst="roundRect">
+                <a:avLst/>
+              </a:prstGeom>
+              <a:solidFill>
+                <a:srgbClr val="C00000"/>
+              </a:solidFill>
+              <a:ln>
+                <a:solidFill>
+                  <a:schemeClr val="tx1"/>
+                </a:solidFill>
+              </a:ln>
+            </p:spPr>
+            <p:style>
+              <a:lnRef idx="2">
+                <a:schemeClr val="accent1">
+                  <a:shade val="50000"/>
+                </a:schemeClr>
+              </a:lnRef>
+              <a:fillRef idx="1">
+                <a:schemeClr val="accent1"/>
+              </a:fillRef>
+              <a:effectRef idx="0">
+                <a:schemeClr val="accent1"/>
+              </a:effectRef>
+              <a:fontRef idx="minor">
+                <a:schemeClr val="lt1"/>
+              </a:fontRef>
+            </p:style>
+            <p:txBody>
+              <a:bodyPr rtlCol="0" anchor="ctr"/>
+              <a:lstStyle/>
+              <a:p>
+                <a:pPr algn="ctr"/>
+                <a:r>
+                  <a:rPr lang="en-AU" sz="2200" dirty="0"/>
+                  <a:t>R</a:t>
+                </a:r>
+              </a:p>
+            </p:txBody>
+          </p:sp>
+          <p:sp>
+            <p:nvSpPr>
+              <p:cNvPr id="132" name="Rectangle: Rounded Corners 131">
+                <a:extLst>
+                  <a:ext uri="{FF2B5EF4-FFF2-40B4-BE49-F238E27FC236}">
+                    <a16:creationId xmlns:a16="http://schemas.microsoft.com/office/drawing/2014/main" id="{A9407811-7833-4B7D-B412-1EAF65A117D8}"/>
+                  </a:ext>
+                </a:extLst>
+              </p:cNvPr>
+              <p:cNvSpPr/>
+              <p:nvPr/>
+            </p:nvSpPr>
+            <p:spPr>
+              <a:xfrm>
+                <a:off x="8382733" y="3560707"/>
+                <a:ext cx="1450250" cy="348253"/>
+              </a:xfrm>
+              <a:prstGeom prst="roundRect">
+                <a:avLst/>
+              </a:prstGeom>
+              <a:noFill/>
+              <a:ln w="28575">
+                <a:solidFill>
+                  <a:srgbClr val="FF0000"/>
+                </a:solidFill>
+              </a:ln>
+            </p:spPr>
+            <p:style>
+              <a:lnRef idx="2">
+                <a:schemeClr val="accent1">
+                  <a:shade val="50000"/>
+                </a:schemeClr>
+              </a:lnRef>
+              <a:fillRef idx="1">
+                <a:schemeClr val="accent1"/>
+              </a:fillRef>
+              <a:effectRef idx="0">
+                <a:schemeClr val="accent1"/>
+              </a:effectRef>
+              <a:fontRef idx="minor">
+                <a:schemeClr val="lt1"/>
+              </a:fontRef>
+            </p:style>
+            <p:txBody>
+              <a:bodyPr rtlCol="0" anchor="ctr"/>
+              <a:lstStyle/>
+              <a:p>
+                <a:pPr algn="ctr"/>
+                <a:endParaRPr lang="en-AU"/>
+              </a:p>
+            </p:txBody>
+          </p:sp>
+          <p:sp>
+            <p:nvSpPr>
+              <p:cNvPr id="214" name="TextBox 213">
+                <a:extLst>
+                  <a:ext uri="{FF2B5EF4-FFF2-40B4-BE49-F238E27FC236}">
+                    <a16:creationId xmlns:a16="http://schemas.microsoft.com/office/drawing/2014/main" id="{BD7E8BE4-3B40-4C94-804F-3BD4ADBE0327}"/>
+                  </a:ext>
+                </a:extLst>
+              </p:cNvPr>
+              <p:cNvSpPr txBox="1"/>
+              <p:nvPr/>
+            </p:nvSpPr>
+            <p:spPr>
+              <a:xfrm>
+                <a:off x="8353330" y="3179269"/>
+                <a:ext cx="345221" cy="1107996"/>
+              </a:xfrm>
+              <a:prstGeom prst="rect">
+                <a:avLst/>
+              </a:prstGeom>
+              <a:noFill/>
+            </p:spPr>
+            <p:txBody>
+              <a:bodyPr wrap="square" rtlCol="0">
+                <a:spAutoFit/>
+              </a:bodyPr>
+              <a:lstStyle/>
+              <a:p>
+                <a:pPr algn="r"/>
+                <a:r>
+                  <a:rPr lang="en-AU" sz="2200" dirty="0"/>
+                  <a:t>1</a:t>
+                </a:r>
+              </a:p>
+              <a:p>
+                <a:pPr algn="r"/>
+                <a:r>
+                  <a:rPr lang="en-US" sz="2200" dirty="0"/>
+                  <a:t>2</a:t>
+                </a:r>
+                <a:endParaRPr lang="en-AU" sz="2200" dirty="0"/>
+              </a:p>
+              <a:p>
+                <a:pPr algn="r"/>
+                <a:r>
+                  <a:rPr lang="en-US" sz="2200" dirty="0"/>
+                  <a:t>3</a:t>
+                </a:r>
+                <a:endParaRPr lang="en-AU" sz="2200" dirty="0"/>
+              </a:p>
+            </p:txBody>
+          </p:sp>
+        </p:grpSp>
+        <p:sp>
+          <p:nvSpPr>
+            <p:cNvPr id="215" name="TextBox 214">
+              <a:extLst>
+                <a:ext uri="{FF2B5EF4-FFF2-40B4-BE49-F238E27FC236}">
+                  <a16:creationId xmlns:a16="http://schemas.microsoft.com/office/drawing/2014/main" id="{CA121D90-DBFA-4B3F-953D-1D083A016C3B}"/>
+                </a:ext>
+              </a:extLst>
+            </p:cNvPr>
+            <p:cNvSpPr txBox="1"/>
+            <p:nvPr/>
+          </p:nvSpPr>
+          <p:spPr>
+            <a:xfrm>
+              <a:off x="6586516" y="933458"/>
+              <a:ext cx="3701216" cy="1107996"/>
+            </a:xfrm>
+            <a:prstGeom prst="rect">
+              <a:avLst/>
+            </a:prstGeom>
+            <a:noFill/>
+          </p:spPr>
+          <p:txBody>
+            <a:bodyPr wrap="square" rtlCol="0">
+              <a:spAutoFit/>
+            </a:bodyPr>
+            <a:lstStyle/>
+            <a:p>
+              <a:r>
+                <a:rPr lang="en-AU" sz="2200" dirty="0"/>
+                <a:t>Step 1) Set the factor</a:t>
+              </a:r>
+            </a:p>
+            <a:p>
+              <a:r>
+                <a:rPr lang="en-AU" sz="2000" dirty="0"/>
+                <a:t>1 + (8 - 1) mod 3 = </a:t>
+              </a:r>
+            </a:p>
+            <a:p>
+              <a:r>
+                <a:rPr lang="en-AU" sz="2200" dirty="0"/>
+                <a:t>Permutation 2</a:t>
+              </a:r>
+            </a:p>
+          </p:txBody>
+        </p:sp>
+        <p:grpSp>
+          <p:nvGrpSpPr>
+            <p:cNvPr id="27" name="Group 26">
+              <a:extLst>
+                <a:ext uri="{FF2B5EF4-FFF2-40B4-BE49-F238E27FC236}">
+                  <a16:creationId xmlns:a16="http://schemas.microsoft.com/office/drawing/2014/main" id="{11A5E3E4-F384-4451-817C-72C36779D5FB}"/>
+                </a:ext>
+              </a:extLst>
+            </p:cNvPr>
+            <p:cNvGrpSpPr/>
+            <p:nvPr/>
+          </p:nvGrpSpPr>
+          <p:grpSpPr>
+            <a:xfrm>
+              <a:off x="8562473" y="2132882"/>
+              <a:ext cx="2186500" cy="1869139"/>
+              <a:chOff x="9672511" y="796545"/>
+              <a:chExt cx="2186500" cy="1869139"/>
+            </a:xfrm>
+          </p:grpSpPr>
+          <p:sp>
+            <p:nvSpPr>
+              <p:cNvPr id="172" name="TextBox 171">
+                <a:extLst>
+                  <a:ext uri="{FF2B5EF4-FFF2-40B4-BE49-F238E27FC236}">
+                    <a16:creationId xmlns:a16="http://schemas.microsoft.com/office/drawing/2014/main" id="{3580CECD-5258-4A82-8218-E3EBC2FC8C67}"/>
+                  </a:ext>
+                </a:extLst>
+              </p:cNvPr>
+              <p:cNvSpPr txBox="1"/>
+              <p:nvPr/>
+            </p:nvSpPr>
+            <p:spPr>
+              <a:xfrm>
+                <a:off x="9672511" y="796545"/>
+                <a:ext cx="1738102" cy="769441"/>
+              </a:xfrm>
+              <a:prstGeom prst="rect">
+                <a:avLst/>
+              </a:prstGeom>
+              <a:noFill/>
+            </p:spPr>
+            <p:txBody>
+              <a:bodyPr wrap="square" rtlCol="0">
+                <a:spAutoFit/>
+              </a:bodyPr>
+              <a:lstStyle/>
+              <a:p>
+                <a:pPr algn="r"/>
+                <a:r>
+                  <a:rPr lang="en-AU" sz="2200" dirty="0"/>
+                  <a:t>Location </a:t>
+                </a:r>
+              </a:p>
+              <a:p>
+                <a:pPr algn="r"/>
+                <a:r>
+                  <a:rPr lang="en-AU" sz="2200" dirty="0"/>
+                  <a:t>permutations</a:t>
+                </a:r>
+              </a:p>
+            </p:txBody>
+          </p:sp>
+          <p:cxnSp>
+            <p:nvCxnSpPr>
+              <p:cNvPr id="173" name="Straight Connector 172">
+                <a:extLst>
+                  <a:ext uri="{FF2B5EF4-FFF2-40B4-BE49-F238E27FC236}">
+                    <a16:creationId xmlns:a16="http://schemas.microsoft.com/office/drawing/2014/main" id="{87E3EA91-0CD6-4008-B674-6E6D3F119B41}"/>
+                  </a:ext>
+                </a:extLst>
+              </p:cNvPr>
+              <p:cNvCxnSpPr>
+                <a:cxnSpLocks/>
+              </p:cNvCxnSpPr>
+              <p:nvPr/>
+            </p:nvCxnSpPr>
+            <p:spPr>
+              <a:xfrm>
+                <a:off x="9784401" y="1557688"/>
+                <a:ext cx="2074610" cy="5517"/>
+              </a:xfrm>
+              <a:prstGeom prst="line">
+                <a:avLst/>
+              </a:prstGeom>
+              <a:ln w="28575">
+                <a:solidFill>
+                  <a:schemeClr val="tx1"/>
+                </a:solidFill>
+              </a:ln>
+            </p:spPr>
+            <p:style>
+              <a:lnRef idx="1">
+                <a:schemeClr val="accent1"/>
+              </a:lnRef>
+              <a:fillRef idx="0">
+                <a:schemeClr val="accent1"/>
+              </a:fillRef>
+              <a:effectRef idx="0">
+                <a:schemeClr val="accent1"/>
+              </a:effectRef>
+              <a:fontRef idx="minor">
+                <a:schemeClr val="tx1"/>
+              </a:fontRef>
+            </p:style>
+          </p:cxnSp>
+          <p:cxnSp>
+            <p:nvCxnSpPr>
+              <p:cNvPr id="174" name="Straight Connector 173">
+                <a:extLst>
+                  <a:ext uri="{FF2B5EF4-FFF2-40B4-BE49-F238E27FC236}">
+                    <a16:creationId xmlns:a16="http://schemas.microsoft.com/office/drawing/2014/main" id="{397968F3-0138-4B48-A7AC-60504F46DFD6}"/>
+                  </a:ext>
+                </a:extLst>
+              </p:cNvPr>
+              <p:cNvCxnSpPr>
+                <a:cxnSpLocks/>
+              </p:cNvCxnSpPr>
+              <p:nvPr/>
+            </p:nvCxnSpPr>
+            <p:spPr>
+              <a:xfrm flipV="1">
+                <a:off x="11410613" y="842963"/>
+                <a:ext cx="1" cy="1805886"/>
+              </a:xfrm>
+              <a:prstGeom prst="line">
+                <a:avLst/>
+              </a:prstGeom>
+              <a:ln w="28575">
+                <a:solidFill>
+                  <a:schemeClr val="tx1"/>
+                </a:solidFill>
+              </a:ln>
+            </p:spPr>
+            <p:style>
+              <a:lnRef idx="1">
+                <a:schemeClr val="accent1"/>
+              </a:lnRef>
+              <a:fillRef idx="0">
+                <a:schemeClr val="accent1"/>
+              </a:fillRef>
+              <a:effectRef idx="0">
+                <a:schemeClr val="accent1"/>
+              </a:effectRef>
+              <a:fontRef idx="minor">
+                <a:schemeClr val="tx1"/>
+              </a:fontRef>
+            </p:style>
+          </p:cxnSp>
+          <p:sp>
+            <p:nvSpPr>
+              <p:cNvPr id="133" name="Rectangle: Rounded Corners 132">
+                <a:extLst>
+                  <a:ext uri="{FF2B5EF4-FFF2-40B4-BE49-F238E27FC236}">
+                    <a16:creationId xmlns:a16="http://schemas.microsoft.com/office/drawing/2014/main" id="{711936FD-333F-48A5-97BB-9170978FF7B3}"/>
+                  </a:ext>
+                </a:extLst>
+              </p:cNvPr>
+              <p:cNvSpPr/>
+              <p:nvPr/>
+            </p:nvSpPr>
+            <p:spPr>
+              <a:xfrm>
+                <a:off x="11509884" y="1628880"/>
+                <a:ext cx="288000" cy="288000"/>
+              </a:xfrm>
+              <a:prstGeom prst="roundRect">
+                <a:avLst/>
+              </a:prstGeom>
+              <a:solidFill>
+                <a:srgbClr val="7030A0"/>
+              </a:solidFill>
+              <a:ln>
+                <a:solidFill>
+                  <a:schemeClr val="tx1"/>
+                </a:solidFill>
+              </a:ln>
+            </p:spPr>
+            <p:style>
+              <a:lnRef idx="2">
+                <a:schemeClr val="accent2">
+                  <a:shade val="50000"/>
+                </a:schemeClr>
+              </a:lnRef>
+              <a:fillRef idx="1">
+                <a:schemeClr val="accent2"/>
+              </a:fillRef>
+              <a:effectRef idx="0">
+                <a:schemeClr val="accent2"/>
+              </a:effectRef>
+              <a:fontRef idx="minor">
+                <a:schemeClr val="lt1"/>
+              </a:fontRef>
+            </p:style>
+            <p:txBody>
+              <a:bodyPr rtlCol="0" anchor="ctr"/>
+              <a:lstStyle/>
+              <a:p>
+                <a:pPr algn="ctr"/>
+                <a:r>
+                  <a:rPr lang="en-US" sz="2200" dirty="0"/>
+                  <a:t>1</a:t>
+                </a:r>
+                <a:endParaRPr lang="en-AU" sz="2200" dirty="0"/>
+              </a:p>
+            </p:txBody>
+          </p:sp>
+          <p:sp>
+            <p:nvSpPr>
+              <p:cNvPr id="134" name="Rectangle: Rounded Corners 133">
+                <a:extLst>
+                  <a:ext uri="{FF2B5EF4-FFF2-40B4-BE49-F238E27FC236}">
+                    <a16:creationId xmlns:a16="http://schemas.microsoft.com/office/drawing/2014/main" id="{37ECF1E9-28F6-4611-AACF-ACA9146CB603}"/>
+                  </a:ext>
+                </a:extLst>
+              </p:cNvPr>
+              <p:cNvSpPr/>
+              <p:nvPr/>
+            </p:nvSpPr>
+            <p:spPr>
+              <a:xfrm>
+                <a:off x="11509883" y="1962266"/>
+                <a:ext cx="288000" cy="288000"/>
+              </a:xfrm>
+              <a:prstGeom prst="roundRect">
+                <a:avLst/>
+              </a:prstGeom>
+              <a:solidFill>
+                <a:schemeClr val="accent6">
+                  <a:lumMod val="75000"/>
+                </a:schemeClr>
+              </a:solidFill>
+              <a:ln>
+                <a:solidFill>
+                  <a:schemeClr val="tx1"/>
+                </a:solidFill>
+              </a:ln>
+            </p:spPr>
+            <p:style>
+              <a:lnRef idx="2">
+                <a:schemeClr val="accent1">
+                  <a:shade val="50000"/>
+                </a:schemeClr>
+              </a:lnRef>
+              <a:fillRef idx="1">
+                <a:schemeClr val="accent1"/>
+              </a:fillRef>
+              <a:effectRef idx="0">
+                <a:schemeClr val="accent1"/>
+              </a:effectRef>
+              <a:fontRef idx="minor">
+                <a:schemeClr val="lt1"/>
+              </a:fontRef>
+            </p:style>
+            <p:txBody>
+              <a:bodyPr rtlCol="0" anchor="ctr"/>
+              <a:lstStyle/>
+              <a:p>
+                <a:pPr algn="ctr"/>
+                <a:r>
+                  <a:rPr lang="en-US" sz="2200" dirty="0"/>
+                  <a:t>2</a:t>
+                </a:r>
+                <a:endParaRPr lang="en-AU" sz="2200" dirty="0"/>
+              </a:p>
+            </p:txBody>
+          </p:sp>
+          <p:sp>
+            <p:nvSpPr>
+              <p:cNvPr id="141" name="Rectangle: Rounded Corners 140">
+                <a:extLst>
+                  <a:ext uri="{FF2B5EF4-FFF2-40B4-BE49-F238E27FC236}">
+                    <a16:creationId xmlns:a16="http://schemas.microsoft.com/office/drawing/2014/main" id="{2612D18C-BBDA-432A-8CEA-C21820817C3E}"/>
+                  </a:ext>
+                </a:extLst>
+              </p:cNvPr>
+              <p:cNvSpPr/>
+              <p:nvPr/>
+            </p:nvSpPr>
+            <p:spPr>
+              <a:xfrm>
+                <a:off x="11509758" y="2294070"/>
+                <a:ext cx="288000" cy="288000"/>
+              </a:xfrm>
+              <a:prstGeom prst="roundRect">
+                <a:avLst/>
+              </a:prstGeom>
+              <a:solidFill>
+                <a:srgbClr val="C00000"/>
+              </a:solidFill>
+              <a:ln>
+                <a:solidFill>
+                  <a:schemeClr val="tx1"/>
+                </a:solidFill>
+              </a:ln>
+            </p:spPr>
+            <p:style>
+              <a:lnRef idx="2">
+                <a:schemeClr val="accent1">
+                  <a:shade val="50000"/>
+                </a:schemeClr>
+              </a:lnRef>
+              <a:fillRef idx="1">
+                <a:schemeClr val="accent1"/>
+              </a:fillRef>
+              <a:effectRef idx="0">
+                <a:schemeClr val="accent1"/>
+              </a:effectRef>
+              <a:fontRef idx="minor">
+                <a:schemeClr val="lt1"/>
+              </a:fontRef>
+            </p:style>
+            <p:txBody>
+              <a:bodyPr rtlCol="0" anchor="ctr"/>
+              <a:lstStyle/>
+              <a:p>
+                <a:pPr algn="ctr"/>
+                <a:r>
+                  <a:rPr lang="en-US" sz="2200" dirty="0"/>
+                  <a:t>3</a:t>
+                </a:r>
+                <a:endParaRPr lang="en-AU" sz="2200" dirty="0"/>
+              </a:p>
+            </p:txBody>
+          </p:sp>
+          <p:sp>
+            <p:nvSpPr>
+              <p:cNvPr id="155" name="Rectangle: Rounded Corners 154">
+                <a:extLst>
+                  <a:ext uri="{FF2B5EF4-FFF2-40B4-BE49-F238E27FC236}">
+                    <a16:creationId xmlns:a16="http://schemas.microsoft.com/office/drawing/2014/main" id="{38521A53-C009-47DB-B912-A63CD749FA45}"/>
+                  </a:ext>
+                </a:extLst>
+              </p:cNvPr>
+              <p:cNvSpPr/>
+              <p:nvPr/>
+            </p:nvSpPr>
+            <p:spPr>
+              <a:xfrm>
+                <a:off x="11138106" y="2269089"/>
+                <a:ext cx="720905" cy="338026"/>
+              </a:xfrm>
+              <a:prstGeom prst="roundRect">
+                <a:avLst/>
+              </a:prstGeom>
+              <a:noFill/>
+              <a:ln w="28575">
+                <a:solidFill>
+                  <a:srgbClr val="FF0000"/>
+                </a:solidFill>
+              </a:ln>
+            </p:spPr>
+            <p:style>
+              <a:lnRef idx="2">
+                <a:schemeClr val="accent1">
+                  <a:shade val="50000"/>
+                </a:schemeClr>
+              </a:lnRef>
+              <a:fillRef idx="1">
+                <a:schemeClr val="accent1"/>
+              </a:fillRef>
+              <a:effectRef idx="0">
+                <a:schemeClr val="accent1"/>
+              </a:effectRef>
+              <a:fontRef idx="minor">
+                <a:schemeClr val="lt1"/>
+              </a:fontRef>
+            </p:style>
+            <p:txBody>
+              <a:bodyPr rtlCol="0" anchor="ctr"/>
+              <a:lstStyle/>
+              <a:p>
+                <a:pPr algn="ctr"/>
+                <a:endParaRPr lang="en-AU"/>
+              </a:p>
+            </p:txBody>
+          </p:sp>
+          <p:sp>
+            <p:nvSpPr>
+              <p:cNvPr id="218" name="TextBox 217">
+                <a:extLst>
+                  <a:ext uri="{FF2B5EF4-FFF2-40B4-BE49-F238E27FC236}">
+                    <a16:creationId xmlns:a16="http://schemas.microsoft.com/office/drawing/2014/main" id="{A2FA9BA4-16D7-453F-BB08-7DC1E607668A}"/>
+                  </a:ext>
+                </a:extLst>
+              </p:cNvPr>
+              <p:cNvSpPr txBox="1"/>
+              <p:nvPr/>
+            </p:nvSpPr>
+            <p:spPr>
+              <a:xfrm>
+                <a:off x="11088199" y="1557688"/>
+                <a:ext cx="345221" cy="1107996"/>
+              </a:xfrm>
+              <a:prstGeom prst="rect">
+                <a:avLst/>
+              </a:prstGeom>
+              <a:noFill/>
+            </p:spPr>
+            <p:txBody>
+              <a:bodyPr wrap="square" rtlCol="0">
+                <a:spAutoFit/>
+              </a:bodyPr>
+              <a:lstStyle/>
+              <a:p>
+                <a:pPr algn="r"/>
+                <a:r>
+                  <a:rPr lang="en-AU" sz="2200" dirty="0"/>
+                  <a:t>1</a:t>
+                </a:r>
+              </a:p>
+              <a:p>
+                <a:pPr algn="r"/>
+                <a:r>
+                  <a:rPr lang="en-US" sz="2200" dirty="0"/>
+                  <a:t>2</a:t>
+                </a:r>
+                <a:endParaRPr lang="en-AU" sz="2200" dirty="0"/>
+              </a:p>
+              <a:p>
+                <a:pPr algn="r"/>
+                <a:r>
+                  <a:rPr lang="en-US" sz="2200" dirty="0"/>
+                  <a:t>3</a:t>
+                </a:r>
+                <a:endParaRPr lang="en-AU" sz="2200" dirty="0"/>
+              </a:p>
+            </p:txBody>
+          </p:sp>
+          <p:sp>
+            <p:nvSpPr>
+              <p:cNvPr id="220" name="TextBox 219">
+                <a:extLst>
+                  <a:ext uri="{FF2B5EF4-FFF2-40B4-BE49-F238E27FC236}">
+                    <a16:creationId xmlns:a16="http://schemas.microsoft.com/office/drawing/2014/main" id="{F3C0D4B3-B048-4A42-A84C-9E4248A3924A}"/>
+                  </a:ext>
+                </a:extLst>
+              </p:cNvPr>
+              <p:cNvSpPr txBox="1"/>
+              <p:nvPr/>
+            </p:nvSpPr>
+            <p:spPr>
+              <a:xfrm>
+                <a:off x="11475996" y="1100671"/>
+                <a:ext cx="345221" cy="430887"/>
+              </a:xfrm>
+              <a:prstGeom prst="rect">
+                <a:avLst/>
+              </a:prstGeom>
+              <a:noFill/>
+            </p:spPr>
+            <p:txBody>
+              <a:bodyPr wrap="square" rtlCol="0">
+                <a:spAutoFit/>
+              </a:bodyPr>
+              <a:lstStyle/>
+              <a:p>
+                <a:r>
+                  <a:rPr lang="en-AU" sz="2200" dirty="0"/>
+                  <a:t>1</a:t>
+                </a:r>
+              </a:p>
+            </p:txBody>
+          </p:sp>
+        </p:grpSp>
+        <p:sp>
+          <p:nvSpPr>
+            <p:cNvPr id="188" name="TextBox 187">
+              <a:extLst>
+                <a:ext uri="{FF2B5EF4-FFF2-40B4-BE49-F238E27FC236}">
+                  <a16:creationId xmlns:a16="http://schemas.microsoft.com/office/drawing/2014/main" id="{3D705AAD-8F0F-4BF4-BC4A-4B03212DC3BA}"/>
+                </a:ext>
+              </a:extLst>
+            </p:cNvPr>
+            <p:cNvSpPr txBox="1"/>
+            <p:nvPr/>
+          </p:nvSpPr>
+          <p:spPr>
+            <a:xfrm>
+              <a:off x="6486619" y="2908909"/>
+              <a:ext cx="3807073" cy="1138773"/>
+            </a:xfrm>
+            <a:prstGeom prst="rect">
+              <a:avLst/>
+            </a:prstGeom>
+            <a:noFill/>
+          </p:spPr>
+          <p:txBody>
+            <a:bodyPr wrap="square" rtlCol="0">
+              <a:spAutoFit/>
+            </a:bodyPr>
+            <a:lstStyle/>
+            <a:p>
+              <a:r>
+                <a:rPr lang="en-US" sz="2400" dirty="0"/>
+                <a:t>Step 2) Set location</a:t>
+              </a:r>
+            </a:p>
+            <a:p>
+              <a:r>
+                <a:rPr lang="en-US" sz="2000" dirty="0"/>
+                <a:t>1 + floor((</a:t>
+              </a:r>
+              <a:r>
+                <a:rPr lang="en-US" sz="2000" b="1" dirty="0"/>
+                <a:t>8 – 1) </a:t>
+              </a:r>
+              <a:r>
+                <a:rPr lang="en-US" sz="2000" dirty="0"/>
+                <a:t>/ 3) mod 3 = </a:t>
+              </a:r>
+            </a:p>
+            <a:p>
+              <a:r>
+                <a:rPr lang="en-US" sz="2400" dirty="0"/>
+                <a:t>Permutation 3</a:t>
+              </a:r>
+              <a:endParaRPr lang="en-AU" sz="2200" dirty="0"/>
+            </a:p>
+          </p:txBody>
+        </p:sp>
+        <p:sp>
+          <p:nvSpPr>
+            <p:cNvPr id="189" name="TextBox 188">
+              <a:extLst>
+                <a:ext uri="{FF2B5EF4-FFF2-40B4-BE49-F238E27FC236}">
+                  <a16:creationId xmlns:a16="http://schemas.microsoft.com/office/drawing/2014/main" id="{A19ED8DE-EE44-4AEC-AD6E-95691FB26915}"/>
+                </a:ext>
+              </a:extLst>
+            </p:cNvPr>
+            <p:cNvSpPr txBox="1"/>
+            <p:nvPr/>
+          </p:nvSpPr>
+          <p:spPr>
+            <a:xfrm>
+              <a:off x="6486619" y="4911363"/>
+              <a:ext cx="3792725" cy="1138773"/>
+            </a:xfrm>
+            <a:prstGeom prst="rect">
+              <a:avLst/>
+            </a:prstGeom>
+            <a:noFill/>
+          </p:spPr>
+          <p:txBody>
+            <a:bodyPr wrap="square" rtlCol="0">
+              <a:spAutoFit/>
+            </a:bodyPr>
+            <a:lstStyle/>
+            <a:p>
+              <a:r>
+                <a:rPr lang="en-US" sz="2400" dirty="0"/>
+                <a:t>Step 3) Set VC order</a:t>
+              </a:r>
+            </a:p>
+            <a:p>
+              <a:r>
+                <a:rPr lang="en-US" sz="2000" dirty="0"/>
+                <a:t>(1 + floor(</a:t>
+              </a:r>
+              <a:r>
+                <a:rPr lang="en-US" sz="2000" b="1" dirty="0"/>
+                <a:t>8</a:t>
+              </a:r>
+              <a:r>
+                <a:rPr lang="en-US" sz="2000" dirty="0"/>
+                <a:t>/9)) mod 6 = </a:t>
+              </a:r>
+            </a:p>
+            <a:p>
+              <a:r>
+                <a:rPr lang="en-US" sz="2400" dirty="0"/>
+                <a:t>Permutation 2</a:t>
+              </a:r>
+              <a:endParaRPr lang="en-AU" sz="2200" dirty="0"/>
+            </a:p>
+          </p:txBody>
+        </p:sp>
+      </p:grpSp>
       <p:graphicFrame>
         <p:nvGraphicFramePr>
           <p:cNvPr id="5" name="Table 4">
@@ -15228,29 +15249,51 @@
                   <a:srgbClr val="FF0000"/>
                 </a:solidFill>
               </a:rPr>
-              <a:t>*: actually assign between randomly to any level with </a:t>
-            </a:r>
-            <a:r>
-              <a:rPr lang="en-US">
-                <a:solidFill>
-                  <a:srgbClr val="FF0000"/>
-                </a:solidFill>
-              </a:rPr>
-              <a:t>the min </a:t>
-            </a:r>
-            <a:r>
-              <a:rPr lang="en-US" dirty="0">
-                <a:solidFill>
-                  <a:srgbClr val="FF0000"/>
-                </a:solidFill>
-              </a:rPr>
-              <a:t>count table may prove to be the most robust simple way</a:t>
+              <a:t>*: actually assign between randomly to any level with the min count table may prove to be the most robust simple way</a:t>
             </a:r>
             <a:endParaRPr lang="en-AU" dirty="0">
               <a:solidFill>
                 <a:srgbClr val="FF0000"/>
               </a:solidFill>
             </a:endParaRPr>
+          </a:p>
+        </p:txBody>
+      </p:sp>
+      <p:sp>
+        <p:nvSpPr>
+          <p:cNvPr id="216" name="TextBox 215">
+            <a:extLst>
+              <a:ext uri="{FF2B5EF4-FFF2-40B4-BE49-F238E27FC236}">
+                <a16:creationId xmlns:a16="http://schemas.microsoft.com/office/drawing/2014/main" id="{11FFAC7F-783F-4225-9F29-9324484B0A68}"/>
+              </a:ext>
+            </a:extLst>
+          </p:cNvPr>
+          <p:cNvSpPr txBox="1"/>
+          <p:nvPr/>
+        </p:nvSpPr>
+        <p:spPr>
+          <a:xfrm>
+            <a:off x="12453719" y="2718961"/>
+            <a:ext cx="4191000" cy="646331"/>
+          </a:xfrm>
+          <a:prstGeom prst="rect">
+            <a:avLst/>
+          </a:prstGeom>
+          <a:noFill/>
+        </p:spPr>
+        <p:txBody>
+          <a:bodyPr wrap="square" rtlCol="0">
+            <a:spAutoFit/>
+          </a:bodyPr>
+          <a:lstStyle/>
+          <a:p>
+            <a:r>
+              <a:rPr lang="en-AU" dirty="0"/>
+              <a:t>18 simulations, each person only sees 6.</a:t>
+            </a:r>
+          </a:p>
+          <a:p>
+            <a:endParaRPr lang="en-AU" dirty="0"/>
           </a:p>
         </p:txBody>
       </p:sp>
@@ -15284,53 +15327,3939 @@
           <a:chExt cx="0" cy="0"/>
         </a:xfrm>
       </p:grpSpPr>
-      <p:sp>
-        <p:nvSpPr>
-          <p:cNvPr id="2" name="Title 1">
+      <p:graphicFrame>
+        <p:nvGraphicFramePr>
+          <p:cNvPr id="55" name="Table 54">
             <a:extLst>
               <a:ext uri="{FF2B5EF4-FFF2-40B4-BE49-F238E27FC236}">
-                <a16:creationId xmlns:a16="http://schemas.microsoft.com/office/drawing/2014/main" id="{52CE1419-81A1-4155-8B93-C919F19E4A4C}"/>
+                <a16:creationId xmlns:a16="http://schemas.microsoft.com/office/drawing/2014/main" id="{72383BC2-FE69-4DD7-BF79-238D92775D9E}"/>
               </a:ext>
             </a:extLst>
           </p:cNvPr>
-          <p:cNvSpPr>
-            <a:spLocks noGrp="1"/>
-          </p:cNvSpPr>
+          <p:cNvGraphicFramePr>
+            <a:graphicFrameLocks noGrp="1"/>
+          </p:cNvGraphicFramePr>
           <p:nvPr>
-            <p:ph type="title"/>
+            <p:extLst>
+              <p:ext uri="{D42A27DB-BD31-4B8C-83A1-F6EECF244321}">
+                <p14:modId xmlns:p14="http://schemas.microsoft.com/office/powerpoint/2010/main" val="2674215554"/>
+              </p:ext>
+            </p:extLst>
           </p:nvPr>
-        </p:nvSpPr>
-        <p:spPr/>
-        <p:txBody>
-          <a:bodyPr/>
-          <a:lstStyle/>
-          <a:p>
-            <a:endParaRPr lang="en-AU"/>
-          </a:p>
-        </p:txBody>
-      </p:sp>
-      <p:sp>
-        <p:nvSpPr>
-          <p:cNvPr id="3" name="Content Placeholder 2">
+        </p:nvGraphicFramePr>
+        <p:xfrm>
+          <a:off x="4654576" y="2345131"/>
+          <a:ext cx="7462423" cy="1760220"/>
+        </p:xfrm>
+        <a:graphic>
+          <a:graphicData uri="http://schemas.openxmlformats.org/drawingml/2006/table">
+            <a:tbl>
+              <a:tblPr firstRow="1" bandRow="1">
+                <a:tableStyleId>{5C22544A-7EE6-4342-B048-85BDC9FD1C3A}</a:tableStyleId>
+              </a:tblPr>
+              <a:tblGrid>
+                <a:gridCol w="655574">
+                  <a:extLst>
+                    <a:ext uri="{9D8B030D-6E8A-4147-A177-3AD203B41FA5}">
+                      <a16:colId xmlns:a16="http://schemas.microsoft.com/office/drawing/2014/main" val="3488268334"/>
+                    </a:ext>
+                  </a:extLst>
+                </a:gridCol>
+                <a:gridCol w="426124">
+                  <a:extLst>
+                    <a:ext uri="{9D8B030D-6E8A-4147-A177-3AD203B41FA5}">
+                      <a16:colId xmlns:a16="http://schemas.microsoft.com/office/drawing/2014/main" val="491055168"/>
+                    </a:ext>
+                  </a:extLst>
+                </a:gridCol>
+                <a:gridCol w="655574">
+                  <a:extLst>
+                    <a:ext uri="{9D8B030D-6E8A-4147-A177-3AD203B41FA5}">
+                      <a16:colId xmlns:a16="http://schemas.microsoft.com/office/drawing/2014/main" val="3695711225"/>
+                    </a:ext>
+                  </a:extLst>
+                </a:gridCol>
+                <a:gridCol w="786690">
+                  <a:extLst>
+                    <a:ext uri="{9D8B030D-6E8A-4147-A177-3AD203B41FA5}">
+                      <a16:colId xmlns:a16="http://schemas.microsoft.com/office/drawing/2014/main" val="1254602596"/>
+                    </a:ext>
+                  </a:extLst>
+                </a:gridCol>
+                <a:gridCol w="1013328">
+                  <a:extLst>
+                    <a:ext uri="{9D8B030D-6E8A-4147-A177-3AD203B41FA5}">
+                      <a16:colId xmlns:a16="http://schemas.microsoft.com/office/drawing/2014/main" val="2624790650"/>
+                    </a:ext>
+                  </a:extLst>
+                </a:gridCol>
+                <a:gridCol w="721133">
+                  <a:extLst>
+                    <a:ext uri="{9D8B030D-6E8A-4147-A177-3AD203B41FA5}">
+                      <a16:colId xmlns:a16="http://schemas.microsoft.com/office/drawing/2014/main" val="1330532218"/>
+                    </a:ext>
+                  </a:extLst>
+                </a:gridCol>
+                <a:gridCol w="2088000">
+                  <a:extLst>
+                    <a:ext uri="{9D8B030D-6E8A-4147-A177-3AD203B41FA5}">
+                      <a16:colId xmlns:a16="http://schemas.microsoft.com/office/drawing/2014/main" val="907526158"/>
+                    </a:ext>
+                  </a:extLst>
+                </a:gridCol>
+                <a:gridCol w="1116000">
+                  <a:extLst>
+                    <a:ext uri="{9D8B030D-6E8A-4147-A177-3AD203B41FA5}">
+                      <a16:colId xmlns:a16="http://schemas.microsoft.com/office/drawing/2014/main" val="1884770232"/>
+                    </a:ext>
+                  </a:extLst>
+                </a:gridCol>
+              </a:tblGrid>
+              <a:tr h="0">
+                <a:tc>
+                  <a:txBody>
+                    <a:bodyPr/>
+                    <a:lstStyle/>
+                    <a:p>
+                      <a:pPr algn="l" fontAlgn="b"/>
+                      <a:r>
+                        <a:rPr lang="en-AU" sz="1600" b="0" i="0" u="none" strike="noStrike" dirty="0">
+                          <a:solidFill>
+                            <a:srgbClr val="000000"/>
+                          </a:solidFill>
+                          <a:effectLst/>
+                          <a:latin typeface="Calibri" panose="020F0502020204030204" pitchFamily="34" charset="0"/>
+                        </a:rPr>
+                        <a:t>period</a:t>
+                      </a:r>
+                    </a:p>
+                  </a:txBody>
+                  <a:tcPr marL="7620" marR="7620" marT="7620" marB="0" anchor="b"/>
+                </a:tc>
+                <a:tc>
+                  <a:txBody>
+                    <a:bodyPr/>
+                    <a:lstStyle/>
+                    <a:p>
+                      <a:pPr algn="l" fontAlgn="b"/>
+                      <a:r>
+                        <a:rPr lang="en-AU" sz="1600" b="0" i="0" u="none" strike="noStrike" dirty="0">
+                          <a:solidFill>
+                            <a:srgbClr val="000000"/>
+                          </a:solidFill>
+                          <a:effectLst/>
+                          <a:latin typeface="Calibri" panose="020F0502020204030204" pitchFamily="34" charset="0"/>
+                        </a:rPr>
+                        <a:t>rep</a:t>
+                      </a:r>
+                    </a:p>
+                  </a:txBody>
+                  <a:tcPr marL="7620" marR="7620" marT="7620" marB="0" anchor="b"/>
+                </a:tc>
+                <a:tc>
+                  <a:txBody>
+                    <a:bodyPr/>
+                    <a:lstStyle/>
+                    <a:p>
+                      <a:pPr algn="l" fontAlgn="b"/>
+                      <a:r>
+                        <a:rPr lang="en-AU" sz="1600" b="0" i="1" u="none" strike="noStrike" dirty="0">
+                          <a:solidFill>
+                            <a:srgbClr val="000000"/>
+                          </a:solidFill>
+                          <a:effectLst/>
+                          <a:latin typeface="Calibri" panose="020F0502020204030204" pitchFamily="34" charset="0"/>
+                        </a:rPr>
+                        <a:t>factor</a:t>
+                      </a:r>
+                    </a:p>
+                  </a:txBody>
+                  <a:tcPr marL="7620" marR="7620" marT="7620" marB="0" anchor="b"/>
+                </a:tc>
+                <a:tc>
+                  <a:txBody>
+                    <a:bodyPr/>
+                    <a:lstStyle/>
+                    <a:p>
+                      <a:pPr algn="l" fontAlgn="b"/>
+                      <a:r>
+                        <a:rPr lang="en-AU" sz="1600" b="0" i="1" u="none" strike="noStrike" dirty="0">
+                          <a:solidFill>
+                            <a:srgbClr val="000000"/>
+                          </a:solidFill>
+                          <a:effectLst/>
+                          <a:latin typeface="Calibri" panose="020F0502020204030204" pitchFamily="34" charset="0"/>
+                        </a:rPr>
+                        <a:t>VC </a:t>
+                      </a:r>
+                    </a:p>
+                  </a:txBody>
+                  <a:tcPr marL="7620" marR="7620" marT="7620" marB="0" anchor="b"/>
+                </a:tc>
+                <a:tc>
+                  <a:txBody>
+                    <a:bodyPr/>
+                    <a:lstStyle/>
+                    <a:p>
+                      <a:pPr algn="l" fontAlgn="b"/>
+                      <a:r>
+                        <a:rPr lang="en-AU" sz="1600" b="0" i="0" u="none" strike="noStrike" dirty="0">
+                          <a:solidFill>
+                            <a:srgbClr val="000000"/>
+                          </a:solidFill>
+                          <a:effectLst/>
+                          <a:latin typeface="Calibri" panose="020F0502020204030204" pitchFamily="34" charset="0"/>
+                        </a:rPr>
+                        <a:t>#var (cl)</a:t>
+                      </a:r>
+                    </a:p>
+                  </a:txBody>
+                  <a:tcPr marL="7620" marR="7620" marT="7620" marB="0" anchor="b"/>
+                </a:tc>
+                <a:tc>
+                  <a:txBody>
+                    <a:bodyPr/>
+                    <a:lstStyle/>
+                    <a:p>
+                      <a:pPr algn="l" fontAlgn="b"/>
+                      <a:r>
+                        <a:rPr lang="en-AU" sz="1600" b="0" i="1" u="none" strike="noStrike" dirty="0">
+                          <a:solidFill>
+                            <a:srgbClr val="000000"/>
+                          </a:solidFill>
+                          <a:effectLst/>
+                          <a:latin typeface="Calibri" panose="020F0502020204030204" pitchFamily="34" charset="0"/>
+                        </a:rPr>
+                        <a:t>location</a:t>
+                      </a:r>
+                    </a:p>
+                  </a:txBody>
+                  <a:tcPr marL="7620" marR="7620" marT="7620" marB="0" anchor="b"/>
+                </a:tc>
+                <a:tc>
+                  <a:txBody>
+                    <a:bodyPr/>
+                    <a:lstStyle/>
+                    <a:p>
+                      <a:pPr algn="l" fontAlgn="b"/>
+                      <a:r>
+                        <a:rPr lang="en-AU" sz="1600" b="0" i="0" u="none" strike="noStrike" dirty="0">
+                          <a:solidFill>
+                            <a:srgbClr val="000000"/>
+                          </a:solidFill>
+                          <a:effectLst/>
+                          <a:latin typeface="Calibri" panose="020F0502020204030204" pitchFamily="34" charset="0"/>
+                        </a:rPr>
+                        <a:t>Sim name</a:t>
+                      </a:r>
+                    </a:p>
+                  </a:txBody>
+                  <a:tcPr marL="7620" marR="7620" marT="7620" marB="0" anchor="b"/>
+                </a:tc>
+                <a:tc>
+                  <a:txBody>
+                    <a:bodyPr/>
+                    <a:lstStyle/>
+                    <a:p>
+                      <a:pPr algn="l" fontAlgn="b"/>
+                      <a:r>
+                        <a:rPr lang="en-AU" sz="1600" b="0" i="0" u="none" strike="noStrike" dirty="0">
+                          <a:solidFill>
+                            <a:srgbClr val="000000"/>
+                          </a:solidFill>
+                          <a:effectLst/>
+                          <a:latin typeface="Calibri" panose="020F0502020204030204" pitchFamily="34" charset="0"/>
+                        </a:rPr>
+                        <a:t>Grand path</a:t>
+                      </a:r>
+                    </a:p>
+                  </a:txBody>
+                  <a:tcPr marL="7620" marR="7620" marT="7620" marB="0" anchor="b"/>
+                </a:tc>
+                <a:extLst>
+                  <a:ext uri="{0D108BD9-81ED-4DB2-BD59-A6C34878D82A}">
+                    <a16:rowId xmlns:a16="http://schemas.microsoft.com/office/drawing/2014/main" val="437667846"/>
+                  </a:ext>
+                </a:extLst>
+              </a:tr>
+              <a:tr h="0">
+                <a:tc>
+                  <a:txBody>
+                    <a:bodyPr/>
+                    <a:lstStyle/>
+                    <a:p>
+                      <a:pPr algn="l" fontAlgn="b"/>
+                      <a:r>
+                        <a:rPr lang="en-AU" sz="1600" b="0" i="0" u="none" strike="noStrike" dirty="0">
+                          <a:solidFill>
+                            <a:srgbClr val="000000"/>
+                          </a:solidFill>
+                          <a:effectLst/>
+                          <a:latin typeface="Calibri" panose="020F0502020204030204" pitchFamily="34" charset="0"/>
+                        </a:rPr>
+                        <a:t>P1</a:t>
+                      </a:r>
+                    </a:p>
+                  </a:txBody>
+                  <a:tcPr marL="7620" marR="7620" marT="7620" marB="0" anchor="b"/>
+                </a:tc>
+                <a:tc>
+                  <a:txBody>
+                    <a:bodyPr/>
+                    <a:lstStyle/>
+                    <a:p>
+                      <a:pPr algn="l" fontAlgn="b"/>
+                      <a:r>
+                        <a:rPr lang="en-AU" sz="1600" b="0" i="0" u="none" strike="noStrike" dirty="0">
+                          <a:solidFill>
+                            <a:srgbClr val="000000"/>
+                          </a:solidFill>
+                          <a:effectLst/>
+                          <a:latin typeface="Calibri" panose="020F0502020204030204" pitchFamily="34" charset="0"/>
+                        </a:rPr>
+                        <a:t>R1</a:t>
+                      </a:r>
+                    </a:p>
+                  </a:txBody>
+                  <a:tcPr marL="7620" marR="7620" marT="7620" marB="0" anchor="b"/>
+                </a:tc>
+                <a:tc>
+                  <a:txBody>
+                    <a:bodyPr/>
+                    <a:lstStyle/>
+                    <a:p>
+                      <a:pPr algn="l" fontAlgn="b"/>
+                      <a:r>
+                        <a:rPr lang="en-AU" sz="1600" b="0" i="1" u="none" strike="noStrike" dirty="0">
+                          <a:solidFill>
+                            <a:srgbClr val="000000"/>
+                          </a:solidFill>
+                          <a:effectLst/>
+                          <a:latin typeface="Calibri" panose="020F0502020204030204" pitchFamily="34" charset="0"/>
+                        </a:rPr>
+                        <a:t>Grand</a:t>
+                      </a:r>
+                    </a:p>
+                  </a:txBody>
+                  <a:tcPr marL="7620" marR="7620" marT="7620" marB="0" anchor="b"/>
+                </a:tc>
+                <a:tc>
+                  <a:txBody>
+                    <a:bodyPr/>
+                    <a:lstStyle/>
+                    <a:p>
+                      <a:pPr algn="l" fontAlgn="b"/>
+                      <a:r>
+                        <a:rPr lang="en-AU" sz="1600" b="0" i="1" u="none" strike="noStrike" dirty="0">
+                          <a:solidFill>
+                            <a:srgbClr val="000000"/>
+                          </a:solidFill>
+                          <a:effectLst/>
+                          <a:latin typeface="Calibri" panose="020F0502020204030204" pitchFamily="34" charset="0"/>
+                        </a:rPr>
+                        <a:t>EEE</a:t>
+                      </a:r>
+                    </a:p>
+                  </a:txBody>
+                  <a:tcPr marL="7620" marR="7620" marT="7620" marB="0" anchor="b"/>
+                </a:tc>
+                <a:tc>
+                  <a:txBody>
+                    <a:bodyPr/>
+                    <a:lstStyle/>
+                    <a:p>
+                      <a:pPr algn="l" fontAlgn="b"/>
+                      <a:r>
+                        <a:rPr lang="en-AU" sz="1600" b="0" i="0" u="none" strike="noStrike" dirty="0">
+                          <a:solidFill>
+                            <a:srgbClr val="000000"/>
+                          </a:solidFill>
+                          <a:effectLst/>
+                          <a:latin typeface="Calibri" panose="020F0502020204030204" pitchFamily="34" charset="0"/>
+                        </a:rPr>
+                        <a:t>4v (3cl)</a:t>
+                      </a:r>
+                    </a:p>
+                  </a:txBody>
+                  <a:tcPr marL="7620" marR="7620" marT="7620" marB="0" anchor="b"/>
+                </a:tc>
+                <a:tc>
+                  <a:txBody>
+                    <a:bodyPr/>
+                    <a:lstStyle/>
+                    <a:p>
+                      <a:pPr algn="l" fontAlgn="b"/>
+                      <a:r>
+                        <a:rPr lang="en-AU" sz="1600" b="0" i="1" u="none" strike="noStrike" dirty="0">
+                          <a:solidFill>
+                            <a:srgbClr val="000000"/>
+                          </a:solidFill>
+                          <a:effectLst/>
+                          <a:latin typeface="Calibri" panose="020F0502020204030204" pitchFamily="34" charset="0"/>
+                        </a:rPr>
+                        <a:t>50_50</a:t>
+                      </a:r>
+                    </a:p>
+                  </a:txBody>
+                  <a:tcPr marL="7620" marR="7620" marT="7620" marB="0" anchor="b"/>
+                </a:tc>
+                <a:tc>
+                  <a:txBody>
+                    <a:bodyPr/>
+                    <a:lstStyle/>
+                    <a:p>
+                      <a:pPr algn="l" fontAlgn="b"/>
+                      <a:r>
+                        <a:rPr lang="en-AU" sz="1600" b="0" i="0" u="none" strike="noStrike" dirty="0">
+                          <a:solidFill>
+                            <a:srgbClr val="000000"/>
+                          </a:solidFill>
+                          <a:effectLst/>
+                          <a:latin typeface="Calibri" panose="020F0502020204030204" pitchFamily="34" charset="0"/>
+                        </a:rPr>
+                        <a:t>EEE_p4_50_50_sim1</a:t>
+                      </a:r>
+                    </a:p>
+                  </a:txBody>
+                  <a:tcPr marL="7620" marR="7620" marT="7620" marB="0" anchor="b"/>
+                </a:tc>
+                <a:tc>
+                  <a:txBody>
+                    <a:bodyPr/>
+                    <a:lstStyle/>
+                    <a:p>
+                      <a:pPr algn="l" fontAlgn="b"/>
+                      <a:r>
+                        <a:rPr lang="en-AU" sz="1600" b="0" i="0" u="none" strike="noStrike" dirty="0">
+                          <a:solidFill>
+                            <a:srgbClr val="000000"/>
+                          </a:solidFill>
+                          <a:effectLst/>
+                          <a:latin typeface="Calibri" panose="020F0502020204030204" pitchFamily="34" charset="0"/>
+                        </a:rPr>
+                        <a:t>P4_path1</a:t>
+                      </a:r>
+                    </a:p>
+                  </a:txBody>
+                  <a:tcPr marL="7620" marR="7620" marT="7620" marB="0" anchor="b"/>
+                </a:tc>
+                <a:extLst>
+                  <a:ext uri="{0D108BD9-81ED-4DB2-BD59-A6C34878D82A}">
+                    <a16:rowId xmlns:a16="http://schemas.microsoft.com/office/drawing/2014/main" val="1150312825"/>
+                  </a:ext>
+                </a:extLst>
+              </a:tr>
+              <a:tr h="0">
+                <a:tc>
+                  <a:txBody>
+                    <a:bodyPr/>
+                    <a:lstStyle/>
+                    <a:p>
+                      <a:pPr algn="l" fontAlgn="b"/>
+                      <a:r>
+                        <a:rPr lang="en-AU" sz="1600" b="0" i="0" u="none" strike="noStrike" dirty="0">
+                          <a:solidFill>
+                            <a:srgbClr val="000000"/>
+                          </a:solidFill>
+                          <a:effectLst/>
+                          <a:latin typeface="Calibri" panose="020F0502020204030204" pitchFamily="34" charset="0"/>
+                        </a:rPr>
+                        <a:t>P1</a:t>
+                      </a:r>
+                    </a:p>
+                  </a:txBody>
+                  <a:tcPr marL="7620" marR="7620" marT="7620" marB="0" anchor="b"/>
+                </a:tc>
+                <a:tc>
+                  <a:txBody>
+                    <a:bodyPr/>
+                    <a:lstStyle/>
+                    <a:p>
+                      <a:pPr algn="l" fontAlgn="b"/>
+                      <a:r>
+                        <a:rPr lang="en-AU" sz="1600" b="0" i="0" u="none" strike="noStrike" dirty="0">
+                          <a:solidFill>
+                            <a:srgbClr val="000000"/>
+                          </a:solidFill>
+                          <a:effectLst/>
+                          <a:latin typeface="Calibri" panose="020F0502020204030204" pitchFamily="34" charset="0"/>
+                        </a:rPr>
+                        <a:t>R2</a:t>
+                      </a:r>
+                    </a:p>
+                  </a:txBody>
+                  <a:tcPr marL="7620" marR="7620" marT="7620" marB="0" anchor="b"/>
+                </a:tc>
+                <a:tc>
+                  <a:txBody>
+                    <a:bodyPr/>
+                    <a:lstStyle/>
+                    <a:p>
+                      <a:pPr algn="l" fontAlgn="b"/>
+                      <a:r>
+                        <a:rPr lang="en-AU" sz="1600" b="0" i="1" u="none" strike="noStrike" dirty="0">
+                          <a:solidFill>
+                            <a:srgbClr val="000000"/>
+                          </a:solidFill>
+                          <a:effectLst/>
+                          <a:latin typeface="Calibri" panose="020F0502020204030204" pitchFamily="34" charset="0"/>
+                        </a:rPr>
+                        <a:t>Grand</a:t>
+                      </a:r>
+                    </a:p>
+                  </a:txBody>
+                  <a:tcPr marL="7620" marR="7620" marT="7620" marB="0" anchor="b"/>
+                </a:tc>
+                <a:tc>
+                  <a:txBody>
+                    <a:bodyPr/>
+                    <a:lstStyle/>
+                    <a:p>
+                      <a:pPr algn="l" fontAlgn="b"/>
+                      <a:r>
+                        <a:rPr lang="en-AU" sz="1600" b="0" i="1" u="none" strike="noStrike" dirty="0">
+                          <a:solidFill>
+                            <a:srgbClr val="000000"/>
+                          </a:solidFill>
+                          <a:effectLst/>
+                          <a:latin typeface="Calibri" panose="020F0502020204030204" pitchFamily="34" charset="0"/>
+                        </a:rPr>
+                        <a:t>Banana</a:t>
+                      </a:r>
+                    </a:p>
+                  </a:txBody>
+                  <a:tcPr marL="7620" marR="7620" marT="7620" marB="0" anchor="b"/>
+                </a:tc>
+                <a:tc>
+                  <a:txBody>
+                    <a:bodyPr/>
+                    <a:lstStyle/>
+                    <a:p>
+                      <a:pPr algn="l" fontAlgn="b"/>
+                      <a:r>
+                        <a:rPr lang="en-AU" sz="1600" b="0" i="0" u="none" strike="noStrike" dirty="0">
+                          <a:solidFill>
+                            <a:srgbClr val="000000"/>
+                          </a:solidFill>
+                          <a:effectLst/>
+                          <a:latin typeface="Calibri" panose="020F0502020204030204" pitchFamily="34" charset="0"/>
+                        </a:rPr>
+                        <a:t>6v in (4cl)</a:t>
+                      </a:r>
+                    </a:p>
+                  </a:txBody>
+                  <a:tcPr marL="7620" marR="7620" marT="7620" marB="0" anchor="b"/>
+                </a:tc>
+                <a:tc>
+                  <a:txBody>
+                    <a:bodyPr/>
+                    <a:lstStyle/>
+                    <a:p>
+                      <a:pPr algn="l" fontAlgn="b"/>
+                      <a:r>
+                        <a:rPr lang="en-AU" sz="1600" b="0" i="1" u="none" strike="noStrike" dirty="0">
+                          <a:solidFill>
+                            <a:srgbClr val="000000"/>
+                          </a:solidFill>
+                          <a:effectLst/>
+                          <a:latin typeface="Calibri" panose="020F0502020204030204" pitchFamily="34" charset="0"/>
+                        </a:rPr>
+                        <a:t>50_50</a:t>
+                      </a:r>
+                    </a:p>
+                  </a:txBody>
+                  <a:tcPr marL="7620" marR="7620" marT="7620" marB="0" anchor="b"/>
+                </a:tc>
+                <a:tc>
+                  <a:txBody>
+                    <a:bodyPr/>
+                    <a:lstStyle/>
+                    <a:p>
+                      <a:pPr marL="0" marR="0" lvl="0" indent="0" algn="l" defTabSz="914400" rtl="0" eaLnBrk="1" fontAlgn="b" latinLnBrk="0" hangingPunct="1">
+                        <a:lnSpc>
+                          <a:spcPct val="100000"/>
+                        </a:lnSpc>
+                        <a:spcBef>
+                          <a:spcPts val="0"/>
+                        </a:spcBef>
+                        <a:spcAft>
+                          <a:spcPts val="0"/>
+                        </a:spcAft>
+                        <a:buClrTx/>
+                        <a:buSzTx/>
+                        <a:buFontTx/>
+                        <a:buNone/>
+                        <a:tabLst/>
+                        <a:defRPr/>
+                      </a:pPr>
+                      <a:r>
+                        <a:rPr lang="en-AU" sz="1600" b="0" i="0" u="none" strike="noStrike" dirty="0">
+                          <a:solidFill>
+                            <a:srgbClr val="000000"/>
+                          </a:solidFill>
+                          <a:effectLst/>
+                          <a:latin typeface="Calibri" panose="020F0502020204030204" pitchFamily="34" charset="0"/>
+                        </a:rPr>
+                        <a:t>banana_p6_50_50_sim1</a:t>
+                      </a:r>
+                    </a:p>
+                  </a:txBody>
+                  <a:tcPr marL="7620" marR="7620" marT="7620" marB="0" anchor="b"/>
+                </a:tc>
+                <a:tc>
+                  <a:txBody>
+                    <a:bodyPr/>
+                    <a:lstStyle/>
+                    <a:p>
+                      <a:pPr marL="0" marR="0" lvl="0" indent="0" algn="l" defTabSz="914400" rtl="0" eaLnBrk="1" fontAlgn="b" latinLnBrk="0" hangingPunct="1">
+                        <a:lnSpc>
+                          <a:spcPct val="100000"/>
+                        </a:lnSpc>
+                        <a:spcBef>
+                          <a:spcPts val="0"/>
+                        </a:spcBef>
+                        <a:spcAft>
+                          <a:spcPts val="0"/>
+                        </a:spcAft>
+                        <a:buClrTx/>
+                        <a:buSzTx/>
+                        <a:buFontTx/>
+                        <a:buNone/>
+                        <a:tabLst/>
+                        <a:defRPr/>
+                      </a:pPr>
+                      <a:r>
+                        <a:rPr lang="en-AU" sz="1600" b="0" i="0" u="none" strike="noStrike" dirty="0">
+                          <a:solidFill>
+                            <a:srgbClr val="000000"/>
+                          </a:solidFill>
+                          <a:effectLst/>
+                          <a:latin typeface="Calibri" panose="020F0502020204030204" pitchFamily="34" charset="0"/>
+                        </a:rPr>
+                        <a:t>P6_path1</a:t>
+                      </a:r>
+                    </a:p>
+                  </a:txBody>
+                  <a:tcPr marL="7620" marR="7620" marT="7620" marB="0" anchor="b"/>
+                </a:tc>
+                <a:extLst>
+                  <a:ext uri="{0D108BD9-81ED-4DB2-BD59-A6C34878D82A}">
+                    <a16:rowId xmlns:a16="http://schemas.microsoft.com/office/drawing/2014/main" val="1236360087"/>
+                  </a:ext>
+                </a:extLst>
+              </a:tr>
+              <a:tr h="0">
+                <a:tc>
+                  <a:txBody>
+                    <a:bodyPr/>
+                    <a:lstStyle/>
+                    <a:p>
+                      <a:pPr algn="l" fontAlgn="b"/>
+                      <a:r>
+                        <a:rPr lang="en-AU" sz="1600" b="0" i="0" u="none" strike="noStrike" dirty="0">
+                          <a:solidFill>
+                            <a:srgbClr val="000000"/>
+                          </a:solidFill>
+                          <a:effectLst/>
+                          <a:latin typeface="Calibri" panose="020F0502020204030204" pitchFamily="34" charset="0"/>
+                        </a:rPr>
+                        <a:t>P2</a:t>
+                      </a:r>
+                    </a:p>
+                  </a:txBody>
+                  <a:tcPr marL="7620" marR="7620" marT="7620" marB="0" anchor="b"/>
+                </a:tc>
+                <a:tc>
+                  <a:txBody>
+                    <a:bodyPr/>
+                    <a:lstStyle/>
+                    <a:p>
+                      <a:pPr algn="l" fontAlgn="b"/>
+                      <a:r>
+                        <a:rPr lang="en-AU" sz="1600" b="0" i="0" u="none" strike="noStrike" dirty="0">
+                          <a:solidFill>
+                            <a:srgbClr val="000000"/>
+                          </a:solidFill>
+                          <a:effectLst/>
+                          <a:latin typeface="Calibri" panose="020F0502020204030204" pitchFamily="34" charset="0"/>
+                        </a:rPr>
+                        <a:t>R1</a:t>
+                      </a:r>
+                    </a:p>
+                  </a:txBody>
+                  <a:tcPr marL="7620" marR="7620" marT="7620" marB="0" anchor="b"/>
+                </a:tc>
+                <a:tc>
+                  <a:txBody>
+                    <a:bodyPr/>
+                    <a:lstStyle/>
+                    <a:p>
+                      <a:pPr algn="l" fontAlgn="b"/>
+                      <a:r>
+                        <a:rPr lang="en-AU" sz="1600" b="0" i="1" u="none" strike="noStrike" dirty="0">
+                          <a:solidFill>
+                            <a:srgbClr val="000000"/>
+                          </a:solidFill>
+                          <a:effectLst/>
+                          <a:latin typeface="Calibri" panose="020F0502020204030204" pitchFamily="34" charset="0"/>
+                        </a:rPr>
+                        <a:t>Radial</a:t>
+                      </a:r>
+                    </a:p>
+                  </a:txBody>
+                  <a:tcPr marL="7620" marR="7620" marT="7620" marB="0" anchor="b"/>
+                </a:tc>
+                <a:tc>
+                  <a:txBody>
+                    <a:bodyPr/>
+                    <a:lstStyle/>
+                    <a:p>
+                      <a:pPr algn="l" fontAlgn="b"/>
+                      <a:r>
+                        <a:rPr lang="en-AU" sz="1600" b="0" i="1" u="none" strike="noStrike" dirty="0">
+                          <a:solidFill>
+                            <a:srgbClr val="000000"/>
+                          </a:solidFill>
+                          <a:effectLst/>
+                          <a:latin typeface="Calibri" panose="020F0502020204030204" pitchFamily="34" charset="0"/>
+                        </a:rPr>
+                        <a:t>EEE</a:t>
+                      </a:r>
+                    </a:p>
+                  </a:txBody>
+                  <a:tcPr marL="7620" marR="7620" marT="7620" marB="0" anchor="b"/>
+                </a:tc>
+                <a:tc>
+                  <a:txBody>
+                    <a:bodyPr/>
+                    <a:lstStyle/>
+                    <a:p>
+                      <a:pPr algn="l" fontAlgn="b"/>
+                      <a:r>
+                        <a:rPr lang="en-AU" sz="1600" b="0" i="0" u="none" strike="noStrike" dirty="0">
+                          <a:solidFill>
+                            <a:srgbClr val="000000"/>
+                          </a:solidFill>
+                          <a:effectLst/>
+                          <a:latin typeface="Calibri" panose="020F0502020204030204" pitchFamily="34" charset="0"/>
+                        </a:rPr>
+                        <a:t>4v (3cl)</a:t>
+                      </a:r>
+                    </a:p>
+                  </a:txBody>
+                  <a:tcPr marL="7620" marR="7620" marT="7620" marB="0" anchor="b"/>
+                </a:tc>
+                <a:tc>
+                  <a:txBody>
+                    <a:bodyPr/>
+                    <a:lstStyle/>
+                    <a:p>
+                      <a:pPr algn="l" fontAlgn="b"/>
+                      <a:r>
+                        <a:rPr lang="en-AU" sz="1600" b="0" i="1" u="none" strike="noStrike" dirty="0">
+                          <a:solidFill>
+                            <a:srgbClr val="000000"/>
+                          </a:solidFill>
+                          <a:effectLst/>
+                          <a:latin typeface="Calibri" panose="020F0502020204030204" pitchFamily="34" charset="0"/>
+                        </a:rPr>
+                        <a:t>50_50</a:t>
+                      </a:r>
+                    </a:p>
+                  </a:txBody>
+                  <a:tcPr marL="7620" marR="7620" marT="7620" marB="0" anchor="b"/>
+                </a:tc>
+                <a:tc>
+                  <a:txBody>
+                    <a:bodyPr/>
+                    <a:lstStyle/>
+                    <a:p>
+                      <a:pPr marL="0" marR="0" lvl="0" indent="0" algn="l" defTabSz="914400" rtl="0" eaLnBrk="1" fontAlgn="b" latinLnBrk="0" hangingPunct="1">
+                        <a:lnSpc>
+                          <a:spcPct val="100000"/>
+                        </a:lnSpc>
+                        <a:spcBef>
+                          <a:spcPts val="0"/>
+                        </a:spcBef>
+                        <a:spcAft>
+                          <a:spcPts val="0"/>
+                        </a:spcAft>
+                        <a:buClrTx/>
+                        <a:buSzTx/>
+                        <a:buFontTx/>
+                        <a:buNone/>
+                        <a:tabLst/>
+                        <a:defRPr/>
+                      </a:pPr>
+                      <a:r>
+                        <a:rPr lang="en-AU" sz="1600" b="0" i="0" u="none" strike="noStrike" dirty="0">
+                          <a:solidFill>
+                            <a:srgbClr val="000000"/>
+                          </a:solidFill>
+                          <a:effectLst/>
+                          <a:latin typeface="Calibri" panose="020F0502020204030204" pitchFamily="34" charset="0"/>
+                        </a:rPr>
+                        <a:t>EEE_p4_50_50_sim2</a:t>
+                      </a:r>
+                    </a:p>
+                  </a:txBody>
+                  <a:tcPr marL="7620" marR="7620" marT="7620" marB="0" anchor="b"/>
+                </a:tc>
+                <a:tc>
+                  <a:txBody>
+                    <a:bodyPr/>
+                    <a:lstStyle/>
+                    <a:p>
+                      <a:pPr algn="l" fontAlgn="b"/>
+                      <a:r>
+                        <a:rPr lang="en-AU" sz="1600" b="0" i="0" u="none" strike="noStrike" dirty="0">
+                          <a:solidFill>
+                            <a:srgbClr val="000000"/>
+                          </a:solidFill>
+                          <a:effectLst/>
+                          <a:latin typeface="Calibri" panose="020F0502020204030204" pitchFamily="34" charset="0"/>
+                        </a:rPr>
+                        <a:t>P4_path2</a:t>
+                      </a:r>
+                    </a:p>
+                  </a:txBody>
+                  <a:tcPr marL="7620" marR="7620" marT="7620" marB="0" anchor="b"/>
+                </a:tc>
+                <a:extLst>
+                  <a:ext uri="{0D108BD9-81ED-4DB2-BD59-A6C34878D82A}">
+                    <a16:rowId xmlns:a16="http://schemas.microsoft.com/office/drawing/2014/main" val="3775966952"/>
+                  </a:ext>
+                </a:extLst>
+              </a:tr>
+              <a:tr h="0">
+                <a:tc>
+                  <a:txBody>
+                    <a:bodyPr/>
+                    <a:lstStyle/>
+                    <a:p>
+                      <a:pPr algn="l" fontAlgn="b"/>
+                      <a:r>
+                        <a:rPr lang="en-AU" sz="1600" b="0" i="0" u="none" strike="noStrike" dirty="0">
+                          <a:solidFill>
+                            <a:srgbClr val="000000"/>
+                          </a:solidFill>
+                          <a:effectLst/>
+                          <a:latin typeface="Calibri" panose="020F0502020204030204" pitchFamily="34" charset="0"/>
+                        </a:rPr>
+                        <a:t>P2</a:t>
+                      </a:r>
+                    </a:p>
+                  </a:txBody>
+                  <a:tcPr marL="7620" marR="7620" marT="7620" marB="0" anchor="b"/>
+                </a:tc>
+                <a:tc>
+                  <a:txBody>
+                    <a:bodyPr/>
+                    <a:lstStyle/>
+                    <a:p>
+                      <a:pPr algn="l" fontAlgn="b"/>
+                      <a:r>
+                        <a:rPr lang="en-AU" sz="1600" b="0" i="0" u="none" strike="noStrike" dirty="0">
+                          <a:solidFill>
+                            <a:srgbClr val="000000"/>
+                          </a:solidFill>
+                          <a:effectLst/>
+                          <a:latin typeface="Calibri" panose="020F0502020204030204" pitchFamily="34" charset="0"/>
+                        </a:rPr>
+                        <a:t>R2</a:t>
+                      </a:r>
+                    </a:p>
+                  </a:txBody>
+                  <a:tcPr marL="7620" marR="7620" marT="7620" marB="0" anchor="b"/>
+                </a:tc>
+                <a:tc>
+                  <a:txBody>
+                    <a:bodyPr/>
+                    <a:lstStyle/>
+                    <a:p>
+                      <a:pPr algn="l" fontAlgn="b"/>
+                      <a:r>
+                        <a:rPr lang="en-AU" sz="1600" b="0" i="1" u="none" strike="noStrike" dirty="0">
+                          <a:solidFill>
+                            <a:srgbClr val="000000"/>
+                          </a:solidFill>
+                          <a:effectLst/>
+                          <a:latin typeface="Calibri" panose="020F0502020204030204" pitchFamily="34" charset="0"/>
+                        </a:rPr>
+                        <a:t>Radial</a:t>
+                      </a:r>
+                    </a:p>
+                  </a:txBody>
+                  <a:tcPr marL="7620" marR="7620" marT="7620" marB="0" anchor="b"/>
+                </a:tc>
+                <a:tc>
+                  <a:txBody>
+                    <a:bodyPr/>
+                    <a:lstStyle/>
+                    <a:p>
+                      <a:pPr algn="l" fontAlgn="b"/>
+                      <a:r>
+                        <a:rPr lang="en-AU" sz="1600" b="0" i="1" u="none" strike="noStrike" dirty="0">
+                          <a:solidFill>
+                            <a:srgbClr val="000000"/>
+                          </a:solidFill>
+                          <a:effectLst/>
+                          <a:latin typeface="Calibri" panose="020F0502020204030204" pitchFamily="34" charset="0"/>
+                        </a:rPr>
+                        <a:t>Banana</a:t>
+                      </a:r>
+                    </a:p>
+                  </a:txBody>
+                  <a:tcPr marL="7620" marR="7620" marT="7620" marB="0" anchor="b"/>
+                </a:tc>
+                <a:tc>
+                  <a:txBody>
+                    <a:bodyPr/>
+                    <a:lstStyle/>
+                    <a:p>
+                      <a:pPr algn="l" fontAlgn="b"/>
+                      <a:r>
+                        <a:rPr lang="en-AU" sz="1600" b="0" i="0" u="none" strike="noStrike" dirty="0">
+                          <a:solidFill>
+                            <a:srgbClr val="000000"/>
+                          </a:solidFill>
+                          <a:effectLst/>
+                          <a:latin typeface="Calibri" panose="020F0502020204030204" pitchFamily="34" charset="0"/>
+                        </a:rPr>
+                        <a:t>6v in (4cl)</a:t>
+                      </a:r>
+                    </a:p>
+                  </a:txBody>
+                  <a:tcPr marL="7620" marR="7620" marT="7620" marB="0" anchor="b"/>
+                </a:tc>
+                <a:tc>
+                  <a:txBody>
+                    <a:bodyPr/>
+                    <a:lstStyle/>
+                    <a:p>
+                      <a:pPr algn="l" fontAlgn="b"/>
+                      <a:r>
+                        <a:rPr lang="en-AU" sz="1600" b="0" i="1" u="none" strike="noStrike" dirty="0">
+                          <a:solidFill>
+                            <a:srgbClr val="000000"/>
+                          </a:solidFill>
+                          <a:effectLst/>
+                          <a:latin typeface="Calibri" panose="020F0502020204030204" pitchFamily="34" charset="0"/>
+                        </a:rPr>
+                        <a:t>50_50</a:t>
+                      </a:r>
+                    </a:p>
+                  </a:txBody>
+                  <a:tcPr marL="7620" marR="7620" marT="7620" marB="0" anchor="b"/>
+                </a:tc>
+                <a:tc>
+                  <a:txBody>
+                    <a:bodyPr/>
+                    <a:lstStyle/>
+                    <a:p>
+                      <a:pPr marL="0" marR="0" lvl="0" indent="0" algn="l" defTabSz="914400" rtl="0" eaLnBrk="1" fontAlgn="b" latinLnBrk="0" hangingPunct="1">
+                        <a:lnSpc>
+                          <a:spcPct val="100000"/>
+                        </a:lnSpc>
+                        <a:spcBef>
+                          <a:spcPts val="0"/>
+                        </a:spcBef>
+                        <a:spcAft>
+                          <a:spcPts val="0"/>
+                        </a:spcAft>
+                        <a:buClrTx/>
+                        <a:buSzTx/>
+                        <a:buFontTx/>
+                        <a:buNone/>
+                        <a:tabLst/>
+                        <a:defRPr/>
+                      </a:pPr>
+                      <a:r>
+                        <a:rPr lang="en-AU" sz="1600" b="0" i="0" u="none" strike="noStrike" dirty="0">
+                          <a:solidFill>
+                            <a:srgbClr val="000000"/>
+                          </a:solidFill>
+                          <a:effectLst/>
+                          <a:latin typeface="Calibri" panose="020F0502020204030204" pitchFamily="34" charset="0"/>
+                        </a:rPr>
+                        <a:t>banana_p6_50_50_sim1</a:t>
+                      </a:r>
+                    </a:p>
+                  </a:txBody>
+                  <a:tcPr marL="7620" marR="7620" marT="7620" marB="0" anchor="b"/>
+                </a:tc>
+                <a:tc>
+                  <a:txBody>
+                    <a:bodyPr/>
+                    <a:lstStyle/>
+                    <a:p>
+                      <a:pPr marL="0" marR="0" lvl="0" indent="0" algn="l" defTabSz="914400" rtl="0" eaLnBrk="1" fontAlgn="b" latinLnBrk="0" hangingPunct="1">
+                        <a:lnSpc>
+                          <a:spcPct val="100000"/>
+                        </a:lnSpc>
+                        <a:spcBef>
+                          <a:spcPts val="0"/>
+                        </a:spcBef>
+                        <a:spcAft>
+                          <a:spcPts val="0"/>
+                        </a:spcAft>
+                        <a:buClrTx/>
+                        <a:buSzTx/>
+                        <a:buFontTx/>
+                        <a:buNone/>
+                        <a:tabLst/>
+                        <a:defRPr/>
+                      </a:pPr>
+                      <a:r>
+                        <a:rPr lang="en-AU" sz="1600" b="0" i="0" u="none" strike="noStrike" dirty="0">
+                          <a:solidFill>
+                            <a:srgbClr val="000000"/>
+                          </a:solidFill>
+                          <a:effectLst/>
+                          <a:latin typeface="Calibri" panose="020F0502020204030204" pitchFamily="34" charset="0"/>
+                        </a:rPr>
+                        <a:t>P6_path2</a:t>
+                      </a:r>
+                    </a:p>
+                  </a:txBody>
+                  <a:tcPr marL="7620" marR="7620" marT="7620" marB="0" anchor="b"/>
+                </a:tc>
+                <a:extLst>
+                  <a:ext uri="{0D108BD9-81ED-4DB2-BD59-A6C34878D82A}">
+                    <a16:rowId xmlns:a16="http://schemas.microsoft.com/office/drawing/2014/main" val="2638294684"/>
+                  </a:ext>
+                </a:extLst>
+              </a:tr>
+              <a:tr h="0">
+                <a:tc>
+                  <a:txBody>
+                    <a:bodyPr/>
+                    <a:lstStyle/>
+                    <a:p>
+                      <a:pPr algn="l" fontAlgn="b"/>
+                      <a:r>
+                        <a:rPr lang="en-AU" sz="1600" b="0" i="0" u="none" strike="noStrike" dirty="0">
+                          <a:solidFill>
+                            <a:srgbClr val="000000"/>
+                          </a:solidFill>
+                          <a:effectLst/>
+                          <a:latin typeface="Calibri" panose="020F0502020204030204" pitchFamily="34" charset="0"/>
+                        </a:rPr>
+                        <a:t>P3</a:t>
+                      </a:r>
+                    </a:p>
+                  </a:txBody>
+                  <a:tcPr marL="7620" marR="7620" marT="7620" marB="0" anchor="b"/>
+                </a:tc>
+                <a:tc>
+                  <a:txBody>
+                    <a:bodyPr/>
+                    <a:lstStyle/>
+                    <a:p>
+                      <a:pPr algn="l" fontAlgn="b"/>
+                      <a:r>
+                        <a:rPr lang="en-AU" sz="1600" b="0" i="0" u="none" strike="noStrike" dirty="0">
+                          <a:solidFill>
+                            <a:srgbClr val="000000"/>
+                          </a:solidFill>
+                          <a:effectLst/>
+                          <a:latin typeface="Calibri" panose="020F0502020204030204" pitchFamily="34" charset="0"/>
+                        </a:rPr>
+                        <a:t>R1</a:t>
+                      </a:r>
+                    </a:p>
+                  </a:txBody>
+                  <a:tcPr marL="7620" marR="7620" marT="7620" marB="0" anchor="b"/>
+                </a:tc>
+                <a:tc>
+                  <a:txBody>
+                    <a:bodyPr/>
+                    <a:lstStyle/>
+                    <a:p>
+                      <a:pPr algn="l" fontAlgn="b"/>
+                      <a:r>
+                        <a:rPr lang="en-AU" sz="1600" b="0" i="1" u="none" strike="noStrike" dirty="0">
+                          <a:solidFill>
+                            <a:srgbClr val="000000"/>
+                          </a:solidFill>
+                          <a:effectLst/>
+                          <a:latin typeface="Calibri" panose="020F0502020204030204" pitchFamily="34" charset="0"/>
+                        </a:rPr>
+                        <a:t>PCA</a:t>
+                      </a:r>
+                    </a:p>
+                  </a:txBody>
+                  <a:tcPr marL="7620" marR="7620" marT="7620" marB="0" anchor="b"/>
+                </a:tc>
+                <a:tc>
+                  <a:txBody>
+                    <a:bodyPr/>
+                    <a:lstStyle/>
+                    <a:p>
+                      <a:pPr algn="l" fontAlgn="b"/>
+                      <a:r>
+                        <a:rPr lang="en-AU" sz="1600" b="0" i="1" u="none" strike="noStrike" dirty="0">
+                          <a:solidFill>
+                            <a:srgbClr val="000000"/>
+                          </a:solidFill>
+                          <a:effectLst/>
+                          <a:latin typeface="Calibri" panose="020F0502020204030204" pitchFamily="34" charset="0"/>
+                        </a:rPr>
+                        <a:t>EEE</a:t>
+                      </a:r>
+                    </a:p>
+                  </a:txBody>
+                  <a:tcPr marL="7620" marR="7620" marT="7620" marB="0" anchor="b"/>
+                </a:tc>
+                <a:tc>
+                  <a:txBody>
+                    <a:bodyPr/>
+                    <a:lstStyle/>
+                    <a:p>
+                      <a:pPr algn="l" fontAlgn="b"/>
+                      <a:r>
+                        <a:rPr lang="en-AU" sz="1600" b="0" i="0" u="none" strike="noStrike" dirty="0">
+                          <a:solidFill>
+                            <a:srgbClr val="000000"/>
+                          </a:solidFill>
+                          <a:effectLst/>
+                          <a:latin typeface="Calibri" panose="020F0502020204030204" pitchFamily="34" charset="0"/>
+                        </a:rPr>
+                        <a:t>4v (3cl)</a:t>
+                      </a:r>
+                    </a:p>
+                  </a:txBody>
+                  <a:tcPr marL="7620" marR="7620" marT="7620" marB="0" anchor="b"/>
+                </a:tc>
+                <a:tc>
+                  <a:txBody>
+                    <a:bodyPr/>
+                    <a:lstStyle/>
+                    <a:p>
+                      <a:pPr algn="l" fontAlgn="b"/>
+                      <a:r>
+                        <a:rPr lang="en-AU" sz="1600" b="0" i="1" u="none" strike="noStrike" dirty="0">
+                          <a:solidFill>
+                            <a:srgbClr val="000000"/>
+                          </a:solidFill>
+                          <a:effectLst/>
+                          <a:latin typeface="Calibri" panose="020F0502020204030204" pitchFamily="34" charset="0"/>
+                        </a:rPr>
+                        <a:t>50_50</a:t>
+                      </a:r>
+                    </a:p>
+                  </a:txBody>
+                  <a:tcPr marL="7620" marR="7620" marT="7620" marB="0" anchor="b"/>
+                </a:tc>
+                <a:tc>
+                  <a:txBody>
+                    <a:bodyPr/>
+                    <a:lstStyle/>
+                    <a:p>
+                      <a:pPr marL="0" marR="0" lvl="0" indent="0" algn="l" defTabSz="914400" rtl="0" eaLnBrk="1" fontAlgn="b" latinLnBrk="0" hangingPunct="1">
+                        <a:lnSpc>
+                          <a:spcPct val="100000"/>
+                        </a:lnSpc>
+                        <a:spcBef>
+                          <a:spcPts val="0"/>
+                        </a:spcBef>
+                        <a:spcAft>
+                          <a:spcPts val="0"/>
+                        </a:spcAft>
+                        <a:buClrTx/>
+                        <a:buSzTx/>
+                        <a:buFontTx/>
+                        <a:buNone/>
+                        <a:tabLst/>
+                        <a:defRPr/>
+                      </a:pPr>
+                      <a:r>
+                        <a:rPr lang="en-AU" sz="1600" b="0" i="0" u="none" strike="noStrike" dirty="0">
+                          <a:solidFill>
+                            <a:srgbClr val="000000"/>
+                          </a:solidFill>
+                          <a:effectLst/>
+                          <a:latin typeface="Calibri" panose="020F0502020204030204" pitchFamily="34" charset="0"/>
+                        </a:rPr>
+                        <a:t>EEE_p4_50_50_sim3</a:t>
+                      </a:r>
+                    </a:p>
+                  </a:txBody>
+                  <a:tcPr marL="7620" marR="7620" marT="7620" marB="0" anchor="b"/>
+                </a:tc>
+                <a:tc>
+                  <a:txBody>
+                    <a:bodyPr/>
+                    <a:lstStyle/>
+                    <a:p>
+                      <a:pPr algn="l" fontAlgn="b"/>
+                      <a:r>
+                        <a:rPr lang="en-AU" sz="1600" b="0" i="0" u="none" strike="noStrike" dirty="0">
+                          <a:solidFill>
+                            <a:srgbClr val="000000"/>
+                          </a:solidFill>
+                          <a:effectLst/>
+                          <a:latin typeface="Calibri" panose="020F0502020204030204" pitchFamily="34" charset="0"/>
+                        </a:rPr>
+                        <a:t>P4_path3</a:t>
+                      </a:r>
+                    </a:p>
+                  </a:txBody>
+                  <a:tcPr marL="7620" marR="7620" marT="7620" marB="0" anchor="b"/>
+                </a:tc>
+                <a:extLst>
+                  <a:ext uri="{0D108BD9-81ED-4DB2-BD59-A6C34878D82A}">
+                    <a16:rowId xmlns:a16="http://schemas.microsoft.com/office/drawing/2014/main" val="2814426595"/>
+                  </a:ext>
+                </a:extLst>
+              </a:tr>
+              <a:tr h="0">
+                <a:tc>
+                  <a:txBody>
+                    <a:bodyPr/>
+                    <a:lstStyle/>
+                    <a:p>
+                      <a:pPr algn="l" fontAlgn="b"/>
+                      <a:r>
+                        <a:rPr lang="en-AU" sz="1600" b="0" i="0" u="none" strike="noStrike" dirty="0">
+                          <a:solidFill>
+                            <a:srgbClr val="000000"/>
+                          </a:solidFill>
+                          <a:effectLst/>
+                          <a:latin typeface="Calibri" panose="020F0502020204030204" pitchFamily="34" charset="0"/>
+                        </a:rPr>
+                        <a:t>p3</a:t>
+                      </a:r>
+                    </a:p>
+                  </a:txBody>
+                  <a:tcPr marL="7620" marR="7620" marT="7620" marB="0" anchor="b"/>
+                </a:tc>
+                <a:tc>
+                  <a:txBody>
+                    <a:bodyPr/>
+                    <a:lstStyle/>
+                    <a:p>
+                      <a:pPr algn="l" fontAlgn="b"/>
+                      <a:r>
+                        <a:rPr lang="en-AU" sz="1600" b="0" i="0" u="none" strike="noStrike" dirty="0">
+                          <a:solidFill>
+                            <a:srgbClr val="000000"/>
+                          </a:solidFill>
+                          <a:effectLst/>
+                          <a:latin typeface="Calibri" panose="020F0502020204030204" pitchFamily="34" charset="0"/>
+                        </a:rPr>
+                        <a:t>R2</a:t>
+                      </a:r>
+                    </a:p>
+                  </a:txBody>
+                  <a:tcPr marL="7620" marR="7620" marT="7620" marB="0" anchor="b"/>
+                </a:tc>
+                <a:tc>
+                  <a:txBody>
+                    <a:bodyPr/>
+                    <a:lstStyle/>
+                    <a:p>
+                      <a:pPr algn="l" fontAlgn="b"/>
+                      <a:r>
+                        <a:rPr lang="en-AU" sz="1600" b="0" i="1" u="none" strike="noStrike" dirty="0">
+                          <a:solidFill>
+                            <a:srgbClr val="000000"/>
+                          </a:solidFill>
+                          <a:effectLst/>
+                          <a:latin typeface="Calibri" panose="020F0502020204030204" pitchFamily="34" charset="0"/>
+                        </a:rPr>
+                        <a:t>PCA</a:t>
+                      </a:r>
+                    </a:p>
+                  </a:txBody>
+                  <a:tcPr marL="7620" marR="7620" marT="7620" marB="0" anchor="b"/>
+                </a:tc>
+                <a:tc>
+                  <a:txBody>
+                    <a:bodyPr/>
+                    <a:lstStyle/>
+                    <a:p>
+                      <a:pPr algn="l" fontAlgn="b"/>
+                      <a:r>
+                        <a:rPr lang="en-AU" sz="1600" b="0" i="1" u="none" strike="noStrike" dirty="0">
+                          <a:solidFill>
+                            <a:srgbClr val="000000"/>
+                          </a:solidFill>
+                          <a:effectLst/>
+                          <a:latin typeface="Calibri" panose="020F0502020204030204" pitchFamily="34" charset="0"/>
+                        </a:rPr>
+                        <a:t>Banana</a:t>
+                      </a:r>
+                    </a:p>
+                  </a:txBody>
+                  <a:tcPr marL="7620" marR="7620" marT="7620" marB="0" anchor="b"/>
+                </a:tc>
+                <a:tc>
+                  <a:txBody>
+                    <a:bodyPr/>
+                    <a:lstStyle/>
+                    <a:p>
+                      <a:pPr algn="l" fontAlgn="b"/>
+                      <a:r>
+                        <a:rPr lang="en-AU" sz="1600" b="0" i="0" u="none" strike="noStrike" dirty="0">
+                          <a:solidFill>
+                            <a:srgbClr val="000000"/>
+                          </a:solidFill>
+                          <a:effectLst/>
+                          <a:latin typeface="Calibri" panose="020F0502020204030204" pitchFamily="34" charset="0"/>
+                        </a:rPr>
+                        <a:t>6v in (4cl)</a:t>
+                      </a:r>
+                    </a:p>
+                  </a:txBody>
+                  <a:tcPr marL="7620" marR="7620" marT="7620" marB="0" anchor="b"/>
+                </a:tc>
+                <a:tc>
+                  <a:txBody>
+                    <a:bodyPr/>
+                    <a:lstStyle/>
+                    <a:p>
+                      <a:pPr algn="l" fontAlgn="b"/>
+                      <a:r>
+                        <a:rPr lang="en-AU" sz="1600" b="0" i="1" u="none" strike="noStrike" dirty="0">
+                          <a:solidFill>
+                            <a:srgbClr val="000000"/>
+                          </a:solidFill>
+                          <a:effectLst/>
+                          <a:latin typeface="Calibri" panose="020F0502020204030204" pitchFamily="34" charset="0"/>
+                        </a:rPr>
+                        <a:t>50_50</a:t>
+                      </a:r>
+                    </a:p>
+                  </a:txBody>
+                  <a:tcPr marL="7620" marR="7620" marT="7620" marB="0" anchor="b"/>
+                </a:tc>
+                <a:tc>
+                  <a:txBody>
+                    <a:bodyPr/>
+                    <a:lstStyle/>
+                    <a:p>
+                      <a:pPr marL="0" marR="0" lvl="0" indent="0" algn="l" defTabSz="914400" rtl="0" eaLnBrk="1" fontAlgn="b" latinLnBrk="0" hangingPunct="1">
+                        <a:lnSpc>
+                          <a:spcPct val="100000"/>
+                        </a:lnSpc>
+                        <a:spcBef>
+                          <a:spcPts val="0"/>
+                        </a:spcBef>
+                        <a:spcAft>
+                          <a:spcPts val="0"/>
+                        </a:spcAft>
+                        <a:buClrTx/>
+                        <a:buSzTx/>
+                        <a:buFontTx/>
+                        <a:buNone/>
+                        <a:tabLst/>
+                        <a:defRPr/>
+                      </a:pPr>
+                      <a:r>
+                        <a:rPr lang="en-AU" sz="1600" b="0" i="0" u="none" strike="noStrike" dirty="0">
+                          <a:solidFill>
+                            <a:srgbClr val="000000"/>
+                          </a:solidFill>
+                          <a:effectLst/>
+                          <a:latin typeface="Calibri" panose="020F0502020204030204" pitchFamily="34" charset="0"/>
+                        </a:rPr>
+                        <a:t>banana_p6_50_50_sim1</a:t>
+                      </a:r>
+                    </a:p>
+                  </a:txBody>
+                  <a:tcPr marL="7620" marR="7620" marT="7620" marB="0" anchor="b"/>
+                </a:tc>
+                <a:tc>
+                  <a:txBody>
+                    <a:bodyPr/>
+                    <a:lstStyle/>
+                    <a:p>
+                      <a:pPr marL="0" marR="0" lvl="0" indent="0" algn="l" defTabSz="914400" rtl="0" eaLnBrk="1" fontAlgn="b" latinLnBrk="0" hangingPunct="1">
+                        <a:lnSpc>
+                          <a:spcPct val="100000"/>
+                        </a:lnSpc>
+                        <a:spcBef>
+                          <a:spcPts val="0"/>
+                        </a:spcBef>
+                        <a:spcAft>
+                          <a:spcPts val="0"/>
+                        </a:spcAft>
+                        <a:buClrTx/>
+                        <a:buSzTx/>
+                        <a:buFontTx/>
+                        <a:buNone/>
+                        <a:tabLst/>
+                        <a:defRPr/>
+                      </a:pPr>
+                      <a:r>
+                        <a:rPr lang="en-AU" sz="1600" b="0" i="0" u="none" strike="noStrike" dirty="0">
+                          <a:solidFill>
+                            <a:srgbClr val="000000"/>
+                          </a:solidFill>
+                          <a:effectLst/>
+                          <a:latin typeface="Calibri" panose="020F0502020204030204" pitchFamily="34" charset="0"/>
+                        </a:rPr>
+                        <a:t>P6_path3</a:t>
+                      </a:r>
+                    </a:p>
+                  </a:txBody>
+                  <a:tcPr marL="7620" marR="7620" marT="7620" marB="0" anchor="b"/>
+                </a:tc>
+                <a:extLst>
+                  <a:ext uri="{0D108BD9-81ED-4DB2-BD59-A6C34878D82A}">
+                    <a16:rowId xmlns:a16="http://schemas.microsoft.com/office/drawing/2014/main" val="1669355868"/>
+                  </a:ext>
+                </a:extLst>
+              </a:tr>
+            </a:tbl>
+          </a:graphicData>
+        </a:graphic>
+      </p:graphicFrame>
+      <p:grpSp>
+        <p:nvGrpSpPr>
+          <p:cNvPr id="61" name="Group 60">
             <a:extLst>
               <a:ext uri="{FF2B5EF4-FFF2-40B4-BE49-F238E27FC236}">
-                <a16:creationId xmlns:a16="http://schemas.microsoft.com/office/drawing/2014/main" id="{1EA1D2A9-745F-4CF9-9CAE-650B51F162F7}"/>
+                <a16:creationId xmlns:a16="http://schemas.microsoft.com/office/drawing/2014/main" id="{8D33795B-C4F5-4EAE-BED2-212FF3DD98F7}"/>
               </a:ext>
             </a:extLst>
           </p:cNvPr>
-          <p:cNvSpPr>
-            <a:spLocks noGrp="1"/>
-          </p:cNvSpPr>
-          <p:nvPr>
-            <p:ph idx="1"/>
-          </p:nvPr>
+          <p:cNvGrpSpPr/>
+          <p:nvPr/>
+        </p:nvGrpSpPr>
+        <p:grpSpPr>
+          <a:xfrm>
+            <a:off x="241204" y="-284516"/>
+            <a:ext cx="4554275" cy="7427032"/>
+            <a:chOff x="6855549" y="-404681"/>
+            <a:chExt cx="4554275" cy="7427032"/>
+          </a:xfrm>
+        </p:grpSpPr>
+        <p:grpSp>
+          <p:nvGrpSpPr>
+            <p:cNvPr id="63" name="Group 62">
+              <a:extLst>
+                <a:ext uri="{FF2B5EF4-FFF2-40B4-BE49-F238E27FC236}">
+                  <a16:creationId xmlns:a16="http://schemas.microsoft.com/office/drawing/2014/main" id="{7416DA21-C568-4FF6-AC75-AC213BEC0C07}"/>
+                </a:ext>
+              </a:extLst>
+            </p:cNvPr>
+            <p:cNvGrpSpPr/>
+            <p:nvPr/>
+          </p:nvGrpSpPr>
+          <p:grpSpPr>
+            <a:xfrm>
+              <a:off x="8515882" y="3946321"/>
+              <a:ext cx="2576682" cy="3076030"/>
+              <a:chOff x="-190416" y="4525314"/>
+              <a:chExt cx="2576682" cy="3076030"/>
+            </a:xfrm>
+          </p:grpSpPr>
+          <p:sp>
+            <p:nvSpPr>
+              <p:cNvPr id="93" name="TextBox 92">
+                <a:extLst>
+                  <a:ext uri="{FF2B5EF4-FFF2-40B4-BE49-F238E27FC236}">
+                    <a16:creationId xmlns:a16="http://schemas.microsoft.com/office/drawing/2014/main" id="{D257A497-77C7-4C2D-ABE2-6E75744B93F7}"/>
+                  </a:ext>
+                </a:extLst>
+              </p:cNvPr>
+              <p:cNvSpPr txBox="1"/>
+              <p:nvPr/>
+            </p:nvSpPr>
+            <p:spPr>
+              <a:xfrm>
+                <a:off x="1260358" y="5477685"/>
+                <a:ext cx="319327" cy="2123658"/>
+              </a:xfrm>
+              <a:prstGeom prst="rect">
+                <a:avLst/>
+              </a:prstGeom>
+              <a:noFill/>
+            </p:spPr>
+            <p:txBody>
+              <a:bodyPr wrap="square" rtlCol="0">
+                <a:spAutoFit/>
+              </a:bodyPr>
+              <a:lstStyle/>
+              <a:p>
+                <a:pPr algn="r"/>
+                <a:r>
+                  <a:rPr lang="en-AU" sz="2200" dirty="0"/>
+                  <a:t>1</a:t>
+                </a:r>
+              </a:p>
+              <a:p>
+                <a:pPr algn="r"/>
+                <a:r>
+                  <a:rPr lang="en-US" sz="2200" dirty="0"/>
+                  <a:t>2</a:t>
+                </a:r>
+                <a:endParaRPr lang="en-AU" sz="2200" dirty="0"/>
+              </a:p>
+              <a:p>
+                <a:pPr algn="r"/>
+                <a:r>
+                  <a:rPr lang="en-US" sz="2200" dirty="0"/>
+                  <a:t>3</a:t>
+                </a:r>
+                <a:endParaRPr lang="en-AU" sz="2200" dirty="0"/>
+              </a:p>
+              <a:p>
+                <a:pPr algn="r"/>
+                <a:r>
+                  <a:rPr lang="en-US" sz="2200" dirty="0"/>
+                  <a:t>4</a:t>
+                </a:r>
+                <a:endParaRPr lang="en-AU" sz="2200" dirty="0"/>
+              </a:p>
+              <a:p>
+                <a:pPr algn="r"/>
+                <a:r>
+                  <a:rPr lang="en-US" sz="2200" dirty="0"/>
+                  <a:t>5</a:t>
+                </a:r>
+                <a:endParaRPr lang="en-AU" sz="2200" dirty="0"/>
+              </a:p>
+              <a:p>
+                <a:pPr algn="r"/>
+                <a:r>
+                  <a:rPr lang="en-US" sz="2200" dirty="0"/>
+                  <a:t>6</a:t>
+                </a:r>
+                <a:endParaRPr lang="en-AU" sz="2200" dirty="0"/>
+              </a:p>
+            </p:txBody>
+          </p:sp>
+          <p:sp>
+            <p:nvSpPr>
+              <p:cNvPr id="94" name="TextBox 93">
+                <a:extLst>
+                  <a:ext uri="{FF2B5EF4-FFF2-40B4-BE49-F238E27FC236}">
+                    <a16:creationId xmlns:a16="http://schemas.microsoft.com/office/drawing/2014/main" id="{D8B7A018-7D73-4CA4-AB2E-6E52DC2152D2}"/>
+                  </a:ext>
+                </a:extLst>
+              </p:cNvPr>
+              <p:cNvSpPr txBox="1"/>
+              <p:nvPr/>
+            </p:nvSpPr>
+            <p:spPr>
+              <a:xfrm rot="16200000">
+                <a:off x="1525296" y="4616843"/>
+                <a:ext cx="952499" cy="769441"/>
+              </a:xfrm>
+              <a:prstGeom prst="rect">
+                <a:avLst/>
+              </a:prstGeom>
+              <a:noFill/>
+            </p:spPr>
+            <p:txBody>
+              <a:bodyPr wrap="square" rtlCol="0">
+                <a:spAutoFit/>
+              </a:bodyPr>
+              <a:lstStyle/>
+              <a:p>
+                <a:r>
+                  <a:rPr lang="en-AU" sz="2200" dirty="0"/>
+                  <a:t>task 1</a:t>
+                </a:r>
+              </a:p>
+              <a:p>
+                <a:r>
+                  <a:rPr lang="en-AU" sz="2200" dirty="0"/>
+                  <a:t>task 2</a:t>
+                </a:r>
+              </a:p>
+            </p:txBody>
+          </p:sp>
+          <p:sp>
+            <p:nvSpPr>
+              <p:cNvPr id="95" name="TextBox 94">
+                <a:extLst>
+                  <a:ext uri="{FF2B5EF4-FFF2-40B4-BE49-F238E27FC236}">
+                    <a16:creationId xmlns:a16="http://schemas.microsoft.com/office/drawing/2014/main" id="{65304FD8-869B-46F5-80C0-69D0A64EF1D2}"/>
+                  </a:ext>
+                </a:extLst>
+              </p:cNvPr>
+              <p:cNvSpPr txBox="1"/>
+              <p:nvPr/>
+            </p:nvSpPr>
+            <p:spPr>
+              <a:xfrm>
+                <a:off x="-190416" y="4687590"/>
+                <a:ext cx="1805816" cy="769441"/>
+              </a:xfrm>
+              <a:prstGeom prst="rect">
+                <a:avLst/>
+              </a:prstGeom>
+              <a:noFill/>
+            </p:spPr>
+            <p:txBody>
+              <a:bodyPr wrap="square" rtlCol="0">
+                <a:spAutoFit/>
+              </a:bodyPr>
+              <a:lstStyle/>
+              <a:p>
+                <a:pPr algn="r"/>
+                <a:r>
+                  <a:rPr lang="en-AU" sz="2200" dirty="0"/>
+                  <a:t>VC order</a:t>
+                </a:r>
+              </a:p>
+              <a:p>
+                <a:pPr algn="r"/>
+                <a:r>
+                  <a:rPr lang="en-AU" sz="2200" dirty="0"/>
+                  <a:t>permutations</a:t>
+                </a:r>
+              </a:p>
+            </p:txBody>
+          </p:sp>
+          <p:cxnSp>
+            <p:nvCxnSpPr>
+              <p:cNvPr id="96" name="Straight Connector 95">
+                <a:extLst>
+                  <a:ext uri="{FF2B5EF4-FFF2-40B4-BE49-F238E27FC236}">
+                    <a16:creationId xmlns:a16="http://schemas.microsoft.com/office/drawing/2014/main" id="{A58ED1C2-7787-4D88-98CA-1CDBE97E88F4}"/>
+                  </a:ext>
+                </a:extLst>
+              </p:cNvPr>
+              <p:cNvCxnSpPr>
+                <a:cxnSpLocks/>
+              </p:cNvCxnSpPr>
+              <p:nvPr/>
+            </p:nvCxnSpPr>
+            <p:spPr>
+              <a:xfrm>
+                <a:off x="-31935" y="5477685"/>
+                <a:ext cx="2336163" cy="0"/>
+              </a:xfrm>
+              <a:prstGeom prst="line">
+                <a:avLst/>
+              </a:prstGeom>
+              <a:ln w="28575">
+                <a:solidFill>
+                  <a:schemeClr val="tx1"/>
+                </a:solidFill>
+              </a:ln>
+            </p:spPr>
+            <p:style>
+              <a:lnRef idx="1">
+                <a:schemeClr val="accent1"/>
+              </a:lnRef>
+              <a:fillRef idx="0">
+                <a:schemeClr val="accent1"/>
+              </a:fillRef>
+              <a:effectRef idx="0">
+                <a:schemeClr val="accent1"/>
+              </a:effectRef>
+              <a:fontRef idx="minor">
+                <a:schemeClr val="tx1"/>
+              </a:fontRef>
+            </p:style>
+          </p:cxnSp>
+          <p:cxnSp>
+            <p:nvCxnSpPr>
+              <p:cNvPr id="97" name="Straight Connector 96">
+                <a:extLst>
+                  <a:ext uri="{FF2B5EF4-FFF2-40B4-BE49-F238E27FC236}">
+                    <a16:creationId xmlns:a16="http://schemas.microsoft.com/office/drawing/2014/main" id="{4BBC5E5D-A0D0-4829-9810-511395200AFC}"/>
+                  </a:ext>
+                </a:extLst>
+              </p:cNvPr>
+              <p:cNvCxnSpPr>
+                <a:cxnSpLocks/>
+              </p:cNvCxnSpPr>
+              <p:nvPr/>
+            </p:nvCxnSpPr>
+            <p:spPr>
+              <a:xfrm flipV="1">
+                <a:off x="1579685" y="4717656"/>
+                <a:ext cx="25901" cy="2883688"/>
+              </a:xfrm>
+              <a:prstGeom prst="line">
+                <a:avLst/>
+              </a:prstGeom>
+              <a:ln w="28575">
+                <a:solidFill>
+                  <a:schemeClr val="tx1"/>
+                </a:solidFill>
+              </a:ln>
+            </p:spPr>
+            <p:style>
+              <a:lnRef idx="1">
+                <a:schemeClr val="accent1"/>
+              </a:lnRef>
+              <a:fillRef idx="0">
+                <a:schemeClr val="accent1"/>
+              </a:fillRef>
+              <a:effectRef idx="0">
+                <a:schemeClr val="accent1"/>
+              </a:effectRef>
+              <a:fontRef idx="minor">
+                <a:schemeClr val="tx1"/>
+              </a:fontRef>
+            </p:style>
+          </p:cxnSp>
+          <p:sp>
+            <p:nvSpPr>
+              <p:cNvPr id="98" name="Rectangle: Rounded Corners 97">
+                <a:extLst>
+                  <a:ext uri="{FF2B5EF4-FFF2-40B4-BE49-F238E27FC236}">
+                    <a16:creationId xmlns:a16="http://schemas.microsoft.com/office/drawing/2014/main" id="{500D90CB-1ABF-4BD8-9087-FEEB88944064}"/>
+                  </a:ext>
+                </a:extLst>
+              </p:cNvPr>
+              <p:cNvSpPr/>
+              <p:nvPr/>
+            </p:nvSpPr>
+            <p:spPr>
+              <a:xfrm>
+                <a:off x="1656912" y="5533108"/>
+                <a:ext cx="288000" cy="288000"/>
+              </a:xfrm>
+              <a:prstGeom prst="roundRect">
+                <a:avLst/>
+              </a:prstGeom>
+              <a:solidFill>
+                <a:srgbClr val="7030A0"/>
+              </a:solidFill>
+              <a:ln>
+                <a:solidFill>
+                  <a:schemeClr val="tx1"/>
+                </a:solidFill>
+              </a:ln>
+            </p:spPr>
+            <p:style>
+              <a:lnRef idx="2">
+                <a:schemeClr val="accent2">
+                  <a:shade val="50000"/>
+                </a:schemeClr>
+              </a:lnRef>
+              <a:fillRef idx="1">
+                <a:schemeClr val="accent2"/>
+              </a:fillRef>
+              <a:effectRef idx="0">
+                <a:schemeClr val="accent2"/>
+              </a:effectRef>
+              <a:fontRef idx="minor">
+                <a:schemeClr val="lt1"/>
+              </a:fontRef>
+            </p:style>
+            <p:txBody>
+              <a:bodyPr rtlCol="0" anchor="ctr"/>
+              <a:lstStyle/>
+              <a:p>
+                <a:pPr algn="ctr"/>
+                <a:r>
+                  <a:rPr lang="en-US" sz="2200" dirty="0"/>
+                  <a:t>1</a:t>
+                </a:r>
+                <a:endParaRPr lang="en-AU" sz="2200" dirty="0"/>
+              </a:p>
+            </p:txBody>
+          </p:sp>
+          <p:sp>
+            <p:nvSpPr>
+              <p:cNvPr id="99" name="Rectangle: Rounded Corners 98">
+                <a:extLst>
+                  <a:ext uri="{FF2B5EF4-FFF2-40B4-BE49-F238E27FC236}">
+                    <a16:creationId xmlns:a16="http://schemas.microsoft.com/office/drawing/2014/main" id="{E80AD66B-C4CE-49BD-8799-A7FF43B0A44E}"/>
+                  </a:ext>
+                </a:extLst>
+              </p:cNvPr>
+              <p:cNvSpPr/>
+              <p:nvPr/>
+            </p:nvSpPr>
+            <p:spPr>
+              <a:xfrm>
+                <a:off x="1302138" y="5852662"/>
+                <a:ext cx="1022129" cy="349319"/>
+              </a:xfrm>
+              <a:prstGeom prst="roundRect">
+                <a:avLst/>
+              </a:prstGeom>
+              <a:noFill/>
+              <a:ln w="28575">
+                <a:solidFill>
+                  <a:srgbClr val="FF0000"/>
+                </a:solidFill>
+              </a:ln>
+            </p:spPr>
+            <p:style>
+              <a:lnRef idx="2">
+                <a:schemeClr val="accent1">
+                  <a:shade val="50000"/>
+                </a:schemeClr>
+              </a:lnRef>
+              <a:fillRef idx="1">
+                <a:schemeClr val="accent1"/>
+              </a:fillRef>
+              <a:effectRef idx="0">
+                <a:schemeClr val="accent1"/>
+              </a:effectRef>
+              <a:fontRef idx="minor">
+                <a:schemeClr val="lt1"/>
+              </a:fontRef>
+            </p:style>
+            <p:txBody>
+              <a:bodyPr rtlCol="0" anchor="ctr"/>
+              <a:lstStyle/>
+              <a:p>
+                <a:pPr algn="ctr"/>
+                <a:endParaRPr lang="en-AU"/>
+              </a:p>
+            </p:txBody>
+          </p:sp>
+          <p:sp>
+            <p:nvSpPr>
+              <p:cNvPr id="100" name="Rectangle: Rounded Corners 99">
+                <a:extLst>
+                  <a:ext uri="{FF2B5EF4-FFF2-40B4-BE49-F238E27FC236}">
+                    <a16:creationId xmlns:a16="http://schemas.microsoft.com/office/drawing/2014/main" id="{7B73742F-8380-4F07-A7CE-1C141D334ACD}"/>
+                  </a:ext>
+                </a:extLst>
+              </p:cNvPr>
+              <p:cNvSpPr/>
+              <p:nvPr/>
+            </p:nvSpPr>
+            <p:spPr>
+              <a:xfrm>
+                <a:off x="1994428" y="5533108"/>
+                <a:ext cx="288000" cy="288000"/>
+              </a:xfrm>
+              <a:prstGeom prst="roundRect">
+                <a:avLst/>
+              </a:prstGeom>
+              <a:solidFill>
+                <a:schemeClr val="accent6">
+                  <a:lumMod val="75000"/>
+                </a:schemeClr>
+              </a:solidFill>
+              <a:ln>
+                <a:solidFill>
+                  <a:schemeClr val="tx1"/>
+                </a:solidFill>
+              </a:ln>
+            </p:spPr>
+            <p:style>
+              <a:lnRef idx="2">
+                <a:schemeClr val="accent1">
+                  <a:shade val="50000"/>
+                </a:schemeClr>
+              </a:lnRef>
+              <a:fillRef idx="1">
+                <a:schemeClr val="accent1"/>
+              </a:fillRef>
+              <a:effectRef idx="0">
+                <a:schemeClr val="accent1"/>
+              </a:effectRef>
+              <a:fontRef idx="minor">
+                <a:schemeClr val="lt1"/>
+              </a:fontRef>
+            </p:style>
+            <p:txBody>
+              <a:bodyPr rtlCol="0" anchor="ctr"/>
+              <a:lstStyle/>
+              <a:p>
+                <a:pPr algn="ctr"/>
+                <a:r>
+                  <a:rPr lang="en-US" sz="2200" dirty="0"/>
+                  <a:t>2</a:t>
+                </a:r>
+                <a:endParaRPr lang="en-AU" sz="2200" dirty="0"/>
+              </a:p>
+            </p:txBody>
+          </p:sp>
+          <p:sp>
+            <p:nvSpPr>
+              <p:cNvPr id="101" name="Rectangle: Rounded Corners 100">
+                <a:extLst>
+                  <a:ext uri="{FF2B5EF4-FFF2-40B4-BE49-F238E27FC236}">
+                    <a16:creationId xmlns:a16="http://schemas.microsoft.com/office/drawing/2014/main" id="{EAF54A87-C24E-4355-ADB4-175AC98E9147}"/>
+                  </a:ext>
+                </a:extLst>
+              </p:cNvPr>
+              <p:cNvSpPr/>
+              <p:nvPr/>
+            </p:nvSpPr>
+            <p:spPr>
+              <a:xfrm>
+                <a:off x="1990294" y="5887711"/>
+                <a:ext cx="288000" cy="288000"/>
+              </a:xfrm>
+              <a:prstGeom prst="roundRect">
+                <a:avLst/>
+              </a:prstGeom>
+              <a:solidFill>
+                <a:srgbClr val="C00000"/>
+              </a:solidFill>
+              <a:ln>
+                <a:solidFill>
+                  <a:schemeClr val="tx1"/>
+                </a:solidFill>
+              </a:ln>
+            </p:spPr>
+            <p:style>
+              <a:lnRef idx="2">
+                <a:schemeClr val="accent1">
+                  <a:shade val="50000"/>
+                </a:schemeClr>
+              </a:lnRef>
+              <a:fillRef idx="1">
+                <a:schemeClr val="accent1"/>
+              </a:fillRef>
+              <a:effectRef idx="0">
+                <a:schemeClr val="accent1"/>
+              </a:effectRef>
+              <a:fontRef idx="minor">
+                <a:schemeClr val="lt1"/>
+              </a:fontRef>
+            </p:style>
+            <p:txBody>
+              <a:bodyPr rtlCol="0" anchor="ctr"/>
+              <a:lstStyle/>
+              <a:p>
+                <a:pPr algn="ctr"/>
+                <a:r>
+                  <a:rPr lang="en-US" sz="2200" dirty="0"/>
+                  <a:t>3</a:t>
+                </a:r>
+                <a:endParaRPr lang="en-AU" sz="2200" dirty="0"/>
+              </a:p>
+            </p:txBody>
+          </p:sp>
+          <p:sp>
+            <p:nvSpPr>
+              <p:cNvPr id="102" name="Rectangle: Rounded Corners 101">
+                <a:extLst>
+                  <a:ext uri="{FF2B5EF4-FFF2-40B4-BE49-F238E27FC236}">
+                    <a16:creationId xmlns:a16="http://schemas.microsoft.com/office/drawing/2014/main" id="{028974F6-88B0-405F-A131-69CBC49C8D40}"/>
+                  </a:ext>
+                </a:extLst>
+              </p:cNvPr>
+              <p:cNvSpPr/>
+              <p:nvPr/>
+            </p:nvSpPr>
+            <p:spPr>
+              <a:xfrm>
+                <a:off x="1652836" y="5887711"/>
+                <a:ext cx="288000" cy="288000"/>
+              </a:xfrm>
+              <a:prstGeom prst="roundRect">
+                <a:avLst/>
+              </a:prstGeom>
+              <a:solidFill>
+                <a:srgbClr val="7030A0"/>
+              </a:solidFill>
+              <a:ln>
+                <a:solidFill>
+                  <a:schemeClr val="tx1"/>
+                </a:solidFill>
+              </a:ln>
+            </p:spPr>
+            <p:style>
+              <a:lnRef idx="2">
+                <a:schemeClr val="accent2">
+                  <a:shade val="50000"/>
+                </a:schemeClr>
+              </a:lnRef>
+              <a:fillRef idx="1">
+                <a:schemeClr val="accent2"/>
+              </a:fillRef>
+              <a:effectRef idx="0">
+                <a:schemeClr val="accent2"/>
+              </a:effectRef>
+              <a:fontRef idx="minor">
+                <a:schemeClr val="lt1"/>
+              </a:fontRef>
+            </p:style>
+            <p:txBody>
+              <a:bodyPr rtlCol="0" anchor="ctr"/>
+              <a:lstStyle/>
+              <a:p>
+                <a:pPr algn="ctr"/>
+                <a:r>
+                  <a:rPr lang="en-US" sz="2200" dirty="0"/>
+                  <a:t>1</a:t>
+                </a:r>
+                <a:endParaRPr lang="en-AU" sz="2200" dirty="0"/>
+              </a:p>
+            </p:txBody>
+          </p:sp>
+          <p:sp>
+            <p:nvSpPr>
+              <p:cNvPr id="103" name="Rectangle: Rounded Corners 102">
+                <a:extLst>
+                  <a:ext uri="{FF2B5EF4-FFF2-40B4-BE49-F238E27FC236}">
+                    <a16:creationId xmlns:a16="http://schemas.microsoft.com/office/drawing/2014/main" id="{643E9966-2B4B-4C38-8EFC-1079483277F2}"/>
+                  </a:ext>
+                </a:extLst>
+              </p:cNvPr>
+              <p:cNvSpPr/>
+              <p:nvPr/>
+            </p:nvSpPr>
+            <p:spPr>
+              <a:xfrm>
+                <a:off x="1657892" y="6228661"/>
+                <a:ext cx="288000" cy="288000"/>
+              </a:xfrm>
+              <a:prstGeom prst="roundRect">
+                <a:avLst/>
+              </a:prstGeom>
+              <a:solidFill>
+                <a:schemeClr val="accent6">
+                  <a:lumMod val="75000"/>
+                </a:schemeClr>
+              </a:solidFill>
+              <a:ln>
+                <a:solidFill>
+                  <a:schemeClr val="tx1"/>
+                </a:solidFill>
+              </a:ln>
+            </p:spPr>
+            <p:style>
+              <a:lnRef idx="2">
+                <a:schemeClr val="accent1">
+                  <a:shade val="50000"/>
+                </a:schemeClr>
+              </a:lnRef>
+              <a:fillRef idx="1">
+                <a:schemeClr val="accent1"/>
+              </a:fillRef>
+              <a:effectRef idx="0">
+                <a:schemeClr val="accent1"/>
+              </a:effectRef>
+              <a:fontRef idx="minor">
+                <a:schemeClr val="lt1"/>
+              </a:fontRef>
+            </p:style>
+            <p:txBody>
+              <a:bodyPr rtlCol="0" anchor="ctr"/>
+              <a:lstStyle/>
+              <a:p>
+                <a:pPr algn="ctr"/>
+                <a:r>
+                  <a:rPr lang="en-US" sz="2200" dirty="0"/>
+                  <a:t>2</a:t>
+                </a:r>
+                <a:endParaRPr lang="en-AU" sz="2200" dirty="0"/>
+              </a:p>
+            </p:txBody>
+          </p:sp>
+          <p:sp>
+            <p:nvSpPr>
+              <p:cNvPr id="104" name="Rectangle: Rounded Corners 103">
+                <a:extLst>
+                  <a:ext uri="{FF2B5EF4-FFF2-40B4-BE49-F238E27FC236}">
+                    <a16:creationId xmlns:a16="http://schemas.microsoft.com/office/drawing/2014/main" id="{4EE6CD12-58F8-451E-9028-F8BF39851EF9}"/>
+                  </a:ext>
+                </a:extLst>
+              </p:cNvPr>
+              <p:cNvSpPr/>
+              <p:nvPr/>
+            </p:nvSpPr>
+            <p:spPr>
+              <a:xfrm>
+                <a:off x="1657261" y="6550561"/>
+                <a:ext cx="288000" cy="288000"/>
+              </a:xfrm>
+              <a:prstGeom prst="roundRect">
+                <a:avLst/>
+              </a:prstGeom>
+              <a:solidFill>
+                <a:schemeClr val="accent6">
+                  <a:lumMod val="75000"/>
+                </a:schemeClr>
+              </a:solidFill>
+              <a:ln>
+                <a:solidFill>
+                  <a:schemeClr val="tx1"/>
+                </a:solidFill>
+              </a:ln>
+            </p:spPr>
+            <p:style>
+              <a:lnRef idx="2">
+                <a:schemeClr val="accent1">
+                  <a:shade val="50000"/>
+                </a:schemeClr>
+              </a:lnRef>
+              <a:fillRef idx="1">
+                <a:schemeClr val="accent1"/>
+              </a:fillRef>
+              <a:effectRef idx="0">
+                <a:schemeClr val="accent1"/>
+              </a:effectRef>
+              <a:fontRef idx="minor">
+                <a:schemeClr val="lt1"/>
+              </a:fontRef>
+            </p:style>
+            <p:txBody>
+              <a:bodyPr rtlCol="0" anchor="ctr"/>
+              <a:lstStyle/>
+              <a:p>
+                <a:pPr algn="ctr"/>
+                <a:r>
+                  <a:rPr lang="en-US" sz="2200" dirty="0"/>
+                  <a:t>2</a:t>
+                </a:r>
+                <a:endParaRPr lang="en-AU" sz="2200" dirty="0"/>
+              </a:p>
+            </p:txBody>
+          </p:sp>
+          <p:sp>
+            <p:nvSpPr>
+              <p:cNvPr id="105" name="Rectangle: Rounded Corners 104">
+                <a:extLst>
+                  <a:ext uri="{FF2B5EF4-FFF2-40B4-BE49-F238E27FC236}">
+                    <a16:creationId xmlns:a16="http://schemas.microsoft.com/office/drawing/2014/main" id="{4FDEAEE8-B015-473A-AB0E-352780654D50}"/>
+                  </a:ext>
+                </a:extLst>
+              </p:cNvPr>
+              <p:cNvSpPr/>
+              <p:nvPr/>
+            </p:nvSpPr>
+            <p:spPr>
+              <a:xfrm>
+                <a:off x="1652836" y="6885663"/>
+                <a:ext cx="288000" cy="288000"/>
+              </a:xfrm>
+              <a:prstGeom prst="roundRect">
+                <a:avLst/>
+              </a:prstGeom>
+              <a:solidFill>
+                <a:srgbClr val="C00000"/>
+              </a:solidFill>
+              <a:ln>
+                <a:solidFill>
+                  <a:schemeClr val="tx1"/>
+                </a:solidFill>
+              </a:ln>
+            </p:spPr>
+            <p:style>
+              <a:lnRef idx="2">
+                <a:schemeClr val="accent1">
+                  <a:shade val="50000"/>
+                </a:schemeClr>
+              </a:lnRef>
+              <a:fillRef idx="1">
+                <a:schemeClr val="accent1"/>
+              </a:fillRef>
+              <a:effectRef idx="0">
+                <a:schemeClr val="accent1"/>
+              </a:effectRef>
+              <a:fontRef idx="minor">
+                <a:schemeClr val="lt1"/>
+              </a:fontRef>
+            </p:style>
+            <p:txBody>
+              <a:bodyPr rtlCol="0" anchor="ctr"/>
+              <a:lstStyle/>
+              <a:p>
+                <a:pPr algn="ctr"/>
+                <a:r>
+                  <a:rPr lang="en-US" sz="2200" dirty="0"/>
+                  <a:t>3</a:t>
+                </a:r>
+                <a:endParaRPr lang="en-AU" sz="2200" dirty="0"/>
+              </a:p>
+            </p:txBody>
+          </p:sp>
+          <p:sp>
+            <p:nvSpPr>
+              <p:cNvPr id="106" name="Rectangle: Rounded Corners 105">
+                <a:extLst>
+                  <a:ext uri="{FF2B5EF4-FFF2-40B4-BE49-F238E27FC236}">
+                    <a16:creationId xmlns:a16="http://schemas.microsoft.com/office/drawing/2014/main" id="{2B8282D1-80BF-4EA5-BD46-DD72947413A8}"/>
+                  </a:ext>
+                </a:extLst>
+              </p:cNvPr>
+              <p:cNvSpPr/>
+              <p:nvPr/>
+            </p:nvSpPr>
+            <p:spPr>
+              <a:xfrm>
+                <a:off x="1652833" y="7229919"/>
+                <a:ext cx="288000" cy="288000"/>
+              </a:xfrm>
+              <a:prstGeom prst="roundRect">
+                <a:avLst/>
+              </a:prstGeom>
+              <a:solidFill>
+                <a:srgbClr val="C00000"/>
+              </a:solidFill>
+              <a:ln>
+                <a:solidFill>
+                  <a:schemeClr val="tx1"/>
+                </a:solidFill>
+              </a:ln>
+            </p:spPr>
+            <p:style>
+              <a:lnRef idx="2">
+                <a:schemeClr val="accent1">
+                  <a:shade val="50000"/>
+                </a:schemeClr>
+              </a:lnRef>
+              <a:fillRef idx="1">
+                <a:schemeClr val="accent1"/>
+              </a:fillRef>
+              <a:effectRef idx="0">
+                <a:schemeClr val="accent1"/>
+              </a:effectRef>
+              <a:fontRef idx="minor">
+                <a:schemeClr val="lt1"/>
+              </a:fontRef>
+            </p:style>
+            <p:txBody>
+              <a:bodyPr rtlCol="0" anchor="ctr"/>
+              <a:lstStyle/>
+              <a:p>
+                <a:pPr algn="ctr"/>
+                <a:r>
+                  <a:rPr lang="en-US" sz="2200" dirty="0"/>
+                  <a:t>3</a:t>
+                </a:r>
+                <a:endParaRPr lang="en-AU" sz="2200" dirty="0"/>
+              </a:p>
+            </p:txBody>
+          </p:sp>
+          <p:sp>
+            <p:nvSpPr>
+              <p:cNvPr id="107" name="Rectangle: Rounded Corners 106">
+                <a:extLst>
+                  <a:ext uri="{FF2B5EF4-FFF2-40B4-BE49-F238E27FC236}">
+                    <a16:creationId xmlns:a16="http://schemas.microsoft.com/office/drawing/2014/main" id="{4598EFE1-89D0-4184-80CA-BA6609BDFEF7}"/>
+                  </a:ext>
+                </a:extLst>
+              </p:cNvPr>
+              <p:cNvSpPr/>
+              <p:nvPr/>
+            </p:nvSpPr>
+            <p:spPr>
+              <a:xfrm>
+                <a:off x="1998198" y="6222311"/>
+                <a:ext cx="288000" cy="288000"/>
+              </a:xfrm>
+              <a:prstGeom prst="roundRect">
+                <a:avLst/>
+              </a:prstGeom>
+              <a:solidFill>
+                <a:srgbClr val="C00000"/>
+              </a:solidFill>
+              <a:ln>
+                <a:solidFill>
+                  <a:schemeClr val="tx1"/>
+                </a:solidFill>
+              </a:ln>
+            </p:spPr>
+            <p:style>
+              <a:lnRef idx="2">
+                <a:schemeClr val="accent1">
+                  <a:shade val="50000"/>
+                </a:schemeClr>
+              </a:lnRef>
+              <a:fillRef idx="1">
+                <a:schemeClr val="accent1"/>
+              </a:fillRef>
+              <a:effectRef idx="0">
+                <a:schemeClr val="accent1"/>
+              </a:effectRef>
+              <a:fontRef idx="minor">
+                <a:schemeClr val="lt1"/>
+              </a:fontRef>
+            </p:style>
+            <p:txBody>
+              <a:bodyPr rtlCol="0" anchor="ctr"/>
+              <a:lstStyle/>
+              <a:p>
+                <a:pPr algn="ctr"/>
+                <a:r>
+                  <a:rPr lang="en-US" sz="2200" dirty="0"/>
+                  <a:t>3</a:t>
+                </a:r>
+                <a:endParaRPr lang="en-AU" sz="2200" dirty="0"/>
+              </a:p>
+            </p:txBody>
+          </p:sp>
+          <p:sp>
+            <p:nvSpPr>
+              <p:cNvPr id="108" name="Rectangle: Rounded Corners 107">
+                <a:extLst>
+                  <a:ext uri="{FF2B5EF4-FFF2-40B4-BE49-F238E27FC236}">
+                    <a16:creationId xmlns:a16="http://schemas.microsoft.com/office/drawing/2014/main" id="{C74B21C4-4C1F-4EA2-AED8-8061868A9B1E}"/>
+                  </a:ext>
+                </a:extLst>
+              </p:cNvPr>
+              <p:cNvSpPr/>
+              <p:nvPr/>
+            </p:nvSpPr>
+            <p:spPr>
+              <a:xfrm>
+                <a:off x="2001254" y="6550561"/>
+                <a:ext cx="288000" cy="288000"/>
+              </a:xfrm>
+              <a:prstGeom prst="roundRect">
+                <a:avLst/>
+              </a:prstGeom>
+              <a:solidFill>
+                <a:srgbClr val="7030A0"/>
+              </a:solidFill>
+              <a:ln>
+                <a:solidFill>
+                  <a:schemeClr val="tx1"/>
+                </a:solidFill>
+              </a:ln>
+            </p:spPr>
+            <p:style>
+              <a:lnRef idx="2">
+                <a:schemeClr val="accent2">
+                  <a:shade val="50000"/>
+                </a:schemeClr>
+              </a:lnRef>
+              <a:fillRef idx="1">
+                <a:schemeClr val="accent2"/>
+              </a:fillRef>
+              <a:effectRef idx="0">
+                <a:schemeClr val="accent2"/>
+              </a:effectRef>
+              <a:fontRef idx="minor">
+                <a:schemeClr val="lt1"/>
+              </a:fontRef>
+            </p:style>
+            <p:txBody>
+              <a:bodyPr rtlCol="0" anchor="ctr"/>
+              <a:lstStyle/>
+              <a:p>
+                <a:pPr algn="ctr"/>
+                <a:r>
+                  <a:rPr lang="en-US" sz="2200" dirty="0"/>
+                  <a:t>1</a:t>
+                </a:r>
+                <a:endParaRPr lang="en-AU" sz="2200" dirty="0"/>
+              </a:p>
+            </p:txBody>
+          </p:sp>
+          <p:sp>
+            <p:nvSpPr>
+              <p:cNvPr id="109" name="Rectangle: Rounded Corners 108">
+                <a:extLst>
+                  <a:ext uri="{FF2B5EF4-FFF2-40B4-BE49-F238E27FC236}">
+                    <a16:creationId xmlns:a16="http://schemas.microsoft.com/office/drawing/2014/main" id="{7EAF0040-79ED-4767-A6DF-200521D1A6C5}"/>
+                  </a:ext>
+                </a:extLst>
+              </p:cNvPr>
+              <p:cNvSpPr/>
+              <p:nvPr/>
+            </p:nvSpPr>
+            <p:spPr>
+              <a:xfrm>
+                <a:off x="2001457" y="6885663"/>
+                <a:ext cx="288000" cy="288000"/>
+              </a:xfrm>
+              <a:prstGeom prst="roundRect">
+                <a:avLst/>
+              </a:prstGeom>
+              <a:solidFill>
+                <a:srgbClr val="7030A0"/>
+              </a:solidFill>
+              <a:ln>
+                <a:solidFill>
+                  <a:schemeClr val="tx1"/>
+                </a:solidFill>
+              </a:ln>
+            </p:spPr>
+            <p:style>
+              <a:lnRef idx="2">
+                <a:schemeClr val="accent2">
+                  <a:shade val="50000"/>
+                </a:schemeClr>
+              </a:lnRef>
+              <a:fillRef idx="1">
+                <a:schemeClr val="accent2"/>
+              </a:fillRef>
+              <a:effectRef idx="0">
+                <a:schemeClr val="accent2"/>
+              </a:effectRef>
+              <a:fontRef idx="minor">
+                <a:schemeClr val="lt1"/>
+              </a:fontRef>
+            </p:style>
+            <p:txBody>
+              <a:bodyPr rtlCol="0" anchor="ctr"/>
+              <a:lstStyle/>
+              <a:p>
+                <a:pPr algn="ctr"/>
+                <a:r>
+                  <a:rPr lang="en-US" sz="2200" dirty="0"/>
+                  <a:t>1</a:t>
+                </a:r>
+                <a:endParaRPr lang="en-AU" sz="2200" dirty="0"/>
+              </a:p>
+            </p:txBody>
+          </p:sp>
+          <p:sp>
+            <p:nvSpPr>
+              <p:cNvPr id="110" name="Rectangle: Rounded Corners 109">
+                <a:extLst>
+                  <a:ext uri="{FF2B5EF4-FFF2-40B4-BE49-F238E27FC236}">
+                    <a16:creationId xmlns:a16="http://schemas.microsoft.com/office/drawing/2014/main" id="{71385D7C-D51A-4CFE-AC37-E64E310A23F2}"/>
+                  </a:ext>
+                </a:extLst>
+              </p:cNvPr>
+              <p:cNvSpPr/>
+              <p:nvPr/>
+            </p:nvSpPr>
+            <p:spPr>
+              <a:xfrm>
+                <a:off x="1998198" y="7232963"/>
+                <a:ext cx="288000" cy="288000"/>
+              </a:xfrm>
+              <a:prstGeom prst="roundRect">
+                <a:avLst/>
+              </a:prstGeom>
+              <a:solidFill>
+                <a:schemeClr val="accent6">
+                  <a:lumMod val="75000"/>
+                </a:schemeClr>
+              </a:solidFill>
+              <a:ln>
+                <a:solidFill>
+                  <a:schemeClr val="tx1"/>
+                </a:solidFill>
+              </a:ln>
+            </p:spPr>
+            <p:style>
+              <a:lnRef idx="2">
+                <a:schemeClr val="accent1">
+                  <a:shade val="50000"/>
+                </a:schemeClr>
+              </a:lnRef>
+              <a:fillRef idx="1">
+                <a:schemeClr val="accent1"/>
+              </a:fillRef>
+              <a:effectRef idx="0">
+                <a:schemeClr val="accent1"/>
+              </a:effectRef>
+              <a:fontRef idx="minor">
+                <a:schemeClr val="lt1"/>
+              </a:fontRef>
+            </p:style>
+            <p:txBody>
+              <a:bodyPr rtlCol="0" anchor="ctr"/>
+              <a:lstStyle/>
+              <a:p>
+                <a:pPr algn="ctr"/>
+                <a:r>
+                  <a:rPr lang="en-US" sz="2200" dirty="0"/>
+                  <a:t>2</a:t>
+                </a:r>
+                <a:endParaRPr lang="en-AU" sz="2200" dirty="0"/>
+              </a:p>
+            </p:txBody>
+          </p:sp>
+        </p:grpSp>
+        <p:grpSp>
+          <p:nvGrpSpPr>
+            <p:cNvPr id="64" name="Group 63">
+              <a:extLst>
+                <a:ext uri="{FF2B5EF4-FFF2-40B4-BE49-F238E27FC236}">
+                  <a16:creationId xmlns:a16="http://schemas.microsoft.com/office/drawing/2014/main" id="{EEA74555-A695-49CE-B198-A4DC4ADC54D1}"/>
+                </a:ext>
+              </a:extLst>
+            </p:cNvPr>
+            <p:cNvGrpSpPr/>
+            <p:nvPr/>
+          </p:nvGrpSpPr>
+          <p:grpSpPr>
+            <a:xfrm>
+              <a:off x="8562473" y="-404681"/>
+              <a:ext cx="2847351" cy="2451203"/>
+              <a:chOff x="6985632" y="1836062"/>
+              <a:chExt cx="2847351" cy="2451203"/>
+            </a:xfrm>
+          </p:grpSpPr>
+          <p:sp>
+            <p:nvSpPr>
+              <p:cNvPr id="78" name="TextBox 77">
+                <a:extLst>
+                  <a:ext uri="{FF2B5EF4-FFF2-40B4-BE49-F238E27FC236}">
+                    <a16:creationId xmlns:a16="http://schemas.microsoft.com/office/drawing/2014/main" id="{031F3D5E-DCE0-4BBC-9AF4-45A33D76EFCD}"/>
+                  </a:ext>
+                </a:extLst>
+              </p:cNvPr>
+              <p:cNvSpPr txBox="1"/>
+              <p:nvPr/>
+            </p:nvSpPr>
+            <p:spPr>
+              <a:xfrm rot="16200000">
+                <a:off x="8613861" y="1939052"/>
+                <a:ext cx="1313976" cy="1107996"/>
+              </a:xfrm>
+              <a:prstGeom prst="rect">
+                <a:avLst/>
+              </a:prstGeom>
+              <a:noFill/>
+            </p:spPr>
+            <p:txBody>
+              <a:bodyPr wrap="square" rtlCol="0">
+                <a:spAutoFit/>
+              </a:bodyPr>
+              <a:lstStyle/>
+              <a:p>
+                <a:r>
+                  <a:rPr lang="en-AU" sz="2200" dirty="0"/>
+                  <a:t>Factor 1</a:t>
+                </a:r>
+                <a:endParaRPr lang="en-US" sz="2200" dirty="0"/>
+              </a:p>
+              <a:p>
+                <a:r>
+                  <a:rPr lang="en-AU" sz="2200" dirty="0"/>
+                  <a:t>Factor 2</a:t>
+                </a:r>
+                <a:endParaRPr lang="en-US" sz="2200" dirty="0"/>
+              </a:p>
+              <a:p>
+                <a:r>
+                  <a:rPr lang="en-AU" sz="2200" dirty="0"/>
+                  <a:t>Factor 3</a:t>
+                </a:r>
+              </a:p>
+            </p:txBody>
+          </p:sp>
+          <p:sp>
+            <p:nvSpPr>
+              <p:cNvPr id="79" name="TextBox 78">
+                <a:extLst>
+                  <a:ext uri="{FF2B5EF4-FFF2-40B4-BE49-F238E27FC236}">
+                    <a16:creationId xmlns:a16="http://schemas.microsoft.com/office/drawing/2014/main" id="{6BE83612-C3BD-4EA5-84F7-96798164D960}"/>
+                  </a:ext>
+                </a:extLst>
+              </p:cNvPr>
+              <p:cNvSpPr txBox="1"/>
+              <p:nvPr/>
+            </p:nvSpPr>
+            <p:spPr>
+              <a:xfrm>
+                <a:off x="6985632" y="2387103"/>
+                <a:ext cx="1745321" cy="769441"/>
+              </a:xfrm>
+              <a:prstGeom prst="rect">
+                <a:avLst/>
+              </a:prstGeom>
+              <a:noFill/>
+            </p:spPr>
+            <p:txBody>
+              <a:bodyPr wrap="square" rtlCol="0">
+                <a:spAutoFit/>
+              </a:bodyPr>
+              <a:lstStyle/>
+              <a:p>
+                <a:pPr algn="r"/>
+                <a:r>
+                  <a:rPr lang="en-AU" sz="2200" dirty="0"/>
+                  <a:t>Factor order</a:t>
+                </a:r>
+              </a:p>
+              <a:p>
+                <a:pPr algn="r"/>
+                <a:r>
+                  <a:rPr lang="en-AU" sz="2200" dirty="0"/>
+                  <a:t>permutations</a:t>
+                </a:r>
+              </a:p>
+            </p:txBody>
+          </p:sp>
+          <p:cxnSp>
+            <p:nvCxnSpPr>
+              <p:cNvPr id="80" name="Straight Connector 79">
+                <a:extLst>
+                  <a:ext uri="{FF2B5EF4-FFF2-40B4-BE49-F238E27FC236}">
+                    <a16:creationId xmlns:a16="http://schemas.microsoft.com/office/drawing/2014/main" id="{58B2ADE6-5D87-4262-9882-20A4A6B69400}"/>
+                  </a:ext>
+                </a:extLst>
+              </p:cNvPr>
+              <p:cNvCxnSpPr>
+                <a:cxnSpLocks/>
+              </p:cNvCxnSpPr>
+              <p:nvPr/>
+            </p:nvCxnSpPr>
+            <p:spPr>
+              <a:xfrm>
+                <a:off x="7097522" y="3169978"/>
+                <a:ext cx="2717068" cy="4223"/>
+              </a:xfrm>
+              <a:prstGeom prst="line">
+                <a:avLst/>
+              </a:prstGeom>
+              <a:ln w="28575">
+                <a:solidFill>
+                  <a:schemeClr val="tx1"/>
+                </a:solidFill>
+              </a:ln>
+            </p:spPr>
+            <p:style>
+              <a:lnRef idx="1">
+                <a:schemeClr val="accent1"/>
+              </a:lnRef>
+              <a:fillRef idx="0">
+                <a:schemeClr val="accent1"/>
+              </a:fillRef>
+              <a:effectRef idx="0">
+                <a:schemeClr val="accent1"/>
+              </a:effectRef>
+              <a:fontRef idx="minor">
+                <a:schemeClr val="tx1"/>
+              </a:fontRef>
+            </p:style>
+          </p:cxnSp>
+          <p:cxnSp>
+            <p:nvCxnSpPr>
+              <p:cNvPr id="81" name="Straight Connector 80">
+                <a:extLst>
+                  <a:ext uri="{FF2B5EF4-FFF2-40B4-BE49-F238E27FC236}">
+                    <a16:creationId xmlns:a16="http://schemas.microsoft.com/office/drawing/2014/main" id="{6222EDD2-9F1F-42F2-B3A1-80CD20EED723}"/>
+                  </a:ext>
+                </a:extLst>
+              </p:cNvPr>
+              <p:cNvCxnSpPr>
+                <a:cxnSpLocks/>
+                <a:endCxn id="78" idx="0"/>
+              </p:cNvCxnSpPr>
+              <p:nvPr/>
+            </p:nvCxnSpPr>
+            <p:spPr>
+              <a:xfrm flipV="1">
+                <a:off x="8716851" y="2493050"/>
+                <a:ext cx="0" cy="1794215"/>
+              </a:xfrm>
+              <a:prstGeom prst="line">
+                <a:avLst/>
+              </a:prstGeom>
+              <a:ln w="28575">
+                <a:solidFill>
+                  <a:schemeClr val="tx1"/>
+                </a:solidFill>
+              </a:ln>
+            </p:spPr>
+            <p:style>
+              <a:lnRef idx="1">
+                <a:schemeClr val="accent1"/>
+              </a:lnRef>
+              <a:fillRef idx="0">
+                <a:schemeClr val="accent1"/>
+              </a:fillRef>
+              <a:effectRef idx="0">
+                <a:schemeClr val="accent1"/>
+              </a:effectRef>
+              <a:fontRef idx="minor">
+                <a:schemeClr val="tx1"/>
+              </a:fontRef>
+            </p:style>
+          </p:cxnSp>
+          <p:sp>
+            <p:nvSpPr>
+              <p:cNvPr id="82" name="Rectangle: Rounded Corners 81">
+                <a:extLst>
+                  <a:ext uri="{FF2B5EF4-FFF2-40B4-BE49-F238E27FC236}">
+                    <a16:creationId xmlns:a16="http://schemas.microsoft.com/office/drawing/2014/main" id="{7D74692D-C266-4D82-B072-1D4336FFC454}"/>
+                  </a:ext>
+                </a:extLst>
+              </p:cNvPr>
+              <p:cNvSpPr/>
+              <p:nvPr/>
+            </p:nvSpPr>
+            <p:spPr>
+              <a:xfrm>
+                <a:off x="8786456" y="3250471"/>
+                <a:ext cx="288000" cy="287908"/>
+              </a:xfrm>
+              <a:prstGeom prst="roundRect">
+                <a:avLst/>
+              </a:prstGeom>
+              <a:solidFill>
+                <a:srgbClr val="7030A0"/>
+              </a:solidFill>
+              <a:ln>
+                <a:solidFill>
+                  <a:schemeClr val="tx1"/>
+                </a:solidFill>
+              </a:ln>
+            </p:spPr>
+            <p:style>
+              <a:lnRef idx="2">
+                <a:schemeClr val="accent2">
+                  <a:shade val="50000"/>
+                </a:schemeClr>
+              </a:lnRef>
+              <a:fillRef idx="1">
+                <a:schemeClr val="accent2"/>
+              </a:fillRef>
+              <a:effectRef idx="0">
+                <a:schemeClr val="accent2"/>
+              </a:effectRef>
+              <a:fontRef idx="minor">
+                <a:schemeClr val="lt1"/>
+              </a:fontRef>
+            </p:style>
+            <p:txBody>
+              <a:bodyPr rtlCol="0" anchor="ctr"/>
+              <a:lstStyle/>
+              <a:p>
+                <a:pPr algn="ctr"/>
+                <a:r>
+                  <a:rPr lang="en-AU" sz="2200" dirty="0"/>
+                  <a:t>P</a:t>
+                </a:r>
+              </a:p>
+            </p:txBody>
+          </p:sp>
+          <p:sp>
+            <p:nvSpPr>
+              <p:cNvPr id="83" name="Rectangle: Rounded Corners 82">
+                <a:extLst>
+                  <a:ext uri="{FF2B5EF4-FFF2-40B4-BE49-F238E27FC236}">
+                    <a16:creationId xmlns:a16="http://schemas.microsoft.com/office/drawing/2014/main" id="{81CBE9BE-93C0-4CA9-A230-22BB2165306C}"/>
+                  </a:ext>
+                </a:extLst>
+              </p:cNvPr>
+              <p:cNvSpPr/>
+              <p:nvPr/>
+            </p:nvSpPr>
+            <p:spPr>
+              <a:xfrm>
+                <a:off x="9145685" y="3244987"/>
+                <a:ext cx="288000" cy="287908"/>
+              </a:xfrm>
+              <a:prstGeom prst="roundRect">
+                <a:avLst/>
+              </a:prstGeom>
+              <a:solidFill>
+                <a:schemeClr val="accent6">
+                  <a:lumMod val="75000"/>
+                </a:schemeClr>
+              </a:solidFill>
+              <a:ln>
+                <a:solidFill>
+                  <a:schemeClr val="tx1"/>
+                </a:solidFill>
+              </a:ln>
+            </p:spPr>
+            <p:style>
+              <a:lnRef idx="2">
+                <a:schemeClr val="accent1">
+                  <a:shade val="50000"/>
+                </a:schemeClr>
+              </a:lnRef>
+              <a:fillRef idx="1">
+                <a:schemeClr val="accent1"/>
+              </a:fillRef>
+              <a:effectRef idx="0">
+                <a:schemeClr val="accent1"/>
+              </a:effectRef>
+              <a:fontRef idx="minor">
+                <a:schemeClr val="lt1"/>
+              </a:fontRef>
+            </p:style>
+            <p:txBody>
+              <a:bodyPr rtlCol="0" anchor="ctr"/>
+              <a:lstStyle/>
+              <a:p>
+                <a:pPr algn="ctr"/>
+                <a:r>
+                  <a:rPr lang="en-AU" sz="2200" dirty="0"/>
+                  <a:t>G</a:t>
+                </a:r>
+              </a:p>
+            </p:txBody>
+          </p:sp>
+          <p:sp>
+            <p:nvSpPr>
+              <p:cNvPr id="84" name="Rectangle: Rounded Corners 83">
+                <a:extLst>
+                  <a:ext uri="{FF2B5EF4-FFF2-40B4-BE49-F238E27FC236}">
+                    <a16:creationId xmlns:a16="http://schemas.microsoft.com/office/drawing/2014/main" id="{CFEBCDE7-7836-4B52-B7D8-CDD7A25EE659}"/>
+                  </a:ext>
+                </a:extLst>
+              </p:cNvPr>
+              <p:cNvSpPr/>
+              <p:nvPr/>
+            </p:nvSpPr>
+            <p:spPr>
+              <a:xfrm>
+                <a:off x="9497280" y="3239653"/>
+                <a:ext cx="288000" cy="287908"/>
+              </a:xfrm>
+              <a:prstGeom prst="roundRect">
+                <a:avLst/>
+              </a:prstGeom>
+              <a:solidFill>
+                <a:srgbClr val="C00000"/>
+              </a:solidFill>
+              <a:ln>
+                <a:solidFill>
+                  <a:schemeClr val="tx1"/>
+                </a:solidFill>
+              </a:ln>
+            </p:spPr>
+            <p:style>
+              <a:lnRef idx="2">
+                <a:schemeClr val="accent1">
+                  <a:shade val="50000"/>
+                </a:schemeClr>
+              </a:lnRef>
+              <a:fillRef idx="1">
+                <a:schemeClr val="accent1"/>
+              </a:fillRef>
+              <a:effectRef idx="0">
+                <a:schemeClr val="accent1"/>
+              </a:effectRef>
+              <a:fontRef idx="minor">
+                <a:schemeClr val="lt1"/>
+              </a:fontRef>
+            </p:style>
+            <p:txBody>
+              <a:bodyPr rtlCol="0" anchor="ctr"/>
+              <a:lstStyle/>
+              <a:p>
+                <a:pPr algn="ctr"/>
+                <a:r>
+                  <a:rPr lang="en-AU" sz="2200" dirty="0"/>
+                  <a:t>R</a:t>
+                </a:r>
+              </a:p>
+            </p:txBody>
+          </p:sp>
+          <p:sp>
+            <p:nvSpPr>
+              <p:cNvPr id="85" name="Rectangle: Rounded Corners 84">
+                <a:extLst>
+                  <a:ext uri="{FF2B5EF4-FFF2-40B4-BE49-F238E27FC236}">
+                    <a16:creationId xmlns:a16="http://schemas.microsoft.com/office/drawing/2014/main" id="{ECCBC665-4BC2-40FB-A5E2-9872A8107DE3}"/>
+                  </a:ext>
+                </a:extLst>
+              </p:cNvPr>
+              <p:cNvSpPr/>
+              <p:nvPr/>
+            </p:nvSpPr>
+            <p:spPr>
+              <a:xfrm>
+                <a:off x="9148644" y="3957580"/>
+                <a:ext cx="288000" cy="287908"/>
+              </a:xfrm>
+              <a:prstGeom prst="roundRect">
+                <a:avLst/>
+              </a:prstGeom>
+              <a:solidFill>
+                <a:srgbClr val="7030A0"/>
+              </a:solidFill>
+              <a:ln>
+                <a:solidFill>
+                  <a:schemeClr val="tx1"/>
+                </a:solidFill>
+              </a:ln>
+            </p:spPr>
+            <p:style>
+              <a:lnRef idx="2">
+                <a:schemeClr val="accent2">
+                  <a:shade val="50000"/>
+                </a:schemeClr>
+              </a:lnRef>
+              <a:fillRef idx="1">
+                <a:schemeClr val="accent2"/>
+              </a:fillRef>
+              <a:effectRef idx="0">
+                <a:schemeClr val="accent2"/>
+              </a:effectRef>
+              <a:fontRef idx="minor">
+                <a:schemeClr val="lt1"/>
+              </a:fontRef>
+            </p:style>
+            <p:txBody>
+              <a:bodyPr rtlCol="0" anchor="ctr"/>
+              <a:lstStyle/>
+              <a:p>
+                <a:pPr algn="ctr"/>
+                <a:r>
+                  <a:rPr lang="en-AU" sz="2200" dirty="0"/>
+                  <a:t>P</a:t>
+                </a:r>
+              </a:p>
+            </p:txBody>
+          </p:sp>
+          <p:sp>
+            <p:nvSpPr>
+              <p:cNvPr id="86" name="Rectangle: Rounded Corners 85">
+                <a:extLst>
+                  <a:ext uri="{FF2B5EF4-FFF2-40B4-BE49-F238E27FC236}">
+                    <a16:creationId xmlns:a16="http://schemas.microsoft.com/office/drawing/2014/main" id="{B8D3BF03-06B3-4C52-881C-880C694D20F2}"/>
+                  </a:ext>
+                </a:extLst>
+              </p:cNvPr>
+              <p:cNvSpPr/>
+              <p:nvPr/>
+            </p:nvSpPr>
+            <p:spPr>
+              <a:xfrm>
+                <a:off x="9508514" y="3961701"/>
+                <a:ext cx="288000" cy="287908"/>
+              </a:xfrm>
+              <a:prstGeom prst="roundRect">
+                <a:avLst/>
+              </a:prstGeom>
+              <a:solidFill>
+                <a:schemeClr val="accent6">
+                  <a:lumMod val="75000"/>
+                </a:schemeClr>
+              </a:solidFill>
+              <a:ln>
+                <a:solidFill>
+                  <a:schemeClr val="tx1"/>
+                </a:solidFill>
+              </a:ln>
+            </p:spPr>
+            <p:style>
+              <a:lnRef idx="2">
+                <a:schemeClr val="accent1">
+                  <a:shade val="50000"/>
+                </a:schemeClr>
+              </a:lnRef>
+              <a:fillRef idx="1">
+                <a:schemeClr val="accent1"/>
+              </a:fillRef>
+              <a:effectRef idx="0">
+                <a:schemeClr val="accent1"/>
+              </a:effectRef>
+              <a:fontRef idx="minor">
+                <a:schemeClr val="lt1"/>
+              </a:fontRef>
+            </p:style>
+            <p:txBody>
+              <a:bodyPr rtlCol="0" anchor="ctr"/>
+              <a:lstStyle/>
+              <a:p>
+                <a:pPr algn="ctr"/>
+                <a:r>
+                  <a:rPr lang="en-AU" sz="2200" dirty="0"/>
+                  <a:t>G</a:t>
+                </a:r>
+              </a:p>
+            </p:txBody>
+          </p:sp>
+          <p:sp>
+            <p:nvSpPr>
+              <p:cNvPr id="87" name="Rectangle: Rounded Corners 86">
+                <a:extLst>
+                  <a:ext uri="{FF2B5EF4-FFF2-40B4-BE49-F238E27FC236}">
+                    <a16:creationId xmlns:a16="http://schemas.microsoft.com/office/drawing/2014/main" id="{CA3209B6-D5E6-4F32-A73F-F0F936AC7F8A}"/>
+                  </a:ext>
+                </a:extLst>
+              </p:cNvPr>
+              <p:cNvSpPr/>
+              <p:nvPr/>
+            </p:nvSpPr>
+            <p:spPr>
+              <a:xfrm>
+                <a:off x="8789680" y="3950152"/>
+                <a:ext cx="288000" cy="287908"/>
+              </a:xfrm>
+              <a:prstGeom prst="roundRect">
+                <a:avLst/>
+              </a:prstGeom>
+              <a:solidFill>
+                <a:srgbClr val="C00000"/>
+              </a:solidFill>
+              <a:ln>
+                <a:solidFill>
+                  <a:schemeClr val="tx1"/>
+                </a:solidFill>
+              </a:ln>
+            </p:spPr>
+            <p:style>
+              <a:lnRef idx="2">
+                <a:schemeClr val="accent1">
+                  <a:shade val="50000"/>
+                </a:schemeClr>
+              </a:lnRef>
+              <a:fillRef idx="1">
+                <a:schemeClr val="accent1"/>
+              </a:fillRef>
+              <a:effectRef idx="0">
+                <a:schemeClr val="accent1"/>
+              </a:effectRef>
+              <a:fontRef idx="minor">
+                <a:schemeClr val="lt1"/>
+              </a:fontRef>
+            </p:style>
+            <p:txBody>
+              <a:bodyPr rtlCol="0" anchor="ctr"/>
+              <a:lstStyle/>
+              <a:p>
+                <a:pPr algn="ctr"/>
+                <a:r>
+                  <a:rPr lang="en-AU" sz="2200" dirty="0"/>
+                  <a:t>R</a:t>
+                </a:r>
+              </a:p>
+            </p:txBody>
+          </p:sp>
+          <p:sp>
+            <p:nvSpPr>
+              <p:cNvPr id="88" name="Rectangle: Rounded Corners 87">
+                <a:extLst>
+                  <a:ext uri="{FF2B5EF4-FFF2-40B4-BE49-F238E27FC236}">
+                    <a16:creationId xmlns:a16="http://schemas.microsoft.com/office/drawing/2014/main" id="{EF4072CF-07C4-4474-A2DD-4F5CF461F9C8}"/>
+                  </a:ext>
+                </a:extLst>
+              </p:cNvPr>
+              <p:cNvSpPr/>
+              <p:nvPr/>
+            </p:nvSpPr>
+            <p:spPr>
+              <a:xfrm>
+                <a:off x="9505698" y="3590491"/>
+                <a:ext cx="288000" cy="287908"/>
+              </a:xfrm>
+              <a:prstGeom prst="roundRect">
+                <a:avLst/>
+              </a:prstGeom>
+              <a:solidFill>
+                <a:srgbClr val="7030A0"/>
+              </a:solidFill>
+              <a:ln>
+                <a:solidFill>
+                  <a:schemeClr val="tx1"/>
+                </a:solidFill>
+              </a:ln>
+            </p:spPr>
+            <p:style>
+              <a:lnRef idx="2">
+                <a:schemeClr val="accent2">
+                  <a:shade val="50000"/>
+                </a:schemeClr>
+              </a:lnRef>
+              <a:fillRef idx="1">
+                <a:schemeClr val="accent2"/>
+              </a:fillRef>
+              <a:effectRef idx="0">
+                <a:schemeClr val="accent2"/>
+              </a:effectRef>
+              <a:fontRef idx="minor">
+                <a:schemeClr val="lt1"/>
+              </a:fontRef>
+            </p:style>
+            <p:txBody>
+              <a:bodyPr rtlCol="0" anchor="ctr"/>
+              <a:lstStyle/>
+              <a:p>
+                <a:pPr algn="ctr"/>
+                <a:r>
+                  <a:rPr lang="en-AU" sz="2200" dirty="0"/>
+                  <a:t>P</a:t>
+                </a:r>
+              </a:p>
+            </p:txBody>
+          </p:sp>
+          <p:sp>
+            <p:nvSpPr>
+              <p:cNvPr id="89" name="Rectangle: Rounded Corners 88">
+                <a:extLst>
+                  <a:ext uri="{FF2B5EF4-FFF2-40B4-BE49-F238E27FC236}">
+                    <a16:creationId xmlns:a16="http://schemas.microsoft.com/office/drawing/2014/main" id="{9A56852B-DC32-462C-8C72-0777D0E079EC}"/>
+                  </a:ext>
+                </a:extLst>
+              </p:cNvPr>
+              <p:cNvSpPr/>
+              <p:nvPr/>
+            </p:nvSpPr>
+            <p:spPr>
+              <a:xfrm>
+                <a:off x="8789680" y="3584549"/>
+                <a:ext cx="288000" cy="287908"/>
+              </a:xfrm>
+              <a:prstGeom prst="roundRect">
+                <a:avLst/>
+              </a:prstGeom>
+              <a:solidFill>
+                <a:schemeClr val="accent6">
+                  <a:lumMod val="75000"/>
+                </a:schemeClr>
+              </a:solidFill>
+              <a:ln>
+                <a:solidFill>
+                  <a:schemeClr val="tx1"/>
+                </a:solidFill>
+              </a:ln>
+            </p:spPr>
+            <p:style>
+              <a:lnRef idx="2">
+                <a:schemeClr val="accent1">
+                  <a:shade val="50000"/>
+                </a:schemeClr>
+              </a:lnRef>
+              <a:fillRef idx="1">
+                <a:schemeClr val="accent1"/>
+              </a:fillRef>
+              <a:effectRef idx="0">
+                <a:schemeClr val="accent1"/>
+              </a:effectRef>
+              <a:fontRef idx="minor">
+                <a:schemeClr val="lt1"/>
+              </a:fontRef>
+            </p:style>
+            <p:txBody>
+              <a:bodyPr rtlCol="0" anchor="ctr"/>
+              <a:lstStyle/>
+              <a:p>
+                <a:pPr algn="ctr"/>
+                <a:r>
+                  <a:rPr lang="en-AU" sz="2200" dirty="0"/>
+                  <a:t>G</a:t>
+                </a:r>
+              </a:p>
+            </p:txBody>
+          </p:sp>
+          <p:sp>
+            <p:nvSpPr>
+              <p:cNvPr id="90" name="Rectangle: Rounded Corners 89">
+                <a:extLst>
+                  <a:ext uri="{FF2B5EF4-FFF2-40B4-BE49-F238E27FC236}">
+                    <a16:creationId xmlns:a16="http://schemas.microsoft.com/office/drawing/2014/main" id="{3B5895C2-0494-4514-8603-D64EC85A9374}"/>
+                  </a:ext>
+                </a:extLst>
+              </p:cNvPr>
+              <p:cNvSpPr/>
+              <p:nvPr/>
+            </p:nvSpPr>
+            <p:spPr>
+              <a:xfrm>
+                <a:off x="9153785" y="3594420"/>
+                <a:ext cx="288000" cy="287908"/>
+              </a:xfrm>
+              <a:prstGeom prst="roundRect">
+                <a:avLst/>
+              </a:prstGeom>
+              <a:solidFill>
+                <a:srgbClr val="C00000"/>
+              </a:solidFill>
+              <a:ln>
+                <a:solidFill>
+                  <a:schemeClr val="tx1"/>
+                </a:solidFill>
+              </a:ln>
+            </p:spPr>
+            <p:style>
+              <a:lnRef idx="2">
+                <a:schemeClr val="accent1">
+                  <a:shade val="50000"/>
+                </a:schemeClr>
+              </a:lnRef>
+              <a:fillRef idx="1">
+                <a:schemeClr val="accent1"/>
+              </a:fillRef>
+              <a:effectRef idx="0">
+                <a:schemeClr val="accent1"/>
+              </a:effectRef>
+              <a:fontRef idx="minor">
+                <a:schemeClr val="lt1"/>
+              </a:fontRef>
+            </p:style>
+            <p:txBody>
+              <a:bodyPr rtlCol="0" anchor="ctr"/>
+              <a:lstStyle/>
+              <a:p>
+                <a:pPr algn="ctr"/>
+                <a:r>
+                  <a:rPr lang="en-AU" sz="2200" dirty="0"/>
+                  <a:t>R</a:t>
+                </a:r>
+              </a:p>
+            </p:txBody>
+          </p:sp>
+          <p:sp>
+            <p:nvSpPr>
+              <p:cNvPr id="91" name="Rectangle: Rounded Corners 90">
+                <a:extLst>
+                  <a:ext uri="{FF2B5EF4-FFF2-40B4-BE49-F238E27FC236}">
+                    <a16:creationId xmlns:a16="http://schemas.microsoft.com/office/drawing/2014/main" id="{9EC4C9C3-8A00-4CEE-8C3D-6164FA0528D1}"/>
+                  </a:ext>
+                </a:extLst>
+              </p:cNvPr>
+              <p:cNvSpPr/>
+              <p:nvPr/>
+            </p:nvSpPr>
+            <p:spPr>
+              <a:xfrm>
+                <a:off x="8382733" y="3560707"/>
+                <a:ext cx="1450250" cy="348253"/>
+              </a:xfrm>
+              <a:prstGeom prst="roundRect">
+                <a:avLst/>
+              </a:prstGeom>
+              <a:noFill/>
+              <a:ln w="28575">
+                <a:solidFill>
+                  <a:srgbClr val="FF0000"/>
+                </a:solidFill>
+              </a:ln>
+            </p:spPr>
+            <p:style>
+              <a:lnRef idx="2">
+                <a:schemeClr val="accent1">
+                  <a:shade val="50000"/>
+                </a:schemeClr>
+              </a:lnRef>
+              <a:fillRef idx="1">
+                <a:schemeClr val="accent1"/>
+              </a:fillRef>
+              <a:effectRef idx="0">
+                <a:schemeClr val="accent1"/>
+              </a:effectRef>
+              <a:fontRef idx="minor">
+                <a:schemeClr val="lt1"/>
+              </a:fontRef>
+            </p:style>
+            <p:txBody>
+              <a:bodyPr rtlCol="0" anchor="ctr"/>
+              <a:lstStyle/>
+              <a:p>
+                <a:pPr algn="ctr"/>
+                <a:endParaRPr lang="en-AU"/>
+              </a:p>
+            </p:txBody>
+          </p:sp>
+          <p:sp>
+            <p:nvSpPr>
+              <p:cNvPr id="92" name="TextBox 91">
+                <a:extLst>
+                  <a:ext uri="{FF2B5EF4-FFF2-40B4-BE49-F238E27FC236}">
+                    <a16:creationId xmlns:a16="http://schemas.microsoft.com/office/drawing/2014/main" id="{507C8E12-10E7-4737-8A38-C17D8A997CC1}"/>
+                  </a:ext>
+                </a:extLst>
+              </p:cNvPr>
+              <p:cNvSpPr txBox="1"/>
+              <p:nvPr/>
+            </p:nvSpPr>
+            <p:spPr>
+              <a:xfrm>
+                <a:off x="8353330" y="3179269"/>
+                <a:ext cx="345221" cy="1107996"/>
+              </a:xfrm>
+              <a:prstGeom prst="rect">
+                <a:avLst/>
+              </a:prstGeom>
+              <a:noFill/>
+            </p:spPr>
+            <p:txBody>
+              <a:bodyPr wrap="square" rtlCol="0">
+                <a:spAutoFit/>
+              </a:bodyPr>
+              <a:lstStyle/>
+              <a:p>
+                <a:pPr algn="r"/>
+                <a:r>
+                  <a:rPr lang="en-AU" sz="2200" dirty="0"/>
+                  <a:t>1</a:t>
+                </a:r>
+              </a:p>
+              <a:p>
+                <a:pPr algn="r"/>
+                <a:r>
+                  <a:rPr lang="en-US" sz="2200" dirty="0"/>
+                  <a:t>2</a:t>
+                </a:r>
+                <a:endParaRPr lang="en-AU" sz="2200" dirty="0"/>
+              </a:p>
+              <a:p>
+                <a:pPr algn="r"/>
+                <a:r>
+                  <a:rPr lang="en-US" sz="2200" dirty="0"/>
+                  <a:t>3</a:t>
+                </a:r>
+                <a:endParaRPr lang="en-AU" sz="2200" dirty="0"/>
+              </a:p>
+            </p:txBody>
+          </p:sp>
+        </p:grpSp>
+        <p:sp>
+          <p:nvSpPr>
+            <p:cNvPr id="65" name="TextBox 64">
+              <a:extLst>
+                <a:ext uri="{FF2B5EF4-FFF2-40B4-BE49-F238E27FC236}">
+                  <a16:creationId xmlns:a16="http://schemas.microsoft.com/office/drawing/2014/main" id="{4543F794-51C8-42E4-9FD7-F69A683225BF}"/>
+                </a:ext>
+              </a:extLst>
+            </p:cNvPr>
+            <p:cNvSpPr txBox="1"/>
+            <p:nvPr/>
+          </p:nvSpPr>
+          <p:spPr>
+            <a:xfrm>
+              <a:off x="6879138" y="995655"/>
+              <a:ext cx="3701216" cy="1107996"/>
+            </a:xfrm>
+            <a:prstGeom prst="rect">
+              <a:avLst/>
+            </a:prstGeom>
+            <a:noFill/>
+          </p:spPr>
+          <p:txBody>
+            <a:bodyPr wrap="square" rtlCol="0">
+              <a:spAutoFit/>
+            </a:bodyPr>
+            <a:lstStyle/>
+            <a:p>
+              <a:r>
+                <a:rPr lang="en-AU" sz="2200" dirty="0"/>
+                <a:t>Step 1) Set the factor</a:t>
+              </a:r>
+            </a:p>
+            <a:p>
+              <a:r>
+                <a:rPr lang="en-AU" sz="2000" dirty="0"/>
+                <a:t>1 + (8 - 1) mod 3 = </a:t>
+              </a:r>
+            </a:p>
+            <a:p>
+              <a:r>
+                <a:rPr lang="en-AU" sz="2200" dirty="0"/>
+                <a:t>Permutation 2</a:t>
+              </a:r>
+            </a:p>
+          </p:txBody>
+        </p:sp>
+        <p:grpSp>
+          <p:nvGrpSpPr>
+            <p:cNvPr id="66" name="Group 65">
+              <a:extLst>
+                <a:ext uri="{FF2B5EF4-FFF2-40B4-BE49-F238E27FC236}">
+                  <a16:creationId xmlns:a16="http://schemas.microsoft.com/office/drawing/2014/main" id="{1DAFA555-C470-44A9-97E7-B4F7A4A447C7}"/>
+                </a:ext>
+              </a:extLst>
+            </p:cNvPr>
+            <p:cNvGrpSpPr/>
+            <p:nvPr/>
+          </p:nvGrpSpPr>
+          <p:grpSpPr>
+            <a:xfrm>
+              <a:off x="8562473" y="2132882"/>
+              <a:ext cx="2186500" cy="1869139"/>
+              <a:chOff x="9672511" y="796545"/>
+              <a:chExt cx="2186500" cy="1869139"/>
+            </a:xfrm>
+          </p:grpSpPr>
+          <p:sp>
+            <p:nvSpPr>
+              <p:cNvPr id="69" name="TextBox 68">
+                <a:extLst>
+                  <a:ext uri="{FF2B5EF4-FFF2-40B4-BE49-F238E27FC236}">
+                    <a16:creationId xmlns:a16="http://schemas.microsoft.com/office/drawing/2014/main" id="{95DE1ACE-E1F0-4916-AD9B-63079CD8C8A3}"/>
+                  </a:ext>
+                </a:extLst>
+              </p:cNvPr>
+              <p:cNvSpPr txBox="1"/>
+              <p:nvPr/>
+            </p:nvSpPr>
+            <p:spPr>
+              <a:xfrm>
+                <a:off x="9672511" y="796545"/>
+                <a:ext cx="1738102" cy="769441"/>
+              </a:xfrm>
+              <a:prstGeom prst="rect">
+                <a:avLst/>
+              </a:prstGeom>
+              <a:noFill/>
+            </p:spPr>
+            <p:txBody>
+              <a:bodyPr wrap="square" rtlCol="0">
+                <a:spAutoFit/>
+              </a:bodyPr>
+              <a:lstStyle/>
+              <a:p>
+                <a:pPr algn="r"/>
+                <a:r>
+                  <a:rPr lang="en-AU" sz="2200" dirty="0"/>
+                  <a:t>Location </a:t>
+                </a:r>
+              </a:p>
+              <a:p>
+                <a:pPr algn="r"/>
+                <a:r>
+                  <a:rPr lang="en-AU" sz="2200" dirty="0"/>
+                  <a:t>permutations</a:t>
+                </a:r>
+              </a:p>
+            </p:txBody>
+          </p:sp>
+          <p:cxnSp>
+            <p:nvCxnSpPr>
+              <p:cNvPr id="70" name="Straight Connector 69">
+                <a:extLst>
+                  <a:ext uri="{FF2B5EF4-FFF2-40B4-BE49-F238E27FC236}">
+                    <a16:creationId xmlns:a16="http://schemas.microsoft.com/office/drawing/2014/main" id="{CBD6567D-8207-4551-A5D4-218A3C05D67E}"/>
+                  </a:ext>
+                </a:extLst>
+              </p:cNvPr>
+              <p:cNvCxnSpPr>
+                <a:cxnSpLocks/>
+              </p:cNvCxnSpPr>
+              <p:nvPr/>
+            </p:nvCxnSpPr>
+            <p:spPr>
+              <a:xfrm>
+                <a:off x="9784401" y="1557688"/>
+                <a:ext cx="2074610" cy="5517"/>
+              </a:xfrm>
+              <a:prstGeom prst="line">
+                <a:avLst/>
+              </a:prstGeom>
+              <a:ln w="28575">
+                <a:solidFill>
+                  <a:schemeClr val="tx1"/>
+                </a:solidFill>
+              </a:ln>
+            </p:spPr>
+            <p:style>
+              <a:lnRef idx="1">
+                <a:schemeClr val="accent1"/>
+              </a:lnRef>
+              <a:fillRef idx="0">
+                <a:schemeClr val="accent1"/>
+              </a:fillRef>
+              <a:effectRef idx="0">
+                <a:schemeClr val="accent1"/>
+              </a:effectRef>
+              <a:fontRef idx="minor">
+                <a:schemeClr val="tx1"/>
+              </a:fontRef>
+            </p:style>
+          </p:cxnSp>
+          <p:cxnSp>
+            <p:nvCxnSpPr>
+              <p:cNvPr id="71" name="Straight Connector 70">
+                <a:extLst>
+                  <a:ext uri="{FF2B5EF4-FFF2-40B4-BE49-F238E27FC236}">
+                    <a16:creationId xmlns:a16="http://schemas.microsoft.com/office/drawing/2014/main" id="{D75A4A8B-5C97-4BCA-A85D-B51E4E0B4E09}"/>
+                  </a:ext>
+                </a:extLst>
+              </p:cNvPr>
+              <p:cNvCxnSpPr>
+                <a:cxnSpLocks/>
+              </p:cNvCxnSpPr>
+              <p:nvPr/>
+            </p:nvCxnSpPr>
+            <p:spPr>
+              <a:xfrm flipV="1">
+                <a:off x="11410613" y="842963"/>
+                <a:ext cx="1" cy="1805886"/>
+              </a:xfrm>
+              <a:prstGeom prst="line">
+                <a:avLst/>
+              </a:prstGeom>
+              <a:ln w="28575">
+                <a:solidFill>
+                  <a:schemeClr val="tx1"/>
+                </a:solidFill>
+              </a:ln>
+            </p:spPr>
+            <p:style>
+              <a:lnRef idx="1">
+                <a:schemeClr val="accent1"/>
+              </a:lnRef>
+              <a:fillRef idx="0">
+                <a:schemeClr val="accent1"/>
+              </a:fillRef>
+              <a:effectRef idx="0">
+                <a:schemeClr val="accent1"/>
+              </a:effectRef>
+              <a:fontRef idx="minor">
+                <a:schemeClr val="tx1"/>
+              </a:fontRef>
+            </p:style>
+          </p:cxnSp>
+          <p:sp>
+            <p:nvSpPr>
+              <p:cNvPr id="72" name="Rectangle: Rounded Corners 71">
+                <a:extLst>
+                  <a:ext uri="{FF2B5EF4-FFF2-40B4-BE49-F238E27FC236}">
+                    <a16:creationId xmlns:a16="http://schemas.microsoft.com/office/drawing/2014/main" id="{856C640E-5AC0-40CA-B699-71DE37290248}"/>
+                  </a:ext>
+                </a:extLst>
+              </p:cNvPr>
+              <p:cNvSpPr/>
+              <p:nvPr/>
+            </p:nvSpPr>
+            <p:spPr>
+              <a:xfrm>
+                <a:off x="11509884" y="1628880"/>
+                <a:ext cx="288000" cy="288000"/>
+              </a:xfrm>
+              <a:prstGeom prst="roundRect">
+                <a:avLst/>
+              </a:prstGeom>
+              <a:solidFill>
+                <a:srgbClr val="7030A0"/>
+              </a:solidFill>
+              <a:ln>
+                <a:solidFill>
+                  <a:schemeClr val="tx1"/>
+                </a:solidFill>
+              </a:ln>
+            </p:spPr>
+            <p:style>
+              <a:lnRef idx="2">
+                <a:schemeClr val="accent2">
+                  <a:shade val="50000"/>
+                </a:schemeClr>
+              </a:lnRef>
+              <a:fillRef idx="1">
+                <a:schemeClr val="accent2"/>
+              </a:fillRef>
+              <a:effectRef idx="0">
+                <a:schemeClr val="accent2"/>
+              </a:effectRef>
+              <a:fontRef idx="minor">
+                <a:schemeClr val="lt1"/>
+              </a:fontRef>
+            </p:style>
+            <p:txBody>
+              <a:bodyPr rtlCol="0" anchor="ctr"/>
+              <a:lstStyle/>
+              <a:p>
+                <a:pPr algn="ctr"/>
+                <a:r>
+                  <a:rPr lang="en-US" sz="2200" dirty="0"/>
+                  <a:t>1</a:t>
+                </a:r>
+                <a:endParaRPr lang="en-AU" sz="2200" dirty="0"/>
+              </a:p>
+            </p:txBody>
+          </p:sp>
+          <p:sp>
+            <p:nvSpPr>
+              <p:cNvPr id="73" name="Rectangle: Rounded Corners 72">
+                <a:extLst>
+                  <a:ext uri="{FF2B5EF4-FFF2-40B4-BE49-F238E27FC236}">
+                    <a16:creationId xmlns:a16="http://schemas.microsoft.com/office/drawing/2014/main" id="{745053CF-5863-43F2-A998-1BC689671E0D}"/>
+                  </a:ext>
+                </a:extLst>
+              </p:cNvPr>
+              <p:cNvSpPr/>
+              <p:nvPr/>
+            </p:nvSpPr>
+            <p:spPr>
+              <a:xfrm>
+                <a:off x="11509883" y="1962266"/>
+                <a:ext cx="288000" cy="288000"/>
+              </a:xfrm>
+              <a:prstGeom prst="roundRect">
+                <a:avLst/>
+              </a:prstGeom>
+              <a:solidFill>
+                <a:schemeClr val="accent6">
+                  <a:lumMod val="75000"/>
+                </a:schemeClr>
+              </a:solidFill>
+              <a:ln>
+                <a:solidFill>
+                  <a:schemeClr val="tx1"/>
+                </a:solidFill>
+              </a:ln>
+            </p:spPr>
+            <p:style>
+              <a:lnRef idx="2">
+                <a:schemeClr val="accent1">
+                  <a:shade val="50000"/>
+                </a:schemeClr>
+              </a:lnRef>
+              <a:fillRef idx="1">
+                <a:schemeClr val="accent1"/>
+              </a:fillRef>
+              <a:effectRef idx="0">
+                <a:schemeClr val="accent1"/>
+              </a:effectRef>
+              <a:fontRef idx="minor">
+                <a:schemeClr val="lt1"/>
+              </a:fontRef>
+            </p:style>
+            <p:txBody>
+              <a:bodyPr rtlCol="0" anchor="ctr"/>
+              <a:lstStyle/>
+              <a:p>
+                <a:pPr algn="ctr"/>
+                <a:r>
+                  <a:rPr lang="en-US" sz="2200" dirty="0"/>
+                  <a:t>2</a:t>
+                </a:r>
+                <a:endParaRPr lang="en-AU" sz="2200" dirty="0"/>
+              </a:p>
+            </p:txBody>
+          </p:sp>
+          <p:sp>
+            <p:nvSpPr>
+              <p:cNvPr id="74" name="Rectangle: Rounded Corners 73">
+                <a:extLst>
+                  <a:ext uri="{FF2B5EF4-FFF2-40B4-BE49-F238E27FC236}">
+                    <a16:creationId xmlns:a16="http://schemas.microsoft.com/office/drawing/2014/main" id="{8E29A5F5-6772-47CE-822D-B0DC554F378F}"/>
+                  </a:ext>
+                </a:extLst>
+              </p:cNvPr>
+              <p:cNvSpPr/>
+              <p:nvPr/>
+            </p:nvSpPr>
+            <p:spPr>
+              <a:xfrm>
+                <a:off x="11509758" y="2294070"/>
+                <a:ext cx="288000" cy="288000"/>
+              </a:xfrm>
+              <a:prstGeom prst="roundRect">
+                <a:avLst/>
+              </a:prstGeom>
+              <a:solidFill>
+                <a:srgbClr val="C00000"/>
+              </a:solidFill>
+              <a:ln>
+                <a:solidFill>
+                  <a:schemeClr val="tx1"/>
+                </a:solidFill>
+              </a:ln>
+            </p:spPr>
+            <p:style>
+              <a:lnRef idx="2">
+                <a:schemeClr val="accent1">
+                  <a:shade val="50000"/>
+                </a:schemeClr>
+              </a:lnRef>
+              <a:fillRef idx="1">
+                <a:schemeClr val="accent1"/>
+              </a:fillRef>
+              <a:effectRef idx="0">
+                <a:schemeClr val="accent1"/>
+              </a:effectRef>
+              <a:fontRef idx="minor">
+                <a:schemeClr val="lt1"/>
+              </a:fontRef>
+            </p:style>
+            <p:txBody>
+              <a:bodyPr rtlCol="0" anchor="ctr"/>
+              <a:lstStyle/>
+              <a:p>
+                <a:pPr algn="ctr"/>
+                <a:r>
+                  <a:rPr lang="en-US" sz="2200" dirty="0"/>
+                  <a:t>3</a:t>
+                </a:r>
+                <a:endParaRPr lang="en-AU" sz="2200" dirty="0"/>
+              </a:p>
+            </p:txBody>
+          </p:sp>
+          <p:sp>
+            <p:nvSpPr>
+              <p:cNvPr id="75" name="Rectangle: Rounded Corners 74">
+                <a:extLst>
+                  <a:ext uri="{FF2B5EF4-FFF2-40B4-BE49-F238E27FC236}">
+                    <a16:creationId xmlns:a16="http://schemas.microsoft.com/office/drawing/2014/main" id="{5B57B8AB-F8E8-48C8-A07F-D2540798BA24}"/>
+                  </a:ext>
+                </a:extLst>
+              </p:cNvPr>
+              <p:cNvSpPr/>
+              <p:nvPr/>
+            </p:nvSpPr>
+            <p:spPr>
+              <a:xfrm>
+                <a:off x="11138106" y="2269089"/>
+                <a:ext cx="720905" cy="338026"/>
+              </a:xfrm>
+              <a:prstGeom prst="roundRect">
+                <a:avLst/>
+              </a:prstGeom>
+              <a:noFill/>
+              <a:ln w="28575">
+                <a:solidFill>
+                  <a:srgbClr val="FF0000"/>
+                </a:solidFill>
+              </a:ln>
+            </p:spPr>
+            <p:style>
+              <a:lnRef idx="2">
+                <a:schemeClr val="accent1">
+                  <a:shade val="50000"/>
+                </a:schemeClr>
+              </a:lnRef>
+              <a:fillRef idx="1">
+                <a:schemeClr val="accent1"/>
+              </a:fillRef>
+              <a:effectRef idx="0">
+                <a:schemeClr val="accent1"/>
+              </a:effectRef>
+              <a:fontRef idx="minor">
+                <a:schemeClr val="lt1"/>
+              </a:fontRef>
+            </p:style>
+            <p:txBody>
+              <a:bodyPr rtlCol="0" anchor="ctr"/>
+              <a:lstStyle/>
+              <a:p>
+                <a:pPr algn="ctr"/>
+                <a:endParaRPr lang="en-AU"/>
+              </a:p>
+            </p:txBody>
+          </p:sp>
+          <p:sp>
+            <p:nvSpPr>
+              <p:cNvPr id="76" name="TextBox 75">
+                <a:extLst>
+                  <a:ext uri="{FF2B5EF4-FFF2-40B4-BE49-F238E27FC236}">
+                    <a16:creationId xmlns:a16="http://schemas.microsoft.com/office/drawing/2014/main" id="{FCEE24AA-1B73-4C0E-A228-A8B9558F565D}"/>
+                  </a:ext>
+                </a:extLst>
+              </p:cNvPr>
+              <p:cNvSpPr txBox="1"/>
+              <p:nvPr/>
+            </p:nvSpPr>
+            <p:spPr>
+              <a:xfrm>
+                <a:off x="11088199" y="1557688"/>
+                <a:ext cx="345221" cy="1107996"/>
+              </a:xfrm>
+              <a:prstGeom prst="rect">
+                <a:avLst/>
+              </a:prstGeom>
+              <a:noFill/>
+            </p:spPr>
+            <p:txBody>
+              <a:bodyPr wrap="square" rtlCol="0">
+                <a:spAutoFit/>
+              </a:bodyPr>
+              <a:lstStyle/>
+              <a:p>
+                <a:pPr algn="r"/>
+                <a:r>
+                  <a:rPr lang="en-AU" sz="2200" dirty="0"/>
+                  <a:t>1</a:t>
+                </a:r>
+              </a:p>
+              <a:p>
+                <a:pPr algn="r"/>
+                <a:r>
+                  <a:rPr lang="en-US" sz="2200" dirty="0"/>
+                  <a:t>2</a:t>
+                </a:r>
+                <a:endParaRPr lang="en-AU" sz="2200" dirty="0"/>
+              </a:p>
+              <a:p>
+                <a:pPr algn="r"/>
+                <a:r>
+                  <a:rPr lang="en-US" sz="2200" dirty="0"/>
+                  <a:t>3</a:t>
+                </a:r>
+                <a:endParaRPr lang="en-AU" sz="2200" dirty="0"/>
+              </a:p>
+            </p:txBody>
+          </p:sp>
+          <p:sp>
+            <p:nvSpPr>
+              <p:cNvPr id="77" name="TextBox 76">
+                <a:extLst>
+                  <a:ext uri="{FF2B5EF4-FFF2-40B4-BE49-F238E27FC236}">
+                    <a16:creationId xmlns:a16="http://schemas.microsoft.com/office/drawing/2014/main" id="{68821DE9-E7F5-4BFC-9206-7DD630E5C79F}"/>
+                  </a:ext>
+                </a:extLst>
+              </p:cNvPr>
+              <p:cNvSpPr txBox="1"/>
+              <p:nvPr/>
+            </p:nvSpPr>
+            <p:spPr>
+              <a:xfrm>
+                <a:off x="11475996" y="1100671"/>
+                <a:ext cx="345221" cy="430887"/>
+              </a:xfrm>
+              <a:prstGeom prst="rect">
+                <a:avLst/>
+              </a:prstGeom>
+              <a:noFill/>
+            </p:spPr>
+            <p:txBody>
+              <a:bodyPr wrap="square" rtlCol="0">
+                <a:spAutoFit/>
+              </a:bodyPr>
+              <a:lstStyle/>
+              <a:p>
+                <a:r>
+                  <a:rPr lang="en-AU" sz="2200" dirty="0"/>
+                  <a:t>1</a:t>
+                </a:r>
+              </a:p>
+            </p:txBody>
+          </p:sp>
+        </p:grpSp>
+        <p:sp>
+          <p:nvSpPr>
+            <p:cNvPr id="67" name="TextBox 66">
+              <a:extLst>
+                <a:ext uri="{FF2B5EF4-FFF2-40B4-BE49-F238E27FC236}">
+                  <a16:creationId xmlns:a16="http://schemas.microsoft.com/office/drawing/2014/main" id="{27A8BA7A-52D5-4CA4-BB4B-F504BFAF4967}"/>
+                </a:ext>
+              </a:extLst>
+            </p:cNvPr>
+            <p:cNvSpPr txBox="1"/>
+            <p:nvPr/>
+          </p:nvSpPr>
+          <p:spPr>
+            <a:xfrm>
+              <a:off x="6915304" y="2998456"/>
+              <a:ext cx="3518118" cy="1138773"/>
+            </a:xfrm>
+            <a:prstGeom prst="rect">
+              <a:avLst/>
+            </a:prstGeom>
+            <a:noFill/>
+          </p:spPr>
+          <p:txBody>
+            <a:bodyPr wrap="square" rtlCol="0">
+              <a:spAutoFit/>
+            </a:bodyPr>
+            <a:lstStyle/>
+            <a:p>
+              <a:r>
+                <a:rPr lang="en-US" sz="2400" dirty="0"/>
+                <a:t>Step 2) Set location</a:t>
+              </a:r>
+            </a:p>
+            <a:p>
+              <a:r>
+                <a:rPr lang="en-US" sz="2000" dirty="0"/>
+                <a:t>1 + floor((</a:t>
+              </a:r>
+              <a:r>
+                <a:rPr lang="en-US" sz="2000" b="1" dirty="0"/>
+                <a:t>8 – 1) </a:t>
+              </a:r>
+              <a:r>
+                <a:rPr lang="en-US" sz="2000" dirty="0"/>
+                <a:t>/ 3) mod 3 = </a:t>
+              </a:r>
+            </a:p>
+            <a:p>
+              <a:r>
+                <a:rPr lang="en-US" sz="2400" dirty="0"/>
+                <a:t>Permutation 3</a:t>
+              </a:r>
+              <a:endParaRPr lang="en-AU" sz="2200" dirty="0"/>
+            </a:p>
+          </p:txBody>
+        </p:sp>
+        <p:sp>
+          <p:nvSpPr>
+            <p:cNvPr id="68" name="TextBox 67">
+              <a:extLst>
+                <a:ext uri="{FF2B5EF4-FFF2-40B4-BE49-F238E27FC236}">
+                  <a16:creationId xmlns:a16="http://schemas.microsoft.com/office/drawing/2014/main" id="{979356AC-101D-466E-A082-0BE5EC1F662E}"/>
+                </a:ext>
+              </a:extLst>
+            </p:cNvPr>
+            <p:cNvSpPr txBox="1"/>
+            <p:nvPr/>
+          </p:nvSpPr>
+          <p:spPr>
+            <a:xfrm>
+              <a:off x="6855549" y="4970489"/>
+              <a:ext cx="3438143" cy="1138773"/>
+            </a:xfrm>
+            <a:prstGeom prst="rect">
+              <a:avLst/>
+            </a:prstGeom>
+            <a:noFill/>
+          </p:spPr>
+          <p:txBody>
+            <a:bodyPr wrap="square" rtlCol="0">
+              <a:spAutoFit/>
+            </a:bodyPr>
+            <a:lstStyle/>
+            <a:p>
+              <a:r>
+                <a:rPr lang="en-US" sz="2400" dirty="0"/>
+                <a:t>Step 3) Set VC order</a:t>
+              </a:r>
+            </a:p>
+            <a:p>
+              <a:r>
+                <a:rPr lang="en-US" sz="2000" dirty="0"/>
+                <a:t>(1 + floor(</a:t>
+              </a:r>
+              <a:r>
+                <a:rPr lang="en-US" sz="2000" b="1" dirty="0"/>
+                <a:t>8</a:t>
+              </a:r>
+              <a:r>
+                <a:rPr lang="en-US" sz="2000" dirty="0"/>
+                <a:t>/9)) mod 6 = </a:t>
+              </a:r>
+            </a:p>
+            <a:p>
+              <a:r>
+                <a:rPr lang="en-US" sz="2400" dirty="0"/>
+                <a:t>Permutation 2</a:t>
+              </a:r>
+              <a:endParaRPr lang="en-AU" sz="2200" dirty="0"/>
+            </a:p>
+          </p:txBody>
+        </p:sp>
+      </p:grpSp>
+      <p:sp>
+        <p:nvSpPr>
+          <p:cNvPr id="112" name="TextBox 111">
+            <a:extLst>
+              <a:ext uri="{FF2B5EF4-FFF2-40B4-BE49-F238E27FC236}">
+                <a16:creationId xmlns:a16="http://schemas.microsoft.com/office/drawing/2014/main" id="{34B8C117-D8D2-4A00-96CA-62DCBBBC0C64}"/>
+              </a:ext>
+            </a:extLst>
+          </p:cNvPr>
+          <p:cNvSpPr txBox="1"/>
+          <p:nvPr/>
         </p:nvSpPr>
-        <p:spPr/>
+        <p:spPr>
+          <a:xfrm>
+            <a:off x="5782257" y="4724275"/>
+            <a:ext cx="6062109" cy="1477328"/>
+          </a:xfrm>
+          <a:prstGeom prst="rect">
+            <a:avLst/>
+          </a:prstGeom>
+          <a:noFill/>
+        </p:spPr>
         <p:txBody>
-          <a:bodyPr/>
+          <a:bodyPr wrap="none" rtlCol="0">
+            <a:spAutoFit/>
+          </a:bodyPr>
           <a:lstStyle/>
           <a:p>
-            <a:endParaRPr lang="en-AU"/>
+            <a:r>
+              <a:rPr lang="en-AU" dirty="0"/>
+              <a:t>3 samples from each of the 18 factor*block levels; 54 data sets</a:t>
+            </a:r>
+          </a:p>
+          <a:p>
+            <a:endParaRPr lang="en-AU" dirty="0"/>
+          </a:p>
+          <a:p>
+            <a:r>
+              <a:rPr lang="en-AU" dirty="0"/>
+              <a:t>Randomize order of simulation? </a:t>
+            </a:r>
+          </a:p>
+          <a:p>
+            <a:r>
+              <a:rPr lang="en-AU" dirty="0"/>
+              <a:t>Only 6 tour paths? Random vs fixed order?</a:t>
+            </a:r>
+          </a:p>
+          <a:p>
+            <a:r>
+              <a:rPr lang="en-AU" dirty="0"/>
+              <a:t> </a:t>
+            </a:r>
           </a:p>
         </p:txBody>
       </p:sp>

--- a/paper/figures/Experimental design graphics.pptx
+++ b/paper/figures/Experimental design graphics.pptx
@@ -291,7 +291,7 @@
           <a:p>
             <a:fld id="{B25803F7-6624-424E-B78C-2F27C4BCE53D}" type="datetimeFigureOut">
               <a:rPr lang="en-AU" smtClean="0"/>
-              <a:t>14/10/2020</a:t>
+              <a:t>15/10/2020</a:t>
             </a:fld>
             <a:endParaRPr lang="en-AU"/>
           </a:p>
@@ -491,7 +491,7 @@
           <a:p>
             <a:fld id="{B25803F7-6624-424E-B78C-2F27C4BCE53D}" type="datetimeFigureOut">
               <a:rPr lang="en-AU" smtClean="0"/>
-              <a:t>14/10/2020</a:t>
+              <a:t>15/10/2020</a:t>
             </a:fld>
             <a:endParaRPr lang="en-AU"/>
           </a:p>
@@ -701,7 +701,7 @@
           <a:p>
             <a:fld id="{B25803F7-6624-424E-B78C-2F27C4BCE53D}" type="datetimeFigureOut">
               <a:rPr lang="en-AU" smtClean="0"/>
-              <a:t>14/10/2020</a:t>
+              <a:t>15/10/2020</a:t>
             </a:fld>
             <a:endParaRPr lang="en-AU"/>
           </a:p>
@@ -901,7 +901,7 @@
           <a:p>
             <a:fld id="{B25803F7-6624-424E-B78C-2F27C4BCE53D}" type="datetimeFigureOut">
               <a:rPr lang="en-AU" smtClean="0"/>
-              <a:t>14/10/2020</a:t>
+              <a:t>15/10/2020</a:t>
             </a:fld>
             <a:endParaRPr lang="en-AU"/>
           </a:p>
@@ -1177,7 +1177,7 @@
           <a:p>
             <a:fld id="{B25803F7-6624-424E-B78C-2F27C4BCE53D}" type="datetimeFigureOut">
               <a:rPr lang="en-AU" smtClean="0"/>
-              <a:t>14/10/2020</a:t>
+              <a:t>15/10/2020</a:t>
             </a:fld>
             <a:endParaRPr lang="en-AU"/>
           </a:p>
@@ -1445,7 +1445,7 @@
           <a:p>
             <a:fld id="{B25803F7-6624-424E-B78C-2F27C4BCE53D}" type="datetimeFigureOut">
               <a:rPr lang="en-AU" smtClean="0"/>
-              <a:t>14/10/2020</a:t>
+              <a:t>15/10/2020</a:t>
             </a:fld>
             <a:endParaRPr lang="en-AU"/>
           </a:p>
@@ -1860,7 +1860,7 @@
           <a:p>
             <a:fld id="{B25803F7-6624-424E-B78C-2F27C4BCE53D}" type="datetimeFigureOut">
               <a:rPr lang="en-AU" smtClean="0"/>
-              <a:t>14/10/2020</a:t>
+              <a:t>15/10/2020</a:t>
             </a:fld>
             <a:endParaRPr lang="en-AU"/>
           </a:p>
@@ -2002,7 +2002,7 @@
           <a:p>
             <a:fld id="{B25803F7-6624-424E-B78C-2F27C4BCE53D}" type="datetimeFigureOut">
               <a:rPr lang="en-AU" smtClean="0"/>
-              <a:t>14/10/2020</a:t>
+              <a:t>15/10/2020</a:t>
             </a:fld>
             <a:endParaRPr lang="en-AU"/>
           </a:p>
@@ -2115,7 +2115,7 @@
           <a:p>
             <a:fld id="{B25803F7-6624-424E-B78C-2F27C4BCE53D}" type="datetimeFigureOut">
               <a:rPr lang="en-AU" smtClean="0"/>
-              <a:t>14/10/2020</a:t>
+              <a:t>15/10/2020</a:t>
             </a:fld>
             <a:endParaRPr lang="en-AU"/>
           </a:p>
@@ -2428,7 +2428,7 @@
           <a:p>
             <a:fld id="{B25803F7-6624-424E-B78C-2F27C4BCE53D}" type="datetimeFigureOut">
               <a:rPr lang="en-AU" smtClean="0"/>
-              <a:t>14/10/2020</a:t>
+              <a:t>15/10/2020</a:t>
             </a:fld>
             <a:endParaRPr lang="en-AU"/>
           </a:p>
@@ -2717,7 +2717,7 @@
           <a:p>
             <a:fld id="{B25803F7-6624-424E-B78C-2F27C4BCE53D}" type="datetimeFigureOut">
               <a:rPr lang="en-AU" smtClean="0"/>
-              <a:t>14/10/2020</a:t>
+              <a:t>15/10/2020</a:t>
             </a:fld>
             <a:endParaRPr lang="en-AU"/>
           </a:p>
@@ -2960,7 +2960,7 @@
           <a:p>
             <a:fld id="{B25803F7-6624-424E-B78C-2F27C4BCE53D}" type="datetimeFigureOut">
               <a:rPr lang="en-AU" smtClean="0"/>
-              <a:t>14/10/2020</a:t>
+              <a:t>15/10/2020</a:t>
             </a:fld>
             <a:endParaRPr lang="en-AU"/>
           </a:p>
@@ -3428,14 +3428,14 @@
           <p:nvPr>
             <p:extLst>
               <p:ext uri="{D42A27DB-BD31-4B8C-83A1-F6EECF244321}">
-                <p14:modId xmlns:p14="http://schemas.microsoft.com/office/powerpoint/2010/main" val="1430933533"/>
+                <p14:modId xmlns:p14="http://schemas.microsoft.com/office/powerpoint/2010/main" val="3650666140"/>
               </p:ext>
             </p:extLst>
           </p:nvPr>
         </p:nvGraphicFramePr>
         <p:xfrm>
           <a:off x="414020" y="318600"/>
-          <a:ext cx="14359406" cy="6220800"/>
+          <a:ext cx="14683406" cy="6220800"/>
         </p:xfrm>
         <a:graphic>
           <a:graphicData uri="http://schemas.openxmlformats.org/drawingml/2006/table">
@@ -3479,7 +3479,7 @@
                     </a:ext>
                   </a:extLst>
                 </a:gridCol>
-                <a:gridCol w="2268000">
+                <a:gridCol w="2592000">
                   <a:extLst>
                     <a:ext uri="{9D8B030D-6E8A-4147-A177-3AD203B41FA5}">
                       <a16:colId xmlns:a16="http://schemas.microsoft.com/office/drawing/2014/main" val="972526187"/>
@@ -3823,7 +3823,7 @@
                       </a:pPr>
                       <a:r>
                         <a:rPr lang="en-AU" b="0" dirty="0"/>
-                        <a:t>6</a:t>
+                        <a:t>3</a:t>
                       </a:r>
                     </a:p>
                   </a:txBody>
@@ -3919,7 +3919,30 @@
                       </a:pPr>
                       <a:r>
                         <a:rPr lang="en-AU" b="0" dirty="0"/>
-                        <a:t>3*2*1 = 6</a:t>
+                        <a:t>!3*2*1 = 6</a:t>
+                      </a:r>
+                      <a:br>
+                        <a:rPr lang="en-AU" b="0" dirty="0"/>
+                      </a:br>
+                      <a:r>
+                        <a:rPr lang="en-AU" b="0" dirty="0"/>
+                        <a:t>3 </a:t>
+                      </a:r>
+                      <a:r>
+                        <a:rPr lang="en-AU" b="0" dirty="0" err="1"/>
+                        <a:t>latin</a:t>
+                      </a:r>
+                      <a:r>
+                        <a:rPr lang="en-AU" b="0" dirty="0"/>
+                        <a:t> </a:t>
+                      </a:r>
+                      <a:r>
+                        <a:rPr lang="en-AU" b="0" dirty="0" err="1"/>
+                        <a:t>sq</a:t>
+                      </a:r>
+                      <a:r>
+                        <a:rPr lang="en-AU" b="0" dirty="0"/>
+                        <a:t>, not full perms</a:t>
                       </a:r>
                     </a:p>
                   </a:txBody>
@@ -4727,7 +4750,7 @@
                     <a:p>
                       <a:r>
                         <a:rPr lang="en-US" dirty="0"/>
-                        <a:t>Numb. clusters &amp; variables</a:t>
+                        <a:t>Numb. Variables &amp; clusters</a:t>
                       </a:r>
                       <a:endParaRPr lang="en-AU" b="0" dirty="0">
                         <a:solidFill>
@@ -4781,7 +4804,7 @@
                       </a:pPr>
                       <a:r>
                         <a:rPr lang="en-AU" dirty="0"/>
-                        <a:t>3 cl in 4 var, 4 cl in 6 var</a:t>
+                        <a:t>4 var with 3 cl, 6 var with 4 cl</a:t>
                       </a:r>
                     </a:p>
                     <a:p>
@@ -4804,7 +4827,7 @@
                       </a:pPr>
                       <a:r>
                         <a:rPr lang="en-AU" dirty="0"/>
-                        <a:t>Small then large within each factor</a:t>
+                        <a:t>Fixed order, small then large within each factor</a:t>
                       </a:r>
                     </a:p>
                   </a:txBody>
@@ -7363,6 +7386,71 @@
             <a:endParaRPr lang="en-AU" dirty="0"/>
           </a:p>
           <a:p>
+            <a:endParaRPr lang="en-AU" dirty="0"/>
+          </a:p>
+        </p:txBody>
+      </p:sp>
+      <p:sp>
+        <p:nvSpPr>
+          <p:cNvPr id="5" name="TextBox 4">
+            <a:extLst>
+              <a:ext uri="{FF2B5EF4-FFF2-40B4-BE49-F238E27FC236}">
+                <a16:creationId xmlns:a16="http://schemas.microsoft.com/office/drawing/2014/main" id="{0C3E97FB-3596-4D07-89A1-B31EE98B4134}"/>
+              </a:ext>
+            </a:extLst>
+          </p:cNvPr>
+          <p:cNvSpPr txBox="1"/>
+          <p:nvPr/>
+        </p:nvSpPr>
+        <p:spPr>
+          <a:xfrm>
+            <a:off x="9304257" y="3341800"/>
+            <a:ext cx="2539712" cy="1200329"/>
+          </a:xfrm>
+          <a:prstGeom prst="rect">
+            <a:avLst/>
+          </a:prstGeom>
+          <a:ln w="28575"/>
+        </p:spPr>
+        <p:style>
+          <a:lnRef idx="2">
+            <a:schemeClr val="accent1"/>
+          </a:lnRef>
+          <a:fillRef idx="1">
+            <a:schemeClr val="lt1"/>
+          </a:fillRef>
+          <a:effectRef idx="0">
+            <a:schemeClr val="accent1"/>
+          </a:effectRef>
+          <a:fontRef idx="minor">
+            <a:schemeClr val="dk1"/>
+          </a:fontRef>
+        </p:style>
+        <p:txBody>
+          <a:bodyPr wrap="square" rtlCol="0">
+            <a:spAutoFit/>
+          </a:bodyPr>
+          <a:lstStyle/>
+          <a:p>
+            <a:pPr algn="ctr"/>
+            <a:endParaRPr lang="en-AU" dirty="0"/>
+          </a:p>
+          <a:p>
+            <a:pPr algn="ctr"/>
+            <a:r>
+              <a:rPr lang="en-AU" dirty="0"/>
+              <a:t>56 participants </a:t>
+            </a:r>
+          </a:p>
+          <a:p>
+            <a:pPr algn="ctr"/>
+            <a:r>
+              <a:rPr lang="en-AU" dirty="0"/>
+              <a:t>per even evaluation </a:t>
+            </a:r>
+          </a:p>
+          <a:p>
+            <a:pPr algn="ctr"/>
             <a:endParaRPr lang="en-AU" dirty="0"/>
           </a:p>
         </p:txBody>
@@ -8009,435 +8097,6 @@
           </a:prstGeom>
         </p:spPr>
       </p:pic>
-      <p:grpSp>
-        <p:nvGrpSpPr>
-          <p:cNvPr id="140" name="Group 139">
-            <a:extLst>
-              <a:ext uri="{FF2B5EF4-FFF2-40B4-BE49-F238E27FC236}">
-                <a16:creationId xmlns:a16="http://schemas.microsoft.com/office/drawing/2014/main" id="{F30FE6B1-D6BE-428E-913E-E4A332B2183A}"/>
-              </a:ext>
-            </a:extLst>
-          </p:cNvPr>
-          <p:cNvGrpSpPr/>
-          <p:nvPr/>
-        </p:nvGrpSpPr>
-        <p:grpSpPr>
-          <a:xfrm>
-            <a:off x="326567" y="1438383"/>
-            <a:ext cx="5648185" cy="3967091"/>
-            <a:chOff x="1050279" y="1289340"/>
-            <a:chExt cx="5648185" cy="3967091"/>
-          </a:xfrm>
-        </p:grpSpPr>
-        <p:pic>
-          <p:nvPicPr>
-            <p:cNvPr id="75" name="Picture 74">
-              <a:extLst>
-                <a:ext uri="{FF2B5EF4-FFF2-40B4-BE49-F238E27FC236}">
-                  <a16:creationId xmlns:a16="http://schemas.microsoft.com/office/drawing/2014/main" id="{B0B5EB17-8742-4758-B543-0ADB52F49E48}"/>
-                </a:ext>
-              </a:extLst>
-            </p:cNvPr>
-            <p:cNvPicPr>
-              <a:picLocks noChangeAspect="1"/>
-            </p:cNvPicPr>
-            <p:nvPr/>
-          </p:nvPicPr>
-          <p:blipFill>
-            <a:blip r:embed="rId17">
-              <a:extLst>
-                <a:ext uri="{28A0092B-C50C-407E-A947-70E740481C1C}">
-                  <a14:useLocalDpi xmlns:a14="http://schemas.microsoft.com/office/drawing/2010/main" val="0"/>
-                </a:ext>
-              </a:extLst>
-            </a:blip>
-            <a:stretch>
-              <a:fillRect/>
-            </a:stretch>
-          </p:blipFill>
-          <p:spPr>
-            <a:xfrm>
-              <a:off x="5203921" y="1520734"/>
-              <a:ext cx="688099" cy="688099"/>
-            </a:xfrm>
-            <a:prstGeom prst="rect">
-              <a:avLst/>
-            </a:prstGeom>
-          </p:spPr>
-        </p:pic>
-        <p:pic>
-          <p:nvPicPr>
-            <p:cNvPr id="78" name="Picture 77">
-              <a:extLst>
-                <a:ext uri="{FF2B5EF4-FFF2-40B4-BE49-F238E27FC236}">
-                  <a16:creationId xmlns:a16="http://schemas.microsoft.com/office/drawing/2014/main" id="{84025F08-5DDA-4AA2-800F-8467512829E2}"/>
-                </a:ext>
-              </a:extLst>
-            </p:cNvPr>
-            <p:cNvPicPr>
-              <a:picLocks noChangeAspect="1"/>
-            </p:cNvPicPr>
-            <p:nvPr/>
-          </p:nvPicPr>
-          <p:blipFill>
-            <a:blip r:embed="rId4">
-              <a:extLst>
-                <a:ext uri="{28A0092B-C50C-407E-A947-70E740481C1C}">
-                  <a14:useLocalDpi xmlns:a14="http://schemas.microsoft.com/office/drawing/2010/main" val="0"/>
-                </a:ext>
-              </a:extLst>
-            </a:blip>
-            <a:stretch>
-              <a:fillRect/>
-            </a:stretch>
-          </p:blipFill>
-          <p:spPr>
-            <a:xfrm>
-              <a:off x="5071720" y="3864946"/>
-              <a:ext cx="952500" cy="952500"/>
-            </a:xfrm>
-            <a:prstGeom prst="rect">
-              <a:avLst/>
-            </a:prstGeom>
-          </p:spPr>
-        </p:pic>
-        <p:pic>
-          <p:nvPicPr>
-            <p:cNvPr id="79" name="Picture 78">
-              <a:extLst>
-                <a:ext uri="{FF2B5EF4-FFF2-40B4-BE49-F238E27FC236}">
-                  <a16:creationId xmlns:a16="http://schemas.microsoft.com/office/drawing/2014/main" id="{6BB53989-87D7-457E-8BF6-AF5012646BFB}"/>
-                </a:ext>
-              </a:extLst>
-            </p:cNvPr>
-            <p:cNvPicPr>
-              <a:picLocks noChangeAspect="1"/>
-            </p:cNvPicPr>
-            <p:nvPr/>
-          </p:nvPicPr>
-          <p:blipFill>
-            <a:blip r:embed="rId11">
-              <a:extLst>
-                <a:ext uri="{28A0092B-C50C-407E-A947-70E740481C1C}">
-                  <a14:useLocalDpi xmlns:a14="http://schemas.microsoft.com/office/drawing/2010/main" val="0"/>
-                </a:ext>
-              </a:extLst>
-            </a:blip>
-            <a:stretch>
-              <a:fillRect/>
-            </a:stretch>
-          </p:blipFill>
-          <p:spPr>
-            <a:xfrm>
-              <a:off x="1050279" y="1292400"/>
-              <a:ext cx="952500" cy="952500"/>
-            </a:xfrm>
-            <a:prstGeom prst="rect">
-              <a:avLst/>
-            </a:prstGeom>
-          </p:spPr>
-        </p:pic>
-        <p:pic>
-          <p:nvPicPr>
-            <p:cNvPr id="83" name="Picture 82">
-              <a:extLst>
-                <a:ext uri="{FF2B5EF4-FFF2-40B4-BE49-F238E27FC236}">
-                  <a16:creationId xmlns:a16="http://schemas.microsoft.com/office/drawing/2014/main" id="{90B20DA1-20E3-4BD9-9D3E-548EBB3E4869}"/>
-                </a:ext>
-              </a:extLst>
-            </p:cNvPr>
-            <p:cNvPicPr>
-              <a:picLocks noChangeAspect="1"/>
-            </p:cNvPicPr>
-            <p:nvPr/>
-          </p:nvPicPr>
-          <p:blipFill>
-            <a:blip r:embed="rId9">
-              <a:extLst>
-                <a:ext uri="{28A0092B-C50C-407E-A947-70E740481C1C}">
-                  <a14:useLocalDpi xmlns:a14="http://schemas.microsoft.com/office/drawing/2010/main" val="0"/>
-                </a:ext>
-              </a:extLst>
-            </a:blip>
-            <a:stretch>
-              <a:fillRect/>
-            </a:stretch>
-          </p:blipFill>
-          <p:spPr>
-            <a:xfrm rot="18944558">
-              <a:off x="3734760" y="1381766"/>
-              <a:ext cx="952500" cy="952500"/>
-            </a:xfrm>
-            <a:prstGeom prst="rect">
-              <a:avLst/>
-            </a:prstGeom>
-          </p:spPr>
-        </p:pic>
-        <p:pic>
-          <p:nvPicPr>
-            <p:cNvPr id="84" name="Picture 83">
-              <a:extLst>
-                <a:ext uri="{FF2B5EF4-FFF2-40B4-BE49-F238E27FC236}">
-                  <a16:creationId xmlns:a16="http://schemas.microsoft.com/office/drawing/2014/main" id="{692774C4-115F-4519-92B5-3DE6A3581333}"/>
-                </a:ext>
-              </a:extLst>
-            </p:cNvPr>
-            <p:cNvPicPr>
-              <a:picLocks noChangeAspect="1"/>
-            </p:cNvPicPr>
-            <p:nvPr/>
-          </p:nvPicPr>
-          <p:blipFill>
-            <a:blip r:embed="rId7">
-              <a:extLst>
-                <a:ext uri="{28A0092B-C50C-407E-A947-70E740481C1C}">
-                  <a14:useLocalDpi xmlns:a14="http://schemas.microsoft.com/office/drawing/2010/main" val="0"/>
-                </a:ext>
-              </a:extLst>
-            </a:blip>
-            <a:stretch>
-              <a:fillRect/>
-            </a:stretch>
-          </p:blipFill>
-          <p:spPr>
-            <a:xfrm>
-              <a:off x="2234302" y="1289340"/>
-              <a:ext cx="952500" cy="952500"/>
-            </a:xfrm>
-            <a:prstGeom prst="rect">
-              <a:avLst/>
-            </a:prstGeom>
-          </p:spPr>
-        </p:pic>
-        <p:pic>
-          <p:nvPicPr>
-            <p:cNvPr id="86" name="Picture 85">
-              <a:extLst>
-                <a:ext uri="{FF2B5EF4-FFF2-40B4-BE49-F238E27FC236}">
-                  <a16:creationId xmlns:a16="http://schemas.microsoft.com/office/drawing/2014/main" id="{31D7698A-45CE-45CD-84B1-31883E46C742}"/>
-                </a:ext>
-              </a:extLst>
-            </p:cNvPr>
-            <p:cNvPicPr>
-              <a:picLocks noChangeAspect="1"/>
-            </p:cNvPicPr>
-            <p:nvPr/>
-          </p:nvPicPr>
-          <p:blipFill>
-            <a:blip r:embed="rId9">
-              <a:extLst>
-                <a:ext uri="{28A0092B-C50C-407E-A947-70E740481C1C}">
-                  <a14:useLocalDpi xmlns:a14="http://schemas.microsoft.com/office/drawing/2010/main" val="0"/>
-                </a:ext>
-              </a:extLst>
-            </a:blip>
-            <a:stretch>
-              <a:fillRect/>
-            </a:stretch>
-          </p:blipFill>
-          <p:spPr>
-            <a:xfrm rot="2768651">
-              <a:off x="5071720" y="2722342"/>
-              <a:ext cx="952500" cy="952500"/>
-            </a:xfrm>
-            <a:prstGeom prst="rect">
-              <a:avLst/>
-            </a:prstGeom>
-          </p:spPr>
-        </p:pic>
-        <p:sp>
-          <p:nvSpPr>
-            <p:cNvPr id="87" name="Speech Bubble: Rectangle with Corners Rounded 86">
-              <a:extLst>
-                <a:ext uri="{FF2B5EF4-FFF2-40B4-BE49-F238E27FC236}">
-                  <a16:creationId xmlns:a16="http://schemas.microsoft.com/office/drawing/2014/main" id="{7F65C7AC-1B28-491B-90D5-9849C5228835}"/>
-                </a:ext>
-              </a:extLst>
-            </p:cNvPr>
-            <p:cNvSpPr/>
-            <p:nvPr/>
-          </p:nvSpPr>
-          <p:spPr>
-            <a:xfrm>
-              <a:off x="2735257" y="3335910"/>
-              <a:ext cx="1678306" cy="512822"/>
-            </a:xfrm>
-            <a:prstGeom prst="wedgeRoundRectCallout">
-              <a:avLst>
-                <a:gd name="adj1" fmla="val 69783"/>
-                <a:gd name="adj2" fmla="val 126345"/>
-                <a:gd name="adj3" fmla="val 16667"/>
-              </a:avLst>
-            </a:prstGeom>
-            <a:solidFill>
-              <a:schemeClr val="bg1"/>
-            </a:solidFill>
-            <a:ln w="28575"/>
-          </p:spPr>
-          <p:style>
-            <a:lnRef idx="2">
-              <a:schemeClr val="accent1">
-                <a:shade val="50000"/>
-              </a:schemeClr>
-            </a:lnRef>
-            <a:fillRef idx="1">
-              <a:schemeClr val="accent1"/>
-            </a:fillRef>
-            <a:effectRef idx="0">
-              <a:schemeClr val="accent1"/>
-            </a:effectRef>
-            <a:fontRef idx="minor">
-              <a:schemeClr val="lt1"/>
-            </a:fontRef>
-          </p:style>
-          <p:txBody>
-            <a:bodyPr rtlCol="0" anchor="ctr"/>
-            <a:lstStyle/>
-            <a:p>
-              <a:pPr algn="ctr"/>
-              <a:r>
-                <a:rPr lang="en-AU" b="1" dirty="0">
-                  <a:solidFill>
-                    <a:sysClr val="windowText" lastClr="000000"/>
-                  </a:solidFill>
-                </a:rPr>
-                <a:t>8</a:t>
-              </a:r>
-              <a:r>
-                <a:rPr lang="en-AU" baseline="30000" dirty="0">
-                  <a:solidFill>
-                    <a:sysClr val="windowText" lastClr="000000"/>
-                  </a:solidFill>
-                </a:rPr>
-                <a:t>th</a:t>
-              </a:r>
-              <a:r>
-                <a:rPr lang="en-AU" dirty="0">
-                  <a:solidFill>
-                    <a:sysClr val="windowText" lastClr="000000"/>
-                  </a:solidFill>
-                </a:rPr>
-                <a:t> Participant</a:t>
-              </a:r>
-            </a:p>
-          </p:txBody>
-        </p:sp>
-        <p:sp>
-          <p:nvSpPr>
-            <p:cNvPr id="136" name="TextBox 135">
-              <a:extLst>
-                <a:ext uri="{FF2B5EF4-FFF2-40B4-BE49-F238E27FC236}">
-                  <a16:creationId xmlns:a16="http://schemas.microsoft.com/office/drawing/2014/main" id="{2B7B3F21-9CE0-4EF6-99C8-45991ECC7BC2}"/>
-                </a:ext>
-              </a:extLst>
-            </p:cNvPr>
-            <p:cNvSpPr txBox="1"/>
-            <p:nvPr/>
-          </p:nvSpPr>
-          <p:spPr>
-            <a:xfrm>
-              <a:off x="4603460" y="2262926"/>
-              <a:ext cx="1846351" cy="369332"/>
-            </a:xfrm>
-            <a:prstGeom prst="rect">
-              <a:avLst/>
-            </a:prstGeom>
-            <a:noFill/>
-          </p:spPr>
-          <p:txBody>
-            <a:bodyPr wrap="square" rtlCol="0">
-              <a:spAutoFit/>
-            </a:bodyPr>
-            <a:lstStyle/>
-            <a:p>
-              <a:pPr algn="ctr"/>
-              <a:r>
-                <a:rPr lang="en-AU" dirty="0"/>
-                <a:t>EBS shiny server</a:t>
-              </a:r>
-            </a:p>
-          </p:txBody>
-        </p:sp>
-        <p:sp>
-          <p:nvSpPr>
-            <p:cNvPr id="138" name="TextBox 137">
-              <a:extLst>
-                <a:ext uri="{FF2B5EF4-FFF2-40B4-BE49-F238E27FC236}">
-                  <a16:creationId xmlns:a16="http://schemas.microsoft.com/office/drawing/2014/main" id="{70C24C99-509D-4CE1-A0D2-678D4F308AD6}"/>
-                </a:ext>
-              </a:extLst>
-            </p:cNvPr>
-            <p:cNvSpPr txBox="1"/>
-            <p:nvPr/>
-          </p:nvSpPr>
-          <p:spPr>
-            <a:xfrm>
-              <a:off x="4354806" y="4887099"/>
-              <a:ext cx="2343658" cy="369332"/>
-            </a:xfrm>
-            <a:prstGeom prst="rect">
-              <a:avLst/>
-            </a:prstGeom>
-            <a:noFill/>
-          </p:spPr>
-          <p:txBody>
-            <a:bodyPr wrap="square" rtlCol="0">
-              <a:spAutoFit/>
-            </a:bodyPr>
-            <a:lstStyle/>
-            <a:p>
-              <a:pPr algn="ctr"/>
-              <a:r>
-                <a:rPr lang="en-AU" dirty="0"/>
-                <a:t>Previous responses</a:t>
-              </a:r>
-            </a:p>
-          </p:txBody>
-        </p:sp>
-        <p:sp>
-          <p:nvSpPr>
-            <p:cNvPr id="139" name="TextBox 138">
-              <a:extLst>
-                <a:ext uri="{FF2B5EF4-FFF2-40B4-BE49-F238E27FC236}">
-                  <a16:creationId xmlns:a16="http://schemas.microsoft.com/office/drawing/2014/main" id="{A26891B8-256C-4273-AAF7-6188156B3C09}"/>
-                </a:ext>
-              </a:extLst>
-            </p:cNvPr>
-            <p:cNvSpPr txBox="1"/>
-            <p:nvPr/>
-          </p:nvSpPr>
-          <p:spPr>
-            <a:xfrm>
-              <a:off x="1140005" y="2332792"/>
-              <a:ext cx="1955796" cy="646331"/>
-            </a:xfrm>
-            <a:prstGeom prst="rect">
-              <a:avLst/>
-            </a:prstGeom>
-            <a:noFill/>
-          </p:spPr>
-          <p:txBody>
-            <a:bodyPr wrap="square" rtlCol="0">
-              <a:spAutoFit/>
-            </a:bodyPr>
-            <a:lstStyle/>
-            <a:p>
-              <a:pPr algn="ctr"/>
-              <a:r>
-                <a:rPr lang="en-AU" dirty="0"/>
-                <a:t>Participant, </a:t>
-              </a:r>
-            </a:p>
-            <a:p>
-              <a:pPr algn="ctr"/>
-              <a:r>
-                <a:rPr lang="en-AU" dirty="0"/>
-                <a:t>own computer</a:t>
-              </a:r>
-            </a:p>
-          </p:txBody>
-        </p:sp>
-      </p:grpSp>
       <p:pic>
         <p:nvPicPr>
           <p:cNvPr id="145" name="Picture 144">
@@ -8453,7 +8112,7 @@
           <p:nvPr/>
         </p:nvPicPr>
         <p:blipFill>
-          <a:blip r:embed="rId18">
+          <a:blip r:embed="rId17">
             <a:extLst>
               <a:ext uri="{28A0092B-C50C-407E-A947-70E740481C1C}">
                 <a14:useLocalDpi xmlns:a14="http://schemas.microsoft.com/office/drawing/2010/main" val="0"/>
@@ -8489,7 +8148,7 @@
           <p:nvPr/>
         </p:nvPicPr>
         <p:blipFill>
-          <a:blip r:embed="rId19">
+          <a:blip r:embed="rId18">
             <a:extLst>
               <a:ext uri="{28A0092B-C50C-407E-A947-70E740481C1C}">
                 <a14:useLocalDpi xmlns:a14="http://schemas.microsoft.com/office/drawing/2010/main" val="0"/>
@@ -8525,7 +8184,7 @@
           <p:nvPr/>
         </p:nvPicPr>
         <p:blipFill>
-          <a:blip r:embed="rId20">
+          <a:blip r:embed="rId19">
             <a:extLst>
               <a:ext uri="{28A0092B-C50C-407E-A947-70E740481C1C}">
                 <a14:useLocalDpi xmlns:a14="http://schemas.microsoft.com/office/drawing/2010/main" val="0"/>
@@ -8561,7 +8220,7 @@
           <p:nvPr/>
         </p:nvPicPr>
         <p:blipFill>
-          <a:blip r:embed="rId21">
+          <a:blip r:embed="rId20">
             <a:extLst>
               <a:ext uri="{28A0092B-C50C-407E-A947-70E740481C1C}">
                 <a14:useLocalDpi xmlns:a14="http://schemas.microsoft.com/office/drawing/2010/main" val="0"/>
@@ -11362,10 +11021,10 @@
       </p:grpSp>
       <p:grpSp>
         <p:nvGrpSpPr>
-          <p:cNvPr id="11" name="Group 10">
+          <p:cNvPr id="3" name="Group 2">
             <a:extLst>
               <a:ext uri="{FF2B5EF4-FFF2-40B4-BE49-F238E27FC236}">
-                <a16:creationId xmlns:a16="http://schemas.microsoft.com/office/drawing/2014/main" id="{FC77A4CF-69B1-42E0-A5C7-4F5020DA8309}"/>
+                <a16:creationId xmlns:a16="http://schemas.microsoft.com/office/drawing/2014/main" id="{A041B702-A5DF-45F1-B6FA-C78973A4A41F}"/>
               </a:ext>
             </a:extLst>
           </p:cNvPr>
@@ -11374,70 +11033,18 @@
         </p:nvGrpSpPr>
         <p:grpSpPr>
           <a:xfrm>
-            <a:off x="6279132" y="-451775"/>
-            <a:ext cx="5391309" cy="7604416"/>
-            <a:chOff x="6279132" y="-451775"/>
-            <a:chExt cx="5391309" cy="7604416"/>
+            <a:off x="626973" y="1346643"/>
+            <a:ext cx="11038986" cy="3681380"/>
+            <a:chOff x="1033993" y="1383671"/>
+            <a:chExt cx="11038986" cy="3681380"/>
           </a:xfrm>
         </p:grpSpPr>
-        <p:sp>
-          <p:nvSpPr>
-            <p:cNvPr id="157" name="Speech Bubble: Rectangle with Corners Rounded 156">
+        <p:grpSp>
+          <p:nvGrpSpPr>
+            <p:cNvPr id="140" name="Group 139">
               <a:extLst>
                 <a:ext uri="{FF2B5EF4-FFF2-40B4-BE49-F238E27FC236}">
-                  <a16:creationId xmlns:a16="http://schemas.microsoft.com/office/drawing/2014/main" id="{E0B5C370-0D42-4CB9-9498-D098BCBB8ED1}"/>
-                </a:ext>
-              </a:extLst>
-            </p:cNvPr>
-            <p:cNvSpPr/>
-            <p:nvPr/>
-          </p:nvSpPr>
-          <p:spPr>
-            <a:xfrm>
-              <a:off x="6279132" y="-451775"/>
-              <a:ext cx="5391309" cy="7604416"/>
-            </a:xfrm>
-            <a:prstGeom prst="wedgeRoundRectCallout">
-              <a:avLst>
-                <a:gd name="adj1" fmla="val -61474"/>
-                <a:gd name="adj2" fmla="val -20097"/>
-                <a:gd name="adj3" fmla="val 16667"/>
-              </a:avLst>
-            </a:prstGeom>
-            <a:noFill/>
-            <a:ln w="28575"/>
-          </p:spPr>
-          <p:style>
-            <a:lnRef idx="2">
-              <a:schemeClr val="accent1">
-                <a:shade val="50000"/>
-              </a:schemeClr>
-            </a:lnRef>
-            <a:fillRef idx="1">
-              <a:schemeClr val="accent1"/>
-            </a:fillRef>
-            <a:effectRef idx="0">
-              <a:schemeClr val="accent1"/>
-            </a:effectRef>
-            <a:fontRef idx="minor">
-              <a:schemeClr val="lt1"/>
-            </a:fontRef>
-          </p:style>
-          <p:txBody>
-            <a:bodyPr rtlCol="0" anchor="ctr"/>
-            <a:lstStyle/>
-            <a:p>
-              <a:pPr algn="ctr"/>
-              <a:endParaRPr lang="en-AU"/>
-            </a:p>
-          </p:txBody>
-        </p:sp>
-        <p:grpSp>
-          <p:nvGrpSpPr>
-            <p:cNvPr id="10" name="Group 9">
-              <a:extLst>
-                <a:ext uri="{FF2B5EF4-FFF2-40B4-BE49-F238E27FC236}">
-                  <a16:creationId xmlns:a16="http://schemas.microsoft.com/office/drawing/2014/main" id="{4289CC41-B567-47C5-BAA7-AED0D2CCF457}"/>
+                  <a16:creationId xmlns:a16="http://schemas.microsoft.com/office/drawing/2014/main" id="{F30FE6B1-D6BE-428E-913E-E4A332B2183A}"/>
                 </a:ext>
               </a:extLst>
             </p:cNvPr>
@@ -11446,18 +11053,234 @@
           </p:nvGrpSpPr>
           <p:grpSpPr>
             <a:xfrm>
-              <a:off x="8515882" y="3946321"/>
-              <a:ext cx="2576682" cy="3076030"/>
-              <a:chOff x="-190416" y="4525314"/>
-              <a:chExt cx="2576682" cy="3076030"/>
+              <a:off x="1033993" y="1383671"/>
+              <a:ext cx="4940758" cy="3681380"/>
+              <a:chOff x="1757705" y="1234628"/>
+              <a:chExt cx="4940758" cy="3681380"/>
             </a:xfrm>
           </p:grpSpPr>
+          <p:pic>
+            <p:nvPicPr>
+              <p:cNvPr id="75" name="Picture 74">
+                <a:extLst>
+                  <a:ext uri="{FF2B5EF4-FFF2-40B4-BE49-F238E27FC236}">
+                    <a16:creationId xmlns:a16="http://schemas.microsoft.com/office/drawing/2014/main" id="{B0B5EB17-8742-4758-B543-0ADB52F49E48}"/>
+                  </a:ext>
+                </a:extLst>
+              </p:cNvPr>
+              <p:cNvPicPr>
+                <a:picLocks noChangeAspect="1"/>
+              </p:cNvPicPr>
+              <p:nvPr/>
+            </p:nvPicPr>
+            <p:blipFill>
+              <a:blip r:embed="rId21">
+                <a:extLst>
+                  <a:ext uri="{28A0092B-C50C-407E-A947-70E740481C1C}">
+                    <a14:useLocalDpi xmlns:a14="http://schemas.microsoft.com/office/drawing/2010/main" val="0"/>
+                  </a:ext>
+                </a:extLst>
+              </a:blip>
+              <a:stretch>
+                <a:fillRect/>
+              </a:stretch>
+            </p:blipFill>
+            <p:spPr>
+              <a:xfrm>
+                <a:off x="5049954" y="1234628"/>
+                <a:ext cx="972000" cy="972000"/>
+              </a:xfrm>
+              <a:prstGeom prst="rect">
+                <a:avLst/>
+              </a:prstGeom>
+            </p:spPr>
+          </p:pic>
+          <p:pic>
+            <p:nvPicPr>
+              <p:cNvPr id="78" name="Picture 77">
+                <a:extLst>
+                  <a:ext uri="{FF2B5EF4-FFF2-40B4-BE49-F238E27FC236}">
+                    <a16:creationId xmlns:a16="http://schemas.microsoft.com/office/drawing/2014/main" id="{84025F08-5DDA-4AA2-800F-8467512829E2}"/>
+                  </a:ext>
+                </a:extLst>
+              </p:cNvPr>
+              <p:cNvPicPr>
+                <a:picLocks noChangeAspect="1"/>
+              </p:cNvPicPr>
+              <p:nvPr/>
+            </p:nvPicPr>
+            <p:blipFill>
+              <a:blip r:embed="rId4">
+                <a:extLst>
+                  <a:ext uri="{28A0092B-C50C-407E-A947-70E740481C1C}">
+                    <a14:useLocalDpi xmlns:a14="http://schemas.microsoft.com/office/drawing/2010/main" val="0"/>
+                  </a:ext>
+                </a:extLst>
+              </a:blip>
+              <a:stretch>
+                <a:fillRect/>
+              </a:stretch>
+            </p:blipFill>
+            <p:spPr>
+              <a:xfrm>
+                <a:off x="5071720" y="3687146"/>
+                <a:ext cx="952500" cy="952500"/>
+              </a:xfrm>
+              <a:prstGeom prst="rect">
+                <a:avLst/>
+              </a:prstGeom>
+            </p:spPr>
+          </p:pic>
+          <p:pic>
+            <p:nvPicPr>
+              <p:cNvPr id="79" name="Picture 78">
+                <a:extLst>
+                  <a:ext uri="{FF2B5EF4-FFF2-40B4-BE49-F238E27FC236}">
+                    <a16:creationId xmlns:a16="http://schemas.microsoft.com/office/drawing/2014/main" id="{6BB53989-87D7-457E-8BF6-AF5012646BFB}"/>
+                  </a:ext>
+                </a:extLst>
+              </p:cNvPr>
+              <p:cNvPicPr>
+                <a:picLocks noChangeAspect="1"/>
+              </p:cNvPicPr>
+              <p:nvPr/>
+            </p:nvPicPr>
+            <p:blipFill>
+              <a:blip r:embed="rId11">
+                <a:extLst>
+                  <a:ext uri="{28A0092B-C50C-407E-A947-70E740481C1C}">
+                    <a14:useLocalDpi xmlns:a14="http://schemas.microsoft.com/office/drawing/2010/main" val="0"/>
+                  </a:ext>
+                </a:extLst>
+              </a:blip>
+              <a:stretch>
+                <a:fillRect/>
+              </a:stretch>
+            </p:blipFill>
+            <p:spPr>
+              <a:xfrm>
+                <a:off x="1757705" y="1289340"/>
+                <a:ext cx="952500" cy="952500"/>
+              </a:xfrm>
+              <a:prstGeom prst="rect">
+                <a:avLst/>
+              </a:prstGeom>
+            </p:spPr>
+          </p:pic>
+          <p:pic>
+            <p:nvPicPr>
+              <p:cNvPr id="83" name="Picture 82">
+                <a:extLst>
+                  <a:ext uri="{FF2B5EF4-FFF2-40B4-BE49-F238E27FC236}">
+                    <a16:creationId xmlns:a16="http://schemas.microsoft.com/office/drawing/2014/main" id="{90B20DA1-20E3-4BD9-9D3E-548EBB3E4869}"/>
+                  </a:ext>
+                </a:extLst>
+              </p:cNvPr>
+              <p:cNvPicPr>
+                <a:picLocks noChangeAspect="1"/>
+              </p:cNvPicPr>
+              <p:nvPr/>
+            </p:nvPicPr>
+            <p:blipFill>
+              <a:blip r:embed="rId9">
+                <a:extLst>
+                  <a:ext uri="{28A0092B-C50C-407E-A947-70E740481C1C}">
+                    <a14:useLocalDpi xmlns:a14="http://schemas.microsoft.com/office/drawing/2010/main" val="0"/>
+                  </a:ext>
+                </a:extLst>
+              </a:blip>
+              <a:stretch>
+                <a:fillRect/>
+              </a:stretch>
+            </p:blipFill>
+            <p:spPr>
+              <a:xfrm rot="18944558">
+                <a:off x="3962538" y="1288770"/>
+                <a:ext cx="952500" cy="952500"/>
+              </a:xfrm>
+              <a:prstGeom prst="rect">
+                <a:avLst/>
+              </a:prstGeom>
+            </p:spPr>
+          </p:pic>
+          <p:pic>
+            <p:nvPicPr>
+              <p:cNvPr id="84" name="Picture 83">
+                <a:extLst>
+                  <a:ext uri="{FF2B5EF4-FFF2-40B4-BE49-F238E27FC236}">
+                    <a16:creationId xmlns:a16="http://schemas.microsoft.com/office/drawing/2014/main" id="{692774C4-115F-4519-92B5-3DE6A3581333}"/>
+                  </a:ext>
+                </a:extLst>
+              </p:cNvPr>
+              <p:cNvPicPr>
+                <a:picLocks noChangeAspect="1"/>
+              </p:cNvPicPr>
+              <p:nvPr/>
+            </p:nvPicPr>
+            <p:blipFill>
+              <a:blip r:embed="rId7">
+                <a:extLst>
+                  <a:ext uri="{28A0092B-C50C-407E-A947-70E740481C1C}">
+                    <a14:useLocalDpi xmlns:a14="http://schemas.microsoft.com/office/drawing/2010/main" val="0"/>
+                  </a:ext>
+                </a:extLst>
+              </a:blip>
+              <a:stretch>
+                <a:fillRect/>
+              </a:stretch>
+            </p:blipFill>
+            <p:spPr>
+              <a:xfrm>
+                <a:off x="2765650" y="1289340"/>
+                <a:ext cx="952500" cy="952500"/>
+              </a:xfrm>
+              <a:prstGeom prst="rect">
+                <a:avLst/>
+              </a:prstGeom>
+            </p:spPr>
+          </p:pic>
+          <p:pic>
+            <p:nvPicPr>
+              <p:cNvPr id="86" name="Picture 85">
+                <a:extLst>
+                  <a:ext uri="{FF2B5EF4-FFF2-40B4-BE49-F238E27FC236}">
+                    <a16:creationId xmlns:a16="http://schemas.microsoft.com/office/drawing/2014/main" id="{31D7698A-45CE-45CD-84B1-31883E46C742}"/>
+                  </a:ext>
+                </a:extLst>
+              </p:cNvPr>
+              <p:cNvPicPr>
+                <a:picLocks noChangeAspect="1"/>
+              </p:cNvPicPr>
+              <p:nvPr/>
+            </p:nvPicPr>
+            <p:blipFill>
+              <a:blip r:embed="rId9">
+                <a:extLst>
+                  <a:ext uri="{28A0092B-C50C-407E-A947-70E740481C1C}">
+                    <a14:useLocalDpi xmlns:a14="http://schemas.microsoft.com/office/drawing/2010/main" val="0"/>
+                  </a:ext>
+                </a:extLst>
+              </a:blip>
+              <a:stretch>
+                <a:fillRect/>
+              </a:stretch>
+            </p:blipFill>
+            <p:spPr>
+              <a:xfrm rot="2768651">
+                <a:off x="5071720" y="2595342"/>
+                <a:ext cx="952500" cy="952500"/>
+              </a:xfrm>
+              <a:prstGeom prst="rect">
+                <a:avLst/>
+              </a:prstGeom>
+            </p:spPr>
+          </p:pic>
           <p:sp>
             <p:nvSpPr>
-              <p:cNvPr id="158" name="TextBox 157">
+              <p:cNvPr id="136" name="TextBox 135">
                 <a:extLst>
                   <a:ext uri="{FF2B5EF4-FFF2-40B4-BE49-F238E27FC236}">
-                    <a16:creationId xmlns:a16="http://schemas.microsoft.com/office/drawing/2014/main" id="{D9F91EA9-CF8D-47F8-8A1E-DCB49ECCE104}"/>
+                    <a16:creationId xmlns:a16="http://schemas.microsoft.com/office/drawing/2014/main" id="{2B7B3F21-9CE0-4EF6-99C8-45991ECC7BC2}"/>
                   </a:ext>
                 </a:extLst>
               </p:cNvPr>
@@ -11466,8 +11289,8 @@
             </p:nvSpPr>
             <p:spPr>
               <a:xfrm>
-                <a:off x="1260358" y="5477685"/>
-                <a:ext cx="319327" cy="2123658"/>
+                <a:off x="4603459" y="2212158"/>
+                <a:ext cx="1846351" cy="369332"/>
               </a:xfrm>
               <a:prstGeom prst="rect">
                 <a:avLst/>
@@ -11480,60 +11303,20 @@
               </a:bodyPr>
               <a:lstStyle/>
               <a:p>
-                <a:pPr algn="r"/>
+                <a:pPr algn="ctr"/>
                 <a:r>
-                  <a:rPr lang="en-AU" sz="2200" dirty="0"/>
-                  <a:t>1</a:t>
+                  <a:rPr lang="en-AU" dirty="0"/>
+                  <a:t>EBS shiny server</a:t>
                 </a:r>
-              </a:p>
-              <a:p>
-                <a:pPr algn="r"/>
-                <a:r>
-                  <a:rPr lang="en-US" sz="2200" dirty="0"/>
-                  <a:t>2</a:t>
-                </a:r>
-                <a:endParaRPr lang="en-AU" sz="2200" dirty="0"/>
-              </a:p>
-              <a:p>
-                <a:pPr algn="r"/>
-                <a:r>
-                  <a:rPr lang="en-US" sz="2200" dirty="0"/>
-                  <a:t>3</a:t>
-                </a:r>
-                <a:endParaRPr lang="en-AU" sz="2200" dirty="0"/>
-              </a:p>
-              <a:p>
-                <a:pPr algn="r"/>
-                <a:r>
-                  <a:rPr lang="en-US" sz="2200" dirty="0"/>
-                  <a:t>4</a:t>
-                </a:r>
-                <a:endParaRPr lang="en-AU" sz="2200" dirty="0"/>
-              </a:p>
-              <a:p>
-                <a:pPr algn="r"/>
-                <a:r>
-                  <a:rPr lang="en-US" sz="2200" dirty="0"/>
-                  <a:t>5</a:t>
-                </a:r>
-                <a:endParaRPr lang="en-AU" sz="2200" dirty="0"/>
-              </a:p>
-              <a:p>
-                <a:pPr algn="r"/>
-                <a:r>
-                  <a:rPr lang="en-US" sz="2200" dirty="0"/>
-                  <a:t>6</a:t>
-                </a:r>
-                <a:endParaRPr lang="en-AU" sz="2200" dirty="0"/>
               </a:p>
             </p:txBody>
           </p:sp>
           <p:sp>
             <p:nvSpPr>
-              <p:cNvPr id="76" name="TextBox 75">
+              <p:cNvPr id="138" name="TextBox 137">
                 <a:extLst>
                   <a:ext uri="{FF2B5EF4-FFF2-40B4-BE49-F238E27FC236}">
-                    <a16:creationId xmlns:a16="http://schemas.microsoft.com/office/drawing/2014/main" id="{0D303BDD-EDD9-418C-8FD6-84E8B22E048B}"/>
+                    <a16:creationId xmlns:a16="http://schemas.microsoft.com/office/drawing/2014/main" id="{70C24C99-509D-4CE1-A0D2-678D4F308AD6}"/>
                   </a:ext>
                 </a:extLst>
               </p:cNvPr>
@@ -11541,9 +11324,9 @@
               <p:nvPr/>
             </p:nvSpPr>
             <p:spPr>
-              <a:xfrm rot="16200000">
-                <a:off x="1525296" y="4616843"/>
-                <a:ext cx="952499" cy="769441"/>
+              <a:xfrm>
+                <a:off x="4354805" y="4546676"/>
+                <a:ext cx="2343658" cy="369332"/>
               </a:xfrm>
               <a:prstGeom prst="rect">
                 <a:avLst/>
@@ -11556,25 +11339,20 @@
               </a:bodyPr>
               <a:lstStyle/>
               <a:p>
+                <a:pPr algn="ctr"/>
                 <a:r>
-                  <a:rPr lang="en-AU" sz="2200" dirty="0"/>
-                  <a:t>task 1</a:t>
-                </a:r>
-              </a:p>
-              <a:p>
-                <a:r>
-                  <a:rPr lang="en-AU" sz="2200" dirty="0"/>
-                  <a:t>task 2</a:t>
+                  <a:rPr lang="en-AU" dirty="0"/>
+                  <a:t>Previous responses</a:t>
                 </a:r>
               </a:p>
             </p:txBody>
           </p:sp>
           <p:sp>
             <p:nvSpPr>
-              <p:cNvPr id="80" name="TextBox 79">
+              <p:cNvPr id="139" name="TextBox 138">
                 <a:extLst>
                   <a:ext uri="{FF2B5EF4-FFF2-40B4-BE49-F238E27FC236}">
-                    <a16:creationId xmlns:a16="http://schemas.microsoft.com/office/drawing/2014/main" id="{5C345D2A-8F5E-414E-B59C-D8BBF94738F1}"/>
+                    <a16:creationId xmlns:a16="http://schemas.microsoft.com/office/drawing/2014/main" id="{A26891B8-256C-4273-AAF7-6188156B3C09}"/>
                   </a:ext>
                 </a:extLst>
               </p:cNvPr>
@@ -11583,8 +11361,8 @@
             </p:nvSpPr>
             <p:spPr>
               <a:xfrm>
-                <a:off x="-190416" y="4687590"/>
-                <a:ext cx="1805816" cy="769441"/>
+                <a:off x="1810150" y="2343292"/>
+                <a:ext cx="1908000" cy="646331"/>
               </a:xfrm>
               <a:prstGeom prst="rect">
                 <a:avLst/>
@@ -11597,113 +11375,48 @@
               </a:bodyPr>
               <a:lstStyle/>
               <a:p>
-                <a:pPr algn="r"/>
+                <a:pPr algn="ctr"/>
                 <a:r>
-                  <a:rPr lang="en-AU" sz="2200" dirty="0"/>
-                  <a:t>VC order</a:t>
+                  <a:rPr lang="en-AU" dirty="0"/>
+                  <a:t>Participant, </a:t>
                 </a:r>
               </a:p>
               <a:p>
-                <a:pPr algn="r"/>
+                <a:pPr algn="ctr"/>
                 <a:r>
-                  <a:rPr lang="en-AU" sz="2200" dirty="0"/>
-                  <a:t>permutations</a:t>
+                  <a:rPr lang="en-AU" dirty="0"/>
+                  <a:t>own computer</a:t>
                 </a:r>
               </a:p>
             </p:txBody>
           </p:sp>
-          <p:cxnSp>
-            <p:nvCxnSpPr>
-              <p:cNvPr id="82" name="Straight Connector 81">
+        </p:grpSp>
+        <p:grpSp>
+          <p:nvGrpSpPr>
+            <p:cNvPr id="2" name="Group 1">
+              <a:extLst>
+                <a:ext uri="{FF2B5EF4-FFF2-40B4-BE49-F238E27FC236}">
+                  <a16:creationId xmlns:a16="http://schemas.microsoft.com/office/drawing/2014/main" id="{418B9757-E19E-4F55-916F-E5A7AE84B3ED}"/>
+                </a:ext>
+              </a:extLst>
+            </p:cNvPr>
+            <p:cNvGrpSpPr/>
+            <p:nvPr/>
+          </p:nvGrpSpPr>
+          <p:grpSpPr>
+            <a:xfrm>
+              <a:off x="6204908" y="1660668"/>
+              <a:ext cx="5868071" cy="2757003"/>
+              <a:chOff x="6204908" y="1660668"/>
+              <a:chExt cx="5868071" cy="2757003"/>
+            </a:xfrm>
+          </p:grpSpPr>
+          <p:sp>
+            <p:nvSpPr>
+              <p:cNvPr id="157" name="Speech Bubble: Rectangle with Corners Rounded 156">
                 <a:extLst>
                   <a:ext uri="{FF2B5EF4-FFF2-40B4-BE49-F238E27FC236}">
-                    <a16:creationId xmlns:a16="http://schemas.microsoft.com/office/drawing/2014/main" id="{13A95C91-AB38-46AB-BD46-6DD2F90BCC65}"/>
-                  </a:ext>
-                </a:extLst>
-              </p:cNvPr>
-              <p:cNvCxnSpPr>
-                <a:cxnSpLocks/>
-              </p:cNvCxnSpPr>
-              <p:nvPr/>
-            </p:nvCxnSpPr>
-            <p:spPr>
-              <a:xfrm>
-                <a:off x="-31935" y="5477685"/>
-                <a:ext cx="2336163" cy="0"/>
-              </a:xfrm>
-              <a:prstGeom prst="line">
-                <a:avLst/>
-              </a:prstGeom>
-              <a:ln w="28575">
-                <a:solidFill>
-                  <a:schemeClr val="tx1"/>
-                </a:solidFill>
-              </a:ln>
-            </p:spPr>
-            <p:style>
-              <a:lnRef idx="1">
-                <a:schemeClr val="accent1"/>
-              </a:lnRef>
-              <a:fillRef idx="0">
-                <a:schemeClr val="accent1"/>
-              </a:fillRef>
-              <a:effectRef idx="0">
-                <a:schemeClr val="accent1"/>
-              </a:effectRef>
-              <a:fontRef idx="minor">
-                <a:schemeClr val="tx1"/>
-              </a:fontRef>
-            </p:style>
-          </p:cxnSp>
-          <p:cxnSp>
-            <p:nvCxnSpPr>
-              <p:cNvPr id="92" name="Straight Connector 91">
-                <a:extLst>
-                  <a:ext uri="{FF2B5EF4-FFF2-40B4-BE49-F238E27FC236}">
-                    <a16:creationId xmlns:a16="http://schemas.microsoft.com/office/drawing/2014/main" id="{C3BE3117-2E59-4345-8BA3-8C4D57EF04D5}"/>
-                  </a:ext>
-                </a:extLst>
-              </p:cNvPr>
-              <p:cNvCxnSpPr>
-                <a:cxnSpLocks/>
-              </p:cNvCxnSpPr>
-              <p:nvPr/>
-            </p:nvCxnSpPr>
-            <p:spPr>
-              <a:xfrm flipV="1">
-                <a:off x="1579685" y="4717656"/>
-                <a:ext cx="25901" cy="2883688"/>
-              </a:xfrm>
-              <a:prstGeom prst="line">
-                <a:avLst/>
-              </a:prstGeom>
-              <a:ln w="28575">
-                <a:solidFill>
-                  <a:schemeClr val="tx1"/>
-                </a:solidFill>
-              </a:ln>
-            </p:spPr>
-            <p:style>
-              <a:lnRef idx="1">
-                <a:schemeClr val="accent1"/>
-              </a:lnRef>
-              <a:fillRef idx="0">
-                <a:schemeClr val="accent1"/>
-              </a:fillRef>
-              <a:effectRef idx="0">
-                <a:schemeClr val="accent1"/>
-              </a:effectRef>
-              <a:fontRef idx="minor">
-                <a:schemeClr val="tx1"/>
-              </a:fontRef>
-            </p:style>
-          </p:cxnSp>
-          <p:sp>
-            <p:nvSpPr>
-              <p:cNvPr id="93" name="Rectangle: Rounded Corners 92">
-                <a:extLst>
-                  <a:ext uri="{FF2B5EF4-FFF2-40B4-BE49-F238E27FC236}">
-                    <a16:creationId xmlns:a16="http://schemas.microsoft.com/office/drawing/2014/main" id="{76D178BB-DE9E-45BC-BA4B-E54A892C8DBF}"/>
+                    <a16:creationId xmlns:a16="http://schemas.microsoft.com/office/drawing/2014/main" id="{E0B5C370-0D42-4CB9-9498-D098BCBB8ED1}"/>
                   </a:ext>
                 </a:extLst>
               </p:cNvPr>
@@ -11712,76 +11425,18 @@
             </p:nvSpPr>
             <p:spPr>
               <a:xfrm>
-                <a:off x="1656912" y="5533108"/>
-                <a:ext cx="288000" cy="288000"/>
+                <a:off x="6204908" y="1660668"/>
+                <a:ext cx="5745953" cy="2757003"/>
               </a:xfrm>
-              <a:prstGeom prst="roundRect">
-                <a:avLst/>
-              </a:prstGeom>
-              <a:solidFill>
-                <a:srgbClr val="7030A0"/>
-              </a:solidFill>
-              <a:ln>
-                <a:solidFill>
-                  <a:schemeClr val="tx1"/>
-                </a:solidFill>
-              </a:ln>
-            </p:spPr>
-            <p:style>
-              <a:lnRef idx="2">
-                <a:schemeClr val="accent2">
-                  <a:shade val="50000"/>
-                </a:schemeClr>
-              </a:lnRef>
-              <a:fillRef idx="1">
-                <a:schemeClr val="accent2"/>
-              </a:fillRef>
-              <a:effectRef idx="0">
-                <a:schemeClr val="accent2"/>
-              </a:effectRef>
-              <a:fontRef idx="minor">
-                <a:schemeClr val="lt1"/>
-              </a:fontRef>
-            </p:style>
-            <p:txBody>
-              <a:bodyPr rtlCol="0" anchor="ctr"/>
-              <a:lstStyle/>
-              <a:p>
-                <a:pPr algn="ctr"/>
-                <a:r>
-                  <a:rPr lang="en-US" sz="2200" dirty="0"/>
-                  <a:t>1</a:t>
-                </a:r>
-                <a:endParaRPr lang="en-AU" sz="2200" dirty="0"/>
-              </a:p>
-            </p:txBody>
-          </p:sp>
-          <p:sp>
-            <p:nvSpPr>
-              <p:cNvPr id="126" name="Rectangle: Rounded Corners 125">
-                <a:extLst>
-                  <a:ext uri="{FF2B5EF4-FFF2-40B4-BE49-F238E27FC236}">
-                    <a16:creationId xmlns:a16="http://schemas.microsoft.com/office/drawing/2014/main" id="{B88928B6-E9E6-4AD0-8785-5F00BD5AC109}"/>
-                  </a:ext>
-                </a:extLst>
-              </p:cNvPr>
-              <p:cNvSpPr/>
-              <p:nvPr/>
-            </p:nvSpPr>
-            <p:spPr>
-              <a:xfrm>
-                <a:off x="1302138" y="5852662"/>
-                <a:ext cx="1022129" cy="349319"/>
-              </a:xfrm>
-              <a:prstGeom prst="roundRect">
-                <a:avLst/>
+              <a:prstGeom prst="wedgeRoundRectCallout">
+                <a:avLst>
+                  <a:gd name="adj1" fmla="val -63311"/>
+                  <a:gd name="adj2" fmla="val -36565"/>
+                  <a:gd name="adj3" fmla="val 16667"/>
+                </a:avLst>
               </a:prstGeom>
               <a:noFill/>
-              <a:ln w="28575">
-                <a:solidFill>
-                  <a:srgbClr val="FF0000"/>
-                </a:solidFill>
-              </a:ln>
+              <a:ln w="28575"/>
             </p:spPr>
             <p:style>
               <a:lnRef idx="2">
@@ -11810,677 +11465,10 @@
           </p:sp>
           <p:sp>
             <p:nvSpPr>
-              <p:cNvPr id="129" name="Rectangle: Rounded Corners 128">
+              <p:cNvPr id="215" name="TextBox 214">
                 <a:extLst>
                   <a:ext uri="{FF2B5EF4-FFF2-40B4-BE49-F238E27FC236}">
-                    <a16:creationId xmlns:a16="http://schemas.microsoft.com/office/drawing/2014/main" id="{4B47D703-5C8D-4C1C-A636-8926D8B72C91}"/>
-                  </a:ext>
-                </a:extLst>
-              </p:cNvPr>
-              <p:cNvSpPr/>
-              <p:nvPr/>
-            </p:nvSpPr>
-            <p:spPr>
-              <a:xfrm>
-                <a:off x="1994428" y="5533108"/>
-                <a:ext cx="288000" cy="288000"/>
-              </a:xfrm>
-              <a:prstGeom prst="roundRect">
-                <a:avLst/>
-              </a:prstGeom>
-              <a:solidFill>
-                <a:schemeClr val="accent6">
-                  <a:lumMod val="75000"/>
-                </a:schemeClr>
-              </a:solidFill>
-              <a:ln>
-                <a:solidFill>
-                  <a:schemeClr val="tx1"/>
-                </a:solidFill>
-              </a:ln>
-            </p:spPr>
-            <p:style>
-              <a:lnRef idx="2">
-                <a:schemeClr val="accent1">
-                  <a:shade val="50000"/>
-                </a:schemeClr>
-              </a:lnRef>
-              <a:fillRef idx="1">
-                <a:schemeClr val="accent1"/>
-              </a:fillRef>
-              <a:effectRef idx="0">
-                <a:schemeClr val="accent1"/>
-              </a:effectRef>
-              <a:fontRef idx="minor">
-                <a:schemeClr val="lt1"/>
-              </a:fontRef>
-            </p:style>
-            <p:txBody>
-              <a:bodyPr rtlCol="0" anchor="ctr"/>
-              <a:lstStyle/>
-              <a:p>
-                <a:pPr algn="ctr"/>
-                <a:r>
-                  <a:rPr lang="en-US" sz="2200" dirty="0"/>
-                  <a:t>2</a:t>
-                </a:r>
-                <a:endParaRPr lang="en-AU" sz="2200" dirty="0"/>
-              </a:p>
-            </p:txBody>
-          </p:sp>
-          <p:sp>
-            <p:nvSpPr>
-              <p:cNvPr id="130" name="Rectangle: Rounded Corners 129">
-                <a:extLst>
-                  <a:ext uri="{FF2B5EF4-FFF2-40B4-BE49-F238E27FC236}">
-                    <a16:creationId xmlns:a16="http://schemas.microsoft.com/office/drawing/2014/main" id="{C19BD0F0-EACA-4582-A8C6-3D6622A974AB}"/>
-                  </a:ext>
-                </a:extLst>
-              </p:cNvPr>
-              <p:cNvSpPr/>
-              <p:nvPr/>
-            </p:nvSpPr>
-            <p:spPr>
-              <a:xfrm>
-                <a:off x="1990294" y="5887711"/>
-                <a:ext cx="288000" cy="288000"/>
-              </a:xfrm>
-              <a:prstGeom prst="roundRect">
-                <a:avLst/>
-              </a:prstGeom>
-              <a:solidFill>
-                <a:srgbClr val="C00000"/>
-              </a:solidFill>
-              <a:ln>
-                <a:solidFill>
-                  <a:schemeClr val="tx1"/>
-                </a:solidFill>
-              </a:ln>
-            </p:spPr>
-            <p:style>
-              <a:lnRef idx="2">
-                <a:schemeClr val="accent1">
-                  <a:shade val="50000"/>
-                </a:schemeClr>
-              </a:lnRef>
-              <a:fillRef idx="1">
-                <a:schemeClr val="accent1"/>
-              </a:fillRef>
-              <a:effectRef idx="0">
-                <a:schemeClr val="accent1"/>
-              </a:effectRef>
-              <a:fontRef idx="minor">
-                <a:schemeClr val="lt1"/>
-              </a:fontRef>
-            </p:style>
-            <p:txBody>
-              <a:bodyPr rtlCol="0" anchor="ctr"/>
-              <a:lstStyle/>
-              <a:p>
-                <a:pPr algn="ctr"/>
-                <a:r>
-                  <a:rPr lang="en-US" sz="2200" dirty="0"/>
-                  <a:t>3</a:t>
-                </a:r>
-                <a:endParaRPr lang="en-AU" sz="2200" dirty="0"/>
-              </a:p>
-            </p:txBody>
-          </p:sp>
-          <p:sp>
-            <p:nvSpPr>
-              <p:cNvPr id="142" name="Rectangle: Rounded Corners 141">
-                <a:extLst>
-                  <a:ext uri="{FF2B5EF4-FFF2-40B4-BE49-F238E27FC236}">
-                    <a16:creationId xmlns:a16="http://schemas.microsoft.com/office/drawing/2014/main" id="{61FAA038-F081-419A-A58B-97E2FD175B23}"/>
-                  </a:ext>
-                </a:extLst>
-              </p:cNvPr>
-              <p:cNvSpPr/>
-              <p:nvPr/>
-            </p:nvSpPr>
-            <p:spPr>
-              <a:xfrm>
-                <a:off x="1652836" y="5887711"/>
-                <a:ext cx="288000" cy="288000"/>
-              </a:xfrm>
-              <a:prstGeom prst="roundRect">
-                <a:avLst/>
-              </a:prstGeom>
-              <a:solidFill>
-                <a:srgbClr val="7030A0"/>
-              </a:solidFill>
-              <a:ln>
-                <a:solidFill>
-                  <a:schemeClr val="tx1"/>
-                </a:solidFill>
-              </a:ln>
-            </p:spPr>
-            <p:style>
-              <a:lnRef idx="2">
-                <a:schemeClr val="accent2">
-                  <a:shade val="50000"/>
-                </a:schemeClr>
-              </a:lnRef>
-              <a:fillRef idx="1">
-                <a:schemeClr val="accent2"/>
-              </a:fillRef>
-              <a:effectRef idx="0">
-                <a:schemeClr val="accent2"/>
-              </a:effectRef>
-              <a:fontRef idx="minor">
-                <a:schemeClr val="lt1"/>
-              </a:fontRef>
-            </p:style>
-            <p:txBody>
-              <a:bodyPr rtlCol="0" anchor="ctr"/>
-              <a:lstStyle/>
-              <a:p>
-                <a:pPr algn="ctr"/>
-                <a:r>
-                  <a:rPr lang="en-US" sz="2200" dirty="0"/>
-                  <a:t>1</a:t>
-                </a:r>
-                <a:endParaRPr lang="en-AU" sz="2200" dirty="0"/>
-              </a:p>
-            </p:txBody>
-          </p:sp>
-          <p:sp>
-            <p:nvSpPr>
-              <p:cNvPr id="143" name="Rectangle: Rounded Corners 142">
-                <a:extLst>
-                  <a:ext uri="{FF2B5EF4-FFF2-40B4-BE49-F238E27FC236}">
-                    <a16:creationId xmlns:a16="http://schemas.microsoft.com/office/drawing/2014/main" id="{24B97B35-E344-4BC5-AE5D-FC23EADE79B4}"/>
-                  </a:ext>
-                </a:extLst>
-              </p:cNvPr>
-              <p:cNvSpPr/>
-              <p:nvPr/>
-            </p:nvSpPr>
-            <p:spPr>
-              <a:xfrm>
-                <a:off x="1657892" y="6228661"/>
-                <a:ext cx="288000" cy="288000"/>
-              </a:xfrm>
-              <a:prstGeom prst="roundRect">
-                <a:avLst/>
-              </a:prstGeom>
-              <a:solidFill>
-                <a:schemeClr val="accent6">
-                  <a:lumMod val="75000"/>
-                </a:schemeClr>
-              </a:solidFill>
-              <a:ln>
-                <a:solidFill>
-                  <a:schemeClr val="tx1"/>
-                </a:solidFill>
-              </a:ln>
-            </p:spPr>
-            <p:style>
-              <a:lnRef idx="2">
-                <a:schemeClr val="accent1">
-                  <a:shade val="50000"/>
-                </a:schemeClr>
-              </a:lnRef>
-              <a:fillRef idx="1">
-                <a:schemeClr val="accent1"/>
-              </a:fillRef>
-              <a:effectRef idx="0">
-                <a:schemeClr val="accent1"/>
-              </a:effectRef>
-              <a:fontRef idx="minor">
-                <a:schemeClr val="lt1"/>
-              </a:fontRef>
-            </p:style>
-            <p:txBody>
-              <a:bodyPr rtlCol="0" anchor="ctr"/>
-              <a:lstStyle/>
-              <a:p>
-                <a:pPr algn="ctr"/>
-                <a:r>
-                  <a:rPr lang="en-US" sz="2200" dirty="0"/>
-                  <a:t>2</a:t>
-                </a:r>
-                <a:endParaRPr lang="en-AU" sz="2200" dirty="0"/>
-              </a:p>
-            </p:txBody>
-          </p:sp>
-          <p:sp>
-            <p:nvSpPr>
-              <p:cNvPr id="144" name="Rectangle: Rounded Corners 143">
-                <a:extLst>
-                  <a:ext uri="{FF2B5EF4-FFF2-40B4-BE49-F238E27FC236}">
-                    <a16:creationId xmlns:a16="http://schemas.microsoft.com/office/drawing/2014/main" id="{3AFF2609-55EC-4AE0-9230-642506CFB49E}"/>
-                  </a:ext>
-                </a:extLst>
-              </p:cNvPr>
-              <p:cNvSpPr/>
-              <p:nvPr/>
-            </p:nvSpPr>
-            <p:spPr>
-              <a:xfrm>
-                <a:off x="1657261" y="6550561"/>
-                <a:ext cx="288000" cy="288000"/>
-              </a:xfrm>
-              <a:prstGeom prst="roundRect">
-                <a:avLst/>
-              </a:prstGeom>
-              <a:solidFill>
-                <a:schemeClr val="accent6">
-                  <a:lumMod val="75000"/>
-                </a:schemeClr>
-              </a:solidFill>
-              <a:ln>
-                <a:solidFill>
-                  <a:schemeClr val="tx1"/>
-                </a:solidFill>
-              </a:ln>
-            </p:spPr>
-            <p:style>
-              <a:lnRef idx="2">
-                <a:schemeClr val="accent1">
-                  <a:shade val="50000"/>
-                </a:schemeClr>
-              </a:lnRef>
-              <a:fillRef idx="1">
-                <a:schemeClr val="accent1"/>
-              </a:fillRef>
-              <a:effectRef idx="0">
-                <a:schemeClr val="accent1"/>
-              </a:effectRef>
-              <a:fontRef idx="minor">
-                <a:schemeClr val="lt1"/>
-              </a:fontRef>
-            </p:style>
-            <p:txBody>
-              <a:bodyPr rtlCol="0" anchor="ctr"/>
-              <a:lstStyle/>
-              <a:p>
-                <a:pPr algn="ctr"/>
-                <a:r>
-                  <a:rPr lang="en-US" sz="2200" dirty="0"/>
-                  <a:t>2</a:t>
-                </a:r>
-                <a:endParaRPr lang="en-AU" sz="2200" dirty="0"/>
-              </a:p>
-            </p:txBody>
-          </p:sp>
-          <p:sp>
-            <p:nvSpPr>
-              <p:cNvPr id="146" name="Rectangle: Rounded Corners 145">
-                <a:extLst>
-                  <a:ext uri="{FF2B5EF4-FFF2-40B4-BE49-F238E27FC236}">
-                    <a16:creationId xmlns:a16="http://schemas.microsoft.com/office/drawing/2014/main" id="{381F1431-E1C6-45B2-B6AE-ED9C169F22BA}"/>
-                  </a:ext>
-                </a:extLst>
-              </p:cNvPr>
-              <p:cNvSpPr/>
-              <p:nvPr/>
-            </p:nvSpPr>
-            <p:spPr>
-              <a:xfrm>
-                <a:off x="1652836" y="6885663"/>
-                <a:ext cx="288000" cy="288000"/>
-              </a:xfrm>
-              <a:prstGeom prst="roundRect">
-                <a:avLst/>
-              </a:prstGeom>
-              <a:solidFill>
-                <a:srgbClr val="C00000"/>
-              </a:solidFill>
-              <a:ln>
-                <a:solidFill>
-                  <a:schemeClr val="tx1"/>
-                </a:solidFill>
-              </a:ln>
-            </p:spPr>
-            <p:style>
-              <a:lnRef idx="2">
-                <a:schemeClr val="accent1">
-                  <a:shade val="50000"/>
-                </a:schemeClr>
-              </a:lnRef>
-              <a:fillRef idx="1">
-                <a:schemeClr val="accent1"/>
-              </a:fillRef>
-              <a:effectRef idx="0">
-                <a:schemeClr val="accent1"/>
-              </a:effectRef>
-              <a:fontRef idx="minor">
-                <a:schemeClr val="lt1"/>
-              </a:fontRef>
-            </p:style>
-            <p:txBody>
-              <a:bodyPr rtlCol="0" anchor="ctr"/>
-              <a:lstStyle/>
-              <a:p>
-                <a:pPr algn="ctr"/>
-                <a:r>
-                  <a:rPr lang="en-US" sz="2200" dirty="0"/>
-                  <a:t>3</a:t>
-                </a:r>
-                <a:endParaRPr lang="en-AU" sz="2200" dirty="0"/>
-              </a:p>
-            </p:txBody>
-          </p:sp>
-          <p:sp>
-            <p:nvSpPr>
-              <p:cNvPr id="148" name="Rectangle: Rounded Corners 147">
-                <a:extLst>
-                  <a:ext uri="{FF2B5EF4-FFF2-40B4-BE49-F238E27FC236}">
-                    <a16:creationId xmlns:a16="http://schemas.microsoft.com/office/drawing/2014/main" id="{C44E3078-E253-43A6-BF3A-E239B496977F}"/>
-                  </a:ext>
-                </a:extLst>
-              </p:cNvPr>
-              <p:cNvSpPr/>
-              <p:nvPr/>
-            </p:nvSpPr>
-            <p:spPr>
-              <a:xfrm>
-                <a:off x="1652833" y="7229919"/>
-                <a:ext cx="288000" cy="288000"/>
-              </a:xfrm>
-              <a:prstGeom prst="roundRect">
-                <a:avLst/>
-              </a:prstGeom>
-              <a:solidFill>
-                <a:srgbClr val="C00000"/>
-              </a:solidFill>
-              <a:ln>
-                <a:solidFill>
-                  <a:schemeClr val="tx1"/>
-                </a:solidFill>
-              </a:ln>
-            </p:spPr>
-            <p:style>
-              <a:lnRef idx="2">
-                <a:schemeClr val="accent1">
-                  <a:shade val="50000"/>
-                </a:schemeClr>
-              </a:lnRef>
-              <a:fillRef idx="1">
-                <a:schemeClr val="accent1"/>
-              </a:fillRef>
-              <a:effectRef idx="0">
-                <a:schemeClr val="accent1"/>
-              </a:effectRef>
-              <a:fontRef idx="minor">
-                <a:schemeClr val="lt1"/>
-              </a:fontRef>
-            </p:style>
-            <p:txBody>
-              <a:bodyPr rtlCol="0" anchor="ctr"/>
-              <a:lstStyle/>
-              <a:p>
-                <a:pPr algn="ctr"/>
-                <a:r>
-                  <a:rPr lang="en-US" sz="2200" dirty="0"/>
-                  <a:t>3</a:t>
-                </a:r>
-                <a:endParaRPr lang="en-AU" sz="2200" dirty="0"/>
-              </a:p>
-            </p:txBody>
-          </p:sp>
-          <p:sp>
-            <p:nvSpPr>
-              <p:cNvPr id="150" name="Rectangle: Rounded Corners 149">
-                <a:extLst>
-                  <a:ext uri="{FF2B5EF4-FFF2-40B4-BE49-F238E27FC236}">
-                    <a16:creationId xmlns:a16="http://schemas.microsoft.com/office/drawing/2014/main" id="{3DC8D0EA-DBF3-42AC-9D8B-26982FFCB0BC}"/>
-                  </a:ext>
-                </a:extLst>
-              </p:cNvPr>
-              <p:cNvSpPr/>
-              <p:nvPr/>
-            </p:nvSpPr>
-            <p:spPr>
-              <a:xfrm>
-                <a:off x="1998198" y="6222311"/>
-                <a:ext cx="288000" cy="288000"/>
-              </a:xfrm>
-              <a:prstGeom prst="roundRect">
-                <a:avLst/>
-              </a:prstGeom>
-              <a:solidFill>
-                <a:srgbClr val="C00000"/>
-              </a:solidFill>
-              <a:ln>
-                <a:solidFill>
-                  <a:schemeClr val="tx1"/>
-                </a:solidFill>
-              </a:ln>
-            </p:spPr>
-            <p:style>
-              <a:lnRef idx="2">
-                <a:schemeClr val="accent1">
-                  <a:shade val="50000"/>
-                </a:schemeClr>
-              </a:lnRef>
-              <a:fillRef idx="1">
-                <a:schemeClr val="accent1"/>
-              </a:fillRef>
-              <a:effectRef idx="0">
-                <a:schemeClr val="accent1"/>
-              </a:effectRef>
-              <a:fontRef idx="minor">
-                <a:schemeClr val="lt1"/>
-              </a:fontRef>
-            </p:style>
-            <p:txBody>
-              <a:bodyPr rtlCol="0" anchor="ctr"/>
-              <a:lstStyle/>
-              <a:p>
-                <a:pPr algn="ctr"/>
-                <a:r>
-                  <a:rPr lang="en-US" sz="2200" dirty="0"/>
-                  <a:t>3</a:t>
-                </a:r>
-                <a:endParaRPr lang="en-AU" sz="2200" dirty="0"/>
-              </a:p>
-            </p:txBody>
-          </p:sp>
-          <p:sp>
-            <p:nvSpPr>
-              <p:cNvPr id="151" name="Rectangle: Rounded Corners 150">
-                <a:extLst>
-                  <a:ext uri="{FF2B5EF4-FFF2-40B4-BE49-F238E27FC236}">
-                    <a16:creationId xmlns:a16="http://schemas.microsoft.com/office/drawing/2014/main" id="{E020CA3D-5BF6-412A-A68C-C36DE314525E}"/>
-                  </a:ext>
-                </a:extLst>
-              </p:cNvPr>
-              <p:cNvSpPr/>
-              <p:nvPr/>
-            </p:nvSpPr>
-            <p:spPr>
-              <a:xfrm>
-                <a:off x="2001254" y="6550561"/>
-                <a:ext cx="288000" cy="288000"/>
-              </a:xfrm>
-              <a:prstGeom prst="roundRect">
-                <a:avLst/>
-              </a:prstGeom>
-              <a:solidFill>
-                <a:srgbClr val="7030A0"/>
-              </a:solidFill>
-              <a:ln>
-                <a:solidFill>
-                  <a:schemeClr val="tx1"/>
-                </a:solidFill>
-              </a:ln>
-            </p:spPr>
-            <p:style>
-              <a:lnRef idx="2">
-                <a:schemeClr val="accent2">
-                  <a:shade val="50000"/>
-                </a:schemeClr>
-              </a:lnRef>
-              <a:fillRef idx="1">
-                <a:schemeClr val="accent2"/>
-              </a:fillRef>
-              <a:effectRef idx="0">
-                <a:schemeClr val="accent2"/>
-              </a:effectRef>
-              <a:fontRef idx="minor">
-                <a:schemeClr val="lt1"/>
-              </a:fontRef>
-            </p:style>
-            <p:txBody>
-              <a:bodyPr rtlCol="0" anchor="ctr"/>
-              <a:lstStyle/>
-              <a:p>
-                <a:pPr algn="ctr"/>
-                <a:r>
-                  <a:rPr lang="en-US" sz="2200" dirty="0"/>
-                  <a:t>1</a:t>
-                </a:r>
-                <a:endParaRPr lang="en-AU" sz="2200" dirty="0"/>
-              </a:p>
-            </p:txBody>
-          </p:sp>
-          <p:sp>
-            <p:nvSpPr>
-              <p:cNvPr id="153" name="Rectangle: Rounded Corners 152">
-                <a:extLst>
-                  <a:ext uri="{FF2B5EF4-FFF2-40B4-BE49-F238E27FC236}">
-                    <a16:creationId xmlns:a16="http://schemas.microsoft.com/office/drawing/2014/main" id="{65F9AD18-D85E-4B33-85D2-2F46E7C6EBB6}"/>
-                  </a:ext>
-                </a:extLst>
-              </p:cNvPr>
-              <p:cNvSpPr/>
-              <p:nvPr/>
-            </p:nvSpPr>
-            <p:spPr>
-              <a:xfrm>
-                <a:off x="2001457" y="6885663"/>
-                <a:ext cx="288000" cy="288000"/>
-              </a:xfrm>
-              <a:prstGeom prst="roundRect">
-                <a:avLst/>
-              </a:prstGeom>
-              <a:solidFill>
-                <a:srgbClr val="7030A0"/>
-              </a:solidFill>
-              <a:ln>
-                <a:solidFill>
-                  <a:schemeClr val="tx1"/>
-                </a:solidFill>
-              </a:ln>
-            </p:spPr>
-            <p:style>
-              <a:lnRef idx="2">
-                <a:schemeClr val="accent2">
-                  <a:shade val="50000"/>
-                </a:schemeClr>
-              </a:lnRef>
-              <a:fillRef idx="1">
-                <a:schemeClr val="accent2"/>
-              </a:fillRef>
-              <a:effectRef idx="0">
-                <a:schemeClr val="accent2"/>
-              </a:effectRef>
-              <a:fontRef idx="minor">
-                <a:schemeClr val="lt1"/>
-              </a:fontRef>
-            </p:style>
-            <p:txBody>
-              <a:bodyPr rtlCol="0" anchor="ctr"/>
-              <a:lstStyle/>
-              <a:p>
-                <a:pPr algn="ctr"/>
-                <a:r>
-                  <a:rPr lang="en-US" sz="2200" dirty="0"/>
-                  <a:t>1</a:t>
-                </a:r>
-                <a:endParaRPr lang="en-AU" sz="2200" dirty="0"/>
-              </a:p>
-            </p:txBody>
-          </p:sp>
-          <p:sp>
-            <p:nvSpPr>
-              <p:cNvPr id="154" name="Rectangle: Rounded Corners 153">
-                <a:extLst>
-                  <a:ext uri="{FF2B5EF4-FFF2-40B4-BE49-F238E27FC236}">
-                    <a16:creationId xmlns:a16="http://schemas.microsoft.com/office/drawing/2014/main" id="{BD819935-11AE-4B48-8502-811D6737D766}"/>
-                  </a:ext>
-                </a:extLst>
-              </p:cNvPr>
-              <p:cNvSpPr/>
-              <p:nvPr/>
-            </p:nvSpPr>
-            <p:spPr>
-              <a:xfrm>
-                <a:off x="1998198" y="7232963"/>
-                <a:ext cx="288000" cy="288000"/>
-              </a:xfrm>
-              <a:prstGeom prst="roundRect">
-                <a:avLst/>
-              </a:prstGeom>
-              <a:solidFill>
-                <a:schemeClr val="accent6">
-                  <a:lumMod val="75000"/>
-                </a:schemeClr>
-              </a:solidFill>
-              <a:ln>
-                <a:solidFill>
-                  <a:schemeClr val="tx1"/>
-                </a:solidFill>
-              </a:ln>
-            </p:spPr>
-            <p:style>
-              <a:lnRef idx="2">
-                <a:schemeClr val="accent1">
-                  <a:shade val="50000"/>
-                </a:schemeClr>
-              </a:lnRef>
-              <a:fillRef idx="1">
-                <a:schemeClr val="accent1"/>
-              </a:fillRef>
-              <a:effectRef idx="0">
-                <a:schemeClr val="accent1"/>
-              </a:effectRef>
-              <a:fontRef idx="minor">
-                <a:schemeClr val="lt1"/>
-              </a:fontRef>
-            </p:style>
-            <p:txBody>
-              <a:bodyPr rtlCol="0" anchor="ctr"/>
-              <a:lstStyle/>
-              <a:p>
-                <a:pPr algn="ctr"/>
-                <a:r>
-                  <a:rPr lang="en-US" sz="2200" dirty="0"/>
-                  <a:t>2</a:t>
-                </a:r>
-                <a:endParaRPr lang="en-AU" sz="2200" dirty="0"/>
-              </a:p>
-            </p:txBody>
-          </p:sp>
-        </p:grpSp>
-        <p:grpSp>
-          <p:nvGrpSpPr>
-            <p:cNvPr id="14" name="Group 13">
-              <a:extLst>
-                <a:ext uri="{FF2B5EF4-FFF2-40B4-BE49-F238E27FC236}">
-                  <a16:creationId xmlns:a16="http://schemas.microsoft.com/office/drawing/2014/main" id="{20284854-774D-4C81-8B32-8BFC3C575FB5}"/>
-                </a:ext>
-              </a:extLst>
-            </p:cNvPr>
-            <p:cNvGrpSpPr/>
-            <p:nvPr/>
-          </p:nvGrpSpPr>
-          <p:grpSpPr>
-            <a:xfrm>
-              <a:off x="8562473" y="-404681"/>
-              <a:ext cx="2847351" cy="2451203"/>
-              <a:chOff x="6985632" y="1836062"/>
-              <a:chExt cx="2847351" cy="2451203"/>
-            </a:xfrm>
-          </p:grpSpPr>
-          <p:sp>
-            <p:nvSpPr>
-              <p:cNvPr id="91" name="TextBox 90">
-                <a:extLst>
-                  <a:ext uri="{FF2B5EF4-FFF2-40B4-BE49-F238E27FC236}">
-                    <a16:creationId xmlns:a16="http://schemas.microsoft.com/office/drawing/2014/main" id="{A0E36CB6-2D3D-43AF-A2CA-58B1C7AC8DFC}"/>
+                    <a16:creationId xmlns:a16="http://schemas.microsoft.com/office/drawing/2014/main" id="{CA121D90-DBFA-4B3F-953D-1D083A016C3B}"/>
                   </a:ext>
                 </a:extLst>
               </p:cNvPr>
@@ -12488,9 +11476,9 @@
               <p:nvPr/>
             </p:nvSpPr>
             <p:spPr>
-              <a:xfrm rot="16200000">
-                <a:off x="8613861" y="1939052"/>
-                <a:ext cx="1313976" cy="1107996"/>
+              <a:xfrm>
+                <a:off x="6400848" y="1992660"/>
+                <a:ext cx="5672131" cy="2123658"/>
               </a:xfrm>
               <a:prstGeom prst="rect">
                 <a:avLst/>
@@ -12503,1405 +11491,66 @@
               </a:bodyPr>
               <a:lstStyle/>
               <a:p>
+                <a:pPr marL="457200" indent="-457200">
+                  <a:buFont typeface="Arial" panose="020B0604020202020204" pitchFamily="34" charset="0"/>
+                  <a:buChar char="•"/>
+                </a:pPr>
                 <a:r>
                   <a:rPr lang="en-AU" sz="2200" dirty="0"/>
-                  <a:t>Factor 1</a:t>
-                </a:r>
-                <a:endParaRPr lang="en-US" sz="2200" dirty="0"/>
-              </a:p>
-              <a:p>
-                <a:r>
-                  <a:rPr lang="en-AU" sz="2200" dirty="0"/>
-                  <a:t>Factor 2</a:t>
-                </a:r>
-                <a:endParaRPr lang="en-US" sz="2200" dirty="0"/>
-              </a:p>
-              <a:p>
-                <a:r>
-                  <a:rPr lang="en-AU" sz="2200" dirty="0"/>
-                  <a:t>Factor 3</a:t>
-                </a:r>
-              </a:p>
-            </p:txBody>
-          </p:sp>
-          <p:sp>
-            <p:nvSpPr>
-              <p:cNvPr id="101" name="TextBox 100">
-                <a:extLst>
-                  <a:ext uri="{FF2B5EF4-FFF2-40B4-BE49-F238E27FC236}">
-                    <a16:creationId xmlns:a16="http://schemas.microsoft.com/office/drawing/2014/main" id="{6615A6A0-FC09-46DF-B644-FE09A7D0978B}"/>
-                  </a:ext>
-                </a:extLst>
-              </p:cNvPr>
-              <p:cNvSpPr txBox="1"/>
-              <p:nvPr/>
-            </p:nvSpPr>
-            <p:spPr>
-              <a:xfrm>
-                <a:off x="6985632" y="2387103"/>
-                <a:ext cx="1745321" cy="769441"/>
-              </a:xfrm>
-              <a:prstGeom prst="rect">
-                <a:avLst/>
-              </a:prstGeom>
-              <a:noFill/>
-            </p:spPr>
-            <p:txBody>
-              <a:bodyPr wrap="square" rtlCol="0">
-                <a:spAutoFit/>
-              </a:bodyPr>
-              <a:lstStyle/>
-              <a:p>
-                <a:pPr algn="r"/>
-                <a:r>
-                  <a:rPr lang="en-AU" sz="2200" dirty="0"/>
-                  <a:t>Factor order</a:t>
+                  <a:t>Read the number of previous responses</a:t>
                 </a:r>
               </a:p>
               <a:p>
-                <a:pPr algn="r"/>
+                <a:pPr marL="457200" indent="-457200">
+                  <a:buFont typeface="Arial" panose="020B0604020202020204" pitchFamily="34" charset="0"/>
+                  <a:buChar char="•"/>
+                </a:pPr>
                 <a:r>
                   <a:rPr lang="en-AU" sz="2200" dirty="0"/>
-                  <a:t>permutations</a:t>
-                </a:r>
-              </a:p>
-            </p:txBody>
-          </p:sp>
-          <p:cxnSp>
-            <p:nvCxnSpPr>
-              <p:cNvPr id="103" name="Straight Connector 102">
-                <a:extLst>
-                  <a:ext uri="{FF2B5EF4-FFF2-40B4-BE49-F238E27FC236}">
-                    <a16:creationId xmlns:a16="http://schemas.microsoft.com/office/drawing/2014/main" id="{6A71EBFC-240F-4F7E-81F3-F1F1EB47F1F9}"/>
-                  </a:ext>
-                </a:extLst>
-              </p:cNvPr>
-              <p:cNvCxnSpPr>
-                <a:cxnSpLocks/>
-              </p:cNvCxnSpPr>
-              <p:nvPr/>
-            </p:nvCxnSpPr>
-            <p:spPr>
-              <a:xfrm>
-                <a:off x="7097522" y="3169978"/>
-                <a:ext cx="2717068" cy="4223"/>
-              </a:xfrm>
-              <a:prstGeom prst="line">
-                <a:avLst/>
-              </a:prstGeom>
-              <a:ln w="28575">
-                <a:solidFill>
-                  <a:schemeClr val="tx1"/>
-                </a:solidFill>
-              </a:ln>
-            </p:spPr>
-            <p:style>
-              <a:lnRef idx="1">
-                <a:schemeClr val="accent1"/>
-              </a:lnRef>
-              <a:fillRef idx="0">
-                <a:schemeClr val="accent1"/>
-              </a:fillRef>
-              <a:effectRef idx="0">
-                <a:schemeClr val="accent1"/>
-              </a:effectRef>
-              <a:fontRef idx="minor">
-                <a:schemeClr val="tx1"/>
-              </a:fontRef>
-            </p:style>
-          </p:cxnSp>
-          <p:cxnSp>
-            <p:nvCxnSpPr>
-              <p:cNvPr id="105" name="Straight Connector 104">
-                <a:extLst>
-                  <a:ext uri="{FF2B5EF4-FFF2-40B4-BE49-F238E27FC236}">
-                    <a16:creationId xmlns:a16="http://schemas.microsoft.com/office/drawing/2014/main" id="{CF0D562E-51D1-4BC6-AFAC-1247D4DEEB46}"/>
-                  </a:ext>
-                </a:extLst>
-              </p:cNvPr>
-              <p:cNvCxnSpPr>
-                <a:cxnSpLocks/>
-                <a:endCxn id="91" idx="0"/>
-              </p:cNvCxnSpPr>
-              <p:nvPr/>
-            </p:nvCxnSpPr>
-            <p:spPr>
-              <a:xfrm flipV="1">
-                <a:off x="8716851" y="2493050"/>
-                <a:ext cx="0" cy="1794215"/>
-              </a:xfrm>
-              <a:prstGeom prst="line">
-                <a:avLst/>
-              </a:prstGeom>
-              <a:ln w="28575">
-                <a:solidFill>
-                  <a:schemeClr val="tx1"/>
-                </a:solidFill>
-              </a:ln>
-            </p:spPr>
-            <p:style>
-              <a:lnRef idx="1">
-                <a:schemeClr val="accent1"/>
-              </a:lnRef>
-              <a:fillRef idx="0">
-                <a:schemeClr val="accent1"/>
-              </a:fillRef>
-              <a:effectRef idx="0">
-                <a:schemeClr val="accent1"/>
-              </a:effectRef>
-              <a:fontRef idx="minor">
-                <a:schemeClr val="tx1"/>
-              </a:fontRef>
-            </p:style>
-          </p:cxnSp>
-          <p:sp>
-            <p:nvSpPr>
-              <p:cNvPr id="108" name="Rectangle: Rounded Corners 107">
-                <a:extLst>
-                  <a:ext uri="{FF2B5EF4-FFF2-40B4-BE49-F238E27FC236}">
-                    <a16:creationId xmlns:a16="http://schemas.microsoft.com/office/drawing/2014/main" id="{7E55F61C-0D4A-4947-A1F4-3E5D00D9495A}"/>
-                  </a:ext>
-                </a:extLst>
-              </p:cNvPr>
-              <p:cNvSpPr/>
-              <p:nvPr/>
-            </p:nvSpPr>
-            <p:spPr>
-              <a:xfrm>
-                <a:off x="8786456" y="3250471"/>
-                <a:ext cx="288000" cy="287908"/>
-              </a:xfrm>
-              <a:prstGeom prst="roundRect">
-                <a:avLst/>
-              </a:prstGeom>
-              <a:solidFill>
-                <a:srgbClr val="7030A0"/>
-              </a:solidFill>
-              <a:ln>
-                <a:solidFill>
-                  <a:schemeClr val="tx1"/>
-                </a:solidFill>
-              </a:ln>
-            </p:spPr>
-            <p:style>
-              <a:lnRef idx="2">
-                <a:schemeClr val="accent2">
-                  <a:shade val="50000"/>
-                </a:schemeClr>
-              </a:lnRef>
-              <a:fillRef idx="1">
-                <a:schemeClr val="accent2"/>
-              </a:fillRef>
-              <a:effectRef idx="0">
-                <a:schemeClr val="accent2"/>
-              </a:effectRef>
-              <a:fontRef idx="minor">
-                <a:schemeClr val="lt1"/>
-              </a:fontRef>
-            </p:style>
-            <p:txBody>
-              <a:bodyPr rtlCol="0" anchor="ctr"/>
-              <a:lstStyle/>
-              <a:p>
-                <a:pPr algn="ctr"/>
-                <a:r>
-                  <a:rPr lang="en-AU" sz="2200" dirty="0"/>
-                  <a:t>P</a:t>
-                </a:r>
-              </a:p>
-            </p:txBody>
-          </p:sp>
-          <p:sp>
-            <p:nvSpPr>
-              <p:cNvPr id="109" name="Rectangle: Rounded Corners 108">
-                <a:extLst>
-                  <a:ext uri="{FF2B5EF4-FFF2-40B4-BE49-F238E27FC236}">
-                    <a16:creationId xmlns:a16="http://schemas.microsoft.com/office/drawing/2014/main" id="{6BCD82A6-7A2E-4009-92CE-715366D99168}"/>
-                  </a:ext>
-                </a:extLst>
-              </p:cNvPr>
-              <p:cNvSpPr/>
-              <p:nvPr/>
-            </p:nvSpPr>
-            <p:spPr>
-              <a:xfrm>
-                <a:off x="9145685" y="3244987"/>
-                <a:ext cx="288000" cy="287908"/>
-              </a:xfrm>
-              <a:prstGeom prst="roundRect">
-                <a:avLst/>
-              </a:prstGeom>
-              <a:solidFill>
-                <a:schemeClr val="accent6">
-                  <a:lumMod val="75000"/>
-                </a:schemeClr>
-              </a:solidFill>
-              <a:ln>
-                <a:solidFill>
-                  <a:schemeClr val="tx1"/>
-                </a:solidFill>
-              </a:ln>
-            </p:spPr>
-            <p:style>
-              <a:lnRef idx="2">
-                <a:schemeClr val="accent1">
-                  <a:shade val="50000"/>
-                </a:schemeClr>
-              </a:lnRef>
-              <a:fillRef idx="1">
-                <a:schemeClr val="accent1"/>
-              </a:fillRef>
-              <a:effectRef idx="0">
-                <a:schemeClr val="accent1"/>
-              </a:effectRef>
-              <a:fontRef idx="minor">
-                <a:schemeClr val="lt1"/>
-              </a:fontRef>
-            </p:style>
-            <p:txBody>
-              <a:bodyPr rtlCol="0" anchor="ctr"/>
-              <a:lstStyle/>
-              <a:p>
-                <a:pPr algn="ctr"/>
-                <a:r>
-                  <a:rPr lang="en-AU" sz="2200" dirty="0"/>
-                  <a:t>G</a:t>
-                </a:r>
-              </a:p>
-            </p:txBody>
-          </p:sp>
-          <p:sp>
-            <p:nvSpPr>
-              <p:cNvPr id="110" name="Rectangle: Rounded Corners 109">
-                <a:extLst>
-                  <a:ext uri="{FF2B5EF4-FFF2-40B4-BE49-F238E27FC236}">
-                    <a16:creationId xmlns:a16="http://schemas.microsoft.com/office/drawing/2014/main" id="{3BDCF052-C3B5-4422-9C54-D8531F230B53}"/>
-                  </a:ext>
-                </a:extLst>
-              </p:cNvPr>
-              <p:cNvSpPr/>
-              <p:nvPr/>
-            </p:nvSpPr>
-            <p:spPr>
-              <a:xfrm>
-                <a:off x="9497280" y="3239653"/>
-                <a:ext cx="288000" cy="287908"/>
-              </a:xfrm>
-              <a:prstGeom prst="roundRect">
-                <a:avLst/>
-              </a:prstGeom>
-              <a:solidFill>
-                <a:srgbClr val="C00000"/>
-              </a:solidFill>
-              <a:ln>
-                <a:solidFill>
-                  <a:schemeClr val="tx1"/>
-                </a:solidFill>
-              </a:ln>
-            </p:spPr>
-            <p:style>
-              <a:lnRef idx="2">
-                <a:schemeClr val="accent1">
-                  <a:shade val="50000"/>
-                </a:schemeClr>
-              </a:lnRef>
-              <a:fillRef idx="1">
-                <a:schemeClr val="accent1"/>
-              </a:fillRef>
-              <a:effectRef idx="0">
-                <a:schemeClr val="accent1"/>
-              </a:effectRef>
-              <a:fontRef idx="minor">
-                <a:schemeClr val="lt1"/>
-              </a:fontRef>
-            </p:style>
-            <p:txBody>
-              <a:bodyPr rtlCol="0" anchor="ctr"/>
-              <a:lstStyle/>
-              <a:p>
-                <a:pPr algn="ctr"/>
-                <a:r>
-                  <a:rPr lang="en-AU" sz="2200" dirty="0"/>
-                  <a:t>R</a:t>
-                </a:r>
-              </a:p>
-            </p:txBody>
-          </p:sp>
-          <p:sp>
-            <p:nvSpPr>
-              <p:cNvPr id="117" name="Rectangle: Rounded Corners 116">
-                <a:extLst>
-                  <a:ext uri="{FF2B5EF4-FFF2-40B4-BE49-F238E27FC236}">
-                    <a16:creationId xmlns:a16="http://schemas.microsoft.com/office/drawing/2014/main" id="{FCBC9B5A-739C-4EEF-ACFD-E8BC3E0F819B}"/>
-                  </a:ext>
-                </a:extLst>
-              </p:cNvPr>
-              <p:cNvSpPr/>
-              <p:nvPr/>
-            </p:nvSpPr>
-            <p:spPr>
-              <a:xfrm>
-                <a:off x="9148644" y="3957580"/>
-                <a:ext cx="288000" cy="287908"/>
-              </a:xfrm>
-              <a:prstGeom prst="roundRect">
-                <a:avLst/>
-              </a:prstGeom>
-              <a:solidFill>
-                <a:srgbClr val="7030A0"/>
-              </a:solidFill>
-              <a:ln>
-                <a:solidFill>
-                  <a:schemeClr val="tx1"/>
-                </a:solidFill>
-              </a:ln>
-            </p:spPr>
-            <p:style>
-              <a:lnRef idx="2">
-                <a:schemeClr val="accent2">
-                  <a:shade val="50000"/>
-                </a:schemeClr>
-              </a:lnRef>
-              <a:fillRef idx="1">
-                <a:schemeClr val="accent2"/>
-              </a:fillRef>
-              <a:effectRef idx="0">
-                <a:schemeClr val="accent2"/>
-              </a:effectRef>
-              <a:fontRef idx="minor">
-                <a:schemeClr val="lt1"/>
-              </a:fontRef>
-            </p:style>
-            <p:txBody>
-              <a:bodyPr rtlCol="0" anchor="ctr"/>
-              <a:lstStyle/>
-              <a:p>
-                <a:pPr algn="ctr"/>
-                <a:r>
-                  <a:rPr lang="en-AU" sz="2200" dirty="0"/>
-                  <a:t>P</a:t>
-                </a:r>
-              </a:p>
-            </p:txBody>
-          </p:sp>
-          <p:sp>
-            <p:nvSpPr>
-              <p:cNvPr id="118" name="Rectangle: Rounded Corners 117">
-                <a:extLst>
-                  <a:ext uri="{FF2B5EF4-FFF2-40B4-BE49-F238E27FC236}">
-                    <a16:creationId xmlns:a16="http://schemas.microsoft.com/office/drawing/2014/main" id="{2C893B97-B488-482E-9C2A-3D4315754451}"/>
-                  </a:ext>
-                </a:extLst>
-              </p:cNvPr>
-              <p:cNvSpPr/>
-              <p:nvPr/>
-            </p:nvSpPr>
-            <p:spPr>
-              <a:xfrm>
-                <a:off x="9508514" y="3961701"/>
-                <a:ext cx="288000" cy="287908"/>
-              </a:xfrm>
-              <a:prstGeom prst="roundRect">
-                <a:avLst/>
-              </a:prstGeom>
-              <a:solidFill>
-                <a:schemeClr val="accent6">
-                  <a:lumMod val="75000"/>
-                </a:schemeClr>
-              </a:solidFill>
-              <a:ln>
-                <a:solidFill>
-                  <a:schemeClr val="tx1"/>
-                </a:solidFill>
-              </a:ln>
-            </p:spPr>
-            <p:style>
-              <a:lnRef idx="2">
-                <a:schemeClr val="accent1">
-                  <a:shade val="50000"/>
-                </a:schemeClr>
-              </a:lnRef>
-              <a:fillRef idx="1">
-                <a:schemeClr val="accent1"/>
-              </a:fillRef>
-              <a:effectRef idx="0">
-                <a:schemeClr val="accent1"/>
-              </a:effectRef>
-              <a:fontRef idx="minor">
-                <a:schemeClr val="lt1"/>
-              </a:fontRef>
-            </p:style>
-            <p:txBody>
-              <a:bodyPr rtlCol="0" anchor="ctr"/>
-              <a:lstStyle/>
-              <a:p>
-                <a:pPr algn="ctr"/>
-                <a:r>
-                  <a:rPr lang="en-AU" sz="2200" dirty="0"/>
-                  <a:t>G</a:t>
-                </a:r>
-              </a:p>
-            </p:txBody>
-          </p:sp>
-          <p:sp>
-            <p:nvSpPr>
-              <p:cNvPr id="119" name="Rectangle: Rounded Corners 118">
-                <a:extLst>
-                  <a:ext uri="{FF2B5EF4-FFF2-40B4-BE49-F238E27FC236}">
-                    <a16:creationId xmlns:a16="http://schemas.microsoft.com/office/drawing/2014/main" id="{A20AF9F4-2121-4501-B940-F1CF5C754200}"/>
-                  </a:ext>
-                </a:extLst>
-              </p:cNvPr>
-              <p:cNvSpPr/>
-              <p:nvPr/>
-            </p:nvSpPr>
-            <p:spPr>
-              <a:xfrm>
-                <a:off x="8789680" y="3950152"/>
-                <a:ext cx="288000" cy="287908"/>
-              </a:xfrm>
-              <a:prstGeom prst="roundRect">
-                <a:avLst/>
-              </a:prstGeom>
-              <a:solidFill>
-                <a:srgbClr val="C00000"/>
-              </a:solidFill>
-              <a:ln>
-                <a:solidFill>
-                  <a:schemeClr val="tx1"/>
-                </a:solidFill>
-              </a:ln>
-            </p:spPr>
-            <p:style>
-              <a:lnRef idx="2">
-                <a:schemeClr val="accent1">
-                  <a:shade val="50000"/>
-                </a:schemeClr>
-              </a:lnRef>
-              <a:fillRef idx="1">
-                <a:schemeClr val="accent1"/>
-              </a:fillRef>
-              <a:effectRef idx="0">
-                <a:schemeClr val="accent1"/>
-              </a:effectRef>
-              <a:fontRef idx="minor">
-                <a:schemeClr val="lt1"/>
-              </a:fontRef>
-            </p:style>
-            <p:txBody>
-              <a:bodyPr rtlCol="0" anchor="ctr"/>
-              <a:lstStyle/>
-              <a:p>
-                <a:pPr algn="ctr"/>
-                <a:r>
-                  <a:rPr lang="en-AU" sz="2200" dirty="0"/>
-                  <a:t>R</a:t>
-                </a:r>
-              </a:p>
-            </p:txBody>
-          </p:sp>
-          <p:sp>
-            <p:nvSpPr>
-              <p:cNvPr id="120" name="Rectangle: Rounded Corners 119">
-                <a:extLst>
-                  <a:ext uri="{FF2B5EF4-FFF2-40B4-BE49-F238E27FC236}">
-                    <a16:creationId xmlns:a16="http://schemas.microsoft.com/office/drawing/2014/main" id="{62E55B24-0CA8-48D2-B41E-A628DFECCA6F}"/>
-                  </a:ext>
-                </a:extLst>
-              </p:cNvPr>
-              <p:cNvSpPr/>
-              <p:nvPr/>
-            </p:nvSpPr>
-            <p:spPr>
-              <a:xfrm>
-                <a:off x="9505698" y="3590491"/>
-                <a:ext cx="288000" cy="287908"/>
-              </a:xfrm>
-              <a:prstGeom prst="roundRect">
-                <a:avLst/>
-              </a:prstGeom>
-              <a:solidFill>
-                <a:srgbClr val="7030A0"/>
-              </a:solidFill>
-              <a:ln>
-                <a:solidFill>
-                  <a:schemeClr val="tx1"/>
-                </a:solidFill>
-              </a:ln>
-            </p:spPr>
-            <p:style>
-              <a:lnRef idx="2">
-                <a:schemeClr val="accent2">
-                  <a:shade val="50000"/>
-                </a:schemeClr>
-              </a:lnRef>
-              <a:fillRef idx="1">
-                <a:schemeClr val="accent2"/>
-              </a:fillRef>
-              <a:effectRef idx="0">
-                <a:schemeClr val="accent2"/>
-              </a:effectRef>
-              <a:fontRef idx="minor">
-                <a:schemeClr val="lt1"/>
-              </a:fontRef>
-            </p:style>
-            <p:txBody>
-              <a:bodyPr rtlCol="0" anchor="ctr"/>
-              <a:lstStyle/>
-              <a:p>
-                <a:pPr algn="ctr"/>
-                <a:r>
-                  <a:rPr lang="en-AU" sz="2200" dirty="0"/>
-                  <a:t>P</a:t>
-                </a:r>
-              </a:p>
-            </p:txBody>
-          </p:sp>
-          <p:sp>
-            <p:nvSpPr>
-              <p:cNvPr id="121" name="Rectangle: Rounded Corners 120">
-                <a:extLst>
-                  <a:ext uri="{FF2B5EF4-FFF2-40B4-BE49-F238E27FC236}">
-                    <a16:creationId xmlns:a16="http://schemas.microsoft.com/office/drawing/2014/main" id="{C5A3F743-08E1-4DBC-AD2B-C4BA33E7119E}"/>
-                  </a:ext>
-                </a:extLst>
-              </p:cNvPr>
-              <p:cNvSpPr/>
-              <p:nvPr/>
-            </p:nvSpPr>
-            <p:spPr>
-              <a:xfrm>
-                <a:off x="8789680" y="3584549"/>
-                <a:ext cx="288000" cy="287908"/>
-              </a:xfrm>
-              <a:prstGeom prst="roundRect">
-                <a:avLst/>
-              </a:prstGeom>
-              <a:solidFill>
-                <a:schemeClr val="accent6">
-                  <a:lumMod val="75000"/>
-                </a:schemeClr>
-              </a:solidFill>
-              <a:ln>
-                <a:solidFill>
-                  <a:schemeClr val="tx1"/>
-                </a:solidFill>
-              </a:ln>
-            </p:spPr>
-            <p:style>
-              <a:lnRef idx="2">
-                <a:schemeClr val="accent1">
-                  <a:shade val="50000"/>
-                </a:schemeClr>
-              </a:lnRef>
-              <a:fillRef idx="1">
-                <a:schemeClr val="accent1"/>
-              </a:fillRef>
-              <a:effectRef idx="0">
-                <a:schemeClr val="accent1"/>
-              </a:effectRef>
-              <a:fontRef idx="minor">
-                <a:schemeClr val="lt1"/>
-              </a:fontRef>
-            </p:style>
-            <p:txBody>
-              <a:bodyPr rtlCol="0" anchor="ctr"/>
-              <a:lstStyle/>
-              <a:p>
-                <a:pPr algn="ctr"/>
-                <a:r>
-                  <a:rPr lang="en-AU" sz="2200" dirty="0"/>
-                  <a:t>G</a:t>
-                </a:r>
-              </a:p>
-            </p:txBody>
-          </p:sp>
-          <p:sp>
-            <p:nvSpPr>
-              <p:cNvPr id="122" name="Rectangle: Rounded Corners 121">
-                <a:extLst>
-                  <a:ext uri="{FF2B5EF4-FFF2-40B4-BE49-F238E27FC236}">
-                    <a16:creationId xmlns:a16="http://schemas.microsoft.com/office/drawing/2014/main" id="{40548983-9D3C-464B-B83C-351F1C5E28DF}"/>
-                  </a:ext>
-                </a:extLst>
-              </p:cNvPr>
-              <p:cNvSpPr/>
-              <p:nvPr/>
-            </p:nvSpPr>
-            <p:spPr>
-              <a:xfrm>
-                <a:off x="9153785" y="3594420"/>
-                <a:ext cx="288000" cy="287908"/>
-              </a:xfrm>
-              <a:prstGeom prst="roundRect">
-                <a:avLst/>
-              </a:prstGeom>
-              <a:solidFill>
-                <a:srgbClr val="C00000"/>
-              </a:solidFill>
-              <a:ln>
-                <a:solidFill>
-                  <a:schemeClr val="tx1"/>
-                </a:solidFill>
-              </a:ln>
-            </p:spPr>
-            <p:style>
-              <a:lnRef idx="2">
-                <a:schemeClr val="accent1">
-                  <a:shade val="50000"/>
-                </a:schemeClr>
-              </a:lnRef>
-              <a:fillRef idx="1">
-                <a:schemeClr val="accent1"/>
-              </a:fillRef>
-              <a:effectRef idx="0">
-                <a:schemeClr val="accent1"/>
-              </a:effectRef>
-              <a:fontRef idx="minor">
-                <a:schemeClr val="lt1"/>
-              </a:fontRef>
-            </p:style>
-            <p:txBody>
-              <a:bodyPr rtlCol="0" anchor="ctr"/>
-              <a:lstStyle/>
-              <a:p>
-                <a:pPr algn="ctr"/>
-                <a:r>
-                  <a:rPr lang="en-AU" sz="2200" dirty="0"/>
-                  <a:t>R</a:t>
-                </a:r>
-              </a:p>
-            </p:txBody>
-          </p:sp>
-          <p:sp>
-            <p:nvSpPr>
-              <p:cNvPr id="132" name="Rectangle: Rounded Corners 131">
-                <a:extLst>
-                  <a:ext uri="{FF2B5EF4-FFF2-40B4-BE49-F238E27FC236}">
-                    <a16:creationId xmlns:a16="http://schemas.microsoft.com/office/drawing/2014/main" id="{A9407811-7833-4B7D-B412-1EAF65A117D8}"/>
-                  </a:ext>
-                </a:extLst>
-              </p:cNvPr>
-              <p:cNvSpPr/>
-              <p:nvPr/>
-            </p:nvSpPr>
-            <p:spPr>
-              <a:xfrm>
-                <a:off x="8382733" y="3560707"/>
-                <a:ext cx="1450250" cy="348253"/>
-              </a:xfrm>
-              <a:prstGeom prst="roundRect">
-                <a:avLst/>
-              </a:prstGeom>
-              <a:noFill/>
-              <a:ln w="28575">
-                <a:solidFill>
-                  <a:srgbClr val="FF0000"/>
-                </a:solidFill>
-              </a:ln>
-            </p:spPr>
-            <p:style>
-              <a:lnRef idx="2">
-                <a:schemeClr val="accent1">
-                  <a:shade val="50000"/>
-                </a:schemeClr>
-              </a:lnRef>
-              <a:fillRef idx="1">
-                <a:schemeClr val="accent1"/>
-              </a:fillRef>
-              <a:effectRef idx="0">
-                <a:schemeClr val="accent1"/>
-              </a:effectRef>
-              <a:fontRef idx="minor">
-                <a:schemeClr val="lt1"/>
-              </a:fontRef>
-            </p:style>
-            <p:txBody>
-              <a:bodyPr rtlCol="0" anchor="ctr"/>
-              <a:lstStyle/>
-              <a:p>
-                <a:pPr algn="ctr"/>
-                <a:endParaRPr lang="en-AU"/>
-              </a:p>
-            </p:txBody>
-          </p:sp>
-          <p:sp>
-            <p:nvSpPr>
-              <p:cNvPr id="214" name="TextBox 213">
-                <a:extLst>
-                  <a:ext uri="{FF2B5EF4-FFF2-40B4-BE49-F238E27FC236}">
-                    <a16:creationId xmlns:a16="http://schemas.microsoft.com/office/drawing/2014/main" id="{BD7E8BE4-3B40-4C94-804F-3BD4ADBE0327}"/>
-                  </a:ext>
-                </a:extLst>
-              </p:cNvPr>
-              <p:cNvSpPr txBox="1"/>
-              <p:nvPr/>
-            </p:nvSpPr>
-            <p:spPr>
-              <a:xfrm>
-                <a:off x="8353330" y="3179269"/>
-                <a:ext cx="345221" cy="1107996"/>
-              </a:xfrm>
-              <a:prstGeom prst="rect">
-                <a:avLst/>
-              </a:prstGeom>
-              <a:noFill/>
-            </p:spPr>
-            <p:txBody>
-              <a:bodyPr wrap="square" rtlCol="0">
-                <a:spAutoFit/>
-              </a:bodyPr>
-              <a:lstStyle/>
-              <a:p>
-                <a:pPr algn="r"/>
-                <a:r>
-                  <a:rPr lang="en-AU" sz="2200" dirty="0"/>
-                  <a:t>1</a:t>
+                  <a:t>Assign participant number/hash???</a:t>
                 </a:r>
               </a:p>
               <a:p>
-                <a:pPr algn="r"/>
-                <a:r>
-                  <a:rPr lang="en-US" sz="2200" dirty="0"/>
-                  <a:t>2</a:t>
-                </a:r>
-                <a:endParaRPr lang="en-AU" sz="2200" dirty="0"/>
-              </a:p>
-              <a:p>
-                <a:pPr algn="r"/>
-                <a:r>
-                  <a:rPr lang="en-US" sz="2200" dirty="0"/>
-                  <a:t>3</a:t>
-                </a:r>
-                <a:endParaRPr lang="en-AU" sz="2200" dirty="0"/>
-              </a:p>
-            </p:txBody>
-          </p:sp>
-        </p:grpSp>
-        <p:sp>
-          <p:nvSpPr>
-            <p:cNvPr id="215" name="TextBox 214">
-              <a:extLst>
-                <a:ext uri="{FF2B5EF4-FFF2-40B4-BE49-F238E27FC236}">
-                  <a16:creationId xmlns:a16="http://schemas.microsoft.com/office/drawing/2014/main" id="{CA121D90-DBFA-4B3F-953D-1D083A016C3B}"/>
-                </a:ext>
-              </a:extLst>
-            </p:cNvPr>
-            <p:cNvSpPr txBox="1"/>
-            <p:nvPr/>
-          </p:nvSpPr>
-          <p:spPr>
-            <a:xfrm>
-              <a:off x="6586516" y="933458"/>
-              <a:ext cx="3701216" cy="1107996"/>
-            </a:xfrm>
-            <a:prstGeom prst="rect">
-              <a:avLst/>
-            </a:prstGeom>
-            <a:noFill/>
-          </p:spPr>
-          <p:txBody>
-            <a:bodyPr wrap="square" rtlCol="0">
-              <a:spAutoFit/>
-            </a:bodyPr>
-            <a:lstStyle/>
-            <a:p>
-              <a:r>
-                <a:rPr lang="en-AU" sz="2200" dirty="0"/>
-                <a:t>Step 1) Set the factor</a:t>
-              </a:r>
-            </a:p>
-            <a:p>
-              <a:r>
-                <a:rPr lang="en-AU" sz="2000" dirty="0"/>
-                <a:t>1 + (8 - 1) mod 3 = </a:t>
-              </a:r>
-            </a:p>
-            <a:p>
-              <a:r>
-                <a:rPr lang="en-AU" sz="2200" dirty="0"/>
-                <a:t>Permutation 2</a:t>
-              </a:r>
-            </a:p>
-          </p:txBody>
-        </p:sp>
-        <p:grpSp>
-          <p:nvGrpSpPr>
-            <p:cNvPr id="27" name="Group 26">
-              <a:extLst>
-                <a:ext uri="{FF2B5EF4-FFF2-40B4-BE49-F238E27FC236}">
-                  <a16:creationId xmlns:a16="http://schemas.microsoft.com/office/drawing/2014/main" id="{11A5E3E4-F384-4451-817C-72C36779D5FB}"/>
-                </a:ext>
-              </a:extLst>
-            </p:cNvPr>
-            <p:cNvGrpSpPr/>
-            <p:nvPr/>
-          </p:nvGrpSpPr>
-          <p:grpSpPr>
-            <a:xfrm>
-              <a:off x="8562473" y="2132882"/>
-              <a:ext cx="2186500" cy="1869139"/>
-              <a:chOff x="9672511" y="796545"/>
-              <a:chExt cx="2186500" cy="1869139"/>
-            </a:xfrm>
-          </p:grpSpPr>
-          <p:sp>
-            <p:nvSpPr>
-              <p:cNvPr id="172" name="TextBox 171">
-                <a:extLst>
-                  <a:ext uri="{FF2B5EF4-FFF2-40B4-BE49-F238E27FC236}">
-                    <a16:creationId xmlns:a16="http://schemas.microsoft.com/office/drawing/2014/main" id="{3580CECD-5258-4A82-8218-E3EBC2FC8C67}"/>
-                  </a:ext>
-                </a:extLst>
-              </p:cNvPr>
-              <p:cNvSpPr txBox="1"/>
-              <p:nvPr/>
-            </p:nvSpPr>
-            <p:spPr>
-              <a:xfrm>
-                <a:off x="9672511" y="796545"/>
-                <a:ext cx="1738102" cy="769441"/>
-              </a:xfrm>
-              <a:prstGeom prst="rect">
-                <a:avLst/>
-              </a:prstGeom>
-              <a:noFill/>
-            </p:spPr>
-            <p:txBody>
-              <a:bodyPr wrap="square" rtlCol="0">
-                <a:spAutoFit/>
-              </a:bodyPr>
-              <a:lstStyle/>
-              <a:p>
-                <a:pPr algn="r"/>
+                <a:pPr marL="457200" indent="-457200">
+                  <a:buFont typeface="Arial" panose="020B0604020202020204" pitchFamily="34" charset="0"/>
+                  <a:buChar char="•"/>
+                </a:pPr>
                 <a:r>
                   <a:rPr lang="en-AU" sz="2200" dirty="0"/>
-                  <a:t>Location </a:t>
+                  <a:t>Solve which of the 56  permutations have the lowest count</a:t>
                 </a:r>
               </a:p>
               <a:p>
-                <a:pPr algn="r"/>
+                <a:pPr marL="457200" indent="-457200">
+                  <a:buFont typeface="Arial" panose="020B0604020202020204" pitchFamily="34" charset="0"/>
+                  <a:buChar char="•"/>
+                </a:pPr>
                 <a:r>
                   <a:rPr lang="en-AU" sz="2200" dirty="0"/>
-                  <a:t>permutations</a:t>
-                </a:r>
-              </a:p>
-            </p:txBody>
-          </p:sp>
-          <p:cxnSp>
-            <p:nvCxnSpPr>
-              <p:cNvPr id="173" name="Straight Connector 172">
-                <a:extLst>
-                  <a:ext uri="{FF2B5EF4-FFF2-40B4-BE49-F238E27FC236}">
-                    <a16:creationId xmlns:a16="http://schemas.microsoft.com/office/drawing/2014/main" id="{87E3EA91-0CD6-4008-B674-6E6D3F119B41}"/>
-                  </a:ext>
-                </a:extLst>
-              </p:cNvPr>
-              <p:cNvCxnSpPr>
-                <a:cxnSpLocks/>
-              </p:cNvCxnSpPr>
-              <p:nvPr/>
-            </p:nvCxnSpPr>
-            <p:spPr>
-              <a:xfrm>
-                <a:off x="9784401" y="1557688"/>
-                <a:ext cx="2074610" cy="5517"/>
-              </a:xfrm>
-              <a:prstGeom prst="line">
-                <a:avLst/>
-              </a:prstGeom>
-              <a:ln w="28575">
-                <a:solidFill>
-                  <a:schemeClr val="tx1"/>
-                </a:solidFill>
-              </a:ln>
-            </p:spPr>
-            <p:style>
-              <a:lnRef idx="1">
-                <a:schemeClr val="accent1"/>
-              </a:lnRef>
-              <a:fillRef idx="0">
-                <a:schemeClr val="accent1"/>
-              </a:fillRef>
-              <a:effectRef idx="0">
-                <a:schemeClr val="accent1"/>
-              </a:effectRef>
-              <a:fontRef idx="minor">
-                <a:schemeClr val="tx1"/>
-              </a:fontRef>
-            </p:style>
-          </p:cxnSp>
-          <p:cxnSp>
-            <p:nvCxnSpPr>
-              <p:cNvPr id="174" name="Straight Connector 173">
-                <a:extLst>
-                  <a:ext uri="{FF2B5EF4-FFF2-40B4-BE49-F238E27FC236}">
-                    <a16:creationId xmlns:a16="http://schemas.microsoft.com/office/drawing/2014/main" id="{397968F3-0138-4B48-A7AC-60504F46DFD6}"/>
-                  </a:ext>
-                </a:extLst>
-              </p:cNvPr>
-              <p:cNvCxnSpPr>
-                <a:cxnSpLocks/>
-              </p:cNvCxnSpPr>
-              <p:nvPr/>
-            </p:nvCxnSpPr>
-            <p:spPr>
-              <a:xfrm flipV="1">
-                <a:off x="11410613" y="842963"/>
-                <a:ext cx="1" cy="1805886"/>
-              </a:xfrm>
-              <a:prstGeom prst="line">
-                <a:avLst/>
-              </a:prstGeom>
-              <a:ln w="28575">
-                <a:solidFill>
-                  <a:schemeClr val="tx1"/>
-                </a:solidFill>
-              </a:ln>
-            </p:spPr>
-            <p:style>
-              <a:lnRef idx="1">
-                <a:schemeClr val="accent1"/>
-              </a:lnRef>
-              <a:fillRef idx="0">
-                <a:schemeClr val="accent1"/>
-              </a:fillRef>
-              <a:effectRef idx="0">
-                <a:schemeClr val="accent1"/>
-              </a:effectRef>
-              <a:fontRef idx="minor">
-                <a:schemeClr val="tx1"/>
-              </a:fontRef>
-            </p:style>
-          </p:cxnSp>
-          <p:sp>
-            <p:nvSpPr>
-              <p:cNvPr id="133" name="Rectangle: Rounded Corners 132">
-                <a:extLst>
-                  <a:ext uri="{FF2B5EF4-FFF2-40B4-BE49-F238E27FC236}">
-                    <a16:creationId xmlns:a16="http://schemas.microsoft.com/office/drawing/2014/main" id="{711936FD-333F-48A5-97BB-9170978FF7B3}"/>
-                  </a:ext>
-                </a:extLst>
-              </p:cNvPr>
-              <p:cNvSpPr/>
-              <p:nvPr/>
-            </p:nvSpPr>
-            <p:spPr>
-              <a:xfrm>
-                <a:off x="11509884" y="1628880"/>
-                <a:ext cx="288000" cy="288000"/>
-              </a:xfrm>
-              <a:prstGeom prst="roundRect">
-                <a:avLst/>
-              </a:prstGeom>
-              <a:solidFill>
-                <a:srgbClr val="7030A0"/>
-              </a:solidFill>
-              <a:ln>
-                <a:solidFill>
-                  <a:schemeClr val="tx1"/>
-                </a:solidFill>
-              </a:ln>
-            </p:spPr>
-            <p:style>
-              <a:lnRef idx="2">
-                <a:schemeClr val="accent2">
-                  <a:shade val="50000"/>
-                </a:schemeClr>
-              </a:lnRef>
-              <a:fillRef idx="1">
-                <a:schemeClr val="accent2"/>
-              </a:fillRef>
-              <a:effectRef idx="0">
-                <a:schemeClr val="accent2"/>
-              </a:effectRef>
-              <a:fontRef idx="minor">
-                <a:schemeClr val="lt1"/>
-              </a:fontRef>
-            </p:style>
-            <p:txBody>
-              <a:bodyPr rtlCol="0" anchor="ctr"/>
-              <a:lstStyle/>
-              <a:p>
-                <a:pPr algn="ctr"/>
-                <a:r>
-                  <a:rPr lang="en-US" sz="2200" dirty="0"/>
-                  <a:t>1</a:t>
-                </a:r>
-                <a:endParaRPr lang="en-AU" sz="2200" dirty="0"/>
-              </a:p>
-            </p:txBody>
-          </p:sp>
-          <p:sp>
-            <p:nvSpPr>
-              <p:cNvPr id="134" name="Rectangle: Rounded Corners 133">
-                <a:extLst>
-                  <a:ext uri="{FF2B5EF4-FFF2-40B4-BE49-F238E27FC236}">
-                    <a16:creationId xmlns:a16="http://schemas.microsoft.com/office/drawing/2014/main" id="{37ECF1E9-28F6-4611-AACF-ACA9146CB603}"/>
-                  </a:ext>
-                </a:extLst>
-              </p:cNvPr>
-              <p:cNvSpPr/>
-              <p:nvPr/>
-            </p:nvSpPr>
-            <p:spPr>
-              <a:xfrm>
-                <a:off x="11509883" y="1962266"/>
-                <a:ext cx="288000" cy="288000"/>
-              </a:xfrm>
-              <a:prstGeom prst="roundRect">
-                <a:avLst/>
-              </a:prstGeom>
-              <a:solidFill>
-                <a:schemeClr val="accent6">
-                  <a:lumMod val="75000"/>
-                </a:schemeClr>
-              </a:solidFill>
-              <a:ln>
-                <a:solidFill>
-                  <a:schemeClr val="tx1"/>
-                </a:solidFill>
-              </a:ln>
-            </p:spPr>
-            <p:style>
-              <a:lnRef idx="2">
-                <a:schemeClr val="accent1">
-                  <a:shade val="50000"/>
-                </a:schemeClr>
-              </a:lnRef>
-              <a:fillRef idx="1">
-                <a:schemeClr val="accent1"/>
-              </a:fillRef>
-              <a:effectRef idx="0">
-                <a:schemeClr val="accent1"/>
-              </a:effectRef>
-              <a:fontRef idx="minor">
-                <a:schemeClr val="lt1"/>
-              </a:fontRef>
-            </p:style>
-            <p:txBody>
-              <a:bodyPr rtlCol="0" anchor="ctr"/>
-              <a:lstStyle/>
-              <a:p>
-                <a:pPr algn="ctr"/>
-                <a:r>
-                  <a:rPr lang="en-US" sz="2200" dirty="0"/>
-                  <a:t>2</a:t>
-                </a:r>
-                <a:endParaRPr lang="en-AU" sz="2200" dirty="0"/>
-              </a:p>
-            </p:txBody>
-          </p:sp>
-          <p:sp>
-            <p:nvSpPr>
-              <p:cNvPr id="141" name="Rectangle: Rounded Corners 140">
-                <a:extLst>
-                  <a:ext uri="{FF2B5EF4-FFF2-40B4-BE49-F238E27FC236}">
-                    <a16:creationId xmlns:a16="http://schemas.microsoft.com/office/drawing/2014/main" id="{2612D18C-BBDA-432A-8CEA-C21820817C3E}"/>
-                  </a:ext>
-                </a:extLst>
-              </p:cNvPr>
-              <p:cNvSpPr/>
-              <p:nvPr/>
-            </p:nvSpPr>
-            <p:spPr>
-              <a:xfrm>
-                <a:off x="11509758" y="2294070"/>
-                <a:ext cx="288000" cy="288000"/>
-              </a:xfrm>
-              <a:prstGeom prst="roundRect">
-                <a:avLst/>
-              </a:prstGeom>
-              <a:solidFill>
-                <a:srgbClr val="C00000"/>
-              </a:solidFill>
-              <a:ln>
-                <a:solidFill>
-                  <a:schemeClr val="tx1"/>
-                </a:solidFill>
-              </a:ln>
-            </p:spPr>
-            <p:style>
-              <a:lnRef idx="2">
-                <a:schemeClr val="accent1">
-                  <a:shade val="50000"/>
-                </a:schemeClr>
-              </a:lnRef>
-              <a:fillRef idx="1">
-                <a:schemeClr val="accent1"/>
-              </a:fillRef>
-              <a:effectRef idx="0">
-                <a:schemeClr val="accent1"/>
-              </a:effectRef>
-              <a:fontRef idx="minor">
-                <a:schemeClr val="lt1"/>
-              </a:fontRef>
-            </p:style>
-            <p:txBody>
-              <a:bodyPr rtlCol="0" anchor="ctr"/>
-              <a:lstStyle/>
-              <a:p>
-                <a:pPr algn="ctr"/>
-                <a:r>
-                  <a:rPr lang="en-US" sz="2200" dirty="0"/>
-                  <a:t>3</a:t>
-                </a:r>
-                <a:endParaRPr lang="en-AU" sz="2200" dirty="0"/>
-              </a:p>
-            </p:txBody>
-          </p:sp>
-          <p:sp>
-            <p:nvSpPr>
-              <p:cNvPr id="155" name="Rectangle: Rounded Corners 154">
-                <a:extLst>
-                  <a:ext uri="{FF2B5EF4-FFF2-40B4-BE49-F238E27FC236}">
-                    <a16:creationId xmlns:a16="http://schemas.microsoft.com/office/drawing/2014/main" id="{38521A53-C009-47DB-B912-A63CD749FA45}"/>
-                  </a:ext>
-                </a:extLst>
-              </p:cNvPr>
-              <p:cNvSpPr/>
-              <p:nvPr/>
-            </p:nvSpPr>
-            <p:spPr>
-              <a:xfrm>
-                <a:off x="11138106" y="2269089"/>
-                <a:ext cx="720905" cy="338026"/>
-              </a:xfrm>
-              <a:prstGeom prst="roundRect">
-                <a:avLst/>
-              </a:prstGeom>
-              <a:noFill/>
-              <a:ln w="28575">
-                <a:solidFill>
-                  <a:srgbClr val="FF0000"/>
-                </a:solidFill>
-              </a:ln>
-            </p:spPr>
-            <p:style>
-              <a:lnRef idx="2">
-                <a:schemeClr val="accent1">
-                  <a:shade val="50000"/>
-                </a:schemeClr>
-              </a:lnRef>
-              <a:fillRef idx="1">
-                <a:schemeClr val="accent1"/>
-              </a:fillRef>
-              <a:effectRef idx="0">
-                <a:schemeClr val="accent1"/>
-              </a:effectRef>
-              <a:fontRef idx="minor">
-                <a:schemeClr val="lt1"/>
-              </a:fontRef>
-            </p:style>
-            <p:txBody>
-              <a:bodyPr rtlCol="0" anchor="ctr"/>
-              <a:lstStyle/>
-              <a:p>
-                <a:pPr algn="ctr"/>
-                <a:endParaRPr lang="en-AU"/>
-              </a:p>
-            </p:txBody>
-          </p:sp>
-          <p:sp>
-            <p:nvSpPr>
-              <p:cNvPr id="218" name="TextBox 217">
-                <a:extLst>
-                  <a:ext uri="{FF2B5EF4-FFF2-40B4-BE49-F238E27FC236}">
-                    <a16:creationId xmlns:a16="http://schemas.microsoft.com/office/drawing/2014/main" id="{A2FA9BA4-16D7-453F-BB08-7DC1E607668A}"/>
-                  </a:ext>
-                </a:extLst>
-              </p:cNvPr>
-              <p:cNvSpPr txBox="1"/>
-              <p:nvPr/>
-            </p:nvSpPr>
-            <p:spPr>
-              <a:xfrm>
-                <a:off x="11088199" y="1557688"/>
-                <a:ext cx="345221" cy="1107996"/>
-              </a:xfrm>
-              <a:prstGeom prst="rect">
-                <a:avLst/>
-              </a:prstGeom>
-              <a:noFill/>
-            </p:spPr>
-            <p:txBody>
-              <a:bodyPr wrap="square" rtlCol="0">
-                <a:spAutoFit/>
-              </a:bodyPr>
-              <a:lstStyle/>
-              <a:p>
-                <a:pPr algn="r"/>
-                <a:r>
-                  <a:rPr lang="en-AU" sz="2200" dirty="0"/>
-                  <a:t>1</a:t>
+                  <a:t>Randomly assign one to the participant;</a:t>
                 </a:r>
               </a:p>
               <a:p>
-                <a:pPr algn="r"/>
-                <a:r>
-                  <a:rPr lang="en-US" sz="2200" dirty="0"/>
-                  <a:t>2</a:t>
-                </a:r>
-                <a:endParaRPr lang="en-AU" sz="2200" dirty="0"/>
-              </a:p>
-              <a:p>
-                <a:pPr algn="r"/>
-                <a:r>
-                  <a:rPr lang="en-US" sz="2200" dirty="0"/>
-                  <a:t>3</a:t>
-                </a:r>
-                <a:endParaRPr lang="en-AU" sz="2200" dirty="0"/>
-              </a:p>
-            </p:txBody>
-          </p:sp>
-          <p:sp>
-            <p:nvSpPr>
-              <p:cNvPr id="220" name="TextBox 219">
-                <a:extLst>
-                  <a:ext uri="{FF2B5EF4-FFF2-40B4-BE49-F238E27FC236}">
-                    <a16:creationId xmlns:a16="http://schemas.microsoft.com/office/drawing/2014/main" id="{F3C0D4B3-B048-4A42-A84C-9E4248A3924A}"/>
-                  </a:ext>
-                </a:extLst>
-              </p:cNvPr>
-              <p:cNvSpPr txBox="1"/>
-              <p:nvPr/>
-            </p:nvSpPr>
-            <p:spPr>
-              <a:xfrm>
-                <a:off x="11475996" y="1100671"/>
-                <a:ext cx="345221" cy="430887"/>
-              </a:xfrm>
-              <a:prstGeom prst="rect">
-                <a:avLst/>
-              </a:prstGeom>
-              <a:noFill/>
-            </p:spPr>
-            <p:txBody>
-              <a:bodyPr wrap="square" rtlCol="0">
-                <a:spAutoFit/>
-              </a:bodyPr>
-              <a:lstStyle/>
-              <a:p>
+                <a:pPr marL="457200" indent="-457200">
+                  <a:buFont typeface="Arial" panose="020B0604020202020204" pitchFamily="34" charset="0"/>
+                  <a:buChar char="•"/>
+                </a:pPr>
                 <a:r>
                   <a:rPr lang="en-AU" sz="2200" dirty="0"/>
-                  <a:t>1</a:t>
+                  <a:t>Set the factor order, location, and </a:t>
+                </a:r>
+                <a:r>
+                  <a:rPr lang="en-AU" sz="2200" dirty="0" err="1"/>
+                  <a:t>vc</a:t>
+                </a:r>
+                <a:r>
+                  <a:rPr lang="en-AU" sz="2200" dirty="0"/>
+                  <a:t> order</a:t>
                 </a:r>
               </a:p>
             </p:txBody>
           </p:sp>
         </p:grpSp>
-        <p:sp>
-          <p:nvSpPr>
-            <p:cNvPr id="188" name="TextBox 187">
-              <a:extLst>
-                <a:ext uri="{FF2B5EF4-FFF2-40B4-BE49-F238E27FC236}">
-                  <a16:creationId xmlns:a16="http://schemas.microsoft.com/office/drawing/2014/main" id="{3D705AAD-8F0F-4BF4-BC4A-4B03212DC3BA}"/>
-                </a:ext>
-              </a:extLst>
-            </p:cNvPr>
-            <p:cNvSpPr txBox="1"/>
-            <p:nvPr/>
-          </p:nvSpPr>
-          <p:spPr>
-            <a:xfrm>
-              <a:off x="6486619" y="2908909"/>
-              <a:ext cx="3807073" cy="1138773"/>
-            </a:xfrm>
-            <a:prstGeom prst="rect">
-              <a:avLst/>
-            </a:prstGeom>
-            <a:noFill/>
-          </p:spPr>
-          <p:txBody>
-            <a:bodyPr wrap="square" rtlCol="0">
-              <a:spAutoFit/>
-            </a:bodyPr>
-            <a:lstStyle/>
-            <a:p>
-              <a:r>
-                <a:rPr lang="en-US" sz="2400" dirty="0"/>
-                <a:t>Step 2) Set location</a:t>
-              </a:r>
-            </a:p>
-            <a:p>
-              <a:r>
-                <a:rPr lang="en-US" sz="2000" dirty="0"/>
-                <a:t>1 + floor((</a:t>
-              </a:r>
-              <a:r>
-                <a:rPr lang="en-US" sz="2000" b="1" dirty="0"/>
-                <a:t>8 – 1) </a:t>
-              </a:r>
-              <a:r>
-                <a:rPr lang="en-US" sz="2000" dirty="0"/>
-                <a:t>/ 3) mod 3 = </a:t>
-              </a:r>
-            </a:p>
-            <a:p>
-              <a:r>
-                <a:rPr lang="en-US" sz="2400" dirty="0"/>
-                <a:t>Permutation 3</a:t>
-              </a:r>
-              <a:endParaRPr lang="en-AU" sz="2200" dirty="0"/>
-            </a:p>
-          </p:txBody>
-        </p:sp>
-        <p:sp>
-          <p:nvSpPr>
-            <p:cNvPr id="189" name="TextBox 188">
-              <a:extLst>
-                <a:ext uri="{FF2B5EF4-FFF2-40B4-BE49-F238E27FC236}">
-                  <a16:creationId xmlns:a16="http://schemas.microsoft.com/office/drawing/2014/main" id="{A19ED8DE-EE44-4AEC-AD6E-95691FB26915}"/>
-                </a:ext>
-              </a:extLst>
-            </p:cNvPr>
-            <p:cNvSpPr txBox="1"/>
-            <p:nvPr/>
-          </p:nvSpPr>
-          <p:spPr>
-            <a:xfrm>
-              <a:off x="6486619" y="4911363"/>
-              <a:ext cx="3792725" cy="1138773"/>
-            </a:xfrm>
-            <a:prstGeom prst="rect">
-              <a:avLst/>
-            </a:prstGeom>
-            <a:noFill/>
-          </p:spPr>
-          <p:txBody>
-            <a:bodyPr wrap="square" rtlCol="0">
-              <a:spAutoFit/>
-            </a:bodyPr>
-            <a:lstStyle/>
-            <a:p>
-              <a:r>
-                <a:rPr lang="en-US" sz="2400" dirty="0"/>
-                <a:t>Step 3) Set VC order</a:t>
-              </a:r>
-            </a:p>
-            <a:p>
-              <a:r>
-                <a:rPr lang="en-US" sz="2000" dirty="0"/>
-                <a:t>(1 + floor(</a:t>
-              </a:r>
-              <a:r>
-                <a:rPr lang="en-US" sz="2000" b="1" dirty="0"/>
-                <a:t>8</a:t>
-              </a:r>
-              <a:r>
-                <a:rPr lang="en-US" sz="2000" dirty="0"/>
-                <a:t>/9)) mod 6 = </a:t>
-              </a:r>
-            </a:p>
-            <a:p>
-              <a:r>
-                <a:rPr lang="en-US" sz="2400" dirty="0"/>
-                <a:t>Permutation 2</a:t>
-              </a:r>
-              <a:endParaRPr lang="en-AU" sz="2200" dirty="0"/>
-            </a:p>
-          </p:txBody>
-        </p:sp>
       </p:grpSp>
       <p:graphicFrame>
         <p:nvGraphicFramePr>
@@ -13918,13 +11567,13 @@
           <p:nvPr>
             <p:extLst>
               <p:ext uri="{D42A27DB-BD31-4B8C-83A1-F6EECF244321}">
-                <p14:modId xmlns:p14="http://schemas.microsoft.com/office/powerpoint/2010/main" val="883248623"/>
+                <p14:modId xmlns:p14="http://schemas.microsoft.com/office/powerpoint/2010/main" val="1649209532"/>
               </p:ext>
             </p:extLst>
           </p:nvPr>
         </p:nvGraphicFramePr>
         <p:xfrm>
-          <a:off x="3374682" y="7858243"/>
+          <a:off x="3425181" y="7362542"/>
           <a:ext cx="7272000" cy="3947160"/>
         </p:xfrm>
         <a:graphic>
@@ -14031,7 +11680,7 @@
                     <a:p>
                       <a:pPr algn="l" fontAlgn="b"/>
                       <a:r>
-                        <a:rPr lang="en-AU" sz="1800" b="0" i="0" u="none" strike="noStrike">
+                        <a:rPr lang="en-AU" sz="1800" b="0" i="0" u="none" strike="noStrike" dirty="0">
                           <a:solidFill>
                             <a:srgbClr val="000000"/>
                           </a:solidFill>
@@ -15229,7 +12878,7 @@
         </p:nvSpPr>
         <p:spPr>
           <a:xfrm rot="20929708">
-            <a:off x="184791" y="4518536"/>
+            <a:off x="12941248" y="2677042"/>
             <a:ext cx="3071343" cy="1200329"/>
           </a:xfrm>
           <a:prstGeom prst="rect">
@@ -15256,44 +12905,6 @@
                 <a:srgbClr val="FF0000"/>
               </a:solidFill>
             </a:endParaRPr>
-          </a:p>
-        </p:txBody>
-      </p:sp>
-      <p:sp>
-        <p:nvSpPr>
-          <p:cNvPr id="216" name="TextBox 215">
-            <a:extLst>
-              <a:ext uri="{FF2B5EF4-FFF2-40B4-BE49-F238E27FC236}">
-                <a16:creationId xmlns:a16="http://schemas.microsoft.com/office/drawing/2014/main" id="{11FFAC7F-783F-4225-9F29-9324484B0A68}"/>
-              </a:ext>
-            </a:extLst>
-          </p:cNvPr>
-          <p:cNvSpPr txBox="1"/>
-          <p:nvPr/>
-        </p:nvSpPr>
-        <p:spPr>
-          <a:xfrm>
-            <a:off x="12453719" y="2718961"/>
-            <a:ext cx="4191000" cy="646331"/>
-          </a:xfrm>
-          <a:prstGeom prst="rect">
-            <a:avLst/>
-          </a:prstGeom>
-          <a:noFill/>
-        </p:spPr>
-        <p:txBody>
-          <a:bodyPr wrap="square" rtlCol="0">
-            <a:spAutoFit/>
-          </a:bodyPr>
-          <a:lstStyle/>
-          <a:p>
-            <a:r>
-              <a:rPr lang="en-AU" dirty="0"/>
-              <a:t>18 simulations, each person only sees 6.</a:t>
-            </a:r>
-          </a:p>
-          <a:p>
-            <a:endParaRPr lang="en-AU" dirty="0"/>
           </a:p>
         </p:txBody>
       </p:sp>
@@ -15342,14 +12953,14 @@
           <p:nvPr>
             <p:extLst>
               <p:ext uri="{D42A27DB-BD31-4B8C-83A1-F6EECF244321}">
-                <p14:modId xmlns:p14="http://schemas.microsoft.com/office/powerpoint/2010/main" val="2674215554"/>
+                <p14:modId xmlns:p14="http://schemas.microsoft.com/office/powerpoint/2010/main" val="1934742013"/>
               </p:ext>
             </p:extLst>
           </p:nvPr>
         </p:nvGraphicFramePr>
         <p:xfrm>
-          <a:off x="4654576" y="2345131"/>
-          <a:ext cx="7462423" cy="1760220"/>
+          <a:off x="4885744" y="3372166"/>
+          <a:ext cx="7091999" cy="1613880"/>
         </p:xfrm>
         <a:graphic>
           <a:graphicData uri="http://schemas.openxmlformats.org/drawingml/2006/table">
@@ -15358,56 +12969,56 @@
                 <a:tableStyleId>{5C22544A-7EE6-4342-B048-85BDC9FD1C3A}</a:tableStyleId>
               </a:tblPr>
               <a:tblGrid>
-                <a:gridCol w="655574">
+                <a:gridCol w="623031">
                   <a:extLst>
                     <a:ext uri="{9D8B030D-6E8A-4147-A177-3AD203B41FA5}">
                       <a16:colId xmlns:a16="http://schemas.microsoft.com/office/drawing/2014/main" val="3488268334"/>
                     </a:ext>
                   </a:extLst>
                 </a:gridCol>
-                <a:gridCol w="426124">
+                <a:gridCol w="404969">
                   <a:extLst>
                     <a:ext uri="{9D8B030D-6E8A-4147-A177-3AD203B41FA5}">
                       <a16:colId xmlns:a16="http://schemas.microsoft.com/office/drawing/2014/main" val="491055168"/>
                     </a:ext>
                   </a:extLst>
                 </a:gridCol>
-                <a:gridCol w="655574">
+                <a:gridCol w="623031">
                   <a:extLst>
                     <a:ext uri="{9D8B030D-6E8A-4147-A177-3AD203B41FA5}">
                       <a16:colId xmlns:a16="http://schemas.microsoft.com/office/drawing/2014/main" val="3695711225"/>
                     </a:ext>
                   </a:extLst>
                 </a:gridCol>
-                <a:gridCol w="786690">
+                <a:gridCol w="747641">
                   <a:extLst>
                     <a:ext uri="{9D8B030D-6E8A-4147-A177-3AD203B41FA5}">
                       <a16:colId xmlns:a16="http://schemas.microsoft.com/office/drawing/2014/main" val="1254602596"/>
                     </a:ext>
                   </a:extLst>
                 </a:gridCol>
-                <a:gridCol w="1013328">
+                <a:gridCol w="963030">
                   <a:extLst>
                     <a:ext uri="{9D8B030D-6E8A-4147-A177-3AD203B41FA5}">
                       <a16:colId xmlns:a16="http://schemas.microsoft.com/office/drawing/2014/main" val="2624790650"/>
                     </a:ext>
                   </a:extLst>
                 </a:gridCol>
-                <a:gridCol w="721133">
+                <a:gridCol w="685336">
                   <a:extLst>
                     <a:ext uri="{9D8B030D-6E8A-4147-A177-3AD203B41FA5}">
                       <a16:colId xmlns:a16="http://schemas.microsoft.com/office/drawing/2014/main" val="1330532218"/>
                     </a:ext>
                   </a:extLst>
                 </a:gridCol>
-                <a:gridCol w="2088000">
+                <a:gridCol w="1984357">
                   <a:extLst>
                     <a:ext uri="{9D8B030D-6E8A-4147-A177-3AD203B41FA5}">
                       <a16:colId xmlns:a16="http://schemas.microsoft.com/office/drawing/2014/main" val="907526158"/>
                     </a:ext>
                   </a:extLst>
                 </a:gridCol>
-                <a:gridCol w="1116000">
+                <a:gridCol w="1060604">
                   <a:extLst>
                     <a:ext uri="{9D8B030D-6E8A-4147-A177-3AD203B41FA5}">
                       <a16:colId xmlns:a16="http://schemas.microsoft.com/office/drawing/2014/main" val="1884770232"/>
@@ -15415,7 +13026,7 @@
                   </a:extLst>
                 </a:gridCol>
               </a:tblGrid>
-              <a:tr h="0">
+              <a:tr h="288000">
                 <a:tc>
                   <a:txBody>
                     <a:bodyPr/>
@@ -15423,18 +13034,18 @@
                     <a:p>
                       <a:pPr algn="l" fontAlgn="b"/>
                       <a:r>
-                        <a:rPr lang="en-AU" sz="1600" b="0" i="0" u="none" strike="noStrike" dirty="0">
+                        <a:rPr lang="en-AU" sz="1400" b="1" i="0" u="none" strike="noStrike" dirty="0">
                           <a:solidFill>
-                            <a:srgbClr val="000000"/>
+                            <a:schemeClr val="bg1"/>
                           </a:solidFill>
                           <a:effectLst/>
                           <a:latin typeface="Calibri" panose="020F0502020204030204" pitchFamily="34" charset="0"/>
                         </a:rPr>
-                        <a:t>period</a:t>
-                      </a:r>
-                    </a:p>
-                  </a:txBody>
-                  <a:tcPr marL="7620" marR="7620" marT="7620" marB="0" anchor="b"/>
+                        <a:t>Period</a:t>
+                      </a:r>
+                    </a:p>
+                  </a:txBody>
+                  <a:tcPr marL="7620" marR="7620" marT="7620" marB="0" anchor="ctr"/>
                 </a:tc>
                 <a:tc>
                   <a:txBody>
@@ -15443,18 +13054,18 @@
                     <a:p>
                       <a:pPr algn="l" fontAlgn="b"/>
                       <a:r>
-                        <a:rPr lang="en-AU" sz="1600" b="0" i="0" u="none" strike="noStrike" dirty="0">
+                        <a:rPr lang="en-AU" sz="1400" b="1" i="0" u="none" strike="noStrike" dirty="0">
                           <a:solidFill>
-                            <a:srgbClr val="000000"/>
+                            <a:schemeClr val="bg1"/>
                           </a:solidFill>
                           <a:effectLst/>
                           <a:latin typeface="Calibri" panose="020F0502020204030204" pitchFamily="34" charset="0"/>
                         </a:rPr>
-                        <a:t>rep</a:t>
-                      </a:r>
-                    </a:p>
-                  </a:txBody>
-                  <a:tcPr marL="7620" marR="7620" marT="7620" marB="0" anchor="b"/>
+                        <a:t>Rep</a:t>
+                      </a:r>
+                    </a:p>
+                  </a:txBody>
+                  <a:tcPr marL="7620" marR="7620" marT="7620" marB="0" anchor="ctr"/>
                 </a:tc>
                 <a:tc>
                   <a:txBody>
@@ -15463,18 +13074,18 @@
                     <a:p>
                       <a:pPr algn="l" fontAlgn="b"/>
                       <a:r>
-                        <a:rPr lang="en-AU" sz="1600" b="0" i="1" u="none" strike="noStrike" dirty="0">
+                        <a:rPr lang="en-AU" sz="1400" b="1" i="1" u="none" strike="noStrike" dirty="0">
                           <a:solidFill>
-                            <a:srgbClr val="000000"/>
+                            <a:schemeClr val="bg1"/>
                           </a:solidFill>
                           <a:effectLst/>
                           <a:latin typeface="Calibri" panose="020F0502020204030204" pitchFamily="34" charset="0"/>
                         </a:rPr>
-                        <a:t>factor</a:t>
-                      </a:r>
-                    </a:p>
-                  </a:txBody>
-                  <a:tcPr marL="7620" marR="7620" marT="7620" marB="0" anchor="b"/>
+                        <a:t>Factor</a:t>
+                      </a:r>
+                    </a:p>
+                  </a:txBody>
+                  <a:tcPr marL="7620" marR="7620" marT="7620" marB="0" anchor="ctr"/>
                 </a:tc>
                 <a:tc>
                   <a:txBody>
@@ -15483,9 +13094,9 @@
                     <a:p>
                       <a:pPr algn="l" fontAlgn="b"/>
                       <a:r>
-                        <a:rPr lang="en-AU" sz="1600" b="0" i="1" u="none" strike="noStrike" dirty="0">
+                        <a:rPr lang="en-AU" sz="1400" b="1" i="1" u="none" strike="noStrike" dirty="0">
                           <a:solidFill>
-                            <a:srgbClr val="000000"/>
+                            <a:schemeClr val="bg1"/>
                           </a:solidFill>
                           <a:effectLst/>
                           <a:latin typeface="Calibri" panose="020F0502020204030204" pitchFamily="34" charset="0"/>
@@ -15494,7 +13105,7 @@
                       </a:r>
                     </a:p>
                   </a:txBody>
-                  <a:tcPr marL="7620" marR="7620" marT="7620" marB="0" anchor="b"/>
+                  <a:tcPr marL="7620" marR="7620" marT="7620" marB="0" anchor="ctr"/>
                 </a:tc>
                 <a:tc>
                   <a:txBody>
@@ -15503,9 +13114,9 @@
                     <a:p>
                       <a:pPr algn="l" fontAlgn="b"/>
                       <a:r>
-                        <a:rPr lang="en-AU" sz="1600" b="0" i="0" u="none" strike="noStrike" dirty="0">
+                        <a:rPr lang="en-AU" sz="1400" b="1" i="0" u="none" strike="noStrike" dirty="0">
                           <a:solidFill>
-                            <a:srgbClr val="000000"/>
+                            <a:schemeClr val="bg1"/>
                           </a:solidFill>
                           <a:effectLst/>
                           <a:latin typeface="Calibri" panose="020F0502020204030204" pitchFamily="34" charset="0"/>
@@ -15514,7 +13125,7 @@
                       </a:r>
                     </a:p>
                   </a:txBody>
-                  <a:tcPr marL="7620" marR="7620" marT="7620" marB="0" anchor="b"/>
+                  <a:tcPr marL="7620" marR="7620" marT="7620" marB="0" anchor="ctr"/>
                 </a:tc>
                 <a:tc>
                   <a:txBody>
@@ -15523,18 +13134,18 @@
                     <a:p>
                       <a:pPr algn="l" fontAlgn="b"/>
                       <a:r>
-                        <a:rPr lang="en-AU" sz="1600" b="0" i="1" u="none" strike="noStrike" dirty="0">
+                        <a:rPr lang="en-AU" sz="1400" b="1" i="1" u="none" strike="noStrike" dirty="0">
                           <a:solidFill>
-                            <a:srgbClr val="000000"/>
+                            <a:schemeClr val="bg1"/>
                           </a:solidFill>
                           <a:effectLst/>
                           <a:latin typeface="Calibri" panose="020F0502020204030204" pitchFamily="34" charset="0"/>
                         </a:rPr>
-                        <a:t>location</a:t>
-                      </a:r>
-                    </a:p>
-                  </a:txBody>
-                  <a:tcPr marL="7620" marR="7620" marT="7620" marB="0" anchor="b"/>
+                        <a:t>Location</a:t>
+                      </a:r>
+                    </a:p>
+                  </a:txBody>
+                  <a:tcPr marL="7620" marR="7620" marT="7620" marB="0" anchor="ctr"/>
                 </a:tc>
                 <a:tc>
                   <a:txBody>
@@ -15543,9 +13154,9 @@
                     <a:p>
                       <a:pPr algn="l" fontAlgn="b"/>
                       <a:r>
-                        <a:rPr lang="en-AU" sz="1600" b="0" i="0" u="none" strike="noStrike" dirty="0">
+                        <a:rPr lang="en-AU" sz="1400" b="1" i="0" u="none" strike="noStrike" dirty="0">
                           <a:solidFill>
-                            <a:srgbClr val="000000"/>
+                            <a:schemeClr val="bg1"/>
                           </a:solidFill>
                           <a:effectLst/>
                           <a:latin typeface="Calibri" panose="020F0502020204030204" pitchFamily="34" charset="0"/>
@@ -15554,7 +13165,7 @@
                       </a:r>
                     </a:p>
                   </a:txBody>
-                  <a:tcPr marL="7620" marR="7620" marT="7620" marB="0" anchor="b"/>
+                  <a:tcPr marL="7620" marR="7620" marT="7620" marB="0" anchor="ctr"/>
                 </a:tc>
                 <a:tc>
                   <a:txBody>
@@ -15563,9 +13174,9 @@
                     <a:p>
                       <a:pPr algn="l" fontAlgn="b"/>
                       <a:r>
-                        <a:rPr lang="en-AU" sz="1600" b="0" i="0" u="none" strike="noStrike" dirty="0">
+                        <a:rPr lang="en-AU" sz="1400" b="1" i="0" u="none" strike="noStrike" dirty="0">
                           <a:solidFill>
-                            <a:srgbClr val="000000"/>
+                            <a:schemeClr val="bg1"/>
                           </a:solidFill>
                           <a:effectLst/>
                           <a:latin typeface="Calibri" panose="020F0502020204030204" pitchFamily="34" charset="0"/>
@@ -15574,7 +13185,7 @@
                       </a:r>
                     </a:p>
                   </a:txBody>
-                  <a:tcPr marL="7620" marR="7620" marT="7620" marB="0" anchor="b"/>
+                  <a:tcPr marL="7620" marR="7620" marT="7620" marB="0" anchor="ctr"/>
                 </a:tc>
                 <a:extLst>
                   <a:ext uri="{0D108BD9-81ED-4DB2-BD59-A6C34878D82A}">
@@ -15590,7 +13201,7 @@
                     <a:p>
                       <a:pPr algn="l" fontAlgn="b"/>
                       <a:r>
-                        <a:rPr lang="en-AU" sz="1600" b="0" i="0" u="none" strike="noStrike" dirty="0">
+                        <a:rPr lang="en-AU" sz="1400" b="0" i="0" u="none" strike="noStrike" dirty="0">
                           <a:solidFill>
                             <a:srgbClr val="000000"/>
                           </a:solidFill>
@@ -15610,7 +13221,7 @@
                     <a:p>
                       <a:pPr algn="l" fontAlgn="b"/>
                       <a:r>
-                        <a:rPr lang="en-AU" sz="1600" b="0" i="0" u="none" strike="noStrike" dirty="0">
+                        <a:rPr lang="en-AU" sz="1400" b="0" i="0" u="none" strike="noStrike" dirty="0">
                           <a:solidFill>
                             <a:srgbClr val="000000"/>
                           </a:solidFill>
@@ -15630,7 +13241,7 @@
                     <a:p>
                       <a:pPr algn="l" fontAlgn="b"/>
                       <a:r>
-                        <a:rPr lang="en-AU" sz="1600" b="0" i="1" u="none" strike="noStrike" dirty="0">
+                        <a:rPr lang="en-AU" sz="1400" b="0" i="1" u="none" strike="noStrike" dirty="0">
                           <a:solidFill>
                             <a:srgbClr val="000000"/>
                           </a:solidFill>
@@ -15650,7 +13261,7 @@
                     <a:p>
                       <a:pPr algn="l" fontAlgn="b"/>
                       <a:r>
-                        <a:rPr lang="en-AU" sz="1600" b="0" i="1" u="none" strike="noStrike" dirty="0">
+                        <a:rPr lang="en-AU" sz="1400" b="0" i="1" u="none" strike="noStrike" dirty="0">
                           <a:solidFill>
                             <a:srgbClr val="000000"/>
                           </a:solidFill>
@@ -15670,7 +13281,7 @@
                     <a:p>
                       <a:pPr algn="l" fontAlgn="b"/>
                       <a:r>
-                        <a:rPr lang="en-AU" sz="1600" b="0" i="0" u="none" strike="noStrike" dirty="0">
+                        <a:rPr lang="en-AU" sz="1400" b="0" i="0" u="none" strike="noStrike" dirty="0">
                           <a:solidFill>
                             <a:srgbClr val="000000"/>
                           </a:solidFill>
@@ -15690,7 +13301,7 @@
                     <a:p>
                       <a:pPr algn="l" fontAlgn="b"/>
                       <a:r>
-                        <a:rPr lang="en-AU" sz="1600" b="0" i="1" u="none" strike="noStrike" dirty="0">
+                        <a:rPr lang="en-AU" sz="1400" b="0" i="1" u="none" strike="noStrike" dirty="0">
                           <a:solidFill>
                             <a:srgbClr val="000000"/>
                           </a:solidFill>
@@ -15710,7 +13321,7 @@
                     <a:p>
                       <a:pPr algn="l" fontAlgn="b"/>
                       <a:r>
-                        <a:rPr lang="en-AU" sz="1600" b="0" i="0" u="none" strike="noStrike" dirty="0">
+                        <a:rPr lang="en-AU" sz="1400" b="0" i="0" u="none" strike="noStrike" dirty="0">
                           <a:solidFill>
                             <a:srgbClr val="000000"/>
                           </a:solidFill>
@@ -15730,14 +13341,14 @@
                     <a:p>
                       <a:pPr algn="l" fontAlgn="b"/>
                       <a:r>
-                        <a:rPr lang="en-AU" sz="1600" b="0" i="0" u="none" strike="noStrike" dirty="0">
+                        <a:rPr lang="en-AU" sz="1400" b="0" i="0" u="none" strike="noStrike" dirty="0">
                           <a:solidFill>
                             <a:srgbClr val="000000"/>
                           </a:solidFill>
                           <a:effectLst/>
                           <a:latin typeface="Calibri" panose="020F0502020204030204" pitchFamily="34" charset="0"/>
                         </a:rPr>
-                        <a:t>P4_path1</a:t>
+                        <a:t>p4_path1</a:t>
                       </a:r>
                     </a:p>
                   </a:txBody>
@@ -15757,7 +13368,7 @@
                     <a:p>
                       <a:pPr algn="l" fontAlgn="b"/>
                       <a:r>
-                        <a:rPr lang="en-AU" sz="1600" b="0" i="0" u="none" strike="noStrike" dirty="0">
+                        <a:rPr lang="en-AU" sz="1400" b="0" i="0" u="none" strike="noStrike" dirty="0">
                           <a:solidFill>
                             <a:srgbClr val="000000"/>
                           </a:solidFill>
@@ -15777,7 +13388,7 @@
                     <a:p>
                       <a:pPr algn="l" fontAlgn="b"/>
                       <a:r>
-                        <a:rPr lang="en-AU" sz="1600" b="0" i="0" u="none" strike="noStrike" dirty="0">
+                        <a:rPr lang="en-AU" sz="1400" b="0" i="0" u="none" strike="noStrike" dirty="0">
                           <a:solidFill>
                             <a:srgbClr val="000000"/>
                           </a:solidFill>
@@ -15797,7 +13408,7 @@
                     <a:p>
                       <a:pPr algn="l" fontAlgn="b"/>
                       <a:r>
-                        <a:rPr lang="en-AU" sz="1600" b="0" i="1" u="none" strike="noStrike" dirty="0">
+                        <a:rPr lang="en-AU" sz="1400" b="0" i="1" u="none" strike="noStrike" dirty="0">
                           <a:solidFill>
                             <a:srgbClr val="000000"/>
                           </a:solidFill>
@@ -15817,7 +13428,7 @@
                     <a:p>
                       <a:pPr algn="l" fontAlgn="b"/>
                       <a:r>
-                        <a:rPr lang="en-AU" sz="1600" b="0" i="1" u="none" strike="noStrike" dirty="0">
+                        <a:rPr lang="en-AU" sz="1400" b="0" i="1" u="none" strike="noStrike" dirty="0">
                           <a:solidFill>
                             <a:srgbClr val="000000"/>
                           </a:solidFill>
@@ -15837,7 +13448,7 @@
                     <a:p>
                       <a:pPr algn="l" fontAlgn="b"/>
                       <a:r>
-                        <a:rPr lang="en-AU" sz="1600" b="0" i="0" u="none" strike="noStrike" dirty="0">
+                        <a:rPr lang="en-AU" sz="1400" b="0" i="0" u="none" strike="noStrike" dirty="0">
                           <a:solidFill>
                             <a:srgbClr val="000000"/>
                           </a:solidFill>
@@ -15857,7 +13468,7 @@
                     <a:p>
                       <a:pPr algn="l" fontAlgn="b"/>
                       <a:r>
-                        <a:rPr lang="en-AU" sz="1600" b="0" i="1" u="none" strike="noStrike" dirty="0">
+                        <a:rPr lang="en-AU" sz="1400" b="0" i="1" u="none" strike="noStrike" dirty="0">
                           <a:solidFill>
                             <a:srgbClr val="000000"/>
                           </a:solidFill>
@@ -15893,7 +13504,7 @@
                         <a:defRPr/>
                       </a:pPr>
                       <a:r>
-                        <a:rPr lang="en-AU" sz="1600" b="0" i="0" u="none" strike="noStrike" dirty="0">
+                        <a:rPr lang="en-AU" sz="1400" b="0" i="0" u="none" strike="noStrike" dirty="0">
                           <a:solidFill>
                             <a:srgbClr val="000000"/>
                           </a:solidFill>
@@ -15929,14 +13540,14 @@
                         <a:defRPr/>
                       </a:pPr>
                       <a:r>
-                        <a:rPr lang="en-AU" sz="1600" b="0" i="0" u="none" strike="noStrike" dirty="0">
+                        <a:rPr lang="en-AU" sz="1400" b="0" i="0" u="none" strike="noStrike" dirty="0">
                           <a:solidFill>
                             <a:srgbClr val="000000"/>
                           </a:solidFill>
                           <a:effectLst/>
                           <a:latin typeface="Calibri" panose="020F0502020204030204" pitchFamily="34" charset="0"/>
                         </a:rPr>
-                        <a:t>P6_path1</a:t>
+                        <a:t>p6_path1</a:t>
                       </a:r>
                     </a:p>
                   </a:txBody>
@@ -15956,7 +13567,7 @@
                     <a:p>
                       <a:pPr algn="l" fontAlgn="b"/>
                       <a:r>
-                        <a:rPr lang="en-AU" sz="1600" b="0" i="0" u="none" strike="noStrike" dirty="0">
+                        <a:rPr lang="en-AU" sz="1400" b="0" i="0" u="none" strike="noStrike" dirty="0">
                           <a:solidFill>
                             <a:srgbClr val="000000"/>
                           </a:solidFill>
@@ -15976,7 +13587,7 @@
                     <a:p>
                       <a:pPr algn="l" fontAlgn="b"/>
                       <a:r>
-                        <a:rPr lang="en-AU" sz="1600" b="0" i="0" u="none" strike="noStrike" dirty="0">
+                        <a:rPr lang="en-AU" sz="1400" b="0" i="0" u="none" strike="noStrike" dirty="0">
                           <a:solidFill>
                             <a:srgbClr val="000000"/>
                           </a:solidFill>
@@ -15996,7 +13607,7 @@
                     <a:p>
                       <a:pPr algn="l" fontAlgn="b"/>
                       <a:r>
-                        <a:rPr lang="en-AU" sz="1600" b="0" i="1" u="none" strike="noStrike" dirty="0">
+                        <a:rPr lang="en-AU" sz="1400" b="0" i="1" u="none" strike="noStrike" dirty="0">
                           <a:solidFill>
                             <a:srgbClr val="000000"/>
                           </a:solidFill>
@@ -16016,7 +13627,7 @@
                     <a:p>
                       <a:pPr algn="l" fontAlgn="b"/>
                       <a:r>
-                        <a:rPr lang="en-AU" sz="1600" b="0" i="1" u="none" strike="noStrike" dirty="0">
+                        <a:rPr lang="en-AU" sz="1400" b="0" i="1" u="none" strike="noStrike" dirty="0">
                           <a:solidFill>
                             <a:srgbClr val="000000"/>
                           </a:solidFill>
@@ -16036,7 +13647,7 @@
                     <a:p>
                       <a:pPr algn="l" fontAlgn="b"/>
                       <a:r>
-                        <a:rPr lang="en-AU" sz="1600" b="0" i="0" u="none" strike="noStrike" dirty="0">
+                        <a:rPr lang="en-AU" sz="1400" b="0" i="0" u="none" strike="noStrike" dirty="0">
                           <a:solidFill>
                             <a:srgbClr val="000000"/>
                           </a:solidFill>
@@ -16056,7 +13667,7 @@
                     <a:p>
                       <a:pPr algn="l" fontAlgn="b"/>
                       <a:r>
-                        <a:rPr lang="en-AU" sz="1600" b="0" i="1" u="none" strike="noStrike" dirty="0">
+                        <a:rPr lang="en-AU" sz="1400" b="0" i="1" u="none" strike="noStrike" dirty="0">
                           <a:solidFill>
                             <a:srgbClr val="000000"/>
                           </a:solidFill>
@@ -16092,7 +13703,7 @@
                         <a:defRPr/>
                       </a:pPr>
                       <a:r>
-                        <a:rPr lang="en-AU" sz="1600" b="0" i="0" u="none" strike="noStrike" dirty="0">
+                        <a:rPr lang="en-AU" sz="1400" b="0" i="0" u="none" strike="noStrike" dirty="0">
                           <a:solidFill>
                             <a:srgbClr val="000000"/>
                           </a:solidFill>
@@ -16111,16 +13722,13 @@
                     <a:lstStyle/>
                     <a:p>
                       <a:pPr algn="l" fontAlgn="b"/>
-                      <a:r>
-                        <a:rPr lang="en-AU" sz="1600" b="0" i="0" u="none" strike="noStrike" dirty="0">
-                          <a:solidFill>
-                            <a:srgbClr val="000000"/>
-                          </a:solidFill>
-                          <a:effectLst/>
-                          <a:latin typeface="Calibri" panose="020F0502020204030204" pitchFamily="34" charset="0"/>
-                        </a:rPr>
-                        <a:t>P4_path2</a:t>
-                      </a:r>
+                      <a:endParaRPr lang="en-AU" sz="1400" b="0" i="0" u="none" strike="noStrike" dirty="0">
+                        <a:solidFill>
+                          <a:srgbClr val="000000"/>
+                        </a:solidFill>
+                        <a:effectLst/>
+                        <a:latin typeface="Calibri" panose="020F0502020204030204" pitchFamily="34" charset="0"/>
+                      </a:endParaRPr>
                     </a:p>
                   </a:txBody>
                   <a:tcPr marL="7620" marR="7620" marT="7620" marB="0" anchor="b"/>
@@ -16139,7 +13747,7 @@
                     <a:p>
                       <a:pPr algn="l" fontAlgn="b"/>
                       <a:r>
-                        <a:rPr lang="en-AU" sz="1600" b="0" i="0" u="none" strike="noStrike" dirty="0">
+                        <a:rPr lang="en-AU" sz="1400" b="0" i="0" u="none" strike="noStrike" dirty="0">
                           <a:solidFill>
                             <a:srgbClr val="000000"/>
                           </a:solidFill>
@@ -16159,7 +13767,7 @@
                     <a:p>
                       <a:pPr algn="l" fontAlgn="b"/>
                       <a:r>
-                        <a:rPr lang="en-AU" sz="1600" b="0" i="0" u="none" strike="noStrike" dirty="0">
+                        <a:rPr lang="en-AU" sz="1400" b="0" i="0" u="none" strike="noStrike" dirty="0">
                           <a:solidFill>
                             <a:srgbClr val="000000"/>
                           </a:solidFill>
@@ -16179,7 +13787,7 @@
                     <a:p>
                       <a:pPr algn="l" fontAlgn="b"/>
                       <a:r>
-                        <a:rPr lang="en-AU" sz="1600" b="0" i="1" u="none" strike="noStrike" dirty="0">
+                        <a:rPr lang="en-AU" sz="1400" b="0" i="1" u="none" strike="noStrike" dirty="0">
                           <a:solidFill>
                             <a:srgbClr val="000000"/>
                           </a:solidFill>
@@ -16199,7 +13807,7 @@
                     <a:p>
                       <a:pPr algn="l" fontAlgn="b"/>
                       <a:r>
-                        <a:rPr lang="en-AU" sz="1600" b="0" i="1" u="none" strike="noStrike" dirty="0">
+                        <a:rPr lang="en-AU" sz="1400" b="0" i="1" u="none" strike="noStrike" dirty="0">
                           <a:solidFill>
                             <a:srgbClr val="000000"/>
                           </a:solidFill>
@@ -16219,7 +13827,7 @@
                     <a:p>
                       <a:pPr algn="l" fontAlgn="b"/>
                       <a:r>
-                        <a:rPr lang="en-AU" sz="1600" b="0" i="0" u="none" strike="noStrike" dirty="0">
+                        <a:rPr lang="en-AU" sz="1400" b="0" i="0" u="none" strike="noStrike" dirty="0">
                           <a:solidFill>
                             <a:srgbClr val="000000"/>
                           </a:solidFill>
@@ -16239,7 +13847,7 @@
                     <a:p>
                       <a:pPr algn="l" fontAlgn="b"/>
                       <a:r>
-                        <a:rPr lang="en-AU" sz="1600" b="0" i="1" u="none" strike="noStrike" dirty="0">
+                        <a:rPr lang="en-AU" sz="1400" b="0" i="1" u="none" strike="noStrike" dirty="0">
                           <a:solidFill>
                             <a:srgbClr val="000000"/>
                           </a:solidFill>
@@ -16275,7 +13883,7 @@
                         <a:defRPr/>
                       </a:pPr>
                       <a:r>
-                        <a:rPr lang="en-AU" sz="1600" b="0" i="0" u="none" strike="noStrike" dirty="0">
+                        <a:rPr lang="en-AU" sz="1400" b="0" i="0" u="none" strike="noStrike" dirty="0">
                           <a:solidFill>
                             <a:srgbClr val="000000"/>
                           </a:solidFill>
@@ -16310,16 +13918,13 @@
                         <a:tabLst/>
                         <a:defRPr/>
                       </a:pPr>
-                      <a:r>
-                        <a:rPr lang="en-AU" sz="1600" b="0" i="0" u="none" strike="noStrike" dirty="0">
-                          <a:solidFill>
-                            <a:srgbClr val="000000"/>
-                          </a:solidFill>
-                          <a:effectLst/>
-                          <a:latin typeface="Calibri" panose="020F0502020204030204" pitchFamily="34" charset="0"/>
-                        </a:rPr>
-                        <a:t>P6_path2</a:t>
-                      </a:r>
+                      <a:endParaRPr lang="en-AU" sz="1400" b="0" i="0" u="none" strike="noStrike" dirty="0">
+                        <a:solidFill>
+                          <a:srgbClr val="000000"/>
+                        </a:solidFill>
+                        <a:effectLst/>
+                        <a:latin typeface="Calibri" panose="020F0502020204030204" pitchFamily="34" charset="0"/>
+                      </a:endParaRPr>
                     </a:p>
                   </a:txBody>
                   <a:tcPr marL="7620" marR="7620" marT="7620" marB="0" anchor="b"/>
@@ -16338,7 +13943,7 @@
                     <a:p>
                       <a:pPr algn="l" fontAlgn="b"/>
                       <a:r>
-                        <a:rPr lang="en-AU" sz="1600" b="0" i="0" u="none" strike="noStrike" dirty="0">
+                        <a:rPr lang="en-AU" sz="1400" b="0" i="0" u="none" strike="noStrike" dirty="0">
                           <a:solidFill>
                             <a:srgbClr val="000000"/>
                           </a:solidFill>
@@ -16358,7 +13963,7 @@
                     <a:p>
                       <a:pPr algn="l" fontAlgn="b"/>
                       <a:r>
-                        <a:rPr lang="en-AU" sz="1600" b="0" i="0" u="none" strike="noStrike" dirty="0">
+                        <a:rPr lang="en-AU" sz="1400" b="0" i="0" u="none" strike="noStrike" dirty="0">
                           <a:solidFill>
                             <a:srgbClr val="000000"/>
                           </a:solidFill>
@@ -16378,7 +13983,7 @@
                     <a:p>
                       <a:pPr algn="l" fontAlgn="b"/>
                       <a:r>
-                        <a:rPr lang="en-AU" sz="1600" b="0" i="1" u="none" strike="noStrike" dirty="0">
+                        <a:rPr lang="en-AU" sz="1400" b="0" i="1" u="none" strike="noStrike" dirty="0">
                           <a:solidFill>
                             <a:srgbClr val="000000"/>
                           </a:solidFill>
@@ -16398,7 +14003,7 @@
                     <a:p>
                       <a:pPr algn="l" fontAlgn="b"/>
                       <a:r>
-                        <a:rPr lang="en-AU" sz="1600" b="0" i="1" u="none" strike="noStrike" dirty="0">
+                        <a:rPr lang="en-AU" sz="1400" b="0" i="1" u="none" strike="noStrike" dirty="0">
                           <a:solidFill>
                             <a:srgbClr val="000000"/>
                           </a:solidFill>
@@ -16418,7 +14023,7 @@
                     <a:p>
                       <a:pPr algn="l" fontAlgn="b"/>
                       <a:r>
-                        <a:rPr lang="en-AU" sz="1600" b="0" i="0" u="none" strike="noStrike" dirty="0">
+                        <a:rPr lang="en-AU" sz="1400" b="0" i="0" u="none" strike="noStrike" dirty="0">
                           <a:solidFill>
                             <a:srgbClr val="000000"/>
                           </a:solidFill>
@@ -16438,7 +14043,7 @@
                     <a:p>
                       <a:pPr algn="l" fontAlgn="b"/>
                       <a:r>
-                        <a:rPr lang="en-AU" sz="1600" b="0" i="1" u="none" strike="noStrike" dirty="0">
+                        <a:rPr lang="en-AU" sz="1400" b="0" i="1" u="none" strike="noStrike" dirty="0">
                           <a:solidFill>
                             <a:srgbClr val="000000"/>
                           </a:solidFill>
@@ -16474,7 +14079,7 @@
                         <a:defRPr/>
                       </a:pPr>
                       <a:r>
-                        <a:rPr lang="en-AU" sz="1600" b="0" i="0" u="none" strike="noStrike" dirty="0">
+                        <a:rPr lang="en-AU" sz="1400" b="0" i="0" u="none" strike="noStrike" dirty="0">
                           <a:solidFill>
                             <a:srgbClr val="000000"/>
                           </a:solidFill>
@@ -16493,16 +14098,13 @@
                     <a:lstStyle/>
                     <a:p>
                       <a:pPr algn="l" fontAlgn="b"/>
-                      <a:r>
-                        <a:rPr lang="en-AU" sz="1600" b="0" i="0" u="none" strike="noStrike" dirty="0">
-                          <a:solidFill>
-                            <a:srgbClr val="000000"/>
-                          </a:solidFill>
-                          <a:effectLst/>
-                          <a:latin typeface="Calibri" panose="020F0502020204030204" pitchFamily="34" charset="0"/>
-                        </a:rPr>
-                        <a:t>P4_path3</a:t>
-                      </a:r>
+                      <a:endParaRPr lang="en-AU" sz="1400" b="0" i="0" u="none" strike="noStrike" dirty="0">
+                        <a:solidFill>
+                          <a:srgbClr val="000000"/>
+                        </a:solidFill>
+                        <a:effectLst/>
+                        <a:latin typeface="Calibri" panose="020F0502020204030204" pitchFamily="34" charset="0"/>
+                      </a:endParaRPr>
                     </a:p>
                   </a:txBody>
                   <a:tcPr marL="7620" marR="7620" marT="7620" marB="0" anchor="b"/>
@@ -16521,7 +14123,7 @@
                     <a:p>
                       <a:pPr algn="l" fontAlgn="b"/>
                       <a:r>
-                        <a:rPr lang="en-AU" sz="1600" b="0" i="0" u="none" strike="noStrike" dirty="0">
+                        <a:rPr lang="en-AU" sz="1400" b="0" i="0" u="none" strike="noStrike" dirty="0">
                           <a:solidFill>
                             <a:srgbClr val="000000"/>
                           </a:solidFill>
@@ -16541,7 +14143,7 @@
                     <a:p>
                       <a:pPr algn="l" fontAlgn="b"/>
                       <a:r>
-                        <a:rPr lang="en-AU" sz="1600" b="0" i="0" u="none" strike="noStrike" dirty="0">
+                        <a:rPr lang="en-AU" sz="1400" b="0" i="0" u="none" strike="noStrike" dirty="0">
                           <a:solidFill>
                             <a:srgbClr val="000000"/>
                           </a:solidFill>
@@ -16561,7 +14163,7 @@
                     <a:p>
                       <a:pPr algn="l" fontAlgn="b"/>
                       <a:r>
-                        <a:rPr lang="en-AU" sz="1600" b="0" i="1" u="none" strike="noStrike" dirty="0">
+                        <a:rPr lang="en-AU" sz="1400" b="0" i="1" u="none" strike="noStrike" dirty="0">
                           <a:solidFill>
                             <a:srgbClr val="000000"/>
                           </a:solidFill>
@@ -16581,7 +14183,7 @@
                     <a:p>
                       <a:pPr algn="l" fontAlgn="b"/>
                       <a:r>
-                        <a:rPr lang="en-AU" sz="1600" b="0" i="1" u="none" strike="noStrike" dirty="0">
+                        <a:rPr lang="en-AU" sz="1400" b="0" i="1" u="none" strike="noStrike" dirty="0">
                           <a:solidFill>
                             <a:srgbClr val="000000"/>
                           </a:solidFill>
@@ -16601,7 +14203,7 @@
                     <a:p>
                       <a:pPr algn="l" fontAlgn="b"/>
                       <a:r>
-                        <a:rPr lang="en-AU" sz="1600" b="0" i="0" u="none" strike="noStrike" dirty="0">
+                        <a:rPr lang="en-AU" sz="1400" b="0" i="0" u="none" strike="noStrike" dirty="0">
                           <a:solidFill>
                             <a:srgbClr val="000000"/>
                           </a:solidFill>
@@ -16621,7 +14223,7 @@
                     <a:p>
                       <a:pPr algn="l" fontAlgn="b"/>
                       <a:r>
-                        <a:rPr lang="en-AU" sz="1600" b="0" i="1" u="none" strike="noStrike" dirty="0">
+                        <a:rPr lang="en-AU" sz="1400" b="0" i="1" u="none" strike="noStrike" dirty="0">
                           <a:solidFill>
                             <a:srgbClr val="000000"/>
                           </a:solidFill>
@@ -16657,7 +14259,7 @@
                         <a:defRPr/>
                       </a:pPr>
                       <a:r>
-                        <a:rPr lang="en-AU" sz="1600" b="0" i="0" u="none" strike="noStrike" dirty="0">
+                        <a:rPr lang="en-AU" sz="1400" b="0" i="0" u="none" strike="noStrike" dirty="0">
                           <a:solidFill>
                             <a:srgbClr val="000000"/>
                           </a:solidFill>
@@ -16692,16 +14294,13 @@
                         <a:tabLst/>
                         <a:defRPr/>
                       </a:pPr>
-                      <a:r>
-                        <a:rPr lang="en-AU" sz="1600" b="0" i="0" u="none" strike="noStrike" dirty="0">
-                          <a:solidFill>
-                            <a:srgbClr val="000000"/>
-                          </a:solidFill>
-                          <a:effectLst/>
-                          <a:latin typeface="Calibri" panose="020F0502020204030204" pitchFamily="34" charset="0"/>
-                        </a:rPr>
-                        <a:t>P6_path3</a:t>
-                      </a:r>
+                      <a:endParaRPr lang="en-AU" sz="1400" b="0" i="0" u="none" strike="noStrike" dirty="0">
+                        <a:solidFill>
+                          <a:srgbClr val="000000"/>
+                        </a:solidFill>
+                        <a:effectLst/>
+                        <a:latin typeface="Calibri" panose="020F0502020204030204" pitchFamily="34" charset="0"/>
+                      </a:endParaRPr>
                     </a:p>
                   </a:txBody>
                   <a:tcPr marL="7620" marR="7620" marT="7620" marB="0" anchor="b"/>
@@ -16718,10 +14317,10 @@
       </p:graphicFrame>
       <p:grpSp>
         <p:nvGrpSpPr>
-          <p:cNvPr id="61" name="Group 60">
+          <p:cNvPr id="12" name="Group 11">
             <a:extLst>
               <a:ext uri="{FF2B5EF4-FFF2-40B4-BE49-F238E27FC236}">
-                <a16:creationId xmlns:a16="http://schemas.microsoft.com/office/drawing/2014/main" id="{8D33795B-C4F5-4EAE-BED2-212FF3DD98F7}"/>
+                <a16:creationId xmlns:a16="http://schemas.microsoft.com/office/drawing/2014/main" id="{3585312A-F347-4AB6-89B2-7F985C93FEE1}"/>
               </a:ext>
             </a:extLst>
           </p:cNvPr>
@@ -16730,10 +14329,10 @@
         </p:nvGrpSpPr>
         <p:grpSpPr>
           <a:xfrm>
-            <a:off x="241204" y="-284516"/>
-            <a:ext cx="4554275" cy="7427032"/>
-            <a:chOff x="6855549" y="-404681"/>
-            <a:chExt cx="4554275" cy="7427032"/>
+            <a:off x="221599" y="-24859"/>
+            <a:ext cx="4500354" cy="6882859"/>
+            <a:chOff x="154222" y="694478"/>
+            <a:chExt cx="4500354" cy="6882859"/>
           </a:xfrm>
         </p:grpSpPr>
         <p:grpSp>
@@ -16750,10 +14349,10 @@
           </p:nvGrpSpPr>
           <p:grpSpPr>
             <a:xfrm>
-              <a:off x="8515882" y="3946321"/>
-              <a:ext cx="2576682" cy="3076030"/>
-              <a:chOff x="-190416" y="4525314"/>
-              <a:chExt cx="2576682" cy="3076030"/>
+              <a:off x="1712815" y="4741210"/>
+              <a:ext cx="2582822" cy="2836127"/>
+              <a:chOff x="-258555" y="4765218"/>
+              <a:chExt cx="2582822" cy="2836127"/>
             </a:xfrm>
           </p:grpSpPr>
           <p:sp>
@@ -16846,8 +14445,8 @@
             </p:nvSpPr>
             <p:spPr>
               <a:xfrm rot="16200000">
-                <a:off x="1525296" y="4616843"/>
-                <a:ext cx="952499" cy="769441"/>
+                <a:off x="1581368" y="4802520"/>
+                <a:ext cx="707887" cy="646331"/>
               </a:xfrm>
               <a:prstGeom prst="rect">
                 <a:avLst/>
@@ -16861,14 +14460,14 @@
               <a:lstStyle/>
               <a:p>
                 <a:r>
-                  <a:rPr lang="en-AU" sz="2200" dirty="0"/>
-                  <a:t>task 1</a:t>
+                  <a:rPr lang="en-AU" dirty="0"/>
+                  <a:t>Rep 1</a:t>
                 </a:r>
               </a:p>
               <a:p>
                 <a:r>
-                  <a:rPr lang="en-AU" sz="2200" dirty="0"/>
-                  <a:t>task 2</a:t>
+                  <a:rPr lang="en-AU" dirty="0"/>
+                  <a:t>Rep 2</a:t>
                 </a:r>
               </a:p>
             </p:txBody>
@@ -16887,8 +14486,8 @@
             </p:nvSpPr>
             <p:spPr>
               <a:xfrm>
-                <a:off x="-190416" y="4687590"/>
-                <a:ext cx="1805816" cy="769441"/>
+                <a:off x="-258555" y="4765218"/>
+                <a:ext cx="1805816" cy="707886"/>
               </a:xfrm>
               <a:prstGeom prst="rect">
                 <a:avLst/>
@@ -16903,14 +14502,14 @@
               <a:p>
                 <a:pPr algn="r"/>
                 <a:r>
-                  <a:rPr lang="en-AU" sz="2200" dirty="0"/>
+                  <a:rPr lang="en-AU" sz="2000" dirty="0"/>
                   <a:t>VC order</a:t>
                 </a:r>
               </a:p>
               <a:p>
                 <a:pPr algn="r"/>
                 <a:r>
-                  <a:rPr lang="en-AU" sz="2200" dirty="0"/>
+                  <a:rPr lang="en-AU" sz="2000" dirty="0"/>
                   <a:t>permutations</a:t>
                 </a:r>
               </a:p>
@@ -16974,9 +14573,9 @@
               <p:nvPr/>
             </p:nvCxnSpPr>
             <p:spPr>
-              <a:xfrm flipV="1">
-                <a:off x="1579685" y="4717656"/>
-                <a:ext cx="25901" cy="2883688"/>
+              <a:xfrm flipH="1" flipV="1">
+                <a:off x="1569094" y="4843648"/>
+                <a:ext cx="10592" cy="2757697"/>
               </a:xfrm>
               <a:prstGeom prst="line">
                 <a:avLst/>
@@ -17773,10 +15372,10 @@
           </p:nvGrpSpPr>
           <p:grpSpPr>
             <a:xfrm>
-              <a:off x="8562473" y="-404681"/>
-              <a:ext cx="2847351" cy="2451203"/>
-              <a:chOff x="6985632" y="1836062"/>
-              <a:chExt cx="2847351" cy="2451203"/>
+              <a:off x="1810222" y="694478"/>
+              <a:ext cx="2844354" cy="2140710"/>
+              <a:chOff x="6988629" y="2146556"/>
+              <a:chExt cx="2844354" cy="2140710"/>
             </a:xfrm>
           </p:grpSpPr>
           <p:sp>
@@ -17793,8 +15392,8 @@
             </p:nvSpPr>
             <p:spPr>
               <a:xfrm rot="16200000">
-                <a:off x="8613861" y="1939052"/>
-                <a:ext cx="1313976" cy="1107996"/>
+                <a:off x="8694003" y="2186503"/>
+                <a:ext cx="1003223" cy="923330"/>
               </a:xfrm>
               <a:prstGeom prst="rect">
                 <a:avLst/>
@@ -17808,23 +15407,24 @@
               <a:lstStyle/>
               <a:p>
                 <a:r>
-                  <a:rPr lang="en-AU" sz="2200" dirty="0"/>
-                  <a:t>Factor 1</a:t>
+                  <a:rPr lang="en-AU" dirty="0"/>
+                  <a:t>Period 1</a:t>
                 </a:r>
-                <a:endParaRPr lang="en-US" sz="2200" dirty="0"/>
+                <a:endParaRPr lang="en-US" dirty="0"/>
               </a:p>
               <a:p>
                 <a:r>
-                  <a:rPr lang="en-AU" sz="2200" dirty="0"/>
-                  <a:t>Factor 2</a:t>
+                  <a:rPr lang="en-AU" dirty="0"/>
+                  <a:t>Period 2</a:t>
                 </a:r>
-                <a:endParaRPr lang="en-US" sz="2200" dirty="0"/>
+                <a:endParaRPr lang="en-US" dirty="0"/>
               </a:p>
               <a:p>
                 <a:r>
-                  <a:rPr lang="en-AU" sz="2200" dirty="0"/>
-                  <a:t>Factor 3</a:t>
+                  <a:rPr lang="en-AU" dirty="0"/>
+                  <a:t>Period 3</a:t>
                 </a:r>
+                <a:endParaRPr lang="en-US" dirty="0"/>
               </a:p>
             </p:txBody>
           </p:sp>
@@ -17842,8 +15442,8 @@
             </p:nvSpPr>
             <p:spPr>
               <a:xfrm>
-                <a:off x="6985632" y="2387103"/>
-                <a:ext cx="1745321" cy="769441"/>
+                <a:off x="6988629" y="2452681"/>
+                <a:ext cx="1745321" cy="707886"/>
               </a:xfrm>
               <a:prstGeom prst="rect">
                 <a:avLst/>
@@ -17858,14 +15458,14 @@
               <a:p>
                 <a:pPr algn="r"/>
                 <a:r>
-                  <a:rPr lang="en-AU" sz="2200" dirty="0"/>
+                  <a:rPr lang="en-AU" sz="2000" dirty="0"/>
                   <a:t>Factor order</a:t>
                 </a:r>
               </a:p>
               <a:p>
                 <a:pPr algn="r"/>
                 <a:r>
-                  <a:rPr lang="en-AU" sz="2200" dirty="0"/>
+                  <a:rPr lang="en-AU" sz="2000" dirty="0"/>
                   <a:t>permutations</a:t>
                 </a:r>
               </a:p>
@@ -17925,14 +15525,13 @@
               </p:cNvPr>
               <p:cNvCxnSpPr>
                 <a:cxnSpLocks/>
-                <a:endCxn id="78" idx="0"/>
               </p:cNvCxnSpPr>
               <p:nvPr/>
             </p:nvCxnSpPr>
             <p:spPr>
               <a:xfrm flipV="1">
-                <a:off x="8716851" y="2493050"/>
-                <a:ext cx="0" cy="1794215"/>
+                <a:off x="8716852" y="2341097"/>
+                <a:ext cx="0" cy="1946169"/>
               </a:xfrm>
               <a:prstGeom prst="line">
                 <a:avLst/>
@@ -18596,8 +16195,8 @@
           </p:nvSpPr>
           <p:spPr>
             <a:xfrm>
-              <a:off x="6879138" y="995655"/>
-              <a:ext cx="3701216" cy="1107996"/>
+              <a:off x="154222" y="1717021"/>
+              <a:ext cx="3312000" cy="1200329"/>
             </a:xfrm>
             <a:prstGeom prst="rect">
               <a:avLst/>
@@ -18610,21 +16209,31 @@
             </a:bodyPr>
             <a:lstStyle/>
             <a:p>
+              <a:pPr marL="285750" indent="-285750">
+                <a:buFont typeface="Arial" panose="020B0604020202020204" pitchFamily="34" charset="0"/>
+                <a:buChar char="•"/>
+              </a:pPr>
               <a:r>
-                <a:rPr lang="en-AU" sz="2200" dirty="0"/>
-                <a:t>Step 1) Set the factor</a:t>
+                <a:rPr lang="en-AU" dirty="0"/>
+                <a:t>Set the factor</a:t>
               </a:r>
             </a:p>
             <a:p>
               <a:r>
-                <a:rPr lang="en-AU" sz="2000" dirty="0"/>
+                <a:rPr lang="en-AU" dirty="0"/>
                 <a:t>1 + (8 - 1) mod 3 = </a:t>
               </a:r>
             </a:p>
             <a:p>
               <a:r>
-                <a:rPr lang="en-AU" sz="2200" dirty="0"/>
-                <a:t>Permutation 2</a:t>
+                <a:rPr lang="en-AU" dirty="0"/>
+                <a:t>Permutation 2;</a:t>
+              </a:r>
+            </a:p>
+            <a:p>
+              <a:r>
+                <a:rPr lang="en-AU" dirty="0"/>
+                <a:t>Grand, Radial, PCA</a:t>
               </a:r>
             </a:p>
           </p:txBody>
@@ -18643,10 +16252,10 @@
           </p:nvGrpSpPr>
           <p:grpSpPr>
             <a:xfrm>
-              <a:off x="8562473" y="2132882"/>
-              <a:ext cx="2186500" cy="1869139"/>
-              <a:chOff x="9672511" y="796545"/>
-              <a:chExt cx="2186500" cy="1869139"/>
+              <a:off x="1788085" y="2908557"/>
+              <a:ext cx="2202533" cy="1829206"/>
+              <a:chOff x="9656478" y="836478"/>
+              <a:chExt cx="2202533" cy="1829206"/>
             </a:xfrm>
           </p:grpSpPr>
           <p:sp>
@@ -18663,8 +16272,8 @@
             </p:nvSpPr>
             <p:spPr>
               <a:xfrm>
-                <a:off x="9672511" y="796545"/>
-                <a:ext cx="1738102" cy="769441"/>
+                <a:off x="9656478" y="836478"/>
+                <a:ext cx="1738102" cy="707886"/>
               </a:xfrm>
               <a:prstGeom prst="rect">
                 <a:avLst/>
@@ -18679,14 +16288,14 @@
               <a:p>
                 <a:pPr algn="r"/>
                 <a:r>
-                  <a:rPr lang="en-AU" sz="2200" dirty="0"/>
+                  <a:rPr lang="en-AU" sz="2000" dirty="0"/>
                   <a:t>Location </a:t>
                 </a:r>
               </a:p>
               <a:p>
                 <a:pPr algn="r"/>
                 <a:r>
-                  <a:rPr lang="en-AU" sz="2200" dirty="0"/>
+                  <a:rPr lang="en-AU" sz="2000" dirty="0"/>
                   <a:t>permutations</a:t>
                 </a:r>
               </a:p>
@@ -18750,9 +16359,9 @@
               <p:nvPr/>
             </p:nvCxnSpPr>
             <p:spPr>
-              <a:xfrm flipV="1">
-                <a:off x="11410613" y="842963"/>
-                <a:ext cx="1" cy="1805886"/>
+              <a:xfrm flipH="1" flipV="1">
+                <a:off x="11410615" y="843232"/>
+                <a:ext cx="1" cy="1805619"/>
               </a:xfrm>
               <a:prstGeom prst="line">
                 <a:avLst/>
@@ -19058,41 +16667,6 @@
               </a:p>
             </p:txBody>
           </p:sp>
-          <p:sp>
-            <p:nvSpPr>
-              <p:cNvPr id="77" name="TextBox 76">
-                <a:extLst>
-                  <a:ext uri="{FF2B5EF4-FFF2-40B4-BE49-F238E27FC236}">
-                    <a16:creationId xmlns:a16="http://schemas.microsoft.com/office/drawing/2014/main" id="{68821DE9-E7F5-4BFC-9206-7DD630E5C79F}"/>
-                  </a:ext>
-                </a:extLst>
-              </p:cNvPr>
-              <p:cNvSpPr txBox="1"/>
-              <p:nvPr/>
-            </p:nvSpPr>
-            <p:spPr>
-              <a:xfrm>
-                <a:off x="11475996" y="1100671"/>
-                <a:ext cx="345221" cy="430887"/>
-              </a:xfrm>
-              <a:prstGeom prst="rect">
-                <a:avLst/>
-              </a:prstGeom>
-              <a:noFill/>
-            </p:spPr>
-            <p:txBody>
-              <a:bodyPr wrap="square" rtlCol="0">
-                <a:spAutoFit/>
-              </a:bodyPr>
-              <a:lstStyle/>
-              <a:p>
-                <a:r>
-                  <a:rPr lang="en-AU" sz="2200" dirty="0"/>
-                  <a:t>1</a:t>
-                </a:r>
-              </a:p>
-            </p:txBody>
-          </p:sp>
         </p:grpSp>
         <p:sp>
           <p:nvSpPr>
@@ -19108,8 +16682,8 @@
           </p:nvSpPr>
           <p:spPr>
             <a:xfrm>
-              <a:off x="6915304" y="2998456"/>
-              <a:ext cx="3518118" cy="1138773"/>
+              <a:off x="244156" y="3623497"/>
+              <a:ext cx="3312000" cy="1200329"/>
             </a:xfrm>
             <a:prstGeom prst="rect">
               <a:avLst/>
@@ -19122,31 +16696,50 @@
             </a:bodyPr>
             <a:lstStyle/>
             <a:p>
+              <a:pPr marL="285750" indent="-285750">
+                <a:buFont typeface="Arial" panose="020B0604020202020204" pitchFamily="34" charset="0"/>
+                <a:buChar char="•"/>
+              </a:pPr>
               <a:r>
-                <a:rPr lang="en-US" sz="2400" dirty="0"/>
-                <a:t>Step 2) Set location</a:t>
+                <a:rPr lang="en-US" dirty="0"/>
+                <a:t>Set location</a:t>
               </a:r>
             </a:p>
             <a:p>
               <a:r>
-                <a:rPr lang="en-US" sz="2000" dirty="0"/>
+                <a:rPr lang="en-US" dirty="0"/>
                 <a:t>1 + floor((</a:t>
               </a:r>
               <a:r>
-                <a:rPr lang="en-US" sz="2000" b="1" dirty="0"/>
-                <a:t>8 – 1) </a:t>
+                <a:rPr lang="en-US" b="1" dirty="0"/>
+                <a:t>8 </a:t>
               </a:r>
               <a:r>
-                <a:rPr lang="en-US" sz="2000" dirty="0"/>
+                <a:rPr lang="en-US" dirty="0"/>
+                <a:t>– 1)</a:t>
+              </a:r>
+              <a:r>
+                <a:rPr lang="en-US" b="1" dirty="0"/>
+                <a:t> </a:t>
+              </a:r>
+              <a:r>
+                <a:rPr lang="en-US" dirty="0"/>
                 <a:t>/ 3) mod 3 = </a:t>
               </a:r>
             </a:p>
             <a:p>
               <a:r>
-                <a:rPr lang="en-US" sz="2400" dirty="0"/>
-                <a:t>Permutation 3</a:t>
+                <a:rPr lang="en-US" dirty="0"/>
+                <a:t>Permutation 3;</a:t>
               </a:r>
-              <a:endParaRPr lang="en-AU" sz="2200" dirty="0"/>
+              <a:endParaRPr lang="en-AU" dirty="0"/>
+            </a:p>
+            <a:p>
+              <a:r>
+                <a:rPr lang="en-AU" dirty="0"/>
+                <a:t>50% / 50%</a:t>
+              </a:r>
+              <a:endParaRPr lang="en-US" dirty="0"/>
             </a:p>
           </p:txBody>
         </p:sp>
@@ -19164,8 +16757,8 @@
           </p:nvSpPr>
           <p:spPr>
             <a:xfrm>
-              <a:off x="6855549" y="4970489"/>
-              <a:ext cx="3438143" cy="1138773"/>
+              <a:off x="206229" y="5458259"/>
+              <a:ext cx="3312000" cy="1200329"/>
             </a:xfrm>
             <a:prstGeom prst="rect">
               <a:avLst/>
@@ -19178,91 +16771,911 @@
             </a:bodyPr>
             <a:lstStyle/>
             <a:p>
+              <a:pPr marL="285750" indent="-285750">
+                <a:buFont typeface="Arial" panose="020B0604020202020204" pitchFamily="34" charset="0"/>
+                <a:buChar char="•"/>
+              </a:pPr>
               <a:r>
-                <a:rPr lang="en-US" sz="2400" dirty="0"/>
-                <a:t>Step 3) Set VC order</a:t>
+                <a:rPr lang="en-US" dirty="0"/>
+                <a:t>Set VC order</a:t>
               </a:r>
             </a:p>
             <a:p>
               <a:r>
-                <a:rPr lang="en-US" sz="2000" dirty="0"/>
-                <a:t>(1 + floor(</a:t>
+                <a:rPr lang="en-US" dirty="0"/>
+                <a:t>1 + floor(</a:t>
               </a:r>
               <a:r>
-                <a:rPr lang="en-US" sz="2000" b="1" dirty="0"/>
-                <a:t>8</a:t>
+                <a:rPr lang="en-US" b="1" dirty="0"/>
+                <a:t>8 </a:t>
               </a:r>
               <a:r>
-                <a:rPr lang="en-US" sz="2000" dirty="0"/>
-                <a:t>/9)) mod 6 = </a:t>
+                <a:rPr lang="en-US" dirty="0"/>
+                <a:t>/ 9) mod 6 = </a:t>
               </a:r>
             </a:p>
             <a:p>
               <a:r>
-                <a:rPr lang="en-US" sz="2400" dirty="0"/>
-                <a:t>Permutation 2</a:t>
+                <a:rPr lang="en-US" dirty="0"/>
+                <a:t>Permutation 2;</a:t>
               </a:r>
-              <a:endParaRPr lang="en-AU" sz="2200" dirty="0"/>
+            </a:p>
+            <a:p>
+              <a:r>
+                <a:rPr lang="en-US" dirty="0"/>
+                <a:t>EEE, banana</a:t>
+              </a:r>
+              <a:endParaRPr lang="en-AU" dirty="0"/>
             </a:p>
           </p:txBody>
         </p:sp>
       </p:grpSp>
       <p:sp>
         <p:nvSpPr>
-          <p:cNvPr id="112" name="TextBox 111">
+          <p:cNvPr id="53" name="Title 1">
             <a:extLst>
               <a:ext uri="{FF2B5EF4-FFF2-40B4-BE49-F238E27FC236}">
-                <a16:creationId xmlns:a16="http://schemas.microsoft.com/office/drawing/2014/main" id="{34B8C117-D8D2-4A00-96CA-62DCBBBC0C64}"/>
+                <a16:creationId xmlns:a16="http://schemas.microsoft.com/office/drawing/2014/main" id="{FA0FCBD4-7D44-4A3C-8E7C-7068AE5E6B89}"/>
               </a:ext>
             </a:extLst>
           </p:cNvPr>
-          <p:cNvSpPr txBox="1"/>
-          <p:nvPr/>
+          <p:cNvSpPr>
+            <a:spLocks noGrp="1"/>
+          </p:cNvSpPr>
+          <p:nvPr>
+            <p:ph type="title"/>
+          </p:nvPr>
         </p:nvSpPr>
         <p:spPr>
           <a:xfrm>
-            <a:off x="5782257" y="4724275"/>
-            <a:ext cx="6062109" cy="1477328"/>
+            <a:off x="5387813" y="240759"/>
+            <a:ext cx="6582588" cy="1072258"/>
           </a:xfrm>
-          <a:prstGeom prst="rect">
-            <a:avLst/>
-          </a:prstGeom>
-          <a:noFill/>
         </p:spPr>
         <p:txBody>
-          <a:bodyPr wrap="none" rtlCol="0">
-            <a:spAutoFit/>
+          <a:bodyPr>
+            <a:noAutofit/>
           </a:bodyPr>
           <a:lstStyle/>
           <a:p>
+            <a:pPr algn="r"/>
             <a:r>
-              <a:rPr lang="en-AU" dirty="0"/>
-              <a:t>3 samples from each of the 18 factor*block levels; 54 data sets</a:t>
+              <a:rPr lang="en-AU" sz="2800" b="1" dirty="0"/>
+              <a:t>Set the factor order, location, and </a:t>
             </a:r>
-          </a:p>
-          <a:p>
-            <a:endParaRPr lang="en-AU" dirty="0"/>
-          </a:p>
-          <a:p>
             <a:r>
-              <a:rPr lang="en-AU" dirty="0"/>
-              <a:t>Randomize order of simulation? </a:t>
+              <a:rPr lang="en-AU" sz="2800" b="1" dirty="0" err="1"/>
+              <a:t>vc</a:t>
             </a:r>
-          </a:p>
-          <a:p>
             <a:r>
-              <a:rPr lang="en-AU" dirty="0"/>
-              <a:t>Only 6 tour paths? Random vs fixed order?</a:t>
+              <a:rPr lang="en-AU" sz="2800" b="1" dirty="0"/>
+              <a:t> order, </a:t>
             </a:r>
-          </a:p>
-          <a:p>
+            <a:br>
+              <a:rPr lang="en-AU" sz="2800" b="1" dirty="0"/>
+            </a:br>
             <a:r>
-              <a:rPr lang="en-AU" dirty="0"/>
-              <a:t> </a:t>
+              <a:rPr lang="en-AU" sz="2800" b="1" dirty="0"/>
+              <a:t>e.g. permutation 8</a:t>
             </a:r>
           </a:p>
         </p:txBody>
       </p:sp>
+      <p:grpSp>
+        <p:nvGrpSpPr>
+          <p:cNvPr id="15" name="Group 14">
+            <a:extLst>
+              <a:ext uri="{FF2B5EF4-FFF2-40B4-BE49-F238E27FC236}">
+                <a16:creationId xmlns:a16="http://schemas.microsoft.com/office/drawing/2014/main" id="{B9F8541A-0081-47CF-82DD-B4F55D0AF7F6}"/>
+              </a:ext>
+            </a:extLst>
+          </p:cNvPr>
+          <p:cNvGrpSpPr/>
+          <p:nvPr/>
+        </p:nvGrpSpPr>
+        <p:grpSpPr>
+          <a:xfrm>
+            <a:off x="4885744" y="1629529"/>
+            <a:ext cx="7140528" cy="5036152"/>
+            <a:chOff x="4885744" y="1356146"/>
+            <a:chExt cx="7140528" cy="5036152"/>
+          </a:xfrm>
+        </p:grpSpPr>
+        <p:sp>
+          <p:nvSpPr>
+            <p:cNvPr id="112" name="TextBox 111">
+              <a:extLst>
+                <a:ext uri="{FF2B5EF4-FFF2-40B4-BE49-F238E27FC236}">
+                  <a16:creationId xmlns:a16="http://schemas.microsoft.com/office/drawing/2014/main" id="{34B8C117-D8D2-4A00-96CA-62DCBBBC0C64}"/>
+                </a:ext>
+              </a:extLst>
+            </p:cNvPr>
+            <p:cNvSpPr txBox="1"/>
+            <p:nvPr/>
+          </p:nvSpPr>
+          <p:spPr>
+            <a:xfrm>
+              <a:off x="4888004" y="4914970"/>
+              <a:ext cx="7138268" cy="1477328"/>
+            </a:xfrm>
+            <a:prstGeom prst="rect">
+              <a:avLst/>
+            </a:prstGeom>
+            <a:noFill/>
+          </p:spPr>
+          <p:txBody>
+            <a:bodyPr wrap="square" rtlCol="0">
+              <a:spAutoFit/>
+            </a:bodyPr>
+            <a:lstStyle/>
+            <a:p>
+              <a:pPr marL="285750" indent="-285750">
+                <a:buFont typeface="Arial" panose="020B0604020202020204" pitchFamily="34" charset="0"/>
+                <a:buChar char="•"/>
+              </a:pPr>
+              <a:r>
+                <a:rPr lang="en-AU" dirty="0"/>
+                <a:t>3 samples from each of the 18 VC*var*location levels; 54 data sets total</a:t>
+              </a:r>
+            </a:p>
+            <a:p>
+              <a:pPr marL="285750" indent="-285750">
+                <a:buFont typeface="Arial" panose="020B0604020202020204" pitchFamily="34" charset="0"/>
+                <a:buChar char="•"/>
+              </a:pPr>
+              <a:r>
+                <a:rPr lang="en-AU" dirty="0"/>
+                <a:t>2x trainings on additional EEE_4p_1_0 </a:t>
+              </a:r>
+            </a:p>
+            <a:p>
+              <a:pPr marL="285750" indent="-285750">
+                <a:buFont typeface="Arial" panose="020B0604020202020204" pitchFamily="34" charset="0"/>
+                <a:buChar char="•"/>
+              </a:pPr>
+              <a:r>
+                <a:rPr lang="en-AU" dirty="0"/>
+                <a:t>Randomize order of simulation? </a:t>
+              </a:r>
+            </a:p>
+            <a:p>
+              <a:pPr marL="285750" indent="-285750">
+                <a:buFont typeface="Arial" panose="020B0604020202020204" pitchFamily="34" charset="0"/>
+                <a:buChar char="•"/>
+              </a:pPr>
+              <a:r>
+                <a:rPr lang="en-AU" dirty="0"/>
+                <a:t>Only 2 tour paths? Random vs fixed order?</a:t>
+              </a:r>
+            </a:p>
+            <a:p>
+              <a:r>
+                <a:rPr lang="en-AU" dirty="0"/>
+                <a:t> </a:t>
+              </a:r>
+            </a:p>
+          </p:txBody>
+        </p:sp>
+        <p:sp>
+          <p:nvSpPr>
+            <p:cNvPr id="14" name="TextBox 13">
+              <a:extLst>
+                <a:ext uri="{FF2B5EF4-FFF2-40B4-BE49-F238E27FC236}">
+                  <a16:creationId xmlns:a16="http://schemas.microsoft.com/office/drawing/2014/main" id="{214DF21D-BA5A-47FF-AEB8-2B27166465B0}"/>
+                </a:ext>
+              </a:extLst>
+            </p:cNvPr>
+            <p:cNvSpPr txBox="1"/>
+            <p:nvPr/>
+          </p:nvSpPr>
+          <p:spPr>
+            <a:xfrm>
+              <a:off x="4885744" y="1356146"/>
+              <a:ext cx="7084657" cy="646331"/>
+            </a:xfrm>
+            <a:prstGeom prst="rect">
+              <a:avLst/>
+            </a:prstGeom>
+            <a:noFill/>
+          </p:spPr>
+          <p:txBody>
+            <a:bodyPr wrap="square" rtlCol="0">
+              <a:spAutoFit/>
+            </a:bodyPr>
+            <a:lstStyle/>
+            <a:p>
+              <a:pPr marL="285750" indent="-285750">
+                <a:buFont typeface="Arial" panose="020B0604020202020204" pitchFamily="34" charset="0"/>
+                <a:buChar char="•"/>
+              </a:pPr>
+              <a:r>
+                <a:rPr lang="en-AU" dirty="0"/>
+                <a:t>The block for # variables and clusters is fixed; </a:t>
+              </a:r>
+              <a:br>
+                <a:rPr lang="en-AU" dirty="0"/>
+              </a:br>
+              <a:r>
+                <a:rPr lang="en-AU" dirty="0"/>
+                <a:t>Fixed order, small then large within each factor</a:t>
+              </a:r>
+            </a:p>
+          </p:txBody>
+        </p:sp>
+      </p:grpSp>
+      <p:graphicFrame>
+        <p:nvGraphicFramePr>
+          <p:cNvPr id="111" name="Table 110">
+            <a:extLst>
+              <a:ext uri="{FF2B5EF4-FFF2-40B4-BE49-F238E27FC236}">
+                <a16:creationId xmlns:a16="http://schemas.microsoft.com/office/drawing/2014/main" id="{FCF76CAA-FD82-4FD6-BEFD-1E0706EE4A77}"/>
+              </a:ext>
+            </a:extLst>
+          </p:cNvPr>
+          <p:cNvGraphicFramePr>
+            <a:graphicFrameLocks noGrp="1"/>
+          </p:cNvGraphicFramePr>
+          <p:nvPr>
+            <p:extLst>
+              <p:ext uri="{D42A27DB-BD31-4B8C-83A1-F6EECF244321}">
+                <p14:modId xmlns:p14="http://schemas.microsoft.com/office/powerpoint/2010/main" val="1522345543"/>
+              </p:ext>
+            </p:extLst>
+          </p:nvPr>
+        </p:nvGraphicFramePr>
+        <p:xfrm>
+          <a:off x="4885744" y="2535026"/>
+          <a:ext cx="7091999" cy="729960"/>
+        </p:xfrm>
+        <a:graphic>
+          <a:graphicData uri="http://schemas.openxmlformats.org/drawingml/2006/table">
+            <a:tbl>
+              <a:tblPr firstRow="1" bandRow="1">
+                <a:tableStyleId>{93296810-A885-4BE3-A3E7-6D5BEEA58F35}</a:tableStyleId>
+              </a:tblPr>
+              <a:tblGrid>
+                <a:gridCol w="623031">
+                  <a:extLst>
+                    <a:ext uri="{9D8B030D-6E8A-4147-A177-3AD203B41FA5}">
+                      <a16:colId xmlns:a16="http://schemas.microsoft.com/office/drawing/2014/main" val="3488268334"/>
+                    </a:ext>
+                  </a:extLst>
+                </a:gridCol>
+                <a:gridCol w="404969">
+                  <a:extLst>
+                    <a:ext uri="{9D8B030D-6E8A-4147-A177-3AD203B41FA5}">
+                      <a16:colId xmlns:a16="http://schemas.microsoft.com/office/drawing/2014/main" val="491055168"/>
+                    </a:ext>
+                  </a:extLst>
+                </a:gridCol>
+                <a:gridCol w="623031">
+                  <a:extLst>
+                    <a:ext uri="{9D8B030D-6E8A-4147-A177-3AD203B41FA5}">
+                      <a16:colId xmlns:a16="http://schemas.microsoft.com/office/drawing/2014/main" val="3695711225"/>
+                    </a:ext>
+                  </a:extLst>
+                </a:gridCol>
+                <a:gridCol w="747641">
+                  <a:extLst>
+                    <a:ext uri="{9D8B030D-6E8A-4147-A177-3AD203B41FA5}">
+                      <a16:colId xmlns:a16="http://schemas.microsoft.com/office/drawing/2014/main" val="1254602596"/>
+                    </a:ext>
+                  </a:extLst>
+                </a:gridCol>
+                <a:gridCol w="963030">
+                  <a:extLst>
+                    <a:ext uri="{9D8B030D-6E8A-4147-A177-3AD203B41FA5}">
+                      <a16:colId xmlns:a16="http://schemas.microsoft.com/office/drawing/2014/main" val="2624790650"/>
+                    </a:ext>
+                  </a:extLst>
+                </a:gridCol>
+                <a:gridCol w="685336">
+                  <a:extLst>
+                    <a:ext uri="{9D8B030D-6E8A-4147-A177-3AD203B41FA5}">
+                      <a16:colId xmlns:a16="http://schemas.microsoft.com/office/drawing/2014/main" val="1330532218"/>
+                    </a:ext>
+                  </a:extLst>
+                </a:gridCol>
+                <a:gridCol w="1984357">
+                  <a:extLst>
+                    <a:ext uri="{9D8B030D-6E8A-4147-A177-3AD203B41FA5}">
+                      <a16:colId xmlns:a16="http://schemas.microsoft.com/office/drawing/2014/main" val="907526158"/>
+                    </a:ext>
+                  </a:extLst>
+                </a:gridCol>
+                <a:gridCol w="1060604">
+                  <a:extLst>
+                    <a:ext uri="{9D8B030D-6E8A-4147-A177-3AD203B41FA5}">
+                      <a16:colId xmlns:a16="http://schemas.microsoft.com/office/drawing/2014/main" val="1884770232"/>
+                    </a:ext>
+                  </a:extLst>
+                </a:gridCol>
+              </a:tblGrid>
+              <a:tr h="288000">
+                <a:tc>
+                  <a:txBody>
+                    <a:bodyPr/>
+                    <a:lstStyle/>
+                    <a:p>
+                      <a:pPr algn="l" fontAlgn="b"/>
+                      <a:r>
+                        <a:rPr lang="en-AU" sz="1400" b="1" i="0" u="none" strike="noStrike" dirty="0">
+                          <a:solidFill>
+                            <a:schemeClr val="bg1"/>
+                          </a:solidFill>
+                          <a:effectLst/>
+                          <a:latin typeface="Calibri" panose="020F0502020204030204" pitchFamily="34" charset="0"/>
+                        </a:rPr>
+                        <a:t>Period</a:t>
+                      </a:r>
+                    </a:p>
+                  </a:txBody>
+                  <a:tcPr marL="7620" marR="7620" marT="7620" marB="0" anchor="ctr"/>
+                </a:tc>
+                <a:tc>
+                  <a:txBody>
+                    <a:bodyPr/>
+                    <a:lstStyle/>
+                    <a:p>
+                      <a:pPr algn="l" fontAlgn="b"/>
+                      <a:r>
+                        <a:rPr lang="en-AU" sz="1400" b="1" i="0" u="none" strike="noStrike" dirty="0">
+                          <a:solidFill>
+                            <a:schemeClr val="bg1"/>
+                          </a:solidFill>
+                          <a:effectLst/>
+                          <a:latin typeface="Calibri" panose="020F0502020204030204" pitchFamily="34" charset="0"/>
+                        </a:rPr>
+                        <a:t>Rep</a:t>
+                      </a:r>
+                    </a:p>
+                  </a:txBody>
+                  <a:tcPr marL="7620" marR="7620" marT="7620" marB="0" anchor="ctr"/>
+                </a:tc>
+                <a:tc>
+                  <a:txBody>
+                    <a:bodyPr/>
+                    <a:lstStyle/>
+                    <a:p>
+                      <a:pPr algn="l" fontAlgn="b"/>
+                      <a:r>
+                        <a:rPr lang="en-AU" sz="1400" b="1" i="1" u="none" strike="noStrike" dirty="0">
+                          <a:solidFill>
+                            <a:schemeClr val="bg1"/>
+                          </a:solidFill>
+                          <a:effectLst/>
+                          <a:latin typeface="Calibri" panose="020F0502020204030204" pitchFamily="34" charset="0"/>
+                        </a:rPr>
+                        <a:t>Factor</a:t>
+                      </a:r>
+                    </a:p>
+                  </a:txBody>
+                  <a:tcPr marL="7620" marR="7620" marT="7620" marB="0" anchor="ctr"/>
+                </a:tc>
+                <a:tc>
+                  <a:txBody>
+                    <a:bodyPr/>
+                    <a:lstStyle/>
+                    <a:p>
+                      <a:pPr algn="l" fontAlgn="b"/>
+                      <a:r>
+                        <a:rPr lang="en-AU" sz="1400" b="1" i="1" u="none" strike="noStrike" dirty="0">
+                          <a:solidFill>
+                            <a:schemeClr val="bg1"/>
+                          </a:solidFill>
+                          <a:effectLst/>
+                          <a:latin typeface="Calibri" panose="020F0502020204030204" pitchFamily="34" charset="0"/>
+                        </a:rPr>
+                        <a:t>VC </a:t>
+                      </a:r>
+                    </a:p>
+                  </a:txBody>
+                  <a:tcPr marL="7620" marR="7620" marT="7620" marB="0" anchor="ctr"/>
+                </a:tc>
+                <a:tc>
+                  <a:txBody>
+                    <a:bodyPr/>
+                    <a:lstStyle/>
+                    <a:p>
+                      <a:pPr algn="l" fontAlgn="b"/>
+                      <a:r>
+                        <a:rPr lang="en-AU" sz="1400" b="1" i="0" u="none" strike="noStrike" dirty="0">
+                          <a:solidFill>
+                            <a:schemeClr val="bg1"/>
+                          </a:solidFill>
+                          <a:effectLst/>
+                          <a:latin typeface="Calibri" panose="020F0502020204030204" pitchFamily="34" charset="0"/>
+                        </a:rPr>
+                        <a:t>#var (cl)</a:t>
+                      </a:r>
+                    </a:p>
+                  </a:txBody>
+                  <a:tcPr marL="7620" marR="7620" marT="7620" marB="0" anchor="ctr"/>
+                </a:tc>
+                <a:tc>
+                  <a:txBody>
+                    <a:bodyPr/>
+                    <a:lstStyle/>
+                    <a:p>
+                      <a:pPr algn="l" fontAlgn="b"/>
+                      <a:r>
+                        <a:rPr lang="en-AU" sz="1400" b="1" i="1" u="none" strike="noStrike" dirty="0">
+                          <a:solidFill>
+                            <a:schemeClr val="bg1"/>
+                          </a:solidFill>
+                          <a:effectLst/>
+                          <a:latin typeface="Calibri" panose="020F0502020204030204" pitchFamily="34" charset="0"/>
+                        </a:rPr>
+                        <a:t>Location</a:t>
+                      </a:r>
+                    </a:p>
+                  </a:txBody>
+                  <a:tcPr marL="7620" marR="7620" marT="7620" marB="0" anchor="ctr"/>
+                </a:tc>
+                <a:tc>
+                  <a:txBody>
+                    <a:bodyPr/>
+                    <a:lstStyle/>
+                    <a:p>
+                      <a:pPr algn="l" fontAlgn="b"/>
+                      <a:r>
+                        <a:rPr lang="en-AU" sz="1400" b="1" i="0" u="none" strike="noStrike" dirty="0">
+                          <a:solidFill>
+                            <a:schemeClr val="bg1"/>
+                          </a:solidFill>
+                          <a:effectLst/>
+                          <a:latin typeface="Calibri" panose="020F0502020204030204" pitchFamily="34" charset="0"/>
+                        </a:rPr>
+                        <a:t>Sim name</a:t>
+                      </a:r>
+                    </a:p>
+                  </a:txBody>
+                  <a:tcPr marL="7620" marR="7620" marT="7620" marB="0" anchor="ctr"/>
+                </a:tc>
+                <a:tc>
+                  <a:txBody>
+                    <a:bodyPr/>
+                    <a:lstStyle/>
+                    <a:p>
+                      <a:pPr algn="l" fontAlgn="b"/>
+                      <a:r>
+                        <a:rPr lang="en-AU" sz="1400" b="1" i="0" u="none" strike="noStrike" dirty="0">
+                          <a:solidFill>
+                            <a:schemeClr val="bg1"/>
+                          </a:solidFill>
+                          <a:effectLst/>
+                          <a:latin typeface="Calibri" panose="020F0502020204030204" pitchFamily="34" charset="0"/>
+                        </a:rPr>
+                        <a:t>Grand path</a:t>
+                      </a:r>
+                    </a:p>
+                  </a:txBody>
+                  <a:tcPr marL="7620" marR="7620" marT="7620" marB="0" anchor="ctr"/>
+                </a:tc>
+                <a:extLst>
+                  <a:ext uri="{0D108BD9-81ED-4DB2-BD59-A6C34878D82A}">
+                    <a16:rowId xmlns:a16="http://schemas.microsoft.com/office/drawing/2014/main" val="437667846"/>
+                  </a:ext>
+                </a:extLst>
+              </a:tr>
+              <a:tr h="0">
+                <a:tc>
+                  <a:txBody>
+                    <a:bodyPr/>
+                    <a:lstStyle/>
+                    <a:p>
+                      <a:pPr algn="l" fontAlgn="b"/>
+                      <a:r>
+                        <a:rPr lang="en-AU" sz="1400" u="none" strike="noStrike" dirty="0">
+                          <a:effectLst/>
+                        </a:rPr>
+                        <a:t>Training</a:t>
+                      </a:r>
+                      <a:endParaRPr lang="en-AU" sz="1400" b="0" i="0" u="none" strike="noStrike" dirty="0">
+                        <a:solidFill>
+                          <a:srgbClr val="000000"/>
+                        </a:solidFill>
+                        <a:effectLst/>
+                        <a:latin typeface="Calibri" panose="020F0502020204030204" pitchFamily="34" charset="0"/>
+                      </a:endParaRPr>
+                    </a:p>
+                  </a:txBody>
+                  <a:tcPr marL="7620" marR="7620" marT="7620" marB="0" anchor="b"/>
+                </a:tc>
+                <a:tc>
+                  <a:txBody>
+                    <a:bodyPr/>
+                    <a:lstStyle/>
+                    <a:p>
+                      <a:pPr algn="l" fontAlgn="b"/>
+                      <a:r>
+                        <a:rPr lang="en-AU" sz="1400" u="none" strike="noStrike" dirty="0">
+                          <a:effectLst/>
+                        </a:rPr>
+                        <a:t>R1</a:t>
+                      </a:r>
+                      <a:endParaRPr lang="en-AU" sz="1400" b="0" i="0" u="none" strike="noStrike" dirty="0">
+                        <a:solidFill>
+                          <a:srgbClr val="000000"/>
+                        </a:solidFill>
+                        <a:effectLst/>
+                        <a:latin typeface="Calibri" panose="020F0502020204030204" pitchFamily="34" charset="0"/>
+                      </a:endParaRPr>
+                    </a:p>
+                  </a:txBody>
+                  <a:tcPr marL="7620" marR="7620" marT="7620" marB="0" anchor="b"/>
+                </a:tc>
+                <a:tc>
+                  <a:txBody>
+                    <a:bodyPr/>
+                    <a:lstStyle/>
+                    <a:p>
+                      <a:pPr algn="l" fontAlgn="b"/>
+                      <a:r>
+                        <a:rPr lang="en-AU" sz="1400" u="none" strike="noStrike" dirty="0">
+                          <a:effectLst/>
+                        </a:rPr>
+                        <a:t>free?</a:t>
+                      </a:r>
+                      <a:endParaRPr lang="en-AU" sz="1400" b="0" i="1" u="none" strike="noStrike" dirty="0">
+                        <a:solidFill>
+                          <a:srgbClr val="000000"/>
+                        </a:solidFill>
+                        <a:effectLst/>
+                        <a:latin typeface="Calibri" panose="020F0502020204030204" pitchFamily="34" charset="0"/>
+                      </a:endParaRPr>
+                    </a:p>
+                  </a:txBody>
+                  <a:tcPr marL="7620" marR="7620" marT="7620" marB="0" anchor="b"/>
+                </a:tc>
+                <a:tc>
+                  <a:txBody>
+                    <a:bodyPr/>
+                    <a:lstStyle/>
+                    <a:p>
+                      <a:pPr algn="l" fontAlgn="b"/>
+                      <a:r>
+                        <a:rPr lang="en-AU" sz="1400" u="none" strike="noStrike" dirty="0">
+                          <a:effectLst/>
+                        </a:rPr>
+                        <a:t>EEE</a:t>
+                      </a:r>
+                      <a:endParaRPr lang="en-AU" sz="1400" b="0" i="1" u="none" strike="noStrike" dirty="0">
+                        <a:solidFill>
+                          <a:srgbClr val="000000"/>
+                        </a:solidFill>
+                        <a:effectLst/>
+                        <a:latin typeface="Calibri" panose="020F0502020204030204" pitchFamily="34" charset="0"/>
+                      </a:endParaRPr>
+                    </a:p>
+                  </a:txBody>
+                  <a:tcPr marL="7620" marR="7620" marT="7620" marB="0" anchor="b"/>
+                </a:tc>
+                <a:tc>
+                  <a:txBody>
+                    <a:bodyPr/>
+                    <a:lstStyle/>
+                    <a:p>
+                      <a:pPr algn="l" fontAlgn="b"/>
+                      <a:r>
+                        <a:rPr lang="en-AU" sz="1400" u="none" strike="noStrike" dirty="0">
+                          <a:effectLst/>
+                        </a:rPr>
+                        <a:t>4v (3cl)</a:t>
+                      </a:r>
+                      <a:endParaRPr lang="en-AU" sz="1400" b="0" i="0" u="none" strike="noStrike" dirty="0">
+                        <a:solidFill>
+                          <a:srgbClr val="000000"/>
+                        </a:solidFill>
+                        <a:effectLst/>
+                        <a:latin typeface="Calibri" panose="020F0502020204030204" pitchFamily="34" charset="0"/>
+                      </a:endParaRPr>
+                    </a:p>
+                  </a:txBody>
+                  <a:tcPr marL="7620" marR="7620" marT="7620" marB="0" anchor="b"/>
+                </a:tc>
+                <a:tc>
+                  <a:txBody>
+                    <a:bodyPr/>
+                    <a:lstStyle/>
+                    <a:p>
+                      <a:pPr algn="l" fontAlgn="b"/>
+                      <a:r>
+                        <a:rPr lang="en-AU" sz="1400" u="none" strike="noStrike" dirty="0">
+                          <a:effectLst/>
+                        </a:rPr>
+                        <a:t>1_0</a:t>
+                      </a:r>
+                      <a:endParaRPr lang="en-AU" sz="1400" b="0" i="1" u="none" strike="noStrike" dirty="0">
+                        <a:solidFill>
+                          <a:srgbClr val="000000"/>
+                        </a:solidFill>
+                        <a:effectLst/>
+                        <a:latin typeface="Calibri" panose="020F0502020204030204" pitchFamily="34" charset="0"/>
+                      </a:endParaRPr>
+                    </a:p>
+                  </a:txBody>
+                  <a:tcPr marL="7620" marR="7620" marT="7620" marB="0" anchor="b"/>
+                </a:tc>
+                <a:tc>
+                  <a:txBody>
+                    <a:bodyPr/>
+                    <a:lstStyle/>
+                    <a:p>
+                      <a:pPr algn="l" fontAlgn="b"/>
+                      <a:r>
+                        <a:rPr lang="en-AU" sz="1400" u="none" strike="noStrike" dirty="0">
+                          <a:effectLst/>
+                        </a:rPr>
+                        <a:t>EEE_p4_0_1_t1</a:t>
+                      </a:r>
+                      <a:endParaRPr lang="en-AU" sz="1400" b="0" i="0" u="none" strike="noStrike" dirty="0">
+                        <a:solidFill>
+                          <a:srgbClr val="000000"/>
+                        </a:solidFill>
+                        <a:effectLst/>
+                        <a:latin typeface="Calibri" panose="020F0502020204030204" pitchFamily="34" charset="0"/>
+                      </a:endParaRPr>
+                    </a:p>
+                  </a:txBody>
+                  <a:tcPr marL="7620" marR="7620" marT="7620" marB="0" anchor="b"/>
+                </a:tc>
+                <a:tc>
+                  <a:txBody>
+                    <a:bodyPr/>
+                    <a:lstStyle/>
+                    <a:p>
+                      <a:pPr algn="l" fontAlgn="b"/>
+                      <a:r>
+                        <a:rPr lang="en-AU" sz="1400" u="none" strike="noStrike" dirty="0">
+                          <a:effectLst/>
+                        </a:rPr>
+                        <a:t>p4_path_t1</a:t>
+                      </a:r>
+                      <a:endParaRPr lang="en-AU" sz="1400" b="0" i="0" u="none" strike="noStrike" dirty="0">
+                        <a:solidFill>
+                          <a:srgbClr val="000000"/>
+                        </a:solidFill>
+                        <a:effectLst/>
+                        <a:latin typeface="Calibri" panose="020F0502020204030204" pitchFamily="34" charset="0"/>
+                      </a:endParaRPr>
+                    </a:p>
+                  </a:txBody>
+                  <a:tcPr marL="7620" marR="7620" marT="7620" marB="0" anchor="b"/>
+                </a:tc>
+                <a:extLst>
+                  <a:ext uri="{0D108BD9-81ED-4DB2-BD59-A6C34878D82A}">
+                    <a16:rowId xmlns:a16="http://schemas.microsoft.com/office/drawing/2014/main" val="1150312825"/>
+                  </a:ext>
+                </a:extLst>
+              </a:tr>
+              <a:tr h="0">
+                <a:tc>
+                  <a:txBody>
+                    <a:bodyPr/>
+                    <a:lstStyle/>
+                    <a:p>
+                      <a:pPr algn="l" fontAlgn="b"/>
+                      <a:r>
+                        <a:rPr lang="en-AU" sz="1400" u="none" strike="noStrike" dirty="0">
+                          <a:effectLst/>
+                        </a:rPr>
+                        <a:t>Training</a:t>
+                      </a:r>
+                      <a:endParaRPr lang="en-AU" sz="1400" b="0" i="0" u="none" strike="noStrike" dirty="0">
+                        <a:solidFill>
+                          <a:srgbClr val="000000"/>
+                        </a:solidFill>
+                        <a:effectLst/>
+                        <a:latin typeface="Calibri" panose="020F0502020204030204" pitchFamily="34" charset="0"/>
+                      </a:endParaRPr>
+                    </a:p>
+                  </a:txBody>
+                  <a:tcPr marL="7620" marR="7620" marT="7620" marB="0" anchor="b"/>
+                </a:tc>
+                <a:tc>
+                  <a:txBody>
+                    <a:bodyPr/>
+                    <a:lstStyle/>
+                    <a:p>
+                      <a:pPr algn="l" fontAlgn="b"/>
+                      <a:r>
+                        <a:rPr lang="en-AU" sz="1400" u="none" strike="noStrike" dirty="0">
+                          <a:effectLst/>
+                        </a:rPr>
+                        <a:t>R2</a:t>
+                      </a:r>
+                      <a:endParaRPr lang="en-AU" sz="1400" b="0" i="0" u="none" strike="noStrike" dirty="0">
+                        <a:solidFill>
+                          <a:srgbClr val="000000"/>
+                        </a:solidFill>
+                        <a:effectLst/>
+                        <a:latin typeface="Calibri" panose="020F0502020204030204" pitchFamily="34" charset="0"/>
+                      </a:endParaRPr>
+                    </a:p>
+                  </a:txBody>
+                  <a:tcPr marL="7620" marR="7620" marT="7620" marB="0" anchor="b"/>
+                </a:tc>
+                <a:tc>
+                  <a:txBody>
+                    <a:bodyPr/>
+                    <a:lstStyle/>
+                    <a:p>
+                      <a:pPr algn="l" fontAlgn="b"/>
+                      <a:r>
+                        <a:rPr lang="en-AU" sz="1400" u="none" strike="noStrike" dirty="0">
+                          <a:effectLst/>
+                        </a:rPr>
+                        <a:t>free?</a:t>
+                      </a:r>
+                      <a:endParaRPr lang="en-AU" sz="1400" b="0" i="1" u="none" strike="noStrike" dirty="0">
+                        <a:solidFill>
+                          <a:srgbClr val="000000"/>
+                        </a:solidFill>
+                        <a:effectLst/>
+                        <a:latin typeface="Calibri" panose="020F0502020204030204" pitchFamily="34" charset="0"/>
+                      </a:endParaRPr>
+                    </a:p>
+                  </a:txBody>
+                  <a:tcPr marL="7620" marR="7620" marT="7620" marB="0" anchor="b"/>
+                </a:tc>
+                <a:tc>
+                  <a:txBody>
+                    <a:bodyPr/>
+                    <a:lstStyle/>
+                    <a:p>
+                      <a:pPr algn="l" fontAlgn="b"/>
+                      <a:r>
+                        <a:rPr lang="en-AU" sz="1400" u="none" strike="noStrike" dirty="0">
+                          <a:effectLst/>
+                        </a:rPr>
+                        <a:t>EEE</a:t>
+                      </a:r>
+                      <a:endParaRPr lang="en-AU" sz="1400" b="0" i="1" u="none" strike="noStrike" dirty="0">
+                        <a:solidFill>
+                          <a:srgbClr val="000000"/>
+                        </a:solidFill>
+                        <a:effectLst/>
+                        <a:latin typeface="Calibri" panose="020F0502020204030204" pitchFamily="34" charset="0"/>
+                      </a:endParaRPr>
+                    </a:p>
+                  </a:txBody>
+                  <a:tcPr marL="7620" marR="7620" marT="7620" marB="0" anchor="b"/>
+                </a:tc>
+                <a:tc>
+                  <a:txBody>
+                    <a:bodyPr/>
+                    <a:lstStyle/>
+                    <a:p>
+                      <a:pPr algn="l" fontAlgn="b"/>
+                      <a:r>
+                        <a:rPr lang="en-AU" sz="1400" u="none" strike="noStrike" dirty="0">
+                          <a:effectLst/>
+                        </a:rPr>
+                        <a:t>4v (3cl)</a:t>
+                      </a:r>
+                      <a:endParaRPr lang="en-AU" sz="1400" b="0" i="0" u="none" strike="noStrike" dirty="0">
+                        <a:solidFill>
+                          <a:srgbClr val="000000"/>
+                        </a:solidFill>
+                        <a:effectLst/>
+                        <a:latin typeface="Calibri" panose="020F0502020204030204" pitchFamily="34" charset="0"/>
+                      </a:endParaRPr>
+                    </a:p>
+                  </a:txBody>
+                  <a:tcPr marL="7620" marR="7620" marT="7620" marB="0" anchor="b"/>
+                </a:tc>
+                <a:tc>
+                  <a:txBody>
+                    <a:bodyPr/>
+                    <a:lstStyle/>
+                    <a:p>
+                      <a:pPr algn="l" fontAlgn="b"/>
+                      <a:r>
+                        <a:rPr lang="en-AU" sz="1400" u="none" strike="noStrike" dirty="0">
+                          <a:effectLst/>
+                        </a:rPr>
+                        <a:t>1_0</a:t>
+                      </a:r>
+                      <a:endParaRPr lang="en-AU" sz="1400" b="0" i="1" u="none" strike="noStrike" dirty="0">
+                        <a:solidFill>
+                          <a:srgbClr val="000000"/>
+                        </a:solidFill>
+                        <a:effectLst/>
+                        <a:latin typeface="Calibri" panose="020F0502020204030204" pitchFamily="34" charset="0"/>
+                      </a:endParaRPr>
+                    </a:p>
+                  </a:txBody>
+                  <a:tcPr marL="7620" marR="7620" marT="7620" marB="0" anchor="b"/>
+                </a:tc>
+                <a:tc>
+                  <a:txBody>
+                    <a:bodyPr/>
+                    <a:lstStyle/>
+                    <a:p>
+                      <a:pPr marL="0" marR="0" lvl="0" indent="0" algn="l" defTabSz="914400" rtl="0" eaLnBrk="1" fontAlgn="b" latinLnBrk="0" hangingPunct="1">
+                        <a:lnSpc>
+                          <a:spcPct val="100000"/>
+                        </a:lnSpc>
+                        <a:spcBef>
+                          <a:spcPts val="0"/>
+                        </a:spcBef>
+                        <a:spcAft>
+                          <a:spcPts val="0"/>
+                        </a:spcAft>
+                        <a:buClrTx/>
+                        <a:buSzTx/>
+                        <a:buFontTx/>
+                        <a:buNone/>
+                        <a:tabLst/>
+                        <a:defRPr/>
+                      </a:pPr>
+                      <a:r>
+                        <a:rPr lang="en-AU" sz="1400" u="none" strike="noStrike" dirty="0">
+                          <a:effectLst/>
+                        </a:rPr>
+                        <a:t>banana_p6_0_1_t1</a:t>
+                      </a:r>
+                      <a:endParaRPr lang="en-AU" sz="1400" b="0" i="0" u="none" strike="noStrike" dirty="0">
+                        <a:solidFill>
+                          <a:srgbClr val="000000"/>
+                        </a:solidFill>
+                        <a:effectLst/>
+                        <a:latin typeface="Calibri" panose="020F0502020204030204" pitchFamily="34" charset="0"/>
+                      </a:endParaRPr>
+                    </a:p>
+                  </a:txBody>
+                  <a:tcPr marL="7620" marR="7620" marT="7620" marB="0" anchor="b"/>
+                </a:tc>
+                <a:tc>
+                  <a:txBody>
+                    <a:bodyPr/>
+                    <a:lstStyle/>
+                    <a:p>
+                      <a:pPr marL="0" marR="0" lvl="0" indent="0" algn="l" defTabSz="914400" rtl="0" eaLnBrk="1" fontAlgn="b" latinLnBrk="0" hangingPunct="1">
+                        <a:lnSpc>
+                          <a:spcPct val="100000"/>
+                        </a:lnSpc>
+                        <a:spcBef>
+                          <a:spcPts val="0"/>
+                        </a:spcBef>
+                        <a:spcAft>
+                          <a:spcPts val="0"/>
+                        </a:spcAft>
+                        <a:buClrTx/>
+                        <a:buSzTx/>
+                        <a:buFontTx/>
+                        <a:buNone/>
+                        <a:tabLst/>
+                        <a:defRPr/>
+                      </a:pPr>
+                      <a:r>
+                        <a:rPr lang="en-AU" sz="1400" u="none" strike="noStrike" dirty="0">
+                          <a:effectLst/>
+                        </a:rPr>
+                        <a:t>p4_path_t2</a:t>
+                      </a:r>
+                      <a:endParaRPr lang="en-AU" sz="1400" b="0" i="0" u="none" strike="noStrike" dirty="0">
+                        <a:solidFill>
+                          <a:srgbClr val="000000"/>
+                        </a:solidFill>
+                        <a:effectLst/>
+                        <a:latin typeface="Calibri" panose="020F0502020204030204" pitchFamily="34" charset="0"/>
+                      </a:endParaRPr>
+                    </a:p>
+                  </a:txBody>
+                  <a:tcPr marL="7620" marR="7620" marT="7620" marB="0" anchor="b"/>
+                </a:tc>
+                <a:extLst>
+                  <a:ext uri="{0D108BD9-81ED-4DB2-BD59-A6C34878D82A}">
+                    <a16:rowId xmlns:a16="http://schemas.microsoft.com/office/drawing/2014/main" val="1236360087"/>
+                  </a:ext>
+                </a:extLst>
+              </a:tr>
+            </a:tbl>
+          </a:graphicData>
+        </a:graphic>
+      </p:graphicFrame>
     </p:spTree>
     <p:extLst>
       <p:ext uri="{BB962C8B-B14F-4D97-AF65-F5344CB8AC3E}">

--- a/paper/figures/Experimental design graphics.pptx
+++ b/paper/figures/Experimental design graphics.pptx
@@ -3428,7 +3428,7 @@
           <p:nvPr>
             <p:extLst>
               <p:ext uri="{D42A27DB-BD31-4B8C-83A1-F6EECF244321}">
-                <p14:modId xmlns:p14="http://schemas.microsoft.com/office/powerpoint/2010/main" val="3650666140"/>
+                <p14:modId xmlns:p14="http://schemas.microsoft.com/office/powerpoint/2010/main" val="2391761152"/>
               </p:ext>
             </p:extLst>
           </p:nvPr>
@@ -3822,9 +3822,10 @@
                         <a:defRPr/>
                       </a:pPr>
                       <a:r>
-                        <a:rPr lang="en-AU" b="0" dirty="0"/>
-                        <a:t>3</a:t>
-                      </a:r>
+                        <a:rPr lang="en-US" b="0" dirty="0"/>
+                        <a:t>6</a:t>
+                      </a:r>
+                      <a:endParaRPr lang="en-AU" b="0" dirty="0"/>
                     </a:p>
                   </a:txBody>
                   <a:tcPr>
@@ -4043,7 +4044,7 @@
                     <a:p>
                       <a:r>
                         <a:rPr lang="en-US" dirty="0"/>
-                        <a:t>Location</a:t>
+                        <a:t>Location </a:t>
                       </a:r>
                     </a:p>
                     <a:p>
@@ -4136,18 +4137,9 @@
                         <a:defRPr/>
                       </a:pPr>
                       <a:r>
-                        <a:rPr lang="en-US" b="0" dirty="0">
-                          <a:solidFill>
-                            <a:schemeClr val="tx1"/>
-                          </a:solidFill>
-                        </a:rPr>
-                        <a:t>Each participant receives 2 location values, one per factor task</a:t>
-                      </a:r>
-                      <a:endParaRPr lang="en-AU" b="0" dirty="0">
-                        <a:solidFill>
-                          <a:schemeClr val="tx1"/>
-                        </a:solidFill>
-                      </a:endParaRPr>
+                        <a:rPr lang="en-US" dirty="0"/>
+                        <a:t>Fixed order; period 1 is 1&amp;2, period 2 is 2&amp;3, period 3 is 3&amp;1</a:t>
+                      </a:r>
                     </a:p>
                   </a:txBody>
                   <a:tcPr>
@@ -4201,13 +4193,18 @@
                         <a:defRPr/>
                       </a:pPr>
                       <a:r>
-                        <a:rPr lang="en-AU" b="0" dirty="0">
+                        <a:rPr lang="en-US" b="0" dirty="0">
                           <a:solidFill>
                             <a:schemeClr val="tx1"/>
                           </a:solidFill>
                         </a:rPr>
-                        <a:t>6</a:t>
-                      </a:r>
+                        <a:t>3</a:t>
+                      </a:r>
+                      <a:endParaRPr lang="en-AU" b="0" dirty="0">
+                        <a:solidFill>
+                          <a:schemeClr val="tx1"/>
+                        </a:solidFill>
+                      </a:endParaRPr>
                     </a:p>
                   </a:txBody>
                   <a:tcPr>
@@ -4510,12 +4507,8 @@
                         <a:defRPr/>
                       </a:pPr>
                       <a:r>
-                        <a:rPr lang="en-US" b="0" dirty="0">
-                          <a:solidFill>
-                            <a:schemeClr val="tx1"/>
-                          </a:solidFill>
-                        </a:rPr>
-                        <a:t>Each participant receives 1 VC model</a:t>
+                        <a:rPr lang="en-US" b="0" i="0" dirty="0"/>
+                        <a:t>Fixed order; period 1 is EEE, period 2 is EEV, period 3 is banana</a:t>
                       </a:r>
                       <a:endParaRPr lang="en-AU" b="0" i="0" dirty="0"/>
                     </a:p>
@@ -4562,9 +4555,18 @@
                         <a:defRPr/>
                       </a:pPr>
                       <a:r>
-                        <a:rPr lang="en-AU" b="0" i="0" dirty="0"/>
-                        <a:t>3</a:t>
-                      </a:r>
+                        <a:rPr lang="en-US" b="0" i="0" dirty="0">
+                          <a:solidFill>
+                            <a:schemeClr val="tx1"/>
+                          </a:solidFill>
+                        </a:rPr>
+                        <a:t>1</a:t>
+                      </a:r>
+                      <a:endParaRPr lang="en-AU" b="1" i="1" dirty="0">
+                        <a:solidFill>
+                          <a:schemeClr val="tx1"/>
+                        </a:solidFill>
+                      </a:endParaRPr>
                     </a:p>
                   </a:txBody>
                   <a:tcPr>
@@ -4827,7 +4829,7 @@
                       </a:pPr>
                       <a:r>
                         <a:rPr lang="en-AU" dirty="0"/>
-                        <a:t>Fixed order, small then large within each factor</a:t>
+                        <a:t>Fixed order; small then large within each period</a:t>
                       </a:r>
                     </a:p>
                   </a:txBody>
@@ -7404,7 +7406,7 @@
         </p:nvSpPr>
         <p:spPr>
           <a:xfrm>
-            <a:off x="9304257" y="3341800"/>
+            <a:off x="9238268" y="4859704"/>
             <a:ext cx="2539712" cy="1200329"/>
           </a:xfrm>
           <a:prstGeom prst="rect">
@@ -11517,7 +11519,7 @@
                 </a:pPr>
                 <a:r>
                   <a:rPr lang="en-AU" sz="2200" dirty="0"/>
-                  <a:t>Solve which of the 56  permutations have the lowest count</a:t>
+                  <a:t>Solve which of the 56 permutations have the lowest count</a:t>
                 </a:r>
               </a:p>
               <a:p>
@@ -12953,14 +12955,14 @@
           <p:nvPr>
             <p:extLst>
               <p:ext uri="{D42A27DB-BD31-4B8C-83A1-F6EECF244321}">
-                <p14:modId xmlns:p14="http://schemas.microsoft.com/office/powerpoint/2010/main" val="1934742013"/>
+                <p14:modId xmlns:p14="http://schemas.microsoft.com/office/powerpoint/2010/main" val="4227205055"/>
               </p:ext>
             </p:extLst>
           </p:nvPr>
         </p:nvGraphicFramePr>
         <p:xfrm>
-          <a:off x="4885744" y="3372166"/>
-          <a:ext cx="7091999" cy="1613880"/>
+          <a:off x="4829432" y="2592372"/>
+          <a:ext cx="7091999" cy="2276820"/>
         </p:xfrm>
         <a:graphic>
           <a:graphicData uri="http://schemas.openxmlformats.org/drawingml/2006/table">
@@ -13201,6 +13203,257 @@
                     <a:p>
                       <a:pPr algn="l" fontAlgn="b"/>
                       <a:r>
+                        <a:rPr lang="en-AU" sz="1400" u="none" strike="noStrike" dirty="0">
+                          <a:effectLst/>
+                        </a:rPr>
+                        <a:t>Training</a:t>
+                      </a:r>
+                      <a:endParaRPr lang="en-AU" sz="1400" b="0" i="0" u="none" strike="noStrike" dirty="0">
+                        <a:solidFill>
+                          <a:srgbClr val="000000"/>
+                        </a:solidFill>
+                        <a:effectLst/>
+                        <a:latin typeface="Calibri" panose="020F0502020204030204" pitchFamily="34" charset="0"/>
+                      </a:endParaRPr>
+                    </a:p>
+                  </a:txBody>
+                  <a:tcPr marL="7620" marR="7620" marT="7620" marB="0" anchor="b">
+                    <a:solidFill>
+                      <a:schemeClr val="accent6">
+                        <a:lumMod val="40000"/>
+                        <a:lumOff val="60000"/>
+                      </a:schemeClr>
+                    </a:solidFill>
+                  </a:tcPr>
+                </a:tc>
+                <a:tc>
+                  <a:txBody>
+                    <a:bodyPr/>
+                    <a:lstStyle/>
+                    <a:p>
+                      <a:pPr algn="l" fontAlgn="b"/>
+                      <a:r>
+                        <a:rPr lang="en-AU" sz="1400" u="none" strike="noStrike" dirty="0">
+                          <a:effectLst/>
+                        </a:rPr>
+                        <a:t>R1</a:t>
+                      </a:r>
+                      <a:endParaRPr lang="en-AU" sz="1400" b="0" i="0" u="none" strike="noStrike" dirty="0">
+                        <a:solidFill>
+                          <a:srgbClr val="000000"/>
+                        </a:solidFill>
+                        <a:effectLst/>
+                        <a:latin typeface="Calibri" panose="020F0502020204030204" pitchFamily="34" charset="0"/>
+                      </a:endParaRPr>
+                    </a:p>
+                  </a:txBody>
+                  <a:tcPr marL="7620" marR="7620" marT="7620" marB="0" anchor="b">
+                    <a:solidFill>
+                      <a:schemeClr val="accent6">
+                        <a:lumMod val="40000"/>
+                        <a:lumOff val="60000"/>
+                      </a:schemeClr>
+                    </a:solidFill>
+                  </a:tcPr>
+                </a:tc>
+                <a:tc>
+                  <a:txBody>
+                    <a:bodyPr/>
+                    <a:lstStyle/>
+                    <a:p>
+                      <a:pPr algn="l" fontAlgn="b"/>
+                      <a:r>
+                        <a:rPr lang="en-US" sz="1400" b="0" i="1" u="none" strike="noStrike" dirty="0">
+                          <a:solidFill>
+                            <a:srgbClr val="000000"/>
+                          </a:solidFill>
+                          <a:effectLst/>
+                          <a:latin typeface="Calibri" panose="020F0502020204030204" pitchFamily="34" charset="0"/>
+                        </a:rPr>
+                        <a:t>Grand</a:t>
+                      </a:r>
+                      <a:endParaRPr lang="en-AU" sz="1400" b="0" i="1" u="none" strike="noStrike" dirty="0">
+                        <a:solidFill>
+                          <a:srgbClr val="000000"/>
+                        </a:solidFill>
+                        <a:effectLst/>
+                        <a:latin typeface="Calibri" panose="020F0502020204030204" pitchFamily="34" charset="0"/>
+                      </a:endParaRPr>
+                    </a:p>
+                  </a:txBody>
+                  <a:tcPr marL="7620" marR="7620" marT="7620" marB="0" anchor="b">
+                    <a:solidFill>
+                      <a:schemeClr val="accent6">
+                        <a:lumMod val="40000"/>
+                        <a:lumOff val="60000"/>
+                      </a:schemeClr>
+                    </a:solidFill>
+                  </a:tcPr>
+                </a:tc>
+                <a:tc>
+                  <a:txBody>
+                    <a:bodyPr/>
+                    <a:lstStyle/>
+                    <a:p>
+                      <a:pPr algn="l" fontAlgn="b"/>
+                      <a:r>
+                        <a:rPr lang="en-AU" sz="1400" u="none" strike="noStrike" dirty="0">
+                          <a:effectLst/>
+                        </a:rPr>
+                        <a:t>EEE</a:t>
+                      </a:r>
+                      <a:endParaRPr lang="en-AU" sz="1400" b="0" i="1" u="none" strike="noStrike" dirty="0">
+                        <a:solidFill>
+                          <a:srgbClr val="000000"/>
+                        </a:solidFill>
+                        <a:effectLst/>
+                        <a:latin typeface="Calibri" panose="020F0502020204030204" pitchFamily="34" charset="0"/>
+                      </a:endParaRPr>
+                    </a:p>
+                  </a:txBody>
+                  <a:tcPr marL="7620" marR="7620" marT="7620" marB="0" anchor="b">
+                    <a:solidFill>
+                      <a:schemeClr val="accent6">
+                        <a:lumMod val="40000"/>
+                        <a:lumOff val="60000"/>
+                      </a:schemeClr>
+                    </a:solidFill>
+                  </a:tcPr>
+                </a:tc>
+                <a:tc>
+                  <a:txBody>
+                    <a:bodyPr/>
+                    <a:lstStyle/>
+                    <a:p>
+                      <a:pPr algn="l" fontAlgn="b"/>
+                      <a:r>
+                        <a:rPr lang="en-AU" sz="1400" u="none" strike="noStrike" dirty="0">
+                          <a:effectLst/>
+                        </a:rPr>
+                        <a:t>4v (3cl)</a:t>
+                      </a:r>
+                      <a:endParaRPr lang="en-AU" sz="1400" b="0" i="0" u="none" strike="noStrike" dirty="0">
+                        <a:solidFill>
+                          <a:srgbClr val="000000"/>
+                        </a:solidFill>
+                        <a:effectLst/>
+                        <a:latin typeface="Calibri" panose="020F0502020204030204" pitchFamily="34" charset="0"/>
+                      </a:endParaRPr>
+                    </a:p>
+                  </a:txBody>
+                  <a:tcPr marL="7620" marR="7620" marT="7620" marB="0" anchor="b">
+                    <a:solidFill>
+                      <a:schemeClr val="accent6">
+                        <a:lumMod val="40000"/>
+                        <a:lumOff val="60000"/>
+                      </a:schemeClr>
+                    </a:solidFill>
+                  </a:tcPr>
+                </a:tc>
+                <a:tc>
+                  <a:txBody>
+                    <a:bodyPr/>
+                    <a:lstStyle/>
+                    <a:p>
+                      <a:pPr algn="l" fontAlgn="b"/>
+                      <a:r>
+                        <a:rPr lang="en-AU" sz="1400" u="none" strike="noStrike" dirty="0">
+                          <a:effectLst/>
+                        </a:rPr>
+                        <a:t>1_0</a:t>
+                      </a:r>
+                      <a:endParaRPr lang="en-AU" sz="1400" b="0" i="1" u="none" strike="noStrike" dirty="0">
+                        <a:solidFill>
+                          <a:srgbClr val="000000"/>
+                        </a:solidFill>
+                        <a:effectLst/>
+                        <a:latin typeface="Calibri" panose="020F0502020204030204" pitchFamily="34" charset="0"/>
+                      </a:endParaRPr>
+                    </a:p>
+                  </a:txBody>
+                  <a:tcPr marL="7620" marR="7620" marT="7620" marB="0" anchor="b">
+                    <a:solidFill>
+                      <a:schemeClr val="accent6">
+                        <a:lumMod val="40000"/>
+                        <a:lumOff val="60000"/>
+                      </a:schemeClr>
+                    </a:solidFill>
+                  </a:tcPr>
+                </a:tc>
+                <a:tc>
+                  <a:txBody>
+                    <a:bodyPr/>
+                    <a:lstStyle/>
+                    <a:p>
+                      <a:pPr algn="l" fontAlgn="b"/>
+                      <a:r>
+                        <a:rPr lang="en-AU" sz="1400" u="none" strike="noStrike" dirty="0">
+                          <a:effectLst/>
+                        </a:rPr>
+                        <a:t>EEE_p4_0_1_t1</a:t>
+                      </a:r>
+                      <a:endParaRPr lang="en-AU" sz="1400" b="0" i="0" u="none" strike="noStrike" dirty="0">
+                        <a:solidFill>
+                          <a:srgbClr val="000000"/>
+                        </a:solidFill>
+                        <a:effectLst/>
+                        <a:latin typeface="Calibri" panose="020F0502020204030204" pitchFamily="34" charset="0"/>
+                      </a:endParaRPr>
+                    </a:p>
+                  </a:txBody>
+                  <a:tcPr marL="7620" marR="7620" marT="7620" marB="0" anchor="b">
+                    <a:solidFill>
+                      <a:schemeClr val="accent6">
+                        <a:lumMod val="40000"/>
+                        <a:lumOff val="60000"/>
+                      </a:schemeClr>
+                    </a:solidFill>
+                  </a:tcPr>
+                </a:tc>
+                <a:tc>
+                  <a:txBody>
+                    <a:bodyPr/>
+                    <a:lstStyle/>
+                    <a:p>
+                      <a:pPr algn="l" fontAlgn="b"/>
+                      <a:r>
+                        <a:rPr lang="en-AU" sz="1400" u="none" strike="noStrike" dirty="0">
+                          <a:effectLst/>
+                        </a:rPr>
+                        <a:t>p4_path_t</a:t>
+                      </a:r>
+                      <a:endParaRPr lang="en-AU" sz="1400" b="0" i="0" u="none" strike="noStrike" dirty="0">
+                        <a:solidFill>
+                          <a:srgbClr val="000000"/>
+                        </a:solidFill>
+                        <a:effectLst/>
+                        <a:latin typeface="Calibri" panose="020F0502020204030204" pitchFamily="34" charset="0"/>
+                      </a:endParaRPr>
+                    </a:p>
+                  </a:txBody>
+                  <a:tcPr marL="7620" marR="7620" marT="7620" marB="0" anchor="b">
+                    <a:solidFill>
+                      <a:schemeClr val="accent6">
+                        <a:lumMod val="40000"/>
+                        <a:lumOff val="60000"/>
+                      </a:schemeClr>
+                    </a:solidFill>
+                  </a:tcPr>
+                </a:tc>
+                <a:extLst>
+                  <a:ext uri="{0D108BD9-81ED-4DB2-BD59-A6C34878D82A}">
+                    <a16:rowId xmlns:a16="http://schemas.microsoft.com/office/drawing/2014/main" val="3399423660"/>
+                  </a:ext>
+                </a:extLst>
+              </a:tr>
+              <a:tr h="0">
+                <a:tc>
+                  <a:txBody>
+                    <a:bodyPr/>
+                    <a:lstStyle/>
+                    <a:p>
+                      <a:pPr algn="l" fontAlgn="b"/>
+                      <a:r>
                         <a:rPr lang="en-AU" sz="1400" b="0" i="0" u="none" strike="noStrike" dirty="0">
                           <a:solidFill>
                             <a:srgbClr val="000000"/>
@@ -13268,7 +13521,7 @@
                           <a:effectLst/>
                           <a:latin typeface="Calibri" panose="020F0502020204030204" pitchFamily="34" charset="0"/>
                         </a:rPr>
-                        <a:t>EEE</a:t>
+                        <a:t>1</a:t>
                       </a:r>
                     </a:p>
                   </a:txBody>
@@ -13308,7 +13561,7 @@
                           <a:effectLst/>
                           <a:latin typeface="Calibri" panose="020F0502020204030204" pitchFamily="34" charset="0"/>
                         </a:rPr>
-                        <a:t>50_50</a:t>
+                        <a:t>1</a:t>
                       </a:r>
                     </a:p>
                   </a:txBody>
@@ -13435,7 +13688,7 @@
                           <a:effectLst/>
                           <a:latin typeface="Calibri" panose="020F0502020204030204" pitchFamily="34" charset="0"/>
                         </a:rPr>
-                        <a:t>Banana</a:t>
+                        <a:t>1</a:t>
                       </a:r>
                     </a:p>
                   </a:txBody>
@@ -13475,7 +13728,7 @@
                           <a:effectLst/>
                           <a:latin typeface="Calibri" panose="020F0502020204030204" pitchFamily="34" charset="0"/>
                         </a:rPr>
-                        <a:t>50_50</a:t>
+                        <a:t>2</a:t>
                       </a:r>
                     </a:p>
                   </a:txBody>
@@ -13567,161 +13820,11 @@
                     <a:p>
                       <a:pPr algn="l" fontAlgn="b"/>
                       <a:r>
-                        <a:rPr lang="en-AU" sz="1400" b="0" i="0" u="none" strike="noStrike" dirty="0">
-                          <a:solidFill>
-                            <a:srgbClr val="000000"/>
-                          </a:solidFill>
+                        <a:rPr lang="en-AU" sz="1400" u="none" strike="noStrike" dirty="0">
                           <a:effectLst/>
-                          <a:latin typeface="Calibri" panose="020F0502020204030204" pitchFamily="34" charset="0"/>
                         </a:rPr>
-                        <a:t>P2</a:t>
-                      </a:r>
-                    </a:p>
-                  </a:txBody>
-                  <a:tcPr marL="7620" marR="7620" marT="7620" marB="0" anchor="b"/>
-                </a:tc>
-                <a:tc>
-                  <a:txBody>
-                    <a:bodyPr/>
-                    <a:lstStyle/>
-                    <a:p>
-                      <a:pPr algn="l" fontAlgn="b"/>
-                      <a:r>
-                        <a:rPr lang="en-AU" sz="1400" b="0" i="0" u="none" strike="noStrike" dirty="0">
-                          <a:solidFill>
-                            <a:srgbClr val="000000"/>
-                          </a:solidFill>
-                          <a:effectLst/>
-                          <a:latin typeface="Calibri" panose="020F0502020204030204" pitchFamily="34" charset="0"/>
-                        </a:rPr>
-                        <a:t>R1</a:t>
-                      </a:r>
-                    </a:p>
-                  </a:txBody>
-                  <a:tcPr marL="7620" marR="7620" marT="7620" marB="0" anchor="b"/>
-                </a:tc>
-                <a:tc>
-                  <a:txBody>
-                    <a:bodyPr/>
-                    <a:lstStyle/>
-                    <a:p>
-                      <a:pPr algn="l" fontAlgn="b"/>
-                      <a:r>
-                        <a:rPr lang="en-AU" sz="1400" b="0" i="1" u="none" strike="noStrike" dirty="0">
-                          <a:solidFill>
-                            <a:srgbClr val="000000"/>
-                          </a:solidFill>
-                          <a:effectLst/>
-                          <a:latin typeface="Calibri" panose="020F0502020204030204" pitchFamily="34" charset="0"/>
-                        </a:rPr>
-                        <a:t>Radial</a:t>
-                      </a:r>
-                    </a:p>
-                  </a:txBody>
-                  <a:tcPr marL="7620" marR="7620" marT="7620" marB="0" anchor="b"/>
-                </a:tc>
-                <a:tc>
-                  <a:txBody>
-                    <a:bodyPr/>
-                    <a:lstStyle/>
-                    <a:p>
-                      <a:pPr algn="l" fontAlgn="b"/>
-                      <a:r>
-                        <a:rPr lang="en-AU" sz="1400" b="0" i="1" u="none" strike="noStrike" dirty="0">
-                          <a:solidFill>
-                            <a:srgbClr val="000000"/>
-                          </a:solidFill>
-                          <a:effectLst/>
-                          <a:latin typeface="Calibri" panose="020F0502020204030204" pitchFamily="34" charset="0"/>
-                        </a:rPr>
-                        <a:t>EEE</a:t>
-                      </a:r>
-                    </a:p>
-                  </a:txBody>
-                  <a:tcPr marL="7620" marR="7620" marT="7620" marB="0" anchor="b"/>
-                </a:tc>
-                <a:tc>
-                  <a:txBody>
-                    <a:bodyPr/>
-                    <a:lstStyle/>
-                    <a:p>
-                      <a:pPr algn="l" fontAlgn="b"/>
-                      <a:r>
-                        <a:rPr lang="en-AU" sz="1400" b="0" i="0" u="none" strike="noStrike" dirty="0">
-                          <a:solidFill>
-                            <a:srgbClr val="000000"/>
-                          </a:solidFill>
-                          <a:effectLst/>
-                          <a:latin typeface="Calibri" panose="020F0502020204030204" pitchFamily="34" charset="0"/>
-                        </a:rPr>
-                        <a:t>4v (3cl)</a:t>
-                      </a:r>
-                    </a:p>
-                  </a:txBody>
-                  <a:tcPr marL="7620" marR="7620" marT="7620" marB="0" anchor="b"/>
-                </a:tc>
-                <a:tc>
-                  <a:txBody>
-                    <a:bodyPr/>
-                    <a:lstStyle/>
-                    <a:p>
-                      <a:pPr algn="l" fontAlgn="b"/>
-                      <a:r>
-                        <a:rPr lang="en-AU" sz="1400" b="0" i="1" u="none" strike="noStrike" dirty="0">
-                          <a:solidFill>
-                            <a:srgbClr val="000000"/>
-                          </a:solidFill>
-                          <a:effectLst/>
-                          <a:latin typeface="Calibri" panose="020F0502020204030204" pitchFamily="34" charset="0"/>
-                        </a:rPr>
-                        <a:t>50_50</a:t>
-                      </a:r>
-                    </a:p>
-                  </a:txBody>
-                  <a:tcPr marL="7620" marR="7620" marT="7620" marB="0" anchor="b"/>
-                </a:tc>
-                <a:tc>
-                  <a:txBody>
-                    <a:bodyPr/>
-                    <a:lstStyle/>
-                    <a:p>
-                      <a:pPr marL="0" marR="0" lvl="0" indent="0" algn="l" defTabSz="914400" rtl="0" eaLnBrk="1" fontAlgn="b" latinLnBrk="0" hangingPunct="1">
-                        <a:lnSpc>
-                          <a:spcPct val="100000"/>
-                        </a:lnSpc>
-                        <a:spcBef>
-                          <a:spcPts val="0"/>
-                        </a:spcBef>
-                        <a:spcAft>
-                          <a:spcPts val="0"/>
-                        </a:spcAft>
-                        <a:buClrTx/>
-                        <a:buSzTx/>
-                        <a:buFontTx/>
-                        <a:buNone/>
-                        <a:tabLst/>
-                        <a:defRPr/>
-                      </a:pPr>
-                      <a:r>
-                        <a:rPr lang="en-AU" sz="1400" b="0" i="0" u="none" strike="noStrike" dirty="0">
-                          <a:solidFill>
-                            <a:srgbClr val="000000"/>
-                          </a:solidFill>
-                          <a:effectLst/>
-                          <a:latin typeface="Calibri" panose="020F0502020204030204" pitchFamily="34" charset="0"/>
-                        </a:rPr>
-                        <a:t>EEE_p4_50_50_sim2</a:t>
-                      </a:r>
-                    </a:p>
-                  </a:txBody>
-                  <a:tcPr marL="7620" marR="7620" marT="7620" marB="0" anchor="b"/>
-                </a:tc>
-                <a:tc>
-                  <a:txBody>
-                    <a:bodyPr/>
-                    <a:lstStyle/>
-                    <a:p>
-                      <a:pPr algn="l" fontAlgn="b"/>
+                        <a:t>Training</a:t>
+                      </a:r>
                       <a:endParaRPr lang="en-AU" sz="1400" b="0" i="0" u="none" strike="noStrike" dirty="0">
                         <a:solidFill>
                           <a:srgbClr val="000000"/>
@@ -13731,15 +13834,15 @@
                       </a:endParaRPr>
                     </a:p>
                   </a:txBody>
-                  <a:tcPr marL="7620" marR="7620" marT="7620" marB="0" anchor="b"/>
-                </a:tc>
-                <a:extLst>
-                  <a:ext uri="{0D108BD9-81ED-4DB2-BD59-A6C34878D82A}">
-                    <a16:rowId xmlns:a16="http://schemas.microsoft.com/office/drawing/2014/main" val="3775966952"/>
-                  </a:ext>
-                </a:extLst>
-              </a:tr>
-              <a:tr h="0">
+                  <a:tcPr marL="7620" marR="7620" marT="7620" marB="0" anchor="b">
+                    <a:solidFill>
+                      <a:schemeClr val="accent6">
+                        <a:lumMod val="40000"/>
+                        <a:lumOff val="60000"/>
+                      </a:schemeClr>
+                    </a:solidFill>
+                  </a:tcPr>
+                </a:tc>
                 <a:tc>
                   <a:txBody>
                     <a:bodyPr/>
@@ -13747,38 +13850,72 @@
                     <a:p>
                       <a:pPr algn="l" fontAlgn="b"/>
                       <a:r>
-                        <a:rPr lang="en-AU" sz="1400" b="0" i="0" u="none" strike="noStrike" dirty="0">
+                        <a:rPr lang="en-AU" sz="1400" u="none" strike="noStrike" dirty="0">
+                          <a:effectLst/>
+                        </a:rPr>
+                        <a:t>R2</a:t>
+                      </a:r>
+                      <a:endParaRPr lang="en-AU" sz="1400" b="0" i="0" u="none" strike="noStrike" dirty="0">
+                        <a:solidFill>
+                          <a:srgbClr val="000000"/>
+                        </a:solidFill>
+                        <a:effectLst/>
+                        <a:latin typeface="Calibri" panose="020F0502020204030204" pitchFamily="34" charset="0"/>
+                      </a:endParaRPr>
+                    </a:p>
+                  </a:txBody>
+                  <a:tcPr marL="7620" marR="7620" marT="7620" marB="0" anchor="b">
+                    <a:solidFill>
+                      <a:schemeClr val="accent6">
+                        <a:lumMod val="40000"/>
+                        <a:lumOff val="60000"/>
+                      </a:schemeClr>
+                    </a:solidFill>
+                  </a:tcPr>
+                </a:tc>
+                <a:tc>
+                  <a:txBody>
+                    <a:bodyPr/>
+                    <a:lstStyle/>
+                    <a:p>
+                      <a:pPr algn="l" fontAlgn="b"/>
+                      <a:r>
+                        <a:rPr lang="en-US" sz="1400" b="0" i="1" u="none" strike="noStrike" dirty="0">
                           <a:solidFill>
                             <a:srgbClr val="000000"/>
                           </a:solidFill>
                           <a:effectLst/>
                           <a:latin typeface="Calibri" panose="020F0502020204030204" pitchFamily="34" charset="0"/>
                         </a:rPr>
-                        <a:t>P2</a:t>
-                      </a:r>
-                    </a:p>
-                  </a:txBody>
-                  <a:tcPr marL="7620" marR="7620" marT="7620" marB="0" anchor="b"/>
-                </a:tc>
-                <a:tc>
-                  <a:txBody>
-                    <a:bodyPr/>
-                    <a:lstStyle/>
-                    <a:p>
-                      <a:pPr algn="l" fontAlgn="b"/>
-                      <a:r>
-                        <a:rPr lang="en-AU" sz="1400" b="0" i="0" u="none" strike="noStrike" dirty="0">
+                        <a:t>R</a:t>
+                      </a:r>
+                      <a:r>
+                        <a:rPr lang="en-AU" sz="1400" b="0" i="1" u="none" strike="noStrike" dirty="0" err="1">
                           <a:solidFill>
                             <a:srgbClr val="000000"/>
                           </a:solidFill>
                           <a:effectLst/>
                           <a:latin typeface="Calibri" panose="020F0502020204030204" pitchFamily="34" charset="0"/>
                         </a:rPr>
-                        <a:t>R2</a:t>
-                      </a:r>
-                    </a:p>
-                  </a:txBody>
-                  <a:tcPr marL="7620" marR="7620" marT="7620" marB="0" anchor="b"/>
+                        <a:t>adial</a:t>
+                      </a:r>
+                      <a:endParaRPr lang="en-AU" sz="1400" b="0" i="1" u="none" strike="noStrike" dirty="0">
+                        <a:solidFill>
+                          <a:srgbClr val="000000"/>
+                        </a:solidFill>
+                        <a:effectLst/>
+                        <a:latin typeface="Calibri" panose="020F0502020204030204" pitchFamily="34" charset="0"/>
+                      </a:endParaRPr>
+                    </a:p>
+                  </a:txBody>
+                  <a:tcPr marL="7620" marR="7620" marT="7620" marB="0" anchor="b">
+                    <a:solidFill>
+                      <a:schemeClr val="accent6">
+                        <a:lumMod val="40000"/>
+                        <a:lumOff val="60000"/>
+                      </a:schemeClr>
+                    </a:solidFill>
+                  </a:tcPr>
                 </a:tc>
                 <a:tc>
                   <a:txBody>
@@ -13787,18 +13924,28 @@
                     <a:p>
                       <a:pPr algn="l" fontAlgn="b"/>
                       <a:r>
-                        <a:rPr lang="en-AU" sz="1400" b="0" i="1" u="none" strike="noStrike" dirty="0">
-                          <a:solidFill>
-                            <a:srgbClr val="000000"/>
-                          </a:solidFill>
+                        <a:rPr lang="en-AU" sz="1400" u="none" strike="noStrike" dirty="0">
                           <a:effectLst/>
-                          <a:latin typeface="Calibri" panose="020F0502020204030204" pitchFamily="34" charset="0"/>
                         </a:rPr>
-                        <a:t>Radial</a:t>
-                      </a:r>
-                    </a:p>
-                  </a:txBody>
-                  <a:tcPr marL="7620" marR="7620" marT="7620" marB="0" anchor="b"/>
+                        <a:t>EEE</a:t>
+                      </a:r>
+                      <a:endParaRPr lang="en-AU" sz="1400" b="0" i="1" u="none" strike="noStrike" dirty="0">
+                        <a:solidFill>
+                          <a:srgbClr val="000000"/>
+                        </a:solidFill>
+                        <a:effectLst/>
+                        <a:latin typeface="Calibri" panose="020F0502020204030204" pitchFamily="34" charset="0"/>
+                      </a:endParaRPr>
+                    </a:p>
+                  </a:txBody>
+                  <a:tcPr marL="7620" marR="7620" marT="7620" marB="0" anchor="b">
+                    <a:solidFill>
+                      <a:schemeClr val="accent6">
+                        <a:lumMod val="40000"/>
+                        <a:lumOff val="60000"/>
+                      </a:schemeClr>
+                    </a:solidFill>
+                  </a:tcPr>
                 </a:tc>
                 <a:tc>
                   <a:txBody>
@@ -13807,18 +13954,28 @@
                     <a:p>
                       <a:pPr algn="l" fontAlgn="b"/>
                       <a:r>
-                        <a:rPr lang="en-AU" sz="1400" b="0" i="1" u="none" strike="noStrike" dirty="0">
-                          <a:solidFill>
-                            <a:srgbClr val="000000"/>
-                          </a:solidFill>
+                        <a:rPr lang="en-AU" sz="1400" u="none" strike="noStrike" dirty="0">
                           <a:effectLst/>
-                          <a:latin typeface="Calibri" panose="020F0502020204030204" pitchFamily="34" charset="0"/>
                         </a:rPr>
-                        <a:t>Banana</a:t>
-                      </a:r>
-                    </a:p>
-                  </a:txBody>
-                  <a:tcPr marL="7620" marR="7620" marT="7620" marB="0" anchor="b"/>
+                        <a:t>4v (3cl)</a:t>
+                      </a:r>
+                      <a:endParaRPr lang="en-AU" sz="1400" b="0" i="0" u="none" strike="noStrike" dirty="0">
+                        <a:solidFill>
+                          <a:srgbClr val="000000"/>
+                        </a:solidFill>
+                        <a:effectLst/>
+                        <a:latin typeface="Calibri" panose="020F0502020204030204" pitchFamily="34" charset="0"/>
+                      </a:endParaRPr>
+                    </a:p>
+                  </a:txBody>
+                  <a:tcPr marL="7620" marR="7620" marT="7620" marB="0" anchor="b">
+                    <a:solidFill>
+                      <a:schemeClr val="accent6">
+                        <a:lumMod val="40000"/>
+                        <a:lumOff val="60000"/>
+                      </a:schemeClr>
+                    </a:solidFill>
+                  </a:tcPr>
                 </a:tc>
                 <a:tc>
                   <a:txBody>
@@ -13827,18 +13984,28 @@
                     <a:p>
                       <a:pPr algn="l" fontAlgn="b"/>
                       <a:r>
-                        <a:rPr lang="en-AU" sz="1400" b="0" i="0" u="none" strike="noStrike" dirty="0">
-                          <a:solidFill>
-                            <a:srgbClr val="000000"/>
-                          </a:solidFill>
+                        <a:rPr lang="en-AU" sz="1400" u="none" strike="noStrike" dirty="0">
                           <a:effectLst/>
-                          <a:latin typeface="Calibri" panose="020F0502020204030204" pitchFamily="34" charset="0"/>
                         </a:rPr>
-                        <a:t>6v in (4cl)</a:t>
-                      </a:r>
-                    </a:p>
-                  </a:txBody>
-                  <a:tcPr marL="7620" marR="7620" marT="7620" marB="0" anchor="b"/>
+                        <a:t>1_0</a:t>
+                      </a:r>
+                      <a:endParaRPr lang="en-AU" sz="1400" b="0" i="1" u="none" strike="noStrike" dirty="0">
+                        <a:solidFill>
+                          <a:srgbClr val="000000"/>
+                        </a:solidFill>
+                        <a:effectLst/>
+                        <a:latin typeface="Calibri" panose="020F0502020204030204" pitchFamily="34" charset="0"/>
+                      </a:endParaRPr>
+                    </a:p>
+                  </a:txBody>
+                  <a:tcPr marL="7620" marR="7620" marT="7620" marB="0" anchor="b">
+                    <a:solidFill>
+                      <a:schemeClr val="accent6">
+                        <a:lumMod val="40000"/>
+                        <a:lumOff val="60000"/>
+                      </a:schemeClr>
+                    </a:solidFill>
+                  </a:tcPr>
                 </a:tc>
                 <a:tc>
                   <a:txBody>
@@ -13847,54 +14014,28 @@
                     <a:p>
                       <a:pPr algn="l" fontAlgn="b"/>
                       <a:r>
-                        <a:rPr lang="en-AU" sz="1400" b="0" i="1" u="none" strike="noStrike" dirty="0">
-                          <a:solidFill>
-                            <a:srgbClr val="000000"/>
-                          </a:solidFill>
+                        <a:rPr lang="en-AU" sz="1400" u="none" strike="noStrike" dirty="0">
                           <a:effectLst/>
-                          <a:latin typeface="Calibri" panose="020F0502020204030204" pitchFamily="34" charset="0"/>
                         </a:rPr>
-                        <a:t>50_50</a:t>
-                      </a:r>
-                    </a:p>
-                  </a:txBody>
-                  <a:tcPr marL="7620" marR="7620" marT="7620" marB="0" anchor="b"/>
-                </a:tc>
-                <a:tc>
-                  <a:txBody>
-                    <a:bodyPr/>
-                    <a:lstStyle/>
-                    <a:p>
-                      <a:pPr marL="0" marR="0" lvl="0" indent="0" algn="l" defTabSz="914400" rtl="0" eaLnBrk="1" fontAlgn="b" latinLnBrk="0" hangingPunct="1">
-                        <a:lnSpc>
-                          <a:spcPct val="100000"/>
-                        </a:lnSpc>
-                        <a:spcBef>
-                          <a:spcPts val="0"/>
-                        </a:spcBef>
-                        <a:spcAft>
-                          <a:spcPts val="0"/>
-                        </a:spcAft>
-                        <a:buClrTx/>
-                        <a:buSzTx/>
-                        <a:buFontTx/>
-                        <a:buNone/>
-                        <a:tabLst/>
-                        <a:defRPr/>
-                      </a:pPr>
-                      <a:r>
-                        <a:rPr lang="en-AU" sz="1400" b="0" i="0" u="none" strike="noStrike" dirty="0">
-                          <a:solidFill>
-                            <a:srgbClr val="000000"/>
-                          </a:solidFill>
-                          <a:effectLst/>
-                          <a:latin typeface="Calibri" panose="020F0502020204030204" pitchFamily="34" charset="0"/>
-                        </a:rPr>
-                        <a:t>banana_p6_50_50_sim1</a:t>
-                      </a:r>
-                    </a:p>
-                  </a:txBody>
-                  <a:tcPr marL="7620" marR="7620" marT="7620" marB="0" anchor="b"/>
+                        <a:t>EEE_p4_0_1_t2</a:t>
+                      </a:r>
+                      <a:endParaRPr lang="en-AU" sz="1400" b="0" i="0" u="none" strike="noStrike" dirty="0">
+                        <a:solidFill>
+                          <a:srgbClr val="000000"/>
+                        </a:solidFill>
+                        <a:effectLst/>
+                        <a:latin typeface="Calibri" panose="020F0502020204030204" pitchFamily="34" charset="0"/>
+                      </a:endParaRPr>
+                    </a:p>
+                  </a:txBody>
+                  <a:tcPr marL="7620" marR="7620" marT="7620" marB="0" anchor="b">
+                    <a:solidFill>
+                      <a:schemeClr val="accent6">
+                        <a:lumMod val="40000"/>
+                        <a:lumOff val="60000"/>
+                      </a:schemeClr>
+                    </a:solidFill>
+                  </a:tcPr>
                 </a:tc>
                 <a:tc>
                   <a:txBody>
@@ -13927,11 +14068,18 @@
                       </a:endParaRPr>
                     </a:p>
                   </a:txBody>
-                  <a:tcPr marL="7620" marR="7620" marT="7620" marB="0" anchor="b"/>
+                  <a:tcPr marL="7620" marR="7620" marT="7620" marB="0" anchor="b">
+                    <a:solidFill>
+                      <a:schemeClr val="accent6">
+                        <a:lumMod val="40000"/>
+                        <a:lumOff val="60000"/>
+                      </a:schemeClr>
+                    </a:solidFill>
+                  </a:tcPr>
                 </a:tc>
                 <a:extLst>
                   <a:ext uri="{0D108BD9-81ED-4DB2-BD59-A6C34878D82A}">
-                    <a16:rowId xmlns:a16="http://schemas.microsoft.com/office/drawing/2014/main" val="2638294684"/>
+                    <a16:rowId xmlns:a16="http://schemas.microsoft.com/office/drawing/2014/main" val="4011408311"/>
                   </a:ext>
                 </a:extLst>
               </a:tr>
@@ -13950,7 +14098,7 @@
                           <a:effectLst/>
                           <a:latin typeface="Calibri" panose="020F0502020204030204" pitchFamily="34" charset="0"/>
                         </a:rPr>
-                        <a:t>P3</a:t>
+                        <a:t>P2</a:t>
                       </a:r>
                     </a:p>
                   </a:txBody>
@@ -13990,7 +14138,7 @@
                           <a:effectLst/>
                           <a:latin typeface="Calibri" panose="020F0502020204030204" pitchFamily="34" charset="0"/>
                         </a:rPr>
-                        <a:t>PCA</a:t>
+                        <a:t>Radial</a:t>
                       </a:r>
                     </a:p>
                   </a:txBody>
@@ -14010,7 +14158,7 @@
                           <a:effectLst/>
                           <a:latin typeface="Calibri" panose="020F0502020204030204" pitchFamily="34" charset="0"/>
                         </a:rPr>
-                        <a:t>EEE</a:t>
+                        <a:t>1</a:t>
                       </a:r>
                     </a:p>
                   </a:txBody>
@@ -14050,7 +14198,7 @@
                           <a:effectLst/>
                           <a:latin typeface="Calibri" panose="020F0502020204030204" pitchFamily="34" charset="0"/>
                         </a:rPr>
-                        <a:t>50_50</a:t>
+                        <a:t>3</a:t>
                       </a:r>
                     </a:p>
                   </a:txBody>
@@ -14086,7 +14234,7 @@
                           <a:effectLst/>
                           <a:latin typeface="Calibri" panose="020F0502020204030204" pitchFamily="34" charset="0"/>
                         </a:rPr>
-                        <a:t>EEE_p4_50_50_sim3</a:t>
+                        <a:t>EEE_p4_50_50_sim2</a:t>
                       </a:r>
                     </a:p>
                   </a:txBody>
@@ -14111,7 +14259,7 @@
                 </a:tc>
                 <a:extLst>
                   <a:ext uri="{0D108BD9-81ED-4DB2-BD59-A6C34878D82A}">
-                    <a16:rowId xmlns:a16="http://schemas.microsoft.com/office/drawing/2014/main" val="2814426595"/>
+                    <a16:rowId xmlns:a16="http://schemas.microsoft.com/office/drawing/2014/main" val="3775966952"/>
                   </a:ext>
                 </a:extLst>
               </a:tr>
@@ -14130,7 +14278,7 @@
                           <a:effectLst/>
                           <a:latin typeface="Calibri" panose="020F0502020204030204" pitchFamily="34" charset="0"/>
                         </a:rPr>
-                        <a:t>p3</a:t>
+                        <a:t>P2</a:t>
                       </a:r>
                     </a:p>
                   </a:txBody>
@@ -14170,7 +14318,7 @@
                           <a:effectLst/>
                           <a:latin typeface="Calibri" panose="020F0502020204030204" pitchFamily="34" charset="0"/>
                         </a:rPr>
-                        <a:t>PCA</a:t>
+                        <a:t>Radial</a:t>
                       </a:r>
                     </a:p>
                   </a:txBody>
@@ -14190,7 +14338,7 @@
                           <a:effectLst/>
                           <a:latin typeface="Calibri" panose="020F0502020204030204" pitchFamily="34" charset="0"/>
                         </a:rPr>
-                        <a:t>Banana</a:t>
+                        <a:t>1</a:t>
                       </a:r>
                     </a:p>
                   </a:txBody>
@@ -14230,7 +14378,7 @@
                           <a:effectLst/>
                           <a:latin typeface="Calibri" panose="020F0502020204030204" pitchFamily="34" charset="0"/>
                         </a:rPr>
-                        <a:t>50_50</a:t>
+                        <a:t>1</a:t>
                       </a:r>
                     </a:p>
                   </a:txBody>
@@ -14266,7 +14414,645 @@
                           <a:effectLst/>
                           <a:latin typeface="Calibri" panose="020F0502020204030204" pitchFamily="34" charset="0"/>
                         </a:rPr>
-                        <a:t>banana_p6_50_50_sim1</a:t>
+                        <a:t>banana_p6_50_50_sim2</a:t>
+                      </a:r>
+                    </a:p>
+                  </a:txBody>
+                  <a:tcPr marL="7620" marR="7620" marT="7620" marB="0" anchor="b"/>
+                </a:tc>
+                <a:tc>
+                  <a:txBody>
+                    <a:bodyPr/>
+                    <a:lstStyle/>
+                    <a:p>
+                      <a:pPr marL="0" marR="0" lvl="0" indent="0" algn="l" defTabSz="914400" rtl="0" eaLnBrk="1" fontAlgn="b" latinLnBrk="0" hangingPunct="1">
+                        <a:lnSpc>
+                          <a:spcPct val="100000"/>
+                        </a:lnSpc>
+                        <a:spcBef>
+                          <a:spcPts val="0"/>
+                        </a:spcBef>
+                        <a:spcAft>
+                          <a:spcPts val="0"/>
+                        </a:spcAft>
+                        <a:buClrTx/>
+                        <a:buSzTx/>
+                        <a:buFontTx/>
+                        <a:buNone/>
+                        <a:tabLst/>
+                        <a:defRPr/>
+                      </a:pPr>
+                      <a:endParaRPr lang="en-AU" sz="1400" b="0" i="0" u="none" strike="noStrike" dirty="0">
+                        <a:solidFill>
+                          <a:srgbClr val="000000"/>
+                        </a:solidFill>
+                        <a:effectLst/>
+                        <a:latin typeface="Calibri" panose="020F0502020204030204" pitchFamily="34" charset="0"/>
+                      </a:endParaRPr>
+                    </a:p>
+                  </a:txBody>
+                  <a:tcPr marL="7620" marR="7620" marT="7620" marB="0" anchor="b"/>
+                </a:tc>
+                <a:extLst>
+                  <a:ext uri="{0D108BD9-81ED-4DB2-BD59-A6C34878D82A}">
+                    <a16:rowId xmlns:a16="http://schemas.microsoft.com/office/drawing/2014/main" val="2638294684"/>
+                  </a:ext>
+                </a:extLst>
+              </a:tr>
+              <a:tr h="0">
+                <a:tc>
+                  <a:txBody>
+                    <a:bodyPr/>
+                    <a:lstStyle/>
+                    <a:p>
+                      <a:pPr algn="l" fontAlgn="b"/>
+                      <a:r>
+                        <a:rPr lang="en-US" sz="1400" b="0" i="0" u="none" strike="noStrike" dirty="0">
+                          <a:solidFill>
+                            <a:srgbClr val="000000"/>
+                          </a:solidFill>
+                          <a:effectLst/>
+                          <a:latin typeface="Calibri" panose="020F0502020204030204" pitchFamily="34" charset="0"/>
+                        </a:rPr>
+                        <a:t>Training</a:t>
+                      </a:r>
+                    </a:p>
+                  </a:txBody>
+                  <a:tcPr marL="7620" marR="7620" marT="7620" marB="0" anchor="b">
+                    <a:solidFill>
+                      <a:schemeClr val="accent6">
+                        <a:lumMod val="40000"/>
+                        <a:lumOff val="60000"/>
+                      </a:schemeClr>
+                    </a:solidFill>
+                  </a:tcPr>
+                </a:tc>
+                <a:tc>
+                  <a:txBody>
+                    <a:bodyPr/>
+                    <a:lstStyle/>
+                    <a:p>
+                      <a:pPr algn="l" fontAlgn="b"/>
+                      <a:r>
+                        <a:rPr lang="en-US" sz="1400" b="0" i="0" u="none" strike="noStrike" dirty="0">
+                          <a:solidFill>
+                            <a:srgbClr val="000000"/>
+                          </a:solidFill>
+                          <a:effectLst/>
+                          <a:latin typeface="Calibri" panose="020F0502020204030204" pitchFamily="34" charset="0"/>
+                        </a:rPr>
+                        <a:t>R3</a:t>
+                      </a:r>
+                      <a:endParaRPr lang="en-AU" sz="1400" b="0" i="0" u="none" strike="noStrike" dirty="0">
+                        <a:solidFill>
+                          <a:srgbClr val="000000"/>
+                        </a:solidFill>
+                        <a:effectLst/>
+                        <a:latin typeface="Calibri" panose="020F0502020204030204" pitchFamily="34" charset="0"/>
+                      </a:endParaRPr>
+                    </a:p>
+                  </a:txBody>
+                  <a:tcPr marL="7620" marR="7620" marT="7620" marB="0" anchor="b">
+                    <a:solidFill>
+                      <a:schemeClr val="accent6">
+                        <a:lumMod val="40000"/>
+                        <a:lumOff val="60000"/>
+                      </a:schemeClr>
+                    </a:solidFill>
+                  </a:tcPr>
+                </a:tc>
+                <a:tc>
+                  <a:txBody>
+                    <a:bodyPr/>
+                    <a:lstStyle/>
+                    <a:p>
+                      <a:pPr algn="l" fontAlgn="b"/>
+                      <a:r>
+                        <a:rPr lang="en-US" sz="1400" b="0" i="1" u="none" strike="noStrike" dirty="0">
+                          <a:solidFill>
+                            <a:srgbClr val="000000"/>
+                          </a:solidFill>
+                          <a:effectLst/>
+                          <a:latin typeface="Calibri" panose="020F0502020204030204" pitchFamily="34" charset="0"/>
+                        </a:rPr>
+                        <a:t>PCA</a:t>
+                      </a:r>
+                      <a:endParaRPr lang="en-AU" sz="1400" b="0" i="1" u="none" strike="noStrike" dirty="0">
+                        <a:solidFill>
+                          <a:srgbClr val="000000"/>
+                        </a:solidFill>
+                        <a:effectLst/>
+                        <a:latin typeface="Calibri" panose="020F0502020204030204" pitchFamily="34" charset="0"/>
+                      </a:endParaRPr>
+                    </a:p>
+                  </a:txBody>
+                  <a:tcPr marL="7620" marR="7620" marT="7620" marB="0" anchor="b">
+                    <a:solidFill>
+                      <a:schemeClr val="accent6">
+                        <a:lumMod val="40000"/>
+                        <a:lumOff val="60000"/>
+                      </a:schemeClr>
+                    </a:solidFill>
+                  </a:tcPr>
+                </a:tc>
+                <a:tc>
+                  <a:txBody>
+                    <a:bodyPr/>
+                    <a:lstStyle/>
+                    <a:p>
+                      <a:pPr algn="l" fontAlgn="b"/>
+                      <a:r>
+                        <a:rPr lang="en-AU" sz="1400" u="none" strike="noStrike" dirty="0">
+                          <a:effectLst/>
+                        </a:rPr>
+                        <a:t>EEE</a:t>
+                      </a:r>
+                      <a:endParaRPr lang="en-AU" sz="1400" b="0" i="1" u="none" strike="noStrike" dirty="0">
+                        <a:solidFill>
+                          <a:srgbClr val="000000"/>
+                        </a:solidFill>
+                        <a:effectLst/>
+                        <a:latin typeface="Calibri" panose="020F0502020204030204" pitchFamily="34" charset="0"/>
+                      </a:endParaRPr>
+                    </a:p>
+                  </a:txBody>
+                  <a:tcPr marL="7620" marR="7620" marT="7620" marB="0" anchor="b">
+                    <a:solidFill>
+                      <a:schemeClr val="accent6">
+                        <a:lumMod val="40000"/>
+                        <a:lumOff val="60000"/>
+                      </a:schemeClr>
+                    </a:solidFill>
+                  </a:tcPr>
+                </a:tc>
+                <a:tc>
+                  <a:txBody>
+                    <a:bodyPr/>
+                    <a:lstStyle/>
+                    <a:p>
+                      <a:pPr algn="l" fontAlgn="b"/>
+                      <a:r>
+                        <a:rPr lang="en-AU" sz="1400" u="none" strike="noStrike" dirty="0">
+                          <a:effectLst/>
+                        </a:rPr>
+                        <a:t>4v (3cl)</a:t>
+                      </a:r>
+                      <a:endParaRPr lang="en-AU" sz="1400" b="0" i="0" u="none" strike="noStrike" dirty="0">
+                        <a:solidFill>
+                          <a:srgbClr val="000000"/>
+                        </a:solidFill>
+                        <a:effectLst/>
+                        <a:latin typeface="Calibri" panose="020F0502020204030204" pitchFamily="34" charset="0"/>
+                      </a:endParaRPr>
+                    </a:p>
+                  </a:txBody>
+                  <a:tcPr marL="7620" marR="7620" marT="7620" marB="0" anchor="b">
+                    <a:solidFill>
+                      <a:schemeClr val="accent6">
+                        <a:lumMod val="40000"/>
+                        <a:lumOff val="60000"/>
+                      </a:schemeClr>
+                    </a:solidFill>
+                  </a:tcPr>
+                </a:tc>
+                <a:tc>
+                  <a:txBody>
+                    <a:bodyPr/>
+                    <a:lstStyle/>
+                    <a:p>
+                      <a:pPr algn="l" fontAlgn="b"/>
+                      <a:r>
+                        <a:rPr lang="en-AU" sz="1400" u="none" strike="noStrike" dirty="0">
+                          <a:effectLst/>
+                        </a:rPr>
+                        <a:t>1_0</a:t>
+                      </a:r>
+                      <a:endParaRPr lang="en-AU" sz="1400" b="0" i="1" u="none" strike="noStrike" dirty="0">
+                        <a:solidFill>
+                          <a:srgbClr val="000000"/>
+                        </a:solidFill>
+                        <a:effectLst/>
+                        <a:latin typeface="Calibri" panose="020F0502020204030204" pitchFamily="34" charset="0"/>
+                      </a:endParaRPr>
+                    </a:p>
+                  </a:txBody>
+                  <a:tcPr marL="7620" marR="7620" marT="7620" marB="0" anchor="b">
+                    <a:solidFill>
+                      <a:schemeClr val="accent6">
+                        <a:lumMod val="40000"/>
+                        <a:lumOff val="60000"/>
+                      </a:schemeClr>
+                    </a:solidFill>
+                  </a:tcPr>
+                </a:tc>
+                <a:tc>
+                  <a:txBody>
+                    <a:bodyPr/>
+                    <a:lstStyle/>
+                    <a:p>
+                      <a:pPr algn="l" fontAlgn="b"/>
+                      <a:r>
+                        <a:rPr lang="en-AU" sz="1400" u="none" strike="noStrike" dirty="0">
+                          <a:effectLst/>
+                        </a:rPr>
+                        <a:t>EEE_p4_0_1_t3</a:t>
+                      </a:r>
+                      <a:endParaRPr lang="en-AU" sz="1400" b="0" i="0" u="none" strike="noStrike" dirty="0">
+                        <a:solidFill>
+                          <a:srgbClr val="000000"/>
+                        </a:solidFill>
+                        <a:effectLst/>
+                        <a:latin typeface="Calibri" panose="020F0502020204030204" pitchFamily="34" charset="0"/>
+                      </a:endParaRPr>
+                    </a:p>
+                  </a:txBody>
+                  <a:tcPr marL="7620" marR="7620" marT="7620" marB="0" anchor="b">
+                    <a:solidFill>
+                      <a:schemeClr val="accent6">
+                        <a:lumMod val="40000"/>
+                        <a:lumOff val="60000"/>
+                      </a:schemeClr>
+                    </a:solidFill>
+                  </a:tcPr>
+                </a:tc>
+                <a:tc>
+                  <a:txBody>
+                    <a:bodyPr/>
+                    <a:lstStyle/>
+                    <a:p>
+                      <a:pPr marL="0" marR="0" lvl="0" indent="0" algn="l" defTabSz="914400" rtl="0" eaLnBrk="1" fontAlgn="b" latinLnBrk="0" hangingPunct="1">
+                        <a:lnSpc>
+                          <a:spcPct val="100000"/>
+                        </a:lnSpc>
+                        <a:spcBef>
+                          <a:spcPts val="0"/>
+                        </a:spcBef>
+                        <a:spcAft>
+                          <a:spcPts val="0"/>
+                        </a:spcAft>
+                        <a:buClrTx/>
+                        <a:buSzTx/>
+                        <a:buFontTx/>
+                        <a:buNone/>
+                        <a:tabLst/>
+                        <a:defRPr/>
+                      </a:pPr>
+                      <a:endParaRPr lang="en-AU" sz="1400" b="0" i="0" u="none" strike="noStrike" dirty="0">
+                        <a:solidFill>
+                          <a:srgbClr val="000000"/>
+                        </a:solidFill>
+                        <a:effectLst/>
+                        <a:latin typeface="Calibri" panose="020F0502020204030204" pitchFamily="34" charset="0"/>
+                      </a:endParaRPr>
+                    </a:p>
+                  </a:txBody>
+                  <a:tcPr marL="7620" marR="7620" marT="7620" marB="0" anchor="b">
+                    <a:solidFill>
+                      <a:schemeClr val="accent6">
+                        <a:lumMod val="40000"/>
+                        <a:lumOff val="60000"/>
+                      </a:schemeClr>
+                    </a:solidFill>
+                  </a:tcPr>
+                </a:tc>
+                <a:extLst>
+                  <a:ext uri="{0D108BD9-81ED-4DB2-BD59-A6C34878D82A}">
+                    <a16:rowId xmlns:a16="http://schemas.microsoft.com/office/drawing/2014/main" val="253705706"/>
+                  </a:ext>
+                </a:extLst>
+              </a:tr>
+              <a:tr h="0">
+                <a:tc>
+                  <a:txBody>
+                    <a:bodyPr/>
+                    <a:lstStyle/>
+                    <a:p>
+                      <a:pPr algn="l" fontAlgn="b"/>
+                      <a:r>
+                        <a:rPr lang="en-AU" sz="1400" b="0" i="0" u="none" strike="noStrike" dirty="0">
+                          <a:solidFill>
+                            <a:srgbClr val="000000"/>
+                          </a:solidFill>
+                          <a:effectLst/>
+                          <a:latin typeface="Calibri" panose="020F0502020204030204" pitchFamily="34" charset="0"/>
+                        </a:rPr>
+                        <a:t>P3</a:t>
+                      </a:r>
+                    </a:p>
+                  </a:txBody>
+                  <a:tcPr marL="7620" marR="7620" marT="7620" marB="0" anchor="b"/>
+                </a:tc>
+                <a:tc>
+                  <a:txBody>
+                    <a:bodyPr/>
+                    <a:lstStyle/>
+                    <a:p>
+                      <a:pPr algn="l" fontAlgn="b"/>
+                      <a:r>
+                        <a:rPr lang="en-AU" sz="1400" b="0" i="0" u="none" strike="noStrike" dirty="0">
+                          <a:solidFill>
+                            <a:srgbClr val="000000"/>
+                          </a:solidFill>
+                          <a:effectLst/>
+                          <a:latin typeface="Calibri" panose="020F0502020204030204" pitchFamily="34" charset="0"/>
+                        </a:rPr>
+                        <a:t>R1</a:t>
+                      </a:r>
+                    </a:p>
+                  </a:txBody>
+                  <a:tcPr marL="7620" marR="7620" marT="7620" marB="0" anchor="b"/>
+                </a:tc>
+                <a:tc>
+                  <a:txBody>
+                    <a:bodyPr/>
+                    <a:lstStyle/>
+                    <a:p>
+                      <a:pPr algn="l" fontAlgn="b"/>
+                      <a:r>
+                        <a:rPr lang="en-AU" sz="1400" b="0" i="1" u="none" strike="noStrike" dirty="0">
+                          <a:solidFill>
+                            <a:srgbClr val="000000"/>
+                          </a:solidFill>
+                          <a:effectLst/>
+                          <a:latin typeface="Calibri" panose="020F0502020204030204" pitchFamily="34" charset="0"/>
+                        </a:rPr>
+                        <a:t>PCA</a:t>
+                      </a:r>
+                    </a:p>
+                  </a:txBody>
+                  <a:tcPr marL="7620" marR="7620" marT="7620" marB="0" anchor="b"/>
+                </a:tc>
+                <a:tc>
+                  <a:txBody>
+                    <a:bodyPr/>
+                    <a:lstStyle/>
+                    <a:p>
+                      <a:pPr algn="l" fontAlgn="b"/>
+                      <a:r>
+                        <a:rPr lang="en-AU" sz="1400" b="0" i="1" u="none" strike="noStrike" dirty="0">
+                          <a:solidFill>
+                            <a:srgbClr val="000000"/>
+                          </a:solidFill>
+                          <a:effectLst/>
+                          <a:latin typeface="Calibri" panose="020F0502020204030204" pitchFamily="34" charset="0"/>
+                        </a:rPr>
+                        <a:t>1</a:t>
+                      </a:r>
+                    </a:p>
+                  </a:txBody>
+                  <a:tcPr marL="7620" marR="7620" marT="7620" marB="0" anchor="b"/>
+                </a:tc>
+                <a:tc>
+                  <a:txBody>
+                    <a:bodyPr/>
+                    <a:lstStyle/>
+                    <a:p>
+                      <a:pPr algn="l" fontAlgn="b"/>
+                      <a:r>
+                        <a:rPr lang="en-AU" sz="1400" b="0" i="0" u="none" strike="noStrike" dirty="0">
+                          <a:solidFill>
+                            <a:srgbClr val="000000"/>
+                          </a:solidFill>
+                          <a:effectLst/>
+                          <a:latin typeface="Calibri" panose="020F0502020204030204" pitchFamily="34" charset="0"/>
+                        </a:rPr>
+                        <a:t>4v (3cl)</a:t>
+                      </a:r>
+                    </a:p>
+                  </a:txBody>
+                  <a:tcPr marL="7620" marR="7620" marT="7620" marB="0" anchor="b"/>
+                </a:tc>
+                <a:tc>
+                  <a:txBody>
+                    <a:bodyPr/>
+                    <a:lstStyle/>
+                    <a:p>
+                      <a:pPr algn="l" fontAlgn="b"/>
+                      <a:r>
+                        <a:rPr lang="en-AU" sz="1400" b="0" i="1" u="none" strike="noStrike" dirty="0">
+                          <a:solidFill>
+                            <a:srgbClr val="000000"/>
+                          </a:solidFill>
+                          <a:effectLst/>
+                          <a:latin typeface="Calibri" panose="020F0502020204030204" pitchFamily="34" charset="0"/>
+                        </a:rPr>
+                        <a:t>2</a:t>
+                      </a:r>
+                    </a:p>
+                  </a:txBody>
+                  <a:tcPr marL="7620" marR="7620" marT="7620" marB="0" anchor="b"/>
+                </a:tc>
+                <a:tc>
+                  <a:txBody>
+                    <a:bodyPr/>
+                    <a:lstStyle/>
+                    <a:p>
+                      <a:pPr marL="0" marR="0" lvl="0" indent="0" algn="l" defTabSz="914400" rtl="0" eaLnBrk="1" fontAlgn="b" latinLnBrk="0" hangingPunct="1">
+                        <a:lnSpc>
+                          <a:spcPct val="100000"/>
+                        </a:lnSpc>
+                        <a:spcBef>
+                          <a:spcPts val="0"/>
+                        </a:spcBef>
+                        <a:spcAft>
+                          <a:spcPts val="0"/>
+                        </a:spcAft>
+                        <a:buClrTx/>
+                        <a:buSzTx/>
+                        <a:buFontTx/>
+                        <a:buNone/>
+                        <a:tabLst/>
+                        <a:defRPr/>
+                      </a:pPr>
+                      <a:r>
+                        <a:rPr lang="en-AU" sz="1400" b="0" i="0" u="none" strike="noStrike" dirty="0">
+                          <a:solidFill>
+                            <a:srgbClr val="000000"/>
+                          </a:solidFill>
+                          <a:effectLst/>
+                          <a:latin typeface="Calibri" panose="020F0502020204030204" pitchFamily="34" charset="0"/>
+                        </a:rPr>
+                        <a:t>EEE_p4_50_50_sim3</a:t>
+                      </a:r>
+                    </a:p>
+                  </a:txBody>
+                  <a:tcPr marL="7620" marR="7620" marT="7620" marB="0" anchor="b"/>
+                </a:tc>
+                <a:tc>
+                  <a:txBody>
+                    <a:bodyPr/>
+                    <a:lstStyle/>
+                    <a:p>
+                      <a:pPr algn="l" fontAlgn="b"/>
+                      <a:endParaRPr lang="en-AU" sz="1400" b="0" i="0" u="none" strike="noStrike" dirty="0">
+                        <a:solidFill>
+                          <a:srgbClr val="000000"/>
+                        </a:solidFill>
+                        <a:effectLst/>
+                        <a:latin typeface="Calibri" panose="020F0502020204030204" pitchFamily="34" charset="0"/>
+                      </a:endParaRPr>
+                    </a:p>
+                  </a:txBody>
+                  <a:tcPr marL="7620" marR="7620" marT="7620" marB="0" anchor="b"/>
+                </a:tc>
+                <a:extLst>
+                  <a:ext uri="{0D108BD9-81ED-4DB2-BD59-A6C34878D82A}">
+                    <a16:rowId xmlns:a16="http://schemas.microsoft.com/office/drawing/2014/main" val="2814426595"/>
+                  </a:ext>
+                </a:extLst>
+              </a:tr>
+              <a:tr h="0">
+                <a:tc>
+                  <a:txBody>
+                    <a:bodyPr/>
+                    <a:lstStyle/>
+                    <a:p>
+                      <a:pPr algn="l" fontAlgn="b"/>
+                      <a:r>
+                        <a:rPr lang="en-AU" sz="1400" b="0" i="0" u="none" strike="noStrike" dirty="0">
+                          <a:solidFill>
+                            <a:srgbClr val="000000"/>
+                          </a:solidFill>
+                          <a:effectLst/>
+                          <a:latin typeface="Calibri" panose="020F0502020204030204" pitchFamily="34" charset="0"/>
+                        </a:rPr>
+                        <a:t>p3</a:t>
+                      </a:r>
+                    </a:p>
+                  </a:txBody>
+                  <a:tcPr marL="7620" marR="7620" marT="7620" marB="0" anchor="b"/>
+                </a:tc>
+                <a:tc>
+                  <a:txBody>
+                    <a:bodyPr/>
+                    <a:lstStyle/>
+                    <a:p>
+                      <a:pPr algn="l" fontAlgn="b"/>
+                      <a:r>
+                        <a:rPr lang="en-AU" sz="1400" b="0" i="0" u="none" strike="noStrike" dirty="0">
+                          <a:solidFill>
+                            <a:srgbClr val="000000"/>
+                          </a:solidFill>
+                          <a:effectLst/>
+                          <a:latin typeface="Calibri" panose="020F0502020204030204" pitchFamily="34" charset="0"/>
+                        </a:rPr>
+                        <a:t>R2</a:t>
+                      </a:r>
+                    </a:p>
+                  </a:txBody>
+                  <a:tcPr marL="7620" marR="7620" marT="7620" marB="0" anchor="b"/>
+                </a:tc>
+                <a:tc>
+                  <a:txBody>
+                    <a:bodyPr/>
+                    <a:lstStyle/>
+                    <a:p>
+                      <a:pPr algn="l" fontAlgn="b"/>
+                      <a:r>
+                        <a:rPr lang="en-AU" sz="1400" b="0" i="1" u="none" strike="noStrike" dirty="0">
+                          <a:solidFill>
+                            <a:srgbClr val="000000"/>
+                          </a:solidFill>
+                          <a:effectLst/>
+                          <a:latin typeface="Calibri" panose="020F0502020204030204" pitchFamily="34" charset="0"/>
+                        </a:rPr>
+                        <a:t>PCA</a:t>
+                      </a:r>
+                    </a:p>
+                  </a:txBody>
+                  <a:tcPr marL="7620" marR="7620" marT="7620" marB="0" anchor="b"/>
+                </a:tc>
+                <a:tc>
+                  <a:txBody>
+                    <a:bodyPr/>
+                    <a:lstStyle/>
+                    <a:p>
+                      <a:pPr algn="l" fontAlgn="b"/>
+                      <a:r>
+                        <a:rPr lang="en-AU" sz="1400" b="0" i="1" u="none" strike="noStrike" dirty="0">
+                          <a:solidFill>
+                            <a:srgbClr val="000000"/>
+                          </a:solidFill>
+                          <a:effectLst/>
+                          <a:latin typeface="Calibri" panose="020F0502020204030204" pitchFamily="34" charset="0"/>
+                        </a:rPr>
+                        <a:t>1</a:t>
+                      </a:r>
+                    </a:p>
+                  </a:txBody>
+                  <a:tcPr marL="7620" marR="7620" marT="7620" marB="0" anchor="b"/>
+                </a:tc>
+                <a:tc>
+                  <a:txBody>
+                    <a:bodyPr/>
+                    <a:lstStyle/>
+                    <a:p>
+                      <a:pPr algn="l" fontAlgn="b"/>
+                      <a:r>
+                        <a:rPr lang="en-AU" sz="1400" b="0" i="0" u="none" strike="noStrike" dirty="0">
+                          <a:solidFill>
+                            <a:srgbClr val="000000"/>
+                          </a:solidFill>
+                          <a:effectLst/>
+                          <a:latin typeface="Calibri" panose="020F0502020204030204" pitchFamily="34" charset="0"/>
+                        </a:rPr>
+                        <a:t>6v in (4cl)</a:t>
+                      </a:r>
+                    </a:p>
+                  </a:txBody>
+                  <a:tcPr marL="7620" marR="7620" marT="7620" marB="0" anchor="b"/>
+                </a:tc>
+                <a:tc>
+                  <a:txBody>
+                    <a:bodyPr/>
+                    <a:lstStyle/>
+                    <a:p>
+                      <a:pPr algn="l" fontAlgn="b"/>
+                      <a:r>
+                        <a:rPr lang="en-AU" sz="1400" b="0" i="1" u="none" strike="noStrike" dirty="0">
+                          <a:solidFill>
+                            <a:srgbClr val="000000"/>
+                          </a:solidFill>
+                          <a:effectLst/>
+                          <a:latin typeface="Calibri" panose="020F0502020204030204" pitchFamily="34" charset="0"/>
+                        </a:rPr>
+                        <a:t>3</a:t>
+                      </a:r>
+                    </a:p>
+                  </a:txBody>
+                  <a:tcPr marL="7620" marR="7620" marT="7620" marB="0" anchor="b"/>
+                </a:tc>
+                <a:tc>
+                  <a:txBody>
+                    <a:bodyPr/>
+                    <a:lstStyle/>
+                    <a:p>
+                      <a:pPr marL="0" marR="0" lvl="0" indent="0" algn="l" defTabSz="914400" rtl="0" eaLnBrk="1" fontAlgn="b" latinLnBrk="0" hangingPunct="1">
+                        <a:lnSpc>
+                          <a:spcPct val="100000"/>
+                        </a:lnSpc>
+                        <a:spcBef>
+                          <a:spcPts val="0"/>
+                        </a:spcBef>
+                        <a:spcAft>
+                          <a:spcPts val="0"/>
+                        </a:spcAft>
+                        <a:buClrTx/>
+                        <a:buSzTx/>
+                        <a:buFontTx/>
+                        <a:buNone/>
+                        <a:tabLst/>
+                        <a:defRPr/>
+                      </a:pPr>
+                      <a:r>
+                        <a:rPr lang="en-AU" sz="1400" b="0" i="0" u="none" strike="noStrike" dirty="0">
+                          <a:solidFill>
+                            <a:srgbClr val="000000"/>
+                          </a:solidFill>
+                          <a:effectLst/>
+                          <a:latin typeface="Calibri" panose="020F0502020204030204" pitchFamily="34" charset="0"/>
+                        </a:rPr>
+                        <a:t>banana_p6_50_50_sim3</a:t>
                       </a:r>
                     </a:p>
                   </a:txBody>
@@ -17003,679 +17789,6 @@
           </p:txBody>
         </p:sp>
       </p:grpSp>
-      <p:graphicFrame>
-        <p:nvGraphicFramePr>
-          <p:cNvPr id="111" name="Table 110">
-            <a:extLst>
-              <a:ext uri="{FF2B5EF4-FFF2-40B4-BE49-F238E27FC236}">
-                <a16:creationId xmlns:a16="http://schemas.microsoft.com/office/drawing/2014/main" id="{FCF76CAA-FD82-4FD6-BEFD-1E0706EE4A77}"/>
-              </a:ext>
-            </a:extLst>
-          </p:cNvPr>
-          <p:cNvGraphicFramePr>
-            <a:graphicFrameLocks noGrp="1"/>
-          </p:cNvGraphicFramePr>
-          <p:nvPr>
-            <p:extLst>
-              <p:ext uri="{D42A27DB-BD31-4B8C-83A1-F6EECF244321}">
-                <p14:modId xmlns:p14="http://schemas.microsoft.com/office/powerpoint/2010/main" val="1522345543"/>
-              </p:ext>
-            </p:extLst>
-          </p:nvPr>
-        </p:nvGraphicFramePr>
-        <p:xfrm>
-          <a:off x="4885744" y="2535026"/>
-          <a:ext cx="7091999" cy="729960"/>
-        </p:xfrm>
-        <a:graphic>
-          <a:graphicData uri="http://schemas.openxmlformats.org/drawingml/2006/table">
-            <a:tbl>
-              <a:tblPr firstRow="1" bandRow="1">
-                <a:tableStyleId>{93296810-A885-4BE3-A3E7-6D5BEEA58F35}</a:tableStyleId>
-              </a:tblPr>
-              <a:tblGrid>
-                <a:gridCol w="623031">
-                  <a:extLst>
-                    <a:ext uri="{9D8B030D-6E8A-4147-A177-3AD203B41FA5}">
-                      <a16:colId xmlns:a16="http://schemas.microsoft.com/office/drawing/2014/main" val="3488268334"/>
-                    </a:ext>
-                  </a:extLst>
-                </a:gridCol>
-                <a:gridCol w="404969">
-                  <a:extLst>
-                    <a:ext uri="{9D8B030D-6E8A-4147-A177-3AD203B41FA5}">
-                      <a16:colId xmlns:a16="http://schemas.microsoft.com/office/drawing/2014/main" val="491055168"/>
-                    </a:ext>
-                  </a:extLst>
-                </a:gridCol>
-                <a:gridCol w="623031">
-                  <a:extLst>
-                    <a:ext uri="{9D8B030D-6E8A-4147-A177-3AD203B41FA5}">
-                      <a16:colId xmlns:a16="http://schemas.microsoft.com/office/drawing/2014/main" val="3695711225"/>
-                    </a:ext>
-                  </a:extLst>
-                </a:gridCol>
-                <a:gridCol w="747641">
-                  <a:extLst>
-                    <a:ext uri="{9D8B030D-6E8A-4147-A177-3AD203B41FA5}">
-                      <a16:colId xmlns:a16="http://schemas.microsoft.com/office/drawing/2014/main" val="1254602596"/>
-                    </a:ext>
-                  </a:extLst>
-                </a:gridCol>
-                <a:gridCol w="963030">
-                  <a:extLst>
-                    <a:ext uri="{9D8B030D-6E8A-4147-A177-3AD203B41FA5}">
-                      <a16:colId xmlns:a16="http://schemas.microsoft.com/office/drawing/2014/main" val="2624790650"/>
-                    </a:ext>
-                  </a:extLst>
-                </a:gridCol>
-                <a:gridCol w="685336">
-                  <a:extLst>
-                    <a:ext uri="{9D8B030D-6E8A-4147-A177-3AD203B41FA5}">
-                      <a16:colId xmlns:a16="http://schemas.microsoft.com/office/drawing/2014/main" val="1330532218"/>
-                    </a:ext>
-                  </a:extLst>
-                </a:gridCol>
-                <a:gridCol w="1984357">
-                  <a:extLst>
-                    <a:ext uri="{9D8B030D-6E8A-4147-A177-3AD203B41FA5}">
-                      <a16:colId xmlns:a16="http://schemas.microsoft.com/office/drawing/2014/main" val="907526158"/>
-                    </a:ext>
-                  </a:extLst>
-                </a:gridCol>
-                <a:gridCol w="1060604">
-                  <a:extLst>
-                    <a:ext uri="{9D8B030D-6E8A-4147-A177-3AD203B41FA5}">
-                      <a16:colId xmlns:a16="http://schemas.microsoft.com/office/drawing/2014/main" val="1884770232"/>
-                    </a:ext>
-                  </a:extLst>
-                </a:gridCol>
-              </a:tblGrid>
-              <a:tr h="288000">
-                <a:tc>
-                  <a:txBody>
-                    <a:bodyPr/>
-                    <a:lstStyle/>
-                    <a:p>
-                      <a:pPr algn="l" fontAlgn="b"/>
-                      <a:r>
-                        <a:rPr lang="en-AU" sz="1400" b="1" i="0" u="none" strike="noStrike" dirty="0">
-                          <a:solidFill>
-                            <a:schemeClr val="bg1"/>
-                          </a:solidFill>
-                          <a:effectLst/>
-                          <a:latin typeface="Calibri" panose="020F0502020204030204" pitchFamily="34" charset="0"/>
-                        </a:rPr>
-                        <a:t>Period</a:t>
-                      </a:r>
-                    </a:p>
-                  </a:txBody>
-                  <a:tcPr marL="7620" marR="7620" marT="7620" marB="0" anchor="ctr"/>
-                </a:tc>
-                <a:tc>
-                  <a:txBody>
-                    <a:bodyPr/>
-                    <a:lstStyle/>
-                    <a:p>
-                      <a:pPr algn="l" fontAlgn="b"/>
-                      <a:r>
-                        <a:rPr lang="en-AU" sz="1400" b="1" i="0" u="none" strike="noStrike" dirty="0">
-                          <a:solidFill>
-                            <a:schemeClr val="bg1"/>
-                          </a:solidFill>
-                          <a:effectLst/>
-                          <a:latin typeface="Calibri" panose="020F0502020204030204" pitchFamily="34" charset="0"/>
-                        </a:rPr>
-                        <a:t>Rep</a:t>
-                      </a:r>
-                    </a:p>
-                  </a:txBody>
-                  <a:tcPr marL="7620" marR="7620" marT="7620" marB="0" anchor="ctr"/>
-                </a:tc>
-                <a:tc>
-                  <a:txBody>
-                    <a:bodyPr/>
-                    <a:lstStyle/>
-                    <a:p>
-                      <a:pPr algn="l" fontAlgn="b"/>
-                      <a:r>
-                        <a:rPr lang="en-AU" sz="1400" b="1" i="1" u="none" strike="noStrike" dirty="0">
-                          <a:solidFill>
-                            <a:schemeClr val="bg1"/>
-                          </a:solidFill>
-                          <a:effectLst/>
-                          <a:latin typeface="Calibri" panose="020F0502020204030204" pitchFamily="34" charset="0"/>
-                        </a:rPr>
-                        <a:t>Factor</a:t>
-                      </a:r>
-                    </a:p>
-                  </a:txBody>
-                  <a:tcPr marL="7620" marR="7620" marT="7620" marB="0" anchor="ctr"/>
-                </a:tc>
-                <a:tc>
-                  <a:txBody>
-                    <a:bodyPr/>
-                    <a:lstStyle/>
-                    <a:p>
-                      <a:pPr algn="l" fontAlgn="b"/>
-                      <a:r>
-                        <a:rPr lang="en-AU" sz="1400" b="1" i="1" u="none" strike="noStrike" dirty="0">
-                          <a:solidFill>
-                            <a:schemeClr val="bg1"/>
-                          </a:solidFill>
-                          <a:effectLst/>
-                          <a:latin typeface="Calibri" panose="020F0502020204030204" pitchFamily="34" charset="0"/>
-                        </a:rPr>
-                        <a:t>VC </a:t>
-                      </a:r>
-                    </a:p>
-                  </a:txBody>
-                  <a:tcPr marL="7620" marR="7620" marT="7620" marB="0" anchor="ctr"/>
-                </a:tc>
-                <a:tc>
-                  <a:txBody>
-                    <a:bodyPr/>
-                    <a:lstStyle/>
-                    <a:p>
-                      <a:pPr algn="l" fontAlgn="b"/>
-                      <a:r>
-                        <a:rPr lang="en-AU" sz="1400" b="1" i="0" u="none" strike="noStrike" dirty="0">
-                          <a:solidFill>
-                            <a:schemeClr val="bg1"/>
-                          </a:solidFill>
-                          <a:effectLst/>
-                          <a:latin typeface="Calibri" panose="020F0502020204030204" pitchFamily="34" charset="0"/>
-                        </a:rPr>
-                        <a:t>#var (cl)</a:t>
-                      </a:r>
-                    </a:p>
-                  </a:txBody>
-                  <a:tcPr marL="7620" marR="7620" marT="7620" marB="0" anchor="ctr"/>
-                </a:tc>
-                <a:tc>
-                  <a:txBody>
-                    <a:bodyPr/>
-                    <a:lstStyle/>
-                    <a:p>
-                      <a:pPr algn="l" fontAlgn="b"/>
-                      <a:r>
-                        <a:rPr lang="en-AU" sz="1400" b="1" i="1" u="none" strike="noStrike" dirty="0">
-                          <a:solidFill>
-                            <a:schemeClr val="bg1"/>
-                          </a:solidFill>
-                          <a:effectLst/>
-                          <a:latin typeface="Calibri" panose="020F0502020204030204" pitchFamily="34" charset="0"/>
-                        </a:rPr>
-                        <a:t>Location</a:t>
-                      </a:r>
-                    </a:p>
-                  </a:txBody>
-                  <a:tcPr marL="7620" marR="7620" marT="7620" marB="0" anchor="ctr"/>
-                </a:tc>
-                <a:tc>
-                  <a:txBody>
-                    <a:bodyPr/>
-                    <a:lstStyle/>
-                    <a:p>
-                      <a:pPr algn="l" fontAlgn="b"/>
-                      <a:r>
-                        <a:rPr lang="en-AU" sz="1400" b="1" i="0" u="none" strike="noStrike" dirty="0">
-                          <a:solidFill>
-                            <a:schemeClr val="bg1"/>
-                          </a:solidFill>
-                          <a:effectLst/>
-                          <a:latin typeface="Calibri" panose="020F0502020204030204" pitchFamily="34" charset="0"/>
-                        </a:rPr>
-                        <a:t>Sim name</a:t>
-                      </a:r>
-                    </a:p>
-                  </a:txBody>
-                  <a:tcPr marL="7620" marR="7620" marT="7620" marB="0" anchor="ctr"/>
-                </a:tc>
-                <a:tc>
-                  <a:txBody>
-                    <a:bodyPr/>
-                    <a:lstStyle/>
-                    <a:p>
-                      <a:pPr algn="l" fontAlgn="b"/>
-                      <a:r>
-                        <a:rPr lang="en-AU" sz="1400" b="1" i="0" u="none" strike="noStrike" dirty="0">
-                          <a:solidFill>
-                            <a:schemeClr val="bg1"/>
-                          </a:solidFill>
-                          <a:effectLst/>
-                          <a:latin typeface="Calibri" panose="020F0502020204030204" pitchFamily="34" charset="0"/>
-                        </a:rPr>
-                        <a:t>Grand path</a:t>
-                      </a:r>
-                    </a:p>
-                  </a:txBody>
-                  <a:tcPr marL="7620" marR="7620" marT="7620" marB="0" anchor="ctr"/>
-                </a:tc>
-                <a:extLst>
-                  <a:ext uri="{0D108BD9-81ED-4DB2-BD59-A6C34878D82A}">
-                    <a16:rowId xmlns:a16="http://schemas.microsoft.com/office/drawing/2014/main" val="437667846"/>
-                  </a:ext>
-                </a:extLst>
-              </a:tr>
-              <a:tr h="0">
-                <a:tc>
-                  <a:txBody>
-                    <a:bodyPr/>
-                    <a:lstStyle/>
-                    <a:p>
-                      <a:pPr algn="l" fontAlgn="b"/>
-                      <a:r>
-                        <a:rPr lang="en-AU" sz="1400" u="none" strike="noStrike" dirty="0">
-                          <a:effectLst/>
-                        </a:rPr>
-                        <a:t>Training</a:t>
-                      </a:r>
-                      <a:endParaRPr lang="en-AU" sz="1400" b="0" i="0" u="none" strike="noStrike" dirty="0">
-                        <a:solidFill>
-                          <a:srgbClr val="000000"/>
-                        </a:solidFill>
-                        <a:effectLst/>
-                        <a:latin typeface="Calibri" panose="020F0502020204030204" pitchFamily="34" charset="0"/>
-                      </a:endParaRPr>
-                    </a:p>
-                  </a:txBody>
-                  <a:tcPr marL="7620" marR="7620" marT="7620" marB="0" anchor="b"/>
-                </a:tc>
-                <a:tc>
-                  <a:txBody>
-                    <a:bodyPr/>
-                    <a:lstStyle/>
-                    <a:p>
-                      <a:pPr algn="l" fontAlgn="b"/>
-                      <a:r>
-                        <a:rPr lang="en-AU" sz="1400" u="none" strike="noStrike" dirty="0">
-                          <a:effectLst/>
-                        </a:rPr>
-                        <a:t>R1</a:t>
-                      </a:r>
-                      <a:endParaRPr lang="en-AU" sz="1400" b="0" i="0" u="none" strike="noStrike" dirty="0">
-                        <a:solidFill>
-                          <a:srgbClr val="000000"/>
-                        </a:solidFill>
-                        <a:effectLst/>
-                        <a:latin typeface="Calibri" panose="020F0502020204030204" pitchFamily="34" charset="0"/>
-                      </a:endParaRPr>
-                    </a:p>
-                  </a:txBody>
-                  <a:tcPr marL="7620" marR="7620" marT="7620" marB="0" anchor="b"/>
-                </a:tc>
-                <a:tc>
-                  <a:txBody>
-                    <a:bodyPr/>
-                    <a:lstStyle/>
-                    <a:p>
-                      <a:pPr algn="l" fontAlgn="b"/>
-                      <a:r>
-                        <a:rPr lang="en-AU" sz="1400" u="none" strike="noStrike" dirty="0">
-                          <a:effectLst/>
-                        </a:rPr>
-                        <a:t>free?</a:t>
-                      </a:r>
-                      <a:endParaRPr lang="en-AU" sz="1400" b="0" i="1" u="none" strike="noStrike" dirty="0">
-                        <a:solidFill>
-                          <a:srgbClr val="000000"/>
-                        </a:solidFill>
-                        <a:effectLst/>
-                        <a:latin typeface="Calibri" panose="020F0502020204030204" pitchFamily="34" charset="0"/>
-                      </a:endParaRPr>
-                    </a:p>
-                  </a:txBody>
-                  <a:tcPr marL="7620" marR="7620" marT="7620" marB="0" anchor="b"/>
-                </a:tc>
-                <a:tc>
-                  <a:txBody>
-                    <a:bodyPr/>
-                    <a:lstStyle/>
-                    <a:p>
-                      <a:pPr algn="l" fontAlgn="b"/>
-                      <a:r>
-                        <a:rPr lang="en-AU" sz="1400" u="none" strike="noStrike" dirty="0">
-                          <a:effectLst/>
-                        </a:rPr>
-                        <a:t>EEE</a:t>
-                      </a:r>
-                      <a:endParaRPr lang="en-AU" sz="1400" b="0" i="1" u="none" strike="noStrike" dirty="0">
-                        <a:solidFill>
-                          <a:srgbClr val="000000"/>
-                        </a:solidFill>
-                        <a:effectLst/>
-                        <a:latin typeface="Calibri" panose="020F0502020204030204" pitchFamily="34" charset="0"/>
-                      </a:endParaRPr>
-                    </a:p>
-                  </a:txBody>
-                  <a:tcPr marL="7620" marR="7620" marT="7620" marB="0" anchor="b"/>
-                </a:tc>
-                <a:tc>
-                  <a:txBody>
-                    <a:bodyPr/>
-                    <a:lstStyle/>
-                    <a:p>
-                      <a:pPr algn="l" fontAlgn="b"/>
-                      <a:r>
-                        <a:rPr lang="en-AU" sz="1400" u="none" strike="noStrike" dirty="0">
-                          <a:effectLst/>
-                        </a:rPr>
-                        <a:t>4v (3cl)</a:t>
-                      </a:r>
-                      <a:endParaRPr lang="en-AU" sz="1400" b="0" i="0" u="none" strike="noStrike" dirty="0">
-                        <a:solidFill>
-                          <a:srgbClr val="000000"/>
-                        </a:solidFill>
-                        <a:effectLst/>
-                        <a:latin typeface="Calibri" panose="020F0502020204030204" pitchFamily="34" charset="0"/>
-                      </a:endParaRPr>
-                    </a:p>
-                  </a:txBody>
-                  <a:tcPr marL="7620" marR="7620" marT="7620" marB="0" anchor="b"/>
-                </a:tc>
-                <a:tc>
-                  <a:txBody>
-                    <a:bodyPr/>
-                    <a:lstStyle/>
-                    <a:p>
-                      <a:pPr algn="l" fontAlgn="b"/>
-                      <a:r>
-                        <a:rPr lang="en-AU" sz="1400" u="none" strike="noStrike" dirty="0">
-                          <a:effectLst/>
-                        </a:rPr>
-                        <a:t>1_0</a:t>
-                      </a:r>
-                      <a:endParaRPr lang="en-AU" sz="1400" b="0" i="1" u="none" strike="noStrike" dirty="0">
-                        <a:solidFill>
-                          <a:srgbClr val="000000"/>
-                        </a:solidFill>
-                        <a:effectLst/>
-                        <a:latin typeface="Calibri" panose="020F0502020204030204" pitchFamily="34" charset="0"/>
-                      </a:endParaRPr>
-                    </a:p>
-                  </a:txBody>
-                  <a:tcPr marL="7620" marR="7620" marT="7620" marB="0" anchor="b"/>
-                </a:tc>
-                <a:tc>
-                  <a:txBody>
-                    <a:bodyPr/>
-                    <a:lstStyle/>
-                    <a:p>
-                      <a:pPr algn="l" fontAlgn="b"/>
-                      <a:r>
-                        <a:rPr lang="en-AU" sz="1400" u="none" strike="noStrike" dirty="0">
-                          <a:effectLst/>
-                        </a:rPr>
-                        <a:t>EEE_p4_0_1_t1</a:t>
-                      </a:r>
-                      <a:endParaRPr lang="en-AU" sz="1400" b="0" i="0" u="none" strike="noStrike" dirty="0">
-                        <a:solidFill>
-                          <a:srgbClr val="000000"/>
-                        </a:solidFill>
-                        <a:effectLst/>
-                        <a:latin typeface="Calibri" panose="020F0502020204030204" pitchFamily="34" charset="0"/>
-                      </a:endParaRPr>
-                    </a:p>
-                  </a:txBody>
-                  <a:tcPr marL="7620" marR="7620" marT="7620" marB="0" anchor="b"/>
-                </a:tc>
-                <a:tc>
-                  <a:txBody>
-                    <a:bodyPr/>
-                    <a:lstStyle/>
-                    <a:p>
-                      <a:pPr algn="l" fontAlgn="b"/>
-                      <a:r>
-                        <a:rPr lang="en-AU" sz="1400" u="none" strike="noStrike" dirty="0">
-                          <a:effectLst/>
-                        </a:rPr>
-                        <a:t>p4_path_t1</a:t>
-                      </a:r>
-                      <a:endParaRPr lang="en-AU" sz="1400" b="0" i="0" u="none" strike="noStrike" dirty="0">
-                        <a:solidFill>
-                          <a:srgbClr val="000000"/>
-                        </a:solidFill>
-                        <a:effectLst/>
-                        <a:latin typeface="Calibri" panose="020F0502020204030204" pitchFamily="34" charset="0"/>
-                      </a:endParaRPr>
-                    </a:p>
-                  </a:txBody>
-                  <a:tcPr marL="7620" marR="7620" marT="7620" marB="0" anchor="b"/>
-                </a:tc>
-                <a:extLst>
-                  <a:ext uri="{0D108BD9-81ED-4DB2-BD59-A6C34878D82A}">
-                    <a16:rowId xmlns:a16="http://schemas.microsoft.com/office/drawing/2014/main" val="1150312825"/>
-                  </a:ext>
-                </a:extLst>
-              </a:tr>
-              <a:tr h="0">
-                <a:tc>
-                  <a:txBody>
-                    <a:bodyPr/>
-                    <a:lstStyle/>
-                    <a:p>
-                      <a:pPr algn="l" fontAlgn="b"/>
-                      <a:r>
-                        <a:rPr lang="en-AU" sz="1400" u="none" strike="noStrike" dirty="0">
-                          <a:effectLst/>
-                        </a:rPr>
-                        <a:t>Training</a:t>
-                      </a:r>
-                      <a:endParaRPr lang="en-AU" sz="1400" b="0" i="0" u="none" strike="noStrike" dirty="0">
-                        <a:solidFill>
-                          <a:srgbClr val="000000"/>
-                        </a:solidFill>
-                        <a:effectLst/>
-                        <a:latin typeface="Calibri" panose="020F0502020204030204" pitchFamily="34" charset="0"/>
-                      </a:endParaRPr>
-                    </a:p>
-                  </a:txBody>
-                  <a:tcPr marL="7620" marR="7620" marT="7620" marB="0" anchor="b"/>
-                </a:tc>
-                <a:tc>
-                  <a:txBody>
-                    <a:bodyPr/>
-                    <a:lstStyle/>
-                    <a:p>
-                      <a:pPr algn="l" fontAlgn="b"/>
-                      <a:r>
-                        <a:rPr lang="en-AU" sz="1400" u="none" strike="noStrike" dirty="0">
-                          <a:effectLst/>
-                        </a:rPr>
-                        <a:t>R2</a:t>
-                      </a:r>
-                      <a:endParaRPr lang="en-AU" sz="1400" b="0" i="0" u="none" strike="noStrike" dirty="0">
-                        <a:solidFill>
-                          <a:srgbClr val="000000"/>
-                        </a:solidFill>
-                        <a:effectLst/>
-                        <a:latin typeface="Calibri" panose="020F0502020204030204" pitchFamily="34" charset="0"/>
-                      </a:endParaRPr>
-                    </a:p>
-                  </a:txBody>
-                  <a:tcPr marL="7620" marR="7620" marT="7620" marB="0" anchor="b"/>
-                </a:tc>
-                <a:tc>
-                  <a:txBody>
-                    <a:bodyPr/>
-                    <a:lstStyle/>
-                    <a:p>
-                      <a:pPr algn="l" fontAlgn="b"/>
-                      <a:r>
-                        <a:rPr lang="en-AU" sz="1400" u="none" strike="noStrike" dirty="0">
-                          <a:effectLst/>
-                        </a:rPr>
-                        <a:t>free?</a:t>
-                      </a:r>
-                      <a:endParaRPr lang="en-AU" sz="1400" b="0" i="1" u="none" strike="noStrike" dirty="0">
-                        <a:solidFill>
-                          <a:srgbClr val="000000"/>
-                        </a:solidFill>
-                        <a:effectLst/>
-                        <a:latin typeface="Calibri" panose="020F0502020204030204" pitchFamily="34" charset="0"/>
-                      </a:endParaRPr>
-                    </a:p>
-                  </a:txBody>
-                  <a:tcPr marL="7620" marR="7620" marT="7620" marB="0" anchor="b"/>
-                </a:tc>
-                <a:tc>
-                  <a:txBody>
-                    <a:bodyPr/>
-                    <a:lstStyle/>
-                    <a:p>
-                      <a:pPr algn="l" fontAlgn="b"/>
-                      <a:r>
-                        <a:rPr lang="en-AU" sz="1400" u="none" strike="noStrike" dirty="0">
-                          <a:effectLst/>
-                        </a:rPr>
-                        <a:t>EEE</a:t>
-                      </a:r>
-                      <a:endParaRPr lang="en-AU" sz="1400" b="0" i="1" u="none" strike="noStrike" dirty="0">
-                        <a:solidFill>
-                          <a:srgbClr val="000000"/>
-                        </a:solidFill>
-                        <a:effectLst/>
-                        <a:latin typeface="Calibri" panose="020F0502020204030204" pitchFamily="34" charset="0"/>
-                      </a:endParaRPr>
-                    </a:p>
-                  </a:txBody>
-                  <a:tcPr marL="7620" marR="7620" marT="7620" marB="0" anchor="b"/>
-                </a:tc>
-                <a:tc>
-                  <a:txBody>
-                    <a:bodyPr/>
-                    <a:lstStyle/>
-                    <a:p>
-                      <a:pPr algn="l" fontAlgn="b"/>
-                      <a:r>
-                        <a:rPr lang="en-AU" sz="1400" u="none" strike="noStrike" dirty="0">
-                          <a:effectLst/>
-                        </a:rPr>
-                        <a:t>4v (3cl)</a:t>
-                      </a:r>
-                      <a:endParaRPr lang="en-AU" sz="1400" b="0" i="0" u="none" strike="noStrike" dirty="0">
-                        <a:solidFill>
-                          <a:srgbClr val="000000"/>
-                        </a:solidFill>
-                        <a:effectLst/>
-                        <a:latin typeface="Calibri" panose="020F0502020204030204" pitchFamily="34" charset="0"/>
-                      </a:endParaRPr>
-                    </a:p>
-                  </a:txBody>
-                  <a:tcPr marL="7620" marR="7620" marT="7620" marB="0" anchor="b"/>
-                </a:tc>
-                <a:tc>
-                  <a:txBody>
-                    <a:bodyPr/>
-                    <a:lstStyle/>
-                    <a:p>
-                      <a:pPr algn="l" fontAlgn="b"/>
-                      <a:r>
-                        <a:rPr lang="en-AU" sz="1400" u="none" strike="noStrike" dirty="0">
-                          <a:effectLst/>
-                        </a:rPr>
-                        <a:t>1_0</a:t>
-                      </a:r>
-                      <a:endParaRPr lang="en-AU" sz="1400" b="0" i="1" u="none" strike="noStrike" dirty="0">
-                        <a:solidFill>
-                          <a:srgbClr val="000000"/>
-                        </a:solidFill>
-                        <a:effectLst/>
-                        <a:latin typeface="Calibri" panose="020F0502020204030204" pitchFamily="34" charset="0"/>
-                      </a:endParaRPr>
-                    </a:p>
-                  </a:txBody>
-                  <a:tcPr marL="7620" marR="7620" marT="7620" marB="0" anchor="b"/>
-                </a:tc>
-                <a:tc>
-                  <a:txBody>
-                    <a:bodyPr/>
-                    <a:lstStyle/>
-                    <a:p>
-                      <a:pPr marL="0" marR="0" lvl="0" indent="0" algn="l" defTabSz="914400" rtl="0" eaLnBrk="1" fontAlgn="b" latinLnBrk="0" hangingPunct="1">
-                        <a:lnSpc>
-                          <a:spcPct val="100000"/>
-                        </a:lnSpc>
-                        <a:spcBef>
-                          <a:spcPts val="0"/>
-                        </a:spcBef>
-                        <a:spcAft>
-                          <a:spcPts val="0"/>
-                        </a:spcAft>
-                        <a:buClrTx/>
-                        <a:buSzTx/>
-                        <a:buFontTx/>
-                        <a:buNone/>
-                        <a:tabLst/>
-                        <a:defRPr/>
-                      </a:pPr>
-                      <a:r>
-                        <a:rPr lang="en-AU" sz="1400" u="none" strike="noStrike" dirty="0">
-                          <a:effectLst/>
-                        </a:rPr>
-                        <a:t>banana_p6_0_1_t1</a:t>
-                      </a:r>
-                      <a:endParaRPr lang="en-AU" sz="1400" b="0" i="0" u="none" strike="noStrike" dirty="0">
-                        <a:solidFill>
-                          <a:srgbClr val="000000"/>
-                        </a:solidFill>
-                        <a:effectLst/>
-                        <a:latin typeface="Calibri" panose="020F0502020204030204" pitchFamily="34" charset="0"/>
-                      </a:endParaRPr>
-                    </a:p>
-                  </a:txBody>
-                  <a:tcPr marL="7620" marR="7620" marT="7620" marB="0" anchor="b"/>
-                </a:tc>
-                <a:tc>
-                  <a:txBody>
-                    <a:bodyPr/>
-                    <a:lstStyle/>
-                    <a:p>
-                      <a:pPr marL="0" marR="0" lvl="0" indent="0" algn="l" defTabSz="914400" rtl="0" eaLnBrk="1" fontAlgn="b" latinLnBrk="0" hangingPunct="1">
-                        <a:lnSpc>
-                          <a:spcPct val="100000"/>
-                        </a:lnSpc>
-                        <a:spcBef>
-                          <a:spcPts val="0"/>
-                        </a:spcBef>
-                        <a:spcAft>
-                          <a:spcPts val="0"/>
-                        </a:spcAft>
-                        <a:buClrTx/>
-                        <a:buSzTx/>
-                        <a:buFontTx/>
-                        <a:buNone/>
-                        <a:tabLst/>
-                        <a:defRPr/>
-                      </a:pPr>
-                      <a:r>
-                        <a:rPr lang="en-AU" sz="1400" u="none" strike="noStrike" dirty="0">
-                          <a:effectLst/>
-                        </a:rPr>
-                        <a:t>p4_path_t2</a:t>
-                      </a:r>
-                      <a:endParaRPr lang="en-AU" sz="1400" b="0" i="0" u="none" strike="noStrike" dirty="0">
-                        <a:solidFill>
-                          <a:srgbClr val="000000"/>
-                        </a:solidFill>
-                        <a:effectLst/>
-                        <a:latin typeface="Calibri" panose="020F0502020204030204" pitchFamily="34" charset="0"/>
-                      </a:endParaRPr>
-                    </a:p>
-                  </a:txBody>
-                  <a:tcPr marL="7620" marR="7620" marT="7620" marB="0" anchor="b"/>
-                </a:tc>
-                <a:extLst>
-                  <a:ext uri="{0D108BD9-81ED-4DB2-BD59-A6C34878D82A}">
-                    <a16:rowId xmlns:a16="http://schemas.microsoft.com/office/drawing/2014/main" val="1236360087"/>
-                  </a:ext>
-                </a:extLst>
-              </a:tr>
-            </a:tbl>
-          </a:graphicData>
-        </a:graphic>
-      </p:graphicFrame>
     </p:spTree>
     <p:extLst>
       <p:ext uri="{BB962C8B-B14F-4D97-AF65-F5344CB8AC3E}">

--- a/paper/figures/Experimental design graphics.pptx
+++ b/paper/figures/Experimental design graphics.pptx
@@ -291,7 +291,7 @@
           <a:p>
             <a:fld id="{B25803F7-6624-424E-B78C-2F27C4BCE53D}" type="datetimeFigureOut">
               <a:rPr lang="en-AU" smtClean="0"/>
-              <a:t>15/10/2020</a:t>
+              <a:t>19/10/2020</a:t>
             </a:fld>
             <a:endParaRPr lang="en-AU"/>
           </a:p>
@@ -491,7 +491,7 @@
           <a:p>
             <a:fld id="{B25803F7-6624-424E-B78C-2F27C4BCE53D}" type="datetimeFigureOut">
               <a:rPr lang="en-AU" smtClean="0"/>
-              <a:t>15/10/2020</a:t>
+              <a:t>19/10/2020</a:t>
             </a:fld>
             <a:endParaRPr lang="en-AU"/>
           </a:p>
@@ -701,7 +701,7 @@
           <a:p>
             <a:fld id="{B25803F7-6624-424E-B78C-2F27C4BCE53D}" type="datetimeFigureOut">
               <a:rPr lang="en-AU" smtClean="0"/>
-              <a:t>15/10/2020</a:t>
+              <a:t>19/10/2020</a:t>
             </a:fld>
             <a:endParaRPr lang="en-AU"/>
           </a:p>
@@ -901,7 +901,7 @@
           <a:p>
             <a:fld id="{B25803F7-6624-424E-B78C-2F27C4BCE53D}" type="datetimeFigureOut">
               <a:rPr lang="en-AU" smtClean="0"/>
-              <a:t>15/10/2020</a:t>
+              <a:t>19/10/2020</a:t>
             </a:fld>
             <a:endParaRPr lang="en-AU"/>
           </a:p>
@@ -1177,7 +1177,7 @@
           <a:p>
             <a:fld id="{B25803F7-6624-424E-B78C-2F27C4BCE53D}" type="datetimeFigureOut">
               <a:rPr lang="en-AU" smtClean="0"/>
-              <a:t>15/10/2020</a:t>
+              <a:t>19/10/2020</a:t>
             </a:fld>
             <a:endParaRPr lang="en-AU"/>
           </a:p>
@@ -1445,7 +1445,7 @@
           <a:p>
             <a:fld id="{B25803F7-6624-424E-B78C-2F27C4BCE53D}" type="datetimeFigureOut">
               <a:rPr lang="en-AU" smtClean="0"/>
-              <a:t>15/10/2020</a:t>
+              <a:t>19/10/2020</a:t>
             </a:fld>
             <a:endParaRPr lang="en-AU"/>
           </a:p>
@@ -1860,7 +1860,7 @@
           <a:p>
             <a:fld id="{B25803F7-6624-424E-B78C-2F27C4BCE53D}" type="datetimeFigureOut">
               <a:rPr lang="en-AU" smtClean="0"/>
-              <a:t>15/10/2020</a:t>
+              <a:t>19/10/2020</a:t>
             </a:fld>
             <a:endParaRPr lang="en-AU"/>
           </a:p>
@@ -2002,7 +2002,7 @@
           <a:p>
             <a:fld id="{B25803F7-6624-424E-B78C-2F27C4BCE53D}" type="datetimeFigureOut">
               <a:rPr lang="en-AU" smtClean="0"/>
-              <a:t>15/10/2020</a:t>
+              <a:t>19/10/2020</a:t>
             </a:fld>
             <a:endParaRPr lang="en-AU"/>
           </a:p>
@@ -2115,7 +2115,7 @@
           <a:p>
             <a:fld id="{B25803F7-6624-424E-B78C-2F27C4BCE53D}" type="datetimeFigureOut">
               <a:rPr lang="en-AU" smtClean="0"/>
-              <a:t>15/10/2020</a:t>
+              <a:t>19/10/2020</a:t>
             </a:fld>
             <a:endParaRPr lang="en-AU"/>
           </a:p>
@@ -2428,7 +2428,7 @@
           <a:p>
             <a:fld id="{B25803F7-6624-424E-B78C-2F27C4BCE53D}" type="datetimeFigureOut">
               <a:rPr lang="en-AU" smtClean="0"/>
-              <a:t>15/10/2020</a:t>
+              <a:t>19/10/2020</a:t>
             </a:fld>
             <a:endParaRPr lang="en-AU"/>
           </a:p>
@@ -2717,7 +2717,7 @@
           <a:p>
             <a:fld id="{B25803F7-6624-424E-B78C-2F27C4BCE53D}" type="datetimeFigureOut">
               <a:rPr lang="en-AU" smtClean="0"/>
-              <a:t>15/10/2020</a:t>
+              <a:t>19/10/2020</a:t>
             </a:fld>
             <a:endParaRPr lang="en-AU"/>
           </a:p>
@@ -2960,7 +2960,7 @@
           <a:p>
             <a:fld id="{B25803F7-6624-424E-B78C-2F27C4BCE53D}" type="datetimeFigureOut">
               <a:rPr lang="en-AU" smtClean="0"/>
-              <a:t>15/10/2020</a:t>
+              <a:t>19/10/2020</a:t>
             </a:fld>
             <a:endParaRPr lang="en-AU"/>
           </a:p>
@@ -12955,14 +12955,14 @@
           <p:nvPr>
             <p:extLst>
               <p:ext uri="{D42A27DB-BD31-4B8C-83A1-F6EECF244321}">
-                <p14:modId xmlns:p14="http://schemas.microsoft.com/office/powerpoint/2010/main" val="4227205055"/>
+                <p14:modId xmlns:p14="http://schemas.microsoft.com/office/powerpoint/2010/main" val="421211506"/>
               </p:ext>
             </p:extLst>
           </p:nvPr>
         </p:nvGraphicFramePr>
         <p:xfrm>
-          <a:off x="4829432" y="2592372"/>
-          <a:ext cx="7091999" cy="2276820"/>
+          <a:off x="4789623" y="2459204"/>
+          <a:ext cx="7335030" cy="2276820"/>
         </p:xfrm>
         <a:graphic>
           <a:graphicData uri="http://schemas.openxmlformats.org/drawingml/2006/table">
@@ -12978,7 +12978,7 @@
                     </a:ext>
                   </a:extLst>
                 </a:gridCol>
-                <a:gridCol w="404969">
+                <a:gridCol w="648000">
                   <a:extLst>
                     <a:ext uri="{9D8B030D-6E8A-4147-A177-3AD203B41FA5}">
                       <a16:colId xmlns:a16="http://schemas.microsoft.com/office/drawing/2014/main" val="491055168"/>
@@ -13047,7 +13047,17 @@
                       </a:r>
                     </a:p>
                   </a:txBody>
-                  <a:tcPr marL="7620" marR="7620" marT="7620" marB="0" anchor="ctr"/>
+                  <a:tcPr marL="7620" marR="7620" marT="7620" marB="0" anchor="ctr">
+                    <a:lnB w="12700" cap="flat" cmpd="sng" algn="ctr">
+                      <a:solidFill>
+                        <a:schemeClr val="tx1"/>
+                      </a:solidFill>
+                      <a:prstDash val="solid"/>
+                      <a:round/>
+                      <a:headEnd type="none" w="med" len="med"/>
+                      <a:tailEnd type="none" w="med" len="med"/>
+                    </a:lnB>
+                  </a:tcPr>
                 </a:tc>
                 <a:tc>
                   <a:txBody>
@@ -13056,18 +13066,35 @@
                     <a:p>
                       <a:pPr algn="l" fontAlgn="b"/>
                       <a:r>
-                        <a:rPr lang="en-AU" sz="1400" b="1" i="0" u="none" strike="noStrike" dirty="0">
+                        <a:rPr lang="en-AU" sz="1400" b="1" i="0" u="none" strike="noStrike">
                           <a:solidFill>
                             <a:schemeClr val="bg1"/>
                           </a:solidFill>
                           <a:effectLst/>
                           <a:latin typeface="Calibri" panose="020F0502020204030204" pitchFamily="34" charset="0"/>
                         </a:rPr>
-                        <a:t>Rep</a:t>
-                      </a:r>
-                    </a:p>
-                  </a:txBody>
-                  <a:tcPr marL="7620" marR="7620" marT="7620" marB="0" anchor="ctr"/>
+                        <a:t>Eval</a:t>
+                      </a:r>
+                      <a:endParaRPr lang="en-AU" sz="1400" b="1" i="0" u="none" strike="noStrike" dirty="0">
+                        <a:solidFill>
+                          <a:schemeClr val="bg1"/>
+                        </a:solidFill>
+                        <a:effectLst/>
+                        <a:latin typeface="Calibri" panose="020F0502020204030204" pitchFamily="34" charset="0"/>
+                      </a:endParaRPr>
+                    </a:p>
+                  </a:txBody>
+                  <a:tcPr marL="7620" marR="7620" marT="7620" marB="0" anchor="ctr">
+                    <a:lnB w="12700" cap="flat" cmpd="sng" algn="ctr">
+                      <a:solidFill>
+                        <a:schemeClr val="tx1"/>
+                      </a:solidFill>
+                      <a:prstDash val="solid"/>
+                      <a:round/>
+                      <a:headEnd type="none" w="med" len="med"/>
+                      <a:tailEnd type="none" w="med" len="med"/>
+                    </a:lnB>
+                  </a:tcPr>
                 </a:tc>
                 <a:tc>
                   <a:txBody>
@@ -13087,7 +13114,17 @@
                       </a:r>
                     </a:p>
                   </a:txBody>
-                  <a:tcPr marL="7620" marR="7620" marT="7620" marB="0" anchor="ctr"/>
+                  <a:tcPr marL="7620" marR="7620" marT="7620" marB="0" anchor="ctr">
+                    <a:lnB w="12700" cap="flat" cmpd="sng" algn="ctr">
+                      <a:solidFill>
+                        <a:schemeClr val="tx1"/>
+                      </a:solidFill>
+                      <a:prstDash val="solid"/>
+                      <a:round/>
+                      <a:headEnd type="none" w="med" len="med"/>
+                      <a:tailEnd type="none" w="med" len="med"/>
+                    </a:lnB>
+                  </a:tcPr>
                 </a:tc>
                 <a:tc>
                   <a:txBody>
@@ -13107,7 +13144,17 @@
                       </a:r>
                     </a:p>
                   </a:txBody>
-                  <a:tcPr marL="7620" marR="7620" marT="7620" marB="0" anchor="ctr"/>
+                  <a:tcPr marL="7620" marR="7620" marT="7620" marB="0" anchor="ctr">
+                    <a:lnB w="12700" cap="flat" cmpd="sng" algn="ctr">
+                      <a:solidFill>
+                        <a:schemeClr val="tx1"/>
+                      </a:solidFill>
+                      <a:prstDash val="solid"/>
+                      <a:round/>
+                      <a:headEnd type="none" w="med" len="med"/>
+                      <a:tailEnd type="none" w="med" len="med"/>
+                    </a:lnB>
+                  </a:tcPr>
                 </a:tc>
                 <a:tc>
                   <a:txBody>
@@ -13127,7 +13174,17 @@
                       </a:r>
                     </a:p>
                   </a:txBody>
-                  <a:tcPr marL="7620" marR="7620" marT="7620" marB="0" anchor="ctr"/>
+                  <a:tcPr marL="7620" marR="7620" marT="7620" marB="0" anchor="ctr">
+                    <a:lnB w="12700" cap="flat" cmpd="sng" algn="ctr">
+                      <a:solidFill>
+                        <a:schemeClr val="tx1"/>
+                      </a:solidFill>
+                      <a:prstDash val="solid"/>
+                      <a:round/>
+                      <a:headEnd type="none" w="med" len="med"/>
+                      <a:tailEnd type="none" w="med" len="med"/>
+                    </a:lnB>
+                  </a:tcPr>
                 </a:tc>
                 <a:tc>
                   <a:txBody>
@@ -13147,7 +13204,17 @@
                       </a:r>
                     </a:p>
                   </a:txBody>
-                  <a:tcPr marL="7620" marR="7620" marT="7620" marB="0" anchor="ctr"/>
+                  <a:tcPr marL="7620" marR="7620" marT="7620" marB="0" anchor="ctr">
+                    <a:lnB w="12700" cap="flat" cmpd="sng" algn="ctr">
+                      <a:solidFill>
+                        <a:schemeClr val="tx1"/>
+                      </a:solidFill>
+                      <a:prstDash val="solid"/>
+                      <a:round/>
+                      <a:headEnd type="none" w="med" len="med"/>
+                      <a:tailEnd type="none" w="med" len="med"/>
+                    </a:lnB>
+                  </a:tcPr>
                 </a:tc>
                 <a:tc>
                   <a:txBody>
@@ -13167,7 +13234,17 @@
                       </a:r>
                     </a:p>
                   </a:txBody>
-                  <a:tcPr marL="7620" marR="7620" marT="7620" marB="0" anchor="ctr"/>
+                  <a:tcPr marL="7620" marR="7620" marT="7620" marB="0" anchor="ctr">
+                    <a:lnB w="12700" cap="flat" cmpd="sng" algn="ctr">
+                      <a:solidFill>
+                        <a:schemeClr val="tx1"/>
+                      </a:solidFill>
+                      <a:prstDash val="solid"/>
+                      <a:round/>
+                      <a:headEnd type="none" w="med" len="med"/>
+                      <a:tailEnd type="none" w="med" len="med"/>
+                    </a:lnB>
+                  </a:tcPr>
                 </a:tc>
                 <a:tc>
                   <a:txBody>
@@ -13187,7 +13264,17 @@
                       </a:r>
                     </a:p>
                   </a:txBody>
-                  <a:tcPr marL="7620" marR="7620" marT="7620" marB="0" anchor="ctr"/>
+                  <a:tcPr marL="7620" marR="7620" marT="7620" marB="0" anchor="ctr">
+                    <a:lnB w="12700" cap="flat" cmpd="sng" algn="ctr">
+                      <a:solidFill>
+                        <a:schemeClr val="tx1"/>
+                      </a:solidFill>
+                      <a:prstDash val="solid"/>
+                      <a:round/>
+                      <a:headEnd type="none" w="med" len="med"/>
+                      <a:tailEnd type="none" w="med" len="med"/>
+                    </a:lnB>
+                  </a:tcPr>
                 </a:tc>
                 <a:extLst>
                   <a:ext uri="{0D108BD9-81ED-4DB2-BD59-A6C34878D82A}">
@@ -13206,7 +13293,7 @@
                         <a:rPr lang="en-AU" sz="1400" u="none" strike="noStrike" dirty="0">
                           <a:effectLst/>
                         </a:rPr>
-                        <a:t>Training</a:t>
+                        <a:t>1</a:t>
                       </a:r>
                       <a:endParaRPr lang="en-AU" sz="1400" b="0" i="0" u="none" strike="noStrike" dirty="0">
                         <a:solidFill>
@@ -13218,6 +13305,15 @@
                     </a:p>
                   </a:txBody>
                   <a:tcPr marL="7620" marR="7620" marT="7620" marB="0" anchor="b">
+                    <a:lnT w="12700" cap="flat" cmpd="sng" algn="ctr">
+                      <a:solidFill>
+                        <a:schemeClr val="tx1"/>
+                      </a:solidFill>
+                      <a:prstDash val="solid"/>
+                      <a:round/>
+                      <a:headEnd type="none" w="med" len="med"/>
+                      <a:tailEnd type="none" w="med" len="med"/>
+                    </a:lnT>
                     <a:solidFill>
                       <a:schemeClr val="accent6">
                         <a:lumMod val="40000"/>
@@ -13233,21 +13329,27 @@
                     <a:p>
                       <a:pPr algn="l" fontAlgn="b"/>
                       <a:r>
-                        <a:rPr lang="en-AU" sz="1400" u="none" strike="noStrike" dirty="0">
+                        <a:rPr lang="en-AU" sz="1400" b="0" i="0" u="none" strike="noStrike" dirty="0">
+                          <a:solidFill>
+                            <a:srgbClr val="000000"/>
+                          </a:solidFill>
                           <a:effectLst/>
+                          <a:latin typeface="Calibri" panose="020F0502020204030204" pitchFamily="34" charset="0"/>
                         </a:rPr>
-                        <a:t>R1</a:t>
-                      </a:r>
-                      <a:endParaRPr lang="en-AU" sz="1400" b="0" i="0" u="none" strike="noStrike" dirty="0">
-                        <a:solidFill>
-                          <a:srgbClr val="000000"/>
-                        </a:solidFill>
-                        <a:effectLst/>
-                        <a:latin typeface="Calibri" panose="020F0502020204030204" pitchFamily="34" charset="0"/>
-                      </a:endParaRPr>
+                        <a:t>Training</a:t>
+                      </a:r>
                     </a:p>
                   </a:txBody>
                   <a:tcPr marL="7620" marR="7620" marT="7620" marB="0" anchor="b">
+                    <a:lnT w="12700" cap="flat" cmpd="sng" algn="ctr">
+                      <a:solidFill>
+                        <a:schemeClr val="tx1"/>
+                      </a:solidFill>
+                      <a:prstDash val="solid"/>
+                      <a:round/>
+                      <a:headEnd type="none" w="med" len="med"/>
+                      <a:tailEnd type="none" w="med" len="med"/>
+                    </a:lnT>
                     <a:solidFill>
                       <a:schemeClr val="accent6">
                         <a:lumMod val="40000"/>
@@ -13282,6 +13384,15 @@
                     </a:p>
                   </a:txBody>
                   <a:tcPr marL="7620" marR="7620" marT="7620" marB="0" anchor="b">
+                    <a:lnT w="12700" cap="flat" cmpd="sng" algn="ctr">
+                      <a:solidFill>
+                        <a:schemeClr val="tx1"/>
+                      </a:solidFill>
+                      <a:prstDash val="solid"/>
+                      <a:round/>
+                      <a:headEnd type="none" w="med" len="med"/>
+                      <a:tailEnd type="none" w="med" len="med"/>
+                    </a:lnT>
                     <a:solidFill>
                       <a:schemeClr val="accent6">
                         <a:lumMod val="40000"/>
@@ -13312,6 +13423,15 @@
                     </a:p>
                   </a:txBody>
                   <a:tcPr marL="7620" marR="7620" marT="7620" marB="0" anchor="b">
+                    <a:lnT w="12700" cap="flat" cmpd="sng" algn="ctr">
+                      <a:solidFill>
+                        <a:schemeClr val="tx1"/>
+                      </a:solidFill>
+                      <a:prstDash val="solid"/>
+                      <a:round/>
+                      <a:headEnd type="none" w="med" len="med"/>
+                      <a:tailEnd type="none" w="med" len="med"/>
+                    </a:lnT>
                     <a:solidFill>
                       <a:schemeClr val="accent6">
                         <a:lumMod val="40000"/>
@@ -13342,6 +13462,15 @@
                     </a:p>
                   </a:txBody>
                   <a:tcPr marL="7620" marR="7620" marT="7620" marB="0" anchor="b">
+                    <a:lnT w="12700" cap="flat" cmpd="sng" algn="ctr">
+                      <a:solidFill>
+                        <a:schemeClr val="tx1"/>
+                      </a:solidFill>
+                      <a:prstDash val="solid"/>
+                      <a:round/>
+                      <a:headEnd type="none" w="med" len="med"/>
+                      <a:tailEnd type="none" w="med" len="med"/>
+                    </a:lnT>
                     <a:solidFill>
                       <a:schemeClr val="accent6">
                         <a:lumMod val="40000"/>
@@ -13372,6 +13501,15 @@
                     </a:p>
                   </a:txBody>
                   <a:tcPr marL="7620" marR="7620" marT="7620" marB="0" anchor="b">
+                    <a:lnT w="12700" cap="flat" cmpd="sng" algn="ctr">
+                      <a:solidFill>
+                        <a:schemeClr val="tx1"/>
+                      </a:solidFill>
+                      <a:prstDash val="solid"/>
+                      <a:round/>
+                      <a:headEnd type="none" w="med" len="med"/>
+                      <a:tailEnd type="none" w="med" len="med"/>
+                    </a:lnT>
                     <a:solidFill>
                       <a:schemeClr val="accent6">
                         <a:lumMod val="40000"/>
@@ -13402,6 +13540,15 @@
                     </a:p>
                   </a:txBody>
                   <a:tcPr marL="7620" marR="7620" marT="7620" marB="0" anchor="b">
+                    <a:lnT w="12700" cap="flat" cmpd="sng" algn="ctr">
+                      <a:solidFill>
+                        <a:schemeClr val="tx1"/>
+                      </a:solidFill>
+                      <a:prstDash val="solid"/>
+                      <a:round/>
+                      <a:headEnd type="none" w="med" len="med"/>
+                      <a:tailEnd type="none" w="med" len="med"/>
+                    </a:lnT>
                     <a:solidFill>
                       <a:schemeClr val="accent6">
                         <a:lumMod val="40000"/>
@@ -13420,7 +13567,7 @@
                         <a:rPr lang="en-AU" sz="1400" u="none" strike="noStrike" dirty="0">
                           <a:effectLst/>
                         </a:rPr>
-                        <a:t>p4_path_t</a:t>
+                        <a:t>p4_path_t1</a:t>
                       </a:r>
                       <a:endParaRPr lang="en-AU" sz="1400" b="0" i="0" u="none" strike="noStrike" dirty="0">
                         <a:solidFill>
@@ -13432,6 +13579,15 @@
                     </a:p>
                   </a:txBody>
                   <a:tcPr marL="7620" marR="7620" marT="7620" marB="0" anchor="b">
+                    <a:lnT w="12700" cap="flat" cmpd="sng" algn="ctr">
+                      <a:solidFill>
+                        <a:schemeClr val="tx1"/>
+                      </a:solidFill>
+                      <a:prstDash val="solid"/>
+                      <a:round/>
+                      <a:headEnd type="none" w="med" len="med"/>
+                      <a:tailEnd type="none" w="med" len="med"/>
+                    </a:lnT>
                     <a:solidFill>
                       <a:schemeClr val="accent6">
                         <a:lumMod val="40000"/>
@@ -13461,7 +13617,7 @@
                           <a:effectLst/>
                           <a:latin typeface="Calibri" panose="020F0502020204030204" pitchFamily="34" charset="0"/>
                         </a:rPr>
-                        <a:t>P1</a:t>
+                        <a:t>1</a:t>
                       </a:r>
                     </a:p>
                   </a:txBody>
@@ -13481,7 +13637,7 @@
                           <a:effectLst/>
                           <a:latin typeface="Calibri" panose="020F0502020204030204" pitchFamily="34" charset="0"/>
                         </a:rPr>
-                        <a:t>R1</a:t>
+                        <a:t>1</a:t>
                       </a:r>
                     </a:p>
                   </a:txBody>
@@ -13581,7 +13737,7 @@
                           <a:effectLst/>
                           <a:latin typeface="Calibri" panose="020F0502020204030204" pitchFamily="34" charset="0"/>
                         </a:rPr>
-                        <a:t>EEE_p4_50_50_sim1</a:t>
+                        <a:t>EEE_p4_50_50_rep1</a:t>
                       </a:r>
                     </a:p>
                   </a:txBody>
@@ -13628,11 +13784,21 @@
                           <a:effectLst/>
                           <a:latin typeface="Calibri" panose="020F0502020204030204" pitchFamily="34" charset="0"/>
                         </a:rPr>
-                        <a:t>P1</a:t>
-                      </a:r>
-                    </a:p>
-                  </a:txBody>
-                  <a:tcPr marL="7620" marR="7620" marT="7620" marB="0" anchor="b"/>
+                        <a:t>1</a:t>
+                      </a:r>
+                    </a:p>
+                  </a:txBody>
+                  <a:tcPr marL="7620" marR="7620" marT="7620" marB="0" anchor="b">
+                    <a:lnB w="12700" cap="flat" cmpd="sng" algn="ctr">
+                      <a:solidFill>
+                        <a:schemeClr val="tx1"/>
+                      </a:solidFill>
+                      <a:prstDash val="solid"/>
+                      <a:round/>
+                      <a:headEnd type="none" w="med" len="med"/>
+                      <a:tailEnd type="none" w="med" len="med"/>
+                    </a:lnB>
+                  </a:tcPr>
                 </a:tc>
                 <a:tc>
                   <a:txBody>
@@ -13648,11 +13814,21 @@
                           <a:effectLst/>
                           <a:latin typeface="Calibri" panose="020F0502020204030204" pitchFamily="34" charset="0"/>
                         </a:rPr>
-                        <a:t>R2</a:t>
-                      </a:r>
-                    </a:p>
-                  </a:txBody>
-                  <a:tcPr marL="7620" marR="7620" marT="7620" marB="0" anchor="b"/>
+                        <a:t>2</a:t>
+                      </a:r>
+                    </a:p>
+                  </a:txBody>
+                  <a:tcPr marL="7620" marR="7620" marT="7620" marB="0" anchor="b">
+                    <a:lnB w="12700" cap="flat" cmpd="sng" algn="ctr">
+                      <a:solidFill>
+                        <a:schemeClr val="tx1"/>
+                      </a:solidFill>
+                      <a:prstDash val="solid"/>
+                      <a:round/>
+                      <a:headEnd type="none" w="med" len="med"/>
+                      <a:tailEnd type="none" w="med" len="med"/>
+                    </a:lnB>
+                  </a:tcPr>
                 </a:tc>
                 <a:tc>
                   <a:txBody>
@@ -13672,7 +13848,17 @@
                       </a:r>
                     </a:p>
                   </a:txBody>
-                  <a:tcPr marL="7620" marR="7620" marT="7620" marB="0" anchor="b"/>
+                  <a:tcPr marL="7620" marR="7620" marT="7620" marB="0" anchor="b">
+                    <a:lnB w="12700" cap="flat" cmpd="sng" algn="ctr">
+                      <a:solidFill>
+                        <a:schemeClr val="tx1"/>
+                      </a:solidFill>
+                      <a:prstDash val="solid"/>
+                      <a:round/>
+                      <a:headEnd type="none" w="med" len="med"/>
+                      <a:tailEnd type="none" w="med" len="med"/>
+                    </a:lnB>
+                  </a:tcPr>
                 </a:tc>
                 <a:tc>
                   <a:txBody>
@@ -13692,7 +13878,17 @@
                       </a:r>
                     </a:p>
                   </a:txBody>
-                  <a:tcPr marL="7620" marR="7620" marT="7620" marB="0" anchor="b"/>
+                  <a:tcPr marL="7620" marR="7620" marT="7620" marB="0" anchor="b">
+                    <a:lnB w="12700" cap="flat" cmpd="sng" algn="ctr">
+                      <a:solidFill>
+                        <a:schemeClr val="tx1"/>
+                      </a:solidFill>
+                      <a:prstDash val="solid"/>
+                      <a:round/>
+                      <a:headEnd type="none" w="med" len="med"/>
+                      <a:tailEnd type="none" w="med" len="med"/>
+                    </a:lnB>
+                  </a:tcPr>
                 </a:tc>
                 <a:tc>
                   <a:txBody>
@@ -13712,7 +13908,17 @@
                       </a:r>
                     </a:p>
                   </a:txBody>
-                  <a:tcPr marL="7620" marR="7620" marT="7620" marB="0" anchor="b"/>
+                  <a:tcPr marL="7620" marR="7620" marT="7620" marB="0" anchor="b">
+                    <a:lnB w="12700" cap="flat" cmpd="sng" algn="ctr">
+                      <a:solidFill>
+                        <a:schemeClr val="tx1"/>
+                      </a:solidFill>
+                      <a:prstDash val="solid"/>
+                      <a:round/>
+                      <a:headEnd type="none" w="med" len="med"/>
+                      <a:tailEnd type="none" w="med" len="med"/>
+                    </a:lnB>
+                  </a:tcPr>
                 </a:tc>
                 <a:tc>
                   <a:txBody>
@@ -13732,7 +13938,17 @@
                       </a:r>
                     </a:p>
                   </a:txBody>
-                  <a:tcPr marL="7620" marR="7620" marT="7620" marB="0" anchor="b"/>
+                  <a:tcPr marL="7620" marR="7620" marT="7620" marB="0" anchor="b">
+                    <a:lnB w="12700" cap="flat" cmpd="sng" algn="ctr">
+                      <a:solidFill>
+                        <a:schemeClr val="tx1"/>
+                      </a:solidFill>
+                      <a:prstDash val="solid"/>
+                      <a:round/>
+                      <a:headEnd type="none" w="med" len="med"/>
+                      <a:tailEnd type="none" w="med" len="med"/>
+                    </a:lnB>
+                  </a:tcPr>
                 </a:tc>
                 <a:tc>
                   <a:txBody>
@@ -13764,11 +13980,21 @@
                           <a:effectLst/>
                           <a:latin typeface="Calibri" panose="020F0502020204030204" pitchFamily="34" charset="0"/>
                         </a:rPr>
-                        <a:t>banana_p6_50_50_sim1</a:t>
-                      </a:r>
-                    </a:p>
-                  </a:txBody>
-                  <a:tcPr marL="7620" marR="7620" marT="7620" marB="0" anchor="b"/>
+                        <a:t>banana_p6_50_50_rep1</a:t>
+                      </a:r>
+                    </a:p>
+                  </a:txBody>
+                  <a:tcPr marL="7620" marR="7620" marT="7620" marB="0" anchor="b">
+                    <a:lnB w="12700" cap="flat" cmpd="sng" algn="ctr">
+                      <a:solidFill>
+                        <a:schemeClr val="tx1"/>
+                      </a:solidFill>
+                      <a:prstDash val="solid"/>
+                      <a:round/>
+                      <a:headEnd type="none" w="med" len="med"/>
+                      <a:tailEnd type="none" w="med" len="med"/>
+                    </a:lnB>
+                  </a:tcPr>
                 </a:tc>
                 <a:tc>
                   <a:txBody>
@@ -13804,7 +14030,17 @@
                       </a:r>
                     </a:p>
                   </a:txBody>
-                  <a:tcPr marL="7620" marR="7620" marT="7620" marB="0" anchor="b"/>
+                  <a:tcPr marL="7620" marR="7620" marT="7620" marB="0" anchor="b">
+                    <a:lnB w="12700" cap="flat" cmpd="sng" algn="ctr">
+                      <a:solidFill>
+                        <a:schemeClr val="tx1"/>
+                      </a:solidFill>
+                      <a:prstDash val="solid"/>
+                      <a:round/>
+                      <a:headEnd type="none" w="med" len="med"/>
+                      <a:tailEnd type="none" w="med" len="med"/>
+                    </a:lnB>
+                  </a:tcPr>
                 </a:tc>
                 <a:extLst>
                   <a:ext uri="{0D108BD9-81ED-4DB2-BD59-A6C34878D82A}">
@@ -13823,7 +14059,7 @@
                         <a:rPr lang="en-AU" sz="1400" u="none" strike="noStrike" dirty="0">
                           <a:effectLst/>
                         </a:rPr>
-                        <a:t>Training</a:t>
+                        <a:t>2</a:t>
                       </a:r>
                       <a:endParaRPr lang="en-AU" sz="1400" b="0" i="0" u="none" strike="noStrike" dirty="0">
                         <a:solidFill>
@@ -13835,6 +14071,15 @@
                     </a:p>
                   </a:txBody>
                   <a:tcPr marL="7620" marR="7620" marT="7620" marB="0" anchor="b">
+                    <a:lnT w="12700" cap="flat" cmpd="sng" algn="ctr">
+                      <a:solidFill>
+                        <a:schemeClr val="tx1"/>
+                      </a:solidFill>
+                      <a:prstDash val="solid"/>
+                      <a:round/>
+                      <a:headEnd type="none" w="med" len="med"/>
+                      <a:tailEnd type="none" w="med" len="med"/>
+                    </a:lnT>
                     <a:solidFill>
                       <a:schemeClr val="accent6">
                         <a:lumMod val="40000"/>
@@ -13850,10 +14095,121 @@
                     <a:p>
                       <a:pPr algn="l" fontAlgn="b"/>
                       <a:r>
+                        <a:rPr lang="en-AU" sz="1400" b="0" i="0" u="none" strike="noStrike" dirty="0">
+                          <a:solidFill>
+                            <a:srgbClr val="000000"/>
+                          </a:solidFill>
+                          <a:effectLst/>
+                          <a:latin typeface="Calibri" panose="020F0502020204030204" pitchFamily="34" charset="0"/>
+                        </a:rPr>
+                        <a:t>Training</a:t>
+                      </a:r>
+                    </a:p>
+                  </a:txBody>
+                  <a:tcPr marL="7620" marR="7620" marT="7620" marB="0" anchor="b">
+                    <a:lnT w="12700" cap="flat" cmpd="sng" algn="ctr">
+                      <a:solidFill>
+                        <a:schemeClr val="tx1"/>
+                      </a:solidFill>
+                      <a:prstDash val="solid"/>
+                      <a:round/>
+                      <a:headEnd type="none" w="med" len="med"/>
+                      <a:tailEnd type="none" w="med" len="med"/>
+                    </a:lnT>
+                    <a:solidFill>
+                      <a:schemeClr val="accent6">
+                        <a:lumMod val="40000"/>
+                        <a:lumOff val="60000"/>
+                      </a:schemeClr>
+                    </a:solidFill>
+                  </a:tcPr>
+                </a:tc>
+                <a:tc>
+                  <a:txBody>
+                    <a:bodyPr/>
+                    <a:lstStyle/>
+                    <a:p>
+                      <a:pPr algn="l" fontAlgn="b"/>
+                      <a:r>
+                        <a:rPr lang="en-AU" sz="1400" b="0" i="1" u="none" strike="noStrike" dirty="0">
+                          <a:solidFill>
+                            <a:srgbClr val="000000"/>
+                          </a:solidFill>
+                          <a:effectLst/>
+                          <a:latin typeface="Calibri" panose="020F0502020204030204" pitchFamily="34" charset="0"/>
+                        </a:rPr>
+                        <a:t>Radial</a:t>
+                      </a:r>
+                    </a:p>
+                  </a:txBody>
+                  <a:tcPr marL="7620" marR="7620" marT="7620" marB="0" anchor="b">
+                    <a:lnT w="12700" cap="flat" cmpd="sng" algn="ctr">
+                      <a:solidFill>
+                        <a:schemeClr val="tx1"/>
+                      </a:solidFill>
+                      <a:prstDash val="solid"/>
+                      <a:round/>
+                      <a:headEnd type="none" w="med" len="med"/>
+                      <a:tailEnd type="none" w="med" len="med"/>
+                    </a:lnT>
+                    <a:solidFill>
+                      <a:schemeClr val="accent6">
+                        <a:lumMod val="40000"/>
+                        <a:lumOff val="60000"/>
+                      </a:schemeClr>
+                    </a:solidFill>
+                  </a:tcPr>
+                </a:tc>
+                <a:tc>
+                  <a:txBody>
+                    <a:bodyPr/>
+                    <a:lstStyle/>
+                    <a:p>
+                      <a:pPr algn="l" fontAlgn="b"/>
+                      <a:r>
                         <a:rPr lang="en-AU" sz="1400" u="none" strike="noStrike" dirty="0">
                           <a:effectLst/>
                         </a:rPr>
-                        <a:t>R2</a:t>
+                        <a:t>EEE</a:t>
+                      </a:r>
+                      <a:endParaRPr lang="en-AU" sz="1400" b="0" i="1" u="none" strike="noStrike" dirty="0">
+                        <a:solidFill>
+                          <a:srgbClr val="000000"/>
+                        </a:solidFill>
+                        <a:effectLst/>
+                        <a:latin typeface="Calibri" panose="020F0502020204030204" pitchFamily="34" charset="0"/>
+                      </a:endParaRPr>
+                    </a:p>
+                  </a:txBody>
+                  <a:tcPr marL="7620" marR="7620" marT="7620" marB="0" anchor="b">
+                    <a:lnT w="12700" cap="flat" cmpd="sng" algn="ctr">
+                      <a:solidFill>
+                        <a:schemeClr val="tx1"/>
+                      </a:solidFill>
+                      <a:prstDash val="solid"/>
+                      <a:round/>
+                      <a:headEnd type="none" w="med" len="med"/>
+                      <a:tailEnd type="none" w="med" len="med"/>
+                    </a:lnT>
+                    <a:solidFill>
+                      <a:schemeClr val="accent6">
+                        <a:lumMod val="40000"/>
+                        <a:lumOff val="60000"/>
+                      </a:schemeClr>
+                    </a:solidFill>
+                  </a:tcPr>
+                </a:tc>
+                <a:tc>
+                  <a:txBody>
+                    <a:bodyPr/>
+                    <a:lstStyle/>
+                    <a:p>
+                      <a:pPr algn="l" fontAlgn="b"/>
+                      <a:r>
+                        <a:rPr lang="en-AU" sz="1400" u="none" strike="noStrike" dirty="0">
+                          <a:effectLst/>
+                        </a:rPr>
+                        <a:t>4v (3cl)</a:t>
                       </a:r>
                       <a:endParaRPr lang="en-AU" sz="1400" b="0" i="0" u="none" strike="noStrike" dirty="0">
                         <a:solidFill>
@@ -13865,6 +14221,15 @@
                     </a:p>
                   </a:txBody>
                   <a:tcPr marL="7620" marR="7620" marT="7620" marB="0" anchor="b">
+                    <a:lnT w="12700" cap="flat" cmpd="sng" algn="ctr">
+                      <a:solidFill>
+                        <a:schemeClr val="tx1"/>
+                      </a:solidFill>
+                      <a:prstDash val="solid"/>
+                      <a:round/>
+                      <a:headEnd type="none" w="med" len="med"/>
+                      <a:tailEnd type="none" w="med" len="med"/>
+                    </a:lnT>
                     <a:solidFill>
                       <a:schemeClr val="accent6">
                         <a:lumMod val="40000"/>
@@ -13880,24 +14245,10 @@
                     <a:p>
                       <a:pPr algn="l" fontAlgn="b"/>
                       <a:r>
-                        <a:rPr lang="en-US" sz="1400" b="0" i="1" u="none" strike="noStrike" dirty="0">
-                          <a:solidFill>
-                            <a:srgbClr val="000000"/>
-                          </a:solidFill>
+                        <a:rPr lang="en-AU" sz="1400" u="none" strike="noStrike" dirty="0">
                           <a:effectLst/>
-                          <a:latin typeface="Calibri" panose="020F0502020204030204" pitchFamily="34" charset="0"/>
                         </a:rPr>
-                        <a:t>R</a:t>
-                      </a:r>
-                      <a:r>
-                        <a:rPr lang="en-AU" sz="1400" b="0" i="1" u="none" strike="noStrike" dirty="0" err="1">
-                          <a:solidFill>
-                            <a:srgbClr val="000000"/>
-                          </a:solidFill>
-                          <a:effectLst/>
-                          <a:latin typeface="Calibri" panose="020F0502020204030204" pitchFamily="34" charset="0"/>
-                        </a:rPr>
-                        <a:t>adial</a:t>
+                        <a:t>1_0</a:t>
                       </a:r>
                       <a:endParaRPr lang="en-AU" sz="1400" b="0" i="1" u="none" strike="noStrike" dirty="0">
                         <a:solidFill>
@@ -13909,6 +14260,15 @@
                     </a:p>
                   </a:txBody>
                   <a:tcPr marL="7620" marR="7620" marT="7620" marB="0" anchor="b">
+                    <a:lnT w="12700" cap="flat" cmpd="sng" algn="ctr">
+                      <a:solidFill>
+                        <a:schemeClr val="tx1"/>
+                      </a:solidFill>
+                      <a:prstDash val="solid"/>
+                      <a:round/>
+                      <a:headEnd type="none" w="med" len="med"/>
+                      <a:tailEnd type="none" w="med" len="med"/>
+                    </a:lnT>
                     <a:solidFill>
                       <a:schemeClr val="accent6">
                         <a:lumMod val="40000"/>
@@ -13927,37 +14287,7 @@
                         <a:rPr lang="en-AU" sz="1400" u="none" strike="noStrike" dirty="0">
                           <a:effectLst/>
                         </a:rPr>
-                        <a:t>EEE</a:t>
-                      </a:r>
-                      <a:endParaRPr lang="en-AU" sz="1400" b="0" i="1" u="none" strike="noStrike" dirty="0">
-                        <a:solidFill>
-                          <a:srgbClr val="000000"/>
-                        </a:solidFill>
-                        <a:effectLst/>
-                        <a:latin typeface="Calibri" panose="020F0502020204030204" pitchFamily="34" charset="0"/>
-                      </a:endParaRPr>
-                    </a:p>
-                  </a:txBody>
-                  <a:tcPr marL="7620" marR="7620" marT="7620" marB="0" anchor="b">
-                    <a:solidFill>
-                      <a:schemeClr val="accent6">
-                        <a:lumMod val="40000"/>
-                        <a:lumOff val="60000"/>
-                      </a:schemeClr>
-                    </a:solidFill>
-                  </a:tcPr>
-                </a:tc>
-                <a:tc>
-                  <a:txBody>
-                    <a:bodyPr/>
-                    <a:lstStyle/>
-                    <a:p>
-                      <a:pPr algn="l" fontAlgn="b"/>
-                      <a:r>
-                        <a:rPr lang="en-AU" sz="1400" u="none" strike="noStrike" dirty="0">
-                          <a:effectLst/>
-                        </a:rPr>
-                        <a:t>4v (3cl)</a:t>
+                        <a:t>EEE_p4_0_1_t2</a:t>
                       </a:r>
                       <a:endParaRPr lang="en-AU" sz="1400" b="0" i="0" u="none" strike="noStrike" dirty="0">
                         <a:solidFill>
@@ -13969,66 +14299,15 @@
                     </a:p>
                   </a:txBody>
                   <a:tcPr marL="7620" marR="7620" marT="7620" marB="0" anchor="b">
-                    <a:solidFill>
-                      <a:schemeClr val="accent6">
-                        <a:lumMod val="40000"/>
-                        <a:lumOff val="60000"/>
-                      </a:schemeClr>
-                    </a:solidFill>
-                  </a:tcPr>
-                </a:tc>
-                <a:tc>
-                  <a:txBody>
-                    <a:bodyPr/>
-                    <a:lstStyle/>
-                    <a:p>
-                      <a:pPr algn="l" fontAlgn="b"/>
-                      <a:r>
-                        <a:rPr lang="en-AU" sz="1400" u="none" strike="noStrike" dirty="0">
-                          <a:effectLst/>
-                        </a:rPr>
-                        <a:t>1_0</a:t>
-                      </a:r>
-                      <a:endParaRPr lang="en-AU" sz="1400" b="0" i="1" u="none" strike="noStrike" dirty="0">
-                        <a:solidFill>
-                          <a:srgbClr val="000000"/>
-                        </a:solidFill>
-                        <a:effectLst/>
-                        <a:latin typeface="Calibri" panose="020F0502020204030204" pitchFamily="34" charset="0"/>
-                      </a:endParaRPr>
-                    </a:p>
-                  </a:txBody>
-                  <a:tcPr marL="7620" marR="7620" marT="7620" marB="0" anchor="b">
-                    <a:solidFill>
-                      <a:schemeClr val="accent6">
-                        <a:lumMod val="40000"/>
-                        <a:lumOff val="60000"/>
-                      </a:schemeClr>
-                    </a:solidFill>
-                  </a:tcPr>
-                </a:tc>
-                <a:tc>
-                  <a:txBody>
-                    <a:bodyPr/>
-                    <a:lstStyle/>
-                    <a:p>
-                      <a:pPr algn="l" fontAlgn="b"/>
-                      <a:r>
-                        <a:rPr lang="en-AU" sz="1400" u="none" strike="noStrike" dirty="0">
-                          <a:effectLst/>
-                        </a:rPr>
-                        <a:t>EEE_p4_0_1_t2</a:t>
-                      </a:r>
-                      <a:endParaRPr lang="en-AU" sz="1400" b="0" i="0" u="none" strike="noStrike" dirty="0">
-                        <a:solidFill>
-                          <a:srgbClr val="000000"/>
-                        </a:solidFill>
-                        <a:effectLst/>
-                        <a:latin typeface="Calibri" panose="020F0502020204030204" pitchFamily="34" charset="0"/>
-                      </a:endParaRPr>
-                    </a:p>
-                  </a:txBody>
-                  <a:tcPr marL="7620" marR="7620" marT="7620" marB="0" anchor="b">
+                    <a:lnT w="12700" cap="flat" cmpd="sng" algn="ctr">
+                      <a:solidFill>
+                        <a:schemeClr val="tx1"/>
+                      </a:solidFill>
+                      <a:prstDash val="solid"/>
+                      <a:round/>
+                      <a:headEnd type="none" w="med" len="med"/>
+                      <a:tailEnd type="none" w="med" len="med"/>
+                    </a:lnT>
                     <a:solidFill>
                       <a:schemeClr val="accent6">
                         <a:lumMod val="40000"/>
@@ -14059,16 +14338,28 @@
                         <a:tabLst/>
                         <a:defRPr/>
                       </a:pPr>
-                      <a:endParaRPr lang="en-AU" sz="1400" b="0" i="0" u="none" strike="noStrike" dirty="0">
-                        <a:solidFill>
-                          <a:srgbClr val="000000"/>
-                        </a:solidFill>
-                        <a:effectLst/>
-                        <a:latin typeface="Calibri" panose="020F0502020204030204" pitchFamily="34" charset="0"/>
-                      </a:endParaRPr>
+                      <a:r>
+                        <a:rPr lang="en-AU" sz="1400" b="0" i="0" u="none" strike="noStrike" dirty="0">
+                          <a:solidFill>
+                            <a:srgbClr val="000000"/>
+                          </a:solidFill>
+                          <a:effectLst/>
+                          <a:latin typeface="Calibri" panose="020F0502020204030204" pitchFamily="34" charset="0"/>
+                        </a:rPr>
+                        <a:t>NA</a:t>
+                      </a:r>
                     </a:p>
                   </a:txBody>
                   <a:tcPr marL="7620" marR="7620" marT="7620" marB="0" anchor="b">
+                    <a:lnT w="12700" cap="flat" cmpd="sng" algn="ctr">
+                      <a:solidFill>
+                        <a:schemeClr val="tx1"/>
+                      </a:solidFill>
+                      <a:prstDash val="solid"/>
+                      <a:round/>
+                      <a:headEnd type="none" w="med" len="med"/>
+                      <a:tailEnd type="none" w="med" len="med"/>
+                    </a:lnT>
                     <a:solidFill>
                       <a:schemeClr val="accent6">
                         <a:lumMod val="40000"/>
@@ -14098,7 +14389,7 @@
                           <a:effectLst/>
                           <a:latin typeface="Calibri" panose="020F0502020204030204" pitchFamily="34" charset="0"/>
                         </a:rPr>
-                        <a:t>P2</a:t>
+                        <a:t>2</a:t>
                       </a:r>
                     </a:p>
                   </a:txBody>
@@ -14118,7 +14409,7 @@
                           <a:effectLst/>
                           <a:latin typeface="Calibri" panose="020F0502020204030204" pitchFamily="34" charset="0"/>
                         </a:rPr>
-                        <a:t>R1</a:t>
+                        <a:t>3</a:t>
                       </a:r>
                     </a:p>
                   </a:txBody>
@@ -14158,7 +14449,7 @@
                           <a:effectLst/>
                           <a:latin typeface="Calibri" panose="020F0502020204030204" pitchFamily="34" charset="0"/>
                         </a:rPr>
-                        <a:t>1</a:t>
+                        <a:t>2</a:t>
                       </a:r>
                     </a:p>
                   </a:txBody>
@@ -14234,151 +14525,7 @@
                           <a:effectLst/>
                           <a:latin typeface="Calibri" panose="020F0502020204030204" pitchFamily="34" charset="0"/>
                         </a:rPr>
-                        <a:t>EEE_p4_50_50_sim2</a:t>
-                      </a:r>
-                    </a:p>
-                  </a:txBody>
-                  <a:tcPr marL="7620" marR="7620" marT="7620" marB="0" anchor="b"/>
-                </a:tc>
-                <a:tc>
-                  <a:txBody>
-                    <a:bodyPr/>
-                    <a:lstStyle/>
-                    <a:p>
-                      <a:pPr algn="l" fontAlgn="b"/>
-                      <a:endParaRPr lang="en-AU" sz="1400" b="0" i="0" u="none" strike="noStrike" dirty="0">
-                        <a:solidFill>
-                          <a:srgbClr val="000000"/>
-                        </a:solidFill>
-                        <a:effectLst/>
-                        <a:latin typeface="Calibri" panose="020F0502020204030204" pitchFamily="34" charset="0"/>
-                      </a:endParaRPr>
-                    </a:p>
-                  </a:txBody>
-                  <a:tcPr marL="7620" marR="7620" marT="7620" marB="0" anchor="b"/>
-                </a:tc>
-                <a:extLst>
-                  <a:ext uri="{0D108BD9-81ED-4DB2-BD59-A6C34878D82A}">
-                    <a16:rowId xmlns:a16="http://schemas.microsoft.com/office/drawing/2014/main" val="3775966952"/>
-                  </a:ext>
-                </a:extLst>
-              </a:tr>
-              <a:tr h="0">
-                <a:tc>
-                  <a:txBody>
-                    <a:bodyPr/>
-                    <a:lstStyle/>
-                    <a:p>
-                      <a:pPr algn="l" fontAlgn="b"/>
-                      <a:r>
-                        <a:rPr lang="en-AU" sz="1400" b="0" i="0" u="none" strike="noStrike" dirty="0">
-                          <a:solidFill>
-                            <a:srgbClr val="000000"/>
-                          </a:solidFill>
-                          <a:effectLst/>
-                          <a:latin typeface="Calibri" panose="020F0502020204030204" pitchFamily="34" charset="0"/>
-                        </a:rPr>
-                        <a:t>P2</a:t>
-                      </a:r>
-                    </a:p>
-                  </a:txBody>
-                  <a:tcPr marL="7620" marR="7620" marT="7620" marB="0" anchor="b"/>
-                </a:tc>
-                <a:tc>
-                  <a:txBody>
-                    <a:bodyPr/>
-                    <a:lstStyle/>
-                    <a:p>
-                      <a:pPr algn="l" fontAlgn="b"/>
-                      <a:r>
-                        <a:rPr lang="en-AU" sz="1400" b="0" i="0" u="none" strike="noStrike" dirty="0">
-                          <a:solidFill>
-                            <a:srgbClr val="000000"/>
-                          </a:solidFill>
-                          <a:effectLst/>
-                          <a:latin typeface="Calibri" panose="020F0502020204030204" pitchFamily="34" charset="0"/>
-                        </a:rPr>
-                        <a:t>R2</a:t>
-                      </a:r>
-                    </a:p>
-                  </a:txBody>
-                  <a:tcPr marL="7620" marR="7620" marT="7620" marB="0" anchor="b"/>
-                </a:tc>
-                <a:tc>
-                  <a:txBody>
-                    <a:bodyPr/>
-                    <a:lstStyle/>
-                    <a:p>
-                      <a:pPr algn="l" fontAlgn="b"/>
-                      <a:r>
-                        <a:rPr lang="en-AU" sz="1400" b="0" i="1" u="none" strike="noStrike" dirty="0">
-                          <a:solidFill>
-                            <a:srgbClr val="000000"/>
-                          </a:solidFill>
-                          <a:effectLst/>
-                          <a:latin typeface="Calibri" panose="020F0502020204030204" pitchFamily="34" charset="0"/>
-                        </a:rPr>
-                        <a:t>Radial</a:t>
-                      </a:r>
-                    </a:p>
-                  </a:txBody>
-                  <a:tcPr marL="7620" marR="7620" marT="7620" marB="0" anchor="b"/>
-                </a:tc>
-                <a:tc>
-                  <a:txBody>
-                    <a:bodyPr/>
-                    <a:lstStyle/>
-                    <a:p>
-                      <a:pPr algn="l" fontAlgn="b"/>
-                      <a:r>
-                        <a:rPr lang="en-AU" sz="1400" b="0" i="1" u="none" strike="noStrike" dirty="0">
-                          <a:solidFill>
-                            <a:srgbClr val="000000"/>
-                          </a:solidFill>
-                          <a:effectLst/>
-                          <a:latin typeface="Calibri" panose="020F0502020204030204" pitchFamily="34" charset="0"/>
-                        </a:rPr>
-                        <a:t>1</a:t>
-                      </a:r>
-                    </a:p>
-                  </a:txBody>
-                  <a:tcPr marL="7620" marR="7620" marT="7620" marB="0" anchor="b"/>
-                </a:tc>
-                <a:tc>
-                  <a:txBody>
-                    <a:bodyPr/>
-                    <a:lstStyle/>
-                    <a:p>
-                      <a:pPr algn="l" fontAlgn="b"/>
-                      <a:r>
-                        <a:rPr lang="en-AU" sz="1400" b="0" i="0" u="none" strike="noStrike" dirty="0">
-                          <a:solidFill>
-                            <a:srgbClr val="000000"/>
-                          </a:solidFill>
-                          <a:effectLst/>
-                          <a:latin typeface="Calibri" panose="020F0502020204030204" pitchFamily="34" charset="0"/>
-                        </a:rPr>
-                        <a:t>6v in (4cl)</a:t>
-                      </a:r>
-                    </a:p>
-                  </a:txBody>
-                  <a:tcPr marL="7620" marR="7620" marT="7620" marB="0" anchor="b"/>
-                </a:tc>
-                <a:tc>
-                  <a:txBody>
-                    <a:bodyPr/>
-                    <a:lstStyle/>
-                    <a:p>
-                      <a:pPr algn="l" fontAlgn="b"/>
-                      <a:r>
-                        <a:rPr lang="en-AU" sz="1400" b="0" i="1" u="none" strike="noStrike" dirty="0">
-                          <a:solidFill>
-                            <a:srgbClr val="000000"/>
-                          </a:solidFill>
-                          <a:effectLst/>
-                          <a:latin typeface="Calibri" panose="020F0502020204030204" pitchFamily="34" charset="0"/>
-                        </a:rPr>
-                        <a:t>1</a:t>
+                        <a:t>EEE_p4_50_50_rep2</a:t>
                       </a:r>
                     </a:p>
                   </a:txBody>
@@ -14414,11 +14561,198 @@
                           <a:effectLst/>
                           <a:latin typeface="Calibri" panose="020F0502020204030204" pitchFamily="34" charset="0"/>
                         </a:rPr>
-                        <a:t>banana_p6_50_50_sim2</a:t>
+                        <a:t>NA</a:t>
                       </a:r>
                     </a:p>
                   </a:txBody>
                   <a:tcPr marL="7620" marR="7620" marT="7620" marB="0" anchor="b"/>
+                </a:tc>
+                <a:extLst>
+                  <a:ext uri="{0D108BD9-81ED-4DB2-BD59-A6C34878D82A}">
+                    <a16:rowId xmlns:a16="http://schemas.microsoft.com/office/drawing/2014/main" val="3775966952"/>
+                  </a:ext>
+                </a:extLst>
+              </a:tr>
+              <a:tr h="0">
+                <a:tc>
+                  <a:txBody>
+                    <a:bodyPr/>
+                    <a:lstStyle/>
+                    <a:p>
+                      <a:pPr algn="l" fontAlgn="b"/>
+                      <a:r>
+                        <a:rPr lang="en-AU" sz="1400" b="0" i="0" u="none" strike="noStrike" dirty="0">
+                          <a:solidFill>
+                            <a:srgbClr val="000000"/>
+                          </a:solidFill>
+                          <a:effectLst/>
+                          <a:latin typeface="Calibri" panose="020F0502020204030204" pitchFamily="34" charset="0"/>
+                        </a:rPr>
+                        <a:t>2</a:t>
+                      </a:r>
+                    </a:p>
+                  </a:txBody>
+                  <a:tcPr marL="7620" marR="7620" marT="7620" marB="0" anchor="b">
+                    <a:lnB w="12700" cap="flat" cmpd="sng" algn="ctr">
+                      <a:solidFill>
+                        <a:schemeClr val="tx1"/>
+                      </a:solidFill>
+                      <a:prstDash val="solid"/>
+                      <a:round/>
+                      <a:headEnd type="none" w="med" len="med"/>
+                      <a:tailEnd type="none" w="med" len="med"/>
+                    </a:lnB>
+                  </a:tcPr>
+                </a:tc>
+                <a:tc>
+                  <a:txBody>
+                    <a:bodyPr/>
+                    <a:lstStyle/>
+                    <a:p>
+                      <a:pPr algn="l" fontAlgn="b"/>
+                      <a:r>
+                        <a:rPr lang="en-AU" sz="1400" b="0" i="0" u="none" strike="noStrike" dirty="0">
+                          <a:solidFill>
+                            <a:srgbClr val="000000"/>
+                          </a:solidFill>
+                          <a:effectLst/>
+                          <a:latin typeface="Calibri" panose="020F0502020204030204" pitchFamily="34" charset="0"/>
+                        </a:rPr>
+                        <a:t>4</a:t>
+                      </a:r>
+                    </a:p>
+                  </a:txBody>
+                  <a:tcPr marL="7620" marR="7620" marT="7620" marB="0" anchor="b">
+                    <a:lnB w="12700" cap="flat" cmpd="sng" algn="ctr">
+                      <a:solidFill>
+                        <a:schemeClr val="tx1"/>
+                      </a:solidFill>
+                      <a:prstDash val="solid"/>
+                      <a:round/>
+                      <a:headEnd type="none" w="med" len="med"/>
+                      <a:tailEnd type="none" w="med" len="med"/>
+                    </a:lnB>
+                  </a:tcPr>
+                </a:tc>
+                <a:tc>
+                  <a:txBody>
+                    <a:bodyPr/>
+                    <a:lstStyle/>
+                    <a:p>
+                      <a:pPr algn="l" fontAlgn="b"/>
+                      <a:r>
+                        <a:rPr lang="en-AU" sz="1400" b="0" i="1" u="none" strike="noStrike" dirty="0">
+                          <a:solidFill>
+                            <a:srgbClr val="000000"/>
+                          </a:solidFill>
+                          <a:effectLst/>
+                          <a:latin typeface="Calibri" panose="020F0502020204030204" pitchFamily="34" charset="0"/>
+                        </a:rPr>
+                        <a:t>Radial</a:t>
+                      </a:r>
+                    </a:p>
+                  </a:txBody>
+                  <a:tcPr marL="7620" marR="7620" marT="7620" marB="0" anchor="b">
+                    <a:lnB w="12700" cap="flat" cmpd="sng" algn="ctr">
+                      <a:solidFill>
+                        <a:schemeClr val="tx1"/>
+                      </a:solidFill>
+                      <a:prstDash val="solid"/>
+                      <a:round/>
+                      <a:headEnd type="none" w="med" len="med"/>
+                      <a:tailEnd type="none" w="med" len="med"/>
+                    </a:lnB>
+                  </a:tcPr>
+                </a:tc>
+                <a:tc>
+                  <a:txBody>
+                    <a:bodyPr/>
+                    <a:lstStyle/>
+                    <a:p>
+                      <a:pPr algn="l" fontAlgn="b"/>
+                      <a:r>
+                        <a:rPr lang="en-AU" sz="1400" b="0" i="1" u="none" strike="noStrike" dirty="0">
+                          <a:solidFill>
+                            <a:srgbClr val="000000"/>
+                          </a:solidFill>
+                          <a:effectLst/>
+                          <a:latin typeface="Calibri" panose="020F0502020204030204" pitchFamily="34" charset="0"/>
+                        </a:rPr>
+                        <a:t>2</a:t>
+                      </a:r>
+                    </a:p>
+                  </a:txBody>
+                  <a:tcPr marL="7620" marR="7620" marT="7620" marB="0" anchor="b">
+                    <a:lnB w="12700" cap="flat" cmpd="sng" algn="ctr">
+                      <a:solidFill>
+                        <a:schemeClr val="tx1"/>
+                      </a:solidFill>
+                      <a:prstDash val="solid"/>
+                      <a:round/>
+                      <a:headEnd type="none" w="med" len="med"/>
+                      <a:tailEnd type="none" w="med" len="med"/>
+                    </a:lnB>
+                  </a:tcPr>
+                </a:tc>
+                <a:tc>
+                  <a:txBody>
+                    <a:bodyPr/>
+                    <a:lstStyle/>
+                    <a:p>
+                      <a:pPr algn="l" fontAlgn="b"/>
+                      <a:r>
+                        <a:rPr lang="en-AU" sz="1400" b="0" i="0" u="none" strike="noStrike" dirty="0">
+                          <a:solidFill>
+                            <a:srgbClr val="000000"/>
+                          </a:solidFill>
+                          <a:effectLst/>
+                          <a:latin typeface="Calibri" panose="020F0502020204030204" pitchFamily="34" charset="0"/>
+                        </a:rPr>
+                        <a:t>6v in (4cl)</a:t>
+                      </a:r>
+                    </a:p>
+                  </a:txBody>
+                  <a:tcPr marL="7620" marR="7620" marT="7620" marB="0" anchor="b">
+                    <a:lnB w="12700" cap="flat" cmpd="sng" algn="ctr">
+                      <a:solidFill>
+                        <a:schemeClr val="tx1"/>
+                      </a:solidFill>
+                      <a:prstDash val="solid"/>
+                      <a:round/>
+                      <a:headEnd type="none" w="med" len="med"/>
+                      <a:tailEnd type="none" w="med" len="med"/>
+                    </a:lnB>
+                  </a:tcPr>
+                </a:tc>
+                <a:tc>
+                  <a:txBody>
+                    <a:bodyPr/>
+                    <a:lstStyle/>
+                    <a:p>
+                      <a:pPr algn="l" fontAlgn="b"/>
+                      <a:r>
+                        <a:rPr lang="en-AU" sz="1400" b="0" i="1" u="none" strike="noStrike" dirty="0">
+                          <a:solidFill>
+                            <a:srgbClr val="000000"/>
+                          </a:solidFill>
+                          <a:effectLst/>
+                          <a:latin typeface="Calibri" panose="020F0502020204030204" pitchFamily="34" charset="0"/>
+                        </a:rPr>
+                        <a:t>1</a:t>
+                      </a:r>
+                    </a:p>
+                  </a:txBody>
+                  <a:tcPr marL="7620" marR="7620" marT="7620" marB="0" anchor="b">
+                    <a:lnB w="12700" cap="flat" cmpd="sng" algn="ctr">
+                      <a:solidFill>
+                        <a:schemeClr val="tx1"/>
+                      </a:solidFill>
+                      <a:prstDash val="solid"/>
+                      <a:round/>
+                      <a:headEnd type="none" w="med" len="med"/>
+                      <a:tailEnd type="none" w="med" len="med"/>
+                    </a:lnB>
+                  </a:tcPr>
                 </a:tc>
                 <a:tc>
                   <a:txBody>
@@ -14442,237 +14776,28 @@
                         <a:tabLst/>
                         <a:defRPr/>
                       </a:pPr>
-                      <a:endParaRPr lang="en-AU" sz="1400" b="0" i="0" u="none" strike="noStrike" dirty="0">
-                        <a:solidFill>
-                          <a:srgbClr val="000000"/>
-                        </a:solidFill>
-                        <a:effectLst/>
-                        <a:latin typeface="Calibri" panose="020F0502020204030204" pitchFamily="34" charset="0"/>
-                      </a:endParaRPr>
-                    </a:p>
-                  </a:txBody>
-                  <a:tcPr marL="7620" marR="7620" marT="7620" marB="0" anchor="b"/>
-                </a:tc>
-                <a:extLst>
-                  <a:ext uri="{0D108BD9-81ED-4DB2-BD59-A6C34878D82A}">
-                    <a16:rowId xmlns:a16="http://schemas.microsoft.com/office/drawing/2014/main" val="2638294684"/>
-                  </a:ext>
-                </a:extLst>
-              </a:tr>
-              <a:tr h="0">
-                <a:tc>
-                  <a:txBody>
-                    <a:bodyPr/>
-                    <a:lstStyle/>
-                    <a:p>
-                      <a:pPr algn="l" fontAlgn="b"/>
-                      <a:r>
-                        <a:rPr lang="en-US" sz="1400" b="0" i="0" u="none" strike="noStrike" dirty="0">
+                      <a:r>
+                        <a:rPr lang="en-AU" sz="1400" b="0" i="0" u="none" strike="noStrike" dirty="0">
                           <a:solidFill>
                             <a:srgbClr val="000000"/>
                           </a:solidFill>
                           <a:effectLst/>
                           <a:latin typeface="Calibri" panose="020F0502020204030204" pitchFamily="34" charset="0"/>
                         </a:rPr>
-                        <a:t>Training</a:t>
+                        <a:t>banana_p6_50_50_rep2</a:t>
                       </a:r>
                     </a:p>
                   </a:txBody>
                   <a:tcPr marL="7620" marR="7620" marT="7620" marB="0" anchor="b">
-                    <a:solidFill>
-                      <a:schemeClr val="accent6">
-                        <a:lumMod val="40000"/>
-                        <a:lumOff val="60000"/>
-                      </a:schemeClr>
-                    </a:solidFill>
-                  </a:tcPr>
-                </a:tc>
-                <a:tc>
-                  <a:txBody>
-                    <a:bodyPr/>
-                    <a:lstStyle/>
-                    <a:p>
-                      <a:pPr algn="l" fontAlgn="b"/>
-                      <a:r>
-                        <a:rPr lang="en-US" sz="1400" b="0" i="0" u="none" strike="noStrike" dirty="0">
-                          <a:solidFill>
-                            <a:srgbClr val="000000"/>
-                          </a:solidFill>
-                          <a:effectLst/>
-                          <a:latin typeface="Calibri" panose="020F0502020204030204" pitchFamily="34" charset="0"/>
-                        </a:rPr>
-                        <a:t>R3</a:t>
-                      </a:r>
-                      <a:endParaRPr lang="en-AU" sz="1400" b="0" i="0" u="none" strike="noStrike" dirty="0">
-                        <a:solidFill>
-                          <a:srgbClr val="000000"/>
-                        </a:solidFill>
-                        <a:effectLst/>
-                        <a:latin typeface="Calibri" panose="020F0502020204030204" pitchFamily="34" charset="0"/>
-                      </a:endParaRPr>
-                    </a:p>
-                  </a:txBody>
-                  <a:tcPr marL="7620" marR="7620" marT="7620" marB="0" anchor="b">
-                    <a:solidFill>
-                      <a:schemeClr val="accent6">
-                        <a:lumMod val="40000"/>
-                        <a:lumOff val="60000"/>
-                      </a:schemeClr>
-                    </a:solidFill>
-                  </a:tcPr>
-                </a:tc>
-                <a:tc>
-                  <a:txBody>
-                    <a:bodyPr/>
-                    <a:lstStyle/>
-                    <a:p>
-                      <a:pPr algn="l" fontAlgn="b"/>
-                      <a:r>
-                        <a:rPr lang="en-US" sz="1400" b="0" i="1" u="none" strike="noStrike" dirty="0">
-                          <a:solidFill>
-                            <a:srgbClr val="000000"/>
-                          </a:solidFill>
-                          <a:effectLst/>
-                          <a:latin typeface="Calibri" panose="020F0502020204030204" pitchFamily="34" charset="0"/>
-                        </a:rPr>
-                        <a:t>PCA</a:t>
-                      </a:r>
-                      <a:endParaRPr lang="en-AU" sz="1400" b="0" i="1" u="none" strike="noStrike" dirty="0">
-                        <a:solidFill>
-                          <a:srgbClr val="000000"/>
-                        </a:solidFill>
-                        <a:effectLst/>
-                        <a:latin typeface="Calibri" panose="020F0502020204030204" pitchFamily="34" charset="0"/>
-                      </a:endParaRPr>
-                    </a:p>
-                  </a:txBody>
-                  <a:tcPr marL="7620" marR="7620" marT="7620" marB="0" anchor="b">
-                    <a:solidFill>
-                      <a:schemeClr val="accent6">
-                        <a:lumMod val="40000"/>
-                        <a:lumOff val="60000"/>
-                      </a:schemeClr>
-                    </a:solidFill>
-                  </a:tcPr>
-                </a:tc>
-                <a:tc>
-                  <a:txBody>
-                    <a:bodyPr/>
-                    <a:lstStyle/>
-                    <a:p>
-                      <a:pPr algn="l" fontAlgn="b"/>
-                      <a:r>
-                        <a:rPr lang="en-AU" sz="1400" u="none" strike="noStrike" dirty="0">
-                          <a:effectLst/>
-                        </a:rPr>
-                        <a:t>EEE</a:t>
-                      </a:r>
-                      <a:endParaRPr lang="en-AU" sz="1400" b="0" i="1" u="none" strike="noStrike" dirty="0">
-                        <a:solidFill>
-                          <a:srgbClr val="000000"/>
-                        </a:solidFill>
-                        <a:effectLst/>
-                        <a:latin typeface="Calibri" panose="020F0502020204030204" pitchFamily="34" charset="0"/>
-                      </a:endParaRPr>
-                    </a:p>
-                  </a:txBody>
-                  <a:tcPr marL="7620" marR="7620" marT="7620" marB="0" anchor="b">
-                    <a:solidFill>
-                      <a:schemeClr val="accent6">
-                        <a:lumMod val="40000"/>
-                        <a:lumOff val="60000"/>
-                      </a:schemeClr>
-                    </a:solidFill>
-                  </a:tcPr>
-                </a:tc>
-                <a:tc>
-                  <a:txBody>
-                    <a:bodyPr/>
-                    <a:lstStyle/>
-                    <a:p>
-                      <a:pPr algn="l" fontAlgn="b"/>
-                      <a:r>
-                        <a:rPr lang="en-AU" sz="1400" u="none" strike="noStrike" dirty="0">
-                          <a:effectLst/>
-                        </a:rPr>
-                        <a:t>4v (3cl)</a:t>
-                      </a:r>
-                      <a:endParaRPr lang="en-AU" sz="1400" b="0" i="0" u="none" strike="noStrike" dirty="0">
-                        <a:solidFill>
-                          <a:srgbClr val="000000"/>
-                        </a:solidFill>
-                        <a:effectLst/>
-                        <a:latin typeface="Calibri" panose="020F0502020204030204" pitchFamily="34" charset="0"/>
-                      </a:endParaRPr>
-                    </a:p>
-                  </a:txBody>
-                  <a:tcPr marL="7620" marR="7620" marT="7620" marB="0" anchor="b">
-                    <a:solidFill>
-                      <a:schemeClr val="accent6">
-                        <a:lumMod val="40000"/>
-                        <a:lumOff val="60000"/>
-                      </a:schemeClr>
-                    </a:solidFill>
-                  </a:tcPr>
-                </a:tc>
-                <a:tc>
-                  <a:txBody>
-                    <a:bodyPr/>
-                    <a:lstStyle/>
-                    <a:p>
-                      <a:pPr algn="l" fontAlgn="b"/>
-                      <a:r>
-                        <a:rPr lang="en-AU" sz="1400" u="none" strike="noStrike" dirty="0">
-                          <a:effectLst/>
-                        </a:rPr>
-                        <a:t>1_0</a:t>
-                      </a:r>
-                      <a:endParaRPr lang="en-AU" sz="1400" b="0" i="1" u="none" strike="noStrike" dirty="0">
-                        <a:solidFill>
-                          <a:srgbClr val="000000"/>
-                        </a:solidFill>
-                        <a:effectLst/>
-                        <a:latin typeface="Calibri" panose="020F0502020204030204" pitchFamily="34" charset="0"/>
-                      </a:endParaRPr>
-                    </a:p>
-                  </a:txBody>
-                  <a:tcPr marL="7620" marR="7620" marT="7620" marB="0" anchor="b">
-                    <a:solidFill>
-                      <a:schemeClr val="accent6">
-                        <a:lumMod val="40000"/>
-                        <a:lumOff val="60000"/>
-                      </a:schemeClr>
-                    </a:solidFill>
-                  </a:tcPr>
-                </a:tc>
-                <a:tc>
-                  <a:txBody>
-                    <a:bodyPr/>
-                    <a:lstStyle/>
-                    <a:p>
-                      <a:pPr algn="l" fontAlgn="b"/>
-                      <a:r>
-                        <a:rPr lang="en-AU" sz="1400" u="none" strike="noStrike" dirty="0">
-                          <a:effectLst/>
-                        </a:rPr>
-                        <a:t>EEE_p4_0_1_t3</a:t>
-                      </a:r>
-                      <a:endParaRPr lang="en-AU" sz="1400" b="0" i="0" u="none" strike="noStrike" dirty="0">
-                        <a:solidFill>
-                          <a:srgbClr val="000000"/>
-                        </a:solidFill>
-                        <a:effectLst/>
-                        <a:latin typeface="Calibri" panose="020F0502020204030204" pitchFamily="34" charset="0"/>
-                      </a:endParaRPr>
-                    </a:p>
-                  </a:txBody>
-                  <a:tcPr marL="7620" marR="7620" marT="7620" marB="0" anchor="b">
-                    <a:solidFill>
-                      <a:schemeClr val="accent6">
-                        <a:lumMod val="40000"/>
-                        <a:lumOff val="60000"/>
-                      </a:schemeClr>
-                    </a:solidFill>
+                    <a:lnB w="12700" cap="flat" cmpd="sng" algn="ctr">
+                      <a:solidFill>
+                        <a:schemeClr val="tx1"/>
+                      </a:solidFill>
+                      <a:prstDash val="solid"/>
+                      <a:round/>
+                      <a:headEnd type="none" w="med" len="med"/>
+                      <a:tailEnd type="none" w="med" len="med"/>
+                    </a:lnB>
                   </a:tcPr>
                 </a:tc>
                 <a:tc>
@@ -14697,6 +14822,203 @@
                         <a:tabLst/>
                         <a:defRPr/>
                       </a:pPr>
+                      <a:r>
+                        <a:rPr lang="en-AU" sz="1400" b="0" i="0" u="none" strike="noStrike" dirty="0">
+                          <a:solidFill>
+                            <a:srgbClr val="000000"/>
+                          </a:solidFill>
+                          <a:effectLst/>
+                          <a:latin typeface="Calibri" panose="020F0502020204030204" pitchFamily="34" charset="0"/>
+                        </a:rPr>
+                        <a:t>NA</a:t>
+                      </a:r>
+                    </a:p>
+                  </a:txBody>
+                  <a:tcPr marL="7620" marR="7620" marT="7620" marB="0" anchor="b">
+                    <a:lnB w="12700" cap="flat" cmpd="sng" algn="ctr">
+                      <a:solidFill>
+                        <a:schemeClr val="tx1"/>
+                      </a:solidFill>
+                      <a:prstDash val="solid"/>
+                      <a:round/>
+                      <a:headEnd type="none" w="med" len="med"/>
+                      <a:tailEnd type="none" w="med" len="med"/>
+                    </a:lnB>
+                  </a:tcPr>
+                </a:tc>
+                <a:extLst>
+                  <a:ext uri="{0D108BD9-81ED-4DB2-BD59-A6C34878D82A}">
+                    <a16:rowId xmlns:a16="http://schemas.microsoft.com/office/drawing/2014/main" val="2638294684"/>
+                  </a:ext>
+                </a:extLst>
+              </a:tr>
+              <a:tr h="0">
+                <a:tc>
+                  <a:txBody>
+                    <a:bodyPr/>
+                    <a:lstStyle/>
+                    <a:p>
+                      <a:pPr algn="l" fontAlgn="b"/>
+                      <a:r>
+                        <a:rPr lang="en-US" sz="1400" b="0" i="0" u="none" strike="noStrike" dirty="0">
+                          <a:solidFill>
+                            <a:srgbClr val="000000"/>
+                          </a:solidFill>
+                          <a:effectLst/>
+                          <a:latin typeface="Calibri" panose="020F0502020204030204" pitchFamily="34" charset="0"/>
+                        </a:rPr>
+                        <a:t>3</a:t>
+                      </a:r>
+                    </a:p>
+                  </a:txBody>
+                  <a:tcPr marL="7620" marR="7620" marT="7620" marB="0" anchor="b">
+                    <a:lnT w="12700" cap="flat" cmpd="sng" algn="ctr">
+                      <a:solidFill>
+                        <a:schemeClr val="tx1"/>
+                      </a:solidFill>
+                      <a:prstDash val="solid"/>
+                      <a:round/>
+                      <a:headEnd type="none" w="med" len="med"/>
+                      <a:tailEnd type="none" w="med" len="med"/>
+                    </a:lnT>
+                    <a:solidFill>
+                      <a:schemeClr val="accent6">
+                        <a:lumMod val="40000"/>
+                        <a:lumOff val="60000"/>
+                      </a:schemeClr>
+                    </a:solidFill>
+                  </a:tcPr>
+                </a:tc>
+                <a:tc>
+                  <a:txBody>
+                    <a:bodyPr/>
+                    <a:lstStyle/>
+                    <a:p>
+                      <a:pPr algn="l" fontAlgn="b"/>
+                      <a:r>
+                        <a:rPr lang="en-AU" sz="1400" b="0" i="0" u="none" strike="noStrike" dirty="0">
+                          <a:solidFill>
+                            <a:srgbClr val="000000"/>
+                          </a:solidFill>
+                          <a:effectLst/>
+                          <a:latin typeface="Calibri" panose="020F0502020204030204" pitchFamily="34" charset="0"/>
+                        </a:rPr>
+                        <a:t>Training</a:t>
+                      </a:r>
+                    </a:p>
+                  </a:txBody>
+                  <a:tcPr marL="7620" marR="7620" marT="7620" marB="0" anchor="b">
+                    <a:lnT w="12700" cap="flat" cmpd="sng" algn="ctr">
+                      <a:solidFill>
+                        <a:schemeClr val="tx1"/>
+                      </a:solidFill>
+                      <a:prstDash val="solid"/>
+                      <a:round/>
+                      <a:headEnd type="none" w="med" len="med"/>
+                      <a:tailEnd type="none" w="med" len="med"/>
+                    </a:lnT>
+                    <a:solidFill>
+                      <a:schemeClr val="accent6">
+                        <a:lumMod val="40000"/>
+                        <a:lumOff val="60000"/>
+                      </a:schemeClr>
+                    </a:solidFill>
+                  </a:tcPr>
+                </a:tc>
+                <a:tc>
+                  <a:txBody>
+                    <a:bodyPr/>
+                    <a:lstStyle/>
+                    <a:p>
+                      <a:pPr algn="l" fontAlgn="b"/>
+                      <a:r>
+                        <a:rPr lang="en-US" sz="1400" b="0" i="1" u="none" strike="noStrike" dirty="0">
+                          <a:solidFill>
+                            <a:srgbClr val="000000"/>
+                          </a:solidFill>
+                          <a:effectLst/>
+                          <a:latin typeface="Calibri" panose="020F0502020204030204" pitchFamily="34" charset="0"/>
+                        </a:rPr>
+                        <a:t>PCA</a:t>
+                      </a:r>
+                      <a:endParaRPr lang="en-AU" sz="1400" b="0" i="1" u="none" strike="noStrike" dirty="0">
+                        <a:solidFill>
+                          <a:srgbClr val="000000"/>
+                        </a:solidFill>
+                        <a:effectLst/>
+                        <a:latin typeface="Calibri" panose="020F0502020204030204" pitchFamily="34" charset="0"/>
+                      </a:endParaRPr>
+                    </a:p>
+                  </a:txBody>
+                  <a:tcPr marL="7620" marR="7620" marT="7620" marB="0" anchor="b">
+                    <a:lnT w="12700" cap="flat" cmpd="sng" algn="ctr">
+                      <a:solidFill>
+                        <a:schemeClr val="tx1"/>
+                      </a:solidFill>
+                      <a:prstDash val="solid"/>
+                      <a:round/>
+                      <a:headEnd type="none" w="med" len="med"/>
+                      <a:tailEnd type="none" w="med" len="med"/>
+                    </a:lnT>
+                    <a:solidFill>
+                      <a:schemeClr val="accent6">
+                        <a:lumMod val="40000"/>
+                        <a:lumOff val="60000"/>
+                      </a:schemeClr>
+                    </a:solidFill>
+                  </a:tcPr>
+                </a:tc>
+                <a:tc>
+                  <a:txBody>
+                    <a:bodyPr/>
+                    <a:lstStyle/>
+                    <a:p>
+                      <a:pPr algn="l" fontAlgn="b"/>
+                      <a:r>
+                        <a:rPr lang="en-AU" sz="1400" u="none" strike="noStrike" dirty="0">
+                          <a:effectLst/>
+                        </a:rPr>
+                        <a:t>EEE</a:t>
+                      </a:r>
+                      <a:endParaRPr lang="en-AU" sz="1400" b="0" i="1" u="none" strike="noStrike" dirty="0">
+                        <a:solidFill>
+                          <a:srgbClr val="000000"/>
+                        </a:solidFill>
+                        <a:effectLst/>
+                        <a:latin typeface="Calibri" panose="020F0502020204030204" pitchFamily="34" charset="0"/>
+                      </a:endParaRPr>
+                    </a:p>
+                  </a:txBody>
+                  <a:tcPr marL="7620" marR="7620" marT="7620" marB="0" anchor="b">
+                    <a:lnT w="12700" cap="flat" cmpd="sng" algn="ctr">
+                      <a:solidFill>
+                        <a:schemeClr val="tx1"/>
+                      </a:solidFill>
+                      <a:prstDash val="solid"/>
+                      <a:round/>
+                      <a:headEnd type="none" w="med" len="med"/>
+                      <a:tailEnd type="none" w="med" len="med"/>
+                    </a:lnT>
+                    <a:solidFill>
+                      <a:schemeClr val="accent6">
+                        <a:lumMod val="40000"/>
+                        <a:lumOff val="60000"/>
+                      </a:schemeClr>
+                    </a:solidFill>
+                  </a:tcPr>
+                </a:tc>
+                <a:tc>
+                  <a:txBody>
+                    <a:bodyPr/>
+                    <a:lstStyle/>
+                    <a:p>
+                      <a:pPr algn="l" fontAlgn="b"/>
+                      <a:r>
+                        <a:rPr lang="en-AU" sz="1400" u="none" strike="noStrike" dirty="0">
+                          <a:effectLst/>
+                        </a:rPr>
+                        <a:t>4v (3cl)</a:t>
+                      </a:r>
                       <a:endParaRPr lang="en-AU" sz="1400" b="0" i="0" u="none" strike="noStrike" dirty="0">
                         <a:solidFill>
                           <a:srgbClr val="000000"/>
@@ -14707,6 +15029,15 @@
                     </a:p>
                   </a:txBody>
                   <a:tcPr marL="7620" marR="7620" marT="7620" marB="0" anchor="b">
+                    <a:lnT w="12700" cap="flat" cmpd="sng" algn="ctr">
+                      <a:solidFill>
+                        <a:schemeClr val="tx1"/>
+                      </a:solidFill>
+                      <a:prstDash val="solid"/>
+                      <a:round/>
+                      <a:headEnd type="none" w="med" len="med"/>
+                      <a:tailEnd type="none" w="med" len="med"/>
+                    </a:lnT>
                     <a:solidFill>
                       <a:schemeClr val="accent6">
                         <a:lumMod val="40000"/>
@@ -14715,13 +15046,6 @@
                     </a:solidFill>
                   </a:tcPr>
                 </a:tc>
-                <a:extLst>
-                  <a:ext uri="{0D108BD9-81ED-4DB2-BD59-A6C34878D82A}">
-                    <a16:rowId xmlns:a16="http://schemas.microsoft.com/office/drawing/2014/main" val="253705706"/>
-                  </a:ext>
-                </a:extLst>
-              </a:tr>
-              <a:tr h="0">
                 <a:tc>
                   <a:txBody>
                     <a:bodyPr/>
@@ -14729,18 +15053,37 @@
                     <a:p>
                       <a:pPr algn="l" fontAlgn="b"/>
                       <a:r>
-                        <a:rPr lang="en-AU" sz="1400" b="0" i="0" u="none" strike="noStrike" dirty="0">
-                          <a:solidFill>
-                            <a:srgbClr val="000000"/>
-                          </a:solidFill>
+                        <a:rPr lang="en-AU" sz="1400" u="none" strike="noStrike" dirty="0">
                           <a:effectLst/>
-                          <a:latin typeface="Calibri" panose="020F0502020204030204" pitchFamily="34" charset="0"/>
                         </a:rPr>
-                        <a:t>P3</a:t>
-                      </a:r>
-                    </a:p>
-                  </a:txBody>
-                  <a:tcPr marL="7620" marR="7620" marT="7620" marB="0" anchor="b"/>
+                        <a:t>1_0</a:t>
+                      </a:r>
+                      <a:endParaRPr lang="en-AU" sz="1400" b="0" i="1" u="none" strike="noStrike" dirty="0">
+                        <a:solidFill>
+                          <a:srgbClr val="000000"/>
+                        </a:solidFill>
+                        <a:effectLst/>
+                        <a:latin typeface="Calibri" panose="020F0502020204030204" pitchFamily="34" charset="0"/>
+                      </a:endParaRPr>
+                    </a:p>
+                  </a:txBody>
+                  <a:tcPr marL="7620" marR="7620" marT="7620" marB="0" anchor="b">
+                    <a:lnT w="12700" cap="flat" cmpd="sng" algn="ctr">
+                      <a:solidFill>
+                        <a:schemeClr val="tx1"/>
+                      </a:solidFill>
+                      <a:prstDash val="solid"/>
+                      <a:round/>
+                      <a:headEnd type="none" w="med" len="med"/>
+                      <a:tailEnd type="none" w="med" len="med"/>
+                    </a:lnT>
+                    <a:solidFill>
+                      <a:schemeClr val="accent6">
+                        <a:lumMod val="40000"/>
+                        <a:lumOff val="60000"/>
+                      </a:schemeClr>
+                    </a:solidFill>
+                  </a:tcPr>
                 </a:tc>
                 <a:tc>
                   <a:txBody>
@@ -14749,98 +15092,37 @@
                     <a:p>
                       <a:pPr algn="l" fontAlgn="b"/>
                       <a:r>
-                        <a:rPr lang="en-AU" sz="1400" b="0" i="0" u="none" strike="noStrike" dirty="0">
-                          <a:solidFill>
-                            <a:srgbClr val="000000"/>
-                          </a:solidFill>
+                        <a:rPr lang="en-AU" sz="1400" u="none" strike="noStrike" dirty="0">
                           <a:effectLst/>
-                          <a:latin typeface="Calibri" panose="020F0502020204030204" pitchFamily="34" charset="0"/>
                         </a:rPr>
-                        <a:t>R1</a:t>
-                      </a:r>
-                    </a:p>
-                  </a:txBody>
-                  <a:tcPr marL="7620" marR="7620" marT="7620" marB="0" anchor="b"/>
-                </a:tc>
-                <a:tc>
-                  <a:txBody>
-                    <a:bodyPr/>
-                    <a:lstStyle/>
-                    <a:p>
-                      <a:pPr algn="l" fontAlgn="b"/>
-                      <a:r>
-                        <a:rPr lang="en-AU" sz="1400" b="0" i="1" u="none" strike="noStrike" dirty="0">
-                          <a:solidFill>
-                            <a:srgbClr val="000000"/>
-                          </a:solidFill>
-                          <a:effectLst/>
-                          <a:latin typeface="Calibri" panose="020F0502020204030204" pitchFamily="34" charset="0"/>
-                        </a:rPr>
-                        <a:t>PCA</a:t>
-                      </a:r>
-                    </a:p>
-                  </a:txBody>
-                  <a:tcPr marL="7620" marR="7620" marT="7620" marB="0" anchor="b"/>
-                </a:tc>
-                <a:tc>
-                  <a:txBody>
-                    <a:bodyPr/>
-                    <a:lstStyle/>
-                    <a:p>
-                      <a:pPr algn="l" fontAlgn="b"/>
-                      <a:r>
-                        <a:rPr lang="en-AU" sz="1400" b="0" i="1" u="none" strike="noStrike" dirty="0">
-                          <a:solidFill>
-                            <a:srgbClr val="000000"/>
-                          </a:solidFill>
-                          <a:effectLst/>
-                          <a:latin typeface="Calibri" panose="020F0502020204030204" pitchFamily="34" charset="0"/>
-                        </a:rPr>
-                        <a:t>1</a:t>
-                      </a:r>
-                    </a:p>
-                  </a:txBody>
-                  <a:tcPr marL="7620" marR="7620" marT="7620" marB="0" anchor="b"/>
-                </a:tc>
-                <a:tc>
-                  <a:txBody>
-                    <a:bodyPr/>
-                    <a:lstStyle/>
-                    <a:p>
-                      <a:pPr algn="l" fontAlgn="b"/>
-                      <a:r>
-                        <a:rPr lang="en-AU" sz="1400" b="0" i="0" u="none" strike="noStrike" dirty="0">
-                          <a:solidFill>
-                            <a:srgbClr val="000000"/>
-                          </a:solidFill>
-                          <a:effectLst/>
-                          <a:latin typeface="Calibri" panose="020F0502020204030204" pitchFamily="34" charset="0"/>
-                        </a:rPr>
-                        <a:t>4v (3cl)</a:t>
-                      </a:r>
-                    </a:p>
-                  </a:txBody>
-                  <a:tcPr marL="7620" marR="7620" marT="7620" marB="0" anchor="b"/>
-                </a:tc>
-                <a:tc>
-                  <a:txBody>
-                    <a:bodyPr/>
-                    <a:lstStyle/>
-                    <a:p>
-                      <a:pPr algn="l" fontAlgn="b"/>
-                      <a:r>
-                        <a:rPr lang="en-AU" sz="1400" b="0" i="1" u="none" strike="noStrike" dirty="0">
-                          <a:solidFill>
-                            <a:srgbClr val="000000"/>
-                          </a:solidFill>
-                          <a:effectLst/>
-                          <a:latin typeface="Calibri" panose="020F0502020204030204" pitchFamily="34" charset="0"/>
-                        </a:rPr>
-                        <a:t>2</a:t>
-                      </a:r>
-                    </a:p>
-                  </a:txBody>
-                  <a:tcPr marL="7620" marR="7620" marT="7620" marB="0" anchor="b"/>
+                        <a:t>EEE_p4_0_1_t3</a:t>
+                      </a:r>
+                      <a:endParaRPr lang="en-AU" sz="1400" b="0" i="0" u="none" strike="noStrike" dirty="0">
+                        <a:solidFill>
+                          <a:srgbClr val="000000"/>
+                        </a:solidFill>
+                        <a:effectLst/>
+                        <a:latin typeface="Calibri" panose="020F0502020204030204" pitchFamily="34" charset="0"/>
+                      </a:endParaRPr>
+                    </a:p>
+                  </a:txBody>
+                  <a:tcPr marL="7620" marR="7620" marT="7620" marB="0" anchor="b">
+                    <a:lnT w="12700" cap="flat" cmpd="sng" algn="ctr">
+                      <a:solidFill>
+                        <a:schemeClr val="tx1"/>
+                      </a:solidFill>
+                      <a:prstDash val="solid"/>
+                      <a:round/>
+                      <a:headEnd type="none" w="med" len="med"/>
+                      <a:tailEnd type="none" w="med" len="med"/>
+                    </a:lnT>
+                    <a:solidFill>
+                      <a:schemeClr val="accent6">
+                        <a:lumMod val="40000"/>
+                        <a:lumOff val="60000"/>
+                      </a:schemeClr>
+                    </a:solidFill>
+                  </a:tcPr>
                 </a:tc>
                 <a:tc>
                   <a:txBody>
@@ -14872,32 +15154,31 @@
                           <a:effectLst/>
                           <a:latin typeface="Calibri" panose="020F0502020204030204" pitchFamily="34" charset="0"/>
                         </a:rPr>
-                        <a:t>EEE_p4_50_50_sim3</a:t>
-                      </a:r>
-                    </a:p>
-                  </a:txBody>
-                  <a:tcPr marL="7620" marR="7620" marT="7620" marB="0" anchor="b"/>
-                </a:tc>
-                <a:tc>
-                  <a:txBody>
-                    <a:bodyPr/>
-                    <a:lstStyle/>
-                    <a:p>
-                      <a:pPr algn="l" fontAlgn="b"/>
-                      <a:endParaRPr lang="en-AU" sz="1400" b="0" i="0" u="none" strike="noStrike" dirty="0">
-                        <a:solidFill>
-                          <a:srgbClr val="000000"/>
-                        </a:solidFill>
-                        <a:effectLst/>
-                        <a:latin typeface="Calibri" panose="020F0502020204030204" pitchFamily="34" charset="0"/>
-                      </a:endParaRPr>
-                    </a:p>
-                  </a:txBody>
-                  <a:tcPr marL="7620" marR="7620" marT="7620" marB="0" anchor="b"/>
+                        <a:t>NA</a:t>
+                      </a:r>
+                    </a:p>
+                  </a:txBody>
+                  <a:tcPr marL="7620" marR="7620" marT="7620" marB="0" anchor="b">
+                    <a:lnT w="12700" cap="flat" cmpd="sng" algn="ctr">
+                      <a:solidFill>
+                        <a:schemeClr val="tx1"/>
+                      </a:solidFill>
+                      <a:prstDash val="solid"/>
+                      <a:round/>
+                      <a:headEnd type="none" w="med" len="med"/>
+                      <a:tailEnd type="none" w="med" len="med"/>
+                    </a:lnT>
+                    <a:solidFill>
+                      <a:schemeClr val="accent6">
+                        <a:lumMod val="40000"/>
+                        <a:lumOff val="60000"/>
+                      </a:schemeClr>
+                    </a:solidFill>
+                  </a:tcPr>
                 </a:tc>
                 <a:extLst>
                   <a:ext uri="{0D108BD9-81ED-4DB2-BD59-A6C34878D82A}">
-                    <a16:rowId xmlns:a16="http://schemas.microsoft.com/office/drawing/2014/main" val="2814426595"/>
+                    <a16:rowId xmlns:a16="http://schemas.microsoft.com/office/drawing/2014/main" val="253705706"/>
                   </a:ext>
                 </a:extLst>
               </a:tr>
@@ -14916,7 +15197,7 @@
                           <a:effectLst/>
                           <a:latin typeface="Calibri" panose="020F0502020204030204" pitchFamily="34" charset="0"/>
                         </a:rPr>
-                        <a:t>p3</a:t>
+                        <a:t>3</a:t>
                       </a:r>
                     </a:p>
                   </a:txBody>
@@ -14936,7 +15217,7 @@
                           <a:effectLst/>
                           <a:latin typeface="Calibri" panose="020F0502020204030204" pitchFamily="34" charset="0"/>
                         </a:rPr>
-                        <a:t>R2</a:t>
+                        <a:t>5</a:t>
                       </a:r>
                     </a:p>
                   </a:txBody>
@@ -14976,7 +15257,7 @@
                           <a:effectLst/>
                           <a:latin typeface="Calibri" panose="020F0502020204030204" pitchFamily="34" charset="0"/>
                         </a:rPr>
-                        <a:t>1</a:t>
+                        <a:t>3</a:t>
                       </a:r>
                     </a:p>
                   </a:txBody>
@@ -14996,7 +15277,7 @@
                           <a:effectLst/>
                           <a:latin typeface="Calibri" panose="020F0502020204030204" pitchFamily="34" charset="0"/>
                         </a:rPr>
-                        <a:t>6v in (4cl)</a:t>
+                        <a:t>4v (3cl)</a:t>
                       </a:r>
                     </a:p>
                   </a:txBody>
@@ -15016,7 +15297,7 @@
                           <a:effectLst/>
                           <a:latin typeface="Calibri" panose="020F0502020204030204" pitchFamily="34" charset="0"/>
                         </a:rPr>
-                        <a:t>3</a:t>
+                        <a:t>2</a:t>
                       </a:r>
                     </a:p>
                   </a:txBody>
@@ -15052,7 +15333,7 @@
                           <a:effectLst/>
                           <a:latin typeface="Calibri" panose="020F0502020204030204" pitchFamily="34" charset="0"/>
                         </a:rPr>
-                        <a:t>banana_p6_50_50_sim3</a:t>
+                        <a:t>EEE_p4_50_50_rep3</a:t>
                       </a:r>
                     </a:p>
                   </a:txBody>
@@ -15080,13 +15361,215 @@
                         <a:tabLst/>
                         <a:defRPr/>
                       </a:pPr>
-                      <a:endParaRPr lang="en-AU" sz="1400" b="0" i="0" u="none" strike="noStrike" dirty="0">
-                        <a:solidFill>
-                          <a:srgbClr val="000000"/>
-                        </a:solidFill>
-                        <a:effectLst/>
-                        <a:latin typeface="Calibri" panose="020F0502020204030204" pitchFamily="34" charset="0"/>
-                      </a:endParaRPr>
+                      <a:r>
+                        <a:rPr lang="en-AU" sz="1400" b="0" i="0" u="none" strike="noStrike" dirty="0">
+                          <a:solidFill>
+                            <a:srgbClr val="000000"/>
+                          </a:solidFill>
+                          <a:effectLst/>
+                          <a:latin typeface="Calibri" panose="020F0502020204030204" pitchFamily="34" charset="0"/>
+                        </a:rPr>
+                        <a:t>NA</a:t>
+                      </a:r>
+                    </a:p>
+                  </a:txBody>
+                  <a:tcPr marL="7620" marR="7620" marT="7620" marB="0" anchor="b"/>
+                </a:tc>
+                <a:extLst>
+                  <a:ext uri="{0D108BD9-81ED-4DB2-BD59-A6C34878D82A}">
+                    <a16:rowId xmlns:a16="http://schemas.microsoft.com/office/drawing/2014/main" val="2814426595"/>
+                  </a:ext>
+                </a:extLst>
+              </a:tr>
+              <a:tr h="0">
+                <a:tc>
+                  <a:txBody>
+                    <a:bodyPr/>
+                    <a:lstStyle/>
+                    <a:p>
+                      <a:pPr algn="l" fontAlgn="b"/>
+                      <a:r>
+                        <a:rPr lang="en-AU" sz="1400" b="0" i="0" u="none" strike="noStrike" dirty="0">
+                          <a:solidFill>
+                            <a:srgbClr val="000000"/>
+                          </a:solidFill>
+                          <a:effectLst/>
+                          <a:latin typeface="Calibri" panose="020F0502020204030204" pitchFamily="34" charset="0"/>
+                        </a:rPr>
+                        <a:t>3</a:t>
+                      </a:r>
+                    </a:p>
+                  </a:txBody>
+                  <a:tcPr marL="7620" marR="7620" marT="7620" marB="0" anchor="b"/>
+                </a:tc>
+                <a:tc>
+                  <a:txBody>
+                    <a:bodyPr/>
+                    <a:lstStyle/>
+                    <a:p>
+                      <a:pPr algn="l" fontAlgn="b"/>
+                      <a:r>
+                        <a:rPr lang="en-AU" sz="1400" b="0" i="0" u="none" strike="noStrike" dirty="0">
+                          <a:solidFill>
+                            <a:srgbClr val="000000"/>
+                          </a:solidFill>
+                          <a:effectLst/>
+                          <a:latin typeface="Calibri" panose="020F0502020204030204" pitchFamily="34" charset="0"/>
+                        </a:rPr>
+                        <a:t>6</a:t>
+                      </a:r>
+                    </a:p>
+                  </a:txBody>
+                  <a:tcPr marL="7620" marR="7620" marT="7620" marB="0" anchor="b"/>
+                </a:tc>
+                <a:tc>
+                  <a:txBody>
+                    <a:bodyPr/>
+                    <a:lstStyle/>
+                    <a:p>
+                      <a:pPr algn="l" fontAlgn="b"/>
+                      <a:r>
+                        <a:rPr lang="en-AU" sz="1400" b="0" i="1" u="none" strike="noStrike" dirty="0">
+                          <a:solidFill>
+                            <a:srgbClr val="000000"/>
+                          </a:solidFill>
+                          <a:effectLst/>
+                          <a:latin typeface="Calibri" panose="020F0502020204030204" pitchFamily="34" charset="0"/>
+                        </a:rPr>
+                        <a:t>PCA</a:t>
+                      </a:r>
+                    </a:p>
+                  </a:txBody>
+                  <a:tcPr marL="7620" marR="7620" marT="7620" marB="0" anchor="b"/>
+                </a:tc>
+                <a:tc>
+                  <a:txBody>
+                    <a:bodyPr/>
+                    <a:lstStyle/>
+                    <a:p>
+                      <a:pPr algn="l" fontAlgn="b"/>
+                      <a:r>
+                        <a:rPr lang="en-AU" sz="1400" b="0" i="1" u="none" strike="noStrike" dirty="0">
+                          <a:solidFill>
+                            <a:srgbClr val="000000"/>
+                          </a:solidFill>
+                          <a:effectLst/>
+                          <a:latin typeface="Calibri" panose="020F0502020204030204" pitchFamily="34" charset="0"/>
+                        </a:rPr>
+                        <a:t>3</a:t>
+                      </a:r>
+                    </a:p>
+                  </a:txBody>
+                  <a:tcPr marL="7620" marR="7620" marT="7620" marB="0" anchor="b"/>
+                </a:tc>
+                <a:tc>
+                  <a:txBody>
+                    <a:bodyPr/>
+                    <a:lstStyle/>
+                    <a:p>
+                      <a:pPr algn="l" fontAlgn="b"/>
+                      <a:r>
+                        <a:rPr lang="en-AU" sz="1400" b="0" i="0" u="none" strike="noStrike" dirty="0">
+                          <a:solidFill>
+                            <a:srgbClr val="000000"/>
+                          </a:solidFill>
+                          <a:effectLst/>
+                          <a:latin typeface="Calibri" panose="020F0502020204030204" pitchFamily="34" charset="0"/>
+                        </a:rPr>
+                        <a:t>6v in (4cl)</a:t>
+                      </a:r>
+                    </a:p>
+                  </a:txBody>
+                  <a:tcPr marL="7620" marR="7620" marT="7620" marB="0" anchor="b"/>
+                </a:tc>
+                <a:tc>
+                  <a:txBody>
+                    <a:bodyPr/>
+                    <a:lstStyle/>
+                    <a:p>
+                      <a:pPr algn="l" fontAlgn="b"/>
+                      <a:r>
+                        <a:rPr lang="en-AU" sz="1400" b="0" i="1" u="none" strike="noStrike" dirty="0">
+                          <a:solidFill>
+                            <a:srgbClr val="000000"/>
+                          </a:solidFill>
+                          <a:effectLst/>
+                          <a:latin typeface="Calibri" panose="020F0502020204030204" pitchFamily="34" charset="0"/>
+                        </a:rPr>
+                        <a:t>3</a:t>
+                      </a:r>
+                    </a:p>
+                  </a:txBody>
+                  <a:tcPr marL="7620" marR="7620" marT="7620" marB="0" anchor="b"/>
+                </a:tc>
+                <a:tc>
+                  <a:txBody>
+                    <a:bodyPr/>
+                    <a:lstStyle/>
+                    <a:p>
+                      <a:pPr marL="0" marR="0" lvl="0" indent="0" algn="l" defTabSz="914400" rtl="0" eaLnBrk="1" fontAlgn="b" latinLnBrk="0" hangingPunct="1">
+                        <a:lnSpc>
+                          <a:spcPct val="100000"/>
+                        </a:lnSpc>
+                        <a:spcBef>
+                          <a:spcPts val="0"/>
+                        </a:spcBef>
+                        <a:spcAft>
+                          <a:spcPts val="0"/>
+                        </a:spcAft>
+                        <a:buClrTx/>
+                        <a:buSzTx/>
+                        <a:buFontTx/>
+                        <a:buNone/>
+                        <a:tabLst/>
+                        <a:defRPr/>
+                      </a:pPr>
+                      <a:r>
+                        <a:rPr lang="en-AU" sz="1400" b="0" i="0" u="none" strike="noStrike" dirty="0">
+                          <a:solidFill>
+                            <a:srgbClr val="000000"/>
+                          </a:solidFill>
+                          <a:effectLst/>
+                          <a:latin typeface="Calibri" panose="020F0502020204030204" pitchFamily="34" charset="0"/>
+                        </a:rPr>
+                        <a:t>banana_p6_50_50_rep3</a:t>
+                      </a:r>
+                    </a:p>
+                  </a:txBody>
+                  <a:tcPr marL="7620" marR="7620" marT="7620" marB="0" anchor="b"/>
+                </a:tc>
+                <a:tc>
+                  <a:txBody>
+                    <a:bodyPr/>
+                    <a:lstStyle/>
+                    <a:p>
+                      <a:pPr marL="0" marR="0" lvl="0" indent="0" algn="l" defTabSz="914400" rtl="0" eaLnBrk="1" fontAlgn="b" latinLnBrk="0" hangingPunct="1">
+                        <a:lnSpc>
+                          <a:spcPct val="100000"/>
+                        </a:lnSpc>
+                        <a:spcBef>
+                          <a:spcPts val="0"/>
+                        </a:spcBef>
+                        <a:spcAft>
+                          <a:spcPts val="0"/>
+                        </a:spcAft>
+                        <a:buClrTx/>
+                        <a:buSzTx/>
+                        <a:buFontTx/>
+                        <a:buNone/>
+                        <a:tabLst/>
+                        <a:defRPr/>
+                      </a:pPr>
+                      <a:r>
+                        <a:rPr lang="en-AU" sz="1400" b="0" i="0" u="none" strike="noStrike" dirty="0">
+                          <a:solidFill>
+                            <a:srgbClr val="000000"/>
+                          </a:solidFill>
+                          <a:effectLst/>
+                          <a:latin typeface="Calibri" panose="020F0502020204030204" pitchFamily="34" charset="0"/>
+                        </a:rPr>
+                        <a:t>NA</a:t>
+                      </a:r>
                     </a:p>
                   </a:txBody>
                   <a:tcPr marL="7620" marR="7620" marT="7620" marB="0" anchor="b"/>
@@ -15101,2501 +15584,981 @@
           </a:graphicData>
         </a:graphic>
       </p:graphicFrame>
-      <p:grpSp>
-        <p:nvGrpSpPr>
-          <p:cNvPr id="12" name="Group 11">
+      <p:sp>
+        <p:nvSpPr>
+          <p:cNvPr id="78" name="TextBox 77">
             <a:extLst>
               <a:ext uri="{FF2B5EF4-FFF2-40B4-BE49-F238E27FC236}">
-                <a16:creationId xmlns:a16="http://schemas.microsoft.com/office/drawing/2014/main" id="{3585312A-F347-4AB6-89B2-7F985C93FEE1}"/>
+                <a16:creationId xmlns:a16="http://schemas.microsoft.com/office/drawing/2014/main" id="{031F3D5E-DCE0-4BBC-9AF4-45A33D76EFCD}"/>
               </a:ext>
             </a:extLst>
           </p:cNvPr>
-          <p:cNvGrpSpPr/>
+          <p:cNvSpPr txBox="1"/>
           <p:nvPr/>
-        </p:nvGrpSpPr>
-        <p:grpSpPr>
+        </p:nvSpPr>
+        <p:spPr>
+          <a:xfrm rot="16200000">
+            <a:off x="3582973" y="15088"/>
+            <a:ext cx="1003223" cy="923330"/>
+          </a:xfrm>
+          <a:prstGeom prst="rect">
+            <a:avLst/>
+          </a:prstGeom>
+          <a:noFill/>
+        </p:spPr>
+        <p:txBody>
+          <a:bodyPr wrap="square" rtlCol="0">
+            <a:spAutoFit/>
+          </a:bodyPr>
+          <a:lstStyle/>
+          <a:p>
+            <a:r>
+              <a:rPr lang="en-AU" dirty="0"/>
+              <a:t>Period 1</a:t>
+            </a:r>
+            <a:endParaRPr lang="en-US" dirty="0"/>
+          </a:p>
+          <a:p>
+            <a:r>
+              <a:rPr lang="en-AU" dirty="0"/>
+              <a:t>Period 2</a:t>
+            </a:r>
+            <a:endParaRPr lang="en-US" dirty="0"/>
+          </a:p>
+          <a:p>
+            <a:r>
+              <a:rPr lang="en-AU" dirty="0"/>
+              <a:t>Period 3</a:t>
+            </a:r>
+            <a:endParaRPr lang="en-US" dirty="0"/>
+          </a:p>
+        </p:txBody>
+      </p:sp>
+      <p:sp>
+        <p:nvSpPr>
+          <p:cNvPr id="79" name="TextBox 78">
+            <a:extLst>
+              <a:ext uri="{FF2B5EF4-FFF2-40B4-BE49-F238E27FC236}">
+                <a16:creationId xmlns:a16="http://schemas.microsoft.com/office/drawing/2014/main" id="{6BE83612-C3BD-4EA5-84F7-96798164D960}"/>
+              </a:ext>
+            </a:extLst>
+          </p:cNvPr>
+          <p:cNvSpPr txBox="1"/>
+          <p:nvPr/>
+        </p:nvSpPr>
+        <p:spPr>
           <a:xfrm>
-            <a:off x="221599" y="-24859"/>
-            <a:ext cx="4500354" cy="6882859"/>
-            <a:chOff x="154222" y="694478"/>
-            <a:chExt cx="4500354" cy="6882859"/>
+            <a:off x="1877599" y="281266"/>
+            <a:ext cx="1745321" cy="707886"/>
           </a:xfrm>
-        </p:grpSpPr>
-        <p:grpSp>
-          <p:nvGrpSpPr>
-            <p:cNvPr id="63" name="Group 62">
-              <a:extLst>
-                <a:ext uri="{FF2B5EF4-FFF2-40B4-BE49-F238E27FC236}">
-                  <a16:creationId xmlns:a16="http://schemas.microsoft.com/office/drawing/2014/main" id="{7416DA21-C568-4FF6-AC75-AC213BEC0C07}"/>
-                </a:ext>
-              </a:extLst>
-            </p:cNvPr>
-            <p:cNvGrpSpPr/>
-            <p:nvPr/>
-          </p:nvGrpSpPr>
-          <p:grpSpPr>
-            <a:xfrm>
-              <a:off x="1712815" y="4741210"/>
-              <a:ext cx="2582822" cy="2836127"/>
-              <a:chOff x="-258555" y="4765218"/>
-              <a:chExt cx="2582822" cy="2836127"/>
-            </a:xfrm>
-          </p:grpSpPr>
-          <p:sp>
-            <p:nvSpPr>
-              <p:cNvPr id="93" name="TextBox 92">
-                <a:extLst>
-                  <a:ext uri="{FF2B5EF4-FFF2-40B4-BE49-F238E27FC236}">
-                    <a16:creationId xmlns:a16="http://schemas.microsoft.com/office/drawing/2014/main" id="{D257A497-77C7-4C2D-ABE2-6E75744B93F7}"/>
-                  </a:ext>
-                </a:extLst>
-              </p:cNvPr>
-              <p:cNvSpPr txBox="1"/>
-              <p:nvPr/>
-            </p:nvSpPr>
-            <p:spPr>
-              <a:xfrm>
-                <a:off x="1260358" y="5477685"/>
-                <a:ext cx="319327" cy="2123658"/>
-              </a:xfrm>
-              <a:prstGeom prst="rect">
-                <a:avLst/>
-              </a:prstGeom>
-              <a:noFill/>
-            </p:spPr>
-            <p:txBody>
-              <a:bodyPr wrap="square" rtlCol="0">
-                <a:spAutoFit/>
-              </a:bodyPr>
-              <a:lstStyle/>
-              <a:p>
-                <a:pPr algn="r"/>
-                <a:r>
-                  <a:rPr lang="en-AU" sz="2200" dirty="0"/>
-                  <a:t>1</a:t>
-                </a:r>
-              </a:p>
-              <a:p>
-                <a:pPr algn="r"/>
-                <a:r>
-                  <a:rPr lang="en-US" sz="2200" dirty="0"/>
-                  <a:t>2</a:t>
-                </a:r>
-                <a:endParaRPr lang="en-AU" sz="2200" dirty="0"/>
-              </a:p>
-              <a:p>
-                <a:pPr algn="r"/>
-                <a:r>
-                  <a:rPr lang="en-US" sz="2200" dirty="0"/>
-                  <a:t>3</a:t>
-                </a:r>
-                <a:endParaRPr lang="en-AU" sz="2200" dirty="0"/>
-              </a:p>
-              <a:p>
-                <a:pPr algn="r"/>
-                <a:r>
-                  <a:rPr lang="en-US" sz="2200" dirty="0"/>
-                  <a:t>4</a:t>
-                </a:r>
-                <a:endParaRPr lang="en-AU" sz="2200" dirty="0"/>
-              </a:p>
-              <a:p>
-                <a:pPr algn="r"/>
-                <a:r>
-                  <a:rPr lang="en-US" sz="2200" dirty="0"/>
-                  <a:t>5</a:t>
-                </a:r>
-                <a:endParaRPr lang="en-AU" sz="2200" dirty="0"/>
-              </a:p>
-              <a:p>
-                <a:pPr algn="r"/>
-                <a:r>
-                  <a:rPr lang="en-US" sz="2200" dirty="0"/>
-                  <a:t>6</a:t>
-                </a:r>
-                <a:endParaRPr lang="en-AU" sz="2200" dirty="0"/>
-              </a:p>
-            </p:txBody>
-          </p:sp>
-          <p:sp>
-            <p:nvSpPr>
-              <p:cNvPr id="94" name="TextBox 93">
-                <a:extLst>
-                  <a:ext uri="{FF2B5EF4-FFF2-40B4-BE49-F238E27FC236}">
-                    <a16:creationId xmlns:a16="http://schemas.microsoft.com/office/drawing/2014/main" id="{D8B7A018-7D73-4CA4-AB2E-6E52DC2152D2}"/>
-                  </a:ext>
-                </a:extLst>
-              </p:cNvPr>
-              <p:cNvSpPr txBox="1"/>
-              <p:nvPr/>
-            </p:nvSpPr>
-            <p:spPr>
-              <a:xfrm rot="16200000">
-                <a:off x="1581368" y="4802520"/>
-                <a:ext cx="707887" cy="646331"/>
-              </a:xfrm>
-              <a:prstGeom prst="rect">
-                <a:avLst/>
-              </a:prstGeom>
-              <a:noFill/>
-            </p:spPr>
-            <p:txBody>
-              <a:bodyPr wrap="square" rtlCol="0">
-                <a:spAutoFit/>
-              </a:bodyPr>
-              <a:lstStyle/>
-              <a:p>
-                <a:r>
-                  <a:rPr lang="en-AU" dirty="0"/>
-                  <a:t>Rep 1</a:t>
-                </a:r>
-              </a:p>
-              <a:p>
-                <a:r>
-                  <a:rPr lang="en-AU" dirty="0"/>
-                  <a:t>Rep 2</a:t>
-                </a:r>
-              </a:p>
-            </p:txBody>
-          </p:sp>
-          <p:sp>
-            <p:nvSpPr>
-              <p:cNvPr id="95" name="TextBox 94">
-                <a:extLst>
-                  <a:ext uri="{FF2B5EF4-FFF2-40B4-BE49-F238E27FC236}">
-                    <a16:creationId xmlns:a16="http://schemas.microsoft.com/office/drawing/2014/main" id="{65304FD8-869B-46F5-80C0-69D0A64EF1D2}"/>
-                  </a:ext>
-                </a:extLst>
-              </p:cNvPr>
-              <p:cNvSpPr txBox="1"/>
-              <p:nvPr/>
-            </p:nvSpPr>
-            <p:spPr>
-              <a:xfrm>
-                <a:off x="-258555" y="4765218"/>
-                <a:ext cx="1805816" cy="707886"/>
-              </a:xfrm>
-              <a:prstGeom prst="rect">
-                <a:avLst/>
-              </a:prstGeom>
-              <a:noFill/>
-            </p:spPr>
-            <p:txBody>
-              <a:bodyPr wrap="square" rtlCol="0">
-                <a:spAutoFit/>
-              </a:bodyPr>
-              <a:lstStyle/>
-              <a:p>
-                <a:pPr algn="r"/>
-                <a:r>
-                  <a:rPr lang="en-AU" sz="2000" dirty="0"/>
-                  <a:t>VC order</a:t>
-                </a:r>
-              </a:p>
-              <a:p>
-                <a:pPr algn="r"/>
-                <a:r>
-                  <a:rPr lang="en-AU" sz="2000" dirty="0"/>
-                  <a:t>permutations</a:t>
-                </a:r>
-              </a:p>
-            </p:txBody>
-          </p:sp>
-          <p:cxnSp>
-            <p:nvCxnSpPr>
-              <p:cNvPr id="96" name="Straight Connector 95">
-                <a:extLst>
-                  <a:ext uri="{FF2B5EF4-FFF2-40B4-BE49-F238E27FC236}">
-                    <a16:creationId xmlns:a16="http://schemas.microsoft.com/office/drawing/2014/main" id="{A58ED1C2-7787-4D88-98CA-1CDBE97E88F4}"/>
-                  </a:ext>
-                </a:extLst>
-              </p:cNvPr>
-              <p:cNvCxnSpPr>
-                <a:cxnSpLocks/>
-              </p:cNvCxnSpPr>
-              <p:nvPr/>
-            </p:nvCxnSpPr>
-            <p:spPr>
-              <a:xfrm>
-                <a:off x="-31935" y="5477685"/>
-                <a:ext cx="2336163" cy="0"/>
-              </a:xfrm>
-              <a:prstGeom prst="line">
-                <a:avLst/>
-              </a:prstGeom>
-              <a:ln w="28575">
-                <a:solidFill>
-                  <a:schemeClr val="tx1"/>
-                </a:solidFill>
-              </a:ln>
-            </p:spPr>
-            <p:style>
-              <a:lnRef idx="1">
-                <a:schemeClr val="accent1"/>
-              </a:lnRef>
-              <a:fillRef idx="0">
-                <a:schemeClr val="accent1"/>
-              </a:fillRef>
-              <a:effectRef idx="0">
-                <a:schemeClr val="accent1"/>
-              </a:effectRef>
-              <a:fontRef idx="minor">
-                <a:schemeClr val="tx1"/>
-              </a:fontRef>
-            </p:style>
-          </p:cxnSp>
-          <p:cxnSp>
-            <p:nvCxnSpPr>
-              <p:cNvPr id="97" name="Straight Connector 96">
-                <a:extLst>
-                  <a:ext uri="{FF2B5EF4-FFF2-40B4-BE49-F238E27FC236}">
-                    <a16:creationId xmlns:a16="http://schemas.microsoft.com/office/drawing/2014/main" id="{4BBC5E5D-A0D0-4829-9810-511395200AFC}"/>
-                  </a:ext>
-                </a:extLst>
-              </p:cNvPr>
-              <p:cNvCxnSpPr>
-                <a:cxnSpLocks/>
-              </p:cNvCxnSpPr>
-              <p:nvPr/>
-            </p:nvCxnSpPr>
-            <p:spPr>
-              <a:xfrm flipH="1" flipV="1">
-                <a:off x="1569094" y="4843648"/>
-                <a:ext cx="10592" cy="2757697"/>
-              </a:xfrm>
-              <a:prstGeom prst="line">
-                <a:avLst/>
-              </a:prstGeom>
-              <a:ln w="28575">
-                <a:solidFill>
-                  <a:schemeClr val="tx1"/>
-                </a:solidFill>
-              </a:ln>
-            </p:spPr>
-            <p:style>
-              <a:lnRef idx="1">
-                <a:schemeClr val="accent1"/>
-              </a:lnRef>
-              <a:fillRef idx="0">
-                <a:schemeClr val="accent1"/>
-              </a:fillRef>
-              <a:effectRef idx="0">
-                <a:schemeClr val="accent1"/>
-              </a:effectRef>
-              <a:fontRef idx="minor">
-                <a:schemeClr val="tx1"/>
-              </a:fontRef>
-            </p:style>
-          </p:cxnSp>
-          <p:sp>
-            <p:nvSpPr>
-              <p:cNvPr id="98" name="Rectangle: Rounded Corners 97">
-                <a:extLst>
-                  <a:ext uri="{FF2B5EF4-FFF2-40B4-BE49-F238E27FC236}">
-                    <a16:creationId xmlns:a16="http://schemas.microsoft.com/office/drawing/2014/main" id="{500D90CB-1ABF-4BD8-9087-FEEB88944064}"/>
-                  </a:ext>
-                </a:extLst>
-              </p:cNvPr>
-              <p:cNvSpPr/>
-              <p:nvPr/>
-            </p:nvSpPr>
-            <p:spPr>
-              <a:xfrm>
-                <a:off x="1656912" y="5533108"/>
-                <a:ext cx="288000" cy="288000"/>
-              </a:xfrm>
-              <a:prstGeom prst="roundRect">
-                <a:avLst/>
-              </a:prstGeom>
-              <a:solidFill>
-                <a:srgbClr val="7030A0"/>
-              </a:solidFill>
-              <a:ln>
-                <a:solidFill>
-                  <a:schemeClr val="tx1"/>
-                </a:solidFill>
-              </a:ln>
-            </p:spPr>
-            <p:style>
-              <a:lnRef idx="2">
-                <a:schemeClr val="accent2">
-                  <a:shade val="50000"/>
-                </a:schemeClr>
-              </a:lnRef>
-              <a:fillRef idx="1">
-                <a:schemeClr val="accent2"/>
-              </a:fillRef>
-              <a:effectRef idx="0">
-                <a:schemeClr val="accent2"/>
-              </a:effectRef>
-              <a:fontRef idx="minor">
-                <a:schemeClr val="lt1"/>
-              </a:fontRef>
-            </p:style>
-            <p:txBody>
-              <a:bodyPr rtlCol="0" anchor="ctr"/>
-              <a:lstStyle/>
-              <a:p>
-                <a:pPr algn="ctr"/>
-                <a:r>
-                  <a:rPr lang="en-US" sz="2200" dirty="0"/>
-                  <a:t>1</a:t>
-                </a:r>
-                <a:endParaRPr lang="en-AU" sz="2200" dirty="0"/>
-              </a:p>
-            </p:txBody>
-          </p:sp>
-          <p:sp>
-            <p:nvSpPr>
-              <p:cNvPr id="99" name="Rectangle: Rounded Corners 98">
-                <a:extLst>
-                  <a:ext uri="{FF2B5EF4-FFF2-40B4-BE49-F238E27FC236}">
-                    <a16:creationId xmlns:a16="http://schemas.microsoft.com/office/drawing/2014/main" id="{E80AD66B-C4CE-49BD-8799-A7FF43B0A44E}"/>
-                  </a:ext>
-                </a:extLst>
-              </p:cNvPr>
-              <p:cNvSpPr/>
-              <p:nvPr/>
-            </p:nvSpPr>
-            <p:spPr>
-              <a:xfrm>
-                <a:off x="1302138" y="5852662"/>
-                <a:ext cx="1022129" cy="349319"/>
-              </a:xfrm>
-              <a:prstGeom prst="roundRect">
-                <a:avLst/>
-              </a:prstGeom>
-              <a:noFill/>
-              <a:ln w="28575">
-                <a:solidFill>
-                  <a:srgbClr val="FF0000"/>
-                </a:solidFill>
-              </a:ln>
-            </p:spPr>
-            <p:style>
-              <a:lnRef idx="2">
-                <a:schemeClr val="accent1">
-                  <a:shade val="50000"/>
-                </a:schemeClr>
-              </a:lnRef>
-              <a:fillRef idx="1">
-                <a:schemeClr val="accent1"/>
-              </a:fillRef>
-              <a:effectRef idx="0">
-                <a:schemeClr val="accent1"/>
-              </a:effectRef>
-              <a:fontRef idx="minor">
-                <a:schemeClr val="lt1"/>
-              </a:fontRef>
-            </p:style>
-            <p:txBody>
-              <a:bodyPr rtlCol="0" anchor="ctr"/>
-              <a:lstStyle/>
-              <a:p>
-                <a:pPr algn="ctr"/>
-                <a:endParaRPr lang="en-AU"/>
-              </a:p>
-            </p:txBody>
-          </p:sp>
-          <p:sp>
-            <p:nvSpPr>
-              <p:cNvPr id="100" name="Rectangle: Rounded Corners 99">
-                <a:extLst>
-                  <a:ext uri="{FF2B5EF4-FFF2-40B4-BE49-F238E27FC236}">
-                    <a16:creationId xmlns:a16="http://schemas.microsoft.com/office/drawing/2014/main" id="{7B73742F-8380-4F07-A7CE-1C141D334ACD}"/>
-                  </a:ext>
-                </a:extLst>
-              </p:cNvPr>
-              <p:cNvSpPr/>
-              <p:nvPr/>
-            </p:nvSpPr>
-            <p:spPr>
-              <a:xfrm>
-                <a:off x="1994428" y="5533108"/>
-                <a:ext cx="288000" cy="288000"/>
-              </a:xfrm>
-              <a:prstGeom prst="roundRect">
-                <a:avLst/>
-              </a:prstGeom>
-              <a:solidFill>
-                <a:schemeClr val="accent6">
-                  <a:lumMod val="75000"/>
-                </a:schemeClr>
-              </a:solidFill>
-              <a:ln>
-                <a:solidFill>
-                  <a:schemeClr val="tx1"/>
-                </a:solidFill>
-              </a:ln>
-            </p:spPr>
-            <p:style>
-              <a:lnRef idx="2">
-                <a:schemeClr val="accent1">
-                  <a:shade val="50000"/>
-                </a:schemeClr>
-              </a:lnRef>
-              <a:fillRef idx="1">
-                <a:schemeClr val="accent1"/>
-              </a:fillRef>
-              <a:effectRef idx="0">
-                <a:schemeClr val="accent1"/>
-              </a:effectRef>
-              <a:fontRef idx="minor">
-                <a:schemeClr val="lt1"/>
-              </a:fontRef>
-            </p:style>
-            <p:txBody>
-              <a:bodyPr rtlCol="0" anchor="ctr"/>
-              <a:lstStyle/>
-              <a:p>
-                <a:pPr algn="ctr"/>
-                <a:r>
-                  <a:rPr lang="en-US" sz="2200" dirty="0"/>
-                  <a:t>2</a:t>
-                </a:r>
-                <a:endParaRPr lang="en-AU" sz="2200" dirty="0"/>
-              </a:p>
-            </p:txBody>
-          </p:sp>
-          <p:sp>
-            <p:nvSpPr>
-              <p:cNvPr id="101" name="Rectangle: Rounded Corners 100">
-                <a:extLst>
-                  <a:ext uri="{FF2B5EF4-FFF2-40B4-BE49-F238E27FC236}">
-                    <a16:creationId xmlns:a16="http://schemas.microsoft.com/office/drawing/2014/main" id="{EAF54A87-C24E-4355-ADB4-175AC98E9147}"/>
-                  </a:ext>
-                </a:extLst>
-              </p:cNvPr>
-              <p:cNvSpPr/>
-              <p:nvPr/>
-            </p:nvSpPr>
-            <p:spPr>
-              <a:xfrm>
-                <a:off x="1990294" y="5887711"/>
-                <a:ext cx="288000" cy="288000"/>
-              </a:xfrm>
-              <a:prstGeom prst="roundRect">
-                <a:avLst/>
-              </a:prstGeom>
-              <a:solidFill>
-                <a:srgbClr val="C00000"/>
-              </a:solidFill>
-              <a:ln>
-                <a:solidFill>
-                  <a:schemeClr val="tx1"/>
-                </a:solidFill>
-              </a:ln>
-            </p:spPr>
-            <p:style>
-              <a:lnRef idx="2">
-                <a:schemeClr val="accent1">
-                  <a:shade val="50000"/>
-                </a:schemeClr>
-              </a:lnRef>
-              <a:fillRef idx="1">
-                <a:schemeClr val="accent1"/>
-              </a:fillRef>
-              <a:effectRef idx="0">
-                <a:schemeClr val="accent1"/>
-              </a:effectRef>
-              <a:fontRef idx="minor">
-                <a:schemeClr val="lt1"/>
-              </a:fontRef>
-            </p:style>
-            <p:txBody>
-              <a:bodyPr rtlCol="0" anchor="ctr"/>
-              <a:lstStyle/>
-              <a:p>
-                <a:pPr algn="ctr"/>
-                <a:r>
-                  <a:rPr lang="en-US" sz="2200" dirty="0"/>
-                  <a:t>3</a:t>
-                </a:r>
-                <a:endParaRPr lang="en-AU" sz="2200" dirty="0"/>
-              </a:p>
-            </p:txBody>
-          </p:sp>
-          <p:sp>
-            <p:nvSpPr>
-              <p:cNvPr id="102" name="Rectangle: Rounded Corners 101">
-                <a:extLst>
-                  <a:ext uri="{FF2B5EF4-FFF2-40B4-BE49-F238E27FC236}">
-                    <a16:creationId xmlns:a16="http://schemas.microsoft.com/office/drawing/2014/main" id="{028974F6-88B0-405F-A131-69CBC49C8D40}"/>
-                  </a:ext>
-                </a:extLst>
-              </p:cNvPr>
-              <p:cNvSpPr/>
-              <p:nvPr/>
-            </p:nvSpPr>
-            <p:spPr>
-              <a:xfrm>
-                <a:off x="1652836" y="5887711"/>
-                <a:ext cx="288000" cy="288000"/>
-              </a:xfrm>
-              <a:prstGeom prst="roundRect">
-                <a:avLst/>
-              </a:prstGeom>
-              <a:solidFill>
-                <a:srgbClr val="7030A0"/>
-              </a:solidFill>
-              <a:ln>
-                <a:solidFill>
-                  <a:schemeClr val="tx1"/>
-                </a:solidFill>
-              </a:ln>
-            </p:spPr>
-            <p:style>
-              <a:lnRef idx="2">
-                <a:schemeClr val="accent2">
-                  <a:shade val="50000"/>
-                </a:schemeClr>
-              </a:lnRef>
-              <a:fillRef idx="1">
-                <a:schemeClr val="accent2"/>
-              </a:fillRef>
-              <a:effectRef idx="0">
-                <a:schemeClr val="accent2"/>
-              </a:effectRef>
-              <a:fontRef idx="minor